--- a/spring18/slidesS18/prpostn_algebra.pptx
+++ b/spring18/slidesS18/prpostn_algebra.pptx
@@ -6,10 +6,10 @@
     <p:sldMasterId id="2147483651" r:id="rId2"/>
   </p:sldMasterIdLst>
   <p:notesMasterIdLst>
-    <p:notesMasterId r:id="rId49"/>
+    <p:notesMasterId r:id="rId50"/>
   </p:notesMasterIdLst>
   <p:handoutMasterIdLst>
-    <p:handoutMasterId r:id="rId50"/>
+    <p:handoutMasterId r:id="rId51"/>
   </p:handoutMasterIdLst>
   <p:sldIdLst>
     <p:sldId id="392" r:id="rId3"/>
@@ -38,31 +38,32 @@
     <p:sldId id="520" r:id="rId26"/>
     <p:sldId id="542" r:id="rId27"/>
     <p:sldId id="498" r:id="rId28"/>
-    <p:sldId id="533" r:id="rId29"/>
-    <p:sldId id="539" r:id="rId30"/>
-    <p:sldId id="499" r:id="rId31"/>
-    <p:sldId id="543" r:id="rId32"/>
-    <p:sldId id="522" r:id="rId33"/>
-    <p:sldId id="525" r:id="rId34"/>
-    <p:sldId id="546" r:id="rId35"/>
-    <p:sldId id="547" r:id="rId36"/>
-    <p:sldId id="548" r:id="rId37"/>
-    <p:sldId id="534" r:id="rId38"/>
-    <p:sldId id="535" r:id="rId39"/>
-    <p:sldId id="549" r:id="rId40"/>
-    <p:sldId id="531" r:id="rId41"/>
-    <p:sldId id="536" r:id="rId42"/>
-    <p:sldId id="537" r:id="rId43"/>
-    <p:sldId id="538" r:id="rId44"/>
-    <p:sldId id="503" r:id="rId45"/>
-    <p:sldId id="523" r:id="rId46"/>
-    <p:sldId id="504" r:id="rId47"/>
-    <p:sldId id="501" r:id="rId48"/>
+    <p:sldId id="499" r:id="rId29"/>
+    <p:sldId id="543" r:id="rId30"/>
+    <p:sldId id="522" r:id="rId31"/>
+    <p:sldId id="525" r:id="rId32"/>
+    <p:sldId id="546" r:id="rId33"/>
+    <p:sldId id="547" r:id="rId34"/>
+    <p:sldId id="548" r:id="rId35"/>
+    <p:sldId id="534" r:id="rId36"/>
+    <p:sldId id="550" r:id="rId37"/>
+    <p:sldId id="535" r:id="rId38"/>
+    <p:sldId id="551" r:id="rId39"/>
+    <p:sldId id="552" r:id="rId40"/>
+    <p:sldId id="549" r:id="rId41"/>
+    <p:sldId id="531" r:id="rId42"/>
+    <p:sldId id="536" r:id="rId43"/>
+    <p:sldId id="537" r:id="rId44"/>
+    <p:sldId id="538" r:id="rId45"/>
+    <p:sldId id="503" r:id="rId46"/>
+    <p:sldId id="523" r:id="rId47"/>
+    <p:sldId id="504" r:id="rId48"/>
+    <p:sldId id="501" r:id="rId49"/>
   </p:sldIdLst>
   <p:sldSz cx="9144000" cy="6858000" type="screen4x3"/>
   <p:notesSz cx="9601200" cy="7315200"/>
   <p:custDataLst>
-    <p:tags r:id="rId52"/>
+    <p:tags r:id="rId53"/>
   </p:custDataLst>
   <p:defaultTextStyle>
     <a:defPPr>
@@ -4150,6 +4151,88 @@
 </p:notes>
 </file>
 
+<file path=ppt/notesSlides/notesSlide46.xml><?xml version="1.0" encoding="utf-8"?>
+<p:notes xmlns:a="http://schemas.openxmlformats.org/drawingml/2006/main" xmlns:r="http://schemas.openxmlformats.org/officeDocument/2006/relationships" xmlns:p="http://schemas.openxmlformats.org/presentationml/2006/main">
+  <p:cSld>
+    <p:spTree>
+      <p:nvGrpSpPr>
+        <p:cNvPr id="1" name=""/>
+        <p:cNvGrpSpPr/>
+        <p:nvPr/>
+      </p:nvGrpSpPr>
+      <p:grpSpPr>
+        <a:xfrm>
+          <a:off x="0" y="0"/>
+          <a:ext cx="0" cy="0"/>
+          <a:chOff x="0" y="0"/>
+          <a:chExt cx="0" cy="0"/>
+        </a:xfrm>
+      </p:grpSpPr>
+      <p:sp>
+        <p:nvSpPr>
+          <p:cNvPr id="2" name="Slide Image Placeholder 1"/>
+          <p:cNvSpPr>
+            <a:spLocks noGrp="1" noRot="1" noChangeAspect="1"/>
+          </p:cNvSpPr>
+          <p:nvPr>
+            <p:ph type="sldImg"/>
+          </p:nvPr>
+        </p:nvSpPr>
+        <p:spPr/>
+      </p:sp>
+      <p:sp>
+        <p:nvSpPr>
+          <p:cNvPr id="3" name="Notes Placeholder 2"/>
+          <p:cNvSpPr>
+            <a:spLocks noGrp="1"/>
+          </p:cNvSpPr>
+          <p:nvPr>
+            <p:ph type="body" idx="1"/>
+          </p:nvPr>
+        </p:nvSpPr>
+        <p:spPr/>
+        <p:txBody>
+          <a:bodyPr>
+            <a:normAutofit/>
+          </a:bodyPr>
+          <a:lstStyle/>
+          <a:p>
+            <a:endParaRPr lang="en-US"/>
+          </a:p>
+        </p:txBody>
+      </p:sp>
+      <p:sp>
+        <p:nvSpPr>
+          <p:cNvPr id="4" name="Slide Number Placeholder 3"/>
+          <p:cNvSpPr>
+            <a:spLocks noGrp="1"/>
+          </p:cNvSpPr>
+          <p:nvPr>
+            <p:ph type="sldNum" sz="quarter" idx="10"/>
+          </p:nvPr>
+        </p:nvSpPr>
+        <p:spPr/>
+        <p:txBody>
+          <a:bodyPr/>
+          <a:lstStyle/>
+          <a:p>
+            <a:fld id="{A02B9F3F-3042-489F-AF35-1A733968F079}" type="slidenum">
+              <a:rPr lang="en-US" smtClean="0"/>
+              <a:pPr/>
+              <a:t>47</a:t>
+            </a:fld>
+            <a:endParaRPr lang="en-US"/>
+          </a:p>
+        </p:txBody>
+      </p:sp>
+    </p:spTree>
+  </p:cSld>
+  <p:clrMapOvr>
+    <a:masterClrMapping/>
+  </p:clrMapOvr>
+</p:notes>
+</file>
+
 <file path=ppt/notesSlides/notesSlide5.xml><?xml version="1.0" encoding="utf-8"?>
 <p:notes xmlns:a="http://schemas.openxmlformats.org/drawingml/2006/main" xmlns:r="http://schemas.openxmlformats.org/officeDocument/2006/relationships" xmlns:p="http://schemas.openxmlformats.org/presentationml/2006/main">
   <p:cSld>
@@ -7205,13 +7288,7 @@
               <a:rPr lang="en-US" sz="1100" baseline="0" dirty="0" smtClean="0">
                 <a:latin typeface="Comic Sans MS" pitchFamily="66" charset="0"/>
               </a:rPr>
-              <a:t>February </a:t>
-            </a:r>
-            <a:r>
-              <a:rPr lang="en-US" sz="1100" baseline="0" dirty="0" smtClean="0">
-                <a:latin typeface="Comic Sans MS" pitchFamily="66" charset="0"/>
-              </a:rPr>
-              <a:t>14</a:t>
+              <a:t>February 14</a:t>
             </a:r>
             <a:r>
               <a:rPr lang="en-US" sz="1100" dirty="0" smtClean="0">
@@ -8881,7 +8958,7 @@
           <a:graphicData uri="http://schemas.openxmlformats.org/presentationml/2006/ole">
             <mc:AlternateContent xmlns:mc="http://schemas.openxmlformats.org/markup-compatibility/2006">
               <mc:Choice xmlns:v="urn:schemas-microsoft-com:vml" Requires="v">
-                <p:oleObj spid="_x0000_s435224" name="Equation" r:id="rId4" imgW="2108200" imgH="228600" progId="Equation.DSMT4">
+                <p:oleObj spid="_x0000_s435227" name="Equation" r:id="rId4" imgW="2108200" imgH="228600" progId="Equation.DSMT4">
                   <p:embed/>
                 </p:oleObj>
               </mc:Choice>
@@ -9127,7 +9204,7 @@
           <a:graphicData uri="http://schemas.openxmlformats.org/presentationml/2006/ole">
             <mc:AlternateContent xmlns:mc="http://schemas.openxmlformats.org/markup-compatibility/2006">
               <mc:Choice xmlns:v="urn:schemas-microsoft-com:vml" Requires="v">
-                <p:oleObj spid="_x0000_s439321" name="Equation" r:id="rId4" imgW="2146300" imgH="228600" progId="Equation.DSMT4">
+                <p:oleObj spid="_x0000_s439324" name="Equation" r:id="rId4" imgW="2146300" imgH="228600" progId="Equation.DSMT4">
                   <p:embed/>
                 </p:oleObj>
               </mc:Choice>
@@ -9350,7 +9427,7 @@
           <a:graphicData uri="http://schemas.openxmlformats.org/presentationml/2006/ole">
             <mc:AlternateContent xmlns:mc="http://schemas.openxmlformats.org/markup-compatibility/2006">
               <mc:Choice xmlns:v="urn:schemas-microsoft-com:vml" Requires="v">
-                <p:oleObj spid="_x0000_s434231" name="Equation" r:id="rId4" imgW="2146300" imgH="228600" progId="Equation.DSMT4">
+                <p:oleObj spid="_x0000_s434236" name="Equation" r:id="rId4" imgW="2146300" imgH="228600" progId="Equation.DSMT4">
                   <p:embed/>
                 </p:oleObj>
               </mc:Choice>
@@ -9407,7 +9484,7 @@
           <a:graphicData uri="http://schemas.openxmlformats.org/presentationml/2006/ole">
             <mc:AlternateContent xmlns:mc="http://schemas.openxmlformats.org/markup-compatibility/2006">
               <mc:Choice xmlns:v="urn:schemas-microsoft-com:vml" Requires="v">
-                <p:oleObj spid="_x0000_s434232" name="Equation" r:id="rId6" imgW="2514600" imgH="228600" progId="Equation.DSMT4">
+                <p:oleObj spid="_x0000_s434237" name="Equation" r:id="rId6" imgW="2514600" imgH="228600" progId="Equation.DSMT4">
                   <p:embed/>
                 </p:oleObj>
               </mc:Choice>
@@ -9574,7 +9651,7 @@
           <a:graphicData uri="http://schemas.openxmlformats.org/presentationml/2006/ole">
             <mc:AlternateContent xmlns:mc="http://schemas.openxmlformats.org/markup-compatibility/2006">
               <mc:Choice xmlns:v="urn:schemas-microsoft-com:vml" Requires="v">
-                <p:oleObj spid="_x0000_s436271" name="Equation" r:id="rId4" imgW="2108200" imgH="228600" progId="Equation.DSMT4">
+                <p:oleObj spid="_x0000_s436276" name="Equation" r:id="rId4" imgW="2108200" imgH="228600" progId="Equation.DSMT4">
                   <p:embed/>
                 </p:oleObj>
               </mc:Choice>
@@ -9631,7 +9708,7 @@
           <a:graphicData uri="http://schemas.openxmlformats.org/presentationml/2006/ole">
             <mc:AlternateContent xmlns:mc="http://schemas.openxmlformats.org/markup-compatibility/2006">
               <mc:Choice xmlns:v="urn:schemas-microsoft-com:vml" Requires="v">
-                <p:oleObj spid="_x0000_s436272" name="Equation" r:id="rId6" imgW="2514600" imgH="228600" progId="Equation.DSMT4">
+                <p:oleObj spid="_x0000_s436277" name="Equation" r:id="rId6" imgW="2514600" imgH="228600" progId="Equation.DSMT4">
                   <p:embed/>
                 </p:oleObj>
               </mc:Choice>
@@ -9931,7 +10008,7 @@
           <a:graphicData uri="http://schemas.openxmlformats.org/presentationml/2006/ole">
             <mc:AlternateContent xmlns:mc="http://schemas.openxmlformats.org/markup-compatibility/2006">
               <mc:Choice xmlns:v="urn:schemas-microsoft-com:vml" Requires="v">
-                <p:oleObj spid="_x0000_s437316" name="Equation" r:id="rId4" imgW="2108200" imgH="228600" progId="Equation.DSMT4">
+                <p:oleObj spid="_x0000_s437323" name="Equation" r:id="rId4" imgW="2108200" imgH="228600" progId="Equation.DSMT4">
                   <p:embed/>
                 </p:oleObj>
               </mc:Choice>
@@ -9988,7 +10065,7 @@
           <a:graphicData uri="http://schemas.openxmlformats.org/presentationml/2006/ole">
             <mc:AlternateContent xmlns:mc="http://schemas.openxmlformats.org/markup-compatibility/2006">
               <mc:Choice xmlns:v="urn:schemas-microsoft-com:vml" Requires="v">
-                <p:oleObj spid="_x0000_s437317" name="Equation" r:id="rId6" imgW="2514600" imgH="228600" progId="Equation.DSMT4">
+                <p:oleObj spid="_x0000_s437324" name="Equation" r:id="rId6" imgW="2514600" imgH="228600" progId="Equation.DSMT4">
                   <p:embed/>
                 </p:oleObj>
               </mc:Choice>
@@ -10045,7 +10122,7 @@
           <a:graphicData uri="http://schemas.openxmlformats.org/presentationml/2006/ole">
             <mc:AlternateContent xmlns:mc="http://schemas.openxmlformats.org/markup-compatibility/2006">
               <mc:Choice xmlns:v="urn:schemas-microsoft-com:vml" Requires="v">
-                <p:oleObj spid="_x0000_s437318" name="Equation" r:id="rId8" imgW="1866900" imgH="228600" progId="Equation.DSMT4">
+                <p:oleObj spid="_x0000_s437325" name="Equation" r:id="rId8" imgW="1866900" imgH="228600" progId="Equation.DSMT4">
                   <p:embed/>
                 </p:oleObj>
               </mc:Choice>
@@ -10212,7 +10289,7 @@
           <a:graphicData uri="http://schemas.openxmlformats.org/presentationml/2006/ole">
             <mc:AlternateContent xmlns:mc="http://schemas.openxmlformats.org/markup-compatibility/2006">
               <mc:Choice xmlns:v="urn:schemas-microsoft-com:vml" Requires="v">
-                <p:oleObj spid="_x0000_s479259" name="Equation" r:id="rId4" imgW="2108200" imgH="228600" progId="Equation.DSMT4">
+                <p:oleObj spid="_x0000_s479266" name="Equation" r:id="rId4" imgW="2108200" imgH="228600" progId="Equation.DSMT4">
                   <p:embed/>
                 </p:oleObj>
               </mc:Choice>
@@ -10269,7 +10346,7 @@
           <a:graphicData uri="http://schemas.openxmlformats.org/presentationml/2006/ole">
             <mc:AlternateContent xmlns:mc="http://schemas.openxmlformats.org/markup-compatibility/2006">
               <mc:Choice xmlns:v="urn:schemas-microsoft-com:vml" Requires="v">
-                <p:oleObj spid="_x0000_s479260" name="Equation" r:id="rId6" imgW="2514600" imgH="228600" progId="Equation.DSMT4">
+                <p:oleObj spid="_x0000_s479267" name="Equation" r:id="rId6" imgW="2514600" imgH="228600" progId="Equation.DSMT4">
                   <p:embed/>
                 </p:oleObj>
               </mc:Choice>
@@ -10326,7 +10403,7 @@
           <a:graphicData uri="http://schemas.openxmlformats.org/presentationml/2006/ole">
             <mc:AlternateContent xmlns:mc="http://schemas.openxmlformats.org/markup-compatibility/2006">
               <mc:Choice xmlns:v="urn:schemas-microsoft-com:vml" Requires="v">
-                <p:oleObj spid="_x0000_s479261" name="Equation" r:id="rId8" imgW="1866900" imgH="228600" progId="Equation.DSMT4">
+                <p:oleObj spid="_x0000_s479268" name="Equation" r:id="rId8" imgW="1866900" imgH="228600" progId="Equation.DSMT4">
                   <p:embed/>
                 </p:oleObj>
               </mc:Choice>
@@ -10549,7 +10626,7 @@
           <a:graphicData uri="http://schemas.openxmlformats.org/presentationml/2006/ole">
             <mc:AlternateContent xmlns:mc="http://schemas.openxmlformats.org/markup-compatibility/2006">
               <mc:Choice xmlns:v="urn:schemas-microsoft-com:vml" Requires="v">
-                <p:oleObj spid="_x0000_s440406" name="Equation" r:id="rId4" imgW="2108200" imgH="228600" progId="Equation.DSMT4">
+                <p:oleObj spid="_x0000_s440415" name="Equation" r:id="rId4" imgW="2108200" imgH="228600" progId="Equation.DSMT4">
                   <p:embed/>
                 </p:oleObj>
               </mc:Choice>
@@ -10606,7 +10683,7 @@
           <a:graphicData uri="http://schemas.openxmlformats.org/presentationml/2006/ole">
             <mc:AlternateContent xmlns:mc="http://schemas.openxmlformats.org/markup-compatibility/2006">
               <mc:Choice xmlns:v="urn:schemas-microsoft-com:vml" Requires="v">
-                <p:oleObj spid="_x0000_s440407" name="Equation" r:id="rId6" imgW="2514600" imgH="228600" progId="Equation.DSMT4">
+                <p:oleObj spid="_x0000_s440416" name="Equation" r:id="rId6" imgW="2514600" imgH="228600" progId="Equation.DSMT4">
                   <p:embed/>
                 </p:oleObj>
               </mc:Choice>
@@ -10663,7 +10740,7 @@
           <a:graphicData uri="http://schemas.openxmlformats.org/presentationml/2006/ole">
             <mc:AlternateContent xmlns:mc="http://schemas.openxmlformats.org/markup-compatibility/2006">
               <mc:Choice xmlns:v="urn:schemas-microsoft-com:vml" Requires="v">
-                <p:oleObj spid="_x0000_s440408" name="Equation" r:id="rId8" imgW="1866900" imgH="228600" progId="Equation.DSMT4">
+                <p:oleObj spid="_x0000_s440417" name="Equation" r:id="rId8" imgW="1866900" imgH="228600" progId="Equation.DSMT4">
                   <p:embed/>
                 </p:oleObj>
               </mc:Choice>
@@ -10720,7 +10797,7 @@
           <a:graphicData uri="http://schemas.openxmlformats.org/presentationml/2006/ole">
             <mc:AlternateContent xmlns:mc="http://schemas.openxmlformats.org/markup-compatibility/2006">
               <mc:Choice xmlns:v="urn:schemas-microsoft-com:vml" Requires="v">
-                <p:oleObj spid="_x0000_s440409" name="Equation" r:id="rId10" imgW="1689100" imgH="254000" progId="Equation.DSMT4">
+                <p:oleObj spid="_x0000_s440418" name="Equation" r:id="rId10" imgW="1689100" imgH="254000" progId="Equation.DSMT4">
                   <p:embed/>
                 </p:oleObj>
               </mc:Choice>
@@ -10793,13 +10870,13 @@
   <p:clrMapOvr>
     <a:masterClrMapping/>
   </p:clrMapOvr>
-  <mc:AlternateContent xmlns:mc="http://schemas.openxmlformats.org/markup-compatibility/2006">
-    <mc:Choice xmlns:p14="http://schemas.microsoft.com/office/powerpoint/2010/main" Requires="p14">
+  <mc:AlternateContent xmlns:mc="http://schemas.openxmlformats.org/markup-compatibility/2006" xmlns:p14="http://schemas.microsoft.com/office/powerpoint/2010/main">
+    <mc:Choice Requires="p14">
       <p:transition spd="slow" p14:dur="800" advClick="0">
         <p:fade/>
       </p:transition>
     </mc:Choice>
-    <mc:Fallback>
+    <mc:Fallback xmlns="">
       <p:transition xmlns:p14="http://schemas.microsoft.com/office/powerpoint/2010/main" spd="slow" advClick="0">
         <p:fade/>
       </p:transition>
@@ -10963,7 +11040,7 @@
           <a:graphicData uri="http://schemas.openxmlformats.org/presentationml/2006/ole">
             <mc:AlternateContent xmlns:mc="http://schemas.openxmlformats.org/markup-compatibility/2006">
               <mc:Choice xmlns:v="urn:schemas-microsoft-com:vml" Requires="v">
-                <p:oleObj spid="_x0000_s433235" name="Equation" r:id="rId4" imgW="2108200" imgH="228600" progId="Equation.DSMT4">
+                <p:oleObj spid="_x0000_s433244" name="Equation" r:id="rId4" imgW="2108200" imgH="228600" progId="Equation.DSMT4">
                   <p:embed/>
                 </p:oleObj>
               </mc:Choice>
@@ -11020,7 +11097,7 @@
           <a:graphicData uri="http://schemas.openxmlformats.org/presentationml/2006/ole">
             <mc:AlternateContent xmlns:mc="http://schemas.openxmlformats.org/markup-compatibility/2006">
               <mc:Choice xmlns:v="urn:schemas-microsoft-com:vml" Requires="v">
-                <p:oleObj spid="_x0000_s433236" name="Equation" r:id="rId6" imgW="2514600" imgH="228600" progId="Equation.DSMT4">
+                <p:oleObj spid="_x0000_s433245" name="Equation" r:id="rId6" imgW="2514600" imgH="228600" progId="Equation.DSMT4">
                   <p:embed/>
                 </p:oleObj>
               </mc:Choice>
@@ -11077,7 +11154,7 @@
           <a:graphicData uri="http://schemas.openxmlformats.org/presentationml/2006/ole">
             <mc:AlternateContent xmlns:mc="http://schemas.openxmlformats.org/markup-compatibility/2006">
               <mc:Choice xmlns:v="urn:schemas-microsoft-com:vml" Requires="v">
-                <p:oleObj spid="_x0000_s433237" name="Equation" r:id="rId8" imgW="1866900" imgH="228600" progId="Equation.DSMT4">
+                <p:oleObj spid="_x0000_s433246" name="Equation" r:id="rId8" imgW="1866900" imgH="228600" progId="Equation.DSMT4">
                   <p:embed/>
                 </p:oleObj>
               </mc:Choice>
@@ -11134,7 +11211,7 @@
           <a:graphicData uri="http://schemas.openxmlformats.org/presentationml/2006/ole">
             <mc:AlternateContent xmlns:mc="http://schemas.openxmlformats.org/markup-compatibility/2006">
               <mc:Choice xmlns:v="urn:schemas-microsoft-com:vml" Requires="v">
-                <p:oleObj spid="_x0000_s433238" name="Equation" r:id="rId10" imgW="1689100" imgH="254000" progId="Equation.DSMT4">
+                <p:oleObj spid="_x0000_s433247" name="Equation" r:id="rId10" imgW="1689100" imgH="254000" progId="Equation.DSMT4">
                   <p:embed/>
                 </p:oleObj>
               </mc:Choice>
@@ -11382,7 +11459,7 @@
           <a:graphicData uri="http://schemas.openxmlformats.org/presentationml/2006/ole">
             <mc:AlternateContent xmlns:mc="http://schemas.openxmlformats.org/markup-compatibility/2006">
               <mc:Choice xmlns:v="urn:schemas-microsoft-com:vml" Requires="v">
-                <p:oleObj spid="_x0000_s441445" name="Equation" r:id="rId4" imgW="1371600" imgH="482600" progId="Equation.DSMT4">
+                <p:oleObj spid="_x0000_s441456" name="Equation" r:id="rId4" imgW="1371600" imgH="482600" progId="Equation.DSMT4">
                   <p:embed/>
                 </p:oleObj>
               </mc:Choice>
@@ -11472,7 +11549,7 @@
           <a:graphicData uri="http://schemas.openxmlformats.org/presentationml/2006/ole">
             <mc:AlternateContent xmlns:mc="http://schemas.openxmlformats.org/markup-compatibility/2006">
               <mc:Choice xmlns:v="urn:schemas-microsoft-com:vml" Requires="v">
-                <p:oleObj spid="_x0000_s441446" name="Equation" r:id="rId6" imgW="2108200" imgH="228600" progId="Equation.DSMT4">
+                <p:oleObj spid="_x0000_s441457" name="Equation" r:id="rId6" imgW="2108200" imgH="228600" progId="Equation.DSMT4">
                   <p:embed/>
                 </p:oleObj>
               </mc:Choice>
@@ -11529,7 +11606,7 @@
           <a:graphicData uri="http://schemas.openxmlformats.org/presentationml/2006/ole">
             <mc:AlternateContent xmlns:mc="http://schemas.openxmlformats.org/markup-compatibility/2006">
               <mc:Choice xmlns:v="urn:schemas-microsoft-com:vml" Requires="v">
-                <p:oleObj spid="_x0000_s441447" name="Equation" r:id="rId8" imgW="2514600" imgH="228600" progId="Equation.DSMT4">
+                <p:oleObj spid="_x0000_s441458" name="Equation" r:id="rId8" imgW="2514600" imgH="228600" progId="Equation.DSMT4">
                   <p:embed/>
                 </p:oleObj>
               </mc:Choice>
@@ -11586,7 +11663,7 @@
           <a:graphicData uri="http://schemas.openxmlformats.org/presentationml/2006/ole">
             <mc:AlternateContent xmlns:mc="http://schemas.openxmlformats.org/markup-compatibility/2006">
               <mc:Choice xmlns:v="urn:schemas-microsoft-com:vml" Requires="v">
-                <p:oleObj spid="_x0000_s441448" name="Equation" r:id="rId10" imgW="1866900" imgH="228600" progId="Equation.DSMT4">
+                <p:oleObj spid="_x0000_s441459" name="Equation" r:id="rId10" imgW="1866900" imgH="228600" progId="Equation.DSMT4">
                   <p:embed/>
                 </p:oleObj>
               </mc:Choice>
@@ -11643,7 +11720,7 @@
           <a:graphicData uri="http://schemas.openxmlformats.org/presentationml/2006/ole">
             <mc:AlternateContent xmlns:mc="http://schemas.openxmlformats.org/markup-compatibility/2006">
               <mc:Choice xmlns:v="urn:schemas-microsoft-com:vml" Requires="v">
-                <p:oleObj spid="_x0000_s441449" name="Equation" r:id="rId12" imgW="1689100" imgH="254000" progId="Equation.DSMT4">
+                <p:oleObj spid="_x0000_s441460" name="Equation" r:id="rId12" imgW="1689100" imgH="254000" progId="Equation.DSMT4">
                   <p:embed/>
                 </p:oleObj>
               </mc:Choice>
@@ -11935,7 +12012,7 @@
           <a:graphicData uri="http://schemas.openxmlformats.org/presentationml/2006/ole">
             <mc:AlternateContent xmlns:mc="http://schemas.openxmlformats.org/markup-compatibility/2006">
               <mc:Choice xmlns:v="urn:schemas-microsoft-com:vml" Requires="v">
-                <p:oleObj spid="_x0000_s502790" name="Equation" r:id="rId4" imgW="1371600" imgH="482600" progId="Equation.DSMT4">
+                <p:oleObj spid="_x0000_s502793" name="Equation" r:id="rId4" imgW="1371600" imgH="482600" progId="Equation.DSMT4">
                   <p:embed/>
                 </p:oleObj>
               </mc:Choice>
@@ -12102,7 +12179,7 @@
           <a:graphicData uri="http://schemas.openxmlformats.org/presentationml/2006/ole">
             <mc:AlternateContent xmlns:mc="http://schemas.openxmlformats.org/markup-compatibility/2006">
               <mc:Choice xmlns:v="urn:schemas-microsoft-com:vml" Requires="v">
-                <p:oleObj spid="_x0000_s444456" name="Equation" r:id="rId4" imgW="1371600" imgH="482600" progId="Equation.DSMT4">
+                <p:oleObj spid="_x0000_s444461" name="Equation" r:id="rId4" imgW="1371600" imgH="482600" progId="Equation.DSMT4">
                   <p:embed/>
                 </p:oleObj>
               </mc:Choice>
@@ -12244,7 +12321,7 @@
             <a:graphicData uri="http://schemas.openxmlformats.org/presentationml/2006/ole">
               <mc:AlternateContent xmlns:mc="http://schemas.openxmlformats.org/markup-compatibility/2006">
                 <mc:Choice xmlns:v="urn:schemas-microsoft-com:vml" Requires="v">
-                  <p:oleObj spid="_x0000_s444457" name="Equation" r:id="rId6" imgW="139700" imgH="215900" progId="Equation.DSMT4">
+                  <p:oleObj spid="_x0000_s444462" name="Equation" r:id="rId6" imgW="139700" imgH="215900" progId="Equation.DSMT4">
                     <p:embed/>
                   </p:oleObj>
                 </mc:Choice>
@@ -12379,7 +12456,7 @@
           <a:graphicData uri="http://schemas.openxmlformats.org/presentationml/2006/ole">
             <mc:AlternateContent xmlns:mc="http://schemas.openxmlformats.org/markup-compatibility/2006">
               <mc:Choice xmlns:v="urn:schemas-microsoft-com:vml" Requires="v">
-                <p:oleObj spid="_x0000_s442416" name="Equation" r:id="rId4" imgW="1371600" imgH="482600" progId="Equation.DSMT4">
+                <p:oleObj spid="_x0000_s442421" name="Equation" r:id="rId4" imgW="1371600" imgH="482600" progId="Equation.DSMT4">
                   <p:embed/>
                 </p:oleObj>
               </mc:Choice>
@@ -12436,7 +12513,7 @@
           <a:graphicData uri="http://schemas.openxmlformats.org/presentationml/2006/ole">
             <mc:AlternateContent xmlns:mc="http://schemas.openxmlformats.org/markup-compatibility/2006">
               <mc:Choice xmlns:v="urn:schemas-microsoft-com:vml" Requires="v">
-                <p:oleObj spid="_x0000_s442417" name="Equation" r:id="rId6" imgW="1803400" imgH="482600" progId="Equation.DSMT4">
+                <p:oleObj spid="_x0000_s442422" name="Equation" r:id="rId6" imgW="1803400" imgH="482600" progId="Equation.DSMT4">
                   <p:embed/>
                 </p:oleObj>
               </mc:Choice>
@@ -12603,7 +12680,7 @@
           <a:graphicData uri="http://schemas.openxmlformats.org/presentationml/2006/ole">
             <mc:AlternateContent xmlns:mc="http://schemas.openxmlformats.org/markup-compatibility/2006">
               <mc:Choice xmlns:v="urn:schemas-microsoft-com:vml" Requires="v">
-                <p:oleObj spid="_x0000_s446521" name="Equation" r:id="rId4" imgW="1371600" imgH="482600" progId="Equation.DSMT4">
+                <p:oleObj spid="_x0000_s446528" name="Equation" r:id="rId4" imgW="1371600" imgH="482600" progId="Equation.DSMT4">
                   <p:embed/>
                 </p:oleObj>
               </mc:Choice>
@@ -12660,7 +12737,7 @@
           <a:graphicData uri="http://schemas.openxmlformats.org/presentationml/2006/ole">
             <mc:AlternateContent xmlns:mc="http://schemas.openxmlformats.org/markup-compatibility/2006">
               <mc:Choice xmlns:v="urn:schemas-microsoft-com:vml" Requires="v">
-                <p:oleObj spid="_x0000_s446522" name="Equation" r:id="rId6" imgW="1803400" imgH="482600" progId="Equation.DSMT4">
+                <p:oleObj spid="_x0000_s446529" name="Equation" r:id="rId6" imgW="1803400" imgH="482600" progId="Equation.DSMT4">
                   <p:embed/>
                 </p:oleObj>
               </mc:Choice>
@@ -12802,7 +12879,7 @@
             <a:graphicData uri="http://schemas.openxmlformats.org/presentationml/2006/ole">
               <mc:AlternateContent xmlns:mc="http://schemas.openxmlformats.org/markup-compatibility/2006">
                 <mc:Choice xmlns:v="urn:schemas-microsoft-com:vml" Requires="v">
-                  <p:oleObj spid="_x0000_s446523" name="Equation" r:id="rId8" imgW="177800" imgH="241300" progId="Equation.DSMT4">
+                  <p:oleObj spid="_x0000_s446530" name="Equation" r:id="rId8" imgW="177800" imgH="241300" progId="Equation.DSMT4">
                     <p:embed/>
                   </p:oleObj>
                 </mc:Choice>
@@ -12928,7 +13005,7 @@
           <a:graphicData uri="http://schemas.openxmlformats.org/presentationml/2006/ole">
             <mc:AlternateContent xmlns:mc="http://schemas.openxmlformats.org/markup-compatibility/2006">
               <mc:Choice xmlns:v="urn:schemas-microsoft-com:vml" Requires="v">
-                <p:oleObj spid="_x0000_s445505" name="Equation" r:id="rId4" imgW="1854200" imgH="482600" progId="Equation.DSMT4">
+                <p:oleObj spid="_x0000_s445512" name="Equation" r:id="rId4" imgW="1854200" imgH="482600" progId="Equation.DSMT4">
                   <p:embed/>
                 </p:oleObj>
               </mc:Choice>
@@ -12985,7 +13062,7 @@
           <a:graphicData uri="http://schemas.openxmlformats.org/presentationml/2006/ole">
             <mc:AlternateContent xmlns:mc="http://schemas.openxmlformats.org/markup-compatibility/2006">
               <mc:Choice xmlns:v="urn:schemas-microsoft-com:vml" Requires="v">
-                <p:oleObj spid="_x0000_s445506" name="Equation" r:id="rId6" imgW="1371600" imgH="482600" progId="Equation.DSMT4">
+                <p:oleObj spid="_x0000_s445513" name="Equation" r:id="rId6" imgW="1371600" imgH="482600" progId="Equation.DSMT4">
                   <p:embed/>
                 </p:oleObj>
               </mc:Choice>
@@ -13042,7 +13119,7 @@
           <a:graphicData uri="http://schemas.openxmlformats.org/presentationml/2006/ole">
             <mc:AlternateContent xmlns:mc="http://schemas.openxmlformats.org/markup-compatibility/2006">
               <mc:Choice xmlns:v="urn:schemas-microsoft-com:vml" Requires="v">
-                <p:oleObj spid="_x0000_s445507" name="Equation" r:id="rId8" imgW="1803400" imgH="482600" progId="Equation.DSMT4">
+                <p:oleObj spid="_x0000_s445514" name="Equation" r:id="rId8" imgW="1803400" imgH="482600" progId="Equation.DSMT4">
                   <p:embed/>
                 </p:oleObj>
               </mc:Choice>
@@ -13200,7 +13277,7 @@
           <a:graphicData uri="http://schemas.openxmlformats.org/presentationml/2006/ole">
             <mc:AlternateContent xmlns:mc="http://schemas.openxmlformats.org/markup-compatibility/2006">
               <mc:Choice xmlns:v="urn:schemas-microsoft-com:vml" Requires="v">
-                <p:oleObj spid="_x0000_s480286" name="Equation" r:id="rId4" imgW="1854200" imgH="482600" progId="Equation.DSMT4">
+                <p:oleObj spid="_x0000_s480293" name="Equation" r:id="rId4" imgW="1854200" imgH="482600" progId="Equation.DSMT4">
                   <p:embed/>
                 </p:oleObj>
               </mc:Choice>
@@ -13257,7 +13334,7 @@
           <a:graphicData uri="http://schemas.openxmlformats.org/presentationml/2006/ole">
             <mc:AlternateContent xmlns:mc="http://schemas.openxmlformats.org/markup-compatibility/2006">
               <mc:Choice xmlns:v="urn:schemas-microsoft-com:vml" Requires="v">
-                <p:oleObj spid="_x0000_s480287" name="Equation" r:id="rId6" imgW="1371600" imgH="482600" progId="Equation.DSMT4">
+                <p:oleObj spid="_x0000_s480294" name="Equation" r:id="rId6" imgW="1371600" imgH="482600" progId="Equation.DSMT4">
                   <p:embed/>
                 </p:oleObj>
               </mc:Choice>
@@ -13314,7 +13391,7 @@
           <a:graphicData uri="http://schemas.openxmlformats.org/presentationml/2006/ole">
             <mc:AlternateContent xmlns:mc="http://schemas.openxmlformats.org/markup-compatibility/2006">
               <mc:Choice xmlns:v="urn:schemas-microsoft-com:vml" Requires="v">
-                <p:oleObj spid="_x0000_s480288" name="Equation" r:id="rId8" imgW="1803400" imgH="482600" progId="Equation.DSMT4">
+                <p:oleObj spid="_x0000_s480295" name="Equation" r:id="rId8" imgW="1803400" imgH="482600" progId="Equation.DSMT4">
                   <p:embed/>
                 </p:oleObj>
               </mc:Choice>
@@ -13504,12 +13581,6 @@
               </a:rPr>
               <a:t>Done:</a:t>
             </a:r>
-            <a:endParaRPr lang="en-US" sz="4800" dirty="0" smtClean="0">
-              <a:solidFill>
-                <a:srgbClr val="FF03E3"/>
-              </a:solidFill>
-              <a:latin typeface="Comic Sans MS" pitchFamily="66" charset="0"/>
-            </a:endParaRPr>
           </a:p>
         </p:txBody>
       </p:sp>
@@ -13640,8 +13711,8 @@
         </p:nvSpPr>
         <p:spPr>
           <a:xfrm>
-            <a:off x="2092783" y="1320800"/>
-            <a:ext cx="4993817" cy="939800"/>
+            <a:off x="1724483" y="381001"/>
+            <a:ext cx="6619417" cy="923330"/>
           </a:xfrm>
           <a:prstGeom prst="rect">
             <a:avLst/>
@@ -13662,42 +13733,17 @@
                 </a:solidFill>
                 <a:latin typeface="Comic Sans MS" pitchFamily="66" charset="0"/>
               </a:rPr>
-              <a:t>Simplification</a:t>
+              <a:t>Simplification </a:t>
+            </a:r>
+            <a:r>
+              <a:rPr lang="en-US" sz="5400" dirty="0" smtClean="0">
+                <a:latin typeface="Comic Sans MS" pitchFamily="66" charset="0"/>
+              </a:rPr>
+              <a:t>rules</a:t>
             </a:r>
             <a:endParaRPr lang="en-US" sz="5400" dirty="0">
-              <a:solidFill>
-                <a:srgbClr val="FF03E3"/>
-              </a:solidFill>
               <a:latin typeface="Comic Sans MS" pitchFamily="66" charset="0"/>
             </a:endParaRPr>
-          </a:p>
-        </p:txBody>
-      </p:sp>
-      <p:sp>
-        <p:nvSpPr>
-          <p:cNvPr id="9" name="Title 1"/>
-          <p:cNvSpPr>
-            <a:spLocks noGrp="1"/>
-          </p:cNvSpPr>
-          <p:nvPr>
-            <p:ph type="title"/>
-          </p:nvPr>
-        </p:nvSpPr>
-        <p:spPr>
-          <a:xfrm>
-            <a:off x="1651000" y="363538"/>
-            <a:ext cx="6794500" cy="1003300"/>
-          </a:xfrm>
-        </p:spPr>
-        <p:txBody>
-          <a:bodyPr/>
-          <a:lstStyle/>
-          <a:p>
-            <a:r>
-              <a:rPr lang="en-US" sz="4000" dirty="0" smtClean="0"/>
-              <a:t>Algebra for Equivalence</a:t>
-            </a:r>
-            <a:endParaRPr lang="en-US" sz="4000" dirty="0"/>
           </a:p>
         </p:txBody>
       </p:sp>
@@ -13743,20 +13789,20 @@
           <p:nvPr>
             <p:extLst>
               <p:ext uri="{D42A27DB-BD31-4B8C-83A1-F6EECF244321}">
-                <p14:modId xmlns:p14="http://schemas.microsoft.com/office/powerpoint/2010/main" val="2187813083"/>
+                <p14:modId xmlns:p14="http://schemas.microsoft.com/office/powerpoint/2010/main" val="1769376991"/>
               </p:ext>
             </p:extLst>
           </p:nvPr>
         </p:nvGraphicFramePr>
         <p:xfrm>
-          <a:off x="700088" y="2143125"/>
+          <a:off x="649288" y="1584325"/>
           <a:ext cx="7653337" cy="1285875"/>
         </p:xfrm>
         <a:graphic>
           <a:graphicData uri="http://schemas.openxmlformats.org/presentationml/2006/ole">
             <mc:AlternateContent xmlns:mc="http://schemas.openxmlformats.org/markup-compatibility/2006">
               <mc:Choice xmlns:v="urn:schemas-microsoft-com:vml" Requires="v">
-                <p:oleObj spid="_x0000_s425053" name="Equation" r:id="rId4" imgW="1511300" imgH="254000" progId="Equation.DSMT4">
+                <p:oleObj spid="_x0000_s425062" name="Equation" r:id="rId4" imgW="1511300" imgH="254000" progId="Equation.DSMT4">
                   <p:embed/>
                 </p:oleObj>
               </mc:Choice>
@@ -13777,7 +13823,7 @@
                     </p:blipFill>
                     <p:spPr>
                       <a:xfrm>
-                        <a:off x="700088" y="2143125"/>
+                        <a:off x="649288" y="1584325"/>
                         <a:ext cx="7653337" cy="1285875"/>
                       </a:xfrm>
                       <a:prstGeom prst="rect">
@@ -13800,20 +13846,20 @@
           <p:nvPr>
             <p:extLst>
               <p:ext uri="{D42A27DB-BD31-4B8C-83A1-F6EECF244321}">
-                <p14:modId xmlns:p14="http://schemas.microsoft.com/office/powerpoint/2010/main" val="2135275096"/>
+                <p14:modId xmlns:p14="http://schemas.microsoft.com/office/powerpoint/2010/main" val="1107535638"/>
               </p:ext>
             </p:extLst>
           </p:nvPr>
         </p:nvGraphicFramePr>
         <p:xfrm>
-          <a:off x="641350" y="3251200"/>
+          <a:off x="527050" y="2798762"/>
           <a:ext cx="7718425" cy="1285875"/>
         </p:xfrm>
         <a:graphic>
           <a:graphicData uri="http://schemas.openxmlformats.org/presentationml/2006/ole">
             <mc:AlternateContent xmlns:mc="http://schemas.openxmlformats.org/markup-compatibility/2006">
               <mc:Choice xmlns:v="urn:schemas-microsoft-com:vml" Requires="v">
-                <p:oleObj spid="_x0000_s425054" name="Equation" r:id="rId6" imgW="1524000" imgH="254000" progId="Equation.DSMT4">
+                <p:oleObj spid="_x0000_s425063" name="Equation" r:id="rId6" imgW="1524000" imgH="254000" progId="Equation.DSMT4">
                   <p:embed/>
                 </p:oleObj>
               </mc:Choice>
@@ -13834,7 +13880,7 @@
                     </p:blipFill>
                     <p:spPr>
                       <a:xfrm>
-                        <a:off x="641350" y="3251200"/>
+                        <a:off x="527050" y="2798762"/>
                         <a:ext cx="7718425" cy="1285875"/>
                       </a:xfrm>
                       <a:prstGeom prst="rect">
@@ -13857,20 +13903,20 @@
           <p:nvPr>
             <p:extLst>
               <p:ext uri="{D42A27DB-BD31-4B8C-83A1-F6EECF244321}">
-                <p14:modId xmlns:p14="http://schemas.microsoft.com/office/powerpoint/2010/main" val="3037014378"/>
+                <p14:modId xmlns:p14="http://schemas.microsoft.com/office/powerpoint/2010/main" val="226775992"/>
               </p:ext>
             </p:extLst>
           </p:nvPr>
         </p:nvGraphicFramePr>
         <p:xfrm>
-          <a:off x="1662113" y="5105400"/>
+          <a:off x="2525713" y="5105400"/>
           <a:ext cx="5981700" cy="1157288"/>
         </p:xfrm>
         <a:graphic>
           <a:graphicData uri="http://schemas.openxmlformats.org/presentationml/2006/ole">
             <mc:AlternateContent xmlns:mc="http://schemas.openxmlformats.org/markup-compatibility/2006">
               <mc:Choice xmlns:v="urn:schemas-microsoft-com:vml" Requires="v">
-                <p:oleObj spid="_x0000_s425055" name="Equation" r:id="rId8" imgW="1181100" imgH="228600" progId="Equation.DSMT4">
+                <p:oleObj spid="_x0000_s425064" name="Equation" r:id="rId8" imgW="1181100" imgH="228600" progId="Equation.DSMT4">
                   <p:embed/>
                 </p:oleObj>
               </mc:Choice>
@@ -13891,7 +13937,7 @@
                     </p:blipFill>
                     <p:spPr>
                       <a:xfrm>
-                        <a:off x="1662113" y="5105400"/>
+                        <a:off x="2525713" y="5105400"/>
                         <a:ext cx="5981700" cy="1157288"/>
                       </a:xfrm>
                       <a:prstGeom prst="rect">
@@ -13914,20 +13960,20 @@
           <p:nvPr>
             <p:extLst>
               <p:ext uri="{D42A27DB-BD31-4B8C-83A1-F6EECF244321}">
-                <p14:modId xmlns:p14="http://schemas.microsoft.com/office/powerpoint/2010/main" val="3067842744"/>
+                <p14:modId xmlns:p14="http://schemas.microsoft.com/office/powerpoint/2010/main" val="1346291388"/>
               </p:ext>
             </p:extLst>
           </p:nvPr>
         </p:nvGraphicFramePr>
         <p:xfrm>
-          <a:off x="1694657" y="4241800"/>
+          <a:off x="2545557" y="4089400"/>
           <a:ext cx="5916612" cy="1157288"/>
         </p:xfrm>
         <a:graphic>
           <a:graphicData uri="http://schemas.openxmlformats.org/presentationml/2006/ole">
             <mc:AlternateContent xmlns:mc="http://schemas.openxmlformats.org/markup-compatibility/2006">
               <mc:Choice xmlns:v="urn:schemas-microsoft-com:vml" Requires="v">
-                <p:oleObj spid="_x0000_s425056" name="Equation" r:id="rId10" imgW="1168400" imgH="228600" progId="Equation.DSMT4">
+                <p:oleObj spid="_x0000_s425065" name="Equation" r:id="rId10" imgW="1168400" imgH="228600" progId="Equation.DSMT4">
                   <p:embed/>
                 </p:oleObj>
               </mc:Choice>
@@ -13948,7 +13994,7 @@
                     </p:blipFill>
                     <p:spPr>
                       <a:xfrm>
-                        <a:off x="1694657" y="4241800"/>
+                        <a:off x="2545557" y="4089400"/>
                         <a:ext cx="5916612" cy="1157288"/>
                       </a:xfrm>
                       <a:prstGeom prst="rect">
@@ -14219,714 +14265,6 @@
           <a:chExt cx="0" cy="0"/>
         </a:xfrm>
       </p:grpSpPr>
-      <p:sp>
-        <p:nvSpPr>
-          <p:cNvPr id="5" name="TextBox 4"/>
-          <p:cNvSpPr txBox="1"/>
-          <p:nvPr/>
-        </p:nvSpPr>
-        <p:spPr>
-          <a:xfrm>
-            <a:off x="2092783" y="1320800"/>
-            <a:ext cx="4993817" cy="939800"/>
-          </a:xfrm>
-          <a:prstGeom prst="rect">
-            <a:avLst/>
-          </a:prstGeom>
-          <a:noFill/>
-        </p:spPr>
-        <p:txBody>
-          <a:bodyPr wrap="square" rtlCol="0">
-            <a:spAutoFit/>
-          </a:bodyPr>
-          <a:lstStyle/>
-          <a:p>
-            <a:pPr algn="l"/>
-            <a:r>
-              <a:rPr lang="en-US" sz="5400" dirty="0" smtClean="0">
-                <a:solidFill>
-                  <a:srgbClr val="FF03E3"/>
-                </a:solidFill>
-                <a:latin typeface="Comic Sans MS" pitchFamily="66" charset="0"/>
-              </a:rPr>
-              <a:t>Book keeping</a:t>
-            </a:r>
-            <a:endParaRPr lang="en-US" sz="5400" dirty="0">
-              <a:solidFill>
-                <a:srgbClr val="FF03E3"/>
-              </a:solidFill>
-              <a:latin typeface="Comic Sans MS" pitchFamily="66" charset="0"/>
-            </a:endParaRPr>
-          </a:p>
-        </p:txBody>
-      </p:sp>
-      <p:sp>
-        <p:nvSpPr>
-          <p:cNvPr id="9" name="Title 1"/>
-          <p:cNvSpPr>
-            <a:spLocks noGrp="1"/>
-          </p:cNvSpPr>
-          <p:nvPr>
-            <p:ph type="title"/>
-          </p:nvPr>
-        </p:nvSpPr>
-        <p:spPr>
-          <a:xfrm>
-            <a:off x="1651000" y="363538"/>
-            <a:ext cx="6794500" cy="1003300"/>
-          </a:xfrm>
-        </p:spPr>
-        <p:txBody>
-          <a:bodyPr/>
-          <a:lstStyle/>
-          <a:p>
-            <a:r>
-              <a:rPr lang="en-US" sz="4000" dirty="0" smtClean="0"/>
-              <a:t>Algebra for Equivalence</a:t>
-            </a:r>
-            <a:endParaRPr lang="en-US" sz="4000" dirty="0"/>
-          </a:p>
-        </p:txBody>
-      </p:sp>
-      <p:sp>
-        <p:nvSpPr>
-          <p:cNvPr id="4" name="Slide Number Placeholder 2"/>
-          <p:cNvSpPr>
-            <a:spLocks noGrp="1"/>
-          </p:cNvSpPr>
-          <p:nvPr>
-            <p:ph type="sldNum" sz="quarter" idx="10"/>
-          </p:nvPr>
-        </p:nvSpPr>
-        <p:spPr>
-          <a:xfrm>
-            <a:off x="7333815" y="6553200"/>
-            <a:ext cx="1810186" cy="276999"/>
-          </a:xfrm>
-        </p:spPr>
-        <p:txBody>
-          <a:bodyPr/>
-          <a:lstStyle/>
-          <a:p>
-            <a:r>
-              <a:rPr lang="en-US" dirty="0" smtClean="0"/>
-              <a:t>propositional algebra.</a:t>
-            </a:r>
-            <a:fld id="{3251DA95-B240-47FE-901D-B78FC8E8E532}" type="slidenum">
-              <a:rPr lang="en-US" smtClean="0"/>
-              <a:pPr/>
-              <a:t>27</a:t>
-            </a:fld>
-            <a:endParaRPr lang="en-US" dirty="0"/>
-          </a:p>
-        </p:txBody>
-      </p:sp>
-      <p:graphicFrame>
-        <p:nvGraphicFramePr>
-          <p:cNvPr id="3" name="Object 2"/>
-          <p:cNvGraphicFramePr>
-            <a:graphicFrameLocks noChangeAspect="1"/>
-          </p:cNvGraphicFramePr>
-          <p:nvPr>
-            <p:extLst>
-              <p:ext uri="{D42A27DB-BD31-4B8C-83A1-F6EECF244321}">
-                <p14:modId xmlns:p14="http://schemas.microsoft.com/office/powerpoint/2010/main" val="259110030"/>
-              </p:ext>
-            </p:extLst>
-          </p:nvPr>
-        </p:nvGraphicFramePr>
-        <p:xfrm>
-          <a:off x="387350" y="2260600"/>
-          <a:ext cx="8102600" cy="1092200"/>
-        </p:xfrm>
-        <a:graphic>
-          <a:graphicData uri="http://schemas.openxmlformats.org/presentationml/2006/ole">
-            <mc:AlternateContent xmlns:mc="http://schemas.openxmlformats.org/markup-compatibility/2006">
-              <mc:Choice xmlns:v="urn:schemas-microsoft-com:vml" Requires="v">
-                <p:oleObj spid="_x0000_s459805" name="Equation" r:id="rId4" imgW="1600200" imgH="215900" progId="Equation.DSMT4">
-                  <p:embed/>
-                </p:oleObj>
-              </mc:Choice>
-              <mc:Fallback>
-                <p:oleObj name="Equation" r:id="rId4" imgW="1600200" imgH="215900" progId="Equation.DSMT4">
-                  <p:embed/>
-                  <p:pic>
-                    <p:nvPicPr>
-                      <p:cNvPr id="0" name=""/>
-                      <p:cNvPicPr/>
-                      <p:nvPr/>
-                    </p:nvPicPr>
-                    <p:blipFill>
-                      <a:blip r:embed="rId5"/>
-                      <a:stretch>
-                        <a:fillRect/>
-                      </a:stretch>
-                    </p:blipFill>
-                    <p:spPr>
-                      <a:xfrm>
-                        <a:off x="387350" y="2260600"/>
-                        <a:ext cx="8102600" cy="1092200"/>
-                      </a:xfrm>
-                      <a:prstGeom prst="rect">
-                        <a:avLst/>
-                      </a:prstGeom>
-                    </p:spPr>
-                  </p:pic>
-                </p:oleObj>
-              </mc:Fallback>
-            </mc:AlternateContent>
-          </a:graphicData>
-        </a:graphic>
-      </p:graphicFrame>
-      <p:graphicFrame>
-        <p:nvGraphicFramePr>
-          <p:cNvPr id="10" name="Object 9"/>
-          <p:cNvGraphicFramePr>
-            <a:graphicFrameLocks noChangeAspect="1"/>
-          </p:cNvGraphicFramePr>
-          <p:nvPr>
-            <p:extLst>
-              <p:ext uri="{D42A27DB-BD31-4B8C-83A1-F6EECF244321}">
-                <p14:modId xmlns:p14="http://schemas.microsoft.com/office/powerpoint/2010/main" val="1729598136"/>
-              </p:ext>
-            </p:extLst>
-          </p:nvPr>
-        </p:nvGraphicFramePr>
-        <p:xfrm>
-          <a:off x="952500" y="4043547"/>
-          <a:ext cx="7073900" cy="2314575"/>
-        </p:xfrm>
-        <a:graphic>
-          <a:graphicData uri="http://schemas.openxmlformats.org/presentationml/2006/ole">
-            <mc:AlternateContent xmlns:mc="http://schemas.openxmlformats.org/markup-compatibility/2006">
-              <mc:Choice xmlns:v="urn:schemas-microsoft-com:vml" Requires="v">
-                <p:oleObj spid="_x0000_s459806" name="Equation" r:id="rId6" imgW="1397000" imgH="457200" progId="Equation.DSMT4">
-                  <p:embed/>
-                </p:oleObj>
-              </mc:Choice>
-              <mc:Fallback>
-                <p:oleObj name="Equation" r:id="rId6" imgW="1397000" imgH="457200" progId="Equation.DSMT4">
-                  <p:embed/>
-                  <p:pic>
-                    <p:nvPicPr>
-                      <p:cNvPr id="0" name=""/>
-                      <p:cNvPicPr/>
-                      <p:nvPr/>
-                    </p:nvPicPr>
-                    <p:blipFill>
-                      <a:blip r:embed="rId7"/>
-                      <a:stretch>
-                        <a:fillRect/>
-                      </a:stretch>
-                    </p:blipFill>
-                    <p:spPr>
-                      <a:xfrm>
-                        <a:off x="952500" y="4043547"/>
-                        <a:ext cx="7073900" cy="2314575"/>
-                      </a:xfrm>
-                      <a:prstGeom prst="rect">
-                        <a:avLst/>
-                      </a:prstGeom>
-                    </p:spPr>
-                  </p:pic>
-                </p:oleObj>
-              </mc:Fallback>
-            </mc:AlternateContent>
-          </a:graphicData>
-        </a:graphic>
-      </p:graphicFrame>
-    </p:spTree>
-    <p:extLst>
-      <p:ext uri="{BB962C8B-B14F-4D97-AF65-F5344CB8AC3E}">
-        <p14:creationId xmlns:p14="http://schemas.microsoft.com/office/powerpoint/2010/main" val="2227246990"/>
-      </p:ext>
-    </p:extLst>
-  </p:cSld>
-  <p:clrMapOvr>
-    <a:masterClrMapping/>
-  </p:clrMapOvr>
-  <p:transition xmlns:p14="http://schemas.microsoft.com/office/powerpoint/2010/main" spd="slow" advClick="0">
-    <p:fade thruBlk="1"/>
-  </p:transition>
-  <p:timing>
-    <p:tnLst>
-      <p:par>
-        <p:cTn xmlns:p14="http://schemas.microsoft.com/office/powerpoint/2010/main" id="1" dur="indefinite" restart="never" nodeType="tmRoot">
-          <p:childTnLst>
-            <p:seq concurrent="1" nextAc="seek">
-              <p:cTn id="2" dur="indefinite" nodeType="mainSeq">
-                <p:childTnLst>
-                  <p:par>
-                    <p:cTn id="3" fill="hold">
-                      <p:stCondLst>
-                        <p:cond delay="indefinite"/>
-                      </p:stCondLst>
-                      <p:childTnLst>
-                        <p:par>
-                          <p:cTn id="4" fill="hold">
-                            <p:stCondLst>
-                              <p:cond delay="0"/>
-                            </p:stCondLst>
-                            <p:childTnLst>
-                              <p:par>
-                                <p:cTn id="5" presetID="22" presetClass="entr" presetSubtype="8" fill="hold" nodeType="clickEffect">
-                                  <p:stCondLst>
-                                    <p:cond delay="0"/>
-                                  </p:stCondLst>
-                                  <p:childTnLst>
-                                    <p:set>
-                                      <p:cBhvr>
-                                        <p:cTn id="6" dur="1" fill="hold">
-                                          <p:stCondLst>
-                                            <p:cond delay="0"/>
-                                          </p:stCondLst>
-                                        </p:cTn>
-                                        <p:tgtEl>
-                                          <p:spTgt spid="3"/>
-                                        </p:tgtEl>
-                                        <p:attrNameLst>
-                                          <p:attrName>style.visibility</p:attrName>
-                                        </p:attrNameLst>
-                                      </p:cBhvr>
-                                      <p:to>
-                                        <p:strVal val="visible"/>
-                                      </p:to>
-                                    </p:set>
-                                    <p:animEffect transition="in" filter="wipe(left)">
-                                      <p:cBhvr>
-                                        <p:cTn id="7" dur="1000"/>
-                                        <p:tgtEl>
-                                          <p:spTgt spid="3"/>
-                                        </p:tgtEl>
-                                      </p:cBhvr>
-                                    </p:animEffect>
-                                  </p:childTnLst>
-                                </p:cTn>
-                              </p:par>
-                            </p:childTnLst>
-                          </p:cTn>
-                        </p:par>
-                      </p:childTnLst>
-                    </p:cTn>
-                  </p:par>
-                  <p:par>
-                    <p:cTn id="8" fill="hold">
-                      <p:stCondLst>
-                        <p:cond delay="indefinite"/>
-                      </p:stCondLst>
-                      <p:childTnLst>
-                        <p:par>
-                          <p:cTn id="9" fill="hold">
-                            <p:stCondLst>
-                              <p:cond delay="0"/>
-                            </p:stCondLst>
-                            <p:childTnLst>
-                              <p:par>
-                                <p:cTn id="10" presetID="22" presetClass="entr" presetSubtype="8" fill="hold" nodeType="clickEffect">
-                                  <p:stCondLst>
-                                    <p:cond delay="0"/>
-                                  </p:stCondLst>
-                                  <p:childTnLst>
-                                    <p:set>
-                                      <p:cBhvr>
-                                        <p:cTn id="11" dur="1" fill="hold">
-                                          <p:stCondLst>
-                                            <p:cond delay="0"/>
-                                          </p:stCondLst>
-                                        </p:cTn>
-                                        <p:tgtEl>
-                                          <p:spTgt spid="10"/>
-                                        </p:tgtEl>
-                                        <p:attrNameLst>
-                                          <p:attrName>style.visibility</p:attrName>
-                                        </p:attrNameLst>
-                                      </p:cBhvr>
-                                      <p:to>
-                                        <p:strVal val="visible"/>
-                                      </p:to>
-                                    </p:set>
-                                    <p:animEffect transition="in" filter="wipe(left)">
-                                      <p:cBhvr>
-                                        <p:cTn id="12" dur="1000"/>
-                                        <p:tgtEl>
-                                          <p:spTgt spid="10"/>
-                                        </p:tgtEl>
-                                      </p:cBhvr>
-                                    </p:animEffect>
-                                  </p:childTnLst>
-                                </p:cTn>
-                              </p:par>
-                            </p:childTnLst>
-                          </p:cTn>
-                        </p:par>
-                      </p:childTnLst>
-                    </p:cTn>
-                  </p:par>
-                </p:childTnLst>
-              </p:cTn>
-              <p:prevCondLst>
-                <p:cond evt="onPrev" delay="0">
-                  <p:tgtEl>
-                    <p:sldTgt/>
-                  </p:tgtEl>
-                </p:cond>
-              </p:prevCondLst>
-              <p:nextCondLst>
-                <p:cond evt="onNext" delay="0">
-                  <p:tgtEl>
-                    <p:sldTgt/>
-                  </p:tgtEl>
-                </p:cond>
-              </p:nextCondLst>
-            </p:seq>
-          </p:childTnLst>
-        </p:cTn>
-      </p:par>
-    </p:tnLst>
-  </p:timing>
-</p:sld>
-</file>
-
-<file path=ppt/slides/slide28.xml><?xml version="1.0" encoding="utf-8"?>
-<p:sld xmlns:a="http://schemas.openxmlformats.org/drawingml/2006/main" xmlns:r="http://schemas.openxmlformats.org/officeDocument/2006/relationships" xmlns:p="http://schemas.openxmlformats.org/presentationml/2006/main">
-  <p:cSld>
-    <p:spTree>
-      <p:nvGrpSpPr>
-        <p:cNvPr id="1" name=""/>
-        <p:cNvGrpSpPr/>
-        <p:nvPr/>
-      </p:nvGrpSpPr>
-      <p:grpSpPr>
-        <a:xfrm>
-          <a:off x="0" y="0"/>
-          <a:ext cx="0" cy="0"/>
-          <a:chOff x="0" y="0"/>
-          <a:chExt cx="0" cy="0"/>
-        </a:xfrm>
-      </p:grpSpPr>
-      <p:sp>
-        <p:nvSpPr>
-          <p:cNvPr id="5" name="TextBox 4"/>
-          <p:cNvSpPr txBox="1"/>
-          <p:nvPr/>
-        </p:nvSpPr>
-        <p:spPr>
-          <a:xfrm>
-            <a:off x="2092783" y="1320800"/>
-            <a:ext cx="4993817" cy="939800"/>
-          </a:xfrm>
-          <a:prstGeom prst="rect">
-            <a:avLst/>
-          </a:prstGeom>
-          <a:noFill/>
-        </p:spPr>
-        <p:txBody>
-          <a:bodyPr wrap="square" rtlCol="0">
-            <a:spAutoFit/>
-          </a:bodyPr>
-          <a:lstStyle/>
-          <a:p>
-            <a:pPr algn="l"/>
-            <a:r>
-              <a:rPr lang="en-US" sz="5400" dirty="0" smtClean="0">
-                <a:solidFill>
-                  <a:srgbClr val="FF03E3"/>
-                </a:solidFill>
-                <a:latin typeface="Comic Sans MS" pitchFamily="66" charset="0"/>
-              </a:rPr>
-              <a:t>Book keeping</a:t>
-            </a:r>
-            <a:endParaRPr lang="en-US" sz="5400" dirty="0">
-              <a:solidFill>
-                <a:srgbClr val="FF03E3"/>
-              </a:solidFill>
-              <a:latin typeface="Comic Sans MS" pitchFamily="66" charset="0"/>
-            </a:endParaRPr>
-          </a:p>
-        </p:txBody>
-      </p:sp>
-      <p:sp>
-        <p:nvSpPr>
-          <p:cNvPr id="9" name="Title 1"/>
-          <p:cNvSpPr>
-            <a:spLocks noGrp="1"/>
-          </p:cNvSpPr>
-          <p:nvPr>
-            <p:ph type="title"/>
-          </p:nvPr>
-        </p:nvSpPr>
-        <p:spPr>
-          <a:xfrm>
-            <a:off x="1651000" y="363538"/>
-            <a:ext cx="6794500" cy="1003300"/>
-          </a:xfrm>
-        </p:spPr>
-        <p:txBody>
-          <a:bodyPr/>
-          <a:lstStyle/>
-          <a:p>
-            <a:r>
-              <a:rPr lang="en-US" sz="4000" dirty="0" smtClean="0"/>
-              <a:t>Algebra for Equivalence</a:t>
-            </a:r>
-            <a:endParaRPr lang="en-US" sz="4000" dirty="0"/>
-          </a:p>
-        </p:txBody>
-      </p:sp>
-      <p:sp>
-        <p:nvSpPr>
-          <p:cNvPr id="4" name="Slide Number Placeholder 2"/>
-          <p:cNvSpPr>
-            <a:spLocks noGrp="1"/>
-          </p:cNvSpPr>
-          <p:nvPr>
-            <p:ph type="sldNum" sz="quarter" idx="10"/>
-          </p:nvPr>
-        </p:nvSpPr>
-        <p:spPr>
-          <a:xfrm>
-            <a:off x="7333815" y="6553200"/>
-            <a:ext cx="1810186" cy="276999"/>
-          </a:xfrm>
-        </p:spPr>
-        <p:txBody>
-          <a:bodyPr/>
-          <a:lstStyle/>
-          <a:p>
-            <a:r>
-              <a:rPr lang="en-US" dirty="0" smtClean="0"/>
-              <a:t>propositional algebra.</a:t>
-            </a:r>
-            <a:fld id="{3251DA95-B240-47FE-901D-B78FC8E8E532}" type="slidenum">
-              <a:rPr lang="en-US" smtClean="0"/>
-              <a:pPr/>
-              <a:t>28</a:t>
-            </a:fld>
-            <a:endParaRPr lang="en-US" dirty="0"/>
-          </a:p>
-        </p:txBody>
-      </p:sp>
-      <p:graphicFrame>
-        <p:nvGraphicFramePr>
-          <p:cNvPr id="3" name="Object 2"/>
-          <p:cNvGraphicFramePr>
-            <a:graphicFrameLocks noChangeAspect="1"/>
-          </p:cNvGraphicFramePr>
-          <p:nvPr>
-            <p:extLst>
-              <p:ext uri="{D42A27DB-BD31-4B8C-83A1-F6EECF244321}">
-                <p14:modId xmlns:p14="http://schemas.microsoft.com/office/powerpoint/2010/main" val="2570790865"/>
-              </p:ext>
-            </p:extLst>
-          </p:nvPr>
-        </p:nvGraphicFramePr>
-        <p:xfrm>
-          <a:off x="387350" y="2260600"/>
-          <a:ext cx="8102600" cy="1092200"/>
-        </p:xfrm>
-        <a:graphic>
-          <a:graphicData uri="http://schemas.openxmlformats.org/presentationml/2006/ole">
-            <mc:AlternateContent xmlns:mc="http://schemas.openxmlformats.org/markup-compatibility/2006">
-              <mc:Choice xmlns:v="urn:schemas-microsoft-com:vml" Requires="v">
-                <p:oleObj spid="_x0000_s469016" name="Equation" r:id="rId4" imgW="1600200" imgH="215900" progId="Equation.DSMT4">
-                  <p:embed/>
-                </p:oleObj>
-              </mc:Choice>
-              <mc:Fallback>
-                <p:oleObj name="Equation" r:id="rId4" imgW="1600200" imgH="215900" progId="Equation.DSMT4">
-                  <p:embed/>
-                  <p:pic>
-                    <p:nvPicPr>
-                      <p:cNvPr id="0" name=""/>
-                      <p:cNvPicPr/>
-                      <p:nvPr/>
-                    </p:nvPicPr>
-                    <p:blipFill>
-                      <a:blip r:embed="rId5"/>
-                      <a:stretch>
-                        <a:fillRect/>
-                      </a:stretch>
-                    </p:blipFill>
-                    <p:spPr>
-                      <a:xfrm>
-                        <a:off x="387350" y="2260600"/>
-                        <a:ext cx="8102600" cy="1092200"/>
-                      </a:xfrm>
-                      <a:prstGeom prst="rect">
-                        <a:avLst/>
-                      </a:prstGeom>
-                    </p:spPr>
-                  </p:pic>
-                </p:oleObj>
-              </mc:Fallback>
-            </mc:AlternateContent>
-          </a:graphicData>
-        </a:graphic>
-      </p:graphicFrame>
-      <p:sp>
-        <p:nvSpPr>
-          <p:cNvPr id="2" name="TextBox 1"/>
-          <p:cNvSpPr txBox="1"/>
-          <p:nvPr/>
-        </p:nvSpPr>
-        <p:spPr>
-          <a:xfrm>
-            <a:off x="1069959" y="3087536"/>
-            <a:ext cx="7116101" cy="1107996"/>
-          </a:xfrm>
-          <a:prstGeom prst="rect">
-            <a:avLst/>
-          </a:prstGeom>
-          <a:noFill/>
-        </p:spPr>
-        <p:txBody>
-          <a:bodyPr wrap="none" rtlCol="0">
-            <a:spAutoFit/>
-          </a:bodyPr>
-          <a:lstStyle/>
-          <a:p>
-            <a:pPr algn="l"/>
-            <a:r>
-              <a:rPr lang="en-US" sz="6600" dirty="0" smtClean="0">
-                <a:latin typeface="Comic Sans MS" pitchFamily="66" charset="0"/>
-              </a:rPr>
-              <a:t>(</a:t>
-            </a:r>
-            <a:r>
-              <a:rPr lang="en-US" sz="6600" dirty="0" smtClean="0">
-                <a:solidFill>
-                  <a:srgbClr val="FF03E3"/>
-                </a:solidFill>
-                <a:latin typeface="Comic Sans MS" pitchFamily="66" charset="0"/>
-              </a:rPr>
-              <a:t>Likewise</a:t>
-            </a:r>
-            <a:r>
-              <a:rPr lang="en-US" sz="6600" dirty="0" smtClean="0">
-                <a:latin typeface="Comic Sans MS" pitchFamily="66" charset="0"/>
-              </a:rPr>
-              <a:t> for </a:t>
-            </a:r>
-            <a:r>
-              <a:rPr lang="en-US" sz="6600" dirty="0" smtClean="0">
-                <a:solidFill>
-                  <a:schemeClr val="accent1">
-                    <a:lumMod val="50000"/>
-                  </a:schemeClr>
-                </a:solidFill>
-                <a:latin typeface="Comic Sans MS" pitchFamily="66" charset="0"/>
-              </a:rPr>
-              <a:t>OR)</a:t>
-            </a:r>
-          </a:p>
-        </p:txBody>
-      </p:sp>
-      <p:graphicFrame>
-        <p:nvGraphicFramePr>
-          <p:cNvPr id="8" name="Object 7"/>
-          <p:cNvGraphicFramePr>
-            <a:graphicFrameLocks noChangeAspect="1"/>
-          </p:cNvGraphicFramePr>
-          <p:nvPr>
-            <p:extLst>
-              <p:ext uri="{D42A27DB-BD31-4B8C-83A1-F6EECF244321}">
-                <p14:modId xmlns:p14="http://schemas.microsoft.com/office/powerpoint/2010/main" val="589139679"/>
-              </p:ext>
-            </p:extLst>
-          </p:nvPr>
-        </p:nvGraphicFramePr>
-        <p:xfrm>
-          <a:off x="952500" y="4043547"/>
-          <a:ext cx="7073900" cy="2314575"/>
-        </p:xfrm>
-        <a:graphic>
-          <a:graphicData uri="http://schemas.openxmlformats.org/presentationml/2006/ole">
-            <mc:AlternateContent xmlns:mc="http://schemas.openxmlformats.org/markup-compatibility/2006">
-              <mc:Choice xmlns:v="urn:schemas-microsoft-com:vml" Requires="v">
-                <p:oleObj spid="_x0000_s469017" name="Equation" r:id="rId6" imgW="1397000" imgH="457200" progId="Equation.DSMT4">
-                  <p:embed/>
-                </p:oleObj>
-              </mc:Choice>
-              <mc:Fallback>
-                <p:oleObj name="Equation" r:id="rId6" imgW="1397000" imgH="457200" progId="Equation.DSMT4">
-                  <p:embed/>
-                  <p:pic>
-                    <p:nvPicPr>
-                      <p:cNvPr id="0" name=""/>
-                      <p:cNvPicPr/>
-                      <p:nvPr/>
-                    </p:nvPicPr>
-                    <p:blipFill>
-                      <a:blip r:embed="rId7"/>
-                      <a:stretch>
-                        <a:fillRect/>
-                      </a:stretch>
-                    </p:blipFill>
-                    <p:spPr>
-                      <a:xfrm>
-                        <a:off x="952500" y="4043547"/>
-                        <a:ext cx="7073900" cy="2314575"/>
-                      </a:xfrm>
-                      <a:prstGeom prst="rect">
-                        <a:avLst/>
-                      </a:prstGeom>
-                    </p:spPr>
-                  </p:pic>
-                </p:oleObj>
-              </mc:Fallback>
-            </mc:AlternateContent>
-          </a:graphicData>
-        </a:graphic>
-      </p:graphicFrame>
-    </p:spTree>
-    <p:extLst>
-      <p:ext uri="{BB962C8B-B14F-4D97-AF65-F5344CB8AC3E}">
-        <p14:creationId xmlns:p14="http://schemas.microsoft.com/office/powerpoint/2010/main" val="482142096"/>
-      </p:ext>
-    </p:extLst>
-  </p:cSld>
-  <p:clrMapOvr>
-    <a:masterClrMapping/>
-  </p:clrMapOvr>
-  <mc:AlternateContent xmlns:mc="http://schemas.openxmlformats.org/markup-compatibility/2006" xmlns:p14="http://schemas.microsoft.com/office/powerpoint/2010/main">
-    <mc:Choice Requires="p14">
-      <p:transition spd="med" p14:dur="700" advClick="0">
-        <p:fade/>
-      </p:transition>
-    </mc:Choice>
-    <mc:Fallback xmlns="">
-      <p:transition xmlns:p14="http://schemas.microsoft.com/office/powerpoint/2010/main" spd="med" advClick="0">
-        <p:fade/>
-      </p:transition>
-    </mc:Fallback>
-  </mc:AlternateContent>
-  <p:timing>
-    <p:tnLst>
-      <p:par>
-        <p:cTn xmlns:p14="http://schemas.microsoft.com/office/powerpoint/2010/main" id="1" dur="indefinite" restart="never" nodeType="tmRoot"/>
-      </p:par>
-    </p:tnLst>
-  </p:timing>
-</p:sld>
-</file>
-
-<file path=ppt/slides/slide29.xml><?xml version="1.0" encoding="utf-8"?>
-<p:sld xmlns:a="http://schemas.openxmlformats.org/drawingml/2006/main" xmlns:r="http://schemas.openxmlformats.org/officeDocument/2006/relationships" xmlns:p="http://schemas.openxmlformats.org/presentationml/2006/main">
-  <p:cSld>
-    <p:spTree>
-      <p:nvGrpSpPr>
-        <p:cNvPr id="1" name=""/>
-        <p:cNvGrpSpPr/>
-        <p:nvPr/>
-      </p:nvGrpSpPr>
-      <p:grpSpPr>
-        <a:xfrm>
-          <a:off x="0" y="0"/>
-          <a:ext cx="0" cy="0"/>
-          <a:chOff x="0" y="0"/>
-          <a:chExt cx="0" cy="0"/>
-        </a:xfrm>
-      </p:grpSpPr>
       <p:graphicFrame>
         <p:nvGraphicFramePr>
           <p:cNvPr id="24" name="Object 23"/>
@@ -14949,7 +14287,7 @@
           <a:graphicData uri="http://schemas.openxmlformats.org/presentationml/2006/ole">
             <mc:AlternateContent xmlns:mc="http://schemas.openxmlformats.org/markup-compatibility/2006">
               <mc:Choice xmlns:v="urn:schemas-microsoft-com:vml" Requires="v">
-                <p:oleObj spid="_x0000_s426038" name="Equation" r:id="rId4" imgW="1854200" imgH="482600" progId="Equation.DSMT4">
+                <p:oleObj spid="_x0000_s426042" name="Equation" r:id="rId4" imgW="1854200" imgH="482600" progId="Equation.DSMT4">
                   <p:embed/>
                 </p:oleObj>
               </mc:Choice>
@@ -15047,7 +14385,7 @@
             <a:fld id="{3251DA95-B240-47FE-901D-B78FC8E8E532}" type="slidenum">
               <a:rPr lang="en-US" smtClean="0"/>
               <a:pPr/>
-              <a:t>29</a:t>
+              <a:t>27</a:t>
             </a:fld>
             <a:endParaRPr lang="en-US" dirty="0"/>
           </a:p>
@@ -15061,7 +14399,7 @@
         </p:nvSpPr>
         <p:spPr>
           <a:xfrm>
-            <a:off x="5194300" y="2801203"/>
+            <a:off x="5372100" y="3067903"/>
             <a:ext cx="2565726" cy="830997"/>
           </a:xfrm>
           <a:prstGeom prst="rect">
@@ -15091,10 +14429,750 @@
           </a:p>
         </p:txBody>
       </p:sp>
+      <p:sp>
+        <p:nvSpPr>
+          <p:cNvPr id="7" name="Rounded Rectangle 6"/>
+          <p:cNvSpPr/>
+          <p:nvPr/>
+        </p:nvSpPr>
+        <p:spPr bwMode="auto">
+          <a:xfrm>
+            <a:off x="1211263" y="1231900"/>
+            <a:ext cx="6980237" cy="1866900"/>
+          </a:xfrm>
+          <a:prstGeom prst="roundRect">
+            <a:avLst/>
+          </a:prstGeom>
+          <a:noFill/>
+          <a:ln w="41275" cap="flat" cmpd="sng" algn="ctr">
+            <a:solidFill>
+              <a:srgbClr val="FF03E3"/>
+            </a:solidFill>
+            <a:prstDash val="sysDash"/>
+            <a:round/>
+            <a:headEnd type="none" w="med" len="med"/>
+            <a:tailEnd type="none" w="med" len="med"/>
+          </a:ln>
+          <a:effectLst/>
+        </p:spPr>
+        <p:txBody>
+          <a:bodyPr vert="horz" wrap="none" lIns="91440" tIns="45720" rIns="91440" bIns="45720" numCol="1" rtlCol="0" anchor="ctr" anchorCtr="0" compatLnSpc="1">
+            <a:prstTxWarp prst="textNoShape">
+              <a:avLst/>
+            </a:prstTxWarp>
+          </a:bodyPr>
+          <a:lstStyle/>
+          <a:p>
+            <a:pPr marL="0" marR="0" indent="0" algn="ctr" defTabSz="914400" rtl="0" eaLnBrk="1" fontAlgn="base" latinLnBrk="0" hangingPunct="1">
+              <a:lnSpc>
+                <a:spcPct val="100000"/>
+              </a:lnSpc>
+              <a:spcBef>
+                <a:spcPct val="0"/>
+              </a:spcBef>
+              <a:spcAft>
+                <a:spcPct val="0"/>
+              </a:spcAft>
+              <a:buClrTx/>
+              <a:buSzTx/>
+              <a:buFontTx/>
+              <a:buNone/>
+              <a:tabLst/>
+            </a:pPr>
+            <a:endParaRPr kumimoji="0" lang="en-US" sz="3200" b="0" i="0" u="none" strike="noStrike" cap="none" normalizeH="0" baseline="0" smtClean="0">
+              <a:ln>
+                <a:noFill/>
+              </a:ln>
+              <a:solidFill>
+                <a:schemeClr val="tx1"/>
+              </a:solidFill>
+              <a:effectLst/>
+              <a:latin typeface="Times New Roman" pitchFamily="18" charset="0"/>
+            </a:endParaRPr>
+          </a:p>
+        </p:txBody>
+      </p:sp>
     </p:spTree>
     <p:extLst>
       <p:ext uri="{BB962C8B-B14F-4D97-AF65-F5344CB8AC3E}">
         <p14:creationId xmlns:p14="http://schemas.microsoft.com/office/powerpoint/2010/main" val="2033548101"/>
+      </p:ext>
+    </p:extLst>
+  </p:cSld>
+  <p:clrMapOvr>
+    <a:masterClrMapping/>
+  </p:clrMapOvr>
+  <p:transition xmlns:p14="http://schemas.microsoft.com/office/powerpoint/2010/main" spd="slow" advClick="0">
+    <p:fade/>
+  </p:transition>
+  <p:timing>
+    <p:tnLst>
+      <p:par>
+        <p:cTn xmlns:p14="http://schemas.microsoft.com/office/powerpoint/2010/main" id="1" dur="indefinite" restart="never" nodeType="tmRoot">
+          <p:childTnLst>
+            <p:seq concurrent="1" nextAc="seek">
+              <p:cTn id="2" dur="indefinite" nodeType="mainSeq">
+                <p:childTnLst>
+                  <p:par>
+                    <p:cTn id="3" fill="hold">
+                      <p:stCondLst>
+                        <p:cond delay="indefinite"/>
+                      </p:stCondLst>
+                      <p:childTnLst>
+                        <p:par>
+                          <p:cTn id="4" fill="hold">
+                            <p:stCondLst>
+                              <p:cond delay="0"/>
+                            </p:stCondLst>
+                            <p:childTnLst>
+                              <p:par>
+                                <p:cTn id="5" presetID="1" presetClass="exit" presetSubtype="0" fill="hold" grpId="0" nodeType="clickEffect">
+                                  <p:stCondLst>
+                                    <p:cond delay="0"/>
+                                  </p:stCondLst>
+                                  <p:childTnLst>
+                                    <p:set>
+                                      <p:cBhvr>
+                                        <p:cTn id="6" dur="1" fill="hold">
+                                          <p:stCondLst>
+                                            <p:cond delay="0"/>
+                                          </p:stCondLst>
+                                        </p:cTn>
+                                        <p:tgtEl>
+                                          <p:spTgt spid="7"/>
+                                        </p:tgtEl>
+                                        <p:attrNameLst>
+                                          <p:attrName>style.visibility</p:attrName>
+                                        </p:attrNameLst>
+                                      </p:cBhvr>
+                                      <p:to>
+                                        <p:strVal val="hidden"/>
+                                      </p:to>
+                                    </p:set>
+                                  </p:childTnLst>
+                                </p:cTn>
+                              </p:par>
+                            </p:childTnLst>
+                          </p:cTn>
+                        </p:par>
+                      </p:childTnLst>
+                    </p:cTn>
+                  </p:par>
+                  <p:par>
+                    <p:cTn id="7" fill="hold">
+                      <p:stCondLst>
+                        <p:cond delay="indefinite"/>
+                      </p:stCondLst>
+                      <p:childTnLst>
+                        <p:par>
+                          <p:cTn id="8" fill="hold">
+                            <p:stCondLst>
+                              <p:cond delay="0"/>
+                            </p:stCondLst>
+                            <p:childTnLst>
+                              <p:par>
+                                <p:cTn id="9" presetID="10" presetClass="entr" presetSubtype="0" fill="hold" grpId="0" nodeType="clickEffect">
+                                  <p:stCondLst>
+                                    <p:cond delay="0"/>
+                                  </p:stCondLst>
+                                  <p:childTnLst>
+                                    <p:set>
+                                      <p:cBhvr>
+                                        <p:cTn id="10" dur="1" fill="hold">
+                                          <p:stCondLst>
+                                            <p:cond delay="0"/>
+                                          </p:stCondLst>
+                                        </p:cTn>
+                                        <p:tgtEl>
+                                          <p:spTgt spid="6"/>
+                                        </p:tgtEl>
+                                        <p:attrNameLst>
+                                          <p:attrName>style.visibility</p:attrName>
+                                        </p:attrNameLst>
+                                      </p:cBhvr>
+                                      <p:to>
+                                        <p:strVal val="visible"/>
+                                      </p:to>
+                                    </p:set>
+                                    <p:animEffect transition="in" filter="fade">
+                                      <p:cBhvr>
+                                        <p:cTn id="11" dur="500"/>
+                                        <p:tgtEl>
+                                          <p:spTgt spid="6"/>
+                                        </p:tgtEl>
+                                      </p:cBhvr>
+                                    </p:animEffect>
+                                  </p:childTnLst>
+                                </p:cTn>
+                              </p:par>
+                            </p:childTnLst>
+                          </p:cTn>
+                        </p:par>
+                      </p:childTnLst>
+                    </p:cTn>
+                  </p:par>
+                </p:childTnLst>
+              </p:cTn>
+              <p:prevCondLst>
+                <p:cond evt="onPrev" delay="0">
+                  <p:tgtEl>
+                    <p:sldTgt/>
+                  </p:tgtEl>
+                </p:cond>
+              </p:prevCondLst>
+              <p:nextCondLst>
+                <p:cond evt="onNext" delay="0">
+                  <p:tgtEl>
+                    <p:sldTgt/>
+                  </p:tgtEl>
+                </p:cond>
+              </p:nextCondLst>
+            </p:seq>
+          </p:childTnLst>
+        </p:cTn>
+      </p:par>
+    </p:tnLst>
+    <p:bldLst>
+      <p:bldP spid="6" grpId="0"/>
+      <p:bldP spid="7" grpId="0" animBg="1"/>
+    </p:bldLst>
+  </p:timing>
+</p:sld>
+</file>
+
+<file path=ppt/slides/slide28.xml><?xml version="1.0" encoding="utf-8"?>
+<p:sld xmlns:a="http://schemas.openxmlformats.org/drawingml/2006/main" xmlns:r="http://schemas.openxmlformats.org/officeDocument/2006/relationships" xmlns:p="http://schemas.openxmlformats.org/presentationml/2006/main">
+  <p:cSld>
+    <p:spTree>
+      <p:nvGrpSpPr>
+        <p:cNvPr id="1" name=""/>
+        <p:cNvGrpSpPr/>
+        <p:nvPr/>
+      </p:nvGrpSpPr>
+      <p:grpSpPr>
+        <a:xfrm>
+          <a:off x="0" y="0"/>
+          <a:ext cx="0" cy="0"/>
+          <a:chOff x="0" y="0"/>
+          <a:chExt cx="0" cy="0"/>
+        </a:xfrm>
+      </p:grpSpPr>
+      <p:graphicFrame>
+        <p:nvGraphicFramePr>
+          <p:cNvPr id="24" name="Object 23"/>
+          <p:cNvGraphicFramePr>
+            <a:graphicFrameLocks noChangeAspect="1"/>
+          </p:cNvGraphicFramePr>
+          <p:nvPr>
+            <p:extLst>
+              <p:ext uri="{D42A27DB-BD31-4B8C-83A1-F6EECF244321}">
+                <p14:modId xmlns:p14="http://schemas.microsoft.com/office/powerpoint/2010/main" val="4046428985"/>
+              </p:ext>
+            </p:extLst>
+          </p:nvPr>
+        </p:nvGraphicFramePr>
+        <p:xfrm>
+          <a:off x="1397794" y="1282700"/>
+          <a:ext cx="6484937" cy="1689100"/>
+        </p:xfrm>
+        <a:graphic>
+          <a:graphicData uri="http://schemas.openxmlformats.org/presentationml/2006/ole">
+            <mc:AlternateContent xmlns:mc="http://schemas.openxmlformats.org/markup-compatibility/2006">
+              <mc:Choice xmlns:v="urn:schemas-microsoft-com:vml" Requires="v">
+                <p:oleObj spid="_x0000_s481294" name="Equation" r:id="rId4" imgW="1854200" imgH="482600" progId="Equation.DSMT4">
+                  <p:embed/>
+                </p:oleObj>
+              </mc:Choice>
+              <mc:Fallback>
+                <p:oleObj name="Equation" r:id="rId4" imgW="1854200" imgH="482600" progId="Equation.DSMT4">
+                  <p:embed/>
+                  <p:pic>
+                    <p:nvPicPr>
+                      <p:cNvPr id="0" name=""/>
+                      <p:cNvPicPr/>
+                      <p:nvPr/>
+                    </p:nvPicPr>
+                    <p:blipFill>
+                      <a:blip r:embed="rId5"/>
+                      <a:stretch>
+                        <a:fillRect/>
+                      </a:stretch>
+                    </p:blipFill>
+                    <p:spPr>
+                      <a:xfrm>
+                        <a:off x="1397794" y="1282700"/>
+                        <a:ext cx="6484937" cy="1689100"/>
+                      </a:xfrm>
+                      <a:prstGeom prst="rect">
+                        <a:avLst/>
+                      </a:prstGeom>
+                    </p:spPr>
+                  </p:pic>
+                </p:oleObj>
+              </mc:Fallback>
+            </mc:AlternateContent>
+          </a:graphicData>
+        </a:graphic>
+      </p:graphicFrame>
+      <p:sp>
+        <p:nvSpPr>
+          <p:cNvPr id="4" name="Slide Number Placeholder 2"/>
+          <p:cNvSpPr>
+            <a:spLocks noGrp="1"/>
+          </p:cNvSpPr>
+          <p:nvPr>
+            <p:ph type="sldNum" sz="quarter" idx="10"/>
+          </p:nvPr>
+        </p:nvSpPr>
+        <p:spPr>
+          <a:xfrm>
+            <a:off x="7333815" y="6553200"/>
+            <a:ext cx="1810186" cy="276999"/>
+          </a:xfrm>
+        </p:spPr>
+        <p:txBody>
+          <a:bodyPr/>
+          <a:lstStyle/>
+          <a:p>
+            <a:r>
+              <a:rPr lang="en-US" dirty="0" smtClean="0"/>
+              <a:t>propositional algebra.</a:t>
+            </a:r>
+            <a:fld id="{3251DA95-B240-47FE-901D-B78FC8E8E532}" type="slidenum">
+              <a:rPr lang="en-US" smtClean="0"/>
+              <a:pPr/>
+              <a:t>28</a:t>
+            </a:fld>
+            <a:endParaRPr lang="en-US" dirty="0"/>
+          </a:p>
+        </p:txBody>
+      </p:sp>
+      <p:sp>
+        <p:nvSpPr>
+          <p:cNvPr id="7" name="Title 1"/>
+          <p:cNvSpPr>
+            <a:spLocks noGrp="1"/>
+          </p:cNvSpPr>
+          <p:nvPr>
+            <p:ph type="title"/>
+          </p:nvPr>
+        </p:nvSpPr>
+        <p:spPr>
+          <a:xfrm>
+            <a:off x="1651000" y="363538"/>
+            <a:ext cx="6794500" cy="1003300"/>
+          </a:xfrm>
+        </p:spPr>
+        <p:txBody>
+          <a:bodyPr/>
+          <a:lstStyle/>
+          <a:p>
+            <a:r>
+              <a:rPr lang="en-US" sz="4000" dirty="0" smtClean="0">
+                <a:solidFill>
+                  <a:srgbClr val="FF03E3"/>
+                </a:solidFill>
+              </a:rPr>
+              <a:t>example</a:t>
+            </a:r>
+            <a:endParaRPr lang="en-US" sz="4000" dirty="0">
+              <a:solidFill>
+                <a:srgbClr val="FF03E3"/>
+              </a:solidFill>
+            </a:endParaRPr>
+          </a:p>
+        </p:txBody>
+      </p:sp>
+      <p:sp>
+        <p:nvSpPr>
+          <p:cNvPr id="8" name="TextBox 7"/>
+          <p:cNvSpPr txBox="1"/>
+          <p:nvPr/>
+        </p:nvSpPr>
+        <p:spPr>
+          <a:xfrm>
+            <a:off x="5372100" y="3067903"/>
+            <a:ext cx="2565726" cy="830997"/>
+          </a:xfrm>
+          <a:prstGeom prst="rect">
+            <a:avLst/>
+          </a:prstGeom>
+          <a:noFill/>
+        </p:spPr>
+        <p:txBody>
+          <a:bodyPr wrap="none" rtlCol="0">
+            <a:spAutoFit/>
+          </a:bodyPr>
+          <a:lstStyle/>
+          <a:p>
+            <a:pPr algn="l"/>
+            <a:r>
+              <a:rPr lang="en-US" sz="4800" dirty="0" smtClean="0">
+                <a:solidFill>
+                  <a:srgbClr val="FF03E3"/>
+                </a:solidFill>
+                <a:latin typeface="Comic Sans MS" pitchFamily="66" charset="0"/>
+              </a:rPr>
+              <a:t>Simplify </a:t>
+            </a:r>
+            <a:endParaRPr lang="en-US" sz="4800" dirty="0" smtClean="0">
+              <a:latin typeface="Comic Sans MS" pitchFamily="66" charset="0"/>
+            </a:endParaRPr>
+          </a:p>
+        </p:txBody>
+      </p:sp>
+    </p:spTree>
+    <p:extLst>
+      <p:ext uri="{BB962C8B-B14F-4D97-AF65-F5344CB8AC3E}">
+        <p14:creationId xmlns:p14="http://schemas.microsoft.com/office/powerpoint/2010/main" val="2859233029"/>
+      </p:ext>
+    </p:extLst>
+  </p:cSld>
+  <p:clrMapOvr>
+    <a:masterClrMapping/>
+  </p:clrMapOvr>
+  <p:transition xmlns:p14="http://schemas.microsoft.com/office/powerpoint/2010/main" spd="slow" advClick="0">
+    <p:fade/>
+  </p:transition>
+  <p:timing>
+    <p:tnLst>
+      <p:par>
+        <p:cTn xmlns:p14="http://schemas.microsoft.com/office/powerpoint/2010/main" id="1" dur="indefinite" restart="never" nodeType="tmRoot"/>
+      </p:par>
+    </p:tnLst>
+  </p:timing>
+</p:sld>
+</file>
+
+<file path=ppt/slides/slide29.xml><?xml version="1.0" encoding="utf-8"?>
+<p:sld xmlns:a="http://schemas.openxmlformats.org/drawingml/2006/main" xmlns:r="http://schemas.openxmlformats.org/officeDocument/2006/relationships" xmlns:p="http://schemas.openxmlformats.org/presentationml/2006/main">
+  <p:cSld>
+    <p:spTree>
+      <p:nvGrpSpPr>
+        <p:cNvPr id="1" name=""/>
+        <p:cNvGrpSpPr/>
+        <p:nvPr/>
+      </p:nvGrpSpPr>
+      <p:grpSpPr>
+        <a:xfrm>
+          <a:off x="0" y="0"/>
+          <a:ext cx="0" cy="0"/>
+          <a:chOff x="0" y="0"/>
+          <a:chExt cx="0" cy="0"/>
+        </a:xfrm>
+      </p:grpSpPr>
+      <p:sp>
+        <p:nvSpPr>
+          <p:cNvPr id="4" name="Slide Number Placeholder 2"/>
+          <p:cNvSpPr>
+            <a:spLocks noGrp="1"/>
+          </p:cNvSpPr>
+          <p:nvPr>
+            <p:ph type="sldNum" sz="quarter" idx="10"/>
+          </p:nvPr>
+        </p:nvSpPr>
+        <p:spPr>
+          <a:xfrm>
+            <a:off x="7333815" y="6553200"/>
+            <a:ext cx="1810186" cy="276999"/>
+          </a:xfrm>
+        </p:spPr>
+        <p:txBody>
+          <a:bodyPr/>
+          <a:lstStyle/>
+          <a:p>
+            <a:r>
+              <a:rPr lang="en-US" dirty="0" smtClean="0"/>
+              <a:t>propositional algebra.</a:t>
+            </a:r>
+            <a:fld id="{3251DA95-B240-47FE-901D-B78FC8E8E532}" type="slidenum">
+              <a:rPr lang="en-US" smtClean="0"/>
+              <a:pPr/>
+              <a:t>29</a:t>
+            </a:fld>
+            <a:endParaRPr lang="en-US" dirty="0"/>
+          </a:p>
+        </p:txBody>
+      </p:sp>
+      <p:graphicFrame>
+        <p:nvGraphicFramePr>
+          <p:cNvPr id="14" name="Object 13"/>
+          <p:cNvGraphicFramePr>
+            <a:graphicFrameLocks noChangeAspect="1"/>
+          </p:cNvGraphicFramePr>
+          <p:nvPr>
+            <p:extLst>
+              <p:ext uri="{D42A27DB-BD31-4B8C-83A1-F6EECF244321}">
+                <p14:modId xmlns:p14="http://schemas.microsoft.com/office/powerpoint/2010/main" val="3728939539"/>
+              </p:ext>
+            </p:extLst>
+          </p:nvPr>
+        </p:nvGraphicFramePr>
+        <p:xfrm>
+          <a:off x="350837" y="1593850"/>
+          <a:ext cx="8793163" cy="889000"/>
+        </p:xfrm>
+        <a:graphic>
+          <a:graphicData uri="http://schemas.openxmlformats.org/presentationml/2006/ole">
+            <mc:AlternateContent xmlns:mc="http://schemas.openxmlformats.org/markup-compatibility/2006">
+              <mc:Choice xmlns:v="urn:schemas-microsoft-com:vml" Requires="v">
+                <p:oleObj spid="_x0000_s447514" name="Equation" r:id="rId4" imgW="2514600" imgH="254000" progId="Equation.DSMT4">
+                  <p:embed/>
+                </p:oleObj>
+              </mc:Choice>
+              <mc:Fallback>
+                <p:oleObj name="Equation" r:id="rId4" imgW="2514600" imgH="254000" progId="Equation.DSMT4">
+                  <p:embed/>
+                  <p:pic>
+                    <p:nvPicPr>
+                      <p:cNvPr id="0" name=""/>
+                      <p:cNvPicPr/>
+                      <p:nvPr/>
+                    </p:nvPicPr>
+                    <p:blipFill>
+                      <a:blip r:embed="rId5"/>
+                      <a:stretch>
+                        <a:fillRect/>
+                      </a:stretch>
+                    </p:blipFill>
+                    <p:spPr>
+                      <a:xfrm>
+                        <a:off x="350837" y="1593850"/>
+                        <a:ext cx="8793163" cy="889000"/>
+                      </a:xfrm>
+                      <a:prstGeom prst="rect">
+                        <a:avLst/>
+                      </a:prstGeom>
+                    </p:spPr>
+                  </p:pic>
+                </p:oleObj>
+              </mc:Fallback>
+            </mc:AlternateContent>
+          </a:graphicData>
+        </a:graphic>
+      </p:graphicFrame>
+      <p:sp>
+        <p:nvSpPr>
+          <p:cNvPr id="2" name="TextBox 1"/>
+          <p:cNvSpPr txBox="1"/>
+          <p:nvPr/>
+        </p:nvSpPr>
+        <p:spPr>
+          <a:xfrm>
+            <a:off x="298233" y="2730054"/>
+            <a:ext cx="8656923" cy="1938992"/>
+          </a:xfrm>
+          <a:prstGeom prst="rect">
+            <a:avLst/>
+          </a:prstGeom>
+          <a:noFill/>
+        </p:spPr>
+        <p:txBody>
+          <a:bodyPr wrap="square" rtlCol="0">
+            <a:spAutoFit/>
+          </a:bodyPr>
+          <a:lstStyle/>
+          <a:p>
+            <a:pPr algn="l"/>
+            <a:r>
+              <a:rPr lang="en-US" sz="6000" dirty="0" smtClean="0">
+                <a:latin typeface="Comic Sans MS" pitchFamily="66" charset="0"/>
+              </a:rPr>
+              <a:t>got to DNF!</a:t>
+            </a:r>
+          </a:p>
+          <a:p>
+            <a:pPr algn="l"/>
+            <a:r>
+              <a:rPr lang="en-US" sz="6000" dirty="0" smtClean="0">
+                <a:latin typeface="Comic Sans MS" pitchFamily="66" charset="0"/>
+              </a:rPr>
+              <a:t>now to get to Full DNF:</a:t>
+            </a:r>
+          </a:p>
+        </p:txBody>
+      </p:sp>
+      <p:sp>
+        <p:nvSpPr>
+          <p:cNvPr id="7" name="Title 1"/>
+          <p:cNvSpPr txBox="1">
+            <a:spLocks/>
+          </p:cNvSpPr>
+          <p:nvPr/>
+        </p:nvSpPr>
+        <p:spPr bwMode="auto">
+          <a:xfrm>
+            <a:off x="1651000" y="363538"/>
+            <a:ext cx="6794500" cy="1003300"/>
+          </a:xfrm>
+          <a:prstGeom prst="rect">
+            <a:avLst/>
+          </a:prstGeom>
+          <a:noFill/>
+          <a:ln w="9525">
+            <a:noFill/>
+            <a:miter lim="800000"/>
+            <a:headEnd/>
+            <a:tailEnd/>
+          </a:ln>
+        </p:spPr>
+        <p:txBody>
+          <a:bodyPr vert="horz" wrap="square" lIns="91440" tIns="45720" rIns="91440" bIns="45720" numCol="1" anchor="ctr" anchorCtr="0" compatLnSpc="1">
+            <a:prstTxWarp prst="textNoShape">
+              <a:avLst/>
+            </a:prstTxWarp>
+          </a:bodyPr>
+          <a:lstStyle>
+            <a:lvl1pPr algn="l" rtl="0" eaLnBrk="0" fontAlgn="base" hangingPunct="0">
+              <a:spcBef>
+                <a:spcPct val="0"/>
+              </a:spcBef>
+              <a:spcAft>
+                <a:spcPct val="0"/>
+              </a:spcAft>
+              <a:defRPr sz="3600" b="1">
+                <a:solidFill>
+                  <a:schemeClr val="tx2"/>
+                </a:solidFill>
+                <a:latin typeface="Comic Sans MS" pitchFamily="66" charset="0"/>
+                <a:ea typeface="+mj-ea"/>
+                <a:cs typeface="+mj-cs"/>
+              </a:defRPr>
+            </a:lvl1pPr>
+            <a:lvl2pPr algn="l" rtl="0" eaLnBrk="0" fontAlgn="base" hangingPunct="0">
+              <a:spcBef>
+                <a:spcPct val="0"/>
+              </a:spcBef>
+              <a:spcAft>
+                <a:spcPct val="0"/>
+              </a:spcAft>
+              <a:defRPr sz="4400" b="1">
+                <a:solidFill>
+                  <a:schemeClr val="tx2"/>
+                </a:solidFill>
+                <a:latin typeface="Comic Sans MS" pitchFamily="66" charset="0"/>
+              </a:defRPr>
+            </a:lvl2pPr>
+            <a:lvl3pPr algn="l" rtl="0" eaLnBrk="0" fontAlgn="base" hangingPunct="0">
+              <a:spcBef>
+                <a:spcPct val="0"/>
+              </a:spcBef>
+              <a:spcAft>
+                <a:spcPct val="0"/>
+              </a:spcAft>
+              <a:defRPr sz="4400" b="1">
+                <a:solidFill>
+                  <a:schemeClr val="tx2"/>
+                </a:solidFill>
+                <a:latin typeface="Comic Sans MS" pitchFamily="66" charset="0"/>
+              </a:defRPr>
+            </a:lvl3pPr>
+            <a:lvl4pPr algn="l" rtl="0" eaLnBrk="0" fontAlgn="base" hangingPunct="0">
+              <a:spcBef>
+                <a:spcPct val="0"/>
+              </a:spcBef>
+              <a:spcAft>
+                <a:spcPct val="0"/>
+              </a:spcAft>
+              <a:defRPr sz="4400" b="1">
+                <a:solidFill>
+                  <a:schemeClr val="tx2"/>
+                </a:solidFill>
+                <a:latin typeface="Comic Sans MS" pitchFamily="66" charset="0"/>
+              </a:defRPr>
+            </a:lvl4pPr>
+            <a:lvl5pPr algn="l" rtl="0" eaLnBrk="0" fontAlgn="base" hangingPunct="0">
+              <a:spcBef>
+                <a:spcPct val="0"/>
+              </a:spcBef>
+              <a:spcAft>
+                <a:spcPct val="0"/>
+              </a:spcAft>
+              <a:defRPr sz="4400" b="1">
+                <a:solidFill>
+                  <a:schemeClr val="tx2"/>
+                </a:solidFill>
+                <a:latin typeface="Comic Sans MS" pitchFamily="66" charset="0"/>
+              </a:defRPr>
+            </a:lvl5pPr>
+            <a:lvl6pPr marL="457200" algn="l" rtl="0" fontAlgn="base">
+              <a:spcBef>
+                <a:spcPct val="0"/>
+              </a:spcBef>
+              <a:spcAft>
+                <a:spcPct val="0"/>
+              </a:spcAft>
+              <a:defRPr sz="4400" b="1">
+                <a:solidFill>
+                  <a:schemeClr val="tx2"/>
+                </a:solidFill>
+                <a:latin typeface="Times New Roman" pitchFamily="18" charset="0"/>
+              </a:defRPr>
+            </a:lvl6pPr>
+            <a:lvl7pPr marL="914400" algn="l" rtl="0" fontAlgn="base">
+              <a:spcBef>
+                <a:spcPct val="0"/>
+              </a:spcBef>
+              <a:spcAft>
+                <a:spcPct val="0"/>
+              </a:spcAft>
+              <a:defRPr sz="4400" b="1">
+                <a:solidFill>
+                  <a:schemeClr val="tx2"/>
+                </a:solidFill>
+                <a:latin typeface="Times New Roman" pitchFamily="18" charset="0"/>
+              </a:defRPr>
+            </a:lvl7pPr>
+            <a:lvl8pPr marL="1371600" algn="l" rtl="0" fontAlgn="base">
+              <a:spcBef>
+                <a:spcPct val="0"/>
+              </a:spcBef>
+              <a:spcAft>
+                <a:spcPct val="0"/>
+              </a:spcAft>
+              <a:defRPr sz="4400" b="1">
+                <a:solidFill>
+                  <a:schemeClr val="tx2"/>
+                </a:solidFill>
+                <a:latin typeface="Times New Roman" pitchFamily="18" charset="0"/>
+              </a:defRPr>
+            </a:lvl8pPr>
+            <a:lvl9pPr marL="1828800" algn="l" rtl="0" fontAlgn="base">
+              <a:spcBef>
+                <a:spcPct val="0"/>
+              </a:spcBef>
+              <a:spcAft>
+                <a:spcPct val="0"/>
+              </a:spcAft>
+              <a:defRPr sz="4400" b="1">
+                <a:solidFill>
+                  <a:schemeClr val="tx2"/>
+                </a:solidFill>
+                <a:latin typeface="Times New Roman" pitchFamily="18" charset="0"/>
+              </a:defRPr>
+            </a:lvl9pPr>
+          </a:lstStyle>
+          <a:p>
+            <a:r>
+              <a:rPr lang="en-US" sz="4000" smtClean="0">
+                <a:solidFill>
+                  <a:srgbClr val="FF03E3"/>
+                </a:solidFill>
+              </a:rPr>
+              <a:t>example</a:t>
+            </a:r>
+            <a:endParaRPr lang="en-US" sz="4000" dirty="0">
+              <a:solidFill>
+                <a:srgbClr val="FF03E3"/>
+              </a:solidFill>
+            </a:endParaRPr>
+          </a:p>
+        </p:txBody>
+      </p:sp>
+    </p:spTree>
+    <p:extLst>
+      <p:ext uri="{BB962C8B-B14F-4D97-AF65-F5344CB8AC3E}">
+        <p14:creationId xmlns:p14="http://schemas.microsoft.com/office/powerpoint/2010/main" val="2630792910"/>
       </p:ext>
     </p:extLst>
   </p:cSld>
@@ -15138,7 +15216,11 @@
                                           </p:stCondLst>
                                         </p:cTn>
                                         <p:tgtEl>
-                                          <p:spTgt spid="6"/>
+                                          <p:spTgt spid="2">
+                                            <p:txEl>
+                                              <p:pRg st="0" end="0"/>
+                                            </p:txEl>
+                                          </p:spTgt>
                                         </p:tgtEl>
                                         <p:attrNameLst>
                                           <p:attrName>style.visibility</p:attrName>
@@ -15152,7 +15234,72 @@
                                       <p:cBhvr>
                                         <p:cTn id="7" dur="500"/>
                                         <p:tgtEl>
-                                          <p:spTgt spid="6"/>
+                                          <p:spTgt spid="2">
+                                            <p:txEl>
+                                              <p:pRg st="0" end="0"/>
+                                            </p:txEl>
+                                          </p:spTgt>
+                                        </p:tgtEl>
+                                      </p:cBhvr>
+                                    </p:animEffect>
+                                  </p:childTnLst>
+                                </p:cTn>
+                              </p:par>
+                            </p:childTnLst>
+                          </p:cTn>
+                        </p:par>
+                      </p:childTnLst>
+                    </p:cTn>
+                  </p:par>
+                  <p:par>
+                    <p:cTn id="8" fill="hold">
+                      <p:stCondLst>
+                        <p:cond delay="indefinite"/>
+                      </p:stCondLst>
+                      <p:childTnLst>
+                        <p:par>
+                          <p:cTn id="9" fill="hold">
+                            <p:stCondLst>
+                              <p:cond delay="0"/>
+                            </p:stCondLst>
+                            <p:childTnLst>
+                              <p:par>
+                                <p:cTn id="10" presetID="10" presetClass="entr" presetSubtype="0" fill="hold" grpId="0" nodeType="clickEffect">
+                                  <p:stCondLst>
+                                    <p:cond delay="0"/>
+                                  </p:stCondLst>
+                                  <p:childTnLst>
+                                    <p:set>
+                                      <p:cBhvr>
+                                        <p:cTn id="11" dur="1" fill="hold">
+                                          <p:stCondLst>
+                                            <p:cond delay="0"/>
+                                          </p:stCondLst>
+                                        </p:cTn>
+                                        <p:tgtEl>
+                                          <p:spTgt spid="2">
+                                            <p:txEl>
+                                              <p:pRg st="1" end="1"/>
+                                            </p:txEl>
+                                          </p:spTgt>
+                                        </p:tgtEl>
+                                        <p:attrNameLst>
+                                          <p:attrName>style.visibility</p:attrName>
+                                        </p:attrNameLst>
+                                      </p:cBhvr>
+                                      <p:to>
+                                        <p:strVal val="visible"/>
+                                      </p:to>
+                                    </p:set>
+                                    <p:animEffect transition="in" filter="fade">
+                                      <p:cBhvr>
+                                        <p:cTn id="12" dur="500"/>
+                                        <p:tgtEl>
+                                          <p:spTgt spid="2">
+                                            <p:txEl>
+                                              <p:pRg st="1" end="1"/>
+                                            </p:txEl>
+                                          </p:spTgt>
                                         </p:tgtEl>
                                       </p:cBhvr>
                                     </p:animEffect>
@@ -15187,7 +15334,7 @@
       </p:par>
     </p:tnLst>
     <p:bldLst>
-      <p:bldP spid="6" grpId="0"/>
+      <p:bldP spid="2" grpId="0" build="p"/>
     </p:bldLst>
   </p:timing>
 </p:sld>
@@ -15293,25 +15440,7 @@
               <a:rPr lang="en-US" sz="4800" dirty="0" smtClean="0">
                 <a:latin typeface="Comic Sans MS" pitchFamily="66" charset="0"/>
               </a:rPr>
-              <a:t>Come up with enough equivalence </a:t>
-            </a:r>
-            <a:r>
-              <a:rPr lang="en-US" sz="4800" dirty="0" smtClean="0">
-                <a:latin typeface="Comic Sans MS" pitchFamily="66" charset="0"/>
-              </a:rPr>
-              <a:t>rules to convert any formula </a:t>
-            </a:r>
-            <a:r>
-              <a:rPr lang="en-US" sz="4800" dirty="0" smtClean="0">
-                <a:latin typeface="Comic Sans MS" pitchFamily="66" charset="0"/>
-              </a:rPr>
-              <a:t>to an </a:t>
-            </a:r>
-            <a:r>
-              <a:rPr lang="en-US" sz="4800" dirty="0" smtClean="0">
-                <a:latin typeface="Comic Sans MS" pitchFamily="66" charset="0"/>
-              </a:rPr>
-              <a:t>equivalent Full DNF.</a:t>
+              <a:t>Come up with enough equivalence rules to convert any formula to an equivalent Full DNF.</a:t>
             </a:r>
           </a:p>
           <a:p>
@@ -15340,9 +15469,6 @@
               </a:rPr>
               <a:t>when convert to same Full DNF.</a:t>
             </a:r>
-            <a:endParaRPr lang="en-US" sz="4800" dirty="0" smtClean="0">
-              <a:latin typeface="Comic Sans MS" pitchFamily="66" charset="0"/>
-            </a:endParaRPr>
           </a:p>
         </p:txBody>
       </p:sp>
@@ -15531,63 +15657,6 @@
           <a:chExt cx="0" cy="0"/>
         </a:xfrm>
       </p:grpSpPr>
-      <p:graphicFrame>
-        <p:nvGraphicFramePr>
-          <p:cNvPr id="24" name="Object 23"/>
-          <p:cNvGraphicFramePr>
-            <a:graphicFrameLocks noChangeAspect="1"/>
-          </p:cNvGraphicFramePr>
-          <p:nvPr>
-            <p:extLst>
-              <p:ext uri="{D42A27DB-BD31-4B8C-83A1-F6EECF244321}">
-                <p14:modId xmlns:p14="http://schemas.microsoft.com/office/powerpoint/2010/main" val="4046428985"/>
-              </p:ext>
-            </p:extLst>
-          </p:nvPr>
-        </p:nvGraphicFramePr>
-        <p:xfrm>
-          <a:off x="1397794" y="1282700"/>
-          <a:ext cx="6484937" cy="1689100"/>
-        </p:xfrm>
-        <a:graphic>
-          <a:graphicData uri="http://schemas.openxmlformats.org/presentationml/2006/ole">
-            <mc:AlternateContent xmlns:mc="http://schemas.openxmlformats.org/markup-compatibility/2006">
-              <mc:Choice xmlns:v="urn:schemas-microsoft-com:vml" Requires="v">
-                <p:oleObj spid="_x0000_s481290" name="Equation" r:id="rId4" imgW="1854200" imgH="482600" progId="Equation.DSMT4">
-                  <p:embed/>
-                </p:oleObj>
-              </mc:Choice>
-              <mc:Fallback>
-                <p:oleObj name="Equation" r:id="rId4" imgW="1854200" imgH="482600" progId="Equation.DSMT4">
-                  <p:embed/>
-                  <p:pic>
-                    <p:nvPicPr>
-                      <p:cNvPr id="0" name=""/>
-                      <p:cNvPicPr/>
-                      <p:nvPr/>
-                    </p:nvPicPr>
-                    <p:blipFill>
-                      <a:blip r:embed="rId5"/>
-                      <a:stretch>
-                        <a:fillRect/>
-                      </a:stretch>
-                    </p:blipFill>
-                    <p:spPr>
-                      <a:xfrm>
-                        <a:off x="1397794" y="1282700"/>
-                        <a:ext cx="6484937" cy="1689100"/>
-                      </a:xfrm>
-                      <a:prstGeom prst="rect">
-                        <a:avLst/>
-                      </a:prstGeom>
-                    </p:spPr>
-                  </p:pic>
-                </p:oleObj>
-              </mc:Fallback>
-            </mc:AlternateContent>
-          </a:graphicData>
-        </a:graphic>
-      </p:graphicFrame>
       <p:sp>
         <p:nvSpPr>
           <p:cNvPr id="4" name="Slide Number Placeholder 2"/>
@@ -15616,679 +15685,6 @@
               <a:rPr lang="en-US" smtClean="0"/>
               <a:pPr/>
               <a:t>30</a:t>
-            </a:fld>
-            <a:endParaRPr lang="en-US" dirty="0"/>
-          </a:p>
-        </p:txBody>
-      </p:sp>
-      <p:sp>
-        <p:nvSpPr>
-          <p:cNvPr id="6" name="TextBox 5"/>
-          <p:cNvSpPr txBox="1"/>
-          <p:nvPr/>
-        </p:nvSpPr>
-        <p:spPr>
-          <a:xfrm>
-            <a:off x="5194300" y="2801203"/>
-            <a:ext cx="2565726" cy="830997"/>
-          </a:xfrm>
-          <a:prstGeom prst="rect">
-            <a:avLst/>
-          </a:prstGeom>
-          <a:noFill/>
-        </p:spPr>
-        <p:txBody>
-          <a:bodyPr wrap="none" rtlCol="0">
-            <a:spAutoFit/>
-          </a:bodyPr>
-          <a:lstStyle/>
-          <a:p>
-            <a:pPr algn="l"/>
-            <a:r>
-              <a:rPr lang="en-US" sz="4800" dirty="0" smtClean="0">
-                <a:solidFill>
-                  <a:srgbClr val="FF03E3"/>
-                </a:solidFill>
-                <a:latin typeface="Comic Sans MS" pitchFamily="66" charset="0"/>
-              </a:rPr>
-              <a:t>Simplify </a:t>
-            </a:r>
-            <a:endParaRPr lang="en-US" sz="4800" dirty="0" smtClean="0">
-              <a:latin typeface="Comic Sans MS" pitchFamily="66" charset="0"/>
-            </a:endParaRPr>
-          </a:p>
-        </p:txBody>
-      </p:sp>
-      <p:sp>
-        <p:nvSpPr>
-          <p:cNvPr id="7" name="Title 1"/>
-          <p:cNvSpPr>
-            <a:spLocks noGrp="1"/>
-          </p:cNvSpPr>
-          <p:nvPr>
-            <p:ph type="title"/>
-          </p:nvPr>
-        </p:nvSpPr>
-        <p:spPr>
-          <a:xfrm>
-            <a:off x="1651000" y="363538"/>
-            <a:ext cx="6794500" cy="1003300"/>
-          </a:xfrm>
-        </p:spPr>
-        <p:txBody>
-          <a:bodyPr/>
-          <a:lstStyle/>
-          <a:p>
-            <a:r>
-              <a:rPr lang="en-US" sz="4000" dirty="0" smtClean="0">
-                <a:solidFill>
-                  <a:srgbClr val="FF03E3"/>
-                </a:solidFill>
-              </a:rPr>
-              <a:t>example</a:t>
-            </a:r>
-            <a:endParaRPr lang="en-US" sz="4000" dirty="0">
-              <a:solidFill>
-                <a:srgbClr val="FF03E3"/>
-              </a:solidFill>
-            </a:endParaRPr>
-          </a:p>
-        </p:txBody>
-      </p:sp>
-    </p:spTree>
-    <p:extLst>
-      <p:ext uri="{BB962C8B-B14F-4D97-AF65-F5344CB8AC3E}">
-        <p14:creationId xmlns:p14="http://schemas.microsoft.com/office/powerpoint/2010/main" val="2859233029"/>
-      </p:ext>
-    </p:extLst>
-  </p:cSld>
-  <p:clrMapOvr>
-    <a:masterClrMapping/>
-  </p:clrMapOvr>
-  <p:transition xmlns:p14="http://schemas.microsoft.com/office/powerpoint/2010/main" spd="slow" advClick="0">
-    <p:fade/>
-  </p:transition>
-  <p:timing>
-    <p:tnLst>
-      <p:par>
-        <p:cTn xmlns:p14="http://schemas.microsoft.com/office/powerpoint/2010/main" id="1" dur="indefinite" restart="never" nodeType="tmRoot"/>
-      </p:par>
-    </p:tnLst>
-  </p:timing>
-</p:sld>
-</file>
-
-<file path=ppt/slides/slide31.xml><?xml version="1.0" encoding="utf-8"?>
-<p:sld xmlns:a="http://schemas.openxmlformats.org/drawingml/2006/main" xmlns:r="http://schemas.openxmlformats.org/officeDocument/2006/relationships" xmlns:p="http://schemas.openxmlformats.org/presentationml/2006/main">
-  <p:cSld>
-    <p:spTree>
-      <p:nvGrpSpPr>
-        <p:cNvPr id="1" name=""/>
-        <p:cNvGrpSpPr/>
-        <p:nvPr/>
-      </p:nvGrpSpPr>
-      <p:grpSpPr>
-        <a:xfrm>
-          <a:off x="0" y="0"/>
-          <a:ext cx="0" cy="0"/>
-          <a:chOff x="0" y="0"/>
-          <a:chExt cx="0" cy="0"/>
-        </a:xfrm>
-      </p:grpSpPr>
-      <p:sp>
-        <p:nvSpPr>
-          <p:cNvPr id="4" name="Slide Number Placeholder 2"/>
-          <p:cNvSpPr>
-            <a:spLocks noGrp="1"/>
-          </p:cNvSpPr>
-          <p:nvPr>
-            <p:ph type="sldNum" sz="quarter" idx="10"/>
-          </p:nvPr>
-        </p:nvSpPr>
-        <p:spPr>
-          <a:xfrm>
-            <a:off x="7333815" y="6553200"/>
-            <a:ext cx="1810186" cy="276999"/>
-          </a:xfrm>
-        </p:spPr>
-        <p:txBody>
-          <a:bodyPr/>
-          <a:lstStyle/>
-          <a:p>
-            <a:r>
-              <a:rPr lang="en-US" dirty="0" smtClean="0"/>
-              <a:t>propositional algebra.</a:t>
-            </a:r>
-            <a:fld id="{3251DA95-B240-47FE-901D-B78FC8E8E532}" type="slidenum">
-              <a:rPr lang="en-US" smtClean="0"/>
-              <a:pPr/>
-              <a:t>31</a:t>
-            </a:fld>
-            <a:endParaRPr lang="en-US" dirty="0"/>
-          </a:p>
-        </p:txBody>
-      </p:sp>
-      <p:graphicFrame>
-        <p:nvGraphicFramePr>
-          <p:cNvPr id="14" name="Object 13"/>
-          <p:cNvGraphicFramePr>
-            <a:graphicFrameLocks noChangeAspect="1"/>
-          </p:cNvGraphicFramePr>
-          <p:nvPr>
-            <p:extLst>
-              <p:ext uri="{D42A27DB-BD31-4B8C-83A1-F6EECF244321}">
-                <p14:modId xmlns:p14="http://schemas.microsoft.com/office/powerpoint/2010/main" val="3728939539"/>
-              </p:ext>
-            </p:extLst>
-          </p:nvPr>
-        </p:nvGraphicFramePr>
-        <p:xfrm>
-          <a:off x="350837" y="1593850"/>
-          <a:ext cx="8793163" cy="889000"/>
-        </p:xfrm>
-        <a:graphic>
-          <a:graphicData uri="http://schemas.openxmlformats.org/presentationml/2006/ole">
-            <mc:AlternateContent xmlns:mc="http://schemas.openxmlformats.org/markup-compatibility/2006">
-              <mc:Choice xmlns:v="urn:schemas-microsoft-com:vml" Requires="v">
-                <p:oleObj spid="_x0000_s447511" name="Equation" r:id="rId4" imgW="2514600" imgH="254000" progId="Equation.DSMT4">
-                  <p:embed/>
-                </p:oleObj>
-              </mc:Choice>
-              <mc:Fallback>
-                <p:oleObj name="Equation" r:id="rId4" imgW="2514600" imgH="254000" progId="Equation.DSMT4">
-                  <p:embed/>
-                  <p:pic>
-                    <p:nvPicPr>
-                      <p:cNvPr id="0" name=""/>
-                      <p:cNvPicPr/>
-                      <p:nvPr/>
-                    </p:nvPicPr>
-                    <p:blipFill>
-                      <a:blip r:embed="rId5"/>
-                      <a:stretch>
-                        <a:fillRect/>
-                      </a:stretch>
-                    </p:blipFill>
-                    <p:spPr>
-                      <a:xfrm>
-                        <a:off x="350837" y="1593850"/>
-                        <a:ext cx="8793163" cy="889000"/>
-                      </a:xfrm>
-                      <a:prstGeom prst="rect">
-                        <a:avLst/>
-                      </a:prstGeom>
-                    </p:spPr>
-                  </p:pic>
-                </p:oleObj>
-              </mc:Fallback>
-            </mc:AlternateContent>
-          </a:graphicData>
-        </a:graphic>
-      </p:graphicFrame>
-      <p:sp>
-        <p:nvSpPr>
-          <p:cNvPr id="2" name="TextBox 1"/>
-          <p:cNvSpPr txBox="1"/>
-          <p:nvPr/>
-        </p:nvSpPr>
-        <p:spPr>
-          <a:xfrm>
-            <a:off x="298233" y="2730054"/>
-            <a:ext cx="8656923" cy="1938992"/>
-          </a:xfrm>
-          <a:prstGeom prst="rect">
-            <a:avLst/>
-          </a:prstGeom>
-          <a:noFill/>
-        </p:spPr>
-        <p:txBody>
-          <a:bodyPr wrap="square" rtlCol="0">
-            <a:spAutoFit/>
-          </a:bodyPr>
-          <a:lstStyle/>
-          <a:p>
-            <a:pPr algn="l"/>
-            <a:r>
-              <a:rPr lang="en-US" sz="6000" dirty="0" smtClean="0">
-                <a:latin typeface="Comic Sans MS" pitchFamily="66" charset="0"/>
-              </a:rPr>
-              <a:t>got to </a:t>
-            </a:r>
-            <a:r>
-              <a:rPr lang="en-US" sz="6000" dirty="0" smtClean="0">
-                <a:latin typeface="Comic Sans MS" pitchFamily="66" charset="0"/>
-              </a:rPr>
-              <a:t>DNF!</a:t>
-            </a:r>
-            <a:endParaRPr lang="en-US" sz="6000" dirty="0" smtClean="0">
-              <a:latin typeface="Comic Sans MS" pitchFamily="66" charset="0"/>
-            </a:endParaRPr>
-          </a:p>
-          <a:p>
-            <a:pPr algn="l"/>
-            <a:r>
-              <a:rPr lang="en-US" sz="6000" dirty="0" smtClean="0">
-                <a:latin typeface="Comic Sans MS" pitchFamily="66" charset="0"/>
-              </a:rPr>
-              <a:t>now to </a:t>
-            </a:r>
-            <a:r>
-              <a:rPr lang="en-US" sz="6000" dirty="0" smtClean="0">
-                <a:latin typeface="Comic Sans MS" pitchFamily="66" charset="0"/>
-              </a:rPr>
-              <a:t>get </a:t>
-            </a:r>
-            <a:r>
-              <a:rPr lang="en-US" sz="6000" dirty="0" smtClean="0">
-                <a:latin typeface="Comic Sans MS" pitchFamily="66" charset="0"/>
-              </a:rPr>
-              <a:t>to Full DNF</a:t>
-            </a:r>
-            <a:r>
-              <a:rPr lang="en-US" sz="6000" dirty="0" smtClean="0">
-                <a:latin typeface="Comic Sans MS" pitchFamily="66" charset="0"/>
-              </a:rPr>
-              <a:t>:</a:t>
-            </a:r>
-            <a:endParaRPr lang="en-US" sz="6000" dirty="0" smtClean="0">
-              <a:latin typeface="Comic Sans MS" pitchFamily="66" charset="0"/>
-            </a:endParaRPr>
-          </a:p>
-        </p:txBody>
-      </p:sp>
-      <p:sp>
-        <p:nvSpPr>
-          <p:cNvPr id="7" name="Title 1"/>
-          <p:cNvSpPr txBox="1">
-            <a:spLocks/>
-          </p:cNvSpPr>
-          <p:nvPr/>
-        </p:nvSpPr>
-        <p:spPr bwMode="auto">
-          <a:xfrm>
-            <a:off x="1651000" y="363538"/>
-            <a:ext cx="6794500" cy="1003300"/>
-          </a:xfrm>
-          <a:prstGeom prst="rect">
-            <a:avLst/>
-          </a:prstGeom>
-          <a:noFill/>
-          <a:ln w="9525">
-            <a:noFill/>
-            <a:miter lim="800000"/>
-            <a:headEnd/>
-            <a:tailEnd/>
-          </a:ln>
-        </p:spPr>
-        <p:txBody>
-          <a:bodyPr vert="horz" wrap="square" lIns="91440" tIns="45720" rIns="91440" bIns="45720" numCol="1" anchor="ctr" anchorCtr="0" compatLnSpc="1">
-            <a:prstTxWarp prst="textNoShape">
-              <a:avLst/>
-            </a:prstTxWarp>
-          </a:bodyPr>
-          <a:lstStyle>
-            <a:lvl1pPr algn="l" rtl="0" eaLnBrk="0" fontAlgn="base" hangingPunct="0">
-              <a:spcBef>
-                <a:spcPct val="0"/>
-              </a:spcBef>
-              <a:spcAft>
-                <a:spcPct val="0"/>
-              </a:spcAft>
-              <a:defRPr sz="3600" b="1">
-                <a:solidFill>
-                  <a:schemeClr val="tx2"/>
-                </a:solidFill>
-                <a:latin typeface="Comic Sans MS" pitchFamily="66" charset="0"/>
-                <a:ea typeface="+mj-ea"/>
-                <a:cs typeface="+mj-cs"/>
-              </a:defRPr>
-            </a:lvl1pPr>
-            <a:lvl2pPr algn="l" rtl="0" eaLnBrk="0" fontAlgn="base" hangingPunct="0">
-              <a:spcBef>
-                <a:spcPct val="0"/>
-              </a:spcBef>
-              <a:spcAft>
-                <a:spcPct val="0"/>
-              </a:spcAft>
-              <a:defRPr sz="4400" b="1">
-                <a:solidFill>
-                  <a:schemeClr val="tx2"/>
-                </a:solidFill>
-                <a:latin typeface="Comic Sans MS" pitchFamily="66" charset="0"/>
-              </a:defRPr>
-            </a:lvl2pPr>
-            <a:lvl3pPr algn="l" rtl="0" eaLnBrk="0" fontAlgn="base" hangingPunct="0">
-              <a:spcBef>
-                <a:spcPct val="0"/>
-              </a:spcBef>
-              <a:spcAft>
-                <a:spcPct val="0"/>
-              </a:spcAft>
-              <a:defRPr sz="4400" b="1">
-                <a:solidFill>
-                  <a:schemeClr val="tx2"/>
-                </a:solidFill>
-                <a:latin typeface="Comic Sans MS" pitchFamily="66" charset="0"/>
-              </a:defRPr>
-            </a:lvl3pPr>
-            <a:lvl4pPr algn="l" rtl="0" eaLnBrk="0" fontAlgn="base" hangingPunct="0">
-              <a:spcBef>
-                <a:spcPct val="0"/>
-              </a:spcBef>
-              <a:spcAft>
-                <a:spcPct val="0"/>
-              </a:spcAft>
-              <a:defRPr sz="4400" b="1">
-                <a:solidFill>
-                  <a:schemeClr val="tx2"/>
-                </a:solidFill>
-                <a:latin typeface="Comic Sans MS" pitchFamily="66" charset="0"/>
-              </a:defRPr>
-            </a:lvl4pPr>
-            <a:lvl5pPr algn="l" rtl="0" eaLnBrk="0" fontAlgn="base" hangingPunct="0">
-              <a:spcBef>
-                <a:spcPct val="0"/>
-              </a:spcBef>
-              <a:spcAft>
-                <a:spcPct val="0"/>
-              </a:spcAft>
-              <a:defRPr sz="4400" b="1">
-                <a:solidFill>
-                  <a:schemeClr val="tx2"/>
-                </a:solidFill>
-                <a:latin typeface="Comic Sans MS" pitchFamily="66" charset="0"/>
-              </a:defRPr>
-            </a:lvl5pPr>
-            <a:lvl6pPr marL="457200" algn="l" rtl="0" fontAlgn="base">
-              <a:spcBef>
-                <a:spcPct val="0"/>
-              </a:spcBef>
-              <a:spcAft>
-                <a:spcPct val="0"/>
-              </a:spcAft>
-              <a:defRPr sz="4400" b="1">
-                <a:solidFill>
-                  <a:schemeClr val="tx2"/>
-                </a:solidFill>
-                <a:latin typeface="Times New Roman" pitchFamily="18" charset="0"/>
-              </a:defRPr>
-            </a:lvl6pPr>
-            <a:lvl7pPr marL="914400" algn="l" rtl="0" fontAlgn="base">
-              <a:spcBef>
-                <a:spcPct val="0"/>
-              </a:spcBef>
-              <a:spcAft>
-                <a:spcPct val="0"/>
-              </a:spcAft>
-              <a:defRPr sz="4400" b="1">
-                <a:solidFill>
-                  <a:schemeClr val="tx2"/>
-                </a:solidFill>
-                <a:latin typeface="Times New Roman" pitchFamily="18" charset="0"/>
-              </a:defRPr>
-            </a:lvl7pPr>
-            <a:lvl8pPr marL="1371600" algn="l" rtl="0" fontAlgn="base">
-              <a:spcBef>
-                <a:spcPct val="0"/>
-              </a:spcBef>
-              <a:spcAft>
-                <a:spcPct val="0"/>
-              </a:spcAft>
-              <a:defRPr sz="4400" b="1">
-                <a:solidFill>
-                  <a:schemeClr val="tx2"/>
-                </a:solidFill>
-                <a:latin typeface="Times New Roman" pitchFamily="18" charset="0"/>
-              </a:defRPr>
-            </a:lvl8pPr>
-            <a:lvl9pPr marL="1828800" algn="l" rtl="0" fontAlgn="base">
-              <a:spcBef>
-                <a:spcPct val="0"/>
-              </a:spcBef>
-              <a:spcAft>
-                <a:spcPct val="0"/>
-              </a:spcAft>
-              <a:defRPr sz="4400" b="1">
-                <a:solidFill>
-                  <a:schemeClr val="tx2"/>
-                </a:solidFill>
-                <a:latin typeface="Times New Roman" pitchFamily="18" charset="0"/>
-              </a:defRPr>
-            </a:lvl9pPr>
-          </a:lstStyle>
-          <a:p>
-            <a:r>
-              <a:rPr lang="en-US" sz="4000" smtClean="0">
-                <a:solidFill>
-                  <a:srgbClr val="FF03E3"/>
-                </a:solidFill>
-              </a:rPr>
-              <a:t>example</a:t>
-            </a:r>
-            <a:endParaRPr lang="en-US" sz="4000" dirty="0">
-              <a:solidFill>
-                <a:srgbClr val="FF03E3"/>
-              </a:solidFill>
-            </a:endParaRPr>
-          </a:p>
-        </p:txBody>
-      </p:sp>
-    </p:spTree>
-    <p:extLst>
-      <p:ext uri="{BB962C8B-B14F-4D97-AF65-F5344CB8AC3E}">
-        <p14:creationId xmlns:p14="http://schemas.microsoft.com/office/powerpoint/2010/main" val="2630792910"/>
-      </p:ext>
-    </p:extLst>
-  </p:cSld>
-  <p:clrMapOvr>
-    <a:masterClrMapping/>
-  </p:clrMapOvr>
-  <p:transition xmlns:p14="http://schemas.microsoft.com/office/powerpoint/2010/main" spd="slow" advClick="0">
-    <p:fade/>
-  </p:transition>
-  <p:timing>
-    <p:tnLst>
-      <p:par>
-        <p:cTn xmlns:p14="http://schemas.microsoft.com/office/powerpoint/2010/main" id="1" dur="indefinite" restart="never" nodeType="tmRoot">
-          <p:childTnLst>
-            <p:seq concurrent="1" nextAc="seek">
-              <p:cTn id="2" dur="indefinite" nodeType="mainSeq">
-                <p:childTnLst>
-                  <p:par>
-                    <p:cTn id="3" fill="hold">
-                      <p:stCondLst>
-                        <p:cond delay="indefinite"/>
-                      </p:stCondLst>
-                      <p:childTnLst>
-                        <p:par>
-                          <p:cTn id="4" fill="hold">
-                            <p:stCondLst>
-                              <p:cond delay="0"/>
-                            </p:stCondLst>
-                            <p:childTnLst>
-                              <p:par>
-                                <p:cTn id="5" presetID="10" presetClass="entr" presetSubtype="0" fill="hold" grpId="0" nodeType="clickEffect">
-                                  <p:stCondLst>
-                                    <p:cond delay="0"/>
-                                  </p:stCondLst>
-                                  <p:childTnLst>
-                                    <p:set>
-                                      <p:cBhvr>
-                                        <p:cTn id="6" dur="1" fill="hold">
-                                          <p:stCondLst>
-                                            <p:cond delay="0"/>
-                                          </p:stCondLst>
-                                        </p:cTn>
-                                        <p:tgtEl>
-                                          <p:spTgt spid="2">
-                                            <p:txEl>
-                                              <p:pRg st="0" end="0"/>
-                                            </p:txEl>
-                                          </p:spTgt>
-                                        </p:tgtEl>
-                                        <p:attrNameLst>
-                                          <p:attrName>style.visibility</p:attrName>
-                                        </p:attrNameLst>
-                                      </p:cBhvr>
-                                      <p:to>
-                                        <p:strVal val="visible"/>
-                                      </p:to>
-                                    </p:set>
-                                    <p:animEffect transition="in" filter="fade">
-                                      <p:cBhvr>
-                                        <p:cTn id="7" dur="500"/>
-                                        <p:tgtEl>
-                                          <p:spTgt spid="2">
-                                            <p:txEl>
-                                              <p:pRg st="0" end="0"/>
-                                            </p:txEl>
-                                          </p:spTgt>
-                                        </p:tgtEl>
-                                      </p:cBhvr>
-                                    </p:animEffect>
-                                  </p:childTnLst>
-                                </p:cTn>
-                              </p:par>
-                            </p:childTnLst>
-                          </p:cTn>
-                        </p:par>
-                      </p:childTnLst>
-                    </p:cTn>
-                  </p:par>
-                  <p:par>
-                    <p:cTn id="8" fill="hold">
-                      <p:stCondLst>
-                        <p:cond delay="indefinite"/>
-                      </p:stCondLst>
-                      <p:childTnLst>
-                        <p:par>
-                          <p:cTn id="9" fill="hold">
-                            <p:stCondLst>
-                              <p:cond delay="0"/>
-                            </p:stCondLst>
-                            <p:childTnLst>
-                              <p:par>
-                                <p:cTn id="10" presetID="10" presetClass="entr" presetSubtype="0" fill="hold" grpId="0" nodeType="clickEffect">
-                                  <p:stCondLst>
-                                    <p:cond delay="0"/>
-                                  </p:stCondLst>
-                                  <p:childTnLst>
-                                    <p:set>
-                                      <p:cBhvr>
-                                        <p:cTn id="11" dur="1" fill="hold">
-                                          <p:stCondLst>
-                                            <p:cond delay="0"/>
-                                          </p:stCondLst>
-                                        </p:cTn>
-                                        <p:tgtEl>
-                                          <p:spTgt spid="2">
-                                            <p:txEl>
-                                              <p:pRg st="1" end="1"/>
-                                            </p:txEl>
-                                          </p:spTgt>
-                                        </p:tgtEl>
-                                        <p:attrNameLst>
-                                          <p:attrName>style.visibility</p:attrName>
-                                        </p:attrNameLst>
-                                      </p:cBhvr>
-                                      <p:to>
-                                        <p:strVal val="visible"/>
-                                      </p:to>
-                                    </p:set>
-                                    <p:animEffect transition="in" filter="fade">
-                                      <p:cBhvr>
-                                        <p:cTn id="12" dur="500"/>
-                                        <p:tgtEl>
-                                          <p:spTgt spid="2">
-                                            <p:txEl>
-                                              <p:pRg st="1" end="1"/>
-                                            </p:txEl>
-                                          </p:spTgt>
-                                        </p:tgtEl>
-                                      </p:cBhvr>
-                                    </p:animEffect>
-                                  </p:childTnLst>
-                                </p:cTn>
-                              </p:par>
-                            </p:childTnLst>
-                          </p:cTn>
-                        </p:par>
-                      </p:childTnLst>
-                    </p:cTn>
-                  </p:par>
-                </p:childTnLst>
-              </p:cTn>
-              <p:prevCondLst>
-                <p:cond evt="onPrev" delay="0">
-                  <p:tgtEl>
-                    <p:sldTgt/>
-                  </p:tgtEl>
-                </p:cond>
-              </p:prevCondLst>
-              <p:nextCondLst>
-                <p:cond evt="onNext" delay="0">
-                  <p:tgtEl>
-                    <p:sldTgt/>
-                  </p:tgtEl>
-                </p:cond>
-              </p:nextCondLst>
-            </p:seq>
-          </p:childTnLst>
-        </p:cTn>
-      </p:par>
-    </p:tnLst>
-    <p:bldLst>
-      <p:bldP spid="2" grpId="0" build="p"/>
-    </p:bldLst>
-  </p:timing>
-</p:sld>
-</file>
-
-<file path=ppt/slides/slide32.xml><?xml version="1.0" encoding="utf-8"?>
-<p:sld xmlns:a="http://schemas.openxmlformats.org/drawingml/2006/main" xmlns:r="http://schemas.openxmlformats.org/officeDocument/2006/relationships" xmlns:p="http://schemas.openxmlformats.org/presentationml/2006/main">
-  <p:cSld>
-    <p:spTree>
-      <p:nvGrpSpPr>
-        <p:cNvPr id="1" name=""/>
-        <p:cNvGrpSpPr/>
-        <p:nvPr/>
-      </p:nvGrpSpPr>
-      <p:grpSpPr>
-        <a:xfrm>
-          <a:off x="0" y="0"/>
-          <a:ext cx="0" cy="0"/>
-          <a:chOff x="0" y="0"/>
-          <a:chExt cx="0" cy="0"/>
-        </a:xfrm>
-      </p:grpSpPr>
-      <p:sp>
-        <p:nvSpPr>
-          <p:cNvPr id="4" name="Slide Number Placeholder 2"/>
-          <p:cNvSpPr>
-            <a:spLocks noGrp="1"/>
-          </p:cNvSpPr>
-          <p:nvPr>
-            <p:ph type="sldNum" sz="quarter" idx="10"/>
-          </p:nvPr>
-        </p:nvSpPr>
-        <p:spPr>
-          <a:xfrm>
-            <a:off x="7333815" y="6553200"/>
-            <a:ext cx="1810186" cy="276999"/>
-          </a:xfrm>
-        </p:spPr>
-        <p:txBody>
-          <a:bodyPr/>
-          <a:lstStyle/>
-          <a:p>
-            <a:r>
-              <a:rPr lang="en-US" dirty="0" smtClean="0"/>
-              <a:t>propositional algebra.</a:t>
-            </a:r>
-            <a:fld id="{3251DA95-B240-47FE-901D-B78FC8E8E532}" type="slidenum">
-              <a:rPr lang="en-US" smtClean="0"/>
-              <a:pPr/>
-              <a:t>32</a:t>
             </a:fld>
             <a:endParaRPr lang="en-US" dirty="0"/>
           </a:p>
@@ -16316,7 +15712,7 @@
           <a:graphicData uri="http://schemas.openxmlformats.org/presentationml/2006/ole">
             <mc:AlternateContent xmlns:mc="http://schemas.openxmlformats.org/markup-compatibility/2006">
               <mc:Choice xmlns:v="urn:schemas-microsoft-com:vml" Requires="v">
-                <p:oleObj spid="_x0000_s449578" name="Equation" r:id="rId4" imgW="698500" imgH="254000" progId="Equation.DSMT4">
+                <p:oleObj spid="_x0000_s449583" name="Equation" r:id="rId4" imgW="698500" imgH="254000" progId="Equation.DSMT4">
                   <p:embed/>
                 </p:oleObj>
               </mc:Choice>
@@ -16373,7 +15769,7 @@
           <a:graphicData uri="http://schemas.openxmlformats.org/presentationml/2006/ole">
             <mc:AlternateContent xmlns:mc="http://schemas.openxmlformats.org/markup-compatibility/2006">
               <mc:Choice xmlns:v="urn:schemas-microsoft-com:vml" Requires="v">
-                <p:oleObj spid="_x0000_s449579" name="Equation" r:id="rId6" imgW="1651000" imgH="254000" progId="Equation.DSMT4">
+                <p:oleObj spid="_x0000_s449584" name="Equation" r:id="rId6" imgW="1651000" imgH="254000" progId="Equation.DSMT4">
                   <p:embed/>
                 </p:oleObj>
               </mc:Choice>
@@ -16649,7 +16045,7 @@
 </p:sld>
 </file>
 
-<file path=ppt/slides/slide33.xml><?xml version="1.0" encoding="utf-8"?>
+<file path=ppt/slides/slide31.xml><?xml version="1.0" encoding="utf-8"?>
 <p:sld xmlns:a="http://schemas.openxmlformats.org/drawingml/2006/main" xmlns:r="http://schemas.openxmlformats.org/officeDocument/2006/relationships" xmlns:p="http://schemas.openxmlformats.org/presentationml/2006/main">
   <p:cSld>
     <p:spTree>
@@ -16693,7 +16089,7 @@
             <a:fld id="{3251DA95-B240-47FE-901D-B78FC8E8E532}" type="slidenum">
               <a:rPr lang="en-US" smtClean="0"/>
               <a:pPr/>
-              <a:t>33</a:t>
+              <a:t>31</a:t>
             </a:fld>
             <a:endParaRPr lang="en-US" dirty="0"/>
           </a:p>
@@ -16721,7 +16117,7 @@
           <a:graphicData uri="http://schemas.openxmlformats.org/presentationml/2006/ole">
             <mc:AlternateContent xmlns:mc="http://schemas.openxmlformats.org/markup-compatibility/2006">
               <mc:Choice xmlns:v="urn:schemas-microsoft-com:vml" Requires="v">
-                <p:oleObj spid="_x0000_s505863" name="Equation" r:id="rId4" imgW="698500" imgH="254000" progId="Equation.DSMT4">
+                <p:oleObj spid="_x0000_s505868" name="Equation" r:id="rId4" imgW="698500" imgH="254000" progId="Equation.DSMT4">
                   <p:embed/>
                 </p:oleObj>
               </mc:Choice>
@@ -16778,7 +16174,7 @@
           <a:graphicData uri="http://schemas.openxmlformats.org/presentationml/2006/ole">
             <mc:AlternateContent xmlns:mc="http://schemas.openxmlformats.org/markup-compatibility/2006">
               <mc:Choice xmlns:v="urn:schemas-microsoft-com:vml" Requires="v">
-                <p:oleObj spid="_x0000_s505864" name="Equation" r:id="rId6" imgW="1651000" imgH="254000" progId="Equation.DSMT4">
+                <p:oleObj spid="_x0000_s505869" name="Equation" r:id="rId6" imgW="1651000" imgH="254000" progId="Equation.DSMT4">
                   <p:embed/>
                 </p:oleObj>
               </mc:Choice>
@@ -16995,7 +16391,7 @@
 </p:sld>
 </file>
 
-<file path=ppt/slides/slide34.xml><?xml version="1.0" encoding="utf-8"?>
+<file path=ppt/slides/slide32.xml><?xml version="1.0" encoding="utf-8"?>
 <p:sld xmlns:a="http://schemas.openxmlformats.org/drawingml/2006/main" xmlns:r="http://schemas.openxmlformats.org/officeDocument/2006/relationships" xmlns:p="http://schemas.openxmlformats.org/presentationml/2006/main">
   <p:cSld>
     <p:spTree>
@@ -17039,7 +16435,7 @@
             <a:fld id="{3251DA95-B240-47FE-901D-B78FC8E8E532}" type="slidenum">
               <a:rPr lang="en-US" smtClean="0"/>
               <a:pPr/>
-              <a:t>34</a:t>
+              <a:t>32</a:t>
             </a:fld>
             <a:endParaRPr lang="en-US" dirty="0"/>
           </a:p>
@@ -17067,7 +16463,7 @@
           <a:graphicData uri="http://schemas.openxmlformats.org/presentationml/2006/ole">
             <mc:AlternateContent xmlns:mc="http://schemas.openxmlformats.org/markup-compatibility/2006">
               <mc:Choice xmlns:v="urn:schemas-microsoft-com:vml" Requires="v">
-                <p:oleObj spid="_x0000_s506893" name="Equation" r:id="rId4" imgW="698500" imgH="254000" progId="Equation.DSMT4">
+                <p:oleObj spid="_x0000_s506900" name="Equation" r:id="rId4" imgW="698500" imgH="254000" progId="Equation.DSMT4">
                   <p:embed/>
                 </p:oleObj>
               </mc:Choice>
@@ -17124,7 +16520,7 @@
           <a:graphicData uri="http://schemas.openxmlformats.org/presentationml/2006/ole">
             <mc:AlternateContent xmlns:mc="http://schemas.openxmlformats.org/markup-compatibility/2006">
               <mc:Choice xmlns:v="urn:schemas-microsoft-com:vml" Requires="v">
-                <p:oleObj spid="_x0000_s506894" name="Equation" r:id="rId6" imgW="1651000" imgH="254000" progId="Equation.DSMT4">
+                <p:oleObj spid="_x0000_s506901" name="Equation" r:id="rId6" imgW="1651000" imgH="254000" progId="Equation.DSMT4">
                   <p:embed/>
                 </p:oleObj>
               </mc:Choice>
@@ -17261,7 +16657,7 @@
           <a:graphicData uri="http://schemas.openxmlformats.org/presentationml/2006/ole">
             <mc:AlternateContent xmlns:mc="http://schemas.openxmlformats.org/markup-compatibility/2006">
               <mc:Choice xmlns:v="urn:schemas-microsoft-com:vml" Requires="v">
-                <p:oleObj spid="_x0000_s506895" name="Equation" r:id="rId8" imgW="1333500" imgH="482600" progId="Equation.DSMT4">
+                <p:oleObj spid="_x0000_s506902" name="Equation" r:id="rId8" imgW="1333500" imgH="482600" progId="Equation.DSMT4">
                   <p:embed/>
                 </p:oleObj>
               </mc:Choice>
@@ -17395,7 +16791,7 @@
 </p:sld>
 </file>
 
-<file path=ppt/slides/slide35.xml><?xml version="1.0" encoding="utf-8"?>
+<file path=ppt/slides/slide33.xml><?xml version="1.0" encoding="utf-8"?>
 <p:sld xmlns:a="http://schemas.openxmlformats.org/drawingml/2006/main" xmlns:r="http://schemas.openxmlformats.org/officeDocument/2006/relationships" xmlns:p="http://schemas.openxmlformats.org/presentationml/2006/main">
   <p:cSld>
     <p:spTree>
@@ -17439,7 +16835,7 @@
             <a:fld id="{3251DA95-B240-47FE-901D-B78FC8E8E532}" type="slidenum">
               <a:rPr lang="en-US" smtClean="0"/>
               <a:pPr/>
-              <a:t>35</a:t>
+              <a:t>33</a:t>
             </a:fld>
             <a:endParaRPr lang="en-US" dirty="0"/>
           </a:p>
@@ -17467,7 +16863,7 @@
           <a:graphicData uri="http://schemas.openxmlformats.org/presentationml/2006/ole">
             <mc:AlternateContent xmlns:mc="http://schemas.openxmlformats.org/markup-compatibility/2006">
               <mc:Choice xmlns:v="urn:schemas-microsoft-com:vml" Requires="v">
-                <p:oleObj spid="_x0000_s507917" name="Equation" r:id="rId4" imgW="698500" imgH="254000" progId="Equation.DSMT4">
+                <p:oleObj spid="_x0000_s507924" name="Equation" r:id="rId4" imgW="698500" imgH="254000" progId="Equation.DSMT4">
                   <p:embed/>
                 </p:oleObj>
               </mc:Choice>
@@ -17524,7 +16920,7 @@
           <a:graphicData uri="http://schemas.openxmlformats.org/presentationml/2006/ole">
             <mc:AlternateContent xmlns:mc="http://schemas.openxmlformats.org/markup-compatibility/2006">
               <mc:Choice xmlns:v="urn:schemas-microsoft-com:vml" Requires="v">
-                <p:oleObj spid="_x0000_s507918" name="Equation" r:id="rId6" imgW="1651000" imgH="254000" progId="Equation.DSMT4">
+                <p:oleObj spid="_x0000_s507925" name="Equation" r:id="rId6" imgW="1651000" imgH="254000" progId="Equation.DSMT4">
                   <p:embed/>
                 </p:oleObj>
               </mc:Choice>
@@ -17626,7 +17022,7 @@
           <a:graphicData uri="http://schemas.openxmlformats.org/presentationml/2006/ole">
             <mc:AlternateContent xmlns:mc="http://schemas.openxmlformats.org/markup-compatibility/2006">
               <mc:Choice xmlns:v="urn:schemas-microsoft-com:vml" Requires="v">
-                <p:oleObj spid="_x0000_s507919" name="Equation" r:id="rId8" imgW="1333500" imgH="482600" progId="Equation.DSMT4">
+                <p:oleObj spid="_x0000_s507926" name="Equation" r:id="rId8" imgW="1333500" imgH="482600" progId="Equation.DSMT4">
                   <p:embed/>
                 </p:oleObj>
               </mc:Choice>
@@ -17756,12 +17152,6 @@
               </a:rPr>
               <a:t>Full!</a:t>
             </a:r>
-            <a:endParaRPr lang="en-US" sz="6600" dirty="0" smtClean="0">
-              <a:solidFill>
-                <a:srgbClr val="FF03E3"/>
-              </a:solidFill>
-              <a:latin typeface="Comic Sans MS" pitchFamily="66" charset="0"/>
-            </a:endParaRPr>
           </a:p>
         </p:txBody>
       </p:sp>
@@ -17872,8 +17262,8 @@
 </p:sld>
 </file>
 
-<file path=ppt/slides/slide36.xml><?xml version="1.0" encoding="utf-8"?>
-<p:sld xmlns:a="http://schemas.openxmlformats.org/drawingml/2006/main" xmlns:r="http://schemas.openxmlformats.org/officeDocument/2006/relationships" xmlns:p="http://schemas.openxmlformats.org/presentationml/2006/main">
+<file path=ppt/slides/slide34.xml><?xml version="1.0" encoding="utf-8"?>
+<p:sld xmlns:a="http://schemas.openxmlformats.org/drawingml/2006/main" xmlns:r="http://schemas.openxmlformats.org/officeDocument/2006/relationships" xmlns:p="http://schemas.openxmlformats.org/presentationml/2006/main" show="0">
   <p:cSld>
     <p:spTree>
       <p:nvGrpSpPr>
@@ -17952,7 +17342,7 @@
             <a:fld id="{3251DA95-B240-47FE-901D-B78FC8E8E532}" type="slidenum">
               <a:rPr lang="en-US" smtClean="0"/>
               <a:pPr/>
-              <a:t>36</a:t>
+              <a:t>34</a:t>
             </a:fld>
             <a:endParaRPr lang="en-US" dirty="0"/>
           </a:p>
@@ -17980,7 +17370,7 @@
           <a:graphicData uri="http://schemas.openxmlformats.org/presentationml/2006/ole">
             <mc:AlternateContent xmlns:mc="http://schemas.openxmlformats.org/markup-compatibility/2006">
               <mc:Choice xmlns:v="urn:schemas-microsoft-com:vml" Requires="v">
-                <p:oleObj spid="_x0000_s460815" name="Equation" r:id="rId4" imgW="1524000" imgH="444500" progId="Equation.DSMT4">
+                <p:oleObj spid="_x0000_s460819" name="Equation" r:id="rId4" imgW="1524000" imgH="444500" progId="Equation.DSMT4">
                   <p:embed/>
                 </p:oleObj>
               </mc:Choice>
@@ -18025,13 +17415,13 @@
   <p:clrMapOvr>
     <a:masterClrMapping/>
   </p:clrMapOvr>
-  <mc:AlternateContent xmlns:mc="http://schemas.openxmlformats.org/markup-compatibility/2006" xmlns:p14="http://schemas.microsoft.com/office/powerpoint/2010/main">
-    <mc:Choice Requires="p14">
+  <mc:AlternateContent xmlns:mc="http://schemas.openxmlformats.org/markup-compatibility/2006">
+    <mc:Choice xmlns:p14="http://schemas.microsoft.com/office/powerpoint/2010/main" Requires="p14">
       <p:transition spd="med" p14:dur="600" advClick="0">
         <p:fade/>
       </p:transition>
     </mc:Choice>
-    <mc:Fallback xmlns="">
+    <mc:Fallback>
       <p:transition xmlns:p14="http://schemas.microsoft.com/office/powerpoint/2010/main" spd="med" advClick="0">
         <p:fade/>
       </p:transition>
@@ -18043,6 +17433,823 @@
         <p:cTn xmlns:p14="http://schemas.microsoft.com/office/powerpoint/2010/main" id="1" dur="indefinite" restart="never" nodeType="tmRoot"/>
       </p:par>
     </p:tnLst>
+  </p:timing>
+</p:sld>
+</file>
+
+<file path=ppt/slides/slide35.xml><?xml version="1.0" encoding="utf-8"?>
+<p:sld xmlns:a="http://schemas.openxmlformats.org/drawingml/2006/main" xmlns:r="http://schemas.openxmlformats.org/officeDocument/2006/relationships" xmlns:p="http://schemas.openxmlformats.org/presentationml/2006/main">
+  <p:cSld>
+    <p:spTree>
+      <p:nvGrpSpPr>
+        <p:cNvPr id="1" name=""/>
+        <p:cNvGrpSpPr/>
+        <p:nvPr/>
+      </p:nvGrpSpPr>
+      <p:grpSpPr>
+        <a:xfrm>
+          <a:off x="0" y="0"/>
+          <a:ext cx="0" cy="0"/>
+          <a:chOff x="0" y="0"/>
+          <a:chExt cx="0" cy="0"/>
+        </a:xfrm>
+      </p:grpSpPr>
+      <p:sp>
+        <p:nvSpPr>
+          <p:cNvPr id="5" name="TextBox 4"/>
+          <p:cNvSpPr txBox="1"/>
+          <p:nvPr/>
+        </p:nvSpPr>
+        <p:spPr>
+          <a:xfrm>
+            <a:off x="1775054" y="355601"/>
+            <a:ext cx="6911746" cy="923330"/>
+          </a:xfrm>
+          <a:prstGeom prst="rect">
+            <a:avLst/>
+          </a:prstGeom>
+          <a:noFill/>
+        </p:spPr>
+        <p:txBody>
+          <a:bodyPr wrap="square" rtlCol="0">
+            <a:spAutoFit/>
+          </a:bodyPr>
+          <a:lstStyle/>
+          <a:p>
+            <a:pPr algn="l"/>
+            <a:r>
+              <a:rPr lang="en-US" sz="5400" dirty="0" smtClean="0">
+                <a:solidFill>
+                  <a:srgbClr val="FF03E3"/>
+                </a:solidFill>
+                <a:latin typeface="Comic Sans MS" pitchFamily="66" charset="0"/>
+              </a:rPr>
+              <a:t>Rearrangement </a:t>
+            </a:r>
+            <a:r>
+              <a:rPr lang="en-US" sz="5400" dirty="0" smtClean="0">
+                <a:solidFill>
+                  <a:srgbClr val="000000"/>
+                </a:solidFill>
+                <a:latin typeface="Comic Sans MS" pitchFamily="66" charset="0"/>
+              </a:rPr>
+              <a:t>rules</a:t>
+            </a:r>
+            <a:endParaRPr lang="en-US" sz="5400" dirty="0">
+              <a:solidFill>
+                <a:srgbClr val="000000"/>
+              </a:solidFill>
+              <a:latin typeface="Comic Sans MS" pitchFamily="66" charset="0"/>
+            </a:endParaRPr>
+          </a:p>
+        </p:txBody>
+      </p:sp>
+      <p:sp>
+        <p:nvSpPr>
+          <p:cNvPr id="4" name="Slide Number Placeholder 2"/>
+          <p:cNvSpPr>
+            <a:spLocks noGrp="1"/>
+          </p:cNvSpPr>
+          <p:nvPr>
+            <p:ph type="sldNum" sz="quarter" idx="10"/>
+          </p:nvPr>
+        </p:nvSpPr>
+        <p:spPr>
+          <a:xfrm>
+            <a:off x="7333815" y="6553200"/>
+            <a:ext cx="1810186" cy="276999"/>
+          </a:xfrm>
+        </p:spPr>
+        <p:txBody>
+          <a:bodyPr/>
+          <a:lstStyle/>
+          <a:p>
+            <a:r>
+              <a:rPr lang="en-US" dirty="0" smtClean="0"/>
+              <a:t>propositional algebra.</a:t>
+            </a:r>
+            <a:fld id="{3251DA95-B240-47FE-901D-B78FC8E8E532}" type="slidenum">
+              <a:rPr lang="en-US" smtClean="0"/>
+              <a:pPr/>
+              <a:t>35</a:t>
+            </a:fld>
+            <a:endParaRPr lang="en-US" dirty="0"/>
+          </a:p>
+        </p:txBody>
+      </p:sp>
+      <p:graphicFrame>
+        <p:nvGraphicFramePr>
+          <p:cNvPr id="3" name="Object 2"/>
+          <p:cNvGraphicFramePr>
+            <a:graphicFrameLocks noChangeAspect="1"/>
+          </p:cNvGraphicFramePr>
+          <p:nvPr>
+            <p:extLst>
+              <p:ext uri="{D42A27DB-BD31-4B8C-83A1-F6EECF244321}">
+                <p14:modId xmlns:p14="http://schemas.microsoft.com/office/powerpoint/2010/main" val="3949761431"/>
+              </p:ext>
+            </p:extLst>
+          </p:nvPr>
+        </p:nvGraphicFramePr>
+        <p:xfrm>
+          <a:off x="387350" y="1638300"/>
+          <a:ext cx="8102600" cy="1092200"/>
+        </p:xfrm>
+        <a:graphic>
+          <a:graphicData uri="http://schemas.openxmlformats.org/presentationml/2006/ole">
+            <mc:AlternateContent xmlns:mc="http://schemas.openxmlformats.org/markup-compatibility/2006">
+              <mc:Choice xmlns:v="urn:schemas-microsoft-com:vml" Requires="v">
+                <p:oleObj spid="_x0000_s522243" name="Equation" r:id="rId4" imgW="1600200" imgH="215900" progId="Equation.DSMT4">
+                  <p:embed/>
+                </p:oleObj>
+              </mc:Choice>
+              <mc:Fallback>
+                <p:oleObj name="Equation" r:id="rId4" imgW="1600200" imgH="215900" progId="Equation.DSMT4">
+                  <p:embed/>
+                  <p:pic>
+                    <p:nvPicPr>
+                      <p:cNvPr id="0" name=""/>
+                      <p:cNvPicPr/>
+                      <p:nvPr/>
+                    </p:nvPicPr>
+                    <p:blipFill>
+                      <a:blip r:embed="rId5"/>
+                      <a:stretch>
+                        <a:fillRect/>
+                      </a:stretch>
+                    </p:blipFill>
+                    <p:spPr>
+                      <a:xfrm>
+                        <a:off x="387350" y="1638300"/>
+                        <a:ext cx="8102600" cy="1092200"/>
+                      </a:xfrm>
+                      <a:prstGeom prst="rect">
+                        <a:avLst/>
+                      </a:prstGeom>
+                    </p:spPr>
+                  </p:pic>
+                </p:oleObj>
+              </mc:Fallback>
+            </mc:AlternateContent>
+          </a:graphicData>
+        </a:graphic>
+      </p:graphicFrame>
+      <p:graphicFrame>
+        <p:nvGraphicFramePr>
+          <p:cNvPr id="10" name="Object 9"/>
+          <p:cNvGraphicFramePr>
+            <a:graphicFrameLocks noChangeAspect="1"/>
+          </p:cNvGraphicFramePr>
+          <p:nvPr>
+            <p:extLst>
+              <p:ext uri="{D42A27DB-BD31-4B8C-83A1-F6EECF244321}">
+                <p14:modId xmlns:p14="http://schemas.microsoft.com/office/powerpoint/2010/main" val="1551599358"/>
+              </p:ext>
+            </p:extLst>
+          </p:nvPr>
+        </p:nvGraphicFramePr>
+        <p:xfrm>
+          <a:off x="952500" y="2684647"/>
+          <a:ext cx="7073900" cy="2314575"/>
+        </p:xfrm>
+        <a:graphic>
+          <a:graphicData uri="http://schemas.openxmlformats.org/presentationml/2006/ole">
+            <mc:AlternateContent xmlns:mc="http://schemas.openxmlformats.org/markup-compatibility/2006">
+              <mc:Choice xmlns:v="urn:schemas-microsoft-com:vml" Requires="v">
+                <p:oleObj spid="_x0000_s522244" name="Equation" r:id="rId6" imgW="1397000" imgH="457200" progId="Equation.DSMT4">
+                  <p:embed/>
+                </p:oleObj>
+              </mc:Choice>
+              <mc:Fallback>
+                <p:oleObj name="Equation" r:id="rId6" imgW="1397000" imgH="457200" progId="Equation.DSMT4">
+                  <p:embed/>
+                  <p:pic>
+                    <p:nvPicPr>
+                      <p:cNvPr id="0" name=""/>
+                      <p:cNvPicPr/>
+                      <p:nvPr/>
+                    </p:nvPicPr>
+                    <p:blipFill>
+                      <a:blip r:embed="rId7"/>
+                      <a:stretch>
+                        <a:fillRect/>
+                      </a:stretch>
+                    </p:blipFill>
+                    <p:spPr>
+                      <a:xfrm>
+                        <a:off x="952500" y="2684647"/>
+                        <a:ext cx="7073900" cy="2314575"/>
+                      </a:xfrm>
+                      <a:prstGeom prst="rect">
+                        <a:avLst/>
+                      </a:prstGeom>
+                    </p:spPr>
+                  </p:pic>
+                </p:oleObj>
+              </mc:Fallback>
+            </mc:AlternateContent>
+          </a:graphicData>
+        </a:graphic>
+      </p:graphicFrame>
+      <p:sp>
+        <p:nvSpPr>
+          <p:cNvPr id="8" name="TextBox 7"/>
+          <p:cNvSpPr txBox="1"/>
+          <p:nvPr/>
+        </p:nvSpPr>
+        <p:spPr>
+          <a:xfrm>
+            <a:off x="1196959" y="4916336"/>
+            <a:ext cx="6674611" cy="1107996"/>
+          </a:xfrm>
+          <a:prstGeom prst="rect">
+            <a:avLst/>
+          </a:prstGeom>
+          <a:noFill/>
+        </p:spPr>
+        <p:txBody>
+          <a:bodyPr wrap="none" rtlCol="0">
+            <a:spAutoFit/>
+          </a:bodyPr>
+          <a:lstStyle/>
+          <a:p>
+            <a:pPr algn="l"/>
+            <a:r>
+              <a:rPr lang="is-IS" sz="6600" dirty="0" smtClean="0">
+                <a:solidFill>
+                  <a:srgbClr val="000000"/>
+                </a:solidFill>
+                <a:latin typeface="Comic Sans MS" pitchFamily="66" charset="0"/>
+              </a:rPr>
+              <a:t>…</a:t>
+            </a:r>
+            <a:r>
+              <a:rPr lang="en-US" sz="6600" dirty="0" smtClean="0">
+                <a:solidFill>
+                  <a:srgbClr val="800000"/>
+                </a:solidFill>
+                <a:latin typeface="Comic Sans MS" pitchFamily="66" charset="0"/>
+              </a:rPr>
+              <a:t>likewise</a:t>
+            </a:r>
+            <a:r>
+              <a:rPr lang="en-US" sz="6600" dirty="0" smtClean="0">
+                <a:latin typeface="Comic Sans MS" pitchFamily="66" charset="0"/>
+              </a:rPr>
+              <a:t> </a:t>
+            </a:r>
+            <a:r>
+              <a:rPr lang="en-US" sz="6600" dirty="0" smtClean="0">
+                <a:latin typeface="Comic Sans MS" pitchFamily="66" charset="0"/>
+              </a:rPr>
+              <a:t>for </a:t>
+            </a:r>
+            <a:r>
+              <a:rPr lang="en-US" sz="5400" dirty="0" smtClean="0">
+                <a:solidFill>
+                  <a:schemeClr val="accent1">
+                    <a:lumMod val="50000"/>
+                  </a:schemeClr>
+                </a:solidFill>
+                <a:latin typeface="Comic Sans MS" pitchFamily="66" charset="0"/>
+              </a:rPr>
+              <a:t>OR</a:t>
+            </a:r>
+            <a:endParaRPr lang="en-US" sz="6600" dirty="0" smtClean="0">
+              <a:latin typeface="Comic Sans MS" pitchFamily="66" charset="0"/>
+            </a:endParaRPr>
+          </a:p>
+        </p:txBody>
+      </p:sp>
+    </p:spTree>
+    <p:extLst>
+      <p:ext uri="{BB962C8B-B14F-4D97-AF65-F5344CB8AC3E}">
+        <p14:creationId xmlns:p14="http://schemas.microsoft.com/office/powerpoint/2010/main" val="993507249"/>
+      </p:ext>
+    </p:extLst>
+  </p:cSld>
+  <p:clrMapOvr>
+    <a:masterClrMapping/>
+  </p:clrMapOvr>
+  <p:transition xmlns:p14="http://schemas.microsoft.com/office/powerpoint/2010/main" spd="slow" advClick="0">
+    <p:fade thruBlk="1"/>
+  </p:transition>
+  <p:timing>
+    <p:tnLst>
+      <p:par>
+        <p:cTn xmlns:p14="http://schemas.microsoft.com/office/powerpoint/2010/main" id="1" dur="indefinite" restart="never" nodeType="tmRoot">
+          <p:childTnLst>
+            <p:seq concurrent="1" nextAc="seek">
+              <p:cTn id="2" dur="indefinite" nodeType="mainSeq">
+                <p:childTnLst>
+                  <p:par>
+                    <p:cTn id="3" fill="hold">
+                      <p:stCondLst>
+                        <p:cond delay="indefinite"/>
+                      </p:stCondLst>
+                      <p:childTnLst>
+                        <p:par>
+                          <p:cTn id="4" fill="hold">
+                            <p:stCondLst>
+                              <p:cond delay="0"/>
+                            </p:stCondLst>
+                            <p:childTnLst>
+                              <p:par>
+                                <p:cTn id="5" presetID="22" presetClass="entr" presetSubtype="8" fill="hold" nodeType="clickEffect">
+                                  <p:stCondLst>
+                                    <p:cond delay="0"/>
+                                  </p:stCondLst>
+                                  <p:childTnLst>
+                                    <p:set>
+                                      <p:cBhvr>
+                                        <p:cTn id="6" dur="1" fill="hold">
+                                          <p:stCondLst>
+                                            <p:cond delay="0"/>
+                                          </p:stCondLst>
+                                        </p:cTn>
+                                        <p:tgtEl>
+                                          <p:spTgt spid="3"/>
+                                        </p:tgtEl>
+                                        <p:attrNameLst>
+                                          <p:attrName>style.visibility</p:attrName>
+                                        </p:attrNameLst>
+                                      </p:cBhvr>
+                                      <p:to>
+                                        <p:strVal val="visible"/>
+                                      </p:to>
+                                    </p:set>
+                                    <p:animEffect transition="in" filter="wipe(left)">
+                                      <p:cBhvr>
+                                        <p:cTn id="7" dur="1000"/>
+                                        <p:tgtEl>
+                                          <p:spTgt spid="3"/>
+                                        </p:tgtEl>
+                                      </p:cBhvr>
+                                    </p:animEffect>
+                                  </p:childTnLst>
+                                </p:cTn>
+                              </p:par>
+                            </p:childTnLst>
+                          </p:cTn>
+                        </p:par>
+                      </p:childTnLst>
+                    </p:cTn>
+                  </p:par>
+                  <p:par>
+                    <p:cTn id="8" fill="hold">
+                      <p:stCondLst>
+                        <p:cond delay="indefinite"/>
+                      </p:stCondLst>
+                      <p:childTnLst>
+                        <p:par>
+                          <p:cTn id="9" fill="hold">
+                            <p:stCondLst>
+                              <p:cond delay="0"/>
+                            </p:stCondLst>
+                            <p:childTnLst>
+                              <p:par>
+                                <p:cTn id="10" presetID="22" presetClass="entr" presetSubtype="1" fill="hold" nodeType="clickEffect">
+                                  <p:stCondLst>
+                                    <p:cond delay="0"/>
+                                  </p:stCondLst>
+                                  <p:childTnLst>
+                                    <p:set>
+                                      <p:cBhvr>
+                                        <p:cTn id="11" dur="1" fill="hold">
+                                          <p:stCondLst>
+                                            <p:cond delay="0"/>
+                                          </p:stCondLst>
+                                        </p:cTn>
+                                        <p:tgtEl>
+                                          <p:spTgt spid="10"/>
+                                        </p:tgtEl>
+                                        <p:attrNameLst>
+                                          <p:attrName>style.visibility</p:attrName>
+                                        </p:attrNameLst>
+                                      </p:cBhvr>
+                                      <p:to>
+                                        <p:strVal val="visible"/>
+                                      </p:to>
+                                    </p:set>
+                                    <p:animEffect transition="in" filter="wipe(up)">
+                                      <p:cBhvr>
+                                        <p:cTn id="12" dur="1000"/>
+                                        <p:tgtEl>
+                                          <p:spTgt spid="10"/>
+                                        </p:tgtEl>
+                                      </p:cBhvr>
+                                    </p:animEffect>
+                                  </p:childTnLst>
+                                </p:cTn>
+                              </p:par>
+                            </p:childTnLst>
+                          </p:cTn>
+                        </p:par>
+                      </p:childTnLst>
+                    </p:cTn>
+                  </p:par>
+                  <p:par>
+                    <p:cTn id="13" fill="hold">
+                      <p:stCondLst>
+                        <p:cond delay="indefinite"/>
+                      </p:stCondLst>
+                      <p:childTnLst>
+                        <p:par>
+                          <p:cTn id="14" fill="hold">
+                            <p:stCondLst>
+                              <p:cond delay="0"/>
+                            </p:stCondLst>
+                            <p:childTnLst>
+                              <p:par>
+                                <p:cTn id="15" presetID="52" presetClass="entr" presetSubtype="0" fill="hold" grpId="0" nodeType="clickEffect">
+                                  <p:stCondLst>
+                                    <p:cond delay="0"/>
+                                  </p:stCondLst>
+                                  <p:childTnLst>
+                                    <p:set>
+                                      <p:cBhvr>
+                                        <p:cTn id="16" dur="1" fill="hold">
+                                          <p:stCondLst>
+                                            <p:cond delay="0"/>
+                                          </p:stCondLst>
+                                        </p:cTn>
+                                        <p:tgtEl>
+                                          <p:spTgt spid="8"/>
+                                        </p:tgtEl>
+                                        <p:attrNameLst>
+                                          <p:attrName>style.visibility</p:attrName>
+                                        </p:attrNameLst>
+                                      </p:cBhvr>
+                                      <p:to>
+                                        <p:strVal val="visible"/>
+                                      </p:to>
+                                    </p:set>
+                                    <p:animScale>
+                                      <p:cBhvr>
+                                        <p:cTn id="17" dur="1000" decel="50000" fill="hold">
+                                          <p:stCondLst>
+                                            <p:cond delay="0"/>
+                                          </p:stCondLst>
+                                        </p:cTn>
+                                        <p:tgtEl>
+                                          <p:spTgt spid="8"/>
+                                        </p:tgtEl>
+                                      </p:cBhvr>
+                                      <p:from x="250000" y="250000"/>
+                                      <p:to x="100000" y="100000"/>
+                                    </p:animScale>
+                                    <p:animMotion origin="layout" path="M -0.46736 0.92887  C -0.37517 0.88508  -0.02552 0.75279  0.0908 0.66613  C  0.20747 0.57948  0.21649 0.50394  0.23177 0.40825  C 0.24705 0.31256  0.22118 0.15964   0.18264 0.09152  C 0.1441 0.02341  0.03802 0.0  0.0 0.0  " pathEditMode="relative" ptsTypes="">
+                                      <p:cBhvr>
+                                        <p:cTn id="18" dur="1000" decel="50000" fill="hold">
+                                          <p:stCondLst>
+                                            <p:cond delay="0"/>
+                                          </p:stCondLst>
+                                        </p:cTn>
+                                        <p:tgtEl>
+                                          <p:spTgt spid="8"/>
+                                        </p:tgtEl>
+                                        <p:attrNameLst>
+                                          <p:attrName>ppt_x</p:attrName>
+                                          <p:attrName>ppt_y</p:attrName>
+                                        </p:attrNameLst>
+                                      </p:cBhvr>
+                                    </p:animMotion>
+                                    <p:animEffect transition="in" filter="fade">
+                                      <p:cBhvr>
+                                        <p:cTn id="19" dur="1000"/>
+                                        <p:tgtEl>
+                                          <p:spTgt spid="8"/>
+                                        </p:tgtEl>
+                                      </p:cBhvr>
+                                    </p:animEffect>
+                                  </p:childTnLst>
+                                </p:cTn>
+                              </p:par>
+                            </p:childTnLst>
+                          </p:cTn>
+                        </p:par>
+                      </p:childTnLst>
+                    </p:cTn>
+                  </p:par>
+                </p:childTnLst>
+              </p:cTn>
+              <p:prevCondLst>
+                <p:cond evt="onPrev" delay="0">
+                  <p:tgtEl>
+                    <p:sldTgt/>
+                  </p:tgtEl>
+                </p:cond>
+              </p:prevCondLst>
+              <p:nextCondLst>
+                <p:cond evt="onNext" delay="0">
+                  <p:tgtEl>
+                    <p:sldTgt/>
+                  </p:tgtEl>
+                </p:cond>
+              </p:nextCondLst>
+            </p:seq>
+          </p:childTnLst>
+        </p:cTn>
+      </p:par>
+    </p:tnLst>
+    <p:bldLst>
+      <p:bldP spid="8" grpId="0"/>
+    </p:bldLst>
+  </p:timing>
+</p:sld>
+</file>
+
+<file path=ppt/slides/slide36.xml><?xml version="1.0" encoding="utf-8"?>
+<p:sld xmlns:a="http://schemas.openxmlformats.org/drawingml/2006/main" xmlns:r="http://schemas.openxmlformats.org/officeDocument/2006/relationships" xmlns:p="http://schemas.openxmlformats.org/presentationml/2006/main">
+  <p:cSld>
+    <p:spTree>
+      <p:nvGrpSpPr>
+        <p:cNvPr id="1" name=""/>
+        <p:cNvGrpSpPr/>
+        <p:nvPr/>
+      </p:nvGrpSpPr>
+      <p:grpSpPr>
+        <a:xfrm>
+          <a:off x="0" y="0"/>
+          <a:ext cx="0" cy="0"/>
+          <a:chOff x="0" y="0"/>
+          <a:chExt cx="0" cy="0"/>
+        </a:xfrm>
+      </p:grpSpPr>
+      <p:sp>
+        <p:nvSpPr>
+          <p:cNvPr id="4" name="Slide Number Placeholder 2"/>
+          <p:cNvSpPr>
+            <a:spLocks noGrp="1"/>
+          </p:cNvSpPr>
+          <p:nvPr>
+            <p:ph type="sldNum" sz="quarter" idx="10"/>
+          </p:nvPr>
+        </p:nvSpPr>
+        <p:spPr>
+          <a:xfrm>
+            <a:off x="7333815" y="6553200"/>
+            <a:ext cx="1810186" cy="276999"/>
+          </a:xfrm>
+        </p:spPr>
+        <p:txBody>
+          <a:bodyPr/>
+          <a:lstStyle/>
+          <a:p>
+            <a:r>
+              <a:rPr lang="en-US" dirty="0" smtClean="0"/>
+              <a:t>propositional algebra.</a:t>
+            </a:r>
+            <a:fld id="{3251DA95-B240-47FE-901D-B78FC8E8E532}" type="slidenum">
+              <a:rPr lang="en-US" smtClean="0"/>
+              <a:pPr/>
+              <a:t>36</a:t>
+            </a:fld>
+            <a:endParaRPr lang="en-US" dirty="0"/>
+          </a:p>
+        </p:txBody>
+      </p:sp>
+      <p:graphicFrame>
+        <p:nvGraphicFramePr>
+          <p:cNvPr id="10" name="Object 9"/>
+          <p:cNvGraphicFramePr>
+            <a:graphicFrameLocks noChangeAspect="1"/>
+          </p:cNvGraphicFramePr>
+          <p:nvPr>
+            <p:extLst>
+              <p:ext uri="{D42A27DB-BD31-4B8C-83A1-F6EECF244321}">
+                <p14:modId xmlns:p14="http://schemas.microsoft.com/office/powerpoint/2010/main" val="2527697962"/>
+              </p:ext>
+            </p:extLst>
+          </p:nvPr>
+        </p:nvGraphicFramePr>
+        <p:xfrm>
+          <a:off x="2003424" y="1225549"/>
+          <a:ext cx="5273675" cy="1910517"/>
+        </p:xfrm>
+        <a:graphic>
+          <a:graphicData uri="http://schemas.openxmlformats.org/presentationml/2006/ole">
+            <mc:AlternateContent xmlns:mc="http://schemas.openxmlformats.org/markup-compatibility/2006">
+              <mc:Choice xmlns:v="urn:schemas-microsoft-com:vml" Requires="v">
+                <p:oleObj spid="_x0000_s461849" name="Equation" r:id="rId4" imgW="1333500" imgH="482600" progId="Equation.DSMT4">
+                  <p:embed/>
+                </p:oleObj>
+              </mc:Choice>
+              <mc:Fallback>
+                <p:oleObj name="Equation" r:id="rId4" imgW="1333500" imgH="482600" progId="Equation.DSMT4">
+                  <p:embed/>
+                  <p:pic>
+                    <p:nvPicPr>
+                      <p:cNvPr id="0" name=""/>
+                      <p:cNvPicPr/>
+                      <p:nvPr/>
+                    </p:nvPicPr>
+                    <p:blipFill>
+                      <a:blip r:embed="rId5"/>
+                      <a:stretch>
+                        <a:fillRect/>
+                      </a:stretch>
+                    </p:blipFill>
+                    <p:spPr>
+                      <a:xfrm>
+                        <a:off x="2003424" y="1225549"/>
+                        <a:ext cx="5273675" cy="1910517"/>
+                      </a:xfrm>
+                      <a:prstGeom prst="rect">
+                        <a:avLst/>
+                      </a:prstGeom>
+                    </p:spPr>
+                  </p:pic>
+                </p:oleObj>
+              </mc:Fallback>
+            </mc:AlternateContent>
+          </a:graphicData>
+        </a:graphic>
+      </p:graphicFrame>
+      <p:sp>
+        <p:nvSpPr>
+          <p:cNvPr id="11" name="TextBox 10"/>
+          <p:cNvSpPr txBox="1"/>
+          <p:nvPr/>
+        </p:nvSpPr>
+        <p:spPr>
+          <a:xfrm>
+            <a:off x="7073900" y="2171700"/>
+            <a:ext cx="1544977" cy="923330"/>
+          </a:xfrm>
+          <a:prstGeom prst="rect">
+            <a:avLst/>
+          </a:prstGeom>
+          <a:noFill/>
+        </p:spPr>
+        <p:txBody>
+          <a:bodyPr wrap="none" rtlCol="0">
+            <a:spAutoFit/>
+          </a:bodyPr>
+          <a:lstStyle/>
+          <a:p>
+            <a:pPr algn="l"/>
+            <a:r>
+              <a:rPr lang="en-US" sz="5400" dirty="0" smtClean="0">
+                <a:solidFill>
+                  <a:srgbClr val="FF03E3"/>
+                </a:solidFill>
+                <a:latin typeface="Comic Sans MS" pitchFamily="66" charset="0"/>
+              </a:rPr>
+              <a:t>sort</a:t>
+            </a:r>
+            <a:endParaRPr lang="en-US" sz="5400" dirty="0" smtClean="0">
+              <a:solidFill>
+                <a:srgbClr val="FF03E3"/>
+              </a:solidFill>
+              <a:latin typeface="Comic Sans MS" pitchFamily="66" charset="0"/>
+            </a:endParaRPr>
+          </a:p>
+        </p:txBody>
+      </p:sp>
+      <p:sp>
+        <p:nvSpPr>
+          <p:cNvPr id="12" name="Title 1"/>
+          <p:cNvSpPr>
+            <a:spLocks noGrp="1"/>
+          </p:cNvSpPr>
+          <p:nvPr>
+            <p:ph type="title"/>
+          </p:nvPr>
+        </p:nvSpPr>
+        <p:spPr>
+          <a:xfrm>
+            <a:off x="1651000" y="363538"/>
+            <a:ext cx="6794500" cy="1003300"/>
+          </a:xfrm>
+        </p:spPr>
+        <p:txBody>
+          <a:bodyPr/>
+          <a:lstStyle/>
+          <a:p>
+            <a:r>
+              <a:rPr lang="en-US" sz="4000" dirty="0" smtClean="0">
+                <a:solidFill>
+                  <a:srgbClr val="FF03E3"/>
+                </a:solidFill>
+              </a:rPr>
+              <a:t>example</a:t>
+            </a:r>
+            <a:endParaRPr lang="en-US" sz="4000" dirty="0">
+              <a:solidFill>
+                <a:srgbClr val="FF03E3"/>
+              </a:solidFill>
+            </a:endParaRPr>
+          </a:p>
+        </p:txBody>
+      </p:sp>
+    </p:spTree>
+    <p:extLst>
+      <p:ext uri="{BB962C8B-B14F-4D97-AF65-F5344CB8AC3E}">
+        <p14:creationId xmlns:p14="http://schemas.microsoft.com/office/powerpoint/2010/main" val="2633279502"/>
+      </p:ext>
+    </p:extLst>
+  </p:cSld>
+  <p:clrMapOvr>
+    <a:masterClrMapping/>
+  </p:clrMapOvr>
+  <mc:AlternateContent xmlns:mc="http://schemas.openxmlformats.org/markup-compatibility/2006">
+    <mc:Choice xmlns:p14="http://schemas.microsoft.com/office/powerpoint/2010/main" Requires="p14">
+      <p:transition spd="slow" p14:dur="900" advClick="0">
+        <p:fade thruBlk="1"/>
+      </p:transition>
+    </mc:Choice>
+    <mc:Fallback>
+      <p:transition xmlns:p14="http://schemas.microsoft.com/office/powerpoint/2010/main" spd="slow" advClick="0">
+        <p:fade thruBlk="1"/>
+      </p:transition>
+    </mc:Fallback>
+  </mc:AlternateContent>
+  <p:timing>
+    <p:tnLst>
+      <p:par>
+        <p:cTn xmlns:p14="http://schemas.microsoft.com/office/powerpoint/2010/main" id="1" dur="indefinite" restart="never" nodeType="tmRoot">
+          <p:childTnLst>
+            <p:seq concurrent="1" nextAc="seek">
+              <p:cTn id="2" dur="indefinite" nodeType="mainSeq">
+                <p:childTnLst>
+                  <p:par>
+                    <p:cTn id="3" fill="hold">
+                      <p:stCondLst>
+                        <p:cond delay="indefinite"/>
+                      </p:stCondLst>
+                      <p:childTnLst>
+                        <p:par>
+                          <p:cTn id="4" fill="hold">
+                            <p:stCondLst>
+                              <p:cond delay="0"/>
+                            </p:stCondLst>
+                            <p:childTnLst>
+                              <p:par>
+                                <p:cTn id="5" presetID="10" presetClass="entr" presetSubtype="0" fill="hold" grpId="0" nodeType="clickEffect">
+                                  <p:stCondLst>
+                                    <p:cond delay="0"/>
+                                  </p:stCondLst>
+                                  <p:childTnLst>
+                                    <p:set>
+                                      <p:cBhvr>
+                                        <p:cTn id="6" dur="1" fill="hold">
+                                          <p:stCondLst>
+                                            <p:cond delay="0"/>
+                                          </p:stCondLst>
+                                        </p:cTn>
+                                        <p:tgtEl>
+                                          <p:spTgt spid="11"/>
+                                        </p:tgtEl>
+                                        <p:attrNameLst>
+                                          <p:attrName>style.visibility</p:attrName>
+                                        </p:attrNameLst>
+                                      </p:cBhvr>
+                                      <p:to>
+                                        <p:strVal val="visible"/>
+                                      </p:to>
+                                    </p:set>
+                                    <p:animEffect transition="in" filter="fade">
+                                      <p:cBhvr>
+                                        <p:cTn id="7" dur="500"/>
+                                        <p:tgtEl>
+                                          <p:spTgt spid="11"/>
+                                        </p:tgtEl>
+                                      </p:cBhvr>
+                                    </p:animEffect>
+                                  </p:childTnLst>
+                                </p:cTn>
+                              </p:par>
+                            </p:childTnLst>
+                          </p:cTn>
+                        </p:par>
+                      </p:childTnLst>
+                    </p:cTn>
+                  </p:par>
+                </p:childTnLst>
+              </p:cTn>
+              <p:prevCondLst>
+                <p:cond evt="onPrev" delay="0">
+                  <p:tgtEl>
+                    <p:sldTgt/>
+                  </p:tgtEl>
+                </p:cond>
+              </p:prevCondLst>
+              <p:nextCondLst>
+                <p:cond evt="onNext" delay="0">
+                  <p:tgtEl>
+                    <p:sldTgt/>
+                  </p:tgtEl>
+                </p:cond>
+              </p:nextCondLst>
+            </p:seq>
+          </p:childTnLst>
+        </p:cTn>
+      </p:par>
+    </p:tnLst>
+    <p:bldLst>
+      <p:bldP spid="11" grpId="0"/>
+    </p:bldLst>
   </p:timing>
 </p:sld>
 </file>
@@ -18106,20 +18313,20 @@
           <p:nvPr>
             <p:extLst>
               <p:ext uri="{D42A27DB-BD31-4B8C-83A1-F6EECF244321}">
-                <p14:modId xmlns:p14="http://schemas.microsoft.com/office/powerpoint/2010/main" val="518751225"/>
+                <p14:modId xmlns:p14="http://schemas.microsoft.com/office/powerpoint/2010/main" val="3924638312"/>
               </p:ext>
             </p:extLst>
           </p:nvPr>
         </p:nvGraphicFramePr>
         <p:xfrm>
-          <a:off x="2143125" y="3194050"/>
-          <a:ext cx="4662488" cy="1689100"/>
+          <a:off x="2143124" y="3194049"/>
+          <a:ext cx="5100694" cy="1847851"/>
         </p:xfrm>
         <a:graphic>
           <a:graphicData uri="http://schemas.openxmlformats.org/presentationml/2006/ole">
             <mc:AlternateContent xmlns:mc="http://schemas.openxmlformats.org/markup-compatibility/2006">
               <mc:Choice xmlns:v="urn:schemas-microsoft-com:vml" Requires="v">
-                <p:oleObj spid="_x0000_s461841" name="Equation" r:id="rId4" imgW="1333500" imgH="482600" progId="Equation.DSMT4">
+                <p:oleObj spid="_x0000_s523267" name="Equation" r:id="rId4" imgW="1333500" imgH="482600" progId="Equation.DSMT4">
                   <p:embed/>
                 </p:oleObj>
               </mc:Choice>
@@ -18140,8 +18347,8 @@
                     </p:blipFill>
                     <p:spPr>
                       <a:xfrm>
-                        <a:off x="2143125" y="3194050"/>
-                        <a:ext cx="4662488" cy="1689100"/>
+                        <a:off x="2143124" y="3194049"/>
+                        <a:ext cx="5100694" cy="1847851"/>
                       </a:xfrm>
                       <a:prstGeom prst="rect">
                         <a:avLst/>
@@ -18154,80 +18361,6 @@
           </a:graphicData>
         </a:graphic>
       </p:graphicFrame>
-      <p:sp>
-        <p:nvSpPr>
-          <p:cNvPr id="3" name="TextBox 2"/>
-          <p:cNvSpPr txBox="1"/>
-          <p:nvPr/>
-        </p:nvSpPr>
-        <p:spPr>
-          <a:xfrm>
-            <a:off x="1311517" y="5118100"/>
-            <a:ext cx="6530491" cy="1107996"/>
-          </a:xfrm>
-          <a:prstGeom prst="rect">
-            <a:avLst/>
-          </a:prstGeom>
-          <a:noFill/>
-        </p:spPr>
-        <p:txBody>
-          <a:bodyPr wrap="none" rtlCol="0">
-            <a:spAutoFit/>
-          </a:bodyPr>
-          <a:lstStyle/>
-          <a:p>
-            <a:pPr algn="l"/>
-            <a:r>
-              <a:rPr lang="en-US" sz="6600" dirty="0" smtClean="0">
-                <a:latin typeface="Comic Sans MS" pitchFamily="66" charset="0"/>
-              </a:rPr>
-              <a:t>sorted Full </a:t>
-            </a:r>
-            <a:r>
-              <a:rPr lang="en-US" sz="6600" dirty="0" smtClean="0">
-                <a:latin typeface="Comic Sans MS" pitchFamily="66" charset="0"/>
-              </a:rPr>
-              <a:t>DNF</a:t>
-            </a:r>
-          </a:p>
-        </p:txBody>
-      </p:sp>
-      <p:sp>
-        <p:nvSpPr>
-          <p:cNvPr id="8" name="Title 1"/>
-          <p:cNvSpPr>
-            <a:spLocks noGrp="1"/>
-          </p:cNvSpPr>
-          <p:nvPr>
-            <p:ph type="title"/>
-          </p:nvPr>
-        </p:nvSpPr>
-        <p:spPr>
-          <a:xfrm>
-            <a:off x="2349500" y="350838"/>
-            <a:ext cx="5397500" cy="1008062"/>
-          </a:xfrm>
-        </p:spPr>
-        <p:txBody>
-          <a:bodyPr/>
-          <a:lstStyle/>
-          <a:p>
-            <a:r>
-              <a:rPr lang="en-US" sz="4800" dirty="0" smtClean="0">
-                <a:solidFill>
-                  <a:srgbClr val="FF03E3"/>
-                </a:solidFill>
-              </a:rPr>
-              <a:t>Sorting Rules</a:t>
-            </a:r>
-            <a:endParaRPr lang="en-US" sz="4800" dirty="0">
-              <a:solidFill>
-                <a:srgbClr val="FF03E3"/>
-              </a:solidFill>
-            </a:endParaRPr>
-          </a:p>
-        </p:txBody>
-      </p:sp>
       <p:graphicFrame>
         <p:nvGraphicFramePr>
           <p:cNvPr id="10" name="Object 9"/>
@@ -18237,20 +18370,20 @@
           <p:nvPr>
             <p:extLst>
               <p:ext uri="{D42A27DB-BD31-4B8C-83A1-F6EECF244321}">
-                <p14:modId xmlns:p14="http://schemas.microsoft.com/office/powerpoint/2010/main" val="1872847546"/>
+                <p14:modId xmlns:p14="http://schemas.microsoft.com/office/powerpoint/2010/main" val="4170879284"/>
               </p:ext>
             </p:extLst>
           </p:nvPr>
         </p:nvGraphicFramePr>
         <p:xfrm>
-          <a:off x="2206625" y="1352550"/>
-          <a:ext cx="4662488" cy="1689100"/>
+          <a:off x="2003424" y="1225549"/>
+          <a:ext cx="5273675" cy="1910517"/>
         </p:xfrm>
         <a:graphic>
           <a:graphicData uri="http://schemas.openxmlformats.org/presentationml/2006/ole">
             <mc:AlternateContent xmlns:mc="http://schemas.openxmlformats.org/markup-compatibility/2006">
               <mc:Choice xmlns:v="urn:schemas-microsoft-com:vml" Requires="v">
-                <p:oleObj spid="_x0000_s461842" name="Equation" r:id="rId6" imgW="1333500" imgH="482600" progId="Equation.DSMT4">
+                <p:oleObj spid="_x0000_s523268" name="Equation" r:id="rId6" imgW="1333500" imgH="482600" progId="Equation.DSMT4">
                   <p:embed/>
                 </p:oleObj>
               </mc:Choice>
@@ -18271,8 +18404,8 @@
                     </p:blipFill>
                     <p:spPr>
                       <a:xfrm>
-                        <a:off x="2206625" y="1352550"/>
-                        <a:ext cx="4662488" cy="1689100"/>
+                        <a:off x="2003424" y="1225549"/>
+                        <a:ext cx="5273675" cy="1910517"/>
                       </a:xfrm>
                       <a:prstGeom prst="rect">
                         <a:avLst/>
@@ -18285,10 +18418,433 @@
           </a:graphicData>
         </a:graphic>
       </p:graphicFrame>
+      <p:sp>
+        <p:nvSpPr>
+          <p:cNvPr id="5" name="TextBox 4"/>
+          <p:cNvSpPr txBox="1"/>
+          <p:nvPr/>
+        </p:nvSpPr>
+        <p:spPr>
+          <a:xfrm>
+            <a:off x="7073900" y="2171700"/>
+            <a:ext cx="1544977" cy="923330"/>
+          </a:xfrm>
+          <a:prstGeom prst="rect">
+            <a:avLst/>
+          </a:prstGeom>
+          <a:noFill/>
+        </p:spPr>
+        <p:txBody>
+          <a:bodyPr wrap="none" rtlCol="0">
+            <a:spAutoFit/>
+          </a:bodyPr>
+          <a:lstStyle/>
+          <a:p>
+            <a:pPr algn="l"/>
+            <a:r>
+              <a:rPr lang="en-US" sz="5400" dirty="0" smtClean="0">
+                <a:solidFill>
+                  <a:srgbClr val="FF03E3"/>
+                </a:solidFill>
+                <a:latin typeface="Comic Sans MS" pitchFamily="66" charset="0"/>
+              </a:rPr>
+              <a:t>sort</a:t>
+            </a:r>
+            <a:endParaRPr lang="en-US" sz="5400" dirty="0" smtClean="0">
+              <a:solidFill>
+                <a:srgbClr val="FF03E3"/>
+              </a:solidFill>
+              <a:latin typeface="Comic Sans MS" pitchFamily="66" charset="0"/>
+            </a:endParaRPr>
+          </a:p>
+        </p:txBody>
+      </p:sp>
+      <p:sp>
+        <p:nvSpPr>
+          <p:cNvPr id="8" name="Title 1"/>
+          <p:cNvSpPr>
+            <a:spLocks noGrp="1"/>
+          </p:cNvSpPr>
+          <p:nvPr>
+            <p:ph type="title"/>
+          </p:nvPr>
+        </p:nvSpPr>
+        <p:spPr>
+          <a:xfrm>
+            <a:off x="1651000" y="363538"/>
+            <a:ext cx="6794500" cy="1003300"/>
+          </a:xfrm>
+        </p:spPr>
+        <p:txBody>
+          <a:bodyPr/>
+          <a:lstStyle/>
+          <a:p>
+            <a:r>
+              <a:rPr lang="en-US" sz="4000" dirty="0" smtClean="0">
+                <a:solidFill>
+                  <a:srgbClr val="FF03E3"/>
+                </a:solidFill>
+              </a:rPr>
+              <a:t>example</a:t>
+            </a:r>
+            <a:endParaRPr lang="en-US" sz="4000" dirty="0">
+              <a:solidFill>
+                <a:srgbClr val="FF03E3"/>
+              </a:solidFill>
+            </a:endParaRPr>
+          </a:p>
+        </p:txBody>
+      </p:sp>
     </p:spTree>
     <p:extLst>
       <p:ext uri="{BB962C8B-B14F-4D97-AF65-F5344CB8AC3E}">
-        <p14:creationId xmlns:p14="http://schemas.microsoft.com/office/powerpoint/2010/main" val="2633279502"/>
+        <p14:creationId xmlns:p14="http://schemas.microsoft.com/office/powerpoint/2010/main" val="2003572068"/>
+      </p:ext>
+    </p:extLst>
+  </p:cSld>
+  <p:clrMapOvr>
+    <a:masterClrMapping/>
+  </p:clrMapOvr>
+  <mc:AlternateContent xmlns:mc="http://schemas.openxmlformats.org/markup-compatibility/2006" xmlns:p14="http://schemas.microsoft.com/office/powerpoint/2010/main">
+    <mc:Choice Requires="p14">
+      <p:transition spd="med" p14:dur="600" advClick="0">
+        <p:fade/>
+      </p:transition>
+    </mc:Choice>
+    <mc:Fallback xmlns="">
+      <p:transition xmlns:p14="http://schemas.microsoft.com/office/powerpoint/2010/main" spd="med" advClick="0">
+        <p:fade/>
+      </p:transition>
+    </mc:Fallback>
+  </mc:AlternateContent>
+  <p:timing>
+    <p:tnLst>
+      <p:par>
+        <p:cTn xmlns:p14="http://schemas.microsoft.com/office/powerpoint/2010/main" id="1" dur="indefinite" restart="never" nodeType="tmRoot">
+          <p:childTnLst>
+            <p:seq concurrent="1" nextAc="seek">
+              <p:cTn id="2" dur="indefinite" nodeType="mainSeq">
+                <p:childTnLst>
+                  <p:par>
+                    <p:cTn id="3" fill="hold">
+                      <p:stCondLst>
+                        <p:cond delay="indefinite"/>
+                      </p:stCondLst>
+                      <p:childTnLst>
+                        <p:par>
+                          <p:cTn id="4" fill="hold">
+                            <p:stCondLst>
+                              <p:cond delay="0"/>
+                            </p:stCondLst>
+                            <p:childTnLst>
+                              <p:par>
+                                <p:cTn id="5" presetID="10" presetClass="entr" presetSubtype="0" fill="hold" nodeType="clickEffect">
+                                  <p:stCondLst>
+                                    <p:cond delay="0"/>
+                                  </p:stCondLst>
+                                  <p:childTnLst>
+                                    <p:set>
+                                      <p:cBhvr>
+                                        <p:cTn id="6" dur="1" fill="hold">
+                                          <p:stCondLst>
+                                            <p:cond delay="0"/>
+                                          </p:stCondLst>
+                                        </p:cTn>
+                                        <p:tgtEl>
+                                          <p:spTgt spid="6"/>
+                                        </p:tgtEl>
+                                        <p:attrNameLst>
+                                          <p:attrName>style.visibility</p:attrName>
+                                        </p:attrNameLst>
+                                      </p:cBhvr>
+                                      <p:to>
+                                        <p:strVal val="visible"/>
+                                      </p:to>
+                                    </p:set>
+                                    <p:animEffect transition="in" filter="fade">
+                                      <p:cBhvr>
+                                        <p:cTn id="7" dur="500"/>
+                                        <p:tgtEl>
+                                          <p:spTgt spid="6"/>
+                                        </p:tgtEl>
+                                      </p:cBhvr>
+                                    </p:animEffect>
+                                  </p:childTnLst>
+                                </p:cTn>
+                              </p:par>
+                            </p:childTnLst>
+                          </p:cTn>
+                        </p:par>
+                      </p:childTnLst>
+                    </p:cTn>
+                  </p:par>
+                </p:childTnLst>
+              </p:cTn>
+              <p:prevCondLst>
+                <p:cond evt="onPrev" delay="0">
+                  <p:tgtEl>
+                    <p:sldTgt/>
+                  </p:tgtEl>
+                </p:cond>
+              </p:prevCondLst>
+              <p:nextCondLst>
+                <p:cond evt="onNext" delay="0">
+                  <p:tgtEl>
+                    <p:sldTgt/>
+                  </p:tgtEl>
+                </p:cond>
+              </p:nextCondLst>
+            </p:seq>
+          </p:childTnLst>
+        </p:cTn>
+      </p:par>
+    </p:tnLst>
+  </p:timing>
+</p:sld>
+</file>
+
+<file path=ppt/slides/slide38.xml><?xml version="1.0" encoding="utf-8"?>
+<p:sld xmlns:a="http://schemas.openxmlformats.org/drawingml/2006/main" xmlns:r="http://schemas.openxmlformats.org/officeDocument/2006/relationships" xmlns:p="http://schemas.openxmlformats.org/presentationml/2006/main">
+  <p:cSld>
+    <p:spTree>
+      <p:nvGrpSpPr>
+        <p:cNvPr id="1" name=""/>
+        <p:cNvGrpSpPr/>
+        <p:nvPr/>
+      </p:nvGrpSpPr>
+      <p:grpSpPr>
+        <a:xfrm>
+          <a:off x="0" y="0"/>
+          <a:ext cx="0" cy="0"/>
+          <a:chOff x="0" y="0"/>
+          <a:chExt cx="0" cy="0"/>
+        </a:xfrm>
+      </p:grpSpPr>
+      <p:sp>
+        <p:nvSpPr>
+          <p:cNvPr id="4" name="Slide Number Placeholder 2"/>
+          <p:cNvSpPr>
+            <a:spLocks noGrp="1"/>
+          </p:cNvSpPr>
+          <p:nvPr>
+            <p:ph type="sldNum" sz="quarter" idx="10"/>
+          </p:nvPr>
+        </p:nvSpPr>
+        <p:spPr>
+          <a:xfrm>
+            <a:off x="7333815" y="6553200"/>
+            <a:ext cx="1810186" cy="276999"/>
+          </a:xfrm>
+        </p:spPr>
+        <p:txBody>
+          <a:bodyPr/>
+          <a:lstStyle/>
+          <a:p>
+            <a:r>
+              <a:rPr lang="en-US" dirty="0" smtClean="0"/>
+              <a:t>propositional algebra.</a:t>
+            </a:r>
+            <a:fld id="{3251DA95-B240-47FE-901D-B78FC8E8E532}" type="slidenum">
+              <a:rPr lang="en-US" smtClean="0"/>
+              <a:pPr/>
+              <a:t>38</a:t>
+            </a:fld>
+            <a:endParaRPr lang="en-US" dirty="0"/>
+          </a:p>
+        </p:txBody>
+      </p:sp>
+      <p:graphicFrame>
+        <p:nvGraphicFramePr>
+          <p:cNvPr id="6" name="Object 5"/>
+          <p:cNvGraphicFramePr>
+            <a:graphicFrameLocks noChangeAspect="1"/>
+          </p:cNvGraphicFramePr>
+          <p:nvPr>
+            <p:extLst>
+              <p:ext uri="{D42A27DB-BD31-4B8C-83A1-F6EECF244321}">
+                <p14:modId xmlns:p14="http://schemas.microsoft.com/office/powerpoint/2010/main" val="2268006192"/>
+              </p:ext>
+            </p:extLst>
+          </p:nvPr>
+        </p:nvGraphicFramePr>
+        <p:xfrm>
+          <a:off x="2143124" y="3194049"/>
+          <a:ext cx="5100694" cy="1847851"/>
+        </p:xfrm>
+        <a:graphic>
+          <a:graphicData uri="http://schemas.openxmlformats.org/presentationml/2006/ole">
+            <mc:AlternateContent xmlns:mc="http://schemas.openxmlformats.org/markup-compatibility/2006">
+              <mc:Choice xmlns:v="urn:schemas-microsoft-com:vml" Requires="v">
+                <p:oleObj spid="_x0000_s524289" name="Equation" r:id="rId4" imgW="1333500" imgH="482600" progId="Equation.DSMT4">
+                  <p:embed/>
+                </p:oleObj>
+              </mc:Choice>
+              <mc:Fallback>
+                <p:oleObj name="Equation" r:id="rId4" imgW="1333500" imgH="482600" progId="Equation.DSMT4">
+                  <p:embed/>
+                  <p:pic>
+                    <p:nvPicPr>
+                      <p:cNvPr id="0" name=""/>
+                      <p:cNvPicPr/>
+                      <p:nvPr/>
+                    </p:nvPicPr>
+                    <p:blipFill>
+                      <a:blip r:embed="rId5"/>
+                      <a:stretch>
+                        <a:fillRect/>
+                      </a:stretch>
+                    </p:blipFill>
+                    <p:spPr>
+                      <a:xfrm>
+                        <a:off x="2143124" y="3194049"/>
+                        <a:ext cx="5100694" cy="1847851"/>
+                      </a:xfrm>
+                      <a:prstGeom prst="rect">
+                        <a:avLst/>
+                      </a:prstGeom>
+                    </p:spPr>
+                  </p:pic>
+                </p:oleObj>
+              </mc:Fallback>
+            </mc:AlternateContent>
+          </a:graphicData>
+        </a:graphic>
+      </p:graphicFrame>
+      <p:sp>
+        <p:nvSpPr>
+          <p:cNvPr id="3" name="TextBox 2"/>
+          <p:cNvSpPr txBox="1"/>
+          <p:nvPr/>
+        </p:nvSpPr>
+        <p:spPr>
+          <a:xfrm>
+            <a:off x="1311517" y="5118100"/>
+            <a:ext cx="6530491" cy="1107996"/>
+          </a:xfrm>
+          <a:prstGeom prst="rect">
+            <a:avLst/>
+          </a:prstGeom>
+          <a:noFill/>
+        </p:spPr>
+        <p:txBody>
+          <a:bodyPr wrap="none" rtlCol="0">
+            <a:spAutoFit/>
+          </a:bodyPr>
+          <a:lstStyle/>
+          <a:p>
+            <a:pPr algn="l"/>
+            <a:r>
+              <a:rPr lang="en-US" sz="6600" dirty="0" smtClean="0">
+                <a:latin typeface="Comic Sans MS" pitchFamily="66" charset="0"/>
+              </a:rPr>
+              <a:t>sorted Full DNF</a:t>
+            </a:r>
+          </a:p>
+        </p:txBody>
+      </p:sp>
+      <p:sp>
+        <p:nvSpPr>
+          <p:cNvPr id="2" name="Rounded Rectangle 1"/>
+          <p:cNvSpPr/>
+          <p:nvPr/>
+        </p:nvSpPr>
+        <p:spPr bwMode="auto">
+          <a:xfrm>
+            <a:off x="1638300" y="3238500"/>
+            <a:ext cx="6070600" cy="1968500"/>
+          </a:xfrm>
+          <a:prstGeom prst="roundRect">
+            <a:avLst/>
+          </a:prstGeom>
+          <a:noFill/>
+          <a:ln w="34925" cap="flat" cmpd="sng" algn="ctr">
+            <a:solidFill>
+              <a:srgbClr val="FF03E3"/>
+            </a:solidFill>
+            <a:prstDash val="sysDash"/>
+            <a:round/>
+            <a:headEnd type="none" w="med" len="med"/>
+            <a:tailEnd type="none" w="med" len="med"/>
+          </a:ln>
+          <a:effectLst/>
+        </p:spPr>
+        <p:txBody>
+          <a:bodyPr vert="horz" wrap="none" lIns="91440" tIns="45720" rIns="91440" bIns="45720" numCol="1" rtlCol="0" anchor="ctr" anchorCtr="0" compatLnSpc="1">
+            <a:prstTxWarp prst="textNoShape">
+              <a:avLst/>
+            </a:prstTxWarp>
+          </a:bodyPr>
+          <a:lstStyle/>
+          <a:p>
+            <a:pPr marL="0" marR="0" indent="0" algn="ctr" defTabSz="914400" rtl="0" eaLnBrk="1" fontAlgn="base" latinLnBrk="0" hangingPunct="1">
+              <a:lnSpc>
+                <a:spcPct val="100000"/>
+              </a:lnSpc>
+              <a:spcBef>
+                <a:spcPct val="0"/>
+              </a:spcBef>
+              <a:spcAft>
+                <a:spcPct val="0"/>
+              </a:spcAft>
+              <a:buClrTx/>
+              <a:buSzTx/>
+              <a:buFontTx/>
+              <a:buNone/>
+              <a:tabLst/>
+            </a:pPr>
+            <a:endParaRPr kumimoji="0" lang="en-US" sz="3200" b="0" i="0" u="none" strike="noStrike" cap="none" normalizeH="0" baseline="0" smtClean="0">
+              <a:ln>
+                <a:noFill/>
+              </a:ln>
+              <a:solidFill>
+                <a:schemeClr val="tx1"/>
+              </a:solidFill>
+              <a:effectLst/>
+              <a:latin typeface="Times New Roman" pitchFamily="18" charset="0"/>
+            </a:endParaRPr>
+          </a:p>
+        </p:txBody>
+      </p:sp>
+      <p:sp>
+        <p:nvSpPr>
+          <p:cNvPr id="11" name="Title 1"/>
+          <p:cNvSpPr>
+            <a:spLocks noGrp="1"/>
+          </p:cNvSpPr>
+          <p:nvPr>
+            <p:ph type="title"/>
+          </p:nvPr>
+        </p:nvSpPr>
+        <p:spPr>
+          <a:xfrm>
+            <a:off x="1651000" y="363538"/>
+            <a:ext cx="6794500" cy="1003300"/>
+          </a:xfrm>
+        </p:spPr>
+        <p:txBody>
+          <a:bodyPr/>
+          <a:lstStyle/>
+          <a:p>
+            <a:r>
+              <a:rPr lang="en-US" sz="4000" dirty="0" smtClean="0">
+                <a:solidFill>
+                  <a:srgbClr val="FF03E3"/>
+                </a:solidFill>
+              </a:rPr>
+              <a:t>example</a:t>
+            </a:r>
+            <a:endParaRPr lang="en-US" sz="4000" dirty="0">
+              <a:solidFill>
+                <a:srgbClr val="FF03E3"/>
+              </a:solidFill>
+            </a:endParaRPr>
+          </a:p>
+        </p:txBody>
+      </p:sp>
+    </p:spTree>
+    <p:extLst>
+      <p:ext uri="{BB962C8B-B14F-4D97-AF65-F5344CB8AC3E}">
+        <p14:creationId xmlns:p14="http://schemas.microsoft.com/office/powerpoint/2010/main" val="2688728575"/>
       </p:ext>
     </p:extLst>
   </p:cSld>
@@ -18449,7 +19005,7 @@
 </p:sld>
 </file>
 
-<file path=ppt/slides/slide38.xml><?xml version="1.0" encoding="utf-8"?>
+<file path=ppt/slides/slide39.xml><?xml version="1.0" encoding="utf-8"?>
 <p:sld xmlns:a="http://schemas.openxmlformats.org/drawingml/2006/main" xmlns:r="http://schemas.openxmlformats.org/officeDocument/2006/relationships" xmlns:p="http://schemas.openxmlformats.org/presentationml/2006/main" show="0">
   <p:cSld>
     <p:spTree>
@@ -18521,7 +19077,7 @@
             <a:fld id="{3251DA95-B240-47FE-901D-B78FC8E8E532}" type="slidenum">
               <a:rPr lang="en-US" smtClean="0"/>
               <a:pPr/>
-              <a:t>38</a:t>
+              <a:t>39</a:t>
             </a:fld>
             <a:endParaRPr lang="en-US" dirty="0"/>
           </a:p>
@@ -18549,7 +19105,7 @@
           <a:graphicData uri="http://schemas.openxmlformats.org/presentationml/2006/ole">
             <mc:AlternateContent xmlns:mc="http://schemas.openxmlformats.org/markup-compatibility/2006">
               <mc:Choice xmlns:v="urn:schemas-microsoft-com:vml" Requires="v">
-                <p:oleObj spid="_x0000_s508931" name="Equation" r:id="rId4" imgW="1333500" imgH="482600" progId="Equation.DSMT4">
+                <p:oleObj spid="_x0000_s508934" name="Equation" r:id="rId4" imgW="1333500" imgH="482600" progId="Equation.DSMT4">
                   <p:embed/>
                 </p:oleObj>
               </mc:Choice>
@@ -18762,363 +19318,6 @@
 </p:sld>
 </file>
 
-<file path=ppt/slides/slide39.xml><?xml version="1.0" encoding="utf-8"?>
-<p:sld xmlns:a="http://schemas.openxmlformats.org/drawingml/2006/main" xmlns:r="http://schemas.openxmlformats.org/officeDocument/2006/relationships" xmlns:p="http://schemas.openxmlformats.org/presentationml/2006/main">
-  <p:cSld>
-    <p:spTree>
-      <p:nvGrpSpPr>
-        <p:cNvPr id="1" name=""/>
-        <p:cNvGrpSpPr/>
-        <p:nvPr/>
-      </p:nvGrpSpPr>
-      <p:grpSpPr>
-        <a:xfrm>
-          <a:off x="0" y="0"/>
-          <a:ext cx="0" cy="0"/>
-          <a:chOff x="0" y="0"/>
-          <a:chExt cx="0" cy="0"/>
-        </a:xfrm>
-      </p:grpSpPr>
-      <p:sp>
-        <p:nvSpPr>
-          <p:cNvPr id="5" name="TextBox 4"/>
-          <p:cNvSpPr txBox="1"/>
-          <p:nvPr/>
-        </p:nvSpPr>
-        <p:spPr>
-          <a:xfrm>
-            <a:off x="124740" y="1717665"/>
-            <a:ext cx="8985240" cy="3416320"/>
-          </a:xfrm>
-          <a:prstGeom prst="rect">
-            <a:avLst/>
-          </a:prstGeom>
-          <a:noFill/>
-        </p:spPr>
-        <p:txBody>
-          <a:bodyPr wrap="square" rtlCol="0">
-            <a:spAutoFit/>
-          </a:bodyPr>
-          <a:lstStyle/>
-          <a:p>
-            <a:r>
-              <a:rPr lang="en-US" sz="5400" dirty="0" smtClean="0">
-                <a:solidFill>
-                  <a:srgbClr val="000000"/>
-                </a:solidFill>
-                <a:latin typeface="Comic Sans MS" pitchFamily="66" charset="0"/>
-              </a:rPr>
-              <a:t>This </a:t>
-            </a:r>
-            <a:r>
-              <a:rPr lang="en-US" sz="5400" dirty="0">
-                <a:solidFill>
-                  <a:srgbClr val="000000"/>
-                </a:solidFill>
-                <a:latin typeface="Comic Sans MS" pitchFamily="66" charset="0"/>
-              </a:rPr>
-              <a:t>set </a:t>
-            </a:r>
-            <a:r>
-              <a:rPr lang="en-US" sz="5400" dirty="0" smtClean="0">
-                <a:solidFill>
-                  <a:srgbClr val="000000"/>
-                </a:solidFill>
-                <a:latin typeface="Comic Sans MS" pitchFamily="66" charset="0"/>
-              </a:rPr>
-              <a:t>of rules for </a:t>
-            </a:r>
-            <a:r>
-              <a:rPr lang="en-US" sz="5400" dirty="0" smtClean="0">
-                <a:solidFill>
-                  <a:schemeClr val="accent1">
-                    <a:lumMod val="50000"/>
-                  </a:schemeClr>
-                </a:solidFill>
-                <a:latin typeface="Comic Sans MS" pitchFamily="66" charset="0"/>
-              </a:rPr>
-              <a:t>≡</a:t>
-            </a:r>
-            <a:r>
-              <a:rPr lang="en-US" sz="5400" dirty="0" smtClean="0">
-                <a:solidFill>
-                  <a:srgbClr val="000000"/>
-                </a:solidFill>
-                <a:latin typeface="Comic Sans MS" pitchFamily="66" charset="0"/>
-              </a:rPr>
-              <a:t> is </a:t>
-            </a:r>
-            <a:r>
-              <a:rPr lang="en-US" sz="5400" dirty="0" smtClean="0">
-                <a:solidFill>
-                  <a:srgbClr val="FF03E3"/>
-                </a:solidFill>
-                <a:latin typeface="Comic Sans MS" pitchFamily="66" charset="0"/>
-              </a:rPr>
-              <a:t>complete</a:t>
-            </a:r>
-            <a:endParaRPr lang="en-US" sz="5400" dirty="0" smtClean="0">
-              <a:latin typeface="Comic Sans MS" pitchFamily="66" charset="0"/>
-            </a:endParaRPr>
-          </a:p>
-          <a:p>
-            <a:r>
-              <a:rPr lang="en-US" sz="5400" dirty="0" smtClean="0">
-                <a:latin typeface="Comic Sans MS" pitchFamily="66" charset="0"/>
-              </a:rPr>
-              <a:t>if two formulas are </a:t>
-            </a:r>
-            <a:r>
-              <a:rPr lang="en-US" sz="5400" dirty="0" smtClean="0">
-                <a:solidFill>
-                  <a:schemeClr val="accent5">
-                    <a:lumMod val="50000"/>
-                  </a:schemeClr>
-                </a:solidFill>
-                <a:latin typeface="Comic Sans MS" pitchFamily="66" charset="0"/>
-              </a:rPr>
-              <a:t>≡</a:t>
-            </a:r>
-            <a:r>
-              <a:rPr lang="en-US" sz="5400" dirty="0" smtClean="0">
-                <a:solidFill>
-                  <a:srgbClr val="000000"/>
-                </a:solidFill>
-                <a:latin typeface="Comic Sans MS" pitchFamily="66" charset="0"/>
-              </a:rPr>
-              <a:t>,</a:t>
-            </a:r>
-          </a:p>
-          <a:p>
-            <a:r>
-              <a:rPr lang="en-US" sz="5400" dirty="0" smtClean="0">
-                <a:solidFill>
-                  <a:srgbClr val="000000"/>
-                </a:solidFill>
-                <a:latin typeface="Comic Sans MS" pitchFamily="66" charset="0"/>
-              </a:rPr>
-              <a:t>these rules can prove it.</a:t>
-            </a:r>
-            <a:endParaRPr lang="en-US" sz="5400" dirty="0">
-              <a:solidFill>
-                <a:srgbClr val="000000"/>
-              </a:solidFill>
-              <a:latin typeface="Comic Sans MS" pitchFamily="66" charset="0"/>
-            </a:endParaRPr>
-          </a:p>
-        </p:txBody>
-      </p:sp>
-      <p:sp>
-        <p:nvSpPr>
-          <p:cNvPr id="9" name="Title 1"/>
-          <p:cNvSpPr>
-            <a:spLocks noGrp="1"/>
-          </p:cNvSpPr>
-          <p:nvPr>
-            <p:ph type="title"/>
-          </p:nvPr>
-        </p:nvSpPr>
-        <p:spPr>
-          <a:xfrm>
-            <a:off x="1651000" y="363538"/>
-            <a:ext cx="6794500" cy="1003300"/>
-          </a:xfrm>
-        </p:spPr>
-        <p:txBody>
-          <a:bodyPr/>
-          <a:lstStyle/>
-          <a:p>
-            <a:r>
-              <a:rPr lang="en-US" sz="4000" dirty="0" smtClean="0"/>
-              <a:t>Algebra for Equivalence</a:t>
-            </a:r>
-            <a:endParaRPr lang="en-US" sz="4000" dirty="0"/>
-          </a:p>
-        </p:txBody>
-      </p:sp>
-      <p:sp>
-        <p:nvSpPr>
-          <p:cNvPr id="4" name="Slide Number Placeholder 2"/>
-          <p:cNvSpPr>
-            <a:spLocks noGrp="1"/>
-          </p:cNvSpPr>
-          <p:nvPr>
-            <p:ph type="sldNum" sz="quarter" idx="10"/>
-          </p:nvPr>
-        </p:nvSpPr>
-        <p:spPr>
-          <a:xfrm>
-            <a:off x="7333815" y="6553200"/>
-            <a:ext cx="1810186" cy="276999"/>
-          </a:xfrm>
-        </p:spPr>
-        <p:txBody>
-          <a:bodyPr/>
-          <a:lstStyle/>
-          <a:p>
-            <a:r>
-              <a:rPr lang="en-US" dirty="0" smtClean="0"/>
-              <a:t>propositional algebra.</a:t>
-            </a:r>
-            <a:fld id="{3251DA95-B240-47FE-901D-B78FC8E8E532}" type="slidenum">
-              <a:rPr lang="en-US" smtClean="0"/>
-              <a:pPr/>
-              <a:t>39</a:t>
-            </a:fld>
-            <a:endParaRPr lang="en-US" dirty="0"/>
-          </a:p>
-        </p:txBody>
-      </p:sp>
-    </p:spTree>
-    <p:extLst>
-      <p:ext uri="{BB962C8B-B14F-4D97-AF65-F5344CB8AC3E}">
-        <p14:creationId xmlns:p14="http://schemas.microsoft.com/office/powerpoint/2010/main" val="3942135040"/>
-      </p:ext>
-    </p:extLst>
-  </p:cSld>
-  <p:clrMapOvr>
-    <a:masterClrMapping/>
-  </p:clrMapOvr>
-  <p:transition xmlns:p14="http://schemas.microsoft.com/office/powerpoint/2010/main" spd="slow" advClick="0">
-    <p:fade thruBlk="1"/>
-  </p:transition>
-  <p:timing>
-    <p:tnLst>
-      <p:par>
-        <p:cTn xmlns:p14="http://schemas.microsoft.com/office/powerpoint/2010/main" id="1" dur="indefinite" restart="never" nodeType="tmRoot">
-          <p:childTnLst>
-            <p:seq concurrent="1" nextAc="seek">
-              <p:cTn id="2" dur="indefinite" nodeType="mainSeq">
-                <p:childTnLst>
-                  <p:par>
-                    <p:cTn id="3" fill="hold">
-                      <p:stCondLst>
-                        <p:cond delay="indefinite"/>
-                      </p:stCondLst>
-                      <p:childTnLst>
-                        <p:par>
-                          <p:cTn id="4" fill="hold">
-                            <p:stCondLst>
-                              <p:cond delay="0"/>
-                            </p:stCondLst>
-                            <p:childTnLst>
-                              <p:par>
-                                <p:cTn id="5" presetID="10" presetClass="entr" presetSubtype="0" fill="hold" nodeType="clickEffect">
-                                  <p:stCondLst>
-                                    <p:cond delay="0"/>
-                                  </p:stCondLst>
-                                  <p:childTnLst>
-                                    <p:set>
-                                      <p:cBhvr>
-                                        <p:cTn id="6" dur="1" fill="hold">
-                                          <p:stCondLst>
-                                            <p:cond delay="0"/>
-                                          </p:stCondLst>
-                                        </p:cTn>
-                                        <p:tgtEl>
-                                          <p:spTgt spid="5">
-                                            <p:txEl>
-                                              <p:pRg st="1" end="1"/>
-                                            </p:txEl>
-                                          </p:spTgt>
-                                        </p:tgtEl>
-                                        <p:attrNameLst>
-                                          <p:attrName>style.visibility</p:attrName>
-                                        </p:attrNameLst>
-                                      </p:cBhvr>
-                                      <p:to>
-                                        <p:strVal val="visible"/>
-                                      </p:to>
-                                    </p:set>
-                                    <p:animEffect transition="in" filter="fade">
-                                      <p:cBhvr>
-                                        <p:cTn id="7" dur="500"/>
-                                        <p:tgtEl>
-                                          <p:spTgt spid="5">
-                                            <p:txEl>
-                                              <p:pRg st="1" end="1"/>
-                                            </p:txEl>
-                                          </p:spTgt>
-                                        </p:tgtEl>
-                                      </p:cBhvr>
-                                    </p:animEffect>
-                                  </p:childTnLst>
-                                </p:cTn>
-                              </p:par>
-                              <p:par>
-                                <p:cTn id="8" presetID="10" presetClass="entr" presetSubtype="0" fill="hold" nodeType="withEffect">
-                                  <p:stCondLst>
-                                    <p:cond delay="0"/>
-                                  </p:stCondLst>
-                                  <p:childTnLst>
-                                    <p:set>
-                                      <p:cBhvr>
-                                        <p:cTn id="9" dur="1" fill="hold">
-                                          <p:stCondLst>
-                                            <p:cond delay="0"/>
-                                          </p:stCondLst>
-                                        </p:cTn>
-                                        <p:tgtEl>
-                                          <p:spTgt spid="5">
-                                            <p:txEl>
-                                              <p:pRg st="2" end="2"/>
-                                            </p:txEl>
-                                          </p:spTgt>
-                                        </p:tgtEl>
-                                        <p:attrNameLst>
-                                          <p:attrName>style.visibility</p:attrName>
-                                        </p:attrNameLst>
-                                      </p:cBhvr>
-                                      <p:to>
-                                        <p:strVal val="visible"/>
-                                      </p:to>
-                                    </p:set>
-                                    <p:animEffect transition="in" filter="fade">
-                                      <p:cBhvr>
-                                        <p:cTn id="10" dur="500"/>
-                                        <p:tgtEl>
-                                          <p:spTgt spid="5">
-                                            <p:txEl>
-                                              <p:pRg st="2" end="2"/>
-                                            </p:txEl>
-                                          </p:spTgt>
-                                        </p:tgtEl>
-                                      </p:cBhvr>
-                                    </p:animEffect>
-                                  </p:childTnLst>
-                                </p:cTn>
-                              </p:par>
-                            </p:childTnLst>
-                          </p:cTn>
-                        </p:par>
-                      </p:childTnLst>
-                    </p:cTn>
-                  </p:par>
-                </p:childTnLst>
-              </p:cTn>
-              <p:prevCondLst>
-                <p:cond evt="onPrev" delay="0">
-                  <p:tgtEl>
-                    <p:sldTgt/>
-                  </p:tgtEl>
-                </p:cond>
-              </p:prevCondLst>
-              <p:nextCondLst>
-                <p:cond evt="onNext" delay="0">
-                  <p:tgtEl>
-                    <p:sldTgt/>
-                  </p:tgtEl>
-                </p:cond>
-              </p:nextCondLst>
-            </p:seq>
-          </p:childTnLst>
-        </p:cTn>
-      </p:par>
-    </p:tnLst>
-  </p:timing>
-</p:sld>
-</file>
-
 <file path=ppt/slides/slide4.xml><?xml version="1.0" encoding="utf-8"?>
 <p:sld xmlns:a="http://schemas.openxmlformats.org/drawingml/2006/main" xmlns:r="http://schemas.openxmlformats.org/officeDocument/2006/relationships" xmlns:p="http://schemas.openxmlformats.org/presentationml/2006/main">
   <p:cSld>
@@ -19260,7 +19459,7 @@
           <a:graphicData uri="http://schemas.openxmlformats.org/presentationml/2006/ole">
             <mc:AlternateContent xmlns:mc="http://schemas.openxmlformats.org/markup-compatibility/2006">
               <mc:Choice xmlns:v="urn:schemas-microsoft-com:vml" Requires="v">
-                <p:oleObj spid="_x0000_s1067" name="Equation" r:id="rId4" imgW="1295400" imgH="228600" progId="Equation.DSMT4">
+                <p:oleObj spid="_x0000_s1070" name="Equation" r:id="rId4" imgW="1295400" imgH="228600" progId="Equation.DSMT4">
                   <p:embed/>
                 </p:oleObj>
               </mc:Choice>
@@ -19419,8 +19618,8 @@
         </p:nvSpPr>
         <p:spPr>
           <a:xfrm>
-            <a:off x="249243" y="1847840"/>
-            <a:ext cx="8985240" cy="1754327"/>
+            <a:off x="124740" y="1577965"/>
+            <a:ext cx="8985240" cy="3785652"/>
           </a:xfrm>
           <a:prstGeom prst="rect">
             <a:avLst/>
@@ -19433,29 +19632,119 @@
           </a:bodyPr>
           <a:lstStyle/>
           <a:p>
-            <a:pPr algn="l"/>
-            <a:r>
-              <a:rPr lang="en-US" sz="5400" dirty="0" smtClean="0">
+            <a:r>
+              <a:rPr lang="en-US" sz="6000" dirty="0" smtClean="0">
                 <a:solidFill>
                   <a:srgbClr val="000000"/>
                 </a:solidFill>
                 <a:latin typeface="Comic Sans MS" pitchFamily="66" charset="0"/>
               </a:rPr>
-              <a:t>Because two formulas are</a:t>
-            </a:r>
-          </a:p>
-          <a:p>
-            <a:pPr algn="l"/>
-            <a:r>
-              <a:rPr lang="en-US" sz="5400" dirty="0" smtClean="0">
+              <a:t>This </a:t>
+            </a:r>
+            <a:r>
+              <a:rPr lang="en-US" sz="6000" dirty="0">
                 <a:solidFill>
                   <a:srgbClr val="000000"/>
                 </a:solidFill>
                 <a:latin typeface="Comic Sans MS" pitchFamily="66" charset="0"/>
               </a:rPr>
-              <a:t>equivalent </a:t>
-            </a:r>
-            <a:endParaRPr lang="en-US" sz="5400" dirty="0">
+              <a:t>set </a:t>
+            </a:r>
+            <a:r>
+              <a:rPr lang="en-US" sz="6000" dirty="0" smtClean="0">
+                <a:solidFill>
+                  <a:srgbClr val="000000"/>
+                </a:solidFill>
+                <a:latin typeface="Comic Sans MS" pitchFamily="66" charset="0"/>
+              </a:rPr>
+              <a:t>of rules for </a:t>
+            </a:r>
+            <a:r>
+              <a:rPr lang="en-US" sz="6000" dirty="0" smtClean="0">
+                <a:solidFill>
+                  <a:schemeClr val="accent1">
+                    <a:lumMod val="50000"/>
+                  </a:schemeClr>
+                </a:solidFill>
+                <a:latin typeface="Comic Sans MS" pitchFamily="66" charset="0"/>
+              </a:rPr>
+              <a:t>≡</a:t>
+            </a:r>
+            <a:endParaRPr lang="en-US" sz="6000" dirty="0">
+              <a:solidFill>
+                <a:srgbClr val="000000"/>
+              </a:solidFill>
+              <a:latin typeface="Comic Sans MS" pitchFamily="66" charset="0"/>
+            </a:endParaRPr>
+          </a:p>
+          <a:p>
+            <a:r>
+              <a:rPr lang="en-US" sz="6000" dirty="0" smtClean="0">
+                <a:solidFill>
+                  <a:srgbClr val="000000"/>
+                </a:solidFill>
+                <a:latin typeface="Comic Sans MS" pitchFamily="66" charset="0"/>
+              </a:rPr>
+              <a:t>is </a:t>
+            </a:r>
+            <a:r>
+              <a:rPr lang="en-US" sz="6000" dirty="0" smtClean="0">
+                <a:solidFill>
+                  <a:srgbClr val="FF03E3"/>
+                </a:solidFill>
+                <a:latin typeface="Comic Sans MS" pitchFamily="66" charset="0"/>
+              </a:rPr>
+              <a:t>complete</a:t>
+            </a:r>
+            <a:r>
+              <a:rPr lang="en-US" sz="6000" dirty="0" smtClean="0">
+                <a:latin typeface="Comic Sans MS" pitchFamily="66" charset="0"/>
+              </a:rPr>
+              <a:t>:</a:t>
+            </a:r>
+            <a:endParaRPr lang="en-US" sz="6000" dirty="0" smtClean="0">
+              <a:latin typeface="Comic Sans MS" pitchFamily="66" charset="0"/>
+            </a:endParaRPr>
+          </a:p>
+          <a:p>
+            <a:r>
+              <a:rPr lang="en-US" sz="6000" dirty="0" smtClean="0">
+                <a:latin typeface="Comic Sans MS" pitchFamily="66" charset="0"/>
+              </a:rPr>
+              <a:t>if two formulas are </a:t>
+            </a:r>
+            <a:r>
+              <a:rPr lang="en-US" sz="6000" dirty="0" smtClean="0">
+                <a:solidFill>
+                  <a:schemeClr val="accent5">
+                    <a:lumMod val="50000"/>
+                  </a:schemeClr>
+                </a:solidFill>
+                <a:latin typeface="Comic Sans MS" pitchFamily="66" charset="0"/>
+              </a:rPr>
+              <a:t>≡</a:t>
+            </a:r>
+            <a:r>
+              <a:rPr lang="en-US" sz="6000" dirty="0" smtClean="0">
+                <a:solidFill>
+                  <a:srgbClr val="000000"/>
+                </a:solidFill>
+                <a:latin typeface="Comic Sans MS" pitchFamily="66" charset="0"/>
+              </a:rPr>
+              <a:t>,</a:t>
+            </a:r>
+          </a:p>
+          <a:p>
+            <a:r>
+              <a:rPr lang="en-US" sz="6000" dirty="0" smtClean="0">
+                <a:solidFill>
+                  <a:srgbClr val="000000"/>
+                </a:solidFill>
+                <a:latin typeface="Comic Sans MS" pitchFamily="66" charset="0"/>
+              </a:rPr>
+              <a:t>these rules can prove it.</a:t>
+            </a:r>
+            <a:endParaRPr lang="en-US" sz="6000" dirty="0">
               <a:solidFill>
                 <a:srgbClr val="000000"/>
               </a:solidFill>
@@ -19528,29 +19817,147 @@
     </p:spTree>
     <p:extLst>
       <p:ext uri="{BB962C8B-B14F-4D97-AF65-F5344CB8AC3E}">
-        <p14:creationId xmlns:p14="http://schemas.microsoft.com/office/powerpoint/2010/main" val="2003119538"/>
+        <p14:creationId xmlns:p14="http://schemas.microsoft.com/office/powerpoint/2010/main" val="3942135040"/>
       </p:ext>
     </p:extLst>
   </p:cSld>
   <p:clrMapOvr>
     <a:masterClrMapping/>
   </p:clrMapOvr>
-  <mc:AlternateContent xmlns:mc="http://schemas.openxmlformats.org/markup-compatibility/2006" xmlns:p14="http://schemas.microsoft.com/office/powerpoint/2010/main">
-    <mc:Choice Requires="p14">
-      <p:transition spd="med" p14:dur="700" advClick="0">
-        <p:fade/>
-      </p:transition>
-    </mc:Choice>
-    <mc:Fallback xmlns="">
-      <p:transition xmlns:p14="http://schemas.microsoft.com/office/powerpoint/2010/main" spd="med" advClick="0">
-        <p:fade/>
-      </p:transition>
-    </mc:Fallback>
-  </mc:AlternateContent>
+  <p:transition xmlns:p14="http://schemas.microsoft.com/office/powerpoint/2010/main" spd="slow" advClick="0">
+    <p:fade thruBlk="1"/>
+  </p:transition>
   <p:timing>
     <p:tnLst>
       <p:par>
-        <p:cTn xmlns:p14="http://schemas.microsoft.com/office/powerpoint/2010/main" id="1" dur="indefinite" restart="never" nodeType="tmRoot"/>
+        <p:cTn xmlns:p14="http://schemas.microsoft.com/office/powerpoint/2010/main" id="1" dur="indefinite" restart="never" nodeType="tmRoot">
+          <p:childTnLst>
+            <p:seq concurrent="1" nextAc="seek">
+              <p:cTn id="2" dur="indefinite" nodeType="mainSeq">
+                <p:childTnLst>
+                  <p:par>
+                    <p:cTn id="3" fill="hold">
+                      <p:stCondLst>
+                        <p:cond delay="indefinite"/>
+                      </p:stCondLst>
+                      <p:childTnLst>
+                        <p:par>
+                          <p:cTn id="4" fill="hold">
+                            <p:stCondLst>
+                              <p:cond delay="0"/>
+                            </p:stCondLst>
+                            <p:childTnLst>
+                              <p:par>
+                                <p:cTn id="5" presetID="10" presetClass="entr" presetSubtype="0" fill="hold" nodeType="clickEffect">
+                                  <p:stCondLst>
+                                    <p:cond delay="0"/>
+                                  </p:stCondLst>
+                                  <p:childTnLst>
+                                    <p:set>
+                                      <p:cBhvr>
+                                        <p:cTn id="6" dur="1" fill="hold">
+                                          <p:stCondLst>
+                                            <p:cond delay="0"/>
+                                          </p:stCondLst>
+                                        </p:cTn>
+                                        <p:tgtEl>
+                                          <p:spTgt spid="5">
+                                            <p:txEl>
+                                              <p:pRg st="2" end="2"/>
+                                            </p:txEl>
+                                          </p:spTgt>
+                                        </p:tgtEl>
+                                        <p:attrNameLst>
+                                          <p:attrName>style.visibility</p:attrName>
+                                        </p:attrNameLst>
+                                      </p:cBhvr>
+                                      <p:to>
+                                        <p:strVal val="visible"/>
+                                      </p:to>
+                                    </p:set>
+                                    <p:animEffect transition="in" filter="fade">
+                                      <p:cBhvr>
+                                        <p:cTn id="7" dur="500"/>
+                                        <p:tgtEl>
+                                          <p:spTgt spid="5">
+                                            <p:txEl>
+                                              <p:pRg st="2" end="2"/>
+                                            </p:txEl>
+                                          </p:spTgt>
+                                        </p:tgtEl>
+                                      </p:cBhvr>
+                                    </p:animEffect>
+                                  </p:childTnLst>
+                                </p:cTn>
+                              </p:par>
+                              <p:par>
+                                <p:cTn id="8" presetID="10" presetClass="entr" presetSubtype="0" fill="hold" nodeType="withEffect">
+                                  <p:stCondLst>
+                                    <p:cond delay="0"/>
+                                  </p:stCondLst>
+                                  <p:childTnLst>
+                                    <p:set>
+                                      <p:cBhvr>
+                                        <p:cTn id="9" dur="1" fill="hold">
+                                          <p:stCondLst>
+                                            <p:cond delay="0"/>
+                                          </p:stCondLst>
+                                        </p:cTn>
+                                        <p:tgtEl>
+                                          <p:spTgt spid="5">
+                                            <p:txEl>
+                                              <p:pRg st="3" end="3"/>
+                                            </p:txEl>
+                                          </p:spTgt>
+                                        </p:tgtEl>
+                                        <p:attrNameLst>
+                                          <p:attrName>style.visibility</p:attrName>
+                                        </p:attrNameLst>
+                                      </p:cBhvr>
+                                      <p:to>
+                                        <p:strVal val="visible"/>
+                                      </p:to>
+                                    </p:set>
+                                    <p:animEffect transition="in" filter="fade">
+                                      <p:cBhvr>
+                                        <p:cTn id="10" dur="500"/>
+                                        <p:tgtEl>
+                                          <p:spTgt spid="5">
+                                            <p:txEl>
+                                              <p:pRg st="3" end="3"/>
+                                            </p:txEl>
+                                          </p:spTgt>
+                                        </p:tgtEl>
+                                      </p:cBhvr>
+                                    </p:animEffect>
+                                  </p:childTnLst>
+                                </p:cTn>
+                              </p:par>
+                            </p:childTnLst>
+                          </p:cTn>
+                        </p:par>
+                      </p:childTnLst>
+                    </p:cTn>
+                  </p:par>
+                </p:childTnLst>
+              </p:cTn>
+              <p:prevCondLst>
+                <p:cond evt="onPrev" delay="0">
+                  <p:tgtEl>
+                    <p:sldTgt/>
+                  </p:tgtEl>
+                </p:cond>
+              </p:prevCondLst>
+              <p:nextCondLst>
+                <p:cond evt="onNext" delay="0">
+                  <p:tgtEl>
+                    <p:sldTgt/>
+                  </p:tgtEl>
+                </p:cond>
+              </p:nextCondLst>
+            </p:seq>
+          </p:childTnLst>
+        </p:cTn>
       </p:par>
     </p:tnLst>
   </p:timing>
@@ -19583,7 +19990,7 @@
         <p:spPr>
           <a:xfrm>
             <a:off x="249243" y="1847840"/>
-            <a:ext cx="8985240" cy="2585323"/>
+            <a:ext cx="8985240" cy="1754327"/>
           </a:xfrm>
           <a:prstGeom prst="rect">
             <a:avLst/>
@@ -19618,24 +20025,6 @@
               </a:rPr>
               <a:t>equivalent </a:t>
             </a:r>
-            <a:r>
-              <a:rPr lang="en-US" sz="5400" dirty="0" err="1" smtClean="0">
-                <a:solidFill>
-                  <a:srgbClr val="000000"/>
-                </a:solidFill>
-                <a:latin typeface="Comic Sans MS" pitchFamily="66" charset="0"/>
-              </a:rPr>
-              <a:t>iff</a:t>
-            </a:r>
-            <a:r>
-              <a:rPr lang="en-US" sz="5400" dirty="0" smtClean="0">
-                <a:solidFill>
-                  <a:srgbClr val="000000"/>
-                </a:solidFill>
-                <a:latin typeface="Comic Sans MS" pitchFamily="66" charset="0"/>
-              </a:rPr>
-              <a:t> have same truth table</a:t>
-            </a:r>
             <a:endParaRPr lang="en-US" sz="5400" dirty="0">
               <a:solidFill>
                 <a:srgbClr val="000000"/>
@@ -19709,7 +20098,7 @@
     </p:spTree>
     <p:extLst>
       <p:ext uri="{BB962C8B-B14F-4D97-AF65-F5344CB8AC3E}">
-        <p14:creationId xmlns:p14="http://schemas.microsoft.com/office/powerpoint/2010/main" val="2442323819"/>
+        <p14:creationId xmlns:p14="http://schemas.microsoft.com/office/powerpoint/2010/main" val="2003119538"/>
       </p:ext>
     </p:extLst>
   </p:cSld>
@@ -19764,7 +20153,7 @@
         <p:spPr>
           <a:xfrm>
             <a:off x="249243" y="1847840"/>
-            <a:ext cx="8985240" cy="3416320"/>
+            <a:ext cx="8985240" cy="2585323"/>
           </a:xfrm>
           <a:prstGeom prst="rect">
             <a:avLst/>
@@ -19815,37 +20204,7 @@
                 </a:solidFill>
                 <a:latin typeface="Comic Sans MS" pitchFamily="66" charset="0"/>
               </a:rPr>
-              <a:t> have same truth table </a:t>
-            </a:r>
-            <a:r>
-              <a:rPr lang="en-US" sz="5400" dirty="0" err="1" smtClean="0">
-                <a:solidFill>
-                  <a:srgbClr val="000000"/>
-                </a:solidFill>
-                <a:latin typeface="Comic Sans MS" pitchFamily="66" charset="0"/>
-              </a:rPr>
-              <a:t>iff</a:t>
-            </a:r>
-            <a:r>
-              <a:rPr lang="en-US" sz="5400" dirty="0" smtClean="0">
-                <a:solidFill>
-                  <a:srgbClr val="000000"/>
-                </a:solidFill>
-                <a:latin typeface="Comic Sans MS" pitchFamily="66" charset="0"/>
-              </a:rPr>
-              <a:t> have same</a:t>
-            </a:r>
-          </a:p>
-          <a:p>
-            <a:pPr algn="l"/>
-            <a:r>
-              <a:rPr lang="en-US" sz="5400" dirty="0" smtClean="0">
-                <a:solidFill>
-                  <a:srgbClr val="000000"/>
-                </a:solidFill>
-                <a:latin typeface="Comic Sans MS" pitchFamily="66" charset="0"/>
-              </a:rPr>
-              <a:t>alphabetized DNF.</a:t>
+              <a:t> have same truth table</a:t>
             </a:r>
             <a:endParaRPr lang="en-US" sz="5400" dirty="0">
               <a:solidFill>
@@ -19920,7 +20279,7 @@
     </p:spTree>
     <p:extLst>
       <p:ext uri="{BB962C8B-B14F-4D97-AF65-F5344CB8AC3E}">
-        <p14:creationId xmlns:p14="http://schemas.microsoft.com/office/powerpoint/2010/main" val="1661767375"/>
+        <p14:creationId xmlns:p14="http://schemas.microsoft.com/office/powerpoint/2010/main" val="2442323819"/>
       </p:ext>
     </p:extLst>
   </p:cSld>
@@ -19968,42 +20327,14 @@
       </p:grpSpPr>
       <p:sp>
         <p:nvSpPr>
-          <p:cNvPr id="2" name="Title 1"/>
-          <p:cNvSpPr>
-            <a:spLocks noGrp="1"/>
-          </p:cNvSpPr>
-          <p:nvPr>
-            <p:ph type="title"/>
-          </p:nvPr>
-        </p:nvSpPr>
-        <p:spPr>
-          <a:xfrm>
-            <a:off x="2599202" y="325438"/>
-            <a:ext cx="6227298" cy="1058862"/>
-          </a:xfrm>
-        </p:spPr>
-        <p:txBody>
-          <a:bodyPr/>
-          <a:lstStyle/>
-          <a:p>
-            <a:r>
-              <a:rPr lang="en-US" sz="3600" dirty="0" smtClean="0"/>
-              <a:t>Validity Checking still hard</a:t>
-            </a:r>
-            <a:endParaRPr lang="en-US" sz="3600" dirty="0"/>
-          </a:p>
-        </p:txBody>
-      </p:sp>
-      <p:sp>
-        <p:nvSpPr>
           <p:cNvPr id="5" name="TextBox 4"/>
           <p:cNvSpPr txBox="1"/>
           <p:nvPr/>
         </p:nvSpPr>
         <p:spPr>
           <a:xfrm>
-            <a:off x="627063" y="1308100"/>
-            <a:ext cx="7970837" cy="2585323"/>
+            <a:off x="249243" y="1847840"/>
+            <a:ext cx="8985240" cy="3416320"/>
           </a:xfrm>
           <a:prstGeom prst="rect">
             <a:avLst/>
@@ -20019,28 +20350,85 @@
             <a:pPr algn="l"/>
             <a:r>
               <a:rPr lang="en-US" sz="5400" dirty="0" smtClean="0">
-                <a:latin typeface="Comic Sans MS" pitchFamily="66" charset="0"/>
-              </a:rPr>
-              <a:t>Algebraic proofs </a:t>
-            </a:r>
-            <a:r>
-              <a:rPr lang="en-US" sz="5400" dirty="0" smtClean="0">
                 <a:solidFill>
-                  <a:srgbClr val="FF03E3"/>
+                  <a:srgbClr val="000000"/>
                 </a:solidFill>
                 <a:latin typeface="Comic Sans MS" pitchFamily="66" charset="0"/>
               </a:rPr>
-              <a:t>in general</a:t>
-            </a:r>
+              <a:t>Because two formulas are</a:t>
+            </a:r>
+          </a:p>
+          <a:p>
+            <a:pPr algn="l"/>
             <a:r>
               <a:rPr lang="en-US" sz="5400" dirty="0" smtClean="0">
+                <a:solidFill>
+                  <a:srgbClr val="000000"/>
+                </a:solidFill>
                 <a:latin typeface="Comic Sans MS" pitchFamily="66" charset="0"/>
               </a:rPr>
-              <a:t> don’t beat truth tables.</a:t>
+              <a:t>equivalent </a:t>
+            </a:r>
+            <a:r>
+              <a:rPr lang="en-US" sz="5400" dirty="0" err="1" smtClean="0">
+                <a:solidFill>
+                  <a:srgbClr val="000000"/>
+                </a:solidFill>
+                <a:latin typeface="Comic Sans MS" pitchFamily="66" charset="0"/>
+              </a:rPr>
+              <a:t>iff</a:t>
+            </a:r>
+            <a:r>
+              <a:rPr lang="en-US" sz="5400" dirty="0" smtClean="0">
+                <a:solidFill>
+                  <a:srgbClr val="000000"/>
+                </a:solidFill>
+                <a:latin typeface="Comic Sans MS" pitchFamily="66" charset="0"/>
+              </a:rPr>
+              <a:t> have same truth table </a:t>
+            </a:r>
+            <a:r>
+              <a:rPr lang="en-US" sz="5400" dirty="0" err="1" smtClean="0">
+                <a:solidFill>
+                  <a:srgbClr val="000000"/>
+                </a:solidFill>
+                <a:latin typeface="Comic Sans MS" pitchFamily="66" charset="0"/>
+              </a:rPr>
+              <a:t>iff</a:t>
+            </a:r>
+            <a:r>
+              <a:rPr lang="en-US" sz="5400" dirty="0" smtClean="0">
+                <a:solidFill>
+                  <a:srgbClr val="000000"/>
+                </a:solidFill>
+                <a:latin typeface="Comic Sans MS" pitchFamily="66" charset="0"/>
+              </a:rPr>
+              <a:t> have same</a:t>
+            </a:r>
+          </a:p>
+          <a:p>
+            <a:pPr algn="l"/>
+            <a:r>
+              <a:rPr lang="en-US" sz="5400" dirty="0" smtClean="0">
+                <a:solidFill>
+                  <a:srgbClr val="000000"/>
+                </a:solidFill>
+                <a:latin typeface="Comic Sans MS" pitchFamily="66" charset="0"/>
+              </a:rPr>
+              <a:t>sorted </a:t>
+            </a:r>
+            <a:r>
+              <a:rPr lang="en-US" sz="5400" dirty="0" smtClean="0">
+                <a:solidFill>
+                  <a:srgbClr val="000000"/>
+                </a:solidFill>
+                <a:latin typeface="Comic Sans MS" pitchFamily="66" charset="0"/>
+              </a:rPr>
+              <a:t>DNF.</a:t>
             </a:r>
             <a:endParaRPr lang="en-US" sz="5400" dirty="0">
               <a:solidFill>
-                <a:srgbClr val="0000F1"/>
+                <a:srgbClr val="000000"/>
               </a:solidFill>
               <a:latin typeface="Comic Sans MS" pitchFamily="66" charset="0"/>
             </a:endParaRPr>
@@ -20049,7 +20437,35 @@
       </p:sp>
       <p:sp>
         <p:nvSpPr>
-          <p:cNvPr id="6" name="Slide Number Placeholder 2"/>
+          <p:cNvPr id="9" name="Title 1"/>
+          <p:cNvSpPr>
+            <a:spLocks noGrp="1"/>
+          </p:cNvSpPr>
+          <p:nvPr>
+            <p:ph type="title"/>
+          </p:nvPr>
+        </p:nvSpPr>
+        <p:spPr>
+          <a:xfrm>
+            <a:off x="1651000" y="363538"/>
+            <a:ext cx="6794500" cy="1003300"/>
+          </a:xfrm>
+        </p:spPr>
+        <p:txBody>
+          <a:bodyPr/>
+          <a:lstStyle/>
+          <a:p>
+            <a:r>
+              <a:rPr lang="en-US" sz="4000" dirty="0" smtClean="0"/>
+              <a:t>Algebra for Equivalence</a:t>
+            </a:r>
+            <a:endParaRPr lang="en-US" sz="4000" dirty="0"/>
+          </a:p>
+        </p:txBody>
+      </p:sp>
+      <p:sp>
+        <p:nvSpPr>
+          <p:cNvPr id="4" name="Slide Number Placeholder 2"/>
           <p:cNvSpPr>
             <a:spLocks noGrp="1"/>
           </p:cNvSpPr>
@@ -20083,16 +20499,25 @@
     </p:spTree>
     <p:extLst>
       <p:ext uri="{BB962C8B-B14F-4D97-AF65-F5344CB8AC3E}">
-        <p14:creationId xmlns:p14="http://schemas.microsoft.com/office/powerpoint/2010/main" val="1193270480"/>
+        <p14:creationId xmlns:p14="http://schemas.microsoft.com/office/powerpoint/2010/main" val="1661767375"/>
       </p:ext>
     </p:extLst>
   </p:cSld>
   <p:clrMapOvr>
     <a:masterClrMapping/>
   </p:clrMapOvr>
-  <p:transition xmlns:p14="http://schemas.microsoft.com/office/powerpoint/2010/main" spd="slow" advClick="0">
-    <p:fade thruBlk="1"/>
-  </p:transition>
+  <mc:AlternateContent xmlns:mc="http://schemas.openxmlformats.org/markup-compatibility/2006" xmlns:p14="http://schemas.microsoft.com/office/powerpoint/2010/main">
+    <mc:Choice Requires="p14">
+      <p:transition spd="med" p14:dur="700" advClick="0">
+        <p:fade/>
+      </p:transition>
+    </mc:Choice>
+    <mc:Fallback xmlns="">
+      <p:transition xmlns:p14="http://schemas.microsoft.com/office/powerpoint/2010/main" spd="med" advClick="0">
+        <p:fade/>
+      </p:transition>
+    </mc:Fallback>
+  </mc:AlternateContent>
   <p:timing>
     <p:tnLst>
       <p:par>
@@ -20157,6 +20582,160 @@
         <p:spPr>
           <a:xfrm>
             <a:off x="627063" y="1308100"/>
+            <a:ext cx="7970837" cy="2585323"/>
+          </a:xfrm>
+          <a:prstGeom prst="rect">
+            <a:avLst/>
+          </a:prstGeom>
+          <a:noFill/>
+        </p:spPr>
+        <p:txBody>
+          <a:bodyPr wrap="square" rtlCol="0">
+            <a:spAutoFit/>
+          </a:bodyPr>
+          <a:lstStyle/>
+          <a:p>
+            <a:pPr algn="l"/>
+            <a:r>
+              <a:rPr lang="en-US" sz="5400" dirty="0" smtClean="0">
+                <a:latin typeface="Comic Sans MS" pitchFamily="66" charset="0"/>
+              </a:rPr>
+              <a:t>Algebraic proofs </a:t>
+            </a:r>
+            <a:r>
+              <a:rPr lang="en-US" sz="5400" dirty="0" smtClean="0">
+                <a:solidFill>
+                  <a:srgbClr val="FF03E3"/>
+                </a:solidFill>
+                <a:latin typeface="Comic Sans MS" pitchFamily="66" charset="0"/>
+              </a:rPr>
+              <a:t>in general</a:t>
+            </a:r>
+            <a:r>
+              <a:rPr lang="en-US" sz="5400" dirty="0" smtClean="0">
+                <a:latin typeface="Comic Sans MS" pitchFamily="66" charset="0"/>
+              </a:rPr>
+              <a:t> don’t beat truth tables.</a:t>
+            </a:r>
+            <a:endParaRPr lang="en-US" sz="5400" dirty="0">
+              <a:solidFill>
+                <a:srgbClr val="0000F1"/>
+              </a:solidFill>
+              <a:latin typeface="Comic Sans MS" pitchFamily="66" charset="0"/>
+            </a:endParaRPr>
+          </a:p>
+        </p:txBody>
+      </p:sp>
+      <p:sp>
+        <p:nvSpPr>
+          <p:cNvPr id="6" name="Slide Number Placeholder 2"/>
+          <p:cNvSpPr>
+            <a:spLocks noGrp="1"/>
+          </p:cNvSpPr>
+          <p:nvPr>
+            <p:ph type="sldNum" sz="quarter" idx="10"/>
+          </p:nvPr>
+        </p:nvSpPr>
+        <p:spPr>
+          <a:xfrm>
+            <a:off x="7333815" y="6553200"/>
+            <a:ext cx="1810186" cy="276999"/>
+          </a:xfrm>
+        </p:spPr>
+        <p:txBody>
+          <a:bodyPr/>
+          <a:lstStyle/>
+          <a:p>
+            <a:r>
+              <a:rPr lang="en-US" dirty="0" smtClean="0"/>
+              <a:t>propositional algebra.</a:t>
+            </a:r>
+            <a:fld id="{3251DA95-B240-47FE-901D-B78FC8E8E532}" type="slidenum">
+              <a:rPr lang="en-US" smtClean="0"/>
+              <a:pPr/>
+              <a:t>44</a:t>
+            </a:fld>
+            <a:endParaRPr lang="en-US" dirty="0"/>
+          </a:p>
+        </p:txBody>
+      </p:sp>
+    </p:spTree>
+    <p:extLst>
+      <p:ext uri="{BB962C8B-B14F-4D97-AF65-F5344CB8AC3E}">
+        <p14:creationId xmlns:p14="http://schemas.microsoft.com/office/powerpoint/2010/main" val="1193270480"/>
+      </p:ext>
+    </p:extLst>
+  </p:cSld>
+  <p:clrMapOvr>
+    <a:masterClrMapping/>
+  </p:clrMapOvr>
+  <p:transition xmlns:p14="http://schemas.microsoft.com/office/powerpoint/2010/main" spd="slow" advClick="0">
+    <p:fade thruBlk="1"/>
+  </p:transition>
+  <p:timing>
+    <p:tnLst>
+      <p:par>
+        <p:cTn xmlns:p14="http://schemas.microsoft.com/office/powerpoint/2010/main" id="1" dur="indefinite" restart="never" nodeType="tmRoot"/>
+      </p:par>
+    </p:tnLst>
+  </p:timing>
+</p:sld>
+</file>
+
+<file path=ppt/slides/slide45.xml><?xml version="1.0" encoding="utf-8"?>
+<p:sld xmlns:a="http://schemas.openxmlformats.org/drawingml/2006/main" xmlns:r="http://schemas.openxmlformats.org/officeDocument/2006/relationships" xmlns:p="http://schemas.openxmlformats.org/presentationml/2006/main">
+  <p:cSld>
+    <p:spTree>
+      <p:nvGrpSpPr>
+        <p:cNvPr id="1" name=""/>
+        <p:cNvGrpSpPr/>
+        <p:nvPr/>
+      </p:nvGrpSpPr>
+      <p:grpSpPr>
+        <a:xfrm>
+          <a:off x="0" y="0"/>
+          <a:ext cx="0" cy="0"/>
+          <a:chOff x="0" y="0"/>
+          <a:chExt cx="0" cy="0"/>
+        </a:xfrm>
+      </p:grpSpPr>
+      <p:sp>
+        <p:nvSpPr>
+          <p:cNvPr id="2" name="Title 1"/>
+          <p:cNvSpPr>
+            <a:spLocks noGrp="1"/>
+          </p:cNvSpPr>
+          <p:nvPr>
+            <p:ph type="title"/>
+          </p:nvPr>
+        </p:nvSpPr>
+        <p:spPr>
+          <a:xfrm>
+            <a:off x="2599202" y="325438"/>
+            <a:ext cx="6227298" cy="1058862"/>
+          </a:xfrm>
+        </p:spPr>
+        <p:txBody>
+          <a:bodyPr/>
+          <a:lstStyle/>
+          <a:p>
+            <a:r>
+              <a:rPr lang="en-US" sz="3600" dirty="0" smtClean="0"/>
+              <a:t>Validity Checking still hard</a:t>
+            </a:r>
+            <a:endParaRPr lang="en-US" sz="3600" dirty="0"/>
+          </a:p>
+        </p:txBody>
+      </p:sp>
+      <p:sp>
+        <p:nvSpPr>
+          <p:cNvPr id="5" name="TextBox 4"/>
+          <p:cNvSpPr txBox="1"/>
+          <p:nvPr/>
+        </p:nvSpPr>
+        <p:spPr>
+          <a:xfrm>
+            <a:off x="627063" y="1308100"/>
             <a:ext cx="7970837" cy="4247317"/>
           </a:xfrm>
           <a:prstGeom prst="rect">
@@ -20268,7 +20847,7 @@
             <a:fld id="{3251DA95-B240-47FE-901D-B78FC8E8E532}" type="slidenum">
               <a:rPr lang="en-US" smtClean="0"/>
               <a:pPr/>
-              <a:t>44</a:t>
+              <a:t>45</a:t>
             </a:fld>
             <a:endParaRPr lang="en-US" dirty="0"/>
           </a:p>
@@ -20306,7 +20885,7 @@
 </p:sld>
 </file>
 
-<file path=ppt/slides/slide45.xml><?xml version="1.0" encoding="utf-8"?>
+<file path=ppt/slides/slide46.xml><?xml version="1.0" encoding="utf-8"?>
 <p:sld xmlns:a="http://schemas.openxmlformats.org/drawingml/2006/main" xmlns:r="http://schemas.openxmlformats.org/officeDocument/2006/relationships" xmlns:p="http://schemas.openxmlformats.org/presentationml/2006/main">
   <p:cSld>
     <p:spTree>
@@ -20449,7 +21028,7 @@
             <a:fld id="{3251DA95-B240-47FE-901D-B78FC8E8E532}" type="slidenum">
               <a:rPr lang="en-US" smtClean="0"/>
               <a:pPr/>
-              <a:t>45</a:t>
+              <a:t>46</a:t>
             </a:fld>
             <a:endParaRPr lang="en-US" dirty="0"/>
           </a:p>
@@ -20487,7 +21066,7 @@
 </p:sld>
 </file>
 
-<file path=ppt/slides/slide46.xml><?xml version="1.0" encoding="utf-8"?>
+<file path=ppt/slides/slide47.xml><?xml version="1.0" encoding="utf-8"?>
 <p:sld xmlns:a="http://schemas.openxmlformats.org/drawingml/2006/main" xmlns:r="http://schemas.openxmlformats.org/officeDocument/2006/relationships" xmlns:p="http://schemas.openxmlformats.org/presentationml/2006/main" show="0">
   <p:cSld>
     <p:spTree>
@@ -20645,7 +21224,7 @@
             <a:fld id="{3251DA95-B240-47FE-901D-B78FC8E8E532}" type="slidenum">
               <a:rPr lang="en-US" smtClean="0"/>
               <a:pPr/>
-              <a:t>46</a:t>
+              <a:t>47</a:t>
             </a:fld>
             <a:endParaRPr lang="en-US" dirty="0"/>
           </a:p>
@@ -20984,7 +21563,7 @@
           <a:graphicData uri="http://schemas.openxmlformats.org/presentationml/2006/ole">
             <mc:AlternateContent xmlns:mc="http://schemas.openxmlformats.org/markup-compatibility/2006">
               <mc:Choice xmlns:v="urn:schemas-microsoft-com:vml" Requires="v">
-                <p:oleObj spid="_x0000_s419963" name="Equation" r:id="rId4" imgW="139700" imgH="215900" progId="Equation.DSMT4">
+                <p:oleObj spid="_x0000_s419970" name="Equation" r:id="rId4" imgW="139700" imgH="215900" progId="Equation.DSMT4">
                   <p:embed/>
                 </p:oleObj>
               </mc:Choice>
@@ -21041,7 +21620,7 @@
           <a:graphicData uri="http://schemas.openxmlformats.org/presentationml/2006/ole">
             <mc:AlternateContent xmlns:mc="http://schemas.openxmlformats.org/markup-compatibility/2006">
               <mc:Choice xmlns:v="urn:schemas-microsoft-com:vml" Requires="v">
-                <p:oleObj spid="_x0000_s419964" name="Equation" r:id="rId6" imgW="2044700" imgH="228600" progId="Equation.DSMT4">
+                <p:oleObj spid="_x0000_s419971" name="Equation" r:id="rId6" imgW="2044700" imgH="228600" progId="Equation.DSMT4">
                   <p:embed/>
                 </p:oleObj>
               </mc:Choice>
@@ -21181,7 +21760,7 @@
           <a:graphicData uri="http://schemas.openxmlformats.org/presentationml/2006/ole">
             <mc:AlternateContent xmlns:mc="http://schemas.openxmlformats.org/markup-compatibility/2006">
               <mc:Choice xmlns:v="urn:schemas-microsoft-com:vml" Requires="v">
-                <p:oleObj spid="_x0000_s419965" name="Equation" r:id="rId8" imgW="2159000" imgH="457200" progId="Equation.DSMT4">
+                <p:oleObj spid="_x0000_s419972" name="Equation" r:id="rId8" imgW="2159000" imgH="457200" progId="Equation.DSMT4">
                   <p:embed/>
                 </p:oleObj>
               </mc:Choice>
@@ -21592,7 +22171,7 @@
           <a:graphicData uri="http://schemas.openxmlformats.org/presentationml/2006/ole">
             <mc:AlternateContent xmlns:mc="http://schemas.openxmlformats.org/markup-compatibility/2006">
               <mc:Choice xmlns:v="urn:schemas-microsoft-com:vml" Requires="v">
-                <p:oleObj spid="_x0000_s422950" name="Equation" r:id="rId4" imgW="1498600" imgH="457200" progId="Equation.DSMT4">
+                <p:oleObj spid="_x0000_s422953" name="Equation" r:id="rId4" imgW="1498600" imgH="457200" progId="Equation.DSMT4">
                   <p:embed/>
                 </p:oleObj>
               </mc:Choice>
@@ -21826,7 +22405,7 @@
           <a:graphicData uri="http://schemas.openxmlformats.org/presentationml/2006/ole">
             <mc:AlternateContent xmlns:mc="http://schemas.openxmlformats.org/markup-compatibility/2006">
               <mc:Choice xmlns:v="urn:schemas-microsoft-com:vml" Requires="v">
-                <p:oleObj spid="_x0000_s421926" name="Equation" r:id="rId4" imgW="1600200" imgH="457200" progId="Equation.DSMT4">
+                <p:oleObj spid="_x0000_s421929" name="Equation" r:id="rId4" imgW="1600200" imgH="457200" progId="Equation.DSMT4">
                   <p:embed/>
                 </p:oleObj>
               </mc:Choice>
@@ -22120,7 +22699,7 @@
           <a:graphicData uri="http://schemas.openxmlformats.org/presentationml/2006/ole">
             <mc:AlternateContent xmlns:mc="http://schemas.openxmlformats.org/markup-compatibility/2006">
               <mc:Choice xmlns:v="urn:schemas-microsoft-com:vml" Requires="v">
-                <p:oleObj spid="_x0000_s418898" name="Equation" r:id="rId4" imgW="1866900" imgH="457200" progId="Equation.DSMT4">
+                <p:oleObj spid="_x0000_s418901" name="Equation" r:id="rId4" imgW="1866900" imgH="457200" progId="Equation.DSMT4">
                   <p:embed/>
                 </p:oleObj>
               </mc:Choice>
@@ -22404,7 +22983,7 @@
           <a:graphicData uri="http://schemas.openxmlformats.org/presentationml/2006/ole">
             <mc:AlternateContent xmlns:mc="http://schemas.openxmlformats.org/markup-compatibility/2006">
               <mc:Choice xmlns:v="urn:schemas-microsoft-com:vml" Requires="v">
-                <p:oleObj spid="_x0000_s431128" name="Equation" r:id="rId4" imgW="1790700" imgH="457200" progId="Equation.DSMT4">
+                <p:oleObj spid="_x0000_s431131" name="Equation" r:id="rId4" imgW="1790700" imgH="457200" progId="Equation.DSMT4">
                   <p:embed/>
                 </p:oleObj>
               </mc:Choice>

--- a/spring18/slidesS18/prpostn_algebra.pptx
+++ b/spring18/slidesS18/prpostn_algebra.pptx
@@ -6,10 +6,10 @@
     <p:sldMasterId id="2147483651" r:id="rId2"/>
   </p:sldMasterIdLst>
   <p:notesMasterIdLst>
-    <p:notesMasterId r:id="rId53"/>
+    <p:notesMasterId r:id="rId55"/>
   </p:notesMasterIdLst>
   <p:handoutMasterIdLst>
-    <p:handoutMasterId r:id="rId54"/>
+    <p:handoutMasterId r:id="rId56"/>
   </p:handoutMasterIdLst>
   <p:sldIdLst>
     <p:sldId id="392" r:id="rId3"/>
@@ -49,24 +49,26 @@
     <p:sldId id="550" r:id="rId37"/>
     <p:sldId id="535" r:id="rId38"/>
     <p:sldId id="551" r:id="rId39"/>
-    <p:sldId id="552" r:id="rId40"/>
-    <p:sldId id="553" r:id="rId41"/>
-    <p:sldId id="554" r:id="rId42"/>
-    <p:sldId id="555" r:id="rId43"/>
-    <p:sldId id="557" r:id="rId44"/>
-    <p:sldId id="531" r:id="rId45"/>
-    <p:sldId id="536" r:id="rId46"/>
-    <p:sldId id="537" r:id="rId47"/>
-    <p:sldId id="538" r:id="rId48"/>
-    <p:sldId id="503" r:id="rId49"/>
-    <p:sldId id="523" r:id="rId50"/>
-    <p:sldId id="504" r:id="rId51"/>
-    <p:sldId id="501" r:id="rId52"/>
+    <p:sldId id="558" r:id="rId40"/>
+    <p:sldId id="560" r:id="rId41"/>
+    <p:sldId id="552" r:id="rId42"/>
+    <p:sldId id="553" r:id="rId43"/>
+    <p:sldId id="554" r:id="rId44"/>
+    <p:sldId id="555" r:id="rId45"/>
+    <p:sldId id="557" r:id="rId46"/>
+    <p:sldId id="531" r:id="rId47"/>
+    <p:sldId id="536" r:id="rId48"/>
+    <p:sldId id="537" r:id="rId49"/>
+    <p:sldId id="538" r:id="rId50"/>
+    <p:sldId id="503" r:id="rId51"/>
+    <p:sldId id="523" r:id="rId52"/>
+    <p:sldId id="504" r:id="rId53"/>
+    <p:sldId id="501" r:id="rId54"/>
   </p:sldIdLst>
   <p:sldSz cx="9144000" cy="6858000" type="screen4x3"/>
   <p:notesSz cx="9601200" cy="7315200"/>
   <p:custDataLst>
-    <p:tags r:id="rId56"/>
+    <p:tags r:id="rId58"/>
   </p:custDataLst>
   <p:defaultTextStyle>
     <a:defPPr>
@@ -4551,6 +4553,170 @@
               <a:rPr lang="en-US" smtClean="0"/>
               <a:pPr/>
               <a:t>6</a:t>
+            </a:fld>
+            <a:endParaRPr lang="en-US"/>
+          </a:p>
+        </p:txBody>
+      </p:sp>
+    </p:spTree>
+  </p:cSld>
+  <p:clrMapOvr>
+    <a:masterClrMapping/>
+  </p:clrMapOvr>
+</p:notes>
+</file>
+
+<file path=ppt/notesSlides/notesSlide50.xml><?xml version="1.0" encoding="utf-8"?>
+<p:notes xmlns:a="http://schemas.openxmlformats.org/drawingml/2006/main" xmlns:r="http://schemas.openxmlformats.org/officeDocument/2006/relationships" xmlns:p="http://schemas.openxmlformats.org/presentationml/2006/main">
+  <p:cSld>
+    <p:spTree>
+      <p:nvGrpSpPr>
+        <p:cNvPr id="1" name=""/>
+        <p:cNvGrpSpPr/>
+        <p:nvPr/>
+      </p:nvGrpSpPr>
+      <p:grpSpPr>
+        <a:xfrm>
+          <a:off x="0" y="0"/>
+          <a:ext cx="0" cy="0"/>
+          <a:chOff x="0" y="0"/>
+          <a:chExt cx="0" cy="0"/>
+        </a:xfrm>
+      </p:grpSpPr>
+      <p:sp>
+        <p:nvSpPr>
+          <p:cNvPr id="2" name="Slide Image Placeholder 1"/>
+          <p:cNvSpPr>
+            <a:spLocks noGrp="1" noRot="1" noChangeAspect="1"/>
+          </p:cNvSpPr>
+          <p:nvPr>
+            <p:ph type="sldImg"/>
+          </p:nvPr>
+        </p:nvSpPr>
+        <p:spPr/>
+      </p:sp>
+      <p:sp>
+        <p:nvSpPr>
+          <p:cNvPr id="3" name="Notes Placeholder 2"/>
+          <p:cNvSpPr>
+            <a:spLocks noGrp="1"/>
+          </p:cNvSpPr>
+          <p:nvPr>
+            <p:ph type="body" idx="1"/>
+          </p:nvPr>
+        </p:nvSpPr>
+        <p:spPr/>
+        <p:txBody>
+          <a:bodyPr>
+            <a:normAutofit/>
+          </a:bodyPr>
+          <a:lstStyle/>
+          <a:p>
+            <a:endParaRPr lang="en-US"/>
+          </a:p>
+        </p:txBody>
+      </p:sp>
+      <p:sp>
+        <p:nvSpPr>
+          <p:cNvPr id="4" name="Slide Number Placeholder 3"/>
+          <p:cNvSpPr>
+            <a:spLocks noGrp="1"/>
+          </p:cNvSpPr>
+          <p:nvPr>
+            <p:ph type="sldNum" sz="quarter" idx="10"/>
+          </p:nvPr>
+        </p:nvSpPr>
+        <p:spPr/>
+        <p:txBody>
+          <a:bodyPr/>
+          <a:lstStyle/>
+          <a:p>
+            <a:fld id="{A02B9F3F-3042-489F-AF35-1A733968F079}" type="slidenum">
+              <a:rPr lang="en-US" smtClean="0"/>
+              <a:pPr/>
+              <a:t>51</a:t>
+            </a:fld>
+            <a:endParaRPr lang="en-US"/>
+          </a:p>
+        </p:txBody>
+      </p:sp>
+    </p:spTree>
+  </p:cSld>
+  <p:clrMapOvr>
+    <a:masterClrMapping/>
+  </p:clrMapOvr>
+</p:notes>
+</file>
+
+<file path=ppt/notesSlides/notesSlide51.xml><?xml version="1.0" encoding="utf-8"?>
+<p:notes xmlns:a="http://schemas.openxmlformats.org/drawingml/2006/main" xmlns:r="http://schemas.openxmlformats.org/officeDocument/2006/relationships" xmlns:p="http://schemas.openxmlformats.org/presentationml/2006/main">
+  <p:cSld>
+    <p:spTree>
+      <p:nvGrpSpPr>
+        <p:cNvPr id="1" name=""/>
+        <p:cNvGrpSpPr/>
+        <p:nvPr/>
+      </p:nvGrpSpPr>
+      <p:grpSpPr>
+        <a:xfrm>
+          <a:off x="0" y="0"/>
+          <a:ext cx="0" cy="0"/>
+          <a:chOff x="0" y="0"/>
+          <a:chExt cx="0" cy="0"/>
+        </a:xfrm>
+      </p:grpSpPr>
+      <p:sp>
+        <p:nvSpPr>
+          <p:cNvPr id="2" name="Slide Image Placeholder 1"/>
+          <p:cNvSpPr>
+            <a:spLocks noGrp="1" noRot="1" noChangeAspect="1"/>
+          </p:cNvSpPr>
+          <p:nvPr>
+            <p:ph type="sldImg"/>
+          </p:nvPr>
+        </p:nvSpPr>
+        <p:spPr/>
+      </p:sp>
+      <p:sp>
+        <p:nvSpPr>
+          <p:cNvPr id="3" name="Notes Placeholder 2"/>
+          <p:cNvSpPr>
+            <a:spLocks noGrp="1"/>
+          </p:cNvSpPr>
+          <p:nvPr>
+            <p:ph type="body" idx="1"/>
+          </p:nvPr>
+        </p:nvSpPr>
+        <p:spPr/>
+        <p:txBody>
+          <a:bodyPr>
+            <a:normAutofit/>
+          </a:bodyPr>
+          <a:lstStyle/>
+          <a:p>
+            <a:endParaRPr lang="en-US"/>
+          </a:p>
+        </p:txBody>
+      </p:sp>
+      <p:sp>
+        <p:nvSpPr>
+          <p:cNvPr id="4" name="Slide Number Placeholder 3"/>
+          <p:cNvSpPr>
+            <a:spLocks noGrp="1"/>
+          </p:cNvSpPr>
+          <p:nvPr>
+            <p:ph type="sldNum" sz="quarter" idx="10"/>
+          </p:nvPr>
+        </p:nvSpPr>
+        <p:spPr/>
+        <p:txBody>
+          <a:bodyPr/>
+          <a:lstStyle/>
+          <a:p>
+            <a:fld id="{A02B9F3F-3042-489F-AF35-1A733968F079}" type="slidenum">
+              <a:rPr lang="en-US" smtClean="0"/>
+              <a:pPr/>
+              <a:t>52</a:t>
             </a:fld>
             <a:endParaRPr lang="en-US"/>
           </a:p>
@@ -9207,7 +9373,7 @@
           <a:graphicData uri="http://schemas.openxmlformats.org/presentationml/2006/ole">
             <mc:AlternateContent xmlns:mc="http://schemas.openxmlformats.org/markup-compatibility/2006">
               <mc:Choice xmlns:v="urn:schemas-microsoft-com:vml" Requires="v">
-                <p:oleObj spid="_x0000_s435234" name="Equation" r:id="rId4" imgW="2108200" imgH="228600" progId="Equation.DSMT4">
+                <p:oleObj spid="_x0000_s435237" name="Equation" r:id="rId4" imgW="2108200" imgH="228600" progId="Equation.DSMT4">
                   <p:embed/>
                 </p:oleObj>
               </mc:Choice>
@@ -9453,7 +9619,7 @@
           <a:graphicData uri="http://schemas.openxmlformats.org/presentationml/2006/ole">
             <mc:AlternateContent xmlns:mc="http://schemas.openxmlformats.org/markup-compatibility/2006">
               <mc:Choice xmlns:v="urn:schemas-microsoft-com:vml" Requires="v">
-                <p:oleObj spid="_x0000_s439331" name="Equation" r:id="rId4" imgW="2146300" imgH="228600" progId="Equation.DSMT4">
+                <p:oleObj spid="_x0000_s439334" name="Equation" r:id="rId4" imgW="2146300" imgH="228600" progId="Equation.DSMT4">
                   <p:embed/>
                 </p:oleObj>
               </mc:Choice>
@@ -9676,7 +9842,7 @@
           <a:graphicData uri="http://schemas.openxmlformats.org/presentationml/2006/ole">
             <mc:AlternateContent xmlns:mc="http://schemas.openxmlformats.org/markup-compatibility/2006">
               <mc:Choice xmlns:v="urn:schemas-microsoft-com:vml" Requires="v">
-                <p:oleObj spid="_x0000_s434248" name="Equation" r:id="rId4" imgW="2146300" imgH="228600" progId="Equation.DSMT4">
+                <p:oleObj spid="_x0000_s434253" name="Equation" r:id="rId4" imgW="2146300" imgH="228600" progId="Equation.DSMT4">
                   <p:embed/>
                 </p:oleObj>
               </mc:Choice>
@@ -9733,7 +9899,7 @@
           <a:graphicData uri="http://schemas.openxmlformats.org/presentationml/2006/ole">
             <mc:AlternateContent xmlns:mc="http://schemas.openxmlformats.org/markup-compatibility/2006">
               <mc:Choice xmlns:v="urn:schemas-microsoft-com:vml" Requires="v">
-                <p:oleObj spid="_x0000_s434249" name="Equation" r:id="rId6" imgW="2514600" imgH="228600" progId="Equation.DSMT4">
+                <p:oleObj spid="_x0000_s434254" name="Equation" r:id="rId6" imgW="2514600" imgH="228600" progId="Equation.DSMT4">
                   <p:embed/>
                 </p:oleObj>
               </mc:Choice>
@@ -9880,32 +10046,32 @@
       </p:sp>
       <p:graphicFrame>
         <p:nvGraphicFramePr>
-          <p:cNvPr id="7" name="Object 6"/>
+          <p:cNvPr id="10" name="Object 9"/>
           <p:cNvGraphicFramePr>
             <a:graphicFrameLocks noChangeAspect="1"/>
           </p:cNvGraphicFramePr>
           <p:nvPr>
             <p:extLst>
               <p:ext uri="{D42A27DB-BD31-4B8C-83A1-F6EECF244321}">
-                <p14:modId xmlns:p14="http://schemas.microsoft.com/office/powerpoint/2010/main" val="2028709019"/>
+                <p14:modId xmlns:p14="http://schemas.microsoft.com/office/powerpoint/2010/main" val="3095536137"/>
               </p:ext>
             </p:extLst>
           </p:nvPr>
         </p:nvGraphicFramePr>
         <p:xfrm>
-          <a:off x="369888" y="1639294"/>
-          <a:ext cx="8540750" cy="926105"/>
+          <a:off x="233362" y="2597150"/>
+          <a:ext cx="8796338" cy="800539"/>
         </p:xfrm>
         <a:graphic>
           <a:graphicData uri="http://schemas.openxmlformats.org/presentationml/2006/ole">
             <mc:AlternateContent xmlns:mc="http://schemas.openxmlformats.org/markup-compatibility/2006">
               <mc:Choice xmlns:v="urn:schemas-microsoft-com:vml" Requires="v">
-                <p:oleObj spid="_x0000_s436288" name="Equation" r:id="rId4" imgW="2108200" imgH="228600" progId="Equation.DSMT4">
+                <p:oleObj spid="_x0000_s436292" name="Equation" r:id="rId4" imgW="2514600" imgH="228600" progId="Equation.DSMT4">
                   <p:embed/>
                 </p:oleObj>
               </mc:Choice>
               <mc:Fallback>
-                <p:oleObj name="Equation" r:id="rId4" imgW="2108200" imgH="228600" progId="Equation.DSMT4">
+                <p:oleObj name="Equation" r:id="rId4" imgW="2514600" imgH="228600" progId="Equation.DSMT4">
                   <p:embed/>
                   <p:pic>
                     <p:nvPicPr>
@@ -9915,63 +10081,6 @@
                     </p:nvPicPr>
                     <p:blipFill>
                       <a:blip r:embed="rId5"/>
-                      <a:stretch>
-                        <a:fillRect/>
-                      </a:stretch>
-                    </p:blipFill>
-                    <p:spPr>
-                      <a:xfrm>
-                        <a:off x="369888" y="1639294"/>
-                        <a:ext cx="8540750" cy="926105"/>
-                      </a:xfrm>
-                      <a:prstGeom prst="rect">
-                        <a:avLst/>
-                      </a:prstGeom>
-                    </p:spPr>
-                  </p:pic>
-                </p:oleObj>
-              </mc:Fallback>
-            </mc:AlternateContent>
-          </a:graphicData>
-        </a:graphic>
-      </p:graphicFrame>
-      <p:graphicFrame>
-        <p:nvGraphicFramePr>
-          <p:cNvPr id="10" name="Object 9"/>
-          <p:cNvGraphicFramePr>
-            <a:graphicFrameLocks noChangeAspect="1"/>
-          </p:cNvGraphicFramePr>
-          <p:nvPr>
-            <p:extLst>
-              <p:ext uri="{D42A27DB-BD31-4B8C-83A1-F6EECF244321}">
-                <p14:modId xmlns:p14="http://schemas.microsoft.com/office/powerpoint/2010/main" val="3095536137"/>
-              </p:ext>
-            </p:extLst>
-          </p:nvPr>
-        </p:nvGraphicFramePr>
-        <p:xfrm>
-          <a:off x="233362" y="2597150"/>
-          <a:ext cx="8796338" cy="800539"/>
-        </p:xfrm>
-        <a:graphic>
-          <a:graphicData uri="http://schemas.openxmlformats.org/presentationml/2006/ole">
-            <mc:AlternateContent xmlns:mc="http://schemas.openxmlformats.org/markup-compatibility/2006">
-              <mc:Choice xmlns:v="urn:schemas-microsoft-com:vml" Requires="v">
-                <p:oleObj spid="_x0000_s436289" name="Equation" r:id="rId6" imgW="2514600" imgH="228600" progId="Equation.DSMT4">
-                  <p:embed/>
-                </p:oleObj>
-              </mc:Choice>
-              <mc:Fallback>
-                <p:oleObj name="Equation" r:id="rId6" imgW="2514600" imgH="228600" progId="Equation.DSMT4">
-                  <p:embed/>
-                  <p:pic>
-                    <p:nvPicPr>
-                      <p:cNvPr id="0" name=""/>
-                      <p:cNvPicPr/>
-                      <p:nvPr/>
-                    </p:nvPicPr>
-                    <p:blipFill>
-                      <a:blip r:embed="rId7"/>
                       <a:stretch>
                         <a:fillRect/>
                       </a:stretch>
@@ -10237,32 +10346,32 @@
       </p:sp>
       <p:graphicFrame>
         <p:nvGraphicFramePr>
-          <p:cNvPr id="7" name="Object 6"/>
+          <p:cNvPr id="10" name="Object 9"/>
           <p:cNvGraphicFramePr>
             <a:graphicFrameLocks noChangeAspect="1"/>
           </p:cNvGraphicFramePr>
           <p:nvPr>
             <p:extLst>
               <p:ext uri="{D42A27DB-BD31-4B8C-83A1-F6EECF244321}">
-                <p14:modId xmlns:p14="http://schemas.microsoft.com/office/powerpoint/2010/main" val="3001261150"/>
+                <p14:modId xmlns:p14="http://schemas.microsoft.com/office/powerpoint/2010/main" val="3721036728"/>
               </p:ext>
             </p:extLst>
           </p:nvPr>
         </p:nvGraphicFramePr>
         <p:xfrm>
-          <a:off x="369888" y="1639294"/>
-          <a:ext cx="8540750" cy="926105"/>
+          <a:off x="233362" y="2597150"/>
+          <a:ext cx="8796338" cy="800539"/>
         </p:xfrm>
         <a:graphic>
           <a:graphicData uri="http://schemas.openxmlformats.org/presentationml/2006/ole">
             <mc:AlternateContent xmlns:mc="http://schemas.openxmlformats.org/markup-compatibility/2006">
               <mc:Choice xmlns:v="urn:schemas-microsoft-com:vml" Requires="v">
-                <p:oleObj spid="_x0000_s437340" name="Equation" r:id="rId4" imgW="2108200" imgH="228600" progId="Equation.DSMT4">
+                <p:oleObj spid="_x0000_s437346" name="Equation" r:id="rId4" imgW="2514600" imgH="228600" progId="Equation.DSMT4">
                   <p:embed/>
                 </p:oleObj>
               </mc:Choice>
               <mc:Fallback>
-                <p:oleObj name="Equation" r:id="rId4" imgW="2108200" imgH="228600" progId="Equation.DSMT4">
+                <p:oleObj name="Equation" r:id="rId4" imgW="2514600" imgH="228600" progId="Equation.DSMT4">
                   <p:embed/>
                   <p:pic>
                     <p:nvPicPr>
@@ -10272,63 +10381,6 @@
                     </p:nvPicPr>
                     <p:blipFill>
                       <a:blip r:embed="rId5"/>
-                      <a:stretch>
-                        <a:fillRect/>
-                      </a:stretch>
-                    </p:blipFill>
-                    <p:spPr>
-                      <a:xfrm>
-                        <a:off x="369888" y="1639294"/>
-                        <a:ext cx="8540750" cy="926105"/>
-                      </a:xfrm>
-                      <a:prstGeom prst="rect">
-                        <a:avLst/>
-                      </a:prstGeom>
-                    </p:spPr>
-                  </p:pic>
-                </p:oleObj>
-              </mc:Fallback>
-            </mc:AlternateContent>
-          </a:graphicData>
-        </a:graphic>
-      </p:graphicFrame>
-      <p:graphicFrame>
-        <p:nvGraphicFramePr>
-          <p:cNvPr id="10" name="Object 9"/>
-          <p:cNvGraphicFramePr>
-            <a:graphicFrameLocks noChangeAspect="1"/>
-          </p:cNvGraphicFramePr>
-          <p:nvPr>
-            <p:extLst>
-              <p:ext uri="{D42A27DB-BD31-4B8C-83A1-F6EECF244321}">
-                <p14:modId xmlns:p14="http://schemas.microsoft.com/office/powerpoint/2010/main" val="1181470244"/>
-              </p:ext>
-            </p:extLst>
-          </p:nvPr>
-        </p:nvGraphicFramePr>
-        <p:xfrm>
-          <a:off x="233362" y="2597150"/>
-          <a:ext cx="8796338" cy="800539"/>
-        </p:xfrm>
-        <a:graphic>
-          <a:graphicData uri="http://schemas.openxmlformats.org/presentationml/2006/ole">
-            <mc:AlternateContent xmlns:mc="http://schemas.openxmlformats.org/markup-compatibility/2006">
-              <mc:Choice xmlns:v="urn:schemas-microsoft-com:vml" Requires="v">
-                <p:oleObj spid="_x0000_s437341" name="Equation" r:id="rId6" imgW="2514600" imgH="228600" progId="Equation.DSMT4">
-                  <p:embed/>
-                </p:oleObj>
-              </mc:Choice>
-              <mc:Fallback>
-                <p:oleObj name="Equation" r:id="rId6" imgW="2514600" imgH="228600" progId="Equation.DSMT4">
-                  <p:embed/>
-                  <p:pic>
-                    <p:nvPicPr>
-                      <p:cNvPr id="0" name=""/>
-                      <p:cNvPicPr/>
-                      <p:nvPr/>
-                    </p:nvPicPr>
-                    <p:blipFill>
-                      <a:blip r:embed="rId7"/>
                       <a:stretch>
                         <a:fillRect/>
                       </a:stretch>
@@ -10371,12 +10423,12 @@
           <a:graphicData uri="http://schemas.openxmlformats.org/presentationml/2006/ole">
             <mc:AlternateContent xmlns:mc="http://schemas.openxmlformats.org/markup-compatibility/2006">
               <mc:Choice xmlns:v="urn:schemas-microsoft-com:vml" Requires="v">
-                <p:oleObj spid="_x0000_s437342" name="Equation" r:id="rId8" imgW="1866900" imgH="228600" progId="Equation.DSMT4">
+                <p:oleObj spid="_x0000_s437347" name="Equation" r:id="rId6" imgW="1866900" imgH="228600" progId="Equation.DSMT4">
                   <p:embed/>
                 </p:oleObj>
               </mc:Choice>
               <mc:Fallback>
-                <p:oleObj name="Equation" r:id="rId8" imgW="1866900" imgH="228600" progId="Equation.DSMT4">
+                <p:oleObj name="Equation" r:id="rId6" imgW="1866900" imgH="228600" progId="Equation.DSMT4">
                   <p:embed/>
                   <p:pic>
                     <p:nvPicPr>
@@ -10385,7 +10437,7 @@
                       <p:nvPr/>
                     </p:nvPicPr>
                     <p:blipFill>
-                      <a:blip r:embed="rId9"/>
+                      <a:blip r:embed="rId7"/>
                       <a:stretch>
                         <a:fillRect/>
                       </a:stretch>
@@ -10518,32 +10570,32 @@
       </p:sp>
       <p:graphicFrame>
         <p:nvGraphicFramePr>
-          <p:cNvPr id="7" name="Object 6"/>
+          <p:cNvPr id="12" name="Object 11"/>
           <p:cNvGraphicFramePr>
             <a:graphicFrameLocks noChangeAspect="1"/>
           </p:cNvGraphicFramePr>
           <p:nvPr>
             <p:extLst>
               <p:ext uri="{D42A27DB-BD31-4B8C-83A1-F6EECF244321}">
-                <p14:modId xmlns:p14="http://schemas.microsoft.com/office/powerpoint/2010/main" val="4023967688"/>
+                <p14:modId xmlns:p14="http://schemas.microsoft.com/office/powerpoint/2010/main" val="759620781"/>
               </p:ext>
             </p:extLst>
           </p:nvPr>
         </p:nvGraphicFramePr>
         <p:xfrm>
-          <a:off x="369888" y="1639294"/>
-          <a:ext cx="8540750" cy="926105"/>
+          <a:off x="2462213" y="3441700"/>
+          <a:ext cx="6529387" cy="800100"/>
         </p:xfrm>
         <a:graphic>
           <a:graphicData uri="http://schemas.openxmlformats.org/presentationml/2006/ole">
             <mc:AlternateContent xmlns:mc="http://schemas.openxmlformats.org/markup-compatibility/2006">
               <mc:Choice xmlns:v="urn:schemas-microsoft-com:vml" Requires="v">
-                <p:oleObj spid="_x0000_s479283" name="Equation" r:id="rId4" imgW="2108200" imgH="228600" progId="Equation.DSMT4">
+                <p:oleObj spid="_x0000_s479288" name="Equation" r:id="rId4" imgW="1866900" imgH="228600" progId="Equation.DSMT4">
                   <p:embed/>
                 </p:oleObj>
               </mc:Choice>
               <mc:Fallback>
-                <p:oleObj name="Equation" r:id="rId4" imgW="2108200" imgH="228600" progId="Equation.DSMT4">
+                <p:oleObj name="Equation" r:id="rId4" imgW="1866900" imgH="228600" progId="Equation.DSMT4">
                   <p:embed/>
                   <p:pic>
                     <p:nvPicPr>
@@ -10553,120 +10605,6 @@
                     </p:nvPicPr>
                     <p:blipFill>
                       <a:blip r:embed="rId5"/>
-                      <a:stretch>
-                        <a:fillRect/>
-                      </a:stretch>
-                    </p:blipFill>
-                    <p:spPr>
-                      <a:xfrm>
-                        <a:off x="369888" y="1639294"/>
-                        <a:ext cx="8540750" cy="926105"/>
-                      </a:xfrm>
-                      <a:prstGeom prst="rect">
-                        <a:avLst/>
-                      </a:prstGeom>
-                    </p:spPr>
-                  </p:pic>
-                </p:oleObj>
-              </mc:Fallback>
-            </mc:AlternateContent>
-          </a:graphicData>
-        </a:graphic>
-      </p:graphicFrame>
-      <p:graphicFrame>
-        <p:nvGraphicFramePr>
-          <p:cNvPr id="10" name="Object 9"/>
-          <p:cNvGraphicFramePr>
-            <a:graphicFrameLocks noChangeAspect="1"/>
-          </p:cNvGraphicFramePr>
-          <p:nvPr>
-            <p:extLst>
-              <p:ext uri="{D42A27DB-BD31-4B8C-83A1-F6EECF244321}">
-                <p14:modId xmlns:p14="http://schemas.microsoft.com/office/powerpoint/2010/main" val="3254426387"/>
-              </p:ext>
-            </p:extLst>
-          </p:nvPr>
-        </p:nvGraphicFramePr>
-        <p:xfrm>
-          <a:off x="233362" y="2597150"/>
-          <a:ext cx="8796338" cy="800539"/>
-        </p:xfrm>
-        <a:graphic>
-          <a:graphicData uri="http://schemas.openxmlformats.org/presentationml/2006/ole">
-            <mc:AlternateContent xmlns:mc="http://schemas.openxmlformats.org/markup-compatibility/2006">
-              <mc:Choice xmlns:v="urn:schemas-microsoft-com:vml" Requires="v">
-                <p:oleObj spid="_x0000_s479284" name="Equation" r:id="rId6" imgW="2514600" imgH="228600" progId="Equation.DSMT4">
-                  <p:embed/>
-                </p:oleObj>
-              </mc:Choice>
-              <mc:Fallback>
-                <p:oleObj name="Equation" r:id="rId6" imgW="2514600" imgH="228600" progId="Equation.DSMT4">
-                  <p:embed/>
-                  <p:pic>
-                    <p:nvPicPr>
-                      <p:cNvPr id="0" name=""/>
-                      <p:cNvPicPr/>
-                      <p:nvPr/>
-                    </p:nvPicPr>
-                    <p:blipFill>
-                      <a:blip r:embed="rId7"/>
-                      <a:stretch>
-                        <a:fillRect/>
-                      </a:stretch>
-                    </p:blipFill>
-                    <p:spPr>
-                      <a:xfrm>
-                        <a:off x="233362" y="2597150"/>
-                        <a:ext cx="8796338" cy="800539"/>
-                      </a:xfrm>
-                      <a:prstGeom prst="rect">
-                        <a:avLst/>
-                      </a:prstGeom>
-                    </p:spPr>
-                  </p:pic>
-                </p:oleObj>
-              </mc:Fallback>
-            </mc:AlternateContent>
-          </a:graphicData>
-        </a:graphic>
-      </p:graphicFrame>
-      <p:graphicFrame>
-        <p:nvGraphicFramePr>
-          <p:cNvPr id="12" name="Object 11"/>
-          <p:cNvGraphicFramePr>
-            <a:graphicFrameLocks noChangeAspect="1"/>
-          </p:cNvGraphicFramePr>
-          <p:nvPr>
-            <p:extLst>
-              <p:ext uri="{D42A27DB-BD31-4B8C-83A1-F6EECF244321}">
-                <p14:modId xmlns:p14="http://schemas.microsoft.com/office/powerpoint/2010/main" val="759620781"/>
-              </p:ext>
-            </p:extLst>
-          </p:nvPr>
-        </p:nvGraphicFramePr>
-        <p:xfrm>
-          <a:off x="2462213" y="3441700"/>
-          <a:ext cx="6529387" cy="800100"/>
-        </p:xfrm>
-        <a:graphic>
-          <a:graphicData uri="http://schemas.openxmlformats.org/presentationml/2006/ole">
-            <mc:AlternateContent xmlns:mc="http://schemas.openxmlformats.org/markup-compatibility/2006">
-              <mc:Choice xmlns:v="urn:schemas-microsoft-com:vml" Requires="v">
-                <p:oleObj spid="_x0000_s479285" name="Equation" r:id="rId8" imgW="1866900" imgH="228600" progId="Equation.DSMT4">
-                  <p:embed/>
-                </p:oleObj>
-              </mc:Choice>
-              <mc:Fallback>
-                <p:oleObj name="Equation" r:id="rId8" imgW="1866900" imgH="228600" progId="Equation.DSMT4">
-                  <p:embed/>
-                  <p:pic>
-                    <p:nvPicPr>
-                      <p:cNvPr id="0" name=""/>
-                      <p:cNvPicPr/>
-                      <p:nvPr/>
-                    </p:nvPicPr>
-                    <p:blipFill>
-                      <a:blip r:embed="rId9"/>
                       <a:stretch>
                         <a:fillRect/>
                       </a:stretch>
@@ -10855,32 +10793,32 @@
       </p:sp>
       <p:graphicFrame>
         <p:nvGraphicFramePr>
-          <p:cNvPr id="7" name="Object 6"/>
+          <p:cNvPr id="12" name="Object 11"/>
           <p:cNvGraphicFramePr>
             <a:graphicFrameLocks noChangeAspect="1"/>
           </p:cNvGraphicFramePr>
           <p:nvPr>
             <p:extLst>
               <p:ext uri="{D42A27DB-BD31-4B8C-83A1-F6EECF244321}">
-                <p14:modId xmlns:p14="http://schemas.microsoft.com/office/powerpoint/2010/main" val="1301466819"/>
+                <p14:modId xmlns:p14="http://schemas.microsoft.com/office/powerpoint/2010/main" val="1136980278"/>
               </p:ext>
             </p:extLst>
           </p:nvPr>
         </p:nvGraphicFramePr>
         <p:xfrm>
-          <a:off x="369888" y="1639294"/>
-          <a:ext cx="8540750" cy="926105"/>
+          <a:off x="2462213" y="3441700"/>
+          <a:ext cx="6529387" cy="800100"/>
         </p:xfrm>
         <a:graphic>
           <a:graphicData uri="http://schemas.openxmlformats.org/presentationml/2006/ole">
             <mc:AlternateContent xmlns:mc="http://schemas.openxmlformats.org/markup-compatibility/2006">
               <mc:Choice xmlns:v="urn:schemas-microsoft-com:vml" Requires="v">
-                <p:oleObj spid="_x0000_s440437" name="Equation" r:id="rId4" imgW="2108200" imgH="228600" progId="Equation.DSMT4">
+                <p:oleObj spid="_x0000_s440444" name="Equation" r:id="rId4" imgW="1866900" imgH="228600" progId="Equation.DSMT4">
                   <p:embed/>
                 </p:oleObj>
               </mc:Choice>
               <mc:Fallback>
-                <p:oleObj name="Equation" r:id="rId4" imgW="2108200" imgH="228600" progId="Equation.DSMT4">
+                <p:oleObj name="Equation" r:id="rId4" imgW="1866900" imgH="228600" progId="Equation.DSMT4">
                   <p:embed/>
                   <p:pic>
                     <p:nvPicPr>
@@ -10890,120 +10828,6 @@
                     </p:nvPicPr>
                     <p:blipFill>
                       <a:blip r:embed="rId5"/>
-                      <a:stretch>
-                        <a:fillRect/>
-                      </a:stretch>
-                    </p:blipFill>
-                    <p:spPr>
-                      <a:xfrm>
-                        <a:off x="369888" y="1639294"/>
-                        <a:ext cx="8540750" cy="926105"/>
-                      </a:xfrm>
-                      <a:prstGeom prst="rect">
-                        <a:avLst/>
-                      </a:prstGeom>
-                    </p:spPr>
-                  </p:pic>
-                </p:oleObj>
-              </mc:Fallback>
-            </mc:AlternateContent>
-          </a:graphicData>
-        </a:graphic>
-      </p:graphicFrame>
-      <p:graphicFrame>
-        <p:nvGraphicFramePr>
-          <p:cNvPr id="10" name="Object 9"/>
-          <p:cNvGraphicFramePr>
-            <a:graphicFrameLocks noChangeAspect="1"/>
-          </p:cNvGraphicFramePr>
-          <p:nvPr>
-            <p:extLst>
-              <p:ext uri="{D42A27DB-BD31-4B8C-83A1-F6EECF244321}">
-                <p14:modId xmlns:p14="http://schemas.microsoft.com/office/powerpoint/2010/main" val="3053865298"/>
-              </p:ext>
-            </p:extLst>
-          </p:nvPr>
-        </p:nvGraphicFramePr>
-        <p:xfrm>
-          <a:off x="233362" y="2597150"/>
-          <a:ext cx="8796338" cy="800539"/>
-        </p:xfrm>
-        <a:graphic>
-          <a:graphicData uri="http://schemas.openxmlformats.org/presentationml/2006/ole">
-            <mc:AlternateContent xmlns:mc="http://schemas.openxmlformats.org/markup-compatibility/2006">
-              <mc:Choice xmlns:v="urn:schemas-microsoft-com:vml" Requires="v">
-                <p:oleObj spid="_x0000_s440438" name="Equation" r:id="rId6" imgW="2514600" imgH="228600" progId="Equation.DSMT4">
-                  <p:embed/>
-                </p:oleObj>
-              </mc:Choice>
-              <mc:Fallback>
-                <p:oleObj name="Equation" r:id="rId6" imgW="2514600" imgH="228600" progId="Equation.DSMT4">
-                  <p:embed/>
-                  <p:pic>
-                    <p:nvPicPr>
-                      <p:cNvPr id="0" name=""/>
-                      <p:cNvPicPr/>
-                      <p:nvPr/>
-                    </p:nvPicPr>
-                    <p:blipFill>
-                      <a:blip r:embed="rId7"/>
-                      <a:stretch>
-                        <a:fillRect/>
-                      </a:stretch>
-                    </p:blipFill>
-                    <p:spPr>
-                      <a:xfrm>
-                        <a:off x="233362" y="2597150"/>
-                        <a:ext cx="8796338" cy="800539"/>
-                      </a:xfrm>
-                      <a:prstGeom prst="rect">
-                        <a:avLst/>
-                      </a:prstGeom>
-                    </p:spPr>
-                  </p:pic>
-                </p:oleObj>
-              </mc:Fallback>
-            </mc:AlternateContent>
-          </a:graphicData>
-        </a:graphic>
-      </p:graphicFrame>
-      <p:graphicFrame>
-        <p:nvGraphicFramePr>
-          <p:cNvPr id="12" name="Object 11"/>
-          <p:cNvGraphicFramePr>
-            <a:graphicFrameLocks noChangeAspect="1"/>
-          </p:cNvGraphicFramePr>
-          <p:nvPr>
-            <p:extLst>
-              <p:ext uri="{D42A27DB-BD31-4B8C-83A1-F6EECF244321}">
-                <p14:modId xmlns:p14="http://schemas.microsoft.com/office/powerpoint/2010/main" val="1136980278"/>
-              </p:ext>
-            </p:extLst>
-          </p:nvPr>
-        </p:nvGraphicFramePr>
-        <p:xfrm>
-          <a:off x="2462213" y="3441700"/>
-          <a:ext cx="6529387" cy="800100"/>
-        </p:xfrm>
-        <a:graphic>
-          <a:graphicData uri="http://schemas.openxmlformats.org/presentationml/2006/ole">
-            <mc:AlternateContent xmlns:mc="http://schemas.openxmlformats.org/markup-compatibility/2006">
-              <mc:Choice xmlns:v="urn:schemas-microsoft-com:vml" Requires="v">
-                <p:oleObj spid="_x0000_s440439" name="Equation" r:id="rId8" imgW="1866900" imgH="228600" progId="Equation.DSMT4">
-                  <p:embed/>
-                </p:oleObj>
-              </mc:Choice>
-              <mc:Fallback>
-                <p:oleObj name="Equation" r:id="rId8" imgW="1866900" imgH="228600" progId="Equation.DSMT4">
-                  <p:embed/>
-                  <p:pic>
-                    <p:nvPicPr>
-                      <p:cNvPr id="0" name=""/>
-                      <p:cNvPicPr/>
-                      <p:nvPr/>
-                    </p:nvPicPr>
-                    <p:blipFill>
-                      <a:blip r:embed="rId9"/>
                       <a:stretch>
                         <a:fillRect/>
                       </a:stretch>
@@ -11046,12 +10870,12 @@
           <a:graphicData uri="http://schemas.openxmlformats.org/presentationml/2006/ole">
             <mc:AlternateContent xmlns:mc="http://schemas.openxmlformats.org/markup-compatibility/2006">
               <mc:Choice xmlns:v="urn:schemas-microsoft-com:vml" Requires="v">
-                <p:oleObj spid="_x0000_s440440" name="Equation" r:id="rId10" imgW="1689100" imgH="254000" progId="Equation.DSMT4">
+                <p:oleObj spid="_x0000_s440445" name="Equation" r:id="rId6" imgW="1689100" imgH="254000" progId="Equation.DSMT4">
                   <p:embed/>
                 </p:oleObj>
               </mc:Choice>
               <mc:Fallback>
-                <p:oleObj name="Equation" r:id="rId10" imgW="1689100" imgH="254000" progId="Equation.DSMT4">
+                <p:oleObj name="Equation" r:id="rId6" imgW="1689100" imgH="254000" progId="Equation.DSMT4">
                   <p:embed/>
                   <p:pic>
                     <p:nvPicPr>
@@ -11060,7 +10884,7 @@
                       <p:nvPr/>
                     </p:nvPicPr>
                     <p:blipFill>
-                      <a:blip r:embed="rId11"/>
+                      <a:blip r:embed="rId7"/>
                       <a:stretch>
                         <a:fillRect/>
                       </a:stretch>
@@ -11134,83 +10958,7 @@
   <p:timing>
     <p:tnLst>
       <p:par>
-        <p:cTn xmlns:p14="http://schemas.microsoft.com/office/powerpoint/2010/main" id="1" dur="indefinite" restart="never" nodeType="tmRoot">
-          <p:childTnLst>
-            <p:seq concurrent="1" nextAc="seek">
-              <p:cTn id="2" dur="indefinite" nodeType="mainSeq">
-                <p:childTnLst>
-                  <p:par>
-                    <p:cTn id="3" fill="hold">
-                      <p:stCondLst>
-                        <p:cond delay="indefinite"/>
-                      </p:stCondLst>
-                      <p:childTnLst>
-                        <p:par>
-                          <p:cTn id="4" fill="hold">
-                            <p:stCondLst>
-                              <p:cond delay="0"/>
-                            </p:stCondLst>
-                            <p:childTnLst>
-                              <p:par>
-                                <p:cTn id="5" presetID="10" presetClass="entr" presetSubtype="0" fill="hold" nodeType="clickEffect">
-                                  <p:stCondLst>
-                                    <p:cond delay="0"/>
-                                  </p:stCondLst>
-                                  <p:childTnLst>
-                                    <p:set>
-                                      <p:cBhvr>
-                                        <p:cTn id="6" dur="1" fill="hold">
-                                          <p:stCondLst>
-                                            <p:cond delay="0"/>
-                                          </p:stCondLst>
-                                        </p:cTn>
-                                        <p:tgtEl>
-                                          <p:spTgt spid="14"/>
-                                        </p:tgtEl>
-                                        <p:attrNameLst>
-                                          <p:attrName>style.visibility</p:attrName>
-                                        </p:attrNameLst>
-                                      </p:cBhvr>
-                                      <p:to>
-                                        <p:strVal val="visible"/>
-                                      </p:to>
-                                    </p:set>
-                                    <p:animEffect transition="in" filter="fade">
-                                      <p:cBhvr>
-                                        <p:cTn id="7" dur="500"/>
-                                        <p:tgtEl>
-                                          <p:spTgt spid="14"/>
-                                        </p:tgtEl>
-                                      </p:cBhvr>
-                                    </p:animEffect>
-                                  </p:childTnLst>
-                                </p:cTn>
-                              </p:par>
-                            </p:childTnLst>
-                          </p:cTn>
-                        </p:par>
-                      </p:childTnLst>
-                    </p:cTn>
-                  </p:par>
-                </p:childTnLst>
-              </p:cTn>
-              <p:prevCondLst>
-                <p:cond evt="onPrev" delay="0">
-                  <p:tgtEl>
-                    <p:sldTgt/>
-                  </p:tgtEl>
-                </p:cond>
-              </p:prevCondLst>
-              <p:nextCondLst>
-                <p:cond evt="onNext" delay="0">
-                  <p:tgtEl>
-                    <p:sldTgt/>
-                  </p:tgtEl>
-                </p:cond>
-              </p:nextCondLst>
-            </p:seq>
-          </p:childTnLst>
-        </p:cTn>
+        <p:cTn xmlns:p14="http://schemas.microsoft.com/office/powerpoint/2010/main" id="1" dur="indefinite" restart="never" nodeType="tmRoot"/>
       </p:par>
     </p:tnLst>
   </p:timing>
@@ -11269,32 +11017,32 @@
       </p:sp>
       <p:graphicFrame>
         <p:nvGraphicFramePr>
-          <p:cNvPr id="7" name="Object 6"/>
+          <p:cNvPr id="14" name="Object 13"/>
           <p:cNvGraphicFramePr>
             <a:graphicFrameLocks noChangeAspect="1"/>
           </p:cNvGraphicFramePr>
           <p:nvPr>
             <p:extLst>
               <p:ext uri="{D42A27DB-BD31-4B8C-83A1-F6EECF244321}">
-                <p14:modId xmlns:p14="http://schemas.microsoft.com/office/powerpoint/2010/main" val="3155498303"/>
+                <p14:modId xmlns:p14="http://schemas.microsoft.com/office/powerpoint/2010/main" val="237447647"/>
               </p:ext>
             </p:extLst>
           </p:nvPr>
         </p:nvGraphicFramePr>
         <p:xfrm>
-          <a:off x="369888" y="1639294"/>
-          <a:ext cx="8540750" cy="926105"/>
+          <a:off x="2470150" y="4070350"/>
+          <a:ext cx="5905500" cy="889000"/>
         </p:xfrm>
         <a:graphic>
           <a:graphicData uri="http://schemas.openxmlformats.org/presentationml/2006/ole">
             <mc:AlternateContent xmlns:mc="http://schemas.openxmlformats.org/markup-compatibility/2006">
               <mc:Choice xmlns:v="urn:schemas-microsoft-com:vml" Requires="v">
-                <p:oleObj spid="_x0000_s433266" name="Equation" r:id="rId4" imgW="2108200" imgH="228600" progId="Equation.DSMT4">
+                <p:oleObj spid="_x0000_s433272" name="Equation" r:id="rId4" imgW="1689100" imgH="254000" progId="Equation.DSMT4">
                   <p:embed/>
                 </p:oleObj>
               </mc:Choice>
               <mc:Fallback>
-                <p:oleObj name="Equation" r:id="rId4" imgW="2108200" imgH="228600" progId="Equation.DSMT4">
+                <p:oleObj name="Equation" r:id="rId4" imgW="1689100" imgH="254000" progId="Equation.DSMT4">
                   <p:embed/>
                   <p:pic>
                     <p:nvPicPr>
@@ -11304,177 +11052,6 @@
                     </p:nvPicPr>
                     <p:blipFill>
                       <a:blip r:embed="rId5"/>
-                      <a:stretch>
-                        <a:fillRect/>
-                      </a:stretch>
-                    </p:blipFill>
-                    <p:spPr>
-                      <a:xfrm>
-                        <a:off x="369888" y="1639294"/>
-                        <a:ext cx="8540750" cy="926105"/>
-                      </a:xfrm>
-                      <a:prstGeom prst="rect">
-                        <a:avLst/>
-                      </a:prstGeom>
-                    </p:spPr>
-                  </p:pic>
-                </p:oleObj>
-              </mc:Fallback>
-            </mc:AlternateContent>
-          </a:graphicData>
-        </a:graphic>
-      </p:graphicFrame>
-      <p:graphicFrame>
-        <p:nvGraphicFramePr>
-          <p:cNvPr id="10" name="Object 9"/>
-          <p:cNvGraphicFramePr>
-            <a:graphicFrameLocks noChangeAspect="1"/>
-          </p:cNvGraphicFramePr>
-          <p:nvPr>
-            <p:extLst>
-              <p:ext uri="{D42A27DB-BD31-4B8C-83A1-F6EECF244321}">
-                <p14:modId xmlns:p14="http://schemas.microsoft.com/office/powerpoint/2010/main" val="1452387732"/>
-              </p:ext>
-            </p:extLst>
-          </p:nvPr>
-        </p:nvGraphicFramePr>
-        <p:xfrm>
-          <a:off x="233362" y="2597150"/>
-          <a:ext cx="8796338" cy="800539"/>
-        </p:xfrm>
-        <a:graphic>
-          <a:graphicData uri="http://schemas.openxmlformats.org/presentationml/2006/ole">
-            <mc:AlternateContent xmlns:mc="http://schemas.openxmlformats.org/markup-compatibility/2006">
-              <mc:Choice xmlns:v="urn:schemas-microsoft-com:vml" Requires="v">
-                <p:oleObj spid="_x0000_s433267" name="Equation" r:id="rId6" imgW="2514600" imgH="228600" progId="Equation.DSMT4">
-                  <p:embed/>
-                </p:oleObj>
-              </mc:Choice>
-              <mc:Fallback>
-                <p:oleObj name="Equation" r:id="rId6" imgW="2514600" imgH="228600" progId="Equation.DSMT4">
-                  <p:embed/>
-                  <p:pic>
-                    <p:nvPicPr>
-                      <p:cNvPr id="0" name=""/>
-                      <p:cNvPicPr/>
-                      <p:nvPr/>
-                    </p:nvPicPr>
-                    <p:blipFill>
-                      <a:blip r:embed="rId7"/>
-                      <a:stretch>
-                        <a:fillRect/>
-                      </a:stretch>
-                    </p:blipFill>
-                    <p:spPr>
-                      <a:xfrm>
-                        <a:off x="233362" y="2597150"/>
-                        <a:ext cx="8796338" cy="800539"/>
-                      </a:xfrm>
-                      <a:prstGeom prst="rect">
-                        <a:avLst/>
-                      </a:prstGeom>
-                    </p:spPr>
-                  </p:pic>
-                </p:oleObj>
-              </mc:Fallback>
-            </mc:AlternateContent>
-          </a:graphicData>
-        </a:graphic>
-      </p:graphicFrame>
-      <p:graphicFrame>
-        <p:nvGraphicFramePr>
-          <p:cNvPr id="12" name="Object 11"/>
-          <p:cNvGraphicFramePr>
-            <a:graphicFrameLocks noChangeAspect="1"/>
-          </p:cNvGraphicFramePr>
-          <p:nvPr>
-            <p:extLst>
-              <p:ext uri="{D42A27DB-BD31-4B8C-83A1-F6EECF244321}">
-                <p14:modId xmlns:p14="http://schemas.microsoft.com/office/powerpoint/2010/main" val="1226231971"/>
-              </p:ext>
-            </p:extLst>
-          </p:nvPr>
-        </p:nvGraphicFramePr>
-        <p:xfrm>
-          <a:off x="2462213" y="3441700"/>
-          <a:ext cx="6529387" cy="800100"/>
-        </p:xfrm>
-        <a:graphic>
-          <a:graphicData uri="http://schemas.openxmlformats.org/presentationml/2006/ole">
-            <mc:AlternateContent xmlns:mc="http://schemas.openxmlformats.org/markup-compatibility/2006">
-              <mc:Choice xmlns:v="urn:schemas-microsoft-com:vml" Requires="v">
-                <p:oleObj spid="_x0000_s433268" name="Equation" r:id="rId8" imgW="1866900" imgH="228600" progId="Equation.DSMT4">
-                  <p:embed/>
-                </p:oleObj>
-              </mc:Choice>
-              <mc:Fallback>
-                <p:oleObj name="Equation" r:id="rId8" imgW="1866900" imgH="228600" progId="Equation.DSMT4">
-                  <p:embed/>
-                  <p:pic>
-                    <p:nvPicPr>
-                      <p:cNvPr id="0" name=""/>
-                      <p:cNvPicPr/>
-                      <p:nvPr/>
-                    </p:nvPicPr>
-                    <p:blipFill>
-                      <a:blip r:embed="rId9"/>
-                      <a:stretch>
-                        <a:fillRect/>
-                      </a:stretch>
-                    </p:blipFill>
-                    <p:spPr>
-                      <a:xfrm>
-                        <a:off x="2462213" y="3441700"/>
-                        <a:ext cx="6529387" cy="800100"/>
-                      </a:xfrm>
-                      <a:prstGeom prst="rect">
-                        <a:avLst/>
-                      </a:prstGeom>
-                    </p:spPr>
-                  </p:pic>
-                </p:oleObj>
-              </mc:Fallback>
-            </mc:AlternateContent>
-          </a:graphicData>
-        </a:graphic>
-      </p:graphicFrame>
-      <p:graphicFrame>
-        <p:nvGraphicFramePr>
-          <p:cNvPr id="14" name="Object 13"/>
-          <p:cNvGraphicFramePr>
-            <a:graphicFrameLocks noChangeAspect="1"/>
-          </p:cNvGraphicFramePr>
-          <p:nvPr>
-            <p:extLst>
-              <p:ext uri="{D42A27DB-BD31-4B8C-83A1-F6EECF244321}">
-                <p14:modId xmlns:p14="http://schemas.microsoft.com/office/powerpoint/2010/main" val="237447647"/>
-              </p:ext>
-            </p:extLst>
-          </p:nvPr>
-        </p:nvGraphicFramePr>
-        <p:xfrm>
-          <a:off x="2470150" y="4070350"/>
-          <a:ext cx="5905500" cy="889000"/>
-        </p:xfrm>
-        <a:graphic>
-          <a:graphicData uri="http://schemas.openxmlformats.org/presentationml/2006/ole">
-            <mc:AlternateContent xmlns:mc="http://schemas.openxmlformats.org/markup-compatibility/2006">
-              <mc:Choice xmlns:v="urn:schemas-microsoft-com:vml" Requires="v">
-                <p:oleObj spid="_x0000_s433269" name="Equation" r:id="rId10" imgW="1689100" imgH="254000" progId="Equation.DSMT4">
-                  <p:embed/>
-                </p:oleObj>
-              </mc:Choice>
-              <mc:Fallback>
-                <p:oleObj name="Equation" r:id="rId10" imgW="1689100" imgH="254000" progId="Equation.DSMT4">
-                  <p:embed/>
-                  <p:pic>
-                    <p:nvPicPr>
-                      <p:cNvPr id="0" name=""/>
-                      <p:cNvPicPr/>
-                      <p:nvPr/>
-                    </p:nvPicPr>
-                    <p:blipFill>
-                      <a:blip r:embed="rId11"/>
                       <a:stretch>
                         <a:fillRect/>
                       </a:stretch>
@@ -11583,88 +11160,9 @@
   <p:timing>
     <p:tnLst>
       <p:par>
-        <p:cTn xmlns:p14="http://schemas.microsoft.com/office/powerpoint/2010/main" id="1" dur="indefinite" restart="never" nodeType="tmRoot">
-          <p:childTnLst>
-            <p:seq concurrent="1" nextAc="seek">
-              <p:cTn id="2" dur="indefinite" nodeType="mainSeq">
-                <p:childTnLst>
-                  <p:par>
-                    <p:cTn id="3" fill="hold">
-                      <p:stCondLst>
-                        <p:cond delay="indefinite"/>
-                      </p:stCondLst>
-                      <p:childTnLst>
-                        <p:par>
-                          <p:cTn id="4" fill="hold">
-                            <p:stCondLst>
-                              <p:cond delay="0"/>
-                            </p:stCondLst>
-                            <p:childTnLst>
-                              <p:par>
-                                <p:cTn id="5" presetID="10" presetClass="entr" presetSubtype="0" fill="hold" grpId="0" nodeType="clickEffect">
-                                  <p:stCondLst>
-                                    <p:cond delay="0"/>
-                                  </p:stCondLst>
-                                  <p:childTnLst>
-                                    <p:set>
-                                      <p:cBhvr>
-                                        <p:cTn id="6" dur="1" fill="hold">
-                                          <p:stCondLst>
-                                            <p:cond delay="0"/>
-                                          </p:stCondLst>
-                                        </p:cTn>
-                                        <p:tgtEl>
-                                          <p:spTgt spid="15"/>
-                                        </p:tgtEl>
-                                        <p:attrNameLst>
-                                          <p:attrName>style.visibility</p:attrName>
-                                        </p:attrNameLst>
-                                      </p:cBhvr>
-                                      <p:to>
-                                        <p:strVal val="visible"/>
-                                      </p:to>
-                                    </p:set>
-                                    <p:animEffect transition="in" filter="fade">
-                                      <p:cBhvr>
-                                        <p:cTn id="7" dur="500"/>
-                                        <p:tgtEl>
-                                          <p:spTgt spid="15"/>
-                                        </p:tgtEl>
-                                      </p:cBhvr>
-                                    </p:animEffect>
-                                  </p:childTnLst>
-                                </p:cTn>
-                              </p:par>
-                            </p:childTnLst>
-                          </p:cTn>
-                        </p:par>
-                      </p:childTnLst>
-                    </p:cTn>
-                  </p:par>
-                </p:childTnLst>
-              </p:cTn>
-              <p:prevCondLst>
-                <p:cond evt="onPrev" delay="0">
-                  <p:tgtEl>
-                    <p:sldTgt/>
-                  </p:tgtEl>
-                </p:cond>
-              </p:prevCondLst>
-              <p:nextCondLst>
-                <p:cond evt="onNext" delay="0">
-                  <p:tgtEl>
-                    <p:sldTgt/>
-                  </p:tgtEl>
-                </p:cond>
-              </p:nextCondLst>
-            </p:seq>
-          </p:childTnLst>
-        </p:cTn>
+        <p:cTn xmlns:p14="http://schemas.microsoft.com/office/powerpoint/2010/main" id="1" dur="indefinite" restart="never" nodeType="tmRoot"/>
       </p:par>
     </p:tnLst>
-    <p:bldLst>
-      <p:bldP spid="15" grpId="0"/>
-    </p:bldLst>
   </p:timing>
 </p:sld>
 </file>
@@ -11708,7 +11206,7 @@
           <a:graphicData uri="http://schemas.openxmlformats.org/presentationml/2006/ole">
             <mc:AlternateContent xmlns:mc="http://schemas.openxmlformats.org/markup-compatibility/2006">
               <mc:Choice xmlns:v="urn:schemas-microsoft-com:vml" Requires="v">
-                <p:oleObj spid="_x0000_s441483" name="Equation" r:id="rId4" imgW="1371600" imgH="482600" progId="Equation.DSMT4">
+                <p:oleObj spid="_x0000_s441491" name="Equation" r:id="rId4" imgW="1371600" imgH="482600" progId="Equation.DSMT4">
                   <p:embed/>
                 </p:oleObj>
               </mc:Choice>
@@ -11778,32 +11276,32 @@
       </p:sp>
       <p:graphicFrame>
         <p:nvGraphicFramePr>
-          <p:cNvPr id="7" name="Object 6"/>
+          <p:cNvPr id="14" name="Object 13"/>
           <p:cNvGraphicFramePr>
             <a:graphicFrameLocks noChangeAspect="1"/>
           </p:cNvGraphicFramePr>
           <p:nvPr>
             <p:extLst>
               <p:ext uri="{D42A27DB-BD31-4B8C-83A1-F6EECF244321}">
-                <p14:modId xmlns:p14="http://schemas.microsoft.com/office/powerpoint/2010/main" val="449591416"/>
+                <p14:modId xmlns:p14="http://schemas.microsoft.com/office/powerpoint/2010/main" val="3210223635"/>
               </p:ext>
             </p:extLst>
           </p:nvPr>
         </p:nvGraphicFramePr>
         <p:xfrm>
-          <a:off x="369888" y="1639294"/>
-          <a:ext cx="8540750" cy="926105"/>
+          <a:off x="2470150" y="4070350"/>
+          <a:ext cx="5905500" cy="889000"/>
         </p:xfrm>
         <a:graphic>
           <a:graphicData uri="http://schemas.openxmlformats.org/presentationml/2006/ole">
             <mc:AlternateContent xmlns:mc="http://schemas.openxmlformats.org/markup-compatibility/2006">
               <mc:Choice xmlns:v="urn:schemas-microsoft-com:vml" Requires="v">
-                <p:oleObj spid="_x0000_s441484" name="Equation" r:id="rId6" imgW="2108200" imgH="228600" progId="Equation.DSMT4">
+                <p:oleObj spid="_x0000_s441492" name="Equation" r:id="rId6" imgW="1689100" imgH="254000" progId="Equation.DSMT4">
                   <p:embed/>
                 </p:oleObj>
               </mc:Choice>
               <mc:Fallback>
-                <p:oleObj name="Equation" r:id="rId6" imgW="2108200" imgH="228600" progId="Equation.DSMT4">
+                <p:oleObj name="Equation" r:id="rId6" imgW="1689100" imgH="254000" progId="Equation.DSMT4">
                   <p:embed/>
                   <p:pic>
                     <p:nvPicPr>
@@ -11813,177 +11311,6 @@
                     </p:nvPicPr>
                     <p:blipFill>
                       <a:blip r:embed="rId7"/>
-                      <a:stretch>
-                        <a:fillRect/>
-                      </a:stretch>
-                    </p:blipFill>
-                    <p:spPr>
-                      <a:xfrm>
-                        <a:off x="369888" y="1639294"/>
-                        <a:ext cx="8540750" cy="926105"/>
-                      </a:xfrm>
-                      <a:prstGeom prst="rect">
-                        <a:avLst/>
-                      </a:prstGeom>
-                    </p:spPr>
-                  </p:pic>
-                </p:oleObj>
-              </mc:Fallback>
-            </mc:AlternateContent>
-          </a:graphicData>
-        </a:graphic>
-      </p:graphicFrame>
-      <p:graphicFrame>
-        <p:nvGraphicFramePr>
-          <p:cNvPr id="10" name="Object 9"/>
-          <p:cNvGraphicFramePr>
-            <a:graphicFrameLocks noChangeAspect="1"/>
-          </p:cNvGraphicFramePr>
-          <p:nvPr>
-            <p:extLst>
-              <p:ext uri="{D42A27DB-BD31-4B8C-83A1-F6EECF244321}">
-                <p14:modId xmlns:p14="http://schemas.microsoft.com/office/powerpoint/2010/main" val="4260098857"/>
-              </p:ext>
-            </p:extLst>
-          </p:nvPr>
-        </p:nvGraphicFramePr>
-        <p:xfrm>
-          <a:off x="233362" y="2597150"/>
-          <a:ext cx="8796338" cy="800539"/>
-        </p:xfrm>
-        <a:graphic>
-          <a:graphicData uri="http://schemas.openxmlformats.org/presentationml/2006/ole">
-            <mc:AlternateContent xmlns:mc="http://schemas.openxmlformats.org/markup-compatibility/2006">
-              <mc:Choice xmlns:v="urn:schemas-microsoft-com:vml" Requires="v">
-                <p:oleObj spid="_x0000_s441485" name="Equation" r:id="rId8" imgW="2514600" imgH="228600" progId="Equation.DSMT4">
-                  <p:embed/>
-                </p:oleObj>
-              </mc:Choice>
-              <mc:Fallback>
-                <p:oleObj name="Equation" r:id="rId8" imgW="2514600" imgH="228600" progId="Equation.DSMT4">
-                  <p:embed/>
-                  <p:pic>
-                    <p:nvPicPr>
-                      <p:cNvPr id="0" name=""/>
-                      <p:cNvPicPr/>
-                      <p:nvPr/>
-                    </p:nvPicPr>
-                    <p:blipFill>
-                      <a:blip r:embed="rId9"/>
-                      <a:stretch>
-                        <a:fillRect/>
-                      </a:stretch>
-                    </p:blipFill>
-                    <p:spPr>
-                      <a:xfrm>
-                        <a:off x="233362" y="2597150"/>
-                        <a:ext cx="8796338" cy="800539"/>
-                      </a:xfrm>
-                      <a:prstGeom prst="rect">
-                        <a:avLst/>
-                      </a:prstGeom>
-                    </p:spPr>
-                  </p:pic>
-                </p:oleObj>
-              </mc:Fallback>
-            </mc:AlternateContent>
-          </a:graphicData>
-        </a:graphic>
-      </p:graphicFrame>
-      <p:graphicFrame>
-        <p:nvGraphicFramePr>
-          <p:cNvPr id="12" name="Object 11"/>
-          <p:cNvGraphicFramePr>
-            <a:graphicFrameLocks noChangeAspect="1"/>
-          </p:cNvGraphicFramePr>
-          <p:nvPr>
-            <p:extLst>
-              <p:ext uri="{D42A27DB-BD31-4B8C-83A1-F6EECF244321}">
-                <p14:modId xmlns:p14="http://schemas.microsoft.com/office/powerpoint/2010/main" val="156440193"/>
-              </p:ext>
-            </p:extLst>
-          </p:nvPr>
-        </p:nvGraphicFramePr>
-        <p:xfrm>
-          <a:off x="2462213" y="3441700"/>
-          <a:ext cx="6529387" cy="800100"/>
-        </p:xfrm>
-        <a:graphic>
-          <a:graphicData uri="http://schemas.openxmlformats.org/presentationml/2006/ole">
-            <mc:AlternateContent xmlns:mc="http://schemas.openxmlformats.org/markup-compatibility/2006">
-              <mc:Choice xmlns:v="urn:schemas-microsoft-com:vml" Requires="v">
-                <p:oleObj spid="_x0000_s441486" name="Equation" r:id="rId10" imgW="1866900" imgH="228600" progId="Equation.DSMT4">
-                  <p:embed/>
-                </p:oleObj>
-              </mc:Choice>
-              <mc:Fallback>
-                <p:oleObj name="Equation" r:id="rId10" imgW="1866900" imgH="228600" progId="Equation.DSMT4">
-                  <p:embed/>
-                  <p:pic>
-                    <p:nvPicPr>
-                      <p:cNvPr id="0" name=""/>
-                      <p:cNvPicPr/>
-                      <p:nvPr/>
-                    </p:nvPicPr>
-                    <p:blipFill>
-                      <a:blip r:embed="rId11"/>
-                      <a:stretch>
-                        <a:fillRect/>
-                      </a:stretch>
-                    </p:blipFill>
-                    <p:spPr>
-                      <a:xfrm>
-                        <a:off x="2462213" y="3441700"/>
-                        <a:ext cx="6529387" cy="800100"/>
-                      </a:xfrm>
-                      <a:prstGeom prst="rect">
-                        <a:avLst/>
-                      </a:prstGeom>
-                    </p:spPr>
-                  </p:pic>
-                </p:oleObj>
-              </mc:Fallback>
-            </mc:AlternateContent>
-          </a:graphicData>
-        </a:graphic>
-      </p:graphicFrame>
-      <p:graphicFrame>
-        <p:nvGraphicFramePr>
-          <p:cNvPr id="14" name="Object 13"/>
-          <p:cNvGraphicFramePr>
-            <a:graphicFrameLocks noChangeAspect="1"/>
-          </p:cNvGraphicFramePr>
-          <p:nvPr>
-            <p:extLst>
-              <p:ext uri="{D42A27DB-BD31-4B8C-83A1-F6EECF244321}">
-                <p14:modId xmlns:p14="http://schemas.microsoft.com/office/powerpoint/2010/main" val="3210223635"/>
-              </p:ext>
-            </p:extLst>
-          </p:nvPr>
-        </p:nvGraphicFramePr>
-        <p:xfrm>
-          <a:off x="2470150" y="4070350"/>
-          <a:ext cx="5905500" cy="889000"/>
-        </p:xfrm>
-        <a:graphic>
-          <a:graphicData uri="http://schemas.openxmlformats.org/presentationml/2006/ole">
-            <mc:AlternateContent xmlns:mc="http://schemas.openxmlformats.org/markup-compatibility/2006">
-              <mc:Choice xmlns:v="urn:schemas-microsoft-com:vml" Requires="v">
-                <p:oleObj spid="_x0000_s441487" name="Equation" r:id="rId12" imgW="1689100" imgH="254000" progId="Equation.DSMT4">
-                  <p:embed/>
-                </p:oleObj>
-              </mc:Choice>
-              <mc:Fallback>
-                <p:oleObj name="Equation" r:id="rId12" imgW="1689100" imgH="254000" progId="Equation.DSMT4">
-                  <p:embed/>
-                  <p:pic>
-                    <p:nvPicPr>
-                      <p:cNvPr id="0" name=""/>
-                      <p:cNvPicPr/>
-                      <p:nvPr/>
-                    </p:nvPicPr>
-                    <p:blipFill>
-                      <a:blip r:embed="rId13"/>
                       <a:stretch>
                         <a:fillRect/>
                       </a:stretch>
@@ -12327,7 +11654,7 @@
           <p:nvPr>
             <p:extLst>
               <p:ext uri="{D42A27DB-BD31-4B8C-83A1-F6EECF244321}">
-                <p14:modId xmlns:p14="http://schemas.microsoft.com/office/powerpoint/2010/main" val="1254324889"/>
+                <p14:modId xmlns:p14="http://schemas.microsoft.com/office/powerpoint/2010/main" val="1624122653"/>
               </p:ext>
             </p:extLst>
           </p:nvPr>
@@ -12340,7 +11667,7 @@
           <a:graphicData uri="http://schemas.openxmlformats.org/presentationml/2006/ole">
             <mc:AlternateContent xmlns:mc="http://schemas.openxmlformats.org/markup-compatibility/2006">
               <mc:Choice xmlns:v="urn:schemas-microsoft-com:vml" Requires="v">
-                <p:oleObj spid="_x0000_s502800" name="Equation" r:id="rId4" imgW="1371600" imgH="482600" progId="Equation.DSMT4">
+                <p:oleObj spid="_x0000_s502804" name="Equation" r:id="rId4" imgW="1371600" imgH="482600" progId="Equation.DSMT4">
                   <p:embed/>
                 </p:oleObj>
               </mc:Choice>
@@ -12507,7 +11834,7 @@
           <a:graphicData uri="http://schemas.openxmlformats.org/presentationml/2006/ole">
             <mc:AlternateContent xmlns:mc="http://schemas.openxmlformats.org/markup-compatibility/2006">
               <mc:Choice xmlns:v="urn:schemas-microsoft-com:vml" Requires="v">
-                <p:oleObj spid="_x0000_s444473" name="Equation" r:id="rId4" imgW="1371600" imgH="482600" progId="Equation.DSMT4">
+                <p:oleObj spid="_x0000_s444478" name="Equation" r:id="rId4" imgW="1371600" imgH="482600" progId="Equation.DSMT4">
                   <p:embed/>
                 </p:oleObj>
               </mc:Choice>
@@ -12649,7 +11976,7 @@
             <a:graphicData uri="http://schemas.openxmlformats.org/presentationml/2006/ole">
               <mc:AlternateContent xmlns:mc="http://schemas.openxmlformats.org/markup-compatibility/2006">
                 <mc:Choice xmlns:v="urn:schemas-microsoft-com:vml" Requires="v">
-                  <p:oleObj spid="_x0000_s444474" name="Equation" r:id="rId6" imgW="139700" imgH="215900" progId="Equation.DSMT4">
+                  <p:oleObj spid="_x0000_s444479" name="Equation" r:id="rId6" imgW="139700" imgH="215900" progId="Equation.DSMT4">
                     <p:embed/>
                   </p:oleObj>
                 </mc:Choice>
@@ -12784,7 +12111,7 @@
           <a:graphicData uri="http://schemas.openxmlformats.org/presentationml/2006/ole">
             <mc:AlternateContent xmlns:mc="http://schemas.openxmlformats.org/markup-compatibility/2006">
               <mc:Choice xmlns:v="urn:schemas-microsoft-com:vml" Requires="v">
-                <p:oleObj spid="_x0000_s442433" name="Equation" r:id="rId4" imgW="1371600" imgH="482600" progId="Equation.DSMT4">
+                <p:oleObj spid="_x0000_s442438" name="Equation" r:id="rId4" imgW="1371600" imgH="482600" progId="Equation.DSMT4">
                   <p:embed/>
                 </p:oleObj>
               </mc:Choice>
@@ -12841,7 +12168,7 @@
           <a:graphicData uri="http://schemas.openxmlformats.org/presentationml/2006/ole">
             <mc:AlternateContent xmlns:mc="http://schemas.openxmlformats.org/markup-compatibility/2006">
               <mc:Choice xmlns:v="urn:schemas-microsoft-com:vml" Requires="v">
-                <p:oleObj spid="_x0000_s442434" name="Equation" r:id="rId6" imgW="1803400" imgH="482600" progId="Equation.DSMT4">
+                <p:oleObj spid="_x0000_s442439" name="Equation" r:id="rId6" imgW="1803400" imgH="482600" progId="Equation.DSMT4">
                   <p:embed/>
                 </p:oleObj>
               </mc:Choice>
@@ -13008,7 +12335,7 @@
           <a:graphicData uri="http://schemas.openxmlformats.org/presentationml/2006/ole">
             <mc:AlternateContent xmlns:mc="http://schemas.openxmlformats.org/markup-compatibility/2006">
               <mc:Choice xmlns:v="urn:schemas-microsoft-com:vml" Requires="v">
-                <p:oleObj spid="_x0000_s446545" name="Equation" r:id="rId4" imgW="1803400" imgH="482600" progId="Equation.DSMT4">
+                <p:oleObj spid="_x0000_s446550" name="Equation" r:id="rId4" imgW="1803400" imgH="482600" progId="Equation.DSMT4">
                   <p:embed/>
                 </p:oleObj>
               </mc:Choice>
@@ -13150,7 +12477,7 @@
             <a:graphicData uri="http://schemas.openxmlformats.org/presentationml/2006/ole">
               <mc:AlternateContent xmlns:mc="http://schemas.openxmlformats.org/markup-compatibility/2006">
                 <mc:Choice xmlns:v="urn:schemas-microsoft-com:vml" Requires="v">
-                  <p:oleObj spid="_x0000_s446546" name="Equation" r:id="rId6" imgW="177800" imgH="241300" progId="Equation.DSMT4">
+                  <p:oleObj spid="_x0000_s446551" name="Equation" r:id="rId6" imgW="177800" imgH="241300" progId="Equation.DSMT4">
                     <p:embed/>
                   </p:oleObj>
                 </mc:Choice>
@@ -13276,7 +12603,7 @@
           <a:graphicData uri="http://schemas.openxmlformats.org/presentationml/2006/ole">
             <mc:AlternateContent xmlns:mc="http://schemas.openxmlformats.org/markup-compatibility/2006">
               <mc:Choice xmlns:v="urn:schemas-microsoft-com:vml" Requires="v">
-                <p:oleObj spid="_x0000_s445529" name="Equation" r:id="rId4" imgW="1854200" imgH="482600" progId="Equation.DSMT4">
+                <p:oleObj spid="_x0000_s445534" name="Equation" r:id="rId4" imgW="1854200" imgH="482600" progId="Equation.DSMT4">
                   <p:embed/>
                 </p:oleObj>
               </mc:Choice>
@@ -13333,7 +12660,7 @@
           <a:graphicData uri="http://schemas.openxmlformats.org/presentationml/2006/ole">
             <mc:AlternateContent xmlns:mc="http://schemas.openxmlformats.org/markup-compatibility/2006">
               <mc:Choice xmlns:v="urn:schemas-microsoft-com:vml" Requires="v">
-                <p:oleObj spid="_x0000_s445530" name="Equation" r:id="rId6" imgW="1803400" imgH="482600" progId="Equation.DSMT4">
+                <p:oleObj spid="_x0000_s445535" name="Equation" r:id="rId6" imgW="1803400" imgH="482600" progId="Equation.DSMT4">
                   <p:embed/>
                 </p:oleObj>
               </mc:Choice>
@@ -13491,7 +12818,7 @@
           <a:graphicData uri="http://schemas.openxmlformats.org/presentationml/2006/ole">
             <mc:AlternateContent xmlns:mc="http://schemas.openxmlformats.org/markup-compatibility/2006">
               <mc:Choice xmlns:v="urn:schemas-microsoft-com:vml" Requires="v">
-                <p:oleObj spid="_x0000_s480307" name="Equation" r:id="rId4" imgW="1854200" imgH="482600" progId="Equation.DSMT4">
+                <p:oleObj spid="_x0000_s480311" name="Equation" r:id="rId4" imgW="1854200" imgH="482600" progId="Equation.DSMT4">
                   <p:embed/>
                 </p:oleObj>
               </mc:Choice>
@@ -13959,7 +13286,7 @@
           <a:graphicData uri="http://schemas.openxmlformats.org/presentationml/2006/ole">
             <mc:AlternateContent xmlns:mc="http://schemas.openxmlformats.org/markup-compatibility/2006">
               <mc:Choice xmlns:v="urn:schemas-microsoft-com:vml" Requires="v">
-                <p:oleObj spid="_x0000_s425084" name="Equation" r:id="rId4" imgW="1511300" imgH="254000" progId="Equation.DSMT4">
+                <p:oleObj spid="_x0000_s425093" name="Equation" r:id="rId4" imgW="1511300" imgH="254000" progId="Equation.DSMT4">
                   <p:embed/>
                 </p:oleObj>
               </mc:Choice>
@@ -14016,7 +13343,7 @@
           <a:graphicData uri="http://schemas.openxmlformats.org/presentationml/2006/ole">
             <mc:AlternateContent xmlns:mc="http://schemas.openxmlformats.org/markup-compatibility/2006">
               <mc:Choice xmlns:v="urn:schemas-microsoft-com:vml" Requires="v">
-                <p:oleObj spid="_x0000_s425085" name="Equation" r:id="rId6" imgW="1524000" imgH="254000" progId="Equation.DSMT4">
+                <p:oleObj spid="_x0000_s425094" name="Equation" r:id="rId6" imgW="1524000" imgH="254000" progId="Equation.DSMT4">
                   <p:embed/>
                 </p:oleObj>
               </mc:Choice>
@@ -14073,7 +13400,7 @@
           <a:graphicData uri="http://schemas.openxmlformats.org/presentationml/2006/ole">
             <mc:AlternateContent xmlns:mc="http://schemas.openxmlformats.org/markup-compatibility/2006">
               <mc:Choice xmlns:v="urn:schemas-microsoft-com:vml" Requires="v">
-                <p:oleObj spid="_x0000_s425086" name="Equation" r:id="rId8" imgW="1181100" imgH="228600" progId="Equation.DSMT4">
+                <p:oleObj spid="_x0000_s425095" name="Equation" r:id="rId8" imgW="1181100" imgH="228600" progId="Equation.DSMT4">
                   <p:embed/>
                 </p:oleObj>
               </mc:Choice>
@@ -14130,7 +13457,7 @@
           <a:graphicData uri="http://schemas.openxmlformats.org/presentationml/2006/ole">
             <mc:AlternateContent xmlns:mc="http://schemas.openxmlformats.org/markup-compatibility/2006">
               <mc:Choice xmlns:v="urn:schemas-microsoft-com:vml" Requires="v">
-                <p:oleObj spid="_x0000_s425087" name="Equation" r:id="rId10" imgW="1168400" imgH="228600" progId="Equation.DSMT4">
+                <p:oleObj spid="_x0000_s425096" name="Equation" r:id="rId10" imgW="1168400" imgH="228600" progId="Equation.DSMT4">
                   <p:embed/>
                 </p:oleObj>
               </mc:Choice>
@@ -14444,7 +13771,7 @@
           <a:graphicData uri="http://schemas.openxmlformats.org/presentationml/2006/ole">
             <mc:AlternateContent xmlns:mc="http://schemas.openxmlformats.org/markup-compatibility/2006">
               <mc:Choice xmlns:v="urn:schemas-microsoft-com:vml" Requires="v">
-                <p:oleObj spid="_x0000_s426050" name="Equation" r:id="rId4" imgW="1854200" imgH="482600" progId="Equation.DSMT4">
+                <p:oleObj spid="_x0000_s426053" name="Equation" r:id="rId4" imgW="1854200" imgH="482600" progId="Equation.DSMT4">
                   <p:embed/>
                 </p:oleObj>
               </mc:Choice>
@@ -14818,7 +14145,7 @@
           <a:graphicData uri="http://schemas.openxmlformats.org/presentationml/2006/ole">
             <mc:AlternateContent xmlns:mc="http://schemas.openxmlformats.org/markup-compatibility/2006">
               <mc:Choice xmlns:v="urn:schemas-microsoft-com:vml" Requires="v">
-                <p:oleObj spid="_x0000_s481304" name="Equation" r:id="rId4" imgW="1854200" imgH="482600" progId="Equation.DSMT4">
+                <p:oleObj spid="_x0000_s481307" name="Equation" r:id="rId4" imgW="1854200" imgH="482600" progId="Equation.DSMT4">
                   <p:embed/>
                 </p:oleObj>
               </mc:Choice>
@@ -15031,7 +14358,7 @@
           <a:graphicData uri="http://schemas.openxmlformats.org/presentationml/2006/ole">
             <mc:AlternateContent xmlns:mc="http://schemas.openxmlformats.org/markup-compatibility/2006">
               <mc:Choice xmlns:v="urn:schemas-microsoft-com:vml" Requires="v">
-                <p:oleObj spid="_x0000_s528391" name="Equation" r:id="rId4" imgW="1803400" imgH="482600" progId="Equation.DSMT4">
+                <p:oleObj spid="_x0000_s528394" name="Equation" r:id="rId4" imgW="1803400" imgH="482600" progId="Equation.DSMT4">
                   <p:embed/>
                 </p:oleObj>
               </mc:Choice>
@@ -15530,7 +14857,7 @@
           <a:graphicData uri="http://schemas.openxmlformats.org/presentationml/2006/ole">
             <mc:AlternateContent xmlns:mc="http://schemas.openxmlformats.org/markup-compatibility/2006">
               <mc:Choice xmlns:v="urn:schemas-microsoft-com:vml" Requires="v">
-                <p:oleObj spid="_x0000_s447522" name="Equation" r:id="rId4" imgW="2514600" imgH="254000" progId="Equation.DSMT4">
+                <p:oleObj spid="_x0000_s447526" name="Equation" r:id="rId4" imgW="2514600" imgH="254000" progId="Equation.DSMT4">
                   <p:embed/>
                 </p:oleObj>
               </mc:Choice>
@@ -15724,67 +15051,6 @@
                       </p:childTnLst>
                     </p:cTn>
                   </p:par>
-                  <p:par>
-                    <p:cTn id="8" fill="hold">
-                      <p:stCondLst>
-                        <p:cond delay="indefinite"/>
-                      </p:stCondLst>
-                      <p:childTnLst>
-                        <p:par>
-                          <p:cTn id="9" fill="hold">
-                            <p:stCondLst>
-                              <p:cond delay="0"/>
-                            </p:stCondLst>
-                            <p:childTnLst>
-                              <p:par>
-                                <p:cTn id="10" presetID="10" presetClass="entr" presetSubtype="0" fill="hold" grpId="0" nodeType="clickEffect">
-                                  <p:stCondLst>
-                                    <p:cond delay="0"/>
-                                  </p:stCondLst>
-                                  <p:childTnLst>
-                                    <p:set>
-                                      <p:cBhvr>
-                                        <p:cTn id="11" dur="1" fill="hold">
-                                          <p:stCondLst>
-                                            <p:cond delay="0"/>
-                                          </p:stCondLst>
-                                        </p:cTn>
-                                        <p:tgtEl>
-                                          <p:spTgt spid="6">
-                                            <p:txEl>
-                                              <p:pRg st="0" end="0"/>
-                                            </p:txEl>
-                                          </p:spTgt>
-                                        </p:tgtEl>
-                                        <p:attrNameLst>
-                                          <p:attrName>style.visibility</p:attrName>
-                                        </p:attrNameLst>
-                                      </p:cBhvr>
-                                      <p:to>
-                                        <p:strVal val="visible"/>
-                                      </p:to>
-                                    </p:set>
-                                    <p:animEffect transition="in" filter="fade">
-                                      <p:cBhvr>
-                                        <p:cTn id="12" dur="500"/>
-                                        <p:tgtEl>
-                                          <p:spTgt spid="6">
-                                            <p:txEl>
-                                              <p:pRg st="0" end="0"/>
-                                            </p:txEl>
-                                          </p:spTgt>
-                                        </p:tgtEl>
-                                      </p:cBhvr>
-                                    </p:animEffect>
-                                  </p:childTnLst>
-                                </p:cTn>
-                              </p:par>
-                            </p:childTnLst>
-                          </p:cTn>
-                        </p:par>
-                      </p:childTnLst>
-                    </p:cTn>
-                  </p:par>
                 </p:childTnLst>
               </p:cTn>
               <p:prevCondLst>
@@ -15808,7 +15074,6 @@
     </p:tnLst>
     <p:bldLst>
       <p:bldP spid="2" grpId="0" build="p"/>
-      <p:bldP spid="6" grpId="0" build="p"/>
     </p:bldLst>
   </p:timing>
 </p:sld>
@@ -15886,7 +15151,7 @@
           <a:graphicData uri="http://schemas.openxmlformats.org/presentationml/2006/ole">
             <mc:AlternateContent xmlns:mc="http://schemas.openxmlformats.org/markup-compatibility/2006">
               <mc:Choice xmlns:v="urn:schemas-microsoft-com:vml" Requires="v">
-                <p:oleObj spid="_x0000_s449595" name="Equation" r:id="rId4" imgW="698500" imgH="254000" progId="Equation.DSMT4">
+                <p:oleObj spid="_x0000_s449608" name="Equation" r:id="rId4" imgW="698500" imgH="254000" progId="Equation.DSMT4">
                   <p:embed/>
                 </p:oleObj>
               </mc:Choice>
@@ -15943,7 +15208,7 @@
           <a:graphicData uri="http://schemas.openxmlformats.org/presentationml/2006/ole">
             <mc:AlternateContent xmlns:mc="http://schemas.openxmlformats.org/markup-compatibility/2006">
               <mc:Choice xmlns:v="urn:schemas-microsoft-com:vml" Requires="v">
-                <p:oleObj spid="_x0000_s449596" name="Equation" r:id="rId6" imgW="1651000" imgH="254000" progId="Equation.DSMT4">
+                <p:oleObj spid="_x0000_s449609" name="Equation" r:id="rId6" imgW="1651000" imgH="254000" progId="Equation.DSMT4">
                   <p:embed/>
                 </p:oleObj>
               </mc:Choice>
@@ -16036,7 +15301,11 @@
           <a:p>
             <a:r>
               <a:rPr lang="en-US" sz="4400" dirty="0" smtClean="0"/>
-              <a:t>Convert to Full </a:t>
+              <a:t>Full</a:t>
+            </a:r>
+            <a:r>
+              <a:rPr lang="en-US" sz="4400" dirty="0" smtClean="0"/>
+              <a:t> DNF for an </a:t>
             </a:r>
             <a:r>
               <a:rPr lang="en-US" sz="4000" dirty="0" smtClean="0">
@@ -16046,7 +15315,17 @@
                   </a:schemeClr>
                 </a:solidFill>
               </a:rPr>
-              <a:t>AND-</a:t>
+              <a:t>AND</a:t>
+            </a:r>
+            <a:r>
+              <a:rPr lang="en-US" sz="4000" dirty="0" smtClean="0">
+                <a:solidFill>
+                  <a:schemeClr val="accent5">
+                    <a:lumMod val="50000"/>
+                  </a:schemeClr>
+                </a:solidFill>
+              </a:rPr>
+              <a:t>-</a:t>
             </a:r>
             <a:r>
               <a:rPr lang="en-US" sz="4000" dirty="0" smtClean="0">
@@ -16291,7 +15570,7 @@
           <a:graphicData uri="http://schemas.openxmlformats.org/presentationml/2006/ole">
             <mc:AlternateContent xmlns:mc="http://schemas.openxmlformats.org/markup-compatibility/2006">
               <mc:Choice xmlns:v="urn:schemas-microsoft-com:vml" Requires="v">
-                <p:oleObj spid="_x0000_s505882" name="Equation" r:id="rId4" imgW="698500" imgH="254000" progId="Equation.DSMT4">
+                <p:oleObj spid="_x0000_s505893" name="Equation" r:id="rId4" imgW="698500" imgH="254000" progId="Equation.DSMT4">
                   <p:embed/>
                 </p:oleObj>
               </mc:Choice>
@@ -16348,7 +15627,7 @@
           <a:graphicData uri="http://schemas.openxmlformats.org/presentationml/2006/ole">
             <mc:AlternateContent xmlns:mc="http://schemas.openxmlformats.org/markup-compatibility/2006">
               <mc:Choice xmlns:v="urn:schemas-microsoft-com:vml" Requires="v">
-                <p:oleObj spid="_x0000_s505883" name="Equation" r:id="rId6" imgW="1651000" imgH="254000" progId="Equation.DSMT4">
+                <p:oleObj spid="_x0000_s505894" name="Equation" r:id="rId6" imgW="1651000" imgH="254000" progId="Equation.DSMT4">
                   <p:embed/>
                 </p:oleObj>
               </mc:Choice>
@@ -16385,7 +15664,7 @@
       </p:graphicFrame>
       <p:sp>
         <p:nvSpPr>
-          <p:cNvPr id="5" name="Title 4"/>
+          <p:cNvPr id="10" name="Title 4"/>
           <p:cNvSpPr>
             <a:spLocks noGrp="1"/>
           </p:cNvSpPr>
@@ -16393,14 +15672,23 @@
             <p:ph type="title"/>
           </p:nvPr>
         </p:nvSpPr>
-        <p:spPr/>
+        <p:spPr>
+          <a:xfrm>
+            <a:off x="1447800" y="304800"/>
+            <a:ext cx="7543800" cy="1143000"/>
+          </a:xfrm>
+        </p:spPr>
         <p:txBody>
           <a:bodyPr/>
           <a:lstStyle/>
           <a:p>
             <a:r>
               <a:rPr lang="en-US" sz="4400" dirty="0" smtClean="0"/>
-              <a:t>Convert to Full </a:t>
+              <a:t>Full</a:t>
+            </a:r>
+            <a:r>
+              <a:rPr lang="en-US" sz="4400" dirty="0" smtClean="0"/>
+              <a:t> DNF for an </a:t>
             </a:r>
             <a:r>
               <a:rPr lang="en-US" sz="4000" dirty="0" smtClean="0">
@@ -16410,7 +15698,17 @@
                   </a:schemeClr>
                 </a:solidFill>
               </a:rPr>
-              <a:t>AND-</a:t>
+              <a:t>AND</a:t>
+            </a:r>
+            <a:r>
+              <a:rPr lang="en-US" sz="4000" dirty="0" smtClean="0">
+                <a:solidFill>
+                  <a:schemeClr val="accent5">
+                    <a:lumMod val="50000"/>
+                  </a:schemeClr>
+                </a:solidFill>
+              </a:rPr>
+              <a:t>-</a:t>
             </a:r>
             <a:r>
               <a:rPr lang="en-US" sz="4000" dirty="0" smtClean="0">
@@ -16425,41 +15723,6 @@
                 <a:schemeClr val="tx1"/>
               </a:solidFill>
             </a:endParaRPr>
-          </a:p>
-        </p:txBody>
-      </p:sp>
-      <p:sp>
-        <p:nvSpPr>
-          <p:cNvPr id="7" name="TextBox 6"/>
-          <p:cNvSpPr txBox="1"/>
-          <p:nvPr/>
-        </p:nvSpPr>
-        <p:spPr>
-          <a:xfrm>
-            <a:off x="5983713" y="2559903"/>
-            <a:ext cx="3160287" cy="830997"/>
-          </a:xfrm>
-          <a:prstGeom prst="rect">
-            <a:avLst/>
-          </a:prstGeom>
-          <a:noFill/>
-        </p:spPr>
-        <p:txBody>
-          <a:bodyPr wrap="square" rtlCol="0">
-            <a:spAutoFit/>
-          </a:bodyPr>
-          <a:lstStyle/>
-          <a:p>
-            <a:pPr algn="l"/>
-            <a:r>
-              <a:rPr lang="en-US" sz="4800" dirty="0" smtClean="0">
-                <a:solidFill>
-                  <a:srgbClr val="FF03E3"/>
-                </a:solidFill>
-                <a:latin typeface="Comic Sans MS" pitchFamily="66" charset="0"/>
-              </a:rPr>
-              <a:t>distribute</a:t>
-            </a:r>
           </a:p>
         </p:txBody>
       </p:sp>
@@ -16479,88 +15742,9 @@
   <p:timing>
     <p:tnLst>
       <p:par>
-        <p:cTn xmlns:p14="http://schemas.microsoft.com/office/powerpoint/2010/main" id="1" dur="indefinite" restart="never" nodeType="tmRoot">
-          <p:childTnLst>
-            <p:seq concurrent="1" nextAc="seek">
-              <p:cTn id="2" dur="indefinite" nodeType="mainSeq">
-                <p:childTnLst>
-                  <p:par>
-                    <p:cTn id="3" fill="hold">
-                      <p:stCondLst>
-                        <p:cond delay="indefinite"/>
-                      </p:stCondLst>
-                      <p:childTnLst>
-                        <p:par>
-                          <p:cTn id="4" fill="hold">
-                            <p:stCondLst>
-                              <p:cond delay="0"/>
-                            </p:stCondLst>
-                            <p:childTnLst>
-                              <p:par>
-                                <p:cTn id="5" presetID="10" presetClass="entr" presetSubtype="0" fill="hold" grpId="0" nodeType="clickEffect">
-                                  <p:stCondLst>
-                                    <p:cond delay="0"/>
-                                  </p:stCondLst>
-                                  <p:childTnLst>
-                                    <p:set>
-                                      <p:cBhvr>
-                                        <p:cTn id="6" dur="1" fill="hold">
-                                          <p:stCondLst>
-                                            <p:cond delay="0"/>
-                                          </p:stCondLst>
-                                        </p:cTn>
-                                        <p:tgtEl>
-                                          <p:spTgt spid="7"/>
-                                        </p:tgtEl>
-                                        <p:attrNameLst>
-                                          <p:attrName>style.visibility</p:attrName>
-                                        </p:attrNameLst>
-                                      </p:cBhvr>
-                                      <p:to>
-                                        <p:strVal val="visible"/>
-                                      </p:to>
-                                    </p:set>
-                                    <p:animEffect transition="in" filter="fade">
-                                      <p:cBhvr>
-                                        <p:cTn id="7" dur="500"/>
-                                        <p:tgtEl>
-                                          <p:spTgt spid="7"/>
-                                        </p:tgtEl>
-                                      </p:cBhvr>
-                                    </p:animEffect>
-                                  </p:childTnLst>
-                                </p:cTn>
-                              </p:par>
-                            </p:childTnLst>
-                          </p:cTn>
-                        </p:par>
-                      </p:childTnLst>
-                    </p:cTn>
-                  </p:par>
-                </p:childTnLst>
-              </p:cTn>
-              <p:prevCondLst>
-                <p:cond evt="onPrev" delay="0">
-                  <p:tgtEl>
-                    <p:sldTgt/>
-                  </p:tgtEl>
-                </p:cond>
-              </p:prevCondLst>
-              <p:nextCondLst>
-                <p:cond evt="onNext" delay="0">
-                  <p:tgtEl>
-                    <p:sldTgt/>
-                  </p:tgtEl>
-                </p:cond>
-              </p:nextCondLst>
-            </p:seq>
-          </p:childTnLst>
-        </p:cTn>
+        <p:cTn xmlns:p14="http://schemas.microsoft.com/office/powerpoint/2010/main" id="1" dur="indefinite" restart="never" nodeType="tmRoot"/>
       </p:par>
     </p:tnLst>
-    <p:bldLst>
-      <p:bldP spid="7" grpId="0"/>
-    </p:bldLst>
   </p:timing>
 </p:sld>
 </file>
@@ -16637,7 +15821,7 @@
           <a:graphicData uri="http://schemas.openxmlformats.org/presentationml/2006/ole">
             <mc:AlternateContent xmlns:mc="http://schemas.openxmlformats.org/markup-compatibility/2006">
               <mc:Choice xmlns:v="urn:schemas-microsoft-com:vml" Requires="v">
-                <p:oleObj spid="_x0000_s506920" name="Equation" r:id="rId4" imgW="698500" imgH="254000" progId="Equation.DSMT4">
+                <p:oleObj spid="_x0000_s506936" name="Equation" r:id="rId4" imgW="698500" imgH="254000" progId="Equation.DSMT4">
                   <p:embed/>
                 </p:oleObj>
               </mc:Choice>
@@ -16694,7 +15878,7 @@
           <a:graphicData uri="http://schemas.openxmlformats.org/presentationml/2006/ole">
             <mc:AlternateContent xmlns:mc="http://schemas.openxmlformats.org/markup-compatibility/2006">
               <mc:Choice xmlns:v="urn:schemas-microsoft-com:vml" Requires="v">
-                <p:oleObj spid="_x0000_s506921" name="Equation" r:id="rId6" imgW="1651000" imgH="254000" progId="Equation.DSMT4">
+                <p:oleObj spid="_x0000_s506937" name="Equation" r:id="rId6" imgW="1651000" imgH="254000" progId="Equation.DSMT4">
                   <p:embed/>
                 </p:oleObj>
               </mc:Choice>
@@ -16729,51 +15913,6 @@
           </a:graphicData>
         </a:graphic>
       </p:graphicFrame>
-      <p:sp>
-        <p:nvSpPr>
-          <p:cNvPr id="5" name="Title 4"/>
-          <p:cNvSpPr>
-            <a:spLocks noGrp="1"/>
-          </p:cNvSpPr>
-          <p:nvPr>
-            <p:ph type="title"/>
-          </p:nvPr>
-        </p:nvSpPr>
-        <p:spPr/>
-        <p:txBody>
-          <a:bodyPr/>
-          <a:lstStyle/>
-          <a:p>
-            <a:r>
-              <a:rPr lang="en-US" sz="4400" dirty="0" smtClean="0"/>
-              <a:t>Convert to Full </a:t>
-            </a:r>
-            <a:r>
-              <a:rPr lang="en-US" sz="4000" dirty="0" smtClean="0">
-                <a:solidFill>
-                  <a:schemeClr val="accent5">
-                    <a:lumMod val="50000"/>
-                  </a:schemeClr>
-                </a:solidFill>
-              </a:rPr>
-              <a:t>AND-</a:t>
-            </a:r>
-            <a:r>
-              <a:rPr lang="en-US" sz="4000" dirty="0" smtClean="0">
-                <a:solidFill>
-                  <a:schemeClr val="tx1"/>
-                </a:solidFill>
-              </a:rPr>
-              <a:t>term</a:t>
-            </a:r>
-            <a:endParaRPr lang="en-US" sz="4000" dirty="0">
-              <a:solidFill>
-                <a:schemeClr val="tx1"/>
-              </a:solidFill>
-            </a:endParaRPr>
-          </a:p>
-        </p:txBody>
-      </p:sp>
       <p:graphicFrame>
         <p:nvGraphicFramePr>
           <p:cNvPr id="8" name="Object 7"/>
@@ -16796,7 +15935,7 @@
           <a:graphicData uri="http://schemas.openxmlformats.org/presentationml/2006/ole">
             <mc:AlternateContent xmlns:mc="http://schemas.openxmlformats.org/markup-compatibility/2006">
               <mc:Choice xmlns:v="urn:schemas-microsoft-com:vml" Requires="v">
-                <p:oleObj spid="_x0000_s506922" name="Equation" r:id="rId8" imgW="1333500" imgH="482600" progId="Equation.DSMT4">
+                <p:oleObj spid="_x0000_s506938" name="Equation" r:id="rId8" imgW="1333500" imgH="482600" progId="Equation.DSMT4">
                   <p:embed/>
                 </p:oleObj>
               </mc:Choice>
@@ -16866,6 +16005,70 @@
           </a:p>
         </p:txBody>
       </p:sp>
+      <p:sp>
+        <p:nvSpPr>
+          <p:cNvPr id="11" name="Title 4"/>
+          <p:cNvSpPr>
+            <a:spLocks noGrp="1"/>
+          </p:cNvSpPr>
+          <p:nvPr>
+            <p:ph type="title"/>
+          </p:nvPr>
+        </p:nvSpPr>
+        <p:spPr>
+          <a:xfrm>
+            <a:off x="1447800" y="304800"/>
+            <a:ext cx="7543800" cy="1143000"/>
+          </a:xfrm>
+        </p:spPr>
+        <p:txBody>
+          <a:bodyPr/>
+          <a:lstStyle/>
+          <a:p>
+            <a:r>
+              <a:rPr lang="en-US" sz="4400" dirty="0" smtClean="0"/>
+              <a:t>Full</a:t>
+            </a:r>
+            <a:r>
+              <a:rPr lang="en-US" sz="4400" dirty="0" smtClean="0"/>
+              <a:t> DNF for an </a:t>
+            </a:r>
+            <a:r>
+              <a:rPr lang="en-US" sz="4000" dirty="0" smtClean="0">
+                <a:solidFill>
+                  <a:schemeClr val="accent5">
+                    <a:lumMod val="50000"/>
+                  </a:schemeClr>
+                </a:solidFill>
+              </a:rPr>
+              <a:t>AND</a:t>
+            </a:r>
+            <a:r>
+              <a:rPr lang="en-US" sz="4000" dirty="0" smtClean="0">
+                <a:solidFill>
+                  <a:schemeClr val="accent5">
+                    <a:lumMod val="50000"/>
+                  </a:schemeClr>
+                </a:solidFill>
+              </a:rPr>
+              <a:t>-</a:t>
+            </a:r>
+            <a:r>
+              <a:rPr lang="en-US" sz="4000" dirty="0" smtClean="0">
+                <a:solidFill>
+                  <a:schemeClr val="tx1"/>
+                </a:solidFill>
+              </a:rPr>
+              <a:t>term</a:t>
+            </a:r>
+            <a:endParaRPr lang="en-US" sz="4000" dirty="0">
+              <a:solidFill>
+                <a:schemeClr val="tx1"/>
+              </a:solidFill>
+            </a:endParaRPr>
+          </a:p>
+        </p:txBody>
+      </p:sp>
     </p:spTree>
     <p:extLst>
       <p:ext uri="{BB962C8B-B14F-4D97-AF65-F5344CB8AC3E}">
@@ -16876,9 +16079,18 @@
   <p:clrMapOvr>
     <a:masterClrMapping/>
   </p:clrMapOvr>
-  <p:transition xmlns:p14="http://schemas.microsoft.com/office/powerpoint/2010/main" spd="slow" advClick="0">
-    <p:fade/>
-  </p:transition>
+  <mc:AlternateContent xmlns:mc="http://schemas.openxmlformats.org/markup-compatibility/2006">
+    <mc:Choice xmlns:p14="http://schemas.microsoft.com/office/powerpoint/2010/main" Requires="p14">
+      <p:transition p14:dur="300" advClick="0">
+        <p:fade/>
+      </p:transition>
+    </mc:Choice>
+    <mc:Fallback>
+      <p:transition xmlns:p14="http://schemas.microsoft.com/office/powerpoint/2010/main" advClick="0">
+        <p:fade/>
+      </p:transition>
+    </mc:Fallback>
+  </mc:AlternateContent>
   <p:timing>
     <p:tnLst>
       <p:par>
@@ -17037,7 +16249,7 @@
           <a:graphicData uri="http://schemas.openxmlformats.org/presentationml/2006/ole">
             <mc:AlternateContent xmlns:mc="http://schemas.openxmlformats.org/markup-compatibility/2006">
               <mc:Choice xmlns:v="urn:schemas-microsoft-com:vml" Requires="v">
-                <p:oleObj spid="_x0000_s507944" name="Equation" r:id="rId4" imgW="698500" imgH="254000" progId="Equation.DSMT4">
+                <p:oleObj spid="_x0000_s507957" name="Equation" r:id="rId4" imgW="698500" imgH="254000" progId="Equation.DSMT4">
                   <p:embed/>
                 </p:oleObj>
               </mc:Choice>
@@ -17074,32 +16286,32 @@
       </p:graphicFrame>
       <p:graphicFrame>
         <p:nvGraphicFramePr>
-          <p:cNvPr id="6" name="Object 5"/>
+          <p:cNvPr id="8" name="Object 7"/>
           <p:cNvGraphicFramePr>
             <a:graphicFrameLocks noChangeAspect="1"/>
           </p:cNvGraphicFramePr>
           <p:nvPr>
             <p:extLst>
               <p:ext uri="{D42A27DB-BD31-4B8C-83A1-F6EECF244321}">
-                <p14:modId xmlns:p14="http://schemas.microsoft.com/office/powerpoint/2010/main" val="3785816086"/>
+                <p14:modId xmlns:p14="http://schemas.microsoft.com/office/powerpoint/2010/main" val="61068022"/>
               </p:ext>
             </p:extLst>
           </p:nvPr>
         </p:nvGraphicFramePr>
         <p:xfrm>
-          <a:off x="292100" y="2565400"/>
-          <a:ext cx="5773738" cy="889000"/>
+          <a:off x="1254124" y="3467100"/>
+          <a:ext cx="5258445" cy="1905000"/>
         </p:xfrm>
         <a:graphic>
           <a:graphicData uri="http://schemas.openxmlformats.org/presentationml/2006/ole">
             <mc:AlternateContent xmlns:mc="http://schemas.openxmlformats.org/markup-compatibility/2006">
               <mc:Choice xmlns:v="urn:schemas-microsoft-com:vml" Requires="v">
-                <p:oleObj spid="_x0000_s507945" name="Equation" r:id="rId6" imgW="1651000" imgH="254000" progId="Equation.DSMT4">
+                <p:oleObj spid="_x0000_s507958" name="Equation" r:id="rId6" imgW="1333500" imgH="482600" progId="Equation.DSMT4">
                   <p:embed/>
                 </p:oleObj>
               </mc:Choice>
               <mc:Fallback>
-                <p:oleObj name="Equation" r:id="rId6" imgW="1651000" imgH="254000" progId="Equation.DSMT4">
+                <p:oleObj name="Equation" r:id="rId6" imgW="1333500" imgH="482600" progId="Equation.DSMT4">
                   <p:embed/>
                   <p:pic>
                     <p:nvPicPr>
@@ -17109,113 +16321,6 @@
                     </p:nvPicPr>
                     <p:blipFill>
                       <a:blip r:embed="rId7"/>
-                      <a:stretch>
-                        <a:fillRect/>
-                      </a:stretch>
-                    </p:blipFill>
-                    <p:spPr>
-                      <a:xfrm>
-                        <a:off x="292100" y="2565400"/>
-                        <a:ext cx="5773738" cy="889000"/>
-                      </a:xfrm>
-                      <a:prstGeom prst="rect">
-                        <a:avLst/>
-                      </a:prstGeom>
-                    </p:spPr>
-                  </p:pic>
-                </p:oleObj>
-              </mc:Fallback>
-            </mc:AlternateContent>
-          </a:graphicData>
-        </a:graphic>
-      </p:graphicFrame>
-      <p:sp>
-        <p:nvSpPr>
-          <p:cNvPr id="5" name="Title 4"/>
-          <p:cNvSpPr>
-            <a:spLocks noGrp="1"/>
-          </p:cNvSpPr>
-          <p:nvPr>
-            <p:ph type="title"/>
-          </p:nvPr>
-        </p:nvSpPr>
-        <p:spPr>
-          <a:xfrm>
-            <a:off x="1447800" y="292100"/>
-            <a:ext cx="7543800" cy="1143000"/>
-          </a:xfrm>
-        </p:spPr>
-        <p:txBody>
-          <a:bodyPr/>
-          <a:lstStyle/>
-          <a:p>
-            <a:r>
-              <a:rPr lang="en-US" sz="4400" dirty="0" smtClean="0"/>
-              <a:t>Convert to Full </a:t>
-            </a:r>
-            <a:r>
-              <a:rPr lang="en-US" sz="4000" dirty="0" smtClean="0">
-                <a:solidFill>
-                  <a:schemeClr val="accent5">
-                    <a:lumMod val="50000"/>
-                  </a:schemeClr>
-                </a:solidFill>
-              </a:rPr>
-              <a:t>AND-</a:t>
-            </a:r>
-            <a:r>
-              <a:rPr lang="en-US" sz="4000" dirty="0" smtClean="0">
-                <a:solidFill>
-                  <a:schemeClr val="tx1"/>
-                </a:solidFill>
-              </a:rPr>
-              <a:t>term</a:t>
-            </a:r>
-            <a:endParaRPr lang="en-US" sz="4000" dirty="0">
-              <a:solidFill>
-                <a:schemeClr val="tx1"/>
-              </a:solidFill>
-            </a:endParaRPr>
-          </a:p>
-        </p:txBody>
-      </p:sp>
-      <p:graphicFrame>
-        <p:nvGraphicFramePr>
-          <p:cNvPr id="8" name="Object 7"/>
-          <p:cNvGraphicFramePr>
-            <a:graphicFrameLocks noChangeAspect="1"/>
-          </p:cNvGraphicFramePr>
-          <p:nvPr>
-            <p:extLst>
-              <p:ext uri="{D42A27DB-BD31-4B8C-83A1-F6EECF244321}">
-                <p14:modId xmlns:p14="http://schemas.microsoft.com/office/powerpoint/2010/main" val="977546031"/>
-              </p:ext>
-            </p:extLst>
-          </p:nvPr>
-        </p:nvGraphicFramePr>
-        <p:xfrm>
-          <a:off x="1254124" y="3467100"/>
-          <a:ext cx="5258445" cy="1905000"/>
-        </p:xfrm>
-        <a:graphic>
-          <a:graphicData uri="http://schemas.openxmlformats.org/presentationml/2006/ole">
-            <mc:AlternateContent xmlns:mc="http://schemas.openxmlformats.org/markup-compatibility/2006">
-              <mc:Choice xmlns:v="urn:schemas-microsoft-com:vml" Requires="v">
-                <p:oleObj spid="_x0000_s507946" name="Equation" r:id="rId8" imgW="1333500" imgH="482600" progId="Equation.DSMT4">
-                  <p:embed/>
-                </p:oleObj>
-              </mc:Choice>
-              <mc:Fallback>
-                <p:oleObj name="Equation" r:id="rId8" imgW="1333500" imgH="482600" progId="Equation.DSMT4">
-                  <p:embed/>
-                  <p:pic>
-                    <p:nvPicPr>
-                      <p:cNvPr id="0" name=""/>
-                      <p:cNvPicPr/>
-                      <p:nvPr/>
-                    </p:nvPicPr>
-                    <p:blipFill>
-                      <a:blip r:embed="rId9"/>
                       <a:stretch>
                         <a:fillRect/>
                       </a:stretch>
@@ -17331,6 +16436,70 @@
               </a:rPr>
               <a:t>Full!</a:t>
             </a:r>
+          </a:p>
+        </p:txBody>
+      </p:sp>
+      <p:sp>
+        <p:nvSpPr>
+          <p:cNvPr id="10" name="Title 4"/>
+          <p:cNvSpPr>
+            <a:spLocks noGrp="1"/>
+          </p:cNvSpPr>
+          <p:nvPr>
+            <p:ph type="title"/>
+          </p:nvPr>
+        </p:nvSpPr>
+        <p:spPr>
+          <a:xfrm>
+            <a:off x="1447800" y="304800"/>
+            <a:ext cx="7543800" cy="1143000"/>
+          </a:xfrm>
+        </p:spPr>
+        <p:txBody>
+          <a:bodyPr/>
+          <a:lstStyle/>
+          <a:p>
+            <a:r>
+              <a:rPr lang="en-US" sz="4400" dirty="0" smtClean="0"/>
+              <a:t>Full</a:t>
+            </a:r>
+            <a:r>
+              <a:rPr lang="en-US" sz="4400" dirty="0" smtClean="0"/>
+              <a:t> DNF for an </a:t>
+            </a:r>
+            <a:r>
+              <a:rPr lang="en-US" sz="4000" dirty="0" smtClean="0">
+                <a:solidFill>
+                  <a:schemeClr val="accent5">
+                    <a:lumMod val="50000"/>
+                  </a:schemeClr>
+                </a:solidFill>
+              </a:rPr>
+              <a:t>AND</a:t>
+            </a:r>
+            <a:r>
+              <a:rPr lang="en-US" sz="4000" dirty="0" smtClean="0">
+                <a:solidFill>
+                  <a:schemeClr val="accent5">
+                    <a:lumMod val="50000"/>
+                  </a:schemeClr>
+                </a:solidFill>
+              </a:rPr>
+              <a:t>-</a:t>
+            </a:r>
+            <a:r>
+              <a:rPr lang="en-US" sz="4000" dirty="0" smtClean="0">
+                <a:solidFill>
+                  <a:schemeClr val="tx1"/>
+                </a:solidFill>
+              </a:rPr>
+              <a:t>term</a:t>
+            </a:r>
+            <a:endParaRPr lang="en-US" sz="4000" dirty="0">
+              <a:solidFill>
+                <a:schemeClr val="tx1"/>
+              </a:solidFill>
+            </a:endParaRPr>
           </a:p>
         </p:txBody>
       </p:sp>
@@ -17563,7 +16732,7 @@
           <a:graphicData uri="http://schemas.openxmlformats.org/presentationml/2006/ole">
             <mc:AlternateContent xmlns:mc="http://schemas.openxmlformats.org/markup-compatibility/2006">
               <mc:Choice xmlns:v="urn:schemas-microsoft-com:vml" Requires="v">
-                <p:oleObj spid="_x0000_s522255" name="Equation" r:id="rId4" imgW="1600200" imgH="215900" progId="Equation.DSMT4">
+                <p:oleObj spid="_x0000_s522260" name="Equation" r:id="rId4" imgW="1600200" imgH="215900" progId="Equation.DSMT4">
                   <p:embed/>
                 </p:oleObj>
               </mc:Choice>
@@ -17620,7 +16789,7 @@
           <a:graphicData uri="http://schemas.openxmlformats.org/presentationml/2006/ole">
             <mc:AlternateContent xmlns:mc="http://schemas.openxmlformats.org/markup-compatibility/2006">
               <mc:Choice xmlns:v="urn:schemas-microsoft-com:vml" Requires="v">
-                <p:oleObj spid="_x0000_s522256" name="Equation" r:id="rId6" imgW="1397000" imgH="457200" progId="Equation.DSMT4">
+                <p:oleObj spid="_x0000_s522261" name="Equation" r:id="rId6" imgW="1397000" imgH="457200" progId="Equation.DSMT4">
                   <p:embed/>
                 </p:oleObj>
               </mc:Choice>
@@ -18029,7 +17198,7 @@
           <a:graphicData uri="http://schemas.openxmlformats.org/presentationml/2006/ole">
             <mc:AlternateContent xmlns:mc="http://schemas.openxmlformats.org/markup-compatibility/2006">
               <mc:Choice xmlns:v="urn:schemas-microsoft-com:vml" Requires="v">
-                <p:oleObj spid="_x0000_s461858" name="Equation" r:id="rId4" imgW="1333500" imgH="482600" progId="Equation.DSMT4">
+                <p:oleObj spid="_x0000_s461862" name="Equation" r:id="rId4" imgW="1333500" imgH="482600" progId="Equation.DSMT4">
                   <p:embed/>
                 </p:oleObj>
               </mc:Choice>
@@ -18072,7 +17241,7 @@
         </p:nvSpPr>
         <p:spPr>
           <a:xfrm>
-            <a:off x="7073900" y="2171700"/>
+            <a:off x="7471976" y="2171700"/>
             <a:ext cx="1544977" cy="923330"/>
           </a:xfrm>
           <a:prstGeom prst="rect">
@@ -18361,27 +17530,27 @@
       </p:sp>
       <p:graphicFrame>
         <p:nvGraphicFramePr>
-          <p:cNvPr id="6" name="Object 5"/>
+          <p:cNvPr id="10" name="Object 9"/>
           <p:cNvGraphicFramePr>
             <a:graphicFrameLocks noChangeAspect="1"/>
           </p:cNvGraphicFramePr>
           <p:nvPr>
             <p:extLst>
               <p:ext uri="{D42A27DB-BD31-4B8C-83A1-F6EECF244321}">
-                <p14:modId xmlns:p14="http://schemas.microsoft.com/office/powerpoint/2010/main" val="3924638312"/>
+                <p14:modId xmlns:p14="http://schemas.microsoft.com/office/powerpoint/2010/main" val="4170879284"/>
               </p:ext>
             </p:extLst>
           </p:nvPr>
         </p:nvGraphicFramePr>
         <p:xfrm>
-          <a:off x="2143124" y="3194049"/>
-          <a:ext cx="5100694" cy="1847851"/>
+          <a:off x="2003424" y="1225549"/>
+          <a:ext cx="5273675" cy="1910517"/>
         </p:xfrm>
         <a:graphic>
           <a:graphicData uri="http://schemas.openxmlformats.org/presentationml/2006/ole">
             <mc:AlternateContent xmlns:mc="http://schemas.openxmlformats.org/markup-compatibility/2006">
               <mc:Choice xmlns:v="urn:schemas-microsoft-com:vml" Requires="v">
-                <p:oleObj spid="_x0000_s523283" name="Equation" r:id="rId4" imgW="1333500" imgH="482600" progId="Equation.DSMT4">
+                <p:oleObj spid="_x0000_s523291" name="Equation" r:id="rId4" imgW="1333500" imgH="482600" progId="Equation.DSMT4">
                   <p:embed/>
                 </p:oleObj>
               </mc:Choice>
@@ -18402,7 +17571,182 @@
                     </p:blipFill>
                     <p:spPr>
                       <a:xfrm>
-                        <a:off x="2143124" y="3194049"/>
+                        <a:off x="2003424" y="1225549"/>
+                        <a:ext cx="5273675" cy="1910517"/>
+                      </a:xfrm>
+                      <a:prstGeom prst="rect">
+                        <a:avLst/>
+                      </a:prstGeom>
+                    </p:spPr>
+                  </p:pic>
+                </p:oleObj>
+              </mc:Fallback>
+            </mc:AlternateContent>
+          </a:graphicData>
+        </a:graphic>
+      </p:graphicFrame>
+      <p:sp>
+        <p:nvSpPr>
+          <p:cNvPr id="8" name="Title 1"/>
+          <p:cNvSpPr>
+            <a:spLocks noGrp="1"/>
+          </p:cNvSpPr>
+          <p:nvPr>
+            <p:ph type="title"/>
+          </p:nvPr>
+        </p:nvSpPr>
+        <p:spPr>
+          <a:xfrm>
+            <a:off x="1651000" y="363538"/>
+            <a:ext cx="6794500" cy="1003300"/>
+          </a:xfrm>
+        </p:spPr>
+        <p:txBody>
+          <a:bodyPr/>
+          <a:lstStyle/>
+          <a:p>
+            <a:r>
+              <a:rPr lang="en-US" sz="4000" dirty="0" smtClean="0">
+                <a:solidFill>
+                  <a:srgbClr val="FF03E3"/>
+                </a:solidFill>
+              </a:rPr>
+              <a:t>example</a:t>
+            </a:r>
+            <a:endParaRPr lang="en-US" sz="4000" dirty="0">
+              <a:solidFill>
+                <a:srgbClr val="FF03E3"/>
+              </a:solidFill>
+            </a:endParaRPr>
+          </a:p>
+        </p:txBody>
+      </p:sp>
+    </p:spTree>
+    <p:extLst>
+      <p:ext uri="{BB962C8B-B14F-4D97-AF65-F5344CB8AC3E}">
+        <p14:creationId xmlns:p14="http://schemas.microsoft.com/office/powerpoint/2010/main" val="2003572068"/>
+      </p:ext>
+    </p:extLst>
+  </p:cSld>
+  <p:clrMapOvr>
+    <a:masterClrMapping/>
+  </p:clrMapOvr>
+  <mc:AlternateContent xmlns:mc="http://schemas.openxmlformats.org/markup-compatibility/2006" xmlns:p14="http://schemas.microsoft.com/office/powerpoint/2010/main">
+    <mc:Choice Requires="p14">
+      <p:transition spd="med" p14:dur="600" advClick="0">
+        <p:fade/>
+      </p:transition>
+    </mc:Choice>
+    <mc:Fallback xmlns="">
+      <p:transition xmlns:p14="http://schemas.microsoft.com/office/powerpoint/2010/main" spd="med" advClick="0">
+        <p:fade/>
+      </p:transition>
+    </mc:Fallback>
+  </mc:AlternateContent>
+  <p:timing>
+    <p:tnLst>
+      <p:par>
+        <p:cTn xmlns:p14="http://schemas.microsoft.com/office/powerpoint/2010/main" id="1" dur="indefinite" restart="never" nodeType="tmRoot"/>
+      </p:par>
+    </p:tnLst>
+  </p:timing>
+</p:sld>
+</file>
+
+<file path=ppt/slides/slide38.xml><?xml version="1.0" encoding="utf-8"?>
+<p:sld xmlns:a="http://schemas.openxmlformats.org/drawingml/2006/main" xmlns:r="http://schemas.openxmlformats.org/officeDocument/2006/relationships" xmlns:p="http://schemas.openxmlformats.org/presentationml/2006/main">
+  <p:cSld>
+    <p:spTree>
+      <p:nvGrpSpPr>
+        <p:cNvPr id="1" name=""/>
+        <p:cNvGrpSpPr/>
+        <p:nvPr/>
+      </p:nvGrpSpPr>
+      <p:grpSpPr>
+        <a:xfrm>
+          <a:off x="0" y="0"/>
+          <a:ext cx="0" cy="0"/>
+          <a:chOff x="0" y="0"/>
+          <a:chExt cx="0" cy="0"/>
+        </a:xfrm>
+      </p:grpSpPr>
+      <p:sp>
+        <p:nvSpPr>
+          <p:cNvPr id="4" name="Slide Number Placeholder 2"/>
+          <p:cNvSpPr>
+            <a:spLocks noGrp="1"/>
+          </p:cNvSpPr>
+          <p:nvPr>
+            <p:ph type="sldNum" sz="quarter" idx="10"/>
+          </p:nvPr>
+        </p:nvSpPr>
+        <p:spPr>
+          <a:xfrm>
+            <a:off x="7333815" y="6553200"/>
+            <a:ext cx="1810186" cy="276999"/>
+          </a:xfrm>
+        </p:spPr>
+        <p:txBody>
+          <a:bodyPr/>
+          <a:lstStyle/>
+          <a:p>
+            <a:r>
+              <a:rPr lang="en-US" dirty="0" smtClean="0"/>
+              <a:t>propositional algebra.</a:t>
+            </a:r>
+            <a:fld id="{3251DA95-B240-47FE-901D-B78FC8E8E532}" type="slidenum">
+              <a:rPr lang="en-US" smtClean="0"/>
+              <a:pPr/>
+              <a:t>38</a:t>
+            </a:fld>
+            <a:endParaRPr lang="en-US" dirty="0"/>
+          </a:p>
+        </p:txBody>
+      </p:sp>
+      <p:graphicFrame>
+        <p:nvGraphicFramePr>
+          <p:cNvPr id="6" name="Object 5"/>
+          <p:cNvGraphicFramePr>
+            <a:graphicFrameLocks noChangeAspect="1"/>
+          </p:cNvGraphicFramePr>
+          <p:nvPr>
+            <p:extLst>
+              <p:ext uri="{D42A27DB-BD31-4B8C-83A1-F6EECF244321}">
+                <p14:modId xmlns:p14="http://schemas.microsoft.com/office/powerpoint/2010/main" val="785072527"/>
+              </p:ext>
+            </p:extLst>
+          </p:nvPr>
+        </p:nvGraphicFramePr>
+        <p:xfrm>
+          <a:off x="2007460" y="1270160"/>
+          <a:ext cx="5100694" cy="1847851"/>
+        </p:xfrm>
+        <a:graphic>
+          <a:graphicData uri="http://schemas.openxmlformats.org/presentationml/2006/ole">
+            <mc:AlternateContent xmlns:mc="http://schemas.openxmlformats.org/markup-compatibility/2006">
+              <mc:Choice xmlns:v="urn:schemas-microsoft-com:vml" Requires="v">
+                <p:oleObj spid="_x0000_s542723" name="Equation" r:id="rId4" imgW="1333500" imgH="482600" progId="Equation.DSMT4">
+                  <p:embed/>
+                </p:oleObj>
+              </mc:Choice>
+              <mc:Fallback>
+                <p:oleObj name="Equation" r:id="rId4" imgW="1333500" imgH="482600" progId="Equation.DSMT4">
+                  <p:embed/>
+                  <p:pic>
+                    <p:nvPicPr>
+                      <p:cNvPr id="0" name=""/>
+                      <p:cNvPicPr/>
+                      <p:nvPr/>
+                    </p:nvPicPr>
+                    <p:blipFill>
+                      <a:blip r:embed="rId5"/>
+                      <a:stretch>
+                        <a:fillRect/>
+                      </a:stretch>
+                    </p:blipFill>
+                    <p:spPr>
+                      <a:xfrm>
+                        <a:off x="2007460" y="1270160"/>
                         <a:ext cx="5100694" cy="1847851"/>
                       </a:xfrm>
                       <a:prstGeom prst="rect">
@@ -18416,6 +17760,124 @@
           </a:graphicData>
         </a:graphic>
       </p:graphicFrame>
+      <p:sp>
+        <p:nvSpPr>
+          <p:cNvPr id="8" name="Title 1"/>
+          <p:cNvSpPr>
+            <a:spLocks noGrp="1"/>
+          </p:cNvSpPr>
+          <p:nvPr>
+            <p:ph type="title"/>
+          </p:nvPr>
+        </p:nvSpPr>
+        <p:spPr>
+          <a:xfrm>
+            <a:off x="1651000" y="363538"/>
+            <a:ext cx="6794500" cy="1003300"/>
+          </a:xfrm>
+        </p:spPr>
+        <p:txBody>
+          <a:bodyPr/>
+          <a:lstStyle/>
+          <a:p>
+            <a:r>
+              <a:rPr lang="en-US" sz="4000" dirty="0" smtClean="0">
+                <a:solidFill>
+                  <a:srgbClr val="FF03E3"/>
+                </a:solidFill>
+              </a:rPr>
+              <a:t>example</a:t>
+            </a:r>
+            <a:endParaRPr lang="en-US" sz="4000" dirty="0">
+              <a:solidFill>
+                <a:srgbClr val="FF03E3"/>
+              </a:solidFill>
+            </a:endParaRPr>
+          </a:p>
+        </p:txBody>
+      </p:sp>
+    </p:spTree>
+    <p:extLst>
+      <p:ext uri="{BB962C8B-B14F-4D97-AF65-F5344CB8AC3E}">
+        <p14:creationId xmlns:p14="http://schemas.microsoft.com/office/powerpoint/2010/main" val="2741329689"/>
+      </p:ext>
+    </p:extLst>
+  </p:cSld>
+  <p:clrMapOvr>
+    <a:masterClrMapping/>
+  </p:clrMapOvr>
+  <mc:AlternateContent xmlns:mc="http://schemas.openxmlformats.org/markup-compatibility/2006" xmlns:p14="http://schemas.microsoft.com/office/powerpoint/2010/main">
+    <mc:Choice Requires="p14">
+      <p:transition spd="med" p14:dur="600" advClick="0">
+        <p:fade/>
+      </p:transition>
+    </mc:Choice>
+    <mc:Fallback xmlns="">
+      <p:transition xmlns:p14="http://schemas.microsoft.com/office/powerpoint/2010/main" spd="med" advClick="0">
+        <p:fade/>
+      </p:transition>
+    </mc:Fallback>
+  </mc:AlternateContent>
+  <p:timing>
+    <p:tnLst>
+      <p:par>
+        <p:cTn xmlns:p14="http://schemas.microsoft.com/office/powerpoint/2010/main" id="1" dur="indefinite" restart="never" nodeType="tmRoot"/>
+      </p:par>
+    </p:tnLst>
+  </p:timing>
+</p:sld>
+</file>
+
+<file path=ppt/slides/slide39.xml><?xml version="1.0" encoding="utf-8"?>
+<p:sld xmlns:a="http://schemas.openxmlformats.org/drawingml/2006/main" xmlns:r="http://schemas.openxmlformats.org/officeDocument/2006/relationships" xmlns:p="http://schemas.openxmlformats.org/presentationml/2006/main">
+  <p:cSld>
+    <p:spTree>
+      <p:nvGrpSpPr>
+        <p:cNvPr id="1" name=""/>
+        <p:cNvGrpSpPr/>
+        <p:nvPr/>
+      </p:nvGrpSpPr>
+      <p:grpSpPr>
+        <a:xfrm>
+          <a:off x="0" y="0"/>
+          <a:ext cx="0" cy="0"/>
+          <a:chOff x="0" y="0"/>
+          <a:chExt cx="0" cy="0"/>
+        </a:xfrm>
+      </p:grpSpPr>
+      <p:sp>
+        <p:nvSpPr>
+          <p:cNvPr id="4" name="Slide Number Placeholder 2"/>
+          <p:cNvSpPr>
+            <a:spLocks noGrp="1"/>
+          </p:cNvSpPr>
+          <p:nvPr>
+            <p:ph type="sldNum" sz="quarter" idx="10"/>
+          </p:nvPr>
+        </p:nvSpPr>
+        <p:spPr>
+          <a:xfrm>
+            <a:off x="7333815" y="6553200"/>
+            <a:ext cx="1810186" cy="276999"/>
+          </a:xfrm>
+        </p:spPr>
+        <p:txBody>
+          <a:bodyPr/>
+          <a:lstStyle/>
+          <a:p>
+            <a:r>
+              <a:rPr lang="en-US" dirty="0" smtClean="0"/>
+              <a:t>propositional algebra.</a:t>
+            </a:r>
+            <a:fld id="{3251DA95-B240-47FE-901D-B78FC8E8E532}" type="slidenum">
+              <a:rPr lang="en-US" smtClean="0"/>
+              <a:pPr/>
+              <a:t>39</a:t>
+            </a:fld>
+            <a:endParaRPr lang="en-US" dirty="0"/>
+          </a:p>
+        </p:txBody>
+      </p:sp>
       <p:graphicFrame>
         <p:nvGraphicFramePr>
           <p:cNvPr id="10" name="Object 9"/>
@@ -18425,7 +17887,7 @@
           <p:nvPr>
             <p:extLst>
               <p:ext uri="{D42A27DB-BD31-4B8C-83A1-F6EECF244321}">
-                <p14:modId xmlns:p14="http://schemas.microsoft.com/office/powerpoint/2010/main" val="4170879284"/>
+                <p14:modId xmlns:p14="http://schemas.microsoft.com/office/powerpoint/2010/main" val="239966419"/>
               </p:ext>
             </p:extLst>
           </p:nvPr>
@@ -18438,12 +17900,12 @@
           <a:graphicData uri="http://schemas.openxmlformats.org/presentationml/2006/ole">
             <mc:AlternateContent xmlns:mc="http://schemas.openxmlformats.org/markup-compatibility/2006">
               <mc:Choice xmlns:v="urn:schemas-microsoft-com:vml" Requires="v">
-                <p:oleObj spid="_x0000_s523284" name="Equation" r:id="rId6" imgW="1333500" imgH="482600" progId="Equation.DSMT4">
+                <p:oleObj spid="_x0000_s544774" name="Equation" r:id="rId4" imgW="1333500" imgH="482600" progId="Equation.DSMT4">
                   <p:embed/>
                 </p:oleObj>
               </mc:Choice>
               <mc:Fallback>
-                <p:oleObj name="Equation" r:id="rId6" imgW="1333500" imgH="482600" progId="Equation.DSMT4">
+                <p:oleObj name="Equation" r:id="rId4" imgW="1333500" imgH="482600" progId="Equation.DSMT4">
                   <p:embed/>
                   <p:pic>
                     <p:nvPicPr>
@@ -18452,7 +17914,7 @@
                       <p:nvPr/>
                     </p:nvPicPr>
                     <p:blipFill>
-                      <a:blip r:embed="rId7"/>
+                      <a:blip r:embed="rId5"/>
                       <a:stretch>
                         <a:fillRect/>
                       </a:stretch>
@@ -18475,42 +17937,70 @@
       </p:graphicFrame>
       <p:sp>
         <p:nvSpPr>
-          <p:cNvPr id="5" name="TextBox 4"/>
-          <p:cNvSpPr txBox="1"/>
+          <p:cNvPr id="13" name="Rounded Rectangle 12"/>
+          <p:cNvSpPr/>
           <p:nvPr/>
         </p:nvSpPr>
-        <p:spPr>
+        <p:spPr bwMode="auto">
           <a:xfrm>
-            <a:off x="7073900" y="2171700"/>
-            <a:ext cx="1544977" cy="923330"/>
+            <a:off x="1511300" y="1181100"/>
+            <a:ext cx="5930900" cy="2209800"/>
           </a:xfrm>
-          <a:prstGeom prst="rect">
+          <a:prstGeom prst="roundRect">
             <a:avLst/>
           </a:prstGeom>
           <a:noFill/>
+          <a:ln w="38100" cap="flat" cmpd="sng" algn="ctr">
+            <a:solidFill>
+              <a:srgbClr val="FF03E3"/>
+            </a:solidFill>
+            <a:prstDash val="sysDash"/>
+            <a:round/>
+            <a:headEnd type="none" w="med" len="med"/>
+            <a:tailEnd type="none" w="med" len="med"/>
+          </a:ln>
+          <a:effectLst/>
         </p:spPr>
         <p:txBody>
-          <a:bodyPr wrap="none" rtlCol="0">
-            <a:spAutoFit/>
+          <a:bodyPr vert="horz" wrap="none" lIns="91440" tIns="45720" rIns="91440" bIns="45720" numCol="1" rtlCol="0" anchor="ctr" anchorCtr="0" compatLnSpc="1">
+            <a:prstTxWarp prst="textNoShape">
+              <a:avLst/>
+            </a:prstTxWarp>
           </a:bodyPr>
           <a:lstStyle/>
           <a:p>
-            <a:pPr algn="l"/>
-            <a:r>
-              <a:rPr lang="en-US" sz="5400" dirty="0" smtClean="0">
-                <a:solidFill>
-                  <a:srgbClr val="FF03E3"/>
-                </a:solidFill>
-                <a:latin typeface="Comic Sans MS" pitchFamily="66" charset="0"/>
-              </a:rPr>
-              <a:t>sort</a:t>
-            </a:r>
-          </a:p>
-        </p:txBody>
-      </p:sp>
-      <p:sp>
-        <p:nvSpPr>
-          <p:cNvPr id="8" name="Title 1"/>
+            <a:pPr marL="0" marR="0" indent="0" algn="ctr" defTabSz="914400" rtl="0" eaLnBrk="1" fontAlgn="base" latinLnBrk="0" hangingPunct="1">
+              <a:lnSpc>
+                <a:spcPct val="100000"/>
+              </a:lnSpc>
+              <a:spcBef>
+                <a:spcPct val="0"/>
+              </a:spcBef>
+              <a:spcAft>
+                <a:spcPct val="0"/>
+              </a:spcAft>
+              <a:buClrTx/>
+              <a:buSzTx/>
+              <a:buFontTx/>
+              <a:buNone/>
+              <a:tabLst/>
+            </a:pPr>
+            <a:endParaRPr kumimoji="0" lang="en-US" sz="3200" b="0" i="0" u="none" strike="noStrike" cap="none" normalizeH="0" baseline="0" smtClean="0">
+              <a:ln>
+                <a:noFill/>
+              </a:ln>
+              <a:solidFill>
+                <a:schemeClr val="tx1"/>
+              </a:solidFill>
+              <a:effectLst/>
+              <a:latin typeface="Times New Roman" pitchFamily="18" charset="0"/>
+            </a:endParaRPr>
+          </a:p>
+        </p:txBody>
+      </p:sp>
+      <p:sp>
+        <p:nvSpPr>
+          <p:cNvPr id="9" name="Title 4"/>
           <p:cNvSpPr>
             <a:spLocks noGrp="1"/>
           </p:cNvSpPr>
@@ -18520,8 +18010,8 @@
         </p:nvSpPr>
         <p:spPr>
           <a:xfrm>
-            <a:off x="1651000" y="363538"/>
-            <a:ext cx="6794500" cy="1003300"/>
+            <a:off x="1447800" y="86829"/>
+            <a:ext cx="7543800" cy="1143000"/>
           </a:xfrm>
         </p:spPr>
         <p:txBody>
@@ -18529,38 +18019,95 @@
           <a:lstStyle/>
           <a:p>
             <a:r>
-              <a:rPr lang="en-US" sz="4000" dirty="0" smtClean="0">
-                <a:solidFill>
-                  <a:srgbClr val="FF03E3"/>
-                </a:solidFill>
-              </a:rPr>
-              <a:t>example</a:t>
-            </a:r>
-            <a:endParaRPr lang="en-US" sz="4000" dirty="0">
+              <a:rPr lang="en-US" sz="3800" dirty="0" smtClean="0"/>
+              <a:t>Sorted Full</a:t>
+            </a:r>
+            <a:r>
+              <a:rPr lang="en-US" sz="3800" dirty="0" smtClean="0"/>
+              <a:t> DNF for </a:t>
+            </a:r>
+            <a:endParaRPr lang="en-US" sz="3800" dirty="0">
               <a:solidFill>
-                <a:srgbClr val="FF03E3"/>
+                <a:schemeClr val="tx1"/>
               </a:solidFill>
             </a:endParaRPr>
           </a:p>
         </p:txBody>
       </p:sp>
+      <p:graphicFrame>
+        <p:nvGraphicFramePr>
+          <p:cNvPr id="14" name="Object 13"/>
+          <p:cNvGraphicFramePr>
+            <a:graphicFrameLocks noChangeAspect="1"/>
+          </p:cNvGraphicFramePr>
+          <p:nvPr>
+            <p:extLst>
+              <p:ext uri="{D42A27DB-BD31-4B8C-83A1-F6EECF244321}">
+                <p14:modId xmlns:p14="http://schemas.microsoft.com/office/powerpoint/2010/main" val="3861183114"/>
+              </p:ext>
+            </p:extLst>
+          </p:nvPr>
+        </p:nvGraphicFramePr>
+        <p:xfrm>
+          <a:off x="6397868" y="210165"/>
+          <a:ext cx="2443162" cy="889000"/>
+        </p:xfrm>
+        <a:graphic>
+          <a:graphicData uri="http://schemas.openxmlformats.org/presentationml/2006/ole">
+            <mc:AlternateContent xmlns:mc="http://schemas.openxmlformats.org/markup-compatibility/2006">
+              <mc:Choice xmlns:v="urn:schemas-microsoft-com:vml" Requires="v">
+                <p:oleObj spid="_x0000_s544775" name="Equation" r:id="rId6" imgW="698500" imgH="254000" progId="Equation.DSMT4">
+                  <p:embed/>
+                </p:oleObj>
+              </mc:Choice>
+              <mc:Fallback>
+                <p:oleObj name="Equation" r:id="rId6" imgW="698500" imgH="254000" progId="Equation.DSMT4">
+                  <p:embed/>
+                  <p:pic>
+                    <p:nvPicPr>
+                      <p:cNvPr id="0" name=""/>
+                      <p:cNvPicPr/>
+                      <p:nvPr/>
+                    </p:nvPicPr>
+                    <p:blipFill>
+                      <a:blip r:embed="rId7"/>
+                      <a:stretch>
+                        <a:fillRect/>
+                      </a:stretch>
+                    </p:blipFill>
+                    <p:spPr>
+                      <a:xfrm>
+                        <a:off x="6397868" y="210165"/>
+                        <a:ext cx="2443162" cy="889000"/>
+                      </a:xfrm>
+                      <a:prstGeom prst="rect">
+                        <a:avLst/>
+                      </a:prstGeom>
+                    </p:spPr>
+                  </p:pic>
+                </p:oleObj>
+              </mc:Fallback>
+            </mc:AlternateContent>
+          </a:graphicData>
+        </a:graphic>
+      </p:graphicFrame>
     </p:spTree>
     <p:extLst>
       <p:ext uri="{BB962C8B-B14F-4D97-AF65-F5344CB8AC3E}">
-        <p14:creationId xmlns:p14="http://schemas.microsoft.com/office/powerpoint/2010/main" val="2003572068"/>
+        <p14:creationId xmlns:p14="http://schemas.microsoft.com/office/powerpoint/2010/main" val="1508746873"/>
       </p:ext>
     </p:extLst>
   </p:cSld>
   <p:clrMapOvr>
     <a:masterClrMapping/>
   </p:clrMapOvr>
-  <mc:AlternateContent xmlns:mc="http://schemas.openxmlformats.org/markup-compatibility/2006" xmlns:p14="http://schemas.microsoft.com/office/powerpoint/2010/main">
-    <mc:Choice Requires="p14">
-      <p:transition spd="med" p14:dur="600" advClick="0">
+  <mc:AlternateContent xmlns:mc="http://schemas.openxmlformats.org/markup-compatibility/2006">
+    <mc:Choice xmlns:p14="http://schemas.microsoft.com/office/powerpoint/2010/main" Requires="p14">
+      <p:transition spd="med" p14:dur="700" advClick="0">
         <p:fade/>
       </p:transition>
     </mc:Choice>
-    <mc:Fallback xmlns="">
+    <mc:Fallback>
       <p:transition xmlns:p14="http://schemas.microsoft.com/office/powerpoint/2010/main" spd="med" advClick="0">
         <p:fade/>
       </p:transition>
@@ -18587,7 +18134,7 @@
                             </p:stCondLst>
                             <p:childTnLst>
                               <p:par>
-                                <p:cTn id="5" presetID="10" presetClass="entr" presetSubtype="0" fill="hold" nodeType="clickEffect">
+                                <p:cTn id="5" presetID="10" presetClass="entr" presetSubtype="0" fill="hold" grpId="0" nodeType="clickEffect">
                                   <p:stCondLst>
                                     <p:cond delay="0"/>
                                   </p:stCondLst>
@@ -18600,7 +18147,7 @@
                                           </p:stCondLst>
                                         </p:cTn>
                                         <p:tgtEl>
-                                          <p:spTgt spid="6"/>
+                                          <p:spTgt spid="13"/>
                                         </p:tgtEl>
                                         <p:attrNameLst>
                                           <p:attrName>style.visibility</p:attrName>
@@ -18614,7 +18161,285 @@
                                       <p:cBhvr>
                                         <p:cTn id="7" dur="500"/>
                                         <p:tgtEl>
-                                          <p:spTgt spid="6"/>
+                                          <p:spTgt spid="13"/>
+                                        </p:tgtEl>
+                                      </p:cBhvr>
+                                    </p:animEffect>
+                                  </p:childTnLst>
+                                </p:cTn>
+                              </p:par>
+                            </p:childTnLst>
+                          </p:cTn>
+                        </p:par>
+                      </p:childTnLst>
+                    </p:cTn>
+                  </p:par>
+                </p:childTnLst>
+              </p:cTn>
+              <p:prevCondLst>
+                <p:cond evt="onPrev" delay="0">
+                  <p:tgtEl>
+                    <p:sldTgt/>
+                  </p:tgtEl>
+                </p:cond>
+              </p:prevCondLst>
+              <p:nextCondLst>
+                <p:cond evt="onNext" delay="0">
+                  <p:tgtEl>
+                    <p:sldTgt/>
+                  </p:tgtEl>
+                </p:cond>
+              </p:nextCondLst>
+            </p:seq>
+          </p:childTnLst>
+        </p:cTn>
+      </p:par>
+    </p:tnLst>
+    <p:bldLst>
+      <p:bldP spid="13" grpId="0" animBg="1"/>
+    </p:bldLst>
+  </p:timing>
+</p:sld>
+</file>
+
+<file path=ppt/slides/slide4.xml><?xml version="1.0" encoding="utf-8"?>
+<p:sld xmlns:a="http://schemas.openxmlformats.org/drawingml/2006/main" xmlns:r="http://schemas.openxmlformats.org/officeDocument/2006/relationships" xmlns:p="http://schemas.openxmlformats.org/presentationml/2006/main">
+  <p:cSld>
+    <p:spTree>
+      <p:nvGrpSpPr>
+        <p:cNvPr id="1" name=""/>
+        <p:cNvGrpSpPr/>
+        <p:nvPr/>
+      </p:nvGrpSpPr>
+      <p:grpSpPr>
+        <a:xfrm>
+          <a:off x="0" y="0"/>
+          <a:ext cx="0" cy="0"/>
+          <a:chOff x="0" y="0"/>
+          <a:chExt cx="0" cy="0"/>
+        </a:xfrm>
+      </p:grpSpPr>
+      <p:sp>
+        <p:nvSpPr>
+          <p:cNvPr id="5" name="TextBox 4"/>
+          <p:cNvSpPr txBox="1"/>
+          <p:nvPr/>
+        </p:nvSpPr>
+        <p:spPr>
+          <a:xfrm>
+            <a:off x="1724483" y="1320800"/>
+            <a:ext cx="5729960" cy="923330"/>
+          </a:xfrm>
+          <a:prstGeom prst="rect">
+            <a:avLst/>
+          </a:prstGeom>
+          <a:noFill/>
+        </p:spPr>
+        <p:txBody>
+          <a:bodyPr wrap="square" rtlCol="0">
+            <a:spAutoFit/>
+          </a:bodyPr>
+          <a:lstStyle/>
+          <a:p>
+            <a:pPr algn="l"/>
+            <a:r>
+              <a:rPr lang="en-US" sz="5400" dirty="0" smtClean="0">
+                <a:solidFill>
+                  <a:srgbClr val="FF03E3"/>
+                </a:solidFill>
+                <a:latin typeface="Comic Sans MS" pitchFamily="66" charset="0"/>
+              </a:rPr>
+              <a:t>Double Negation</a:t>
+            </a:r>
+            <a:endParaRPr lang="en-US" sz="5400" dirty="0">
+              <a:solidFill>
+                <a:srgbClr val="FF03E3"/>
+              </a:solidFill>
+              <a:latin typeface="Comic Sans MS" pitchFamily="66" charset="0"/>
+            </a:endParaRPr>
+          </a:p>
+        </p:txBody>
+      </p:sp>
+      <p:sp>
+        <p:nvSpPr>
+          <p:cNvPr id="9" name="Title 1"/>
+          <p:cNvSpPr>
+            <a:spLocks noGrp="1"/>
+          </p:cNvSpPr>
+          <p:nvPr>
+            <p:ph type="title"/>
+          </p:nvPr>
+        </p:nvSpPr>
+        <p:spPr>
+          <a:xfrm>
+            <a:off x="1651000" y="363538"/>
+            <a:ext cx="6794500" cy="1003300"/>
+          </a:xfrm>
+        </p:spPr>
+        <p:txBody>
+          <a:bodyPr/>
+          <a:lstStyle/>
+          <a:p>
+            <a:r>
+              <a:rPr lang="en-US" sz="4000" dirty="0" smtClean="0"/>
+              <a:t>Algebra for Equivalence</a:t>
+            </a:r>
+            <a:endParaRPr lang="en-US" sz="4000" dirty="0"/>
+          </a:p>
+        </p:txBody>
+      </p:sp>
+      <p:sp>
+        <p:nvSpPr>
+          <p:cNvPr id="4" name="Slide Number Placeholder 2"/>
+          <p:cNvSpPr>
+            <a:spLocks noGrp="1"/>
+          </p:cNvSpPr>
+          <p:nvPr>
+            <p:ph type="sldNum" sz="quarter" idx="10"/>
+          </p:nvPr>
+        </p:nvSpPr>
+        <p:spPr>
+          <a:xfrm>
+            <a:off x="7333815" y="6553200"/>
+            <a:ext cx="1810186" cy="276999"/>
+          </a:xfrm>
+        </p:spPr>
+        <p:txBody>
+          <a:bodyPr/>
+          <a:lstStyle/>
+          <a:p>
+            <a:r>
+              <a:rPr lang="en-US" dirty="0" smtClean="0"/>
+              <a:t>propositional algebra.</a:t>
+            </a:r>
+            <a:fld id="{3251DA95-B240-47FE-901D-B78FC8E8E532}" type="slidenum">
+              <a:rPr lang="en-US" smtClean="0"/>
+              <a:pPr/>
+              <a:t>4</a:t>
+            </a:fld>
+            <a:endParaRPr lang="en-US" dirty="0"/>
+          </a:p>
+        </p:txBody>
+      </p:sp>
+      <p:graphicFrame>
+        <p:nvGraphicFramePr>
+          <p:cNvPr id="3" name="Object 2"/>
+          <p:cNvGraphicFramePr>
+            <a:graphicFrameLocks noChangeAspect="1"/>
+          </p:cNvGraphicFramePr>
+          <p:nvPr>
+            <p:extLst>
+              <p:ext uri="{D42A27DB-BD31-4B8C-83A1-F6EECF244321}">
+                <p14:modId xmlns:p14="http://schemas.microsoft.com/office/powerpoint/2010/main" val="3219183914"/>
+              </p:ext>
+            </p:extLst>
+          </p:nvPr>
+        </p:nvGraphicFramePr>
+        <p:xfrm>
+          <a:off x="1090751" y="2590801"/>
+          <a:ext cx="7099024" cy="1252538"/>
+        </p:xfrm>
+        <a:graphic>
+          <a:graphicData uri="http://schemas.openxmlformats.org/presentationml/2006/ole">
+            <mc:AlternateContent xmlns:mc="http://schemas.openxmlformats.org/markup-compatibility/2006">
+              <mc:Choice xmlns:v="urn:schemas-microsoft-com:vml" Requires="v">
+                <p:oleObj spid="_x0000_s1080" name="Equation" r:id="rId4" imgW="1295400" imgH="228600" progId="Equation.DSMT4">
+                  <p:embed/>
+                </p:oleObj>
+              </mc:Choice>
+              <mc:Fallback>
+                <p:oleObj name="Equation" r:id="rId4" imgW="1295400" imgH="228600" progId="Equation.DSMT4">
+                  <p:embed/>
+                  <p:pic>
+                    <p:nvPicPr>
+                      <p:cNvPr id="0" name=""/>
+                      <p:cNvPicPr/>
+                      <p:nvPr/>
+                    </p:nvPicPr>
+                    <p:blipFill>
+                      <a:blip r:embed="rId5"/>
+                      <a:stretch>
+                        <a:fillRect/>
+                      </a:stretch>
+                    </p:blipFill>
+                    <p:spPr>
+                      <a:xfrm>
+                        <a:off x="1090751" y="2590801"/>
+                        <a:ext cx="7099024" cy="1252538"/>
+                      </a:xfrm>
+                      <a:prstGeom prst="rect">
+                        <a:avLst/>
+                      </a:prstGeom>
+                    </p:spPr>
+                  </p:pic>
+                </p:oleObj>
+              </mc:Fallback>
+            </mc:AlternateContent>
+          </a:graphicData>
+        </a:graphic>
+      </p:graphicFrame>
+    </p:spTree>
+    <p:extLst>
+      <p:ext uri="{BB962C8B-B14F-4D97-AF65-F5344CB8AC3E}">
+        <p14:creationId xmlns:p14="http://schemas.microsoft.com/office/powerpoint/2010/main" val="2749065415"/>
+      </p:ext>
+    </p:extLst>
+  </p:cSld>
+  <p:clrMapOvr>
+    <a:masterClrMapping/>
+  </p:clrMapOvr>
+  <p:transition xmlns:p14="http://schemas.microsoft.com/office/powerpoint/2010/main" spd="slow" advClick="0">
+    <p:fade thruBlk="1"/>
+  </p:transition>
+  <p:timing>
+    <p:tnLst>
+      <p:par>
+        <p:cTn xmlns:p14="http://schemas.microsoft.com/office/powerpoint/2010/main" id="1" dur="indefinite" restart="never" nodeType="tmRoot">
+          <p:childTnLst>
+            <p:seq concurrent="1" nextAc="seek">
+              <p:cTn id="2" dur="indefinite" nodeType="mainSeq">
+                <p:childTnLst>
+                  <p:par>
+                    <p:cTn id="3" fill="hold">
+                      <p:stCondLst>
+                        <p:cond delay="indefinite"/>
+                      </p:stCondLst>
+                      <p:childTnLst>
+                        <p:par>
+                          <p:cTn id="4" fill="hold">
+                            <p:stCondLst>
+                              <p:cond delay="0"/>
+                            </p:stCondLst>
+                            <p:childTnLst>
+                              <p:par>
+                                <p:cTn id="5" presetID="22" presetClass="entr" presetSubtype="8" fill="hold" nodeType="clickEffect">
+                                  <p:stCondLst>
+                                    <p:cond delay="0"/>
+                                  </p:stCondLst>
+                                  <p:childTnLst>
+                                    <p:set>
+                                      <p:cBhvr>
+                                        <p:cTn id="6" dur="1" fill="hold">
+                                          <p:stCondLst>
+                                            <p:cond delay="0"/>
+                                          </p:stCondLst>
+                                        </p:cTn>
+                                        <p:tgtEl>
+                                          <p:spTgt spid="3"/>
+                                        </p:tgtEl>
+                                        <p:attrNameLst>
+                                          <p:attrName>style.visibility</p:attrName>
+                                        </p:attrNameLst>
+                                      </p:cBhvr>
+                                      <p:to>
+                                        <p:strVal val="visible"/>
+                                      </p:to>
+                                    </p:set>
+                                    <p:animEffect transition="in" filter="wipe(left)">
+                                      <p:cBhvr>
+                                        <p:cTn id="7" dur="1000"/>
+                                        <p:tgtEl>
+                                          <p:spTgt spid="3"/>
                                         </p:tgtEl>
                                       </p:cBhvr>
                                     </p:animEffect>
@@ -18652,8 +18477,8 @@
 </p:sld>
 </file>
 
-<file path=ppt/slides/slide38.xml><?xml version="1.0" encoding="utf-8"?>
-<p:sld xmlns:a="http://schemas.openxmlformats.org/drawingml/2006/main" xmlns:r="http://schemas.openxmlformats.org/officeDocument/2006/relationships" xmlns:p="http://schemas.openxmlformats.org/presentationml/2006/main">
+<file path=ppt/slides/slide40.xml><?xml version="1.0" encoding="utf-8"?>
+<p:sld xmlns:a="http://schemas.openxmlformats.org/drawingml/2006/main" xmlns:r="http://schemas.openxmlformats.org/officeDocument/2006/relationships" xmlns:p="http://schemas.openxmlformats.org/presentationml/2006/main" show="0">
   <p:cSld>
     <p:spTree>
       <p:nvGrpSpPr>
@@ -18887,7 +18712,7 @@
             <a:fld id="{3251DA95-B240-47FE-901D-B78FC8E8E532}" type="slidenum">
               <a:rPr lang="en-US" smtClean="0"/>
               <a:pPr/>
-              <a:t>38</a:t>
+              <a:t>40</a:t>
             </a:fld>
             <a:endParaRPr lang="en-US" dirty="0"/>
           </a:p>
@@ -18915,7 +18740,7 @@
           <a:graphicData uri="http://schemas.openxmlformats.org/presentationml/2006/ole">
             <mc:AlternateContent xmlns:mc="http://schemas.openxmlformats.org/markup-compatibility/2006">
               <mc:Choice xmlns:v="urn:schemas-microsoft-com:vml" Requires="v">
-                <p:oleObj spid="_x0000_s524299" name="Equation" r:id="rId4" imgW="1333500" imgH="482600" progId="Equation.DSMT4">
+                <p:oleObj spid="_x0000_s524303" name="Equation" r:id="rId4" imgW="1333500" imgH="482600" progId="Equation.DSMT4">
                   <p:embed/>
                 </p:oleObj>
               </mc:Choice>
@@ -19023,13 +18848,13 @@
   <p:clrMapOvr>
     <a:masterClrMapping/>
   </p:clrMapOvr>
-  <mc:AlternateContent xmlns:mc="http://schemas.openxmlformats.org/markup-compatibility/2006" xmlns:p14="http://schemas.microsoft.com/office/powerpoint/2010/main">
-    <mc:Choice Requires="p14">
+  <mc:AlternateContent xmlns:mc="http://schemas.openxmlformats.org/markup-compatibility/2006">
+    <mc:Choice xmlns:p14="http://schemas.microsoft.com/office/powerpoint/2010/main" Requires="p14">
       <p:transition spd="med" p14:dur="600" advClick="0">
         <p:fade/>
       </p:transition>
     </mc:Choice>
-    <mc:Fallback xmlns="">
+    <mc:Fallback>
       <p:transition xmlns:p14="http://schemas.microsoft.com/office/powerpoint/2010/main" spd="med" advClick="0">
         <p:fade/>
       </p:transition>
@@ -19169,7 +18994,7 @@
 </p:sld>
 </file>
 
-<file path=ppt/slides/slide39.xml><?xml version="1.0" encoding="utf-8"?>
+<file path=ppt/slides/slide41.xml><?xml version="1.0" encoding="utf-8"?>
 <p:sld xmlns:a="http://schemas.openxmlformats.org/drawingml/2006/main" xmlns:r="http://schemas.openxmlformats.org/officeDocument/2006/relationships" xmlns:p="http://schemas.openxmlformats.org/presentationml/2006/main">
   <p:cSld>
     <p:spTree>
@@ -19213,7 +19038,7 @@
             <a:fld id="{3251DA95-B240-47FE-901D-B78FC8E8E532}" type="slidenum">
               <a:rPr lang="en-US" smtClean="0"/>
               <a:pPr/>
-              <a:t>39</a:t>
+              <a:t>41</a:t>
             </a:fld>
             <a:endParaRPr lang="en-US" dirty="0"/>
           </a:p>
@@ -19359,7 +19184,7 @@
           <a:graphicData uri="http://schemas.openxmlformats.org/presentationml/2006/ole">
             <mc:AlternateContent xmlns:mc="http://schemas.openxmlformats.org/markup-compatibility/2006">
               <mc:Choice xmlns:v="urn:schemas-microsoft-com:vml" Requires="v">
-                <p:oleObj spid="_x0000_s525336" name="Equation" r:id="rId4" imgW="1333500" imgH="482600" progId="Equation.DSMT4">
+                <p:oleObj spid="_x0000_s525349" name="Equation" r:id="rId4" imgW="1333500" imgH="482600" progId="Equation.DSMT4">
                   <p:embed/>
                 </p:oleObj>
               </mc:Choice>
@@ -19451,7 +19276,7 @@
           <a:graphicData uri="http://schemas.openxmlformats.org/presentationml/2006/ole">
             <mc:AlternateContent xmlns:mc="http://schemas.openxmlformats.org/markup-compatibility/2006">
               <mc:Choice xmlns:v="urn:schemas-microsoft-com:vml" Requires="v">
-                <p:oleObj spid="_x0000_s525337" name="Equation" r:id="rId6" imgW="1333500" imgH="482600" progId="Equation.DSMT4">
+                <p:oleObj spid="_x0000_s525350" name="Equation" r:id="rId6" imgW="1333500" imgH="482600" progId="Equation.DSMT4">
                   <p:embed/>
                 </p:oleObj>
               </mc:Choice>
@@ -19508,7 +19333,7 @@
           <a:graphicData uri="http://schemas.openxmlformats.org/presentationml/2006/ole">
             <mc:AlternateContent xmlns:mc="http://schemas.openxmlformats.org/markup-compatibility/2006">
               <mc:Choice xmlns:v="urn:schemas-microsoft-com:vml" Requires="v">
-                <p:oleObj spid="_x0000_s525338" name="Equation" r:id="rId8" imgW="1333500" imgH="482600" progId="Equation.DSMT4">
+                <p:oleObj spid="_x0000_s525351" name="Equation" r:id="rId8" imgW="1333500" imgH="482600" progId="Equation.DSMT4">
                   <p:embed/>
                 </p:oleObj>
               </mc:Choice>
@@ -19818,30 +19643,21 @@
                             </p:childTnLst>
                           </p:cTn>
                         </p:par>
-                      </p:childTnLst>
-                    </p:cTn>
-                  </p:par>
-                  <p:par>
-                    <p:cTn id="13" fill="hold">
-                      <p:stCondLst>
-                        <p:cond delay="indefinite"/>
-                      </p:stCondLst>
-                      <p:childTnLst>
                         <p:par>
-                          <p:cTn id="14" fill="hold">
+                          <p:cTn id="13" fill="hold">
                             <p:stCondLst>
-                              <p:cond delay="0"/>
+                              <p:cond delay="500"/>
                             </p:stCondLst>
                             <p:childTnLst>
                               <p:par>
-                                <p:cTn id="15" presetID="10" presetClass="entr" presetSubtype="0" fill="hold" nodeType="clickEffect">
+                                <p:cTn id="14" presetID="10" presetClass="entr" presetSubtype="0" fill="hold" nodeType="afterEffect">
                                   <p:stCondLst>
                                     <p:cond delay="0"/>
                                   </p:stCondLst>
                                   <p:childTnLst>
                                     <p:set>
                                       <p:cBhvr>
-                                        <p:cTn id="16" dur="1" fill="hold">
+                                        <p:cTn id="15" dur="1" fill="hold">
                                           <p:stCondLst>
                                             <p:cond delay="0"/>
                                           </p:stCondLst>
@@ -19859,7 +19675,7 @@
                                     </p:set>
                                     <p:animEffect transition="in" filter="fade">
                                       <p:cBhvr>
-                                        <p:cTn id="17" dur="500"/>
+                                        <p:cTn id="16" dur="500"/>
                                         <p:tgtEl>
                                           <p:spTgt spid="11"/>
                                         </p:tgtEl>
@@ -19871,14 +19687,23 @@
                             </p:childTnLst>
                           </p:cTn>
                         </p:par>
+                      </p:childTnLst>
+                    </p:cTn>
+                  </p:par>
+                  <p:par>
+                    <p:cTn id="17" fill="hold">
+                      <p:stCondLst>
+                        <p:cond delay="indefinite"/>
+                      </p:stCondLst>
+                      <p:childTnLst>
                         <p:par>
                           <p:cTn id="18" fill="hold">
                             <p:stCondLst>
-                              <p:cond delay="500"/>
+                              <p:cond delay="0"/>
                             </p:stCondLst>
                             <p:childTnLst>
                               <p:par>
-                                <p:cTn id="19" presetID="1" presetClass="exit" presetSubtype="0" fill="hold" grpId="0" nodeType="afterEffect">
+                                <p:cTn id="19" presetID="10" presetClass="entr" presetSubtype="0" fill="hold" nodeType="clickEffect">
                                   <p:stCondLst>
                                     <p:cond delay="0"/>
                                   </p:stCondLst>
@@ -19886,6 +19711,58 @@
                                     <p:set>
                                       <p:cBhvr>
                                         <p:cTn id="20" dur="1" fill="hold">
+                                          <p:stCondLst>
+                                            <p:cond delay="0"/>
+                                          </p:stCondLst>
+                                        </p:cTn>
+                                        <p:tgtEl>
+                                          <p:spTgt spid="3">
+                                            <p:txEl>
+                                              <p:pRg st="1" end="1"/>
+                                            </p:txEl>
+                                          </p:spTgt>
+                                        </p:tgtEl>
+                                        <p:attrNameLst>
+                                          <p:attrName>style.visibility</p:attrName>
+                                        </p:attrNameLst>
+                                      </p:cBhvr>
+                                      <p:to>
+                                        <p:strVal val="visible"/>
+                                      </p:to>
+                                    </p:set>
+                                    <p:animEffect transition="in" filter="fade">
+                                      <p:cBhvr>
+                                        <p:cTn id="21" dur="500"/>
+                                        <p:tgtEl>
+                                          <p:spTgt spid="3">
+                                            <p:txEl>
+                                              <p:pRg st="1" end="1"/>
+                                            </p:txEl>
+                                          </p:spTgt>
+                                        </p:tgtEl>
+                                      </p:cBhvr>
+                                    </p:animEffect>
+                                  </p:childTnLst>
+                                </p:cTn>
+                              </p:par>
+                            </p:childTnLst>
+                          </p:cTn>
+                        </p:par>
+                        <p:par>
+                          <p:cTn id="22" fill="hold">
+                            <p:stCondLst>
+                              <p:cond delay="500"/>
+                            </p:stCondLst>
+                            <p:childTnLst>
+                              <p:par>
+                                <p:cTn id="23" presetID="1" presetClass="exit" presetSubtype="0" fill="hold" grpId="0" nodeType="afterEffect">
+                                  <p:stCondLst>
+                                    <p:cond delay="0"/>
+                                  </p:stCondLst>
+                                  <p:childTnLst>
+                                    <p:set>
+                                      <p:cBhvr>
+                                        <p:cTn id="24" dur="1" fill="hold">
                                           <p:stCondLst>
                                             <p:cond delay="0"/>
                                           </p:stCondLst>
@@ -19907,91 +19784,21 @@
                             </p:childTnLst>
                           </p:cTn>
                         </p:par>
-                      </p:childTnLst>
-                    </p:cTn>
-                  </p:par>
-                  <p:par>
-                    <p:cTn id="21" fill="hold">
-                      <p:stCondLst>
-                        <p:cond delay="indefinite"/>
-                      </p:stCondLst>
-                      <p:childTnLst>
                         <p:par>
-                          <p:cTn id="22" fill="hold">
+                          <p:cTn id="25" fill="hold">
                             <p:stCondLst>
-                              <p:cond delay="0"/>
+                              <p:cond delay="500"/>
                             </p:stCondLst>
                             <p:childTnLst>
                               <p:par>
-                                <p:cTn id="23" presetID="10" presetClass="entr" presetSubtype="0" fill="hold" nodeType="clickEffect">
+                                <p:cTn id="26" presetID="10" presetClass="entr" presetSubtype="0" fill="hold" grpId="0" nodeType="afterEffect">
                                   <p:stCondLst>
                                     <p:cond delay="0"/>
                                   </p:stCondLst>
                                   <p:childTnLst>
                                     <p:set>
                                       <p:cBhvr>
-                                        <p:cTn id="24" dur="1" fill="hold">
-                                          <p:stCondLst>
-                                            <p:cond delay="0"/>
-                                          </p:stCondLst>
-                                        </p:cTn>
-                                        <p:tgtEl>
-                                          <p:spTgt spid="3">
-                                            <p:txEl>
-                                              <p:pRg st="1" end="1"/>
-                                            </p:txEl>
-                                          </p:spTgt>
-                                        </p:tgtEl>
-                                        <p:attrNameLst>
-                                          <p:attrName>style.visibility</p:attrName>
-                                        </p:attrNameLst>
-                                      </p:cBhvr>
-                                      <p:to>
-                                        <p:strVal val="visible"/>
-                                      </p:to>
-                                    </p:set>
-                                    <p:animEffect transition="in" filter="fade">
-                                      <p:cBhvr>
-                                        <p:cTn id="25" dur="500"/>
-                                        <p:tgtEl>
-                                          <p:spTgt spid="3">
-                                            <p:txEl>
-                                              <p:pRg st="1" end="1"/>
-                                            </p:txEl>
-                                          </p:spTgt>
-                                        </p:tgtEl>
-                                      </p:cBhvr>
-                                    </p:animEffect>
-                                  </p:childTnLst>
-                                </p:cTn>
-                              </p:par>
-                            </p:childTnLst>
-                          </p:cTn>
-                        </p:par>
-                      </p:childTnLst>
-                    </p:cTn>
-                  </p:par>
-                  <p:par>
-                    <p:cTn id="26" fill="hold">
-                      <p:stCondLst>
-                        <p:cond delay="indefinite"/>
-                      </p:stCondLst>
-                      <p:childTnLst>
-                        <p:par>
-                          <p:cTn id="27" fill="hold">
-                            <p:stCondLst>
-                              <p:cond delay="0"/>
-                            </p:stCondLst>
-                            <p:childTnLst>
-                              <p:par>
-                                <p:cTn id="28" presetID="10" presetClass="entr" presetSubtype="0" fill="hold" grpId="0" nodeType="clickEffect">
-                                  <p:stCondLst>
-                                    <p:cond delay="0"/>
-                                  </p:stCondLst>
-                                  <p:childTnLst>
-                                    <p:set>
-                                      <p:cBhvr>
-                                        <p:cTn id="29" dur="1" fill="hold">
+                                        <p:cTn id="27" dur="1" fill="hold">
                                           <p:stCondLst>
                                             <p:cond delay="0"/>
                                           </p:stCondLst>
@@ -20009,7 +19816,7 @@
                                     </p:set>
                                     <p:animEffect transition="in" filter="fade">
                                       <p:cBhvr>
-                                        <p:cTn id="30" dur="500"/>
+                                        <p:cTn id="28" dur="500"/>
                                         <p:tgtEl>
                                           <p:spTgt spid="13"/>
                                         </p:tgtEl>
@@ -20019,14 +19826,14 @@
                                 </p:cTn>
                               </p:par>
                               <p:par>
-                                <p:cTn id="31" presetID="10" presetClass="entr" presetSubtype="0" fill="hold" grpId="0" nodeType="withEffect">
+                                <p:cTn id="29" presetID="10" presetClass="entr" presetSubtype="0" fill="hold" grpId="0" nodeType="withEffect">
                                   <p:stCondLst>
                                     <p:cond delay="0"/>
                                   </p:stCondLst>
                                   <p:childTnLst>
                                     <p:set>
                                       <p:cBhvr>
-                                        <p:cTn id="32" dur="1" fill="hold">
+                                        <p:cTn id="30" dur="1" fill="hold">
                                           <p:stCondLst>
                                             <p:cond delay="0"/>
                                           </p:stCondLst>
@@ -20044,7 +19851,7 @@
                                     </p:set>
                                     <p:animEffect transition="in" filter="fade">
                                       <p:cBhvr>
-                                        <p:cTn id="33" dur="500"/>
+                                        <p:cTn id="31" dur="500"/>
                                         <p:tgtEl>
                                           <p:spTgt spid="5"/>
                                         </p:tgtEl>
@@ -20089,7 +19896,7 @@
 </p:sld>
 </file>
 
-<file path=ppt/slides/slide4.xml><?xml version="1.0" encoding="utf-8"?>
+<file path=ppt/slides/slide42.xml><?xml version="1.0" encoding="utf-8"?>
 <p:sld xmlns:a="http://schemas.openxmlformats.org/drawingml/2006/main" xmlns:r="http://schemas.openxmlformats.org/officeDocument/2006/relationships" xmlns:p="http://schemas.openxmlformats.org/presentationml/2006/main">
   <p:cSld>
     <p:spTree>
@@ -20108,75 +19915,6 @@
       </p:grpSpPr>
       <p:sp>
         <p:nvSpPr>
-          <p:cNvPr id="5" name="TextBox 4"/>
-          <p:cNvSpPr txBox="1"/>
-          <p:nvPr/>
-        </p:nvSpPr>
-        <p:spPr>
-          <a:xfrm>
-            <a:off x="1724483" y="1320800"/>
-            <a:ext cx="5729960" cy="923330"/>
-          </a:xfrm>
-          <a:prstGeom prst="rect">
-            <a:avLst/>
-          </a:prstGeom>
-          <a:noFill/>
-        </p:spPr>
-        <p:txBody>
-          <a:bodyPr wrap="square" rtlCol="0">
-            <a:spAutoFit/>
-          </a:bodyPr>
-          <a:lstStyle/>
-          <a:p>
-            <a:pPr algn="l"/>
-            <a:r>
-              <a:rPr lang="en-US" sz="5400" dirty="0" smtClean="0">
-                <a:solidFill>
-                  <a:srgbClr val="FF03E3"/>
-                </a:solidFill>
-                <a:latin typeface="Comic Sans MS" pitchFamily="66" charset="0"/>
-              </a:rPr>
-              <a:t>Double Negation</a:t>
-            </a:r>
-            <a:endParaRPr lang="en-US" sz="5400" dirty="0">
-              <a:solidFill>
-                <a:srgbClr val="FF03E3"/>
-              </a:solidFill>
-              <a:latin typeface="Comic Sans MS" pitchFamily="66" charset="0"/>
-            </a:endParaRPr>
-          </a:p>
-        </p:txBody>
-      </p:sp>
-      <p:sp>
-        <p:nvSpPr>
-          <p:cNvPr id="9" name="Title 1"/>
-          <p:cNvSpPr>
-            <a:spLocks noGrp="1"/>
-          </p:cNvSpPr>
-          <p:nvPr>
-            <p:ph type="title"/>
-          </p:nvPr>
-        </p:nvSpPr>
-        <p:spPr>
-          <a:xfrm>
-            <a:off x="1651000" y="363538"/>
-            <a:ext cx="6794500" cy="1003300"/>
-          </a:xfrm>
-        </p:spPr>
-        <p:txBody>
-          <a:bodyPr/>
-          <a:lstStyle/>
-          <a:p>
-            <a:r>
-              <a:rPr lang="en-US" sz="4000" dirty="0" smtClean="0"/>
-              <a:t>Algebra for Equivalence</a:t>
-            </a:r>
-            <a:endParaRPr lang="en-US" sz="4000" dirty="0"/>
-          </a:p>
-        </p:txBody>
-      </p:sp>
-      <p:sp>
-        <p:nvSpPr>
           <p:cNvPr id="4" name="Slide Number Placeholder 2"/>
           <p:cNvSpPr>
             <a:spLocks noGrp="1"/>
@@ -20202,213 +19940,7 @@
             <a:fld id="{3251DA95-B240-47FE-901D-B78FC8E8E532}" type="slidenum">
               <a:rPr lang="en-US" smtClean="0"/>
               <a:pPr/>
-              <a:t>4</a:t>
-            </a:fld>
-            <a:endParaRPr lang="en-US" dirty="0"/>
-          </a:p>
-        </p:txBody>
-      </p:sp>
-      <p:graphicFrame>
-        <p:nvGraphicFramePr>
-          <p:cNvPr id="3" name="Object 2"/>
-          <p:cNvGraphicFramePr>
-            <a:graphicFrameLocks noChangeAspect="1"/>
-          </p:cNvGraphicFramePr>
-          <p:nvPr>
-            <p:extLst>
-              <p:ext uri="{D42A27DB-BD31-4B8C-83A1-F6EECF244321}">
-                <p14:modId xmlns:p14="http://schemas.microsoft.com/office/powerpoint/2010/main" val="3219183914"/>
-              </p:ext>
-            </p:extLst>
-          </p:nvPr>
-        </p:nvGraphicFramePr>
-        <p:xfrm>
-          <a:off x="1090751" y="2590801"/>
-          <a:ext cx="7099024" cy="1252538"/>
-        </p:xfrm>
-        <a:graphic>
-          <a:graphicData uri="http://schemas.openxmlformats.org/presentationml/2006/ole">
-            <mc:AlternateContent xmlns:mc="http://schemas.openxmlformats.org/markup-compatibility/2006">
-              <mc:Choice xmlns:v="urn:schemas-microsoft-com:vml" Requires="v">
-                <p:oleObj spid="_x0000_s1077" name="Equation" r:id="rId4" imgW="1295400" imgH="228600" progId="Equation.DSMT4">
-                  <p:embed/>
-                </p:oleObj>
-              </mc:Choice>
-              <mc:Fallback>
-                <p:oleObj name="Equation" r:id="rId4" imgW="1295400" imgH="228600" progId="Equation.DSMT4">
-                  <p:embed/>
-                  <p:pic>
-                    <p:nvPicPr>
-                      <p:cNvPr id="0" name=""/>
-                      <p:cNvPicPr/>
-                      <p:nvPr/>
-                    </p:nvPicPr>
-                    <p:blipFill>
-                      <a:blip r:embed="rId5"/>
-                      <a:stretch>
-                        <a:fillRect/>
-                      </a:stretch>
-                    </p:blipFill>
-                    <p:spPr>
-                      <a:xfrm>
-                        <a:off x="1090751" y="2590801"/>
-                        <a:ext cx="7099024" cy="1252538"/>
-                      </a:xfrm>
-                      <a:prstGeom prst="rect">
-                        <a:avLst/>
-                      </a:prstGeom>
-                    </p:spPr>
-                  </p:pic>
-                </p:oleObj>
-              </mc:Fallback>
-            </mc:AlternateContent>
-          </a:graphicData>
-        </a:graphic>
-      </p:graphicFrame>
-    </p:spTree>
-    <p:extLst>
-      <p:ext uri="{BB962C8B-B14F-4D97-AF65-F5344CB8AC3E}">
-        <p14:creationId xmlns:p14="http://schemas.microsoft.com/office/powerpoint/2010/main" val="2749065415"/>
-      </p:ext>
-    </p:extLst>
-  </p:cSld>
-  <p:clrMapOvr>
-    <a:masterClrMapping/>
-  </p:clrMapOvr>
-  <p:transition xmlns:p14="http://schemas.microsoft.com/office/powerpoint/2010/main" spd="slow" advClick="0">
-    <p:fade thruBlk="1"/>
-  </p:transition>
-  <p:timing>
-    <p:tnLst>
-      <p:par>
-        <p:cTn xmlns:p14="http://schemas.microsoft.com/office/powerpoint/2010/main" id="1" dur="indefinite" restart="never" nodeType="tmRoot">
-          <p:childTnLst>
-            <p:seq concurrent="1" nextAc="seek">
-              <p:cTn id="2" dur="indefinite" nodeType="mainSeq">
-                <p:childTnLst>
-                  <p:par>
-                    <p:cTn id="3" fill="hold">
-                      <p:stCondLst>
-                        <p:cond delay="indefinite"/>
-                      </p:stCondLst>
-                      <p:childTnLst>
-                        <p:par>
-                          <p:cTn id="4" fill="hold">
-                            <p:stCondLst>
-                              <p:cond delay="0"/>
-                            </p:stCondLst>
-                            <p:childTnLst>
-                              <p:par>
-                                <p:cTn id="5" presetID="22" presetClass="entr" presetSubtype="8" fill="hold" nodeType="clickEffect">
-                                  <p:stCondLst>
-                                    <p:cond delay="0"/>
-                                  </p:stCondLst>
-                                  <p:childTnLst>
-                                    <p:set>
-                                      <p:cBhvr>
-                                        <p:cTn id="6" dur="1" fill="hold">
-                                          <p:stCondLst>
-                                            <p:cond delay="0"/>
-                                          </p:stCondLst>
-                                        </p:cTn>
-                                        <p:tgtEl>
-                                          <p:spTgt spid="3"/>
-                                        </p:tgtEl>
-                                        <p:attrNameLst>
-                                          <p:attrName>style.visibility</p:attrName>
-                                        </p:attrNameLst>
-                                      </p:cBhvr>
-                                      <p:to>
-                                        <p:strVal val="visible"/>
-                                      </p:to>
-                                    </p:set>
-                                    <p:animEffect transition="in" filter="wipe(left)">
-                                      <p:cBhvr>
-                                        <p:cTn id="7" dur="1000"/>
-                                        <p:tgtEl>
-                                          <p:spTgt spid="3"/>
-                                        </p:tgtEl>
-                                      </p:cBhvr>
-                                    </p:animEffect>
-                                  </p:childTnLst>
-                                </p:cTn>
-                              </p:par>
-                            </p:childTnLst>
-                          </p:cTn>
-                        </p:par>
-                      </p:childTnLst>
-                    </p:cTn>
-                  </p:par>
-                </p:childTnLst>
-              </p:cTn>
-              <p:prevCondLst>
-                <p:cond evt="onPrev" delay="0">
-                  <p:tgtEl>
-                    <p:sldTgt/>
-                  </p:tgtEl>
-                </p:cond>
-              </p:prevCondLst>
-              <p:nextCondLst>
-                <p:cond evt="onNext" delay="0">
-                  <p:tgtEl>
-                    <p:sldTgt/>
-                  </p:tgtEl>
-                </p:cond>
-              </p:nextCondLst>
-            </p:seq>
-          </p:childTnLst>
-        </p:cTn>
-      </p:par>
-    </p:tnLst>
-  </p:timing>
-</p:sld>
-</file>
-
-<file path=ppt/slides/slide40.xml><?xml version="1.0" encoding="utf-8"?>
-<p:sld xmlns:a="http://schemas.openxmlformats.org/drawingml/2006/main" xmlns:r="http://schemas.openxmlformats.org/officeDocument/2006/relationships" xmlns:p="http://schemas.openxmlformats.org/presentationml/2006/main">
-  <p:cSld>
-    <p:spTree>
-      <p:nvGrpSpPr>
-        <p:cNvPr id="1" name=""/>
-        <p:cNvGrpSpPr/>
-        <p:nvPr/>
-      </p:nvGrpSpPr>
-      <p:grpSpPr>
-        <a:xfrm>
-          <a:off x="0" y="0"/>
-          <a:ext cx="0" cy="0"/>
-          <a:chOff x="0" y="0"/>
-          <a:chExt cx="0" cy="0"/>
-        </a:xfrm>
-      </p:grpSpPr>
-      <p:sp>
-        <p:nvSpPr>
-          <p:cNvPr id="4" name="Slide Number Placeholder 2"/>
-          <p:cNvSpPr>
-            <a:spLocks noGrp="1"/>
-          </p:cNvSpPr>
-          <p:nvPr>
-            <p:ph type="sldNum" sz="quarter" idx="10"/>
-          </p:nvPr>
-        </p:nvSpPr>
-        <p:spPr>
-          <a:xfrm>
-            <a:off x="7333815" y="6553200"/>
-            <a:ext cx="1810186" cy="276999"/>
-          </a:xfrm>
-        </p:spPr>
-        <p:txBody>
-          <a:bodyPr/>
-          <a:lstStyle/>
-          <a:p>
-            <a:r>
-              <a:rPr lang="en-US" dirty="0" smtClean="0"/>
-              <a:t>propositional algebra.</a:t>
-            </a:r>
-            <a:fld id="{3251DA95-B240-47FE-901D-B78FC8E8E532}" type="slidenum">
-              <a:rPr lang="en-US" smtClean="0"/>
-              <a:pPr/>
-              <a:t>40</a:t>
+              <a:t>42</a:t>
             </a:fld>
             <a:endParaRPr lang="en-US" dirty="0"/>
           </a:p>
@@ -20477,7 +20009,7 @@
           <a:graphicData uri="http://schemas.openxmlformats.org/presentationml/2006/ole">
             <mc:AlternateContent xmlns:mc="http://schemas.openxmlformats.org/markup-compatibility/2006">
               <mc:Choice xmlns:v="urn:schemas-microsoft-com:vml" Requires="v">
-                <p:oleObj spid="_x0000_s526354" name="Equation" r:id="rId4" imgW="1333500" imgH="482600" progId="Equation.DSMT4">
+                <p:oleObj spid="_x0000_s526364" name="Equation" r:id="rId4" imgW="1333500" imgH="482600" progId="Equation.DSMT4">
                   <p:embed/>
                 </p:oleObj>
               </mc:Choice>
@@ -20571,7 +20103,7 @@
           <a:graphicData uri="http://schemas.openxmlformats.org/presentationml/2006/ole">
             <mc:AlternateContent xmlns:mc="http://schemas.openxmlformats.org/markup-compatibility/2006">
               <mc:Choice xmlns:v="urn:schemas-microsoft-com:vml" Requires="v">
-                <p:oleObj spid="_x0000_s526355" name="Equation" r:id="rId6" imgW="1333500" imgH="482600" progId="Equation.DSMT4">
+                <p:oleObj spid="_x0000_s526365" name="Equation" r:id="rId6" imgW="1333500" imgH="482600" progId="Equation.DSMT4">
                   <p:embed/>
                 </p:oleObj>
               </mc:Choice>
@@ -20628,7 +20160,7 @@
           <a:graphicData uri="http://schemas.openxmlformats.org/presentationml/2006/ole">
             <mc:AlternateContent xmlns:mc="http://schemas.openxmlformats.org/markup-compatibility/2006">
               <mc:Choice xmlns:v="urn:schemas-microsoft-com:vml" Requires="v">
-                <p:oleObj spid="_x0000_s526356" name="Equation" r:id="rId8" imgW="1333500" imgH="482600" progId="Equation.DSMT4">
+                <p:oleObj spid="_x0000_s526366" name="Equation" r:id="rId8" imgW="1333500" imgH="482600" progId="Equation.DSMT4">
                   <p:embed/>
                 </p:oleObj>
               </mc:Choice>
@@ -20787,7 +20319,247 @@
       </p:cxnSp>
       <p:sp>
         <p:nvSpPr>
-          <p:cNvPr id="19" name="Title 4"/>
+          <p:cNvPr id="14" name="Title 1"/>
+          <p:cNvSpPr>
+            <a:spLocks noGrp="1"/>
+          </p:cNvSpPr>
+          <p:nvPr>
+            <p:ph type="title"/>
+          </p:nvPr>
+        </p:nvSpPr>
+        <p:spPr>
+          <a:xfrm>
+            <a:off x="1651000" y="363538"/>
+            <a:ext cx="6794500" cy="1003300"/>
+          </a:xfrm>
+        </p:spPr>
+        <p:txBody>
+          <a:bodyPr/>
+          <a:lstStyle/>
+          <a:p>
+            <a:r>
+              <a:rPr lang="en-US" sz="4000" dirty="0" smtClean="0">
+                <a:solidFill>
+                  <a:srgbClr val="FF03E3"/>
+                </a:solidFill>
+              </a:rPr>
+              <a:t>example</a:t>
+            </a:r>
+            <a:endParaRPr lang="en-US" sz="4000" dirty="0">
+              <a:solidFill>
+                <a:srgbClr val="FF03E3"/>
+              </a:solidFill>
+            </a:endParaRPr>
+          </a:p>
+        </p:txBody>
+      </p:sp>
+    </p:spTree>
+    <p:extLst>
+      <p:ext uri="{BB962C8B-B14F-4D97-AF65-F5344CB8AC3E}">
+        <p14:creationId xmlns:p14="http://schemas.microsoft.com/office/powerpoint/2010/main" val="762288569"/>
+      </p:ext>
+    </p:extLst>
+  </p:cSld>
+  <p:clrMapOvr>
+    <a:masterClrMapping/>
+  </p:clrMapOvr>
+  <mc:AlternateContent xmlns:mc="http://schemas.openxmlformats.org/markup-compatibility/2006" xmlns:p14="http://schemas.microsoft.com/office/powerpoint/2010/main">
+    <mc:Choice Requires="p14">
+      <p:transition spd="med" p14:dur="600" advClick="0">
+        <p:fade/>
+      </p:transition>
+    </mc:Choice>
+    <mc:Fallback xmlns="">
+      <p:transition xmlns:p14="http://schemas.microsoft.com/office/powerpoint/2010/main" spd="med" advClick="0">
+        <p:fade/>
+      </p:transition>
+    </mc:Fallback>
+  </mc:AlternateContent>
+  <p:timing>
+    <p:tnLst>
+      <p:par>
+        <p:cTn xmlns:p14="http://schemas.microsoft.com/office/powerpoint/2010/main" id="1" dur="indefinite" restart="never" nodeType="tmRoot">
+          <p:childTnLst>
+            <p:seq concurrent="1" nextAc="seek">
+              <p:cTn id="2" dur="indefinite" nodeType="mainSeq">
+                <p:childTnLst>
+                  <p:par>
+                    <p:cTn id="3" fill="hold">
+                      <p:stCondLst>
+                        <p:cond delay="indefinite"/>
+                      </p:stCondLst>
+                      <p:childTnLst>
+                        <p:par>
+                          <p:cTn id="4" fill="hold">
+                            <p:stCondLst>
+                              <p:cond delay="0"/>
+                            </p:stCondLst>
+                            <p:childTnLst>
+                              <p:par>
+                                <p:cTn id="5" presetID="22" presetClass="entr" presetSubtype="8" fill="hold" nodeType="clickEffect">
+                                  <p:stCondLst>
+                                    <p:cond delay="0"/>
+                                  </p:stCondLst>
+                                  <p:childTnLst>
+                                    <p:set>
+                                      <p:cBhvr>
+                                        <p:cTn id="6" dur="1" fill="hold">
+                                          <p:stCondLst>
+                                            <p:cond delay="0"/>
+                                          </p:stCondLst>
+                                        </p:cTn>
+                                        <p:tgtEl>
+                                          <p:spTgt spid="6"/>
+                                        </p:tgtEl>
+                                        <p:attrNameLst>
+                                          <p:attrName>style.visibility</p:attrName>
+                                        </p:attrNameLst>
+                                      </p:cBhvr>
+                                      <p:to>
+                                        <p:strVal val="visible"/>
+                                      </p:to>
+                                    </p:set>
+                                    <p:animEffect transition="in" filter="wipe(left)">
+                                      <p:cBhvr>
+                                        <p:cTn id="7" dur="500"/>
+                                        <p:tgtEl>
+                                          <p:spTgt spid="6"/>
+                                        </p:tgtEl>
+                                      </p:cBhvr>
+                                    </p:animEffect>
+                                  </p:childTnLst>
+                                </p:cTn>
+                              </p:par>
+                            </p:childTnLst>
+                          </p:cTn>
+                        </p:par>
+                        <p:par>
+                          <p:cTn id="8" fill="hold">
+                            <p:stCondLst>
+                              <p:cond delay="500"/>
+                            </p:stCondLst>
+                            <p:childTnLst>
+                              <p:par>
+                                <p:cTn id="9" presetID="22" presetClass="entr" presetSubtype="8" fill="hold" nodeType="afterEffect">
+                                  <p:stCondLst>
+                                    <p:cond delay="0"/>
+                                  </p:stCondLst>
+                                  <p:childTnLst>
+                                    <p:set>
+                                      <p:cBhvr>
+                                        <p:cTn id="10" dur="1" fill="hold">
+                                          <p:stCondLst>
+                                            <p:cond delay="0"/>
+                                          </p:stCondLst>
+                                        </p:cTn>
+                                        <p:tgtEl>
+                                          <p:spTgt spid="15"/>
+                                        </p:tgtEl>
+                                        <p:attrNameLst>
+                                          <p:attrName>style.visibility</p:attrName>
+                                        </p:attrNameLst>
+                                      </p:cBhvr>
+                                      <p:to>
+                                        <p:strVal val="visible"/>
+                                      </p:to>
+                                    </p:set>
+                                    <p:animEffect transition="in" filter="wipe(left)">
+                                      <p:cBhvr>
+                                        <p:cTn id="11" dur="500"/>
+                                        <p:tgtEl>
+                                          <p:spTgt spid="15"/>
+                                        </p:tgtEl>
+                                      </p:cBhvr>
+                                    </p:animEffect>
+                                  </p:childTnLst>
+                                </p:cTn>
+                              </p:par>
+                              <p:par>
+                                <p:cTn id="12" presetID="22" presetClass="entr" presetSubtype="8" fill="hold" nodeType="withEffect">
+                                  <p:stCondLst>
+                                    <p:cond delay="0"/>
+                                  </p:stCondLst>
+                                  <p:childTnLst>
+                                    <p:set>
+                                      <p:cBhvr>
+                                        <p:cTn id="13" dur="1" fill="hold">
+                                          <p:stCondLst>
+                                            <p:cond delay="0"/>
+                                          </p:stCondLst>
+                                        </p:cTn>
+                                        <p:tgtEl>
+                                          <p:spTgt spid="16"/>
+                                        </p:tgtEl>
+                                        <p:attrNameLst>
+                                          <p:attrName>style.visibility</p:attrName>
+                                        </p:attrNameLst>
+                                      </p:cBhvr>
+                                      <p:to>
+                                        <p:strVal val="visible"/>
+                                      </p:to>
+                                    </p:set>
+                                    <p:animEffect transition="in" filter="wipe(left)">
+                                      <p:cBhvr>
+                                        <p:cTn id="14" dur="500"/>
+                                        <p:tgtEl>
+                                          <p:spTgt spid="16"/>
+                                        </p:tgtEl>
+                                      </p:cBhvr>
+                                    </p:animEffect>
+                                  </p:childTnLst>
+                                </p:cTn>
+                              </p:par>
+                            </p:childTnLst>
+                          </p:cTn>
+                        </p:par>
+                      </p:childTnLst>
+                    </p:cTn>
+                  </p:par>
+                </p:childTnLst>
+              </p:cTn>
+              <p:prevCondLst>
+                <p:cond evt="onPrev" delay="0">
+                  <p:tgtEl>
+                    <p:sldTgt/>
+                  </p:tgtEl>
+                </p:cond>
+              </p:prevCondLst>
+              <p:nextCondLst>
+                <p:cond evt="onNext" delay="0">
+                  <p:tgtEl>
+                    <p:sldTgt/>
+                  </p:tgtEl>
+                </p:cond>
+              </p:nextCondLst>
+            </p:seq>
+          </p:childTnLst>
+        </p:cTn>
+      </p:par>
+    </p:tnLst>
+  </p:timing>
+</p:sld>
+</file>
+
+<file path=ppt/slides/slide43.xml><?xml version="1.0" encoding="utf-8"?>
+<p:sld xmlns:a="http://schemas.openxmlformats.org/drawingml/2006/main" xmlns:r="http://schemas.openxmlformats.org/officeDocument/2006/relationships" xmlns:p="http://schemas.openxmlformats.org/presentationml/2006/main">
+  <p:cSld>
+    <p:spTree>
+      <p:nvGrpSpPr>
+        <p:cNvPr id="1" name=""/>
+        <p:cNvGrpSpPr/>
+        <p:nvPr/>
+      </p:nvGrpSpPr>
+      <p:grpSpPr>
+        <a:xfrm>
+          <a:off x="0" y="0"/>
+          <a:ext cx="0" cy="0"/>
+          <a:chOff x="0" y="0"/>
+          <a:chExt cx="0" cy="0"/>
+        </a:xfrm>
+      </p:grpSpPr>
+      <p:sp>
+        <p:nvSpPr>
+          <p:cNvPr id="12" name="Title 4"/>
           <p:cNvSpPr txBox="1">
             <a:spLocks/>
           </p:cNvSpPr>
@@ -20795,8 +20567,8 @@
         </p:nvSpPr>
         <p:spPr bwMode="auto">
           <a:xfrm>
-            <a:off x="2908300" y="266700"/>
-            <a:ext cx="3683000" cy="1092200"/>
+            <a:off x="1892300" y="279400"/>
+            <a:ext cx="5969000" cy="1130300"/>
           </a:xfrm>
           <a:prstGeom prst="rect">
             <a:avLst/>
@@ -20947,29 +20719,305 @@
           </a:lstStyle>
           <a:p>
             <a:r>
-              <a:rPr lang="en-US" sz="5400" dirty="0" smtClean="0"/>
-              <a:t>Full </a:t>
-            </a:r>
-            <a:r>
-              <a:rPr lang="en-US" sz="5400" dirty="0" smtClean="0">
+              <a:rPr lang="en-US" sz="4800" dirty="0" smtClean="0"/>
+              <a:t>Sorted </a:t>
+            </a:r>
+            <a:r>
+              <a:rPr lang="en-US" sz="4800" dirty="0" smtClean="0">
                 <a:solidFill>
-                  <a:schemeClr val="tx1"/>
+                  <a:srgbClr val="000000"/>
                 </a:solidFill>
               </a:rPr>
-              <a:t>DNF</a:t>
-            </a:r>
-            <a:endParaRPr lang="en-US" sz="5400" dirty="0">
+              <a:t>Full DNF</a:t>
+            </a:r>
+            <a:endParaRPr lang="en-US" sz="4800" dirty="0">
               <a:solidFill>
-                <a:schemeClr val="tx1"/>
+                <a:srgbClr val="000000"/>
               </a:solidFill>
             </a:endParaRPr>
+          </a:p>
+        </p:txBody>
+      </p:sp>
+      <p:sp>
+        <p:nvSpPr>
+          <p:cNvPr id="4" name="Slide Number Placeholder 2"/>
+          <p:cNvSpPr>
+            <a:spLocks noGrp="1"/>
+          </p:cNvSpPr>
+          <p:nvPr>
+            <p:ph type="sldNum" sz="quarter" idx="10"/>
+          </p:nvPr>
+        </p:nvSpPr>
+        <p:spPr>
+          <a:xfrm>
+            <a:off x="7333815" y="6553200"/>
+            <a:ext cx="1810186" cy="276999"/>
+          </a:xfrm>
+        </p:spPr>
+        <p:txBody>
+          <a:bodyPr/>
+          <a:lstStyle/>
+          <a:p>
+            <a:r>
+              <a:rPr lang="en-US" dirty="0" smtClean="0"/>
+              <a:t>propositional algebra.</a:t>
+            </a:r>
+            <a:fld id="{3251DA95-B240-47FE-901D-B78FC8E8E532}" type="slidenum">
+              <a:rPr lang="en-US" smtClean="0"/>
+              <a:pPr/>
+              <a:t>43</a:t>
+            </a:fld>
+            <a:endParaRPr lang="en-US" dirty="0"/>
+          </a:p>
+        </p:txBody>
+      </p:sp>
+      <p:graphicFrame>
+        <p:nvGraphicFramePr>
+          <p:cNvPr id="7" name="Object 6"/>
+          <p:cNvGraphicFramePr>
+            <a:graphicFrameLocks noChangeAspect="1"/>
+          </p:cNvGraphicFramePr>
+          <p:nvPr>
+            <p:extLst>
+              <p:ext uri="{D42A27DB-BD31-4B8C-83A1-F6EECF244321}">
+                <p14:modId xmlns:p14="http://schemas.microsoft.com/office/powerpoint/2010/main" val="4130407762"/>
+              </p:ext>
+            </p:extLst>
+          </p:nvPr>
+        </p:nvGraphicFramePr>
+        <p:xfrm>
+          <a:off x="885824" y="3282949"/>
+          <a:ext cx="3172598" cy="1149351"/>
+        </p:xfrm>
+        <a:graphic>
+          <a:graphicData uri="http://schemas.openxmlformats.org/presentationml/2006/ole">
+            <mc:AlternateContent xmlns:mc="http://schemas.openxmlformats.org/markup-compatibility/2006">
+              <mc:Choice xmlns:v="urn:schemas-microsoft-com:vml" Requires="v">
+                <p:oleObj spid="_x0000_s527385" name="Equation" r:id="rId4" imgW="1333500" imgH="482600" progId="Equation.DSMT4">
+                  <p:embed/>
+                </p:oleObj>
+              </mc:Choice>
+              <mc:Fallback>
+                <p:oleObj name="Equation" r:id="rId4" imgW="1333500" imgH="482600" progId="Equation.DSMT4">
+                  <p:embed/>
+                  <p:pic>
+                    <p:nvPicPr>
+                      <p:cNvPr id="0" name=""/>
+                      <p:cNvPicPr/>
+                      <p:nvPr/>
+                    </p:nvPicPr>
+                    <p:blipFill>
+                      <a:blip r:embed="rId5"/>
+                      <a:stretch>
+                        <a:fillRect/>
+                      </a:stretch>
+                    </p:blipFill>
+                    <p:spPr>
+                      <a:xfrm>
+                        <a:off x="885824" y="3282949"/>
+                        <a:ext cx="3172598" cy="1149351"/>
+                      </a:xfrm>
+                      <a:prstGeom prst="rect">
+                        <a:avLst/>
+                      </a:prstGeom>
+                    </p:spPr>
+                  </p:pic>
+                </p:oleObj>
+              </mc:Fallback>
+            </mc:AlternateContent>
+          </a:graphicData>
+        </a:graphic>
+      </p:graphicFrame>
+      <p:sp>
+        <p:nvSpPr>
+          <p:cNvPr id="5" name="TextBox 4"/>
+          <p:cNvSpPr txBox="1"/>
+          <p:nvPr/>
+        </p:nvSpPr>
+        <p:spPr>
+          <a:xfrm>
+            <a:off x="4013201" y="3924300"/>
+            <a:ext cx="647700" cy="461665"/>
+          </a:xfrm>
+          <a:prstGeom prst="rect">
+            <a:avLst/>
+          </a:prstGeom>
+          <a:noFill/>
+        </p:spPr>
+        <p:txBody>
+          <a:bodyPr wrap="square" rtlCol="0">
+            <a:spAutoFit/>
+          </a:bodyPr>
+          <a:lstStyle/>
+          <a:p>
+            <a:pPr algn="l"/>
+            <a:r>
+              <a:rPr lang="en-US" sz="2400" dirty="0" smtClean="0">
+                <a:solidFill>
+                  <a:schemeClr val="accent1">
+                    <a:lumMod val="50000"/>
+                  </a:schemeClr>
+                </a:solidFill>
+                <a:latin typeface="Comic Sans MS" pitchFamily="66" charset="0"/>
+              </a:rPr>
+              <a:t>OR</a:t>
+            </a:r>
+          </a:p>
+        </p:txBody>
+      </p:sp>
+      <p:graphicFrame>
+        <p:nvGraphicFramePr>
+          <p:cNvPr id="9" name="Object 8"/>
+          <p:cNvGraphicFramePr>
+            <a:graphicFrameLocks noChangeAspect="1"/>
+          </p:cNvGraphicFramePr>
+          <p:nvPr>
+            <p:extLst>
+              <p:ext uri="{D42A27DB-BD31-4B8C-83A1-F6EECF244321}">
+                <p14:modId xmlns:p14="http://schemas.microsoft.com/office/powerpoint/2010/main" val="3599236877"/>
+              </p:ext>
+            </p:extLst>
+          </p:nvPr>
+        </p:nvGraphicFramePr>
+        <p:xfrm>
+          <a:off x="4686300" y="3259138"/>
+          <a:ext cx="2808288" cy="1209675"/>
+        </p:xfrm>
+        <a:graphic>
+          <a:graphicData uri="http://schemas.openxmlformats.org/presentationml/2006/ole">
+            <mc:AlternateContent xmlns:mc="http://schemas.openxmlformats.org/markup-compatibility/2006">
+              <mc:Choice xmlns:v="urn:schemas-microsoft-com:vml" Requires="v">
+                <p:oleObj spid="_x0000_s527386" name="Equation" r:id="rId6" imgW="1181100" imgH="508000" progId="Equation.DSMT4">
+                  <p:embed/>
+                </p:oleObj>
+              </mc:Choice>
+              <mc:Fallback>
+                <p:oleObj name="Equation" r:id="rId6" imgW="1181100" imgH="508000" progId="Equation.DSMT4">
+                  <p:embed/>
+                  <p:pic>
+                    <p:nvPicPr>
+                      <p:cNvPr id="0" name=""/>
+                      <p:cNvPicPr/>
+                      <p:nvPr/>
+                    </p:nvPicPr>
+                    <p:blipFill>
+                      <a:blip r:embed="rId7"/>
+                      <a:stretch>
+                        <a:fillRect/>
+                      </a:stretch>
+                    </p:blipFill>
+                    <p:spPr>
+                      <a:xfrm>
+                        <a:off x="4686300" y="3259138"/>
+                        <a:ext cx="2808288" cy="1209675"/>
+                      </a:xfrm>
+                      <a:prstGeom prst="rect">
+                        <a:avLst/>
+                      </a:prstGeom>
+                    </p:spPr>
+                  </p:pic>
+                </p:oleObj>
+              </mc:Fallback>
+            </mc:AlternateContent>
+          </a:graphicData>
+        </a:graphic>
+      </p:graphicFrame>
+      <p:graphicFrame>
+        <p:nvGraphicFramePr>
+          <p:cNvPr id="11" name="Object 10"/>
+          <p:cNvGraphicFramePr>
+            <a:graphicFrameLocks noChangeAspect="1"/>
+          </p:cNvGraphicFramePr>
+          <p:nvPr>
+            <p:extLst>
+              <p:ext uri="{D42A27DB-BD31-4B8C-83A1-F6EECF244321}">
+                <p14:modId xmlns:p14="http://schemas.microsoft.com/office/powerpoint/2010/main" val="1387628101"/>
+              </p:ext>
+            </p:extLst>
+          </p:nvPr>
+        </p:nvGraphicFramePr>
+        <p:xfrm>
+          <a:off x="2684463" y="4652963"/>
+          <a:ext cx="2717800" cy="604837"/>
+        </p:xfrm>
+        <a:graphic>
+          <a:graphicData uri="http://schemas.openxmlformats.org/presentationml/2006/ole">
+            <mc:AlternateContent xmlns:mc="http://schemas.openxmlformats.org/markup-compatibility/2006">
+              <mc:Choice xmlns:v="urn:schemas-microsoft-com:vml" Requires="v">
+                <p:oleObj spid="_x0000_s527387" name="Equation" r:id="rId8" imgW="1143000" imgH="254000" progId="Equation.DSMT4">
+                  <p:embed/>
+                </p:oleObj>
+              </mc:Choice>
+              <mc:Fallback>
+                <p:oleObj name="Equation" r:id="rId8" imgW="1143000" imgH="254000" progId="Equation.DSMT4">
+                  <p:embed/>
+                  <p:pic>
+                    <p:nvPicPr>
+                      <p:cNvPr id="0" name=""/>
+                      <p:cNvPicPr/>
+                      <p:nvPr/>
+                    </p:nvPicPr>
+                    <p:blipFill>
+                      <a:blip r:embed="rId9"/>
+                      <a:stretch>
+                        <a:fillRect/>
+                      </a:stretch>
+                    </p:blipFill>
+                    <p:spPr>
+                      <a:xfrm>
+                        <a:off x="2684463" y="4652963"/>
+                        <a:ext cx="2717800" cy="604837"/>
+                      </a:xfrm>
+                      <a:prstGeom prst="rect">
+                        <a:avLst/>
+                      </a:prstGeom>
+                    </p:spPr>
+                  </p:pic>
+                </p:oleObj>
+              </mc:Fallback>
+            </mc:AlternateContent>
+          </a:graphicData>
+        </a:graphic>
+      </p:graphicFrame>
+      <p:sp>
+        <p:nvSpPr>
+          <p:cNvPr id="13" name="TextBox 12"/>
+          <p:cNvSpPr txBox="1"/>
+          <p:nvPr/>
+        </p:nvSpPr>
+        <p:spPr>
+          <a:xfrm>
+            <a:off x="7442201" y="3962400"/>
+            <a:ext cx="647700" cy="461665"/>
+          </a:xfrm>
+          <a:prstGeom prst="rect">
+            <a:avLst/>
+          </a:prstGeom>
+          <a:noFill/>
+        </p:spPr>
+        <p:txBody>
+          <a:bodyPr wrap="square" rtlCol="0">
+            <a:spAutoFit/>
+          </a:bodyPr>
+          <a:lstStyle/>
+          <a:p>
+            <a:pPr algn="l"/>
+            <a:r>
+              <a:rPr lang="en-US" sz="2400" dirty="0" smtClean="0">
+                <a:solidFill>
+                  <a:srgbClr val="0000E5"/>
+                </a:solidFill>
+                <a:latin typeface="Comic Sans MS" pitchFamily="66" charset="0"/>
+              </a:rPr>
+              <a:t>OR</a:t>
+            </a:r>
           </a:p>
         </p:txBody>
       </p:sp>
     </p:spTree>
     <p:extLst>
       <p:ext uri="{BB962C8B-B14F-4D97-AF65-F5344CB8AC3E}">
-        <p14:creationId xmlns:p14="http://schemas.microsoft.com/office/powerpoint/2010/main" val="762288569"/>
+        <p14:creationId xmlns:p14="http://schemas.microsoft.com/office/powerpoint/2010/main" val="2896971768"/>
       </p:ext>
     </p:extLst>
   </p:cSld>
@@ -20991,234 +21039,14 @@
   <p:timing>
     <p:tnLst>
       <p:par>
-        <p:cTn xmlns:p14="http://schemas.microsoft.com/office/powerpoint/2010/main" id="1" dur="indefinite" restart="never" nodeType="tmRoot">
-          <p:childTnLst>
-            <p:seq concurrent="1" nextAc="seek">
-              <p:cTn id="2" dur="indefinite" nodeType="mainSeq">
-                <p:childTnLst>
-                  <p:par>
-                    <p:cTn id="3" fill="hold">
-                      <p:stCondLst>
-                        <p:cond delay="indefinite"/>
-                      </p:stCondLst>
-                      <p:childTnLst>
-                        <p:par>
-                          <p:cTn id="4" fill="hold">
-                            <p:stCondLst>
-                              <p:cond delay="0"/>
-                            </p:stCondLst>
-                            <p:childTnLst>
-                              <p:par>
-                                <p:cTn id="5" presetID="10" presetClass="entr" presetSubtype="0" fill="hold" grpId="0" nodeType="clickEffect">
-                                  <p:stCondLst>
-                                    <p:cond delay="0"/>
-                                  </p:stCondLst>
-                                  <p:childTnLst>
-                                    <p:set>
-                                      <p:cBhvr>
-                                        <p:cTn id="6" dur="1" fill="hold">
-                                          <p:stCondLst>
-                                            <p:cond delay="0"/>
-                                          </p:stCondLst>
-                                        </p:cTn>
-                                        <p:tgtEl>
-                                          <p:spTgt spid="3"/>
-                                        </p:tgtEl>
-                                        <p:attrNameLst>
-                                          <p:attrName>style.visibility</p:attrName>
-                                        </p:attrNameLst>
-                                      </p:cBhvr>
-                                      <p:to>
-                                        <p:strVal val="visible"/>
-                                      </p:to>
-                                    </p:set>
-                                    <p:animEffect transition="in" filter="fade">
-                                      <p:cBhvr>
-                                        <p:cTn id="7" dur="500"/>
-                                        <p:tgtEl>
-                                          <p:spTgt spid="3"/>
-                                        </p:tgtEl>
-                                      </p:cBhvr>
-                                    </p:animEffect>
-                                  </p:childTnLst>
-                                </p:cTn>
-                              </p:par>
-                            </p:childTnLst>
-                          </p:cTn>
-                        </p:par>
-                      </p:childTnLst>
-                    </p:cTn>
-                  </p:par>
-                  <p:par>
-                    <p:cTn id="8" fill="hold">
-                      <p:stCondLst>
-                        <p:cond delay="indefinite"/>
-                      </p:stCondLst>
-                      <p:childTnLst>
-                        <p:par>
-                          <p:cTn id="9" fill="hold">
-                            <p:stCondLst>
-                              <p:cond delay="0"/>
-                            </p:stCondLst>
-                            <p:childTnLst>
-                              <p:par>
-                                <p:cTn id="10" presetID="22" presetClass="entr" presetSubtype="8" fill="hold" nodeType="clickEffect">
-                                  <p:stCondLst>
-                                    <p:cond delay="0"/>
-                                  </p:stCondLst>
-                                  <p:childTnLst>
-                                    <p:set>
-                                      <p:cBhvr>
-                                        <p:cTn id="11" dur="1" fill="hold">
-                                          <p:stCondLst>
-                                            <p:cond delay="0"/>
-                                          </p:stCondLst>
-                                        </p:cTn>
-                                        <p:tgtEl>
-                                          <p:spTgt spid="6"/>
-                                        </p:tgtEl>
-                                        <p:attrNameLst>
-                                          <p:attrName>style.visibility</p:attrName>
-                                        </p:attrNameLst>
-                                      </p:cBhvr>
-                                      <p:to>
-                                        <p:strVal val="visible"/>
-                                      </p:to>
-                                    </p:set>
-                                    <p:animEffect transition="in" filter="wipe(left)">
-                                      <p:cBhvr>
-                                        <p:cTn id="12" dur="500"/>
-                                        <p:tgtEl>
-                                          <p:spTgt spid="6"/>
-                                        </p:tgtEl>
-                                      </p:cBhvr>
-                                    </p:animEffect>
-                                  </p:childTnLst>
-                                </p:cTn>
-                              </p:par>
-                            </p:childTnLst>
-                          </p:cTn>
-                        </p:par>
-                      </p:childTnLst>
-                    </p:cTn>
-                  </p:par>
-                  <p:par>
-                    <p:cTn id="13" fill="hold">
-                      <p:stCondLst>
-                        <p:cond delay="indefinite"/>
-                      </p:stCondLst>
-                      <p:childTnLst>
-                        <p:par>
-                          <p:cTn id="14" fill="hold">
-                            <p:stCondLst>
-                              <p:cond delay="0"/>
-                            </p:stCondLst>
-                            <p:childTnLst>
-                              <p:par>
-                                <p:cTn id="15" presetID="22" presetClass="entr" presetSubtype="8" fill="hold" nodeType="clickEffect">
-                                  <p:stCondLst>
-                                    <p:cond delay="0"/>
-                                  </p:stCondLst>
-                                  <p:childTnLst>
-                                    <p:set>
-                                      <p:cBhvr>
-                                        <p:cTn id="16" dur="1" fill="hold">
-                                          <p:stCondLst>
-                                            <p:cond delay="0"/>
-                                          </p:stCondLst>
-                                        </p:cTn>
-                                        <p:tgtEl>
-                                          <p:spTgt spid="15"/>
-                                        </p:tgtEl>
-                                        <p:attrNameLst>
-                                          <p:attrName>style.visibility</p:attrName>
-                                        </p:attrNameLst>
-                                      </p:cBhvr>
-                                      <p:to>
-                                        <p:strVal val="visible"/>
-                                      </p:to>
-                                    </p:set>
-                                    <p:animEffect transition="in" filter="wipe(left)">
-                                      <p:cBhvr>
-                                        <p:cTn id="17" dur="500"/>
-                                        <p:tgtEl>
-                                          <p:spTgt spid="15"/>
-                                        </p:tgtEl>
-                                      </p:cBhvr>
-                                    </p:animEffect>
-                                  </p:childTnLst>
-                                </p:cTn>
-                              </p:par>
-                              <p:par>
-                                <p:cTn id="18" presetID="22" presetClass="entr" presetSubtype="8" fill="hold" nodeType="withEffect">
-                                  <p:stCondLst>
-                                    <p:cond delay="0"/>
-                                  </p:stCondLst>
-                                  <p:childTnLst>
-                                    <p:set>
-                                      <p:cBhvr>
-                                        <p:cTn id="19" dur="1" fill="hold">
-                                          <p:stCondLst>
-                                            <p:cond delay="0"/>
-                                          </p:stCondLst>
-                                        </p:cTn>
-                                        <p:tgtEl>
-                                          <p:spTgt spid="16"/>
-                                        </p:tgtEl>
-                                        <p:attrNameLst>
-                                          <p:attrName>style.visibility</p:attrName>
-                                        </p:attrNameLst>
-                                      </p:cBhvr>
-                                      <p:to>
-                                        <p:strVal val="visible"/>
-                                      </p:to>
-                                    </p:set>
-                                    <p:animEffect transition="in" filter="wipe(left)">
-                                      <p:cBhvr>
-                                        <p:cTn id="20" dur="500"/>
-                                        <p:tgtEl>
-                                          <p:spTgt spid="16"/>
-                                        </p:tgtEl>
-                                      </p:cBhvr>
-                                    </p:animEffect>
-                                  </p:childTnLst>
-                                </p:cTn>
-                              </p:par>
-                            </p:childTnLst>
-                          </p:cTn>
-                        </p:par>
-                      </p:childTnLst>
-                    </p:cTn>
-                  </p:par>
-                </p:childTnLst>
-              </p:cTn>
-              <p:prevCondLst>
-                <p:cond evt="onPrev" delay="0">
-                  <p:tgtEl>
-                    <p:sldTgt/>
-                  </p:tgtEl>
-                </p:cond>
-              </p:prevCondLst>
-              <p:nextCondLst>
-                <p:cond evt="onNext" delay="0">
-                  <p:tgtEl>
-                    <p:sldTgt/>
-                  </p:tgtEl>
-                </p:cond>
-              </p:nextCondLst>
-            </p:seq>
-          </p:childTnLst>
-        </p:cTn>
+        <p:cTn xmlns:p14="http://schemas.microsoft.com/office/powerpoint/2010/main" id="1" dur="indefinite" restart="never" nodeType="tmRoot"/>
       </p:par>
     </p:tnLst>
-    <p:bldLst>
-      <p:bldP spid="3" grpId="0"/>
-    </p:bldLst>
   </p:timing>
 </p:sld>
 </file>
 
-<file path=ppt/slides/slide41.xml><?xml version="1.0" encoding="utf-8"?>
+<file path=ppt/slides/slide44.xml><?xml version="1.0" encoding="utf-8"?>
 <p:sld xmlns:a="http://schemas.openxmlformats.org/drawingml/2006/main" xmlns:r="http://schemas.openxmlformats.org/officeDocument/2006/relationships" xmlns:p="http://schemas.openxmlformats.org/presentationml/2006/main">
   <p:cSld>
     <p:spTree>
@@ -21237,7 +21065,97 @@
       </p:grpSpPr>
       <p:sp>
         <p:nvSpPr>
-          <p:cNvPr id="12" name="Title 4"/>
+          <p:cNvPr id="4" name="Slide Number Placeholder 2"/>
+          <p:cNvSpPr>
+            <a:spLocks noGrp="1"/>
+          </p:cNvSpPr>
+          <p:nvPr>
+            <p:ph type="sldNum" sz="quarter" idx="10"/>
+          </p:nvPr>
+        </p:nvSpPr>
+        <p:spPr>
+          <a:xfrm>
+            <a:off x="7333815" y="6553200"/>
+            <a:ext cx="1810186" cy="276999"/>
+          </a:xfrm>
+        </p:spPr>
+        <p:txBody>
+          <a:bodyPr/>
+          <a:lstStyle/>
+          <a:p>
+            <a:r>
+              <a:rPr lang="en-US" dirty="0" smtClean="0"/>
+              <a:t>propositional algebra.</a:t>
+            </a:r>
+            <a:fld id="{3251DA95-B240-47FE-901D-B78FC8E8E532}" type="slidenum">
+              <a:rPr lang="en-US" smtClean="0"/>
+              <a:pPr/>
+              <a:t>44</a:t>
+            </a:fld>
+            <a:endParaRPr lang="en-US" dirty="0"/>
+          </a:p>
+        </p:txBody>
+      </p:sp>
+      <p:graphicFrame>
+        <p:nvGraphicFramePr>
+          <p:cNvPr id="7" name="Object 6"/>
+          <p:cNvGraphicFramePr>
+            <a:graphicFrameLocks noChangeAspect="1"/>
+          </p:cNvGraphicFramePr>
+          <p:nvPr>
+            <p:extLst>
+              <p:ext uri="{D42A27DB-BD31-4B8C-83A1-F6EECF244321}">
+                <p14:modId xmlns:p14="http://schemas.microsoft.com/office/powerpoint/2010/main" val="2224980148"/>
+              </p:ext>
+            </p:extLst>
+          </p:nvPr>
+        </p:nvGraphicFramePr>
+        <p:xfrm>
+          <a:off x="819150" y="1631950"/>
+          <a:ext cx="6403975" cy="1149350"/>
+        </p:xfrm>
+        <a:graphic>
+          <a:graphicData uri="http://schemas.openxmlformats.org/presentationml/2006/ole">
+            <mc:AlternateContent xmlns:mc="http://schemas.openxmlformats.org/markup-compatibility/2006">
+              <mc:Choice xmlns:v="urn:schemas-microsoft-com:vml" Requires="v">
+                <p:oleObj spid="_x0000_s529419" name="Equation" r:id="rId4" imgW="2692400" imgH="482600" progId="Equation.DSMT4">
+                  <p:embed/>
+                </p:oleObj>
+              </mc:Choice>
+              <mc:Fallback>
+                <p:oleObj name="Equation" r:id="rId4" imgW="2692400" imgH="482600" progId="Equation.DSMT4">
+                  <p:embed/>
+                  <p:pic>
+                    <p:nvPicPr>
+                      <p:cNvPr id="0" name=""/>
+                      <p:cNvPicPr/>
+                      <p:nvPr/>
+                    </p:nvPicPr>
+                    <p:blipFill>
+                      <a:blip r:embed="rId5"/>
+                      <a:stretch>
+                        <a:fillRect/>
+                      </a:stretch>
+                    </p:blipFill>
+                    <p:spPr>
+                      <a:xfrm>
+                        <a:off x="819150" y="1631950"/>
+                        <a:ext cx="6403975" cy="1149350"/>
+                      </a:xfrm>
+                      <a:prstGeom prst="rect">
+                        <a:avLst/>
+                      </a:prstGeom>
+                    </p:spPr>
+                  </p:pic>
+                </p:oleObj>
+              </mc:Fallback>
+            </mc:AlternateContent>
+          </a:graphicData>
+        </a:graphic>
+      </p:graphicFrame>
+      <p:sp>
+        <p:nvSpPr>
+          <p:cNvPr id="10" name="Title 4"/>
           <p:cNvSpPr txBox="1">
             <a:spLocks/>
           </p:cNvSpPr>
@@ -21416,97 +21334,7 @@
           </a:p>
         </p:txBody>
       </p:sp>
-      <p:sp>
-        <p:nvSpPr>
-          <p:cNvPr id="4" name="Slide Number Placeholder 2"/>
-          <p:cNvSpPr>
-            <a:spLocks noGrp="1"/>
-          </p:cNvSpPr>
-          <p:nvPr>
-            <p:ph type="sldNum" sz="quarter" idx="10"/>
-          </p:nvPr>
-        </p:nvSpPr>
-        <p:spPr>
-          <a:xfrm>
-            <a:off x="7333815" y="6553200"/>
-            <a:ext cx="1810186" cy="276999"/>
-          </a:xfrm>
-        </p:spPr>
-        <p:txBody>
-          <a:bodyPr/>
-          <a:lstStyle/>
-          <a:p>
-            <a:r>
-              <a:rPr lang="en-US" dirty="0" smtClean="0"/>
-              <a:t>propositional algebra.</a:t>
-            </a:r>
-            <a:fld id="{3251DA95-B240-47FE-901D-B78FC8E8E532}" type="slidenum">
-              <a:rPr lang="en-US" smtClean="0"/>
-              <a:pPr/>
-              <a:t>41</a:t>
-            </a:fld>
-            <a:endParaRPr lang="en-US" dirty="0"/>
-          </a:p>
-        </p:txBody>
-      </p:sp>
-      <p:graphicFrame>
-        <p:nvGraphicFramePr>
-          <p:cNvPr id="7" name="Object 6"/>
-          <p:cNvGraphicFramePr>
-            <a:graphicFrameLocks noChangeAspect="1"/>
-          </p:cNvGraphicFramePr>
-          <p:nvPr>
-            <p:extLst>
-              <p:ext uri="{D42A27DB-BD31-4B8C-83A1-F6EECF244321}">
-                <p14:modId xmlns:p14="http://schemas.microsoft.com/office/powerpoint/2010/main" val="4130407762"/>
-              </p:ext>
-            </p:extLst>
-          </p:nvPr>
-        </p:nvGraphicFramePr>
-        <p:xfrm>
-          <a:off x="885824" y="3282949"/>
-          <a:ext cx="3172598" cy="1149351"/>
-        </p:xfrm>
-        <a:graphic>
-          <a:graphicData uri="http://schemas.openxmlformats.org/presentationml/2006/ole">
-            <mc:AlternateContent xmlns:mc="http://schemas.openxmlformats.org/markup-compatibility/2006">
-              <mc:Choice xmlns:v="urn:schemas-microsoft-com:vml" Requires="v">
-                <p:oleObj spid="_x0000_s527375" name="Equation" r:id="rId4" imgW="1333500" imgH="482600" progId="Equation.DSMT4">
-                  <p:embed/>
-                </p:oleObj>
-              </mc:Choice>
-              <mc:Fallback>
-                <p:oleObj name="Equation" r:id="rId4" imgW="1333500" imgH="482600" progId="Equation.DSMT4">
-                  <p:embed/>
-                  <p:pic>
-                    <p:nvPicPr>
-                      <p:cNvPr id="0" name=""/>
-                      <p:cNvPicPr/>
-                      <p:nvPr/>
-                    </p:nvPicPr>
-                    <p:blipFill>
-                      <a:blip r:embed="rId5"/>
-                      <a:stretch>
-                        <a:fillRect/>
-                      </a:stretch>
-                    </p:blipFill>
-                    <p:spPr>
-                      <a:xfrm>
-                        <a:off x="885824" y="3282949"/>
-                        <a:ext cx="3172598" cy="1149351"/>
-                      </a:xfrm>
-                      <a:prstGeom prst="rect">
-                        <a:avLst/>
-                      </a:prstGeom>
-                    </p:spPr>
-                  </p:pic>
-                </p:oleObj>
-              </mc:Fallback>
-            </mc:AlternateContent>
-          </a:graphicData>
-        </a:graphic>
-      </p:graphicFrame>
-      <p:sp>
+      <p:sp useBgFill="1">
         <p:nvSpPr>
           <p:cNvPr id="5" name="TextBox 4"/>
           <p:cNvSpPr txBox="1"/>
@@ -21514,180 +21342,28 @@
         </p:nvSpPr>
         <p:spPr>
           <a:xfrm>
-            <a:off x="4013201" y="3924300"/>
-            <a:ext cx="647700" cy="461665"/>
+            <a:off x="161126" y="425546"/>
+            <a:ext cx="1795984" cy="830997"/>
           </a:xfrm>
           <a:prstGeom prst="rect">
             <a:avLst/>
           </a:prstGeom>
-          <a:noFill/>
         </p:spPr>
         <p:txBody>
-          <a:bodyPr wrap="square" rtlCol="0">
+          <a:bodyPr wrap="none" rtlCol="0">
             <a:spAutoFit/>
           </a:bodyPr>
           <a:lstStyle/>
           <a:p>
             <a:pPr algn="l"/>
             <a:r>
-              <a:rPr lang="en-US" sz="2400" dirty="0" smtClean="0">
+              <a:rPr lang="en-US" sz="4800" dirty="0" smtClean="0">
                 <a:solidFill>
-                  <a:schemeClr val="accent1">
-                    <a:lumMod val="50000"/>
-                  </a:schemeClr>
+                  <a:srgbClr val="FF03E3"/>
                 </a:solidFill>
                 <a:latin typeface="Comic Sans MS" pitchFamily="66" charset="0"/>
               </a:rPr>
-              <a:t>OR</a:t>
-            </a:r>
-          </a:p>
-        </p:txBody>
-      </p:sp>
-      <p:graphicFrame>
-        <p:nvGraphicFramePr>
-          <p:cNvPr id="9" name="Object 8"/>
-          <p:cNvGraphicFramePr>
-            <a:graphicFrameLocks noChangeAspect="1"/>
-          </p:cNvGraphicFramePr>
-          <p:nvPr>
-            <p:extLst>
-              <p:ext uri="{D42A27DB-BD31-4B8C-83A1-F6EECF244321}">
-                <p14:modId xmlns:p14="http://schemas.microsoft.com/office/powerpoint/2010/main" val="3599236877"/>
-              </p:ext>
-            </p:extLst>
-          </p:nvPr>
-        </p:nvGraphicFramePr>
-        <p:xfrm>
-          <a:off x="4686300" y="3259138"/>
-          <a:ext cx="2808288" cy="1209675"/>
-        </p:xfrm>
-        <a:graphic>
-          <a:graphicData uri="http://schemas.openxmlformats.org/presentationml/2006/ole">
-            <mc:AlternateContent xmlns:mc="http://schemas.openxmlformats.org/markup-compatibility/2006">
-              <mc:Choice xmlns:v="urn:schemas-microsoft-com:vml" Requires="v">
-                <p:oleObj spid="_x0000_s527376" name="Equation" r:id="rId6" imgW="1181100" imgH="508000" progId="Equation.DSMT4">
-                  <p:embed/>
-                </p:oleObj>
-              </mc:Choice>
-              <mc:Fallback>
-                <p:oleObj name="Equation" r:id="rId6" imgW="1181100" imgH="508000" progId="Equation.DSMT4">
-                  <p:embed/>
-                  <p:pic>
-                    <p:nvPicPr>
-                      <p:cNvPr id="0" name=""/>
-                      <p:cNvPicPr/>
-                      <p:nvPr/>
-                    </p:nvPicPr>
-                    <p:blipFill>
-                      <a:blip r:embed="rId7"/>
-                      <a:stretch>
-                        <a:fillRect/>
-                      </a:stretch>
-                    </p:blipFill>
-                    <p:spPr>
-                      <a:xfrm>
-                        <a:off x="4686300" y="3259138"/>
-                        <a:ext cx="2808288" cy="1209675"/>
-                      </a:xfrm>
-                      <a:prstGeom prst="rect">
-                        <a:avLst/>
-                      </a:prstGeom>
-                    </p:spPr>
-                  </p:pic>
-                </p:oleObj>
-              </mc:Fallback>
-            </mc:AlternateContent>
-          </a:graphicData>
-        </a:graphic>
-      </p:graphicFrame>
-      <p:graphicFrame>
-        <p:nvGraphicFramePr>
-          <p:cNvPr id="11" name="Object 10"/>
-          <p:cNvGraphicFramePr>
-            <a:graphicFrameLocks noChangeAspect="1"/>
-          </p:cNvGraphicFramePr>
-          <p:nvPr>
-            <p:extLst>
-              <p:ext uri="{D42A27DB-BD31-4B8C-83A1-F6EECF244321}">
-                <p14:modId xmlns:p14="http://schemas.microsoft.com/office/powerpoint/2010/main" val="1387628101"/>
-              </p:ext>
-            </p:extLst>
-          </p:nvPr>
-        </p:nvGraphicFramePr>
-        <p:xfrm>
-          <a:off x="2684463" y="4652963"/>
-          <a:ext cx="2717800" cy="604837"/>
-        </p:xfrm>
-        <a:graphic>
-          <a:graphicData uri="http://schemas.openxmlformats.org/presentationml/2006/ole">
-            <mc:AlternateContent xmlns:mc="http://schemas.openxmlformats.org/markup-compatibility/2006">
-              <mc:Choice xmlns:v="urn:schemas-microsoft-com:vml" Requires="v">
-                <p:oleObj spid="_x0000_s527377" name="Equation" r:id="rId8" imgW="1143000" imgH="254000" progId="Equation.DSMT4">
-                  <p:embed/>
-                </p:oleObj>
-              </mc:Choice>
-              <mc:Fallback>
-                <p:oleObj name="Equation" r:id="rId8" imgW="1143000" imgH="254000" progId="Equation.DSMT4">
-                  <p:embed/>
-                  <p:pic>
-                    <p:nvPicPr>
-                      <p:cNvPr id="0" name=""/>
-                      <p:cNvPicPr/>
-                      <p:nvPr/>
-                    </p:nvPicPr>
-                    <p:blipFill>
-                      <a:blip r:embed="rId9"/>
-                      <a:stretch>
-                        <a:fillRect/>
-                      </a:stretch>
-                    </p:blipFill>
-                    <p:spPr>
-                      <a:xfrm>
-                        <a:off x="2684463" y="4652963"/>
-                        <a:ext cx="2717800" cy="604837"/>
-                      </a:xfrm>
-                      <a:prstGeom prst="rect">
-                        <a:avLst/>
-                      </a:prstGeom>
-                    </p:spPr>
-                  </p:pic>
-                </p:oleObj>
-              </mc:Fallback>
-            </mc:AlternateContent>
-          </a:graphicData>
-        </a:graphic>
-      </p:graphicFrame>
-      <p:sp>
-        <p:nvSpPr>
-          <p:cNvPr id="13" name="TextBox 12"/>
-          <p:cNvSpPr txBox="1"/>
-          <p:nvPr/>
-        </p:nvSpPr>
-        <p:spPr>
-          <a:xfrm>
-            <a:off x="7442201" y="3962400"/>
-            <a:ext cx="647700" cy="461665"/>
-          </a:xfrm>
-          <a:prstGeom prst="rect">
-            <a:avLst/>
-          </a:prstGeom>
-          <a:noFill/>
-        </p:spPr>
-        <p:txBody>
-          <a:bodyPr wrap="square" rtlCol="0">
-            <a:spAutoFit/>
-          </a:bodyPr>
-          <a:lstStyle/>
-          <a:p>
-            <a:pPr algn="l"/>
-            <a:r>
-              <a:rPr lang="en-US" sz="2400" dirty="0" smtClean="0">
-                <a:solidFill>
-                  <a:srgbClr val="0000E5"/>
-                </a:solidFill>
-                <a:latin typeface="Comic Sans MS" pitchFamily="66" charset="0"/>
-              </a:rPr>
-              <a:t>OR</a:t>
+              <a:t>Done:</a:t>
             </a:r>
           </a:p>
         </p:txBody>
@@ -21695,7 +21371,7 @@
     </p:spTree>
     <p:extLst>
       <p:ext uri="{BB962C8B-B14F-4D97-AF65-F5344CB8AC3E}">
-        <p14:creationId xmlns:p14="http://schemas.microsoft.com/office/powerpoint/2010/main" val="2896971768"/>
+        <p14:creationId xmlns:p14="http://schemas.microsoft.com/office/powerpoint/2010/main" val="799748073"/>
       </p:ext>
     </p:extLst>
   </p:cSld>
@@ -21726,6 +21402,9 @@
                     <p:cTn id="3" fill="hold">
                       <p:stCondLst>
                         <p:cond delay="indefinite"/>
+                        <p:cond evt="onBegin" delay="0">
+                          <p:tn val="2"/>
+                        </p:cond>
                       </p:stCondLst>
                       <p:childTnLst>
                         <p:par>
@@ -21735,7 +21414,7 @@
                             </p:stCondLst>
                             <p:childTnLst>
                               <p:par>
-                                <p:cTn id="5" presetID="10" presetClass="entr" presetSubtype="0" fill="hold" grpId="0" nodeType="clickEffect">
+                                <p:cTn id="5" presetID="10" presetClass="entr" presetSubtype="0" fill="hold" grpId="0" nodeType="afterEffect">
                                   <p:stCondLst>
                                     <p:cond delay="0"/>
                                   </p:stCondLst>
@@ -21748,7 +21427,7 @@
                                           </p:stCondLst>
                                         </p:cTn>
                                         <p:tgtEl>
-                                          <p:spTgt spid="12"/>
+                                          <p:spTgt spid="5"/>
                                         </p:tgtEl>
                                         <p:attrNameLst>
                                           <p:attrName>style.visibility</p:attrName>
@@ -21762,7 +21441,7 @@
                                       <p:cBhvr>
                                         <p:cTn id="7" dur="500"/>
                                         <p:tgtEl>
-                                          <p:spTgt spid="12"/>
+                                          <p:spTgt spid="5"/>
                                         </p:tgtEl>
                                       </p:cBhvr>
                                     </p:animEffect>
@@ -21797,13 +21476,13 @@
       </p:par>
     </p:tnLst>
     <p:bldLst>
-      <p:bldP spid="12" grpId="0"/>
+      <p:bldP spid="5" grpId="0" animBg="1"/>
     </p:bldLst>
   </p:timing>
 </p:sld>
 </file>
 
-<file path=ppt/slides/slide42.xml><?xml version="1.0" encoding="utf-8"?>
+<file path=ppt/slides/slide45.xml><?xml version="1.0" encoding="utf-8"?>
 <p:sld xmlns:a="http://schemas.openxmlformats.org/drawingml/2006/main" xmlns:r="http://schemas.openxmlformats.org/officeDocument/2006/relationships" xmlns:p="http://schemas.openxmlformats.org/presentationml/2006/main">
   <p:cSld>
     <p:spTree>
@@ -21822,326 +21501,6 @@
       </p:grpSpPr>
       <p:sp>
         <p:nvSpPr>
-          <p:cNvPr id="4" name="Slide Number Placeholder 2"/>
-          <p:cNvSpPr>
-            <a:spLocks noGrp="1"/>
-          </p:cNvSpPr>
-          <p:nvPr>
-            <p:ph type="sldNum" sz="quarter" idx="10"/>
-          </p:nvPr>
-        </p:nvSpPr>
-        <p:spPr>
-          <a:xfrm>
-            <a:off x="7333815" y="6553200"/>
-            <a:ext cx="1810186" cy="276999"/>
-          </a:xfrm>
-        </p:spPr>
-        <p:txBody>
-          <a:bodyPr/>
-          <a:lstStyle/>
-          <a:p>
-            <a:r>
-              <a:rPr lang="en-US" dirty="0" smtClean="0"/>
-              <a:t>propositional algebra.</a:t>
-            </a:r>
-            <a:fld id="{3251DA95-B240-47FE-901D-B78FC8E8E532}" type="slidenum">
-              <a:rPr lang="en-US" smtClean="0"/>
-              <a:pPr/>
-              <a:t>42</a:t>
-            </a:fld>
-            <a:endParaRPr lang="en-US" dirty="0"/>
-          </a:p>
-        </p:txBody>
-      </p:sp>
-      <p:graphicFrame>
-        <p:nvGraphicFramePr>
-          <p:cNvPr id="7" name="Object 6"/>
-          <p:cNvGraphicFramePr>
-            <a:graphicFrameLocks noChangeAspect="1"/>
-          </p:cNvGraphicFramePr>
-          <p:nvPr>
-            <p:extLst>
-              <p:ext uri="{D42A27DB-BD31-4B8C-83A1-F6EECF244321}">
-                <p14:modId xmlns:p14="http://schemas.microsoft.com/office/powerpoint/2010/main" val="2224980148"/>
-              </p:ext>
-            </p:extLst>
-          </p:nvPr>
-        </p:nvGraphicFramePr>
-        <p:xfrm>
-          <a:off x="819150" y="1631950"/>
-          <a:ext cx="6403975" cy="1149350"/>
-        </p:xfrm>
-        <a:graphic>
-          <a:graphicData uri="http://schemas.openxmlformats.org/presentationml/2006/ole">
-            <mc:AlternateContent xmlns:mc="http://schemas.openxmlformats.org/markup-compatibility/2006">
-              <mc:Choice xmlns:v="urn:schemas-microsoft-com:vml" Requires="v">
-                <p:oleObj spid="_x0000_s529414" name="Equation" r:id="rId4" imgW="2692400" imgH="482600" progId="Equation.DSMT4">
-                  <p:embed/>
-                </p:oleObj>
-              </mc:Choice>
-              <mc:Fallback>
-                <p:oleObj name="Equation" r:id="rId4" imgW="2692400" imgH="482600" progId="Equation.DSMT4">
-                  <p:embed/>
-                  <p:pic>
-                    <p:nvPicPr>
-                      <p:cNvPr id="0" name=""/>
-                      <p:cNvPicPr/>
-                      <p:nvPr/>
-                    </p:nvPicPr>
-                    <p:blipFill>
-                      <a:blip r:embed="rId5"/>
-                      <a:stretch>
-                        <a:fillRect/>
-                      </a:stretch>
-                    </p:blipFill>
-                    <p:spPr>
-                      <a:xfrm>
-                        <a:off x="819150" y="1631950"/>
-                        <a:ext cx="6403975" cy="1149350"/>
-                      </a:xfrm>
-                      <a:prstGeom prst="rect">
-                        <a:avLst/>
-                      </a:prstGeom>
-                    </p:spPr>
-                  </p:pic>
-                </p:oleObj>
-              </mc:Fallback>
-            </mc:AlternateContent>
-          </a:graphicData>
-        </a:graphic>
-      </p:graphicFrame>
-      <p:sp>
-        <p:nvSpPr>
-          <p:cNvPr id="10" name="Title 4"/>
-          <p:cNvSpPr txBox="1">
-            <a:spLocks/>
-          </p:cNvSpPr>
-          <p:nvPr/>
-        </p:nvSpPr>
-        <p:spPr bwMode="auto">
-          <a:xfrm>
-            <a:off x="1892300" y="279400"/>
-            <a:ext cx="5969000" cy="1130300"/>
-          </a:xfrm>
-          <a:prstGeom prst="rect">
-            <a:avLst/>
-          </a:prstGeom>
-          <a:noFill/>
-          <a:ln w="9525">
-            <a:noFill/>
-            <a:miter lim="800000"/>
-            <a:headEnd/>
-            <a:tailEnd/>
-          </a:ln>
-        </p:spPr>
-        <p:txBody>
-          <a:bodyPr vert="horz" wrap="square" lIns="91440" tIns="45720" rIns="91440" bIns="45720" numCol="1" anchor="ctr" anchorCtr="0" compatLnSpc="1">
-            <a:prstTxWarp prst="textNoShape">
-              <a:avLst/>
-            </a:prstTxWarp>
-          </a:bodyPr>
-          <a:lstStyle>
-            <a:lvl1pPr algn="l" rtl="0" eaLnBrk="0" fontAlgn="base" hangingPunct="0">
-              <a:spcBef>
-                <a:spcPct val="0"/>
-              </a:spcBef>
-              <a:spcAft>
-                <a:spcPct val="0"/>
-              </a:spcAft>
-              <a:defRPr sz="3600" b="1">
-                <a:solidFill>
-                  <a:schemeClr val="tx2"/>
-                </a:solidFill>
-                <a:latin typeface="Comic Sans MS" pitchFamily="66" charset="0"/>
-                <a:ea typeface="+mj-ea"/>
-                <a:cs typeface="+mj-cs"/>
-              </a:defRPr>
-            </a:lvl1pPr>
-            <a:lvl2pPr algn="l" rtl="0" eaLnBrk="0" fontAlgn="base" hangingPunct="0">
-              <a:spcBef>
-                <a:spcPct val="0"/>
-              </a:spcBef>
-              <a:spcAft>
-                <a:spcPct val="0"/>
-              </a:spcAft>
-              <a:defRPr sz="4400" b="1">
-                <a:solidFill>
-                  <a:schemeClr val="tx2"/>
-                </a:solidFill>
-                <a:latin typeface="Comic Sans MS" pitchFamily="66" charset="0"/>
-              </a:defRPr>
-            </a:lvl2pPr>
-            <a:lvl3pPr algn="l" rtl="0" eaLnBrk="0" fontAlgn="base" hangingPunct="0">
-              <a:spcBef>
-                <a:spcPct val="0"/>
-              </a:spcBef>
-              <a:spcAft>
-                <a:spcPct val="0"/>
-              </a:spcAft>
-              <a:defRPr sz="4400" b="1">
-                <a:solidFill>
-                  <a:schemeClr val="tx2"/>
-                </a:solidFill>
-                <a:latin typeface="Comic Sans MS" pitchFamily="66" charset="0"/>
-              </a:defRPr>
-            </a:lvl3pPr>
-            <a:lvl4pPr algn="l" rtl="0" eaLnBrk="0" fontAlgn="base" hangingPunct="0">
-              <a:spcBef>
-                <a:spcPct val="0"/>
-              </a:spcBef>
-              <a:spcAft>
-                <a:spcPct val="0"/>
-              </a:spcAft>
-              <a:defRPr sz="4400" b="1">
-                <a:solidFill>
-                  <a:schemeClr val="tx2"/>
-                </a:solidFill>
-                <a:latin typeface="Comic Sans MS" pitchFamily="66" charset="0"/>
-              </a:defRPr>
-            </a:lvl4pPr>
-            <a:lvl5pPr algn="l" rtl="0" eaLnBrk="0" fontAlgn="base" hangingPunct="0">
-              <a:spcBef>
-                <a:spcPct val="0"/>
-              </a:spcBef>
-              <a:spcAft>
-                <a:spcPct val="0"/>
-              </a:spcAft>
-              <a:defRPr sz="4400" b="1">
-                <a:solidFill>
-                  <a:schemeClr val="tx2"/>
-                </a:solidFill>
-                <a:latin typeface="Comic Sans MS" pitchFamily="66" charset="0"/>
-              </a:defRPr>
-            </a:lvl5pPr>
-            <a:lvl6pPr marL="457200" algn="l" rtl="0" fontAlgn="base">
-              <a:spcBef>
-                <a:spcPct val="0"/>
-              </a:spcBef>
-              <a:spcAft>
-                <a:spcPct val="0"/>
-              </a:spcAft>
-              <a:defRPr sz="4400" b="1">
-                <a:solidFill>
-                  <a:schemeClr val="tx2"/>
-                </a:solidFill>
-                <a:latin typeface="Times New Roman" pitchFamily="18" charset="0"/>
-              </a:defRPr>
-            </a:lvl6pPr>
-            <a:lvl7pPr marL="914400" algn="l" rtl="0" fontAlgn="base">
-              <a:spcBef>
-                <a:spcPct val="0"/>
-              </a:spcBef>
-              <a:spcAft>
-                <a:spcPct val="0"/>
-              </a:spcAft>
-              <a:defRPr sz="4400" b="1">
-                <a:solidFill>
-                  <a:schemeClr val="tx2"/>
-                </a:solidFill>
-                <a:latin typeface="Times New Roman" pitchFamily="18" charset="0"/>
-              </a:defRPr>
-            </a:lvl7pPr>
-            <a:lvl8pPr marL="1371600" algn="l" rtl="0" fontAlgn="base">
-              <a:spcBef>
-                <a:spcPct val="0"/>
-              </a:spcBef>
-              <a:spcAft>
-                <a:spcPct val="0"/>
-              </a:spcAft>
-              <a:defRPr sz="4400" b="1">
-                <a:solidFill>
-                  <a:schemeClr val="tx2"/>
-                </a:solidFill>
-                <a:latin typeface="Times New Roman" pitchFamily="18" charset="0"/>
-              </a:defRPr>
-            </a:lvl8pPr>
-            <a:lvl9pPr marL="1828800" algn="l" rtl="0" fontAlgn="base">
-              <a:spcBef>
-                <a:spcPct val="0"/>
-              </a:spcBef>
-              <a:spcAft>
-                <a:spcPct val="0"/>
-              </a:spcAft>
-              <a:defRPr sz="4400" b="1">
-                <a:solidFill>
-                  <a:schemeClr val="tx2"/>
-                </a:solidFill>
-                <a:latin typeface="Times New Roman" pitchFamily="18" charset="0"/>
-              </a:defRPr>
-            </a:lvl9pPr>
-          </a:lstStyle>
-          <a:p>
-            <a:r>
-              <a:rPr lang="en-US" sz="4800" dirty="0" smtClean="0"/>
-              <a:t>Sorted </a:t>
-            </a:r>
-            <a:r>
-              <a:rPr lang="en-US" sz="4800" dirty="0" smtClean="0">
-                <a:solidFill>
-                  <a:srgbClr val="000000"/>
-                </a:solidFill>
-              </a:rPr>
-              <a:t>Full DNF</a:t>
-            </a:r>
-            <a:endParaRPr lang="en-US" sz="4800" dirty="0">
-              <a:solidFill>
-                <a:srgbClr val="000000"/>
-              </a:solidFill>
-            </a:endParaRPr>
-          </a:p>
-        </p:txBody>
-      </p:sp>
-    </p:spTree>
-    <p:extLst>
-      <p:ext uri="{BB962C8B-B14F-4D97-AF65-F5344CB8AC3E}">
-        <p14:creationId xmlns:p14="http://schemas.microsoft.com/office/powerpoint/2010/main" val="799748073"/>
-      </p:ext>
-    </p:extLst>
-  </p:cSld>
-  <p:clrMapOvr>
-    <a:masterClrMapping/>
-  </p:clrMapOvr>
-  <mc:AlternateContent xmlns:mc="http://schemas.openxmlformats.org/markup-compatibility/2006" xmlns:p14="http://schemas.microsoft.com/office/powerpoint/2010/main">
-    <mc:Choice Requires="p14">
-      <p:transition spd="med" p14:dur="600" advClick="0">
-        <p:fade/>
-      </p:transition>
-    </mc:Choice>
-    <mc:Fallback xmlns="">
-      <p:transition xmlns:p14="http://schemas.microsoft.com/office/powerpoint/2010/main" spd="med" advClick="0">
-        <p:fade/>
-      </p:transition>
-    </mc:Fallback>
-  </mc:AlternateContent>
-  <p:timing>
-    <p:tnLst>
-      <p:par>
-        <p:cTn xmlns:p14="http://schemas.microsoft.com/office/powerpoint/2010/main" id="1" dur="indefinite" restart="never" nodeType="tmRoot"/>
-      </p:par>
-    </p:tnLst>
-  </p:timing>
-</p:sld>
-</file>
-
-<file path=ppt/slides/slide43.xml><?xml version="1.0" encoding="utf-8"?>
-<p:sld xmlns:a="http://schemas.openxmlformats.org/drawingml/2006/main" xmlns:r="http://schemas.openxmlformats.org/officeDocument/2006/relationships" xmlns:p="http://schemas.openxmlformats.org/presentationml/2006/main">
-  <p:cSld>
-    <p:spTree>
-      <p:nvGrpSpPr>
-        <p:cNvPr id="1" name=""/>
-        <p:cNvGrpSpPr/>
-        <p:nvPr/>
-      </p:nvGrpSpPr>
-      <p:grpSpPr>
-        <a:xfrm>
-          <a:off x="0" y="0"/>
-          <a:ext cx="0" cy="0"/>
-          <a:chOff x="0" y="0"/>
-          <a:chExt cx="0" cy="0"/>
-        </a:xfrm>
-      </p:grpSpPr>
-      <p:sp>
-        <p:nvSpPr>
           <p:cNvPr id="5" name="TextBox 4"/>
           <p:cNvSpPr txBox="1"/>
           <p:nvPr/>
@@ -22335,7 +21694,7 @@
             <a:fld id="{3251DA95-B240-47FE-901D-B78FC8E8E532}" type="slidenum">
               <a:rPr lang="en-US" smtClean="0"/>
               <a:pPr/>
-              <a:t>43</a:t>
+              <a:t>45</a:t>
             </a:fld>
             <a:endParaRPr lang="en-US" dirty="0"/>
           </a:p>
@@ -22491,350 +21850,6 @@
 </p:sld>
 </file>
 
-<file path=ppt/slides/slide44.xml><?xml version="1.0" encoding="utf-8"?>
-<p:sld xmlns:a="http://schemas.openxmlformats.org/drawingml/2006/main" xmlns:r="http://schemas.openxmlformats.org/officeDocument/2006/relationships" xmlns:p="http://schemas.openxmlformats.org/presentationml/2006/main">
-  <p:cSld>
-    <p:spTree>
-      <p:nvGrpSpPr>
-        <p:cNvPr id="1" name=""/>
-        <p:cNvGrpSpPr/>
-        <p:nvPr/>
-      </p:nvGrpSpPr>
-      <p:grpSpPr>
-        <a:xfrm>
-          <a:off x="0" y="0"/>
-          <a:ext cx="0" cy="0"/>
-          <a:chOff x="0" y="0"/>
-          <a:chExt cx="0" cy="0"/>
-        </a:xfrm>
-      </p:grpSpPr>
-      <p:sp>
-        <p:nvSpPr>
-          <p:cNvPr id="5" name="TextBox 4"/>
-          <p:cNvSpPr txBox="1"/>
-          <p:nvPr/>
-        </p:nvSpPr>
-        <p:spPr>
-          <a:xfrm>
-            <a:off x="249243" y="1847840"/>
-            <a:ext cx="8985240" cy="1754327"/>
-          </a:xfrm>
-          <a:prstGeom prst="rect">
-            <a:avLst/>
-          </a:prstGeom>
-          <a:noFill/>
-        </p:spPr>
-        <p:txBody>
-          <a:bodyPr wrap="square" rtlCol="0">
-            <a:spAutoFit/>
-          </a:bodyPr>
-          <a:lstStyle/>
-          <a:p>
-            <a:pPr algn="l"/>
-            <a:r>
-              <a:rPr lang="en-US" sz="5400" dirty="0" smtClean="0">
-                <a:solidFill>
-                  <a:srgbClr val="000000"/>
-                </a:solidFill>
-                <a:latin typeface="Comic Sans MS" pitchFamily="66" charset="0"/>
-              </a:rPr>
-              <a:t>Because two formulas are</a:t>
-            </a:r>
-          </a:p>
-          <a:p>
-            <a:pPr algn="l"/>
-            <a:r>
-              <a:rPr lang="en-US" sz="5400" dirty="0" smtClean="0">
-                <a:solidFill>
-                  <a:srgbClr val="000000"/>
-                </a:solidFill>
-                <a:latin typeface="Comic Sans MS" pitchFamily="66" charset="0"/>
-              </a:rPr>
-              <a:t>equivalent </a:t>
-            </a:r>
-            <a:endParaRPr lang="en-US" sz="5400" dirty="0">
-              <a:solidFill>
-                <a:srgbClr val="000000"/>
-              </a:solidFill>
-              <a:latin typeface="Comic Sans MS" pitchFamily="66" charset="0"/>
-            </a:endParaRPr>
-          </a:p>
-        </p:txBody>
-      </p:sp>
-      <p:sp>
-        <p:nvSpPr>
-          <p:cNvPr id="9" name="Title 1"/>
-          <p:cNvSpPr>
-            <a:spLocks noGrp="1"/>
-          </p:cNvSpPr>
-          <p:nvPr>
-            <p:ph type="title"/>
-          </p:nvPr>
-        </p:nvSpPr>
-        <p:spPr>
-          <a:xfrm>
-            <a:off x="1651000" y="363538"/>
-            <a:ext cx="6794500" cy="1003300"/>
-          </a:xfrm>
-        </p:spPr>
-        <p:txBody>
-          <a:bodyPr/>
-          <a:lstStyle/>
-          <a:p>
-            <a:r>
-              <a:rPr lang="en-US" sz="4000" dirty="0" smtClean="0"/>
-              <a:t>Algebra for Equivalence</a:t>
-            </a:r>
-            <a:endParaRPr lang="en-US" sz="4000" dirty="0"/>
-          </a:p>
-        </p:txBody>
-      </p:sp>
-      <p:sp>
-        <p:nvSpPr>
-          <p:cNvPr id="4" name="Slide Number Placeholder 2"/>
-          <p:cNvSpPr>
-            <a:spLocks noGrp="1"/>
-          </p:cNvSpPr>
-          <p:nvPr>
-            <p:ph type="sldNum" sz="quarter" idx="10"/>
-          </p:nvPr>
-        </p:nvSpPr>
-        <p:spPr>
-          <a:xfrm>
-            <a:off x="7333815" y="6553200"/>
-            <a:ext cx="1810186" cy="276999"/>
-          </a:xfrm>
-        </p:spPr>
-        <p:txBody>
-          <a:bodyPr/>
-          <a:lstStyle/>
-          <a:p>
-            <a:r>
-              <a:rPr lang="en-US" dirty="0" smtClean="0"/>
-              <a:t>propositional algebra.</a:t>
-            </a:r>
-            <a:fld id="{3251DA95-B240-47FE-901D-B78FC8E8E532}" type="slidenum">
-              <a:rPr lang="en-US" smtClean="0"/>
-              <a:pPr/>
-              <a:t>44</a:t>
-            </a:fld>
-            <a:endParaRPr lang="en-US" dirty="0"/>
-          </a:p>
-        </p:txBody>
-      </p:sp>
-    </p:spTree>
-    <p:extLst>
-      <p:ext uri="{BB962C8B-B14F-4D97-AF65-F5344CB8AC3E}">
-        <p14:creationId xmlns:p14="http://schemas.microsoft.com/office/powerpoint/2010/main" val="2003119538"/>
-      </p:ext>
-    </p:extLst>
-  </p:cSld>
-  <p:clrMapOvr>
-    <a:masterClrMapping/>
-  </p:clrMapOvr>
-  <mc:AlternateContent xmlns:mc="http://schemas.openxmlformats.org/markup-compatibility/2006" xmlns:p14="http://schemas.microsoft.com/office/powerpoint/2010/main">
-    <mc:Choice Requires="p14">
-      <p:transition spd="med" p14:dur="700" advClick="0">
-        <p:fade/>
-      </p:transition>
-    </mc:Choice>
-    <mc:Fallback xmlns="">
-      <p:transition xmlns:p14="http://schemas.microsoft.com/office/powerpoint/2010/main" spd="med" advClick="0">
-        <p:fade/>
-      </p:transition>
-    </mc:Fallback>
-  </mc:AlternateContent>
-  <p:timing>
-    <p:tnLst>
-      <p:par>
-        <p:cTn xmlns:p14="http://schemas.microsoft.com/office/powerpoint/2010/main" id="1" dur="indefinite" restart="never" nodeType="tmRoot"/>
-      </p:par>
-    </p:tnLst>
-  </p:timing>
-</p:sld>
-</file>
-
-<file path=ppt/slides/slide45.xml><?xml version="1.0" encoding="utf-8"?>
-<p:sld xmlns:a="http://schemas.openxmlformats.org/drawingml/2006/main" xmlns:r="http://schemas.openxmlformats.org/officeDocument/2006/relationships" xmlns:p="http://schemas.openxmlformats.org/presentationml/2006/main">
-  <p:cSld>
-    <p:spTree>
-      <p:nvGrpSpPr>
-        <p:cNvPr id="1" name=""/>
-        <p:cNvGrpSpPr/>
-        <p:nvPr/>
-      </p:nvGrpSpPr>
-      <p:grpSpPr>
-        <a:xfrm>
-          <a:off x="0" y="0"/>
-          <a:ext cx="0" cy="0"/>
-          <a:chOff x="0" y="0"/>
-          <a:chExt cx="0" cy="0"/>
-        </a:xfrm>
-      </p:grpSpPr>
-      <p:sp>
-        <p:nvSpPr>
-          <p:cNvPr id="5" name="TextBox 4"/>
-          <p:cNvSpPr txBox="1"/>
-          <p:nvPr/>
-        </p:nvSpPr>
-        <p:spPr>
-          <a:xfrm>
-            <a:off x="249243" y="1847840"/>
-            <a:ext cx="8985240" cy="2585323"/>
-          </a:xfrm>
-          <a:prstGeom prst="rect">
-            <a:avLst/>
-          </a:prstGeom>
-          <a:noFill/>
-        </p:spPr>
-        <p:txBody>
-          <a:bodyPr wrap="square" rtlCol="0">
-            <a:spAutoFit/>
-          </a:bodyPr>
-          <a:lstStyle/>
-          <a:p>
-            <a:pPr algn="l"/>
-            <a:r>
-              <a:rPr lang="en-US" sz="5400" dirty="0" smtClean="0">
-                <a:solidFill>
-                  <a:srgbClr val="000000"/>
-                </a:solidFill>
-                <a:latin typeface="Comic Sans MS" pitchFamily="66" charset="0"/>
-              </a:rPr>
-              <a:t>Because two formulas are</a:t>
-            </a:r>
-          </a:p>
-          <a:p>
-            <a:pPr algn="l"/>
-            <a:r>
-              <a:rPr lang="en-US" sz="5400" dirty="0" smtClean="0">
-                <a:solidFill>
-                  <a:srgbClr val="000000"/>
-                </a:solidFill>
-                <a:latin typeface="Comic Sans MS" pitchFamily="66" charset="0"/>
-              </a:rPr>
-              <a:t>equivalent </a:t>
-            </a:r>
-            <a:r>
-              <a:rPr lang="en-US" sz="5400" dirty="0" err="1" smtClean="0">
-                <a:solidFill>
-                  <a:srgbClr val="000000"/>
-                </a:solidFill>
-                <a:latin typeface="Comic Sans MS" pitchFamily="66" charset="0"/>
-              </a:rPr>
-              <a:t>iff</a:t>
-            </a:r>
-            <a:r>
-              <a:rPr lang="en-US" sz="5400" dirty="0" smtClean="0">
-                <a:solidFill>
-                  <a:srgbClr val="000000"/>
-                </a:solidFill>
-                <a:latin typeface="Comic Sans MS" pitchFamily="66" charset="0"/>
-              </a:rPr>
-              <a:t> have same truth table</a:t>
-            </a:r>
-            <a:endParaRPr lang="en-US" sz="5400" dirty="0">
-              <a:solidFill>
-                <a:srgbClr val="000000"/>
-              </a:solidFill>
-              <a:latin typeface="Comic Sans MS" pitchFamily="66" charset="0"/>
-            </a:endParaRPr>
-          </a:p>
-        </p:txBody>
-      </p:sp>
-      <p:sp>
-        <p:nvSpPr>
-          <p:cNvPr id="9" name="Title 1"/>
-          <p:cNvSpPr>
-            <a:spLocks noGrp="1"/>
-          </p:cNvSpPr>
-          <p:nvPr>
-            <p:ph type="title"/>
-          </p:nvPr>
-        </p:nvSpPr>
-        <p:spPr>
-          <a:xfrm>
-            <a:off x="1651000" y="363538"/>
-            <a:ext cx="6794500" cy="1003300"/>
-          </a:xfrm>
-        </p:spPr>
-        <p:txBody>
-          <a:bodyPr/>
-          <a:lstStyle/>
-          <a:p>
-            <a:r>
-              <a:rPr lang="en-US" sz="4000" dirty="0" smtClean="0"/>
-              <a:t>Algebra for Equivalence</a:t>
-            </a:r>
-            <a:endParaRPr lang="en-US" sz="4000" dirty="0"/>
-          </a:p>
-        </p:txBody>
-      </p:sp>
-      <p:sp>
-        <p:nvSpPr>
-          <p:cNvPr id="4" name="Slide Number Placeholder 2"/>
-          <p:cNvSpPr>
-            <a:spLocks noGrp="1"/>
-          </p:cNvSpPr>
-          <p:nvPr>
-            <p:ph type="sldNum" sz="quarter" idx="10"/>
-          </p:nvPr>
-        </p:nvSpPr>
-        <p:spPr>
-          <a:xfrm>
-            <a:off x="7333815" y="6553200"/>
-            <a:ext cx="1810186" cy="276999"/>
-          </a:xfrm>
-        </p:spPr>
-        <p:txBody>
-          <a:bodyPr/>
-          <a:lstStyle/>
-          <a:p>
-            <a:r>
-              <a:rPr lang="en-US" dirty="0" smtClean="0"/>
-              <a:t>propositional algebra.</a:t>
-            </a:r>
-            <a:fld id="{3251DA95-B240-47FE-901D-B78FC8E8E532}" type="slidenum">
-              <a:rPr lang="en-US" smtClean="0"/>
-              <a:pPr/>
-              <a:t>45</a:t>
-            </a:fld>
-            <a:endParaRPr lang="en-US" dirty="0"/>
-          </a:p>
-        </p:txBody>
-      </p:sp>
-    </p:spTree>
-    <p:extLst>
-      <p:ext uri="{BB962C8B-B14F-4D97-AF65-F5344CB8AC3E}">
-        <p14:creationId xmlns:p14="http://schemas.microsoft.com/office/powerpoint/2010/main" val="2442323819"/>
-      </p:ext>
-    </p:extLst>
-  </p:cSld>
-  <p:clrMapOvr>
-    <a:masterClrMapping/>
-  </p:clrMapOvr>
-  <mc:AlternateContent xmlns:mc="http://schemas.openxmlformats.org/markup-compatibility/2006" xmlns:p14="http://schemas.microsoft.com/office/powerpoint/2010/main">
-    <mc:Choice Requires="p14">
-      <p:transition spd="med" p14:dur="700" advClick="0">
-        <p:fade/>
-      </p:transition>
-    </mc:Choice>
-    <mc:Fallback xmlns="">
-      <p:transition xmlns:p14="http://schemas.microsoft.com/office/powerpoint/2010/main" spd="med" advClick="0">
-        <p:fade/>
-      </p:transition>
-    </mc:Fallback>
-  </mc:AlternateContent>
-  <p:timing>
-    <p:tnLst>
-      <p:par>
-        <p:cTn xmlns:p14="http://schemas.microsoft.com/office/powerpoint/2010/main" id="1" dur="indefinite" restart="never" nodeType="tmRoot"/>
-      </p:par>
-    </p:tnLst>
-  </p:timing>
-</p:sld>
-</file>
-
 <file path=ppt/slides/slide46.xml><?xml version="1.0" encoding="utf-8"?>
 <p:sld xmlns:a="http://schemas.openxmlformats.org/drawingml/2006/main" xmlns:r="http://schemas.openxmlformats.org/officeDocument/2006/relationships" xmlns:p="http://schemas.openxmlformats.org/presentationml/2006/main">
   <p:cSld>
@@ -22861,7 +21876,7 @@
         <p:spPr>
           <a:xfrm>
             <a:off x="249243" y="1847840"/>
-            <a:ext cx="8985240" cy="3416320"/>
+            <a:ext cx="8985240" cy="1754327"/>
           </a:xfrm>
           <a:prstGeom prst="rect">
             <a:avLst/>
@@ -22896,54 +21911,6 @@
               </a:rPr>
               <a:t>equivalent </a:t>
             </a:r>
-            <a:r>
-              <a:rPr lang="en-US" sz="5400" dirty="0" err="1" smtClean="0">
-                <a:solidFill>
-                  <a:srgbClr val="000000"/>
-                </a:solidFill>
-                <a:latin typeface="Comic Sans MS" pitchFamily="66" charset="0"/>
-              </a:rPr>
-              <a:t>iff</a:t>
-            </a:r>
-            <a:r>
-              <a:rPr lang="en-US" sz="5400" dirty="0" smtClean="0">
-                <a:solidFill>
-                  <a:srgbClr val="000000"/>
-                </a:solidFill>
-                <a:latin typeface="Comic Sans MS" pitchFamily="66" charset="0"/>
-              </a:rPr>
-              <a:t> have same truth table </a:t>
-            </a:r>
-            <a:r>
-              <a:rPr lang="en-US" sz="5400" dirty="0" err="1" smtClean="0">
-                <a:solidFill>
-                  <a:srgbClr val="000000"/>
-                </a:solidFill>
-                <a:latin typeface="Comic Sans MS" pitchFamily="66" charset="0"/>
-              </a:rPr>
-              <a:t>iff</a:t>
-            </a:r>
-            <a:r>
-              <a:rPr lang="en-US" sz="5400" dirty="0" smtClean="0">
-                <a:solidFill>
-                  <a:srgbClr val="000000"/>
-                </a:solidFill>
-                <a:latin typeface="Comic Sans MS" pitchFamily="66" charset="0"/>
-              </a:rPr>
-              <a:t> have same</a:t>
-            </a:r>
-          </a:p>
-          <a:p>
-            <a:pPr algn="l"/>
-            <a:r>
-              <a:rPr lang="en-US" sz="5400" dirty="0" smtClean="0">
-                <a:solidFill>
-                  <a:srgbClr val="000000"/>
-                </a:solidFill>
-                <a:latin typeface="Comic Sans MS" pitchFamily="66" charset="0"/>
-              </a:rPr>
-              <a:t>sorted DNF.</a:t>
-            </a:r>
             <a:endParaRPr lang="en-US" sz="5400" dirty="0">
               <a:solidFill>
                 <a:srgbClr val="000000"/>
@@ -23017,7 +21984,7 @@
     </p:spTree>
     <p:extLst>
       <p:ext uri="{BB962C8B-B14F-4D97-AF65-F5344CB8AC3E}">
-        <p14:creationId xmlns:p14="http://schemas.microsoft.com/office/powerpoint/2010/main" val="1661767375"/>
+        <p14:creationId xmlns:p14="http://schemas.microsoft.com/office/powerpoint/2010/main" val="2003119538"/>
       </p:ext>
     </p:extLst>
   </p:cSld>
@@ -23065,42 +22032,14 @@
       </p:grpSpPr>
       <p:sp>
         <p:nvSpPr>
-          <p:cNvPr id="2" name="Title 1"/>
-          <p:cNvSpPr>
-            <a:spLocks noGrp="1"/>
-          </p:cNvSpPr>
-          <p:nvPr>
-            <p:ph type="title"/>
-          </p:nvPr>
-        </p:nvSpPr>
-        <p:spPr>
-          <a:xfrm>
-            <a:off x="2599202" y="325438"/>
-            <a:ext cx="6227298" cy="1058862"/>
-          </a:xfrm>
-        </p:spPr>
-        <p:txBody>
-          <a:bodyPr/>
-          <a:lstStyle/>
-          <a:p>
-            <a:r>
-              <a:rPr lang="en-US" sz="3600" dirty="0" smtClean="0"/>
-              <a:t>Validity Checking still hard</a:t>
-            </a:r>
-            <a:endParaRPr lang="en-US" sz="3600" dirty="0"/>
-          </a:p>
-        </p:txBody>
-      </p:sp>
-      <p:sp>
-        <p:nvSpPr>
           <p:cNvPr id="5" name="TextBox 4"/>
           <p:cNvSpPr txBox="1"/>
           <p:nvPr/>
         </p:nvSpPr>
         <p:spPr>
           <a:xfrm>
-            <a:off x="627063" y="1308100"/>
-            <a:ext cx="7970837" cy="2585323"/>
+            <a:off x="249243" y="1847840"/>
+            <a:ext cx="8985240" cy="2585323"/>
           </a:xfrm>
           <a:prstGeom prst="rect">
             <a:avLst/>
@@ -23116,28 +22055,46 @@
             <a:pPr algn="l"/>
             <a:r>
               <a:rPr lang="en-US" sz="5400" dirty="0" smtClean="0">
-                <a:latin typeface="Comic Sans MS" pitchFamily="66" charset="0"/>
-              </a:rPr>
-              <a:t>Algebraic proofs </a:t>
-            </a:r>
-            <a:r>
-              <a:rPr lang="en-US" sz="5400" dirty="0" smtClean="0">
                 <a:solidFill>
-                  <a:srgbClr val="FF03E3"/>
+                  <a:srgbClr val="000000"/>
                 </a:solidFill>
                 <a:latin typeface="Comic Sans MS" pitchFamily="66" charset="0"/>
               </a:rPr>
-              <a:t>in general</a:t>
-            </a:r>
+              <a:t>Because two formulas are</a:t>
+            </a:r>
+          </a:p>
+          <a:p>
+            <a:pPr algn="l"/>
             <a:r>
               <a:rPr lang="en-US" sz="5400" dirty="0" smtClean="0">
+                <a:solidFill>
+                  <a:srgbClr val="000000"/>
+                </a:solidFill>
                 <a:latin typeface="Comic Sans MS" pitchFamily="66" charset="0"/>
               </a:rPr>
-              <a:t> don’t beat truth tables.</a:t>
+              <a:t>equivalent </a:t>
+            </a:r>
+            <a:r>
+              <a:rPr lang="en-US" sz="5400" dirty="0" err="1" smtClean="0">
+                <a:solidFill>
+                  <a:srgbClr val="000000"/>
+                </a:solidFill>
+                <a:latin typeface="Comic Sans MS" pitchFamily="66" charset="0"/>
+              </a:rPr>
+              <a:t>iff</a:t>
+            </a:r>
+            <a:r>
+              <a:rPr lang="en-US" sz="5400" dirty="0" smtClean="0">
+                <a:solidFill>
+                  <a:srgbClr val="000000"/>
+                </a:solidFill>
+                <a:latin typeface="Comic Sans MS" pitchFamily="66" charset="0"/>
+              </a:rPr>
+              <a:t> have same truth table</a:t>
             </a:r>
             <a:endParaRPr lang="en-US" sz="5400" dirty="0">
               <a:solidFill>
-                <a:srgbClr val="0000F1"/>
+                <a:srgbClr val="000000"/>
               </a:solidFill>
               <a:latin typeface="Comic Sans MS" pitchFamily="66" charset="0"/>
             </a:endParaRPr>
@@ -23146,7 +22103,35 @@
       </p:sp>
       <p:sp>
         <p:nvSpPr>
-          <p:cNvPr id="6" name="Slide Number Placeholder 2"/>
+          <p:cNvPr id="9" name="Title 1"/>
+          <p:cNvSpPr>
+            <a:spLocks noGrp="1"/>
+          </p:cNvSpPr>
+          <p:nvPr>
+            <p:ph type="title"/>
+          </p:nvPr>
+        </p:nvSpPr>
+        <p:spPr>
+          <a:xfrm>
+            <a:off x="1651000" y="363538"/>
+            <a:ext cx="6794500" cy="1003300"/>
+          </a:xfrm>
+        </p:spPr>
+        <p:txBody>
+          <a:bodyPr/>
+          <a:lstStyle/>
+          <a:p>
+            <a:r>
+              <a:rPr lang="en-US" sz="4000" dirty="0" smtClean="0"/>
+              <a:t>Algebra for Equivalence</a:t>
+            </a:r>
+            <a:endParaRPr lang="en-US" sz="4000" dirty="0"/>
+          </a:p>
+        </p:txBody>
+      </p:sp>
+      <p:sp>
+        <p:nvSpPr>
+          <p:cNvPr id="4" name="Slide Number Placeholder 2"/>
           <p:cNvSpPr>
             <a:spLocks noGrp="1"/>
           </p:cNvSpPr>
@@ -23180,16 +22165,25 @@
     </p:spTree>
     <p:extLst>
       <p:ext uri="{BB962C8B-B14F-4D97-AF65-F5344CB8AC3E}">
-        <p14:creationId xmlns:p14="http://schemas.microsoft.com/office/powerpoint/2010/main" val="1193270480"/>
+        <p14:creationId xmlns:p14="http://schemas.microsoft.com/office/powerpoint/2010/main" val="2442323819"/>
       </p:ext>
     </p:extLst>
   </p:cSld>
   <p:clrMapOvr>
     <a:masterClrMapping/>
   </p:clrMapOvr>
-  <p:transition xmlns:p14="http://schemas.microsoft.com/office/powerpoint/2010/main" spd="slow" advClick="0">
-    <p:fade thruBlk="1"/>
-  </p:transition>
+  <mc:AlternateContent xmlns:mc="http://schemas.openxmlformats.org/markup-compatibility/2006" xmlns:p14="http://schemas.microsoft.com/office/powerpoint/2010/main">
+    <mc:Choice Requires="p14">
+      <p:transition spd="med" p14:dur="700" advClick="0">
+        <p:fade/>
+      </p:transition>
+    </mc:Choice>
+    <mc:Fallback xmlns="">
+      <p:transition xmlns:p14="http://schemas.microsoft.com/office/powerpoint/2010/main" spd="med" advClick="0">
+        <p:fade/>
+      </p:transition>
+    </mc:Fallback>
+  </mc:AlternateContent>
   <p:timing>
     <p:tnLst>
       <p:par>
@@ -23219,42 +22213,14 @@
       </p:grpSpPr>
       <p:sp>
         <p:nvSpPr>
-          <p:cNvPr id="2" name="Title 1"/>
-          <p:cNvSpPr>
-            <a:spLocks noGrp="1"/>
-          </p:cNvSpPr>
-          <p:nvPr>
-            <p:ph type="title"/>
-          </p:nvPr>
-        </p:nvSpPr>
-        <p:spPr>
-          <a:xfrm>
-            <a:off x="2599202" y="325438"/>
-            <a:ext cx="6227298" cy="1058862"/>
-          </a:xfrm>
-        </p:spPr>
-        <p:txBody>
-          <a:bodyPr/>
-          <a:lstStyle/>
-          <a:p>
-            <a:r>
-              <a:rPr lang="en-US" sz="3600" dirty="0" smtClean="0"/>
-              <a:t>Validity Checking still hard</a:t>
-            </a:r>
-            <a:endParaRPr lang="en-US" sz="3600" dirty="0"/>
-          </a:p>
-        </p:txBody>
-      </p:sp>
-      <p:sp>
-        <p:nvSpPr>
           <p:cNvPr id="5" name="TextBox 4"/>
           <p:cNvSpPr txBox="1"/>
           <p:nvPr/>
         </p:nvSpPr>
         <p:spPr>
           <a:xfrm>
-            <a:off x="627063" y="1308100"/>
-            <a:ext cx="7970837" cy="4247317"/>
+            <a:off x="249243" y="1847840"/>
+            <a:ext cx="8985240" cy="3416320"/>
           </a:xfrm>
           <a:prstGeom prst="rect">
             <a:avLst/>
@@ -23270,69 +22236,95 @@
             <a:pPr algn="l"/>
             <a:r>
               <a:rPr lang="en-US" sz="5400" dirty="0" smtClean="0">
-                <a:latin typeface="Comic Sans MS" pitchFamily="66" charset="0"/>
-              </a:rPr>
-              <a:t>Algebraic proofs </a:t>
-            </a:r>
-            <a:r>
-              <a:rPr lang="en-US" sz="5400" dirty="0" smtClean="0">
                 <a:solidFill>
-                  <a:srgbClr val="FF03E3"/>
+                  <a:srgbClr val="000000"/>
                 </a:solidFill>
                 <a:latin typeface="Comic Sans MS" pitchFamily="66" charset="0"/>
               </a:rPr>
-              <a:t>in general</a:t>
-            </a:r>
-            <a:r>
-              <a:rPr lang="en-US" sz="5400" dirty="0" smtClean="0">
-                <a:latin typeface="Comic Sans MS" pitchFamily="66" charset="0"/>
-              </a:rPr>
-              <a:t> don’t beat truth tables.  </a:t>
-            </a:r>
+              <a:t>Because two formulas are</a:t>
+            </a:r>
+          </a:p>
+          <a:p>
+            <a:pPr algn="l"/>
             <a:r>
               <a:rPr lang="en-US" sz="5400" dirty="0" smtClean="0">
                 <a:solidFill>
-                  <a:schemeClr val="accent1">
-                    <a:lumMod val="50000"/>
-                  </a:schemeClr>
+                  <a:srgbClr val="000000"/>
                 </a:solidFill>
                 <a:latin typeface="Comic Sans MS" pitchFamily="66" charset="0"/>
               </a:rPr>
-              <a:t>DNF</a:t>
-            </a:r>
-            <a:r>
-              <a:rPr lang="en-US" sz="5400" dirty="0" smtClean="0">
-                <a:latin typeface="Comic Sans MS" pitchFamily="66" charset="0"/>
-              </a:rPr>
-              <a:t> is just an</a:t>
-            </a:r>
-          </a:p>
-          <a:p>
-            <a:pPr algn="l"/>
-            <a:r>
-              <a:rPr lang="en-US" sz="5400" dirty="0" smtClean="0">
+              <a:t>equivalent </a:t>
+            </a:r>
+            <a:r>
+              <a:rPr lang="en-US" sz="5400" dirty="0" err="1" smtClean="0">
                 <a:solidFill>
-                  <a:srgbClr val="FF03E3"/>
+                  <a:srgbClr val="000000"/>
                 </a:solidFill>
                 <a:latin typeface="Comic Sans MS" pitchFamily="66" charset="0"/>
               </a:rPr>
-              <a:t>algebraic copy </a:t>
+              <a:t>iff</a:t>
             </a:r>
             <a:r>
               <a:rPr lang="en-US" sz="5400" dirty="0" smtClean="0">
+                <a:solidFill>
+                  <a:srgbClr val="000000"/>
+                </a:solidFill>
                 <a:latin typeface="Comic Sans MS" pitchFamily="66" charset="0"/>
               </a:rPr>
-              <a:t>of the</a:t>
-            </a:r>
-          </a:p>
-          <a:p>
-            <a:r>
-              <a:rPr lang="en-US" sz="5400" dirty="0" smtClean="0">
+              <a:t> have same truth table </a:t>
+            </a:r>
+            <a:r>
+              <a:rPr lang="en-US" sz="5400" dirty="0" err="1" smtClean="0">
+                <a:solidFill>
+                  <a:srgbClr val="000000"/>
+                </a:solidFill>
                 <a:latin typeface="Comic Sans MS" pitchFamily="66" charset="0"/>
               </a:rPr>
-              <a:t>truth table.</a:t>
+              <a:t>iff</a:t>
+            </a:r>
+            <a:r>
+              <a:rPr lang="en-US" sz="5400" dirty="0" smtClean="0">
+                <a:solidFill>
+                  <a:srgbClr val="000000"/>
+                </a:solidFill>
+                <a:latin typeface="Comic Sans MS" pitchFamily="66" charset="0"/>
+              </a:rPr>
+              <a:t> have same</a:t>
+            </a:r>
+          </a:p>
+          <a:p>
+            <a:pPr algn="l"/>
+            <a:r>
+              <a:rPr lang="en-US" sz="5400" dirty="0" smtClean="0">
+                <a:solidFill>
+                  <a:srgbClr val="000000"/>
+                </a:solidFill>
+                <a:latin typeface="Comic Sans MS" pitchFamily="66" charset="0"/>
+              </a:rPr>
+              <a:t>sorted </a:t>
+            </a:r>
+            <a:r>
+              <a:rPr lang="en-US" sz="5400" dirty="0" smtClean="0">
+                <a:solidFill>
+                  <a:srgbClr val="000000"/>
+                </a:solidFill>
+                <a:latin typeface="Comic Sans MS" pitchFamily="66" charset="0"/>
+              </a:rPr>
+              <a:t>Full DNF</a:t>
+            </a:r>
+            <a:r>
+              <a:rPr lang="en-US" sz="5400" dirty="0" smtClean="0">
+                <a:solidFill>
+                  <a:srgbClr val="000000"/>
+                </a:solidFill>
+                <a:latin typeface="Comic Sans MS" pitchFamily="66" charset="0"/>
+              </a:rPr>
+              <a:t>.</a:t>
             </a:r>
             <a:endParaRPr lang="en-US" sz="5400" dirty="0">
+              <a:solidFill>
+                <a:srgbClr val="000000"/>
+              </a:solidFill>
               <a:latin typeface="Comic Sans MS" pitchFamily="66" charset="0"/>
             </a:endParaRPr>
           </a:p>
@@ -23340,7 +22332,35 @@
       </p:sp>
       <p:sp>
         <p:nvSpPr>
-          <p:cNvPr id="6" name="Slide Number Placeholder 2"/>
+          <p:cNvPr id="9" name="Title 1"/>
+          <p:cNvSpPr>
+            <a:spLocks noGrp="1"/>
+          </p:cNvSpPr>
+          <p:nvPr>
+            <p:ph type="title"/>
+          </p:nvPr>
+        </p:nvSpPr>
+        <p:spPr>
+          <a:xfrm>
+            <a:off x="1651000" y="363538"/>
+            <a:ext cx="6794500" cy="1003300"/>
+          </a:xfrm>
+        </p:spPr>
+        <p:txBody>
+          <a:bodyPr/>
+          <a:lstStyle/>
+          <a:p>
+            <a:r>
+              <a:rPr lang="en-US" sz="4000" dirty="0" smtClean="0"/>
+              <a:t>Algebra for Equivalence</a:t>
+            </a:r>
+            <a:endParaRPr lang="en-US" sz="4000" dirty="0"/>
+          </a:p>
+        </p:txBody>
+      </p:sp>
+      <p:sp>
+        <p:nvSpPr>
+          <p:cNvPr id="4" name="Slide Number Placeholder 2"/>
           <p:cNvSpPr>
             <a:spLocks noGrp="1"/>
           </p:cNvSpPr>
@@ -23374,7 +22394,7 @@
     </p:spTree>
     <p:extLst>
       <p:ext uri="{BB962C8B-B14F-4D97-AF65-F5344CB8AC3E}">
-        <p14:creationId xmlns:p14="http://schemas.microsoft.com/office/powerpoint/2010/main" val="2742694273"/>
+        <p14:creationId xmlns:p14="http://schemas.microsoft.com/office/powerpoint/2010/main" val="1661767375"/>
       </p:ext>
     </p:extLst>
   </p:cSld>
@@ -23432,7 +22452,7 @@
         </p:nvSpPr>
         <p:spPr>
           <a:xfrm>
-            <a:off x="2599202" y="325438"/>
+            <a:off x="2049478" y="325438"/>
             <a:ext cx="6227298" cy="1058862"/>
           </a:xfrm>
         </p:spPr>
@@ -23457,7 +22477,7 @@
         <p:spPr>
           <a:xfrm>
             <a:off x="627063" y="1308100"/>
-            <a:ext cx="7970837" cy="4241800"/>
+            <a:ext cx="7970837" cy="2585323"/>
           </a:xfrm>
           <a:prstGeom prst="rect">
             <a:avLst/>
@@ -23490,25 +22510,7 @@
               <a:rPr lang="en-US" sz="5400" dirty="0" smtClean="0">
                 <a:latin typeface="Comic Sans MS" pitchFamily="66" charset="0"/>
               </a:rPr>
-              <a:t> don’t beat truth tables.  </a:t>
-            </a:r>
-            <a:r>
-              <a:rPr lang="en-US" sz="5400" dirty="0" smtClean="0">
-                <a:solidFill>
-                  <a:srgbClr val="F90B1C"/>
-                </a:solidFill>
-                <a:latin typeface="Comic Sans MS" pitchFamily="66" charset="0"/>
-              </a:rPr>
-              <a:t>No efficient method</a:t>
-            </a:r>
-            <a:r>
-              <a:rPr lang="en-US" sz="5400" dirty="0" smtClean="0">
-                <a:solidFill>
-                  <a:srgbClr val="0000F1"/>
-                </a:solidFill>
-                <a:latin typeface="Comic Sans MS" pitchFamily="66" charset="0"/>
-              </a:rPr>
-              <a:t> for verifying validity is known.</a:t>
+              <a:t> don’t beat truth tables.</a:t>
             </a:r>
             <a:endParaRPr lang="en-US" sz="5400" dirty="0">
               <a:solidFill>
@@ -23555,31 +22557,101 @@
     </p:spTree>
     <p:extLst>
       <p:ext uri="{BB962C8B-B14F-4D97-AF65-F5344CB8AC3E}">
-        <p14:creationId xmlns:p14="http://schemas.microsoft.com/office/powerpoint/2010/main" val="3175406986"/>
+        <p14:creationId xmlns:p14="http://schemas.microsoft.com/office/powerpoint/2010/main" val="1193270480"/>
       </p:ext>
     </p:extLst>
   </p:cSld>
   <p:clrMapOvr>
     <a:masterClrMapping/>
   </p:clrMapOvr>
-  <mc:AlternateContent xmlns:mc="http://schemas.openxmlformats.org/markup-compatibility/2006" xmlns:p14="http://schemas.microsoft.com/office/powerpoint/2010/main">
-    <mc:Choice Requires="p14">
-      <p:transition spd="med" p14:dur="600" advClick="0">
-        <p:fade/>
-      </p:transition>
-    </mc:Choice>
-    <mc:Fallback xmlns="">
-      <p:transition xmlns:p14="http://schemas.microsoft.com/office/powerpoint/2010/main" spd="med" advClick="0">
-        <p:fade/>
-      </p:transition>
-    </mc:Fallback>
-  </mc:AlternateContent>
+  <p:transition xmlns:p14="http://schemas.microsoft.com/office/powerpoint/2010/main" spd="slow" advClick="0">
+    <p:fade thruBlk="1"/>
+  </p:transition>
   <p:timing>
     <p:tnLst>
       <p:par>
-        <p:cTn xmlns:p14="http://schemas.microsoft.com/office/powerpoint/2010/main" id="1" dur="indefinite" restart="never" nodeType="tmRoot"/>
+        <p:cTn xmlns:p14="http://schemas.microsoft.com/office/powerpoint/2010/main" id="1" dur="indefinite" restart="never" nodeType="tmRoot">
+          <p:childTnLst>
+            <p:seq concurrent="1" nextAc="seek">
+              <p:cTn id="2" dur="indefinite" nodeType="mainSeq">
+                <p:childTnLst>
+                  <p:par>
+                    <p:cTn id="3" fill="hold">
+                      <p:stCondLst>
+                        <p:cond delay="indefinite"/>
+                      </p:stCondLst>
+                      <p:childTnLst>
+                        <p:par>
+                          <p:cTn id="4" fill="hold">
+                            <p:stCondLst>
+                              <p:cond delay="0"/>
+                            </p:stCondLst>
+                            <p:childTnLst>
+                              <p:par>
+                                <p:cTn id="5" presetID="10" presetClass="entr" presetSubtype="0" fill="hold" grpId="0" nodeType="clickEffect">
+                                  <p:stCondLst>
+                                    <p:cond delay="0"/>
+                                  </p:stCondLst>
+                                  <p:childTnLst>
+                                    <p:set>
+                                      <p:cBhvr>
+                                        <p:cTn id="6" dur="1" fill="hold">
+                                          <p:stCondLst>
+                                            <p:cond delay="0"/>
+                                          </p:stCondLst>
+                                        </p:cTn>
+                                        <p:tgtEl>
+                                          <p:spTgt spid="2"/>
+                                        </p:tgtEl>
+                                        <p:attrNameLst>
+                                          <p:attrName>style.visibility</p:attrName>
+                                        </p:attrNameLst>
+                                      </p:cBhvr>
+                                      <p:to>
+                                        <p:strVal val="visible"/>
+                                      </p:to>
+                                    </p:set>
+                                    <p:animEffect transition="in" filter="fade">
+                                      <p:cBhvr>
+                                        <p:cTn id="7" dur="500"/>
+                                        <p:tgtEl>
+                                          <p:spTgt spid="2"/>
+                                        </p:tgtEl>
+                                      </p:cBhvr>
+                                    </p:animEffect>
+                                  </p:childTnLst>
+                                </p:cTn>
+                              </p:par>
+                            </p:childTnLst>
+                          </p:cTn>
+                        </p:par>
+                      </p:childTnLst>
+                    </p:cTn>
+                  </p:par>
+                </p:childTnLst>
+              </p:cTn>
+              <p:prevCondLst>
+                <p:cond evt="onPrev" delay="0">
+                  <p:tgtEl>
+                    <p:sldTgt/>
+                  </p:tgtEl>
+                </p:cond>
+              </p:prevCondLst>
+              <p:nextCondLst>
+                <p:cond evt="onNext" delay="0">
+                  <p:tgtEl>
+                    <p:sldTgt/>
+                  </p:tgtEl>
+                </p:cond>
+              </p:nextCondLst>
+            </p:seq>
+          </p:childTnLst>
+        </p:cTn>
       </p:par>
     </p:tnLst>
+    <p:bldLst>
+      <p:bldP spid="2" grpId="0"/>
+    </p:bldLst>
   </p:timing>
 </p:sld>
 </file>
@@ -23767,7 +22839,7 @@
           <a:graphicData uri="http://schemas.openxmlformats.org/presentationml/2006/ole">
             <mc:AlternateContent xmlns:mc="http://schemas.openxmlformats.org/markup-compatibility/2006">
               <mc:Choice xmlns:v="urn:schemas-microsoft-com:vml" Requires="v">
-                <p:oleObj spid="_x0000_s419987" name="Equation" r:id="rId4" imgW="139700" imgH="215900" progId="Equation.DSMT4">
+                <p:oleObj spid="_x0000_s419994" name="Equation" r:id="rId4" imgW="139700" imgH="215900" progId="Equation.DSMT4">
                   <p:embed/>
                 </p:oleObj>
               </mc:Choice>
@@ -23824,7 +22896,7 @@
           <a:graphicData uri="http://schemas.openxmlformats.org/presentationml/2006/ole">
             <mc:AlternateContent xmlns:mc="http://schemas.openxmlformats.org/markup-compatibility/2006">
               <mc:Choice xmlns:v="urn:schemas-microsoft-com:vml" Requires="v">
-                <p:oleObj spid="_x0000_s419988" name="Equation" r:id="rId6" imgW="2044700" imgH="228600" progId="Equation.DSMT4">
+                <p:oleObj spid="_x0000_s419995" name="Equation" r:id="rId6" imgW="2044700" imgH="228600" progId="Equation.DSMT4">
                   <p:embed/>
                 </p:oleObj>
               </mc:Choice>
@@ -23964,7 +23036,7 @@
           <a:graphicData uri="http://schemas.openxmlformats.org/presentationml/2006/ole">
             <mc:AlternateContent xmlns:mc="http://schemas.openxmlformats.org/markup-compatibility/2006">
               <mc:Choice xmlns:v="urn:schemas-microsoft-com:vml" Requires="v">
-                <p:oleObj spid="_x0000_s419989" name="Equation" r:id="rId8" imgW="2159000" imgH="457200" progId="Equation.DSMT4">
+                <p:oleObj spid="_x0000_s419996" name="Equation" r:id="rId8" imgW="2159000" imgH="457200" progId="Equation.DSMT4">
                   <p:embed/>
                 </p:oleObj>
               </mc:Choice>
@@ -24208,6 +23280,460 @@
 </file>
 
 <file path=ppt/slides/slide50.xml><?xml version="1.0" encoding="utf-8"?>
+<p:sld xmlns:a="http://schemas.openxmlformats.org/drawingml/2006/main" xmlns:r="http://schemas.openxmlformats.org/officeDocument/2006/relationships" xmlns:p="http://schemas.openxmlformats.org/presentationml/2006/main">
+  <p:cSld>
+    <p:spTree>
+      <p:nvGrpSpPr>
+        <p:cNvPr id="1" name=""/>
+        <p:cNvGrpSpPr/>
+        <p:nvPr/>
+      </p:nvGrpSpPr>
+      <p:grpSpPr>
+        <a:xfrm>
+          <a:off x="0" y="0"/>
+          <a:ext cx="0" cy="0"/>
+          <a:chOff x="0" y="0"/>
+          <a:chExt cx="0" cy="0"/>
+        </a:xfrm>
+      </p:grpSpPr>
+      <p:sp>
+        <p:nvSpPr>
+          <p:cNvPr id="5" name="TextBox 4"/>
+          <p:cNvSpPr txBox="1"/>
+          <p:nvPr/>
+        </p:nvSpPr>
+        <p:spPr>
+          <a:xfrm>
+            <a:off x="627063" y="1308100"/>
+            <a:ext cx="7970837" cy="5078313"/>
+          </a:xfrm>
+          <a:prstGeom prst="rect">
+            <a:avLst/>
+          </a:prstGeom>
+          <a:noFill/>
+        </p:spPr>
+        <p:txBody>
+          <a:bodyPr wrap="square" rtlCol="0">
+            <a:spAutoFit/>
+          </a:bodyPr>
+          <a:lstStyle/>
+          <a:p>
+            <a:pPr algn="l"/>
+            <a:r>
+              <a:rPr lang="en-US" sz="5400" dirty="0" smtClean="0">
+                <a:latin typeface="Comic Sans MS" pitchFamily="66" charset="0"/>
+              </a:rPr>
+              <a:t>Algebraic proofs in general don’t beat truth tables. </a:t>
+            </a:r>
+            <a:r>
+              <a:rPr lang="en-US" sz="5400" dirty="0" smtClean="0">
+                <a:latin typeface="Comic Sans MS" pitchFamily="66" charset="0"/>
+              </a:rPr>
+              <a:t> The </a:t>
+            </a:r>
+            <a:r>
+              <a:rPr lang="en-US" sz="5400" dirty="0" smtClean="0">
+                <a:solidFill>
+                  <a:schemeClr val="accent1">
+                    <a:lumMod val="50000"/>
+                  </a:schemeClr>
+                </a:solidFill>
+                <a:latin typeface="Comic Sans MS" pitchFamily="66" charset="0"/>
+              </a:rPr>
+              <a:t>DNF</a:t>
+            </a:r>
+            <a:r>
+              <a:rPr lang="en-US" sz="5400" dirty="0" smtClean="0">
+                <a:latin typeface="Comic Sans MS" pitchFamily="66" charset="0"/>
+              </a:rPr>
+              <a:t> is just </a:t>
+            </a:r>
+            <a:r>
+              <a:rPr lang="en-US" sz="5400" dirty="0" smtClean="0">
+                <a:latin typeface="Comic Sans MS" pitchFamily="66" charset="0"/>
+              </a:rPr>
+              <a:t>a </a:t>
+            </a:r>
+            <a:r>
+              <a:rPr lang="en-US" sz="5400" dirty="0" smtClean="0">
+                <a:solidFill>
+                  <a:srgbClr val="FF03E3"/>
+                </a:solidFill>
+                <a:latin typeface="Comic Sans MS" pitchFamily="66" charset="0"/>
+              </a:rPr>
+              <a:t>copy </a:t>
+            </a:r>
+            <a:r>
+              <a:rPr lang="en-US" sz="5400" dirty="0" smtClean="0">
+                <a:solidFill>
+                  <a:srgbClr val="FF03E3"/>
+                </a:solidFill>
+                <a:latin typeface="Comic Sans MS" pitchFamily="66" charset="0"/>
+              </a:rPr>
+              <a:t>of </a:t>
+            </a:r>
+            <a:r>
+              <a:rPr lang="en-US" sz="5400" dirty="0" smtClean="0">
+                <a:solidFill>
+                  <a:srgbClr val="FF03E3"/>
+                </a:solidFill>
+                <a:latin typeface="Comic Sans MS" pitchFamily="66" charset="0"/>
+              </a:rPr>
+              <a:t>the truth table</a:t>
+            </a:r>
+            <a:r>
+              <a:rPr lang="en-US" sz="5400" dirty="0" smtClean="0">
+                <a:latin typeface="Comic Sans MS" pitchFamily="66" charset="0"/>
+              </a:rPr>
+              <a:t> </a:t>
+            </a:r>
+            <a:r>
+              <a:rPr lang="en-US" sz="5400" dirty="0" smtClean="0">
+                <a:latin typeface="Comic Sans MS" pitchFamily="66" charset="0"/>
+              </a:rPr>
+              <a:t>as an </a:t>
+            </a:r>
+            <a:r>
+              <a:rPr lang="en-US" sz="5400" dirty="0">
+                <a:solidFill>
+                  <a:schemeClr val="tx2"/>
+                </a:solidFill>
+                <a:latin typeface="Comic Sans MS" pitchFamily="66" charset="0"/>
+              </a:rPr>
+              <a:t>algebraic </a:t>
+            </a:r>
+            <a:r>
+              <a:rPr lang="en-US" sz="5400" dirty="0" smtClean="0">
+                <a:solidFill>
+                  <a:schemeClr val="tx2"/>
+                </a:solidFill>
+                <a:latin typeface="Comic Sans MS" pitchFamily="66" charset="0"/>
+              </a:rPr>
+              <a:t>formula.</a:t>
+            </a:r>
+            <a:endParaRPr lang="en-US" sz="5400" dirty="0">
+              <a:solidFill>
+                <a:schemeClr val="tx2"/>
+              </a:solidFill>
+              <a:latin typeface="Comic Sans MS" pitchFamily="66" charset="0"/>
+            </a:endParaRPr>
+          </a:p>
+        </p:txBody>
+      </p:sp>
+      <p:sp>
+        <p:nvSpPr>
+          <p:cNvPr id="6" name="Slide Number Placeholder 2"/>
+          <p:cNvSpPr>
+            <a:spLocks noGrp="1"/>
+          </p:cNvSpPr>
+          <p:nvPr>
+            <p:ph type="sldNum" sz="quarter" idx="10"/>
+          </p:nvPr>
+        </p:nvSpPr>
+        <p:spPr>
+          <a:xfrm>
+            <a:off x="7333815" y="6553200"/>
+            <a:ext cx="1810186" cy="276999"/>
+          </a:xfrm>
+        </p:spPr>
+        <p:txBody>
+          <a:bodyPr/>
+          <a:lstStyle/>
+          <a:p>
+            <a:r>
+              <a:rPr lang="en-US" dirty="0" smtClean="0"/>
+              <a:t>propositional algebra.</a:t>
+            </a:r>
+            <a:fld id="{3251DA95-B240-47FE-901D-B78FC8E8E532}" type="slidenum">
+              <a:rPr lang="en-US" smtClean="0"/>
+              <a:pPr/>
+              <a:t>50</a:t>
+            </a:fld>
+            <a:endParaRPr lang="en-US" dirty="0"/>
+          </a:p>
+        </p:txBody>
+      </p:sp>
+      <p:sp>
+        <p:nvSpPr>
+          <p:cNvPr id="7" name="Title 1"/>
+          <p:cNvSpPr>
+            <a:spLocks noGrp="1"/>
+          </p:cNvSpPr>
+          <p:nvPr>
+            <p:ph type="title"/>
+          </p:nvPr>
+        </p:nvSpPr>
+        <p:spPr>
+          <a:xfrm>
+            <a:off x="2049478" y="325438"/>
+            <a:ext cx="6227298" cy="1058862"/>
+          </a:xfrm>
+        </p:spPr>
+        <p:txBody>
+          <a:bodyPr/>
+          <a:lstStyle/>
+          <a:p>
+            <a:r>
+              <a:rPr lang="en-US" sz="3600" dirty="0" smtClean="0"/>
+              <a:t>Validity Checking still hard</a:t>
+            </a:r>
+            <a:endParaRPr lang="en-US" sz="3600" dirty="0"/>
+          </a:p>
+        </p:txBody>
+      </p:sp>
+    </p:spTree>
+    <p:extLst>
+      <p:ext uri="{BB962C8B-B14F-4D97-AF65-F5344CB8AC3E}">
+        <p14:creationId xmlns:p14="http://schemas.microsoft.com/office/powerpoint/2010/main" val="2742694273"/>
+      </p:ext>
+    </p:extLst>
+  </p:cSld>
+  <p:clrMapOvr>
+    <a:masterClrMapping/>
+  </p:clrMapOvr>
+  <mc:AlternateContent xmlns:mc="http://schemas.openxmlformats.org/markup-compatibility/2006" xmlns:p14="http://schemas.microsoft.com/office/powerpoint/2010/main">
+    <mc:Choice Requires="p14">
+      <p:transition spd="med" p14:dur="700" advClick="0">
+        <p:fade/>
+      </p:transition>
+    </mc:Choice>
+    <mc:Fallback xmlns="">
+      <p:transition xmlns:p14="http://schemas.microsoft.com/office/powerpoint/2010/main" spd="med" advClick="0">
+        <p:fade/>
+      </p:transition>
+    </mc:Fallback>
+  </mc:AlternateContent>
+  <p:timing>
+    <p:tnLst>
+      <p:par>
+        <p:cTn xmlns:p14="http://schemas.microsoft.com/office/powerpoint/2010/main" id="1" dur="indefinite" restart="never" nodeType="tmRoot"/>
+      </p:par>
+    </p:tnLst>
+  </p:timing>
+</p:sld>
+</file>
+
+<file path=ppt/slides/slide51.xml><?xml version="1.0" encoding="utf-8"?>
+<p:sld xmlns:a="http://schemas.openxmlformats.org/drawingml/2006/main" xmlns:r="http://schemas.openxmlformats.org/officeDocument/2006/relationships" xmlns:p="http://schemas.openxmlformats.org/presentationml/2006/main">
+  <p:cSld>
+    <p:spTree>
+      <p:nvGrpSpPr>
+        <p:cNvPr id="1" name=""/>
+        <p:cNvGrpSpPr/>
+        <p:nvPr/>
+      </p:nvGrpSpPr>
+      <p:grpSpPr>
+        <a:xfrm>
+          <a:off x="0" y="0"/>
+          <a:ext cx="0" cy="0"/>
+          <a:chOff x="0" y="0"/>
+          <a:chExt cx="0" cy="0"/>
+        </a:xfrm>
+      </p:grpSpPr>
+      <p:sp>
+        <p:nvSpPr>
+          <p:cNvPr id="5" name="TextBox 4"/>
+          <p:cNvSpPr txBox="1"/>
+          <p:nvPr/>
+        </p:nvSpPr>
+        <p:spPr>
+          <a:xfrm>
+            <a:off x="627063" y="1308100"/>
+            <a:ext cx="7970837" cy="5078313"/>
+          </a:xfrm>
+          <a:prstGeom prst="rect">
+            <a:avLst/>
+          </a:prstGeom>
+          <a:noFill/>
+        </p:spPr>
+        <p:txBody>
+          <a:bodyPr wrap="square" rtlCol="0">
+            <a:spAutoFit/>
+          </a:bodyPr>
+          <a:lstStyle/>
+          <a:p>
+            <a:pPr algn="l"/>
+            <a:r>
+              <a:rPr lang="en-US" sz="5400" dirty="0" smtClean="0">
+                <a:latin typeface="Comic Sans MS" pitchFamily="66" charset="0"/>
+              </a:rPr>
+              <a:t>Algebraic proofs </a:t>
+            </a:r>
+            <a:r>
+              <a:rPr lang="en-US" sz="5400" dirty="0" smtClean="0">
+                <a:solidFill>
+                  <a:srgbClr val="FF03E3"/>
+                </a:solidFill>
+                <a:latin typeface="Comic Sans MS" pitchFamily="66" charset="0"/>
+              </a:rPr>
+              <a:t>in general</a:t>
+            </a:r>
+            <a:r>
+              <a:rPr lang="en-US" sz="5400" dirty="0" smtClean="0">
+                <a:latin typeface="Comic Sans MS" pitchFamily="66" charset="0"/>
+              </a:rPr>
+              <a:t> don’t beat truth tables.  </a:t>
+            </a:r>
+            <a:r>
+              <a:rPr lang="en-US" sz="5400" dirty="0" smtClean="0">
+                <a:solidFill>
+                  <a:srgbClr val="F90B1C"/>
+                </a:solidFill>
+                <a:latin typeface="Comic Sans MS" pitchFamily="66" charset="0"/>
+              </a:rPr>
+              <a:t>No efficient method</a:t>
+            </a:r>
+            <a:r>
+              <a:rPr lang="en-US" sz="5400" dirty="0" smtClean="0">
+                <a:solidFill>
+                  <a:srgbClr val="0000F1"/>
+                </a:solidFill>
+                <a:latin typeface="Comic Sans MS" pitchFamily="66" charset="0"/>
+              </a:rPr>
+              <a:t> for verifying </a:t>
+            </a:r>
+            <a:r>
+              <a:rPr lang="en-US" sz="5400" dirty="0" smtClean="0">
+                <a:solidFill>
+                  <a:srgbClr val="0000F1"/>
+                </a:solidFill>
+                <a:latin typeface="Comic Sans MS" pitchFamily="66" charset="0"/>
+              </a:rPr>
+              <a:t>equivalence </a:t>
+            </a:r>
+            <a:r>
+              <a:rPr lang="en-US" sz="5400" smtClean="0">
+                <a:solidFill>
+                  <a:srgbClr val="0000F1"/>
+                </a:solidFill>
+                <a:latin typeface="Comic Sans MS" pitchFamily="66" charset="0"/>
+              </a:rPr>
+              <a:t>or validity</a:t>
+            </a:r>
+          </a:p>
+          <a:p>
+            <a:pPr algn="l"/>
+            <a:r>
+              <a:rPr lang="en-US" sz="5400" smtClean="0">
+                <a:solidFill>
+                  <a:srgbClr val="0000F1"/>
+                </a:solidFill>
+                <a:latin typeface="Comic Sans MS" pitchFamily="66" charset="0"/>
+              </a:rPr>
+              <a:t>is </a:t>
+            </a:r>
+            <a:r>
+              <a:rPr lang="en-US" sz="5400" dirty="0" smtClean="0">
+                <a:solidFill>
+                  <a:srgbClr val="0000F1"/>
+                </a:solidFill>
+                <a:latin typeface="Comic Sans MS" pitchFamily="66" charset="0"/>
+              </a:rPr>
+              <a:t>known.</a:t>
+            </a:r>
+            <a:endParaRPr lang="en-US" sz="5400" dirty="0">
+              <a:solidFill>
+                <a:srgbClr val="0000F1"/>
+              </a:solidFill>
+              <a:latin typeface="Comic Sans MS" pitchFamily="66" charset="0"/>
+            </a:endParaRPr>
+          </a:p>
+        </p:txBody>
+      </p:sp>
+      <p:sp>
+        <p:nvSpPr>
+          <p:cNvPr id="6" name="Slide Number Placeholder 2"/>
+          <p:cNvSpPr>
+            <a:spLocks noGrp="1"/>
+          </p:cNvSpPr>
+          <p:nvPr>
+            <p:ph type="sldNum" sz="quarter" idx="10"/>
+          </p:nvPr>
+        </p:nvSpPr>
+        <p:spPr>
+          <a:xfrm>
+            <a:off x="7333815" y="6553200"/>
+            <a:ext cx="1810186" cy="276999"/>
+          </a:xfrm>
+        </p:spPr>
+        <p:txBody>
+          <a:bodyPr/>
+          <a:lstStyle/>
+          <a:p>
+            <a:r>
+              <a:rPr lang="en-US" dirty="0" smtClean="0"/>
+              <a:t>propositional algebra.</a:t>
+            </a:r>
+            <a:fld id="{3251DA95-B240-47FE-901D-B78FC8E8E532}" type="slidenum">
+              <a:rPr lang="en-US" smtClean="0"/>
+              <a:pPr/>
+              <a:t>51</a:t>
+            </a:fld>
+            <a:endParaRPr lang="en-US" dirty="0"/>
+          </a:p>
+        </p:txBody>
+      </p:sp>
+      <p:sp>
+        <p:nvSpPr>
+          <p:cNvPr id="7" name="Title 1"/>
+          <p:cNvSpPr>
+            <a:spLocks noGrp="1"/>
+          </p:cNvSpPr>
+          <p:nvPr>
+            <p:ph type="title"/>
+          </p:nvPr>
+        </p:nvSpPr>
+        <p:spPr>
+          <a:xfrm>
+            <a:off x="2049478" y="325438"/>
+            <a:ext cx="6227298" cy="1058862"/>
+          </a:xfrm>
+        </p:spPr>
+        <p:txBody>
+          <a:bodyPr/>
+          <a:lstStyle/>
+          <a:p>
+            <a:r>
+              <a:rPr lang="en-US" sz="3600" dirty="0" smtClean="0"/>
+              <a:t>Validity Checking still hard</a:t>
+            </a:r>
+            <a:endParaRPr lang="en-US" sz="3600" dirty="0"/>
+          </a:p>
+        </p:txBody>
+      </p:sp>
+    </p:spTree>
+    <p:extLst>
+      <p:ext uri="{BB962C8B-B14F-4D97-AF65-F5344CB8AC3E}">
+        <p14:creationId xmlns:p14="http://schemas.microsoft.com/office/powerpoint/2010/main" val="3175406986"/>
+      </p:ext>
+    </p:extLst>
+  </p:cSld>
+  <p:clrMapOvr>
+    <a:masterClrMapping/>
+  </p:clrMapOvr>
+  <mc:AlternateContent xmlns:mc="http://schemas.openxmlformats.org/markup-compatibility/2006" xmlns:p14="http://schemas.microsoft.com/office/powerpoint/2010/main">
+    <mc:Choice Requires="p14">
+      <p:transition spd="med" p14:dur="600" advClick="0">
+        <p:fade/>
+      </p:transition>
+    </mc:Choice>
+    <mc:Fallback xmlns="">
+      <p:transition xmlns:p14="http://schemas.microsoft.com/office/powerpoint/2010/main" spd="med" advClick="0">
+        <p:fade/>
+      </p:transition>
+    </mc:Fallback>
+  </mc:AlternateContent>
+  <p:timing>
+    <p:tnLst>
+      <p:par>
+        <p:cTn xmlns:p14="http://schemas.microsoft.com/office/powerpoint/2010/main" id="1" dur="indefinite" restart="never" nodeType="tmRoot"/>
+      </p:par>
+    </p:tnLst>
+  </p:timing>
+</p:sld>
+</file>
+
+<file path=ppt/slides/slide52.xml><?xml version="1.0" encoding="utf-8"?>
 <p:sld xmlns:a="http://schemas.openxmlformats.org/drawingml/2006/main" xmlns:r="http://schemas.openxmlformats.org/officeDocument/2006/relationships" xmlns:p="http://schemas.openxmlformats.org/presentationml/2006/main" show="0">
   <p:cSld>
     <p:spTree>
@@ -24365,7 +23891,7 @@
             <a:fld id="{3251DA95-B240-47FE-901D-B78FC8E8E532}" type="slidenum">
               <a:rPr lang="en-US" smtClean="0"/>
               <a:pPr/>
-              <a:t>50</a:t>
+              <a:t>52</a:t>
             </a:fld>
             <a:endParaRPr lang="en-US" dirty="0"/>
           </a:p>
@@ -24689,7 +24215,7 @@
           <a:graphicData uri="http://schemas.openxmlformats.org/presentationml/2006/ole">
             <mc:AlternateContent xmlns:mc="http://schemas.openxmlformats.org/markup-compatibility/2006">
               <mc:Choice xmlns:v="urn:schemas-microsoft-com:vml" Requires="v">
-                <p:oleObj spid="_x0000_s422960" name="Equation" r:id="rId4" imgW="1498600" imgH="457200" progId="Equation.DSMT4">
+                <p:oleObj spid="_x0000_s422963" name="Equation" r:id="rId4" imgW="1498600" imgH="457200" progId="Equation.DSMT4">
                   <p:embed/>
                 </p:oleObj>
               </mc:Choice>
@@ -24923,7 +24449,7 @@
           <a:graphicData uri="http://schemas.openxmlformats.org/presentationml/2006/ole">
             <mc:AlternateContent xmlns:mc="http://schemas.openxmlformats.org/markup-compatibility/2006">
               <mc:Choice xmlns:v="urn:schemas-microsoft-com:vml" Requires="v">
-                <p:oleObj spid="_x0000_s421936" name="Equation" r:id="rId4" imgW="1600200" imgH="457200" progId="Equation.DSMT4">
+                <p:oleObj spid="_x0000_s421939" name="Equation" r:id="rId4" imgW="1600200" imgH="457200" progId="Equation.DSMT4">
                   <p:embed/>
                 </p:oleObj>
               </mc:Choice>
@@ -25217,7 +24743,7 @@
           <a:graphicData uri="http://schemas.openxmlformats.org/presentationml/2006/ole">
             <mc:AlternateContent xmlns:mc="http://schemas.openxmlformats.org/markup-compatibility/2006">
               <mc:Choice xmlns:v="urn:schemas-microsoft-com:vml" Requires="v">
-                <p:oleObj spid="_x0000_s418908" name="Equation" r:id="rId4" imgW="1866900" imgH="457200" progId="Equation.DSMT4">
+                <p:oleObj spid="_x0000_s418911" name="Equation" r:id="rId4" imgW="1866900" imgH="457200" progId="Equation.DSMT4">
                   <p:embed/>
                 </p:oleObj>
               </mc:Choice>
@@ -25501,7 +25027,7 @@
           <a:graphicData uri="http://schemas.openxmlformats.org/presentationml/2006/ole">
             <mc:AlternateContent xmlns:mc="http://schemas.openxmlformats.org/markup-compatibility/2006">
               <mc:Choice xmlns:v="urn:schemas-microsoft-com:vml" Requires="v">
-                <p:oleObj spid="_x0000_s431138" name="Equation" r:id="rId4" imgW="1790700" imgH="457200" progId="Equation.DSMT4">
+                <p:oleObj spid="_x0000_s431141" name="Equation" r:id="rId4" imgW="1790700" imgH="457200" progId="Equation.DSMT4">
                   <p:embed/>
                 </p:oleObj>
               </mc:Choice>

--- a/spring18/slidesS18/prpostn_algebra.pptx
+++ b/spring18/slidesS18/prpostn_algebra.pptx
@@ -15,8 +15,8 @@
     <p:sldId id="392" r:id="rId3"/>
     <p:sldId id="447" r:id="rId4"/>
     <p:sldId id="544" r:id="rId5"/>
-    <p:sldId id="493" r:id="rId6"/>
-    <p:sldId id="491" r:id="rId7"/>
+    <p:sldId id="491" r:id="rId6"/>
+    <p:sldId id="493" r:id="rId7"/>
     <p:sldId id="496" r:id="rId8"/>
     <p:sldId id="495" r:id="rId9"/>
     <p:sldId id="489" r:id="rId10"/>
@@ -9373,7 +9373,7 @@
           <a:graphicData uri="http://schemas.openxmlformats.org/presentationml/2006/ole">
             <mc:AlternateContent xmlns:mc="http://schemas.openxmlformats.org/markup-compatibility/2006">
               <mc:Choice xmlns:v="urn:schemas-microsoft-com:vml" Requires="v">
-                <p:oleObj spid="_x0000_s435237" name="Equation" r:id="rId4" imgW="2108200" imgH="228600" progId="Equation.DSMT4">
+                <p:oleObj spid="_x0000_s435241" name="Equation" r:id="rId4" imgW="2108200" imgH="228600" progId="Equation.DSMT4">
                   <p:embed/>
                 </p:oleObj>
               </mc:Choice>
@@ -9619,7 +9619,7 @@
           <a:graphicData uri="http://schemas.openxmlformats.org/presentationml/2006/ole">
             <mc:AlternateContent xmlns:mc="http://schemas.openxmlformats.org/markup-compatibility/2006">
               <mc:Choice xmlns:v="urn:schemas-microsoft-com:vml" Requires="v">
-                <p:oleObj spid="_x0000_s439334" name="Equation" r:id="rId4" imgW="2146300" imgH="228600" progId="Equation.DSMT4">
+                <p:oleObj spid="_x0000_s439338" name="Equation" r:id="rId4" imgW="2146300" imgH="228600" progId="Equation.DSMT4">
                   <p:embed/>
                 </p:oleObj>
               </mc:Choice>
@@ -9842,7 +9842,7 @@
           <a:graphicData uri="http://schemas.openxmlformats.org/presentationml/2006/ole">
             <mc:AlternateContent xmlns:mc="http://schemas.openxmlformats.org/markup-compatibility/2006">
               <mc:Choice xmlns:v="urn:schemas-microsoft-com:vml" Requires="v">
-                <p:oleObj spid="_x0000_s434253" name="Equation" r:id="rId4" imgW="2146300" imgH="228600" progId="Equation.DSMT4">
+                <p:oleObj spid="_x0000_s434260" name="Equation" r:id="rId4" imgW="2146300" imgH="228600" progId="Equation.DSMT4">
                   <p:embed/>
                 </p:oleObj>
               </mc:Choice>
@@ -9899,7 +9899,7 @@
           <a:graphicData uri="http://schemas.openxmlformats.org/presentationml/2006/ole">
             <mc:AlternateContent xmlns:mc="http://schemas.openxmlformats.org/markup-compatibility/2006">
               <mc:Choice xmlns:v="urn:schemas-microsoft-com:vml" Requires="v">
-                <p:oleObj spid="_x0000_s434254" name="Equation" r:id="rId6" imgW="2514600" imgH="228600" progId="Equation.DSMT4">
+                <p:oleObj spid="_x0000_s434261" name="Equation" r:id="rId6" imgW="2514600" imgH="228600" progId="Equation.DSMT4">
                   <p:embed/>
                 </p:oleObj>
               </mc:Choice>
@@ -10066,7 +10066,7 @@
           <a:graphicData uri="http://schemas.openxmlformats.org/presentationml/2006/ole">
             <mc:AlternateContent xmlns:mc="http://schemas.openxmlformats.org/markup-compatibility/2006">
               <mc:Choice xmlns:v="urn:schemas-microsoft-com:vml" Requires="v">
-                <p:oleObj spid="_x0000_s436292" name="Equation" r:id="rId4" imgW="2514600" imgH="228600" progId="Equation.DSMT4">
+                <p:oleObj spid="_x0000_s436296" name="Equation" r:id="rId4" imgW="2514600" imgH="228600" progId="Equation.DSMT4">
                   <p:embed/>
                 </p:oleObj>
               </mc:Choice>
@@ -10208,88 +10208,9 @@
   <p:timing>
     <p:tnLst>
       <p:par>
-        <p:cTn xmlns:p14="http://schemas.microsoft.com/office/powerpoint/2010/main" id="1" dur="indefinite" restart="never" nodeType="tmRoot">
-          <p:childTnLst>
-            <p:seq concurrent="1" nextAc="seek">
-              <p:cTn id="2" dur="indefinite" nodeType="mainSeq">
-                <p:childTnLst>
-                  <p:par>
-                    <p:cTn id="3" fill="hold">
-                      <p:stCondLst>
-                        <p:cond delay="indefinite"/>
-                      </p:stCondLst>
-                      <p:childTnLst>
-                        <p:par>
-                          <p:cTn id="4" fill="hold">
-                            <p:stCondLst>
-                              <p:cond delay="0"/>
-                            </p:stCondLst>
-                            <p:childTnLst>
-                              <p:par>
-                                <p:cTn id="5" presetID="10" presetClass="entr" presetSubtype="0" fill="hold" grpId="0" nodeType="clickEffect">
-                                  <p:stCondLst>
-                                    <p:cond delay="0"/>
-                                  </p:stCondLst>
-                                  <p:childTnLst>
-                                    <p:set>
-                                      <p:cBhvr>
-                                        <p:cTn id="6" dur="1" fill="hold">
-                                          <p:stCondLst>
-                                            <p:cond delay="0"/>
-                                          </p:stCondLst>
-                                        </p:cTn>
-                                        <p:tgtEl>
-                                          <p:spTgt spid="17"/>
-                                        </p:tgtEl>
-                                        <p:attrNameLst>
-                                          <p:attrName>style.visibility</p:attrName>
-                                        </p:attrNameLst>
-                                      </p:cBhvr>
-                                      <p:to>
-                                        <p:strVal val="visible"/>
-                                      </p:to>
-                                    </p:set>
-                                    <p:animEffect transition="in" filter="fade">
-                                      <p:cBhvr>
-                                        <p:cTn id="7" dur="500"/>
-                                        <p:tgtEl>
-                                          <p:spTgt spid="17"/>
-                                        </p:tgtEl>
-                                      </p:cBhvr>
-                                    </p:animEffect>
-                                  </p:childTnLst>
-                                </p:cTn>
-                              </p:par>
-                            </p:childTnLst>
-                          </p:cTn>
-                        </p:par>
-                      </p:childTnLst>
-                    </p:cTn>
-                  </p:par>
-                </p:childTnLst>
-              </p:cTn>
-              <p:prevCondLst>
-                <p:cond evt="onPrev" delay="0">
-                  <p:tgtEl>
-                    <p:sldTgt/>
-                  </p:tgtEl>
-                </p:cond>
-              </p:prevCondLst>
-              <p:nextCondLst>
-                <p:cond evt="onNext" delay="0">
-                  <p:tgtEl>
-                    <p:sldTgt/>
-                  </p:tgtEl>
-                </p:cond>
-              </p:nextCondLst>
-            </p:seq>
-          </p:childTnLst>
-        </p:cTn>
+        <p:cTn xmlns:p14="http://schemas.microsoft.com/office/powerpoint/2010/main" id="1" dur="indefinite" restart="never" nodeType="tmRoot"/>
       </p:par>
     </p:tnLst>
-    <p:bldLst>
-      <p:bldP spid="17" grpId="0"/>
-    </p:bldLst>
   </p:timing>
 </p:sld>
 </file>
@@ -10366,7 +10287,7 @@
           <a:graphicData uri="http://schemas.openxmlformats.org/presentationml/2006/ole">
             <mc:AlternateContent xmlns:mc="http://schemas.openxmlformats.org/markup-compatibility/2006">
               <mc:Choice xmlns:v="urn:schemas-microsoft-com:vml" Requires="v">
-                <p:oleObj spid="_x0000_s437346" name="Equation" r:id="rId4" imgW="2514600" imgH="228600" progId="Equation.DSMT4">
+                <p:oleObj spid="_x0000_s437353" name="Equation" r:id="rId4" imgW="2514600" imgH="228600" progId="Equation.DSMT4">
                   <p:embed/>
                 </p:oleObj>
               </mc:Choice>
@@ -10423,7 +10344,7 @@
           <a:graphicData uri="http://schemas.openxmlformats.org/presentationml/2006/ole">
             <mc:AlternateContent xmlns:mc="http://schemas.openxmlformats.org/markup-compatibility/2006">
               <mc:Choice xmlns:v="urn:schemas-microsoft-com:vml" Requires="v">
-                <p:oleObj spid="_x0000_s437347" name="Equation" r:id="rId6" imgW="1866900" imgH="228600" progId="Equation.DSMT4">
+                <p:oleObj spid="_x0000_s437354" name="Equation" r:id="rId6" imgW="1866900" imgH="228600" progId="Equation.DSMT4">
                   <p:embed/>
                 </p:oleObj>
               </mc:Choice>
@@ -10590,7 +10511,7 @@
           <a:graphicData uri="http://schemas.openxmlformats.org/presentationml/2006/ole">
             <mc:AlternateContent xmlns:mc="http://schemas.openxmlformats.org/markup-compatibility/2006">
               <mc:Choice xmlns:v="urn:schemas-microsoft-com:vml" Requires="v">
-                <p:oleObj spid="_x0000_s479288" name="Equation" r:id="rId4" imgW="1866900" imgH="228600" progId="Equation.DSMT4">
+                <p:oleObj spid="_x0000_s479292" name="Equation" r:id="rId4" imgW="1866900" imgH="228600" progId="Equation.DSMT4">
                   <p:embed/>
                 </p:oleObj>
               </mc:Choice>
@@ -10813,7 +10734,7 @@
           <a:graphicData uri="http://schemas.openxmlformats.org/presentationml/2006/ole">
             <mc:AlternateContent xmlns:mc="http://schemas.openxmlformats.org/markup-compatibility/2006">
               <mc:Choice xmlns:v="urn:schemas-microsoft-com:vml" Requires="v">
-                <p:oleObj spid="_x0000_s440444" name="Equation" r:id="rId4" imgW="1866900" imgH="228600" progId="Equation.DSMT4">
+                <p:oleObj spid="_x0000_s440451" name="Equation" r:id="rId4" imgW="1866900" imgH="228600" progId="Equation.DSMT4">
                   <p:embed/>
                 </p:oleObj>
               </mc:Choice>
@@ -10870,7 +10791,7 @@
           <a:graphicData uri="http://schemas.openxmlformats.org/presentationml/2006/ole">
             <mc:AlternateContent xmlns:mc="http://schemas.openxmlformats.org/markup-compatibility/2006">
               <mc:Choice xmlns:v="urn:schemas-microsoft-com:vml" Requires="v">
-                <p:oleObj spid="_x0000_s440445" name="Equation" r:id="rId6" imgW="1689100" imgH="254000" progId="Equation.DSMT4">
+                <p:oleObj spid="_x0000_s440452" name="Equation" r:id="rId6" imgW="1689100" imgH="254000" progId="Equation.DSMT4">
                   <p:embed/>
                 </p:oleObj>
               </mc:Choice>
@@ -11037,7 +10958,7 @@
           <a:graphicData uri="http://schemas.openxmlformats.org/presentationml/2006/ole">
             <mc:AlternateContent xmlns:mc="http://schemas.openxmlformats.org/markup-compatibility/2006">
               <mc:Choice xmlns:v="urn:schemas-microsoft-com:vml" Requires="v">
-                <p:oleObj spid="_x0000_s433272" name="Equation" r:id="rId4" imgW="1689100" imgH="254000" progId="Equation.DSMT4">
+                <p:oleObj spid="_x0000_s433276" name="Equation" r:id="rId4" imgW="1689100" imgH="254000" progId="Equation.DSMT4">
                   <p:embed/>
                 </p:oleObj>
               </mc:Choice>
@@ -11206,7 +11127,7 @@
           <a:graphicData uri="http://schemas.openxmlformats.org/presentationml/2006/ole">
             <mc:AlternateContent xmlns:mc="http://schemas.openxmlformats.org/markup-compatibility/2006">
               <mc:Choice xmlns:v="urn:schemas-microsoft-com:vml" Requires="v">
-                <p:oleObj spid="_x0000_s441491" name="Equation" r:id="rId4" imgW="1371600" imgH="482600" progId="Equation.DSMT4">
+                <p:oleObj spid="_x0000_s441498" name="Equation" r:id="rId4" imgW="1371600" imgH="482600" progId="Equation.DSMT4">
                   <p:embed/>
                 </p:oleObj>
               </mc:Choice>
@@ -11296,7 +11217,7 @@
           <a:graphicData uri="http://schemas.openxmlformats.org/presentationml/2006/ole">
             <mc:AlternateContent xmlns:mc="http://schemas.openxmlformats.org/markup-compatibility/2006">
               <mc:Choice xmlns:v="urn:schemas-microsoft-com:vml" Requires="v">
-                <p:oleObj spid="_x0000_s441492" name="Equation" r:id="rId6" imgW="1689100" imgH="254000" progId="Equation.DSMT4">
+                <p:oleObj spid="_x0000_s441499" name="Equation" r:id="rId6" imgW="1689100" imgH="254000" progId="Equation.DSMT4">
                   <p:embed/>
                 </p:oleObj>
               </mc:Choice>
@@ -11667,7 +11588,7 @@
           <a:graphicData uri="http://schemas.openxmlformats.org/presentationml/2006/ole">
             <mc:AlternateContent xmlns:mc="http://schemas.openxmlformats.org/markup-compatibility/2006">
               <mc:Choice xmlns:v="urn:schemas-microsoft-com:vml" Requires="v">
-                <p:oleObj spid="_x0000_s502804" name="Equation" r:id="rId4" imgW="1371600" imgH="482600" progId="Equation.DSMT4">
+                <p:oleObj spid="_x0000_s502808" name="Equation" r:id="rId4" imgW="1371600" imgH="482600" progId="Equation.DSMT4">
                   <p:embed/>
                 </p:oleObj>
               </mc:Choice>
@@ -11834,7 +11755,7 @@
           <a:graphicData uri="http://schemas.openxmlformats.org/presentationml/2006/ole">
             <mc:AlternateContent xmlns:mc="http://schemas.openxmlformats.org/markup-compatibility/2006">
               <mc:Choice xmlns:v="urn:schemas-microsoft-com:vml" Requires="v">
-                <p:oleObj spid="_x0000_s444478" name="Equation" r:id="rId4" imgW="1371600" imgH="482600" progId="Equation.DSMT4">
+                <p:oleObj spid="_x0000_s444485" name="Equation" r:id="rId4" imgW="1371600" imgH="482600" progId="Equation.DSMT4">
                   <p:embed/>
                 </p:oleObj>
               </mc:Choice>
@@ -11976,7 +11897,7 @@
             <a:graphicData uri="http://schemas.openxmlformats.org/presentationml/2006/ole">
               <mc:AlternateContent xmlns:mc="http://schemas.openxmlformats.org/markup-compatibility/2006">
                 <mc:Choice xmlns:v="urn:schemas-microsoft-com:vml" Requires="v">
-                  <p:oleObj spid="_x0000_s444479" name="Equation" r:id="rId6" imgW="139700" imgH="215900" progId="Equation.DSMT4">
+                  <p:oleObj spid="_x0000_s444486" name="Equation" r:id="rId6" imgW="139700" imgH="215900" progId="Equation.DSMT4">
                     <p:embed/>
                   </p:oleObj>
                 </mc:Choice>
@@ -12111,7 +12032,7 @@
           <a:graphicData uri="http://schemas.openxmlformats.org/presentationml/2006/ole">
             <mc:AlternateContent xmlns:mc="http://schemas.openxmlformats.org/markup-compatibility/2006">
               <mc:Choice xmlns:v="urn:schemas-microsoft-com:vml" Requires="v">
-                <p:oleObj spid="_x0000_s442438" name="Equation" r:id="rId4" imgW="1371600" imgH="482600" progId="Equation.DSMT4">
+                <p:oleObj spid="_x0000_s442445" name="Equation" r:id="rId4" imgW="1371600" imgH="482600" progId="Equation.DSMT4">
                   <p:embed/>
                 </p:oleObj>
               </mc:Choice>
@@ -12168,7 +12089,7 @@
           <a:graphicData uri="http://schemas.openxmlformats.org/presentationml/2006/ole">
             <mc:AlternateContent xmlns:mc="http://schemas.openxmlformats.org/markup-compatibility/2006">
               <mc:Choice xmlns:v="urn:schemas-microsoft-com:vml" Requires="v">
-                <p:oleObj spid="_x0000_s442439" name="Equation" r:id="rId6" imgW="1803400" imgH="482600" progId="Equation.DSMT4">
+                <p:oleObj spid="_x0000_s442446" name="Equation" r:id="rId6" imgW="1803400" imgH="482600" progId="Equation.DSMT4">
                   <p:embed/>
                 </p:oleObj>
               </mc:Choice>
@@ -12335,7 +12256,7 @@
           <a:graphicData uri="http://schemas.openxmlformats.org/presentationml/2006/ole">
             <mc:AlternateContent xmlns:mc="http://schemas.openxmlformats.org/markup-compatibility/2006">
               <mc:Choice xmlns:v="urn:schemas-microsoft-com:vml" Requires="v">
-                <p:oleObj spid="_x0000_s446550" name="Equation" r:id="rId4" imgW="1803400" imgH="482600" progId="Equation.DSMT4">
+                <p:oleObj spid="_x0000_s446557" name="Equation" r:id="rId4" imgW="1803400" imgH="482600" progId="Equation.DSMT4">
                   <p:embed/>
                 </p:oleObj>
               </mc:Choice>
@@ -12477,7 +12398,7 @@
             <a:graphicData uri="http://schemas.openxmlformats.org/presentationml/2006/ole">
               <mc:AlternateContent xmlns:mc="http://schemas.openxmlformats.org/markup-compatibility/2006">
                 <mc:Choice xmlns:v="urn:schemas-microsoft-com:vml" Requires="v">
-                  <p:oleObj spid="_x0000_s446551" name="Equation" r:id="rId6" imgW="177800" imgH="241300" progId="Equation.DSMT4">
+                  <p:oleObj spid="_x0000_s446558" name="Equation" r:id="rId6" imgW="177800" imgH="241300" progId="Equation.DSMT4">
                     <p:embed/>
                   </p:oleObj>
                 </mc:Choice>
@@ -12603,7 +12524,7 @@
           <a:graphicData uri="http://schemas.openxmlformats.org/presentationml/2006/ole">
             <mc:AlternateContent xmlns:mc="http://schemas.openxmlformats.org/markup-compatibility/2006">
               <mc:Choice xmlns:v="urn:schemas-microsoft-com:vml" Requires="v">
-                <p:oleObj spid="_x0000_s445534" name="Equation" r:id="rId4" imgW="1854200" imgH="482600" progId="Equation.DSMT4">
+                <p:oleObj spid="_x0000_s445541" name="Equation" r:id="rId4" imgW="1854200" imgH="482600" progId="Equation.DSMT4">
                   <p:embed/>
                 </p:oleObj>
               </mc:Choice>
@@ -12660,7 +12581,7 @@
           <a:graphicData uri="http://schemas.openxmlformats.org/presentationml/2006/ole">
             <mc:AlternateContent xmlns:mc="http://schemas.openxmlformats.org/markup-compatibility/2006">
               <mc:Choice xmlns:v="urn:schemas-microsoft-com:vml" Requires="v">
-                <p:oleObj spid="_x0000_s445535" name="Equation" r:id="rId6" imgW="1803400" imgH="482600" progId="Equation.DSMT4">
+                <p:oleObj spid="_x0000_s445542" name="Equation" r:id="rId6" imgW="1803400" imgH="482600" progId="Equation.DSMT4">
                   <p:embed/>
                 </p:oleObj>
               </mc:Choice>
@@ -12818,7 +12739,7 @@
           <a:graphicData uri="http://schemas.openxmlformats.org/presentationml/2006/ole">
             <mc:AlternateContent xmlns:mc="http://schemas.openxmlformats.org/markup-compatibility/2006">
               <mc:Choice xmlns:v="urn:schemas-microsoft-com:vml" Requires="v">
-                <p:oleObj spid="_x0000_s480311" name="Equation" r:id="rId4" imgW="1854200" imgH="482600" progId="Equation.DSMT4">
+                <p:oleObj spid="_x0000_s480315" name="Equation" r:id="rId4" imgW="1854200" imgH="482600" progId="Equation.DSMT4">
                   <p:embed/>
                 </p:oleObj>
               </mc:Choice>
@@ -13286,7 +13207,7 @@
           <a:graphicData uri="http://schemas.openxmlformats.org/presentationml/2006/ole">
             <mc:AlternateContent xmlns:mc="http://schemas.openxmlformats.org/markup-compatibility/2006">
               <mc:Choice xmlns:v="urn:schemas-microsoft-com:vml" Requires="v">
-                <p:oleObj spid="_x0000_s425093" name="Equation" r:id="rId4" imgW="1511300" imgH="254000" progId="Equation.DSMT4">
+                <p:oleObj spid="_x0000_s425106" name="Equation" r:id="rId4" imgW="1511300" imgH="254000" progId="Equation.DSMT4">
                   <p:embed/>
                 </p:oleObj>
               </mc:Choice>
@@ -13343,7 +13264,7 @@
           <a:graphicData uri="http://schemas.openxmlformats.org/presentationml/2006/ole">
             <mc:AlternateContent xmlns:mc="http://schemas.openxmlformats.org/markup-compatibility/2006">
               <mc:Choice xmlns:v="urn:schemas-microsoft-com:vml" Requires="v">
-                <p:oleObj spid="_x0000_s425094" name="Equation" r:id="rId6" imgW="1524000" imgH="254000" progId="Equation.DSMT4">
+                <p:oleObj spid="_x0000_s425107" name="Equation" r:id="rId6" imgW="1524000" imgH="254000" progId="Equation.DSMT4">
                   <p:embed/>
                 </p:oleObj>
               </mc:Choice>
@@ -13400,7 +13321,7 @@
           <a:graphicData uri="http://schemas.openxmlformats.org/presentationml/2006/ole">
             <mc:AlternateContent xmlns:mc="http://schemas.openxmlformats.org/markup-compatibility/2006">
               <mc:Choice xmlns:v="urn:schemas-microsoft-com:vml" Requires="v">
-                <p:oleObj spid="_x0000_s425095" name="Equation" r:id="rId8" imgW="1181100" imgH="228600" progId="Equation.DSMT4">
+                <p:oleObj spid="_x0000_s425108" name="Equation" r:id="rId8" imgW="1181100" imgH="228600" progId="Equation.DSMT4">
                   <p:embed/>
                 </p:oleObj>
               </mc:Choice>
@@ -13457,7 +13378,7 @@
           <a:graphicData uri="http://schemas.openxmlformats.org/presentationml/2006/ole">
             <mc:AlternateContent xmlns:mc="http://schemas.openxmlformats.org/markup-compatibility/2006">
               <mc:Choice xmlns:v="urn:schemas-microsoft-com:vml" Requires="v">
-                <p:oleObj spid="_x0000_s425096" name="Equation" r:id="rId10" imgW="1168400" imgH="228600" progId="Equation.DSMT4">
+                <p:oleObj spid="_x0000_s425109" name="Equation" r:id="rId10" imgW="1168400" imgH="228600" progId="Equation.DSMT4">
                   <p:embed/>
                 </p:oleObj>
               </mc:Choice>
@@ -13771,7 +13692,7 @@
           <a:graphicData uri="http://schemas.openxmlformats.org/presentationml/2006/ole">
             <mc:AlternateContent xmlns:mc="http://schemas.openxmlformats.org/markup-compatibility/2006">
               <mc:Choice xmlns:v="urn:schemas-microsoft-com:vml" Requires="v">
-                <p:oleObj spid="_x0000_s426053" name="Equation" r:id="rId4" imgW="1854200" imgH="482600" progId="Equation.DSMT4">
+                <p:oleObj spid="_x0000_s426057" name="Equation" r:id="rId4" imgW="1854200" imgH="482600" progId="Equation.DSMT4">
                   <p:embed/>
                 </p:oleObj>
               </mc:Choice>
@@ -14145,7 +14066,7 @@
           <a:graphicData uri="http://schemas.openxmlformats.org/presentationml/2006/ole">
             <mc:AlternateContent xmlns:mc="http://schemas.openxmlformats.org/markup-compatibility/2006">
               <mc:Choice xmlns:v="urn:schemas-microsoft-com:vml" Requires="v">
-                <p:oleObj spid="_x0000_s481307" name="Equation" r:id="rId4" imgW="1854200" imgH="482600" progId="Equation.DSMT4">
+                <p:oleObj spid="_x0000_s481311" name="Equation" r:id="rId4" imgW="1854200" imgH="482600" progId="Equation.DSMT4">
                   <p:embed/>
                 </p:oleObj>
               </mc:Choice>
@@ -14358,7 +14279,7 @@
           <a:graphicData uri="http://schemas.openxmlformats.org/presentationml/2006/ole">
             <mc:AlternateContent xmlns:mc="http://schemas.openxmlformats.org/markup-compatibility/2006">
               <mc:Choice xmlns:v="urn:schemas-microsoft-com:vml" Requires="v">
-                <p:oleObj spid="_x0000_s528394" name="Equation" r:id="rId4" imgW="1803400" imgH="482600" progId="Equation.DSMT4">
+                <p:oleObj spid="_x0000_s528398" name="Equation" r:id="rId4" imgW="1803400" imgH="482600" progId="Equation.DSMT4">
                   <p:embed/>
                 </p:oleObj>
               </mc:Choice>
@@ -14627,9 +14548,18 @@
   <p:clrMapOvr>
     <a:masterClrMapping/>
   </p:clrMapOvr>
-  <p:transition xmlns:p14="http://schemas.microsoft.com/office/powerpoint/2010/main" spd="slow" advClick="0">
-    <p:fade/>
-  </p:transition>
+  <mc:AlternateContent xmlns:mc="http://schemas.openxmlformats.org/markup-compatibility/2006">
+    <mc:Choice xmlns:p14="http://schemas.microsoft.com/office/powerpoint/2010/main" Requires="p14">
+      <p:transition spd="med" p14:dur="700" advClick="0">
+        <p:fade/>
+      </p:transition>
+    </mc:Choice>
+    <mc:Fallback>
+      <p:transition xmlns:p14="http://schemas.microsoft.com/office/powerpoint/2010/main" spd="med" advClick="0">
+        <p:fade/>
+      </p:transition>
+    </mc:Fallback>
+  </mc:AlternateContent>
   <p:timing>
     <p:tnLst>
       <p:par>
@@ -14857,7 +14787,7 @@
           <a:graphicData uri="http://schemas.openxmlformats.org/presentationml/2006/ole">
             <mc:AlternateContent xmlns:mc="http://schemas.openxmlformats.org/markup-compatibility/2006">
               <mc:Choice xmlns:v="urn:schemas-microsoft-com:vml" Requires="v">
-                <p:oleObj spid="_x0000_s447526" name="Equation" r:id="rId4" imgW="2514600" imgH="254000" progId="Equation.DSMT4">
+                <p:oleObj spid="_x0000_s447530" name="Equation" r:id="rId4" imgW="2514600" imgH="254000" progId="Equation.DSMT4">
                   <p:embed/>
                 </p:oleObj>
               </mc:Choice>
@@ -14979,9 +14909,18 @@
   <p:clrMapOvr>
     <a:masterClrMapping/>
   </p:clrMapOvr>
-  <p:transition xmlns:p14="http://schemas.microsoft.com/office/powerpoint/2010/main" spd="slow" advClick="0">
-    <p:fade/>
-  </p:transition>
+  <mc:AlternateContent xmlns:mc="http://schemas.openxmlformats.org/markup-compatibility/2006">
+    <mc:Choice xmlns:p14="http://schemas.microsoft.com/office/powerpoint/2010/main" Requires="p14">
+      <p:transition p14:dur="400" advClick="0">
+        <p:fade/>
+      </p:transition>
+    </mc:Choice>
+    <mc:Fallback>
+      <p:transition xmlns:p14="http://schemas.microsoft.com/office/powerpoint/2010/main" advClick="0">
+        <p:fade/>
+      </p:transition>
+    </mc:Fallback>
+  </mc:AlternateContent>
   <p:timing>
     <p:tnLst>
       <p:par>
@@ -15016,6 +14955,59 @@
                                           </p:stCondLst>
                                         </p:cTn>
                                         <p:tgtEl>
+                                          <p:spTgt spid="6"/>
+                                        </p:tgtEl>
+                                        <p:attrNameLst>
+                                          <p:attrName>style.visibility</p:attrName>
+                                        </p:attrNameLst>
+                                      </p:cBhvr>
+                                      <p:to>
+                                        <p:strVal val="visible"/>
+                                      </p:to>
+                                    </p:set>
+                                    <p:animEffect transition="in" filter="fade">
+                                      <p:cBhvr>
+                                        <p:cTn id="7" dur="500"/>
+                                        <p:tgtEl>
+                                          <p:spTgt spid="6"/>
+                                        </p:tgtEl>
+                                      </p:cBhvr>
+                                    </p:animEffect>
+                                  </p:childTnLst>
+                                </p:cTn>
+                              </p:par>
+                            </p:childTnLst>
+                          </p:cTn>
+                        </p:par>
+                      </p:childTnLst>
+                    </p:cTn>
+                  </p:par>
+                  <p:par>
+                    <p:cTn id="8" fill="hold">
+                      <p:stCondLst>
+                        <p:cond delay="indefinite"/>
+                      </p:stCondLst>
+                      <p:childTnLst>
+                        <p:par>
+                          <p:cTn id="9" fill="hold">
+                            <p:stCondLst>
+                              <p:cond delay="0"/>
+                            </p:stCondLst>
+                            <p:childTnLst>
+                              <p:par>
+                                <p:cTn id="10" presetID="10" presetClass="entr" presetSubtype="0" fill="hold" grpId="0" nodeType="clickEffect">
+                                  <p:stCondLst>
+                                    <p:cond delay="0"/>
+                                  </p:stCondLst>
+                                  <p:childTnLst>
+                                    <p:set>
+                                      <p:cBhvr>
+                                        <p:cTn id="11" dur="1" fill="hold">
+                                          <p:stCondLst>
+                                            <p:cond delay="0"/>
+                                          </p:stCondLst>
+                                        </p:cTn>
+                                        <p:tgtEl>
                                           <p:spTgt spid="2">
                                             <p:txEl>
                                               <p:pRg st="0" end="0"/>
@@ -15032,7 +15024,7 @@
                                     </p:set>
                                     <p:animEffect transition="in" filter="fade">
                                       <p:cBhvr>
-                                        <p:cTn id="7" dur="500"/>
+                                        <p:cTn id="12" dur="500"/>
                                         <p:tgtEl>
                                           <p:spTgt spid="2">
                                             <p:txEl>
@@ -15074,6 +15066,7 @@
     </p:tnLst>
     <p:bldLst>
       <p:bldP spid="2" grpId="0" build="p"/>
+      <p:bldP spid="6" grpId="0"/>
     </p:bldLst>
   </p:timing>
 </p:sld>
@@ -15151,7 +15144,7 @@
           <a:graphicData uri="http://schemas.openxmlformats.org/presentationml/2006/ole">
             <mc:AlternateContent xmlns:mc="http://schemas.openxmlformats.org/markup-compatibility/2006">
               <mc:Choice xmlns:v="urn:schemas-microsoft-com:vml" Requires="v">
-                <p:oleObj spid="_x0000_s449608" name="Equation" r:id="rId4" imgW="698500" imgH="254000" progId="Equation.DSMT4">
+                <p:oleObj spid="_x0000_s449617" name="Equation" r:id="rId4" imgW="698500" imgH="254000" progId="Equation.DSMT4">
                   <p:embed/>
                 </p:oleObj>
               </mc:Choice>
@@ -15208,7 +15201,7 @@
           <a:graphicData uri="http://schemas.openxmlformats.org/presentationml/2006/ole">
             <mc:AlternateContent xmlns:mc="http://schemas.openxmlformats.org/markup-compatibility/2006">
               <mc:Choice xmlns:v="urn:schemas-microsoft-com:vml" Requires="v">
-                <p:oleObj spid="_x0000_s449609" name="Equation" r:id="rId6" imgW="1651000" imgH="254000" progId="Equation.DSMT4">
+                <p:oleObj spid="_x0000_s449618" name="Equation" r:id="rId6" imgW="1651000" imgH="254000" progId="Equation.DSMT4">
                   <p:embed/>
                 </p:oleObj>
               </mc:Choice>
@@ -15301,11 +15294,7 @@
           <a:p>
             <a:r>
               <a:rPr lang="en-US" sz="4400" dirty="0" smtClean="0"/>
-              <a:t>Full</a:t>
-            </a:r>
-            <a:r>
-              <a:rPr lang="en-US" sz="4400" dirty="0" smtClean="0"/>
-              <a:t> DNF for an </a:t>
+              <a:t>Full DNF for an </a:t>
             </a:r>
             <a:r>
               <a:rPr lang="en-US" sz="4000" dirty="0" smtClean="0">
@@ -15315,17 +15304,7 @@
                   </a:schemeClr>
                 </a:solidFill>
               </a:rPr>
-              <a:t>AND</a:t>
-            </a:r>
-            <a:r>
-              <a:rPr lang="en-US" sz="4000" dirty="0" smtClean="0">
-                <a:solidFill>
-                  <a:schemeClr val="accent5">
-                    <a:lumMod val="50000"/>
-                  </a:schemeClr>
-                </a:solidFill>
-              </a:rPr>
-              <a:t>-</a:t>
+              <a:t>AND-</a:t>
             </a:r>
             <a:r>
               <a:rPr lang="en-US" sz="4000" dirty="0" smtClean="0">
@@ -15377,7 +15356,7 @@
                             </p:stCondLst>
                             <p:childTnLst>
                               <p:par>
-                                <p:cTn id="5" presetID="10" presetClass="entr" presetSubtype="0" fill="hold" grpId="0" nodeType="clickEffect">
+                                <p:cTn id="5" presetID="10" presetClass="entr" presetSubtype="0" fill="hold" nodeType="clickEffect">
                                   <p:stCondLst>
                                     <p:cond delay="0"/>
                                   </p:stCondLst>
@@ -15390,7 +15369,7 @@
                                           </p:stCondLst>
                                         </p:cTn>
                                         <p:tgtEl>
-                                          <p:spTgt spid="3"/>
+                                          <p:spTgt spid="14"/>
                                         </p:tgtEl>
                                         <p:attrNameLst>
                                           <p:attrName>style.visibility</p:attrName>
@@ -15404,7 +15383,7 @@
                                       <p:cBhvr>
                                         <p:cTn id="7" dur="500"/>
                                         <p:tgtEl>
-                                          <p:spTgt spid="3"/>
+                                          <p:spTgt spid="14"/>
                                         </p:tgtEl>
                                       </p:cBhvr>
                                     </p:animEffect>
@@ -15430,7 +15409,7 @@
                             </p:stCondLst>
                             <p:childTnLst>
                               <p:par>
-                                <p:cTn id="10" presetID="22" presetClass="entr" presetSubtype="8" fill="hold" nodeType="clickEffect">
+                                <p:cTn id="10" presetID="10" presetClass="entr" presetSubtype="0" fill="hold" grpId="0" nodeType="clickEffect">
                                   <p:stCondLst>
                                     <p:cond delay="0"/>
                                   </p:stCondLst>
@@ -15438,6 +15417,59 @@
                                     <p:set>
                                       <p:cBhvr>
                                         <p:cTn id="11" dur="1" fill="hold">
+                                          <p:stCondLst>
+                                            <p:cond delay="0"/>
+                                          </p:stCondLst>
+                                        </p:cTn>
+                                        <p:tgtEl>
+                                          <p:spTgt spid="3"/>
+                                        </p:tgtEl>
+                                        <p:attrNameLst>
+                                          <p:attrName>style.visibility</p:attrName>
+                                        </p:attrNameLst>
+                                      </p:cBhvr>
+                                      <p:to>
+                                        <p:strVal val="visible"/>
+                                      </p:to>
+                                    </p:set>
+                                    <p:animEffect transition="in" filter="fade">
+                                      <p:cBhvr>
+                                        <p:cTn id="12" dur="500"/>
+                                        <p:tgtEl>
+                                          <p:spTgt spid="3"/>
+                                        </p:tgtEl>
+                                      </p:cBhvr>
+                                    </p:animEffect>
+                                  </p:childTnLst>
+                                </p:cTn>
+                              </p:par>
+                            </p:childTnLst>
+                          </p:cTn>
+                        </p:par>
+                      </p:childTnLst>
+                    </p:cTn>
+                  </p:par>
+                  <p:par>
+                    <p:cTn id="13" fill="hold">
+                      <p:stCondLst>
+                        <p:cond delay="indefinite"/>
+                      </p:stCondLst>
+                      <p:childTnLst>
+                        <p:par>
+                          <p:cTn id="14" fill="hold">
+                            <p:stCondLst>
+                              <p:cond delay="0"/>
+                            </p:stCondLst>
+                            <p:childTnLst>
+                              <p:par>
+                                <p:cTn id="15" presetID="22" presetClass="entr" presetSubtype="8" fill="hold" nodeType="clickEffect">
+                                  <p:stCondLst>
+                                    <p:cond delay="0"/>
+                                  </p:stCondLst>
+                                  <p:childTnLst>
+                                    <p:set>
+                                      <p:cBhvr>
+                                        <p:cTn id="16" dur="1" fill="hold">
                                           <p:stCondLst>
                                             <p:cond delay="0"/>
                                           </p:stCondLst>
@@ -15455,7 +15487,7 @@
                                     </p:set>
                                     <p:animEffect transition="in" filter="wipe(left)">
                                       <p:cBhvr>
-                                        <p:cTn id="12" dur="1000"/>
+                                        <p:cTn id="17" dur="1000"/>
                                         <p:tgtEl>
                                           <p:spTgt spid="6"/>
                                         </p:tgtEl>
@@ -15499,7 +15531,7 @@
 </file>
 
 <file path=ppt/slides/slide32.xml><?xml version="1.0" encoding="utf-8"?>
-<p:sld xmlns:a="http://schemas.openxmlformats.org/drawingml/2006/main" xmlns:r="http://schemas.openxmlformats.org/officeDocument/2006/relationships" xmlns:p="http://schemas.openxmlformats.org/presentationml/2006/main">
+<p:sld xmlns:a="http://schemas.openxmlformats.org/drawingml/2006/main" xmlns:r="http://schemas.openxmlformats.org/officeDocument/2006/relationships" xmlns:p="http://schemas.openxmlformats.org/presentationml/2006/main" show="0">
   <p:cSld>
     <p:spTree>
       <p:nvGrpSpPr>
@@ -15570,7 +15602,7 @@
           <a:graphicData uri="http://schemas.openxmlformats.org/presentationml/2006/ole">
             <mc:AlternateContent xmlns:mc="http://schemas.openxmlformats.org/markup-compatibility/2006">
               <mc:Choice xmlns:v="urn:schemas-microsoft-com:vml" Requires="v">
-                <p:oleObj spid="_x0000_s505893" name="Equation" r:id="rId4" imgW="698500" imgH="254000" progId="Equation.DSMT4">
+                <p:oleObj spid="_x0000_s505902" name="Equation" r:id="rId4" imgW="698500" imgH="254000" progId="Equation.DSMT4">
                   <p:embed/>
                 </p:oleObj>
               </mc:Choice>
@@ -15627,7 +15659,7 @@
           <a:graphicData uri="http://schemas.openxmlformats.org/presentationml/2006/ole">
             <mc:AlternateContent xmlns:mc="http://schemas.openxmlformats.org/markup-compatibility/2006">
               <mc:Choice xmlns:v="urn:schemas-microsoft-com:vml" Requires="v">
-                <p:oleObj spid="_x0000_s505894" name="Equation" r:id="rId6" imgW="1651000" imgH="254000" progId="Equation.DSMT4">
+                <p:oleObj spid="_x0000_s505903" name="Equation" r:id="rId6" imgW="1651000" imgH="254000" progId="Equation.DSMT4">
                   <p:embed/>
                 </p:oleObj>
               </mc:Choice>
@@ -15684,11 +15716,7 @@
           <a:p>
             <a:r>
               <a:rPr lang="en-US" sz="4400" dirty="0" smtClean="0"/>
-              <a:t>Full</a:t>
-            </a:r>
-            <a:r>
-              <a:rPr lang="en-US" sz="4400" dirty="0" smtClean="0"/>
-              <a:t> DNF for an </a:t>
+              <a:t>Full DNF for an </a:t>
             </a:r>
             <a:r>
               <a:rPr lang="en-US" sz="4000" dirty="0" smtClean="0">
@@ -15698,17 +15726,7 @@
                   </a:schemeClr>
                 </a:solidFill>
               </a:rPr>
-              <a:t>AND</a:t>
-            </a:r>
-            <a:r>
-              <a:rPr lang="en-US" sz="4000" dirty="0" smtClean="0">
-                <a:solidFill>
-                  <a:schemeClr val="accent5">
-                    <a:lumMod val="50000"/>
-                  </a:schemeClr>
-                </a:solidFill>
-              </a:rPr>
-              <a:t>-</a:t>
+              <a:t>AND-</a:t>
             </a:r>
             <a:r>
               <a:rPr lang="en-US" sz="4000" dirty="0" smtClean="0">
@@ -15821,7 +15839,7 @@
           <a:graphicData uri="http://schemas.openxmlformats.org/presentationml/2006/ole">
             <mc:AlternateContent xmlns:mc="http://schemas.openxmlformats.org/markup-compatibility/2006">
               <mc:Choice xmlns:v="urn:schemas-microsoft-com:vml" Requires="v">
-                <p:oleObj spid="_x0000_s506936" name="Equation" r:id="rId4" imgW="698500" imgH="254000" progId="Equation.DSMT4">
+                <p:oleObj spid="_x0000_s506946" name="Equation" r:id="rId4" imgW="698500" imgH="254000" progId="Equation.DSMT4">
                   <p:embed/>
                 </p:oleObj>
               </mc:Choice>
@@ -15878,7 +15896,7 @@
           <a:graphicData uri="http://schemas.openxmlformats.org/presentationml/2006/ole">
             <mc:AlternateContent xmlns:mc="http://schemas.openxmlformats.org/markup-compatibility/2006">
               <mc:Choice xmlns:v="urn:schemas-microsoft-com:vml" Requires="v">
-                <p:oleObj spid="_x0000_s506937" name="Equation" r:id="rId6" imgW="1651000" imgH="254000" progId="Equation.DSMT4">
+                <p:oleObj spid="_x0000_s506947" name="Equation" r:id="rId6" imgW="1651000" imgH="254000" progId="Equation.DSMT4">
                   <p:embed/>
                 </p:oleObj>
               </mc:Choice>
@@ -15935,7 +15953,7 @@
           <a:graphicData uri="http://schemas.openxmlformats.org/presentationml/2006/ole">
             <mc:AlternateContent xmlns:mc="http://schemas.openxmlformats.org/markup-compatibility/2006">
               <mc:Choice xmlns:v="urn:schemas-microsoft-com:vml" Requires="v">
-                <p:oleObj spid="_x0000_s506938" name="Equation" r:id="rId8" imgW="1333500" imgH="482600" progId="Equation.DSMT4">
+                <p:oleObj spid="_x0000_s506948" name="Equation" r:id="rId8" imgW="1333500" imgH="482600" progId="Equation.DSMT4">
                   <p:embed/>
                 </p:oleObj>
               </mc:Choice>
@@ -16027,11 +16045,7 @@
           <a:p>
             <a:r>
               <a:rPr lang="en-US" sz="4400" dirty="0" smtClean="0"/>
-              <a:t>Full</a:t>
-            </a:r>
-            <a:r>
-              <a:rPr lang="en-US" sz="4400" dirty="0" smtClean="0"/>
-              <a:t> DNF for an </a:t>
+              <a:t>Full DNF for an </a:t>
             </a:r>
             <a:r>
               <a:rPr lang="en-US" sz="4000" dirty="0" smtClean="0">
@@ -16041,17 +16055,7 @@
                   </a:schemeClr>
                 </a:solidFill>
               </a:rPr>
-              <a:t>AND</a:t>
-            </a:r>
-            <a:r>
-              <a:rPr lang="en-US" sz="4000" dirty="0" smtClean="0">
-                <a:solidFill>
-                  <a:schemeClr val="accent5">
-                    <a:lumMod val="50000"/>
-                  </a:schemeClr>
-                </a:solidFill>
-              </a:rPr>
-              <a:t>-</a:t>
+              <a:t>AND-</a:t>
             </a:r>
             <a:r>
               <a:rPr lang="en-US" sz="4000" dirty="0" smtClean="0">
@@ -16079,13 +16083,13 @@
   <p:clrMapOvr>
     <a:masterClrMapping/>
   </p:clrMapOvr>
-  <mc:AlternateContent xmlns:mc="http://schemas.openxmlformats.org/markup-compatibility/2006">
-    <mc:Choice xmlns:p14="http://schemas.microsoft.com/office/powerpoint/2010/main" Requires="p14">
+  <mc:AlternateContent xmlns:mc="http://schemas.openxmlformats.org/markup-compatibility/2006" xmlns:p14="http://schemas.microsoft.com/office/powerpoint/2010/main">
+    <mc:Choice Requires="p14">
       <p:transition p14:dur="300" advClick="0">
         <p:fade/>
       </p:transition>
     </mc:Choice>
-    <mc:Fallback>
+    <mc:Fallback xmlns="">
       <p:transition xmlns:p14="http://schemas.microsoft.com/office/powerpoint/2010/main" advClick="0">
         <p:fade/>
       </p:transition>
@@ -16249,7 +16253,7 @@
           <a:graphicData uri="http://schemas.openxmlformats.org/presentationml/2006/ole">
             <mc:AlternateContent xmlns:mc="http://schemas.openxmlformats.org/markup-compatibility/2006">
               <mc:Choice xmlns:v="urn:schemas-microsoft-com:vml" Requires="v">
-                <p:oleObj spid="_x0000_s507957" name="Equation" r:id="rId4" imgW="698500" imgH="254000" progId="Equation.DSMT4">
+                <p:oleObj spid="_x0000_s507964" name="Equation" r:id="rId4" imgW="698500" imgH="254000" progId="Equation.DSMT4">
                   <p:embed/>
                 </p:oleObj>
               </mc:Choice>
@@ -16306,7 +16310,7 @@
           <a:graphicData uri="http://schemas.openxmlformats.org/presentationml/2006/ole">
             <mc:AlternateContent xmlns:mc="http://schemas.openxmlformats.org/markup-compatibility/2006">
               <mc:Choice xmlns:v="urn:schemas-microsoft-com:vml" Requires="v">
-                <p:oleObj spid="_x0000_s507958" name="Equation" r:id="rId6" imgW="1333500" imgH="482600" progId="Equation.DSMT4">
+                <p:oleObj spid="_x0000_s507965" name="Equation" r:id="rId6" imgW="1333500" imgH="482600" progId="Equation.DSMT4">
                   <p:embed/>
                 </p:oleObj>
               </mc:Choice>
@@ -16461,11 +16465,7 @@
           <a:p>
             <a:r>
               <a:rPr lang="en-US" sz="4400" dirty="0" smtClean="0"/>
-              <a:t>Full</a:t>
-            </a:r>
-            <a:r>
-              <a:rPr lang="en-US" sz="4400" dirty="0" smtClean="0"/>
-              <a:t> DNF for an </a:t>
+              <a:t>Full DNF for an </a:t>
             </a:r>
             <a:r>
               <a:rPr lang="en-US" sz="4000" dirty="0" smtClean="0">
@@ -16475,17 +16475,7 @@
                   </a:schemeClr>
                 </a:solidFill>
               </a:rPr>
-              <a:t>AND</a:t>
-            </a:r>
-            <a:r>
-              <a:rPr lang="en-US" sz="4000" dirty="0" smtClean="0">
-                <a:solidFill>
-                  <a:schemeClr val="accent5">
-                    <a:lumMod val="50000"/>
-                  </a:schemeClr>
-                </a:solidFill>
-              </a:rPr>
-              <a:t>-</a:t>
+              <a:t>AND-</a:t>
             </a:r>
             <a:r>
               <a:rPr lang="en-US" sz="4000" dirty="0" smtClean="0">
@@ -16732,7 +16722,7 @@
           <a:graphicData uri="http://schemas.openxmlformats.org/presentationml/2006/ole">
             <mc:AlternateContent xmlns:mc="http://schemas.openxmlformats.org/markup-compatibility/2006">
               <mc:Choice xmlns:v="urn:schemas-microsoft-com:vml" Requires="v">
-                <p:oleObj spid="_x0000_s522260" name="Equation" r:id="rId4" imgW="1600200" imgH="215900" progId="Equation.DSMT4">
+                <p:oleObj spid="_x0000_s522267" name="Equation" r:id="rId4" imgW="1600200" imgH="215900" progId="Equation.DSMT4">
                   <p:embed/>
                 </p:oleObj>
               </mc:Choice>
@@ -16789,7 +16779,7 @@
           <a:graphicData uri="http://schemas.openxmlformats.org/presentationml/2006/ole">
             <mc:AlternateContent xmlns:mc="http://schemas.openxmlformats.org/markup-compatibility/2006">
               <mc:Choice xmlns:v="urn:schemas-microsoft-com:vml" Requires="v">
-                <p:oleObj spid="_x0000_s522261" name="Equation" r:id="rId6" imgW="1397000" imgH="457200" progId="Equation.DSMT4">
+                <p:oleObj spid="_x0000_s522268" name="Equation" r:id="rId6" imgW="1397000" imgH="457200" progId="Equation.DSMT4">
                   <p:embed/>
                 </p:oleObj>
               </mc:Choice>
@@ -17198,7 +17188,7 @@
           <a:graphicData uri="http://schemas.openxmlformats.org/presentationml/2006/ole">
             <mc:AlternateContent xmlns:mc="http://schemas.openxmlformats.org/markup-compatibility/2006">
               <mc:Choice xmlns:v="urn:schemas-microsoft-com:vml" Requires="v">
-                <p:oleObj spid="_x0000_s461862" name="Equation" r:id="rId4" imgW="1333500" imgH="482600" progId="Equation.DSMT4">
+                <p:oleObj spid="_x0000_s461866" name="Equation" r:id="rId4" imgW="1333500" imgH="482600" progId="Equation.DSMT4">
                   <p:embed/>
                 </p:oleObj>
               </mc:Choice>
@@ -17550,7 +17540,7 @@
           <a:graphicData uri="http://schemas.openxmlformats.org/presentationml/2006/ole">
             <mc:AlternateContent xmlns:mc="http://schemas.openxmlformats.org/markup-compatibility/2006">
               <mc:Choice xmlns:v="urn:schemas-microsoft-com:vml" Requires="v">
-                <p:oleObj spid="_x0000_s523291" name="Equation" r:id="rId4" imgW="1333500" imgH="482600" progId="Equation.DSMT4">
+                <p:oleObj spid="_x0000_s523295" name="Equation" r:id="rId4" imgW="1333500" imgH="482600" progId="Equation.DSMT4">
                   <p:embed/>
                 </p:oleObj>
               </mc:Choice>
@@ -17725,7 +17715,7 @@
           <a:graphicData uri="http://schemas.openxmlformats.org/presentationml/2006/ole">
             <mc:AlternateContent xmlns:mc="http://schemas.openxmlformats.org/markup-compatibility/2006">
               <mc:Choice xmlns:v="urn:schemas-microsoft-com:vml" Requires="v">
-                <p:oleObj spid="_x0000_s542723" name="Equation" r:id="rId4" imgW="1333500" imgH="482600" progId="Equation.DSMT4">
+                <p:oleObj spid="_x0000_s542727" name="Equation" r:id="rId4" imgW="1333500" imgH="482600" progId="Equation.DSMT4">
                   <p:embed/>
                 </p:oleObj>
               </mc:Choice>
@@ -17900,7 +17890,7 @@
           <a:graphicData uri="http://schemas.openxmlformats.org/presentationml/2006/ole">
             <mc:AlternateContent xmlns:mc="http://schemas.openxmlformats.org/markup-compatibility/2006">
               <mc:Choice xmlns:v="urn:schemas-microsoft-com:vml" Requires="v">
-                <p:oleObj spid="_x0000_s544774" name="Equation" r:id="rId4" imgW="1333500" imgH="482600" progId="Equation.DSMT4">
+                <p:oleObj spid="_x0000_s544783" name="Equation" r:id="rId4" imgW="1333500" imgH="482600" progId="Equation.DSMT4">
                   <p:embed/>
                 </p:oleObj>
               </mc:Choice>
@@ -18020,11 +18010,7 @@
           <a:p>
             <a:r>
               <a:rPr lang="en-US" sz="3800" dirty="0" smtClean="0"/>
-              <a:t>Sorted Full</a:t>
-            </a:r>
-            <a:r>
-              <a:rPr lang="en-US" sz="3800" dirty="0" smtClean="0"/>
-              <a:t> DNF for </a:t>
+              <a:t>Sorted Full DNF for </a:t>
             </a:r>
             <a:endParaRPr lang="en-US" sz="3800" dirty="0">
               <a:solidFill>
@@ -18056,7 +18042,7 @@
           <a:graphicData uri="http://schemas.openxmlformats.org/presentationml/2006/ole">
             <mc:AlternateContent xmlns:mc="http://schemas.openxmlformats.org/markup-compatibility/2006">
               <mc:Choice xmlns:v="urn:schemas-microsoft-com:vml" Requires="v">
-                <p:oleObj spid="_x0000_s544775" name="Equation" r:id="rId6" imgW="698500" imgH="254000" progId="Equation.DSMT4">
+                <p:oleObj spid="_x0000_s544784" name="Equation" r:id="rId6" imgW="698500" imgH="254000" progId="Equation.DSMT4">
                   <p:embed/>
                 </p:oleObj>
               </mc:Choice>
@@ -18101,13 +18087,13 @@
   <p:clrMapOvr>
     <a:masterClrMapping/>
   </p:clrMapOvr>
-  <mc:AlternateContent xmlns:mc="http://schemas.openxmlformats.org/markup-compatibility/2006">
-    <mc:Choice xmlns:p14="http://schemas.microsoft.com/office/powerpoint/2010/main" Requires="p14">
+  <mc:AlternateContent xmlns:mc="http://schemas.openxmlformats.org/markup-compatibility/2006" xmlns:p14="http://schemas.microsoft.com/office/powerpoint/2010/main">
+    <mc:Choice Requires="p14">
       <p:transition spd="med" p14:dur="700" advClick="0">
         <p:fade/>
       </p:transition>
     </mc:Choice>
-    <mc:Fallback>
+    <mc:Fallback xmlns="">
       <p:transition xmlns:p14="http://schemas.microsoft.com/office/powerpoint/2010/main" spd="med" advClick="0">
         <p:fade/>
       </p:transition>
@@ -18171,6 +18157,85 @@
                             </p:childTnLst>
                           </p:cTn>
                         </p:par>
+                        <p:par>
+                          <p:cTn id="8" fill="hold">
+                            <p:stCondLst>
+                              <p:cond delay="500"/>
+                            </p:stCondLst>
+                            <p:childTnLst>
+                              <p:par>
+                                <p:cTn id="9" presetID="10" presetClass="entr" presetSubtype="0" fill="hold" grpId="0" nodeType="afterEffect">
+                                  <p:stCondLst>
+                                    <p:cond delay="0"/>
+                                  </p:stCondLst>
+                                  <p:childTnLst>
+                                    <p:set>
+                                      <p:cBhvr>
+                                        <p:cTn id="10" dur="1" fill="hold">
+                                          <p:stCondLst>
+                                            <p:cond delay="0"/>
+                                          </p:stCondLst>
+                                        </p:cTn>
+                                        <p:tgtEl>
+                                          <p:spTgt spid="9"/>
+                                        </p:tgtEl>
+                                        <p:attrNameLst>
+                                          <p:attrName>style.visibility</p:attrName>
+                                        </p:attrNameLst>
+                                      </p:cBhvr>
+                                      <p:to>
+                                        <p:strVal val="visible"/>
+                                      </p:to>
+                                    </p:set>
+                                    <p:animEffect transition="in" filter="fade">
+                                      <p:cBhvr>
+                                        <p:cTn id="11" dur="500"/>
+                                        <p:tgtEl>
+                                          <p:spTgt spid="9"/>
+                                        </p:tgtEl>
+                                      </p:cBhvr>
+                                    </p:animEffect>
+                                  </p:childTnLst>
+                                </p:cTn>
+                              </p:par>
+                              <p:par>
+                                <p:cTn id="12" presetID="10" presetClass="entr" presetSubtype="0" fill="hold" nodeType="withEffect">
+                                  <p:stCondLst>
+                                    <p:cond delay="0"/>
+                                  </p:stCondLst>
+                                  <p:childTnLst>
+                                    <p:set>
+                                      <p:cBhvr>
+                                        <p:cTn id="13" dur="1" fill="hold">
+                                          <p:stCondLst>
+                                            <p:cond delay="0"/>
+                                          </p:stCondLst>
+                                        </p:cTn>
+                                        <p:tgtEl>
+                                          <p:spTgt spid="14"/>
+                                        </p:tgtEl>
+                                        <p:attrNameLst>
+                                          <p:attrName>style.visibility</p:attrName>
+                                        </p:attrNameLst>
+                                      </p:cBhvr>
+                                      <p:to>
+                                        <p:strVal val="visible"/>
+                                      </p:to>
+                                    </p:set>
+                                    <p:animEffect transition="in" filter="fade">
+                                      <p:cBhvr>
+                                        <p:cTn id="14" dur="500"/>
+                                        <p:tgtEl>
+                                          <p:spTgt spid="14"/>
+                                        </p:tgtEl>
+                                      </p:cBhvr>
+                                    </p:animEffect>
+                                  </p:childTnLst>
+                                </p:cTn>
+                              </p:par>
+                            </p:childTnLst>
+                          </p:cTn>
+                        </p:par>
                       </p:childTnLst>
                     </p:cTn>
                   </p:par>
@@ -18197,6 +18262,7 @@
     </p:tnLst>
     <p:bldLst>
       <p:bldP spid="13" grpId="0" animBg="1"/>
+      <p:bldP spid="9" grpId="0"/>
     </p:bldLst>
   </p:timing>
 </p:sld>
@@ -18227,8 +18293,8 @@
         </p:nvSpPr>
         <p:spPr>
           <a:xfrm>
-            <a:off x="1724483" y="1320800"/>
-            <a:ext cx="5729960" cy="923330"/>
+            <a:off x="455613" y="1270000"/>
+            <a:ext cx="8267700" cy="939800"/>
           </a:xfrm>
           <a:prstGeom prst="rect">
             <a:avLst/>
@@ -18245,13 +18311,55 @@
             <a:r>
               <a:rPr lang="en-US" sz="5400" dirty="0" smtClean="0">
                 <a:solidFill>
+                  <a:schemeClr val="accent1">
+                    <a:lumMod val="50000"/>
+                  </a:schemeClr>
+                </a:solidFill>
+                <a:latin typeface="Comic Sans MS" pitchFamily="66" charset="0"/>
+              </a:rPr>
+              <a:t>Rules for </a:t>
+            </a:r>
+            <a:r>
+              <a:rPr lang="en-US" sz="4000" dirty="0" smtClean="0">
+                <a:solidFill>
                   <a:srgbClr val="FF03E3"/>
                 </a:solidFill>
                 <a:latin typeface="Comic Sans MS" pitchFamily="66" charset="0"/>
               </a:rPr>
-              <a:t>Double Negation</a:t>
-            </a:r>
-            <a:endParaRPr lang="en-US" sz="5400" dirty="0">
+              <a:t>XOR</a:t>
+            </a:r>
+            <a:r>
+              <a:rPr lang="en-US" sz="5400" dirty="0">
+                <a:solidFill>
+                  <a:schemeClr val="accent1">
+                    <a:lumMod val="50000"/>
+                  </a:schemeClr>
+                </a:solidFill>
+                <a:latin typeface="Comic Sans MS" pitchFamily="66" charset="0"/>
+              </a:rPr>
+              <a:t>,</a:t>
+            </a:r>
+            <a:r>
+              <a:rPr lang="en-US" sz="5400" dirty="0" smtClean="0">
+                <a:solidFill>
+                  <a:schemeClr val="accent1">
+                    <a:lumMod val="50000"/>
+                  </a:schemeClr>
+                </a:solidFill>
+                <a:latin typeface="Comic Sans MS" pitchFamily="66" charset="0"/>
+              </a:rPr>
+              <a:t> </a:t>
+            </a:r>
+            <a:r>
+              <a:rPr lang="en-US" sz="4000" dirty="0" smtClean="0">
+                <a:solidFill>
+                  <a:srgbClr val="FF03E3"/>
+                </a:solidFill>
+                <a:latin typeface="Comic Sans MS" pitchFamily="66" charset="0"/>
+              </a:rPr>
+              <a:t>IMPLIES</a:t>
+            </a:r>
+            <a:endParaRPr lang="en-US" sz="4000" dirty="0">
               <a:solidFill>
                 <a:srgbClr val="FF03E3"/>
               </a:solidFill>
@@ -18323,32 +18431,32 @@
       </p:sp>
       <p:graphicFrame>
         <p:nvGraphicFramePr>
-          <p:cNvPr id="3" name="Object 2"/>
+          <p:cNvPr id="6" name="Object 5"/>
           <p:cNvGraphicFramePr>
             <a:graphicFrameLocks noChangeAspect="1"/>
           </p:cNvGraphicFramePr>
           <p:nvPr>
             <p:extLst>
               <p:ext uri="{D42A27DB-BD31-4B8C-83A1-F6EECF244321}">
-                <p14:modId xmlns:p14="http://schemas.microsoft.com/office/powerpoint/2010/main" val="3219183914"/>
+                <p14:modId xmlns:p14="http://schemas.microsoft.com/office/powerpoint/2010/main" val="2631726815"/>
               </p:ext>
             </p:extLst>
           </p:nvPr>
         </p:nvGraphicFramePr>
         <p:xfrm>
-          <a:off x="1090751" y="2590801"/>
-          <a:ext cx="7099024" cy="1252538"/>
+          <a:off x="5397500" y="4064000"/>
+          <a:ext cx="139700" cy="215900"/>
         </p:xfrm>
         <a:graphic>
           <a:graphicData uri="http://schemas.openxmlformats.org/presentationml/2006/ole">
             <mc:AlternateContent xmlns:mc="http://schemas.openxmlformats.org/markup-compatibility/2006">
               <mc:Choice xmlns:v="urn:schemas-microsoft-com:vml" Requires="v">
-                <p:oleObj spid="_x0000_s1080" name="Equation" r:id="rId4" imgW="1295400" imgH="228600" progId="Equation.DSMT4">
+                <p:oleObj spid="_x0000_s420004" name="Equation" r:id="rId4" imgW="139700" imgH="215900" progId="Equation.DSMT4">
                   <p:embed/>
                 </p:oleObj>
               </mc:Choice>
               <mc:Fallback>
-                <p:oleObj name="Equation" r:id="rId4" imgW="1295400" imgH="228600" progId="Equation.DSMT4">
+                <p:oleObj name="Equation" r:id="rId4" imgW="139700" imgH="215900" progId="Equation.DSMT4">
                   <p:embed/>
                   <p:pic>
                     <p:nvPicPr>
@@ -18364,8 +18472,205 @@
                     </p:blipFill>
                     <p:spPr>
                       <a:xfrm>
-                        <a:off x="1090751" y="2590801"/>
-                        <a:ext cx="7099024" cy="1252538"/>
+                        <a:off x="5397500" y="4064000"/>
+                        <a:ext cx="139700" cy="215900"/>
+                      </a:xfrm>
+                      <a:prstGeom prst="rect">
+                        <a:avLst/>
+                      </a:prstGeom>
+                    </p:spPr>
+                  </p:pic>
+                </p:oleObj>
+              </mc:Fallback>
+            </mc:AlternateContent>
+          </a:graphicData>
+        </a:graphic>
+      </p:graphicFrame>
+      <p:graphicFrame>
+        <p:nvGraphicFramePr>
+          <p:cNvPr id="7" name="Object 6"/>
+          <p:cNvGraphicFramePr>
+            <a:graphicFrameLocks noChangeAspect="1"/>
+          </p:cNvGraphicFramePr>
+          <p:nvPr>
+            <p:extLst>
+              <p:ext uri="{D42A27DB-BD31-4B8C-83A1-F6EECF244321}">
+                <p14:modId xmlns:p14="http://schemas.microsoft.com/office/powerpoint/2010/main" val="2901576364"/>
+              </p:ext>
+            </p:extLst>
+          </p:nvPr>
+        </p:nvGraphicFramePr>
+        <p:xfrm>
+          <a:off x="481013" y="2393950"/>
+          <a:ext cx="7837487" cy="876300"/>
+        </p:xfrm>
+        <a:graphic>
+          <a:graphicData uri="http://schemas.openxmlformats.org/presentationml/2006/ole">
+            <mc:AlternateContent xmlns:mc="http://schemas.openxmlformats.org/markup-compatibility/2006">
+              <mc:Choice xmlns:v="urn:schemas-microsoft-com:vml" Requires="v">
+                <p:oleObj spid="_x0000_s420005" name="Equation" r:id="rId6" imgW="2044700" imgH="228600" progId="Equation.DSMT4">
+                  <p:embed/>
+                </p:oleObj>
+              </mc:Choice>
+              <mc:Fallback>
+                <p:oleObj name="Equation" r:id="rId6" imgW="2044700" imgH="228600" progId="Equation.DSMT4">
+                  <p:embed/>
+                  <p:pic>
+                    <p:nvPicPr>
+                      <p:cNvPr id="0" name=""/>
+                      <p:cNvPicPr/>
+                      <p:nvPr/>
+                    </p:nvPicPr>
+                    <p:blipFill>
+                      <a:blip r:embed="rId7"/>
+                      <a:stretch>
+                        <a:fillRect/>
+                      </a:stretch>
+                    </p:blipFill>
+                    <p:spPr>
+                      <a:xfrm>
+                        <a:off x="481013" y="2393950"/>
+                        <a:ext cx="7837487" cy="876300"/>
+                      </a:xfrm>
+                      <a:prstGeom prst="rect">
+                        <a:avLst/>
+                      </a:prstGeom>
+                    </p:spPr>
+                  </p:pic>
+                </p:oleObj>
+              </mc:Fallback>
+            </mc:AlternateContent>
+          </a:graphicData>
+        </a:graphic>
+      </p:graphicFrame>
+      <p:sp>
+        <p:nvSpPr>
+          <p:cNvPr id="8" name="TextBox 7"/>
+          <p:cNvSpPr txBox="1"/>
+          <p:nvPr/>
+        </p:nvSpPr>
+        <p:spPr>
+          <a:xfrm>
+            <a:off x="495300" y="5377576"/>
+            <a:ext cx="8204200" cy="923330"/>
+          </a:xfrm>
+          <a:prstGeom prst="rect">
+            <a:avLst/>
+          </a:prstGeom>
+          <a:noFill/>
+        </p:spPr>
+        <p:txBody>
+          <a:bodyPr wrap="square" rtlCol="0">
+            <a:spAutoFit/>
+          </a:bodyPr>
+          <a:lstStyle/>
+          <a:p>
+            <a:pPr algn="l"/>
+            <a:r>
+              <a:rPr lang="en-US" sz="5400" dirty="0" smtClean="0">
+                <a:latin typeface="Comic Sans MS" pitchFamily="66" charset="0"/>
+              </a:rPr>
+              <a:t>Just leaves </a:t>
+            </a:r>
+            <a:r>
+              <a:rPr lang="en-US" sz="4400" dirty="0" smtClean="0">
+                <a:solidFill>
+                  <a:srgbClr val="CCCCFF">
+                    <a:lumMod val="50000"/>
+                  </a:srgbClr>
+                </a:solidFill>
+                <a:latin typeface="Comic Sans MS" pitchFamily="66" charset="0"/>
+              </a:rPr>
+              <a:t>AND</a:t>
+            </a:r>
+            <a:r>
+              <a:rPr lang="en-US" sz="4400" dirty="0" smtClean="0">
+                <a:latin typeface="Comic Sans MS" pitchFamily="66" charset="0"/>
+              </a:rPr>
+              <a:t>,</a:t>
+            </a:r>
+            <a:r>
+              <a:rPr lang="en-US" sz="4400" dirty="0" smtClean="0">
+                <a:solidFill>
+                  <a:srgbClr val="CCCCFF">
+                    <a:lumMod val="50000"/>
+                  </a:srgbClr>
+                </a:solidFill>
+                <a:latin typeface="Comic Sans MS" pitchFamily="66" charset="0"/>
+              </a:rPr>
+              <a:t> OR</a:t>
+            </a:r>
+            <a:r>
+              <a:rPr lang="en-US" sz="4400" dirty="0" smtClean="0">
+                <a:solidFill>
+                  <a:srgbClr val="000000"/>
+                </a:solidFill>
+                <a:latin typeface="Comic Sans MS" pitchFamily="66" charset="0"/>
+              </a:rPr>
+              <a:t>,</a:t>
+            </a:r>
+            <a:r>
+              <a:rPr lang="en-US" sz="4400" dirty="0" smtClean="0">
+                <a:solidFill>
+                  <a:srgbClr val="CCCCFF">
+                    <a:lumMod val="50000"/>
+                  </a:srgbClr>
+                </a:solidFill>
+                <a:latin typeface="Comic Sans MS" pitchFamily="66" charset="0"/>
+              </a:rPr>
+              <a:t> NOT</a:t>
+            </a:r>
+            <a:endParaRPr lang="en-US" sz="4400" dirty="0" smtClean="0">
+              <a:latin typeface="Comic Sans MS" pitchFamily="66" charset="0"/>
+            </a:endParaRPr>
+          </a:p>
+        </p:txBody>
+      </p:sp>
+      <p:graphicFrame>
+        <p:nvGraphicFramePr>
+          <p:cNvPr id="10" name="Object 9"/>
+          <p:cNvGraphicFramePr>
+            <a:graphicFrameLocks noChangeAspect="1"/>
+          </p:cNvGraphicFramePr>
+          <p:nvPr>
+            <p:extLst>
+              <p:ext uri="{D42A27DB-BD31-4B8C-83A1-F6EECF244321}">
+                <p14:modId xmlns:p14="http://schemas.microsoft.com/office/powerpoint/2010/main" val="4006639958"/>
+              </p:ext>
+            </p:extLst>
+          </p:nvPr>
+        </p:nvGraphicFramePr>
+        <p:xfrm>
+          <a:off x="515144" y="3238500"/>
+          <a:ext cx="8275637" cy="1752600"/>
+        </p:xfrm>
+        <a:graphic>
+          <a:graphicData uri="http://schemas.openxmlformats.org/presentationml/2006/ole">
+            <mc:AlternateContent xmlns:mc="http://schemas.openxmlformats.org/markup-compatibility/2006">
+              <mc:Choice xmlns:v="urn:schemas-microsoft-com:vml" Requires="v">
+                <p:oleObj spid="_x0000_s420006" name="Equation" r:id="rId8" imgW="2159000" imgH="457200" progId="Equation.DSMT4">
+                  <p:embed/>
+                </p:oleObj>
+              </mc:Choice>
+              <mc:Fallback>
+                <p:oleObj name="Equation" r:id="rId8" imgW="2159000" imgH="457200" progId="Equation.DSMT4">
+                  <p:embed/>
+                  <p:pic>
+                    <p:nvPicPr>
+                      <p:cNvPr id="0" name=""/>
+                      <p:cNvPicPr/>
+                      <p:nvPr/>
+                    </p:nvPicPr>
+                    <p:blipFill>
+                      <a:blip r:embed="rId9"/>
+                      <a:stretch>
+                        <a:fillRect/>
+                      </a:stretch>
+                    </p:blipFill>
+                    <p:spPr>
+                      <a:xfrm>
+                        <a:off x="515144" y="3238500"/>
+                        <a:ext cx="8275637" cy="1752600"/>
                       </a:xfrm>
                       <a:prstGeom prst="rect">
                         <a:avLst/>
@@ -18381,7 +18686,7 @@
     </p:spTree>
     <p:extLst>
       <p:ext uri="{BB962C8B-B14F-4D97-AF65-F5344CB8AC3E}">
-        <p14:creationId xmlns:p14="http://schemas.microsoft.com/office/powerpoint/2010/main" val="2749065415"/>
+        <p14:creationId xmlns:p14="http://schemas.microsoft.com/office/powerpoint/2010/main" val="427619550"/>
       </p:ext>
     </p:extLst>
   </p:cSld>
@@ -18389,7 +18694,7 @@
     <a:masterClrMapping/>
   </p:clrMapOvr>
   <p:transition xmlns:p14="http://schemas.microsoft.com/office/powerpoint/2010/main" spd="slow" advClick="0">
-    <p:fade thruBlk="1"/>
+    <p:fade/>
   </p:transition>
   <p:timing>
     <p:tnLst>
@@ -18425,7 +18730,7 @@
                                           </p:stCondLst>
                                         </p:cTn>
                                         <p:tgtEl>
-                                          <p:spTgt spid="3"/>
+                                          <p:spTgt spid="7"/>
                                         </p:tgtEl>
                                         <p:attrNameLst>
                                           <p:attrName>style.visibility</p:attrName>
@@ -18439,7 +18744,113 @@
                                       <p:cBhvr>
                                         <p:cTn id="7" dur="1000"/>
                                         <p:tgtEl>
-                                          <p:spTgt spid="3"/>
+                                          <p:spTgt spid="7"/>
+                                        </p:tgtEl>
+                                      </p:cBhvr>
+                                    </p:animEffect>
+                                  </p:childTnLst>
+                                </p:cTn>
+                              </p:par>
+                            </p:childTnLst>
+                          </p:cTn>
+                        </p:par>
+                      </p:childTnLst>
+                    </p:cTn>
+                  </p:par>
+                  <p:par>
+                    <p:cTn id="8" fill="hold">
+                      <p:stCondLst>
+                        <p:cond delay="indefinite"/>
+                      </p:stCondLst>
+                      <p:childTnLst>
+                        <p:par>
+                          <p:cTn id="9" fill="hold">
+                            <p:stCondLst>
+                              <p:cond delay="0"/>
+                            </p:stCondLst>
+                            <p:childTnLst>
+                              <p:par>
+                                <p:cTn id="10" presetID="22" presetClass="entr" presetSubtype="8" fill="hold" nodeType="clickEffect">
+                                  <p:stCondLst>
+                                    <p:cond delay="0"/>
+                                  </p:stCondLst>
+                                  <p:childTnLst>
+                                    <p:set>
+                                      <p:cBhvr>
+                                        <p:cTn id="11" dur="1" fill="hold">
+                                          <p:stCondLst>
+                                            <p:cond delay="0"/>
+                                          </p:stCondLst>
+                                        </p:cTn>
+                                        <p:tgtEl>
+                                          <p:spTgt spid="10"/>
+                                        </p:tgtEl>
+                                        <p:attrNameLst>
+                                          <p:attrName>style.visibility</p:attrName>
+                                        </p:attrNameLst>
+                                      </p:cBhvr>
+                                      <p:to>
+                                        <p:strVal val="visible"/>
+                                      </p:to>
+                                    </p:set>
+                                    <p:animEffect transition="in" filter="wipe(left)">
+                                      <p:cBhvr>
+                                        <p:cTn id="12" dur="1000"/>
+                                        <p:tgtEl>
+                                          <p:spTgt spid="10"/>
+                                        </p:tgtEl>
+                                      </p:cBhvr>
+                                    </p:animEffect>
+                                  </p:childTnLst>
+                                </p:cTn>
+                              </p:par>
+                            </p:childTnLst>
+                          </p:cTn>
+                        </p:par>
+                      </p:childTnLst>
+                    </p:cTn>
+                  </p:par>
+                  <p:par>
+                    <p:cTn id="13" fill="hold">
+                      <p:stCondLst>
+                        <p:cond delay="indefinite"/>
+                      </p:stCondLst>
+                      <p:childTnLst>
+                        <p:par>
+                          <p:cTn id="14" fill="hold">
+                            <p:stCondLst>
+                              <p:cond delay="0"/>
+                            </p:stCondLst>
+                            <p:childTnLst>
+                              <p:par>
+                                <p:cTn id="15" presetID="10" presetClass="entr" presetSubtype="0" fill="hold" grpId="0" nodeType="clickEffect">
+                                  <p:stCondLst>
+                                    <p:cond delay="0"/>
+                                  </p:stCondLst>
+                                  <p:childTnLst>
+                                    <p:set>
+                                      <p:cBhvr>
+                                        <p:cTn id="16" dur="1" fill="hold">
+                                          <p:stCondLst>
+                                            <p:cond delay="0"/>
+                                          </p:stCondLst>
+                                        </p:cTn>
+                                        <p:tgtEl>
+                                          <p:spTgt spid="8"/>
+                                        </p:tgtEl>
+                                        <p:attrNameLst>
+                                          <p:attrName>style.visibility</p:attrName>
+                                        </p:attrNameLst>
+                                      </p:cBhvr>
+                                      <p:to>
+                                        <p:strVal val="visible"/>
+                                      </p:to>
+                                    </p:set>
+                                    <p:animEffect transition="in" filter="fade">
+                                      <p:cBhvr>
+                                        <p:cTn id="17" dur="1000"/>
+                                        <p:tgtEl>
+                                          <p:spTgt spid="8"/>
                                         </p:tgtEl>
                                       </p:cBhvr>
                                     </p:animEffect>
@@ -18473,6 +18884,9 @@
         </p:cTn>
       </p:par>
     </p:tnLst>
+    <p:bldLst>
+      <p:bldP spid="8" grpId="0"/>
+    </p:bldLst>
   </p:timing>
 </p:sld>
 </file>
@@ -18740,7 +19154,7 @@
           <a:graphicData uri="http://schemas.openxmlformats.org/presentationml/2006/ole">
             <mc:AlternateContent xmlns:mc="http://schemas.openxmlformats.org/markup-compatibility/2006">
               <mc:Choice xmlns:v="urn:schemas-microsoft-com:vml" Requires="v">
-                <p:oleObj spid="_x0000_s524303" name="Equation" r:id="rId4" imgW="1333500" imgH="482600" progId="Equation.DSMT4">
+                <p:oleObj spid="_x0000_s524307" name="Equation" r:id="rId4" imgW="1333500" imgH="482600" progId="Equation.DSMT4">
                   <p:embed/>
                 </p:oleObj>
               </mc:Choice>
@@ -19184,7 +19598,7 @@
           <a:graphicData uri="http://schemas.openxmlformats.org/presentationml/2006/ole">
             <mc:AlternateContent xmlns:mc="http://schemas.openxmlformats.org/markup-compatibility/2006">
               <mc:Choice xmlns:v="urn:schemas-microsoft-com:vml" Requires="v">
-                <p:oleObj spid="_x0000_s525349" name="Equation" r:id="rId4" imgW="1333500" imgH="482600" progId="Equation.DSMT4">
+                <p:oleObj spid="_x0000_s525359" name="Equation" r:id="rId4" imgW="1333500" imgH="482600" progId="Equation.DSMT4">
                   <p:embed/>
                 </p:oleObj>
               </mc:Choice>
@@ -19276,7 +19690,7 @@
           <a:graphicData uri="http://schemas.openxmlformats.org/presentationml/2006/ole">
             <mc:AlternateContent xmlns:mc="http://schemas.openxmlformats.org/markup-compatibility/2006">
               <mc:Choice xmlns:v="urn:schemas-microsoft-com:vml" Requires="v">
-                <p:oleObj spid="_x0000_s525350" name="Equation" r:id="rId6" imgW="1333500" imgH="482600" progId="Equation.DSMT4">
+                <p:oleObj spid="_x0000_s525360" name="Equation" r:id="rId6" imgW="1333500" imgH="482600" progId="Equation.DSMT4">
                   <p:embed/>
                 </p:oleObj>
               </mc:Choice>
@@ -19333,7 +19747,7 @@
           <a:graphicData uri="http://schemas.openxmlformats.org/presentationml/2006/ole">
             <mc:AlternateContent xmlns:mc="http://schemas.openxmlformats.org/markup-compatibility/2006">
               <mc:Choice xmlns:v="urn:schemas-microsoft-com:vml" Requires="v">
-                <p:oleObj spid="_x0000_s525351" name="Equation" r:id="rId8" imgW="1333500" imgH="482600" progId="Equation.DSMT4">
+                <p:oleObj spid="_x0000_s525361" name="Equation" r:id="rId8" imgW="1333500" imgH="482600" progId="Equation.DSMT4">
                   <p:embed/>
                 </p:oleObj>
               </mc:Choice>
@@ -20009,7 +20423,7 @@
           <a:graphicData uri="http://schemas.openxmlformats.org/presentationml/2006/ole">
             <mc:AlternateContent xmlns:mc="http://schemas.openxmlformats.org/markup-compatibility/2006">
               <mc:Choice xmlns:v="urn:schemas-microsoft-com:vml" Requires="v">
-                <p:oleObj spid="_x0000_s526364" name="Equation" r:id="rId4" imgW="1333500" imgH="482600" progId="Equation.DSMT4">
+                <p:oleObj spid="_x0000_s526377" name="Equation" r:id="rId4" imgW="1333500" imgH="482600" progId="Equation.DSMT4">
                   <p:embed/>
                 </p:oleObj>
               </mc:Choice>
@@ -20103,7 +20517,7 @@
           <a:graphicData uri="http://schemas.openxmlformats.org/presentationml/2006/ole">
             <mc:AlternateContent xmlns:mc="http://schemas.openxmlformats.org/markup-compatibility/2006">
               <mc:Choice xmlns:v="urn:schemas-microsoft-com:vml" Requires="v">
-                <p:oleObj spid="_x0000_s526365" name="Equation" r:id="rId6" imgW="1333500" imgH="482600" progId="Equation.DSMT4">
+                <p:oleObj spid="_x0000_s526378" name="Equation" r:id="rId6" imgW="1333500" imgH="482600" progId="Equation.DSMT4">
                   <p:embed/>
                 </p:oleObj>
               </mc:Choice>
@@ -20160,7 +20574,7 @@
           <a:graphicData uri="http://schemas.openxmlformats.org/presentationml/2006/ole">
             <mc:AlternateContent xmlns:mc="http://schemas.openxmlformats.org/markup-compatibility/2006">
               <mc:Choice xmlns:v="urn:schemas-microsoft-com:vml" Requires="v">
-                <p:oleObj spid="_x0000_s526366" name="Equation" r:id="rId8" imgW="1333500" imgH="482600" progId="Equation.DSMT4">
+                <p:oleObj spid="_x0000_s526379" name="Equation" r:id="rId8" imgW="1333500" imgH="482600" progId="Equation.DSMT4">
                   <p:embed/>
                 </p:oleObj>
               </mc:Choice>
@@ -20559,7 +20973,458 @@
       </p:grpSpPr>
       <p:sp>
         <p:nvSpPr>
-          <p:cNvPr id="12" name="Title 4"/>
+          <p:cNvPr id="4" name="Slide Number Placeholder 2"/>
+          <p:cNvSpPr>
+            <a:spLocks noGrp="1"/>
+          </p:cNvSpPr>
+          <p:nvPr>
+            <p:ph type="sldNum" sz="quarter" idx="10"/>
+          </p:nvPr>
+        </p:nvSpPr>
+        <p:spPr>
+          <a:xfrm>
+            <a:off x="7333815" y="6553200"/>
+            <a:ext cx="1810186" cy="276999"/>
+          </a:xfrm>
+        </p:spPr>
+        <p:txBody>
+          <a:bodyPr/>
+          <a:lstStyle/>
+          <a:p>
+            <a:r>
+              <a:rPr lang="en-US" dirty="0" smtClean="0"/>
+              <a:t>propositional algebra.</a:t>
+            </a:r>
+            <a:fld id="{3251DA95-B240-47FE-901D-B78FC8E8E532}" type="slidenum">
+              <a:rPr lang="en-US" smtClean="0"/>
+              <a:pPr/>
+              <a:t>43</a:t>
+            </a:fld>
+            <a:endParaRPr lang="en-US" dirty="0"/>
+          </a:p>
+        </p:txBody>
+      </p:sp>
+      <p:graphicFrame>
+        <p:nvGraphicFramePr>
+          <p:cNvPr id="7" name="Object 6"/>
+          <p:cNvGraphicFramePr>
+            <a:graphicFrameLocks noChangeAspect="1"/>
+          </p:cNvGraphicFramePr>
+          <p:nvPr>
+            <p:extLst>
+              <p:ext uri="{D42A27DB-BD31-4B8C-83A1-F6EECF244321}">
+                <p14:modId xmlns:p14="http://schemas.microsoft.com/office/powerpoint/2010/main" val="4130407762"/>
+              </p:ext>
+            </p:extLst>
+          </p:nvPr>
+        </p:nvGraphicFramePr>
+        <p:xfrm>
+          <a:off x="885824" y="3282949"/>
+          <a:ext cx="3172598" cy="1149351"/>
+        </p:xfrm>
+        <a:graphic>
+          <a:graphicData uri="http://schemas.openxmlformats.org/presentationml/2006/ole">
+            <mc:AlternateContent xmlns:mc="http://schemas.openxmlformats.org/markup-compatibility/2006">
+              <mc:Choice xmlns:v="urn:schemas-microsoft-com:vml" Requires="v">
+                <p:oleObj spid="_x0000_s527398" name="Equation" r:id="rId4" imgW="1333500" imgH="482600" progId="Equation.DSMT4">
+                  <p:embed/>
+                </p:oleObj>
+              </mc:Choice>
+              <mc:Fallback>
+                <p:oleObj name="Equation" r:id="rId4" imgW="1333500" imgH="482600" progId="Equation.DSMT4">
+                  <p:embed/>
+                  <p:pic>
+                    <p:nvPicPr>
+                      <p:cNvPr id="0" name=""/>
+                      <p:cNvPicPr/>
+                      <p:nvPr/>
+                    </p:nvPicPr>
+                    <p:blipFill>
+                      <a:blip r:embed="rId5"/>
+                      <a:stretch>
+                        <a:fillRect/>
+                      </a:stretch>
+                    </p:blipFill>
+                    <p:spPr>
+                      <a:xfrm>
+                        <a:off x="885824" y="3282949"/>
+                        <a:ext cx="3172598" cy="1149351"/>
+                      </a:xfrm>
+                      <a:prstGeom prst="rect">
+                        <a:avLst/>
+                      </a:prstGeom>
+                    </p:spPr>
+                  </p:pic>
+                </p:oleObj>
+              </mc:Fallback>
+            </mc:AlternateContent>
+          </a:graphicData>
+        </a:graphic>
+      </p:graphicFrame>
+      <p:sp>
+        <p:nvSpPr>
+          <p:cNvPr id="5" name="TextBox 4"/>
+          <p:cNvSpPr txBox="1"/>
+          <p:nvPr/>
+        </p:nvSpPr>
+        <p:spPr>
+          <a:xfrm>
+            <a:off x="4013201" y="3924300"/>
+            <a:ext cx="647700" cy="461665"/>
+          </a:xfrm>
+          <a:prstGeom prst="rect">
+            <a:avLst/>
+          </a:prstGeom>
+          <a:noFill/>
+        </p:spPr>
+        <p:txBody>
+          <a:bodyPr wrap="square" rtlCol="0">
+            <a:spAutoFit/>
+          </a:bodyPr>
+          <a:lstStyle/>
+          <a:p>
+            <a:pPr algn="l"/>
+            <a:r>
+              <a:rPr lang="en-US" sz="2400" dirty="0" smtClean="0">
+                <a:solidFill>
+                  <a:schemeClr val="accent1">
+                    <a:lumMod val="50000"/>
+                  </a:schemeClr>
+                </a:solidFill>
+                <a:latin typeface="Comic Sans MS" pitchFamily="66" charset="0"/>
+              </a:rPr>
+              <a:t>OR</a:t>
+            </a:r>
+          </a:p>
+        </p:txBody>
+      </p:sp>
+      <p:graphicFrame>
+        <p:nvGraphicFramePr>
+          <p:cNvPr id="9" name="Object 8"/>
+          <p:cNvGraphicFramePr>
+            <a:graphicFrameLocks noChangeAspect="1"/>
+          </p:cNvGraphicFramePr>
+          <p:nvPr>
+            <p:extLst>
+              <p:ext uri="{D42A27DB-BD31-4B8C-83A1-F6EECF244321}">
+                <p14:modId xmlns:p14="http://schemas.microsoft.com/office/powerpoint/2010/main" val="3599236877"/>
+              </p:ext>
+            </p:extLst>
+          </p:nvPr>
+        </p:nvGraphicFramePr>
+        <p:xfrm>
+          <a:off x="4686300" y="3259138"/>
+          <a:ext cx="2808288" cy="1209675"/>
+        </p:xfrm>
+        <a:graphic>
+          <a:graphicData uri="http://schemas.openxmlformats.org/presentationml/2006/ole">
+            <mc:AlternateContent xmlns:mc="http://schemas.openxmlformats.org/markup-compatibility/2006">
+              <mc:Choice xmlns:v="urn:schemas-microsoft-com:vml" Requires="v">
+                <p:oleObj spid="_x0000_s527399" name="Equation" r:id="rId6" imgW="1181100" imgH="508000" progId="Equation.DSMT4">
+                  <p:embed/>
+                </p:oleObj>
+              </mc:Choice>
+              <mc:Fallback>
+                <p:oleObj name="Equation" r:id="rId6" imgW="1181100" imgH="508000" progId="Equation.DSMT4">
+                  <p:embed/>
+                  <p:pic>
+                    <p:nvPicPr>
+                      <p:cNvPr id="0" name=""/>
+                      <p:cNvPicPr/>
+                      <p:nvPr/>
+                    </p:nvPicPr>
+                    <p:blipFill>
+                      <a:blip r:embed="rId7"/>
+                      <a:stretch>
+                        <a:fillRect/>
+                      </a:stretch>
+                    </p:blipFill>
+                    <p:spPr>
+                      <a:xfrm>
+                        <a:off x="4686300" y="3259138"/>
+                        <a:ext cx="2808288" cy="1209675"/>
+                      </a:xfrm>
+                      <a:prstGeom prst="rect">
+                        <a:avLst/>
+                      </a:prstGeom>
+                    </p:spPr>
+                  </p:pic>
+                </p:oleObj>
+              </mc:Fallback>
+            </mc:AlternateContent>
+          </a:graphicData>
+        </a:graphic>
+      </p:graphicFrame>
+      <p:graphicFrame>
+        <p:nvGraphicFramePr>
+          <p:cNvPr id="11" name="Object 10"/>
+          <p:cNvGraphicFramePr>
+            <a:graphicFrameLocks noChangeAspect="1"/>
+          </p:cNvGraphicFramePr>
+          <p:nvPr>
+            <p:extLst>
+              <p:ext uri="{D42A27DB-BD31-4B8C-83A1-F6EECF244321}">
+                <p14:modId xmlns:p14="http://schemas.microsoft.com/office/powerpoint/2010/main" val="1387628101"/>
+              </p:ext>
+            </p:extLst>
+          </p:nvPr>
+        </p:nvGraphicFramePr>
+        <p:xfrm>
+          <a:off x="2684463" y="4652963"/>
+          <a:ext cx="2717800" cy="604837"/>
+        </p:xfrm>
+        <a:graphic>
+          <a:graphicData uri="http://schemas.openxmlformats.org/presentationml/2006/ole">
+            <mc:AlternateContent xmlns:mc="http://schemas.openxmlformats.org/markup-compatibility/2006">
+              <mc:Choice xmlns:v="urn:schemas-microsoft-com:vml" Requires="v">
+                <p:oleObj spid="_x0000_s527400" name="Equation" r:id="rId8" imgW="1143000" imgH="254000" progId="Equation.DSMT4">
+                  <p:embed/>
+                </p:oleObj>
+              </mc:Choice>
+              <mc:Fallback>
+                <p:oleObj name="Equation" r:id="rId8" imgW="1143000" imgH="254000" progId="Equation.DSMT4">
+                  <p:embed/>
+                  <p:pic>
+                    <p:nvPicPr>
+                      <p:cNvPr id="0" name=""/>
+                      <p:cNvPicPr/>
+                      <p:nvPr/>
+                    </p:nvPicPr>
+                    <p:blipFill>
+                      <a:blip r:embed="rId9"/>
+                      <a:stretch>
+                        <a:fillRect/>
+                      </a:stretch>
+                    </p:blipFill>
+                    <p:spPr>
+                      <a:xfrm>
+                        <a:off x="2684463" y="4652963"/>
+                        <a:ext cx="2717800" cy="604837"/>
+                      </a:xfrm>
+                      <a:prstGeom prst="rect">
+                        <a:avLst/>
+                      </a:prstGeom>
+                    </p:spPr>
+                  </p:pic>
+                </p:oleObj>
+              </mc:Fallback>
+            </mc:AlternateContent>
+          </a:graphicData>
+        </a:graphic>
+      </p:graphicFrame>
+      <p:sp>
+        <p:nvSpPr>
+          <p:cNvPr id="13" name="TextBox 12"/>
+          <p:cNvSpPr txBox="1"/>
+          <p:nvPr/>
+        </p:nvSpPr>
+        <p:spPr>
+          <a:xfrm>
+            <a:off x="7442201" y="3962400"/>
+            <a:ext cx="647700" cy="461665"/>
+          </a:xfrm>
+          <a:prstGeom prst="rect">
+            <a:avLst/>
+          </a:prstGeom>
+          <a:noFill/>
+        </p:spPr>
+        <p:txBody>
+          <a:bodyPr wrap="square" rtlCol="0">
+            <a:spAutoFit/>
+          </a:bodyPr>
+          <a:lstStyle/>
+          <a:p>
+            <a:pPr algn="l"/>
+            <a:r>
+              <a:rPr lang="en-US" sz="2400" dirty="0" smtClean="0">
+                <a:solidFill>
+                  <a:srgbClr val="0000E5"/>
+                </a:solidFill>
+                <a:latin typeface="Comic Sans MS" pitchFamily="66" charset="0"/>
+              </a:rPr>
+              <a:t>OR</a:t>
+            </a:r>
+          </a:p>
+        </p:txBody>
+      </p:sp>
+      <p:sp>
+        <p:nvSpPr>
+          <p:cNvPr id="10" name="Title 1"/>
+          <p:cNvSpPr>
+            <a:spLocks noGrp="1"/>
+          </p:cNvSpPr>
+          <p:nvPr>
+            <p:ph type="title"/>
+          </p:nvPr>
+        </p:nvSpPr>
+        <p:spPr>
+          <a:xfrm>
+            <a:off x="1651000" y="363538"/>
+            <a:ext cx="6794500" cy="1003300"/>
+          </a:xfrm>
+        </p:spPr>
+        <p:txBody>
+          <a:bodyPr/>
+          <a:lstStyle/>
+          <a:p>
+            <a:r>
+              <a:rPr lang="en-US" sz="4000" dirty="0" smtClean="0">
+                <a:solidFill>
+                  <a:srgbClr val="FF03E3"/>
+                </a:solidFill>
+              </a:rPr>
+              <a:t>example</a:t>
+            </a:r>
+            <a:endParaRPr lang="en-US" sz="4000" dirty="0">
+              <a:solidFill>
+                <a:srgbClr val="FF03E3"/>
+              </a:solidFill>
+            </a:endParaRPr>
+          </a:p>
+        </p:txBody>
+      </p:sp>
+    </p:spTree>
+    <p:extLst>
+      <p:ext uri="{BB962C8B-B14F-4D97-AF65-F5344CB8AC3E}">
+        <p14:creationId xmlns:p14="http://schemas.microsoft.com/office/powerpoint/2010/main" val="2896971768"/>
+      </p:ext>
+    </p:extLst>
+  </p:cSld>
+  <p:clrMapOvr>
+    <a:masterClrMapping/>
+  </p:clrMapOvr>
+  <mc:AlternateContent xmlns:mc="http://schemas.openxmlformats.org/markup-compatibility/2006" xmlns:p14="http://schemas.microsoft.com/office/powerpoint/2010/main">
+    <mc:Choice Requires="p14">
+      <p:transition spd="med" p14:dur="600" advClick="0">
+        <p:fade/>
+      </p:transition>
+    </mc:Choice>
+    <mc:Fallback xmlns="">
+      <p:transition xmlns:p14="http://schemas.microsoft.com/office/powerpoint/2010/main" spd="med" advClick="0">
+        <p:fade/>
+      </p:transition>
+    </mc:Fallback>
+  </mc:AlternateContent>
+  <p:timing>
+    <p:tnLst>
+      <p:par>
+        <p:cTn xmlns:p14="http://schemas.microsoft.com/office/powerpoint/2010/main" id="1" dur="indefinite" restart="never" nodeType="tmRoot"/>
+      </p:par>
+    </p:tnLst>
+  </p:timing>
+</p:sld>
+</file>
+
+<file path=ppt/slides/slide44.xml><?xml version="1.0" encoding="utf-8"?>
+<p:sld xmlns:a="http://schemas.openxmlformats.org/drawingml/2006/main" xmlns:r="http://schemas.openxmlformats.org/officeDocument/2006/relationships" xmlns:p="http://schemas.openxmlformats.org/presentationml/2006/main">
+  <p:cSld>
+    <p:spTree>
+      <p:nvGrpSpPr>
+        <p:cNvPr id="1" name=""/>
+        <p:cNvGrpSpPr/>
+        <p:nvPr/>
+      </p:nvGrpSpPr>
+      <p:grpSpPr>
+        <a:xfrm>
+          <a:off x="0" y="0"/>
+          <a:ext cx="0" cy="0"/>
+          <a:chOff x="0" y="0"/>
+          <a:chExt cx="0" cy="0"/>
+        </a:xfrm>
+      </p:grpSpPr>
+      <p:sp>
+        <p:nvSpPr>
+          <p:cNvPr id="4" name="Slide Number Placeholder 2"/>
+          <p:cNvSpPr>
+            <a:spLocks noGrp="1"/>
+          </p:cNvSpPr>
+          <p:nvPr>
+            <p:ph type="sldNum" sz="quarter" idx="10"/>
+          </p:nvPr>
+        </p:nvSpPr>
+        <p:spPr>
+          <a:xfrm>
+            <a:off x="7333815" y="6553200"/>
+            <a:ext cx="1810186" cy="276999"/>
+          </a:xfrm>
+        </p:spPr>
+        <p:txBody>
+          <a:bodyPr/>
+          <a:lstStyle/>
+          <a:p>
+            <a:r>
+              <a:rPr lang="en-US" dirty="0" smtClean="0"/>
+              <a:t>propositional algebra.</a:t>
+            </a:r>
+            <a:fld id="{3251DA95-B240-47FE-901D-B78FC8E8E532}" type="slidenum">
+              <a:rPr lang="en-US" smtClean="0"/>
+              <a:pPr/>
+              <a:t>44</a:t>
+            </a:fld>
+            <a:endParaRPr lang="en-US" dirty="0"/>
+          </a:p>
+        </p:txBody>
+      </p:sp>
+      <p:graphicFrame>
+        <p:nvGraphicFramePr>
+          <p:cNvPr id="7" name="Object 6"/>
+          <p:cNvGraphicFramePr>
+            <a:graphicFrameLocks noChangeAspect="1"/>
+          </p:cNvGraphicFramePr>
+          <p:nvPr>
+            <p:extLst>
+              <p:ext uri="{D42A27DB-BD31-4B8C-83A1-F6EECF244321}">
+                <p14:modId xmlns:p14="http://schemas.microsoft.com/office/powerpoint/2010/main" val="2224980148"/>
+              </p:ext>
+            </p:extLst>
+          </p:nvPr>
+        </p:nvGraphicFramePr>
+        <p:xfrm>
+          <a:off x="819150" y="1631950"/>
+          <a:ext cx="6403975" cy="1149350"/>
+        </p:xfrm>
+        <a:graphic>
+          <a:graphicData uri="http://schemas.openxmlformats.org/presentationml/2006/ole">
+            <mc:AlternateContent xmlns:mc="http://schemas.openxmlformats.org/markup-compatibility/2006">
+              <mc:Choice xmlns:v="urn:schemas-microsoft-com:vml" Requires="v">
+                <p:oleObj spid="_x0000_s529424" name="Equation" r:id="rId4" imgW="2692400" imgH="482600" progId="Equation.DSMT4">
+                  <p:embed/>
+                </p:oleObj>
+              </mc:Choice>
+              <mc:Fallback>
+                <p:oleObj name="Equation" r:id="rId4" imgW="2692400" imgH="482600" progId="Equation.DSMT4">
+                  <p:embed/>
+                  <p:pic>
+                    <p:nvPicPr>
+                      <p:cNvPr id="0" name=""/>
+                      <p:cNvPicPr/>
+                      <p:nvPr/>
+                    </p:nvPicPr>
+                    <p:blipFill>
+                      <a:blip r:embed="rId5"/>
+                      <a:stretch>
+                        <a:fillRect/>
+                      </a:stretch>
+                    </p:blipFill>
+                    <p:spPr>
+                      <a:xfrm>
+                        <a:off x="819150" y="1631950"/>
+                        <a:ext cx="6403975" cy="1149350"/>
+                      </a:xfrm>
+                      <a:prstGeom prst="rect">
+                        <a:avLst/>
+                      </a:prstGeom>
+                    </p:spPr>
+                  </p:pic>
+                </p:oleObj>
+              </mc:Fallback>
+            </mc:AlternateContent>
+          </a:graphicData>
+        </a:graphic>
+      </p:graphicFrame>
+      <p:sp>
+        <p:nvSpPr>
+          <p:cNvPr id="10" name="Title 4"/>
           <p:cNvSpPr txBox="1">
             <a:spLocks/>
           </p:cNvSpPr>
@@ -20738,602 +21603,6 @@
           </a:p>
         </p:txBody>
       </p:sp>
-      <p:sp>
-        <p:nvSpPr>
-          <p:cNvPr id="4" name="Slide Number Placeholder 2"/>
-          <p:cNvSpPr>
-            <a:spLocks noGrp="1"/>
-          </p:cNvSpPr>
-          <p:nvPr>
-            <p:ph type="sldNum" sz="quarter" idx="10"/>
-          </p:nvPr>
-        </p:nvSpPr>
-        <p:spPr>
-          <a:xfrm>
-            <a:off x="7333815" y="6553200"/>
-            <a:ext cx="1810186" cy="276999"/>
-          </a:xfrm>
-        </p:spPr>
-        <p:txBody>
-          <a:bodyPr/>
-          <a:lstStyle/>
-          <a:p>
-            <a:r>
-              <a:rPr lang="en-US" dirty="0" smtClean="0"/>
-              <a:t>propositional algebra.</a:t>
-            </a:r>
-            <a:fld id="{3251DA95-B240-47FE-901D-B78FC8E8E532}" type="slidenum">
-              <a:rPr lang="en-US" smtClean="0"/>
-              <a:pPr/>
-              <a:t>43</a:t>
-            </a:fld>
-            <a:endParaRPr lang="en-US" dirty="0"/>
-          </a:p>
-        </p:txBody>
-      </p:sp>
-      <p:graphicFrame>
-        <p:nvGraphicFramePr>
-          <p:cNvPr id="7" name="Object 6"/>
-          <p:cNvGraphicFramePr>
-            <a:graphicFrameLocks noChangeAspect="1"/>
-          </p:cNvGraphicFramePr>
-          <p:nvPr>
-            <p:extLst>
-              <p:ext uri="{D42A27DB-BD31-4B8C-83A1-F6EECF244321}">
-                <p14:modId xmlns:p14="http://schemas.microsoft.com/office/powerpoint/2010/main" val="4130407762"/>
-              </p:ext>
-            </p:extLst>
-          </p:nvPr>
-        </p:nvGraphicFramePr>
-        <p:xfrm>
-          <a:off x="885824" y="3282949"/>
-          <a:ext cx="3172598" cy="1149351"/>
-        </p:xfrm>
-        <a:graphic>
-          <a:graphicData uri="http://schemas.openxmlformats.org/presentationml/2006/ole">
-            <mc:AlternateContent xmlns:mc="http://schemas.openxmlformats.org/markup-compatibility/2006">
-              <mc:Choice xmlns:v="urn:schemas-microsoft-com:vml" Requires="v">
-                <p:oleObj spid="_x0000_s527385" name="Equation" r:id="rId4" imgW="1333500" imgH="482600" progId="Equation.DSMT4">
-                  <p:embed/>
-                </p:oleObj>
-              </mc:Choice>
-              <mc:Fallback>
-                <p:oleObj name="Equation" r:id="rId4" imgW="1333500" imgH="482600" progId="Equation.DSMT4">
-                  <p:embed/>
-                  <p:pic>
-                    <p:nvPicPr>
-                      <p:cNvPr id="0" name=""/>
-                      <p:cNvPicPr/>
-                      <p:nvPr/>
-                    </p:nvPicPr>
-                    <p:blipFill>
-                      <a:blip r:embed="rId5"/>
-                      <a:stretch>
-                        <a:fillRect/>
-                      </a:stretch>
-                    </p:blipFill>
-                    <p:spPr>
-                      <a:xfrm>
-                        <a:off x="885824" y="3282949"/>
-                        <a:ext cx="3172598" cy="1149351"/>
-                      </a:xfrm>
-                      <a:prstGeom prst="rect">
-                        <a:avLst/>
-                      </a:prstGeom>
-                    </p:spPr>
-                  </p:pic>
-                </p:oleObj>
-              </mc:Fallback>
-            </mc:AlternateContent>
-          </a:graphicData>
-        </a:graphic>
-      </p:graphicFrame>
-      <p:sp>
-        <p:nvSpPr>
-          <p:cNvPr id="5" name="TextBox 4"/>
-          <p:cNvSpPr txBox="1"/>
-          <p:nvPr/>
-        </p:nvSpPr>
-        <p:spPr>
-          <a:xfrm>
-            <a:off x="4013201" y="3924300"/>
-            <a:ext cx="647700" cy="461665"/>
-          </a:xfrm>
-          <a:prstGeom prst="rect">
-            <a:avLst/>
-          </a:prstGeom>
-          <a:noFill/>
-        </p:spPr>
-        <p:txBody>
-          <a:bodyPr wrap="square" rtlCol="0">
-            <a:spAutoFit/>
-          </a:bodyPr>
-          <a:lstStyle/>
-          <a:p>
-            <a:pPr algn="l"/>
-            <a:r>
-              <a:rPr lang="en-US" sz="2400" dirty="0" smtClean="0">
-                <a:solidFill>
-                  <a:schemeClr val="accent1">
-                    <a:lumMod val="50000"/>
-                  </a:schemeClr>
-                </a:solidFill>
-                <a:latin typeface="Comic Sans MS" pitchFamily="66" charset="0"/>
-              </a:rPr>
-              <a:t>OR</a:t>
-            </a:r>
-          </a:p>
-        </p:txBody>
-      </p:sp>
-      <p:graphicFrame>
-        <p:nvGraphicFramePr>
-          <p:cNvPr id="9" name="Object 8"/>
-          <p:cNvGraphicFramePr>
-            <a:graphicFrameLocks noChangeAspect="1"/>
-          </p:cNvGraphicFramePr>
-          <p:nvPr>
-            <p:extLst>
-              <p:ext uri="{D42A27DB-BD31-4B8C-83A1-F6EECF244321}">
-                <p14:modId xmlns:p14="http://schemas.microsoft.com/office/powerpoint/2010/main" val="3599236877"/>
-              </p:ext>
-            </p:extLst>
-          </p:nvPr>
-        </p:nvGraphicFramePr>
-        <p:xfrm>
-          <a:off x="4686300" y="3259138"/>
-          <a:ext cx="2808288" cy="1209675"/>
-        </p:xfrm>
-        <a:graphic>
-          <a:graphicData uri="http://schemas.openxmlformats.org/presentationml/2006/ole">
-            <mc:AlternateContent xmlns:mc="http://schemas.openxmlformats.org/markup-compatibility/2006">
-              <mc:Choice xmlns:v="urn:schemas-microsoft-com:vml" Requires="v">
-                <p:oleObj spid="_x0000_s527386" name="Equation" r:id="rId6" imgW="1181100" imgH="508000" progId="Equation.DSMT4">
-                  <p:embed/>
-                </p:oleObj>
-              </mc:Choice>
-              <mc:Fallback>
-                <p:oleObj name="Equation" r:id="rId6" imgW="1181100" imgH="508000" progId="Equation.DSMT4">
-                  <p:embed/>
-                  <p:pic>
-                    <p:nvPicPr>
-                      <p:cNvPr id="0" name=""/>
-                      <p:cNvPicPr/>
-                      <p:nvPr/>
-                    </p:nvPicPr>
-                    <p:blipFill>
-                      <a:blip r:embed="rId7"/>
-                      <a:stretch>
-                        <a:fillRect/>
-                      </a:stretch>
-                    </p:blipFill>
-                    <p:spPr>
-                      <a:xfrm>
-                        <a:off x="4686300" y="3259138"/>
-                        <a:ext cx="2808288" cy="1209675"/>
-                      </a:xfrm>
-                      <a:prstGeom prst="rect">
-                        <a:avLst/>
-                      </a:prstGeom>
-                    </p:spPr>
-                  </p:pic>
-                </p:oleObj>
-              </mc:Fallback>
-            </mc:AlternateContent>
-          </a:graphicData>
-        </a:graphic>
-      </p:graphicFrame>
-      <p:graphicFrame>
-        <p:nvGraphicFramePr>
-          <p:cNvPr id="11" name="Object 10"/>
-          <p:cNvGraphicFramePr>
-            <a:graphicFrameLocks noChangeAspect="1"/>
-          </p:cNvGraphicFramePr>
-          <p:nvPr>
-            <p:extLst>
-              <p:ext uri="{D42A27DB-BD31-4B8C-83A1-F6EECF244321}">
-                <p14:modId xmlns:p14="http://schemas.microsoft.com/office/powerpoint/2010/main" val="1387628101"/>
-              </p:ext>
-            </p:extLst>
-          </p:nvPr>
-        </p:nvGraphicFramePr>
-        <p:xfrm>
-          <a:off x="2684463" y="4652963"/>
-          <a:ext cx="2717800" cy="604837"/>
-        </p:xfrm>
-        <a:graphic>
-          <a:graphicData uri="http://schemas.openxmlformats.org/presentationml/2006/ole">
-            <mc:AlternateContent xmlns:mc="http://schemas.openxmlformats.org/markup-compatibility/2006">
-              <mc:Choice xmlns:v="urn:schemas-microsoft-com:vml" Requires="v">
-                <p:oleObj spid="_x0000_s527387" name="Equation" r:id="rId8" imgW="1143000" imgH="254000" progId="Equation.DSMT4">
-                  <p:embed/>
-                </p:oleObj>
-              </mc:Choice>
-              <mc:Fallback>
-                <p:oleObj name="Equation" r:id="rId8" imgW="1143000" imgH="254000" progId="Equation.DSMT4">
-                  <p:embed/>
-                  <p:pic>
-                    <p:nvPicPr>
-                      <p:cNvPr id="0" name=""/>
-                      <p:cNvPicPr/>
-                      <p:nvPr/>
-                    </p:nvPicPr>
-                    <p:blipFill>
-                      <a:blip r:embed="rId9"/>
-                      <a:stretch>
-                        <a:fillRect/>
-                      </a:stretch>
-                    </p:blipFill>
-                    <p:spPr>
-                      <a:xfrm>
-                        <a:off x="2684463" y="4652963"/>
-                        <a:ext cx="2717800" cy="604837"/>
-                      </a:xfrm>
-                      <a:prstGeom prst="rect">
-                        <a:avLst/>
-                      </a:prstGeom>
-                    </p:spPr>
-                  </p:pic>
-                </p:oleObj>
-              </mc:Fallback>
-            </mc:AlternateContent>
-          </a:graphicData>
-        </a:graphic>
-      </p:graphicFrame>
-      <p:sp>
-        <p:nvSpPr>
-          <p:cNvPr id="13" name="TextBox 12"/>
-          <p:cNvSpPr txBox="1"/>
-          <p:nvPr/>
-        </p:nvSpPr>
-        <p:spPr>
-          <a:xfrm>
-            <a:off x="7442201" y="3962400"/>
-            <a:ext cx="647700" cy="461665"/>
-          </a:xfrm>
-          <a:prstGeom prst="rect">
-            <a:avLst/>
-          </a:prstGeom>
-          <a:noFill/>
-        </p:spPr>
-        <p:txBody>
-          <a:bodyPr wrap="square" rtlCol="0">
-            <a:spAutoFit/>
-          </a:bodyPr>
-          <a:lstStyle/>
-          <a:p>
-            <a:pPr algn="l"/>
-            <a:r>
-              <a:rPr lang="en-US" sz="2400" dirty="0" smtClean="0">
-                <a:solidFill>
-                  <a:srgbClr val="0000E5"/>
-                </a:solidFill>
-                <a:latin typeface="Comic Sans MS" pitchFamily="66" charset="0"/>
-              </a:rPr>
-              <a:t>OR</a:t>
-            </a:r>
-          </a:p>
-        </p:txBody>
-      </p:sp>
-    </p:spTree>
-    <p:extLst>
-      <p:ext uri="{BB962C8B-B14F-4D97-AF65-F5344CB8AC3E}">
-        <p14:creationId xmlns:p14="http://schemas.microsoft.com/office/powerpoint/2010/main" val="2896971768"/>
-      </p:ext>
-    </p:extLst>
-  </p:cSld>
-  <p:clrMapOvr>
-    <a:masterClrMapping/>
-  </p:clrMapOvr>
-  <mc:AlternateContent xmlns:mc="http://schemas.openxmlformats.org/markup-compatibility/2006" xmlns:p14="http://schemas.microsoft.com/office/powerpoint/2010/main">
-    <mc:Choice Requires="p14">
-      <p:transition spd="med" p14:dur="600" advClick="0">
-        <p:fade/>
-      </p:transition>
-    </mc:Choice>
-    <mc:Fallback xmlns="">
-      <p:transition xmlns:p14="http://schemas.microsoft.com/office/powerpoint/2010/main" spd="med" advClick="0">
-        <p:fade/>
-      </p:transition>
-    </mc:Fallback>
-  </mc:AlternateContent>
-  <p:timing>
-    <p:tnLst>
-      <p:par>
-        <p:cTn xmlns:p14="http://schemas.microsoft.com/office/powerpoint/2010/main" id="1" dur="indefinite" restart="never" nodeType="tmRoot"/>
-      </p:par>
-    </p:tnLst>
-  </p:timing>
-</p:sld>
-</file>
-
-<file path=ppt/slides/slide44.xml><?xml version="1.0" encoding="utf-8"?>
-<p:sld xmlns:a="http://schemas.openxmlformats.org/drawingml/2006/main" xmlns:r="http://schemas.openxmlformats.org/officeDocument/2006/relationships" xmlns:p="http://schemas.openxmlformats.org/presentationml/2006/main">
-  <p:cSld>
-    <p:spTree>
-      <p:nvGrpSpPr>
-        <p:cNvPr id="1" name=""/>
-        <p:cNvGrpSpPr/>
-        <p:nvPr/>
-      </p:nvGrpSpPr>
-      <p:grpSpPr>
-        <a:xfrm>
-          <a:off x="0" y="0"/>
-          <a:ext cx="0" cy="0"/>
-          <a:chOff x="0" y="0"/>
-          <a:chExt cx="0" cy="0"/>
-        </a:xfrm>
-      </p:grpSpPr>
-      <p:sp>
-        <p:nvSpPr>
-          <p:cNvPr id="4" name="Slide Number Placeholder 2"/>
-          <p:cNvSpPr>
-            <a:spLocks noGrp="1"/>
-          </p:cNvSpPr>
-          <p:nvPr>
-            <p:ph type="sldNum" sz="quarter" idx="10"/>
-          </p:nvPr>
-        </p:nvSpPr>
-        <p:spPr>
-          <a:xfrm>
-            <a:off x="7333815" y="6553200"/>
-            <a:ext cx="1810186" cy="276999"/>
-          </a:xfrm>
-        </p:spPr>
-        <p:txBody>
-          <a:bodyPr/>
-          <a:lstStyle/>
-          <a:p>
-            <a:r>
-              <a:rPr lang="en-US" dirty="0" smtClean="0"/>
-              <a:t>propositional algebra.</a:t>
-            </a:r>
-            <a:fld id="{3251DA95-B240-47FE-901D-B78FC8E8E532}" type="slidenum">
-              <a:rPr lang="en-US" smtClean="0"/>
-              <a:pPr/>
-              <a:t>44</a:t>
-            </a:fld>
-            <a:endParaRPr lang="en-US" dirty="0"/>
-          </a:p>
-        </p:txBody>
-      </p:sp>
-      <p:graphicFrame>
-        <p:nvGraphicFramePr>
-          <p:cNvPr id="7" name="Object 6"/>
-          <p:cNvGraphicFramePr>
-            <a:graphicFrameLocks noChangeAspect="1"/>
-          </p:cNvGraphicFramePr>
-          <p:nvPr>
-            <p:extLst>
-              <p:ext uri="{D42A27DB-BD31-4B8C-83A1-F6EECF244321}">
-                <p14:modId xmlns:p14="http://schemas.microsoft.com/office/powerpoint/2010/main" val="2224980148"/>
-              </p:ext>
-            </p:extLst>
-          </p:nvPr>
-        </p:nvGraphicFramePr>
-        <p:xfrm>
-          <a:off x="819150" y="1631950"/>
-          <a:ext cx="6403975" cy="1149350"/>
-        </p:xfrm>
-        <a:graphic>
-          <a:graphicData uri="http://schemas.openxmlformats.org/presentationml/2006/ole">
-            <mc:AlternateContent xmlns:mc="http://schemas.openxmlformats.org/markup-compatibility/2006">
-              <mc:Choice xmlns:v="urn:schemas-microsoft-com:vml" Requires="v">
-                <p:oleObj spid="_x0000_s529419" name="Equation" r:id="rId4" imgW="2692400" imgH="482600" progId="Equation.DSMT4">
-                  <p:embed/>
-                </p:oleObj>
-              </mc:Choice>
-              <mc:Fallback>
-                <p:oleObj name="Equation" r:id="rId4" imgW="2692400" imgH="482600" progId="Equation.DSMT4">
-                  <p:embed/>
-                  <p:pic>
-                    <p:nvPicPr>
-                      <p:cNvPr id="0" name=""/>
-                      <p:cNvPicPr/>
-                      <p:nvPr/>
-                    </p:nvPicPr>
-                    <p:blipFill>
-                      <a:blip r:embed="rId5"/>
-                      <a:stretch>
-                        <a:fillRect/>
-                      </a:stretch>
-                    </p:blipFill>
-                    <p:spPr>
-                      <a:xfrm>
-                        <a:off x="819150" y="1631950"/>
-                        <a:ext cx="6403975" cy="1149350"/>
-                      </a:xfrm>
-                      <a:prstGeom prst="rect">
-                        <a:avLst/>
-                      </a:prstGeom>
-                    </p:spPr>
-                  </p:pic>
-                </p:oleObj>
-              </mc:Fallback>
-            </mc:AlternateContent>
-          </a:graphicData>
-        </a:graphic>
-      </p:graphicFrame>
-      <p:sp>
-        <p:nvSpPr>
-          <p:cNvPr id="10" name="Title 4"/>
-          <p:cNvSpPr txBox="1">
-            <a:spLocks/>
-          </p:cNvSpPr>
-          <p:nvPr/>
-        </p:nvSpPr>
-        <p:spPr bwMode="auto">
-          <a:xfrm>
-            <a:off x="1892300" y="279400"/>
-            <a:ext cx="5969000" cy="1130300"/>
-          </a:xfrm>
-          <a:prstGeom prst="rect">
-            <a:avLst/>
-          </a:prstGeom>
-          <a:noFill/>
-          <a:ln w="9525">
-            <a:noFill/>
-            <a:miter lim="800000"/>
-            <a:headEnd/>
-            <a:tailEnd/>
-          </a:ln>
-        </p:spPr>
-        <p:txBody>
-          <a:bodyPr vert="horz" wrap="square" lIns="91440" tIns="45720" rIns="91440" bIns="45720" numCol="1" anchor="ctr" anchorCtr="0" compatLnSpc="1">
-            <a:prstTxWarp prst="textNoShape">
-              <a:avLst/>
-            </a:prstTxWarp>
-          </a:bodyPr>
-          <a:lstStyle>
-            <a:lvl1pPr algn="l" rtl="0" eaLnBrk="0" fontAlgn="base" hangingPunct="0">
-              <a:spcBef>
-                <a:spcPct val="0"/>
-              </a:spcBef>
-              <a:spcAft>
-                <a:spcPct val="0"/>
-              </a:spcAft>
-              <a:defRPr sz="3600" b="1">
-                <a:solidFill>
-                  <a:schemeClr val="tx2"/>
-                </a:solidFill>
-                <a:latin typeface="Comic Sans MS" pitchFamily="66" charset="0"/>
-                <a:ea typeface="+mj-ea"/>
-                <a:cs typeface="+mj-cs"/>
-              </a:defRPr>
-            </a:lvl1pPr>
-            <a:lvl2pPr algn="l" rtl="0" eaLnBrk="0" fontAlgn="base" hangingPunct="0">
-              <a:spcBef>
-                <a:spcPct val="0"/>
-              </a:spcBef>
-              <a:spcAft>
-                <a:spcPct val="0"/>
-              </a:spcAft>
-              <a:defRPr sz="4400" b="1">
-                <a:solidFill>
-                  <a:schemeClr val="tx2"/>
-                </a:solidFill>
-                <a:latin typeface="Comic Sans MS" pitchFamily="66" charset="0"/>
-              </a:defRPr>
-            </a:lvl2pPr>
-            <a:lvl3pPr algn="l" rtl="0" eaLnBrk="0" fontAlgn="base" hangingPunct="0">
-              <a:spcBef>
-                <a:spcPct val="0"/>
-              </a:spcBef>
-              <a:spcAft>
-                <a:spcPct val="0"/>
-              </a:spcAft>
-              <a:defRPr sz="4400" b="1">
-                <a:solidFill>
-                  <a:schemeClr val="tx2"/>
-                </a:solidFill>
-                <a:latin typeface="Comic Sans MS" pitchFamily="66" charset="0"/>
-              </a:defRPr>
-            </a:lvl3pPr>
-            <a:lvl4pPr algn="l" rtl="0" eaLnBrk="0" fontAlgn="base" hangingPunct="0">
-              <a:spcBef>
-                <a:spcPct val="0"/>
-              </a:spcBef>
-              <a:spcAft>
-                <a:spcPct val="0"/>
-              </a:spcAft>
-              <a:defRPr sz="4400" b="1">
-                <a:solidFill>
-                  <a:schemeClr val="tx2"/>
-                </a:solidFill>
-                <a:latin typeface="Comic Sans MS" pitchFamily="66" charset="0"/>
-              </a:defRPr>
-            </a:lvl4pPr>
-            <a:lvl5pPr algn="l" rtl="0" eaLnBrk="0" fontAlgn="base" hangingPunct="0">
-              <a:spcBef>
-                <a:spcPct val="0"/>
-              </a:spcBef>
-              <a:spcAft>
-                <a:spcPct val="0"/>
-              </a:spcAft>
-              <a:defRPr sz="4400" b="1">
-                <a:solidFill>
-                  <a:schemeClr val="tx2"/>
-                </a:solidFill>
-                <a:latin typeface="Comic Sans MS" pitchFamily="66" charset="0"/>
-              </a:defRPr>
-            </a:lvl5pPr>
-            <a:lvl6pPr marL="457200" algn="l" rtl="0" fontAlgn="base">
-              <a:spcBef>
-                <a:spcPct val="0"/>
-              </a:spcBef>
-              <a:spcAft>
-                <a:spcPct val="0"/>
-              </a:spcAft>
-              <a:defRPr sz="4400" b="1">
-                <a:solidFill>
-                  <a:schemeClr val="tx2"/>
-                </a:solidFill>
-                <a:latin typeface="Times New Roman" pitchFamily="18" charset="0"/>
-              </a:defRPr>
-            </a:lvl6pPr>
-            <a:lvl7pPr marL="914400" algn="l" rtl="0" fontAlgn="base">
-              <a:spcBef>
-                <a:spcPct val="0"/>
-              </a:spcBef>
-              <a:spcAft>
-                <a:spcPct val="0"/>
-              </a:spcAft>
-              <a:defRPr sz="4400" b="1">
-                <a:solidFill>
-                  <a:schemeClr val="tx2"/>
-                </a:solidFill>
-                <a:latin typeface="Times New Roman" pitchFamily="18" charset="0"/>
-              </a:defRPr>
-            </a:lvl7pPr>
-            <a:lvl8pPr marL="1371600" algn="l" rtl="0" fontAlgn="base">
-              <a:spcBef>
-                <a:spcPct val="0"/>
-              </a:spcBef>
-              <a:spcAft>
-                <a:spcPct val="0"/>
-              </a:spcAft>
-              <a:defRPr sz="4400" b="1">
-                <a:solidFill>
-                  <a:schemeClr val="tx2"/>
-                </a:solidFill>
-                <a:latin typeface="Times New Roman" pitchFamily="18" charset="0"/>
-              </a:defRPr>
-            </a:lvl8pPr>
-            <a:lvl9pPr marL="1828800" algn="l" rtl="0" fontAlgn="base">
-              <a:spcBef>
-                <a:spcPct val="0"/>
-              </a:spcBef>
-              <a:spcAft>
-                <a:spcPct val="0"/>
-              </a:spcAft>
-              <a:defRPr sz="4400" b="1">
-                <a:solidFill>
-                  <a:schemeClr val="tx2"/>
-                </a:solidFill>
-                <a:latin typeface="Times New Roman" pitchFamily="18" charset="0"/>
-              </a:defRPr>
-            </a:lvl9pPr>
-          </a:lstStyle>
-          <a:p>
-            <a:r>
-              <a:rPr lang="en-US" sz="4800" dirty="0" smtClean="0"/>
-              <a:t>Sorted </a:t>
-            </a:r>
-            <a:r>
-              <a:rPr lang="en-US" sz="4800" dirty="0" smtClean="0">
-                <a:solidFill>
-                  <a:srgbClr val="000000"/>
-                </a:solidFill>
-              </a:rPr>
-              <a:t>Full DNF</a:t>
-            </a:r>
-            <a:endParaRPr lang="en-US" sz="4800" dirty="0">
-              <a:solidFill>
-                <a:srgbClr val="000000"/>
-              </a:solidFill>
-            </a:endParaRPr>
-          </a:p>
-        </p:txBody>
-      </p:sp>
       <p:sp useBgFill="1">
         <p:nvSpPr>
           <p:cNvPr id="5" name="TextBox 4"/>
@@ -21402,9 +21671,6 @@
                     <p:cTn id="3" fill="hold">
                       <p:stCondLst>
                         <p:cond delay="indefinite"/>
-                        <p:cond evt="onBegin" delay="0">
-                          <p:tn val="2"/>
-                        </p:cond>
                       </p:stCondLst>
                       <p:childTnLst>
                         <p:par>
@@ -21414,7 +21680,7 @@
                             </p:stCondLst>
                             <p:childTnLst>
                               <p:par>
-                                <p:cTn id="5" presetID="10" presetClass="entr" presetSubtype="0" fill="hold" grpId="0" nodeType="afterEffect">
+                                <p:cTn id="5" presetID="10" presetClass="entr" presetSubtype="0" fill="hold" grpId="0" nodeType="clickEffect">
                                   <p:stCondLst>
                                     <p:cond delay="0"/>
                                   </p:stCondLst>
@@ -21422,6 +21688,59 @@
                                     <p:set>
                                       <p:cBhvr>
                                         <p:cTn id="6" dur="1" fill="hold">
+                                          <p:stCondLst>
+                                            <p:cond delay="0"/>
+                                          </p:stCondLst>
+                                        </p:cTn>
+                                        <p:tgtEl>
+                                          <p:spTgt spid="10"/>
+                                        </p:tgtEl>
+                                        <p:attrNameLst>
+                                          <p:attrName>style.visibility</p:attrName>
+                                        </p:attrNameLst>
+                                      </p:cBhvr>
+                                      <p:to>
+                                        <p:strVal val="visible"/>
+                                      </p:to>
+                                    </p:set>
+                                    <p:animEffect transition="in" filter="fade">
+                                      <p:cBhvr>
+                                        <p:cTn id="7" dur="500"/>
+                                        <p:tgtEl>
+                                          <p:spTgt spid="10"/>
+                                        </p:tgtEl>
+                                      </p:cBhvr>
+                                    </p:animEffect>
+                                  </p:childTnLst>
+                                </p:cTn>
+                              </p:par>
+                            </p:childTnLst>
+                          </p:cTn>
+                        </p:par>
+                      </p:childTnLst>
+                    </p:cTn>
+                  </p:par>
+                  <p:par>
+                    <p:cTn id="8" fill="hold">
+                      <p:stCondLst>
+                        <p:cond delay="indefinite"/>
+                      </p:stCondLst>
+                      <p:childTnLst>
+                        <p:par>
+                          <p:cTn id="9" fill="hold">
+                            <p:stCondLst>
+                              <p:cond delay="0"/>
+                            </p:stCondLst>
+                            <p:childTnLst>
+                              <p:par>
+                                <p:cTn id="10" presetID="10" presetClass="entr" presetSubtype="0" fill="hold" grpId="0" nodeType="clickEffect">
+                                  <p:stCondLst>
+                                    <p:cond delay="0"/>
+                                  </p:stCondLst>
+                                  <p:childTnLst>
+                                    <p:set>
+                                      <p:cBhvr>
+                                        <p:cTn id="11" dur="1" fill="hold">
                                           <p:stCondLst>
                                             <p:cond delay="0"/>
                                           </p:stCondLst>
@@ -21439,7 +21758,7 @@
                                     </p:set>
                                     <p:animEffect transition="in" filter="fade">
                                       <p:cBhvr>
-                                        <p:cTn id="7" dur="500"/>
+                                        <p:cTn id="12" dur="500"/>
                                         <p:tgtEl>
                                           <p:spTgt spid="5"/>
                                         </p:tgtEl>
@@ -21476,6 +21795,7 @@
       </p:par>
     </p:tnLst>
     <p:bldLst>
+      <p:bldP spid="10" grpId="0"/>
       <p:bldP spid="5" grpId="0" animBg="1"/>
     </p:bldLst>
   </p:timing>
@@ -22301,25 +22621,7 @@
                 </a:solidFill>
                 <a:latin typeface="Comic Sans MS" pitchFamily="66" charset="0"/>
               </a:rPr>
-              <a:t>sorted </a:t>
-            </a:r>
-            <a:r>
-              <a:rPr lang="en-US" sz="5400" dirty="0" smtClean="0">
-                <a:solidFill>
-                  <a:srgbClr val="000000"/>
-                </a:solidFill>
-                <a:latin typeface="Comic Sans MS" pitchFamily="66" charset="0"/>
-              </a:rPr>
-              <a:t>Full DNF</a:t>
-            </a:r>
-            <a:r>
-              <a:rPr lang="en-US" sz="5400" dirty="0" smtClean="0">
-                <a:solidFill>
-                  <a:srgbClr val="000000"/>
-                </a:solidFill>
-                <a:latin typeface="Comic Sans MS" pitchFamily="66" charset="0"/>
-              </a:rPr>
-              <a:t>.</a:t>
+              <a:t>sorted Full DNF.</a:t>
             </a:r>
             <a:endParaRPr lang="en-US" sz="5400" dirty="0">
               <a:solidFill>
@@ -22442,34 +22744,6 @@
       </p:grpSpPr>
       <p:sp>
         <p:nvSpPr>
-          <p:cNvPr id="2" name="Title 1"/>
-          <p:cNvSpPr>
-            <a:spLocks noGrp="1"/>
-          </p:cNvSpPr>
-          <p:nvPr>
-            <p:ph type="title"/>
-          </p:nvPr>
-        </p:nvSpPr>
-        <p:spPr>
-          <a:xfrm>
-            <a:off x="2049478" y="325438"/>
-            <a:ext cx="6227298" cy="1058862"/>
-          </a:xfrm>
-        </p:spPr>
-        <p:txBody>
-          <a:bodyPr/>
-          <a:lstStyle/>
-          <a:p>
-            <a:r>
-              <a:rPr lang="en-US" sz="3600" dirty="0" smtClean="0"/>
-              <a:t>Validity Checking still hard</a:t>
-            </a:r>
-            <a:endParaRPr lang="en-US" sz="3600" dirty="0"/>
-          </a:p>
-        </p:txBody>
-      </p:sp>
-      <p:sp>
-        <p:nvSpPr>
           <p:cNvPr id="5" name="TextBox 4"/>
           <p:cNvSpPr txBox="1"/>
           <p:nvPr/>
@@ -22567,6 +22841,488 @@
   <p:transition xmlns:p14="http://schemas.microsoft.com/office/powerpoint/2010/main" spd="slow" advClick="0">
     <p:fade thruBlk="1"/>
   </p:transition>
+  <p:timing>
+    <p:tnLst>
+      <p:par>
+        <p:cTn xmlns:p14="http://schemas.microsoft.com/office/powerpoint/2010/main" id="1" dur="indefinite" restart="never" nodeType="tmRoot"/>
+      </p:par>
+    </p:tnLst>
+  </p:timing>
+</p:sld>
+</file>
+
+<file path=ppt/slides/slide5.xml><?xml version="1.0" encoding="utf-8"?>
+<p:sld xmlns:a="http://schemas.openxmlformats.org/drawingml/2006/main" xmlns:r="http://schemas.openxmlformats.org/officeDocument/2006/relationships" xmlns:p="http://schemas.openxmlformats.org/presentationml/2006/main">
+  <p:cSld>
+    <p:spTree>
+      <p:nvGrpSpPr>
+        <p:cNvPr id="1" name=""/>
+        <p:cNvGrpSpPr/>
+        <p:nvPr/>
+      </p:nvGrpSpPr>
+      <p:grpSpPr>
+        <a:xfrm>
+          <a:off x="0" y="0"/>
+          <a:ext cx="0" cy="0"/>
+          <a:chOff x="0" y="0"/>
+          <a:chExt cx="0" cy="0"/>
+        </a:xfrm>
+      </p:grpSpPr>
+      <p:sp>
+        <p:nvSpPr>
+          <p:cNvPr id="5" name="TextBox 4"/>
+          <p:cNvSpPr txBox="1"/>
+          <p:nvPr/>
+        </p:nvSpPr>
+        <p:spPr>
+          <a:xfrm>
+            <a:off x="1724483" y="1320800"/>
+            <a:ext cx="5729960" cy="923330"/>
+          </a:xfrm>
+          <a:prstGeom prst="rect">
+            <a:avLst/>
+          </a:prstGeom>
+          <a:noFill/>
+        </p:spPr>
+        <p:txBody>
+          <a:bodyPr wrap="square" rtlCol="0">
+            <a:spAutoFit/>
+          </a:bodyPr>
+          <a:lstStyle/>
+          <a:p>
+            <a:pPr algn="l"/>
+            <a:r>
+              <a:rPr lang="en-US" sz="5400" dirty="0" smtClean="0">
+                <a:solidFill>
+                  <a:srgbClr val="FF03E3"/>
+                </a:solidFill>
+                <a:latin typeface="Comic Sans MS" pitchFamily="66" charset="0"/>
+              </a:rPr>
+              <a:t>Double Negation</a:t>
+            </a:r>
+            <a:endParaRPr lang="en-US" sz="5400" dirty="0">
+              <a:solidFill>
+                <a:srgbClr val="FF03E3"/>
+              </a:solidFill>
+              <a:latin typeface="Comic Sans MS" pitchFamily="66" charset="0"/>
+            </a:endParaRPr>
+          </a:p>
+        </p:txBody>
+      </p:sp>
+      <p:sp>
+        <p:nvSpPr>
+          <p:cNvPr id="9" name="Title 1"/>
+          <p:cNvSpPr>
+            <a:spLocks noGrp="1"/>
+          </p:cNvSpPr>
+          <p:nvPr>
+            <p:ph type="title"/>
+          </p:nvPr>
+        </p:nvSpPr>
+        <p:spPr>
+          <a:xfrm>
+            <a:off x="1651000" y="363538"/>
+            <a:ext cx="6794500" cy="1003300"/>
+          </a:xfrm>
+        </p:spPr>
+        <p:txBody>
+          <a:bodyPr/>
+          <a:lstStyle/>
+          <a:p>
+            <a:r>
+              <a:rPr lang="en-US" sz="4000" dirty="0" smtClean="0"/>
+              <a:t>Algebra for Equivalence</a:t>
+            </a:r>
+            <a:endParaRPr lang="en-US" sz="4000" dirty="0"/>
+          </a:p>
+        </p:txBody>
+      </p:sp>
+      <p:sp>
+        <p:nvSpPr>
+          <p:cNvPr id="4" name="Slide Number Placeholder 2"/>
+          <p:cNvSpPr>
+            <a:spLocks noGrp="1"/>
+          </p:cNvSpPr>
+          <p:nvPr>
+            <p:ph type="sldNum" sz="quarter" idx="10"/>
+          </p:nvPr>
+        </p:nvSpPr>
+        <p:spPr>
+          <a:xfrm>
+            <a:off x="7333815" y="6553200"/>
+            <a:ext cx="1810186" cy="276999"/>
+          </a:xfrm>
+        </p:spPr>
+        <p:txBody>
+          <a:bodyPr/>
+          <a:lstStyle/>
+          <a:p>
+            <a:r>
+              <a:rPr lang="en-US" dirty="0" smtClean="0"/>
+              <a:t>propositional algebra.</a:t>
+            </a:r>
+            <a:fld id="{3251DA95-B240-47FE-901D-B78FC8E8E532}" type="slidenum">
+              <a:rPr lang="en-US" smtClean="0"/>
+              <a:pPr/>
+              <a:t>5</a:t>
+            </a:fld>
+            <a:endParaRPr lang="en-US" dirty="0"/>
+          </a:p>
+        </p:txBody>
+      </p:sp>
+      <p:graphicFrame>
+        <p:nvGraphicFramePr>
+          <p:cNvPr id="3" name="Object 2"/>
+          <p:cNvGraphicFramePr>
+            <a:graphicFrameLocks noChangeAspect="1"/>
+          </p:cNvGraphicFramePr>
+          <p:nvPr>
+            <p:extLst>
+              <p:ext uri="{D42A27DB-BD31-4B8C-83A1-F6EECF244321}">
+                <p14:modId xmlns:p14="http://schemas.microsoft.com/office/powerpoint/2010/main" val="3219183914"/>
+              </p:ext>
+            </p:extLst>
+          </p:nvPr>
+        </p:nvGraphicFramePr>
+        <p:xfrm>
+          <a:off x="1090751" y="2590801"/>
+          <a:ext cx="7099024" cy="1252538"/>
+        </p:xfrm>
+        <a:graphic>
+          <a:graphicData uri="http://schemas.openxmlformats.org/presentationml/2006/ole">
+            <mc:AlternateContent xmlns:mc="http://schemas.openxmlformats.org/markup-compatibility/2006">
+              <mc:Choice xmlns:v="urn:schemas-microsoft-com:vml" Requires="v">
+                <p:oleObj spid="_x0000_s1084" name="Equation" r:id="rId4" imgW="1295400" imgH="228600" progId="Equation.DSMT4">
+                  <p:embed/>
+                </p:oleObj>
+              </mc:Choice>
+              <mc:Fallback>
+                <p:oleObj name="Equation" r:id="rId4" imgW="1295400" imgH="228600" progId="Equation.DSMT4">
+                  <p:embed/>
+                  <p:pic>
+                    <p:nvPicPr>
+                      <p:cNvPr id="0" name=""/>
+                      <p:cNvPicPr/>
+                      <p:nvPr/>
+                    </p:nvPicPr>
+                    <p:blipFill>
+                      <a:blip r:embed="rId5"/>
+                      <a:stretch>
+                        <a:fillRect/>
+                      </a:stretch>
+                    </p:blipFill>
+                    <p:spPr>
+                      <a:xfrm>
+                        <a:off x="1090751" y="2590801"/>
+                        <a:ext cx="7099024" cy="1252538"/>
+                      </a:xfrm>
+                      <a:prstGeom prst="rect">
+                        <a:avLst/>
+                      </a:prstGeom>
+                    </p:spPr>
+                  </p:pic>
+                </p:oleObj>
+              </mc:Fallback>
+            </mc:AlternateContent>
+          </a:graphicData>
+        </a:graphic>
+      </p:graphicFrame>
+    </p:spTree>
+    <p:extLst>
+      <p:ext uri="{BB962C8B-B14F-4D97-AF65-F5344CB8AC3E}">
+        <p14:creationId xmlns:p14="http://schemas.microsoft.com/office/powerpoint/2010/main" val="2749065415"/>
+      </p:ext>
+    </p:extLst>
+  </p:cSld>
+  <p:clrMapOvr>
+    <a:masterClrMapping/>
+  </p:clrMapOvr>
+  <mc:AlternateContent xmlns:mc="http://schemas.openxmlformats.org/markup-compatibility/2006">
+    <mc:Choice xmlns:p14="http://schemas.microsoft.com/office/powerpoint/2010/main" Requires="p14">
+      <p:transition spd="med" p14:dur="700" advClick="0">
+        <p:fade/>
+      </p:transition>
+    </mc:Choice>
+    <mc:Fallback>
+      <p:transition xmlns:p14="http://schemas.microsoft.com/office/powerpoint/2010/main" spd="med" advClick="0">
+        <p:fade/>
+      </p:transition>
+    </mc:Fallback>
+  </mc:AlternateContent>
+  <p:timing>
+    <p:tnLst>
+      <p:par>
+        <p:cTn xmlns:p14="http://schemas.microsoft.com/office/powerpoint/2010/main" id="1" dur="indefinite" restart="never" nodeType="tmRoot">
+          <p:childTnLst>
+            <p:seq concurrent="1" nextAc="seek">
+              <p:cTn id="2" dur="indefinite" nodeType="mainSeq">
+                <p:childTnLst>
+                  <p:par>
+                    <p:cTn id="3" fill="hold">
+                      <p:stCondLst>
+                        <p:cond delay="indefinite"/>
+                      </p:stCondLst>
+                      <p:childTnLst>
+                        <p:par>
+                          <p:cTn id="4" fill="hold">
+                            <p:stCondLst>
+                              <p:cond delay="0"/>
+                            </p:stCondLst>
+                            <p:childTnLst>
+                              <p:par>
+                                <p:cTn id="5" presetID="22" presetClass="entr" presetSubtype="8" fill="hold" nodeType="clickEffect">
+                                  <p:stCondLst>
+                                    <p:cond delay="0"/>
+                                  </p:stCondLst>
+                                  <p:childTnLst>
+                                    <p:set>
+                                      <p:cBhvr>
+                                        <p:cTn id="6" dur="1" fill="hold">
+                                          <p:stCondLst>
+                                            <p:cond delay="0"/>
+                                          </p:stCondLst>
+                                        </p:cTn>
+                                        <p:tgtEl>
+                                          <p:spTgt spid="3"/>
+                                        </p:tgtEl>
+                                        <p:attrNameLst>
+                                          <p:attrName>style.visibility</p:attrName>
+                                        </p:attrNameLst>
+                                      </p:cBhvr>
+                                      <p:to>
+                                        <p:strVal val="visible"/>
+                                      </p:to>
+                                    </p:set>
+                                    <p:animEffect transition="in" filter="wipe(left)">
+                                      <p:cBhvr>
+                                        <p:cTn id="7" dur="1000"/>
+                                        <p:tgtEl>
+                                          <p:spTgt spid="3"/>
+                                        </p:tgtEl>
+                                      </p:cBhvr>
+                                    </p:animEffect>
+                                  </p:childTnLst>
+                                </p:cTn>
+                              </p:par>
+                            </p:childTnLst>
+                          </p:cTn>
+                        </p:par>
+                      </p:childTnLst>
+                    </p:cTn>
+                  </p:par>
+                </p:childTnLst>
+              </p:cTn>
+              <p:prevCondLst>
+                <p:cond evt="onPrev" delay="0">
+                  <p:tgtEl>
+                    <p:sldTgt/>
+                  </p:tgtEl>
+                </p:cond>
+              </p:prevCondLst>
+              <p:nextCondLst>
+                <p:cond evt="onNext" delay="0">
+                  <p:tgtEl>
+                    <p:sldTgt/>
+                  </p:tgtEl>
+                </p:cond>
+              </p:nextCondLst>
+            </p:seq>
+          </p:childTnLst>
+        </p:cTn>
+      </p:par>
+    </p:tnLst>
+  </p:timing>
+</p:sld>
+</file>
+
+<file path=ppt/slides/slide50.xml><?xml version="1.0" encoding="utf-8"?>
+<p:sld xmlns:a="http://schemas.openxmlformats.org/drawingml/2006/main" xmlns:r="http://schemas.openxmlformats.org/officeDocument/2006/relationships" xmlns:p="http://schemas.openxmlformats.org/presentationml/2006/main">
+  <p:cSld>
+    <p:spTree>
+      <p:nvGrpSpPr>
+        <p:cNvPr id="1" name=""/>
+        <p:cNvGrpSpPr/>
+        <p:nvPr/>
+      </p:nvGrpSpPr>
+      <p:grpSpPr>
+        <a:xfrm>
+          <a:off x="0" y="0"/>
+          <a:ext cx="0" cy="0"/>
+          <a:chOff x="0" y="0"/>
+          <a:chExt cx="0" cy="0"/>
+        </a:xfrm>
+      </p:grpSpPr>
+      <p:sp>
+        <p:nvSpPr>
+          <p:cNvPr id="5" name="TextBox 4"/>
+          <p:cNvSpPr txBox="1"/>
+          <p:nvPr/>
+        </p:nvSpPr>
+        <p:spPr>
+          <a:xfrm>
+            <a:off x="627063" y="1308100"/>
+            <a:ext cx="7970837" cy="5078313"/>
+          </a:xfrm>
+          <a:prstGeom prst="rect">
+            <a:avLst/>
+          </a:prstGeom>
+          <a:noFill/>
+        </p:spPr>
+        <p:txBody>
+          <a:bodyPr wrap="square" rtlCol="0">
+            <a:spAutoFit/>
+          </a:bodyPr>
+          <a:lstStyle/>
+          <a:p>
+            <a:pPr algn="l"/>
+            <a:r>
+              <a:rPr lang="en-US" sz="5400" dirty="0" smtClean="0">
+                <a:latin typeface="Comic Sans MS" pitchFamily="66" charset="0"/>
+              </a:rPr>
+              <a:t>Algebraic proofs in general don’t beat truth tables.  The </a:t>
+            </a:r>
+            <a:r>
+              <a:rPr lang="en-US" sz="5400" dirty="0" smtClean="0">
+                <a:solidFill>
+                  <a:schemeClr val="accent1">
+                    <a:lumMod val="50000"/>
+                  </a:schemeClr>
+                </a:solidFill>
+                <a:latin typeface="Comic Sans MS" pitchFamily="66" charset="0"/>
+              </a:rPr>
+              <a:t>DNF</a:t>
+            </a:r>
+            <a:r>
+              <a:rPr lang="en-US" sz="5400" dirty="0" smtClean="0">
+                <a:latin typeface="Comic Sans MS" pitchFamily="66" charset="0"/>
+              </a:rPr>
+              <a:t> is just a </a:t>
+            </a:r>
+            <a:r>
+              <a:rPr lang="en-US" sz="5400" dirty="0" smtClean="0">
+                <a:solidFill>
+                  <a:srgbClr val="FF03E3"/>
+                </a:solidFill>
+                <a:latin typeface="Comic Sans MS" pitchFamily="66" charset="0"/>
+              </a:rPr>
+              <a:t>copy of the truth table</a:t>
+            </a:r>
+            <a:r>
+              <a:rPr lang="en-US" sz="5400" dirty="0" smtClean="0">
+                <a:latin typeface="Comic Sans MS" pitchFamily="66" charset="0"/>
+              </a:rPr>
+              <a:t> as an </a:t>
+            </a:r>
+            <a:r>
+              <a:rPr lang="en-US" sz="5400" dirty="0">
+                <a:solidFill>
+                  <a:schemeClr val="tx2"/>
+                </a:solidFill>
+                <a:latin typeface="Comic Sans MS" pitchFamily="66" charset="0"/>
+              </a:rPr>
+              <a:t>algebraic </a:t>
+            </a:r>
+            <a:r>
+              <a:rPr lang="en-US" sz="5400" dirty="0" smtClean="0">
+                <a:solidFill>
+                  <a:schemeClr val="tx2"/>
+                </a:solidFill>
+                <a:latin typeface="Comic Sans MS" pitchFamily="66" charset="0"/>
+              </a:rPr>
+              <a:t>formula.</a:t>
+            </a:r>
+            <a:endParaRPr lang="en-US" sz="5400" dirty="0">
+              <a:solidFill>
+                <a:schemeClr val="tx2"/>
+              </a:solidFill>
+              <a:latin typeface="Comic Sans MS" pitchFamily="66" charset="0"/>
+            </a:endParaRPr>
+          </a:p>
+        </p:txBody>
+      </p:sp>
+      <p:sp>
+        <p:nvSpPr>
+          <p:cNvPr id="6" name="Slide Number Placeholder 2"/>
+          <p:cNvSpPr>
+            <a:spLocks noGrp="1"/>
+          </p:cNvSpPr>
+          <p:nvPr>
+            <p:ph type="sldNum" sz="quarter" idx="10"/>
+          </p:nvPr>
+        </p:nvSpPr>
+        <p:spPr>
+          <a:xfrm>
+            <a:off x="7333815" y="6553200"/>
+            <a:ext cx="1810186" cy="276999"/>
+          </a:xfrm>
+        </p:spPr>
+        <p:txBody>
+          <a:bodyPr/>
+          <a:lstStyle/>
+          <a:p>
+            <a:r>
+              <a:rPr lang="en-US" dirty="0" smtClean="0"/>
+              <a:t>propositional algebra.</a:t>
+            </a:r>
+            <a:fld id="{3251DA95-B240-47FE-901D-B78FC8E8E532}" type="slidenum">
+              <a:rPr lang="en-US" smtClean="0"/>
+              <a:pPr/>
+              <a:t>50</a:t>
+            </a:fld>
+            <a:endParaRPr lang="en-US" dirty="0"/>
+          </a:p>
+        </p:txBody>
+      </p:sp>
+      <p:sp>
+        <p:nvSpPr>
+          <p:cNvPr id="7" name="Title 1"/>
+          <p:cNvSpPr>
+            <a:spLocks noGrp="1"/>
+          </p:cNvSpPr>
+          <p:nvPr>
+            <p:ph type="title"/>
+          </p:nvPr>
+        </p:nvSpPr>
+        <p:spPr>
+          <a:xfrm>
+            <a:off x="2049478" y="325438"/>
+            <a:ext cx="6227298" cy="1058862"/>
+          </a:xfrm>
+        </p:spPr>
+        <p:txBody>
+          <a:bodyPr/>
+          <a:lstStyle/>
+          <a:p>
+            <a:r>
+              <a:rPr lang="en-US" sz="3600" dirty="0" smtClean="0"/>
+              <a:t>Validity Checking still hard</a:t>
+            </a:r>
+            <a:endParaRPr lang="en-US" sz="3600" dirty="0"/>
+          </a:p>
+        </p:txBody>
+      </p:sp>
+    </p:spTree>
+    <p:extLst>
+      <p:ext uri="{BB962C8B-B14F-4D97-AF65-F5344CB8AC3E}">
+        <p14:creationId xmlns:p14="http://schemas.microsoft.com/office/powerpoint/2010/main" val="2742694273"/>
+      </p:ext>
+    </p:extLst>
+  </p:cSld>
+  <p:clrMapOvr>
+    <a:masterClrMapping/>
+  </p:clrMapOvr>
+  <mc:AlternateContent xmlns:mc="http://schemas.openxmlformats.org/markup-compatibility/2006" xmlns:p14="http://schemas.microsoft.com/office/powerpoint/2010/main">
+    <mc:Choice Requires="p14">
+      <p:transition spd="med" p14:dur="700" advClick="0">
+        <p:fade/>
+      </p:transition>
+    </mc:Choice>
+    <mc:Fallback xmlns="">
+      <p:transition xmlns:p14="http://schemas.microsoft.com/office/powerpoint/2010/main" spd="med" advClick="0">
+        <p:fade/>
+      </p:transition>
+    </mc:Fallback>
+  </mc:AlternateContent>
   <p:timing>
     <p:tnLst>
       <p:par>
@@ -22601,7 +23357,7 @@
                                           </p:stCondLst>
                                         </p:cTn>
                                         <p:tgtEl>
-                                          <p:spTgt spid="2"/>
+                                          <p:spTgt spid="7"/>
                                         </p:tgtEl>
                                         <p:attrNameLst>
                                           <p:attrName>style.visibility</p:attrName>
@@ -22615,7 +23371,7 @@
                                       <p:cBhvr>
                                         <p:cTn id="7" dur="500"/>
                                         <p:tgtEl>
-                                          <p:spTgt spid="2"/>
+                                          <p:spTgt spid="7"/>
                                         </p:tgtEl>
                                       </p:cBhvr>
                                     </p:animEffect>
@@ -22650,865 +23406,8 @@
       </p:par>
     </p:tnLst>
     <p:bldLst>
-      <p:bldP spid="2" grpId="0"/>
+      <p:bldP spid="7" grpId="0"/>
     </p:bldLst>
-  </p:timing>
-</p:sld>
-</file>
-
-<file path=ppt/slides/slide5.xml><?xml version="1.0" encoding="utf-8"?>
-<p:sld xmlns:a="http://schemas.openxmlformats.org/drawingml/2006/main" xmlns:r="http://schemas.openxmlformats.org/officeDocument/2006/relationships" xmlns:p="http://schemas.openxmlformats.org/presentationml/2006/main">
-  <p:cSld>
-    <p:spTree>
-      <p:nvGrpSpPr>
-        <p:cNvPr id="1" name=""/>
-        <p:cNvGrpSpPr/>
-        <p:nvPr/>
-      </p:nvGrpSpPr>
-      <p:grpSpPr>
-        <a:xfrm>
-          <a:off x="0" y="0"/>
-          <a:ext cx="0" cy="0"/>
-          <a:chOff x="0" y="0"/>
-          <a:chExt cx="0" cy="0"/>
-        </a:xfrm>
-      </p:grpSpPr>
-      <p:sp>
-        <p:nvSpPr>
-          <p:cNvPr id="5" name="TextBox 4"/>
-          <p:cNvSpPr txBox="1"/>
-          <p:nvPr/>
-        </p:nvSpPr>
-        <p:spPr>
-          <a:xfrm>
-            <a:off x="455613" y="1270000"/>
-            <a:ext cx="8267700" cy="939800"/>
-          </a:xfrm>
-          <a:prstGeom prst="rect">
-            <a:avLst/>
-          </a:prstGeom>
-          <a:noFill/>
-        </p:spPr>
-        <p:txBody>
-          <a:bodyPr wrap="square" rtlCol="0">
-            <a:spAutoFit/>
-          </a:bodyPr>
-          <a:lstStyle/>
-          <a:p>
-            <a:pPr algn="l"/>
-            <a:r>
-              <a:rPr lang="en-US" sz="5400" dirty="0" smtClean="0">
-                <a:solidFill>
-                  <a:schemeClr val="accent1">
-                    <a:lumMod val="50000"/>
-                  </a:schemeClr>
-                </a:solidFill>
-                <a:latin typeface="Comic Sans MS" pitchFamily="66" charset="0"/>
-              </a:rPr>
-              <a:t>Rules for </a:t>
-            </a:r>
-            <a:r>
-              <a:rPr lang="en-US" sz="4000" dirty="0" smtClean="0">
-                <a:solidFill>
-                  <a:srgbClr val="FF03E3"/>
-                </a:solidFill>
-                <a:latin typeface="Comic Sans MS" pitchFamily="66" charset="0"/>
-              </a:rPr>
-              <a:t>XOR</a:t>
-            </a:r>
-            <a:r>
-              <a:rPr lang="en-US" sz="5400" dirty="0">
-                <a:solidFill>
-                  <a:schemeClr val="accent1">
-                    <a:lumMod val="50000"/>
-                  </a:schemeClr>
-                </a:solidFill>
-                <a:latin typeface="Comic Sans MS" pitchFamily="66" charset="0"/>
-              </a:rPr>
-              <a:t>,</a:t>
-            </a:r>
-            <a:r>
-              <a:rPr lang="en-US" sz="5400" dirty="0" smtClean="0">
-                <a:solidFill>
-                  <a:schemeClr val="accent1">
-                    <a:lumMod val="50000"/>
-                  </a:schemeClr>
-                </a:solidFill>
-                <a:latin typeface="Comic Sans MS" pitchFamily="66" charset="0"/>
-              </a:rPr>
-              <a:t> </a:t>
-            </a:r>
-            <a:r>
-              <a:rPr lang="en-US" sz="4000" dirty="0" smtClean="0">
-                <a:solidFill>
-                  <a:srgbClr val="FF03E3"/>
-                </a:solidFill>
-                <a:latin typeface="Comic Sans MS" pitchFamily="66" charset="0"/>
-              </a:rPr>
-              <a:t>IMPLIES</a:t>
-            </a:r>
-            <a:endParaRPr lang="en-US" sz="4000" dirty="0">
-              <a:solidFill>
-                <a:srgbClr val="FF03E3"/>
-              </a:solidFill>
-              <a:latin typeface="Comic Sans MS" pitchFamily="66" charset="0"/>
-            </a:endParaRPr>
-          </a:p>
-        </p:txBody>
-      </p:sp>
-      <p:sp>
-        <p:nvSpPr>
-          <p:cNvPr id="9" name="Title 1"/>
-          <p:cNvSpPr>
-            <a:spLocks noGrp="1"/>
-          </p:cNvSpPr>
-          <p:nvPr>
-            <p:ph type="title"/>
-          </p:nvPr>
-        </p:nvSpPr>
-        <p:spPr>
-          <a:xfrm>
-            <a:off x="1651000" y="363538"/>
-            <a:ext cx="6794500" cy="1003300"/>
-          </a:xfrm>
-        </p:spPr>
-        <p:txBody>
-          <a:bodyPr/>
-          <a:lstStyle/>
-          <a:p>
-            <a:r>
-              <a:rPr lang="en-US" sz="4000" dirty="0" smtClean="0"/>
-              <a:t>Algebra for Equivalence</a:t>
-            </a:r>
-            <a:endParaRPr lang="en-US" sz="4000" dirty="0"/>
-          </a:p>
-        </p:txBody>
-      </p:sp>
-      <p:sp>
-        <p:nvSpPr>
-          <p:cNvPr id="4" name="Slide Number Placeholder 2"/>
-          <p:cNvSpPr>
-            <a:spLocks noGrp="1"/>
-          </p:cNvSpPr>
-          <p:nvPr>
-            <p:ph type="sldNum" sz="quarter" idx="10"/>
-          </p:nvPr>
-        </p:nvSpPr>
-        <p:spPr>
-          <a:xfrm>
-            <a:off x="7333815" y="6553200"/>
-            <a:ext cx="1810186" cy="276999"/>
-          </a:xfrm>
-        </p:spPr>
-        <p:txBody>
-          <a:bodyPr/>
-          <a:lstStyle/>
-          <a:p>
-            <a:r>
-              <a:rPr lang="en-US" dirty="0" smtClean="0"/>
-              <a:t>propositional algebra.</a:t>
-            </a:r>
-            <a:fld id="{3251DA95-B240-47FE-901D-B78FC8E8E532}" type="slidenum">
-              <a:rPr lang="en-US" smtClean="0"/>
-              <a:pPr/>
-              <a:t>5</a:t>
-            </a:fld>
-            <a:endParaRPr lang="en-US" dirty="0"/>
-          </a:p>
-        </p:txBody>
-      </p:sp>
-      <p:graphicFrame>
-        <p:nvGraphicFramePr>
-          <p:cNvPr id="6" name="Object 5"/>
-          <p:cNvGraphicFramePr>
-            <a:graphicFrameLocks noChangeAspect="1"/>
-          </p:cNvGraphicFramePr>
-          <p:nvPr>
-            <p:extLst>
-              <p:ext uri="{D42A27DB-BD31-4B8C-83A1-F6EECF244321}">
-                <p14:modId xmlns:p14="http://schemas.microsoft.com/office/powerpoint/2010/main" val="2631726815"/>
-              </p:ext>
-            </p:extLst>
-          </p:nvPr>
-        </p:nvGraphicFramePr>
-        <p:xfrm>
-          <a:off x="5397500" y="4064000"/>
-          <a:ext cx="139700" cy="215900"/>
-        </p:xfrm>
-        <a:graphic>
-          <a:graphicData uri="http://schemas.openxmlformats.org/presentationml/2006/ole">
-            <mc:AlternateContent xmlns:mc="http://schemas.openxmlformats.org/markup-compatibility/2006">
-              <mc:Choice xmlns:v="urn:schemas-microsoft-com:vml" Requires="v">
-                <p:oleObj spid="_x0000_s419994" name="Equation" r:id="rId4" imgW="139700" imgH="215900" progId="Equation.DSMT4">
-                  <p:embed/>
-                </p:oleObj>
-              </mc:Choice>
-              <mc:Fallback>
-                <p:oleObj name="Equation" r:id="rId4" imgW="139700" imgH="215900" progId="Equation.DSMT4">
-                  <p:embed/>
-                  <p:pic>
-                    <p:nvPicPr>
-                      <p:cNvPr id="0" name=""/>
-                      <p:cNvPicPr/>
-                      <p:nvPr/>
-                    </p:nvPicPr>
-                    <p:blipFill>
-                      <a:blip r:embed="rId5"/>
-                      <a:stretch>
-                        <a:fillRect/>
-                      </a:stretch>
-                    </p:blipFill>
-                    <p:spPr>
-                      <a:xfrm>
-                        <a:off x="5397500" y="4064000"/>
-                        <a:ext cx="139700" cy="215900"/>
-                      </a:xfrm>
-                      <a:prstGeom prst="rect">
-                        <a:avLst/>
-                      </a:prstGeom>
-                    </p:spPr>
-                  </p:pic>
-                </p:oleObj>
-              </mc:Fallback>
-            </mc:AlternateContent>
-          </a:graphicData>
-        </a:graphic>
-      </p:graphicFrame>
-      <p:graphicFrame>
-        <p:nvGraphicFramePr>
-          <p:cNvPr id="7" name="Object 6"/>
-          <p:cNvGraphicFramePr>
-            <a:graphicFrameLocks noChangeAspect="1"/>
-          </p:cNvGraphicFramePr>
-          <p:nvPr>
-            <p:extLst>
-              <p:ext uri="{D42A27DB-BD31-4B8C-83A1-F6EECF244321}">
-                <p14:modId xmlns:p14="http://schemas.microsoft.com/office/powerpoint/2010/main" val="2901576364"/>
-              </p:ext>
-            </p:extLst>
-          </p:nvPr>
-        </p:nvGraphicFramePr>
-        <p:xfrm>
-          <a:off x="481013" y="2393950"/>
-          <a:ext cx="7837487" cy="876300"/>
-        </p:xfrm>
-        <a:graphic>
-          <a:graphicData uri="http://schemas.openxmlformats.org/presentationml/2006/ole">
-            <mc:AlternateContent xmlns:mc="http://schemas.openxmlformats.org/markup-compatibility/2006">
-              <mc:Choice xmlns:v="urn:schemas-microsoft-com:vml" Requires="v">
-                <p:oleObj spid="_x0000_s419995" name="Equation" r:id="rId6" imgW="2044700" imgH="228600" progId="Equation.DSMT4">
-                  <p:embed/>
-                </p:oleObj>
-              </mc:Choice>
-              <mc:Fallback>
-                <p:oleObj name="Equation" r:id="rId6" imgW="2044700" imgH="228600" progId="Equation.DSMT4">
-                  <p:embed/>
-                  <p:pic>
-                    <p:nvPicPr>
-                      <p:cNvPr id="0" name=""/>
-                      <p:cNvPicPr/>
-                      <p:nvPr/>
-                    </p:nvPicPr>
-                    <p:blipFill>
-                      <a:blip r:embed="rId7"/>
-                      <a:stretch>
-                        <a:fillRect/>
-                      </a:stretch>
-                    </p:blipFill>
-                    <p:spPr>
-                      <a:xfrm>
-                        <a:off x="481013" y="2393950"/>
-                        <a:ext cx="7837487" cy="876300"/>
-                      </a:xfrm>
-                      <a:prstGeom prst="rect">
-                        <a:avLst/>
-                      </a:prstGeom>
-                    </p:spPr>
-                  </p:pic>
-                </p:oleObj>
-              </mc:Fallback>
-            </mc:AlternateContent>
-          </a:graphicData>
-        </a:graphic>
-      </p:graphicFrame>
-      <p:sp>
-        <p:nvSpPr>
-          <p:cNvPr id="8" name="TextBox 7"/>
-          <p:cNvSpPr txBox="1"/>
-          <p:nvPr/>
-        </p:nvSpPr>
-        <p:spPr>
-          <a:xfrm>
-            <a:off x="495300" y="5377576"/>
-            <a:ext cx="8204200" cy="923330"/>
-          </a:xfrm>
-          <a:prstGeom prst="rect">
-            <a:avLst/>
-          </a:prstGeom>
-          <a:noFill/>
-        </p:spPr>
-        <p:txBody>
-          <a:bodyPr wrap="square" rtlCol="0">
-            <a:spAutoFit/>
-          </a:bodyPr>
-          <a:lstStyle/>
-          <a:p>
-            <a:pPr algn="l"/>
-            <a:r>
-              <a:rPr lang="en-US" sz="5400" dirty="0" smtClean="0">
-                <a:latin typeface="Comic Sans MS" pitchFamily="66" charset="0"/>
-              </a:rPr>
-              <a:t>Just leaves </a:t>
-            </a:r>
-            <a:r>
-              <a:rPr lang="en-US" sz="4400" dirty="0" smtClean="0">
-                <a:solidFill>
-                  <a:srgbClr val="CCCCFF">
-                    <a:lumMod val="50000"/>
-                  </a:srgbClr>
-                </a:solidFill>
-                <a:latin typeface="Comic Sans MS" pitchFamily="66" charset="0"/>
-              </a:rPr>
-              <a:t>AND</a:t>
-            </a:r>
-            <a:r>
-              <a:rPr lang="en-US" sz="4400" dirty="0" smtClean="0">
-                <a:latin typeface="Comic Sans MS" pitchFamily="66" charset="0"/>
-              </a:rPr>
-              <a:t>,</a:t>
-            </a:r>
-            <a:r>
-              <a:rPr lang="en-US" sz="4400" dirty="0" smtClean="0">
-                <a:solidFill>
-                  <a:srgbClr val="CCCCFF">
-                    <a:lumMod val="50000"/>
-                  </a:srgbClr>
-                </a:solidFill>
-                <a:latin typeface="Comic Sans MS" pitchFamily="66" charset="0"/>
-              </a:rPr>
-              <a:t> OR</a:t>
-            </a:r>
-            <a:r>
-              <a:rPr lang="en-US" sz="4400" dirty="0" smtClean="0">
-                <a:solidFill>
-                  <a:srgbClr val="000000"/>
-                </a:solidFill>
-                <a:latin typeface="Comic Sans MS" pitchFamily="66" charset="0"/>
-              </a:rPr>
-              <a:t>,</a:t>
-            </a:r>
-            <a:r>
-              <a:rPr lang="en-US" sz="4400" dirty="0" smtClean="0">
-                <a:solidFill>
-                  <a:srgbClr val="CCCCFF">
-                    <a:lumMod val="50000"/>
-                  </a:srgbClr>
-                </a:solidFill>
-                <a:latin typeface="Comic Sans MS" pitchFamily="66" charset="0"/>
-              </a:rPr>
-              <a:t> NOT</a:t>
-            </a:r>
-            <a:endParaRPr lang="en-US" sz="4400" dirty="0" smtClean="0">
-              <a:latin typeface="Comic Sans MS" pitchFamily="66" charset="0"/>
-            </a:endParaRPr>
-          </a:p>
-        </p:txBody>
-      </p:sp>
-      <p:graphicFrame>
-        <p:nvGraphicFramePr>
-          <p:cNvPr id="10" name="Object 9"/>
-          <p:cNvGraphicFramePr>
-            <a:graphicFrameLocks noChangeAspect="1"/>
-          </p:cNvGraphicFramePr>
-          <p:nvPr>
-            <p:extLst>
-              <p:ext uri="{D42A27DB-BD31-4B8C-83A1-F6EECF244321}">
-                <p14:modId xmlns:p14="http://schemas.microsoft.com/office/powerpoint/2010/main" val="4006639958"/>
-              </p:ext>
-            </p:extLst>
-          </p:nvPr>
-        </p:nvGraphicFramePr>
-        <p:xfrm>
-          <a:off x="515144" y="3238500"/>
-          <a:ext cx="8275637" cy="1752600"/>
-        </p:xfrm>
-        <a:graphic>
-          <a:graphicData uri="http://schemas.openxmlformats.org/presentationml/2006/ole">
-            <mc:AlternateContent xmlns:mc="http://schemas.openxmlformats.org/markup-compatibility/2006">
-              <mc:Choice xmlns:v="urn:schemas-microsoft-com:vml" Requires="v">
-                <p:oleObj spid="_x0000_s419996" name="Equation" r:id="rId8" imgW="2159000" imgH="457200" progId="Equation.DSMT4">
-                  <p:embed/>
-                </p:oleObj>
-              </mc:Choice>
-              <mc:Fallback>
-                <p:oleObj name="Equation" r:id="rId8" imgW="2159000" imgH="457200" progId="Equation.DSMT4">
-                  <p:embed/>
-                  <p:pic>
-                    <p:nvPicPr>
-                      <p:cNvPr id="0" name=""/>
-                      <p:cNvPicPr/>
-                      <p:nvPr/>
-                    </p:nvPicPr>
-                    <p:blipFill>
-                      <a:blip r:embed="rId9"/>
-                      <a:stretch>
-                        <a:fillRect/>
-                      </a:stretch>
-                    </p:blipFill>
-                    <p:spPr>
-                      <a:xfrm>
-                        <a:off x="515144" y="3238500"/>
-                        <a:ext cx="8275637" cy="1752600"/>
-                      </a:xfrm>
-                      <a:prstGeom prst="rect">
-                        <a:avLst/>
-                      </a:prstGeom>
-                    </p:spPr>
-                  </p:pic>
-                </p:oleObj>
-              </mc:Fallback>
-            </mc:AlternateContent>
-          </a:graphicData>
-        </a:graphic>
-      </p:graphicFrame>
-    </p:spTree>
-    <p:extLst>
-      <p:ext uri="{BB962C8B-B14F-4D97-AF65-F5344CB8AC3E}">
-        <p14:creationId xmlns:p14="http://schemas.microsoft.com/office/powerpoint/2010/main" val="427619550"/>
-      </p:ext>
-    </p:extLst>
-  </p:cSld>
-  <p:clrMapOvr>
-    <a:masterClrMapping/>
-  </p:clrMapOvr>
-  <p:transition xmlns:p14="http://schemas.microsoft.com/office/powerpoint/2010/main" spd="slow" advClick="0">
-    <p:fade/>
-  </p:transition>
-  <p:timing>
-    <p:tnLst>
-      <p:par>
-        <p:cTn xmlns:p14="http://schemas.microsoft.com/office/powerpoint/2010/main" id="1" dur="indefinite" restart="never" nodeType="tmRoot">
-          <p:childTnLst>
-            <p:seq concurrent="1" nextAc="seek">
-              <p:cTn id="2" dur="indefinite" nodeType="mainSeq">
-                <p:childTnLst>
-                  <p:par>
-                    <p:cTn id="3" fill="hold">
-                      <p:stCondLst>
-                        <p:cond delay="indefinite"/>
-                      </p:stCondLst>
-                      <p:childTnLst>
-                        <p:par>
-                          <p:cTn id="4" fill="hold">
-                            <p:stCondLst>
-                              <p:cond delay="0"/>
-                            </p:stCondLst>
-                            <p:childTnLst>
-                              <p:par>
-                                <p:cTn id="5" presetID="22" presetClass="entr" presetSubtype="8" fill="hold" nodeType="clickEffect">
-                                  <p:stCondLst>
-                                    <p:cond delay="0"/>
-                                  </p:stCondLst>
-                                  <p:childTnLst>
-                                    <p:set>
-                                      <p:cBhvr>
-                                        <p:cTn id="6" dur="1" fill="hold">
-                                          <p:stCondLst>
-                                            <p:cond delay="0"/>
-                                          </p:stCondLst>
-                                        </p:cTn>
-                                        <p:tgtEl>
-                                          <p:spTgt spid="7"/>
-                                        </p:tgtEl>
-                                        <p:attrNameLst>
-                                          <p:attrName>style.visibility</p:attrName>
-                                        </p:attrNameLst>
-                                      </p:cBhvr>
-                                      <p:to>
-                                        <p:strVal val="visible"/>
-                                      </p:to>
-                                    </p:set>
-                                    <p:animEffect transition="in" filter="wipe(left)">
-                                      <p:cBhvr>
-                                        <p:cTn id="7" dur="1000"/>
-                                        <p:tgtEl>
-                                          <p:spTgt spid="7"/>
-                                        </p:tgtEl>
-                                      </p:cBhvr>
-                                    </p:animEffect>
-                                  </p:childTnLst>
-                                </p:cTn>
-                              </p:par>
-                            </p:childTnLst>
-                          </p:cTn>
-                        </p:par>
-                      </p:childTnLst>
-                    </p:cTn>
-                  </p:par>
-                  <p:par>
-                    <p:cTn id="8" fill="hold">
-                      <p:stCondLst>
-                        <p:cond delay="indefinite"/>
-                      </p:stCondLst>
-                      <p:childTnLst>
-                        <p:par>
-                          <p:cTn id="9" fill="hold">
-                            <p:stCondLst>
-                              <p:cond delay="0"/>
-                            </p:stCondLst>
-                            <p:childTnLst>
-                              <p:par>
-                                <p:cTn id="10" presetID="22" presetClass="entr" presetSubtype="8" fill="hold" nodeType="clickEffect">
-                                  <p:stCondLst>
-                                    <p:cond delay="0"/>
-                                  </p:stCondLst>
-                                  <p:childTnLst>
-                                    <p:set>
-                                      <p:cBhvr>
-                                        <p:cTn id="11" dur="1" fill="hold">
-                                          <p:stCondLst>
-                                            <p:cond delay="0"/>
-                                          </p:stCondLst>
-                                        </p:cTn>
-                                        <p:tgtEl>
-                                          <p:spTgt spid="10"/>
-                                        </p:tgtEl>
-                                        <p:attrNameLst>
-                                          <p:attrName>style.visibility</p:attrName>
-                                        </p:attrNameLst>
-                                      </p:cBhvr>
-                                      <p:to>
-                                        <p:strVal val="visible"/>
-                                      </p:to>
-                                    </p:set>
-                                    <p:animEffect transition="in" filter="wipe(left)">
-                                      <p:cBhvr>
-                                        <p:cTn id="12" dur="1000"/>
-                                        <p:tgtEl>
-                                          <p:spTgt spid="10"/>
-                                        </p:tgtEl>
-                                      </p:cBhvr>
-                                    </p:animEffect>
-                                  </p:childTnLst>
-                                </p:cTn>
-                              </p:par>
-                            </p:childTnLst>
-                          </p:cTn>
-                        </p:par>
-                      </p:childTnLst>
-                    </p:cTn>
-                  </p:par>
-                  <p:par>
-                    <p:cTn id="13" fill="hold">
-                      <p:stCondLst>
-                        <p:cond delay="indefinite"/>
-                      </p:stCondLst>
-                      <p:childTnLst>
-                        <p:par>
-                          <p:cTn id="14" fill="hold">
-                            <p:stCondLst>
-                              <p:cond delay="0"/>
-                            </p:stCondLst>
-                            <p:childTnLst>
-                              <p:par>
-                                <p:cTn id="15" presetID="10" presetClass="entr" presetSubtype="0" fill="hold" grpId="0" nodeType="clickEffect">
-                                  <p:stCondLst>
-                                    <p:cond delay="0"/>
-                                  </p:stCondLst>
-                                  <p:childTnLst>
-                                    <p:set>
-                                      <p:cBhvr>
-                                        <p:cTn id="16" dur="1" fill="hold">
-                                          <p:stCondLst>
-                                            <p:cond delay="0"/>
-                                          </p:stCondLst>
-                                        </p:cTn>
-                                        <p:tgtEl>
-                                          <p:spTgt spid="8"/>
-                                        </p:tgtEl>
-                                        <p:attrNameLst>
-                                          <p:attrName>style.visibility</p:attrName>
-                                        </p:attrNameLst>
-                                      </p:cBhvr>
-                                      <p:to>
-                                        <p:strVal val="visible"/>
-                                      </p:to>
-                                    </p:set>
-                                    <p:animEffect transition="in" filter="fade">
-                                      <p:cBhvr>
-                                        <p:cTn id="17" dur="1000"/>
-                                        <p:tgtEl>
-                                          <p:spTgt spid="8"/>
-                                        </p:tgtEl>
-                                      </p:cBhvr>
-                                    </p:animEffect>
-                                  </p:childTnLst>
-                                </p:cTn>
-                              </p:par>
-                            </p:childTnLst>
-                          </p:cTn>
-                        </p:par>
-                      </p:childTnLst>
-                    </p:cTn>
-                  </p:par>
-                </p:childTnLst>
-              </p:cTn>
-              <p:prevCondLst>
-                <p:cond evt="onPrev" delay="0">
-                  <p:tgtEl>
-                    <p:sldTgt/>
-                  </p:tgtEl>
-                </p:cond>
-              </p:prevCondLst>
-              <p:nextCondLst>
-                <p:cond evt="onNext" delay="0">
-                  <p:tgtEl>
-                    <p:sldTgt/>
-                  </p:tgtEl>
-                </p:cond>
-              </p:nextCondLst>
-            </p:seq>
-          </p:childTnLst>
-        </p:cTn>
-      </p:par>
-    </p:tnLst>
-    <p:bldLst>
-      <p:bldP spid="8" grpId="0"/>
-    </p:bldLst>
-  </p:timing>
-</p:sld>
-</file>
-
-<file path=ppt/slides/slide50.xml><?xml version="1.0" encoding="utf-8"?>
-<p:sld xmlns:a="http://schemas.openxmlformats.org/drawingml/2006/main" xmlns:r="http://schemas.openxmlformats.org/officeDocument/2006/relationships" xmlns:p="http://schemas.openxmlformats.org/presentationml/2006/main">
-  <p:cSld>
-    <p:spTree>
-      <p:nvGrpSpPr>
-        <p:cNvPr id="1" name=""/>
-        <p:cNvGrpSpPr/>
-        <p:nvPr/>
-      </p:nvGrpSpPr>
-      <p:grpSpPr>
-        <a:xfrm>
-          <a:off x="0" y="0"/>
-          <a:ext cx="0" cy="0"/>
-          <a:chOff x="0" y="0"/>
-          <a:chExt cx="0" cy="0"/>
-        </a:xfrm>
-      </p:grpSpPr>
-      <p:sp>
-        <p:nvSpPr>
-          <p:cNvPr id="5" name="TextBox 4"/>
-          <p:cNvSpPr txBox="1"/>
-          <p:nvPr/>
-        </p:nvSpPr>
-        <p:spPr>
-          <a:xfrm>
-            <a:off x="627063" y="1308100"/>
-            <a:ext cx="7970837" cy="5078313"/>
-          </a:xfrm>
-          <a:prstGeom prst="rect">
-            <a:avLst/>
-          </a:prstGeom>
-          <a:noFill/>
-        </p:spPr>
-        <p:txBody>
-          <a:bodyPr wrap="square" rtlCol="0">
-            <a:spAutoFit/>
-          </a:bodyPr>
-          <a:lstStyle/>
-          <a:p>
-            <a:pPr algn="l"/>
-            <a:r>
-              <a:rPr lang="en-US" sz="5400" dirty="0" smtClean="0">
-                <a:latin typeface="Comic Sans MS" pitchFamily="66" charset="0"/>
-              </a:rPr>
-              <a:t>Algebraic proofs in general don’t beat truth tables. </a:t>
-            </a:r>
-            <a:r>
-              <a:rPr lang="en-US" sz="5400" dirty="0" smtClean="0">
-                <a:latin typeface="Comic Sans MS" pitchFamily="66" charset="0"/>
-              </a:rPr>
-              <a:t> The </a:t>
-            </a:r>
-            <a:r>
-              <a:rPr lang="en-US" sz="5400" dirty="0" smtClean="0">
-                <a:solidFill>
-                  <a:schemeClr val="accent1">
-                    <a:lumMod val="50000"/>
-                  </a:schemeClr>
-                </a:solidFill>
-                <a:latin typeface="Comic Sans MS" pitchFamily="66" charset="0"/>
-              </a:rPr>
-              <a:t>DNF</a:t>
-            </a:r>
-            <a:r>
-              <a:rPr lang="en-US" sz="5400" dirty="0" smtClean="0">
-                <a:latin typeface="Comic Sans MS" pitchFamily="66" charset="0"/>
-              </a:rPr>
-              <a:t> is just </a:t>
-            </a:r>
-            <a:r>
-              <a:rPr lang="en-US" sz="5400" dirty="0" smtClean="0">
-                <a:latin typeface="Comic Sans MS" pitchFamily="66" charset="0"/>
-              </a:rPr>
-              <a:t>a </a:t>
-            </a:r>
-            <a:r>
-              <a:rPr lang="en-US" sz="5400" dirty="0" smtClean="0">
-                <a:solidFill>
-                  <a:srgbClr val="FF03E3"/>
-                </a:solidFill>
-                <a:latin typeface="Comic Sans MS" pitchFamily="66" charset="0"/>
-              </a:rPr>
-              <a:t>copy </a:t>
-            </a:r>
-            <a:r>
-              <a:rPr lang="en-US" sz="5400" dirty="0" smtClean="0">
-                <a:solidFill>
-                  <a:srgbClr val="FF03E3"/>
-                </a:solidFill>
-                <a:latin typeface="Comic Sans MS" pitchFamily="66" charset="0"/>
-              </a:rPr>
-              <a:t>of </a:t>
-            </a:r>
-            <a:r>
-              <a:rPr lang="en-US" sz="5400" dirty="0" smtClean="0">
-                <a:solidFill>
-                  <a:srgbClr val="FF03E3"/>
-                </a:solidFill>
-                <a:latin typeface="Comic Sans MS" pitchFamily="66" charset="0"/>
-              </a:rPr>
-              <a:t>the truth table</a:t>
-            </a:r>
-            <a:r>
-              <a:rPr lang="en-US" sz="5400" dirty="0" smtClean="0">
-                <a:latin typeface="Comic Sans MS" pitchFamily="66" charset="0"/>
-              </a:rPr>
-              <a:t> </a:t>
-            </a:r>
-            <a:r>
-              <a:rPr lang="en-US" sz="5400" dirty="0" smtClean="0">
-                <a:latin typeface="Comic Sans MS" pitchFamily="66" charset="0"/>
-              </a:rPr>
-              <a:t>as an </a:t>
-            </a:r>
-            <a:r>
-              <a:rPr lang="en-US" sz="5400" dirty="0">
-                <a:solidFill>
-                  <a:schemeClr val="tx2"/>
-                </a:solidFill>
-                <a:latin typeface="Comic Sans MS" pitchFamily="66" charset="0"/>
-              </a:rPr>
-              <a:t>algebraic </a:t>
-            </a:r>
-            <a:r>
-              <a:rPr lang="en-US" sz="5400" dirty="0" smtClean="0">
-                <a:solidFill>
-                  <a:schemeClr val="tx2"/>
-                </a:solidFill>
-                <a:latin typeface="Comic Sans MS" pitchFamily="66" charset="0"/>
-              </a:rPr>
-              <a:t>formula.</a:t>
-            </a:r>
-            <a:endParaRPr lang="en-US" sz="5400" dirty="0">
-              <a:solidFill>
-                <a:schemeClr val="tx2"/>
-              </a:solidFill>
-              <a:latin typeface="Comic Sans MS" pitchFamily="66" charset="0"/>
-            </a:endParaRPr>
-          </a:p>
-        </p:txBody>
-      </p:sp>
-      <p:sp>
-        <p:nvSpPr>
-          <p:cNvPr id="6" name="Slide Number Placeholder 2"/>
-          <p:cNvSpPr>
-            <a:spLocks noGrp="1"/>
-          </p:cNvSpPr>
-          <p:nvPr>
-            <p:ph type="sldNum" sz="quarter" idx="10"/>
-          </p:nvPr>
-        </p:nvSpPr>
-        <p:spPr>
-          <a:xfrm>
-            <a:off x="7333815" y="6553200"/>
-            <a:ext cx="1810186" cy="276999"/>
-          </a:xfrm>
-        </p:spPr>
-        <p:txBody>
-          <a:bodyPr/>
-          <a:lstStyle/>
-          <a:p>
-            <a:r>
-              <a:rPr lang="en-US" dirty="0" smtClean="0"/>
-              <a:t>propositional algebra.</a:t>
-            </a:r>
-            <a:fld id="{3251DA95-B240-47FE-901D-B78FC8E8E532}" type="slidenum">
-              <a:rPr lang="en-US" smtClean="0"/>
-              <a:pPr/>
-              <a:t>50</a:t>
-            </a:fld>
-            <a:endParaRPr lang="en-US" dirty="0"/>
-          </a:p>
-        </p:txBody>
-      </p:sp>
-      <p:sp>
-        <p:nvSpPr>
-          <p:cNvPr id="7" name="Title 1"/>
-          <p:cNvSpPr>
-            <a:spLocks noGrp="1"/>
-          </p:cNvSpPr>
-          <p:nvPr>
-            <p:ph type="title"/>
-          </p:nvPr>
-        </p:nvSpPr>
-        <p:spPr>
-          <a:xfrm>
-            <a:off x="2049478" y="325438"/>
-            <a:ext cx="6227298" cy="1058862"/>
-          </a:xfrm>
-        </p:spPr>
-        <p:txBody>
-          <a:bodyPr/>
-          <a:lstStyle/>
-          <a:p>
-            <a:r>
-              <a:rPr lang="en-US" sz="3600" dirty="0" smtClean="0"/>
-              <a:t>Validity Checking still hard</a:t>
-            </a:r>
-            <a:endParaRPr lang="en-US" sz="3600" dirty="0"/>
-          </a:p>
-        </p:txBody>
-      </p:sp>
-    </p:spTree>
-    <p:extLst>
-      <p:ext uri="{BB962C8B-B14F-4D97-AF65-F5344CB8AC3E}">
-        <p14:creationId xmlns:p14="http://schemas.microsoft.com/office/powerpoint/2010/main" val="2742694273"/>
-      </p:ext>
-    </p:extLst>
-  </p:cSld>
-  <p:clrMapOvr>
-    <a:masterClrMapping/>
-  </p:clrMapOvr>
-  <mc:AlternateContent xmlns:mc="http://schemas.openxmlformats.org/markup-compatibility/2006" xmlns:p14="http://schemas.microsoft.com/office/powerpoint/2010/main">
-    <mc:Choice Requires="p14">
-      <p:transition spd="med" p14:dur="700" advClick="0">
-        <p:fade/>
-      </p:transition>
-    </mc:Choice>
-    <mc:Fallback xmlns="">
-      <p:transition xmlns:p14="http://schemas.microsoft.com/office/powerpoint/2010/main" spd="med" advClick="0">
-        <p:fade/>
-      </p:transition>
-    </mc:Fallback>
-  </mc:AlternateContent>
-  <p:timing>
-    <p:tnLst>
-      <p:par>
-        <p:cTn xmlns:p14="http://schemas.microsoft.com/office/powerpoint/2010/main" id="1" dur="indefinite" restart="never" nodeType="tmRoot"/>
-      </p:par>
-    </p:tnLst>
   </p:timing>
 </p:sld>
 </file>
@@ -23539,7 +23438,7 @@
         <p:spPr>
           <a:xfrm>
             <a:off x="627063" y="1308100"/>
-            <a:ext cx="7970837" cy="5078313"/>
+            <a:ext cx="7970837" cy="4247317"/>
           </a:xfrm>
           <a:prstGeom prst="rect">
             <a:avLst/>
@@ -23590,7 +23489,16 @@
                 </a:solidFill>
                 <a:latin typeface="Comic Sans MS" pitchFamily="66" charset="0"/>
               </a:rPr>
-              <a:t> for verifying </a:t>
+              <a:t> </a:t>
+            </a:r>
+            <a:r>
+              <a:rPr lang="en-US" sz="5400" dirty="0" smtClean="0">
+                <a:solidFill>
+                  <a:srgbClr val="0000F1"/>
+                </a:solidFill>
+                <a:latin typeface="Comic Sans MS" pitchFamily="66" charset="0"/>
+              </a:rPr>
+              <a:t>known for </a:t>
             </a:r>
             <a:r>
               <a:rPr lang="en-US" sz="5400" dirty="0" smtClean="0">
@@ -23602,34 +23510,22 @@
               <a:t>equivalence </a:t>
             </a:r>
             <a:r>
+              <a:rPr lang="en-US" sz="5400" dirty="0" smtClean="0">
+                <a:solidFill>
+                  <a:srgbClr val="0000F1"/>
+                </a:solidFill>
+                <a:latin typeface="Comic Sans MS" pitchFamily="66" charset="0"/>
+              </a:rPr>
+              <a:t>or </a:t>
+            </a:r>
+            <a:r>
               <a:rPr lang="en-US" sz="5400" smtClean="0">
                 <a:solidFill>
                   <a:srgbClr val="0000F1"/>
                 </a:solidFill>
                 <a:latin typeface="Comic Sans MS" pitchFamily="66" charset="0"/>
               </a:rPr>
-              <a:t>or validity</a:t>
-            </a:r>
-          </a:p>
-          <a:p>
-            <a:pPr algn="l"/>
-            <a:r>
-              <a:rPr lang="en-US" sz="5400" smtClean="0">
-                <a:solidFill>
-                  <a:srgbClr val="0000F1"/>
-                </a:solidFill>
-                <a:latin typeface="Comic Sans MS" pitchFamily="66" charset="0"/>
-              </a:rPr>
-              <a:t>is </a:t>
-            </a:r>
-            <a:r>
-              <a:rPr lang="en-US" sz="5400" dirty="0" smtClean="0">
-                <a:solidFill>
-                  <a:srgbClr val="0000F1"/>
-                </a:solidFill>
-                <a:latin typeface="Comic Sans MS" pitchFamily="66" charset="0"/>
-              </a:rPr>
-              <a:t>known.</a:t>
+              <a:t>validity. </a:t>
             </a:r>
             <a:endParaRPr lang="en-US" sz="5400" dirty="0">
               <a:solidFill>
@@ -24215,7 +24111,7 @@
           <a:graphicData uri="http://schemas.openxmlformats.org/presentationml/2006/ole">
             <mc:AlternateContent xmlns:mc="http://schemas.openxmlformats.org/markup-compatibility/2006">
               <mc:Choice xmlns:v="urn:schemas-microsoft-com:vml" Requires="v">
-                <p:oleObj spid="_x0000_s422963" name="Equation" r:id="rId4" imgW="1498600" imgH="457200" progId="Equation.DSMT4">
+                <p:oleObj spid="_x0000_s422967" name="Equation" r:id="rId4" imgW="1498600" imgH="457200" progId="Equation.DSMT4">
                   <p:embed/>
                 </p:oleObj>
               </mc:Choice>
@@ -24260,9 +24156,18 @@
   <p:clrMapOvr>
     <a:masterClrMapping/>
   </p:clrMapOvr>
-  <p:transition xmlns:p14="http://schemas.microsoft.com/office/powerpoint/2010/main" spd="slow" advClick="0">
-    <p:fade thruBlk="1"/>
-  </p:transition>
+  <mc:AlternateContent xmlns:mc="http://schemas.openxmlformats.org/markup-compatibility/2006">
+    <mc:Choice xmlns:p14="http://schemas.microsoft.com/office/powerpoint/2010/main" Requires="p14">
+      <p:transition spd="med" p14:dur="700" advClick="0">
+        <p:fade/>
+      </p:transition>
+    </mc:Choice>
+    <mc:Fallback>
+      <p:transition xmlns:p14="http://schemas.microsoft.com/office/powerpoint/2010/main" spd="med" advClick="0">
+        <p:fade/>
+      </p:transition>
+    </mc:Fallback>
+  </mc:AlternateContent>
   <p:timing>
     <p:tnLst>
       <p:par>
@@ -24449,7 +24354,7 @@
           <a:graphicData uri="http://schemas.openxmlformats.org/presentationml/2006/ole">
             <mc:AlternateContent xmlns:mc="http://schemas.openxmlformats.org/markup-compatibility/2006">
               <mc:Choice xmlns:v="urn:schemas-microsoft-com:vml" Requires="v">
-                <p:oleObj spid="_x0000_s421939" name="Equation" r:id="rId4" imgW="1600200" imgH="457200" progId="Equation.DSMT4">
+                <p:oleObj spid="_x0000_s421943" name="Equation" r:id="rId4" imgW="1600200" imgH="457200" progId="Equation.DSMT4">
                   <p:embed/>
                 </p:oleObj>
               </mc:Choice>
@@ -24743,7 +24648,7 @@
           <a:graphicData uri="http://schemas.openxmlformats.org/presentationml/2006/ole">
             <mc:AlternateContent xmlns:mc="http://schemas.openxmlformats.org/markup-compatibility/2006">
               <mc:Choice xmlns:v="urn:schemas-microsoft-com:vml" Requires="v">
-                <p:oleObj spid="_x0000_s418911" name="Equation" r:id="rId4" imgW="1866900" imgH="457200" progId="Equation.DSMT4">
+                <p:oleObj spid="_x0000_s418915" name="Equation" r:id="rId4" imgW="1866900" imgH="457200" progId="Equation.DSMT4">
                   <p:embed/>
                 </p:oleObj>
               </mc:Choice>
@@ -25027,7 +24932,7 @@
           <a:graphicData uri="http://schemas.openxmlformats.org/presentationml/2006/ole">
             <mc:AlternateContent xmlns:mc="http://schemas.openxmlformats.org/markup-compatibility/2006">
               <mc:Choice xmlns:v="urn:schemas-microsoft-com:vml" Requires="v">
-                <p:oleObj spid="_x0000_s431141" name="Equation" r:id="rId4" imgW="1790700" imgH="457200" progId="Equation.DSMT4">
+                <p:oleObj spid="_x0000_s431145" name="Equation" r:id="rId4" imgW="1790700" imgH="457200" progId="Equation.DSMT4">
                   <p:embed/>
                 </p:oleObj>
               </mc:Choice>

--- a/spring18/slidesS18/prpostn_algebra.pptx
+++ b/spring18/slidesS18/prpostn_algebra.pptx
@@ -6,10 +6,10 @@
     <p:sldMasterId id="2147483651" r:id="rId2"/>
   </p:sldMasterIdLst>
   <p:notesMasterIdLst>
-    <p:notesMasterId r:id="rId55"/>
+    <p:notesMasterId r:id="rId52"/>
   </p:notesMasterIdLst>
   <p:handoutMasterIdLst>
-    <p:handoutMasterId r:id="rId56"/>
+    <p:handoutMasterId r:id="rId53"/>
   </p:handoutMasterIdLst>
   <p:sldIdLst>
     <p:sldId id="392" r:id="rId3"/>
@@ -43,32 +43,29 @@
     <p:sldId id="556" r:id="rId31"/>
     <p:sldId id="522" r:id="rId32"/>
     <p:sldId id="525" r:id="rId33"/>
-    <p:sldId id="546" r:id="rId34"/>
-    <p:sldId id="547" r:id="rId35"/>
-    <p:sldId id="548" r:id="rId36"/>
-    <p:sldId id="550" r:id="rId37"/>
-    <p:sldId id="535" r:id="rId38"/>
-    <p:sldId id="551" r:id="rId39"/>
-    <p:sldId id="558" r:id="rId40"/>
-    <p:sldId id="560" r:id="rId41"/>
-    <p:sldId id="552" r:id="rId42"/>
-    <p:sldId id="553" r:id="rId43"/>
-    <p:sldId id="554" r:id="rId44"/>
-    <p:sldId id="555" r:id="rId45"/>
-    <p:sldId id="557" r:id="rId46"/>
-    <p:sldId id="531" r:id="rId47"/>
-    <p:sldId id="536" r:id="rId48"/>
-    <p:sldId id="537" r:id="rId49"/>
-    <p:sldId id="538" r:id="rId50"/>
-    <p:sldId id="503" r:id="rId51"/>
-    <p:sldId id="523" r:id="rId52"/>
-    <p:sldId id="504" r:id="rId53"/>
-    <p:sldId id="501" r:id="rId54"/>
+    <p:sldId id="547" r:id="rId34"/>
+    <p:sldId id="548" r:id="rId35"/>
+    <p:sldId id="550" r:id="rId36"/>
+    <p:sldId id="535" r:id="rId37"/>
+    <p:sldId id="551" r:id="rId38"/>
+    <p:sldId id="558" r:id="rId39"/>
+    <p:sldId id="560" r:id="rId40"/>
+    <p:sldId id="553" r:id="rId41"/>
+    <p:sldId id="554" r:id="rId42"/>
+    <p:sldId id="555" r:id="rId43"/>
+    <p:sldId id="557" r:id="rId44"/>
+    <p:sldId id="531" r:id="rId45"/>
+    <p:sldId id="536" r:id="rId46"/>
+    <p:sldId id="537" r:id="rId47"/>
+    <p:sldId id="538" r:id="rId48"/>
+    <p:sldId id="503" r:id="rId49"/>
+    <p:sldId id="523" r:id="rId50"/>
+    <p:sldId id="504" r:id="rId51"/>
   </p:sldIdLst>
   <p:sldSz cx="9144000" cy="6858000" type="screen4x3"/>
   <p:notesSz cx="9601200" cy="7315200"/>
   <p:custDataLst>
-    <p:tags r:id="rId58"/>
+    <p:tags r:id="rId55"/>
   </p:custDataLst>
   <p:defaultTextStyle>
     <a:defPPr>
@@ -4402,88 +4399,6 @@
 </p:notes>
 </file>
 
-<file path=ppt/notesSlides/notesSlide49.xml><?xml version="1.0" encoding="utf-8"?>
-<p:notes xmlns:a="http://schemas.openxmlformats.org/drawingml/2006/main" xmlns:r="http://schemas.openxmlformats.org/officeDocument/2006/relationships" xmlns:p="http://schemas.openxmlformats.org/presentationml/2006/main">
-  <p:cSld>
-    <p:spTree>
-      <p:nvGrpSpPr>
-        <p:cNvPr id="1" name=""/>
-        <p:cNvGrpSpPr/>
-        <p:nvPr/>
-      </p:nvGrpSpPr>
-      <p:grpSpPr>
-        <a:xfrm>
-          <a:off x="0" y="0"/>
-          <a:ext cx="0" cy="0"/>
-          <a:chOff x="0" y="0"/>
-          <a:chExt cx="0" cy="0"/>
-        </a:xfrm>
-      </p:grpSpPr>
-      <p:sp>
-        <p:nvSpPr>
-          <p:cNvPr id="2" name="Slide Image Placeholder 1"/>
-          <p:cNvSpPr>
-            <a:spLocks noGrp="1" noRot="1" noChangeAspect="1"/>
-          </p:cNvSpPr>
-          <p:nvPr>
-            <p:ph type="sldImg"/>
-          </p:nvPr>
-        </p:nvSpPr>
-        <p:spPr/>
-      </p:sp>
-      <p:sp>
-        <p:nvSpPr>
-          <p:cNvPr id="3" name="Notes Placeholder 2"/>
-          <p:cNvSpPr>
-            <a:spLocks noGrp="1"/>
-          </p:cNvSpPr>
-          <p:nvPr>
-            <p:ph type="body" idx="1"/>
-          </p:nvPr>
-        </p:nvSpPr>
-        <p:spPr/>
-        <p:txBody>
-          <a:bodyPr>
-            <a:normAutofit/>
-          </a:bodyPr>
-          <a:lstStyle/>
-          <a:p>
-            <a:endParaRPr lang="en-US"/>
-          </a:p>
-        </p:txBody>
-      </p:sp>
-      <p:sp>
-        <p:nvSpPr>
-          <p:cNvPr id="4" name="Slide Number Placeholder 3"/>
-          <p:cNvSpPr>
-            <a:spLocks noGrp="1"/>
-          </p:cNvSpPr>
-          <p:nvPr>
-            <p:ph type="sldNum" sz="quarter" idx="10"/>
-          </p:nvPr>
-        </p:nvSpPr>
-        <p:spPr/>
-        <p:txBody>
-          <a:bodyPr/>
-          <a:lstStyle/>
-          <a:p>
-            <a:fld id="{A02B9F3F-3042-489F-AF35-1A733968F079}" type="slidenum">
-              <a:rPr lang="en-US" smtClean="0"/>
-              <a:pPr/>
-              <a:t>50</a:t>
-            </a:fld>
-            <a:endParaRPr lang="en-US"/>
-          </a:p>
-        </p:txBody>
-      </p:sp>
-    </p:spTree>
-  </p:cSld>
-  <p:clrMapOvr>
-    <a:masterClrMapping/>
-  </p:clrMapOvr>
-</p:notes>
-</file>
-
 <file path=ppt/notesSlides/notesSlide5.xml><?xml version="1.0" encoding="utf-8"?>
 <p:notes xmlns:a="http://schemas.openxmlformats.org/drawingml/2006/main" xmlns:r="http://schemas.openxmlformats.org/officeDocument/2006/relationships" xmlns:p="http://schemas.openxmlformats.org/presentationml/2006/main">
   <p:cSld>
@@ -4553,170 +4468,6 @@
               <a:rPr lang="en-US" smtClean="0"/>
               <a:pPr/>
               <a:t>6</a:t>
-            </a:fld>
-            <a:endParaRPr lang="en-US"/>
-          </a:p>
-        </p:txBody>
-      </p:sp>
-    </p:spTree>
-  </p:cSld>
-  <p:clrMapOvr>
-    <a:masterClrMapping/>
-  </p:clrMapOvr>
-</p:notes>
-</file>
-
-<file path=ppt/notesSlides/notesSlide50.xml><?xml version="1.0" encoding="utf-8"?>
-<p:notes xmlns:a="http://schemas.openxmlformats.org/drawingml/2006/main" xmlns:r="http://schemas.openxmlformats.org/officeDocument/2006/relationships" xmlns:p="http://schemas.openxmlformats.org/presentationml/2006/main">
-  <p:cSld>
-    <p:spTree>
-      <p:nvGrpSpPr>
-        <p:cNvPr id="1" name=""/>
-        <p:cNvGrpSpPr/>
-        <p:nvPr/>
-      </p:nvGrpSpPr>
-      <p:grpSpPr>
-        <a:xfrm>
-          <a:off x="0" y="0"/>
-          <a:ext cx="0" cy="0"/>
-          <a:chOff x="0" y="0"/>
-          <a:chExt cx="0" cy="0"/>
-        </a:xfrm>
-      </p:grpSpPr>
-      <p:sp>
-        <p:nvSpPr>
-          <p:cNvPr id="2" name="Slide Image Placeholder 1"/>
-          <p:cNvSpPr>
-            <a:spLocks noGrp="1" noRot="1" noChangeAspect="1"/>
-          </p:cNvSpPr>
-          <p:nvPr>
-            <p:ph type="sldImg"/>
-          </p:nvPr>
-        </p:nvSpPr>
-        <p:spPr/>
-      </p:sp>
-      <p:sp>
-        <p:nvSpPr>
-          <p:cNvPr id="3" name="Notes Placeholder 2"/>
-          <p:cNvSpPr>
-            <a:spLocks noGrp="1"/>
-          </p:cNvSpPr>
-          <p:nvPr>
-            <p:ph type="body" idx="1"/>
-          </p:nvPr>
-        </p:nvSpPr>
-        <p:spPr/>
-        <p:txBody>
-          <a:bodyPr>
-            <a:normAutofit/>
-          </a:bodyPr>
-          <a:lstStyle/>
-          <a:p>
-            <a:endParaRPr lang="en-US"/>
-          </a:p>
-        </p:txBody>
-      </p:sp>
-      <p:sp>
-        <p:nvSpPr>
-          <p:cNvPr id="4" name="Slide Number Placeholder 3"/>
-          <p:cNvSpPr>
-            <a:spLocks noGrp="1"/>
-          </p:cNvSpPr>
-          <p:nvPr>
-            <p:ph type="sldNum" sz="quarter" idx="10"/>
-          </p:nvPr>
-        </p:nvSpPr>
-        <p:spPr/>
-        <p:txBody>
-          <a:bodyPr/>
-          <a:lstStyle/>
-          <a:p>
-            <a:fld id="{A02B9F3F-3042-489F-AF35-1A733968F079}" type="slidenum">
-              <a:rPr lang="en-US" smtClean="0"/>
-              <a:pPr/>
-              <a:t>51</a:t>
-            </a:fld>
-            <a:endParaRPr lang="en-US"/>
-          </a:p>
-        </p:txBody>
-      </p:sp>
-    </p:spTree>
-  </p:cSld>
-  <p:clrMapOvr>
-    <a:masterClrMapping/>
-  </p:clrMapOvr>
-</p:notes>
-</file>
-
-<file path=ppt/notesSlides/notesSlide51.xml><?xml version="1.0" encoding="utf-8"?>
-<p:notes xmlns:a="http://schemas.openxmlformats.org/drawingml/2006/main" xmlns:r="http://schemas.openxmlformats.org/officeDocument/2006/relationships" xmlns:p="http://schemas.openxmlformats.org/presentationml/2006/main">
-  <p:cSld>
-    <p:spTree>
-      <p:nvGrpSpPr>
-        <p:cNvPr id="1" name=""/>
-        <p:cNvGrpSpPr/>
-        <p:nvPr/>
-      </p:nvGrpSpPr>
-      <p:grpSpPr>
-        <a:xfrm>
-          <a:off x="0" y="0"/>
-          <a:ext cx="0" cy="0"/>
-          <a:chOff x="0" y="0"/>
-          <a:chExt cx="0" cy="0"/>
-        </a:xfrm>
-      </p:grpSpPr>
-      <p:sp>
-        <p:nvSpPr>
-          <p:cNvPr id="2" name="Slide Image Placeholder 1"/>
-          <p:cNvSpPr>
-            <a:spLocks noGrp="1" noRot="1" noChangeAspect="1"/>
-          </p:cNvSpPr>
-          <p:nvPr>
-            <p:ph type="sldImg"/>
-          </p:nvPr>
-        </p:nvSpPr>
-        <p:spPr/>
-      </p:sp>
-      <p:sp>
-        <p:nvSpPr>
-          <p:cNvPr id="3" name="Notes Placeholder 2"/>
-          <p:cNvSpPr>
-            <a:spLocks noGrp="1"/>
-          </p:cNvSpPr>
-          <p:nvPr>
-            <p:ph type="body" idx="1"/>
-          </p:nvPr>
-        </p:nvSpPr>
-        <p:spPr/>
-        <p:txBody>
-          <a:bodyPr>
-            <a:normAutofit/>
-          </a:bodyPr>
-          <a:lstStyle/>
-          <a:p>
-            <a:endParaRPr lang="en-US"/>
-          </a:p>
-        </p:txBody>
-      </p:sp>
-      <p:sp>
-        <p:nvSpPr>
-          <p:cNvPr id="4" name="Slide Number Placeholder 3"/>
-          <p:cNvSpPr>
-            <a:spLocks noGrp="1"/>
-          </p:cNvSpPr>
-          <p:nvPr>
-            <p:ph type="sldNum" sz="quarter" idx="10"/>
-          </p:nvPr>
-        </p:nvSpPr>
-        <p:spPr/>
-        <p:txBody>
-          <a:bodyPr/>
-          <a:lstStyle/>
-          <a:p>
-            <a:fld id="{A02B9F3F-3042-489F-AF35-1A733968F079}" type="slidenum">
-              <a:rPr lang="en-US" smtClean="0"/>
-              <a:pPr/>
-              <a:t>52</a:t>
             </a:fld>
             <a:endParaRPr lang="en-US"/>
           </a:p>
@@ -9373,7 +9124,7 @@
           <a:graphicData uri="http://schemas.openxmlformats.org/presentationml/2006/ole">
             <mc:AlternateContent xmlns:mc="http://schemas.openxmlformats.org/markup-compatibility/2006">
               <mc:Choice xmlns:v="urn:schemas-microsoft-com:vml" Requires="v">
-                <p:oleObj spid="_x0000_s435241" name="Equation" r:id="rId4" imgW="2108200" imgH="228600" progId="Equation.DSMT4">
+                <p:oleObj spid="_x0000_s435243" name="Equation" r:id="rId4" imgW="2108200" imgH="228600" progId="Equation.DSMT4">
                   <p:embed/>
                 </p:oleObj>
               </mc:Choice>
@@ -9619,7 +9370,7 @@
           <a:graphicData uri="http://schemas.openxmlformats.org/presentationml/2006/ole">
             <mc:AlternateContent xmlns:mc="http://schemas.openxmlformats.org/markup-compatibility/2006">
               <mc:Choice xmlns:v="urn:schemas-microsoft-com:vml" Requires="v">
-                <p:oleObj spid="_x0000_s439338" name="Equation" r:id="rId4" imgW="2146300" imgH="228600" progId="Equation.DSMT4">
+                <p:oleObj spid="_x0000_s439340" name="Equation" r:id="rId4" imgW="2146300" imgH="228600" progId="Equation.DSMT4">
                   <p:embed/>
                 </p:oleObj>
               </mc:Choice>
@@ -9842,7 +9593,7 @@
           <a:graphicData uri="http://schemas.openxmlformats.org/presentationml/2006/ole">
             <mc:AlternateContent xmlns:mc="http://schemas.openxmlformats.org/markup-compatibility/2006">
               <mc:Choice xmlns:v="urn:schemas-microsoft-com:vml" Requires="v">
-                <p:oleObj spid="_x0000_s434260" name="Equation" r:id="rId4" imgW="2146300" imgH="228600" progId="Equation.DSMT4">
+                <p:oleObj spid="_x0000_s434263" name="Equation" r:id="rId4" imgW="2146300" imgH="228600" progId="Equation.DSMT4">
                   <p:embed/>
                 </p:oleObj>
               </mc:Choice>
@@ -9899,7 +9650,7 @@
           <a:graphicData uri="http://schemas.openxmlformats.org/presentationml/2006/ole">
             <mc:AlternateContent xmlns:mc="http://schemas.openxmlformats.org/markup-compatibility/2006">
               <mc:Choice xmlns:v="urn:schemas-microsoft-com:vml" Requires="v">
-                <p:oleObj spid="_x0000_s434261" name="Equation" r:id="rId6" imgW="2514600" imgH="228600" progId="Equation.DSMT4">
+                <p:oleObj spid="_x0000_s434264" name="Equation" r:id="rId6" imgW="2514600" imgH="228600" progId="Equation.DSMT4">
                   <p:embed/>
                 </p:oleObj>
               </mc:Choice>
@@ -10066,7 +9817,7 @@
           <a:graphicData uri="http://schemas.openxmlformats.org/presentationml/2006/ole">
             <mc:AlternateContent xmlns:mc="http://schemas.openxmlformats.org/markup-compatibility/2006">
               <mc:Choice xmlns:v="urn:schemas-microsoft-com:vml" Requires="v">
-                <p:oleObj spid="_x0000_s436296" name="Equation" r:id="rId4" imgW="2514600" imgH="228600" progId="Equation.DSMT4">
+                <p:oleObj spid="_x0000_s436298" name="Equation" r:id="rId4" imgW="2514600" imgH="228600" progId="Equation.DSMT4">
                   <p:embed/>
                 </p:oleObj>
               </mc:Choice>
@@ -10287,7 +10038,7 @@
           <a:graphicData uri="http://schemas.openxmlformats.org/presentationml/2006/ole">
             <mc:AlternateContent xmlns:mc="http://schemas.openxmlformats.org/markup-compatibility/2006">
               <mc:Choice xmlns:v="urn:schemas-microsoft-com:vml" Requires="v">
-                <p:oleObj spid="_x0000_s437353" name="Equation" r:id="rId4" imgW="2514600" imgH="228600" progId="Equation.DSMT4">
+                <p:oleObj spid="_x0000_s437356" name="Equation" r:id="rId4" imgW="2514600" imgH="228600" progId="Equation.DSMT4">
                   <p:embed/>
                 </p:oleObj>
               </mc:Choice>
@@ -10344,7 +10095,7 @@
           <a:graphicData uri="http://schemas.openxmlformats.org/presentationml/2006/ole">
             <mc:AlternateContent xmlns:mc="http://schemas.openxmlformats.org/markup-compatibility/2006">
               <mc:Choice xmlns:v="urn:schemas-microsoft-com:vml" Requires="v">
-                <p:oleObj spid="_x0000_s437354" name="Equation" r:id="rId6" imgW="1866900" imgH="228600" progId="Equation.DSMT4">
+                <p:oleObj spid="_x0000_s437357" name="Equation" r:id="rId6" imgW="1866900" imgH="228600" progId="Equation.DSMT4">
                   <p:embed/>
                 </p:oleObj>
               </mc:Choice>
@@ -10511,7 +10262,7 @@
           <a:graphicData uri="http://schemas.openxmlformats.org/presentationml/2006/ole">
             <mc:AlternateContent xmlns:mc="http://schemas.openxmlformats.org/markup-compatibility/2006">
               <mc:Choice xmlns:v="urn:schemas-microsoft-com:vml" Requires="v">
-                <p:oleObj spid="_x0000_s479292" name="Equation" r:id="rId4" imgW="1866900" imgH="228600" progId="Equation.DSMT4">
+                <p:oleObj spid="_x0000_s479294" name="Equation" r:id="rId4" imgW="1866900" imgH="228600" progId="Equation.DSMT4">
                   <p:embed/>
                 </p:oleObj>
               </mc:Choice>
@@ -10734,7 +10485,7 @@
           <a:graphicData uri="http://schemas.openxmlformats.org/presentationml/2006/ole">
             <mc:AlternateContent xmlns:mc="http://schemas.openxmlformats.org/markup-compatibility/2006">
               <mc:Choice xmlns:v="urn:schemas-microsoft-com:vml" Requires="v">
-                <p:oleObj spid="_x0000_s440451" name="Equation" r:id="rId4" imgW="1866900" imgH="228600" progId="Equation.DSMT4">
+                <p:oleObj spid="_x0000_s440454" name="Equation" r:id="rId4" imgW="1866900" imgH="228600" progId="Equation.DSMT4">
                   <p:embed/>
                 </p:oleObj>
               </mc:Choice>
@@ -10791,7 +10542,7 @@
           <a:graphicData uri="http://schemas.openxmlformats.org/presentationml/2006/ole">
             <mc:AlternateContent xmlns:mc="http://schemas.openxmlformats.org/markup-compatibility/2006">
               <mc:Choice xmlns:v="urn:schemas-microsoft-com:vml" Requires="v">
-                <p:oleObj spid="_x0000_s440452" name="Equation" r:id="rId6" imgW="1689100" imgH="254000" progId="Equation.DSMT4">
+                <p:oleObj spid="_x0000_s440455" name="Equation" r:id="rId6" imgW="1689100" imgH="254000" progId="Equation.DSMT4">
                   <p:embed/>
                 </p:oleObj>
               </mc:Choice>
@@ -10958,7 +10709,7 @@
           <a:graphicData uri="http://schemas.openxmlformats.org/presentationml/2006/ole">
             <mc:AlternateContent xmlns:mc="http://schemas.openxmlformats.org/markup-compatibility/2006">
               <mc:Choice xmlns:v="urn:schemas-microsoft-com:vml" Requires="v">
-                <p:oleObj spid="_x0000_s433276" name="Equation" r:id="rId4" imgW="1689100" imgH="254000" progId="Equation.DSMT4">
+                <p:oleObj spid="_x0000_s433278" name="Equation" r:id="rId4" imgW="1689100" imgH="254000" progId="Equation.DSMT4">
                   <p:embed/>
                 </p:oleObj>
               </mc:Choice>
@@ -11127,7 +10878,7 @@
           <a:graphicData uri="http://schemas.openxmlformats.org/presentationml/2006/ole">
             <mc:AlternateContent xmlns:mc="http://schemas.openxmlformats.org/markup-compatibility/2006">
               <mc:Choice xmlns:v="urn:schemas-microsoft-com:vml" Requires="v">
-                <p:oleObj spid="_x0000_s441498" name="Equation" r:id="rId4" imgW="1371600" imgH="482600" progId="Equation.DSMT4">
+                <p:oleObj spid="_x0000_s441501" name="Equation" r:id="rId4" imgW="1371600" imgH="482600" progId="Equation.DSMT4">
                   <p:embed/>
                 </p:oleObj>
               </mc:Choice>
@@ -11217,7 +10968,7 @@
           <a:graphicData uri="http://schemas.openxmlformats.org/presentationml/2006/ole">
             <mc:AlternateContent xmlns:mc="http://schemas.openxmlformats.org/markup-compatibility/2006">
               <mc:Choice xmlns:v="urn:schemas-microsoft-com:vml" Requires="v">
-                <p:oleObj spid="_x0000_s441499" name="Equation" r:id="rId6" imgW="1689100" imgH="254000" progId="Equation.DSMT4">
+                <p:oleObj spid="_x0000_s441502" name="Equation" r:id="rId6" imgW="1689100" imgH="254000" progId="Equation.DSMT4">
                   <p:embed/>
                 </p:oleObj>
               </mc:Choice>
@@ -11588,7 +11339,7 @@
           <a:graphicData uri="http://schemas.openxmlformats.org/presentationml/2006/ole">
             <mc:AlternateContent xmlns:mc="http://schemas.openxmlformats.org/markup-compatibility/2006">
               <mc:Choice xmlns:v="urn:schemas-microsoft-com:vml" Requires="v">
-                <p:oleObj spid="_x0000_s502808" name="Equation" r:id="rId4" imgW="1371600" imgH="482600" progId="Equation.DSMT4">
+                <p:oleObj spid="_x0000_s502810" name="Equation" r:id="rId4" imgW="1371600" imgH="482600" progId="Equation.DSMT4">
                   <p:embed/>
                 </p:oleObj>
               </mc:Choice>
@@ -11755,7 +11506,7 @@
           <a:graphicData uri="http://schemas.openxmlformats.org/presentationml/2006/ole">
             <mc:AlternateContent xmlns:mc="http://schemas.openxmlformats.org/markup-compatibility/2006">
               <mc:Choice xmlns:v="urn:schemas-microsoft-com:vml" Requires="v">
-                <p:oleObj spid="_x0000_s444485" name="Equation" r:id="rId4" imgW="1371600" imgH="482600" progId="Equation.DSMT4">
+                <p:oleObj spid="_x0000_s444488" name="Equation" r:id="rId4" imgW="1371600" imgH="482600" progId="Equation.DSMT4">
                   <p:embed/>
                 </p:oleObj>
               </mc:Choice>
@@ -11897,7 +11648,7 @@
             <a:graphicData uri="http://schemas.openxmlformats.org/presentationml/2006/ole">
               <mc:AlternateContent xmlns:mc="http://schemas.openxmlformats.org/markup-compatibility/2006">
                 <mc:Choice xmlns:v="urn:schemas-microsoft-com:vml" Requires="v">
-                  <p:oleObj spid="_x0000_s444486" name="Equation" r:id="rId6" imgW="139700" imgH="215900" progId="Equation.DSMT4">
+                  <p:oleObj spid="_x0000_s444489" name="Equation" r:id="rId6" imgW="139700" imgH="215900" progId="Equation.DSMT4">
                     <p:embed/>
                   </p:oleObj>
                 </mc:Choice>
@@ -12032,7 +11783,7 @@
           <a:graphicData uri="http://schemas.openxmlformats.org/presentationml/2006/ole">
             <mc:AlternateContent xmlns:mc="http://schemas.openxmlformats.org/markup-compatibility/2006">
               <mc:Choice xmlns:v="urn:schemas-microsoft-com:vml" Requires="v">
-                <p:oleObj spid="_x0000_s442445" name="Equation" r:id="rId4" imgW="1371600" imgH="482600" progId="Equation.DSMT4">
+                <p:oleObj spid="_x0000_s442448" name="Equation" r:id="rId4" imgW="1371600" imgH="482600" progId="Equation.DSMT4">
                   <p:embed/>
                 </p:oleObj>
               </mc:Choice>
@@ -12089,7 +11840,7 @@
           <a:graphicData uri="http://schemas.openxmlformats.org/presentationml/2006/ole">
             <mc:AlternateContent xmlns:mc="http://schemas.openxmlformats.org/markup-compatibility/2006">
               <mc:Choice xmlns:v="urn:schemas-microsoft-com:vml" Requires="v">
-                <p:oleObj spid="_x0000_s442446" name="Equation" r:id="rId6" imgW="1803400" imgH="482600" progId="Equation.DSMT4">
+                <p:oleObj spid="_x0000_s442449" name="Equation" r:id="rId6" imgW="1803400" imgH="482600" progId="Equation.DSMT4">
                   <p:embed/>
                 </p:oleObj>
               </mc:Choice>
@@ -12256,7 +12007,7 @@
           <a:graphicData uri="http://schemas.openxmlformats.org/presentationml/2006/ole">
             <mc:AlternateContent xmlns:mc="http://schemas.openxmlformats.org/markup-compatibility/2006">
               <mc:Choice xmlns:v="urn:schemas-microsoft-com:vml" Requires="v">
-                <p:oleObj spid="_x0000_s446557" name="Equation" r:id="rId4" imgW="1803400" imgH="482600" progId="Equation.DSMT4">
+                <p:oleObj spid="_x0000_s446560" name="Equation" r:id="rId4" imgW="1803400" imgH="482600" progId="Equation.DSMT4">
                   <p:embed/>
                 </p:oleObj>
               </mc:Choice>
@@ -12398,7 +12149,7 @@
             <a:graphicData uri="http://schemas.openxmlformats.org/presentationml/2006/ole">
               <mc:AlternateContent xmlns:mc="http://schemas.openxmlformats.org/markup-compatibility/2006">
                 <mc:Choice xmlns:v="urn:schemas-microsoft-com:vml" Requires="v">
-                  <p:oleObj spid="_x0000_s446558" name="Equation" r:id="rId6" imgW="177800" imgH="241300" progId="Equation.DSMT4">
+                  <p:oleObj spid="_x0000_s446561" name="Equation" r:id="rId6" imgW="177800" imgH="241300" progId="Equation.DSMT4">
                     <p:embed/>
                   </p:oleObj>
                 </mc:Choice>
@@ -12524,7 +12275,7 @@
           <a:graphicData uri="http://schemas.openxmlformats.org/presentationml/2006/ole">
             <mc:AlternateContent xmlns:mc="http://schemas.openxmlformats.org/markup-compatibility/2006">
               <mc:Choice xmlns:v="urn:schemas-microsoft-com:vml" Requires="v">
-                <p:oleObj spid="_x0000_s445541" name="Equation" r:id="rId4" imgW="1854200" imgH="482600" progId="Equation.DSMT4">
+                <p:oleObj spid="_x0000_s445544" name="Equation" r:id="rId4" imgW="1854200" imgH="482600" progId="Equation.DSMT4">
                   <p:embed/>
                 </p:oleObj>
               </mc:Choice>
@@ -12581,7 +12332,7 @@
           <a:graphicData uri="http://schemas.openxmlformats.org/presentationml/2006/ole">
             <mc:AlternateContent xmlns:mc="http://schemas.openxmlformats.org/markup-compatibility/2006">
               <mc:Choice xmlns:v="urn:schemas-microsoft-com:vml" Requires="v">
-                <p:oleObj spid="_x0000_s445542" name="Equation" r:id="rId6" imgW="1803400" imgH="482600" progId="Equation.DSMT4">
+                <p:oleObj spid="_x0000_s445545" name="Equation" r:id="rId6" imgW="1803400" imgH="482600" progId="Equation.DSMT4">
                   <p:embed/>
                 </p:oleObj>
               </mc:Choice>
@@ -12739,7 +12490,7 @@
           <a:graphicData uri="http://schemas.openxmlformats.org/presentationml/2006/ole">
             <mc:AlternateContent xmlns:mc="http://schemas.openxmlformats.org/markup-compatibility/2006">
               <mc:Choice xmlns:v="urn:schemas-microsoft-com:vml" Requires="v">
-                <p:oleObj spid="_x0000_s480315" name="Equation" r:id="rId4" imgW="1854200" imgH="482600" progId="Equation.DSMT4">
+                <p:oleObj spid="_x0000_s480317" name="Equation" r:id="rId4" imgW="1854200" imgH="482600" progId="Equation.DSMT4">
                   <p:embed/>
                 </p:oleObj>
               </mc:Choice>
@@ -13207,7 +12958,7 @@
           <a:graphicData uri="http://schemas.openxmlformats.org/presentationml/2006/ole">
             <mc:AlternateContent xmlns:mc="http://schemas.openxmlformats.org/markup-compatibility/2006">
               <mc:Choice xmlns:v="urn:schemas-microsoft-com:vml" Requires="v">
-                <p:oleObj spid="_x0000_s425106" name="Equation" r:id="rId4" imgW="1511300" imgH="254000" progId="Equation.DSMT4">
+                <p:oleObj spid="_x0000_s425111" name="Equation" r:id="rId4" imgW="1511300" imgH="254000" progId="Equation.DSMT4">
                   <p:embed/>
                 </p:oleObj>
               </mc:Choice>
@@ -13264,7 +13015,7 @@
           <a:graphicData uri="http://schemas.openxmlformats.org/presentationml/2006/ole">
             <mc:AlternateContent xmlns:mc="http://schemas.openxmlformats.org/markup-compatibility/2006">
               <mc:Choice xmlns:v="urn:schemas-microsoft-com:vml" Requires="v">
-                <p:oleObj spid="_x0000_s425107" name="Equation" r:id="rId6" imgW="1524000" imgH="254000" progId="Equation.DSMT4">
+                <p:oleObj spid="_x0000_s425112" name="Equation" r:id="rId6" imgW="1524000" imgH="254000" progId="Equation.DSMT4">
                   <p:embed/>
                 </p:oleObj>
               </mc:Choice>
@@ -13321,7 +13072,7 @@
           <a:graphicData uri="http://schemas.openxmlformats.org/presentationml/2006/ole">
             <mc:AlternateContent xmlns:mc="http://schemas.openxmlformats.org/markup-compatibility/2006">
               <mc:Choice xmlns:v="urn:schemas-microsoft-com:vml" Requires="v">
-                <p:oleObj spid="_x0000_s425108" name="Equation" r:id="rId8" imgW="1181100" imgH="228600" progId="Equation.DSMT4">
+                <p:oleObj spid="_x0000_s425113" name="Equation" r:id="rId8" imgW="1181100" imgH="228600" progId="Equation.DSMT4">
                   <p:embed/>
                 </p:oleObj>
               </mc:Choice>
@@ -13378,7 +13129,7 @@
           <a:graphicData uri="http://schemas.openxmlformats.org/presentationml/2006/ole">
             <mc:AlternateContent xmlns:mc="http://schemas.openxmlformats.org/markup-compatibility/2006">
               <mc:Choice xmlns:v="urn:schemas-microsoft-com:vml" Requires="v">
-                <p:oleObj spid="_x0000_s425109" name="Equation" r:id="rId10" imgW="1168400" imgH="228600" progId="Equation.DSMT4">
+                <p:oleObj spid="_x0000_s425114" name="Equation" r:id="rId10" imgW="1168400" imgH="228600" progId="Equation.DSMT4">
                   <p:embed/>
                 </p:oleObj>
               </mc:Choice>
@@ -13692,7 +13443,7 @@
           <a:graphicData uri="http://schemas.openxmlformats.org/presentationml/2006/ole">
             <mc:AlternateContent xmlns:mc="http://schemas.openxmlformats.org/markup-compatibility/2006">
               <mc:Choice xmlns:v="urn:schemas-microsoft-com:vml" Requires="v">
-                <p:oleObj spid="_x0000_s426057" name="Equation" r:id="rId4" imgW="1854200" imgH="482600" progId="Equation.DSMT4">
+                <p:oleObj spid="_x0000_s426059" name="Equation" r:id="rId4" imgW="1854200" imgH="482600" progId="Equation.DSMT4">
                   <p:embed/>
                 </p:oleObj>
               </mc:Choice>
@@ -14066,7 +13817,7 @@
           <a:graphicData uri="http://schemas.openxmlformats.org/presentationml/2006/ole">
             <mc:AlternateContent xmlns:mc="http://schemas.openxmlformats.org/markup-compatibility/2006">
               <mc:Choice xmlns:v="urn:schemas-microsoft-com:vml" Requires="v">
-                <p:oleObj spid="_x0000_s481311" name="Equation" r:id="rId4" imgW="1854200" imgH="482600" progId="Equation.DSMT4">
+                <p:oleObj spid="_x0000_s481313" name="Equation" r:id="rId4" imgW="1854200" imgH="482600" progId="Equation.DSMT4">
                   <p:embed/>
                 </p:oleObj>
               </mc:Choice>
@@ -14279,7 +14030,7 @@
           <a:graphicData uri="http://schemas.openxmlformats.org/presentationml/2006/ole">
             <mc:AlternateContent xmlns:mc="http://schemas.openxmlformats.org/markup-compatibility/2006">
               <mc:Choice xmlns:v="urn:schemas-microsoft-com:vml" Requires="v">
-                <p:oleObj spid="_x0000_s528398" name="Equation" r:id="rId4" imgW="1803400" imgH="482600" progId="Equation.DSMT4">
+                <p:oleObj spid="_x0000_s528400" name="Equation" r:id="rId4" imgW="1803400" imgH="482600" progId="Equation.DSMT4">
                   <p:embed/>
                 </p:oleObj>
               </mc:Choice>
@@ -14548,13 +14299,13 @@
   <p:clrMapOvr>
     <a:masterClrMapping/>
   </p:clrMapOvr>
-  <mc:AlternateContent xmlns:mc="http://schemas.openxmlformats.org/markup-compatibility/2006">
-    <mc:Choice xmlns:p14="http://schemas.microsoft.com/office/powerpoint/2010/main" Requires="p14">
+  <mc:AlternateContent xmlns:mc="http://schemas.openxmlformats.org/markup-compatibility/2006" xmlns:p14="http://schemas.microsoft.com/office/powerpoint/2010/main">
+    <mc:Choice Requires="p14">
       <p:transition spd="med" p14:dur="700" advClick="0">
         <p:fade/>
       </p:transition>
     </mc:Choice>
-    <mc:Fallback>
+    <mc:Fallback xmlns="">
       <p:transition xmlns:p14="http://schemas.microsoft.com/office/powerpoint/2010/main" spd="med" advClick="0">
         <p:fade/>
       </p:transition>
@@ -14787,7 +14538,7 @@
           <a:graphicData uri="http://schemas.openxmlformats.org/presentationml/2006/ole">
             <mc:AlternateContent xmlns:mc="http://schemas.openxmlformats.org/markup-compatibility/2006">
               <mc:Choice xmlns:v="urn:schemas-microsoft-com:vml" Requires="v">
-                <p:oleObj spid="_x0000_s447530" name="Equation" r:id="rId4" imgW="2514600" imgH="254000" progId="Equation.DSMT4">
+                <p:oleObj spid="_x0000_s447532" name="Equation" r:id="rId4" imgW="2514600" imgH="254000" progId="Equation.DSMT4">
                   <p:embed/>
                 </p:oleObj>
               </mc:Choice>
@@ -14909,13 +14660,13 @@
   <p:clrMapOvr>
     <a:masterClrMapping/>
   </p:clrMapOvr>
-  <mc:AlternateContent xmlns:mc="http://schemas.openxmlformats.org/markup-compatibility/2006">
-    <mc:Choice xmlns:p14="http://schemas.microsoft.com/office/powerpoint/2010/main" Requires="p14">
+  <mc:AlternateContent xmlns:mc="http://schemas.openxmlformats.org/markup-compatibility/2006" xmlns:p14="http://schemas.microsoft.com/office/powerpoint/2010/main">
+    <mc:Choice Requires="p14">
       <p:transition p14:dur="400" advClick="0">
         <p:fade/>
       </p:transition>
     </mc:Choice>
-    <mc:Fallback>
+    <mc:Fallback xmlns="">
       <p:transition xmlns:p14="http://schemas.microsoft.com/office/powerpoint/2010/main" advClick="0">
         <p:fade/>
       </p:transition>
@@ -15144,7 +14895,7 @@
           <a:graphicData uri="http://schemas.openxmlformats.org/presentationml/2006/ole">
             <mc:AlternateContent xmlns:mc="http://schemas.openxmlformats.org/markup-compatibility/2006">
               <mc:Choice xmlns:v="urn:schemas-microsoft-com:vml" Requires="v">
-                <p:oleObj spid="_x0000_s449617" name="Equation" r:id="rId4" imgW="698500" imgH="254000" progId="Equation.DSMT4">
+                <p:oleObj spid="_x0000_s449620" name="Equation" r:id="rId4" imgW="698500" imgH="254000" progId="Equation.DSMT4">
                   <p:embed/>
                 </p:oleObj>
               </mc:Choice>
@@ -15201,7 +14952,7 @@
           <a:graphicData uri="http://schemas.openxmlformats.org/presentationml/2006/ole">
             <mc:AlternateContent xmlns:mc="http://schemas.openxmlformats.org/markup-compatibility/2006">
               <mc:Choice xmlns:v="urn:schemas-microsoft-com:vml" Requires="v">
-                <p:oleObj spid="_x0000_s449618" name="Equation" r:id="rId6" imgW="1651000" imgH="254000" progId="Equation.DSMT4">
+                <p:oleObj spid="_x0000_s449621" name="Equation" r:id="rId6" imgW="1651000" imgH="254000" progId="Equation.DSMT4">
                   <p:embed/>
                 </p:oleObj>
               </mc:Choice>
@@ -15531,7 +15282,7 @@
 </file>
 
 <file path=ppt/slides/slide32.xml><?xml version="1.0" encoding="utf-8"?>
-<p:sld xmlns:a="http://schemas.openxmlformats.org/drawingml/2006/main" xmlns:r="http://schemas.openxmlformats.org/officeDocument/2006/relationships" xmlns:p="http://schemas.openxmlformats.org/presentationml/2006/main" show="0">
+<p:sld xmlns:a="http://schemas.openxmlformats.org/drawingml/2006/main" xmlns:r="http://schemas.openxmlformats.org/officeDocument/2006/relationships" xmlns:p="http://schemas.openxmlformats.org/presentationml/2006/main">
   <p:cSld>
     <p:spTree>
       <p:nvGrpSpPr>
@@ -15589,7 +15340,7 @@
           <p:nvPr>
             <p:extLst>
               <p:ext uri="{D42A27DB-BD31-4B8C-83A1-F6EECF244321}">
-                <p14:modId xmlns:p14="http://schemas.microsoft.com/office/powerpoint/2010/main" val="2050609893"/>
+                <p14:modId xmlns:p14="http://schemas.microsoft.com/office/powerpoint/2010/main" val="3730475492"/>
               </p:ext>
             </p:extLst>
           </p:nvPr>
@@ -15602,7 +15353,7 @@
           <a:graphicData uri="http://schemas.openxmlformats.org/presentationml/2006/ole">
             <mc:AlternateContent xmlns:mc="http://schemas.openxmlformats.org/markup-compatibility/2006">
               <mc:Choice xmlns:v="urn:schemas-microsoft-com:vml" Requires="v">
-                <p:oleObj spid="_x0000_s505902" name="Equation" r:id="rId4" imgW="698500" imgH="254000" progId="Equation.DSMT4">
+                <p:oleObj spid="_x0000_s506950" name="Equation" r:id="rId4" imgW="698500" imgH="254000" progId="Equation.DSMT4">
                   <p:embed/>
                 </p:oleObj>
               </mc:Choice>
@@ -15646,7 +15397,7 @@
           <p:nvPr>
             <p:extLst>
               <p:ext uri="{D42A27DB-BD31-4B8C-83A1-F6EECF244321}">
-                <p14:modId xmlns:p14="http://schemas.microsoft.com/office/powerpoint/2010/main" val="320750913"/>
+                <p14:modId xmlns:p14="http://schemas.microsoft.com/office/powerpoint/2010/main" val="1624388811"/>
               </p:ext>
             </p:extLst>
           </p:nvPr>
@@ -15659,244 +15410,7 @@
           <a:graphicData uri="http://schemas.openxmlformats.org/presentationml/2006/ole">
             <mc:AlternateContent xmlns:mc="http://schemas.openxmlformats.org/markup-compatibility/2006">
               <mc:Choice xmlns:v="urn:schemas-microsoft-com:vml" Requires="v">
-                <p:oleObj spid="_x0000_s505903" name="Equation" r:id="rId6" imgW="1651000" imgH="254000" progId="Equation.DSMT4">
-                  <p:embed/>
-                </p:oleObj>
-              </mc:Choice>
-              <mc:Fallback>
-                <p:oleObj name="Equation" r:id="rId6" imgW="1651000" imgH="254000" progId="Equation.DSMT4">
-                  <p:embed/>
-                  <p:pic>
-                    <p:nvPicPr>
-                      <p:cNvPr id="0" name=""/>
-                      <p:cNvPicPr/>
-                      <p:nvPr/>
-                    </p:nvPicPr>
-                    <p:blipFill>
-                      <a:blip r:embed="rId7"/>
-                      <a:stretch>
-                        <a:fillRect/>
-                      </a:stretch>
-                    </p:blipFill>
-                    <p:spPr>
-                      <a:xfrm>
-                        <a:off x="292100" y="2565400"/>
-                        <a:ext cx="5773738" cy="889000"/>
-                      </a:xfrm>
-                      <a:prstGeom prst="rect">
-                        <a:avLst/>
-                      </a:prstGeom>
-                    </p:spPr>
-                  </p:pic>
-                </p:oleObj>
-              </mc:Fallback>
-            </mc:AlternateContent>
-          </a:graphicData>
-        </a:graphic>
-      </p:graphicFrame>
-      <p:sp>
-        <p:nvSpPr>
-          <p:cNvPr id="10" name="Title 4"/>
-          <p:cNvSpPr>
-            <a:spLocks noGrp="1"/>
-          </p:cNvSpPr>
-          <p:nvPr>
-            <p:ph type="title"/>
-          </p:nvPr>
-        </p:nvSpPr>
-        <p:spPr>
-          <a:xfrm>
-            <a:off x="1447800" y="304800"/>
-            <a:ext cx="7543800" cy="1143000"/>
-          </a:xfrm>
-        </p:spPr>
-        <p:txBody>
-          <a:bodyPr/>
-          <a:lstStyle/>
-          <a:p>
-            <a:r>
-              <a:rPr lang="en-US" sz="4400" dirty="0" smtClean="0"/>
-              <a:t>Full DNF for an </a:t>
-            </a:r>
-            <a:r>
-              <a:rPr lang="en-US" sz="4000" dirty="0" smtClean="0">
-                <a:solidFill>
-                  <a:schemeClr val="accent5">
-                    <a:lumMod val="50000"/>
-                  </a:schemeClr>
-                </a:solidFill>
-              </a:rPr>
-              <a:t>AND-</a:t>
-            </a:r>
-            <a:r>
-              <a:rPr lang="en-US" sz="4000" dirty="0" smtClean="0">
-                <a:solidFill>
-                  <a:schemeClr val="tx1"/>
-                </a:solidFill>
-              </a:rPr>
-              <a:t>term</a:t>
-            </a:r>
-            <a:endParaRPr lang="en-US" sz="4000" dirty="0">
-              <a:solidFill>
-                <a:schemeClr val="tx1"/>
-              </a:solidFill>
-            </a:endParaRPr>
-          </a:p>
-        </p:txBody>
-      </p:sp>
-    </p:spTree>
-    <p:extLst>
-      <p:ext uri="{BB962C8B-B14F-4D97-AF65-F5344CB8AC3E}">
-        <p14:creationId xmlns:p14="http://schemas.microsoft.com/office/powerpoint/2010/main" val="691204163"/>
-      </p:ext>
-    </p:extLst>
-  </p:cSld>
-  <p:clrMapOvr>
-    <a:masterClrMapping/>
-  </p:clrMapOvr>
-  <p:transition xmlns:p14="http://schemas.microsoft.com/office/powerpoint/2010/main" spd="slow" advClick="0">
-    <p:fade/>
-  </p:transition>
-  <p:timing>
-    <p:tnLst>
-      <p:par>
-        <p:cTn xmlns:p14="http://schemas.microsoft.com/office/powerpoint/2010/main" id="1" dur="indefinite" restart="never" nodeType="tmRoot"/>
-      </p:par>
-    </p:tnLst>
-  </p:timing>
-</p:sld>
-</file>
-
-<file path=ppt/slides/slide33.xml><?xml version="1.0" encoding="utf-8"?>
-<p:sld xmlns:a="http://schemas.openxmlformats.org/drawingml/2006/main" xmlns:r="http://schemas.openxmlformats.org/officeDocument/2006/relationships" xmlns:p="http://schemas.openxmlformats.org/presentationml/2006/main">
-  <p:cSld>
-    <p:spTree>
-      <p:nvGrpSpPr>
-        <p:cNvPr id="1" name=""/>
-        <p:cNvGrpSpPr/>
-        <p:nvPr/>
-      </p:nvGrpSpPr>
-      <p:grpSpPr>
-        <a:xfrm>
-          <a:off x="0" y="0"/>
-          <a:ext cx="0" cy="0"/>
-          <a:chOff x="0" y="0"/>
-          <a:chExt cx="0" cy="0"/>
-        </a:xfrm>
-      </p:grpSpPr>
-      <p:sp>
-        <p:nvSpPr>
-          <p:cNvPr id="4" name="Slide Number Placeholder 2"/>
-          <p:cNvSpPr>
-            <a:spLocks noGrp="1"/>
-          </p:cNvSpPr>
-          <p:nvPr>
-            <p:ph type="sldNum" sz="quarter" idx="10"/>
-          </p:nvPr>
-        </p:nvSpPr>
-        <p:spPr>
-          <a:xfrm>
-            <a:off x="7333815" y="6553200"/>
-            <a:ext cx="1810186" cy="276999"/>
-          </a:xfrm>
-        </p:spPr>
-        <p:txBody>
-          <a:bodyPr/>
-          <a:lstStyle/>
-          <a:p>
-            <a:r>
-              <a:rPr lang="en-US" dirty="0" smtClean="0"/>
-              <a:t>propositional algebra.</a:t>
-            </a:r>
-            <a:fld id="{3251DA95-B240-47FE-901D-B78FC8E8E532}" type="slidenum">
-              <a:rPr lang="en-US" smtClean="0"/>
-              <a:pPr/>
-              <a:t>33</a:t>
-            </a:fld>
-            <a:endParaRPr lang="en-US" dirty="0"/>
-          </a:p>
-        </p:txBody>
-      </p:sp>
-      <p:graphicFrame>
-        <p:nvGraphicFramePr>
-          <p:cNvPr id="14" name="Object 13"/>
-          <p:cNvGraphicFramePr>
-            <a:graphicFrameLocks noChangeAspect="1"/>
-          </p:cNvGraphicFramePr>
-          <p:nvPr>
-            <p:extLst>
-              <p:ext uri="{D42A27DB-BD31-4B8C-83A1-F6EECF244321}">
-                <p14:modId xmlns:p14="http://schemas.microsoft.com/office/powerpoint/2010/main" val="3730475492"/>
-              </p:ext>
-            </p:extLst>
-          </p:nvPr>
-        </p:nvGraphicFramePr>
-        <p:xfrm>
-          <a:off x="350838" y="1593850"/>
-          <a:ext cx="2443162" cy="889000"/>
-        </p:xfrm>
-        <a:graphic>
-          <a:graphicData uri="http://schemas.openxmlformats.org/presentationml/2006/ole">
-            <mc:AlternateContent xmlns:mc="http://schemas.openxmlformats.org/markup-compatibility/2006">
-              <mc:Choice xmlns:v="urn:schemas-microsoft-com:vml" Requires="v">
-                <p:oleObj spid="_x0000_s506946" name="Equation" r:id="rId4" imgW="698500" imgH="254000" progId="Equation.DSMT4">
-                  <p:embed/>
-                </p:oleObj>
-              </mc:Choice>
-              <mc:Fallback>
-                <p:oleObj name="Equation" r:id="rId4" imgW="698500" imgH="254000" progId="Equation.DSMT4">
-                  <p:embed/>
-                  <p:pic>
-                    <p:nvPicPr>
-                      <p:cNvPr id="0" name=""/>
-                      <p:cNvPicPr/>
-                      <p:nvPr/>
-                    </p:nvPicPr>
-                    <p:blipFill>
-                      <a:blip r:embed="rId5"/>
-                      <a:stretch>
-                        <a:fillRect/>
-                      </a:stretch>
-                    </p:blipFill>
-                    <p:spPr>
-                      <a:xfrm>
-                        <a:off x="350838" y="1593850"/>
-                        <a:ext cx="2443162" cy="889000"/>
-                      </a:xfrm>
-                      <a:prstGeom prst="rect">
-                        <a:avLst/>
-                      </a:prstGeom>
-                    </p:spPr>
-                  </p:pic>
-                </p:oleObj>
-              </mc:Fallback>
-            </mc:AlternateContent>
-          </a:graphicData>
-        </a:graphic>
-      </p:graphicFrame>
-      <p:graphicFrame>
-        <p:nvGraphicFramePr>
-          <p:cNvPr id="6" name="Object 5"/>
-          <p:cNvGraphicFramePr>
-            <a:graphicFrameLocks noChangeAspect="1"/>
-          </p:cNvGraphicFramePr>
-          <p:nvPr>
-            <p:extLst>
-              <p:ext uri="{D42A27DB-BD31-4B8C-83A1-F6EECF244321}">
-                <p14:modId xmlns:p14="http://schemas.microsoft.com/office/powerpoint/2010/main" val="1624388811"/>
-              </p:ext>
-            </p:extLst>
-          </p:nvPr>
-        </p:nvGraphicFramePr>
-        <p:xfrm>
-          <a:off x="292100" y="2565400"/>
-          <a:ext cx="5773738" cy="889000"/>
-        </p:xfrm>
-        <a:graphic>
-          <a:graphicData uri="http://schemas.openxmlformats.org/presentationml/2006/ole">
-            <mc:AlternateContent xmlns:mc="http://schemas.openxmlformats.org/markup-compatibility/2006">
-              <mc:Choice xmlns:v="urn:schemas-microsoft-com:vml" Requires="v">
-                <p:oleObj spid="_x0000_s506947" name="Equation" r:id="rId6" imgW="1651000" imgH="254000" progId="Equation.DSMT4">
+                <p:oleObj spid="_x0000_s506951" name="Equation" r:id="rId6" imgW="1651000" imgH="254000" progId="Equation.DSMT4">
                   <p:embed/>
                 </p:oleObj>
               </mc:Choice>
@@ -15953,7 +15467,7 @@
           <a:graphicData uri="http://schemas.openxmlformats.org/presentationml/2006/ole">
             <mc:AlternateContent xmlns:mc="http://schemas.openxmlformats.org/markup-compatibility/2006">
               <mc:Choice xmlns:v="urn:schemas-microsoft-com:vml" Requires="v">
-                <p:oleObj spid="_x0000_s506948" name="Equation" r:id="rId8" imgW="1333500" imgH="482600" progId="Equation.DSMT4">
+                <p:oleObj spid="_x0000_s506952" name="Equation" r:id="rId8" imgW="1333500" imgH="482600" progId="Equation.DSMT4">
                   <p:embed/>
                 </p:oleObj>
               </mc:Choice>
@@ -16181,7 +15695,7 @@
 </p:sld>
 </file>
 
-<file path=ppt/slides/slide34.xml><?xml version="1.0" encoding="utf-8"?>
+<file path=ppt/slides/slide33.xml><?xml version="1.0" encoding="utf-8"?>
 <p:sld xmlns:a="http://schemas.openxmlformats.org/drawingml/2006/main" xmlns:r="http://schemas.openxmlformats.org/officeDocument/2006/relationships" xmlns:p="http://schemas.openxmlformats.org/presentationml/2006/main">
   <p:cSld>
     <p:spTree>
@@ -16225,7 +15739,7 @@
             <a:fld id="{3251DA95-B240-47FE-901D-B78FC8E8E532}" type="slidenum">
               <a:rPr lang="en-US" smtClean="0"/>
               <a:pPr/>
-              <a:t>34</a:t>
+              <a:t>33</a:t>
             </a:fld>
             <a:endParaRPr lang="en-US" dirty="0"/>
           </a:p>
@@ -16253,7 +15767,7 @@
           <a:graphicData uri="http://schemas.openxmlformats.org/presentationml/2006/ole">
             <mc:AlternateContent xmlns:mc="http://schemas.openxmlformats.org/markup-compatibility/2006">
               <mc:Choice xmlns:v="urn:schemas-microsoft-com:vml" Requires="v">
-                <p:oleObj spid="_x0000_s507964" name="Equation" r:id="rId4" imgW="698500" imgH="254000" progId="Equation.DSMT4">
+                <p:oleObj spid="_x0000_s507967" name="Equation" r:id="rId4" imgW="698500" imgH="254000" progId="Equation.DSMT4">
                   <p:embed/>
                 </p:oleObj>
               </mc:Choice>
@@ -16310,7 +15824,7 @@
           <a:graphicData uri="http://schemas.openxmlformats.org/presentationml/2006/ole">
             <mc:AlternateContent xmlns:mc="http://schemas.openxmlformats.org/markup-compatibility/2006">
               <mc:Choice xmlns:v="urn:schemas-microsoft-com:vml" Requires="v">
-                <p:oleObj spid="_x0000_s507965" name="Equation" r:id="rId6" imgW="1333500" imgH="482600" progId="Equation.DSMT4">
+                <p:oleObj spid="_x0000_s507968" name="Equation" r:id="rId6" imgW="1333500" imgH="482600" progId="Equation.DSMT4">
                   <p:embed/>
                 </p:oleObj>
               </mc:Choice>
@@ -16600,7 +16114,7 @@
 </p:sld>
 </file>
 
-<file path=ppt/slides/slide35.xml><?xml version="1.0" encoding="utf-8"?>
+<file path=ppt/slides/slide34.xml><?xml version="1.0" encoding="utf-8"?>
 <p:sld xmlns:a="http://schemas.openxmlformats.org/drawingml/2006/main" xmlns:r="http://schemas.openxmlformats.org/officeDocument/2006/relationships" xmlns:p="http://schemas.openxmlformats.org/presentationml/2006/main">
   <p:cSld>
     <p:spTree>
@@ -16694,7 +16208,7 @@
             <a:fld id="{3251DA95-B240-47FE-901D-B78FC8E8E532}" type="slidenum">
               <a:rPr lang="en-US" smtClean="0"/>
               <a:pPr/>
-              <a:t>35</a:t>
+              <a:t>34</a:t>
             </a:fld>
             <a:endParaRPr lang="en-US" dirty="0"/>
           </a:p>
@@ -16722,7 +16236,7 @@
           <a:graphicData uri="http://schemas.openxmlformats.org/presentationml/2006/ole">
             <mc:AlternateContent xmlns:mc="http://schemas.openxmlformats.org/markup-compatibility/2006">
               <mc:Choice xmlns:v="urn:schemas-microsoft-com:vml" Requires="v">
-                <p:oleObj spid="_x0000_s522267" name="Equation" r:id="rId4" imgW="1600200" imgH="215900" progId="Equation.DSMT4">
+                <p:oleObj spid="_x0000_s522270" name="Equation" r:id="rId4" imgW="1600200" imgH="215900" progId="Equation.DSMT4">
                   <p:embed/>
                 </p:oleObj>
               </mc:Choice>
@@ -16779,7 +16293,7 @@
           <a:graphicData uri="http://schemas.openxmlformats.org/presentationml/2006/ole">
             <mc:AlternateContent xmlns:mc="http://schemas.openxmlformats.org/markup-compatibility/2006">
               <mc:Choice xmlns:v="urn:schemas-microsoft-com:vml" Requires="v">
-                <p:oleObj spid="_x0000_s522268" name="Equation" r:id="rId6" imgW="1397000" imgH="457200" progId="Equation.DSMT4">
+                <p:oleObj spid="_x0000_s522271" name="Equation" r:id="rId6" imgW="1397000" imgH="457200" progId="Equation.DSMT4">
                   <p:embed/>
                 </p:oleObj>
               </mc:Choice>
@@ -17116,7 +16630,7 @@
 </p:sld>
 </file>
 
-<file path=ppt/slides/slide36.xml><?xml version="1.0" encoding="utf-8"?>
+<file path=ppt/slides/slide35.xml><?xml version="1.0" encoding="utf-8"?>
 <p:sld xmlns:a="http://schemas.openxmlformats.org/drawingml/2006/main" xmlns:r="http://schemas.openxmlformats.org/officeDocument/2006/relationships" xmlns:p="http://schemas.openxmlformats.org/presentationml/2006/main">
   <p:cSld>
     <p:spTree>
@@ -17160,7 +16674,7 @@
             <a:fld id="{3251DA95-B240-47FE-901D-B78FC8E8E532}" type="slidenum">
               <a:rPr lang="en-US" smtClean="0"/>
               <a:pPr/>
-              <a:t>36</a:t>
+              <a:t>35</a:t>
             </a:fld>
             <a:endParaRPr lang="en-US" dirty="0"/>
           </a:p>
@@ -17188,7 +16702,7 @@
           <a:graphicData uri="http://schemas.openxmlformats.org/presentationml/2006/ole">
             <mc:AlternateContent xmlns:mc="http://schemas.openxmlformats.org/markup-compatibility/2006">
               <mc:Choice xmlns:v="urn:schemas-microsoft-com:vml" Requires="v">
-                <p:oleObj spid="_x0000_s461866" name="Equation" r:id="rId4" imgW="1333500" imgH="482600" progId="Equation.DSMT4">
+                <p:oleObj spid="_x0000_s461868" name="Equation" r:id="rId4" imgW="1333500" imgH="482600" progId="Equation.DSMT4">
                   <p:embed/>
                 </p:oleObj>
               </mc:Choice>
@@ -17468,7 +16982,7 @@
 </p:sld>
 </file>
 
-<file path=ppt/slides/slide37.xml><?xml version="1.0" encoding="utf-8"?>
+<file path=ppt/slides/slide36.xml><?xml version="1.0" encoding="utf-8"?>
 <p:sld xmlns:a="http://schemas.openxmlformats.org/drawingml/2006/main" xmlns:r="http://schemas.openxmlformats.org/officeDocument/2006/relationships" xmlns:p="http://schemas.openxmlformats.org/presentationml/2006/main">
   <p:cSld>
     <p:spTree>
@@ -17512,7 +17026,7 @@
             <a:fld id="{3251DA95-B240-47FE-901D-B78FC8E8E532}" type="slidenum">
               <a:rPr lang="en-US" smtClean="0"/>
               <a:pPr/>
-              <a:t>37</a:t>
+              <a:t>36</a:t>
             </a:fld>
             <a:endParaRPr lang="en-US" dirty="0"/>
           </a:p>
@@ -17540,7 +17054,7 @@
           <a:graphicData uri="http://schemas.openxmlformats.org/presentationml/2006/ole">
             <mc:AlternateContent xmlns:mc="http://schemas.openxmlformats.org/markup-compatibility/2006">
               <mc:Choice xmlns:v="urn:schemas-microsoft-com:vml" Requires="v">
-                <p:oleObj spid="_x0000_s523295" name="Equation" r:id="rId4" imgW="1333500" imgH="482600" progId="Equation.DSMT4">
+                <p:oleObj spid="_x0000_s523297" name="Equation" r:id="rId4" imgW="1333500" imgH="482600" progId="Equation.DSMT4">
                   <p:embed/>
                 </p:oleObj>
               </mc:Choice>
@@ -17615,6 +17129,181 @@
     <p:extLst>
       <p:ext uri="{BB962C8B-B14F-4D97-AF65-F5344CB8AC3E}">
         <p14:creationId xmlns:p14="http://schemas.microsoft.com/office/powerpoint/2010/main" val="2003572068"/>
+      </p:ext>
+    </p:extLst>
+  </p:cSld>
+  <p:clrMapOvr>
+    <a:masterClrMapping/>
+  </p:clrMapOvr>
+  <mc:AlternateContent xmlns:mc="http://schemas.openxmlformats.org/markup-compatibility/2006" xmlns:p14="http://schemas.microsoft.com/office/powerpoint/2010/main">
+    <mc:Choice Requires="p14">
+      <p:transition spd="med" p14:dur="600" advClick="0">
+        <p:fade/>
+      </p:transition>
+    </mc:Choice>
+    <mc:Fallback xmlns="">
+      <p:transition xmlns:p14="http://schemas.microsoft.com/office/powerpoint/2010/main" spd="med" advClick="0">
+        <p:fade/>
+      </p:transition>
+    </mc:Fallback>
+  </mc:AlternateContent>
+  <p:timing>
+    <p:tnLst>
+      <p:par>
+        <p:cTn xmlns:p14="http://schemas.microsoft.com/office/powerpoint/2010/main" id="1" dur="indefinite" restart="never" nodeType="tmRoot"/>
+      </p:par>
+    </p:tnLst>
+  </p:timing>
+</p:sld>
+</file>
+
+<file path=ppt/slides/slide37.xml><?xml version="1.0" encoding="utf-8"?>
+<p:sld xmlns:a="http://schemas.openxmlformats.org/drawingml/2006/main" xmlns:r="http://schemas.openxmlformats.org/officeDocument/2006/relationships" xmlns:p="http://schemas.openxmlformats.org/presentationml/2006/main">
+  <p:cSld>
+    <p:spTree>
+      <p:nvGrpSpPr>
+        <p:cNvPr id="1" name=""/>
+        <p:cNvGrpSpPr/>
+        <p:nvPr/>
+      </p:nvGrpSpPr>
+      <p:grpSpPr>
+        <a:xfrm>
+          <a:off x="0" y="0"/>
+          <a:ext cx="0" cy="0"/>
+          <a:chOff x="0" y="0"/>
+          <a:chExt cx="0" cy="0"/>
+        </a:xfrm>
+      </p:grpSpPr>
+      <p:sp>
+        <p:nvSpPr>
+          <p:cNvPr id="4" name="Slide Number Placeholder 2"/>
+          <p:cNvSpPr>
+            <a:spLocks noGrp="1"/>
+          </p:cNvSpPr>
+          <p:nvPr>
+            <p:ph type="sldNum" sz="quarter" idx="10"/>
+          </p:nvPr>
+        </p:nvSpPr>
+        <p:spPr>
+          <a:xfrm>
+            <a:off x="7333815" y="6553200"/>
+            <a:ext cx="1810186" cy="276999"/>
+          </a:xfrm>
+        </p:spPr>
+        <p:txBody>
+          <a:bodyPr/>
+          <a:lstStyle/>
+          <a:p>
+            <a:r>
+              <a:rPr lang="en-US" dirty="0" smtClean="0"/>
+              <a:t>propositional algebra.</a:t>
+            </a:r>
+            <a:fld id="{3251DA95-B240-47FE-901D-B78FC8E8E532}" type="slidenum">
+              <a:rPr lang="en-US" smtClean="0"/>
+              <a:pPr/>
+              <a:t>37</a:t>
+            </a:fld>
+            <a:endParaRPr lang="en-US" dirty="0"/>
+          </a:p>
+        </p:txBody>
+      </p:sp>
+      <p:graphicFrame>
+        <p:nvGraphicFramePr>
+          <p:cNvPr id="6" name="Object 5"/>
+          <p:cNvGraphicFramePr>
+            <a:graphicFrameLocks noChangeAspect="1"/>
+          </p:cNvGraphicFramePr>
+          <p:nvPr>
+            <p:extLst>
+              <p:ext uri="{D42A27DB-BD31-4B8C-83A1-F6EECF244321}">
+                <p14:modId xmlns:p14="http://schemas.microsoft.com/office/powerpoint/2010/main" val="785072527"/>
+              </p:ext>
+            </p:extLst>
+          </p:nvPr>
+        </p:nvGraphicFramePr>
+        <p:xfrm>
+          <a:off x="2007460" y="1270160"/>
+          <a:ext cx="5100694" cy="1847851"/>
+        </p:xfrm>
+        <a:graphic>
+          <a:graphicData uri="http://schemas.openxmlformats.org/presentationml/2006/ole">
+            <mc:AlternateContent xmlns:mc="http://schemas.openxmlformats.org/markup-compatibility/2006">
+              <mc:Choice xmlns:v="urn:schemas-microsoft-com:vml" Requires="v">
+                <p:oleObj spid="_x0000_s542729" name="Equation" r:id="rId4" imgW="1333500" imgH="482600" progId="Equation.DSMT4">
+                  <p:embed/>
+                </p:oleObj>
+              </mc:Choice>
+              <mc:Fallback>
+                <p:oleObj name="Equation" r:id="rId4" imgW="1333500" imgH="482600" progId="Equation.DSMT4">
+                  <p:embed/>
+                  <p:pic>
+                    <p:nvPicPr>
+                      <p:cNvPr id="0" name=""/>
+                      <p:cNvPicPr/>
+                      <p:nvPr/>
+                    </p:nvPicPr>
+                    <p:blipFill>
+                      <a:blip r:embed="rId5"/>
+                      <a:stretch>
+                        <a:fillRect/>
+                      </a:stretch>
+                    </p:blipFill>
+                    <p:spPr>
+                      <a:xfrm>
+                        <a:off x="2007460" y="1270160"/>
+                        <a:ext cx="5100694" cy="1847851"/>
+                      </a:xfrm>
+                      <a:prstGeom prst="rect">
+                        <a:avLst/>
+                      </a:prstGeom>
+                    </p:spPr>
+                  </p:pic>
+                </p:oleObj>
+              </mc:Fallback>
+            </mc:AlternateContent>
+          </a:graphicData>
+        </a:graphic>
+      </p:graphicFrame>
+      <p:sp>
+        <p:nvSpPr>
+          <p:cNvPr id="8" name="Title 1"/>
+          <p:cNvSpPr>
+            <a:spLocks noGrp="1"/>
+          </p:cNvSpPr>
+          <p:nvPr>
+            <p:ph type="title"/>
+          </p:nvPr>
+        </p:nvSpPr>
+        <p:spPr>
+          <a:xfrm>
+            <a:off x="1651000" y="363538"/>
+            <a:ext cx="6794500" cy="1003300"/>
+          </a:xfrm>
+        </p:spPr>
+        <p:txBody>
+          <a:bodyPr/>
+          <a:lstStyle/>
+          <a:p>
+            <a:r>
+              <a:rPr lang="en-US" sz="4000" dirty="0" smtClean="0">
+                <a:solidFill>
+                  <a:srgbClr val="FF03E3"/>
+                </a:solidFill>
+              </a:rPr>
+              <a:t>example</a:t>
+            </a:r>
+            <a:endParaRPr lang="en-US" sz="4000" dirty="0">
+              <a:solidFill>
+                <a:srgbClr val="FF03E3"/>
+              </a:solidFill>
+            </a:endParaRPr>
+          </a:p>
+        </p:txBody>
+      </p:sp>
+    </p:spTree>
+    <p:extLst>
+      <p:ext uri="{BB962C8B-B14F-4D97-AF65-F5344CB8AC3E}">
+        <p14:creationId xmlns:p14="http://schemas.microsoft.com/office/powerpoint/2010/main" val="2741329689"/>
       </p:ext>
     </p:extLst>
   </p:cSld>
@@ -17695,181 +17384,6 @@
       </p:sp>
       <p:graphicFrame>
         <p:nvGraphicFramePr>
-          <p:cNvPr id="6" name="Object 5"/>
-          <p:cNvGraphicFramePr>
-            <a:graphicFrameLocks noChangeAspect="1"/>
-          </p:cNvGraphicFramePr>
-          <p:nvPr>
-            <p:extLst>
-              <p:ext uri="{D42A27DB-BD31-4B8C-83A1-F6EECF244321}">
-                <p14:modId xmlns:p14="http://schemas.microsoft.com/office/powerpoint/2010/main" val="785072527"/>
-              </p:ext>
-            </p:extLst>
-          </p:nvPr>
-        </p:nvGraphicFramePr>
-        <p:xfrm>
-          <a:off x="2007460" y="1270160"/>
-          <a:ext cx="5100694" cy="1847851"/>
-        </p:xfrm>
-        <a:graphic>
-          <a:graphicData uri="http://schemas.openxmlformats.org/presentationml/2006/ole">
-            <mc:AlternateContent xmlns:mc="http://schemas.openxmlformats.org/markup-compatibility/2006">
-              <mc:Choice xmlns:v="urn:schemas-microsoft-com:vml" Requires="v">
-                <p:oleObj spid="_x0000_s542727" name="Equation" r:id="rId4" imgW="1333500" imgH="482600" progId="Equation.DSMT4">
-                  <p:embed/>
-                </p:oleObj>
-              </mc:Choice>
-              <mc:Fallback>
-                <p:oleObj name="Equation" r:id="rId4" imgW="1333500" imgH="482600" progId="Equation.DSMT4">
-                  <p:embed/>
-                  <p:pic>
-                    <p:nvPicPr>
-                      <p:cNvPr id="0" name=""/>
-                      <p:cNvPicPr/>
-                      <p:nvPr/>
-                    </p:nvPicPr>
-                    <p:blipFill>
-                      <a:blip r:embed="rId5"/>
-                      <a:stretch>
-                        <a:fillRect/>
-                      </a:stretch>
-                    </p:blipFill>
-                    <p:spPr>
-                      <a:xfrm>
-                        <a:off x="2007460" y="1270160"/>
-                        <a:ext cx="5100694" cy="1847851"/>
-                      </a:xfrm>
-                      <a:prstGeom prst="rect">
-                        <a:avLst/>
-                      </a:prstGeom>
-                    </p:spPr>
-                  </p:pic>
-                </p:oleObj>
-              </mc:Fallback>
-            </mc:AlternateContent>
-          </a:graphicData>
-        </a:graphic>
-      </p:graphicFrame>
-      <p:sp>
-        <p:nvSpPr>
-          <p:cNvPr id="8" name="Title 1"/>
-          <p:cNvSpPr>
-            <a:spLocks noGrp="1"/>
-          </p:cNvSpPr>
-          <p:nvPr>
-            <p:ph type="title"/>
-          </p:nvPr>
-        </p:nvSpPr>
-        <p:spPr>
-          <a:xfrm>
-            <a:off x="1651000" y="363538"/>
-            <a:ext cx="6794500" cy="1003300"/>
-          </a:xfrm>
-        </p:spPr>
-        <p:txBody>
-          <a:bodyPr/>
-          <a:lstStyle/>
-          <a:p>
-            <a:r>
-              <a:rPr lang="en-US" sz="4000" dirty="0" smtClean="0">
-                <a:solidFill>
-                  <a:srgbClr val="FF03E3"/>
-                </a:solidFill>
-              </a:rPr>
-              <a:t>example</a:t>
-            </a:r>
-            <a:endParaRPr lang="en-US" sz="4000" dirty="0">
-              <a:solidFill>
-                <a:srgbClr val="FF03E3"/>
-              </a:solidFill>
-            </a:endParaRPr>
-          </a:p>
-        </p:txBody>
-      </p:sp>
-    </p:spTree>
-    <p:extLst>
-      <p:ext uri="{BB962C8B-B14F-4D97-AF65-F5344CB8AC3E}">
-        <p14:creationId xmlns:p14="http://schemas.microsoft.com/office/powerpoint/2010/main" val="2741329689"/>
-      </p:ext>
-    </p:extLst>
-  </p:cSld>
-  <p:clrMapOvr>
-    <a:masterClrMapping/>
-  </p:clrMapOvr>
-  <mc:AlternateContent xmlns:mc="http://schemas.openxmlformats.org/markup-compatibility/2006" xmlns:p14="http://schemas.microsoft.com/office/powerpoint/2010/main">
-    <mc:Choice Requires="p14">
-      <p:transition spd="med" p14:dur="600" advClick="0">
-        <p:fade/>
-      </p:transition>
-    </mc:Choice>
-    <mc:Fallback xmlns="">
-      <p:transition xmlns:p14="http://schemas.microsoft.com/office/powerpoint/2010/main" spd="med" advClick="0">
-        <p:fade/>
-      </p:transition>
-    </mc:Fallback>
-  </mc:AlternateContent>
-  <p:timing>
-    <p:tnLst>
-      <p:par>
-        <p:cTn xmlns:p14="http://schemas.microsoft.com/office/powerpoint/2010/main" id="1" dur="indefinite" restart="never" nodeType="tmRoot"/>
-      </p:par>
-    </p:tnLst>
-  </p:timing>
-</p:sld>
-</file>
-
-<file path=ppt/slides/slide39.xml><?xml version="1.0" encoding="utf-8"?>
-<p:sld xmlns:a="http://schemas.openxmlformats.org/drawingml/2006/main" xmlns:r="http://schemas.openxmlformats.org/officeDocument/2006/relationships" xmlns:p="http://schemas.openxmlformats.org/presentationml/2006/main">
-  <p:cSld>
-    <p:spTree>
-      <p:nvGrpSpPr>
-        <p:cNvPr id="1" name=""/>
-        <p:cNvGrpSpPr/>
-        <p:nvPr/>
-      </p:nvGrpSpPr>
-      <p:grpSpPr>
-        <a:xfrm>
-          <a:off x="0" y="0"/>
-          <a:ext cx="0" cy="0"/>
-          <a:chOff x="0" y="0"/>
-          <a:chExt cx="0" cy="0"/>
-        </a:xfrm>
-      </p:grpSpPr>
-      <p:sp>
-        <p:nvSpPr>
-          <p:cNvPr id="4" name="Slide Number Placeholder 2"/>
-          <p:cNvSpPr>
-            <a:spLocks noGrp="1"/>
-          </p:cNvSpPr>
-          <p:nvPr>
-            <p:ph type="sldNum" sz="quarter" idx="10"/>
-          </p:nvPr>
-        </p:nvSpPr>
-        <p:spPr>
-          <a:xfrm>
-            <a:off x="7333815" y="6553200"/>
-            <a:ext cx="1810186" cy="276999"/>
-          </a:xfrm>
-        </p:spPr>
-        <p:txBody>
-          <a:bodyPr/>
-          <a:lstStyle/>
-          <a:p>
-            <a:r>
-              <a:rPr lang="en-US" dirty="0" smtClean="0"/>
-              <a:t>propositional algebra.</a:t>
-            </a:r>
-            <a:fld id="{3251DA95-B240-47FE-901D-B78FC8E8E532}" type="slidenum">
-              <a:rPr lang="en-US" smtClean="0"/>
-              <a:pPr/>
-              <a:t>39</a:t>
-            </a:fld>
-            <a:endParaRPr lang="en-US" dirty="0"/>
-          </a:p>
-        </p:txBody>
-      </p:sp>
-      <p:graphicFrame>
-        <p:nvGraphicFramePr>
           <p:cNvPr id="10" name="Object 9"/>
           <p:cNvGraphicFramePr>
             <a:graphicFrameLocks noChangeAspect="1"/>
@@ -17890,7 +17404,7 @@
           <a:graphicData uri="http://schemas.openxmlformats.org/presentationml/2006/ole">
             <mc:AlternateContent xmlns:mc="http://schemas.openxmlformats.org/markup-compatibility/2006">
               <mc:Choice xmlns:v="urn:schemas-microsoft-com:vml" Requires="v">
-                <p:oleObj spid="_x0000_s544783" name="Equation" r:id="rId4" imgW="1333500" imgH="482600" progId="Equation.DSMT4">
+                <p:oleObj spid="_x0000_s544786" name="Equation" r:id="rId4" imgW="1333500" imgH="482600" progId="Equation.DSMT4">
                   <p:embed/>
                 </p:oleObj>
               </mc:Choice>
@@ -18042,7 +17556,7 @@
           <a:graphicData uri="http://schemas.openxmlformats.org/presentationml/2006/ole">
             <mc:AlternateContent xmlns:mc="http://schemas.openxmlformats.org/markup-compatibility/2006">
               <mc:Choice xmlns:v="urn:schemas-microsoft-com:vml" Requires="v">
-                <p:oleObj spid="_x0000_s544784" name="Equation" r:id="rId6" imgW="698500" imgH="254000" progId="Equation.DSMT4">
+                <p:oleObj spid="_x0000_s544787" name="Equation" r:id="rId6" imgW="698500" imgH="254000" progId="Equation.DSMT4">
                   <p:embed/>
                 </p:oleObj>
               </mc:Choice>
@@ -18268,7 +17782,7 @@
 </p:sld>
 </file>
 
-<file path=ppt/slides/slide4.xml><?xml version="1.0" encoding="utf-8"?>
+<file path=ppt/slides/slide39.xml><?xml version="1.0" encoding="utf-8"?>
 <p:sld xmlns:a="http://schemas.openxmlformats.org/drawingml/2006/main" xmlns:r="http://schemas.openxmlformats.org/officeDocument/2006/relationships" xmlns:p="http://schemas.openxmlformats.org/presentationml/2006/main">
   <p:cSld>
     <p:spTree>
@@ -18287,117 +17801,6 @@
       </p:grpSpPr>
       <p:sp>
         <p:nvSpPr>
-          <p:cNvPr id="5" name="TextBox 4"/>
-          <p:cNvSpPr txBox="1"/>
-          <p:nvPr/>
-        </p:nvSpPr>
-        <p:spPr>
-          <a:xfrm>
-            <a:off x="455613" y="1270000"/>
-            <a:ext cx="8267700" cy="939800"/>
-          </a:xfrm>
-          <a:prstGeom prst="rect">
-            <a:avLst/>
-          </a:prstGeom>
-          <a:noFill/>
-        </p:spPr>
-        <p:txBody>
-          <a:bodyPr wrap="square" rtlCol="0">
-            <a:spAutoFit/>
-          </a:bodyPr>
-          <a:lstStyle/>
-          <a:p>
-            <a:pPr algn="l"/>
-            <a:r>
-              <a:rPr lang="en-US" sz="5400" dirty="0" smtClean="0">
-                <a:solidFill>
-                  <a:schemeClr val="accent1">
-                    <a:lumMod val="50000"/>
-                  </a:schemeClr>
-                </a:solidFill>
-                <a:latin typeface="Comic Sans MS" pitchFamily="66" charset="0"/>
-              </a:rPr>
-              <a:t>Rules for </a:t>
-            </a:r>
-            <a:r>
-              <a:rPr lang="en-US" sz="4000" dirty="0" smtClean="0">
-                <a:solidFill>
-                  <a:srgbClr val="FF03E3"/>
-                </a:solidFill>
-                <a:latin typeface="Comic Sans MS" pitchFamily="66" charset="0"/>
-              </a:rPr>
-              <a:t>XOR</a:t>
-            </a:r>
-            <a:r>
-              <a:rPr lang="en-US" sz="5400" dirty="0">
-                <a:solidFill>
-                  <a:schemeClr val="accent1">
-                    <a:lumMod val="50000"/>
-                  </a:schemeClr>
-                </a:solidFill>
-                <a:latin typeface="Comic Sans MS" pitchFamily="66" charset="0"/>
-              </a:rPr>
-              <a:t>,</a:t>
-            </a:r>
-            <a:r>
-              <a:rPr lang="en-US" sz="5400" dirty="0" smtClean="0">
-                <a:solidFill>
-                  <a:schemeClr val="accent1">
-                    <a:lumMod val="50000"/>
-                  </a:schemeClr>
-                </a:solidFill>
-                <a:latin typeface="Comic Sans MS" pitchFamily="66" charset="0"/>
-              </a:rPr>
-              <a:t> </a:t>
-            </a:r>
-            <a:r>
-              <a:rPr lang="en-US" sz="4000" dirty="0" smtClean="0">
-                <a:solidFill>
-                  <a:srgbClr val="FF03E3"/>
-                </a:solidFill>
-                <a:latin typeface="Comic Sans MS" pitchFamily="66" charset="0"/>
-              </a:rPr>
-              <a:t>IMPLIES</a:t>
-            </a:r>
-            <a:endParaRPr lang="en-US" sz="4000" dirty="0">
-              <a:solidFill>
-                <a:srgbClr val="FF03E3"/>
-              </a:solidFill>
-              <a:latin typeface="Comic Sans MS" pitchFamily="66" charset="0"/>
-            </a:endParaRPr>
-          </a:p>
-        </p:txBody>
-      </p:sp>
-      <p:sp>
-        <p:nvSpPr>
-          <p:cNvPr id="9" name="Title 1"/>
-          <p:cNvSpPr>
-            <a:spLocks noGrp="1"/>
-          </p:cNvSpPr>
-          <p:nvPr>
-            <p:ph type="title"/>
-          </p:nvPr>
-        </p:nvSpPr>
-        <p:spPr>
-          <a:xfrm>
-            <a:off x="1651000" y="363538"/>
-            <a:ext cx="6794500" cy="1003300"/>
-          </a:xfrm>
-        </p:spPr>
-        <p:txBody>
-          <a:bodyPr/>
-          <a:lstStyle/>
-          <a:p>
-            <a:r>
-              <a:rPr lang="en-US" sz="4000" dirty="0" smtClean="0"/>
-              <a:t>Algebra for Equivalence</a:t>
-            </a:r>
-            <a:endParaRPr lang="en-US" sz="4000" dirty="0"/>
-          </a:p>
-        </p:txBody>
-      </p:sp>
-      <p:sp>
-        <p:nvSpPr>
           <p:cNvPr id="4" name="Slide Number Placeholder 2"/>
           <p:cNvSpPr>
             <a:spLocks noGrp="1"/>
@@ -18423,1036 +17826,7 @@
             <a:fld id="{3251DA95-B240-47FE-901D-B78FC8E8E532}" type="slidenum">
               <a:rPr lang="en-US" smtClean="0"/>
               <a:pPr/>
-              <a:t>4</a:t>
-            </a:fld>
-            <a:endParaRPr lang="en-US" dirty="0"/>
-          </a:p>
-        </p:txBody>
-      </p:sp>
-      <p:graphicFrame>
-        <p:nvGraphicFramePr>
-          <p:cNvPr id="6" name="Object 5"/>
-          <p:cNvGraphicFramePr>
-            <a:graphicFrameLocks noChangeAspect="1"/>
-          </p:cNvGraphicFramePr>
-          <p:nvPr>
-            <p:extLst>
-              <p:ext uri="{D42A27DB-BD31-4B8C-83A1-F6EECF244321}">
-                <p14:modId xmlns:p14="http://schemas.microsoft.com/office/powerpoint/2010/main" val="2631726815"/>
-              </p:ext>
-            </p:extLst>
-          </p:nvPr>
-        </p:nvGraphicFramePr>
-        <p:xfrm>
-          <a:off x="5397500" y="4064000"/>
-          <a:ext cx="139700" cy="215900"/>
-        </p:xfrm>
-        <a:graphic>
-          <a:graphicData uri="http://schemas.openxmlformats.org/presentationml/2006/ole">
-            <mc:AlternateContent xmlns:mc="http://schemas.openxmlformats.org/markup-compatibility/2006">
-              <mc:Choice xmlns:v="urn:schemas-microsoft-com:vml" Requires="v">
-                <p:oleObj spid="_x0000_s420004" name="Equation" r:id="rId4" imgW="139700" imgH="215900" progId="Equation.DSMT4">
-                  <p:embed/>
-                </p:oleObj>
-              </mc:Choice>
-              <mc:Fallback>
-                <p:oleObj name="Equation" r:id="rId4" imgW="139700" imgH="215900" progId="Equation.DSMT4">
-                  <p:embed/>
-                  <p:pic>
-                    <p:nvPicPr>
-                      <p:cNvPr id="0" name=""/>
-                      <p:cNvPicPr/>
-                      <p:nvPr/>
-                    </p:nvPicPr>
-                    <p:blipFill>
-                      <a:blip r:embed="rId5"/>
-                      <a:stretch>
-                        <a:fillRect/>
-                      </a:stretch>
-                    </p:blipFill>
-                    <p:spPr>
-                      <a:xfrm>
-                        <a:off x="5397500" y="4064000"/>
-                        <a:ext cx="139700" cy="215900"/>
-                      </a:xfrm>
-                      <a:prstGeom prst="rect">
-                        <a:avLst/>
-                      </a:prstGeom>
-                    </p:spPr>
-                  </p:pic>
-                </p:oleObj>
-              </mc:Fallback>
-            </mc:AlternateContent>
-          </a:graphicData>
-        </a:graphic>
-      </p:graphicFrame>
-      <p:graphicFrame>
-        <p:nvGraphicFramePr>
-          <p:cNvPr id="7" name="Object 6"/>
-          <p:cNvGraphicFramePr>
-            <a:graphicFrameLocks noChangeAspect="1"/>
-          </p:cNvGraphicFramePr>
-          <p:nvPr>
-            <p:extLst>
-              <p:ext uri="{D42A27DB-BD31-4B8C-83A1-F6EECF244321}">
-                <p14:modId xmlns:p14="http://schemas.microsoft.com/office/powerpoint/2010/main" val="2901576364"/>
-              </p:ext>
-            </p:extLst>
-          </p:nvPr>
-        </p:nvGraphicFramePr>
-        <p:xfrm>
-          <a:off x="481013" y="2393950"/>
-          <a:ext cx="7837487" cy="876300"/>
-        </p:xfrm>
-        <a:graphic>
-          <a:graphicData uri="http://schemas.openxmlformats.org/presentationml/2006/ole">
-            <mc:AlternateContent xmlns:mc="http://schemas.openxmlformats.org/markup-compatibility/2006">
-              <mc:Choice xmlns:v="urn:schemas-microsoft-com:vml" Requires="v">
-                <p:oleObj spid="_x0000_s420005" name="Equation" r:id="rId6" imgW="2044700" imgH="228600" progId="Equation.DSMT4">
-                  <p:embed/>
-                </p:oleObj>
-              </mc:Choice>
-              <mc:Fallback>
-                <p:oleObj name="Equation" r:id="rId6" imgW="2044700" imgH="228600" progId="Equation.DSMT4">
-                  <p:embed/>
-                  <p:pic>
-                    <p:nvPicPr>
-                      <p:cNvPr id="0" name=""/>
-                      <p:cNvPicPr/>
-                      <p:nvPr/>
-                    </p:nvPicPr>
-                    <p:blipFill>
-                      <a:blip r:embed="rId7"/>
-                      <a:stretch>
-                        <a:fillRect/>
-                      </a:stretch>
-                    </p:blipFill>
-                    <p:spPr>
-                      <a:xfrm>
-                        <a:off x="481013" y="2393950"/>
-                        <a:ext cx="7837487" cy="876300"/>
-                      </a:xfrm>
-                      <a:prstGeom prst="rect">
-                        <a:avLst/>
-                      </a:prstGeom>
-                    </p:spPr>
-                  </p:pic>
-                </p:oleObj>
-              </mc:Fallback>
-            </mc:AlternateContent>
-          </a:graphicData>
-        </a:graphic>
-      </p:graphicFrame>
-      <p:sp>
-        <p:nvSpPr>
-          <p:cNvPr id="8" name="TextBox 7"/>
-          <p:cNvSpPr txBox="1"/>
-          <p:nvPr/>
-        </p:nvSpPr>
-        <p:spPr>
-          <a:xfrm>
-            <a:off x="495300" y="5377576"/>
-            <a:ext cx="8204200" cy="923330"/>
-          </a:xfrm>
-          <a:prstGeom prst="rect">
-            <a:avLst/>
-          </a:prstGeom>
-          <a:noFill/>
-        </p:spPr>
-        <p:txBody>
-          <a:bodyPr wrap="square" rtlCol="0">
-            <a:spAutoFit/>
-          </a:bodyPr>
-          <a:lstStyle/>
-          <a:p>
-            <a:pPr algn="l"/>
-            <a:r>
-              <a:rPr lang="en-US" sz="5400" dirty="0" smtClean="0">
-                <a:latin typeface="Comic Sans MS" pitchFamily="66" charset="0"/>
-              </a:rPr>
-              <a:t>Just leaves </a:t>
-            </a:r>
-            <a:r>
-              <a:rPr lang="en-US" sz="4400" dirty="0" smtClean="0">
-                <a:solidFill>
-                  <a:srgbClr val="CCCCFF">
-                    <a:lumMod val="50000"/>
-                  </a:srgbClr>
-                </a:solidFill>
-                <a:latin typeface="Comic Sans MS" pitchFamily="66" charset="0"/>
-              </a:rPr>
-              <a:t>AND</a:t>
-            </a:r>
-            <a:r>
-              <a:rPr lang="en-US" sz="4400" dirty="0" smtClean="0">
-                <a:latin typeface="Comic Sans MS" pitchFamily="66" charset="0"/>
-              </a:rPr>
-              <a:t>,</a:t>
-            </a:r>
-            <a:r>
-              <a:rPr lang="en-US" sz="4400" dirty="0" smtClean="0">
-                <a:solidFill>
-                  <a:srgbClr val="CCCCFF">
-                    <a:lumMod val="50000"/>
-                  </a:srgbClr>
-                </a:solidFill>
-                <a:latin typeface="Comic Sans MS" pitchFamily="66" charset="0"/>
-              </a:rPr>
-              <a:t> OR</a:t>
-            </a:r>
-            <a:r>
-              <a:rPr lang="en-US" sz="4400" dirty="0" smtClean="0">
-                <a:solidFill>
-                  <a:srgbClr val="000000"/>
-                </a:solidFill>
-                <a:latin typeface="Comic Sans MS" pitchFamily="66" charset="0"/>
-              </a:rPr>
-              <a:t>,</a:t>
-            </a:r>
-            <a:r>
-              <a:rPr lang="en-US" sz="4400" dirty="0" smtClean="0">
-                <a:solidFill>
-                  <a:srgbClr val="CCCCFF">
-                    <a:lumMod val="50000"/>
-                  </a:srgbClr>
-                </a:solidFill>
-                <a:latin typeface="Comic Sans MS" pitchFamily="66" charset="0"/>
-              </a:rPr>
-              <a:t> NOT</a:t>
-            </a:r>
-            <a:endParaRPr lang="en-US" sz="4400" dirty="0" smtClean="0">
-              <a:latin typeface="Comic Sans MS" pitchFamily="66" charset="0"/>
-            </a:endParaRPr>
-          </a:p>
-        </p:txBody>
-      </p:sp>
-      <p:graphicFrame>
-        <p:nvGraphicFramePr>
-          <p:cNvPr id="10" name="Object 9"/>
-          <p:cNvGraphicFramePr>
-            <a:graphicFrameLocks noChangeAspect="1"/>
-          </p:cNvGraphicFramePr>
-          <p:nvPr>
-            <p:extLst>
-              <p:ext uri="{D42A27DB-BD31-4B8C-83A1-F6EECF244321}">
-                <p14:modId xmlns:p14="http://schemas.microsoft.com/office/powerpoint/2010/main" val="4006639958"/>
-              </p:ext>
-            </p:extLst>
-          </p:nvPr>
-        </p:nvGraphicFramePr>
-        <p:xfrm>
-          <a:off x="515144" y="3238500"/>
-          <a:ext cx="8275637" cy="1752600"/>
-        </p:xfrm>
-        <a:graphic>
-          <a:graphicData uri="http://schemas.openxmlformats.org/presentationml/2006/ole">
-            <mc:AlternateContent xmlns:mc="http://schemas.openxmlformats.org/markup-compatibility/2006">
-              <mc:Choice xmlns:v="urn:schemas-microsoft-com:vml" Requires="v">
-                <p:oleObj spid="_x0000_s420006" name="Equation" r:id="rId8" imgW="2159000" imgH="457200" progId="Equation.DSMT4">
-                  <p:embed/>
-                </p:oleObj>
-              </mc:Choice>
-              <mc:Fallback>
-                <p:oleObj name="Equation" r:id="rId8" imgW="2159000" imgH="457200" progId="Equation.DSMT4">
-                  <p:embed/>
-                  <p:pic>
-                    <p:nvPicPr>
-                      <p:cNvPr id="0" name=""/>
-                      <p:cNvPicPr/>
-                      <p:nvPr/>
-                    </p:nvPicPr>
-                    <p:blipFill>
-                      <a:blip r:embed="rId9"/>
-                      <a:stretch>
-                        <a:fillRect/>
-                      </a:stretch>
-                    </p:blipFill>
-                    <p:spPr>
-                      <a:xfrm>
-                        <a:off x="515144" y="3238500"/>
-                        <a:ext cx="8275637" cy="1752600"/>
-                      </a:xfrm>
-                      <a:prstGeom prst="rect">
-                        <a:avLst/>
-                      </a:prstGeom>
-                    </p:spPr>
-                  </p:pic>
-                </p:oleObj>
-              </mc:Fallback>
-            </mc:AlternateContent>
-          </a:graphicData>
-        </a:graphic>
-      </p:graphicFrame>
-    </p:spTree>
-    <p:extLst>
-      <p:ext uri="{BB962C8B-B14F-4D97-AF65-F5344CB8AC3E}">
-        <p14:creationId xmlns:p14="http://schemas.microsoft.com/office/powerpoint/2010/main" val="427619550"/>
-      </p:ext>
-    </p:extLst>
-  </p:cSld>
-  <p:clrMapOvr>
-    <a:masterClrMapping/>
-  </p:clrMapOvr>
-  <p:transition xmlns:p14="http://schemas.microsoft.com/office/powerpoint/2010/main" spd="slow" advClick="0">
-    <p:fade/>
-  </p:transition>
-  <p:timing>
-    <p:tnLst>
-      <p:par>
-        <p:cTn xmlns:p14="http://schemas.microsoft.com/office/powerpoint/2010/main" id="1" dur="indefinite" restart="never" nodeType="tmRoot">
-          <p:childTnLst>
-            <p:seq concurrent="1" nextAc="seek">
-              <p:cTn id="2" dur="indefinite" nodeType="mainSeq">
-                <p:childTnLst>
-                  <p:par>
-                    <p:cTn id="3" fill="hold">
-                      <p:stCondLst>
-                        <p:cond delay="indefinite"/>
-                      </p:stCondLst>
-                      <p:childTnLst>
-                        <p:par>
-                          <p:cTn id="4" fill="hold">
-                            <p:stCondLst>
-                              <p:cond delay="0"/>
-                            </p:stCondLst>
-                            <p:childTnLst>
-                              <p:par>
-                                <p:cTn id="5" presetID="22" presetClass="entr" presetSubtype="8" fill="hold" nodeType="clickEffect">
-                                  <p:stCondLst>
-                                    <p:cond delay="0"/>
-                                  </p:stCondLst>
-                                  <p:childTnLst>
-                                    <p:set>
-                                      <p:cBhvr>
-                                        <p:cTn id="6" dur="1" fill="hold">
-                                          <p:stCondLst>
-                                            <p:cond delay="0"/>
-                                          </p:stCondLst>
-                                        </p:cTn>
-                                        <p:tgtEl>
-                                          <p:spTgt spid="7"/>
-                                        </p:tgtEl>
-                                        <p:attrNameLst>
-                                          <p:attrName>style.visibility</p:attrName>
-                                        </p:attrNameLst>
-                                      </p:cBhvr>
-                                      <p:to>
-                                        <p:strVal val="visible"/>
-                                      </p:to>
-                                    </p:set>
-                                    <p:animEffect transition="in" filter="wipe(left)">
-                                      <p:cBhvr>
-                                        <p:cTn id="7" dur="1000"/>
-                                        <p:tgtEl>
-                                          <p:spTgt spid="7"/>
-                                        </p:tgtEl>
-                                      </p:cBhvr>
-                                    </p:animEffect>
-                                  </p:childTnLst>
-                                </p:cTn>
-                              </p:par>
-                            </p:childTnLst>
-                          </p:cTn>
-                        </p:par>
-                      </p:childTnLst>
-                    </p:cTn>
-                  </p:par>
-                  <p:par>
-                    <p:cTn id="8" fill="hold">
-                      <p:stCondLst>
-                        <p:cond delay="indefinite"/>
-                      </p:stCondLst>
-                      <p:childTnLst>
-                        <p:par>
-                          <p:cTn id="9" fill="hold">
-                            <p:stCondLst>
-                              <p:cond delay="0"/>
-                            </p:stCondLst>
-                            <p:childTnLst>
-                              <p:par>
-                                <p:cTn id="10" presetID="22" presetClass="entr" presetSubtype="8" fill="hold" nodeType="clickEffect">
-                                  <p:stCondLst>
-                                    <p:cond delay="0"/>
-                                  </p:stCondLst>
-                                  <p:childTnLst>
-                                    <p:set>
-                                      <p:cBhvr>
-                                        <p:cTn id="11" dur="1" fill="hold">
-                                          <p:stCondLst>
-                                            <p:cond delay="0"/>
-                                          </p:stCondLst>
-                                        </p:cTn>
-                                        <p:tgtEl>
-                                          <p:spTgt spid="10"/>
-                                        </p:tgtEl>
-                                        <p:attrNameLst>
-                                          <p:attrName>style.visibility</p:attrName>
-                                        </p:attrNameLst>
-                                      </p:cBhvr>
-                                      <p:to>
-                                        <p:strVal val="visible"/>
-                                      </p:to>
-                                    </p:set>
-                                    <p:animEffect transition="in" filter="wipe(left)">
-                                      <p:cBhvr>
-                                        <p:cTn id="12" dur="1000"/>
-                                        <p:tgtEl>
-                                          <p:spTgt spid="10"/>
-                                        </p:tgtEl>
-                                      </p:cBhvr>
-                                    </p:animEffect>
-                                  </p:childTnLst>
-                                </p:cTn>
-                              </p:par>
-                            </p:childTnLst>
-                          </p:cTn>
-                        </p:par>
-                      </p:childTnLst>
-                    </p:cTn>
-                  </p:par>
-                  <p:par>
-                    <p:cTn id="13" fill="hold">
-                      <p:stCondLst>
-                        <p:cond delay="indefinite"/>
-                      </p:stCondLst>
-                      <p:childTnLst>
-                        <p:par>
-                          <p:cTn id="14" fill="hold">
-                            <p:stCondLst>
-                              <p:cond delay="0"/>
-                            </p:stCondLst>
-                            <p:childTnLst>
-                              <p:par>
-                                <p:cTn id="15" presetID="10" presetClass="entr" presetSubtype="0" fill="hold" grpId="0" nodeType="clickEffect">
-                                  <p:stCondLst>
-                                    <p:cond delay="0"/>
-                                  </p:stCondLst>
-                                  <p:childTnLst>
-                                    <p:set>
-                                      <p:cBhvr>
-                                        <p:cTn id="16" dur="1" fill="hold">
-                                          <p:stCondLst>
-                                            <p:cond delay="0"/>
-                                          </p:stCondLst>
-                                        </p:cTn>
-                                        <p:tgtEl>
-                                          <p:spTgt spid="8"/>
-                                        </p:tgtEl>
-                                        <p:attrNameLst>
-                                          <p:attrName>style.visibility</p:attrName>
-                                        </p:attrNameLst>
-                                      </p:cBhvr>
-                                      <p:to>
-                                        <p:strVal val="visible"/>
-                                      </p:to>
-                                    </p:set>
-                                    <p:animEffect transition="in" filter="fade">
-                                      <p:cBhvr>
-                                        <p:cTn id="17" dur="1000"/>
-                                        <p:tgtEl>
-                                          <p:spTgt spid="8"/>
-                                        </p:tgtEl>
-                                      </p:cBhvr>
-                                    </p:animEffect>
-                                  </p:childTnLst>
-                                </p:cTn>
-                              </p:par>
-                            </p:childTnLst>
-                          </p:cTn>
-                        </p:par>
-                      </p:childTnLst>
-                    </p:cTn>
-                  </p:par>
-                </p:childTnLst>
-              </p:cTn>
-              <p:prevCondLst>
-                <p:cond evt="onPrev" delay="0">
-                  <p:tgtEl>
-                    <p:sldTgt/>
-                  </p:tgtEl>
-                </p:cond>
-              </p:prevCondLst>
-              <p:nextCondLst>
-                <p:cond evt="onNext" delay="0">
-                  <p:tgtEl>
-                    <p:sldTgt/>
-                  </p:tgtEl>
-                </p:cond>
-              </p:nextCondLst>
-            </p:seq>
-          </p:childTnLst>
-        </p:cTn>
-      </p:par>
-    </p:tnLst>
-    <p:bldLst>
-      <p:bldP spid="8" grpId="0"/>
-    </p:bldLst>
-  </p:timing>
-</p:sld>
-</file>
-
-<file path=ppt/slides/slide40.xml><?xml version="1.0" encoding="utf-8"?>
-<p:sld xmlns:a="http://schemas.openxmlformats.org/drawingml/2006/main" xmlns:r="http://schemas.openxmlformats.org/officeDocument/2006/relationships" xmlns:p="http://schemas.openxmlformats.org/presentationml/2006/main" show="0">
-  <p:cSld>
-    <p:spTree>
-      <p:nvGrpSpPr>
-        <p:cNvPr id="1" name=""/>
-        <p:cNvGrpSpPr/>
-        <p:nvPr/>
-      </p:nvGrpSpPr>
-      <p:grpSpPr>
-        <a:xfrm>
-          <a:off x="0" y="0"/>
-          <a:ext cx="0" cy="0"/>
-          <a:chOff x="0" y="0"/>
-          <a:chExt cx="0" cy="0"/>
-        </a:xfrm>
-      </p:grpSpPr>
-      <p:sp>
-        <p:nvSpPr>
-          <p:cNvPr id="12" name="Title 4"/>
-          <p:cNvSpPr txBox="1">
-            <a:spLocks/>
-          </p:cNvSpPr>
-          <p:nvPr/>
-        </p:nvSpPr>
-        <p:spPr bwMode="auto">
-          <a:xfrm>
-            <a:off x="1447800" y="304800"/>
-            <a:ext cx="7543800" cy="1143000"/>
-          </a:xfrm>
-          <a:prstGeom prst="rect">
-            <a:avLst/>
-          </a:prstGeom>
-          <a:noFill/>
-          <a:ln w="9525">
-            <a:noFill/>
-            <a:miter lim="800000"/>
-            <a:headEnd/>
-            <a:tailEnd/>
-          </a:ln>
-        </p:spPr>
-        <p:txBody>
-          <a:bodyPr vert="horz" wrap="square" lIns="91440" tIns="45720" rIns="91440" bIns="45720" numCol="1" anchor="ctr" anchorCtr="0" compatLnSpc="1">
-            <a:prstTxWarp prst="textNoShape">
-              <a:avLst/>
-            </a:prstTxWarp>
-          </a:bodyPr>
-          <a:lstStyle>
-            <a:lvl1pPr algn="l" rtl="0" eaLnBrk="0" fontAlgn="base" hangingPunct="0">
-              <a:spcBef>
-                <a:spcPct val="0"/>
-              </a:spcBef>
-              <a:spcAft>
-                <a:spcPct val="0"/>
-              </a:spcAft>
-              <a:defRPr sz="3600" b="1">
-                <a:solidFill>
-                  <a:schemeClr val="tx2"/>
-                </a:solidFill>
-                <a:latin typeface="Comic Sans MS" pitchFamily="66" charset="0"/>
-                <a:ea typeface="+mj-ea"/>
-                <a:cs typeface="+mj-cs"/>
-              </a:defRPr>
-            </a:lvl1pPr>
-            <a:lvl2pPr algn="l" rtl="0" eaLnBrk="0" fontAlgn="base" hangingPunct="0">
-              <a:spcBef>
-                <a:spcPct val="0"/>
-              </a:spcBef>
-              <a:spcAft>
-                <a:spcPct val="0"/>
-              </a:spcAft>
-              <a:defRPr sz="4400" b="1">
-                <a:solidFill>
-                  <a:schemeClr val="tx2"/>
-                </a:solidFill>
-                <a:latin typeface="Comic Sans MS" pitchFamily="66" charset="0"/>
-              </a:defRPr>
-            </a:lvl2pPr>
-            <a:lvl3pPr algn="l" rtl="0" eaLnBrk="0" fontAlgn="base" hangingPunct="0">
-              <a:spcBef>
-                <a:spcPct val="0"/>
-              </a:spcBef>
-              <a:spcAft>
-                <a:spcPct val="0"/>
-              </a:spcAft>
-              <a:defRPr sz="4400" b="1">
-                <a:solidFill>
-                  <a:schemeClr val="tx2"/>
-                </a:solidFill>
-                <a:latin typeface="Comic Sans MS" pitchFamily="66" charset="0"/>
-              </a:defRPr>
-            </a:lvl3pPr>
-            <a:lvl4pPr algn="l" rtl="0" eaLnBrk="0" fontAlgn="base" hangingPunct="0">
-              <a:spcBef>
-                <a:spcPct val="0"/>
-              </a:spcBef>
-              <a:spcAft>
-                <a:spcPct val="0"/>
-              </a:spcAft>
-              <a:defRPr sz="4400" b="1">
-                <a:solidFill>
-                  <a:schemeClr val="tx2"/>
-                </a:solidFill>
-                <a:latin typeface="Comic Sans MS" pitchFamily="66" charset="0"/>
-              </a:defRPr>
-            </a:lvl4pPr>
-            <a:lvl5pPr algn="l" rtl="0" eaLnBrk="0" fontAlgn="base" hangingPunct="0">
-              <a:spcBef>
-                <a:spcPct val="0"/>
-              </a:spcBef>
-              <a:spcAft>
-                <a:spcPct val="0"/>
-              </a:spcAft>
-              <a:defRPr sz="4400" b="1">
-                <a:solidFill>
-                  <a:schemeClr val="tx2"/>
-                </a:solidFill>
-                <a:latin typeface="Comic Sans MS" pitchFamily="66" charset="0"/>
-              </a:defRPr>
-            </a:lvl5pPr>
-            <a:lvl6pPr marL="457200" algn="l" rtl="0" fontAlgn="base">
-              <a:spcBef>
-                <a:spcPct val="0"/>
-              </a:spcBef>
-              <a:spcAft>
-                <a:spcPct val="0"/>
-              </a:spcAft>
-              <a:defRPr sz="4400" b="1">
-                <a:solidFill>
-                  <a:schemeClr val="tx2"/>
-                </a:solidFill>
-                <a:latin typeface="Times New Roman" pitchFamily="18" charset="0"/>
-              </a:defRPr>
-            </a:lvl6pPr>
-            <a:lvl7pPr marL="914400" algn="l" rtl="0" fontAlgn="base">
-              <a:spcBef>
-                <a:spcPct val="0"/>
-              </a:spcBef>
-              <a:spcAft>
-                <a:spcPct val="0"/>
-              </a:spcAft>
-              <a:defRPr sz="4400" b="1">
-                <a:solidFill>
-                  <a:schemeClr val="tx2"/>
-                </a:solidFill>
-                <a:latin typeface="Times New Roman" pitchFamily="18" charset="0"/>
-              </a:defRPr>
-            </a:lvl7pPr>
-            <a:lvl8pPr marL="1371600" algn="l" rtl="0" fontAlgn="base">
-              <a:spcBef>
-                <a:spcPct val="0"/>
-              </a:spcBef>
-              <a:spcAft>
-                <a:spcPct val="0"/>
-              </a:spcAft>
-              <a:defRPr sz="4400" b="1">
-                <a:solidFill>
-                  <a:schemeClr val="tx2"/>
-                </a:solidFill>
-                <a:latin typeface="Times New Roman" pitchFamily="18" charset="0"/>
-              </a:defRPr>
-            </a:lvl8pPr>
-            <a:lvl9pPr marL="1828800" algn="l" rtl="0" fontAlgn="base">
-              <a:spcBef>
-                <a:spcPct val="0"/>
-              </a:spcBef>
-              <a:spcAft>
-                <a:spcPct val="0"/>
-              </a:spcAft>
-              <a:defRPr sz="4400" b="1">
-                <a:solidFill>
-                  <a:schemeClr val="tx2"/>
-                </a:solidFill>
-                <a:latin typeface="Times New Roman" pitchFamily="18" charset="0"/>
-              </a:defRPr>
-            </a:lvl9pPr>
-          </a:lstStyle>
-          <a:p>
-            <a:r>
-              <a:rPr lang="en-US" sz="4400" dirty="0" smtClean="0"/>
-              <a:t>Sorted Full </a:t>
-            </a:r>
-            <a:r>
-              <a:rPr lang="en-US" sz="4000" dirty="0" smtClean="0">
-                <a:solidFill>
-                  <a:schemeClr val="accent5">
-                    <a:lumMod val="50000"/>
-                  </a:schemeClr>
-                </a:solidFill>
-              </a:rPr>
-              <a:t>AND-</a:t>
-            </a:r>
-            <a:r>
-              <a:rPr lang="en-US" sz="4000" dirty="0" smtClean="0">
-                <a:solidFill>
-                  <a:schemeClr val="tx1"/>
-                </a:solidFill>
-              </a:rPr>
-              <a:t>term</a:t>
-            </a:r>
-            <a:endParaRPr lang="en-US" sz="4000" dirty="0">
-              <a:solidFill>
-                <a:schemeClr val="tx1"/>
-              </a:solidFill>
-            </a:endParaRPr>
-          </a:p>
-        </p:txBody>
-      </p:sp>
-      <p:sp>
-        <p:nvSpPr>
-          <p:cNvPr id="4" name="Slide Number Placeholder 2"/>
-          <p:cNvSpPr>
-            <a:spLocks noGrp="1"/>
-          </p:cNvSpPr>
-          <p:nvPr>
-            <p:ph type="sldNum" sz="quarter" idx="10"/>
-          </p:nvPr>
-        </p:nvSpPr>
-        <p:spPr>
-          <a:xfrm>
-            <a:off x="7333815" y="6553200"/>
-            <a:ext cx="1810186" cy="276999"/>
-          </a:xfrm>
-        </p:spPr>
-        <p:txBody>
-          <a:bodyPr/>
-          <a:lstStyle/>
-          <a:p>
-            <a:r>
-              <a:rPr lang="en-US" dirty="0" smtClean="0"/>
-              <a:t>propositional algebra.</a:t>
-            </a:r>
-            <a:fld id="{3251DA95-B240-47FE-901D-B78FC8E8E532}" type="slidenum">
-              <a:rPr lang="en-US" smtClean="0"/>
-              <a:pPr/>
-              <a:t>40</a:t>
-            </a:fld>
-            <a:endParaRPr lang="en-US" dirty="0"/>
-          </a:p>
-        </p:txBody>
-      </p:sp>
-      <p:graphicFrame>
-        <p:nvGraphicFramePr>
-          <p:cNvPr id="6" name="Object 5"/>
-          <p:cNvGraphicFramePr>
-            <a:graphicFrameLocks noChangeAspect="1"/>
-          </p:cNvGraphicFramePr>
-          <p:nvPr>
-            <p:extLst>
-              <p:ext uri="{D42A27DB-BD31-4B8C-83A1-F6EECF244321}">
-                <p14:modId xmlns:p14="http://schemas.microsoft.com/office/powerpoint/2010/main" val="2268006192"/>
-              </p:ext>
-            </p:extLst>
-          </p:nvPr>
-        </p:nvGraphicFramePr>
-        <p:xfrm>
-          <a:off x="2143124" y="3194049"/>
-          <a:ext cx="5100694" cy="1847851"/>
-        </p:xfrm>
-        <a:graphic>
-          <a:graphicData uri="http://schemas.openxmlformats.org/presentationml/2006/ole">
-            <mc:AlternateContent xmlns:mc="http://schemas.openxmlformats.org/markup-compatibility/2006">
-              <mc:Choice xmlns:v="urn:schemas-microsoft-com:vml" Requires="v">
-                <p:oleObj spid="_x0000_s524307" name="Equation" r:id="rId4" imgW="1333500" imgH="482600" progId="Equation.DSMT4">
-                  <p:embed/>
-                </p:oleObj>
-              </mc:Choice>
-              <mc:Fallback>
-                <p:oleObj name="Equation" r:id="rId4" imgW="1333500" imgH="482600" progId="Equation.DSMT4">
-                  <p:embed/>
-                  <p:pic>
-                    <p:nvPicPr>
-                      <p:cNvPr id="0" name=""/>
-                      <p:cNvPicPr/>
-                      <p:nvPr/>
-                    </p:nvPicPr>
-                    <p:blipFill>
-                      <a:blip r:embed="rId5"/>
-                      <a:stretch>
-                        <a:fillRect/>
-                      </a:stretch>
-                    </p:blipFill>
-                    <p:spPr>
-                      <a:xfrm>
-                        <a:off x="2143124" y="3194049"/>
-                        <a:ext cx="5100694" cy="1847851"/>
-                      </a:xfrm>
-                      <a:prstGeom prst="rect">
-                        <a:avLst/>
-                      </a:prstGeom>
-                    </p:spPr>
-                  </p:pic>
-                </p:oleObj>
-              </mc:Fallback>
-            </mc:AlternateContent>
-          </a:graphicData>
-        </a:graphic>
-      </p:graphicFrame>
-      <p:sp>
-        <p:nvSpPr>
-          <p:cNvPr id="2" name="Rounded Rectangle 1"/>
-          <p:cNvSpPr/>
-          <p:nvPr/>
-        </p:nvSpPr>
-        <p:spPr bwMode="auto">
-          <a:xfrm>
-            <a:off x="1638300" y="3238500"/>
-            <a:ext cx="6070600" cy="1968500"/>
-          </a:xfrm>
-          <a:prstGeom prst="roundRect">
-            <a:avLst/>
-          </a:prstGeom>
-          <a:noFill/>
-          <a:ln w="34925" cap="flat" cmpd="sng" algn="ctr">
-            <a:solidFill>
-              <a:srgbClr val="FF03E3"/>
-            </a:solidFill>
-            <a:prstDash val="sysDash"/>
-            <a:round/>
-            <a:headEnd type="none" w="med" len="med"/>
-            <a:tailEnd type="none" w="med" len="med"/>
-          </a:ln>
-          <a:effectLst/>
-        </p:spPr>
-        <p:txBody>
-          <a:bodyPr vert="horz" wrap="none" lIns="91440" tIns="45720" rIns="91440" bIns="45720" numCol="1" rtlCol="0" anchor="ctr" anchorCtr="0" compatLnSpc="1">
-            <a:prstTxWarp prst="textNoShape">
-              <a:avLst/>
-            </a:prstTxWarp>
-          </a:bodyPr>
-          <a:lstStyle/>
-          <a:p>
-            <a:pPr marL="0" marR="0" indent="0" algn="ctr" defTabSz="914400" rtl="0" eaLnBrk="1" fontAlgn="base" latinLnBrk="0" hangingPunct="1">
-              <a:lnSpc>
-                <a:spcPct val="100000"/>
-              </a:lnSpc>
-              <a:spcBef>
-                <a:spcPct val="0"/>
-              </a:spcBef>
-              <a:spcAft>
-                <a:spcPct val="0"/>
-              </a:spcAft>
-              <a:buClrTx/>
-              <a:buSzTx/>
-              <a:buFontTx/>
-              <a:buNone/>
-              <a:tabLst/>
-            </a:pPr>
-            <a:endParaRPr kumimoji="0" lang="en-US" sz="3200" b="0" i="0" u="none" strike="noStrike" cap="none" normalizeH="0" baseline="0" smtClean="0">
-              <a:ln>
-                <a:noFill/>
-              </a:ln>
-              <a:solidFill>
-                <a:schemeClr val="tx1"/>
-              </a:solidFill>
-              <a:effectLst/>
-              <a:latin typeface="Times New Roman" pitchFamily="18" charset="0"/>
-            </a:endParaRPr>
-          </a:p>
-        </p:txBody>
-      </p:sp>
-    </p:spTree>
-    <p:extLst>
-      <p:ext uri="{BB962C8B-B14F-4D97-AF65-F5344CB8AC3E}">
-        <p14:creationId xmlns:p14="http://schemas.microsoft.com/office/powerpoint/2010/main" val="2688728575"/>
-      </p:ext>
-    </p:extLst>
-  </p:cSld>
-  <p:clrMapOvr>
-    <a:masterClrMapping/>
-  </p:clrMapOvr>
-  <mc:AlternateContent xmlns:mc="http://schemas.openxmlformats.org/markup-compatibility/2006">
-    <mc:Choice xmlns:p14="http://schemas.microsoft.com/office/powerpoint/2010/main" Requires="p14">
-      <p:transition spd="med" p14:dur="600" advClick="0">
-        <p:fade/>
-      </p:transition>
-    </mc:Choice>
-    <mc:Fallback>
-      <p:transition xmlns:p14="http://schemas.microsoft.com/office/powerpoint/2010/main" spd="med" advClick="0">
-        <p:fade/>
-      </p:transition>
-    </mc:Fallback>
-  </mc:AlternateContent>
-  <p:timing>
-    <p:tnLst>
-      <p:par>
-        <p:cTn xmlns:p14="http://schemas.microsoft.com/office/powerpoint/2010/main" id="1" dur="indefinite" restart="never" nodeType="tmRoot">
-          <p:childTnLst>
-            <p:seq concurrent="1" nextAc="seek">
-              <p:cTn id="2" dur="indefinite" nodeType="mainSeq">
-                <p:childTnLst>
-                  <p:par>
-                    <p:cTn id="3" fill="hold">
-                      <p:stCondLst>
-                        <p:cond delay="indefinite"/>
-                      </p:stCondLst>
-                      <p:childTnLst>
-                        <p:par>
-                          <p:cTn id="4" fill="hold">
-                            <p:stCondLst>
-                              <p:cond delay="0"/>
-                            </p:stCondLst>
-                            <p:childTnLst>
-                              <p:par>
-                                <p:cTn id="5" presetID="10" presetClass="entr" presetSubtype="0" fill="hold" grpId="0" nodeType="clickEffect">
-                                  <p:stCondLst>
-                                    <p:cond delay="0"/>
-                                  </p:stCondLst>
-                                  <p:childTnLst>
-                                    <p:set>
-                                      <p:cBhvr>
-                                        <p:cTn id="6" dur="1" fill="hold">
-                                          <p:stCondLst>
-                                            <p:cond delay="0"/>
-                                          </p:stCondLst>
-                                        </p:cTn>
-                                        <p:tgtEl>
-                                          <p:spTgt spid="2"/>
-                                        </p:tgtEl>
-                                        <p:attrNameLst>
-                                          <p:attrName>style.visibility</p:attrName>
-                                        </p:attrNameLst>
-                                      </p:cBhvr>
-                                      <p:to>
-                                        <p:strVal val="visible"/>
-                                      </p:to>
-                                    </p:set>
-                                    <p:animEffect transition="in" filter="fade">
-                                      <p:cBhvr>
-                                        <p:cTn id="7" dur="500"/>
-                                        <p:tgtEl>
-                                          <p:spTgt spid="2"/>
-                                        </p:tgtEl>
-                                      </p:cBhvr>
-                                    </p:animEffect>
-                                  </p:childTnLst>
-                                </p:cTn>
-                              </p:par>
-                            </p:childTnLst>
-                          </p:cTn>
-                        </p:par>
-                        <p:par>
-                          <p:cTn id="8" fill="hold">
-                            <p:stCondLst>
-                              <p:cond delay="500"/>
-                            </p:stCondLst>
-                            <p:childTnLst>
-                              <p:par>
-                                <p:cTn id="9" presetID="10" presetClass="entr" presetSubtype="0" fill="hold" grpId="0" nodeType="afterEffect">
-                                  <p:stCondLst>
-                                    <p:cond delay="0"/>
-                                  </p:stCondLst>
-                                  <p:childTnLst>
-                                    <p:set>
-                                      <p:cBhvr>
-                                        <p:cTn id="10" dur="1" fill="hold">
-                                          <p:stCondLst>
-                                            <p:cond delay="0"/>
-                                          </p:stCondLst>
-                                        </p:cTn>
-                                        <p:tgtEl>
-                                          <p:spTgt spid="12"/>
-                                        </p:tgtEl>
-                                        <p:attrNameLst>
-                                          <p:attrName>style.visibility</p:attrName>
-                                        </p:attrNameLst>
-                                      </p:cBhvr>
-                                      <p:to>
-                                        <p:strVal val="visible"/>
-                                      </p:to>
-                                    </p:set>
-                                    <p:animEffect transition="in" filter="fade">
-                                      <p:cBhvr>
-                                        <p:cTn id="11" dur="500"/>
-                                        <p:tgtEl>
-                                          <p:spTgt spid="12"/>
-                                        </p:tgtEl>
-                                      </p:cBhvr>
-                                    </p:animEffect>
-                                  </p:childTnLst>
-                                </p:cTn>
-                              </p:par>
-                            </p:childTnLst>
-                          </p:cTn>
-                        </p:par>
-                      </p:childTnLst>
-                    </p:cTn>
-                  </p:par>
-                </p:childTnLst>
-              </p:cTn>
-              <p:prevCondLst>
-                <p:cond evt="onPrev" delay="0">
-                  <p:tgtEl>
-                    <p:sldTgt/>
-                  </p:tgtEl>
-                </p:cond>
-              </p:prevCondLst>
-              <p:nextCondLst>
-                <p:cond evt="onNext" delay="0">
-                  <p:tgtEl>
-                    <p:sldTgt/>
-                  </p:tgtEl>
-                </p:cond>
-              </p:nextCondLst>
-            </p:seq>
-          </p:childTnLst>
-        </p:cTn>
-      </p:par>
-    </p:tnLst>
-    <p:bldLst>
-      <p:bldP spid="12" grpId="0"/>
-      <p:bldP spid="2" grpId="0" animBg="1"/>
-    </p:bldLst>
-  </p:timing>
-</p:sld>
-</file>
-
-<file path=ppt/slides/slide41.xml><?xml version="1.0" encoding="utf-8"?>
-<p:sld xmlns:a="http://schemas.openxmlformats.org/drawingml/2006/main" xmlns:r="http://schemas.openxmlformats.org/officeDocument/2006/relationships" xmlns:p="http://schemas.openxmlformats.org/presentationml/2006/main">
-  <p:cSld>
-    <p:spTree>
-      <p:nvGrpSpPr>
-        <p:cNvPr id="1" name=""/>
-        <p:cNvGrpSpPr/>
-        <p:nvPr/>
-      </p:nvGrpSpPr>
-      <p:grpSpPr>
-        <a:xfrm>
-          <a:off x="0" y="0"/>
-          <a:ext cx="0" cy="0"/>
-          <a:chOff x="0" y="0"/>
-          <a:chExt cx="0" cy="0"/>
-        </a:xfrm>
-      </p:grpSpPr>
-      <p:sp>
-        <p:nvSpPr>
-          <p:cNvPr id="4" name="Slide Number Placeholder 2"/>
-          <p:cNvSpPr>
-            <a:spLocks noGrp="1"/>
-          </p:cNvSpPr>
-          <p:nvPr>
-            <p:ph type="sldNum" sz="quarter" idx="10"/>
-          </p:nvPr>
-        </p:nvSpPr>
-        <p:spPr>
-          <a:xfrm>
-            <a:off x="7333815" y="6553200"/>
-            <a:ext cx="1810186" cy="276999"/>
-          </a:xfrm>
-        </p:spPr>
-        <p:txBody>
-          <a:bodyPr/>
-          <a:lstStyle/>
-          <a:p>
-            <a:r>
-              <a:rPr lang="en-US" dirty="0" smtClean="0"/>
-              <a:t>propositional algebra.</a:t>
-            </a:r>
-            <a:fld id="{3251DA95-B240-47FE-901D-B78FC8E8E532}" type="slidenum">
-              <a:rPr lang="en-US" smtClean="0"/>
-              <a:pPr/>
-              <a:t>41</a:t>
+              <a:t>39</a:t>
             </a:fld>
             <a:endParaRPr lang="en-US" dirty="0"/>
           </a:p>
@@ -19598,7 +17972,7 @@
           <a:graphicData uri="http://schemas.openxmlformats.org/presentationml/2006/ole">
             <mc:AlternateContent xmlns:mc="http://schemas.openxmlformats.org/markup-compatibility/2006">
               <mc:Choice xmlns:v="urn:schemas-microsoft-com:vml" Requires="v">
-                <p:oleObj spid="_x0000_s525359" name="Equation" r:id="rId4" imgW="1333500" imgH="482600" progId="Equation.DSMT4">
+                <p:oleObj spid="_x0000_s525363" name="Equation" r:id="rId4" imgW="1333500" imgH="482600" progId="Equation.DSMT4">
                   <p:embed/>
                 </p:oleObj>
               </mc:Choice>
@@ -19690,7 +18064,7 @@
           <a:graphicData uri="http://schemas.openxmlformats.org/presentationml/2006/ole">
             <mc:AlternateContent xmlns:mc="http://schemas.openxmlformats.org/markup-compatibility/2006">
               <mc:Choice xmlns:v="urn:schemas-microsoft-com:vml" Requires="v">
-                <p:oleObj spid="_x0000_s525360" name="Equation" r:id="rId6" imgW="1333500" imgH="482600" progId="Equation.DSMT4">
+                <p:oleObj spid="_x0000_s525364" name="Equation" r:id="rId6" imgW="1333500" imgH="482600" progId="Equation.DSMT4">
                   <p:embed/>
                 </p:oleObj>
               </mc:Choice>
@@ -19747,7 +18121,7 @@
           <a:graphicData uri="http://schemas.openxmlformats.org/presentationml/2006/ole">
             <mc:AlternateContent xmlns:mc="http://schemas.openxmlformats.org/markup-compatibility/2006">
               <mc:Choice xmlns:v="urn:schemas-microsoft-com:vml" Requires="v">
-                <p:oleObj spid="_x0000_s525361" name="Equation" r:id="rId8" imgW="1333500" imgH="482600" progId="Equation.DSMT4">
+                <p:oleObj spid="_x0000_s525365" name="Equation" r:id="rId8" imgW="1333500" imgH="482600" progId="Equation.DSMT4">
                   <p:embed/>
                 </p:oleObj>
               </mc:Choice>
@@ -20310,7 +18684,7 @@
 </p:sld>
 </file>
 
-<file path=ppt/slides/slide42.xml><?xml version="1.0" encoding="utf-8"?>
+<file path=ppt/slides/slide4.xml><?xml version="1.0" encoding="utf-8"?>
 <p:sld xmlns:a="http://schemas.openxmlformats.org/drawingml/2006/main" xmlns:r="http://schemas.openxmlformats.org/officeDocument/2006/relationships" xmlns:p="http://schemas.openxmlformats.org/presentationml/2006/main">
   <p:cSld>
     <p:spTree>
@@ -20329,6 +18703,117 @@
       </p:grpSpPr>
       <p:sp>
         <p:nvSpPr>
+          <p:cNvPr id="5" name="TextBox 4"/>
+          <p:cNvSpPr txBox="1"/>
+          <p:nvPr/>
+        </p:nvSpPr>
+        <p:spPr>
+          <a:xfrm>
+            <a:off x="455613" y="1270000"/>
+            <a:ext cx="8267700" cy="939800"/>
+          </a:xfrm>
+          <a:prstGeom prst="rect">
+            <a:avLst/>
+          </a:prstGeom>
+          <a:noFill/>
+        </p:spPr>
+        <p:txBody>
+          <a:bodyPr wrap="square" rtlCol="0">
+            <a:spAutoFit/>
+          </a:bodyPr>
+          <a:lstStyle/>
+          <a:p>
+            <a:pPr algn="l"/>
+            <a:r>
+              <a:rPr lang="en-US" sz="5400" dirty="0" smtClean="0">
+                <a:solidFill>
+                  <a:schemeClr val="accent1">
+                    <a:lumMod val="50000"/>
+                  </a:schemeClr>
+                </a:solidFill>
+                <a:latin typeface="Comic Sans MS" pitchFamily="66" charset="0"/>
+              </a:rPr>
+              <a:t>Rules for </a:t>
+            </a:r>
+            <a:r>
+              <a:rPr lang="en-US" sz="4000" dirty="0" smtClean="0">
+                <a:solidFill>
+                  <a:srgbClr val="FF03E3"/>
+                </a:solidFill>
+                <a:latin typeface="Comic Sans MS" pitchFamily="66" charset="0"/>
+              </a:rPr>
+              <a:t>XOR</a:t>
+            </a:r>
+            <a:r>
+              <a:rPr lang="en-US" sz="5400" dirty="0">
+                <a:solidFill>
+                  <a:schemeClr val="accent1">
+                    <a:lumMod val="50000"/>
+                  </a:schemeClr>
+                </a:solidFill>
+                <a:latin typeface="Comic Sans MS" pitchFamily="66" charset="0"/>
+              </a:rPr>
+              <a:t>,</a:t>
+            </a:r>
+            <a:r>
+              <a:rPr lang="en-US" sz="5400" dirty="0" smtClean="0">
+                <a:solidFill>
+                  <a:schemeClr val="accent1">
+                    <a:lumMod val="50000"/>
+                  </a:schemeClr>
+                </a:solidFill>
+                <a:latin typeface="Comic Sans MS" pitchFamily="66" charset="0"/>
+              </a:rPr>
+              <a:t> </a:t>
+            </a:r>
+            <a:r>
+              <a:rPr lang="en-US" sz="4000" dirty="0" smtClean="0">
+                <a:solidFill>
+                  <a:srgbClr val="FF03E3"/>
+                </a:solidFill>
+                <a:latin typeface="Comic Sans MS" pitchFamily="66" charset="0"/>
+              </a:rPr>
+              <a:t>IMPLIES</a:t>
+            </a:r>
+            <a:endParaRPr lang="en-US" sz="4000" dirty="0">
+              <a:solidFill>
+                <a:srgbClr val="FF03E3"/>
+              </a:solidFill>
+              <a:latin typeface="Comic Sans MS" pitchFamily="66" charset="0"/>
+            </a:endParaRPr>
+          </a:p>
+        </p:txBody>
+      </p:sp>
+      <p:sp>
+        <p:nvSpPr>
+          <p:cNvPr id="9" name="Title 1"/>
+          <p:cNvSpPr>
+            <a:spLocks noGrp="1"/>
+          </p:cNvSpPr>
+          <p:nvPr>
+            <p:ph type="title"/>
+          </p:nvPr>
+        </p:nvSpPr>
+        <p:spPr>
+          <a:xfrm>
+            <a:off x="1651000" y="363538"/>
+            <a:ext cx="6794500" cy="1003300"/>
+          </a:xfrm>
+        </p:spPr>
+        <p:txBody>
+          <a:bodyPr/>
+          <a:lstStyle/>
+          <a:p>
+            <a:r>
+              <a:rPr lang="en-US" sz="4000" dirty="0" smtClean="0"/>
+              <a:t>Algebra for Equivalence</a:t>
+            </a:r>
+            <a:endParaRPr lang="en-US" sz="4000" dirty="0"/>
+          </a:p>
+        </p:txBody>
+      </p:sp>
+      <p:sp>
+        <p:nvSpPr>
           <p:cNvPr id="4" name="Slide Number Placeholder 2"/>
           <p:cNvSpPr>
             <a:spLocks noGrp="1"/>
@@ -20354,7 +18839,519 @@
             <a:fld id="{3251DA95-B240-47FE-901D-B78FC8E8E532}" type="slidenum">
               <a:rPr lang="en-US" smtClean="0"/>
               <a:pPr/>
-              <a:t>42</a:t>
+              <a:t>4</a:t>
+            </a:fld>
+            <a:endParaRPr lang="en-US" dirty="0"/>
+          </a:p>
+        </p:txBody>
+      </p:sp>
+      <p:graphicFrame>
+        <p:nvGraphicFramePr>
+          <p:cNvPr id="6" name="Object 5"/>
+          <p:cNvGraphicFramePr>
+            <a:graphicFrameLocks noChangeAspect="1"/>
+          </p:cNvGraphicFramePr>
+          <p:nvPr>
+            <p:extLst>
+              <p:ext uri="{D42A27DB-BD31-4B8C-83A1-F6EECF244321}">
+                <p14:modId xmlns:p14="http://schemas.microsoft.com/office/powerpoint/2010/main" val="2631726815"/>
+              </p:ext>
+            </p:extLst>
+          </p:nvPr>
+        </p:nvGraphicFramePr>
+        <p:xfrm>
+          <a:off x="5397500" y="4064000"/>
+          <a:ext cx="139700" cy="215900"/>
+        </p:xfrm>
+        <a:graphic>
+          <a:graphicData uri="http://schemas.openxmlformats.org/presentationml/2006/ole">
+            <mc:AlternateContent xmlns:mc="http://schemas.openxmlformats.org/markup-compatibility/2006">
+              <mc:Choice xmlns:v="urn:schemas-microsoft-com:vml" Requires="v">
+                <p:oleObj spid="_x0000_s420008" name="Equation" r:id="rId4" imgW="139700" imgH="215900" progId="Equation.DSMT4">
+                  <p:embed/>
+                </p:oleObj>
+              </mc:Choice>
+              <mc:Fallback>
+                <p:oleObj name="Equation" r:id="rId4" imgW="139700" imgH="215900" progId="Equation.DSMT4">
+                  <p:embed/>
+                  <p:pic>
+                    <p:nvPicPr>
+                      <p:cNvPr id="0" name=""/>
+                      <p:cNvPicPr/>
+                      <p:nvPr/>
+                    </p:nvPicPr>
+                    <p:blipFill>
+                      <a:blip r:embed="rId5"/>
+                      <a:stretch>
+                        <a:fillRect/>
+                      </a:stretch>
+                    </p:blipFill>
+                    <p:spPr>
+                      <a:xfrm>
+                        <a:off x="5397500" y="4064000"/>
+                        <a:ext cx="139700" cy="215900"/>
+                      </a:xfrm>
+                      <a:prstGeom prst="rect">
+                        <a:avLst/>
+                      </a:prstGeom>
+                    </p:spPr>
+                  </p:pic>
+                </p:oleObj>
+              </mc:Fallback>
+            </mc:AlternateContent>
+          </a:graphicData>
+        </a:graphic>
+      </p:graphicFrame>
+      <p:graphicFrame>
+        <p:nvGraphicFramePr>
+          <p:cNvPr id="7" name="Object 6"/>
+          <p:cNvGraphicFramePr>
+            <a:graphicFrameLocks noChangeAspect="1"/>
+          </p:cNvGraphicFramePr>
+          <p:nvPr>
+            <p:extLst>
+              <p:ext uri="{D42A27DB-BD31-4B8C-83A1-F6EECF244321}">
+                <p14:modId xmlns:p14="http://schemas.microsoft.com/office/powerpoint/2010/main" val="2901576364"/>
+              </p:ext>
+            </p:extLst>
+          </p:nvPr>
+        </p:nvGraphicFramePr>
+        <p:xfrm>
+          <a:off x="481013" y="2393950"/>
+          <a:ext cx="7837487" cy="876300"/>
+        </p:xfrm>
+        <a:graphic>
+          <a:graphicData uri="http://schemas.openxmlformats.org/presentationml/2006/ole">
+            <mc:AlternateContent xmlns:mc="http://schemas.openxmlformats.org/markup-compatibility/2006">
+              <mc:Choice xmlns:v="urn:schemas-microsoft-com:vml" Requires="v">
+                <p:oleObj spid="_x0000_s420009" name="Equation" r:id="rId6" imgW="2044700" imgH="228600" progId="Equation.DSMT4">
+                  <p:embed/>
+                </p:oleObj>
+              </mc:Choice>
+              <mc:Fallback>
+                <p:oleObj name="Equation" r:id="rId6" imgW="2044700" imgH="228600" progId="Equation.DSMT4">
+                  <p:embed/>
+                  <p:pic>
+                    <p:nvPicPr>
+                      <p:cNvPr id="0" name=""/>
+                      <p:cNvPicPr/>
+                      <p:nvPr/>
+                    </p:nvPicPr>
+                    <p:blipFill>
+                      <a:blip r:embed="rId7"/>
+                      <a:stretch>
+                        <a:fillRect/>
+                      </a:stretch>
+                    </p:blipFill>
+                    <p:spPr>
+                      <a:xfrm>
+                        <a:off x="481013" y="2393950"/>
+                        <a:ext cx="7837487" cy="876300"/>
+                      </a:xfrm>
+                      <a:prstGeom prst="rect">
+                        <a:avLst/>
+                      </a:prstGeom>
+                    </p:spPr>
+                  </p:pic>
+                </p:oleObj>
+              </mc:Fallback>
+            </mc:AlternateContent>
+          </a:graphicData>
+        </a:graphic>
+      </p:graphicFrame>
+      <p:sp>
+        <p:nvSpPr>
+          <p:cNvPr id="8" name="TextBox 7"/>
+          <p:cNvSpPr txBox="1"/>
+          <p:nvPr/>
+        </p:nvSpPr>
+        <p:spPr>
+          <a:xfrm>
+            <a:off x="495300" y="5377576"/>
+            <a:ext cx="8204200" cy="923330"/>
+          </a:xfrm>
+          <a:prstGeom prst="rect">
+            <a:avLst/>
+          </a:prstGeom>
+          <a:noFill/>
+        </p:spPr>
+        <p:txBody>
+          <a:bodyPr wrap="square" rtlCol="0">
+            <a:spAutoFit/>
+          </a:bodyPr>
+          <a:lstStyle/>
+          <a:p>
+            <a:pPr algn="l"/>
+            <a:r>
+              <a:rPr lang="en-US" sz="5400" dirty="0" smtClean="0">
+                <a:latin typeface="Comic Sans MS" pitchFamily="66" charset="0"/>
+              </a:rPr>
+              <a:t>Just leaves </a:t>
+            </a:r>
+            <a:r>
+              <a:rPr lang="en-US" sz="4400" dirty="0" smtClean="0">
+                <a:solidFill>
+                  <a:srgbClr val="CCCCFF">
+                    <a:lumMod val="50000"/>
+                  </a:srgbClr>
+                </a:solidFill>
+                <a:latin typeface="Comic Sans MS" pitchFamily="66" charset="0"/>
+              </a:rPr>
+              <a:t>AND</a:t>
+            </a:r>
+            <a:r>
+              <a:rPr lang="en-US" sz="4400" dirty="0" smtClean="0">
+                <a:latin typeface="Comic Sans MS" pitchFamily="66" charset="0"/>
+              </a:rPr>
+              <a:t>,</a:t>
+            </a:r>
+            <a:r>
+              <a:rPr lang="en-US" sz="4400" dirty="0" smtClean="0">
+                <a:solidFill>
+                  <a:srgbClr val="CCCCFF">
+                    <a:lumMod val="50000"/>
+                  </a:srgbClr>
+                </a:solidFill>
+                <a:latin typeface="Comic Sans MS" pitchFamily="66" charset="0"/>
+              </a:rPr>
+              <a:t> OR</a:t>
+            </a:r>
+            <a:r>
+              <a:rPr lang="en-US" sz="4400" dirty="0" smtClean="0">
+                <a:solidFill>
+                  <a:srgbClr val="000000"/>
+                </a:solidFill>
+                <a:latin typeface="Comic Sans MS" pitchFamily="66" charset="0"/>
+              </a:rPr>
+              <a:t>,</a:t>
+            </a:r>
+            <a:r>
+              <a:rPr lang="en-US" sz="4400" dirty="0" smtClean="0">
+                <a:solidFill>
+                  <a:srgbClr val="CCCCFF">
+                    <a:lumMod val="50000"/>
+                  </a:srgbClr>
+                </a:solidFill>
+                <a:latin typeface="Comic Sans MS" pitchFamily="66" charset="0"/>
+              </a:rPr>
+              <a:t> NOT</a:t>
+            </a:r>
+            <a:endParaRPr lang="en-US" sz="4400" dirty="0" smtClean="0">
+              <a:latin typeface="Comic Sans MS" pitchFamily="66" charset="0"/>
+            </a:endParaRPr>
+          </a:p>
+        </p:txBody>
+      </p:sp>
+      <p:graphicFrame>
+        <p:nvGraphicFramePr>
+          <p:cNvPr id="10" name="Object 9"/>
+          <p:cNvGraphicFramePr>
+            <a:graphicFrameLocks noChangeAspect="1"/>
+          </p:cNvGraphicFramePr>
+          <p:nvPr>
+            <p:extLst>
+              <p:ext uri="{D42A27DB-BD31-4B8C-83A1-F6EECF244321}">
+                <p14:modId xmlns:p14="http://schemas.microsoft.com/office/powerpoint/2010/main" val="4006639958"/>
+              </p:ext>
+            </p:extLst>
+          </p:nvPr>
+        </p:nvGraphicFramePr>
+        <p:xfrm>
+          <a:off x="515144" y="3238500"/>
+          <a:ext cx="8275637" cy="1752600"/>
+        </p:xfrm>
+        <a:graphic>
+          <a:graphicData uri="http://schemas.openxmlformats.org/presentationml/2006/ole">
+            <mc:AlternateContent xmlns:mc="http://schemas.openxmlformats.org/markup-compatibility/2006">
+              <mc:Choice xmlns:v="urn:schemas-microsoft-com:vml" Requires="v">
+                <p:oleObj spid="_x0000_s420010" name="Equation" r:id="rId8" imgW="2159000" imgH="457200" progId="Equation.DSMT4">
+                  <p:embed/>
+                </p:oleObj>
+              </mc:Choice>
+              <mc:Fallback>
+                <p:oleObj name="Equation" r:id="rId8" imgW="2159000" imgH="457200" progId="Equation.DSMT4">
+                  <p:embed/>
+                  <p:pic>
+                    <p:nvPicPr>
+                      <p:cNvPr id="0" name=""/>
+                      <p:cNvPicPr/>
+                      <p:nvPr/>
+                    </p:nvPicPr>
+                    <p:blipFill>
+                      <a:blip r:embed="rId9"/>
+                      <a:stretch>
+                        <a:fillRect/>
+                      </a:stretch>
+                    </p:blipFill>
+                    <p:spPr>
+                      <a:xfrm>
+                        <a:off x="515144" y="3238500"/>
+                        <a:ext cx="8275637" cy="1752600"/>
+                      </a:xfrm>
+                      <a:prstGeom prst="rect">
+                        <a:avLst/>
+                      </a:prstGeom>
+                    </p:spPr>
+                  </p:pic>
+                </p:oleObj>
+              </mc:Fallback>
+            </mc:AlternateContent>
+          </a:graphicData>
+        </a:graphic>
+      </p:graphicFrame>
+    </p:spTree>
+    <p:extLst>
+      <p:ext uri="{BB962C8B-B14F-4D97-AF65-F5344CB8AC3E}">
+        <p14:creationId xmlns:p14="http://schemas.microsoft.com/office/powerpoint/2010/main" val="427619550"/>
+      </p:ext>
+    </p:extLst>
+  </p:cSld>
+  <p:clrMapOvr>
+    <a:masterClrMapping/>
+  </p:clrMapOvr>
+  <p:transition xmlns:p14="http://schemas.microsoft.com/office/powerpoint/2010/main" spd="slow" advClick="0">
+    <p:fade/>
+  </p:transition>
+  <p:timing>
+    <p:tnLst>
+      <p:par>
+        <p:cTn xmlns:p14="http://schemas.microsoft.com/office/powerpoint/2010/main" id="1" dur="indefinite" restart="never" nodeType="tmRoot">
+          <p:childTnLst>
+            <p:seq concurrent="1" nextAc="seek">
+              <p:cTn id="2" dur="indefinite" nodeType="mainSeq">
+                <p:childTnLst>
+                  <p:par>
+                    <p:cTn id="3" fill="hold">
+                      <p:stCondLst>
+                        <p:cond delay="indefinite"/>
+                      </p:stCondLst>
+                      <p:childTnLst>
+                        <p:par>
+                          <p:cTn id="4" fill="hold">
+                            <p:stCondLst>
+                              <p:cond delay="0"/>
+                            </p:stCondLst>
+                            <p:childTnLst>
+                              <p:par>
+                                <p:cTn id="5" presetID="22" presetClass="entr" presetSubtype="8" fill="hold" nodeType="clickEffect">
+                                  <p:stCondLst>
+                                    <p:cond delay="0"/>
+                                  </p:stCondLst>
+                                  <p:childTnLst>
+                                    <p:set>
+                                      <p:cBhvr>
+                                        <p:cTn id="6" dur="1" fill="hold">
+                                          <p:stCondLst>
+                                            <p:cond delay="0"/>
+                                          </p:stCondLst>
+                                        </p:cTn>
+                                        <p:tgtEl>
+                                          <p:spTgt spid="7"/>
+                                        </p:tgtEl>
+                                        <p:attrNameLst>
+                                          <p:attrName>style.visibility</p:attrName>
+                                        </p:attrNameLst>
+                                      </p:cBhvr>
+                                      <p:to>
+                                        <p:strVal val="visible"/>
+                                      </p:to>
+                                    </p:set>
+                                    <p:animEffect transition="in" filter="wipe(left)">
+                                      <p:cBhvr>
+                                        <p:cTn id="7" dur="1000"/>
+                                        <p:tgtEl>
+                                          <p:spTgt spid="7"/>
+                                        </p:tgtEl>
+                                      </p:cBhvr>
+                                    </p:animEffect>
+                                  </p:childTnLst>
+                                </p:cTn>
+                              </p:par>
+                            </p:childTnLst>
+                          </p:cTn>
+                        </p:par>
+                      </p:childTnLst>
+                    </p:cTn>
+                  </p:par>
+                  <p:par>
+                    <p:cTn id="8" fill="hold">
+                      <p:stCondLst>
+                        <p:cond delay="indefinite"/>
+                      </p:stCondLst>
+                      <p:childTnLst>
+                        <p:par>
+                          <p:cTn id="9" fill="hold">
+                            <p:stCondLst>
+                              <p:cond delay="0"/>
+                            </p:stCondLst>
+                            <p:childTnLst>
+                              <p:par>
+                                <p:cTn id="10" presetID="22" presetClass="entr" presetSubtype="8" fill="hold" nodeType="clickEffect">
+                                  <p:stCondLst>
+                                    <p:cond delay="0"/>
+                                  </p:stCondLst>
+                                  <p:childTnLst>
+                                    <p:set>
+                                      <p:cBhvr>
+                                        <p:cTn id="11" dur="1" fill="hold">
+                                          <p:stCondLst>
+                                            <p:cond delay="0"/>
+                                          </p:stCondLst>
+                                        </p:cTn>
+                                        <p:tgtEl>
+                                          <p:spTgt spid="10"/>
+                                        </p:tgtEl>
+                                        <p:attrNameLst>
+                                          <p:attrName>style.visibility</p:attrName>
+                                        </p:attrNameLst>
+                                      </p:cBhvr>
+                                      <p:to>
+                                        <p:strVal val="visible"/>
+                                      </p:to>
+                                    </p:set>
+                                    <p:animEffect transition="in" filter="wipe(left)">
+                                      <p:cBhvr>
+                                        <p:cTn id="12" dur="1000"/>
+                                        <p:tgtEl>
+                                          <p:spTgt spid="10"/>
+                                        </p:tgtEl>
+                                      </p:cBhvr>
+                                    </p:animEffect>
+                                  </p:childTnLst>
+                                </p:cTn>
+                              </p:par>
+                            </p:childTnLst>
+                          </p:cTn>
+                        </p:par>
+                      </p:childTnLst>
+                    </p:cTn>
+                  </p:par>
+                  <p:par>
+                    <p:cTn id="13" fill="hold">
+                      <p:stCondLst>
+                        <p:cond delay="indefinite"/>
+                      </p:stCondLst>
+                      <p:childTnLst>
+                        <p:par>
+                          <p:cTn id="14" fill="hold">
+                            <p:stCondLst>
+                              <p:cond delay="0"/>
+                            </p:stCondLst>
+                            <p:childTnLst>
+                              <p:par>
+                                <p:cTn id="15" presetID="10" presetClass="entr" presetSubtype="0" fill="hold" grpId="0" nodeType="clickEffect">
+                                  <p:stCondLst>
+                                    <p:cond delay="0"/>
+                                  </p:stCondLst>
+                                  <p:childTnLst>
+                                    <p:set>
+                                      <p:cBhvr>
+                                        <p:cTn id="16" dur="1" fill="hold">
+                                          <p:stCondLst>
+                                            <p:cond delay="0"/>
+                                          </p:stCondLst>
+                                        </p:cTn>
+                                        <p:tgtEl>
+                                          <p:spTgt spid="8"/>
+                                        </p:tgtEl>
+                                        <p:attrNameLst>
+                                          <p:attrName>style.visibility</p:attrName>
+                                        </p:attrNameLst>
+                                      </p:cBhvr>
+                                      <p:to>
+                                        <p:strVal val="visible"/>
+                                      </p:to>
+                                    </p:set>
+                                    <p:animEffect transition="in" filter="fade">
+                                      <p:cBhvr>
+                                        <p:cTn id="17" dur="1000"/>
+                                        <p:tgtEl>
+                                          <p:spTgt spid="8"/>
+                                        </p:tgtEl>
+                                      </p:cBhvr>
+                                    </p:animEffect>
+                                  </p:childTnLst>
+                                </p:cTn>
+                              </p:par>
+                            </p:childTnLst>
+                          </p:cTn>
+                        </p:par>
+                      </p:childTnLst>
+                    </p:cTn>
+                  </p:par>
+                </p:childTnLst>
+              </p:cTn>
+              <p:prevCondLst>
+                <p:cond evt="onPrev" delay="0">
+                  <p:tgtEl>
+                    <p:sldTgt/>
+                  </p:tgtEl>
+                </p:cond>
+              </p:prevCondLst>
+              <p:nextCondLst>
+                <p:cond evt="onNext" delay="0">
+                  <p:tgtEl>
+                    <p:sldTgt/>
+                  </p:tgtEl>
+                </p:cond>
+              </p:nextCondLst>
+            </p:seq>
+          </p:childTnLst>
+        </p:cTn>
+      </p:par>
+    </p:tnLst>
+    <p:bldLst>
+      <p:bldP spid="8" grpId="0"/>
+    </p:bldLst>
+  </p:timing>
+</p:sld>
+</file>
+
+<file path=ppt/slides/slide40.xml><?xml version="1.0" encoding="utf-8"?>
+<p:sld xmlns:a="http://schemas.openxmlformats.org/drawingml/2006/main" xmlns:r="http://schemas.openxmlformats.org/officeDocument/2006/relationships" xmlns:p="http://schemas.openxmlformats.org/presentationml/2006/main">
+  <p:cSld>
+    <p:spTree>
+      <p:nvGrpSpPr>
+        <p:cNvPr id="1" name=""/>
+        <p:cNvGrpSpPr/>
+        <p:nvPr/>
+      </p:nvGrpSpPr>
+      <p:grpSpPr>
+        <a:xfrm>
+          <a:off x="0" y="0"/>
+          <a:ext cx="0" cy="0"/>
+          <a:chOff x="0" y="0"/>
+          <a:chExt cx="0" cy="0"/>
+        </a:xfrm>
+      </p:grpSpPr>
+      <p:sp>
+        <p:nvSpPr>
+          <p:cNvPr id="4" name="Slide Number Placeholder 2"/>
+          <p:cNvSpPr>
+            <a:spLocks noGrp="1"/>
+          </p:cNvSpPr>
+          <p:nvPr>
+            <p:ph type="sldNum" sz="quarter" idx="10"/>
+          </p:nvPr>
+        </p:nvSpPr>
+        <p:spPr>
+          <a:xfrm>
+            <a:off x="7333815" y="6553200"/>
+            <a:ext cx="1810186" cy="276999"/>
+          </a:xfrm>
+        </p:spPr>
+        <p:txBody>
+          <a:bodyPr/>
+          <a:lstStyle/>
+          <a:p>
+            <a:r>
+              <a:rPr lang="en-US" dirty="0" smtClean="0"/>
+              <a:t>propositional algebra.</a:t>
+            </a:r>
+            <a:fld id="{3251DA95-B240-47FE-901D-B78FC8E8E532}" type="slidenum">
+              <a:rPr lang="en-US" smtClean="0"/>
+              <a:pPr/>
+              <a:t>40</a:t>
             </a:fld>
             <a:endParaRPr lang="en-US" dirty="0"/>
           </a:p>
@@ -20423,7 +19420,7 @@
           <a:graphicData uri="http://schemas.openxmlformats.org/presentationml/2006/ole">
             <mc:AlternateContent xmlns:mc="http://schemas.openxmlformats.org/markup-compatibility/2006">
               <mc:Choice xmlns:v="urn:schemas-microsoft-com:vml" Requires="v">
-                <p:oleObj spid="_x0000_s526377" name="Equation" r:id="rId4" imgW="1333500" imgH="482600" progId="Equation.DSMT4">
+                <p:oleObj spid="_x0000_s526381" name="Equation" r:id="rId4" imgW="1333500" imgH="482600" progId="Equation.DSMT4">
                   <p:embed/>
                 </p:oleObj>
               </mc:Choice>
@@ -20517,7 +19514,7 @@
           <a:graphicData uri="http://schemas.openxmlformats.org/presentationml/2006/ole">
             <mc:AlternateContent xmlns:mc="http://schemas.openxmlformats.org/markup-compatibility/2006">
               <mc:Choice xmlns:v="urn:schemas-microsoft-com:vml" Requires="v">
-                <p:oleObj spid="_x0000_s526378" name="Equation" r:id="rId6" imgW="1333500" imgH="482600" progId="Equation.DSMT4">
+                <p:oleObj spid="_x0000_s526382" name="Equation" r:id="rId6" imgW="1333500" imgH="482600" progId="Equation.DSMT4">
                   <p:embed/>
                 </p:oleObj>
               </mc:Choice>
@@ -20574,7 +19571,7 @@
           <a:graphicData uri="http://schemas.openxmlformats.org/presentationml/2006/ole">
             <mc:AlternateContent xmlns:mc="http://schemas.openxmlformats.org/markup-compatibility/2006">
               <mc:Choice xmlns:v="urn:schemas-microsoft-com:vml" Requires="v">
-                <p:oleObj spid="_x0000_s526379" name="Equation" r:id="rId8" imgW="1333500" imgH="482600" progId="Equation.DSMT4">
+                <p:oleObj spid="_x0000_s526383" name="Equation" r:id="rId8" imgW="1333500" imgH="482600" progId="Equation.DSMT4">
                   <p:embed/>
                 </p:oleObj>
               </mc:Choice>
@@ -20954,7 +19951,7 @@
 </p:sld>
 </file>
 
-<file path=ppt/slides/slide43.xml><?xml version="1.0" encoding="utf-8"?>
+<file path=ppt/slides/slide41.xml><?xml version="1.0" encoding="utf-8"?>
 <p:sld xmlns:a="http://schemas.openxmlformats.org/drawingml/2006/main" xmlns:r="http://schemas.openxmlformats.org/officeDocument/2006/relationships" xmlns:p="http://schemas.openxmlformats.org/presentationml/2006/main">
   <p:cSld>
     <p:spTree>
@@ -20998,7 +19995,7 @@
             <a:fld id="{3251DA95-B240-47FE-901D-B78FC8E8E532}" type="slidenum">
               <a:rPr lang="en-US" smtClean="0"/>
               <a:pPr/>
-              <a:t>43</a:t>
+              <a:t>41</a:t>
             </a:fld>
             <a:endParaRPr lang="en-US" dirty="0"/>
           </a:p>
@@ -21026,7 +20023,7 @@
           <a:graphicData uri="http://schemas.openxmlformats.org/presentationml/2006/ole">
             <mc:AlternateContent xmlns:mc="http://schemas.openxmlformats.org/markup-compatibility/2006">
               <mc:Choice xmlns:v="urn:schemas-microsoft-com:vml" Requires="v">
-                <p:oleObj spid="_x0000_s527398" name="Equation" r:id="rId4" imgW="1333500" imgH="482600" progId="Equation.DSMT4">
+                <p:oleObj spid="_x0000_s527402" name="Equation" r:id="rId4" imgW="1333500" imgH="482600" progId="Equation.DSMT4">
                   <p:embed/>
                 </p:oleObj>
               </mc:Choice>
@@ -21120,7 +20117,7 @@
           <a:graphicData uri="http://schemas.openxmlformats.org/presentationml/2006/ole">
             <mc:AlternateContent xmlns:mc="http://schemas.openxmlformats.org/markup-compatibility/2006">
               <mc:Choice xmlns:v="urn:schemas-microsoft-com:vml" Requires="v">
-                <p:oleObj spid="_x0000_s527399" name="Equation" r:id="rId6" imgW="1181100" imgH="508000" progId="Equation.DSMT4">
+                <p:oleObj spid="_x0000_s527403" name="Equation" r:id="rId6" imgW="1181100" imgH="508000" progId="Equation.DSMT4">
                   <p:embed/>
                 </p:oleObj>
               </mc:Choice>
@@ -21177,7 +20174,7 @@
           <a:graphicData uri="http://schemas.openxmlformats.org/presentationml/2006/ole">
             <mc:AlternateContent xmlns:mc="http://schemas.openxmlformats.org/markup-compatibility/2006">
               <mc:Choice xmlns:v="urn:schemas-microsoft-com:vml" Requires="v">
-                <p:oleObj spid="_x0000_s527400" name="Equation" r:id="rId8" imgW="1143000" imgH="254000" progId="Equation.DSMT4">
+                <p:oleObj spid="_x0000_s527404" name="Equation" r:id="rId8" imgW="1143000" imgH="254000" progId="Equation.DSMT4">
                   <p:embed/>
                 </p:oleObj>
               </mc:Choice>
@@ -21315,7 +20312,7 @@
 </p:sld>
 </file>
 
-<file path=ppt/slides/slide44.xml><?xml version="1.0" encoding="utf-8"?>
+<file path=ppt/slides/slide42.xml><?xml version="1.0" encoding="utf-8"?>
 <p:sld xmlns:a="http://schemas.openxmlformats.org/drawingml/2006/main" xmlns:r="http://schemas.openxmlformats.org/officeDocument/2006/relationships" xmlns:p="http://schemas.openxmlformats.org/presentationml/2006/main">
   <p:cSld>
     <p:spTree>
@@ -21359,7 +20356,7 @@
             <a:fld id="{3251DA95-B240-47FE-901D-B78FC8E8E532}" type="slidenum">
               <a:rPr lang="en-US" smtClean="0"/>
               <a:pPr/>
-              <a:t>44</a:t>
+              <a:t>42</a:t>
             </a:fld>
             <a:endParaRPr lang="en-US" dirty="0"/>
           </a:p>
@@ -21387,7 +20384,7 @@
           <a:graphicData uri="http://schemas.openxmlformats.org/presentationml/2006/ole">
             <mc:AlternateContent xmlns:mc="http://schemas.openxmlformats.org/markup-compatibility/2006">
               <mc:Choice xmlns:v="urn:schemas-microsoft-com:vml" Requires="v">
-                <p:oleObj spid="_x0000_s529424" name="Equation" r:id="rId4" imgW="2692400" imgH="482600" progId="Equation.DSMT4">
+                <p:oleObj spid="_x0000_s529426" name="Equation" r:id="rId4" imgW="2692400" imgH="482600" progId="Equation.DSMT4">
                   <p:embed/>
                 </p:oleObj>
               </mc:Choice>
@@ -21802,7 +20799,7 @@
 </p:sld>
 </file>
 
-<file path=ppt/slides/slide45.xml><?xml version="1.0" encoding="utf-8"?>
+<file path=ppt/slides/slide43.xml><?xml version="1.0" encoding="utf-8"?>
 <p:sld xmlns:a="http://schemas.openxmlformats.org/drawingml/2006/main" xmlns:r="http://schemas.openxmlformats.org/officeDocument/2006/relationships" xmlns:p="http://schemas.openxmlformats.org/presentationml/2006/main">
   <p:cSld>
     <p:spTree>
@@ -22014,7 +21011,7 @@
             <a:fld id="{3251DA95-B240-47FE-901D-B78FC8E8E532}" type="slidenum">
               <a:rPr lang="en-US" smtClean="0"/>
               <a:pPr/>
-              <a:t>45</a:t>
+              <a:t>43</a:t>
             </a:fld>
             <a:endParaRPr lang="en-US" dirty="0"/>
           </a:p>
@@ -22170,6 +21167,350 @@
 </p:sld>
 </file>
 
+<file path=ppt/slides/slide44.xml><?xml version="1.0" encoding="utf-8"?>
+<p:sld xmlns:a="http://schemas.openxmlformats.org/drawingml/2006/main" xmlns:r="http://schemas.openxmlformats.org/officeDocument/2006/relationships" xmlns:p="http://schemas.openxmlformats.org/presentationml/2006/main">
+  <p:cSld>
+    <p:spTree>
+      <p:nvGrpSpPr>
+        <p:cNvPr id="1" name=""/>
+        <p:cNvGrpSpPr/>
+        <p:nvPr/>
+      </p:nvGrpSpPr>
+      <p:grpSpPr>
+        <a:xfrm>
+          <a:off x="0" y="0"/>
+          <a:ext cx="0" cy="0"/>
+          <a:chOff x="0" y="0"/>
+          <a:chExt cx="0" cy="0"/>
+        </a:xfrm>
+      </p:grpSpPr>
+      <p:sp>
+        <p:nvSpPr>
+          <p:cNvPr id="5" name="TextBox 4"/>
+          <p:cNvSpPr txBox="1"/>
+          <p:nvPr/>
+        </p:nvSpPr>
+        <p:spPr>
+          <a:xfrm>
+            <a:off x="249243" y="1847840"/>
+            <a:ext cx="8985240" cy="1754327"/>
+          </a:xfrm>
+          <a:prstGeom prst="rect">
+            <a:avLst/>
+          </a:prstGeom>
+          <a:noFill/>
+        </p:spPr>
+        <p:txBody>
+          <a:bodyPr wrap="square" rtlCol="0">
+            <a:spAutoFit/>
+          </a:bodyPr>
+          <a:lstStyle/>
+          <a:p>
+            <a:pPr algn="l"/>
+            <a:r>
+              <a:rPr lang="en-US" sz="5400" dirty="0" smtClean="0">
+                <a:solidFill>
+                  <a:srgbClr val="000000"/>
+                </a:solidFill>
+                <a:latin typeface="Comic Sans MS" pitchFamily="66" charset="0"/>
+              </a:rPr>
+              <a:t>Because two formulas are</a:t>
+            </a:r>
+          </a:p>
+          <a:p>
+            <a:pPr algn="l"/>
+            <a:r>
+              <a:rPr lang="en-US" sz="5400" dirty="0" smtClean="0">
+                <a:solidFill>
+                  <a:srgbClr val="000000"/>
+                </a:solidFill>
+                <a:latin typeface="Comic Sans MS" pitchFamily="66" charset="0"/>
+              </a:rPr>
+              <a:t>equivalent </a:t>
+            </a:r>
+            <a:endParaRPr lang="en-US" sz="5400" dirty="0">
+              <a:solidFill>
+                <a:srgbClr val="000000"/>
+              </a:solidFill>
+              <a:latin typeface="Comic Sans MS" pitchFamily="66" charset="0"/>
+            </a:endParaRPr>
+          </a:p>
+        </p:txBody>
+      </p:sp>
+      <p:sp>
+        <p:nvSpPr>
+          <p:cNvPr id="9" name="Title 1"/>
+          <p:cNvSpPr>
+            <a:spLocks noGrp="1"/>
+          </p:cNvSpPr>
+          <p:nvPr>
+            <p:ph type="title"/>
+          </p:nvPr>
+        </p:nvSpPr>
+        <p:spPr>
+          <a:xfrm>
+            <a:off x="1651000" y="363538"/>
+            <a:ext cx="6794500" cy="1003300"/>
+          </a:xfrm>
+        </p:spPr>
+        <p:txBody>
+          <a:bodyPr/>
+          <a:lstStyle/>
+          <a:p>
+            <a:r>
+              <a:rPr lang="en-US" sz="4000" dirty="0" smtClean="0"/>
+              <a:t>Algebra for Equivalence</a:t>
+            </a:r>
+            <a:endParaRPr lang="en-US" sz="4000" dirty="0"/>
+          </a:p>
+        </p:txBody>
+      </p:sp>
+      <p:sp>
+        <p:nvSpPr>
+          <p:cNvPr id="4" name="Slide Number Placeholder 2"/>
+          <p:cNvSpPr>
+            <a:spLocks noGrp="1"/>
+          </p:cNvSpPr>
+          <p:nvPr>
+            <p:ph type="sldNum" sz="quarter" idx="10"/>
+          </p:nvPr>
+        </p:nvSpPr>
+        <p:spPr>
+          <a:xfrm>
+            <a:off x="7333815" y="6553200"/>
+            <a:ext cx="1810186" cy="276999"/>
+          </a:xfrm>
+        </p:spPr>
+        <p:txBody>
+          <a:bodyPr/>
+          <a:lstStyle/>
+          <a:p>
+            <a:r>
+              <a:rPr lang="en-US" dirty="0" smtClean="0"/>
+              <a:t>propositional algebra.</a:t>
+            </a:r>
+            <a:fld id="{3251DA95-B240-47FE-901D-B78FC8E8E532}" type="slidenum">
+              <a:rPr lang="en-US" smtClean="0"/>
+              <a:pPr/>
+              <a:t>44</a:t>
+            </a:fld>
+            <a:endParaRPr lang="en-US" dirty="0"/>
+          </a:p>
+        </p:txBody>
+      </p:sp>
+    </p:spTree>
+    <p:extLst>
+      <p:ext uri="{BB962C8B-B14F-4D97-AF65-F5344CB8AC3E}">
+        <p14:creationId xmlns:p14="http://schemas.microsoft.com/office/powerpoint/2010/main" val="2003119538"/>
+      </p:ext>
+    </p:extLst>
+  </p:cSld>
+  <p:clrMapOvr>
+    <a:masterClrMapping/>
+  </p:clrMapOvr>
+  <mc:AlternateContent xmlns:mc="http://schemas.openxmlformats.org/markup-compatibility/2006" xmlns:p14="http://schemas.microsoft.com/office/powerpoint/2010/main">
+    <mc:Choice Requires="p14">
+      <p:transition spd="med" p14:dur="700" advClick="0">
+        <p:fade/>
+      </p:transition>
+    </mc:Choice>
+    <mc:Fallback xmlns="">
+      <p:transition xmlns:p14="http://schemas.microsoft.com/office/powerpoint/2010/main" spd="med" advClick="0">
+        <p:fade/>
+      </p:transition>
+    </mc:Fallback>
+  </mc:AlternateContent>
+  <p:timing>
+    <p:tnLst>
+      <p:par>
+        <p:cTn xmlns:p14="http://schemas.microsoft.com/office/powerpoint/2010/main" id="1" dur="indefinite" restart="never" nodeType="tmRoot"/>
+      </p:par>
+    </p:tnLst>
+  </p:timing>
+</p:sld>
+</file>
+
+<file path=ppt/slides/slide45.xml><?xml version="1.0" encoding="utf-8"?>
+<p:sld xmlns:a="http://schemas.openxmlformats.org/drawingml/2006/main" xmlns:r="http://schemas.openxmlformats.org/officeDocument/2006/relationships" xmlns:p="http://schemas.openxmlformats.org/presentationml/2006/main">
+  <p:cSld>
+    <p:spTree>
+      <p:nvGrpSpPr>
+        <p:cNvPr id="1" name=""/>
+        <p:cNvGrpSpPr/>
+        <p:nvPr/>
+      </p:nvGrpSpPr>
+      <p:grpSpPr>
+        <a:xfrm>
+          <a:off x="0" y="0"/>
+          <a:ext cx="0" cy="0"/>
+          <a:chOff x="0" y="0"/>
+          <a:chExt cx="0" cy="0"/>
+        </a:xfrm>
+      </p:grpSpPr>
+      <p:sp>
+        <p:nvSpPr>
+          <p:cNvPr id="5" name="TextBox 4"/>
+          <p:cNvSpPr txBox="1"/>
+          <p:nvPr/>
+        </p:nvSpPr>
+        <p:spPr>
+          <a:xfrm>
+            <a:off x="249243" y="1847840"/>
+            <a:ext cx="8985240" cy="2585323"/>
+          </a:xfrm>
+          <a:prstGeom prst="rect">
+            <a:avLst/>
+          </a:prstGeom>
+          <a:noFill/>
+        </p:spPr>
+        <p:txBody>
+          <a:bodyPr wrap="square" rtlCol="0">
+            <a:spAutoFit/>
+          </a:bodyPr>
+          <a:lstStyle/>
+          <a:p>
+            <a:pPr algn="l"/>
+            <a:r>
+              <a:rPr lang="en-US" sz="5400" dirty="0" smtClean="0">
+                <a:solidFill>
+                  <a:srgbClr val="000000"/>
+                </a:solidFill>
+                <a:latin typeface="Comic Sans MS" pitchFamily="66" charset="0"/>
+              </a:rPr>
+              <a:t>Because two formulas are</a:t>
+            </a:r>
+          </a:p>
+          <a:p>
+            <a:pPr algn="l"/>
+            <a:r>
+              <a:rPr lang="en-US" sz="5400" dirty="0" smtClean="0">
+                <a:solidFill>
+                  <a:srgbClr val="000000"/>
+                </a:solidFill>
+                <a:latin typeface="Comic Sans MS" pitchFamily="66" charset="0"/>
+              </a:rPr>
+              <a:t>equivalent </a:t>
+            </a:r>
+            <a:r>
+              <a:rPr lang="en-US" sz="5400" dirty="0" err="1" smtClean="0">
+                <a:solidFill>
+                  <a:srgbClr val="000000"/>
+                </a:solidFill>
+                <a:latin typeface="Comic Sans MS" pitchFamily="66" charset="0"/>
+              </a:rPr>
+              <a:t>iff</a:t>
+            </a:r>
+            <a:r>
+              <a:rPr lang="en-US" sz="5400" dirty="0" smtClean="0">
+                <a:solidFill>
+                  <a:srgbClr val="000000"/>
+                </a:solidFill>
+                <a:latin typeface="Comic Sans MS" pitchFamily="66" charset="0"/>
+              </a:rPr>
+              <a:t> have same truth table</a:t>
+            </a:r>
+            <a:endParaRPr lang="en-US" sz="5400" dirty="0">
+              <a:solidFill>
+                <a:srgbClr val="000000"/>
+              </a:solidFill>
+              <a:latin typeface="Comic Sans MS" pitchFamily="66" charset="0"/>
+            </a:endParaRPr>
+          </a:p>
+        </p:txBody>
+      </p:sp>
+      <p:sp>
+        <p:nvSpPr>
+          <p:cNvPr id="9" name="Title 1"/>
+          <p:cNvSpPr>
+            <a:spLocks noGrp="1"/>
+          </p:cNvSpPr>
+          <p:nvPr>
+            <p:ph type="title"/>
+          </p:nvPr>
+        </p:nvSpPr>
+        <p:spPr>
+          <a:xfrm>
+            <a:off x="1651000" y="363538"/>
+            <a:ext cx="6794500" cy="1003300"/>
+          </a:xfrm>
+        </p:spPr>
+        <p:txBody>
+          <a:bodyPr/>
+          <a:lstStyle/>
+          <a:p>
+            <a:r>
+              <a:rPr lang="en-US" sz="4000" dirty="0" smtClean="0"/>
+              <a:t>Algebra for Equivalence</a:t>
+            </a:r>
+            <a:endParaRPr lang="en-US" sz="4000" dirty="0"/>
+          </a:p>
+        </p:txBody>
+      </p:sp>
+      <p:sp>
+        <p:nvSpPr>
+          <p:cNvPr id="4" name="Slide Number Placeholder 2"/>
+          <p:cNvSpPr>
+            <a:spLocks noGrp="1"/>
+          </p:cNvSpPr>
+          <p:nvPr>
+            <p:ph type="sldNum" sz="quarter" idx="10"/>
+          </p:nvPr>
+        </p:nvSpPr>
+        <p:spPr>
+          <a:xfrm>
+            <a:off x="7333815" y="6553200"/>
+            <a:ext cx="1810186" cy="276999"/>
+          </a:xfrm>
+        </p:spPr>
+        <p:txBody>
+          <a:bodyPr/>
+          <a:lstStyle/>
+          <a:p>
+            <a:r>
+              <a:rPr lang="en-US" dirty="0" smtClean="0"/>
+              <a:t>propositional algebra.</a:t>
+            </a:r>
+            <a:fld id="{3251DA95-B240-47FE-901D-B78FC8E8E532}" type="slidenum">
+              <a:rPr lang="en-US" smtClean="0"/>
+              <a:pPr/>
+              <a:t>45</a:t>
+            </a:fld>
+            <a:endParaRPr lang="en-US" dirty="0"/>
+          </a:p>
+        </p:txBody>
+      </p:sp>
+    </p:spTree>
+    <p:extLst>
+      <p:ext uri="{BB962C8B-B14F-4D97-AF65-F5344CB8AC3E}">
+        <p14:creationId xmlns:p14="http://schemas.microsoft.com/office/powerpoint/2010/main" val="2442323819"/>
+      </p:ext>
+    </p:extLst>
+  </p:cSld>
+  <p:clrMapOvr>
+    <a:masterClrMapping/>
+  </p:clrMapOvr>
+  <mc:AlternateContent xmlns:mc="http://schemas.openxmlformats.org/markup-compatibility/2006" xmlns:p14="http://schemas.microsoft.com/office/powerpoint/2010/main">
+    <mc:Choice Requires="p14">
+      <p:transition spd="med" p14:dur="700" advClick="0">
+        <p:fade/>
+      </p:transition>
+    </mc:Choice>
+    <mc:Fallback xmlns="">
+      <p:transition xmlns:p14="http://schemas.microsoft.com/office/powerpoint/2010/main" spd="med" advClick="0">
+        <p:fade/>
+      </p:transition>
+    </mc:Fallback>
+  </mc:AlternateContent>
+  <p:timing>
+    <p:tnLst>
+      <p:par>
+        <p:cTn xmlns:p14="http://schemas.microsoft.com/office/powerpoint/2010/main" id="1" dur="indefinite" restart="never" nodeType="tmRoot"/>
+      </p:par>
+    </p:tnLst>
+  </p:timing>
+</p:sld>
+</file>
+
 <file path=ppt/slides/slide46.xml><?xml version="1.0" encoding="utf-8"?>
 <p:sld xmlns:a="http://schemas.openxmlformats.org/drawingml/2006/main" xmlns:r="http://schemas.openxmlformats.org/officeDocument/2006/relationships" xmlns:p="http://schemas.openxmlformats.org/presentationml/2006/main">
   <p:cSld>
@@ -22196,7 +21537,7 @@
         <p:spPr>
           <a:xfrm>
             <a:off x="249243" y="1847840"/>
-            <a:ext cx="8985240" cy="1754327"/>
+            <a:ext cx="8985240" cy="3416320"/>
           </a:xfrm>
           <a:prstGeom prst="rect">
             <a:avLst/>
@@ -22231,6 +21572,54 @@
               </a:rPr>
               <a:t>equivalent </a:t>
             </a:r>
+            <a:r>
+              <a:rPr lang="en-US" sz="5400" dirty="0" err="1" smtClean="0">
+                <a:solidFill>
+                  <a:srgbClr val="000000"/>
+                </a:solidFill>
+                <a:latin typeface="Comic Sans MS" pitchFamily="66" charset="0"/>
+              </a:rPr>
+              <a:t>iff</a:t>
+            </a:r>
+            <a:r>
+              <a:rPr lang="en-US" sz="5400" dirty="0" smtClean="0">
+                <a:solidFill>
+                  <a:srgbClr val="000000"/>
+                </a:solidFill>
+                <a:latin typeface="Comic Sans MS" pitchFamily="66" charset="0"/>
+              </a:rPr>
+              <a:t> have same truth table </a:t>
+            </a:r>
+            <a:r>
+              <a:rPr lang="en-US" sz="5400" dirty="0" err="1" smtClean="0">
+                <a:solidFill>
+                  <a:srgbClr val="000000"/>
+                </a:solidFill>
+                <a:latin typeface="Comic Sans MS" pitchFamily="66" charset="0"/>
+              </a:rPr>
+              <a:t>iff</a:t>
+            </a:r>
+            <a:r>
+              <a:rPr lang="en-US" sz="5400" dirty="0" smtClean="0">
+                <a:solidFill>
+                  <a:srgbClr val="000000"/>
+                </a:solidFill>
+                <a:latin typeface="Comic Sans MS" pitchFamily="66" charset="0"/>
+              </a:rPr>
+              <a:t> have same</a:t>
+            </a:r>
+          </a:p>
+          <a:p>
+            <a:pPr algn="l"/>
+            <a:r>
+              <a:rPr lang="en-US" sz="5400" dirty="0" smtClean="0">
+                <a:solidFill>
+                  <a:srgbClr val="000000"/>
+                </a:solidFill>
+                <a:latin typeface="Comic Sans MS" pitchFamily="66" charset="0"/>
+              </a:rPr>
+              <a:t>sorted Full DNF.</a:t>
+            </a:r>
             <a:endParaRPr lang="en-US" sz="5400" dirty="0">
               <a:solidFill>
                 <a:srgbClr val="000000"/>
@@ -22304,7 +21693,7 @@
     </p:spTree>
     <p:extLst>
       <p:ext uri="{BB962C8B-B14F-4D97-AF65-F5344CB8AC3E}">
-        <p14:creationId xmlns:p14="http://schemas.microsoft.com/office/powerpoint/2010/main" val="2003119538"/>
+        <p14:creationId xmlns:p14="http://schemas.microsoft.com/office/powerpoint/2010/main" val="1661767375"/>
       </p:ext>
     </p:extLst>
   </p:cSld>
@@ -22358,8 +21747,8 @@
         </p:nvSpPr>
         <p:spPr>
           <a:xfrm>
-            <a:off x="249243" y="1847840"/>
-            <a:ext cx="8985240" cy="2585323"/>
+            <a:off x="627063" y="1308100"/>
+            <a:ext cx="7970837" cy="2585323"/>
           </a:xfrm>
           <a:prstGeom prst="rect">
             <a:avLst/>
@@ -22375,46 +21764,28 @@
             <a:pPr algn="l"/>
             <a:r>
               <a:rPr lang="en-US" sz="5400" dirty="0" smtClean="0">
+                <a:latin typeface="Comic Sans MS" pitchFamily="66" charset="0"/>
+              </a:rPr>
+              <a:t>Algebraic proofs </a:t>
+            </a:r>
+            <a:r>
+              <a:rPr lang="en-US" sz="5400" dirty="0" smtClean="0">
                 <a:solidFill>
-                  <a:srgbClr val="000000"/>
+                  <a:srgbClr val="FF03E3"/>
                 </a:solidFill>
                 <a:latin typeface="Comic Sans MS" pitchFamily="66" charset="0"/>
               </a:rPr>
-              <a:t>Because two formulas are</a:t>
-            </a:r>
-          </a:p>
-          <a:p>
-            <a:pPr algn="l"/>
+              <a:t>in general</a:t>
+            </a:r>
             <a:r>
               <a:rPr lang="en-US" sz="5400" dirty="0" smtClean="0">
-                <a:solidFill>
-                  <a:srgbClr val="000000"/>
-                </a:solidFill>
                 <a:latin typeface="Comic Sans MS" pitchFamily="66" charset="0"/>
               </a:rPr>
-              <a:t>equivalent </a:t>
-            </a:r>
-            <a:r>
-              <a:rPr lang="en-US" sz="5400" dirty="0" err="1" smtClean="0">
-                <a:solidFill>
-                  <a:srgbClr val="000000"/>
-                </a:solidFill>
-                <a:latin typeface="Comic Sans MS" pitchFamily="66" charset="0"/>
-              </a:rPr>
-              <a:t>iff</a:t>
-            </a:r>
-            <a:r>
-              <a:rPr lang="en-US" sz="5400" dirty="0" smtClean="0">
-                <a:solidFill>
-                  <a:srgbClr val="000000"/>
-                </a:solidFill>
-                <a:latin typeface="Comic Sans MS" pitchFamily="66" charset="0"/>
-              </a:rPr>
-              <a:t> have same truth table</a:t>
+              <a:t> don’t beat truth tables.</a:t>
             </a:r>
             <a:endParaRPr lang="en-US" sz="5400" dirty="0">
               <a:solidFill>
-                <a:srgbClr val="000000"/>
+                <a:srgbClr val="0000F1"/>
               </a:solidFill>
               <a:latin typeface="Comic Sans MS" pitchFamily="66" charset="0"/>
             </a:endParaRPr>
@@ -22423,35 +21794,7 @@
       </p:sp>
       <p:sp>
         <p:nvSpPr>
-          <p:cNvPr id="9" name="Title 1"/>
-          <p:cNvSpPr>
-            <a:spLocks noGrp="1"/>
-          </p:cNvSpPr>
-          <p:nvPr>
-            <p:ph type="title"/>
-          </p:nvPr>
-        </p:nvSpPr>
-        <p:spPr>
-          <a:xfrm>
-            <a:off x="1651000" y="363538"/>
-            <a:ext cx="6794500" cy="1003300"/>
-          </a:xfrm>
-        </p:spPr>
-        <p:txBody>
-          <a:bodyPr/>
-          <a:lstStyle/>
-          <a:p>
-            <a:r>
-              <a:rPr lang="en-US" sz="4000" dirty="0" smtClean="0"/>
-              <a:t>Algebra for Equivalence</a:t>
-            </a:r>
-            <a:endParaRPr lang="en-US" sz="4000" dirty="0"/>
-          </a:p>
-        </p:txBody>
-      </p:sp>
-      <p:sp>
-        <p:nvSpPr>
-          <p:cNvPr id="4" name="Slide Number Placeholder 2"/>
+          <p:cNvPr id="6" name="Slide Number Placeholder 2"/>
           <p:cNvSpPr>
             <a:spLocks noGrp="1"/>
           </p:cNvSpPr>
@@ -22485,25 +21828,16 @@
     </p:spTree>
     <p:extLst>
       <p:ext uri="{BB962C8B-B14F-4D97-AF65-F5344CB8AC3E}">
-        <p14:creationId xmlns:p14="http://schemas.microsoft.com/office/powerpoint/2010/main" val="2442323819"/>
+        <p14:creationId xmlns:p14="http://schemas.microsoft.com/office/powerpoint/2010/main" val="1193270480"/>
       </p:ext>
     </p:extLst>
   </p:cSld>
   <p:clrMapOvr>
     <a:masterClrMapping/>
   </p:clrMapOvr>
-  <mc:AlternateContent xmlns:mc="http://schemas.openxmlformats.org/markup-compatibility/2006" xmlns:p14="http://schemas.microsoft.com/office/powerpoint/2010/main">
-    <mc:Choice Requires="p14">
-      <p:transition spd="med" p14:dur="700" advClick="0">
-        <p:fade/>
-      </p:transition>
-    </mc:Choice>
-    <mc:Fallback xmlns="">
-      <p:transition xmlns:p14="http://schemas.microsoft.com/office/powerpoint/2010/main" spd="med" advClick="0">
-        <p:fade/>
-      </p:transition>
-    </mc:Fallback>
-  </mc:AlternateContent>
+  <p:transition xmlns:p14="http://schemas.microsoft.com/office/powerpoint/2010/main" spd="slow" advClick="0">
+    <p:fade thruBlk="1"/>
+  </p:transition>
   <p:timing>
     <p:tnLst>
       <p:par>
@@ -22539,627 +21873,6 @@
         </p:nvSpPr>
         <p:spPr>
           <a:xfrm>
-            <a:off x="249243" y="1847840"/>
-            <a:ext cx="8985240" cy="3416320"/>
-          </a:xfrm>
-          <a:prstGeom prst="rect">
-            <a:avLst/>
-          </a:prstGeom>
-          <a:noFill/>
-        </p:spPr>
-        <p:txBody>
-          <a:bodyPr wrap="square" rtlCol="0">
-            <a:spAutoFit/>
-          </a:bodyPr>
-          <a:lstStyle/>
-          <a:p>
-            <a:pPr algn="l"/>
-            <a:r>
-              <a:rPr lang="en-US" sz="5400" dirty="0" smtClean="0">
-                <a:solidFill>
-                  <a:srgbClr val="000000"/>
-                </a:solidFill>
-                <a:latin typeface="Comic Sans MS" pitchFamily="66" charset="0"/>
-              </a:rPr>
-              <a:t>Because two formulas are</a:t>
-            </a:r>
-          </a:p>
-          <a:p>
-            <a:pPr algn="l"/>
-            <a:r>
-              <a:rPr lang="en-US" sz="5400" dirty="0" smtClean="0">
-                <a:solidFill>
-                  <a:srgbClr val="000000"/>
-                </a:solidFill>
-                <a:latin typeface="Comic Sans MS" pitchFamily="66" charset="0"/>
-              </a:rPr>
-              <a:t>equivalent </a:t>
-            </a:r>
-            <a:r>
-              <a:rPr lang="en-US" sz="5400" dirty="0" err="1" smtClean="0">
-                <a:solidFill>
-                  <a:srgbClr val="000000"/>
-                </a:solidFill>
-                <a:latin typeface="Comic Sans MS" pitchFamily="66" charset="0"/>
-              </a:rPr>
-              <a:t>iff</a:t>
-            </a:r>
-            <a:r>
-              <a:rPr lang="en-US" sz="5400" dirty="0" smtClean="0">
-                <a:solidFill>
-                  <a:srgbClr val="000000"/>
-                </a:solidFill>
-                <a:latin typeface="Comic Sans MS" pitchFamily="66" charset="0"/>
-              </a:rPr>
-              <a:t> have same truth table </a:t>
-            </a:r>
-            <a:r>
-              <a:rPr lang="en-US" sz="5400" dirty="0" err="1" smtClean="0">
-                <a:solidFill>
-                  <a:srgbClr val="000000"/>
-                </a:solidFill>
-                <a:latin typeface="Comic Sans MS" pitchFamily="66" charset="0"/>
-              </a:rPr>
-              <a:t>iff</a:t>
-            </a:r>
-            <a:r>
-              <a:rPr lang="en-US" sz="5400" dirty="0" smtClean="0">
-                <a:solidFill>
-                  <a:srgbClr val="000000"/>
-                </a:solidFill>
-                <a:latin typeface="Comic Sans MS" pitchFamily="66" charset="0"/>
-              </a:rPr>
-              <a:t> have same</a:t>
-            </a:r>
-          </a:p>
-          <a:p>
-            <a:pPr algn="l"/>
-            <a:r>
-              <a:rPr lang="en-US" sz="5400" dirty="0" smtClean="0">
-                <a:solidFill>
-                  <a:srgbClr val="000000"/>
-                </a:solidFill>
-                <a:latin typeface="Comic Sans MS" pitchFamily="66" charset="0"/>
-              </a:rPr>
-              <a:t>sorted Full DNF.</a:t>
-            </a:r>
-            <a:endParaRPr lang="en-US" sz="5400" dirty="0">
-              <a:solidFill>
-                <a:srgbClr val="000000"/>
-              </a:solidFill>
-              <a:latin typeface="Comic Sans MS" pitchFamily="66" charset="0"/>
-            </a:endParaRPr>
-          </a:p>
-        </p:txBody>
-      </p:sp>
-      <p:sp>
-        <p:nvSpPr>
-          <p:cNvPr id="9" name="Title 1"/>
-          <p:cNvSpPr>
-            <a:spLocks noGrp="1"/>
-          </p:cNvSpPr>
-          <p:nvPr>
-            <p:ph type="title"/>
-          </p:nvPr>
-        </p:nvSpPr>
-        <p:spPr>
-          <a:xfrm>
-            <a:off x="1651000" y="363538"/>
-            <a:ext cx="6794500" cy="1003300"/>
-          </a:xfrm>
-        </p:spPr>
-        <p:txBody>
-          <a:bodyPr/>
-          <a:lstStyle/>
-          <a:p>
-            <a:r>
-              <a:rPr lang="en-US" sz="4000" dirty="0" smtClean="0"/>
-              <a:t>Algebra for Equivalence</a:t>
-            </a:r>
-            <a:endParaRPr lang="en-US" sz="4000" dirty="0"/>
-          </a:p>
-        </p:txBody>
-      </p:sp>
-      <p:sp>
-        <p:nvSpPr>
-          <p:cNvPr id="4" name="Slide Number Placeholder 2"/>
-          <p:cNvSpPr>
-            <a:spLocks noGrp="1"/>
-          </p:cNvSpPr>
-          <p:nvPr>
-            <p:ph type="sldNum" sz="quarter" idx="10"/>
-          </p:nvPr>
-        </p:nvSpPr>
-        <p:spPr>
-          <a:xfrm>
-            <a:off x="7333815" y="6553200"/>
-            <a:ext cx="1810186" cy="276999"/>
-          </a:xfrm>
-        </p:spPr>
-        <p:txBody>
-          <a:bodyPr/>
-          <a:lstStyle/>
-          <a:p>
-            <a:r>
-              <a:rPr lang="en-US" dirty="0" smtClean="0"/>
-              <a:t>propositional algebra.</a:t>
-            </a:r>
-            <a:fld id="{3251DA95-B240-47FE-901D-B78FC8E8E532}" type="slidenum">
-              <a:rPr lang="en-US" smtClean="0"/>
-              <a:pPr/>
-              <a:t>48</a:t>
-            </a:fld>
-            <a:endParaRPr lang="en-US" dirty="0"/>
-          </a:p>
-        </p:txBody>
-      </p:sp>
-    </p:spTree>
-    <p:extLst>
-      <p:ext uri="{BB962C8B-B14F-4D97-AF65-F5344CB8AC3E}">
-        <p14:creationId xmlns:p14="http://schemas.microsoft.com/office/powerpoint/2010/main" val="1661767375"/>
-      </p:ext>
-    </p:extLst>
-  </p:cSld>
-  <p:clrMapOvr>
-    <a:masterClrMapping/>
-  </p:clrMapOvr>
-  <mc:AlternateContent xmlns:mc="http://schemas.openxmlformats.org/markup-compatibility/2006" xmlns:p14="http://schemas.microsoft.com/office/powerpoint/2010/main">
-    <mc:Choice Requires="p14">
-      <p:transition spd="med" p14:dur="700" advClick="0">
-        <p:fade/>
-      </p:transition>
-    </mc:Choice>
-    <mc:Fallback xmlns="">
-      <p:transition xmlns:p14="http://schemas.microsoft.com/office/powerpoint/2010/main" spd="med" advClick="0">
-        <p:fade/>
-      </p:transition>
-    </mc:Fallback>
-  </mc:AlternateContent>
-  <p:timing>
-    <p:tnLst>
-      <p:par>
-        <p:cTn xmlns:p14="http://schemas.microsoft.com/office/powerpoint/2010/main" id="1" dur="indefinite" restart="never" nodeType="tmRoot"/>
-      </p:par>
-    </p:tnLst>
-  </p:timing>
-</p:sld>
-</file>
-
-<file path=ppt/slides/slide49.xml><?xml version="1.0" encoding="utf-8"?>
-<p:sld xmlns:a="http://schemas.openxmlformats.org/drawingml/2006/main" xmlns:r="http://schemas.openxmlformats.org/officeDocument/2006/relationships" xmlns:p="http://schemas.openxmlformats.org/presentationml/2006/main">
-  <p:cSld>
-    <p:spTree>
-      <p:nvGrpSpPr>
-        <p:cNvPr id="1" name=""/>
-        <p:cNvGrpSpPr/>
-        <p:nvPr/>
-      </p:nvGrpSpPr>
-      <p:grpSpPr>
-        <a:xfrm>
-          <a:off x="0" y="0"/>
-          <a:ext cx="0" cy="0"/>
-          <a:chOff x="0" y="0"/>
-          <a:chExt cx="0" cy="0"/>
-        </a:xfrm>
-      </p:grpSpPr>
-      <p:sp>
-        <p:nvSpPr>
-          <p:cNvPr id="5" name="TextBox 4"/>
-          <p:cNvSpPr txBox="1"/>
-          <p:nvPr/>
-        </p:nvSpPr>
-        <p:spPr>
-          <a:xfrm>
-            <a:off x="627063" y="1308100"/>
-            <a:ext cx="7970837" cy="2585323"/>
-          </a:xfrm>
-          <a:prstGeom prst="rect">
-            <a:avLst/>
-          </a:prstGeom>
-          <a:noFill/>
-        </p:spPr>
-        <p:txBody>
-          <a:bodyPr wrap="square" rtlCol="0">
-            <a:spAutoFit/>
-          </a:bodyPr>
-          <a:lstStyle/>
-          <a:p>
-            <a:pPr algn="l"/>
-            <a:r>
-              <a:rPr lang="en-US" sz="5400" dirty="0" smtClean="0">
-                <a:latin typeface="Comic Sans MS" pitchFamily="66" charset="0"/>
-              </a:rPr>
-              <a:t>Algebraic proofs </a:t>
-            </a:r>
-            <a:r>
-              <a:rPr lang="en-US" sz="5400" dirty="0" smtClean="0">
-                <a:solidFill>
-                  <a:srgbClr val="FF03E3"/>
-                </a:solidFill>
-                <a:latin typeface="Comic Sans MS" pitchFamily="66" charset="0"/>
-              </a:rPr>
-              <a:t>in general</a:t>
-            </a:r>
-            <a:r>
-              <a:rPr lang="en-US" sz="5400" dirty="0" smtClean="0">
-                <a:latin typeface="Comic Sans MS" pitchFamily="66" charset="0"/>
-              </a:rPr>
-              <a:t> don’t beat truth tables.</a:t>
-            </a:r>
-            <a:endParaRPr lang="en-US" sz="5400" dirty="0">
-              <a:solidFill>
-                <a:srgbClr val="0000F1"/>
-              </a:solidFill>
-              <a:latin typeface="Comic Sans MS" pitchFamily="66" charset="0"/>
-            </a:endParaRPr>
-          </a:p>
-        </p:txBody>
-      </p:sp>
-      <p:sp>
-        <p:nvSpPr>
-          <p:cNvPr id="6" name="Slide Number Placeholder 2"/>
-          <p:cNvSpPr>
-            <a:spLocks noGrp="1"/>
-          </p:cNvSpPr>
-          <p:nvPr>
-            <p:ph type="sldNum" sz="quarter" idx="10"/>
-          </p:nvPr>
-        </p:nvSpPr>
-        <p:spPr>
-          <a:xfrm>
-            <a:off x="7333815" y="6553200"/>
-            <a:ext cx="1810186" cy="276999"/>
-          </a:xfrm>
-        </p:spPr>
-        <p:txBody>
-          <a:bodyPr/>
-          <a:lstStyle/>
-          <a:p>
-            <a:r>
-              <a:rPr lang="en-US" dirty="0" smtClean="0"/>
-              <a:t>propositional algebra.</a:t>
-            </a:r>
-            <a:fld id="{3251DA95-B240-47FE-901D-B78FC8E8E532}" type="slidenum">
-              <a:rPr lang="en-US" smtClean="0"/>
-              <a:pPr/>
-              <a:t>49</a:t>
-            </a:fld>
-            <a:endParaRPr lang="en-US" dirty="0"/>
-          </a:p>
-        </p:txBody>
-      </p:sp>
-    </p:spTree>
-    <p:extLst>
-      <p:ext uri="{BB962C8B-B14F-4D97-AF65-F5344CB8AC3E}">
-        <p14:creationId xmlns:p14="http://schemas.microsoft.com/office/powerpoint/2010/main" val="1193270480"/>
-      </p:ext>
-    </p:extLst>
-  </p:cSld>
-  <p:clrMapOvr>
-    <a:masterClrMapping/>
-  </p:clrMapOvr>
-  <p:transition xmlns:p14="http://schemas.microsoft.com/office/powerpoint/2010/main" spd="slow" advClick="0">
-    <p:fade thruBlk="1"/>
-  </p:transition>
-  <p:timing>
-    <p:tnLst>
-      <p:par>
-        <p:cTn xmlns:p14="http://schemas.microsoft.com/office/powerpoint/2010/main" id="1" dur="indefinite" restart="never" nodeType="tmRoot"/>
-      </p:par>
-    </p:tnLst>
-  </p:timing>
-</p:sld>
-</file>
-
-<file path=ppt/slides/slide5.xml><?xml version="1.0" encoding="utf-8"?>
-<p:sld xmlns:a="http://schemas.openxmlformats.org/drawingml/2006/main" xmlns:r="http://schemas.openxmlformats.org/officeDocument/2006/relationships" xmlns:p="http://schemas.openxmlformats.org/presentationml/2006/main">
-  <p:cSld>
-    <p:spTree>
-      <p:nvGrpSpPr>
-        <p:cNvPr id="1" name=""/>
-        <p:cNvGrpSpPr/>
-        <p:nvPr/>
-      </p:nvGrpSpPr>
-      <p:grpSpPr>
-        <a:xfrm>
-          <a:off x="0" y="0"/>
-          <a:ext cx="0" cy="0"/>
-          <a:chOff x="0" y="0"/>
-          <a:chExt cx="0" cy="0"/>
-        </a:xfrm>
-      </p:grpSpPr>
-      <p:sp>
-        <p:nvSpPr>
-          <p:cNvPr id="5" name="TextBox 4"/>
-          <p:cNvSpPr txBox="1"/>
-          <p:nvPr/>
-        </p:nvSpPr>
-        <p:spPr>
-          <a:xfrm>
-            <a:off x="1724483" y="1320800"/>
-            <a:ext cx="5729960" cy="923330"/>
-          </a:xfrm>
-          <a:prstGeom prst="rect">
-            <a:avLst/>
-          </a:prstGeom>
-          <a:noFill/>
-        </p:spPr>
-        <p:txBody>
-          <a:bodyPr wrap="square" rtlCol="0">
-            <a:spAutoFit/>
-          </a:bodyPr>
-          <a:lstStyle/>
-          <a:p>
-            <a:pPr algn="l"/>
-            <a:r>
-              <a:rPr lang="en-US" sz="5400" dirty="0" smtClean="0">
-                <a:solidFill>
-                  <a:srgbClr val="FF03E3"/>
-                </a:solidFill>
-                <a:latin typeface="Comic Sans MS" pitchFamily="66" charset="0"/>
-              </a:rPr>
-              <a:t>Double Negation</a:t>
-            </a:r>
-            <a:endParaRPr lang="en-US" sz="5400" dirty="0">
-              <a:solidFill>
-                <a:srgbClr val="FF03E3"/>
-              </a:solidFill>
-              <a:latin typeface="Comic Sans MS" pitchFamily="66" charset="0"/>
-            </a:endParaRPr>
-          </a:p>
-        </p:txBody>
-      </p:sp>
-      <p:sp>
-        <p:nvSpPr>
-          <p:cNvPr id="9" name="Title 1"/>
-          <p:cNvSpPr>
-            <a:spLocks noGrp="1"/>
-          </p:cNvSpPr>
-          <p:nvPr>
-            <p:ph type="title"/>
-          </p:nvPr>
-        </p:nvSpPr>
-        <p:spPr>
-          <a:xfrm>
-            <a:off x="1651000" y="363538"/>
-            <a:ext cx="6794500" cy="1003300"/>
-          </a:xfrm>
-        </p:spPr>
-        <p:txBody>
-          <a:bodyPr/>
-          <a:lstStyle/>
-          <a:p>
-            <a:r>
-              <a:rPr lang="en-US" sz="4000" dirty="0" smtClean="0"/>
-              <a:t>Algebra for Equivalence</a:t>
-            </a:r>
-            <a:endParaRPr lang="en-US" sz="4000" dirty="0"/>
-          </a:p>
-        </p:txBody>
-      </p:sp>
-      <p:sp>
-        <p:nvSpPr>
-          <p:cNvPr id="4" name="Slide Number Placeholder 2"/>
-          <p:cNvSpPr>
-            <a:spLocks noGrp="1"/>
-          </p:cNvSpPr>
-          <p:nvPr>
-            <p:ph type="sldNum" sz="quarter" idx="10"/>
-          </p:nvPr>
-        </p:nvSpPr>
-        <p:spPr>
-          <a:xfrm>
-            <a:off x="7333815" y="6553200"/>
-            <a:ext cx="1810186" cy="276999"/>
-          </a:xfrm>
-        </p:spPr>
-        <p:txBody>
-          <a:bodyPr/>
-          <a:lstStyle/>
-          <a:p>
-            <a:r>
-              <a:rPr lang="en-US" dirty="0" smtClean="0"/>
-              <a:t>propositional algebra.</a:t>
-            </a:r>
-            <a:fld id="{3251DA95-B240-47FE-901D-B78FC8E8E532}" type="slidenum">
-              <a:rPr lang="en-US" smtClean="0"/>
-              <a:pPr/>
-              <a:t>5</a:t>
-            </a:fld>
-            <a:endParaRPr lang="en-US" dirty="0"/>
-          </a:p>
-        </p:txBody>
-      </p:sp>
-      <p:graphicFrame>
-        <p:nvGraphicFramePr>
-          <p:cNvPr id="3" name="Object 2"/>
-          <p:cNvGraphicFramePr>
-            <a:graphicFrameLocks noChangeAspect="1"/>
-          </p:cNvGraphicFramePr>
-          <p:nvPr>
-            <p:extLst>
-              <p:ext uri="{D42A27DB-BD31-4B8C-83A1-F6EECF244321}">
-                <p14:modId xmlns:p14="http://schemas.microsoft.com/office/powerpoint/2010/main" val="3219183914"/>
-              </p:ext>
-            </p:extLst>
-          </p:nvPr>
-        </p:nvGraphicFramePr>
-        <p:xfrm>
-          <a:off x="1090751" y="2590801"/>
-          <a:ext cx="7099024" cy="1252538"/>
-        </p:xfrm>
-        <a:graphic>
-          <a:graphicData uri="http://schemas.openxmlformats.org/presentationml/2006/ole">
-            <mc:AlternateContent xmlns:mc="http://schemas.openxmlformats.org/markup-compatibility/2006">
-              <mc:Choice xmlns:v="urn:schemas-microsoft-com:vml" Requires="v">
-                <p:oleObj spid="_x0000_s1084" name="Equation" r:id="rId4" imgW="1295400" imgH="228600" progId="Equation.DSMT4">
-                  <p:embed/>
-                </p:oleObj>
-              </mc:Choice>
-              <mc:Fallback>
-                <p:oleObj name="Equation" r:id="rId4" imgW="1295400" imgH="228600" progId="Equation.DSMT4">
-                  <p:embed/>
-                  <p:pic>
-                    <p:nvPicPr>
-                      <p:cNvPr id="0" name=""/>
-                      <p:cNvPicPr/>
-                      <p:nvPr/>
-                    </p:nvPicPr>
-                    <p:blipFill>
-                      <a:blip r:embed="rId5"/>
-                      <a:stretch>
-                        <a:fillRect/>
-                      </a:stretch>
-                    </p:blipFill>
-                    <p:spPr>
-                      <a:xfrm>
-                        <a:off x="1090751" y="2590801"/>
-                        <a:ext cx="7099024" cy="1252538"/>
-                      </a:xfrm>
-                      <a:prstGeom prst="rect">
-                        <a:avLst/>
-                      </a:prstGeom>
-                    </p:spPr>
-                  </p:pic>
-                </p:oleObj>
-              </mc:Fallback>
-            </mc:AlternateContent>
-          </a:graphicData>
-        </a:graphic>
-      </p:graphicFrame>
-    </p:spTree>
-    <p:extLst>
-      <p:ext uri="{BB962C8B-B14F-4D97-AF65-F5344CB8AC3E}">
-        <p14:creationId xmlns:p14="http://schemas.microsoft.com/office/powerpoint/2010/main" val="2749065415"/>
-      </p:ext>
-    </p:extLst>
-  </p:cSld>
-  <p:clrMapOvr>
-    <a:masterClrMapping/>
-  </p:clrMapOvr>
-  <mc:AlternateContent xmlns:mc="http://schemas.openxmlformats.org/markup-compatibility/2006">
-    <mc:Choice xmlns:p14="http://schemas.microsoft.com/office/powerpoint/2010/main" Requires="p14">
-      <p:transition spd="med" p14:dur="700" advClick="0">
-        <p:fade/>
-      </p:transition>
-    </mc:Choice>
-    <mc:Fallback>
-      <p:transition xmlns:p14="http://schemas.microsoft.com/office/powerpoint/2010/main" spd="med" advClick="0">
-        <p:fade/>
-      </p:transition>
-    </mc:Fallback>
-  </mc:AlternateContent>
-  <p:timing>
-    <p:tnLst>
-      <p:par>
-        <p:cTn xmlns:p14="http://schemas.microsoft.com/office/powerpoint/2010/main" id="1" dur="indefinite" restart="never" nodeType="tmRoot">
-          <p:childTnLst>
-            <p:seq concurrent="1" nextAc="seek">
-              <p:cTn id="2" dur="indefinite" nodeType="mainSeq">
-                <p:childTnLst>
-                  <p:par>
-                    <p:cTn id="3" fill="hold">
-                      <p:stCondLst>
-                        <p:cond delay="indefinite"/>
-                      </p:stCondLst>
-                      <p:childTnLst>
-                        <p:par>
-                          <p:cTn id="4" fill="hold">
-                            <p:stCondLst>
-                              <p:cond delay="0"/>
-                            </p:stCondLst>
-                            <p:childTnLst>
-                              <p:par>
-                                <p:cTn id="5" presetID="22" presetClass="entr" presetSubtype="8" fill="hold" nodeType="clickEffect">
-                                  <p:stCondLst>
-                                    <p:cond delay="0"/>
-                                  </p:stCondLst>
-                                  <p:childTnLst>
-                                    <p:set>
-                                      <p:cBhvr>
-                                        <p:cTn id="6" dur="1" fill="hold">
-                                          <p:stCondLst>
-                                            <p:cond delay="0"/>
-                                          </p:stCondLst>
-                                        </p:cTn>
-                                        <p:tgtEl>
-                                          <p:spTgt spid="3"/>
-                                        </p:tgtEl>
-                                        <p:attrNameLst>
-                                          <p:attrName>style.visibility</p:attrName>
-                                        </p:attrNameLst>
-                                      </p:cBhvr>
-                                      <p:to>
-                                        <p:strVal val="visible"/>
-                                      </p:to>
-                                    </p:set>
-                                    <p:animEffect transition="in" filter="wipe(left)">
-                                      <p:cBhvr>
-                                        <p:cTn id="7" dur="1000"/>
-                                        <p:tgtEl>
-                                          <p:spTgt spid="3"/>
-                                        </p:tgtEl>
-                                      </p:cBhvr>
-                                    </p:animEffect>
-                                  </p:childTnLst>
-                                </p:cTn>
-                              </p:par>
-                            </p:childTnLst>
-                          </p:cTn>
-                        </p:par>
-                      </p:childTnLst>
-                    </p:cTn>
-                  </p:par>
-                </p:childTnLst>
-              </p:cTn>
-              <p:prevCondLst>
-                <p:cond evt="onPrev" delay="0">
-                  <p:tgtEl>
-                    <p:sldTgt/>
-                  </p:tgtEl>
-                </p:cond>
-              </p:prevCondLst>
-              <p:nextCondLst>
-                <p:cond evt="onNext" delay="0">
-                  <p:tgtEl>
-                    <p:sldTgt/>
-                  </p:tgtEl>
-                </p:cond>
-              </p:nextCondLst>
-            </p:seq>
-          </p:childTnLst>
-        </p:cTn>
-      </p:par>
-    </p:tnLst>
-  </p:timing>
-</p:sld>
-</file>
-
-<file path=ppt/slides/slide50.xml><?xml version="1.0" encoding="utf-8"?>
-<p:sld xmlns:a="http://schemas.openxmlformats.org/drawingml/2006/main" xmlns:r="http://schemas.openxmlformats.org/officeDocument/2006/relationships" xmlns:p="http://schemas.openxmlformats.org/presentationml/2006/main">
-  <p:cSld>
-    <p:spTree>
-      <p:nvGrpSpPr>
-        <p:cNvPr id="1" name=""/>
-        <p:cNvGrpSpPr/>
-        <p:nvPr/>
-      </p:nvGrpSpPr>
-      <p:grpSpPr>
-        <a:xfrm>
-          <a:off x="0" y="0"/>
-          <a:ext cx="0" cy="0"/>
-          <a:chOff x="0" y="0"/>
-          <a:chExt cx="0" cy="0"/>
-        </a:xfrm>
-      </p:grpSpPr>
-      <p:sp>
-        <p:nvSpPr>
-          <p:cNvPr id="5" name="TextBox 4"/>
-          <p:cNvSpPr txBox="1"/>
-          <p:nvPr/>
-        </p:nvSpPr>
-        <p:spPr>
-          <a:xfrm>
             <a:off x="627063" y="1308100"/>
             <a:ext cx="7970837" cy="5078313"/>
           </a:xfrm>
@@ -23267,7 +21980,7 @@
             <a:fld id="{3251DA95-B240-47FE-901D-B78FC8E8E532}" type="slidenum">
               <a:rPr lang="en-US" smtClean="0"/>
               <a:pPr/>
-              <a:t>50</a:t>
+              <a:t>48</a:t>
             </a:fld>
             <a:endParaRPr lang="en-US" dirty="0"/>
           </a:p>
@@ -23412,7 +22125,7 @@
 </p:sld>
 </file>
 
-<file path=ppt/slides/slide51.xml><?xml version="1.0" encoding="utf-8"?>
+<file path=ppt/slides/slide49.xml><?xml version="1.0" encoding="utf-8"?>
 <p:sld xmlns:a="http://schemas.openxmlformats.org/drawingml/2006/main" xmlns:r="http://schemas.openxmlformats.org/officeDocument/2006/relationships" xmlns:p="http://schemas.openxmlformats.org/presentationml/2006/main">
   <p:cSld>
     <p:spTree>
@@ -23489,34 +22202,7 @@
                 </a:solidFill>
                 <a:latin typeface="Comic Sans MS" pitchFamily="66" charset="0"/>
               </a:rPr>
-              <a:t> </a:t>
-            </a:r>
-            <a:r>
-              <a:rPr lang="en-US" sz="5400" dirty="0" smtClean="0">
-                <a:solidFill>
-                  <a:srgbClr val="0000F1"/>
-                </a:solidFill>
-                <a:latin typeface="Comic Sans MS" pitchFamily="66" charset="0"/>
-              </a:rPr>
-              <a:t>known for </a:t>
-            </a:r>
-            <a:r>
-              <a:rPr lang="en-US" sz="5400" dirty="0" smtClean="0">
-                <a:solidFill>
-                  <a:srgbClr val="0000F1"/>
-                </a:solidFill>
-                <a:latin typeface="Comic Sans MS" pitchFamily="66" charset="0"/>
-              </a:rPr>
-              <a:t>equivalence </a:t>
-            </a:r>
-            <a:r>
-              <a:rPr lang="en-US" sz="5400" dirty="0" smtClean="0">
-                <a:solidFill>
-                  <a:srgbClr val="0000F1"/>
-                </a:solidFill>
-                <a:latin typeface="Comic Sans MS" pitchFamily="66" charset="0"/>
-              </a:rPr>
-              <a:t>or </a:t>
+              <a:t> known for equivalence or </a:t>
             </a:r>
             <a:r>
               <a:rPr lang="en-US" sz="5400" smtClean="0">
@@ -23563,7 +22249,7 @@
             <a:fld id="{3251DA95-B240-47FE-901D-B78FC8E8E532}" type="slidenum">
               <a:rPr lang="en-US" smtClean="0"/>
               <a:pPr/>
-              <a:t>51</a:t>
+              <a:t>49</a:t>
             </a:fld>
             <a:endParaRPr lang="en-US" dirty="0"/>
           </a:p>
@@ -23629,8 +22315,8 @@
 </p:sld>
 </file>
 
-<file path=ppt/slides/slide52.xml><?xml version="1.0" encoding="utf-8"?>
-<p:sld xmlns:a="http://schemas.openxmlformats.org/drawingml/2006/main" xmlns:r="http://schemas.openxmlformats.org/officeDocument/2006/relationships" xmlns:p="http://schemas.openxmlformats.org/presentationml/2006/main" show="0">
+<file path=ppt/slides/slide5.xml><?xml version="1.0" encoding="utf-8"?>
+<p:sld xmlns:a="http://schemas.openxmlformats.org/drawingml/2006/main" xmlns:r="http://schemas.openxmlformats.org/officeDocument/2006/relationships" xmlns:p="http://schemas.openxmlformats.org/presentationml/2006/main">
   <p:cSld>
     <p:spTree>
       <p:nvGrpSpPr>
@@ -23648,42 +22334,14 @@
       </p:grpSpPr>
       <p:sp>
         <p:nvSpPr>
-          <p:cNvPr id="2" name="Title 1"/>
-          <p:cNvSpPr>
-            <a:spLocks noGrp="1"/>
-          </p:cNvSpPr>
-          <p:nvPr>
-            <p:ph type="title"/>
-          </p:nvPr>
-        </p:nvSpPr>
-        <p:spPr>
-          <a:xfrm>
-            <a:off x="2599202" y="325438"/>
-            <a:ext cx="6227298" cy="1058862"/>
-          </a:xfrm>
-        </p:spPr>
-        <p:txBody>
-          <a:bodyPr/>
-          <a:lstStyle/>
-          <a:p>
-            <a:r>
-              <a:rPr lang="en-US" sz="3600" dirty="0" smtClean="0"/>
-              <a:t>Validity Checking still hard</a:t>
-            </a:r>
-            <a:endParaRPr lang="en-US" sz="3600" dirty="0"/>
-          </a:p>
-        </p:txBody>
-      </p:sp>
-      <p:sp>
-        <p:nvSpPr>
           <p:cNvPr id="5" name="TextBox 4"/>
           <p:cNvSpPr txBox="1"/>
           <p:nvPr/>
         </p:nvSpPr>
         <p:spPr>
           <a:xfrm>
-            <a:off x="411163" y="1346200"/>
-            <a:ext cx="8458199" cy="5078313"/>
+            <a:off x="1724483" y="1320800"/>
+            <a:ext cx="5729960" cy="923330"/>
           </a:xfrm>
           <a:prstGeom prst="rect">
             <a:avLst/>
@@ -23699,61 +22357,16 @@
             <a:pPr algn="l"/>
             <a:r>
               <a:rPr lang="en-US" sz="5400" dirty="0" smtClean="0">
-                <a:latin typeface="Comic Sans MS" pitchFamily="66" charset="0"/>
-              </a:rPr>
-              <a:t>Algebraic proofs </a:t>
-            </a:r>
-            <a:r>
-              <a:rPr lang="en-US" sz="5400" dirty="0" smtClean="0">
                 <a:solidFill>
-                  <a:srgbClr val="006600"/>
+                  <a:srgbClr val="FF03E3"/>
                 </a:solidFill>
                 <a:latin typeface="Comic Sans MS" pitchFamily="66" charset="0"/>
               </a:rPr>
-              <a:t>in general</a:t>
-            </a:r>
-            <a:r>
-              <a:rPr lang="en-US" sz="5400" dirty="0" smtClean="0">
-                <a:latin typeface="Comic Sans MS" pitchFamily="66" charset="0"/>
-              </a:rPr>
-              <a:t> no better than truth tables. </a:t>
-            </a:r>
-          </a:p>
-          <a:p>
-            <a:pPr algn="l"/>
-            <a:r>
-              <a:rPr lang="en-US" sz="5400" dirty="0" smtClean="0">
-                <a:solidFill>
-                  <a:srgbClr val="F90B1C"/>
-                </a:solidFill>
-                <a:latin typeface="Comic Sans MS" pitchFamily="66" charset="0"/>
-              </a:rPr>
-              <a:t>No efficient method</a:t>
-            </a:r>
-            <a:r>
-              <a:rPr lang="en-US" sz="5400" dirty="0" smtClean="0">
-                <a:solidFill>
-                  <a:srgbClr val="0000F1"/>
-                </a:solidFill>
-                <a:latin typeface="Comic Sans MS" pitchFamily="66" charset="0"/>
-              </a:rPr>
-              <a:t> for</a:t>
-            </a:r>
-          </a:p>
-          <a:p>
-            <a:pPr algn="l"/>
-            <a:r>
-              <a:rPr lang="en-US" sz="5400" dirty="0" smtClean="0">
-                <a:solidFill>
-                  <a:srgbClr val="0000F1"/>
-                </a:solidFill>
-                <a:latin typeface="Comic Sans MS" pitchFamily="66" charset="0"/>
-              </a:rPr>
-              <a:t>verifying validity is known.</a:t>
+              <a:t>Double Negation</a:t>
             </a:r>
             <a:endParaRPr lang="en-US" sz="5400" dirty="0">
               <a:solidFill>
-                <a:srgbClr val="0000F1"/>
+                <a:srgbClr val="FF03E3"/>
               </a:solidFill>
               <a:latin typeface="Comic Sans MS" pitchFamily="66" charset="0"/>
             </a:endParaRPr>
@@ -23762,7 +22375,35 @@
       </p:sp>
       <p:sp>
         <p:nvSpPr>
-          <p:cNvPr id="6" name="Slide Number Placeholder 2"/>
+          <p:cNvPr id="9" name="Title 1"/>
+          <p:cNvSpPr>
+            <a:spLocks noGrp="1"/>
+          </p:cNvSpPr>
+          <p:nvPr>
+            <p:ph type="title"/>
+          </p:nvPr>
+        </p:nvSpPr>
+        <p:spPr>
+          <a:xfrm>
+            <a:off x="1651000" y="363538"/>
+            <a:ext cx="6794500" cy="1003300"/>
+          </a:xfrm>
+        </p:spPr>
+        <p:txBody>
+          <a:bodyPr/>
+          <a:lstStyle/>
+          <a:p>
+            <a:r>
+              <a:rPr lang="en-US" sz="4000" dirty="0" smtClean="0"/>
+              <a:t>Algebra for Equivalence</a:t>
+            </a:r>
+            <a:endParaRPr lang="en-US" sz="4000" dirty="0"/>
+          </a:p>
+        </p:txBody>
+      </p:sp>
+      <p:sp>
+        <p:nvSpPr>
+          <p:cNvPr id="4" name="Slide Number Placeholder 2"/>
           <p:cNvSpPr>
             <a:spLocks noGrp="1"/>
           </p:cNvSpPr>
@@ -23787,25 +22428,91 @@
             <a:fld id="{3251DA95-B240-47FE-901D-B78FC8E8E532}" type="slidenum">
               <a:rPr lang="en-US" smtClean="0"/>
               <a:pPr/>
-              <a:t>52</a:t>
+              <a:t>5</a:t>
             </a:fld>
             <a:endParaRPr lang="en-US" dirty="0"/>
           </a:p>
         </p:txBody>
       </p:sp>
+      <p:graphicFrame>
+        <p:nvGraphicFramePr>
+          <p:cNvPr id="3" name="Object 2"/>
+          <p:cNvGraphicFramePr>
+            <a:graphicFrameLocks noChangeAspect="1"/>
+          </p:cNvGraphicFramePr>
+          <p:nvPr>
+            <p:extLst>
+              <p:ext uri="{D42A27DB-BD31-4B8C-83A1-F6EECF244321}">
+                <p14:modId xmlns:p14="http://schemas.microsoft.com/office/powerpoint/2010/main" val="3219183914"/>
+              </p:ext>
+            </p:extLst>
+          </p:nvPr>
+        </p:nvGraphicFramePr>
+        <p:xfrm>
+          <a:off x="1090751" y="2590801"/>
+          <a:ext cx="7099024" cy="1252538"/>
+        </p:xfrm>
+        <a:graphic>
+          <a:graphicData uri="http://schemas.openxmlformats.org/presentationml/2006/ole">
+            <mc:AlternateContent xmlns:mc="http://schemas.openxmlformats.org/markup-compatibility/2006">
+              <mc:Choice xmlns:v="urn:schemas-microsoft-com:vml" Requires="v">
+                <p:oleObj spid="_x0000_s1086" name="Equation" r:id="rId4" imgW="1295400" imgH="228600" progId="Equation.DSMT4">
+                  <p:embed/>
+                </p:oleObj>
+              </mc:Choice>
+              <mc:Fallback>
+                <p:oleObj name="Equation" r:id="rId4" imgW="1295400" imgH="228600" progId="Equation.DSMT4">
+                  <p:embed/>
+                  <p:pic>
+                    <p:nvPicPr>
+                      <p:cNvPr id="0" name=""/>
+                      <p:cNvPicPr/>
+                      <p:nvPr/>
+                    </p:nvPicPr>
+                    <p:blipFill>
+                      <a:blip r:embed="rId5"/>
+                      <a:stretch>
+                        <a:fillRect/>
+                      </a:stretch>
+                    </p:blipFill>
+                    <p:spPr>
+                      <a:xfrm>
+                        <a:off x="1090751" y="2590801"/>
+                        <a:ext cx="7099024" cy="1252538"/>
+                      </a:xfrm>
+                      <a:prstGeom prst="rect">
+                        <a:avLst/>
+                      </a:prstGeom>
+                    </p:spPr>
+                  </p:pic>
+                </p:oleObj>
+              </mc:Fallback>
+            </mc:AlternateContent>
+          </a:graphicData>
+        </a:graphic>
+      </p:graphicFrame>
     </p:spTree>
     <p:extLst>
       <p:ext uri="{BB962C8B-B14F-4D97-AF65-F5344CB8AC3E}">
-        <p14:creationId xmlns:p14="http://schemas.microsoft.com/office/powerpoint/2010/main" val="173091335"/>
+        <p14:creationId xmlns:p14="http://schemas.microsoft.com/office/powerpoint/2010/main" val="2749065415"/>
       </p:ext>
     </p:extLst>
   </p:cSld>
   <p:clrMapOvr>
     <a:masterClrMapping/>
   </p:clrMapOvr>
-  <p:transition xmlns:p14="http://schemas.microsoft.com/office/powerpoint/2010/main" spd="slow" advClick="0">
-    <p:fade/>
-  </p:transition>
+  <mc:AlternateContent xmlns:mc="http://schemas.openxmlformats.org/markup-compatibility/2006" xmlns:p14="http://schemas.microsoft.com/office/powerpoint/2010/main">
+    <mc:Choice Requires="p14">
+      <p:transition spd="med" p14:dur="700" advClick="0">
+        <p:fade/>
+      </p:transition>
+    </mc:Choice>
+    <mc:Fallback xmlns="">
+      <p:transition xmlns:p14="http://schemas.microsoft.com/office/powerpoint/2010/main" spd="med" advClick="0">
+        <p:fade/>
+      </p:transition>
+    </mc:Fallback>
+  </mc:AlternateContent>
   <p:timing>
     <p:tnLst>
       <p:par>
@@ -23827,7 +22534,7 @@
                             </p:stCondLst>
                             <p:childTnLst>
                               <p:par>
-                                <p:cTn id="5" presetID="10" presetClass="entr" presetSubtype="0" fill="hold" nodeType="clickEffect">
+                                <p:cTn id="5" presetID="22" presetClass="entr" presetSubtype="8" fill="hold" nodeType="clickEffect">
                                   <p:stCondLst>
                                     <p:cond delay="0"/>
                                   </p:stCondLst>
@@ -23840,11 +22547,7 @@
                                           </p:stCondLst>
                                         </p:cTn>
                                         <p:tgtEl>
-                                          <p:spTgt spid="5">
-                                            <p:txEl>
-                                              <p:pRg st="1" end="1"/>
-                                            </p:txEl>
-                                          </p:spTgt>
+                                          <p:spTgt spid="3"/>
                                         </p:tgtEl>
                                         <p:attrNameLst>
                                           <p:attrName>style.visibility</p:attrName>
@@ -23854,58 +22557,11 @@
                                         <p:strVal val="visible"/>
                                       </p:to>
                                     </p:set>
-                                    <p:animEffect transition="in" filter="fade">
+                                    <p:animEffect transition="in" filter="wipe(left)">
                                       <p:cBhvr>
-                                        <p:cTn id="7" dur="500"/>
+                                        <p:cTn id="7" dur="1000"/>
                                         <p:tgtEl>
-                                          <p:spTgt spid="5">
-                                            <p:txEl>
-                                              <p:pRg st="1" end="1"/>
-                                            </p:txEl>
-                                          </p:spTgt>
-                                        </p:tgtEl>
-                                      </p:cBhvr>
-                                    </p:animEffect>
-                                  </p:childTnLst>
-                                </p:cTn>
-                              </p:par>
-                              <p:par>
-                                <p:cTn id="8" presetID="10" presetClass="entr" presetSubtype="0" fill="hold" nodeType="withEffect">
-                                  <p:stCondLst>
-                                    <p:cond delay="0"/>
-                                  </p:stCondLst>
-                                  <p:childTnLst>
-                                    <p:set>
-                                      <p:cBhvr>
-                                        <p:cTn id="9" dur="1" fill="hold">
-                                          <p:stCondLst>
-                                            <p:cond delay="0"/>
-                                          </p:stCondLst>
-                                        </p:cTn>
-                                        <p:tgtEl>
-                                          <p:spTgt spid="5">
-                                            <p:txEl>
-                                              <p:pRg st="2" end="2"/>
-                                            </p:txEl>
-                                          </p:spTgt>
-                                        </p:tgtEl>
-                                        <p:attrNameLst>
-                                          <p:attrName>style.visibility</p:attrName>
-                                        </p:attrNameLst>
-                                      </p:cBhvr>
-                                      <p:to>
-                                        <p:strVal val="visible"/>
-                                      </p:to>
-                                    </p:set>
-                                    <p:animEffect transition="in" filter="fade">
-                                      <p:cBhvr>
-                                        <p:cTn id="10" dur="500"/>
-                                        <p:tgtEl>
-                                          <p:spTgt spid="5">
-                                            <p:txEl>
-                                              <p:pRg st="2" end="2"/>
-                                            </p:txEl>
-                                          </p:spTgt>
+                                          <p:spTgt spid="3"/>
                                         </p:tgtEl>
                                       </p:cBhvr>
                                     </p:animEffect>
@@ -24111,7 +22767,7 @@
           <a:graphicData uri="http://schemas.openxmlformats.org/presentationml/2006/ole">
             <mc:AlternateContent xmlns:mc="http://schemas.openxmlformats.org/markup-compatibility/2006">
               <mc:Choice xmlns:v="urn:schemas-microsoft-com:vml" Requires="v">
-                <p:oleObj spid="_x0000_s422967" name="Equation" r:id="rId4" imgW="1498600" imgH="457200" progId="Equation.DSMT4">
+                <p:oleObj spid="_x0000_s422969" name="Equation" r:id="rId4" imgW="1498600" imgH="457200" progId="Equation.DSMT4">
                   <p:embed/>
                 </p:oleObj>
               </mc:Choice>
@@ -24156,13 +22812,13 @@
   <p:clrMapOvr>
     <a:masterClrMapping/>
   </p:clrMapOvr>
-  <mc:AlternateContent xmlns:mc="http://schemas.openxmlformats.org/markup-compatibility/2006">
-    <mc:Choice xmlns:p14="http://schemas.microsoft.com/office/powerpoint/2010/main" Requires="p14">
+  <mc:AlternateContent xmlns:mc="http://schemas.openxmlformats.org/markup-compatibility/2006" xmlns:p14="http://schemas.microsoft.com/office/powerpoint/2010/main">
+    <mc:Choice Requires="p14">
       <p:transition spd="med" p14:dur="700" advClick="0">
         <p:fade/>
       </p:transition>
     </mc:Choice>
-    <mc:Fallback>
+    <mc:Fallback xmlns="">
       <p:transition xmlns:p14="http://schemas.microsoft.com/office/powerpoint/2010/main" spd="med" advClick="0">
         <p:fade/>
       </p:transition>
@@ -24354,7 +23010,7 @@
           <a:graphicData uri="http://schemas.openxmlformats.org/presentationml/2006/ole">
             <mc:AlternateContent xmlns:mc="http://schemas.openxmlformats.org/markup-compatibility/2006">
               <mc:Choice xmlns:v="urn:schemas-microsoft-com:vml" Requires="v">
-                <p:oleObj spid="_x0000_s421943" name="Equation" r:id="rId4" imgW="1600200" imgH="457200" progId="Equation.DSMT4">
+                <p:oleObj spid="_x0000_s421945" name="Equation" r:id="rId4" imgW="1600200" imgH="457200" progId="Equation.DSMT4">
                   <p:embed/>
                 </p:oleObj>
               </mc:Choice>
@@ -24648,7 +23304,7 @@
           <a:graphicData uri="http://schemas.openxmlformats.org/presentationml/2006/ole">
             <mc:AlternateContent xmlns:mc="http://schemas.openxmlformats.org/markup-compatibility/2006">
               <mc:Choice xmlns:v="urn:schemas-microsoft-com:vml" Requires="v">
-                <p:oleObj spid="_x0000_s418915" name="Equation" r:id="rId4" imgW="1866900" imgH="457200" progId="Equation.DSMT4">
+                <p:oleObj spid="_x0000_s418917" name="Equation" r:id="rId4" imgW="1866900" imgH="457200" progId="Equation.DSMT4">
                   <p:embed/>
                 </p:oleObj>
               </mc:Choice>
@@ -24932,7 +23588,7 @@
           <a:graphicData uri="http://schemas.openxmlformats.org/presentationml/2006/ole">
             <mc:AlternateContent xmlns:mc="http://schemas.openxmlformats.org/markup-compatibility/2006">
               <mc:Choice xmlns:v="urn:schemas-microsoft-com:vml" Requires="v">
-                <p:oleObj spid="_x0000_s431145" name="Equation" r:id="rId4" imgW="1790700" imgH="457200" progId="Equation.DSMT4">
+                <p:oleObj spid="_x0000_s431147" name="Equation" r:id="rId4" imgW="1790700" imgH="457200" progId="Equation.DSMT4">
                   <p:embed/>
                 </p:oleObj>
               </mc:Choice>

--- a/spring18/slidesS18/prpostn_algebra.pptx
+++ b/spring18/slidesS18/prpostn_algebra.pptx
@@ -6,10 +6,10 @@
     <p:sldMasterId id="2147483651" r:id="rId2"/>
   </p:sldMasterIdLst>
   <p:notesMasterIdLst>
-    <p:notesMasterId r:id="rId52"/>
+    <p:notesMasterId r:id="rId53"/>
   </p:notesMasterIdLst>
   <p:handoutMasterIdLst>
-    <p:handoutMasterId r:id="rId53"/>
+    <p:handoutMasterId r:id="rId54"/>
   </p:handoutMasterIdLst>
   <p:sldIdLst>
     <p:sldId id="392" r:id="rId3"/>
@@ -38,34 +38,35 @@
     <p:sldId id="520" r:id="rId26"/>
     <p:sldId id="542" r:id="rId27"/>
     <p:sldId id="498" r:id="rId28"/>
-    <p:sldId id="499" r:id="rId29"/>
-    <p:sldId id="543" r:id="rId30"/>
-    <p:sldId id="556" r:id="rId31"/>
-    <p:sldId id="522" r:id="rId32"/>
-    <p:sldId id="525" r:id="rId33"/>
-    <p:sldId id="547" r:id="rId34"/>
-    <p:sldId id="548" r:id="rId35"/>
-    <p:sldId id="550" r:id="rId36"/>
-    <p:sldId id="535" r:id="rId37"/>
-    <p:sldId id="551" r:id="rId38"/>
-    <p:sldId id="558" r:id="rId39"/>
-    <p:sldId id="560" r:id="rId40"/>
-    <p:sldId id="553" r:id="rId41"/>
-    <p:sldId id="554" r:id="rId42"/>
-    <p:sldId id="555" r:id="rId43"/>
-    <p:sldId id="557" r:id="rId44"/>
-    <p:sldId id="531" r:id="rId45"/>
-    <p:sldId id="536" r:id="rId46"/>
-    <p:sldId id="537" r:id="rId47"/>
-    <p:sldId id="538" r:id="rId48"/>
-    <p:sldId id="503" r:id="rId49"/>
-    <p:sldId id="523" r:id="rId50"/>
-    <p:sldId id="504" r:id="rId51"/>
+    <p:sldId id="561" r:id="rId29"/>
+    <p:sldId id="499" r:id="rId30"/>
+    <p:sldId id="543" r:id="rId31"/>
+    <p:sldId id="556" r:id="rId32"/>
+    <p:sldId id="522" r:id="rId33"/>
+    <p:sldId id="525" r:id="rId34"/>
+    <p:sldId id="547" r:id="rId35"/>
+    <p:sldId id="548" r:id="rId36"/>
+    <p:sldId id="550" r:id="rId37"/>
+    <p:sldId id="535" r:id="rId38"/>
+    <p:sldId id="551" r:id="rId39"/>
+    <p:sldId id="558" r:id="rId40"/>
+    <p:sldId id="560" r:id="rId41"/>
+    <p:sldId id="553" r:id="rId42"/>
+    <p:sldId id="554" r:id="rId43"/>
+    <p:sldId id="555" r:id="rId44"/>
+    <p:sldId id="557" r:id="rId45"/>
+    <p:sldId id="531" r:id="rId46"/>
+    <p:sldId id="536" r:id="rId47"/>
+    <p:sldId id="537" r:id="rId48"/>
+    <p:sldId id="538" r:id="rId49"/>
+    <p:sldId id="503" r:id="rId50"/>
+    <p:sldId id="523" r:id="rId51"/>
+    <p:sldId id="504" r:id="rId52"/>
   </p:sldIdLst>
   <p:sldSz cx="9144000" cy="6858000" type="screen4x3"/>
   <p:notesSz cx="9601200" cy="7315200"/>
   <p:custDataLst>
-    <p:tags r:id="rId55"/>
+    <p:tags r:id="rId56"/>
   </p:custDataLst>
   <p:defaultTextStyle>
     <a:defPPr>
@@ -4386,6 +4387,88 @@
               <a:rPr lang="en-US" smtClean="0"/>
               <a:pPr/>
               <a:t>49</a:t>
+            </a:fld>
+            <a:endParaRPr lang="en-US"/>
+          </a:p>
+        </p:txBody>
+      </p:sp>
+    </p:spTree>
+  </p:cSld>
+  <p:clrMapOvr>
+    <a:masterClrMapping/>
+  </p:clrMapOvr>
+</p:notes>
+</file>
+
+<file path=ppt/notesSlides/notesSlide49.xml><?xml version="1.0" encoding="utf-8"?>
+<p:notes xmlns:a="http://schemas.openxmlformats.org/drawingml/2006/main" xmlns:r="http://schemas.openxmlformats.org/officeDocument/2006/relationships" xmlns:p="http://schemas.openxmlformats.org/presentationml/2006/main">
+  <p:cSld>
+    <p:spTree>
+      <p:nvGrpSpPr>
+        <p:cNvPr id="1" name=""/>
+        <p:cNvGrpSpPr/>
+        <p:nvPr/>
+      </p:nvGrpSpPr>
+      <p:grpSpPr>
+        <a:xfrm>
+          <a:off x="0" y="0"/>
+          <a:ext cx="0" cy="0"/>
+          <a:chOff x="0" y="0"/>
+          <a:chExt cx="0" cy="0"/>
+        </a:xfrm>
+      </p:grpSpPr>
+      <p:sp>
+        <p:nvSpPr>
+          <p:cNvPr id="2" name="Slide Image Placeholder 1"/>
+          <p:cNvSpPr>
+            <a:spLocks noGrp="1" noRot="1" noChangeAspect="1"/>
+          </p:cNvSpPr>
+          <p:nvPr>
+            <p:ph type="sldImg"/>
+          </p:nvPr>
+        </p:nvSpPr>
+        <p:spPr/>
+      </p:sp>
+      <p:sp>
+        <p:nvSpPr>
+          <p:cNvPr id="3" name="Notes Placeholder 2"/>
+          <p:cNvSpPr>
+            <a:spLocks noGrp="1"/>
+          </p:cNvSpPr>
+          <p:nvPr>
+            <p:ph type="body" idx="1"/>
+          </p:nvPr>
+        </p:nvSpPr>
+        <p:spPr/>
+        <p:txBody>
+          <a:bodyPr>
+            <a:normAutofit/>
+          </a:bodyPr>
+          <a:lstStyle/>
+          <a:p>
+            <a:endParaRPr lang="en-US"/>
+          </a:p>
+        </p:txBody>
+      </p:sp>
+      <p:sp>
+        <p:nvSpPr>
+          <p:cNvPr id="4" name="Slide Number Placeholder 3"/>
+          <p:cNvSpPr>
+            <a:spLocks noGrp="1"/>
+          </p:cNvSpPr>
+          <p:nvPr>
+            <p:ph type="sldNum" sz="quarter" idx="10"/>
+          </p:nvPr>
+        </p:nvSpPr>
+        <p:spPr/>
+        <p:txBody>
+          <a:bodyPr/>
+          <a:lstStyle/>
+          <a:p>
+            <a:fld id="{A02B9F3F-3042-489F-AF35-1A733968F079}" type="slidenum">
+              <a:rPr lang="en-US" smtClean="0"/>
+              <a:pPr/>
+              <a:t>50</a:t>
             </a:fld>
             <a:endParaRPr lang="en-US"/>
           </a:p>
@@ -9124,7 +9207,7 @@
           <a:graphicData uri="http://schemas.openxmlformats.org/presentationml/2006/ole">
             <mc:AlternateContent xmlns:mc="http://schemas.openxmlformats.org/markup-compatibility/2006">
               <mc:Choice xmlns:v="urn:schemas-microsoft-com:vml" Requires="v">
-                <p:oleObj spid="_x0000_s435243" name="Equation" r:id="rId4" imgW="2108200" imgH="228600" progId="Equation.DSMT4">
+                <p:oleObj spid="_x0000_s435247" name="Equation" r:id="rId4" imgW="2108200" imgH="228600" progId="Equation.DSMT4">
                   <p:embed/>
                 </p:oleObj>
               </mc:Choice>
@@ -9370,7 +9453,7 @@
           <a:graphicData uri="http://schemas.openxmlformats.org/presentationml/2006/ole">
             <mc:AlternateContent xmlns:mc="http://schemas.openxmlformats.org/markup-compatibility/2006">
               <mc:Choice xmlns:v="urn:schemas-microsoft-com:vml" Requires="v">
-                <p:oleObj spid="_x0000_s439340" name="Equation" r:id="rId4" imgW="2146300" imgH="228600" progId="Equation.DSMT4">
+                <p:oleObj spid="_x0000_s439344" name="Equation" r:id="rId4" imgW="2146300" imgH="228600" progId="Equation.DSMT4">
                   <p:embed/>
                 </p:oleObj>
               </mc:Choice>
@@ -9593,7 +9676,7 @@
           <a:graphicData uri="http://schemas.openxmlformats.org/presentationml/2006/ole">
             <mc:AlternateContent xmlns:mc="http://schemas.openxmlformats.org/markup-compatibility/2006">
               <mc:Choice xmlns:v="urn:schemas-microsoft-com:vml" Requires="v">
-                <p:oleObj spid="_x0000_s434263" name="Equation" r:id="rId4" imgW="2146300" imgH="228600" progId="Equation.DSMT4">
+                <p:oleObj spid="_x0000_s434270" name="Equation" r:id="rId4" imgW="2146300" imgH="228600" progId="Equation.DSMT4">
                   <p:embed/>
                 </p:oleObj>
               </mc:Choice>
@@ -9650,7 +9733,7 @@
           <a:graphicData uri="http://schemas.openxmlformats.org/presentationml/2006/ole">
             <mc:AlternateContent xmlns:mc="http://schemas.openxmlformats.org/markup-compatibility/2006">
               <mc:Choice xmlns:v="urn:schemas-microsoft-com:vml" Requires="v">
-                <p:oleObj spid="_x0000_s434264" name="Equation" r:id="rId6" imgW="2514600" imgH="228600" progId="Equation.DSMT4">
+                <p:oleObj spid="_x0000_s434271" name="Equation" r:id="rId6" imgW="2514600" imgH="228600" progId="Equation.DSMT4">
                   <p:embed/>
                 </p:oleObj>
               </mc:Choice>
@@ -9817,7 +9900,7 @@
           <a:graphicData uri="http://schemas.openxmlformats.org/presentationml/2006/ole">
             <mc:AlternateContent xmlns:mc="http://schemas.openxmlformats.org/markup-compatibility/2006">
               <mc:Choice xmlns:v="urn:schemas-microsoft-com:vml" Requires="v">
-                <p:oleObj spid="_x0000_s436298" name="Equation" r:id="rId4" imgW="2514600" imgH="228600" progId="Equation.DSMT4">
+                <p:oleObj spid="_x0000_s436302" name="Equation" r:id="rId4" imgW="2514600" imgH="228600" progId="Equation.DSMT4">
                   <p:embed/>
                 </p:oleObj>
               </mc:Choice>
@@ -10038,7 +10121,7 @@
           <a:graphicData uri="http://schemas.openxmlformats.org/presentationml/2006/ole">
             <mc:AlternateContent xmlns:mc="http://schemas.openxmlformats.org/markup-compatibility/2006">
               <mc:Choice xmlns:v="urn:schemas-microsoft-com:vml" Requires="v">
-                <p:oleObj spid="_x0000_s437356" name="Equation" r:id="rId4" imgW="2514600" imgH="228600" progId="Equation.DSMT4">
+                <p:oleObj spid="_x0000_s437363" name="Equation" r:id="rId4" imgW="2514600" imgH="228600" progId="Equation.DSMT4">
                   <p:embed/>
                 </p:oleObj>
               </mc:Choice>
@@ -10095,7 +10178,7 @@
           <a:graphicData uri="http://schemas.openxmlformats.org/presentationml/2006/ole">
             <mc:AlternateContent xmlns:mc="http://schemas.openxmlformats.org/markup-compatibility/2006">
               <mc:Choice xmlns:v="urn:schemas-microsoft-com:vml" Requires="v">
-                <p:oleObj spid="_x0000_s437357" name="Equation" r:id="rId6" imgW="1866900" imgH="228600" progId="Equation.DSMT4">
+                <p:oleObj spid="_x0000_s437364" name="Equation" r:id="rId6" imgW="1866900" imgH="228600" progId="Equation.DSMT4">
                   <p:embed/>
                 </p:oleObj>
               </mc:Choice>
@@ -10262,7 +10345,7 @@
           <a:graphicData uri="http://schemas.openxmlformats.org/presentationml/2006/ole">
             <mc:AlternateContent xmlns:mc="http://schemas.openxmlformats.org/markup-compatibility/2006">
               <mc:Choice xmlns:v="urn:schemas-microsoft-com:vml" Requires="v">
-                <p:oleObj spid="_x0000_s479294" name="Equation" r:id="rId4" imgW="1866900" imgH="228600" progId="Equation.DSMT4">
+                <p:oleObj spid="_x0000_s479298" name="Equation" r:id="rId4" imgW="1866900" imgH="228600" progId="Equation.DSMT4">
                   <p:embed/>
                 </p:oleObj>
               </mc:Choice>
@@ -10485,7 +10568,7 @@
           <a:graphicData uri="http://schemas.openxmlformats.org/presentationml/2006/ole">
             <mc:AlternateContent xmlns:mc="http://schemas.openxmlformats.org/markup-compatibility/2006">
               <mc:Choice xmlns:v="urn:schemas-microsoft-com:vml" Requires="v">
-                <p:oleObj spid="_x0000_s440454" name="Equation" r:id="rId4" imgW="1866900" imgH="228600" progId="Equation.DSMT4">
+                <p:oleObj spid="_x0000_s440461" name="Equation" r:id="rId4" imgW="1866900" imgH="228600" progId="Equation.DSMT4">
                   <p:embed/>
                 </p:oleObj>
               </mc:Choice>
@@ -10542,7 +10625,7 @@
           <a:graphicData uri="http://schemas.openxmlformats.org/presentationml/2006/ole">
             <mc:AlternateContent xmlns:mc="http://schemas.openxmlformats.org/markup-compatibility/2006">
               <mc:Choice xmlns:v="urn:schemas-microsoft-com:vml" Requires="v">
-                <p:oleObj spid="_x0000_s440455" name="Equation" r:id="rId6" imgW="1689100" imgH="254000" progId="Equation.DSMT4">
+                <p:oleObj spid="_x0000_s440462" name="Equation" r:id="rId6" imgW="1689100" imgH="254000" progId="Equation.DSMT4">
                   <p:embed/>
                 </p:oleObj>
               </mc:Choice>
@@ -10709,7 +10792,7 @@
           <a:graphicData uri="http://schemas.openxmlformats.org/presentationml/2006/ole">
             <mc:AlternateContent xmlns:mc="http://schemas.openxmlformats.org/markup-compatibility/2006">
               <mc:Choice xmlns:v="urn:schemas-microsoft-com:vml" Requires="v">
-                <p:oleObj spid="_x0000_s433278" name="Equation" r:id="rId4" imgW="1689100" imgH="254000" progId="Equation.DSMT4">
+                <p:oleObj spid="_x0000_s433282" name="Equation" r:id="rId4" imgW="1689100" imgH="254000" progId="Equation.DSMT4">
                   <p:embed/>
                 </p:oleObj>
               </mc:Choice>
@@ -10878,7 +10961,7 @@
           <a:graphicData uri="http://schemas.openxmlformats.org/presentationml/2006/ole">
             <mc:AlternateContent xmlns:mc="http://schemas.openxmlformats.org/markup-compatibility/2006">
               <mc:Choice xmlns:v="urn:schemas-microsoft-com:vml" Requires="v">
-                <p:oleObj spid="_x0000_s441501" name="Equation" r:id="rId4" imgW="1371600" imgH="482600" progId="Equation.DSMT4">
+                <p:oleObj spid="_x0000_s441508" name="Equation" r:id="rId4" imgW="1371600" imgH="482600" progId="Equation.DSMT4">
                   <p:embed/>
                 </p:oleObj>
               </mc:Choice>
@@ -10968,7 +11051,7 @@
           <a:graphicData uri="http://schemas.openxmlformats.org/presentationml/2006/ole">
             <mc:AlternateContent xmlns:mc="http://schemas.openxmlformats.org/markup-compatibility/2006">
               <mc:Choice xmlns:v="urn:schemas-microsoft-com:vml" Requires="v">
-                <p:oleObj spid="_x0000_s441502" name="Equation" r:id="rId6" imgW="1689100" imgH="254000" progId="Equation.DSMT4">
+                <p:oleObj spid="_x0000_s441509" name="Equation" r:id="rId6" imgW="1689100" imgH="254000" progId="Equation.DSMT4">
                   <p:embed/>
                 </p:oleObj>
               </mc:Choice>
@@ -11339,7 +11422,7 @@
           <a:graphicData uri="http://schemas.openxmlformats.org/presentationml/2006/ole">
             <mc:AlternateContent xmlns:mc="http://schemas.openxmlformats.org/markup-compatibility/2006">
               <mc:Choice xmlns:v="urn:schemas-microsoft-com:vml" Requires="v">
-                <p:oleObj spid="_x0000_s502810" name="Equation" r:id="rId4" imgW="1371600" imgH="482600" progId="Equation.DSMT4">
+                <p:oleObj spid="_x0000_s502814" name="Equation" r:id="rId4" imgW="1371600" imgH="482600" progId="Equation.DSMT4">
                   <p:embed/>
                 </p:oleObj>
               </mc:Choice>
@@ -11506,7 +11589,7 @@
           <a:graphicData uri="http://schemas.openxmlformats.org/presentationml/2006/ole">
             <mc:AlternateContent xmlns:mc="http://schemas.openxmlformats.org/markup-compatibility/2006">
               <mc:Choice xmlns:v="urn:schemas-microsoft-com:vml" Requires="v">
-                <p:oleObj spid="_x0000_s444488" name="Equation" r:id="rId4" imgW="1371600" imgH="482600" progId="Equation.DSMT4">
+                <p:oleObj spid="_x0000_s444495" name="Equation" r:id="rId4" imgW="1371600" imgH="482600" progId="Equation.DSMT4">
                   <p:embed/>
                 </p:oleObj>
               </mc:Choice>
@@ -11648,7 +11731,7 @@
             <a:graphicData uri="http://schemas.openxmlformats.org/presentationml/2006/ole">
               <mc:AlternateContent xmlns:mc="http://schemas.openxmlformats.org/markup-compatibility/2006">
                 <mc:Choice xmlns:v="urn:schemas-microsoft-com:vml" Requires="v">
-                  <p:oleObj spid="_x0000_s444489" name="Equation" r:id="rId6" imgW="139700" imgH="215900" progId="Equation.DSMT4">
+                  <p:oleObj spid="_x0000_s444496" name="Equation" r:id="rId6" imgW="139700" imgH="215900" progId="Equation.DSMT4">
                     <p:embed/>
                   </p:oleObj>
                 </mc:Choice>
@@ -11783,7 +11866,7 @@
           <a:graphicData uri="http://schemas.openxmlformats.org/presentationml/2006/ole">
             <mc:AlternateContent xmlns:mc="http://schemas.openxmlformats.org/markup-compatibility/2006">
               <mc:Choice xmlns:v="urn:schemas-microsoft-com:vml" Requires="v">
-                <p:oleObj spid="_x0000_s442448" name="Equation" r:id="rId4" imgW="1371600" imgH="482600" progId="Equation.DSMT4">
+                <p:oleObj spid="_x0000_s442455" name="Equation" r:id="rId4" imgW="1371600" imgH="482600" progId="Equation.DSMT4">
                   <p:embed/>
                 </p:oleObj>
               </mc:Choice>
@@ -11840,7 +11923,7 @@
           <a:graphicData uri="http://schemas.openxmlformats.org/presentationml/2006/ole">
             <mc:AlternateContent xmlns:mc="http://schemas.openxmlformats.org/markup-compatibility/2006">
               <mc:Choice xmlns:v="urn:schemas-microsoft-com:vml" Requires="v">
-                <p:oleObj spid="_x0000_s442449" name="Equation" r:id="rId6" imgW="1803400" imgH="482600" progId="Equation.DSMT4">
+                <p:oleObj spid="_x0000_s442456" name="Equation" r:id="rId6" imgW="1803400" imgH="482600" progId="Equation.DSMT4">
                   <p:embed/>
                 </p:oleObj>
               </mc:Choice>
@@ -12007,7 +12090,7 @@
           <a:graphicData uri="http://schemas.openxmlformats.org/presentationml/2006/ole">
             <mc:AlternateContent xmlns:mc="http://schemas.openxmlformats.org/markup-compatibility/2006">
               <mc:Choice xmlns:v="urn:schemas-microsoft-com:vml" Requires="v">
-                <p:oleObj spid="_x0000_s446560" name="Equation" r:id="rId4" imgW="1803400" imgH="482600" progId="Equation.DSMT4">
+                <p:oleObj spid="_x0000_s446567" name="Equation" r:id="rId4" imgW="1803400" imgH="482600" progId="Equation.DSMT4">
                   <p:embed/>
                 </p:oleObj>
               </mc:Choice>
@@ -12149,7 +12232,7 @@
             <a:graphicData uri="http://schemas.openxmlformats.org/presentationml/2006/ole">
               <mc:AlternateContent xmlns:mc="http://schemas.openxmlformats.org/markup-compatibility/2006">
                 <mc:Choice xmlns:v="urn:schemas-microsoft-com:vml" Requires="v">
-                  <p:oleObj spid="_x0000_s446561" name="Equation" r:id="rId6" imgW="177800" imgH="241300" progId="Equation.DSMT4">
+                  <p:oleObj spid="_x0000_s446568" name="Equation" r:id="rId6" imgW="177800" imgH="241300" progId="Equation.DSMT4">
                     <p:embed/>
                   </p:oleObj>
                 </mc:Choice>
@@ -12275,7 +12358,7 @@
           <a:graphicData uri="http://schemas.openxmlformats.org/presentationml/2006/ole">
             <mc:AlternateContent xmlns:mc="http://schemas.openxmlformats.org/markup-compatibility/2006">
               <mc:Choice xmlns:v="urn:schemas-microsoft-com:vml" Requires="v">
-                <p:oleObj spid="_x0000_s445544" name="Equation" r:id="rId4" imgW="1854200" imgH="482600" progId="Equation.DSMT4">
+                <p:oleObj spid="_x0000_s445551" name="Equation" r:id="rId4" imgW="1854200" imgH="482600" progId="Equation.DSMT4">
                   <p:embed/>
                 </p:oleObj>
               </mc:Choice>
@@ -12332,7 +12415,7 @@
           <a:graphicData uri="http://schemas.openxmlformats.org/presentationml/2006/ole">
             <mc:AlternateContent xmlns:mc="http://schemas.openxmlformats.org/markup-compatibility/2006">
               <mc:Choice xmlns:v="urn:schemas-microsoft-com:vml" Requires="v">
-                <p:oleObj spid="_x0000_s445545" name="Equation" r:id="rId6" imgW="1803400" imgH="482600" progId="Equation.DSMT4">
+                <p:oleObj spid="_x0000_s445552" name="Equation" r:id="rId6" imgW="1803400" imgH="482600" progId="Equation.DSMT4">
                   <p:embed/>
                 </p:oleObj>
               </mc:Choice>
@@ -12490,7 +12573,7 @@
           <a:graphicData uri="http://schemas.openxmlformats.org/presentationml/2006/ole">
             <mc:AlternateContent xmlns:mc="http://schemas.openxmlformats.org/markup-compatibility/2006">
               <mc:Choice xmlns:v="urn:schemas-microsoft-com:vml" Requires="v">
-                <p:oleObj spid="_x0000_s480317" name="Equation" r:id="rId4" imgW="1854200" imgH="482600" progId="Equation.DSMT4">
+                <p:oleObj spid="_x0000_s480321" name="Equation" r:id="rId4" imgW="1854200" imgH="482600" progId="Equation.DSMT4">
                   <p:embed/>
                 </p:oleObj>
               </mc:Choice>
@@ -12843,7 +12926,7 @@
 </file>
 
 <file path=ppt/slides/slide26.xml><?xml version="1.0" encoding="utf-8"?>
-<p:sld xmlns:a="http://schemas.openxmlformats.org/drawingml/2006/main" xmlns:r="http://schemas.openxmlformats.org/officeDocument/2006/relationships" xmlns:p="http://schemas.openxmlformats.org/presentationml/2006/main">
+<p:sld xmlns:a="http://schemas.openxmlformats.org/drawingml/2006/main" xmlns:r="http://schemas.openxmlformats.org/officeDocument/2006/relationships" xmlns:p="http://schemas.openxmlformats.org/presentationml/2006/main" show="0">
   <p:cSld>
     <p:spTree>
       <p:nvGrpSpPr>
@@ -12958,7 +13041,7 @@
           <a:graphicData uri="http://schemas.openxmlformats.org/presentationml/2006/ole">
             <mc:AlternateContent xmlns:mc="http://schemas.openxmlformats.org/markup-compatibility/2006">
               <mc:Choice xmlns:v="urn:schemas-microsoft-com:vml" Requires="v">
-                <p:oleObj spid="_x0000_s425111" name="Equation" r:id="rId4" imgW="1511300" imgH="254000" progId="Equation.DSMT4">
+                <p:oleObj spid="_x0000_s425124" name="Equation" r:id="rId4" imgW="1511300" imgH="254000" progId="Equation.DSMT4">
                   <p:embed/>
                 </p:oleObj>
               </mc:Choice>
@@ -13015,7 +13098,7 @@
           <a:graphicData uri="http://schemas.openxmlformats.org/presentationml/2006/ole">
             <mc:AlternateContent xmlns:mc="http://schemas.openxmlformats.org/markup-compatibility/2006">
               <mc:Choice xmlns:v="urn:schemas-microsoft-com:vml" Requires="v">
-                <p:oleObj spid="_x0000_s425112" name="Equation" r:id="rId6" imgW="1524000" imgH="254000" progId="Equation.DSMT4">
+                <p:oleObj spid="_x0000_s425125" name="Equation" r:id="rId6" imgW="1524000" imgH="254000" progId="Equation.DSMT4">
                   <p:embed/>
                 </p:oleObj>
               </mc:Choice>
@@ -13072,7 +13155,7 @@
           <a:graphicData uri="http://schemas.openxmlformats.org/presentationml/2006/ole">
             <mc:AlternateContent xmlns:mc="http://schemas.openxmlformats.org/markup-compatibility/2006">
               <mc:Choice xmlns:v="urn:schemas-microsoft-com:vml" Requires="v">
-                <p:oleObj spid="_x0000_s425113" name="Equation" r:id="rId8" imgW="1181100" imgH="228600" progId="Equation.DSMT4">
+                <p:oleObj spid="_x0000_s425126" name="Equation" r:id="rId8" imgW="1181100" imgH="228600" progId="Equation.DSMT4">
                   <p:embed/>
                 </p:oleObj>
               </mc:Choice>
@@ -13129,7 +13212,7 @@
           <a:graphicData uri="http://schemas.openxmlformats.org/presentationml/2006/ole">
             <mc:AlternateContent xmlns:mc="http://schemas.openxmlformats.org/markup-compatibility/2006">
               <mc:Choice xmlns:v="urn:schemas-microsoft-com:vml" Requires="v">
-                <p:oleObj spid="_x0000_s425114" name="Equation" r:id="rId10" imgW="1168400" imgH="228600" progId="Equation.DSMT4">
+                <p:oleObj spid="_x0000_s425127" name="Equation" r:id="rId10" imgW="1168400" imgH="228600" progId="Equation.DSMT4">
                   <p:embed/>
                 </p:oleObj>
               </mc:Choice>
@@ -13421,6 +13504,568 @@
           <a:chExt cx="0" cy="0"/>
         </a:xfrm>
       </p:grpSpPr>
+      <p:sp>
+        <p:nvSpPr>
+          <p:cNvPr id="5" name="TextBox 4"/>
+          <p:cNvSpPr txBox="1"/>
+          <p:nvPr/>
+        </p:nvSpPr>
+        <p:spPr>
+          <a:xfrm>
+            <a:off x="1724483" y="381001"/>
+            <a:ext cx="6619417" cy="923330"/>
+          </a:xfrm>
+          <a:prstGeom prst="rect">
+            <a:avLst/>
+          </a:prstGeom>
+          <a:noFill/>
+        </p:spPr>
+        <p:txBody>
+          <a:bodyPr wrap="square" rtlCol="0">
+            <a:spAutoFit/>
+          </a:bodyPr>
+          <a:lstStyle/>
+          <a:p>
+            <a:pPr algn="l"/>
+            <a:r>
+              <a:rPr lang="en-US" sz="5400" dirty="0" smtClean="0">
+                <a:solidFill>
+                  <a:srgbClr val="FF03E3"/>
+                </a:solidFill>
+                <a:latin typeface="Comic Sans MS" pitchFamily="66" charset="0"/>
+              </a:rPr>
+              <a:t>Simplification </a:t>
+            </a:r>
+            <a:r>
+              <a:rPr lang="en-US" sz="5400" dirty="0" smtClean="0">
+                <a:latin typeface="Comic Sans MS" pitchFamily="66" charset="0"/>
+              </a:rPr>
+              <a:t>rules</a:t>
+            </a:r>
+            <a:endParaRPr lang="en-US" sz="5400" dirty="0">
+              <a:latin typeface="Comic Sans MS" pitchFamily="66" charset="0"/>
+            </a:endParaRPr>
+          </a:p>
+        </p:txBody>
+      </p:sp>
+      <p:sp>
+        <p:nvSpPr>
+          <p:cNvPr id="4" name="Slide Number Placeholder 2"/>
+          <p:cNvSpPr>
+            <a:spLocks noGrp="1"/>
+          </p:cNvSpPr>
+          <p:nvPr>
+            <p:ph type="sldNum" sz="quarter" idx="10"/>
+          </p:nvPr>
+        </p:nvSpPr>
+        <p:spPr>
+          <a:xfrm>
+            <a:off x="7333815" y="6553200"/>
+            <a:ext cx="1810186" cy="276999"/>
+          </a:xfrm>
+        </p:spPr>
+        <p:txBody>
+          <a:bodyPr/>
+          <a:lstStyle/>
+          <a:p>
+            <a:r>
+              <a:rPr lang="en-US" dirty="0" smtClean="0"/>
+              <a:t>propositional algebra.</a:t>
+            </a:r>
+            <a:fld id="{3251DA95-B240-47FE-901D-B78FC8E8E532}" type="slidenum">
+              <a:rPr lang="en-US" smtClean="0"/>
+              <a:pPr/>
+              <a:t>27</a:t>
+            </a:fld>
+            <a:endParaRPr lang="en-US" dirty="0"/>
+          </a:p>
+        </p:txBody>
+      </p:sp>
+      <p:graphicFrame>
+        <p:nvGraphicFramePr>
+          <p:cNvPr id="7" name="Object 6"/>
+          <p:cNvGraphicFramePr>
+            <a:graphicFrameLocks noChangeAspect="1"/>
+          </p:cNvGraphicFramePr>
+          <p:nvPr>
+            <p:extLst>
+              <p:ext uri="{D42A27DB-BD31-4B8C-83A1-F6EECF244321}">
+                <p14:modId xmlns:p14="http://schemas.microsoft.com/office/powerpoint/2010/main" val="3987421582"/>
+              </p:ext>
+            </p:extLst>
+          </p:nvPr>
+        </p:nvGraphicFramePr>
+        <p:xfrm>
+          <a:off x="1598613" y="2527579"/>
+          <a:ext cx="5981700" cy="1157288"/>
+        </p:xfrm>
+        <a:graphic>
+          <a:graphicData uri="http://schemas.openxmlformats.org/presentationml/2006/ole">
+            <mc:AlternateContent xmlns:mc="http://schemas.openxmlformats.org/markup-compatibility/2006">
+              <mc:Choice xmlns:v="urn:schemas-microsoft-com:vml" Requires="v">
+                <p:oleObj spid="_x0000_s553993" name="Equation" r:id="rId4" imgW="1181100" imgH="228600" progId="Equation.DSMT4">
+                  <p:embed/>
+                </p:oleObj>
+              </mc:Choice>
+              <mc:Fallback>
+                <p:oleObj name="Equation" r:id="rId4" imgW="1181100" imgH="228600" progId="Equation.DSMT4">
+                  <p:embed/>
+                  <p:pic>
+                    <p:nvPicPr>
+                      <p:cNvPr id="0" name=""/>
+                      <p:cNvPicPr/>
+                      <p:nvPr/>
+                    </p:nvPicPr>
+                    <p:blipFill>
+                      <a:blip r:embed="rId5"/>
+                      <a:stretch>
+                        <a:fillRect/>
+                      </a:stretch>
+                    </p:blipFill>
+                    <p:spPr>
+                      <a:xfrm>
+                        <a:off x="1598613" y="2527579"/>
+                        <a:ext cx="5981700" cy="1157288"/>
+                      </a:xfrm>
+                      <a:prstGeom prst="rect">
+                        <a:avLst/>
+                      </a:prstGeom>
+                    </p:spPr>
+                  </p:pic>
+                </p:oleObj>
+              </mc:Fallback>
+            </mc:AlternateContent>
+          </a:graphicData>
+        </a:graphic>
+      </p:graphicFrame>
+      <p:graphicFrame>
+        <p:nvGraphicFramePr>
+          <p:cNvPr id="8" name="Object 7"/>
+          <p:cNvGraphicFramePr>
+            <a:graphicFrameLocks noChangeAspect="1"/>
+          </p:cNvGraphicFramePr>
+          <p:nvPr>
+            <p:extLst>
+              <p:ext uri="{D42A27DB-BD31-4B8C-83A1-F6EECF244321}">
+                <p14:modId xmlns:p14="http://schemas.microsoft.com/office/powerpoint/2010/main" val="3326256711"/>
+              </p:ext>
+            </p:extLst>
+          </p:nvPr>
+        </p:nvGraphicFramePr>
+        <p:xfrm>
+          <a:off x="1618457" y="1511579"/>
+          <a:ext cx="5916612" cy="1157288"/>
+        </p:xfrm>
+        <a:graphic>
+          <a:graphicData uri="http://schemas.openxmlformats.org/presentationml/2006/ole">
+            <mc:AlternateContent xmlns:mc="http://schemas.openxmlformats.org/markup-compatibility/2006">
+              <mc:Choice xmlns:v="urn:schemas-microsoft-com:vml" Requires="v">
+                <p:oleObj spid="_x0000_s553994" name="Equation" r:id="rId6" imgW="1168400" imgH="228600" progId="Equation.DSMT4">
+                  <p:embed/>
+                </p:oleObj>
+              </mc:Choice>
+              <mc:Fallback>
+                <p:oleObj name="Equation" r:id="rId6" imgW="1168400" imgH="228600" progId="Equation.DSMT4">
+                  <p:embed/>
+                  <p:pic>
+                    <p:nvPicPr>
+                      <p:cNvPr id="0" name=""/>
+                      <p:cNvPicPr/>
+                      <p:nvPr/>
+                    </p:nvPicPr>
+                    <p:blipFill>
+                      <a:blip r:embed="rId7"/>
+                      <a:stretch>
+                        <a:fillRect/>
+                      </a:stretch>
+                    </p:blipFill>
+                    <p:spPr>
+                      <a:xfrm>
+                        <a:off x="1618457" y="1511579"/>
+                        <a:ext cx="5916612" cy="1157288"/>
+                      </a:xfrm>
+                      <a:prstGeom prst="rect">
+                        <a:avLst/>
+                      </a:prstGeom>
+                    </p:spPr>
+                  </p:pic>
+                </p:oleObj>
+              </mc:Fallback>
+            </mc:AlternateContent>
+          </a:graphicData>
+        </a:graphic>
+      </p:graphicFrame>
+      <p:graphicFrame>
+        <p:nvGraphicFramePr>
+          <p:cNvPr id="9" name="Object 8"/>
+          <p:cNvGraphicFramePr>
+            <a:graphicFrameLocks noChangeAspect="1"/>
+          </p:cNvGraphicFramePr>
+          <p:nvPr>
+            <p:extLst>
+              <p:ext uri="{D42A27DB-BD31-4B8C-83A1-F6EECF244321}">
+                <p14:modId xmlns:p14="http://schemas.microsoft.com/office/powerpoint/2010/main" val="817186724"/>
+              </p:ext>
+            </p:extLst>
+          </p:nvPr>
+        </p:nvGraphicFramePr>
+        <p:xfrm>
+          <a:off x="677722" y="3536645"/>
+          <a:ext cx="7653337" cy="1285875"/>
+        </p:xfrm>
+        <a:graphic>
+          <a:graphicData uri="http://schemas.openxmlformats.org/presentationml/2006/ole">
+            <mc:AlternateContent xmlns:mc="http://schemas.openxmlformats.org/markup-compatibility/2006">
+              <mc:Choice xmlns:v="urn:schemas-microsoft-com:vml" Requires="v">
+                <p:oleObj spid="_x0000_s553995" name="Equation" r:id="rId8" imgW="1511300" imgH="254000" progId="Equation.DSMT4">
+                  <p:embed/>
+                </p:oleObj>
+              </mc:Choice>
+              <mc:Fallback>
+                <p:oleObj name="Equation" r:id="rId8" imgW="1511300" imgH="254000" progId="Equation.DSMT4">
+                  <p:embed/>
+                  <p:pic>
+                    <p:nvPicPr>
+                      <p:cNvPr id="0" name=""/>
+                      <p:cNvPicPr/>
+                      <p:nvPr/>
+                    </p:nvPicPr>
+                    <p:blipFill>
+                      <a:blip r:embed="rId9"/>
+                      <a:stretch>
+                        <a:fillRect/>
+                      </a:stretch>
+                    </p:blipFill>
+                    <p:spPr>
+                      <a:xfrm>
+                        <a:off x="677722" y="3536645"/>
+                        <a:ext cx="7653337" cy="1285875"/>
+                      </a:xfrm>
+                      <a:prstGeom prst="rect">
+                        <a:avLst/>
+                      </a:prstGeom>
+                    </p:spPr>
+                  </p:pic>
+                </p:oleObj>
+              </mc:Fallback>
+            </mc:AlternateContent>
+          </a:graphicData>
+        </a:graphic>
+      </p:graphicFrame>
+      <p:graphicFrame>
+        <p:nvGraphicFramePr>
+          <p:cNvPr id="10" name="Object 9"/>
+          <p:cNvGraphicFramePr>
+            <a:graphicFrameLocks noChangeAspect="1"/>
+          </p:cNvGraphicFramePr>
+          <p:nvPr>
+            <p:extLst>
+              <p:ext uri="{D42A27DB-BD31-4B8C-83A1-F6EECF244321}">
+                <p14:modId xmlns:p14="http://schemas.microsoft.com/office/powerpoint/2010/main" val="2002478265"/>
+              </p:ext>
+            </p:extLst>
+          </p:nvPr>
+        </p:nvGraphicFramePr>
+        <p:xfrm>
+          <a:off x="555484" y="4751082"/>
+          <a:ext cx="7718425" cy="1285875"/>
+        </p:xfrm>
+        <a:graphic>
+          <a:graphicData uri="http://schemas.openxmlformats.org/presentationml/2006/ole">
+            <mc:AlternateContent xmlns:mc="http://schemas.openxmlformats.org/markup-compatibility/2006">
+              <mc:Choice xmlns:v="urn:schemas-microsoft-com:vml" Requires="v">
+                <p:oleObj spid="_x0000_s553996" name="Equation" r:id="rId10" imgW="1524000" imgH="254000" progId="Equation.DSMT4">
+                  <p:embed/>
+                </p:oleObj>
+              </mc:Choice>
+              <mc:Fallback>
+                <p:oleObj name="Equation" r:id="rId10" imgW="1524000" imgH="254000" progId="Equation.DSMT4">
+                  <p:embed/>
+                  <p:pic>
+                    <p:nvPicPr>
+                      <p:cNvPr id="0" name=""/>
+                      <p:cNvPicPr/>
+                      <p:nvPr/>
+                    </p:nvPicPr>
+                    <p:blipFill>
+                      <a:blip r:embed="rId11"/>
+                      <a:stretch>
+                        <a:fillRect/>
+                      </a:stretch>
+                    </p:blipFill>
+                    <p:spPr>
+                      <a:xfrm>
+                        <a:off x="555484" y="4751082"/>
+                        <a:ext cx="7718425" cy="1285875"/>
+                      </a:xfrm>
+                      <a:prstGeom prst="rect">
+                        <a:avLst/>
+                      </a:prstGeom>
+                    </p:spPr>
+                  </p:pic>
+                </p:oleObj>
+              </mc:Fallback>
+            </mc:AlternateContent>
+          </a:graphicData>
+        </a:graphic>
+      </p:graphicFrame>
+    </p:spTree>
+    <p:extLst>
+      <p:ext uri="{BB962C8B-B14F-4D97-AF65-F5344CB8AC3E}">
+        <p14:creationId xmlns:p14="http://schemas.microsoft.com/office/powerpoint/2010/main" val="688004403"/>
+      </p:ext>
+    </p:extLst>
+  </p:cSld>
+  <p:clrMapOvr>
+    <a:masterClrMapping/>
+  </p:clrMapOvr>
+  <p:transition xmlns:p14="http://schemas.microsoft.com/office/powerpoint/2010/main" spd="slow" advClick="0">
+    <p:fade thruBlk="1"/>
+  </p:transition>
+  <p:timing>
+    <p:tnLst>
+      <p:par>
+        <p:cTn xmlns:p14="http://schemas.microsoft.com/office/powerpoint/2010/main" id="1" dur="indefinite" restart="never" nodeType="tmRoot">
+          <p:childTnLst>
+            <p:seq concurrent="1" nextAc="seek">
+              <p:cTn id="2" dur="indefinite" nodeType="mainSeq">
+                <p:childTnLst>
+                  <p:par>
+                    <p:cTn id="3" fill="hold">
+                      <p:stCondLst>
+                        <p:cond delay="indefinite"/>
+                      </p:stCondLst>
+                      <p:childTnLst>
+                        <p:par>
+                          <p:cTn id="4" fill="hold">
+                            <p:stCondLst>
+                              <p:cond delay="0"/>
+                            </p:stCondLst>
+                            <p:childTnLst>
+                              <p:par>
+                                <p:cTn id="5" presetID="22" presetClass="entr" presetSubtype="8" fill="hold" nodeType="clickEffect">
+                                  <p:stCondLst>
+                                    <p:cond delay="0"/>
+                                  </p:stCondLst>
+                                  <p:childTnLst>
+                                    <p:set>
+                                      <p:cBhvr>
+                                        <p:cTn id="6" dur="1" fill="hold">
+                                          <p:stCondLst>
+                                            <p:cond delay="0"/>
+                                          </p:stCondLst>
+                                        </p:cTn>
+                                        <p:tgtEl>
+                                          <p:spTgt spid="8"/>
+                                        </p:tgtEl>
+                                        <p:attrNameLst>
+                                          <p:attrName>style.visibility</p:attrName>
+                                        </p:attrNameLst>
+                                      </p:cBhvr>
+                                      <p:to>
+                                        <p:strVal val="visible"/>
+                                      </p:to>
+                                    </p:set>
+                                    <p:animEffect transition="in" filter="wipe(left)">
+                                      <p:cBhvr>
+                                        <p:cTn id="7" dur="1000"/>
+                                        <p:tgtEl>
+                                          <p:spTgt spid="8"/>
+                                        </p:tgtEl>
+                                      </p:cBhvr>
+                                    </p:animEffect>
+                                  </p:childTnLst>
+                                </p:cTn>
+                              </p:par>
+                              <p:par>
+                                <p:cTn id="8" presetID="22" presetClass="entr" presetSubtype="8" fill="hold" nodeType="withEffect">
+                                  <p:stCondLst>
+                                    <p:cond delay="0"/>
+                                  </p:stCondLst>
+                                  <p:childTnLst>
+                                    <p:set>
+                                      <p:cBhvr>
+                                        <p:cTn id="9" dur="1" fill="hold">
+                                          <p:stCondLst>
+                                            <p:cond delay="0"/>
+                                          </p:stCondLst>
+                                        </p:cTn>
+                                        <p:tgtEl>
+                                          <p:spTgt spid="7"/>
+                                        </p:tgtEl>
+                                        <p:attrNameLst>
+                                          <p:attrName>style.visibility</p:attrName>
+                                        </p:attrNameLst>
+                                      </p:cBhvr>
+                                      <p:to>
+                                        <p:strVal val="visible"/>
+                                      </p:to>
+                                    </p:set>
+                                    <p:animEffect transition="in" filter="wipe(left)">
+                                      <p:cBhvr>
+                                        <p:cTn id="10" dur="1000"/>
+                                        <p:tgtEl>
+                                          <p:spTgt spid="7"/>
+                                        </p:tgtEl>
+                                      </p:cBhvr>
+                                    </p:animEffect>
+                                  </p:childTnLst>
+                                </p:cTn>
+                              </p:par>
+                            </p:childTnLst>
+                          </p:cTn>
+                        </p:par>
+                      </p:childTnLst>
+                    </p:cTn>
+                  </p:par>
+                  <p:par>
+                    <p:cTn id="11" fill="hold">
+                      <p:stCondLst>
+                        <p:cond delay="indefinite"/>
+                      </p:stCondLst>
+                      <p:childTnLst>
+                        <p:par>
+                          <p:cTn id="12" fill="hold">
+                            <p:stCondLst>
+                              <p:cond delay="0"/>
+                            </p:stCondLst>
+                            <p:childTnLst>
+                              <p:par>
+                                <p:cTn id="13" presetID="22" presetClass="entr" presetSubtype="8" fill="hold" nodeType="clickEffect">
+                                  <p:stCondLst>
+                                    <p:cond delay="0"/>
+                                  </p:stCondLst>
+                                  <p:childTnLst>
+                                    <p:set>
+                                      <p:cBhvr>
+                                        <p:cTn id="14" dur="1" fill="hold">
+                                          <p:stCondLst>
+                                            <p:cond delay="0"/>
+                                          </p:stCondLst>
+                                        </p:cTn>
+                                        <p:tgtEl>
+                                          <p:spTgt spid="9"/>
+                                        </p:tgtEl>
+                                        <p:attrNameLst>
+                                          <p:attrName>style.visibility</p:attrName>
+                                        </p:attrNameLst>
+                                      </p:cBhvr>
+                                      <p:to>
+                                        <p:strVal val="visible"/>
+                                      </p:to>
+                                    </p:set>
+                                    <p:animEffect transition="in" filter="wipe(left)">
+                                      <p:cBhvr>
+                                        <p:cTn id="15" dur="1000"/>
+                                        <p:tgtEl>
+                                          <p:spTgt spid="9"/>
+                                        </p:tgtEl>
+                                      </p:cBhvr>
+                                    </p:animEffect>
+                                  </p:childTnLst>
+                                </p:cTn>
+                              </p:par>
+                            </p:childTnLst>
+                          </p:cTn>
+                        </p:par>
+                      </p:childTnLst>
+                    </p:cTn>
+                  </p:par>
+                  <p:par>
+                    <p:cTn id="16" fill="hold">
+                      <p:stCondLst>
+                        <p:cond delay="indefinite"/>
+                      </p:stCondLst>
+                      <p:childTnLst>
+                        <p:par>
+                          <p:cTn id="17" fill="hold">
+                            <p:stCondLst>
+                              <p:cond delay="0"/>
+                            </p:stCondLst>
+                            <p:childTnLst>
+                              <p:par>
+                                <p:cTn id="18" presetID="22" presetClass="entr" presetSubtype="8" fill="hold" nodeType="clickEffect">
+                                  <p:stCondLst>
+                                    <p:cond delay="0"/>
+                                  </p:stCondLst>
+                                  <p:childTnLst>
+                                    <p:set>
+                                      <p:cBhvr>
+                                        <p:cTn id="19" dur="1" fill="hold">
+                                          <p:stCondLst>
+                                            <p:cond delay="0"/>
+                                          </p:stCondLst>
+                                        </p:cTn>
+                                        <p:tgtEl>
+                                          <p:spTgt spid="10"/>
+                                        </p:tgtEl>
+                                        <p:attrNameLst>
+                                          <p:attrName>style.visibility</p:attrName>
+                                        </p:attrNameLst>
+                                      </p:cBhvr>
+                                      <p:to>
+                                        <p:strVal val="visible"/>
+                                      </p:to>
+                                    </p:set>
+                                    <p:animEffect transition="in" filter="wipe(left)">
+                                      <p:cBhvr>
+                                        <p:cTn id="20" dur="1000"/>
+                                        <p:tgtEl>
+                                          <p:spTgt spid="10"/>
+                                        </p:tgtEl>
+                                      </p:cBhvr>
+                                    </p:animEffect>
+                                  </p:childTnLst>
+                                </p:cTn>
+                              </p:par>
+                            </p:childTnLst>
+                          </p:cTn>
+                        </p:par>
+                      </p:childTnLst>
+                    </p:cTn>
+                  </p:par>
+                </p:childTnLst>
+              </p:cTn>
+              <p:prevCondLst>
+                <p:cond evt="onPrev" delay="0">
+                  <p:tgtEl>
+                    <p:sldTgt/>
+                  </p:tgtEl>
+                </p:cond>
+              </p:prevCondLst>
+              <p:nextCondLst>
+                <p:cond evt="onNext" delay="0">
+                  <p:tgtEl>
+                    <p:sldTgt/>
+                  </p:tgtEl>
+                </p:cond>
+              </p:nextCondLst>
+            </p:seq>
+          </p:childTnLst>
+        </p:cTn>
+      </p:par>
+    </p:tnLst>
+  </p:timing>
+</p:sld>
+</file>
+
+<file path=ppt/slides/slide28.xml><?xml version="1.0" encoding="utf-8"?>
+<p:sld xmlns:a="http://schemas.openxmlformats.org/drawingml/2006/main" xmlns:r="http://schemas.openxmlformats.org/officeDocument/2006/relationships" xmlns:p="http://schemas.openxmlformats.org/presentationml/2006/main">
+  <p:cSld>
+    <p:spTree>
+      <p:nvGrpSpPr>
+        <p:cNvPr id="1" name=""/>
+        <p:cNvGrpSpPr/>
+        <p:nvPr/>
+      </p:nvGrpSpPr>
+      <p:grpSpPr>
+        <a:xfrm>
+          <a:off x="0" y="0"/>
+          <a:ext cx="0" cy="0"/>
+          <a:chOff x="0" y="0"/>
+          <a:chExt cx="0" cy="0"/>
+        </a:xfrm>
+      </p:grpSpPr>
       <p:graphicFrame>
         <p:nvGraphicFramePr>
           <p:cNvPr id="24" name="Object 23"/>
@@ -13443,7 +14088,7 @@
           <a:graphicData uri="http://schemas.openxmlformats.org/presentationml/2006/ole">
             <mc:AlternateContent xmlns:mc="http://schemas.openxmlformats.org/markup-compatibility/2006">
               <mc:Choice xmlns:v="urn:schemas-microsoft-com:vml" Requires="v">
-                <p:oleObj spid="_x0000_s426059" name="Equation" r:id="rId4" imgW="1854200" imgH="482600" progId="Equation.DSMT4">
+                <p:oleObj spid="_x0000_s426063" name="Equation" r:id="rId4" imgW="1854200" imgH="482600" progId="Equation.DSMT4">
                   <p:embed/>
                 </p:oleObj>
               </mc:Choice>
@@ -13541,7 +14186,7 @@
             <a:fld id="{3251DA95-B240-47FE-901D-B78FC8E8E532}" type="slidenum">
               <a:rPr lang="en-US" smtClean="0"/>
               <a:pPr/>
-              <a:t>27</a:t>
+              <a:t>28</a:t>
             </a:fld>
             <a:endParaRPr lang="en-US" dirty="0"/>
           </a:p>
@@ -13778,7 +14423,7 @@
 </p:sld>
 </file>
 
-<file path=ppt/slides/slide28.xml><?xml version="1.0" encoding="utf-8"?>
+<file path=ppt/slides/slide29.xml><?xml version="1.0" encoding="utf-8"?>
 <p:sld xmlns:a="http://schemas.openxmlformats.org/drawingml/2006/main" xmlns:r="http://schemas.openxmlformats.org/officeDocument/2006/relationships" xmlns:p="http://schemas.openxmlformats.org/presentationml/2006/main">
   <p:cSld>
     <p:spTree>
@@ -13817,7 +14462,7 @@
           <a:graphicData uri="http://schemas.openxmlformats.org/presentationml/2006/ole">
             <mc:AlternateContent xmlns:mc="http://schemas.openxmlformats.org/markup-compatibility/2006">
               <mc:Choice xmlns:v="urn:schemas-microsoft-com:vml" Requires="v">
-                <p:oleObj spid="_x0000_s481313" name="Equation" r:id="rId4" imgW="1854200" imgH="482600" progId="Equation.DSMT4">
+                <p:oleObj spid="_x0000_s481317" name="Equation" r:id="rId4" imgW="1854200" imgH="482600" progId="Equation.DSMT4">
                   <p:embed/>
                 </p:oleObj>
               </mc:Choice>
@@ -13879,7 +14524,7 @@
             <a:fld id="{3251DA95-B240-47FE-901D-B78FC8E8E532}" type="slidenum">
               <a:rPr lang="en-US" smtClean="0"/>
               <a:pPr/>
-              <a:t>28</a:t>
+              <a:t>29</a:t>
             </a:fld>
             <a:endParaRPr lang="en-US" dirty="0"/>
           </a:p>
@@ -13981,172 +14626,6 @@
       </p:transition>
     </mc:Fallback>
   </mc:AlternateContent>
-  <p:timing>
-    <p:tnLst>
-      <p:par>
-        <p:cTn xmlns:p14="http://schemas.microsoft.com/office/powerpoint/2010/main" id="1" dur="indefinite" restart="never" nodeType="tmRoot"/>
-      </p:par>
-    </p:tnLst>
-  </p:timing>
-</p:sld>
-</file>
-
-<file path=ppt/slides/slide29.xml><?xml version="1.0" encoding="utf-8"?>
-<p:sld xmlns:a="http://schemas.openxmlformats.org/drawingml/2006/main" xmlns:r="http://schemas.openxmlformats.org/officeDocument/2006/relationships" xmlns:p="http://schemas.openxmlformats.org/presentationml/2006/main">
-  <p:cSld>
-    <p:spTree>
-      <p:nvGrpSpPr>
-        <p:cNvPr id="1" name=""/>
-        <p:cNvGrpSpPr/>
-        <p:nvPr/>
-      </p:nvGrpSpPr>
-      <p:grpSpPr>
-        <a:xfrm>
-          <a:off x="0" y="0"/>
-          <a:ext cx="0" cy="0"/>
-          <a:chOff x="0" y="0"/>
-          <a:chExt cx="0" cy="0"/>
-        </a:xfrm>
-      </p:grpSpPr>
-      <p:graphicFrame>
-        <p:nvGraphicFramePr>
-          <p:cNvPr id="24" name="Object 23"/>
-          <p:cNvGraphicFramePr>
-            <a:graphicFrameLocks noChangeAspect="1"/>
-          </p:cNvGraphicFramePr>
-          <p:nvPr>
-            <p:extLst>
-              <p:ext uri="{D42A27DB-BD31-4B8C-83A1-F6EECF244321}">
-                <p14:modId xmlns:p14="http://schemas.microsoft.com/office/powerpoint/2010/main" val="2517679757"/>
-              </p:ext>
-            </p:extLst>
-          </p:nvPr>
-        </p:nvGraphicFramePr>
-        <p:xfrm>
-          <a:off x="1423988" y="1282700"/>
-          <a:ext cx="6305550" cy="1689100"/>
-        </p:xfrm>
-        <a:graphic>
-          <a:graphicData uri="http://schemas.openxmlformats.org/presentationml/2006/ole">
-            <mc:AlternateContent xmlns:mc="http://schemas.openxmlformats.org/markup-compatibility/2006">
-              <mc:Choice xmlns:v="urn:schemas-microsoft-com:vml" Requires="v">
-                <p:oleObj spid="_x0000_s528400" name="Equation" r:id="rId4" imgW="1803400" imgH="482600" progId="Equation.DSMT4">
-                  <p:embed/>
-                </p:oleObj>
-              </mc:Choice>
-              <mc:Fallback>
-                <p:oleObj name="Equation" r:id="rId4" imgW="1803400" imgH="482600" progId="Equation.DSMT4">
-                  <p:embed/>
-                  <p:pic>
-                    <p:nvPicPr>
-                      <p:cNvPr id="0" name=""/>
-                      <p:cNvPicPr/>
-                      <p:nvPr/>
-                    </p:nvPicPr>
-                    <p:blipFill>
-                      <a:blip r:embed="rId5"/>
-                      <a:stretch>
-                        <a:fillRect/>
-                      </a:stretch>
-                    </p:blipFill>
-                    <p:spPr>
-                      <a:xfrm>
-                        <a:off x="1423988" y="1282700"/>
-                        <a:ext cx="6305550" cy="1689100"/>
-                      </a:xfrm>
-                      <a:prstGeom prst="rect">
-                        <a:avLst/>
-                      </a:prstGeom>
-                    </p:spPr>
-                  </p:pic>
-                </p:oleObj>
-              </mc:Fallback>
-            </mc:AlternateContent>
-          </a:graphicData>
-        </a:graphic>
-      </p:graphicFrame>
-      <p:sp>
-        <p:nvSpPr>
-          <p:cNvPr id="4" name="Slide Number Placeholder 2"/>
-          <p:cNvSpPr>
-            <a:spLocks noGrp="1"/>
-          </p:cNvSpPr>
-          <p:nvPr>
-            <p:ph type="sldNum" sz="quarter" idx="10"/>
-          </p:nvPr>
-        </p:nvSpPr>
-        <p:spPr>
-          <a:xfrm>
-            <a:off x="7333815" y="6553200"/>
-            <a:ext cx="1810186" cy="276999"/>
-          </a:xfrm>
-        </p:spPr>
-        <p:txBody>
-          <a:bodyPr/>
-          <a:lstStyle/>
-          <a:p>
-            <a:r>
-              <a:rPr lang="en-US" dirty="0" smtClean="0"/>
-              <a:t>propositional algebra.</a:t>
-            </a:r>
-            <a:fld id="{3251DA95-B240-47FE-901D-B78FC8E8E532}" type="slidenum">
-              <a:rPr lang="en-US" smtClean="0"/>
-              <a:pPr/>
-              <a:t>29</a:t>
-            </a:fld>
-            <a:endParaRPr lang="en-US" dirty="0"/>
-          </a:p>
-        </p:txBody>
-      </p:sp>
-      <p:sp>
-        <p:nvSpPr>
-          <p:cNvPr id="7" name="Title 1"/>
-          <p:cNvSpPr>
-            <a:spLocks noGrp="1"/>
-          </p:cNvSpPr>
-          <p:nvPr>
-            <p:ph type="title"/>
-          </p:nvPr>
-        </p:nvSpPr>
-        <p:spPr>
-          <a:xfrm>
-            <a:off x="1651000" y="363538"/>
-            <a:ext cx="6794500" cy="1003300"/>
-          </a:xfrm>
-        </p:spPr>
-        <p:txBody>
-          <a:bodyPr/>
-          <a:lstStyle/>
-          <a:p>
-            <a:r>
-              <a:rPr lang="en-US" sz="4000" dirty="0" smtClean="0">
-                <a:solidFill>
-                  <a:srgbClr val="FF03E3"/>
-                </a:solidFill>
-              </a:rPr>
-              <a:t>example</a:t>
-            </a:r>
-            <a:endParaRPr lang="en-US" sz="4000" dirty="0">
-              <a:solidFill>
-                <a:srgbClr val="FF03E3"/>
-              </a:solidFill>
-            </a:endParaRPr>
-          </a:p>
-        </p:txBody>
-      </p:sp>
-    </p:spTree>
-    <p:extLst>
-      <p:ext uri="{BB962C8B-B14F-4D97-AF65-F5344CB8AC3E}">
-        <p14:creationId xmlns:p14="http://schemas.microsoft.com/office/powerpoint/2010/main" val="1216846862"/>
-      </p:ext>
-    </p:extLst>
-  </p:cSld>
-  <p:clrMapOvr>
-    <a:masterClrMapping/>
-  </p:clrMapOvr>
-  <p:transition xmlns:p14="http://schemas.microsoft.com/office/powerpoint/2010/main" advClick="0">
-    <p:fade/>
-  </p:transition>
   <p:timing>
     <p:tnLst>
       <p:par>
@@ -14483,6 +14962,63 @@
           <a:chExt cx="0" cy="0"/>
         </a:xfrm>
       </p:grpSpPr>
+      <p:graphicFrame>
+        <p:nvGraphicFramePr>
+          <p:cNvPr id="24" name="Object 23"/>
+          <p:cNvGraphicFramePr>
+            <a:graphicFrameLocks noChangeAspect="1"/>
+          </p:cNvGraphicFramePr>
+          <p:nvPr>
+            <p:extLst>
+              <p:ext uri="{D42A27DB-BD31-4B8C-83A1-F6EECF244321}">
+                <p14:modId xmlns:p14="http://schemas.microsoft.com/office/powerpoint/2010/main" val="2517679757"/>
+              </p:ext>
+            </p:extLst>
+          </p:nvPr>
+        </p:nvGraphicFramePr>
+        <p:xfrm>
+          <a:off x="1423988" y="1282700"/>
+          <a:ext cx="6305550" cy="1689100"/>
+        </p:xfrm>
+        <a:graphic>
+          <a:graphicData uri="http://schemas.openxmlformats.org/presentationml/2006/ole">
+            <mc:AlternateContent xmlns:mc="http://schemas.openxmlformats.org/markup-compatibility/2006">
+              <mc:Choice xmlns:v="urn:schemas-microsoft-com:vml" Requires="v">
+                <p:oleObj spid="_x0000_s528404" name="Equation" r:id="rId4" imgW="1803400" imgH="482600" progId="Equation.DSMT4">
+                  <p:embed/>
+                </p:oleObj>
+              </mc:Choice>
+              <mc:Fallback>
+                <p:oleObj name="Equation" r:id="rId4" imgW="1803400" imgH="482600" progId="Equation.DSMT4">
+                  <p:embed/>
+                  <p:pic>
+                    <p:nvPicPr>
+                      <p:cNvPr id="0" name=""/>
+                      <p:cNvPicPr/>
+                      <p:nvPr/>
+                    </p:nvPicPr>
+                    <p:blipFill>
+                      <a:blip r:embed="rId5"/>
+                      <a:stretch>
+                        <a:fillRect/>
+                      </a:stretch>
+                    </p:blipFill>
+                    <p:spPr>
+                      <a:xfrm>
+                        <a:off x="1423988" y="1282700"/>
+                        <a:ext cx="6305550" cy="1689100"/>
+                      </a:xfrm>
+                      <a:prstGeom prst="rect">
+                        <a:avLst/>
+                      </a:prstGeom>
+                    </p:spPr>
+                  </p:pic>
+                </p:oleObj>
+              </mc:Fallback>
+            </mc:AlternateContent>
+          </a:graphicData>
+        </a:graphic>
+      </p:graphicFrame>
       <p:sp>
         <p:nvSpPr>
           <p:cNvPr id="4" name="Slide Number Placeholder 2"/>
@@ -14511,6 +15047,115 @@
               <a:rPr lang="en-US" smtClean="0"/>
               <a:pPr/>
               <a:t>30</a:t>
+            </a:fld>
+            <a:endParaRPr lang="en-US" dirty="0"/>
+          </a:p>
+        </p:txBody>
+      </p:sp>
+      <p:sp>
+        <p:nvSpPr>
+          <p:cNvPr id="7" name="Title 1"/>
+          <p:cNvSpPr>
+            <a:spLocks noGrp="1"/>
+          </p:cNvSpPr>
+          <p:nvPr>
+            <p:ph type="title"/>
+          </p:nvPr>
+        </p:nvSpPr>
+        <p:spPr>
+          <a:xfrm>
+            <a:off x="1651000" y="363538"/>
+            <a:ext cx="6794500" cy="1003300"/>
+          </a:xfrm>
+        </p:spPr>
+        <p:txBody>
+          <a:bodyPr/>
+          <a:lstStyle/>
+          <a:p>
+            <a:r>
+              <a:rPr lang="en-US" sz="4000" dirty="0" smtClean="0">
+                <a:solidFill>
+                  <a:srgbClr val="FF03E3"/>
+                </a:solidFill>
+              </a:rPr>
+              <a:t>example</a:t>
+            </a:r>
+            <a:endParaRPr lang="en-US" sz="4000" dirty="0">
+              <a:solidFill>
+                <a:srgbClr val="FF03E3"/>
+              </a:solidFill>
+            </a:endParaRPr>
+          </a:p>
+        </p:txBody>
+      </p:sp>
+    </p:spTree>
+    <p:extLst>
+      <p:ext uri="{BB962C8B-B14F-4D97-AF65-F5344CB8AC3E}">
+        <p14:creationId xmlns:p14="http://schemas.microsoft.com/office/powerpoint/2010/main" val="1216846862"/>
+      </p:ext>
+    </p:extLst>
+  </p:cSld>
+  <p:clrMapOvr>
+    <a:masterClrMapping/>
+  </p:clrMapOvr>
+  <p:transition xmlns:p14="http://schemas.microsoft.com/office/powerpoint/2010/main" advClick="0">
+    <p:fade/>
+  </p:transition>
+  <p:timing>
+    <p:tnLst>
+      <p:par>
+        <p:cTn xmlns:p14="http://schemas.microsoft.com/office/powerpoint/2010/main" id="1" dur="indefinite" restart="never" nodeType="tmRoot"/>
+      </p:par>
+    </p:tnLst>
+  </p:timing>
+</p:sld>
+</file>
+
+<file path=ppt/slides/slide31.xml><?xml version="1.0" encoding="utf-8"?>
+<p:sld xmlns:a="http://schemas.openxmlformats.org/drawingml/2006/main" xmlns:r="http://schemas.openxmlformats.org/officeDocument/2006/relationships" xmlns:p="http://schemas.openxmlformats.org/presentationml/2006/main">
+  <p:cSld>
+    <p:spTree>
+      <p:nvGrpSpPr>
+        <p:cNvPr id="1" name=""/>
+        <p:cNvGrpSpPr/>
+        <p:nvPr/>
+      </p:nvGrpSpPr>
+      <p:grpSpPr>
+        <a:xfrm>
+          <a:off x="0" y="0"/>
+          <a:ext cx="0" cy="0"/>
+          <a:chOff x="0" y="0"/>
+          <a:chExt cx="0" cy="0"/>
+        </a:xfrm>
+      </p:grpSpPr>
+      <p:sp>
+        <p:nvSpPr>
+          <p:cNvPr id="4" name="Slide Number Placeholder 2"/>
+          <p:cNvSpPr>
+            <a:spLocks noGrp="1"/>
+          </p:cNvSpPr>
+          <p:nvPr>
+            <p:ph type="sldNum" sz="quarter" idx="10"/>
+          </p:nvPr>
+        </p:nvSpPr>
+        <p:spPr>
+          <a:xfrm>
+            <a:off x="7333815" y="6553200"/>
+            <a:ext cx="1810186" cy="276999"/>
+          </a:xfrm>
+        </p:spPr>
+        <p:txBody>
+          <a:bodyPr/>
+          <a:lstStyle/>
+          <a:p>
+            <a:r>
+              <a:rPr lang="en-US" dirty="0" smtClean="0"/>
+              <a:t>propositional algebra.</a:t>
+            </a:r>
+            <a:fld id="{3251DA95-B240-47FE-901D-B78FC8E8E532}" type="slidenum">
+              <a:rPr lang="en-US" smtClean="0"/>
+              <a:pPr/>
+              <a:t>31</a:t>
             </a:fld>
             <a:endParaRPr lang="en-US" dirty="0"/>
           </a:p>
@@ -14538,7 +15183,7 @@
           <a:graphicData uri="http://schemas.openxmlformats.org/presentationml/2006/ole">
             <mc:AlternateContent xmlns:mc="http://schemas.openxmlformats.org/markup-compatibility/2006">
               <mc:Choice xmlns:v="urn:schemas-microsoft-com:vml" Requires="v">
-                <p:oleObj spid="_x0000_s447532" name="Equation" r:id="rId4" imgW="2514600" imgH="254000" progId="Equation.DSMT4">
+                <p:oleObj spid="_x0000_s447536" name="Equation" r:id="rId4" imgW="2514600" imgH="254000" progId="Equation.DSMT4">
                   <p:embed/>
                 </p:oleObj>
               </mc:Choice>
@@ -14684,6 +15329,9 @@
                     <p:cTn id="3" fill="hold">
                       <p:stCondLst>
                         <p:cond delay="indefinite"/>
+                        <p:cond evt="onBegin" delay="0">
+                          <p:tn val="2"/>
+                        </p:cond>
                       </p:stCondLst>
                       <p:childTnLst>
                         <p:par>
@@ -14693,7 +15341,7 @@
                             </p:stCondLst>
                             <p:childTnLst>
                               <p:par>
-                                <p:cTn id="5" presetID="10" presetClass="entr" presetSubtype="0" fill="hold" grpId="0" nodeType="clickEffect">
+                                <p:cTn id="5" presetID="10" presetClass="entr" presetSubtype="0" fill="hold" grpId="0" nodeType="afterEffect">
                                   <p:stCondLst>
                                     <p:cond delay="0"/>
                                   </p:stCondLst>
@@ -14823,7 +15471,7 @@
 </p:sld>
 </file>
 
-<file path=ppt/slides/slide31.xml><?xml version="1.0" encoding="utf-8"?>
+<file path=ppt/slides/slide32.xml><?xml version="1.0" encoding="utf-8"?>
 <p:sld xmlns:a="http://schemas.openxmlformats.org/drawingml/2006/main" xmlns:r="http://schemas.openxmlformats.org/officeDocument/2006/relationships" xmlns:p="http://schemas.openxmlformats.org/presentationml/2006/main">
   <p:cSld>
     <p:spTree>
@@ -14867,7 +15515,7 @@
             <a:fld id="{3251DA95-B240-47FE-901D-B78FC8E8E532}" type="slidenum">
               <a:rPr lang="en-US" smtClean="0"/>
               <a:pPr/>
-              <a:t>31</a:t>
+              <a:t>32</a:t>
             </a:fld>
             <a:endParaRPr lang="en-US" dirty="0"/>
           </a:p>
@@ -14895,7 +15543,7 @@
           <a:graphicData uri="http://schemas.openxmlformats.org/presentationml/2006/ole">
             <mc:AlternateContent xmlns:mc="http://schemas.openxmlformats.org/markup-compatibility/2006">
               <mc:Choice xmlns:v="urn:schemas-microsoft-com:vml" Requires="v">
-                <p:oleObj spid="_x0000_s449620" name="Equation" r:id="rId4" imgW="698500" imgH="254000" progId="Equation.DSMT4">
+                <p:oleObj spid="_x0000_s449627" name="Equation" r:id="rId4" imgW="698500" imgH="254000" progId="Equation.DSMT4">
                   <p:embed/>
                 </p:oleObj>
               </mc:Choice>
@@ -14952,7 +15600,7 @@
           <a:graphicData uri="http://schemas.openxmlformats.org/presentationml/2006/ole">
             <mc:AlternateContent xmlns:mc="http://schemas.openxmlformats.org/markup-compatibility/2006">
               <mc:Choice xmlns:v="urn:schemas-microsoft-com:vml" Requires="v">
-                <p:oleObj spid="_x0000_s449621" name="Equation" r:id="rId6" imgW="1651000" imgH="254000" progId="Equation.DSMT4">
+                <p:oleObj spid="_x0000_s449628" name="Equation" r:id="rId6" imgW="1651000" imgH="254000" progId="Equation.DSMT4">
                   <p:embed/>
                 </p:oleObj>
               </mc:Choice>
@@ -15083,9 +15731,18 @@
   <p:clrMapOvr>
     <a:masterClrMapping/>
   </p:clrMapOvr>
-  <p:transition xmlns:p14="http://schemas.microsoft.com/office/powerpoint/2010/main" spd="slow" advClick="0">
-    <p:fade/>
-  </p:transition>
+  <mc:AlternateContent xmlns:mc="http://schemas.openxmlformats.org/markup-compatibility/2006">
+    <mc:Choice xmlns:p14="http://schemas.microsoft.com/office/powerpoint/2010/main" Requires="p14">
+      <p:transition spd="med" p14:dur="600" advClick="0">
+        <p:fade/>
+      </p:transition>
+    </mc:Choice>
+    <mc:Fallback>
+      <p:transition xmlns:p14="http://schemas.microsoft.com/office/powerpoint/2010/main" spd="med" advClick="0">
+        <p:fade/>
+      </p:transition>
+    </mc:Fallback>
+  </mc:AlternateContent>
   <p:timing>
     <p:tnLst>
       <p:par>
@@ -15107,7 +15764,7 @@
                             </p:stCondLst>
                             <p:childTnLst>
                               <p:par>
-                                <p:cTn id="5" presetID="10" presetClass="entr" presetSubtype="0" fill="hold" nodeType="clickEffect">
+                                <p:cTn id="5" presetID="10" presetClass="entr" presetSubtype="0" fill="hold" grpId="0" nodeType="clickEffect">
                                   <p:stCondLst>
                                     <p:cond delay="0"/>
                                   </p:stCondLst>
@@ -15120,7 +15777,7 @@
                                           </p:stCondLst>
                                         </p:cTn>
                                         <p:tgtEl>
-                                          <p:spTgt spid="14"/>
+                                          <p:spTgt spid="5"/>
                                         </p:tgtEl>
                                         <p:attrNameLst>
                                           <p:attrName>style.visibility</p:attrName>
@@ -15134,7 +15791,7 @@
                                       <p:cBhvr>
                                         <p:cTn id="7" dur="500"/>
                                         <p:tgtEl>
-                                          <p:spTgt spid="14"/>
+                                          <p:spTgt spid="5"/>
                                         </p:tgtEl>
                                       </p:cBhvr>
                                     </p:animEffect>
@@ -15276,12 +15933,13 @@
     </p:tnLst>
     <p:bldLst>
       <p:bldP spid="3" grpId="0"/>
+      <p:bldP spid="5" grpId="0"/>
     </p:bldLst>
   </p:timing>
 </p:sld>
 </file>
 
-<file path=ppt/slides/slide32.xml><?xml version="1.0" encoding="utf-8"?>
+<file path=ppt/slides/slide33.xml><?xml version="1.0" encoding="utf-8"?>
 <p:sld xmlns:a="http://schemas.openxmlformats.org/drawingml/2006/main" xmlns:r="http://schemas.openxmlformats.org/officeDocument/2006/relationships" xmlns:p="http://schemas.openxmlformats.org/presentationml/2006/main">
   <p:cSld>
     <p:spTree>
@@ -15325,7 +15983,7 @@
             <a:fld id="{3251DA95-B240-47FE-901D-B78FC8E8E532}" type="slidenum">
               <a:rPr lang="en-US" smtClean="0"/>
               <a:pPr/>
-              <a:t>32</a:t>
+              <a:t>33</a:t>
             </a:fld>
             <a:endParaRPr lang="en-US" dirty="0"/>
           </a:p>
@@ -15353,7 +16011,7 @@
           <a:graphicData uri="http://schemas.openxmlformats.org/presentationml/2006/ole">
             <mc:AlternateContent xmlns:mc="http://schemas.openxmlformats.org/markup-compatibility/2006">
               <mc:Choice xmlns:v="urn:schemas-microsoft-com:vml" Requires="v">
-                <p:oleObj spid="_x0000_s506950" name="Equation" r:id="rId4" imgW="698500" imgH="254000" progId="Equation.DSMT4">
+                <p:oleObj spid="_x0000_s506960" name="Equation" r:id="rId4" imgW="698500" imgH="254000" progId="Equation.DSMT4">
                   <p:embed/>
                 </p:oleObj>
               </mc:Choice>
@@ -15410,7 +16068,7 @@
           <a:graphicData uri="http://schemas.openxmlformats.org/presentationml/2006/ole">
             <mc:AlternateContent xmlns:mc="http://schemas.openxmlformats.org/markup-compatibility/2006">
               <mc:Choice xmlns:v="urn:schemas-microsoft-com:vml" Requires="v">
-                <p:oleObj spid="_x0000_s506951" name="Equation" r:id="rId6" imgW="1651000" imgH="254000" progId="Equation.DSMT4">
+                <p:oleObj spid="_x0000_s506961" name="Equation" r:id="rId6" imgW="1651000" imgH="254000" progId="Equation.DSMT4">
                   <p:embed/>
                 </p:oleObj>
               </mc:Choice>
@@ -15467,7 +16125,7 @@
           <a:graphicData uri="http://schemas.openxmlformats.org/presentationml/2006/ole">
             <mc:AlternateContent xmlns:mc="http://schemas.openxmlformats.org/markup-compatibility/2006">
               <mc:Choice xmlns:v="urn:schemas-microsoft-com:vml" Requires="v">
-                <p:oleObj spid="_x0000_s506952" name="Equation" r:id="rId8" imgW="1333500" imgH="482600" progId="Equation.DSMT4">
+                <p:oleObj spid="_x0000_s506962" name="Equation" r:id="rId8" imgW="1333500" imgH="482600" progId="Equation.DSMT4">
                   <p:embed/>
                 </p:oleObj>
               </mc:Choice>
@@ -15695,7 +16353,7 @@
 </p:sld>
 </file>
 
-<file path=ppt/slides/slide33.xml><?xml version="1.0" encoding="utf-8"?>
+<file path=ppt/slides/slide34.xml><?xml version="1.0" encoding="utf-8"?>
 <p:sld xmlns:a="http://schemas.openxmlformats.org/drawingml/2006/main" xmlns:r="http://schemas.openxmlformats.org/officeDocument/2006/relationships" xmlns:p="http://schemas.openxmlformats.org/presentationml/2006/main">
   <p:cSld>
     <p:spTree>
@@ -15739,7 +16397,7 @@
             <a:fld id="{3251DA95-B240-47FE-901D-B78FC8E8E532}" type="slidenum">
               <a:rPr lang="en-US" smtClean="0"/>
               <a:pPr/>
-              <a:t>33</a:t>
+              <a:t>34</a:t>
             </a:fld>
             <a:endParaRPr lang="en-US" dirty="0"/>
           </a:p>
@@ -15767,7 +16425,7 @@
           <a:graphicData uri="http://schemas.openxmlformats.org/presentationml/2006/ole">
             <mc:AlternateContent xmlns:mc="http://schemas.openxmlformats.org/markup-compatibility/2006">
               <mc:Choice xmlns:v="urn:schemas-microsoft-com:vml" Requires="v">
-                <p:oleObj spid="_x0000_s507967" name="Equation" r:id="rId4" imgW="698500" imgH="254000" progId="Equation.DSMT4">
+                <p:oleObj spid="_x0000_s507974" name="Equation" r:id="rId4" imgW="698500" imgH="254000" progId="Equation.DSMT4">
                   <p:embed/>
                 </p:oleObj>
               </mc:Choice>
@@ -15824,7 +16482,7 @@
           <a:graphicData uri="http://schemas.openxmlformats.org/presentationml/2006/ole">
             <mc:AlternateContent xmlns:mc="http://schemas.openxmlformats.org/markup-compatibility/2006">
               <mc:Choice xmlns:v="urn:schemas-microsoft-com:vml" Requires="v">
-                <p:oleObj spid="_x0000_s507968" name="Equation" r:id="rId6" imgW="1333500" imgH="482600" progId="Equation.DSMT4">
+                <p:oleObj spid="_x0000_s507975" name="Equation" r:id="rId6" imgW="1333500" imgH="482600" progId="Equation.DSMT4">
                   <p:embed/>
                 </p:oleObj>
               </mc:Choice>
@@ -16114,7 +16772,7 @@
 </p:sld>
 </file>
 
-<file path=ppt/slides/slide34.xml><?xml version="1.0" encoding="utf-8"?>
+<file path=ppt/slides/slide35.xml><?xml version="1.0" encoding="utf-8"?>
 <p:sld xmlns:a="http://schemas.openxmlformats.org/drawingml/2006/main" xmlns:r="http://schemas.openxmlformats.org/officeDocument/2006/relationships" xmlns:p="http://schemas.openxmlformats.org/presentationml/2006/main">
   <p:cSld>
     <p:spTree>
@@ -16208,7 +16866,7 @@
             <a:fld id="{3251DA95-B240-47FE-901D-B78FC8E8E532}" type="slidenum">
               <a:rPr lang="en-US" smtClean="0"/>
               <a:pPr/>
-              <a:t>34</a:t>
+              <a:t>35</a:t>
             </a:fld>
             <a:endParaRPr lang="en-US" dirty="0"/>
           </a:p>
@@ -16236,7 +16894,7 @@
           <a:graphicData uri="http://schemas.openxmlformats.org/presentationml/2006/ole">
             <mc:AlternateContent xmlns:mc="http://schemas.openxmlformats.org/markup-compatibility/2006">
               <mc:Choice xmlns:v="urn:schemas-microsoft-com:vml" Requires="v">
-                <p:oleObj spid="_x0000_s522270" name="Equation" r:id="rId4" imgW="1600200" imgH="215900" progId="Equation.DSMT4">
+                <p:oleObj spid="_x0000_s522277" name="Equation" r:id="rId4" imgW="1600200" imgH="215900" progId="Equation.DSMT4">
                   <p:embed/>
                 </p:oleObj>
               </mc:Choice>
@@ -16293,7 +16951,7 @@
           <a:graphicData uri="http://schemas.openxmlformats.org/presentationml/2006/ole">
             <mc:AlternateContent xmlns:mc="http://schemas.openxmlformats.org/markup-compatibility/2006">
               <mc:Choice xmlns:v="urn:schemas-microsoft-com:vml" Requires="v">
-                <p:oleObj spid="_x0000_s522271" name="Equation" r:id="rId6" imgW="1397000" imgH="457200" progId="Equation.DSMT4">
+                <p:oleObj spid="_x0000_s522278" name="Equation" r:id="rId6" imgW="1397000" imgH="457200" progId="Equation.DSMT4">
                   <p:embed/>
                 </p:oleObj>
               </mc:Choice>
@@ -16630,7 +17288,7 @@
 </p:sld>
 </file>
 
-<file path=ppt/slides/slide35.xml><?xml version="1.0" encoding="utf-8"?>
+<file path=ppt/slides/slide36.xml><?xml version="1.0" encoding="utf-8"?>
 <p:sld xmlns:a="http://schemas.openxmlformats.org/drawingml/2006/main" xmlns:r="http://schemas.openxmlformats.org/officeDocument/2006/relationships" xmlns:p="http://schemas.openxmlformats.org/presentationml/2006/main">
   <p:cSld>
     <p:spTree>
@@ -16674,7 +17332,7 @@
             <a:fld id="{3251DA95-B240-47FE-901D-B78FC8E8E532}" type="slidenum">
               <a:rPr lang="en-US" smtClean="0"/>
               <a:pPr/>
-              <a:t>35</a:t>
+              <a:t>36</a:t>
             </a:fld>
             <a:endParaRPr lang="en-US" dirty="0"/>
           </a:p>
@@ -16702,7 +17360,7 @@
           <a:graphicData uri="http://schemas.openxmlformats.org/presentationml/2006/ole">
             <mc:AlternateContent xmlns:mc="http://schemas.openxmlformats.org/markup-compatibility/2006">
               <mc:Choice xmlns:v="urn:schemas-microsoft-com:vml" Requires="v">
-                <p:oleObj spid="_x0000_s461868" name="Equation" r:id="rId4" imgW="1333500" imgH="482600" progId="Equation.DSMT4">
+                <p:oleObj spid="_x0000_s461872" name="Equation" r:id="rId4" imgW="1333500" imgH="482600" progId="Equation.DSMT4">
                   <p:embed/>
                 </p:oleObj>
               </mc:Choice>
@@ -16982,7 +17640,7 @@
 </p:sld>
 </file>
 
-<file path=ppt/slides/slide36.xml><?xml version="1.0" encoding="utf-8"?>
+<file path=ppt/slides/slide37.xml><?xml version="1.0" encoding="utf-8"?>
 <p:sld xmlns:a="http://schemas.openxmlformats.org/drawingml/2006/main" xmlns:r="http://schemas.openxmlformats.org/officeDocument/2006/relationships" xmlns:p="http://schemas.openxmlformats.org/presentationml/2006/main">
   <p:cSld>
     <p:spTree>
@@ -17026,7 +17684,7 @@
             <a:fld id="{3251DA95-B240-47FE-901D-B78FC8E8E532}" type="slidenum">
               <a:rPr lang="en-US" smtClean="0"/>
               <a:pPr/>
-              <a:t>36</a:t>
+              <a:t>37</a:t>
             </a:fld>
             <a:endParaRPr lang="en-US" dirty="0"/>
           </a:p>
@@ -17054,7 +17712,7 @@
           <a:graphicData uri="http://schemas.openxmlformats.org/presentationml/2006/ole">
             <mc:AlternateContent xmlns:mc="http://schemas.openxmlformats.org/markup-compatibility/2006">
               <mc:Choice xmlns:v="urn:schemas-microsoft-com:vml" Requires="v">
-                <p:oleObj spid="_x0000_s523297" name="Equation" r:id="rId4" imgW="1333500" imgH="482600" progId="Equation.DSMT4">
+                <p:oleObj spid="_x0000_s523301" name="Equation" r:id="rId4" imgW="1333500" imgH="482600" progId="Equation.DSMT4">
                   <p:embed/>
                 </p:oleObj>
               </mc:Choice>
@@ -17129,181 +17787,6 @@
     <p:extLst>
       <p:ext uri="{BB962C8B-B14F-4D97-AF65-F5344CB8AC3E}">
         <p14:creationId xmlns:p14="http://schemas.microsoft.com/office/powerpoint/2010/main" val="2003572068"/>
-      </p:ext>
-    </p:extLst>
-  </p:cSld>
-  <p:clrMapOvr>
-    <a:masterClrMapping/>
-  </p:clrMapOvr>
-  <mc:AlternateContent xmlns:mc="http://schemas.openxmlformats.org/markup-compatibility/2006" xmlns:p14="http://schemas.microsoft.com/office/powerpoint/2010/main">
-    <mc:Choice Requires="p14">
-      <p:transition spd="med" p14:dur="600" advClick="0">
-        <p:fade/>
-      </p:transition>
-    </mc:Choice>
-    <mc:Fallback xmlns="">
-      <p:transition xmlns:p14="http://schemas.microsoft.com/office/powerpoint/2010/main" spd="med" advClick="0">
-        <p:fade/>
-      </p:transition>
-    </mc:Fallback>
-  </mc:AlternateContent>
-  <p:timing>
-    <p:tnLst>
-      <p:par>
-        <p:cTn xmlns:p14="http://schemas.microsoft.com/office/powerpoint/2010/main" id="1" dur="indefinite" restart="never" nodeType="tmRoot"/>
-      </p:par>
-    </p:tnLst>
-  </p:timing>
-</p:sld>
-</file>
-
-<file path=ppt/slides/slide37.xml><?xml version="1.0" encoding="utf-8"?>
-<p:sld xmlns:a="http://schemas.openxmlformats.org/drawingml/2006/main" xmlns:r="http://schemas.openxmlformats.org/officeDocument/2006/relationships" xmlns:p="http://schemas.openxmlformats.org/presentationml/2006/main">
-  <p:cSld>
-    <p:spTree>
-      <p:nvGrpSpPr>
-        <p:cNvPr id="1" name=""/>
-        <p:cNvGrpSpPr/>
-        <p:nvPr/>
-      </p:nvGrpSpPr>
-      <p:grpSpPr>
-        <a:xfrm>
-          <a:off x="0" y="0"/>
-          <a:ext cx="0" cy="0"/>
-          <a:chOff x="0" y="0"/>
-          <a:chExt cx="0" cy="0"/>
-        </a:xfrm>
-      </p:grpSpPr>
-      <p:sp>
-        <p:nvSpPr>
-          <p:cNvPr id="4" name="Slide Number Placeholder 2"/>
-          <p:cNvSpPr>
-            <a:spLocks noGrp="1"/>
-          </p:cNvSpPr>
-          <p:nvPr>
-            <p:ph type="sldNum" sz="quarter" idx="10"/>
-          </p:nvPr>
-        </p:nvSpPr>
-        <p:spPr>
-          <a:xfrm>
-            <a:off x="7333815" y="6553200"/>
-            <a:ext cx="1810186" cy="276999"/>
-          </a:xfrm>
-        </p:spPr>
-        <p:txBody>
-          <a:bodyPr/>
-          <a:lstStyle/>
-          <a:p>
-            <a:r>
-              <a:rPr lang="en-US" dirty="0" smtClean="0"/>
-              <a:t>propositional algebra.</a:t>
-            </a:r>
-            <a:fld id="{3251DA95-B240-47FE-901D-B78FC8E8E532}" type="slidenum">
-              <a:rPr lang="en-US" smtClean="0"/>
-              <a:pPr/>
-              <a:t>37</a:t>
-            </a:fld>
-            <a:endParaRPr lang="en-US" dirty="0"/>
-          </a:p>
-        </p:txBody>
-      </p:sp>
-      <p:graphicFrame>
-        <p:nvGraphicFramePr>
-          <p:cNvPr id="6" name="Object 5"/>
-          <p:cNvGraphicFramePr>
-            <a:graphicFrameLocks noChangeAspect="1"/>
-          </p:cNvGraphicFramePr>
-          <p:nvPr>
-            <p:extLst>
-              <p:ext uri="{D42A27DB-BD31-4B8C-83A1-F6EECF244321}">
-                <p14:modId xmlns:p14="http://schemas.microsoft.com/office/powerpoint/2010/main" val="785072527"/>
-              </p:ext>
-            </p:extLst>
-          </p:nvPr>
-        </p:nvGraphicFramePr>
-        <p:xfrm>
-          <a:off x="2007460" y="1270160"/>
-          <a:ext cx="5100694" cy="1847851"/>
-        </p:xfrm>
-        <a:graphic>
-          <a:graphicData uri="http://schemas.openxmlformats.org/presentationml/2006/ole">
-            <mc:AlternateContent xmlns:mc="http://schemas.openxmlformats.org/markup-compatibility/2006">
-              <mc:Choice xmlns:v="urn:schemas-microsoft-com:vml" Requires="v">
-                <p:oleObj spid="_x0000_s542729" name="Equation" r:id="rId4" imgW="1333500" imgH="482600" progId="Equation.DSMT4">
-                  <p:embed/>
-                </p:oleObj>
-              </mc:Choice>
-              <mc:Fallback>
-                <p:oleObj name="Equation" r:id="rId4" imgW="1333500" imgH="482600" progId="Equation.DSMT4">
-                  <p:embed/>
-                  <p:pic>
-                    <p:nvPicPr>
-                      <p:cNvPr id="0" name=""/>
-                      <p:cNvPicPr/>
-                      <p:nvPr/>
-                    </p:nvPicPr>
-                    <p:blipFill>
-                      <a:blip r:embed="rId5"/>
-                      <a:stretch>
-                        <a:fillRect/>
-                      </a:stretch>
-                    </p:blipFill>
-                    <p:spPr>
-                      <a:xfrm>
-                        <a:off x="2007460" y="1270160"/>
-                        <a:ext cx="5100694" cy="1847851"/>
-                      </a:xfrm>
-                      <a:prstGeom prst="rect">
-                        <a:avLst/>
-                      </a:prstGeom>
-                    </p:spPr>
-                  </p:pic>
-                </p:oleObj>
-              </mc:Fallback>
-            </mc:AlternateContent>
-          </a:graphicData>
-        </a:graphic>
-      </p:graphicFrame>
-      <p:sp>
-        <p:nvSpPr>
-          <p:cNvPr id="8" name="Title 1"/>
-          <p:cNvSpPr>
-            <a:spLocks noGrp="1"/>
-          </p:cNvSpPr>
-          <p:nvPr>
-            <p:ph type="title"/>
-          </p:nvPr>
-        </p:nvSpPr>
-        <p:spPr>
-          <a:xfrm>
-            <a:off x="1651000" y="363538"/>
-            <a:ext cx="6794500" cy="1003300"/>
-          </a:xfrm>
-        </p:spPr>
-        <p:txBody>
-          <a:bodyPr/>
-          <a:lstStyle/>
-          <a:p>
-            <a:r>
-              <a:rPr lang="en-US" sz="4000" dirty="0" smtClean="0">
-                <a:solidFill>
-                  <a:srgbClr val="FF03E3"/>
-                </a:solidFill>
-              </a:rPr>
-              <a:t>example</a:t>
-            </a:r>
-            <a:endParaRPr lang="en-US" sz="4000" dirty="0">
-              <a:solidFill>
-                <a:srgbClr val="FF03E3"/>
-              </a:solidFill>
-            </a:endParaRPr>
-          </a:p>
-        </p:txBody>
-      </p:sp>
-    </p:spTree>
-    <p:extLst>
-      <p:ext uri="{BB962C8B-B14F-4D97-AF65-F5344CB8AC3E}">
-        <p14:creationId xmlns:p14="http://schemas.microsoft.com/office/powerpoint/2010/main" val="2741329689"/>
       </p:ext>
     </p:extLst>
   </p:cSld>
@@ -17384,6 +17867,181 @@
       </p:sp>
       <p:graphicFrame>
         <p:nvGraphicFramePr>
+          <p:cNvPr id="6" name="Object 5"/>
+          <p:cNvGraphicFramePr>
+            <a:graphicFrameLocks noChangeAspect="1"/>
+          </p:cNvGraphicFramePr>
+          <p:nvPr>
+            <p:extLst>
+              <p:ext uri="{D42A27DB-BD31-4B8C-83A1-F6EECF244321}">
+                <p14:modId xmlns:p14="http://schemas.microsoft.com/office/powerpoint/2010/main" val="785072527"/>
+              </p:ext>
+            </p:extLst>
+          </p:nvPr>
+        </p:nvGraphicFramePr>
+        <p:xfrm>
+          <a:off x="2007460" y="1270160"/>
+          <a:ext cx="5100694" cy="1847851"/>
+        </p:xfrm>
+        <a:graphic>
+          <a:graphicData uri="http://schemas.openxmlformats.org/presentationml/2006/ole">
+            <mc:AlternateContent xmlns:mc="http://schemas.openxmlformats.org/markup-compatibility/2006">
+              <mc:Choice xmlns:v="urn:schemas-microsoft-com:vml" Requires="v">
+                <p:oleObj spid="_x0000_s542733" name="Equation" r:id="rId4" imgW="1333500" imgH="482600" progId="Equation.DSMT4">
+                  <p:embed/>
+                </p:oleObj>
+              </mc:Choice>
+              <mc:Fallback>
+                <p:oleObj name="Equation" r:id="rId4" imgW="1333500" imgH="482600" progId="Equation.DSMT4">
+                  <p:embed/>
+                  <p:pic>
+                    <p:nvPicPr>
+                      <p:cNvPr id="0" name=""/>
+                      <p:cNvPicPr/>
+                      <p:nvPr/>
+                    </p:nvPicPr>
+                    <p:blipFill>
+                      <a:blip r:embed="rId5"/>
+                      <a:stretch>
+                        <a:fillRect/>
+                      </a:stretch>
+                    </p:blipFill>
+                    <p:spPr>
+                      <a:xfrm>
+                        <a:off x="2007460" y="1270160"/>
+                        <a:ext cx="5100694" cy="1847851"/>
+                      </a:xfrm>
+                      <a:prstGeom prst="rect">
+                        <a:avLst/>
+                      </a:prstGeom>
+                    </p:spPr>
+                  </p:pic>
+                </p:oleObj>
+              </mc:Fallback>
+            </mc:AlternateContent>
+          </a:graphicData>
+        </a:graphic>
+      </p:graphicFrame>
+      <p:sp>
+        <p:nvSpPr>
+          <p:cNvPr id="8" name="Title 1"/>
+          <p:cNvSpPr>
+            <a:spLocks noGrp="1"/>
+          </p:cNvSpPr>
+          <p:nvPr>
+            <p:ph type="title"/>
+          </p:nvPr>
+        </p:nvSpPr>
+        <p:spPr>
+          <a:xfrm>
+            <a:off x="1651000" y="363538"/>
+            <a:ext cx="6794500" cy="1003300"/>
+          </a:xfrm>
+        </p:spPr>
+        <p:txBody>
+          <a:bodyPr/>
+          <a:lstStyle/>
+          <a:p>
+            <a:r>
+              <a:rPr lang="en-US" sz="4000" dirty="0" smtClean="0">
+                <a:solidFill>
+                  <a:srgbClr val="FF03E3"/>
+                </a:solidFill>
+              </a:rPr>
+              <a:t>example</a:t>
+            </a:r>
+            <a:endParaRPr lang="en-US" sz="4000" dirty="0">
+              <a:solidFill>
+                <a:srgbClr val="FF03E3"/>
+              </a:solidFill>
+            </a:endParaRPr>
+          </a:p>
+        </p:txBody>
+      </p:sp>
+    </p:spTree>
+    <p:extLst>
+      <p:ext uri="{BB962C8B-B14F-4D97-AF65-F5344CB8AC3E}">
+        <p14:creationId xmlns:p14="http://schemas.microsoft.com/office/powerpoint/2010/main" val="2741329689"/>
+      </p:ext>
+    </p:extLst>
+  </p:cSld>
+  <p:clrMapOvr>
+    <a:masterClrMapping/>
+  </p:clrMapOvr>
+  <mc:AlternateContent xmlns:mc="http://schemas.openxmlformats.org/markup-compatibility/2006" xmlns:p14="http://schemas.microsoft.com/office/powerpoint/2010/main">
+    <mc:Choice Requires="p14">
+      <p:transition spd="med" p14:dur="600" advClick="0">
+        <p:fade/>
+      </p:transition>
+    </mc:Choice>
+    <mc:Fallback xmlns="">
+      <p:transition xmlns:p14="http://schemas.microsoft.com/office/powerpoint/2010/main" spd="med" advClick="0">
+        <p:fade/>
+      </p:transition>
+    </mc:Fallback>
+  </mc:AlternateContent>
+  <p:timing>
+    <p:tnLst>
+      <p:par>
+        <p:cTn xmlns:p14="http://schemas.microsoft.com/office/powerpoint/2010/main" id="1" dur="indefinite" restart="never" nodeType="tmRoot"/>
+      </p:par>
+    </p:tnLst>
+  </p:timing>
+</p:sld>
+</file>
+
+<file path=ppt/slides/slide39.xml><?xml version="1.0" encoding="utf-8"?>
+<p:sld xmlns:a="http://schemas.openxmlformats.org/drawingml/2006/main" xmlns:r="http://schemas.openxmlformats.org/officeDocument/2006/relationships" xmlns:p="http://schemas.openxmlformats.org/presentationml/2006/main">
+  <p:cSld>
+    <p:spTree>
+      <p:nvGrpSpPr>
+        <p:cNvPr id="1" name=""/>
+        <p:cNvGrpSpPr/>
+        <p:nvPr/>
+      </p:nvGrpSpPr>
+      <p:grpSpPr>
+        <a:xfrm>
+          <a:off x="0" y="0"/>
+          <a:ext cx="0" cy="0"/>
+          <a:chOff x="0" y="0"/>
+          <a:chExt cx="0" cy="0"/>
+        </a:xfrm>
+      </p:grpSpPr>
+      <p:sp>
+        <p:nvSpPr>
+          <p:cNvPr id="4" name="Slide Number Placeholder 2"/>
+          <p:cNvSpPr>
+            <a:spLocks noGrp="1"/>
+          </p:cNvSpPr>
+          <p:nvPr>
+            <p:ph type="sldNum" sz="quarter" idx="10"/>
+          </p:nvPr>
+        </p:nvSpPr>
+        <p:spPr>
+          <a:xfrm>
+            <a:off x="7333815" y="6553200"/>
+            <a:ext cx="1810186" cy="276999"/>
+          </a:xfrm>
+        </p:spPr>
+        <p:txBody>
+          <a:bodyPr/>
+          <a:lstStyle/>
+          <a:p>
+            <a:r>
+              <a:rPr lang="en-US" dirty="0" smtClean="0"/>
+              <a:t>propositional algebra.</a:t>
+            </a:r>
+            <a:fld id="{3251DA95-B240-47FE-901D-B78FC8E8E532}" type="slidenum">
+              <a:rPr lang="en-US" smtClean="0"/>
+              <a:pPr/>
+              <a:t>39</a:t>
+            </a:fld>
+            <a:endParaRPr lang="en-US" dirty="0"/>
+          </a:p>
+        </p:txBody>
+      </p:sp>
+      <p:graphicFrame>
+        <p:nvGraphicFramePr>
           <p:cNvPr id="10" name="Object 9"/>
           <p:cNvGraphicFramePr>
             <a:graphicFrameLocks noChangeAspect="1"/>
@@ -17404,7 +18062,7 @@
           <a:graphicData uri="http://schemas.openxmlformats.org/presentationml/2006/ole">
             <mc:AlternateContent xmlns:mc="http://schemas.openxmlformats.org/markup-compatibility/2006">
               <mc:Choice xmlns:v="urn:schemas-microsoft-com:vml" Requires="v">
-                <p:oleObj spid="_x0000_s544786" name="Equation" r:id="rId4" imgW="1333500" imgH="482600" progId="Equation.DSMT4">
+                <p:oleObj spid="_x0000_s544793" name="Equation" r:id="rId4" imgW="1333500" imgH="482600" progId="Equation.DSMT4">
                   <p:embed/>
                 </p:oleObj>
               </mc:Choice>
@@ -17523,8 +18181,16 @@
           <a:lstStyle/>
           <a:p>
             <a:r>
+              <a:rPr lang="en-US" sz="3800" dirty="0" smtClean="0">
+                <a:solidFill>
+                  <a:srgbClr val="BB0FAB"/>
+                </a:solidFill>
+              </a:rPr>
+              <a:t>Sorted</a:t>
+            </a:r>
+            <a:r>
               <a:rPr lang="en-US" sz="3800" dirty="0" smtClean="0"/>
-              <a:t>Sorted Full DNF for </a:t>
+              <a:t> Full DNF for </a:t>
             </a:r>
             <a:endParaRPr lang="en-US" sz="3800" dirty="0">
               <a:solidFill>
@@ -17556,7 +18222,7 @@
           <a:graphicData uri="http://schemas.openxmlformats.org/presentationml/2006/ole">
             <mc:AlternateContent xmlns:mc="http://schemas.openxmlformats.org/markup-compatibility/2006">
               <mc:Choice xmlns:v="urn:schemas-microsoft-com:vml" Requires="v">
-                <p:oleObj spid="_x0000_s544787" name="Equation" r:id="rId6" imgW="698500" imgH="254000" progId="Equation.DSMT4">
+                <p:oleObj spid="_x0000_s544794" name="Equation" r:id="rId6" imgW="698500" imgH="254000" progId="Equation.DSMT4">
                   <p:embed/>
                 </p:oleObj>
               </mc:Choice>
@@ -17625,6 +18291,9 @@
                     <p:cTn id="3" fill="hold">
                       <p:stCondLst>
                         <p:cond delay="indefinite"/>
+                        <p:cond evt="onBegin" delay="0">
+                          <p:tn val="2"/>
+                        </p:cond>
                       </p:stCondLst>
                       <p:childTnLst>
                         <p:par>
@@ -17634,7 +18303,7 @@
                             </p:stCondLst>
                             <p:childTnLst>
                               <p:par>
-                                <p:cTn id="5" presetID="10" presetClass="entr" presetSubtype="0" fill="hold" grpId="0" nodeType="clickEffect">
+                                <p:cTn id="5" presetID="10" presetClass="entr" presetSubtype="0" fill="hold" grpId="0" nodeType="afterEffect">
                                   <p:stCondLst>
                                     <p:cond delay="0"/>
                                   </p:stCondLst>
@@ -17782,7 +18451,7 @@
 </p:sld>
 </file>
 
-<file path=ppt/slides/slide39.xml><?xml version="1.0" encoding="utf-8"?>
+<file path=ppt/slides/slide4.xml><?xml version="1.0" encoding="utf-8"?>
 <p:sld xmlns:a="http://schemas.openxmlformats.org/drawingml/2006/main" xmlns:r="http://schemas.openxmlformats.org/officeDocument/2006/relationships" xmlns:p="http://schemas.openxmlformats.org/presentationml/2006/main">
   <p:cSld>
     <p:spTree>
@@ -17801,6 +18470,117 @@
       </p:grpSpPr>
       <p:sp>
         <p:nvSpPr>
+          <p:cNvPr id="5" name="TextBox 4"/>
+          <p:cNvSpPr txBox="1"/>
+          <p:nvPr/>
+        </p:nvSpPr>
+        <p:spPr>
+          <a:xfrm>
+            <a:off x="455613" y="1270000"/>
+            <a:ext cx="8267700" cy="939800"/>
+          </a:xfrm>
+          <a:prstGeom prst="rect">
+            <a:avLst/>
+          </a:prstGeom>
+          <a:noFill/>
+        </p:spPr>
+        <p:txBody>
+          <a:bodyPr wrap="square" rtlCol="0">
+            <a:spAutoFit/>
+          </a:bodyPr>
+          <a:lstStyle/>
+          <a:p>
+            <a:pPr algn="l"/>
+            <a:r>
+              <a:rPr lang="en-US" sz="5400" dirty="0" smtClean="0">
+                <a:solidFill>
+                  <a:schemeClr val="accent1">
+                    <a:lumMod val="50000"/>
+                  </a:schemeClr>
+                </a:solidFill>
+                <a:latin typeface="Comic Sans MS" pitchFamily="66" charset="0"/>
+              </a:rPr>
+              <a:t>Rules for </a:t>
+            </a:r>
+            <a:r>
+              <a:rPr lang="en-US" sz="4000" dirty="0" smtClean="0">
+                <a:solidFill>
+                  <a:srgbClr val="FF03E3"/>
+                </a:solidFill>
+                <a:latin typeface="Comic Sans MS" pitchFamily="66" charset="0"/>
+              </a:rPr>
+              <a:t>XOR</a:t>
+            </a:r>
+            <a:r>
+              <a:rPr lang="en-US" sz="5400" dirty="0">
+                <a:solidFill>
+                  <a:schemeClr val="accent1">
+                    <a:lumMod val="50000"/>
+                  </a:schemeClr>
+                </a:solidFill>
+                <a:latin typeface="Comic Sans MS" pitchFamily="66" charset="0"/>
+              </a:rPr>
+              <a:t>,</a:t>
+            </a:r>
+            <a:r>
+              <a:rPr lang="en-US" sz="5400" dirty="0" smtClean="0">
+                <a:solidFill>
+                  <a:schemeClr val="accent1">
+                    <a:lumMod val="50000"/>
+                  </a:schemeClr>
+                </a:solidFill>
+                <a:latin typeface="Comic Sans MS" pitchFamily="66" charset="0"/>
+              </a:rPr>
+              <a:t> </a:t>
+            </a:r>
+            <a:r>
+              <a:rPr lang="en-US" sz="4000" dirty="0" smtClean="0">
+                <a:solidFill>
+                  <a:srgbClr val="FF03E3"/>
+                </a:solidFill>
+                <a:latin typeface="Comic Sans MS" pitchFamily="66" charset="0"/>
+              </a:rPr>
+              <a:t>IMPLIES</a:t>
+            </a:r>
+            <a:endParaRPr lang="en-US" sz="4000" dirty="0">
+              <a:solidFill>
+                <a:srgbClr val="FF03E3"/>
+              </a:solidFill>
+              <a:latin typeface="Comic Sans MS" pitchFamily="66" charset="0"/>
+            </a:endParaRPr>
+          </a:p>
+        </p:txBody>
+      </p:sp>
+      <p:sp>
+        <p:nvSpPr>
+          <p:cNvPr id="9" name="Title 1"/>
+          <p:cNvSpPr>
+            <a:spLocks noGrp="1"/>
+          </p:cNvSpPr>
+          <p:nvPr>
+            <p:ph type="title"/>
+          </p:nvPr>
+        </p:nvSpPr>
+        <p:spPr>
+          <a:xfrm>
+            <a:off x="1651000" y="363538"/>
+            <a:ext cx="6794500" cy="1003300"/>
+          </a:xfrm>
+        </p:spPr>
+        <p:txBody>
+          <a:bodyPr/>
+          <a:lstStyle/>
+          <a:p>
+            <a:r>
+              <a:rPr lang="en-US" sz="4000" dirty="0" smtClean="0"/>
+              <a:t>Algebra for Equivalence</a:t>
+            </a:r>
+            <a:endParaRPr lang="en-US" sz="4000" dirty="0"/>
+          </a:p>
+        </p:txBody>
+      </p:sp>
+      <p:sp>
+        <p:nvSpPr>
           <p:cNvPr id="4" name="Slide Number Placeholder 2"/>
           <p:cNvSpPr>
             <a:spLocks noGrp="1"/>
@@ -17826,7 +18606,519 @@
             <a:fld id="{3251DA95-B240-47FE-901D-B78FC8E8E532}" type="slidenum">
               <a:rPr lang="en-US" smtClean="0"/>
               <a:pPr/>
-              <a:t>39</a:t>
+              <a:t>4</a:t>
+            </a:fld>
+            <a:endParaRPr lang="en-US" dirty="0"/>
+          </a:p>
+        </p:txBody>
+      </p:sp>
+      <p:graphicFrame>
+        <p:nvGraphicFramePr>
+          <p:cNvPr id="6" name="Object 5"/>
+          <p:cNvGraphicFramePr>
+            <a:graphicFrameLocks noChangeAspect="1"/>
+          </p:cNvGraphicFramePr>
+          <p:nvPr>
+            <p:extLst>
+              <p:ext uri="{D42A27DB-BD31-4B8C-83A1-F6EECF244321}">
+                <p14:modId xmlns:p14="http://schemas.microsoft.com/office/powerpoint/2010/main" val="2631726815"/>
+              </p:ext>
+            </p:extLst>
+          </p:nvPr>
+        </p:nvGraphicFramePr>
+        <p:xfrm>
+          <a:off x="5397500" y="4064000"/>
+          <a:ext cx="139700" cy="215900"/>
+        </p:xfrm>
+        <a:graphic>
+          <a:graphicData uri="http://schemas.openxmlformats.org/presentationml/2006/ole">
+            <mc:AlternateContent xmlns:mc="http://schemas.openxmlformats.org/markup-compatibility/2006">
+              <mc:Choice xmlns:v="urn:schemas-microsoft-com:vml" Requires="v">
+                <p:oleObj spid="_x0000_s420018" name="Equation" r:id="rId4" imgW="139700" imgH="215900" progId="Equation.DSMT4">
+                  <p:embed/>
+                </p:oleObj>
+              </mc:Choice>
+              <mc:Fallback>
+                <p:oleObj name="Equation" r:id="rId4" imgW="139700" imgH="215900" progId="Equation.DSMT4">
+                  <p:embed/>
+                  <p:pic>
+                    <p:nvPicPr>
+                      <p:cNvPr id="0" name=""/>
+                      <p:cNvPicPr/>
+                      <p:nvPr/>
+                    </p:nvPicPr>
+                    <p:blipFill>
+                      <a:blip r:embed="rId5"/>
+                      <a:stretch>
+                        <a:fillRect/>
+                      </a:stretch>
+                    </p:blipFill>
+                    <p:spPr>
+                      <a:xfrm>
+                        <a:off x="5397500" y="4064000"/>
+                        <a:ext cx="139700" cy="215900"/>
+                      </a:xfrm>
+                      <a:prstGeom prst="rect">
+                        <a:avLst/>
+                      </a:prstGeom>
+                    </p:spPr>
+                  </p:pic>
+                </p:oleObj>
+              </mc:Fallback>
+            </mc:AlternateContent>
+          </a:graphicData>
+        </a:graphic>
+      </p:graphicFrame>
+      <p:graphicFrame>
+        <p:nvGraphicFramePr>
+          <p:cNvPr id="7" name="Object 6"/>
+          <p:cNvGraphicFramePr>
+            <a:graphicFrameLocks noChangeAspect="1"/>
+          </p:cNvGraphicFramePr>
+          <p:nvPr>
+            <p:extLst>
+              <p:ext uri="{D42A27DB-BD31-4B8C-83A1-F6EECF244321}">
+                <p14:modId xmlns:p14="http://schemas.microsoft.com/office/powerpoint/2010/main" val="2901576364"/>
+              </p:ext>
+            </p:extLst>
+          </p:nvPr>
+        </p:nvGraphicFramePr>
+        <p:xfrm>
+          <a:off x="481013" y="2393950"/>
+          <a:ext cx="7837487" cy="876300"/>
+        </p:xfrm>
+        <a:graphic>
+          <a:graphicData uri="http://schemas.openxmlformats.org/presentationml/2006/ole">
+            <mc:AlternateContent xmlns:mc="http://schemas.openxmlformats.org/markup-compatibility/2006">
+              <mc:Choice xmlns:v="urn:schemas-microsoft-com:vml" Requires="v">
+                <p:oleObj spid="_x0000_s420019" name="Equation" r:id="rId6" imgW="2044700" imgH="228600" progId="Equation.DSMT4">
+                  <p:embed/>
+                </p:oleObj>
+              </mc:Choice>
+              <mc:Fallback>
+                <p:oleObj name="Equation" r:id="rId6" imgW="2044700" imgH="228600" progId="Equation.DSMT4">
+                  <p:embed/>
+                  <p:pic>
+                    <p:nvPicPr>
+                      <p:cNvPr id="0" name=""/>
+                      <p:cNvPicPr/>
+                      <p:nvPr/>
+                    </p:nvPicPr>
+                    <p:blipFill>
+                      <a:blip r:embed="rId7"/>
+                      <a:stretch>
+                        <a:fillRect/>
+                      </a:stretch>
+                    </p:blipFill>
+                    <p:spPr>
+                      <a:xfrm>
+                        <a:off x="481013" y="2393950"/>
+                        <a:ext cx="7837487" cy="876300"/>
+                      </a:xfrm>
+                      <a:prstGeom prst="rect">
+                        <a:avLst/>
+                      </a:prstGeom>
+                    </p:spPr>
+                  </p:pic>
+                </p:oleObj>
+              </mc:Fallback>
+            </mc:AlternateContent>
+          </a:graphicData>
+        </a:graphic>
+      </p:graphicFrame>
+      <p:sp>
+        <p:nvSpPr>
+          <p:cNvPr id="8" name="TextBox 7"/>
+          <p:cNvSpPr txBox="1"/>
+          <p:nvPr/>
+        </p:nvSpPr>
+        <p:spPr>
+          <a:xfrm>
+            <a:off x="495300" y="5377576"/>
+            <a:ext cx="8204200" cy="923330"/>
+          </a:xfrm>
+          <a:prstGeom prst="rect">
+            <a:avLst/>
+          </a:prstGeom>
+          <a:noFill/>
+        </p:spPr>
+        <p:txBody>
+          <a:bodyPr wrap="square" rtlCol="0">
+            <a:spAutoFit/>
+          </a:bodyPr>
+          <a:lstStyle/>
+          <a:p>
+            <a:pPr algn="l"/>
+            <a:r>
+              <a:rPr lang="en-US" sz="5400" dirty="0" smtClean="0">
+                <a:latin typeface="Comic Sans MS" pitchFamily="66" charset="0"/>
+              </a:rPr>
+              <a:t>Just leaves </a:t>
+            </a:r>
+            <a:r>
+              <a:rPr lang="en-US" sz="4400" dirty="0" smtClean="0">
+                <a:solidFill>
+                  <a:srgbClr val="CCCCFF">
+                    <a:lumMod val="50000"/>
+                  </a:srgbClr>
+                </a:solidFill>
+                <a:latin typeface="Comic Sans MS" pitchFamily="66" charset="0"/>
+              </a:rPr>
+              <a:t>AND</a:t>
+            </a:r>
+            <a:r>
+              <a:rPr lang="en-US" sz="4400" dirty="0" smtClean="0">
+                <a:latin typeface="Comic Sans MS" pitchFamily="66" charset="0"/>
+              </a:rPr>
+              <a:t>,</a:t>
+            </a:r>
+            <a:r>
+              <a:rPr lang="en-US" sz="4400" dirty="0" smtClean="0">
+                <a:solidFill>
+                  <a:srgbClr val="CCCCFF">
+                    <a:lumMod val="50000"/>
+                  </a:srgbClr>
+                </a:solidFill>
+                <a:latin typeface="Comic Sans MS" pitchFamily="66" charset="0"/>
+              </a:rPr>
+              <a:t> OR</a:t>
+            </a:r>
+            <a:r>
+              <a:rPr lang="en-US" sz="4400" dirty="0" smtClean="0">
+                <a:solidFill>
+                  <a:srgbClr val="000000"/>
+                </a:solidFill>
+                <a:latin typeface="Comic Sans MS" pitchFamily="66" charset="0"/>
+              </a:rPr>
+              <a:t>,</a:t>
+            </a:r>
+            <a:r>
+              <a:rPr lang="en-US" sz="4400" dirty="0" smtClean="0">
+                <a:solidFill>
+                  <a:srgbClr val="CCCCFF">
+                    <a:lumMod val="50000"/>
+                  </a:srgbClr>
+                </a:solidFill>
+                <a:latin typeface="Comic Sans MS" pitchFamily="66" charset="0"/>
+              </a:rPr>
+              <a:t> NOT</a:t>
+            </a:r>
+            <a:endParaRPr lang="en-US" sz="4400" dirty="0" smtClean="0">
+              <a:latin typeface="Comic Sans MS" pitchFamily="66" charset="0"/>
+            </a:endParaRPr>
+          </a:p>
+        </p:txBody>
+      </p:sp>
+      <p:graphicFrame>
+        <p:nvGraphicFramePr>
+          <p:cNvPr id="10" name="Object 9"/>
+          <p:cNvGraphicFramePr>
+            <a:graphicFrameLocks noChangeAspect="1"/>
+          </p:cNvGraphicFramePr>
+          <p:nvPr>
+            <p:extLst>
+              <p:ext uri="{D42A27DB-BD31-4B8C-83A1-F6EECF244321}">
+                <p14:modId xmlns:p14="http://schemas.microsoft.com/office/powerpoint/2010/main" val="4006639958"/>
+              </p:ext>
+            </p:extLst>
+          </p:nvPr>
+        </p:nvGraphicFramePr>
+        <p:xfrm>
+          <a:off x="515144" y="3238500"/>
+          <a:ext cx="8275637" cy="1752600"/>
+        </p:xfrm>
+        <a:graphic>
+          <a:graphicData uri="http://schemas.openxmlformats.org/presentationml/2006/ole">
+            <mc:AlternateContent xmlns:mc="http://schemas.openxmlformats.org/markup-compatibility/2006">
+              <mc:Choice xmlns:v="urn:schemas-microsoft-com:vml" Requires="v">
+                <p:oleObj spid="_x0000_s420020" name="Equation" r:id="rId8" imgW="2159000" imgH="457200" progId="Equation.DSMT4">
+                  <p:embed/>
+                </p:oleObj>
+              </mc:Choice>
+              <mc:Fallback>
+                <p:oleObj name="Equation" r:id="rId8" imgW="2159000" imgH="457200" progId="Equation.DSMT4">
+                  <p:embed/>
+                  <p:pic>
+                    <p:nvPicPr>
+                      <p:cNvPr id="0" name=""/>
+                      <p:cNvPicPr/>
+                      <p:nvPr/>
+                    </p:nvPicPr>
+                    <p:blipFill>
+                      <a:blip r:embed="rId9"/>
+                      <a:stretch>
+                        <a:fillRect/>
+                      </a:stretch>
+                    </p:blipFill>
+                    <p:spPr>
+                      <a:xfrm>
+                        <a:off x="515144" y="3238500"/>
+                        <a:ext cx="8275637" cy="1752600"/>
+                      </a:xfrm>
+                      <a:prstGeom prst="rect">
+                        <a:avLst/>
+                      </a:prstGeom>
+                    </p:spPr>
+                  </p:pic>
+                </p:oleObj>
+              </mc:Fallback>
+            </mc:AlternateContent>
+          </a:graphicData>
+        </a:graphic>
+      </p:graphicFrame>
+    </p:spTree>
+    <p:extLst>
+      <p:ext uri="{BB962C8B-B14F-4D97-AF65-F5344CB8AC3E}">
+        <p14:creationId xmlns:p14="http://schemas.microsoft.com/office/powerpoint/2010/main" val="427619550"/>
+      </p:ext>
+    </p:extLst>
+  </p:cSld>
+  <p:clrMapOvr>
+    <a:masterClrMapping/>
+  </p:clrMapOvr>
+  <p:transition xmlns:p14="http://schemas.microsoft.com/office/powerpoint/2010/main" spd="slow" advClick="0">
+    <p:fade/>
+  </p:transition>
+  <p:timing>
+    <p:tnLst>
+      <p:par>
+        <p:cTn xmlns:p14="http://schemas.microsoft.com/office/powerpoint/2010/main" id="1" dur="indefinite" restart="never" nodeType="tmRoot">
+          <p:childTnLst>
+            <p:seq concurrent="1" nextAc="seek">
+              <p:cTn id="2" dur="indefinite" nodeType="mainSeq">
+                <p:childTnLst>
+                  <p:par>
+                    <p:cTn id="3" fill="hold">
+                      <p:stCondLst>
+                        <p:cond delay="indefinite"/>
+                      </p:stCondLst>
+                      <p:childTnLst>
+                        <p:par>
+                          <p:cTn id="4" fill="hold">
+                            <p:stCondLst>
+                              <p:cond delay="0"/>
+                            </p:stCondLst>
+                            <p:childTnLst>
+                              <p:par>
+                                <p:cTn id="5" presetID="22" presetClass="entr" presetSubtype="8" fill="hold" nodeType="clickEffect">
+                                  <p:stCondLst>
+                                    <p:cond delay="0"/>
+                                  </p:stCondLst>
+                                  <p:childTnLst>
+                                    <p:set>
+                                      <p:cBhvr>
+                                        <p:cTn id="6" dur="1" fill="hold">
+                                          <p:stCondLst>
+                                            <p:cond delay="0"/>
+                                          </p:stCondLst>
+                                        </p:cTn>
+                                        <p:tgtEl>
+                                          <p:spTgt spid="7"/>
+                                        </p:tgtEl>
+                                        <p:attrNameLst>
+                                          <p:attrName>style.visibility</p:attrName>
+                                        </p:attrNameLst>
+                                      </p:cBhvr>
+                                      <p:to>
+                                        <p:strVal val="visible"/>
+                                      </p:to>
+                                    </p:set>
+                                    <p:animEffect transition="in" filter="wipe(left)">
+                                      <p:cBhvr>
+                                        <p:cTn id="7" dur="1000"/>
+                                        <p:tgtEl>
+                                          <p:spTgt spid="7"/>
+                                        </p:tgtEl>
+                                      </p:cBhvr>
+                                    </p:animEffect>
+                                  </p:childTnLst>
+                                </p:cTn>
+                              </p:par>
+                            </p:childTnLst>
+                          </p:cTn>
+                        </p:par>
+                      </p:childTnLst>
+                    </p:cTn>
+                  </p:par>
+                  <p:par>
+                    <p:cTn id="8" fill="hold">
+                      <p:stCondLst>
+                        <p:cond delay="indefinite"/>
+                      </p:stCondLst>
+                      <p:childTnLst>
+                        <p:par>
+                          <p:cTn id="9" fill="hold">
+                            <p:stCondLst>
+                              <p:cond delay="0"/>
+                            </p:stCondLst>
+                            <p:childTnLst>
+                              <p:par>
+                                <p:cTn id="10" presetID="22" presetClass="entr" presetSubtype="8" fill="hold" nodeType="clickEffect">
+                                  <p:stCondLst>
+                                    <p:cond delay="0"/>
+                                  </p:stCondLst>
+                                  <p:childTnLst>
+                                    <p:set>
+                                      <p:cBhvr>
+                                        <p:cTn id="11" dur="1" fill="hold">
+                                          <p:stCondLst>
+                                            <p:cond delay="0"/>
+                                          </p:stCondLst>
+                                        </p:cTn>
+                                        <p:tgtEl>
+                                          <p:spTgt spid="10"/>
+                                        </p:tgtEl>
+                                        <p:attrNameLst>
+                                          <p:attrName>style.visibility</p:attrName>
+                                        </p:attrNameLst>
+                                      </p:cBhvr>
+                                      <p:to>
+                                        <p:strVal val="visible"/>
+                                      </p:to>
+                                    </p:set>
+                                    <p:animEffect transition="in" filter="wipe(left)">
+                                      <p:cBhvr>
+                                        <p:cTn id="12" dur="1000"/>
+                                        <p:tgtEl>
+                                          <p:spTgt spid="10"/>
+                                        </p:tgtEl>
+                                      </p:cBhvr>
+                                    </p:animEffect>
+                                  </p:childTnLst>
+                                </p:cTn>
+                              </p:par>
+                            </p:childTnLst>
+                          </p:cTn>
+                        </p:par>
+                      </p:childTnLst>
+                    </p:cTn>
+                  </p:par>
+                  <p:par>
+                    <p:cTn id="13" fill="hold">
+                      <p:stCondLst>
+                        <p:cond delay="indefinite"/>
+                      </p:stCondLst>
+                      <p:childTnLst>
+                        <p:par>
+                          <p:cTn id="14" fill="hold">
+                            <p:stCondLst>
+                              <p:cond delay="0"/>
+                            </p:stCondLst>
+                            <p:childTnLst>
+                              <p:par>
+                                <p:cTn id="15" presetID="10" presetClass="entr" presetSubtype="0" fill="hold" grpId="0" nodeType="clickEffect">
+                                  <p:stCondLst>
+                                    <p:cond delay="0"/>
+                                  </p:stCondLst>
+                                  <p:childTnLst>
+                                    <p:set>
+                                      <p:cBhvr>
+                                        <p:cTn id="16" dur="1" fill="hold">
+                                          <p:stCondLst>
+                                            <p:cond delay="0"/>
+                                          </p:stCondLst>
+                                        </p:cTn>
+                                        <p:tgtEl>
+                                          <p:spTgt spid="8"/>
+                                        </p:tgtEl>
+                                        <p:attrNameLst>
+                                          <p:attrName>style.visibility</p:attrName>
+                                        </p:attrNameLst>
+                                      </p:cBhvr>
+                                      <p:to>
+                                        <p:strVal val="visible"/>
+                                      </p:to>
+                                    </p:set>
+                                    <p:animEffect transition="in" filter="fade">
+                                      <p:cBhvr>
+                                        <p:cTn id="17" dur="1000"/>
+                                        <p:tgtEl>
+                                          <p:spTgt spid="8"/>
+                                        </p:tgtEl>
+                                      </p:cBhvr>
+                                    </p:animEffect>
+                                  </p:childTnLst>
+                                </p:cTn>
+                              </p:par>
+                            </p:childTnLst>
+                          </p:cTn>
+                        </p:par>
+                      </p:childTnLst>
+                    </p:cTn>
+                  </p:par>
+                </p:childTnLst>
+              </p:cTn>
+              <p:prevCondLst>
+                <p:cond evt="onPrev" delay="0">
+                  <p:tgtEl>
+                    <p:sldTgt/>
+                  </p:tgtEl>
+                </p:cond>
+              </p:prevCondLst>
+              <p:nextCondLst>
+                <p:cond evt="onNext" delay="0">
+                  <p:tgtEl>
+                    <p:sldTgt/>
+                  </p:tgtEl>
+                </p:cond>
+              </p:nextCondLst>
+            </p:seq>
+          </p:childTnLst>
+        </p:cTn>
+      </p:par>
+    </p:tnLst>
+    <p:bldLst>
+      <p:bldP spid="8" grpId="0"/>
+    </p:bldLst>
+  </p:timing>
+</p:sld>
+</file>
+
+<file path=ppt/slides/slide40.xml><?xml version="1.0" encoding="utf-8"?>
+<p:sld xmlns:a="http://schemas.openxmlformats.org/drawingml/2006/main" xmlns:r="http://schemas.openxmlformats.org/officeDocument/2006/relationships" xmlns:p="http://schemas.openxmlformats.org/presentationml/2006/main">
+  <p:cSld>
+    <p:spTree>
+      <p:nvGrpSpPr>
+        <p:cNvPr id="1" name=""/>
+        <p:cNvGrpSpPr/>
+        <p:nvPr/>
+      </p:nvGrpSpPr>
+      <p:grpSpPr>
+        <a:xfrm>
+          <a:off x="0" y="0"/>
+          <a:ext cx="0" cy="0"/>
+          <a:chOff x="0" y="0"/>
+          <a:chExt cx="0" cy="0"/>
+        </a:xfrm>
+      </p:grpSpPr>
+      <p:sp>
+        <p:nvSpPr>
+          <p:cNvPr id="4" name="Slide Number Placeholder 2"/>
+          <p:cNvSpPr>
+            <a:spLocks noGrp="1"/>
+          </p:cNvSpPr>
+          <p:nvPr>
+            <p:ph type="sldNum" sz="quarter" idx="10"/>
+          </p:nvPr>
+        </p:nvSpPr>
+        <p:spPr>
+          <a:xfrm>
+            <a:off x="7333815" y="6553200"/>
+            <a:ext cx="1810186" cy="276999"/>
+          </a:xfrm>
+        </p:spPr>
+        <p:txBody>
+          <a:bodyPr/>
+          <a:lstStyle/>
+          <a:p>
+            <a:r>
+              <a:rPr lang="en-US" dirty="0" smtClean="0"/>
+              <a:t>propositional algebra.</a:t>
+            </a:r>
+            <a:fld id="{3251DA95-B240-47FE-901D-B78FC8E8E532}" type="slidenum">
+              <a:rPr lang="en-US" smtClean="0"/>
+              <a:pPr/>
+              <a:t>40</a:t>
             </a:fld>
             <a:endParaRPr lang="en-US" dirty="0"/>
           </a:p>
@@ -17972,7 +19264,7 @@
           <a:graphicData uri="http://schemas.openxmlformats.org/presentationml/2006/ole">
             <mc:AlternateContent xmlns:mc="http://schemas.openxmlformats.org/markup-compatibility/2006">
               <mc:Choice xmlns:v="urn:schemas-microsoft-com:vml" Requires="v">
-                <p:oleObj spid="_x0000_s525363" name="Equation" r:id="rId4" imgW="1333500" imgH="482600" progId="Equation.DSMT4">
+                <p:oleObj spid="_x0000_s525373" name="Equation" r:id="rId4" imgW="1333500" imgH="482600" progId="Equation.DSMT4">
                   <p:embed/>
                 </p:oleObj>
               </mc:Choice>
@@ -18064,7 +19356,7 @@
           <a:graphicData uri="http://schemas.openxmlformats.org/presentationml/2006/ole">
             <mc:AlternateContent xmlns:mc="http://schemas.openxmlformats.org/markup-compatibility/2006">
               <mc:Choice xmlns:v="urn:schemas-microsoft-com:vml" Requires="v">
-                <p:oleObj spid="_x0000_s525364" name="Equation" r:id="rId6" imgW="1333500" imgH="482600" progId="Equation.DSMT4">
+                <p:oleObj spid="_x0000_s525374" name="Equation" r:id="rId6" imgW="1333500" imgH="482600" progId="Equation.DSMT4">
                   <p:embed/>
                 </p:oleObj>
               </mc:Choice>
@@ -18121,7 +19413,7 @@
           <a:graphicData uri="http://schemas.openxmlformats.org/presentationml/2006/ole">
             <mc:AlternateContent xmlns:mc="http://schemas.openxmlformats.org/markup-compatibility/2006">
               <mc:Choice xmlns:v="urn:schemas-microsoft-com:vml" Requires="v">
-                <p:oleObj spid="_x0000_s525365" name="Equation" r:id="rId8" imgW="1333500" imgH="482600" progId="Equation.DSMT4">
+                <p:oleObj spid="_x0000_s525375" name="Equation" r:id="rId8" imgW="1333500" imgH="482600" progId="Equation.DSMT4">
                   <p:embed/>
                 </p:oleObj>
               </mc:Choice>
@@ -18324,6 +19616,9 @@
                     <p:cTn id="3" fill="hold">
                       <p:stCondLst>
                         <p:cond delay="indefinite"/>
+                        <p:cond evt="onBegin" delay="0">
+                          <p:tn val="2"/>
+                        </p:cond>
                       </p:stCondLst>
                       <p:childTnLst>
                         <p:par>
@@ -18333,7 +19628,7 @@
                             </p:stCondLst>
                             <p:childTnLst>
                               <p:par>
-                                <p:cTn id="5" presetID="10" presetClass="entr" presetSubtype="0" fill="hold" nodeType="clickEffect">
+                                <p:cTn id="5" presetID="10" presetClass="entr" presetSubtype="0" fill="hold" nodeType="afterEffect">
                                   <p:stCondLst>
                                     <p:cond delay="0"/>
                                   </p:stCondLst>
@@ -18684,7 +19979,7 @@
 </p:sld>
 </file>
 
-<file path=ppt/slides/slide4.xml><?xml version="1.0" encoding="utf-8"?>
+<file path=ppt/slides/slide41.xml><?xml version="1.0" encoding="utf-8"?>
 <p:sld xmlns:a="http://schemas.openxmlformats.org/drawingml/2006/main" xmlns:r="http://schemas.openxmlformats.org/officeDocument/2006/relationships" xmlns:p="http://schemas.openxmlformats.org/presentationml/2006/main">
   <p:cSld>
     <p:spTree>
@@ -18703,117 +19998,6 @@
       </p:grpSpPr>
       <p:sp>
         <p:nvSpPr>
-          <p:cNvPr id="5" name="TextBox 4"/>
-          <p:cNvSpPr txBox="1"/>
-          <p:nvPr/>
-        </p:nvSpPr>
-        <p:spPr>
-          <a:xfrm>
-            <a:off x="455613" y="1270000"/>
-            <a:ext cx="8267700" cy="939800"/>
-          </a:xfrm>
-          <a:prstGeom prst="rect">
-            <a:avLst/>
-          </a:prstGeom>
-          <a:noFill/>
-        </p:spPr>
-        <p:txBody>
-          <a:bodyPr wrap="square" rtlCol="0">
-            <a:spAutoFit/>
-          </a:bodyPr>
-          <a:lstStyle/>
-          <a:p>
-            <a:pPr algn="l"/>
-            <a:r>
-              <a:rPr lang="en-US" sz="5400" dirty="0" smtClean="0">
-                <a:solidFill>
-                  <a:schemeClr val="accent1">
-                    <a:lumMod val="50000"/>
-                  </a:schemeClr>
-                </a:solidFill>
-                <a:latin typeface="Comic Sans MS" pitchFamily="66" charset="0"/>
-              </a:rPr>
-              <a:t>Rules for </a:t>
-            </a:r>
-            <a:r>
-              <a:rPr lang="en-US" sz="4000" dirty="0" smtClean="0">
-                <a:solidFill>
-                  <a:srgbClr val="FF03E3"/>
-                </a:solidFill>
-                <a:latin typeface="Comic Sans MS" pitchFamily="66" charset="0"/>
-              </a:rPr>
-              <a:t>XOR</a:t>
-            </a:r>
-            <a:r>
-              <a:rPr lang="en-US" sz="5400" dirty="0">
-                <a:solidFill>
-                  <a:schemeClr val="accent1">
-                    <a:lumMod val="50000"/>
-                  </a:schemeClr>
-                </a:solidFill>
-                <a:latin typeface="Comic Sans MS" pitchFamily="66" charset="0"/>
-              </a:rPr>
-              <a:t>,</a:t>
-            </a:r>
-            <a:r>
-              <a:rPr lang="en-US" sz="5400" dirty="0" smtClean="0">
-                <a:solidFill>
-                  <a:schemeClr val="accent1">
-                    <a:lumMod val="50000"/>
-                  </a:schemeClr>
-                </a:solidFill>
-                <a:latin typeface="Comic Sans MS" pitchFamily="66" charset="0"/>
-              </a:rPr>
-              <a:t> </a:t>
-            </a:r>
-            <a:r>
-              <a:rPr lang="en-US" sz="4000" dirty="0" smtClean="0">
-                <a:solidFill>
-                  <a:srgbClr val="FF03E3"/>
-                </a:solidFill>
-                <a:latin typeface="Comic Sans MS" pitchFamily="66" charset="0"/>
-              </a:rPr>
-              <a:t>IMPLIES</a:t>
-            </a:r>
-            <a:endParaRPr lang="en-US" sz="4000" dirty="0">
-              <a:solidFill>
-                <a:srgbClr val="FF03E3"/>
-              </a:solidFill>
-              <a:latin typeface="Comic Sans MS" pitchFamily="66" charset="0"/>
-            </a:endParaRPr>
-          </a:p>
-        </p:txBody>
-      </p:sp>
-      <p:sp>
-        <p:nvSpPr>
-          <p:cNvPr id="9" name="Title 1"/>
-          <p:cNvSpPr>
-            <a:spLocks noGrp="1"/>
-          </p:cNvSpPr>
-          <p:nvPr>
-            <p:ph type="title"/>
-          </p:nvPr>
-        </p:nvSpPr>
-        <p:spPr>
-          <a:xfrm>
-            <a:off x="1651000" y="363538"/>
-            <a:ext cx="6794500" cy="1003300"/>
-          </a:xfrm>
-        </p:spPr>
-        <p:txBody>
-          <a:bodyPr/>
-          <a:lstStyle/>
-          <a:p>
-            <a:r>
-              <a:rPr lang="en-US" sz="4000" dirty="0" smtClean="0"/>
-              <a:t>Algebra for Equivalence</a:t>
-            </a:r>
-            <a:endParaRPr lang="en-US" sz="4000" dirty="0"/>
-          </a:p>
-        </p:txBody>
-      </p:sp>
-      <p:sp>
-        <p:nvSpPr>
           <p:cNvPr id="4" name="Slide Number Placeholder 2"/>
           <p:cNvSpPr>
             <a:spLocks noGrp="1"/>
@@ -18839,519 +20023,7 @@
             <a:fld id="{3251DA95-B240-47FE-901D-B78FC8E8E532}" type="slidenum">
               <a:rPr lang="en-US" smtClean="0"/>
               <a:pPr/>
-              <a:t>4</a:t>
-            </a:fld>
-            <a:endParaRPr lang="en-US" dirty="0"/>
-          </a:p>
-        </p:txBody>
-      </p:sp>
-      <p:graphicFrame>
-        <p:nvGraphicFramePr>
-          <p:cNvPr id="6" name="Object 5"/>
-          <p:cNvGraphicFramePr>
-            <a:graphicFrameLocks noChangeAspect="1"/>
-          </p:cNvGraphicFramePr>
-          <p:nvPr>
-            <p:extLst>
-              <p:ext uri="{D42A27DB-BD31-4B8C-83A1-F6EECF244321}">
-                <p14:modId xmlns:p14="http://schemas.microsoft.com/office/powerpoint/2010/main" val="2631726815"/>
-              </p:ext>
-            </p:extLst>
-          </p:nvPr>
-        </p:nvGraphicFramePr>
-        <p:xfrm>
-          <a:off x="5397500" y="4064000"/>
-          <a:ext cx="139700" cy="215900"/>
-        </p:xfrm>
-        <a:graphic>
-          <a:graphicData uri="http://schemas.openxmlformats.org/presentationml/2006/ole">
-            <mc:AlternateContent xmlns:mc="http://schemas.openxmlformats.org/markup-compatibility/2006">
-              <mc:Choice xmlns:v="urn:schemas-microsoft-com:vml" Requires="v">
-                <p:oleObj spid="_x0000_s420008" name="Equation" r:id="rId4" imgW="139700" imgH="215900" progId="Equation.DSMT4">
-                  <p:embed/>
-                </p:oleObj>
-              </mc:Choice>
-              <mc:Fallback>
-                <p:oleObj name="Equation" r:id="rId4" imgW="139700" imgH="215900" progId="Equation.DSMT4">
-                  <p:embed/>
-                  <p:pic>
-                    <p:nvPicPr>
-                      <p:cNvPr id="0" name=""/>
-                      <p:cNvPicPr/>
-                      <p:nvPr/>
-                    </p:nvPicPr>
-                    <p:blipFill>
-                      <a:blip r:embed="rId5"/>
-                      <a:stretch>
-                        <a:fillRect/>
-                      </a:stretch>
-                    </p:blipFill>
-                    <p:spPr>
-                      <a:xfrm>
-                        <a:off x="5397500" y="4064000"/>
-                        <a:ext cx="139700" cy="215900"/>
-                      </a:xfrm>
-                      <a:prstGeom prst="rect">
-                        <a:avLst/>
-                      </a:prstGeom>
-                    </p:spPr>
-                  </p:pic>
-                </p:oleObj>
-              </mc:Fallback>
-            </mc:AlternateContent>
-          </a:graphicData>
-        </a:graphic>
-      </p:graphicFrame>
-      <p:graphicFrame>
-        <p:nvGraphicFramePr>
-          <p:cNvPr id="7" name="Object 6"/>
-          <p:cNvGraphicFramePr>
-            <a:graphicFrameLocks noChangeAspect="1"/>
-          </p:cNvGraphicFramePr>
-          <p:nvPr>
-            <p:extLst>
-              <p:ext uri="{D42A27DB-BD31-4B8C-83A1-F6EECF244321}">
-                <p14:modId xmlns:p14="http://schemas.microsoft.com/office/powerpoint/2010/main" val="2901576364"/>
-              </p:ext>
-            </p:extLst>
-          </p:nvPr>
-        </p:nvGraphicFramePr>
-        <p:xfrm>
-          <a:off x="481013" y="2393950"/>
-          <a:ext cx="7837487" cy="876300"/>
-        </p:xfrm>
-        <a:graphic>
-          <a:graphicData uri="http://schemas.openxmlformats.org/presentationml/2006/ole">
-            <mc:AlternateContent xmlns:mc="http://schemas.openxmlformats.org/markup-compatibility/2006">
-              <mc:Choice xmlns:v="urn:schemas-microsoft-com:vml" Requires="v">
-                <p:oleObj spid="_x0000_s420009" name="Equation" r:id="rId6" imgW="2044700" imgH="228600" progId="Equation.DSMT4">
-                  <p:embed/>
-                </p:oleObj>
-              </mc:Choice>
-              <mc:Fallback>
-                <p:oleObj name="Equation" r:id="rId6" imgW="2044700" imgH="228600" progId="Equation.DSMT4">
-                  <p:embed/>
-                  <p:pic>
-                    <p:nvPicPr>
-                      <p:cNvPr id="0" name=""/>
-                      <p:cNvPicPr/>
-                      <p:nvPr/>
-                    </p:nvPicPr>
-                    <p:blipFill>
-                      <a:blip r:embed="rId7"/>
-                      <a:stretch>
-                        <a:fillRect/>
-                      </a:stretch>
-                    </p:blipFill>
-                    <p:spPr>
-                      <a:xfrm>
-                        <a:off x="481013" y="2393950"/>
-                        <a:ext cx="7837487" cy="876300"/>
-                      </a:xfrm>
-                      <a:prstGeom prst="rect">
-                        <a:avLst/>
-                      </a:prstGeom>
-                    </p:spPr>
-                  </p:pic>
-                </p:oleObj>
-              </mc:Fallback>
-            </mc:AlternateContent>
-          </a:graphicData>
-        </a:graphic>
-      </p:graphicFrame>
-      <p:sp>
-        <p:nvSpPr>
-          <p:cNvPr id="8" name="TextBox 7"/>
-          <p:cNvSpPr txBox="1"/>
-          <p:nvPr/>
-        </p:nvSpPr>
-        <p:spPr>
-          <a:xfrm>
-            <a:off x="495300" y="5377576"/>
-            <a:ext cx="8204200" cy="923330"/>
-          </a:xfrm>
-          <a:prstGeom prst="rect">
-            <a:avLst/>
-          </a:prstGeom>
-          <a:noFill/>
-        </p:spPr>
-        <p:txBody>
-          <a:bodyPr wrap="square" rtlCol="0">
-            <a:spAutoFit/>
-          </a:bodyPr>
-          <a:lstStyle/>
-          <a:p>
-            <a:pPr algn="l"/>
-            <a:r>
-              <a:rPr lang="en-US" sz="5400" dirty="0" smtClean="0">
-                <a:latin typeface="Comic Sans MS" pitchFamily="66" charset="0"/>
-              </a:rPr>
-              <a:t>Just leaves </a:t>
-            </a:r>
-            <a:r>
-              <a:rPr lang="en-US" sz="4400" dirty="0" smtClean="0">
-                <a:solidFill>
-                  <a:srgbClr val="CCCCFF">
-                    <a:lumMod val="50000"/>
-                  </a:srgbClr>
-                </a:solidFill>
-                <a:latin typeface="Comic Sans MS" pitchFamily="66" charset="0"/>
-              </a:rPr>
-              <a:t>AND</a:t>
-            </a:r>
-            <a:r>
-              <a:rPr lang="en-US" sz="4400" dirty="0" smtClean="0">
-                <a:latin typeface="Comic Sans MS" pitchFamily="66" charset="0"/>
-              </a:rPr>
-              <a:t>,</a:t>
-            </a:r>
-            <a:r>
-              <a:rPr lang="en-US" sz="4400" dirty="0" smtClean="0">
-                <a:solidFill>
-                  <a:srgbClr val="CCCCFF">
-                    <a:lumMod val="50000"/>
-                  </a:srgbClr>
-                </a:solidFill>
-                <a:latin typeface="Comic Sans MS" pitchFamily="66" charset="0"/>
-              </a:rPr>
-              <a:t> OR</a:t>
-            </a:r>
-            <a:r>
-              <a:rPr lang="en-US" sz="4400" dirty="0" smtClean="0">
-                <a:solidFill>
-                  <a:srgbClr val="000000"/>
-                </a:solidFill>
-                <a:latin typeface="Comic Sans MS" pitchFamily="66" charset="0"/>
-              </a:rPr>
-              <a:t>,</a:t>
-            </a:r>
-            <a:r>
-              <a:rPr lang="en-US" sz="4400" dirty="0" smtClean="0">
-                <a:solidFill>
-                  <a:srgbClr val="CCCCFF">
-                    <a:lumMod val="50000"/>
-                  </a:srgbClr>
-                </a:solidFill>
-                <a:latin typeface="Comic Sans MS" pitchFamily="66" charset="0"/>
-              </a:rPr>
-              <a:t> NOT</a:t>
-            </a:r>
-            <a:endParaRPr lang="en-US" sz="4400" dirty="0" smtClean="0">
-              <a:latin typeface="Comic Sans MS" pitchFamily="66" charset="0"/>
-            </a:endParaRPr>
-          </a:p>
-        </p:txBody>
-      </p:sp>
-      <p:graphicFrame>
-        <p:nvGraphicFramePr>
-          <p:cNvPr id="10" name="Object 9"/>
-          <p:cNvGraphicFramePr>
-            <a:graphicFrameLocks noChangeAspect="1"/>
-          </p:cNvGraphicFramePr>
-          <p:nvPr>
-            <p:extLst>
-              <p:ext uri="{D42A27DB-BD31-4B8C-83A1-F6EECF244321}">
-                <p14:modId xmlns:p14="http://schemas.microsoft.com/office/powerpoint/2010/main" val="4006639958"/>
-              </p:ext>
-            </p:extLst>
-          </p:nvPr>
-        </p:nvGraphicFramePr>
-        <p:xfrm>
-          <a:off x="515144" y="3238500"/>
-          <a:ext cx="8275637" cy="1752600"/>
-        </p:xfrm>
-        <a:graphic>
-          <a:graphicData uri="http://schemas.openxmlformats.org/presentationml/2006/ole">
-            <mc:AlternateContent xmlns:mc="http://schemas.openxmlformats.org/markup-compatibility/2006">
-              <mc:Choice xmlns:v="urn:schemas-microsoft-com:vml" Requires="v">
-                <p:oleObj spid="_x0000_s420010" name="Equation" r:id="rId8" imgW="2159000" imgH="457200" progId="Equation.DSMT4">
-                  <p:embed/>
-                </p:oleObj>
-              </mc:Choice>
-              <mc:Fallback>
-                <p:oleObj name="Equation" r:id="rId8" imgW="2159000" imgH="457200" progId="Equation.DSMT4">
-                  <p:embed/>
-                  <p:pic>
-                    <p:nvPicPr>
-                      <p:cNvPr id="0" name=""/>
-                      <p:cNvPicPr/>
-                      <p:nvPr/>
-                    </p:nvPicPr>
-                    <p:blipFill>
-                      <a:blip r:embed="rId9"/>
-                      <a:stretch>
-                        <a:fillRect/>
-                      </a:stretch>
-                    </p:blipFill>
-                    <p:spPr>
-                      <a:xfrm>
-                        <a:off x="515144" y="3238500"/>
-                        <a:ext cx="8275637" cy="1752600"/>
-                      </a:xfrm>
-                      <a:prstGeom prst="rect">
-                        <a:avLst/>
-                      </a:prstGeom>
-                    </p:spPr>
-                  </p:pic>
-                </p:oleObj>
-              </mc:Fallback>
-            </mc:AlternateContent>
-          </a:graphicData>
-        </a:graphic>
-      </p:graphicFrame>
-    </p:spTree>
-    <p:extLst>
-      <p:ext uri="{BB962C8B-B14F-4D97-AF65-F5344CB8AC3E}">
-        <p14:creationId xmlns:p14="http://schemas.microsoft.com/office/powerpoint/2010/main" val="427619550"/>
-      </p:ext>
-    </p:extLst>
-  </p:cSld>
-  <p:clrMapOvr>
-    <a:masterClrMapping/>
-  </p:clrMapOvr>
-  <p:transition xmlns:p14="http://schemas.microsoft.com/office/powerpoint/2010/main" spd="slow" advClick="0">
-    <p:fade/>
-  </p:transition>
-  <p:timing>
-    <p:tnLst>
-      <p:par>
-        <p:cTn xmlns:p14="http://schemas.microsoft.com/office/powerpoint/2010/main" id="1" dur="indefinite" restart="never" nodeType="tmRoot">
-          <p:childTnLst>
-            <p:seq concurrent="1" nextAc="seek">
-              <p:cTn id="2" dur="indefinite" nodeType="mainSeq">
-                <p:childTnLst>
-                  <p:par>
-                    <p:cTn id="3" fill="hold">
-                      <p:stCondLst>
-                        <p:cond delay="indefinite"/>
-                      </p:stCondLst>
-                      <p:childTnLst>
-                        <p:par>
-                          <p:cTn id="4" fill="hold">
-                            <p:stCondLst>
-                              <p:cond delay="0"/>
-                            </p:stCondLst>
-                            <p:childTnLst>
-                              <p:par>
-                                <p:cTn id="5" presetID="22" presetClass="entr" presetSubtype="8" fill="hold" nodeType="clickEffect">
-                                  <p:stCondLst>
-                                    <p:cond delay="0"/>
-                                  </p:stCondLst>
-                                  <p:childTnLst>
-                                    <p:set>
-                                      <p:cBhvr>
-                                        <p:cTn id="6" dur="1" fill="hold">
-                                          <p:stCondLst>
-                                            <p:cond delay="0"/>
-                                          </p:stCondLst>
-                                        </p:cTn>
-                                        <p:tgtEl>
-                                          <p:spTgt spid="7"/>
-                                        </p:tgtEl>
-                                        <p:attrNameLst>
-                                          <p:attrName>style.visibility</p:attrName>
-                                        </p:attrNameLst>
-                                      </p:cBhvr>
-                                      <p:to>
-                                        <p:strVal val="visible"/>
-                                      </p:to>
-                                    </p:set>
-                                    <p:animEffect transition="in" filter="wipe(left)">
-                                      <p:cBhvr>
-                                        <p:cTn id="7" dur="1000"/>
-                                        <p:tgtEl>
-                                          <p:spTgt spid="7"/>
-                                        </p:tgtEl>
-                                      </p:cBhvr>
-                                    </p:animEffect>
-                                  </p:childTnLst>
-                                </p:cTn>
-                              </p:par>
-                            </p:childTnLst>
-                          </p:cTn>
-                        </p:par>
-                      </p:childTnLst>
-                    </p:cTn>
-                  </p:par>
-                  <p:par>
-                    <p:cTn id="8" fill="hold">
-                      <p:stCondLst>
-                        <p:cond delay="indefinite"/>
-                      </p:stCondLst>
-                      <p:childTnLst>
-                        <p:par>
-                          <p:cTn id="9" fill="hold">
-                            <p:stCondLst>
-                              <p:cond delay="0"/>
-                            </p:stCondLst>
-                            <p:childTnLst>
-                              <p:par>
-                                <p:cTn id="10" presetID="22" presetClass="entr" presetSubtype="8" fill="hold" nodeType="clickEffect">
-                                  <p:stCondLst>
-                                    <p:cond delay="0"/>
-                                  </p:stCondLst>
-                                  <p:childTnLst>
-                                    <p:set>
-                                      <p:cBhvr>
-                                        <p:cTn id="11" dur="1" fill="hold">
-                                          <p:stCondLst>
-                                            <p:cond delay="0"/>
-                                          </p:stCondLst>
-                                        </p:cTn>
-                                        <p:tgtEl>
-                                          <p:spTgt spid="10"/>
-                                        </p:tgtEl>
-                                        <p:attrNameLst>
-                                          <p:attrName>style.visibility</p:attrName>
-                                        </p:attrNameLst>
-                                      </p:cBhvr>
-                                      <p:to>
-                                        <p:strVal val="visible"/>
-                                      </p:to>
-                                    </p:set>
-                                    <p:animEffect transition="in" filter="wipe(left)">
-                                      <p:cBhvr>
-                                        <p:cTn id="12" dur="1000"/>
-                                        <p:tgtEl>
-                                          <p:spTgt spid="10"/>
-                                        </p:tgtEl>
-                                      </p:cBhvr>
-                                    </p:animEffect>
-                                  </p:childTnLst>
-                                </p:cTn>
-                              </p:par>
-                            </p:childTnLst>
-                          </p:cTn>
-                        </p:par>
-                      </p:childTnLst>
-                    </p:cTn>
-                  </p:par>
-                  <p:par>
-                    <p:cTn id="13" fill="hold">
-                      <p:stCondLst>
-                        <p:cond delay="indefinite"/>
-                      </p:stCondLst>
-                      <p:childTnLst>
-                        <p:par>
-                          <p:cTn id="14" fill="hold">
-                            <p:stCondLst>
-                              <p:cond delay="0"/>
-                            </p:stCondLst>
-                            <p:childTnLst>
-                              <p:par>
-                                <p:cTn id="15" presetID="10" presetClass="entr" presetSubtype="0" fill="hold" grpId="0" nodeType="clickEffect">
-                                  <p:stCondLst>
-                                    <p:cond delay="0"/>
-                                  </p:stCondLst>
-                                  <p:childTnLst>
-                                    <p:set>
-                                      <p:cBhvr>
-                                        <p:cTn id="16" dur="1" fill="hold">
-                                          <p:stCondLst>
-                                            <p:cond delay="0"/>
-                                          </p:stCondLst>
-                                        </p:cTn>
-                                        <p:tgtEl>
-                                          <p:spTgt spid="8"/>
-                                        </p:tgtEl>
-                                        <p:attrNameLst>
-                                          <p:attrName>style.visibility</p:attrName>
-                                        </p:attrNameLst>
-                                      </p:cBhvr>
-                                      <p:to>
-                                        <p:strVal val="visible"/>
-                                      </p:to>
-                                    </p:set>
-                                    <p:animEffect transition="in" filter="fade">
-                                      <p:cBhvr>
-                                        <p:cTn id="17" dur="1000"/>
-                                        <p:tgtEl>
-                                          <p:spTgt spid="8"/>
-                                        </p:tgtEl>
-                                      </p:cBhvr>
-                                    </p:animEffect>
-                                  </p:childTnLst>
-                                </p:cTn>
-                              </p:par>
-                            </p:childTnLst>
-                          </p:cTn>
-                        </p:par>
-                      </p:childTnLst>
-                    </p:cTn>
-                  </p:par>
-                </p:childTnLst>
-              </p:cTn>
-              <p:prevCondLst>
-                <p:cond evt="onPrev" delay="0">
-                  <p:tgtEl>
-                    <p:sldTgt/>
-                  </p:tgtEl>
-                </p:cond>
-              </p:prevCondLst>
-              <p:nextCondLst>
-                <p:cond evt="onNext" delay="0">
-                  <p:tgtEl>
-                    <p:sldTgt/>
-                  </p:tgtEl>
-                </p:cond>
-              </p:nextCondLst>
-            </p:seq>
-          </p:childTnLst>
-        </p:cTn>
-      </p:par>
-    </p:tnLst>
-    <p:bldLst>
-      <p:bldP spid="8" grpId="0"/>
-    </p:bldLst>
-  </p:timing>
-</p:sld>
-</file>
-
-<file path=ppt/slides/slide40.xml><?xml version="1.0" encoding="utf-8"?>
-<p:sld xmlns:a="http://schemas.openxmlformats.org/drawingml/2006/main" xmlns:r="http://schemas.openxmlformats.org/officeDocument/2006/relationships" xmlns:p="http://schemas.openxmlformats.org/presentationml/2006/main">
-  <p:cSld>
-    <p:spTree>
-      <p:nvGrpSpPr>
-        <p:cNvPr id="1" name=""/>
-        <p:cNvGrpSpPr/>
-        <p:nvPr/>
-      </p:nvGrpSpPr>
-      <p:grpSpPr>
-        <a:xfrm>
-          <a:off x="0" y="0"/>
-          <a:ext cx="0" cy="0"/>
-          <a:chOff x="0" y="0"/>
-          <a:chExt cx="0" cy="0"/>
-        </a:xfrm>
-      </p:grpSpPr>
-      <p:sp>
-        <p:nvSpPr>
-          <p:cNvPr id="4" name="Slide Number Placeholder 2"/>
-          <p:cNvSpPr>
-            <a:spLocks noGrp="1"/>
-          </p:cNvSpPr>
-          <p:nvPr>
-            <p:ph type="sldNum" sz="quarter" idx="10"/>
-          </p:nvPr>
-        </p:nvSpPr>
-        <p:spPr>
-          <a:xfrm>
-            <a:off x="7333815" y="6553200"/>
-            <a:ext cx="1810186" cy="276999"/>
-          </a:xfrm>
-        </p:spPr>
-        <p:txBody>
-          <a:bodyPr/>
-          <a:lstStyle/>
-          <a:p>
-            <a:r>
-              <a:rPr lang="en-US" dirty="0" smtClean="0"/>
-              <a:t>propositional algebra.</a:t>
-            </a:r>
-            <a:fld id="{3251DA95-B240-47FE-901D-B78FC8E8E532}" type="slidenum">
-              <a:rPr lang="en-US" smtClean="0"/>
-              <a:pPr/>
-              <a:t>40</a:t>
+              <a:t>41</a:t>
             </a:fld>
             <a:endParaRPr lang="en-US" dirty="0"/>
           </a:p>
@@ -19420,7 +20092,7 @@
           <a:graphicData uri="http://schemas.openxmlformats.org/presentationml/2006/ole">
             <mc:AlternateContent xmlns:mc="http://schemas.openxmlformats.org/markup-compatibility/2006">
               <mc:Choice xmlns:v="urn:schemas-microsoft-com:vml" Requires="v">
-                <p:oleObj spid="_x0000_s526381" name="Equation" r:id="rId4" imgW="1333500" imgH="482600" progId="Equation.DSMT4">
+                <p:oleObj spid="_x0000_s526391" name="Equation" r:id="rId4" imgW="1333500" imgH="482600" progId="Equation.DSMT4">
                   <p:embed/>
                 </p:oleObj>
               </mc:Choice>
@@ -19514,7 +20186,7 @@
           <a:graphicData uri="http://schemas.openxmlformats.org/presentationml/2006/ole">
             <mc:AlternateContent xmlns:mc="http://schemas.openxmlformats.org/markup-compatibility/2006">
               <mc:Choice xmlns:v="urn:schemas-microsoft-com:vml" Requires="v">
-                <p:oleObj spid="_x0000_s526382" name="Equation" r:id="rId6" imgW="1333500" imgH="482600" progId="Equation.DSMT4">
+                <p:oleObj spid="_x0000_s526392" name="Equation" r:id="rId6" imgW="1333500" imgH="482600" progId="Equation.DSMT4">
                   <p:embed/>
                 </p:oleObj>
               </mc:Choice>
@@ -19571,7 +20243,7 @@
           <a:graphicData uri="http://schemas.openxmlformats.org/presentationml/2006/ole">
             <mc:AlternateContent xmlns:mc="http://schemas.openxmlformats.org/markup-compatibility/2006">
               <mc:Choice xmlns:v="urn:schemas-microsoft-com:vml" Requires="v">
-                <p:oleObj spid="_x0000_s526383" name="Equation" r:id="rId8" imgW="1333500" imgH="482600" progId="Equation.DSMT4">
+                <p:oleObj spid="_x0000_s526393" name="Equation" r:id="rId8" imgW="1333500" imgH="482600" progId="Equation.DSMT4">
                   <p:embed/>
                 </p:oleObj>
               </mc:Choice>
@@ -19951,7 +20623,7 @@
 </p:sld>
 </file>
 
-<file path=ppt/slides/slide41.xml><?xml version="1.0" encoding="utf-8"?>
+<file path=ppt/slides/slide42.xml><?xml version="1.0" encoding="utf-8"?>
 <p:sld xmlns:a="http://schemas.openxmlformats.org/drawingml/2006/main" xmlns:r="http://schemas.openxmlformats.org/officeDocument/2006/relationships" xmlns:p="http://schemas.openxmlformats.org/presentationml/2006/main">
   <p:cSld>
     <p:spTree>
@@ -19995,7 +20667,7 @@
             <a:fld id="{3251DA95-B240-47FE-901D-B78FC8E8E532}" type="slidenum">
               <a:rPr lang="en-US" smtClean="0"/>
               <a:pPr/>
-              <a:t>41</a:t>
+              <a:t>42</a:t>
             </a:fld>
             <a:endParaRPr lang="en-US" dirty="0"/>
           </a:p>
@@ -20023,7 +20695,7 @@
           <a:graphicData uri="http://schemas.openxmlformats.org/presentationml/2006/ole">
             <mc:AlternateContent xmlns:mc="http://schemas.openxmlformats.org/markup-compatibility/2006">
               <mc:Choice xmlns:v="urn:schemas-microsoft-com:vml" Requires="v">
-                <p:oleObj spid="_x0000_s527402" name="Equation" r:id="rId4" imgW="1333500" imgH="482600" progId="Equation.DSMT4">
+                <p:oleObj spid="_x0000_s527412" name="Equation" r:id="rId4" imgW="1333500" imgH="482600" progId="Equation.DSMT4">
                   <p:embed/>
                 </p:oleObj>
               </mc:Choice>
@@ -20117,7 +20789,7 @@
           <a:graphicData uri="http://schemas.openxmlformats.org/presentationml/2006/ole">
             <mc:AlternateContent xmlns:mc="http://schemas.openxmlformats.org/markup-compatibility/2006">
               <mc:Choice xmlns:v="urn:schemas-microsoft-com:vml" Requires="v">
-                <p:oleObj spid="_x0000_s527403" name="Equation" r:id="rId6" imgW="1181100" imgH="508000" progId="Equation.DSMT4">
+                <p:oleObj spid="_x0000_s527413" name="Equation" r:id="rId6" imgW="1181100" imgH="508000" progId="Equation.DSMT4">
                   <p:embed/>
                 </p:oleObj>
               </mc:Choice>
@@ -20174,7 +20846,7 @@
           <a:graphicData uri="http://schemas.openxmlformats.org/presentationml/2006/ole">
             <mc:AlternateContent xmlns:mc="http://schemas.openxmlformats.org/markup-compatibility/2006">
               <mc:Choice xmlns:v="urn:schemas-microsoft-com:vml" Requires="v">
-                <p:oleObj spid="_x0000_s527404" name="Equation" r:id="rId8" imgW="1143000" imgH="254000" progId="Equation.DSMT4">
+                <p:oleObj spid="_x0000_s527414" name="Equation" r:id="rId8" imgW="1143000" imgH="254000" progId="Equation.DSMT4">
                   <p:embed/>
                 </p:oleObj>
               </mc:Choice>
@@ -20312,7 +20984,7 @@
 </p:sld>
 </file>
 
-<file path=ppt/slides/slide42.xml><?xml version="1.0" encoding="utf-8"?>
+<file path=ppt/slides/slide43.xml><?xml version="1.0" encoding="utf-8"?>
 <p:sld xmlns:a="http://schemas.openxmlformats.org/drawingml/2006/main" xmlns:r="http://schemas.openxmlformats.org/officeDocument/2006/relationships" xmlns:p="http://schemas.openxmlformats.org/presentationml/2006/main">
   <p:cSld>
     <p:spTree>
@@ -20356,7 +21028,7 @@
             <a:fld id="{3251DA95-B240-47FE-901D-B78FC8E8E532}" type="slidenum">
               <a:rPr lang="en-US" smtClean="0"/>
               <a:pPr/>
-              <a:t>42</a:t>
+              <a:t>43</a:t>
             </a:fld>
             <a:endParaRPr lang="en-US" dirty="0"/>
           </a:p>
@@ -20384,7 +21056,7 @@
           <a:graphicData uri="http://schemas.openxmlformats.org/presentationml/2006/ole">
             <mc:AlternateContent xmlns:mc="http://schemas.openxmlformats.org/markup-compatibility/2006">
               <mc:Choice xmlns:v="urn:schemas-microsoft-com:vml" Requires="v">
-                <p:oleObj spid="_x0000_s529426" name="Equation" r:id="rId4" imgW="2692400" imgH="482600" progId="Equation.DSMT4">
+                <p:oleObj spid="_x0000_s529430" name="Equation" r:id="rId4" imgW="2692400" imgH="482600" progId="Equation.DSMT4">
                   <p:embed/>
                 </p:oleObj>
               </mc:Choice>
@@ -20668,6 +21340,9 @@
                     <p:cTn id="3" fill="hold">
                       <p:stCondLst>
                         <p:cond delay="indefinite"/>
+                        <p:cond evt="onBegin" delay="0">
+                          <p:tn val="2"/>
+                        </p:cond>
                       </p:stCondLst>
                       <p:childTnLst>
                         <p:par>
@@ -20677,7 +21352,7 @@
                             </p:stCondLst>
                             <p:childTnLst>
                               <p:par>
-                                <p:cTn id="5" presetID="10" presetClass="entr" presetSubtype="0" fill="hold" grpId="0" nodeType="clickEffect">
+                                <p:cTn id="5" presetID="10" presetClass="entr" presetSubtype="0" fill="hold" grpId="0" nodeType="afterEffect">
                                   <p:stCondLst>
                                     <p:cond delay="0"/>
                                   </p:stCondLst>
@@ -20799,7 +21474,7 @@
 </p:sld>
 </file>
 
-<file path=ppt/slides/slide43.xml><?xml version="1.0" encoding="utf-8"?>
+<file path=ppt/slides/slide44.xml><?xml version="1.0" encoding="utf-8"?>
 <p:sld xmlns:a="http://schemas.openxmlformats.org/drawingml/2006/main" xmlns:r="http://schemas.openxmlformats.org/officeDocument/2006/relationships" xmlns:p="http://schemas.openxmlformats.org/presentationml/2006/main">
   <p:cSld>
     <p:spTree>
@@ -21011,7 +21686,7 @@
             <a:fld id="{3251DA95-B240-47FE-901D-B78FC8E8E532}" type="slidenum">
               <a:rPr lang="en-US" smtClean="0"/>
               <a:pPr/>
-              <a:t>43</a:t>
+              <a:t>44</a:t>
             </a:fld>
             <a:endParaRPr lang="en-US" dirty="0"/>
           </a:p>
@@ -21167,169 +21842,6 @@
 </p:sld>
 </file>
 
-<file path=ppt/slides/slide44.xml><?xml version="1.0" encoding="utf-8"?>
-<p:sld xmlns:a="http://schemas.openxmlformats.org/drawingml/2006/main" xmlns:r="http://schemas.openxmlformats.org/officeDocument/2006/relationships" xmlns:p="http://schemas.openxmlformats.org/presentationml/2006/main">
-  <p:cSld>
-    <p:spTree>
-      <p:nvGrpSpPr>
-        <p:cNvPr id="1" name=""/>
-        <p:cNvGrpSpPr/>
-        <p:nvPr/>
-      </p:nvGrpSpPr>
-      <p:grpSpPr>
-        <a:xfrm>
-          <a:off x="0" y="0"/>
-          <a:ext cx="0" cy="0"/>
-          <a:chOff x="0" y="0"/>
-          <a:chExt cx="0" cy="0"/>
-        </a:xfrm>
-      </p:grpSpPr>
-      <p:sp>
-        <p:nvSpPr>
-          <p:cNvPr id="5" name="TextBox 4"/>
-          <p:cNvSpPr txBox="1"/>
-          <p:nvPr/>
-        </p:nvSpPr>
-        <p:spPr>
-          <a:xfrm>
-            <a:off x="249243" y="1847840"/>
-            <a:ext cx="8985240" cy="1754327"/>
-          </a:xfrm>
-          <a:prstGeom prst="rect">
-            <a:avLst/>
-          </a:prstGeom>
-          <a:noFill/>
-        </p:spPr>
-        <p:txBody>
-          <a:bodyPr wrap="square" rtlCol="0">
-            <a:spAutoFit/>
-          </a:bodyPr>
-          <a:lstStyle/>
-          <a:p>
-            <a:pPr algn="l"/>
-            <a:r>
-              <a:rPr lang="en-US" sz="5400" dirty="0" smtClean="0">
-                <a:solidFill>
-                  <a:srgbClr val="000000"/>
-                </a:solidFill>
-                <a:latin typeface="Comic Sans MS" pitchFamily="66" charset="0"/>
-              </a:rPr>
-              <a:t>Because two formulas are</a:t>
-            </a:r>
-          </a:p>
-          <a:p>
-            <a:pPr algn="l"/>
-            <a:r>
-              <a:rPr lang="en-US" sz="5400" dirty="0" smtClean="0">
-                <a:solidFill>
-                  <a:srgbClr val="000000"/>
-                </a:solidFill>
-                <a:latin typeface="Comic Sans MS" pitchFamily="66" charset="0"/>
-              </a:rPr>
-              <a:t>equivalent </a:t>
-            </a:r>
-            <a:endParaRPr lang="en-US" sz="5400" dirty="0">
-              <a:solidFill>
-                <a:srgbClr val="000000"/>
-              </a:solidFill>
-              <a:latin typeface="Comic Sans MS" pitchFamily="66" charset="0"/>
-            </a:endParaRPr>
-          </a:p>
-        </p:txBody>
-      </p:sp>
-      <p:sp>
-        <p:nvSpPr>
-          <p:cNvPr id="9" name="Title 1"/>
-          <p:cNvSpPr>
-            <a:spLocks noGrp="1"/>
-          </p:cNvSpPr>
-          <p:nvPr>
-            <p:ph type="title"/>
-          </p:nvPr>
-        </p:nvSpPr>
-        <p:spPr>
-          <a:xfrm>
-            <a:off x="1651000" y="363538"/>
-            <a:ext cx="6794500" cy="1003300"/>
-          </a:xfrm>
-        </p:spPr>
-        <p:txBody>
-          <a:bodyPr/>
-          <a:lstStyle/>
-          <a:p>
-            <a:r>
-              <a:rPr lang="en-US" sz="4000" dirty="0" smtClean="0"/>
-              <a:t>Algebra for Equivalence</a:t>
-            </a:r>
-            <a:endParaRPr lang="en-US" sz="4000" dirty="0"/>
-          </a:p>
-        </p:txBody>
-      </p:sp>
-      <p:sp>
-        <p:nvSpPr>
-          <p:cNvPr id="4" name="Slide Number Placeholder 2"/>
-          <p:cNvSpPr>
-            <a:spLocks noGrp="1"/>
-          </p:cNvSpPr>
-          <p:nvPr>
-            <p:ph type="sldNum" sz="quarter" idx="10"/>
-          </p:nvPr>
-        </p:nvSpPr>
-        <p:spPr>
-          <a:xfrm>
-            <a:off x="7333815" y="6553200"/>
-            <a:ext cx="1810186" cy="276999"/>
-          </a:xfrm>
-        </p:spPr>
-        <p:txBody>
-          <a:bodyPr/>
-          <a:lstStyle/>
-          <a:p>
-            <a:r>
-              <a:rPr lang="en-US" dirty="0" smtClean="0"/>
-              <a:t>propositional algebra.</a:t>
-            </a:r>
-            <a:fld id="{3251DA95-B240-47FE-901D-B78FC8E8E532}" type="slidenum">
-              <a:rPr lang="en-US" smtClean="0"/>
-              <a:pPr/>
-              <a:t>44</a:t>
-            </a:fld>
-            <a:endParaRPr lang="en-US" dirty="0"/>
-          </a:p>
-        </p:txBody>
-      </p:sp>
-    </p:spTree>
-    <p:extLst>
-      <p:ext uri="{BB962C8B-B14F-4D97-AF65-F5344CB8AC3E}">
-        <p14:creationId xmlns:p14="http://schemas.microsoft.com/office/powerpoint/2010/main" val="2003119538"/>
-      </p:ext>
-    </p:extLst>
-  </p:cSld>
-  <p:clrMapOvr>
-    <a:masterClrMapping/>
-  </p:clrMapOvr>
-  <mc:AlternateContent xmlns:mc="http://schemas.openxmlformats.org/markup-compatibility/2006" xmlns:p14="http://schemas.microsoft.com/office/powerpoint/2010/main">
-    <mc:Choice Requires="p14">
-      <p:transition spd="med" p14:dur="700" advClick="0">
-        <p:fade/>
-      </p:transition>
-    </mc:Choice>
-    <mc:Fallback xmlns="">
-      <p:transition xmlns:p14="http://schemas.microsoft.com/office/powerpoint/2010/main" spd="med" advClick="0">
-        <p:fade/>
-      </p:transition>
-    </mc:Fallback>
-  </mc:AlternateContent>
-  <p:timing>
-    <p:tnLst>
-      <p:par>
-        <p:cTn xmlns:p14="http://schemas.microsoft.com/office/powerpoint/2010/main" id="1" dur="indefinite" restart="never" nodeType="tmRoot"/>
-      </p:par>
-    </p:tnLst>
-  </p:timing>
-</p:sld>
-</file>
-
 <file path=ppt/slides/slide45.xml><?xml version="1.0" encoding="utf-8"?>
 <p:sld xmlns:a="http://schemas.openxmlformats.org/drawingml/2006/main" xmlns:r="http://schemas.openxmlformats.org/officeDocument/2006/relationships" xmlns:p="http://schemas.openxmlformats.org/presentationml/2006/main">
   <p:cSld>
@@ -21356,7 +21868,7 @@
         <p:spPr>
           <a:xfrm>
             <a:off x="249243" y="1847840"/>
-            <a:ext cx="8985240" cy="2585323"/>
+            <a:ext cx="8985240" cy="1754327"/>
           </a:xfrm>
           <a:prstGeom prst="rect">
             <a:avLst/>
@@ -21391,24 +21903,6 @@
               </a:rPr>
               <a:t>equivalent </a:t>
             </a:r>
-            <a:r>
-              <a:rPr lang="en-US" sz="5400" dirty="0" err="1" smtClean="0">
-                <a:solidFill>
-                  <a:srgbClr val="000000"/>
-                </a:solidFill>
-                <a:latin typeface="Comic Sans MS" pitchFamily="66" charset="0"/>
-              </a:rPr>
-              <a:t>iff</a:t>
-            </a:r>
-            <a:r>
-              <a:rPr lang="en-US" sz="5400" dirty="0" smtClean="0">
-                <a:solidFill>
-                  <a:srgbClr val="000000"/>
-                </a:solidFill>
-                <a:latin typeface="Comic Sans MS" pitchFamily="66" charset="0"/>
-              </a:rPr>
-              <a:t> have same truth table</a:t>
-            </a:r>
             <a:endParaRPr lang="en-US" sz="5400" dirty="0">
               <a:solidFill>
                 <a:srgbClr val="000000"/>
@@ -21482,7 +21976,7 @@
     </p:spTree>
     <p:extLst>
       <p:ext uri="{BB962C8B-B14F-4D97-AF65-F5344CB8AC3E}">
-        <p14:creationId xmlns:p14="http://schemas.microsoft.com/office/powerpoint/2010/main" val="2442323819"/>
+        <p14:creationId xmlns:p14="http://schemas.microsoft.com/office/powerpoint/2010/main" val="2003119538"/>
       </p:ext>
     </p:extLst>
   </p:cSld>
@@ -21537,7 +22031,7 @@
         <p:spPr>
           <a:xfrm>
             <a:off x="249243" y="1847840"/>
-            <a:ext cx="8985240" cy="3416320"/>
+            <a:ext cx="8985240" cy="2585323"/>
           </a:xfrm>
           <a:prstGeom prst="rect">
             <a:avLst/>
@@ -21588,37 +22082,7 @@
                 </a:solidFill>
                 <a:latin typeface="Comic Sans MS" pitchFamily="66" charset="0"/>
               </a:rPr>
-              <a:t> have same truth table </a:t>
-            </a:r>
-            <a:r>
-              <a:rPr lang="en-US" sz="5400" dirty="0" err="1" smtClean="0">
-                <a:solidFill>
-                  <a:srgbClr val="000000"/>
-                </a:solidFill>
-                <a:latin typeface="Comic Sans MS" pitchFamily="66" charset="0"/>
-              </a:rPr>
-              <a:t>iff</a:t>
-            </a:r>
-            <a:r>
-              <a:rPr lang="en-US" sz="5400" dirty="0" smtClean="0">
-                <a:solidFill>
-                  <a:srgbClr val="000000"/>
-                </a:solidFill>
-                <a:latin typeface="Comic Sans MS" pitchFamily="66" charset="0"/>
-              </a:rPr>
-              <a:t> have same</a:t>
-            </a:r>
-          </a:p>
-          <a:p>
-            <a:pPr algn="l"/>
-            <a:r>
-              <a:rPr lang="en-US" sz="5400" dirty="0" smtClean="0">
-                <a:solidFill>
-                  <a:srgbClr val="000000"/>
-                </a:solidFill>
-                <a:latin typeface="Comic Sans MS" pitchFamily="66" charset="0"/>
-              </a:rPr>
-              <a:t>sorted Full DNF.</a:t>
+              <a:t> have same truth table</a:t>
             </a:r>
             <a:endParaRPr lang="en-US" sz="5400" dirty="0">
               <a:solidFill>
@@ -21693,7 +22157,7 @@
     </p:spTree>
     <p:extLst>
       <p:ext uri="{BB962C8B-B14F-4D97-AF65-F5344CB8AC3E}">
-        <p14:creationId xmlns:p14="http://schemas.microsoft.com/office/powerpoint/2010/main" val="1661767375"/>
+        <p14:creationId xmlns:p14="http://schemas.microsoft.com/office/powerpoint/2010/main" val="2442323819"/>
       </p:ext>
     </p:extLst>
   </p:cSld>
@@ -21747,8 +22211,8 @@
         </p:nvSpPr>
         <p:spPr>
           <a:xfrm>
-            <a:off x="627063" y="1308100"/>
-            <a:ext cx="7970837" cy="2585323"/>
+            <a:off x="249243" y="1847840"/>
+            <a:ext cx="8985240" cy="3416320"/>
           </a:xfrm>
           <a:prstGeom prst="rect">
             <a:avLst/>
@@ -21764,28 +22228,76 @@
             <a:pPr algn="l"/>
             <a:r>
               <a:rPr lang="en-US" sz="5400" dirty="0" smtClean="0">
-                <a:latin typeface="Comic Sans MS" pitchFamily="66" charset="0"/>
-              </a:rPr>
-              <a:t>Algebraic proofs </a:t>
-            </a:r>
-            <a:r>
-              <a:rPr lang="en-US" sz="5400" dirty="0" smtClean="0">
                 <a:solidFill>
-                  <a:srgbClr val="FF03E3"/>
+                  <a:srgbClr val="000000"/>
                 </a:solidFill>
                 <a:latin typeface="Comic Sans MS" pitchFamily="66" charset="0"/>
               </a:rPr>
-              <a:t>in general</a:t>
-            </a:r>
+              <a:t>Because two formulas are</a:t>
+            </a:r>
+          </a:p>
+          <a:p>
+            <a:pPr algn="l"/>
             <a:r>
               <a:rPr lang="en-US" sz="5400" dirty="0" smtClean="0">
+                <a:solidFill>
+                  <a:srgbClr val="000000"/>
+                </a:solidFill>
                 <a:latin typeface="Comic Sans MS" pitchFamily="66" charset="0"/>
               </a:rPr>
-              <a:t> don’t beat truth tables.</a:t>
+              <a:t>equivalent </a:t>
+            </a:r>
+            <a:r>
+              <a:rPr lang="en-US" sz="5400" dirty="0" err="1" smtClean="0">
+                <a:solidFill>
+                  <a:srgbClr val="000000"/>
+                </a:solidFill>
+                <a:latin typeface="Comic Sans MS" pitchFamily="66" charset="0"/>
+              </a:rPr>
+              <a:t>iff</a:t>
+            </a:r>
+            <a:r>
+              <a:rPr lang="en-US" sz="5400" dirty="0" smtClean="0">
+                <a:solidFill>
+                  <a:srgbClr val="000000"/>
+                </a:solidFill>
+                <a:latin typeface="Comic Sans MS" pitchFamily="66" charset="0"/>
+              </a:rPr>
+              <a:t> have same truth table </a:t>
+            </a:r>
+            <a:r>
+              <a:rPr lang="en-US" sz="5400" dirty="0" err="1" smtClean="0">
+                <a:solidFill>
+                  <a:srgbClr val="000000"/>
+                </a:solidFill>
+                <a:latin typeface="Comic Sans MS" pitchFamily="66" charset="0"/>
+              </a:rPr>
+              <a:t>iff</a:t>
+            </a:r>
+            <a:r>
+              <a:rPr lang="en-US" sz="5400" dirty="0" smtClean="0">
+                <a:solidFill>
+                  <a:srgbClr val="000000"/>
+                </a:solidFill>
+                <a:latin typeface="Comic Sans MS" pitchFamily="66" charset="0"/>
+              </a:rPr>
+              <a:t> have same</a:t>
+            </a:r>
+          </a:p>
+          <a:p>
+            <a:pPr algn="l"/>
+            <a:r>
+              <a:rPr lang="en-US" sz="5400" dirty="0" smtClean="0">
+                <a:solidFill>
+                  <a:srgbClr val="000000"/>
+                </a:solidFill>
+                <a:latin typeface="Comic Sans MS" pitchFamily="66" charset="0"/>
+              </a:rPr>
+              <a:t>sorted Full DNF.</a:t>
             </a:r>
             <a:endParaRPr lang="en-US" sz="5400" dirty="0">
               <a:solidFill>
-                <a:srgbClr val="0000F1"/>
+                <a:srgbClr val="000000"/>
               </a:solidFill>
               <a:latin typeface="Comic Sans MS" pitchFamily="66" charset="0"/>
             </a:endParaRPr>
@@ -21794,7 +22306,35 @@
       </p:sp>
       <p:sp>
         <p:nvSpPr>
-          <p:cNvPr id="6" name="Slide Number Placeholder 2"/>
+          <p:cNvPr id="9" name="Title 1"/>
+          <p:cNvSpPr>
+            <a:spLocks noGrp="1"/>
+          </p:cNvSpPr>
+          <p:nvPr>
+            <p:ph type="title"/>
+          </p:nvPr>
+        </p:nvSpPr>
+        <p:spPr>
+          <a:xfrm>
+            <a:off x="1651000" y="363538"/>
+            <a:ext cx="6794500" cy="1003300"/>
+          </a:xfrm>
+        </p:spPr>
+        <p:txBody>
+          <a:bodyPr/>
+          <a:lstStyle/>
+          <a:p>
+            <a:r>
+              <a:rPr lang="en-US" sz="4000" dirty="0" smtClean="0"/>
+              <a:t>Algebra for Equivalence</a:t>
+            </a:r>
+            <a:endParaRPr lang="en-US" sz="4000" dirty="0"/>
+          </a:p>
+        </p:txBody>
+      </p:sp>
+      <p:sp>
+        <p:nvSpPr>
+          <p:cNvPr id="4" name="Slide Number Placeholder 2"/>
           <p:cNvSpPr>
             <a:spLocks noGrp="1"/>
           </p:cNvSpPr>
@@ -21828,16 +22368,25 @@
     </p:spTree>
     <p:extLst>
       <p:ext uri="{BB962C8B-B14F-4D97-AF65-F5344CB8AC3E}">
-        <p14:creationId xmlns:p14="http://schemas.microsoft.com/office/powerpoint/2010/main" val="1193270480"/>
+        <p14:creationId xmlns:p14="http://schemas.microsoft.com/office/powerpoint/2010/main" val="1661767375"/>
       </p:ext>
     </p:extLst>
   </p:cSld>
   <p:clrMapOvr>
     <a:masterClrMapping/>
   </p:clrMapOvr>
-  <p:transition xmlns:p14="http://schemas.microsoft.com/office/powerpoint/2010/main" spd="slow" advClick="0">
-    <p:fade thruBlk="1"/>
-  </p:transition>
+  <mc:AlternateContent xmlns:mc="http://schemas.openxmlformats.org/markup-compatibility/2006" xmlns:p14="http://schemas.microsoft.com/office/powerpoint/2010/main">
+    <mc:Choice Requires="p14">
+      <p:transition spd="med" p14:dur="700" advClick="0">
+        <p:fade/>
+      </p:transition>
+    </mc:Choice>
+    <mc:Fallback xmlns="">
+      <p:transition xmlns:p14="http://schemas.microsoft.com/office/powerpoint/2010/main" spd="med" advClick="0">
+        <p:fade/>
+      </p:transition>
+    </mc:Fallback>
+  </mc:AlternateContent>
   <p:timing>
     <p:tnLst>
       <p:par>
@@ -21874,6 +22423,132 @@
         <p:spPr>
           <a:xfrm>
             <a:off x="627063" y="1308100"/>
+            <a:ext cx="7970837" cy="2585323"/>
+          </a:xfrm>
+          <a:prstGeom prst="rect">
+            <a:avLst/>
+          </a:prstGeom>
+          <a:noFill/>
+        </p:spPr>
+        <p:txBody>
+          <a:bodyPr wrap="square" rtlCol="0">
+            <a:spAutoFit/>
+          </a:bodyPr>
+          <a:lstStyle/>
+          <a:p>
+            <a:pPr algn="l"/>
+            <a:r>
+              <a:rPr lang="en-US" sz="5400" dirty="0" smtClean="0">
+                <a:latin typeface="Comic Sans MS" pitchFamily="66" charset="0"/>
+              </a:rPr>
+              <a:t>Algebraic proofs </a:t>
+            </a:r>
+            <a:r>
+              <a:rPr lang="en-US" sz="5400" dirty="0" smtClean="0">
+                <a:solidFill>
+                  <a:srgbClr val="FF03E3"/>
+                </a:solidFill>
+                <a:latin typeface="Comic Sans MS" pitchFamily="66" charset="0"/>
+              </a:rPr>
+              <a:t>in general</a:t>
+            </a:r>
+            <a:r>
+              <a:rPr lang="en-US" sz="5400" dirty="0" smtClean="0">
+                <a:latin typeface="Comic Sans MS" pitchFamily="66" charset="0"/>
+              </a:rPr>
+              <a:t> don’t beat truth tables.</a:t>
+            </a:r>
+            <a:endParaRPr lang="en-US" sz="5400" dirty="0">
+              <a:solidFill>
+                <a:srgbClr val="0000F1"/>
+              </a:solidFill>
+              <a:latin typeface="Comic Sans MS" pitchFamily="66" charset="0"/>
+            </a:endParaRPr>
+          </a:p>
+        </p:txBody>
+      </p:sp>
+      <p:sp>
+        <p:nvSpPr>
+          <p:cNvPr id="6" name="Slide Number Placeholder 2"/>
+          <p:cNvSpPr>
+            <a:spLocks noGrp="1"/>
+          </p:cNvSpPr>
+          <p:nvPr>
+            <p:ph type="sldNum" sz="quarter" idx="10"/>
+          </p:nvPr>
+        </p:nvSpPr>
+        <p:spPr>
+          <a:xfrm>
+            <a:off x="7333815" y="6553200"/>
+            <a:ext cx="1810186" cy="276999"/>
+          </a:xfrm>
+        </p:spPr>
+        <p:txBody>
+          <a:bodyPr/>
+          <a:lstStyle/>
+          <a:p>
+            <a:r>
+              <a:rPr lang="en-US" dirty="0" smtClean="0"/>
+              <a:t>propositional algebra.</a:t>
+            </a:r>
+            <a:fld id="{3251DA95-B240-47FE-901D-B78FC8E8E532}" type="slidenum">
+              <a:rPr lang="en-US" smtClean="0"/>
+              <a:pPr/>
+              <a:t>48</a:t>
+            </a:fld>
+            <a:endParaRPr lang="en-US" dirty="0"/>
+          </a:p>
+        </p:txBody>
+      </p:sp>
+    </p:spTree>
+    <p:extLst>
+      <p:ext uri="{BB962C8B-B14F-4D97-AF65-F5344CB8AC3E}">
+        <p14:creationId xmlns:p14="http://schemas.microsoft.com/office/powerpoint/2010/main" val="1193270480"/>
+      </p:ext>
+    </p:extLst>
+  </p:cSld>
+  <p:clrMapOvr>
+    <a:masterClrMapping/>
+  </p:clrMapOvr>
+  <p:transition xmlns:p14="http://schemas.microsoft.com/office/powerpoint/2010/main" spd="slow" advClick="0">
+    <p:fade thruBlk="1"/>
+  </p:transition>
+  <p:timing>
+    <p:tnLst>
+      <p:par>
+        <p:cTn xmlns:p14="http://schemas.microsoft.com/office/powerpoint/2010/main" id="1" dur="indefinite" restart="never" nodeType="tmRoot"/>
+      </p:par>
+    </p:tnLst>
+  </p:timing>
+</p:sld>
+</file>
+
+<file path=ppt/slides/slide49.xml><?xml version="1.0" encoding="utf-8"?>
+<p:sld xmlns:a="http://schemas.openxmlformats.org/drawingml/2006/main" xmlns:r="http://schemas.openxmlformats.org/officeDocument/2006/relationships" xmlns:p="http://schemas.openxmlformats.org/presentationml/2006/main">
+  <p:cSld>
+    <p:spTree>
+      <p:nvGrpSpPr>
+        <p:cNvPr id="1" name=""/>
+        <p:cNvGrpSpPr/>
+        <p:nvPr/>
+      </p:nvGrpSpPr>
+      <p:grpSpPr>
+        <a:xfrm>
+          <a:off x="0" y="0"/>
+          <a:ext cx="0" cy="0"/>
+          <a:chOff x="0" y="0"/>
+          <a:chExt cx="0" cy="0"/>
+        </a:xfrm>
+      </p:grpSpPr>
+      <p:sp>
+        <p:nvSpPr>
+          <p:cNvPr id="5" name="TextBox 4"/>
+          <p:cNvSpPr txBox="1"/>
+          <p:nvPr/>
+        </p:nvSpPr>
+        <p:spPr>
+          <a:xfrm>
+            <a:off x="627063" y="1308100"/>
             <a:ext cx="7970837" cy="5078313"/>
           </a:xfrm>
           <a:prstGeom prst="rect">
@@ -21980,7 +22655,7 @@
             <a:fld id="{3251DA95-B240-47FE-901D-B78FC8E8E532}" type="slidenum">
               <a:rPr lang="en-US" smtClean="0"/>
               <a:pPr/>
-              <a:t>48</a:t>
+              <a:t>49</a:t>
             </a:fld>
             <a:endParaRPr lang="en-US" dirty="0"/>
           </a:p>
@@ -22125,196 +22800,6 @@
 </p:sld>
 </file>
 
-<file path=ppt/slides/slide49.xml><?xml version="1.0" encoding="utf-8"?>
-<p:sld xmlns:a="http://schemas.openxmlformats.org/drawingml/2006/main" xmlns:r="http://schemas.openxmlformats.org/officeDocument/2006/relationships" xmlns:p="http://schemas.openxmlformats.org/presentationml/2006/main">
-  <p:cSld>
-    <p:spTree>
-      <p:nvGrpSpPr>
-        <p:cNvPr id="1" name=""/>
-        <p:cNvGrpSpPr/>
-        <p:nvPr/>
-      </p:nvGrpSpPr>
-      <p:grpSpPr>
-        <a:xfrm>
-          <a:off x="0" y="0"/>
-          <a:ext cx="0" cy="0"/>
-          <a:chOff x="0" y="0"/>
-          <a:chExt cx="0" cy="0"/>
-        </a:xfrm>
-      </p:grpSpPr>
-      <p:sp>
-        <p:nvSpPr>
-          <p:cNvPr id="5" name="TextBox 4"/>
-          <p:cNvSpPr txBox="1"/>
-          <p:nvPr/>
-        </p:nvSpPr>
-        <p:spPr>
-          <a:xfrm>
-            <a:off x="627063" y="1308100"/>
-            <a:ext cx="7970837" cy="4247317"/>
-          </a:xfrm>
-          <a:prstGeom prst="rect">
-            <a:avLst/>
-          </a:prstGeom>
-          <a:noFill/>
-        </p:spPr>
-        <p:txBody>
-          <a:bodyPr wrap="square" rtlCol="0">
-            <a:spAutoFit/>
-          </a:bodyPr>
-          <a:lstStyle/>
-          <a:p>
-            <a:pPr algn="l"/>
-            <a:r>
-              <a:rPr lang="en-US" sz="5400" dirty="0" smtClean="0">
-                <a:latin typeface="Comic Sans MS" pitchFamily="66" charset="0"/>
-              </a:rPr>
-              <a:t>Algebraic proofs </a:t>
-            </a:r>
-            <a:r>
-              <a:rPr lang="en-US" sz="5400" dirty="0" smtClean="0">
-                <a:solidFill>
-                  <a:srgbClr val="FF03E3"/>
-                </a:solidFill>
-                <a:latin typeface="Comic Sans MS" pitchFamily="66" charset="0"/>
-              </a:rPr>
-              <a:t>in general</a:t>
-            </a:r>
-            <a:r>
-              <a:rPr lang="en-US" sz="5400" dirty="0" smtClean="0">
-                <a:latin typeface="Comic Sans MS" pitchFamily="66" charset="0"/>
-              </a:rPr>
-              <a:t> don’t beat truth tables.  </a:t>
-            </a:r>
-            <a:r>
-              <a:rPr lang="en-US" sz="5400" dirty="0" smtClean="0">
-                <a:solidFill>
-                  <a:srgbClr val="F90B1C"/>
-                </a:solidFill>
-                <a:latin typeface="Comic Sans MS" pitchFamily="66" charset="0"/>
-              </a:rPr>
-              <a:t>No efficient method</a:t>
-            </a:r>
-            <a:r>
-              <a:rPr lang="en-US" sz="5400" dirty="0" smtClean="0">
-                <a:solidFill>
-                  <a:srgbClr val="0000F1"/>
-                </a:solidFill>
-                <a:latin typeface="Comic Sans MS" pitchFamily="66" charset="0"/>
-              </a:rPr>
-              <a:t> known for equivalence or </a:t>
-            </a:r>
-            <a:r>
-              <a:rPr lang="en-US" sz="5400" smtClean="0">
-                <a:solidFill>
-                  <a:srgbClr val="0000F1"/>
-                </a:solidFill>
-                <a:latin typeface="Comic Sans MS" pitchFamily="66" charset="0"/>
-              </a:rPr>
-              <a:t>validity. </a:t>
-            </a:r>
-            <a:endParaRPr lang="en-US" sz="5400" dirty="0">
-              <a:solidFill>
-                <a:srgbClr val="0000F1"/>
-              </a:solidFill>
-              <a:latin typeface="Comic Sans MS" pitchFamily="66" charset="0"/>
-            </a:endParaRPr>
-          </a:p>
-        </p:txBody>
-      </p:sp>
-      <p:sp>
-        <p:nvSpPr>
-          <p:cNvPr id="6" name="Slide Number Placeholder 2"/>
-          <p:cNvSpPr>
-            <a:spLocks noGrp="1"/>
-          </p:cNvSpPr>
-          <p:nvPr>
-            <p:ph type="sldNum" sz="quarter" idx="10"/>
-          </p:nvPr>
-        </p:nvSpPr>
-        <p:spPr>
-          <a:xfrm>
-            <a:off x="7333815" y="6553200"/>
-            <a:ext cx="1810186" cy="276999"/>
-          </a:xfrm>
-        </p:spPr>
-        <p:txBody>
-          <a:bodyPr/>
-          <a:lstStyle/>
-          <a:p>
-            <a:r>
-              <a:rPr lang="en-US" dirty="0" smtClean="0"/>
-              <a:t>propositional algebra.</a:t>
-            </a:r>
-            <a:fld id="{3251DA95-B240-47FE-901D-B78FC8E8E532}" type="slidenum">
-              <a:rPr lang="en-US" smtClean="0"/>
-              <a:pPr/>
-              <a:t>49</a:t>
-            </a:fld>
-            <a:endParaRPr lang="en-US" dirty="0"/>
-          </a:p>
-        </p:txBody>
-      </p:sp>
-      <p:sp>
-        <p:nvSpPr>
-          <p:cNvPr id="7" name="Title 1"/>
-          <p:cNvSpPr>
-            <a:spLocks noGrp="1"/>
-          </p:cNvSpPr>
-          <p:nvPr>
-            <p:ph type="title"/>
-          </p:nvPr>
-        </p:nvSpPr>
-        <p:spPr>
-          <a:xfrm>
-            <a:off x="2049478" y="325438"/>
-            <a:ext cx="6227298" cy="1058862"/>
-          </a:xfrm>
-        </p:spPr>
-        <p:txBody>
-          <a:bodyPr/>
-          <a:lstStyle/>
-          <a:p>
-            <a:r>
-              <a:rPr lang="en-US" sz="3600" dirty="0" smtClean="0"/>
-              <a:t>Validity Checking still hard</a:t>
-            </a:r>
-            <a:endParaRPr lang="en-US" sz="3600" dirty="0"/>
-          </a:p>
-        </p:txBody>
-      </p:sp>
-    </p:spTree>
-    <p:extLst>
-      <p:ext uri="{BB962C8B-B14F-4D97-AF65-F5344CB8AC3E}">
-        <p14:creationId xmlns:p14="http://schemas.microsoft.com/office/powerpoint/2010/main" val="3175406986"/>
-      </p:ext>
-    </p:extLst>
-  </p:cSld>
-  <p:clrMapOvr>
-    <a:masterClrMapping/>
-  </p:clrMapOvr>
-  <mc:AlternateContent xmlns:mc="http://schemas.openxmlformats.org/markup-compatibility/2006" xmlns:p14="http://schemas.microsoft.com/office/powerpoint/2010/main">
-    <mc:Choice Requires="p14">
-      <p:transition spd="med" p14:dur="600" advClick="0">
-        <p:fade/>
-      </p:transition>
-    </mc:Choice>
-    <mc:Fallback xmlns="">
-      <p:transition xmlns:p14="http://schemas.microsoft.com/office/powerpoint/2010/main" spd="med" advClick="0">
-        <p:fade/>
-      </p:transition>
-    </mc:Fallback>
-  </mc:AlternateContent>
-  <p:timing>
-    <p:tnLst>
-      <p:par>
-        <p:cTn xmlns:p14="http://schemas.microsoft.com/office/powerpoint/2010/main" id="1" dur="indefinite" restart="never" nodeType="tmRoot"/>
-      </p:par>
-    </p:tnLst>
-  </p:timing>
-</p:sld>
-</file>
-
 <file path=ppt/slides/slide5.xml><?xml version="1.0" encoding="utf-8"?>
 <p:sld xmlns:a="http://schemas.openxmlformats.org/drawingml/2006/main" xmlns:r="http://schemas.openxmlformats.org/officeDocument/2006/relationships" xmlns:p="http://schemas.openxmlformats.org/presentationml/2006/main">
   <p:cSld>
@@ -22456,7 +22941,7 @@
           <a:graphicData uri="http://schemas.openxmlformats.org/presentationml/2006/ole">
             <mc:AlternateContent xmlns:mc="http://schemas.openxmlformats.org/markup-compatibility/2006">
               <mc:Choice xmlns:v="urn:schemas-microsoft-com:vml" Requires="v">
-                <p:oleObj spid="_x0000_s1086" name="Equation" r:id="rId4" imgW="1295400" imgH="228600" progId="Equation.DSMT4">
+                <p:oleObj spid="_x0000_s1090" name="Equation" r:id="rId4" imgW="1295400" imgH="228600" progId="Equation.DSMT4">
                   <p:embed/>
                 </p:oleObj>
               </mc:Choice>
@@ -22599,6 +23084,196 @@
 </p:sld>
 </file>
 
+<file path=ppt/slides/slide50.xml><?xml version="1.0" encoding="utf-8"?>
+<p:sld xmlns:a="http://schemas.openxmlformats.org/drawingml/2006/main" xmlns:r="http://schemas.openxmlformats.org/officeDocument/2006/relationships" xmlns:p="http://schemas.openxmlformats.org/presentationml/2006/main">
+  <p:cSld>
+    <p:spTree>
+      <p:nvGrpSpPr>
+        <p:cNvPr id="1" name=""/>
+        <p:cNvGrpSpPr/>
+        <p:nvPr/>
+      </p:nvGrpSpPr>
+      <p:grpSpPr>
+        <a:xfrm>
+          <a:off x="0" y="0"/>
+          <a:ext cx="0" cy="0"/>
+          <a:chOff x="0" y="0"/>
+          <a:chExt cx="0" cy="0"/>
+        </a:xfrm>
+      </p:grpSpPr>
+      <p:sp>
+        <p:nvSpPr>
+          <p:cNvPr id="5" name="TextBox 4"/>
+          <p:cNvSpPr txBox="1"/>
+          <p:nvPr/>
+        </p:nvSpPr>
+        <p:spPr>
+          <a:xfrm>
+            <a:off x="627063" y="1308100"/>
+            <a:ext cx="7970837" cy="4247317"/>
+          </a:xfrm>
+          <a:prstGeom prst="rect">
+            <a:avLst/>
+          </a:prstGeom>
+          <a:noFill/>
+        </p:spPr>
+        <p:txBody>
+          <a:bodyPr wrap="square" rtlCol="0">
+            <a:spAutoFit/>
+          </a:bodyPr>
+          <a:lstStyle/>
+          <a:p>
+            <a:pPr algn="l"/>
+            <a:r>
+              <a:rPr lang="en-US" sz="5400" dirty="0" smtClean="0">
+                <a:latin typeface="Comic Sans MS" pitchFamily="66" charset="0"/>
+              </a:rPr>
+              <a:t>Algebraic proofs </a:t>
+            </a:r>
+            <a:r>
+              <a:rPr lang="en-US" sz="5400" dirty="0" smtClean="0">
+                <a:solidFill>
+                  <a:srgbClr val="FF03E3"/>
+                </a:solidFill>
+                <a:latin typeface="Comic Sans MS" pitchFamily="66" charset="0"/>
+              </a:rPr>
+              <a:t>in general</a:t>
+            </a:r>
+            <a:r>
+              <a:rPr lang="en-US" sz="5400" dirty="0" smtClean="0">
+                <a:latin typeface="Comic Sans MS" pitchFamily="66" charset="0"/>
+              </a:rPr>
+              <a:t> don’t beat truth tables.  </a:t>
+            </a:r>
+            <a:r>
+              <a:rPr lang="en-US" sz="5400" dirty="0" smtClean="0">
+                <a:solidFill>
+                  <a:srgbClr val="F90B1C"/>
+                </a:solidFill>
+                <a:latin typeface="Comic Sans MS" pitchFamily="66" charset="0"/>
+              </a:rPr>
+              <a:t>No efficient method</a:t>
+            </a:r>
+            <a:r>
+              <a:rPr lang="en-US" sz="5400" dirty="0" smtClean="0">
+                <a:solidFill>
+                  <a:srgbClr val="0000F1"/>
+                </a:solidFill>
+                <a:latin typeface="Comic Sans MS" pitchFamily="66" charset="0"/>
+              </a:rPr>
+              <a:t> known for equivalence or </a:t>
+            </a:r>
+            <a:r>
+              <a:rPr lang="en-US" sz="5400" smtClean="0">
+                <a:solidFill>
+                  <a:srgbClr val="0000F1"/>
+                </a:solidFill>
+                <a:latin typeface="Comic Sans MS" pitchFamily="66" charset="0"/>
+              </a:rPr>
+              <a:t>validity. </a:t>
+            </a:r>
+            <a:endParaRPr lang="en-US" sz="5400" dirty="0">
+              <a:solidFill>
+                <a:srgbClr val="0000F1"/>
+              </a:solidFill>
+              <a:latin typeface="Comic Sans MS" pitchFamily="66" charset="0"/>
+            </a:endParaRPr>
+          </a:p>
+        </p:txBody>
+      </p:sp>
+      <p:sp>
+        <p:nvSpPr>
+          <p:cNvPr id="6" name="Slide Number Placeholder 2"/>
+          <p:cNvSpPr>
+            <a:spLocks noGrp="1"/>
+          </p:cNvSpPr>
+          <p:nvPr>
+            <p:ph type="sldNum" sz="quarter" idx="10"/>
+          </p:nvPr>
+        </p:nvSpPr>
+        <p:spPr>
+          <a:xfrm>
+            <a:off x="7333815" y="6553200"/>
+            <a:ext cx="1810186" cy="276999"/>
+          </a:xfrm>
+        </p:spPr>
+        <p:txBody>
+          <a:bodyPr/>
+          <a:lstStyle/>
+          <a:p>
+            <a:r>
+              <a:rPr lang="en-US" dirty="0" smtClean="0"/>
+              <a:t>propositional algebra.</a:t>
+            </a:r>
+            <a:fld id="{3251DA95-B240-47FE-901D-B78FC8E8E532}" type="slidenum">
+              <a:rPr lang="en-US" smtClean="0"/>
+              <a:pPr/>
+              <a:t>50</a:t>
+            </a:fld>
+            <a:endParaRPr lang="en-US" dirty="0"/>
+          </a:p>
+        </p:txBody>
+      </p:sp>
+      <p:sp>
+        <p:nvSpPr>
+          <p:cNvPr id="7" name="Title 1"/>
+          <p:cNvSpPr>
+            <a:spLocks noGrp="1"/>
+          </p:cNvSpPr>
+          <p:nvPr>
+            <p:ph type="title"/>
+          </p:nvPr>
+        </p:nvSpPr>
+        <p:spPr>
+          <a:xfrm>
+            <a:off x="2049478" y="325438"/>
+            <a:ext cx="6227298" cy="1058862"/>
+          </a:xfrm>
+        </p:spPr>
+        <p:txBody>
+          <a:bodyPr/>
+          <a:lstStyle/>
+          <a:p>
+            <a:r>
+              <a:rPr lang="en-US" sz="3600" dirty="0" smtClean="0"/>
+              <a:t>Validity Checking still hard</a:t>
+            </a:r>
+            <a:endParaRPr lang="en-US" sz="3600" dirty="0"/>
+          </a:p>
+        </p:txBody>
+      </p:sp>
+    </p:spTree>
+    <p:extLst>
+      <p:ext uri="{BB962C8B-B14F-4D97-AF65-F5344CB8AC3E}">
+        <p14:creationId xmlns:p14="http://schemas.microsoft.com/office/powerpoint/2010/main" val="3175406986"/>
+      </p:ext>
+    </p:extLst>
+  </p:cSld>
+  <p:clrMapOvr>
+    <a:masterClrMapping/>
+  </p:clrMapOvr>
+  <mc:AlternateContent xmlns:mc="http://schemas.openxmlformats.org/markup-compatibility/2006" xmlns:p14="http://schemas.microsoft.com/office/powerpoint/2010/main">
+    <mc:Choice Requires="p14">
+      <p:transition spd="med" p14:dur="600" advClick="0">
+        <p:fade/>
+      </p:transition>
+    </mc:Choice>
+    <mc:Fallback xmlns="">
+      <p:transition xmlns:p14="http://schemas.microsoft.com/office/powerpoint/2010/main" spd="med" advClick="0">
+        <p:fade/>
+      </p:transition>
+    </mc:Fallback>
+  </mc:AlternateContent>
+  <p:timing>
+    <p:tnLst>
+      <p:par>
+        <p:cTn xmlns:p14="http://schemas.microsoft.com/office/powerpoint/2010/main" id="1" dur="indefinite" restart="never" nodeType="tmRoot"/>
+      </p:par>
+    </p:tnLst>
+  </p:timing>
+</p:sld>
+</file>
+
 <file path=ppt/slides/slide6.xml><?xml version="1.0" encoding="utf-8"?>
 <p:sld xmlns:a="http://schemas.openxmlformats.org/drawingml/2006/main" xmlns:r="http://schemas.openxmlformats.org/officeDocument/2006/relationships" xmlns:p="http://schemas.openxmlformats.org/presentationml/2006/main">
   <p:cSld>
@@ -22767,7 +23442,7 @@
           <a:graphicData uri="http://schemas.openxmlformats.org/presentationml/2006/ole">
             <mc:AlternateContent xmlns:mc="http://schemas.openxmlformats.org/markup-compatibility/2006">
               <mc:Choice xmlns:v="urn:schemas-microsoft-com:vml" Requires="v">
-                <p:oleObj spid="_x0000_s422969" name="Equation" r:id="rId4" imgW="1498600" imgH="457200" progId="Equation.DSMT4">
+                <p:oleObj spid="_x0000_s422973" name="Equation" r:id="rId4" imgW="1498600" imgH="457200" progId="Equation.DSMT4">
                   <p:embed/>
                 </p:oleObj>
               </mc:Choice>
@@ -23010,7 +23685,7 @@
           <a:graphicData uri="http://schemas.openxmlformats.org/presentationml/2006/ole">
             <mc:AlternateContent xmlns:mc="http://schemas.openxmlformats.org/markup-compatibility/2006">
               <mc:Choice xmlns:v="urn:schemas-microsoft-com:vml" Requires="v">
-                <p:oleObj spid="_x0000_s421945" name="Equation" r:id="rId4" imgW="1600200" imgH="457200" progId="Equation.DSMT4">
+                <p:oleObj spid="_x0000_s421949" name="Equation" r:id="rId4" imgW="1600200" imgH="457200" progId="Equation.DSMT4">
                   <p:embed/>
                 </p:oleObj>
               </mc:Choice>
@@ -23304,7 +23979,7 @@
           <a:graphicData uri="http://schemas.openxmlformats.org/presentationml/2006/ole">
             <mc:AlternateContent xmlns:mc="http://schemas.openxmlformats.org/markup-compatibility/2006">
               <mc:Choice xmlns:v="urn:schemas-microsoft-com:vml" Requires="v">
-                <p:oleObj spid="_x0000_s418917" name="Equation" r:id="rId4" imgW="1866900" imgH="457200" progId="Equation.DSMT4">
+                <p:oleObj spid="_x0000_s418921" name="Equation" r:id="rId4" imgW="1866900" imgH="457200" progId="Equation.DSMT4">
                   <p:embed/>
                 </p:oleObj>
               </mc:Choice>
@@ -23588,7 +24263,7 @@
           <a:graphicData uri="http://schemas.openxmlformats.org/presentationml/2006/ole">
             <mc:AlternateContent xmlns:mc="http://schemas.openxmlformats.org/markup-compatibility/2006">
               <mc:Choice xmlns:v="urn:schemas-microsoft-com:vml" Requires="v">
-                <p:oleObj spid="_x0000_s431147" name="Equation" r:id="rId4" imgW="1790700" imgH="457200" progId="Equation.DSMT4">
+                <p:oleObj spid="_x0000_s431151" name="Equation" r:id="rId4" imgW="1790700" imgH="457200" progId="Equation.DSMT4">
                   <p:embed/>
                 </p:oleObj>
               </mc:Choice>

--- a/spring18/slidesS18/prpostn_algebra.pptx
+++ b/spring18/slidesS18/prpostn_algebra.pptx
@@ -9207,7 +9207,7 @@
           <a:graphicData uri="http://schemas.openxmlformats.org/presentationml/2006/ole">
             <mc:AlternateContent xmlns:mc="http://schemas.openxmlformats.org/markup-compatibility/2006">
               <mc:Choice xmlns:v="urn:schemas-microsoft-com:vml" Requires="v">
-                <p:oleObj spid="_x0000_s435247" name="Equation" r:id="rId4" imgW="2108200" imgH="228600" progId="Equation.DSMT4">
+                <p:oleObj spid="_x0000_s435249" name="Equation" r:id="rId4" imgW="2108200" imgH="228600" progId="Equation.DSMT4">
                   <p:embed/>
                 </p:oleObj>
               </mc:Choice>
@@ -9453,7 +9453,7 @@
           <a:graphicData uri="http://schemas.openxmlformats.org/presentationml/2006/ole">
             <mc:AlternateContent xmlns:mc="http://schemas.openxmlformats.org/markup-compatibility/2006">
               <mc:Choice xmlns:v="urn:schemas-microsoft-com:vml" Requires="v">
-                <p:oleObj spid="_x0000_s439344" name="Equation" r:id="rId4" imgW="2146300" imgH="228600" progId="Equation.DSMT4">
+                <p:oleObj spid="_x0000_s439346" name="Equation" r:id="rId4" imgW="2146300" imgH="228600" progId="Equation.DSMT4">
                   <p:embed/>
                 </p:oleObj>
               </mc:Choice>
@@ -9676,7 +9676,7 @@
           <a:graphicData uri="http://schemas.openxmlformats.org/presentationml/2006/ole">
             <mc:AlternateContent xmlns:mc="http://schemas.openxmlformats.org/markup-compatibility/2006">
               <mc:Choice xmlns:v="urn:schemas-microsoft-com:vml" Requires="v">
-                <p:oleObj spid="_x0000_s434270" name="Equation" r:id="rId4" imgW="2146300" imgH="228600" progId="Equation.DSMT4">
+                <p:oleObj spid="_x0000_s434273" name="Equation" r:id="rId4" imgW="2146300" imgH="228600" progId="Equation.DSMT4">
                   <p:embed/>
                 </p:oleObj>
               </mc:Choice>
@@ -9733,7 +9733,7 @@
           <a:graphicData uri="http://schemas.openxmlformats.org/presentationml/2006/ole">
             <mc:AlternateContent xmlns:mc="http://schemas.openxmlformats.org/markup-compatibility/2006">
               <mc:Choice xmlns:v="urn:schemas-microsoft-com:vml" Requires="v">
-                <p:oleObj spid="_x0000_s434271" name="Equation" r:id="rId6" imgW="2514600" imgH="228600" progId="Equation.DSMT4">
+                <p:oleObj spid="_x0000_s434274" name="Equation" r:id="rId6" imgW="2514600" imgH="228600" progId="Equation.DSMT4">
                   <p:embed/>
                 </p:oleObj>
               </mc:Choice>
@@ -9900,7 +9900,7 @@
           <a:graphicData uri="http://schemas.openxmlformats.org/presentationml/2006/ole">
             <mc:AlternateContent xmlns:mc="http://schemas.openxmlformats.org/markup-compatibility/2006">
               <mc:Choice xmlns:v="urn:schemas-microsoft-com:vml" Requires="v">
-                <p:oleObj spid="_x0000_s436302" name="Equation" r:id="rId4" imgW="2514600" imgH="228600" progId="Equation.DSMT4">
+                <p:oleObj spid="_x0000_s436304" name="Equation" r:id="rId4" imgW="2514600" imgH="228600" progId="Equation.DSMT4">
                   <p:embed/>
                 </p:oleObj>
               </mc:Choice>
@@ -10121,7 +10121,7 @@
           <a:graphicData uri="http://schemas.openxmlformats.org/presentationml/2006/ole">
             <mc:AlternateContent xmlns:mc="http://schemas.openxmlformats.org/markup-compatibility/2006">
               <mc:Choice xmlns:v="urn:schemas-microsoft-com:vml" Requires="v">
-                <p:oleObj spid="_x0000_s437363" name="Equation" r:id="rId4" imgW="2514600" imgH="228600" progId="Equation.DSMT4">
+                <p:oleObj spid="_x0000_s437366" name="Equation" r:id="rId4" imgW="2514600" imgH="228600" progId="Equation.DSMT4">
                   <p:embed/>
                 </p:oleObj>
               </mc:Choice>
@@ -10178,7 +10178,7 @@
           <a:graphicData uri="http://schemas.openxmlformats.org/presentationml/2006/ole">
             <mc:AlternateContent xmlns:mc="http://schemas.openxmlformats.org/markup-compatibility/2006">
               <mc:Choice xmlns:v="urn:schemas-microsoft-com:vml" Requires="v">
-                <p:oleObj spid="_x0000_s437364" name="Equation" r:id="rId6" imgW="1866900" imgH="228600" progId="Equation.DSMT4">
+                <p:oleObj spid="_x0000_s437367" name="Equation" r:id="rId6" imgW="1866900" imgH="228600" progId="Equation.DSMT4">
                   <p:embed/>
                 </p:oleObj>
               </mc:Choice>
@@ -10345,7 +10345,7 @@
           <a:graphicData uri="http://schemas.openxmlformats.org/presentationml/2006/ole">
             <mc:AlternateContent xmlns:mc="http://schemas.openxmlformats.org/markup-compatibility/2006">
               <mc:Choice xmlns:v="urn:schemas-microsoft-com:vml" Requires="v">
-                <p:oleObj spid="_x0000_s479298" name="Equation" r:id="rId4" imgW="1866900" imgH="228600" progId="Equation.DSMT4">
+                <p:oleObj spid="_x0000_s479300" name="Equation" r:id="rId4" imgW="1866900" imgH="228600" progId="Equation.DSMT4">
                   <p:embed/>
                 </p:oleObj>
               </mc:Choice>
@@ -10568,7 +10568,7 @@
           <a:graphicData uri="http://schemas.openxmlformats.org/presentationml/2006/ole">
             <mc:AlternateContent xmlns:mc="http://schemas.openxmlformats.org/markup-compatibility/2006">
               <mc:Choice xmlns:v="urn:schemas-microsoft-com:vml" Requires="v">
-                <p:oleObj spid="_x0000_s440461" name="Equation" r:id="rId4" imgW="1866900" imgH="228600" progId="Equation.DSMT4">
+                <p:oleObj spid="_x0000_s440464" name="Equation" r:id="rId4" imgW="1866900" imgH="228600" progId="Equation.DSMT4">
                   <p:embed/>
                 </p:oleObj>
               </mc:Choice>
@@ -10625,7 +10625,7 @@
           <a:graphicData uri="http://schemas.openxmlformats.org/presentationml/2006/ole">
             <mc:AlternateContent xmlns:mc="http://schemas.openxmlformats.org/markup-compatibility/2006">
               <mc:Choice xmlns:v="urn:schemas-microsoft-com:vml" Requires="v">
-                <p:oleObj spid="_x0000_s440462" name="Equation" r:id="rId6" imgW="1689100" imgH="254000" progId="Equation.DSMT4">
+                <p:oleObj spid="_x0000_s440465" name="Equation" r:id="rId6" imgW="1689100" imgH="254000" progId="Equation.DSMT4">
                   <p:embed/>
                 </p:oleObj>
               </mc:Choice>
@@ -10792,7 +10792,7 @@
           <a:graphicData uri="http://schemas.openxmlformats.org/presentationml/2006/ole">
             <mc:AlternateContent xmlns:mc="http://schemas.openxmlformats.org/markup-compatibility/2006">
               <mc:Choice xmlns:v="urn:schemas-microsoft-com:vml" Requires="v">
-                <p:oleObj spid="_x0000_s433282" name="Equation" r:id="rId4" imgW="1689100" imgH="254000" progId="Equation.DSMT4">
+                <p:oleObj spid="_x0000_s433284" name="Equation" r:id="rId4" imgW="1689100" imgH="254000" progId="Equation.DSMT4">
                   <p:embed/>
                 </p:oleObj>
               </mc:Choice>
@@ -10961,7 +10961,7 @@
           <a:graphicData uri="http://schemas.openxmlformats.org/presentationml/2006/ole">
             <mc:AlternateContent xmlns:mc="http://schemas.openxmlformats.org/markup-compatibility/2006">
               <mc:Choice xmlns:v="urn:schemas-microsoft-com:vml" Requires="v">
-                <p:oleObj spid="_x0000_s441508" name="Equation" r:id="rId4" imgW="1371600" imgH="482600" progId="Equation.DSMT4">
+                <p:oleObj spid="_x0000_s441511" name="Equation" r:id="rId4" imgW="1371600" imgH="482600" progId="Equation.DSMT4">
                   <p:embed/>
                 </p:oleObj>
               </mc:Choice>
@@ -11051,7 +11051,7 @@
           <a:graphicData uri="http://schemas.openxmlformats.org/presentationml/2006/ole">
             <mc:AlternateContent xmlns:mc="http://schemas.openxmlformats.org/markup-compatibility/2006">
               <mc:Choice xmlns:v="urn:schemas-microsoft-com:vml" Requires="v">
-                <p:oleObj spid="_x0000_s441509" name="Equation" r:id="rId6" imgW="1689100" imgH="254000" progId="Equation.DSMT4">
+                <p:oleObj spid="_x0000_s441512" name="Equation" r:id="rId6" imgW="1689100" imgH="254000" progId="Equation.DSMT4">
                   <p:embed/>
                 </p:oleObj>
               </mc:Choice>
@@ -11422,7 +11422,7 @@
           <a:graphicData uri="http://schemas.openxmlformats.org/presentationml/2006/ole">
             <mc:AlternateContent xmlns:mc="http://schemas.openxmlformats.org/markup-compatibility/2006">
               <mc:Choice xmlns:v="urn:schemas-microsoft-com:vml" Requires="v">
-                <p:oleObj spid="_x0000_s502814" name="Equation" r:id="rId4" imgW="1371600" imgH="482600" progId="Equation.DSMT4">
+                <p:oleObj spid="_x0000_s502816" name="Equation" r:id="rId4" imgW="1371600" imgH="482600" progId="Equation.DSMT4">
                   <p:embed/>
                 </p:oleObj>
               </mc:Choice>
@@ -11589,7 +11589,7 @@
           <a:graphicData uri="http://schemas.openxmlformats.org/presentationml/2006/ole">
             <mc:AlternateContent xmlns:mc="http://schemas.openxmlformats.org/markup-compatibility/2006">
               <mc:Choice xmlns:v="urn:schemas-microsoft-com:vml" Requires="v">
-                <p:oleObj spid="_x0000_s444495" name="Equation" r:id="rId4" imgW="1371600" imgH="482600" progId="Equation.DSMT4">
+                <p:oleObj spid="_x0000_s444498" name="Equation" r:id="rId4" imgW="1371600" imgH="482600" progId="Equation.DSMT4">
                   <p:embed/>
                 </p:oleObj>
               </mc:Choice>
@@ -11731,7 +11731,7 @@
             <a:graphicData uri="http://schemas.openxmlformats.org/presentationml/2006/ole">
               <mc:AlternateContent xmlns:mc="http://schemas.openxmlformats.org/markup-compatibility/2006">
                 <mc:Choice xmlns:v="urn:schemas-microsoft-com:vml" Requires="v">
-                  <p:oleObj spid="_x0000_s444496" name="Equation" r:id="rId6" imgW="139700" imgH="215900" progId="Equation.DSMT4">
+                  <p:oleObj spid="_x0000_s444499" name="Equation" r:id="rId6" imgW="139700" imgH="215900" progId="Equation.DSMT4">
                     <p:embed/>
                   </p:oleObj>
                 </mc:Choice>
@@ -11866,7 +11866,7 @@
           <a:graphicData uri="http://schemas.openxmlformats.org/presentationml/2006/ole">
             <mc:AlternateContent xmlns:mc="http://schemas.openxmlformats.org/markup-compatibility/2006">
               <mc:Choice xmlns:v="urn:schemas-microsoft-com:vml" Requires="v">
-                <p:oleObj spid="_x0000_s442455" name="Equation" r:id="rId4" imgW="1371600" imgH="482600" progId="Equation.DSMT4">
+                <p:oleObj spid="_x0000_s442458" name="Equation" r:id="rId4" imgW="1371600" imgH="482600" progId="Equation.DSMT4">
                   <p:embed/>
                 </p:oleObj>
               </mc:Choice>
@@ -11923,7 +11923,7 @@
           <a:graphicData uri="http://schemas.openxmlformats.org/presentationml/2006/ole">
             <mc:AlternateContent xmlns:mc="http://schemas.openxmlformats.org/markup-compatibility/2006">
               <mc:Choice xmlns:v="urn:schemas-microsoft-com:vml" Requires="v">
-                <p:oleObj spid="_x0000_s442456" name="Equation" r:id="rId6" imgW="1803400" imgH="482600" progId="Equation.DSMT4">
+                <p:oleObj spid="_x0000_s442459" name="Equation" r:id="rId6" imgW="1803400" imgH="482600" progId="Equation.DSMT4">
                   <p:embed/>
                 </p:oleObj>
               </mc:Choice>
@@ -12090,7 +12090,7 @@
           <a:graphicData uri="http://schemas.openxmlformats.org/presentationml/2006/ole">
             <mc:AlternateContent xmlns:mc="http://schemas.openxmlformats.org/markup-compatibility/2006">
               <mc:Choice xmlns:v="urn:schemas-microsoft-com:vml" Requires="v">
-                <p:oleObj spid="_x0000_s446567" name="Equation" r:id="rId4" imgW="1803400" imgH="482600" progId="Equation.DSMT4">
+                <p:oleObj spid="_x0000_s446570" name="Equation" r:id="rId4" imgW="1803400" imgH="482600" progId="Equation.DSMT4">
                   <p:embed/>
                 </p:oleObj>
               </mc:Choice>
@@ -12232,7 +12232,7 @@
             <a:graphicData uri="http://schemas.openxmlformats.org/presentationml/2006/ole">
               <mc:AlternateContent xmlns:mc="http://schemas.openxmlformats.org/markup-compatibility/2006">
                 <mc:Choice xmlns:v="urn:schemas-microsoft-com:vml" Requires="v">
-                  <p:oleObj spid="_x0000_s446568" name="Equation" r:id="rId6" imgW="177800" imgH="241300" progId="Equation.DSMT4">
+                  <p:oleObj spid="_x0000_s446571" name="Equation" r:id="rId6" imgW="177800" imgH="241300" progId="Equation.DSMT4">
                     <p:embed/>
                   </p:oleObj>
                 </mc:Choice>
@@ -12358,7 +12358,7 @@
           <a:graphicData uri="http://schemas.openxmlformats.org/presentationml/2006/ole">
             <mc:AlternateContent xmlns:mc="http://schemas.openxmlformats.org/markup-compatibility/2006">
               <mc:Choice xmlns:v="urn:schemas-microsoft-com:vml" Requires="v">
-                <p:oleObj spid="_x0000_s445551" name="Equation" r:id="rId4" imgW="1854200" imgH="482600" progId="Equation.DSMT4">
+                <p:oleObj spid="_x0000_s445554" name="Equation" r:id="rId4" imgW="1854200" imgH="482600" progId="Equation.DSMT4">
                   <p:embed/>
                 </p:oleObj>
               </mc:Choice>
@@ -12415,7 +12415,7 @@
           <a:graphicData uri="http://schemas.openxmlformats.org/presentationml/2006/ole">
             <mc:AlternateContent xmlns:mc="http://schemas.openxmlformats.org/markup-compatibility/2006">
               <mc:Choice xmlns:v="urn:schemas-microsoft-com:vml" Requires="v">
-                <p:oleObj spid="_x0000_s445552" name="Equation" r:id="rId6" imgW="1803400" imgH="482600" progId="Equation.DSMT4">
+                <p:oleObj spid="_x0000_s445555" name="Equation" r:id="rId6" imgW="1803400" imgH="482600" progId="Equation.DSMT4">
                   <p:embed/>
                 </p:oleObj>
               </mc:Choice>
@@ -12573,7 +12573,7 @@
           <a:graphicData uri="http://schemas.openxmlformats.org/presentationml/2006/ole">
             <mc:AlternateContent xmlns:mc="http://schemas.openxmlformats.org/markup-compatibility/2006">
               <mc:Choice xmlns:v="urn:schemas-microsoft-com:vml" Requires="v">
-                <p:oleObj spid="_x0000_s480321" name="Equation" r:id="rId4" imgW="1854200" imgH="482600" progId="Equation.DSMT4">
+                <p:oleObj spid="_x0000_s480323" name="Equation" r:id="rId4" imgW="1854200" imgH="482600" progId="Equation.DSMT4">
                   <p:embed/>
                 </p:oleObj>
               </mc:Choice>
@@ -13041,7 +13041,7 @@
           <a:graphicData uri="http://schemas.openxmlformats.org/presentationml/2006/ole">
             <mc:AlternateContent xmlns:mc="http://schemas.openxmlformats.org/markup-compatibility/2006">
               <mc:Choice xmlns:v="urn:schemas-microsoft-com:vml" Requires="v">
-                <p:oleObj spid="_x0000_s425124" name="Equation" r:id="rId4" imgW="1511300" imgH="254000" progId="Equation.DSMT4">
+                <p:oleObj spid="_x0000_s425129" name="Equation" r:id="rId4" imgW="1511300" imgH="254000" progId="Equation.DSMT4">
                   <p:embed/>
                 </p:oleObj>
               </mc:Choice>
@@ -13098,7 +13098,7 @@
           <a:graphicData uri="http://schemas.openxmlformats.org/presentationml/2006/ole">
             <mc:AlternateContent xmlns:mc="http://schemas.openxmlformats.org/markup-compatibility/2006">
               <mc:Choice xmlns:v="urn:schemas-microsoft-com:vml" Requires="v">
-                <p:oleObj spid="_x0000_s425125" name="Equation" r:id="rId6" imgW="1524000" imgH="254000" progId="Equation.DSMT4">
+                <p:oleObj spid="_x0000_s425130" name="Equation" r:id="rId6" imgW="1524000" imgH="254000" progId="Equation.DSMT4">
                   <p:embed/>
                 </p:oleObj>
               </mc:Choice>
@@ -13155,7 +13155,7 @@
           <a:graphicData uri="http://schemas.openxmlformats.org/presentationml/2006/ole">
             <mc:AlternateContent xmlns:mc="http://schemas.openxmlformats.org/markup-compatibility/2006">
               <mc:Choice xmlns:v="urn:schemas-microsoft-com:vml" Requires="v">
-                <p:oleObj spid="_x0000_s425126" name="Equation" r:id="rId8" imgW="1181100" imgH="228600" progId="Equation.DSMT4">
+                <p:oleObj spid="_x0000_s425131" name="Equation" r:id="rId8" imgW="1181100" imgH="228600" progId="Equation.DSMT4">
                   <p:embed/>
                 </p:oleObj>
               </mc:Choice>
@@ -13212,7 +13212,7 @@
           <a:graphicData uri="http://schemas.openxmlformats.org/presentationml/2006/ole">
             <mc:AlternateContent xmlns:mc="http://schemas.openxmlformats.org/markup-compatibility/2006">
               <mc:Choice xmlns:v="urn:schemas-microsoft-com:vml" Requires="v">
-                <p:oleObj spid="_x0000_s425127" name="Equation" r:id="rId10" imgW="1168400" imgH="228600" progId="Equation.DSMT4">
+                <p:oleObj spid="_x0000_s425132" name="Equation" r:id="rId10" imgW="1168400" imgH="228600" progId="Equation.DSMT4">
                   <p:embed/>
                 </p:oleObj>
               </mc:Choice>
@@ -13603,7 +13603,7 @@
           <a:graphicData uri="http://schemas.openxmlformats.org/presentationml/2006/ole">
             <mc:AlternateContent xmlns:mc="http://schemas.openxmlformats.org/markup-compatibility/2006">
               <mc:Choice xmlns:v="urn:schemas-microsoft-com:vml" Requires="v">
-                <p:oleObj spid="_x0000_s553993" name="Equation" r:id="rId4" imgW="1181100" imgH="228600" progId="Equation.DSMT4">
+                <p:oleObj spid="_x0000_s553998" name="Equation" r:id="rId4" imgW="1181100" imgH="228600" progId="Equation.DSMT4">
                   <p:embed/>
                 </p:oleObj>
               </mc:Choice>
@@ -13660,7 +13660,7 @@
           <a:graphicData uri="http://schemas.openxmlformats.org/presentationml/2006/ole">
             <mc:AlternateContent xmlns:mc="http://schemas.openxmlformats.org/markup-compatibility/2006">
               <mc:Choice xmlns:v="urn:schemas-microsoft-com:vml" Requires="v">
-                <p:oleObj spid="_x0000_s553994" name="Equation" r:id="rId6" imgW="1168400" imgH="228600" progId="Equation.DSMT4">
+                <p:oleObj spid="_x0000_s553999" name="Equation" r:id="rId6" imgW="1168400" imgH="228600" progId="Equation.DSMT4">
                   <p:embed/>
                 </p:oleObj>
               </mc:Choice>
@@ -13717,7 +13717,7 @@
           <a:graphicData uri="http://schemas.openxmlformats.org/presentationml/2006/ole">
             <mc:AlternateContent xmlns:mc="http://schemas.openxmlformats.org/markup-compatibility/2006">
               <mc:Choice xmlns:v="urn:schemas-microsoft-com:vml" Requires="v">
-                <p:oleObj spid="_x0000_s553995" name="Equation" r:id="rId8" imgW="1511300" imgH="254000" progId="Equation.DSMT4">
+                <p:oleObj spid="_x0000_s554000" name="Equation" r:id="rId8" imgW="1511300" imgH="254000" progId="Equation.DSMT4">
                   <p:embed/>
                 </p:oleObj>
               </mc:Choice>
@@ -13774,7 +13774,7 @@
           <a:graphicData uri="http://schemas.openxmlformats.org/presentationml/2006/ole">
             <mc:AlternateContent xmlns:mc="http://schemas.openxmlformats.org/markup-compatibility/2006">
               <mc:Choice xmlns:v="urn:schemas-microsoft-com:vml" Requires="v">
-                <p:oleObj spid="_x0000_s553996" name="Equation" r:id="rId10" imgW="1524000" imgH="254000" progId="Equation.DSMT4">
+                <p:oleObj spid="_x0000_s554001" name="Equation" r:id="rId10" imgW="1524000" imgH="254000" progId="Equation.DSMT4">
                   <p:embed/>
                 </p:oleObj>
               </mc:Choice>
@@ -14088,7 +14088,7 @@
           <a:graphicData uri="http://schemas.openxmlformats.org/presentationml/2006/ole">
             <mc:AlternateContent xmlns:mc="http://schemas.openxmlformats.org/markup-compatibility/2006">
               <mc:Choice xmlns:v="urn:schemas-microsoft-com:vml" Requires="v">
-                <p:oleObj spid="_x0000_s426063" name="Equation" r:id="rId4" imgW="1854200" imgH="482600" progId="Equation.DSMT4">
+                <p:oleObj spid="_x0000_s426065" name="Equation" r:id="rId4" imgW="1854200" imgH="482600" progId="Equation.DSMT4">
                   <p:embed/>
                 </p:oleObj>
               </mc:Choice>
@@ -14462,7 +14462,7 @@
           <a:graphicData uri="http://schemas.openxmlformats.org/presentationml/2006/ole">
             <mc:AlternateContent xmlns:mc="http://schemas.openxmlformats.org/markup-compatibility/2006">
               <mc:Choice xmlns:v="urn:schemas-microsoft-com:vml" Requires="v">
-                <p:oleObj spid="_x0000_s481317" name="Equation" r:id="rId4" imgW="1854200" imgH="482600" progId="Equation.DSMT4">
+                <p:oleObj spid="_x0000_s481319" name="Equation" r:id="rId4" imgW="1854200" imgH="482600" progId="Equation.DSMT4">
                   <p:embed/>
                 </p:oleObj>
               </mc:Choice>
@@ -14984,7 +14984,7 @@
           <a:graphicData uri="http://schemas.openxmlformats.org/presentationml/2006/ole">
             <mc:AlternateContent xmlns:mc="http://schemas.openxmlformats.org/markup-compatibility/2006">
               <mc:Choice xmlns:v="urn:schemas-microsoft-com:vml" Requires="v">
-                <p:oleObj spid="_x0000_s528404" name="Equation" r:id="rId4" imgW="1803400" imgH="482600" progId="Equation.DSMT4">
+                <p:oleObj spid="_x0000_s528406" name="Equation" r:id="rId4" imgW="1803400" imgH="482600" progId="Equation.DSMT4">
                   <p:embed/>
                 </p:oleObj>
               </mc:Choice>
@@ -15183,7 +15183,7 @@
           <a:graphicData uri="http://schemas.openxmlformats.org/presentationml/2006/ole">
             <mc:AlternateContent xmlns:mc="http://schemas.openxmlformats.org/markup-compatibility/2006">
               <mc:Choice xmlns:v="urn:schemas-microsoft-com:vml" Requires="v">
-                <p:oleObj spid="_x0000_s447536" name="Equation" r:id="rId4" imgW="2514600" imgH="254000" progId="Equation.DSMT4">
+                <p:oleObj spid="_x0000_s447538" name="Equation" r:id="rId4" imgW="2514600" imgH="254000" progId="Equation.DSMT4">
                   <p:embed/>
                 </p:oleObj>
               </mc:Choice>
@@ -15543,7 +15543,7 @@
           <a:graphicData uri="http://schemas.openxmlformats.org/presentationml/2006/ole">
             <mc:AlternateContent xmlns:mc="http://schemas.openxmlformats.org/markup-compatibility/2006">
               <mc:Choice xmlns:v="urn:schemas-microsoft-com:vml" Requires="v">
-                <p:oleObj spid="_x0000_s449627" name="Equation" r:id="rId4" imgW="698500" imgH="254000" progId="Equation.DSMT4">
+                <p:oleObj spid="_x0000_s449630" name="Equation" r:id="rId4" imgW="698500" imgH="254000" progId="Equation.DSMT4">
                   <p:embed/>
                 </p:oleObj>
               </mc:Choice>
@@ -15600,7 +15600,7 @@
           <a:graphicData uri="http://schemas.openxmlformats.org/presentationml/2006/ole">
             <mc:AlternateContent xmlns:mc="http://schemas.openxmlformats.org/markup-compatibility/2006">
               <mc:Choice xmlns:v="urn:schemas-microsoft-com:vml" Requires="v">
-                <p:oleObj spid="_x0000_s449628" name="Equation" r:id="rId6" imgW="1651000" imgH="254000" progId="Equation.DSMT4">
+                <p:oleObj spid="_x0000_s449631" name="Equation" r:id="rId6" imgW="1651000" imgH="254000" progId="Equation.DSMT4">
                   <p:embed/>
                 </p:oleObj>
               </mc:Choice>
@@ -15731,13 +15731,13 @@
   <p:clrMapOvr>
     <a:masterClrMapping/>
   </p:clrMapOvr>
-  <mc:AlternateContent xmlns:mc="http://schemas.openxmlformats.org/markup-compatibility/2006">
-    <mc:Choice xmlns:p14="http://schemas.microsoft.com/office/powerpoint/2010/main" Requires="p14">
+  <mc:AlternateContent xmlns:mc="http://schemas.openxmlformats.org/markup-compatibility/2006" xmlns:p14="http://schemas.microsoft.com/office/powerpoint/2010/main">
+    <mc:Choice Requires="p14">
       <p:transition spd="med" p14:dur="600" advClick="0">
         <p:fade/>
       </p:transition>
     </mc:Choice>
-    <mc:Fallback>
+    <mc:Fallback xmlns="">
       <p:transition xmlns:p14="http://schemas.microsoft.com/office/powerpoint/2010/main" spd="med" advClick="0">
         <p:fade/>
       </p:transition>
@@ -16011,7 +16011,7 @@
           <a:graphicData uri="http://schemas.openxmlformats.org/presentationml/2006/ole">
             <mc:AlternateContent xmlns:mc="http://schemas.openxmlformats.org/markup-compatibility/2006">
               <mc:Choice xmlns:v="urn:schemas-microsoft-com:vml" Requires="v">
-                <p:oleObj spid="_x0000_s506960" name="Equation" r:id="rId4" imgW="698500" imgH="254000" progId="Equation.DSMT4">
+                <p:oleObj spid="_x0000_s506964" name="Equation" r:id="rId4" imgW="698500" imgH="254000" progId="Equation.DSMT4">
                   <p:embed/>
                 </p:oleObj>
               </mc:Choice>
@@ -16068,7 +16068,7 @@
           <a:graphicData uri="http://schemas.openxmlformats.org/presentationml/2006/ole">
             <mc:AlternateContent xmlns:mc="http://schemas.openxmlformats.org/markup-compatibility/2006">
               <mc:Choice xmlns:v="urn:schemas-microsoft-com:vml" Requires="v">
-                <p:oleObj spid="_x0000_s506961" name="Equation" r:id="rId6" imgW="1651000" imgH="254000" progId="Equation.DSMT4">
+                <p:oleObj spid="_x0000_s506965" name="Equation" r:id="rId6" imgW="1651000" imgH="254000" progId="Equation.DSMT4">
                   <p:embed/>
                 </p:oleObj>
               </mc:Choice>
@@ -16125,7 +16125,7 @@
           <a:graphicData uri="http://schemas.openxmlformats.org/presentationml/2006/ole">
             <mc:AlternateContent xmlns:mc="http://schemas.openxmlformats.org/markup-compatibility/2006">
               <mc:Choice xmlns:v="urn:schemas-microsoft-com:vml" Requires="v">
-                <p:oleObj spid="_x0000_s506962" name="Equation" r:id="rId8" imgW="1333500" imgH="482600" progId="Equation.DSMT4">
+                <p:oleObj spid="_x0000_s506966" name="Equation" r:id="rId8" imgW="1333500" imgH="482600" progId="Equation.DSMT4">
                   <p:embed/>
                 </p:oleObj>
               </mc:Choice>
@@ -16425,7 +16425,7 @@
           <a:graphicData uri="http://schemas.openxmlformats.org/presentationml/2006/ole">
             <mc:AlternateContent xmlns:mc="http://schemas.openxmlformats.org/markup-compatibility/2006">
               <mc:Choice xmlns:v="urn:schemas-microsoft-com:vml" Requires="v">
-                <p:oleObj spid="_x0000_s507974" name="Equation" r:id="rId4" imgW="698500" imgH="254000" progId="Equation.DSMT4">
+                <p:oleObj spid="_x0000_s507977" name="Equation" r:id="rId4" imgW="698500" imgH="254000" progId="Equation.DSMT4">
                   <p:embed/>
                 </p:oleObj>
               </mc:Choice>
@@ -16482,7 +16482,7 @@
           <a:graphicData uri="http://schemas.openxmlformats.org/presentationml/2006/ole">
             <mc:AlternateContent xmlns:mc="http://schemas.openxmlformats.org/markup-compatibility/2006">
               <mc:Choice xmlns:v="urn:schemas-microsoft-com:vml" Requires="v">
-                <p:oleObj spid="_x0000_s507975" name="Equation" r:id="rId6" imgW="1333500" imgH="482600" progId="Equation.DSMT4">
+                <p:oleObj spid="_x0000_s507978" name="Equation" r:id="rId6" imgW="1333500" imgH="482600" progId="Equation.DSMT4">
                   <p:embed/>
                 </p:oleObj>
               </mc:Choice>
@@ -16894,7 +16894,7 @@
           <a:graphicData uri="http://schemas.openxmlformats.org/presentationml/2006/ole">
             <mc:AlternateContent xmlns:mc="http://schemas.openxmlformats.org/markup-compatibility/2006">
               <mc:Choice xmlns:v="urn:schemas-microsoft-com:vml" Requires="v">
-                <p:oleObj spid="_x0000_s522277" name="Equation" r:id="rId4" imgW="1600200" imgH="215900" progId="Equation.DSMT4">
+                <p:oleObj spid="_x0000_s522280" name="Equation" r:id="rId4" imgW="1600200" imgH="215900" progId="Equation.DSMT4">
                   <p:embed/>
                 </p:oleObj>
               </mc:Choice>
@@ -16951,7 +16951,7 @@
           <a:graphicData uri="http://schemas.openxmlformats.org/presentationml/2006/ole">
             <mc:AlternateContent xmlns:mc="http://schemas.openxmlformats.org/markup-compatibility/2006">
               <mc:Choice xmlns:v="urn:schemas-microsoft-com:vml" Requires="v">
-                <p:oleObj spid="_x0000_s522278" name="Equation" r:id="rId6" imgW="1397000" imgH="457200" progId="Equation.DSMT4">
+                <p:oleObj spid="_x0000_s522281" name="Equation" r:id="rId6" imgW="1397000" imgH="457200" progId="Equation.DSMT4">
                   <p:embed/>
                 </p:oleObj>
               </mc:Choice>
@@ -17360,7 +17360,7 @@
           <a:graphicData uri="http://schemas.openxmlformats.org/presentationml/2006/ole">
             <mc:AlternateContent xmlns:mc="http://schemas.openxmlformats.org/markup-compatibility/2006">
               <mc:Choice xmlns:v="urn:schemas-microsoft-com:vml" Requires="v">
-                <p:oleObj spid="_x0000_s461872" name="Equation" r:id="rId4" imgW="1333500" imgH="482600" progId="Equation.DSMT4">
+                <p:oleObj spid="_x0000_s461874" name="Equation" r:id="rId4" imgW="1333500" imgH="482600" progId="Equation.DSMT4">
                   <p:embed/>
                 </p:oleObj>
               </mc:Choice>
@@ -17712,7 +17712,7 @@
           <a:graphicData uri="http://schemas.openxmlformats.org/presentationml/2006/ole">
             <mc:AlternateContent xmlns:mc="http://schemas.openxmlformats.org/markup-compatibility/2006">
               <mc:Choice xmlns:v="urn:schemas-microsoft-com:vml" Requires="v">
-                <p:oleObj spid="_x0000_s523301" name="Equation" r:id="rId4" imgW="1333500" imgH="482600" progId="Equation.DSMT4">
+                <p:oleObj spid="_x0000_s523303" name="Equation" r:id="rId4" imgW="1333500" imgH="482600" progId="Equation.DSMT4">
                   <p:embed/>
                 </p:oleObj>
               </mc:Choice>
@@ -17887,7 +17887,7 @@
           <a:graphicData uri="http://schemas.openxmlformats.org/presentationml/2006/ole">
             <mc:AlternateContent xmlns:mc="http://schemas.openxmlformats.org/markup-compatibility/2006">
               <mc:Choice xmlns:v="urn:schemas-microsoft-com:vml" Requires="v">
-                <p:oleObj spid="_x0000_s542733" name="Equation" r:id="rId4" imgW="1333500" imgH="482600" progId="Equation.DSMT4">
+                <p:oleObj spid="_x0000_s542735" name="Equation" r:id="rId4" imgW="1333500" imgH="482600" progId="Equation.DSMT4">
                   <p:embed/>
                 </p:oleObj>
               </mc:Choice>
@@ -18062,7 +18062,7 @@
           <a:graphicData uri="http://schemas.openxmlformats.org/presentationml/2006/ole">
             <mc:AlternateContent xmlns:mc="http://schemas.openxmlformats.org/markup-compatibility/2006">
               <mc:Choice xmlns:v="urn:schemas-microsoft-com:vml" Requires="v">
-                <p:oleObj spid="_x0000_s544793" name="Equation" r:id="rId4" imgW="1333500" imgH="482600" progId="Equation.DSMT4">
+                <p:oleObj spid="_x0000_s544796" name="Equation" r:id="rId4" imgW="1333500" imgH="482600" progId="Equation.DSMT4">
                   <p:embed/>
                 </p:oleObj>
               </mc:Choice>
@@ -18222,7 +18222,7 @@
           <a:graphicData uri="http://schemas.openxmlformats.org/presentationml/2006/ole">
             <mc:AlternateContent xmlns:mc="http://schemas.openxmlformats.org/markup-compatibility/2006">
               <mc:Choice xmlns:v="urn:schemas-microsoft-com:vml" Requires="v">
-                <p:oleObj spid="_x0000_s544794" name="Equation" r:id="rId6" imgW="698500" imgH="254000" progId="Equation.DSMT4">
+                <p:oleObj spid="_x0000_s544797" name="Equation" r:id="rId6" imgW="698500" imgH="254000" progId="Equation.DSMT4">
                   <p:embed/>
                 </p:oleObj>
               </mc:Choice>
@@ -18634,7 +18634,7 @@
           <a:graphicData uri="http://schemas.openxmlformats.org/presentationml/2006/ole">
             <mc:AlternateContent xmlns:mc="http://schemas.openxmlformats.org/markup-compatibility/2006">
               <mc:Choice xmlns:v="urn:schemas-microsoft-com:vml" Requires="v">
-                <p:oleObj spid="_x0000_s420018" name="Equation" r:id="rId4" imgW="139700" imgH="215900" progId="Equation.DSMT4">
+                <p:oleObj spid="_x0000_s420022" name="Equation" r:id="rId4" imgW="139700" imgH="215900" progId="Equation.DSMT4">
                   <p:embed/>
                 </p:oleObj>
               </mc:Choice>
@@ -18691,7 +18691,7 @@
           <a:graphicData uri="http://schemas.openxmlformats.org/presentationml/2006/ole">
             <mc:AlternateContent xmlns:mc="http://schemas.openxmlformats.org/markup-compatibility/2006">
               <mc:Choice xmlns:v="urn:schemas-microsoft-com:vml" Requires="v">
-                <p:oleObj spid="_x0000_s420019" name="Equation" r:id="rId6" imgW="2044700" imgH="228600" progId="Equation.DSMT4">
+                <p:oleObj spid="_x0000_s420023" name="Equation" r:id="rId6" imgW="2044700" imgH="228600" progId="Equation.DSMT4">
                   <p:embed/>
                 </p:oleObj>
               </mc:Choice>
@@ -18831,7 +18831,7 @@
           <a:graphicData uri="http://schemas.openxmlformats.org/presentationml/2006/ole">
             <mc:AlternateContent xmlns:mc="http://schemas.openxmlformats.org/markup-compatibility/2006">
               <mc:Choice xmlns:v="urn:schemas-microsoft-com:vml" Requires="v">
-                <p:oleObj spid="_x0000_s420020" name="Equation" r:id="rId8" imgW="2159000" imgH="457200" progId="Equation.DSMT4">
+                <p:oleObj spid="_x0000_s420024" name="Equation" r:id="rId8" imgW="2159000" imgH="457200" progId="Equation.DSMT4">
                   <p:embed/>
                 </p:oleObj>
               </mc:Choice>
@@ -19264,7 +19264,7 @@
           <a:graphicData uri="http://schemas.openxmlformats.org/presentationml/2006/ole">
             <mc:AlternateContent xmlns:mc="http://schemas.openxmlformats.org/markup-compatibility/2006">
               <mc:Choice xmlns:v="urn:schemas-microsoft-com:vml" Requires="v">
-                <p:oleObj spid="_x0000_s525373" name="Equation" r:id="rId4" imgW="1333500" imgH="482600" progId="Equation.DSMT4">
+                <p:oleObj spid="_x0000_s525377" name="Equation" r:id="rId4" imgW="1333500" imgH="482600" progId="Equation.DSMT4">
                   <p:embed/>
                 </p:oleObj>
               </mc:Choice>
@@ -19356,7 +19356,7 @@
           <a:graphicData uri="http://schemas.openxmlformats.org/presentationml/2006/ole">
             <mc:AlternateContent xmlns:mc="http://schemas.openxmlformats.org/markup-compatibility/2006">
               <mc:Choice xmlns:v="urn:schemas-microsoft-com:vml" Requires="v">
-                <p:oleObj spid="_x0000_s525374" name="Equation" r:id="rId6" imgW="1333500" imgH="482600" progId="Equation.DSMT4">
+                <p:oleObj spid="_x0000_s525378" name="Equation" r:id="rId6" imgW="1333500" imgH="482600" progId="Equation.DSMT4">
                   <p:embed/>
                 </p:oleObj>
               </mc:Choice>
@@ -19413,7 +19413,7 @@
           <a:graphicData uri="http://schemas.openxmlformats.org/presentationml/2006/ole">
             <mc:AlternateContent xmlns:mc="http://schemas.openxmlformats.org/markup-compatibility/2006">
               <mc:Choice xmlns:v="urn:schemas-microsoft-com:vml" Requires="v">
-                <p:oleObj spid="_x0000_s525375" name="Equation" r:id="rId8" imgW="1333500" imgH="482600" progId="Equation.DSMT4">
+                <p:oleObj spid="_x0000_s525379" name="Equation" r:id="rId8" imgW="1333500" imgH="482600" progId="Equation.DSMT4">
                   <p:embed/>
                 </p:oleObj>
               </mc:Choice>
@@ -20092,7 +20092,7 @@
           <a:graphicData uri="http://schemas.openxmlformats.org/presentationml/2006/ole">
             <mc:AlternateContent xmlns:mc="http://schemas.openxmlformats.org/markup-compatibility/2006">
               <mc:Choice xmlns:v="urn:schemas-microsoft-com:vml" Requires="v">
-                <p:oleObj spid="_x0000_s526391" name="Equation" r:id="rId4" imgW="1333500" imgH="482600" progId="Equation.DSMT4">
+                <p:oleObj spid="_x0000_s526395" name="Equation" r:id="rId4" imgW="1333500" imgH="482600" progId="Equation.DSMT4">
                   <p:embed/>
                 </p:oleObj>
               </mc:Choice>
@@ -20186,7 +20186,7 @@
           <a:graphicData uri="http://schemas.openxmlformats.org/presentationml/2006/ole">
             <mc:AlternateContent xmlns:mc="http://schemas.openxmlformats.org/markup-compatibility/2006">
               <mc:Choice xmlns:v="urn:schemas-microsoft-com:vml" Requires="v">
-                <p:oleObj spid="_x0000_s526392" name="Equation" r:id="rId6" imgW="1333500" imgH="482600" progId="Equation.DSMT4">
+                <p:oleObj spid="_x0000_s526396" name="Equation" r:id="rId6" imgW="1333500" imgH="482600" progId="Equation.DSMT4">
                   <p:embed/>
                 </p:oleObj>
               </mc:Choice>
@@ -20243,7 +20243,7 @@
           <a:graphicData uri="http://schemas.openxmlformats.org/presentationml/2006/ole">
             <mc:AlternateContent xmlns:mc="http://schemas.openxmlformats.org/markup-compatibility/2006">
               <mc:Choice xmlns:v="urn:schemas-microsoft-com:vml" Requires="v">
-                <p:oleObj spid="_x0000_s526393" name="Equation" r:id="rId8" imgW="1333500" imgH="482600" progId="Equation.DSMT4">
+                <p:oleObj spid="_x0000_s526397" name="Equation" r:id="rId8" imgW="1333500" imgH="482600" progId="Equation.DSMT4">
                   <p:embed/>
                 </p:oleObj>
               </mc:Choice>
@@ -20695,7 +20695,7 @@
           <a:graphicData uri="http://schemas.openxmlformats.org/presentationml/2006/ole">
             <mc:AlternateContent xmlns:mc="http://schemas.openxmlformats.org/markup-compatibility/2006">
               <mc:Choice xmlns:v="urn:schemas-microsoft-com:vml" Requires="v">
-                <p:oleObj spid="_x0000_s527412" name="Equation" r:id="rId4" imgW="1333500" imgH="482600" progId="Equation.DSMT4">
+                <p:oleObj spid="_x0000_s527416" name="Equation" r:id="rId4" imgW="1333500" imgH="482600" progId="Equation.DSMT4">
                   <p:embed/>
                 </p:oleObj>
               </mc:Choice>
@@ -20789,7 +20789,7 @@
           <a:graphicData uri="http://schemas.openxmlformats.org/presentationml/2006/ole">
             <mc:AlternateContent xmlns:mc="http://schemas.openxmlformats.org/markup-compatibility/2006">
               <mc:Choice xmlns:v="urn:schemas-microsoft-com:vml" Requires="v">
-                <p:oleObj spid="_x0000_s527413" name="Equation" r:id="rId6" imgW="1181100" imgH="508000" progId="Equation.DSMT4">
+                <p:oleObj spid="_x0000_s527417" name="Equation" r:id="rId6" imgW="1181100" imgH="508000" progId="Equation.DSMT4">
                   <p:embed/>
                 </p:oleObj>
               </mc:Choice>
@@ -20846,7 +20846,7 @@
           <a:graphicData uri="http://schemas.openxmlformats.org/presentationml/2006/ole">
             <mc:AlternateContent xmlns:mc="http://schemas.openxmlformats.org/markup-compatibility/2006">
               <mc:Choice xmlns:v="urn:schemas-microsoft-com:vml" Requires="v">
-                <p:oleObj spid="_x0000_s527414" name="Equation" r:id="rId8" imgW="1143000" imgH="254000" progId="Equation.DSMT4">
+                <p:oleObj spid="_x0000_s527418" name="Equation" r:id="rId8" imgW="1143000" imgH="254000" progId="Equation.DSMT4">
                   <p:embed/>
                 </p:oleObj>
               </mc:Choice>
@@ -21056,7 +21056,7 @@
           <a:graphicData uri="http://schemas.openxmlformats.org/presentationml/2006/ole">
             <mc:AlternateContent xmlns:mc="http://schemas.openxmlformats.org/markup-compatibility/2006">
               <mc:Choice xmlns:v="urn:schemas-microsoft-com:vml" Requires="v">
-                <p:oleObj spid="_x0000_s529430" name="Equation" r:id="rId4" imgW="2692400" imgH="482600" progId="Equation.DSMT4">
+                <p:oleObj spid="_x0000_s529432" name="Equation" r:id="rId4" imgW="2692400" imgH="482600" progId="Equation.DSMT4">
                   <p:embed/>
                 </p:oleObj>
               </mc:Choice>
@@ -22941,7 +22941,7 @@
           <a:graphicData uri="http://schemas.openxmlformats.org/presentationml/2006/ole">
             <mc:AlternateContent xmlns:mc="http://schemas.openxmlformats.org/markup-compatibility/2006">
               <mc:Choice xmlns:v="urn:schemas-microsoft-com:vml" Requires="v">
-                <p:oleObj spid="_x0000_s1090" name="Equation" r:id="rId4" imgW="1295400" imgH="228600" progId="Equation.DSMT4">
+                <p:oleObj spid="_x0000_s1092" name="Equation" r:id="rId4" imgW="1295400" imgH="228600" progId="Equation.DSMT4">
                   <p:embed/>
                 </p:oleObj>
               </mc:Choice>
@@ -23442,7 +23442,7 @@
           <a:graphicData uri="http://schemas.openxmlformats.org/presentationml/2006/ole">
             <mc:AlternateContent xmlns:mc="http://schemas.openxmlformats.org/markup-compatibility/2006">
               <mc:Choice xmlns:v="urn:schemas-microsoft-com:vml" Requires="v">
-                <p:oleObj spid="_x0000_s422973" name="Equation" r:id="rId4" imgW="1498600" imgH="457200" progId="Equation.DSMT4">
+                <p:oleObj spid="_x0000_s422975" name="Equation" r:id="rId4" imgW="1498600" imgH="457200" progId="Equation.DSMT4">
                   <p:embed/>
                 </p:oleObj>
               </mc:Choice>
@@ -23685,7 +23685,7 @@
           <a:graphicData uri="http://schemas.openxmlformats.org/presentationml/2006/ole">
             <mc:AlternateContent xmlns:mc="http://schemas.openxmlformats.org/markup-compatibility/2006">
               <mc:Choice xmlns:v="urn:schemas-microsoft-com:vml" Requires="v">
-                <p:oleObj spid="_x0000_s421949" name="Equation" r:id="rId4" imgW="1600200" imgH="457200" progId="Equation.DSMT4">
+                <p:oleObj spid="_x0000_s421951" name="Equation" r:id="rId4" imgW="1600200" imgH="457200" progId="Equation.DSMT4">
                   <p:embed/>
                 </p:oleObj>
               </mc:Choice>
@@ -23979,7 +23979,7 @@
           <a:graphicData uri="http://schemas.openxmlformats.org/presentationml/2006/ole">
             <mc:AlternateContent xmlns:mc="http://schemas.openxmlformats.org/markup-compatibility/2006">
               <mc:Choice xmlns:v="urn:schemas-microsoft-com:vml" Requires="v">
-                <p:oleObj spid="_x0000_s418921" name="Equation" r:id="rId4" imgW="1866900" imgH="457200" progId="Equation.DSMT4">
+                <p:oleObj spid="_x0000_s418923" name="Equation" r:id="rId4" imgW="1866900" imgH="457200" progId="Equation.DSMT4">
                   <p:embed/>
                 </p:oleObj>
               </mc:Choice>
@@ -24263,7 +24263,7 @@
           <a:graphicData uri="http://schemas.openxmlformats.org/presentationml/2006/ole">
             <mc:AlternateContent xmlns:mc="http://schemas.openxmlformats.org/markup-compatibility/2006">
               <mc:Choice xmlns:v="urn:schemas-microsoft-com:vml" Requires="v">
-                <p:oleObj spid="_x0000_s431151" name="Equation" r:id="rId4" imgW="1790700" imgH="457200" progId="Equation.DSMT4">
+                <p:oleObj spid="_x0000_s431153" name="Equation" r:id="rId4" imgW="1790700" imgH="457200" progId="Equation.DSMT4">
                   <p:embed/>
                 </p:oleObj>
               </mc:Choice>

--- a/spring18/slidesS18/prpostn_algebra.pptx
+++ b/spring18/slidesS18/prpostn_algebra.pptx
@@ -6,10 +6,10 @@
     <p:sldMasterId id="2147483651" r:id="rId2"/>
   </p:sldMasterIdLst>
   <p:notesMasterIdLst>
-    <p:notesMasterId r:id="rId53"/>
+    <p:notesMasterId r:id="rId55"/>
   </p:notesMasterIdLst>
   <p:handoutMasterIdLst>
-    <p:handoutMasterId r:id="rId54"/>
+    <p:handoutMasterId r:id="rId56"/>
   </p:handoutMasterIdLst>
   <p:sldIdLst>
     <p:sldId id="392" r:id="rId3"/>
@@ -19,54 +19,56 @@
     <p:sldId id="493" r:id="rId7"/>
     <p:sldId id="496" r:id="rId8"/>
     <p:sldId id="495" r:id="rId9"/>
-    <p:sldId id="489" r:id="rId10"/>
-    <p:sldId id="506" r:id="rId11"/>
-    <p:sldId id="494" r:id="rId12"/>
-    <p:sldId id="510" r:id="rId13"/>
-    <p:sldId id="514" r:id="rId14"/>
-    <p:sldId id="509" r:id="rId15"/>
-    <p:sldId id="511" r:id="rId16"/>
-    <p:sldId id="512" r:id="rId17"/>
-    <p:sldId id="541" r:id="rId18"/>
-    <p:sldId id="515" r:id="rId19"/>
-    <p:sldId id="508" r:id="rId20"/>
-    <p:sldId id="516" r:id="rId21"/>
-    <p:sldId id="545" r:id="rId22"/>
-    <p:sldId id="519" r:id="rId23"/>
-    <p:sldId id="517" r:id="rId24"/>
-    <p:sldId id="521" r:id="rId25"/>
-    <p:sldId id="520" r:id="rId26"/>
-    <p:sldId id="542" r:id="rId27"/>
-    <p:sldId id="498" r:id="rId28"/>
-    <p:sldId id="561" r:id="rId29"/>
-    <p:sldId id="499" r:id="rId30"/>
-    <p:sldId id="543" r:id="rId31"/>
-    <p:sldId id="556" r:id="rId32"/>
-    <p:sldId id="522" r:id="rId33"/>
-    <p:sldId id="525" r:id="rId34"/>
-    <p:sldId id="547" r:id="rId35"/>
-    <p:sldId id="548" r:id="rId36"/>
-    <p:sldId id="550" r:id="rId37"/>
-    <p:sldId id="535" r:id="rId38"/>
-    <p:sldId id="551" r:id="rId39"/>
-    <p:sldId id="558" r:id="rId40"/>
-    <p:sldId id="560" r:id="rId41"/>
-    <p:sldId id="553" r:id="rId42"/>
-    <p:sldId id="554" r:id="rId43"/>
-    <p:sldId id="555" r:id="rId44"/>
-    <p:sldId id="557" r:id="rId45"/>
-    <p:sldId id="531" r:id="rId46"/>
-    <p:sldId id="536" r:id="rId47"/>
-    <p:sldId id="537" r:id="rId48"/>
-    <p:sldId id="538" r:id="rId49"/>
-    <p:sldId id="503" r:id="rId50"/>
-    <p:sldId id="523" r:id="rId51"/>
-    <p:sldId id="504" r:id="rId52"/>
+    <p:sldId id="494" r:id="rId10"/>
+    <p:sldId id="510" r:id="rId11"/>
+    <p:sldId id="514" r:id="rId12"/>
+    <p:sldId id="509" r:id="rId13"/>
+    <p:sldId id="511" r:id="rId14"/>
+    <p:sldId id="512" r:id="rId15"/>
+    <p:sldId id="541" r:id="rId16"/>
+    <p:sldId id="515" r:id="rId17"/>
+    <p:sldId id="564" r:id="rId18"/>
+    <p:sldId id="562" r:id="rId19"/>
+    <p:sldId id="563" r:id="rId20"/>
+    <p:sldId id="508" r:id="rId21"/>
+    <p:sldId id="516" r:id="rId22"/>
+    <p:sldId id="565" r:id="rId23"/>
+    <p:sldId id="545" r:id="rId24"/>
+    <p:sldId id="519" r:id="rId25"/>
+    <p:sldId id="517" r:id="rId26"/>
+    <p:sldId id="521" r:id="rId27"/>
+    <p:sldId id="520" r:id="rId28"/>
+    <p:sldId id="542" r:id="rId29"/>
+    <p:sldId id="498" r:id="rId30"/>
+    <p:sldId id="561" r:id="rId31"/>
+    <p:sldId id="499" r:id="rId32"/>
+    <p:sldId id="543" r:id="rId33"/>
+    <p:sldId id="556" r:id="rId34"/>
+    <p:sldId id="522" r:id="rId35"/>
+    <p:sldId id="525" r:id="rId36"/>
+    <p:sldId id="547" r:id="rId37"/>
+    <p:sldId id="548" r:id="rId38"/>
+    <p:sldId id="550" r:id="rId39"/>
+    <p:sldId id="535" r:id="rId40"/>
+    <p:sldId id="551" r:id="rId41"/>
+    <p:sldId id="558" r:id="rId42"/>
+    <p:sldId id="560" r:id="rId43"/>
+    <p:sldId id="553" r:id="rId44"/>
+    <p:sldId id="554" r:id="rId45"/>
+    <p:sldId id="555" r:id="rId46"/>
+    <p:sldId id="557" r:id="rId47"/>
+    <p:sldId id="531" r:id="rId48"/>
+    <p:sldId id="536" r:id="rId49"/>
+    <p:sldId id="537" r:id="rId50"/>
+    <p:sldId id="538" r:id="rId51"/>
+    <p:sldId id="503" r:id="rId52"/>
+    <p:sldId id="523" r:id="rId53"/>
+    <p:sldId id="504" r:id="rId54"/>
   </p:sldIdLst>
   <p:sldSz cx="9144000" cy="6858000" type="screen4x3"/>
   <p:notesSz cx="9601200" cy="7315200"/>
   <p:custDataLst>
-    <p:tags r:id="rId56"/>
+    <p:tags r:id="rId58"/>
   </p:custDataLst>
   <p:defaultTextStyle>
     <a:defPPr>
@@ -4551,6 +4553,170 @@
               <a:rPr lang="en-US" smtClean="0"/>
               <a:pPr/>
               <a:t>6</a:t>
+            </a:fld>
+            <a:endParaRPr lang="en-US"/>
+          </a:p>
+        </p:txBody>
+      </p:sp>
+    </p:spTree>
+  </p:cSld>
+  <p:clrMapOvr>
+    <a:masterClrMapping/>
+  </p:clrMapOvr>
+</p:notes>
+</file>
+
+<file path=ppt/notesSlides/notesSlide50.xml><?xml version="1.0" encoding="utf-8"?>
+<p:notes xmlns:a="http://schemas.openxmlformats.org/drawingml/2006/main" xmlns:r="http://schemas.openxmlformats.org/officeDocument/2006/relationships" xmlns:p="http://schemas.openxmlformats.org/presentationml/2006/main">
+  <p:cSld>
+    <p:spTree>
+      <p:nvGrpSpPr>
+        <p:cNvPr id="1" name=""/>
+        <p:cNvGrpSpPr/>
+        <p:nvPr/>
+      </p:nvGrpSpPr>
+      <p:grpSpPr>
+        <a:xfrm>
+          <a:off x="0" y="0"/>
+          <a:ext cx="0" cy="0"/>
+          <a:chOff x="0" y="0"/>
+          <a:chExt cx="0" cy="0"/>
+        </a:xfrm>
+      </p:grpSpPr>
+      <p:sp>
+        <p:nvSpPr>
+          <p:cNvPr id="2" name="Slide Image Placeholder 1"/>
+          <p:cNvSpPr>
+            <a:spLocks noGrp="1" noRot="1" noChangeAspect="1"/>
+          </p:cNvSpPr>
+          <p:nvPr>
+            <p:ph type="sldImg"/>
+          </p:nvPr>
+        </p:nvSpPr>
+        <p:spPr/>
+      </p:sp>
+      <p:sp>
+        <p:nvSpPr>
+          <p:cNvPr id="3" name="Notes Placeholder 2"/>
+          <p:cNvSpPr>
+            <a:spLocks noGrp="1"/>
+          </p:cNvSpPr>
+          <p:nvPr>
+            <p:ph type="body" idx="1"/>
+          </p:nvPr>
+        </p:nvSpPr>
+        <p:spPr/>
+        <p:txBody>
+          <a:bodyPr>
+            <a:normAutofit/>
+          </a:bodyPr>
+          <a:lstStyle/>
+          <a:p>
+            <a:endParaRPr lang="en-US"/>
+          </a:p>
+        </p:txBody>
+      </p:sp>
+      <p:sp>
+        <p:nvSpPr>
+          <p:cNvPr id="4" name="Slide Number Placeholder 3"/>
+          <p:cNvSpPr>
+            <a:spLocks noGrp="1"/>
+          </p:cNvSpPr>
+          <p:nvPr>
+            <p:ph type="sldNum" sz="quarter" idx="10"/>
+          </p:nvPr>
+        </p:nvSpPr>
+        <p:spPr/>
+        <p:txBody>
+          <a:bodyPr/>
+          <a:lstStyle/>
+          <a:p>
+            <a:fld id="{A02B9F3F-3042-489F-AF35-1A733968F079}" type="slidenum">
+              <a:rPr lang="en-US" smtClean="0"/>
+              <a:pPr/>
+              <a:t>51</a:t>
+            </a:fld>
+            <a:endParaRPr lang="en-US"/>
+          </a:p>
+        </p:txBody>
+      </p:sp>
+    </p:spTree>
+  </p:cSld>
+  <p:clrMapOvr>
+    <a:masterClrMapping/>
+  </p:clrMapOvr>
+</p:notes>
+</file>
+
+<file path=ppt/notesSlides/notesSlide51.xml><?xml version="1.0" encoding="utf-8"?>
+<p:notes xmlns:a="http://schemas.openxmlformats.org/drawingml/2006/main" xmlns:r="http://schemas.openxmlformats.org/officeDocument/2006/relationships" xmlns:p="http://schemas.openxmlformats.org/presentationml/2006/main">
+  <p:cSld>
+    <p:spTree>
+      <p:nvGrpSpPr>
+        <p:cNvPr id="1" name=""/>
+        <p:cNvGrpSpPr/>
+        <p:nvPr/>
+      </p:nvGrpSpPr>
+      <p:grpSpPr>
+        <a:xfrm>
+          <a:off x="0" y="0"/>
+          <a:ext cx="0" cy="0"/>
+          <a:chOff x="0" y="0"/>
+          <a:chExt cx="0" cy="0"/>
+        </a:xfrm>
+      </p:grpSpPr>
+      <p:sp>
+        <p:nvSpPr>
+          <p:cNvPr id="2" name="Slide Image Placeholder 1"/>
+          <p:cNvSpPr>
+            <a:spLocks noGrp="1" noRot="1" noChangeAspect="1"/>
+          </p:cNvSpPr>
+          <p:nvPr>
+            <p:ph type="sldImg"/>
+          </p:nvPr>
+        </p:nvSpPr>
+        <p:spPr/>
+      </p:sp>
+      <p:sp>
+        <p:nvSpPr>
+          <p:cNvPr id="3" name="Notes Placeholder 2"/>
+          <p:cNvSpPr>
+            <a:spLocks noGrp="1"/>
+          </p:cNvSpPr>
+          <p:nvPr>
+            <p:ph type="body" idx="1"/>
+          </p:nvPr>
+        </p:nvSpPr>
+        <p:spPr/>
+        <p:txBody>
+          <a:bodyPr>
+            <a:normAutofit/>
+          </a:bodyPr>
+          <a:lstStyle/>
+          <a:p>
+            <a:endParaRPr lang="en-US"/>
+          </a:p>
+        </p:txBody>
+      </p:sp>
+      <p:sp>
+        <p:nvSpPr>
+          <p:cNvPr id="4" name="Slide Number Placeholder 3"/>
+          <p:cNvSpPr>
+            <a:spLocks noGrp="1"/>
+          </p:cNvSpPr>
+          <p:nvPr>
+            <p:ph type="sldNum" sz="quarter" idx="10"/>
+          </p:nvPr>
+        </p:nvSpPr>
+        <p:spPr/>
+        <p:txBody>
+          <a:bodyPr/>
+          <a:lstStyle/>
+          <a:p>
+            <a:fld id="{A02B9F3F-3042-489F-AF35-1A733968F079}" type="slidenum">
+              <a:rPr lang="en-US" smtClean="0"/>
+              <a:pPr/>
+              <a:t>52</a:t>
             </a:fld>
             <a:endParaRPr lang="en-US"/>
           </a:p>
@@ -9018,34 +9184,6 @@
       </p:grpSpPr>
       <p:sp>
         <p:nvSpPr>
-          <p:cNvPr id="9" name="Title 1"/>
-          <p:cNvSpPr>
-            <a:spLocks noGrp="1"/>
-          </p:cNvSpPr>
-          <p:nvPr>
-            <p:ph type="title"/>
-          </p:nvPr>
-        </p:nvSpPr>
-        <p:spPr>
-          <a:xfrm>
-            <a:off x="1701800" y="363538"/>
-            <a:ext cx="6794500" cy="1003300"/>
-          </a:xfrm>
-        </p:spPr>
-        <p:txBody>
-          <a:bodyPr/>
-          <a:lstStyle/>
-          <a:p>
-            <a:r>
-              <a:rPr lang="en-US" sz="4000" dirty="0" smtClean="0"/>
-              <a:t>Get Sum of Products</a:t>
-            </a:r>
-            <a:endParaRPr lang="en-US" sz="4000" dirty="0"/>
-          </a:p>
-        </p:txBody>
-      </p:sp>
-      <p:sp>
-        <p:nvSpPr>
           <p:cNvPr id="4" name="Slide Number Placeholder 2"/>
           <p:cNvSpPr>
             <a:spLocks noGrp="1"/>
@@ -9072,360 +9210,6 @@
               <a:rPr lang="en-US" smtClean="0"/>
               <a:pPr/>
               <a:t>10</a:t>
-            </a:fld>
-            <a:endParaRPr lang="en-US" dirty="0"/>
-          </a:p>
-        </p:txBody>
-      </p:sp>
-      <p:sp>
-        <p:nvSpPr>
-          <p:cNvPr id="8" name="TextBox 7"/>
-          <p:cNvSpPr txBox="1"/>
-          <p:nvPr/>
-        </p:nvSpPr>
-        <p:spPr>
-          <a:xfrm>
-            <a:off x="3238001" y="1308100"/>
-            <a:ext cx="3011461" cy="923330"/>
-          </a:xfrm>
-          <a:prstGeom prst="rect">
-            <a:avLst/>
-          </a:prstGeom>
-          <a:noFill/>
-        </p:spPr>
-        <p:txBody>
-          <a:bodyPr wrap="none" rtlCol="0">
-            <a:spAutoFit/>
-          </a:bodyPr>
-          <a:lstStyle/>
-          <a:p>
-            <a:pPr algn="l"/>
-            <a:r>
-              <a:rPr lang="en-US" sz="5400" dirty="0" smtClean="0">
-                <a:solidFill>
-                  <a:srgbClr val="FF03E3"/>
-                </a:solidFill>
-                <a:latin typeface="Comic Sans MS" pitchFamily="66" charset="0"/>
-              </a:rPr>
-              <a:t>example:</a:t>
-            </a:r>
-          </a:p>
-        </p:txBody>
-      </p:sp>
-    </p:spTree>
-    <p:extLst>
-      <p:ext uri="{BB962C8B-B14F-4D97-AF65-F5344CB8AC3E}">
-        <p14:creationId xmlns:p14="http://schemas.microsoft.com/office/powerpoint/2010/main" val="723930122"/>
-      </p:ext>
-    </p:extLst>
-  </p:cSld>
-  <p:clrMapOvr>
-    <a:masterClrMapping/>
-  </p:clrMapOvr>
-  <p:transition xmlns:p14="http://schemas.microsoft.com/office/powerpoint/2010/main" spd="slow" advClick="0">
-    <p:fade thruBlk="1"/>
-  </p:transition>
-  <p:timing>
-    <p:tnLst>
-      <p:par>
-        <p:cTn xmlns:p14="http://schemas.microsoft.com/office/powerpoint/2010/main" id="1" dur="indefinite" restart="never" nodeType="tmRoot"/>
-      </p:par>
-    </p:tnLst>
-  </p:timing>
-</p:sld>
-</file>
-
-<file path=ppt/slides/slide11.xml><?xml version="1.0" encoding="utf-8"?>
-<p:sld xmlns:a="http://schemas.openxmlformats.org/drawingml/2006/main" xmlns:r="http://schemas.openxmlformats.org/officeDocument/2006/relationships" xmlns:p="http://schemas.openxmlformats.org/presentationml/2006/main">
-  <p:cSld>
-    <p:spTree>
-      <p:nvGrpSpPr>
-        <p:cNvPr id="1" name=""/>
-        <p:cNvGrpSpPr/>
-        <p:nvPr/>
-      </p:nvGrpSpPr>
-      <p:grpSpPr>
-        <a:xfrm>
-          <a:off x="0" y="0"/>
-          <a:ext cx="0" cy="0"/>
-          <a:chOff x="0" y="0"/>
-          <a:chExt cx="0" cy="0"/>
-        </a:xfrm>
-      </p:grpSpPr>
-      <p:sp>
-        <p:nvSpPr>
-          <p:cNvPr id="4" name="Slide Number Placeholder 2"/>
-          <p:cNvSpPr>
-            <a:spLocks noGrp="1"/>
-          </p:cNvSpPr>
-          <p:nvPr>
-            <p:ph type="sldNum" sz="quarter" idx="10"/>
-          </p:nvPr>
-        </p:nvSpPr>
-        <p:spPr>
-          <a:xfrm>
-            <a:off x="7333815" y="6553200"/>
-            <a:ext cx="1810186" cy="276999"/>
-          </a:xfrm>
-        </p:spPr>
-        <p:txBody>
-          <a:bodyPr/>
-          <a:lstStyle/>
-          <a:p>
-            <a:r>
-              <a:rPr lang="en-US" dirty="0" smtClean="0"/>
-              <a:t>propositional algebra.</a:t>
-            </a:r>
-            <a:fld id="{3251DA95-B240-47FE-901D-B78FC8E8E532}" type="slidenum">
-              <a:rPr lang="en-US" smtClean="0"/>
-              <a:pPr/>
-              <a:t>11</a:t>
-            </a:fld>
-            <a:endParaRPr lang="en-US" dirty="0"/>
-          </a:p>
-        </p:txBody>
-      </p:sp>
-      <p:graphicFrame>
-        <p:nvGraphicFramePr>
-          <p:cNvPr id="7" name="Object 6"/>
-          <p:cNvGraphicFramePr>
-            <a:graphicFrameLocks noChangeAspect="1"/>
-          </p:cNvGraphicFramePr>
-          <p:nvPr>
-            <p:extLst>
-              <p:ext uri="{D42A27DB-BD31-4B8C-83A1-F6EECF244321}">
-                <p14:modId xmlns:p14="http://schemas.microsoft.com/office/powerpoint/2010/main" val="2309976371"/>
-              </p:ext>
-            </p:extLst>
-          </p:nvPr>
-        </p:nvGraphicFramePr>
-        <p:xfrm>
-          <a:off x="369888" y="1639294"/>
-          <a:ext cx="8540750" cy="926105"/>
-        </p:xfrm>
-        <a:graphic>
-          <a:graphicData uri="http://schemas.openxmlformats.org/presentationml/2006/ole">
-            <mc:AlternateContent xmlns:mc="http://schemas.openxmlformats.org/markup-compatibility/2006">
-              <mc:Choice xmlns:v="urn:schemas-microsoft-com:vml" Requires="v">
-                <p:oleObj spid="_x0000_s435249" name="Equation" r:id="rId4" imgW="2108200" imgH="228600" progId="Equation.DSMT4">
-                  <p:embed/>
-                </p:oleObj>
-              </mc:Choice>
-              <mc:Fallback>
-                <p:oleObj name="Equation" r:id="rId4" imgW="2108200" imgH="228600" progId="Equation.DSMT4">
-                  <p:embed/>
-                  <p:pic>
-                    <p:nvPicPr>
-                      <p:cNvPr id="0" name=""/>
-                      <p:cNvPicPr/>
-                      <p:nvPr/>
-                    </p:nvPicPr>
-                    <p:blipFill>
-                      <a:blip r:embed="rId5"/>
-                      <a:stretch>
-                        <a:fillRect/>
-                      </a:stretch>
-                    </p:blipFill>
-                    <p:spPr>
-                      <a:xfrm>
-                        <a:off x="369888" y="1639294"/>
-                        <a:ext cx="8540750" cy="926105"/>
-                      </a:xfrm>
-                      <a:prstGeom prst="rect">
-                        <a:avLst/>
-                      </a:prstGeom>
-                    </p:spPr>
-                  </p:pic>
-                </p:oleObj>
-              </mc:Fallback>
-            </mc:AlternateContent>
-          </a:graphicData>
-        </a:graphic>
-      </p:graphicFrame>
-      <p:sp>
-        <p:nvSpPr>
-          <p:cNvPr id="6" name="Title 1"/>
-          <p:cNvSpPr>
-            <a:spLocks noGrp="1"/>
-          </p:cNvSpPr>
-          <p:nvPr>
-            <p:ph type="title"/>
-          </p:nvPr>
-        </p:nvSpPr>
-        <p:spPr>
-          <a:xfrm>
-            <a:off x="1701800" y="363538"/>
-            <a:ext cx="6794500" cy="1003300"/>
-          </a:xfrm>
-        </p:spPr>
-        <p:txBody>
-          <a:bodyPr/>
-          <a:lstStyle/>
-          <a:p>
-            <a:r>
-              <a:rPr lang="en-US" sz="4000" dirty="0" smtClean="0"/>
-              <a:t>Get Sum of Products</a:t>
-            </a:r>
-            <a:endParaRPr lang="en-US" sz="4000" dirty="0"/>
-          </a:p>
-        </p:txBody>
-      </p:sp>
-    </p:spTree>
-    <p:extLst>
-      <p:ext uri="{BB962C8B-B14F-4D97-AF65-F5344CB8AC3E}">
-        <p14:creationId xmlns:p14="http://schemas.microsoft.com/office/powerpoint/2010/main" val="2702834103"/>
-      </p:ext>
-    </p:extLst>
-  </p:cSld>
-  <p:clrMapOvr>
-    <a:masterClrMapping/>
-  </p:clrMapOvr>
-  <mc:AlternateContent xmlns:mc="http://schemas.openxmlformats.org/markup-compatibility/2006" xmlns:p14="http://schemas.microsoft.com/office/powerpoint/2010/main">
-    <mc:Choice Requires="p14">
-      <p:transition spd="slow" p14:dur="800" advClick="0">
-        <p:fade/>
-      </p:transition>
-    </mc:Choice>
-    <mc:Fallback xmlns="">
-      <p:transition xmlns:p14="http://schemas.microsoft.com/office/powerpoint/2010/main" spd="slow" advClick="0">
-        <p:fade/>
-      </p:transition>
-    </mc:Fallback>
-  </mc:AlternateContent>
-  <p:timing>
-    <p:tnLst>
-      <p:par>
-        <p:cTn xmlns:p14="http://schemas.microsoft.com/office/powerpoint/2010/main" id="1" dur="indefinite" restart="never" nodeType="tmRoot">
-          <p:childTnLst>
-            <p:seq concurrent="1" nextAc="seek">
-              <p:cTn id="2" dur="indefinite" nodeType="mainSeq">
-                <p:childTnLst>
-                  <p:par>
-                    <p:cTn id="3" fill="hold">
-                      <p:stCondLst>
-                        <p:cond delay="indefinite"/>
-                        <p:cond evt="onBegin" delay="0">
-                          <p:tn val="2"/>
-                        </p:cond>
-                      </p:stCondLst>
-                      <p:childTnLst>
-                        <p:par>
-                          <p:cTn id="4" fill="hold">
-                            <p:stCondLst>
-                              <p:cond delay="0"/>
-                            </p:stCondLst>
-                            <p:childTnLst>
-                              <p:par>
-                                <p:cTn id="5" presetID="22" presetClass="entr" presetSubtype="8" fill="hold" nodeType="withEffect">
-                                  <p:stCondLst>
-                                    <p:cond delay="0"/>
-                                  </p:stCondLst>
-                                  <p:childTnLst>
-                                    <p:set>
-                                      <p:cBhvr>
-                                        <p:cTn id="6" dur="1" fill="hold">
-                                          <p:stCondLst>
-                                            <p:cond delay="0"/>
-                                          </p:stCondLst>
-                                        </p:cTn>
-                                        <p:tgtEl>
-                                          <p:spTgt spid="7"/>
-                                        </p:tgtEl>
-                                        <p:attrNameLst>
-                                          <p:attrName>style.visibility</p:attrName>
-                                        </p:attrNameLst>
-                                      </p:cBhvr>
-                                      <p:to>
-                                        <p:strVal val="visible"/>
-                                      </p:to>
-                                    </p:set>
-                                    <p:animEffect transition="in" filter="wipe(left)">
-                                      <p:cBhvr>
-                                        <p:cTn id="7" dur="1000"/>
-                                        <p:tgtEl>
-                                          <p:spTgt spid="7"/>
-                                        </p:tgtEl>
-                                      </p:cBhvr>
-                                    </p:animEffect>
-                                  </p:childTnLst>
-                                </p:cTn>
-                              </p:par>
-                            </p:childTnLst>
-                          </p:cTn>
-                        </p:par>
-                      </p:childTnLst>
-                    </p:cTn>
-                  </p:par>
-                </p:childTnLst>
-              </p:cTn>
-              <p:prevCondLst>
-                <p:cond evt="onPrev" delay="0">
-                  <p:tgtEl>
-                    <p:sldTgt/>
-                  </p:tgtEl>
-                </p:cond>
-              </p:prevCondLst>
-              <p:nextCondLst>
-                <p:cond evt="onNext" delay="0">
-                  <p:tgtEl>
-                    <p:sldTgt/>
-                  </p:tgtEl>
-                </p:cond>
-              </p:nextCondLst>
-            </p:seq>
-          </p:childTnLst>
-        </p:cTn>
-      </p:par>
-    </p:tnLst>
-  </p:timing>
-</p:sld>
-</file>
-
-<file path=ppt/slides/slide12.xml><?xml version="1.0" encoding="utf-8"?>
-<p:sld xmlns:a="http://schemas.openxmlformats.org/drawingml/2006/main" xmlns:r="http://schemas.openxmlformats.org/officeDocument/2006/relationships" xmlns:p="http://schemas.openxmlformats.org/presentationml/2006/main">
-  <p:cSld>
-    <p:spTree>
-      <p:nvGrpSpPr>
-        <p:cNvPr id="1" name=""/>
-        <p:cNvGrpSpPr/>
-        <p:nvPr/>
-      </p:nvGrpSpPr>
-      <p:grpSpPr>
-        <a:xfrm>
-          <a:off x="0" y="0"/>
-          <a:ext cx="0" cy="0"/>
-          <a:chOff x="0" y="0"/>
-          <a:chExt cx="0" cy="0"/>
-        </a:xfrm>
-      </p:grpSpPr>
-      <p:sp>
-        <p:nvSpPr>
-          <p:cNvPr id="4" name="Slide Number Placeholder 2"/>
-          <p:cNvSpPr>
-            <a:spLocks noGrp="1"/>
-          </p:cNvSpPr>
-          <p:nvPr>
-            <p:ph type="sldNum" sz="quarter" idx="10"/>
-          </p:nvPr>
-        </p:nvSpPr>
-        <p:spPr>
-          <a:xfrm>
-            <a:off x="7333815" y="6553200"/>
-            <a:ext cx="1810186" cy="276999"/>
-          </a:xfrm>
-        </p:spPr>
-        <p:txBody>
-          <a:bodyPr/>
-          <a:lstStyle/>
-          <a:p>
-            <a:r>
-              <a:rPr lang="en-US" dirty="0" smtClean="0"/>
-              <a:t>propositional algebra.</a:t>
-            </a:r>
-            <a:fld id="{3251DA95-B240-47FE-901D-B78FC8E8E532}" type="slidenum">
-              <a:rPr lang="en-US" smtClean="0"/>
-              <a:pPr/>
-              <a:t>12</a:t>
             </a:fld>
             <a:endParaRPr lang="en-US" dirty="0"/>
           </a:p>
@@ -9453,7 +9237,7 @@
           <a:graphicData uri="http://schemas.openxmlformats.org/presentationml/2006/ole">
             <mc:AlternateContent xmlns:mc="http://schemas.openxmlformats.org/markup-compatibility/2006">
               <mc:Choice xmlns:v="urn:schemas-microsoft-com:vml" Requires="v">
-                <p:oleObj spid="_x0000_s439346" name="Equation" r:id="rId4" imgW="2146300" imgH="228600" progId="Equation.DSMT4">
+                <p:oleObj spid="_x0000_s439353" name="Equation" r:id="rId4" imgW="2146300" imgH="228600" progId="Equation.DSMT4">
                   <p:embed/>
                 </p:oleObj>
               </mc:Choice>
@@ -9604,7 +9388,7 @@
 </p:sld>
 </file>
 
-<file path=ppt/slides/slide13.xml><?xml version="1.0" encoding="utf-8"?>
+<file path=ppt/slides/slide11.xml><?xml version="1.0" encoding="utf-8"?>
 <p:sld xmlns:a="http://schemas.openxmlformats.org/drawingml/2006/main" xmlns:r="http://schemas.openxmlformats.org/officeDocument/2006/relationships" xmlns:p="http://schemas.openxmlformats.org/presentationml/2006/main">
   <p:cSld>
     <p:spTree>
@@ -9648,7 +9432,7 @@
             <a:fld id="{3251DA95-B240-47FE-901D-B78FC8E8E532}" type="slidenum">
               <a:rPr lang="en-US" smtClean="0"/>
               <a:pPr/>
-              <a:t>13</a:t>
+              <a:t>11</a:t>
             </a:fld>
             <a:endParaRPr lang="en-US" dirty="0"/>
           </a:p>
@@ -9676,7 +9460,7 @@
           <a:graphicData uri="http://schemas.openxmlformats.org/presentationml/2006/ole">
             <mc:AlternateContent xmlns:mc="http://schemas.openxmlformats.org/markup-compatibility/2006">
               <mc:Choice xmlns:v="urn:schemas-microsoft-com:vml" Requires="v">
-                <p:oleObj spid="_x0000_s434273" name="Equation" r:id="rId4" imgW="2146300" imgH="228600" progId="Equation.DSMT4">
+                <p:oleObj spid="_x0000_s434285" name="Equation" r:id="rId4" imgW="2146300" imgH="228600" progId="Equation.DSMT4">
                   <p:embed/>
                 </p:oleObj>
               </mc:Choice>
@@ -9733,7 +9517,7 @@
           <a:graphicData uri="http://schemas.openxmlformats.org/presentationml/2006/ole">
             <mc:AlternateContent xmlns:mc="http://schemas.openxmlformats.org/markup-compatibility/2006">
               <mc:Choice xmlns:v="urn:schemas-microsoft-com:vml" Requires="v">
-                <p:oleObj spid="_x0000_s434274" name="Equation" r:id="rId6" imgW="2514600" imgH="228600" progId="Equation.DSMT4">
+                <p:oleObj spid="_x0000_s434286" name="Equation" r:id="rId6" imgW="2514600" imgH="228600" progId="Equation.DSMT4">
                   <p:embed/>
                 </p:oleObj>
               </mc:Choice>
@@ -9800,6 +9584,451 @@
     <p:extLst>
       <p:ext uri="{BB962C8B-B14F-4D97-AF65-F5344CB8AC3E}">
         <p14:creationId xmlns:p14="http://schemas.microsoft.com/office/powerpoint/2010/main" val="2152322010"/>
+      </p:ext>
+    </p:extLst>
+  </p:cSld>
+  <p:clrMapOvr>
+    <a:masterClrMapping/>
+  </p:clrMapOvr>
+  <mc:AlternateContent xmlns:mc="http://schemas.openxmlformats.org/markup-compatibility/2006" xmlns:p14="http://schemas.microsoft.com/office/powerpoint/2010/main">
+    <mc:Choice Requires="p14">
+      <p:transition spd="slow" p14:dur="800" advClick="0">
+        <p:fade/>
+      </p:transition>
+    </mc:Choice>
+    <mc:Fallback xmlns="">
+      <p:transition xmlns:p14="http://schemas.microsoft.com/office/powerpoint/2010/main" spd="slow" advClick="0">
+        <p:fade/>
+      </p:transition>
+    </mc:Fallback>
+  </mc:AlternateContent>
+  <p:timing>
+    <p:tnLst>
+      <p:par>
+        <p:cTn xmlns:p14="http://schemas.microsoft.com/office/powerpoint/2010/main" id="1" dur="indefinite" restart="never" nodeType="tmRoot"/>
+      </p:par>
+    </p:tnLst>
+  </p:timing>
+</p:sld>
+</file>
+
+<file path=ppt/slides/slide12.xml><?xml version="1.0" encoding="utf-8"?>
+<p:sld xmlns:a="http://schemas.openxmlformats.org/drawingml/2006/main" xmlns:r="http://schemas.openxmlformats.org/officeDocument/2006/relationships" xmlns:p="http://schemas.openxmlformats.org/presentationml/2006/main">
+  <p:cSld>
+    <p:spTree>
+      <p:nvGrpSpPr>
+        <p:cNvPr id="1" name=""/>
+        <p:cNvGrpSpPr/>
+        <p:nvPr/>
+      </p:nvGrpSpPr>
+      <p:grpSpPr>
+        <a:xfrm>
+          <a:off x="0" y="0"/>
+          <a:ext cx="0" cy="0"/>
+          <a:chOff x="0" y="0"/>
+          <a:chExt cx="0" cy="0"/>
+        </a:xfrm>
+      </p:grpSpPr>
+      <p:sp>
+        <p:nvSpPr>
+          <p:cNvPr id="4" name="Slide Number Placeholder 2"/>
+          <p:cNvSpPr>
+            <a:spLocks noGrp="1"/>
+          </p:cNvSpPr>
+          <p:nvPr>
+            <p:ph type="sldNum" sz="quarter" idx="10"/>
+          </p:nvPr>
+        </p:nvSpPr>
+        <p:spPr>
+          <a:xfrm>
+            <a:off x="7333815" y="6553200"/>
+            <a:ext cx="1810186" cy="276999"/>
+          </a:xfrm>
+        </p:spPr>
+        <p:txBody>
+          <a:bodyPr/>
+          <a:lstStyle/>
+          <a:p>
+            <a:r>
+              <a:rPr lang="en-US" dirty="0" smtClean="0"/>
+              <a:t>propositional algebra.</a:t>
+            </a:r>
+            <a:fld id="{3251DA95-B240-47FE-901D-B78FC8E8E532}" type="slidenum">
+              <a:rPr lang="en-US" smtClean="0"/>
+              <a:pPr/>
+              <a:t>12</a:t>
+            </a:fld>
+            <a:endParaRPr lang="en-US" dirty="0"/>
+          </a:p>
+        </p:txBody>
+      </p:sp>
+      <p:graphicFrame>
+        <p:nvGraphicFramePr>
+          <p:cNvPr id="10" name="Object 9"/>
+          <p:cNvGraphicFramePr>
+            <a:graphicFrameLocks noChangeAspect="1"/>
+          </p:cNvGraphicFramePr>
+          <p:nvPr>
+            <p:extLst>
+              <p:ext uri="{D42A27DB-BD31-4B8C-83A1-F6EECF244321}">
+                <p14:modId xmlns:p14="http://schemas.microsoft.com/office/powerpoint/2010/main" val="3095536137"/>
+              </p:ext>
+            </p:extLst>
+          </p:nvPr>
+        </p:nvGraphicFramePr>
+        <p:xfrm>
+          <a:off x="233362" y="2597150"/>
+          <a:ext cx="8796338" cy="800539"/>
+        </p:xfrm>
+        <a:graphic>
+          <a:graphicData uri="http://schemas.openxmlformats.org/presentationml/2006/ole">
+            <mc:AlternateContent xmlns:mc="http://schemas.openxmlformats.org/markup-compatibility/2006">
+              <mc:Choice xmlns:v="urn:schemas-microsoft-com:vml" Requires="v">
+                <p:oleObj spid="_x0000_s436311" name="Equation" r:id="rId4" imgW="2514600" imgH="228600" progId="Equation.DSMT4">
+                  <p:embed/>
+                </p:oleObj>
+              </mc:Choice>
+              <mc:Fallback>
+                <p:oleObj name="Equation" r:id="rId4" imgW="2514600" imgH="228600" progId="Equation.DSMT4">
+                  <p:embed/>
+                  <p:pic>
+                    <p:nvPicPr>
+                      <p:cNvPr id="0" name=""/>
+                      <p:cNvPicPr/>
+                      <p:nvPr/>
+                    </p:nvPicPr>
+                    <p:blipFill>
+                      <a:blip r:embed="rId5"/>
+                      <a:stretch>
+                        <a:fillRect/>
+                      </a:stretch>
+                    </p:blipFill>
+                    <p:spPr>
+                      <a:xfrm>
+                        <a:off x="233362" y="2597150"/>
+                        <a:ext cx="8796338" cy="800539"/>
+                      </a:xfrm>
+                      <a:prstGeom prst="rect">
+                        <a:avLst/>
+                      </a:prstGeom>
+                    </p:spPr>
+                  </p:pic>
+                </p:oleObj>
+              </mc:Fallback>
+            </mc:AlternateContent>
+          </a:graphicData>
+        </a:graphic>
+      </p:graphicFrame>
+      <p:sp>
+        <p:nvSpPr>
+          <p:cNvPr id="17" name="TextBox 16"/>
+          <p:cNvSpPr txBox="1"/>
+          <p:nvPr/>
+        </p:nvSpPr>
+        <p:spPr>
+          <a:xfrm>
+            <a:off x="614363" y="3106003"/>
+            <a:ext cx="3326552" cy="769441"/>
+          </a:xfrm>
+          <a:prstGeom prst="rect">
+            <a:avLst/>
+          </a:prstGeom>
+          <a:noFill/>
+        </p:spPr>
+        <p:txBody>
+          <a:bodyPr wrap="none" rtlCol="0">
+            <a:spAutoFit/>
+          </a:bodyPr>
+          <a:lstStyle/>
+          <a:p>
+            <a:pPr algn="l"/>
+            <a:r>
+              <a:rPr lang="en-US" sz="4400" dirty="0" smtClean="0">
+                <a:solidFill>
+                  <a:srgbClr val="FF03E3"/>
+                </a:solidFill>
+                <a:latin typeface="Comic Sans MS" pitchFamily="66" charset="0"/>
+              </a:rPr>
+              <a:t>Double </a:t>
+            </a:r>
+            <a:r>
+              <a:rPr lang="en-US" sz="3600" dirty="0" smtClean="0">
+                <a:solidFill>
+                  <a:schemeClr val="accent1">
+                    <a:lumMod val="50000"/>
+                  </a:schemeClr>
+                </a:solidFill>
+                <a:latin typeface="Comic Sans MS" pitchFamily="66" charset="0"/>
+              </a:rPr>
+              <a:t>NOT</a:t>
+            </a:r>
+            <a:endParaRPr lang="en-US" sz="4400" dirty="0" smtClean="0">
+              <a:solidFill>
+                <a:schemeClr val="accent1">
+                  <a:lumMod val="50000"/>
+                </a:schemeClr>
+              </a:solidFill>
+              <a:latin typeface="Comic Sans MS" pitchFamily="66" charset="0"/>
+            </a:endParaRPr>
+          </a:p>
+        </p:txBody>
+      </p:sp>
+      <p:sp>
+        <p:nvSpPr>
+          <p:cNvPr id="8" name="Title 1"/>
+          <p:cNvSpPr>
+            <a:spLocks noGrp="1"/>
+          </p:cNvSpPr>
+          <p:nvPr>
+            <p:ph type="title"/>
+          </p:nvPr>
+        </p:nvSpPr>
+        <p:spPr>
+          <a:xfrm>
+            <a:off x="1701800" y="363538"/>
+            <a:ext cx="6794500" cy="1003300"/>
+          </a:xfrm>
+        </p:spPr>
+        <p:txBody>
+          <a:bodyPr/>
+          <a:lstStyle/>
+          <a:p>
+            <a:r>
+              <a:rPr lang="en-US" sz="4000" dirty="0" smtClean="0"/>
+              <a:t>Get Sum of Products</a:t>
+            </a:r>
+            <a:endParaRPr lang="en-US" sz="4000" dirty="0"/>
+          </a:p>
+        </p:txBody>
+      </p:sp>
+    </p:spTree>
+    <p:extLst>
+      <p:ext uri="{BB962C8B-B14F-4D97-AF65-F5344CB8AC3E}">
+        <p14:creationId xmlns:p14="http://schemas.microsoft.com/office/powerpoint/2010/main" val="1725572032"/>
+      </p:ext>
+    </p:extLst>
+  </p:cSld>
+  <p:clrMapOvr>
+    <a:masterClrMapping/>
+  </p:clrMapOvr>
+  <mc:AlternateContent xmlns:mc="http://schemas.openxmlformats.org/markup-compatibility/2006" xmlns:p14="http://schemas.microsoft.com/office/powerpoint/2010/main">
+    <mc:Choice Requires="p14">
+      <p:transition spd="med" p14:dur="600" advClick="0">
+        <p:fade/>
+      </p:transition>
+    </mc:Choice>
+    <mc:Fallback xmlns="">
+      <p:transition xmlns:p14="http://schemas.microsoft.com/office/powerpoint/2010/main" spd="med" advClick="0">
+        <p:fade/>
+      </p:transition>
+    </mc:Fallback>
+  </mc:AlternateContent>
+  <p:timing>
+    <p:tnLst>
+      <p:par>
+        <p:cTn xmlns:p14="http://schemas.microsoft.com/office/powerpoint/2010/main" id="1" dur="indefinite" restart="never" nodeType="tmRoot"/>
+      </p:par>
+    </p:tnLst>
+  </p:timing>
+</p:sld>
+</file>
+
+<file path=ppt/slides/slide13.xml><?xml version="1.0" encoding="utf-8"?>
+<p:sld xmlns:a="http://schemas.openxmlformats.org/drawingml/2006/main" xmlns:r="http://schemas.openxmlformats.org/officeDocument/2006/relationships" xmlns:p="http://schemas.openxmlformats.org/presentationml/2006/main">
+  <p:cSld>
+    <p:spTree>
+      <p:nvGrpSpPr>
+        <p:cNvPr id="1" name=""/>
+        <p:cNvGrpSpPr/>
+        <p:nvPr/>
+      </p:nvGrpSpPr>
+      <p:grpSpPr>
+        <a:xfrm>
+          <a:off x="0" y="0"/>
+          <a:ext cx="0" cy="0"/>
+          <a:chOff x="0" y="0"/>
+          <a:chExt cx="0" cy="0"/>
+        </a:xfrm>
+      </p:grpSpPr>
+      <p:sp>
+        <p:nvSpPr>
+          <p:cNvPr id="4" name="Slide Number Placeholder 2"/>
+          <p:cNvSpPr>
+            <a:spLocks noGrp="1"/>
+          </p:cNvSpPr>
+          <p:nvPr>
+            <p:ph type="sldNum" sz="quarter" idx="10"/>
+          </p:nvPr>
+        </p:nvSpPr>
+        <p:spPr>
+          <a:xfrm>
+            <a:off x="7333815" y="6553200"/>
+            <a:ext cx="1810186" cy="276999"/>
+          </a:xfrm>
+        </p:spPr>
+        <p:txBody>
+          <a:bodyPr/>
+          <a:lstStyle/>
+          <a:p>
+            <a:r>
+              <a:rPr lang="en-US" dirty="0" smtClean="0"/>
+              <a:t>propositional algebra.</a:t>
+            </a:r>
+            <a:fld id="{3251DA95-B240-47FE-901D-B78FC8E8E532}" type="slidenum">
+              <a:rPr lang="en-US" smtClean="0"/>
+              <a:pPr/>
+              <a:t>13</a:t>
+            </a:fld>
+            <a:endParaRPr lang="en-US" dirty="0"/>
+          </a:p>
+        </p:txBody>
+      </p:sp>
+      <p:graphicFrame>
+        <p:nvGraphicFramePr>
+          <p:cNvPr id="10" name="Object 9"/>
+          <p:cNvGraphicFramePr>
+            <a:graphicFrameLocks noChangeAspect="1"/>
+          </p:cNvGraphicFramePr>
+          <p:nvPr>
+            <p:extLst>
+              <p:ext uri="{D42A27DB-BD31-4B8C-83A1-F6EECF244321}">
+                <p14:modId xmlns:p14="http://schemas.microsoft.com/office/powerpoint/2010/main" val="3721036728"/>
+              </p:ext>
+            </p:extLst>
+          </p:nvPr>
+        </p:nvGraphicFramePr>
+        <p:xfrm>
+          <a:off x="233362" y="2597150"/>
+          <a:ext cx="8796338" cy="800539"/>
+        </p:xfrm>
+        <a:graphic>
+          <a:graphicData uri="http://schemas.openxmlformats.org/presentationml/2006/ole">
+            <mc:AlternateContent xmlns:mc="http://schemas.openxmlformats.org/markup-compatibility/2006">
+              <mc:Choice xmlns:v="urn:schemas-microsoft-com:vml" Requires="v">
+                <p:oleObj spid="_x0000_s437378" name="Equation" r:id="rId4" imgW="2514600" imgH="228600" progId="Equation.DSMT4">
+                  <p:embed/>
+                </p:oleObj>
+              </mc:Choice>
+              <mc:Fallback>
+                <p:oleObj name="Equation" r:id="rId4" imgW="2514600" imgH="228600" progId="Equation.DSMT4">
+                  <p:embed/>
+                  <p:pic>
+                    <p:nvPicPr>
+                      <p:cNvPr id="0" name=""/>
+                      <p:cNvPicPr/>
+                      <p:nvPr/>
+                    </p:nvPicPr>
+                    <p:blipFill>
+                      <a:blip r:embed="rId5"/>
+                      <a:stretch>
+                        <a:fillRect/>
+                      </a:stretch>
+                    </p:blipFill>
+                    <p:spPr>
+                      <a:xfrm>
+                        <a:off x="233362" y="2597150"/>
+                        <a:ext cx="8796338" cy="800539"/>
+                      </a:xfrm>
+                      <a:prstGeom prst="rect">
+                        <a:avLst/>
+                      </a:prstGeom>
+                    </p:spPr>
+                  </p:pic>
+                </p:oleObj>
+              </mc:Fallback>
+            </mc:AlternateContent>
+          </a:graphicData>
+        </a:graphic>
+      </p:graphicFrame>
+      <p:graphicFrame>
+        <p:nvGraphicFramePr>
+          <p:cNvPr id="12" name="Object 11"/>
+          <p:cNvGraphicFramePr>
+            <a:graphicFrameLocks noChangeAspect="1"/>
+          </p:cNvGraphicFramePr>
+          <p:nvPr>
+            <p:extLst>
+              <p:ext uri="{D42A27DB-BD31-4B8C-83A1-F6EECF244321}">
+                <p14:modId xmlns:p14="http://schemas.microsoft.com/office/powerpoint/2010/main" val="1166262026"/>
+              </p:ext>
+            </p:extLst>
+          </p:nvPr>
+        </p:nvGraphicFramePr>
+        <p:xfrm>
+          <a:off x="2462213" y="3441700"/>
+          <a:ext cx="6529387" cy="800100"/>
+        </p:xfrm>
+        <a:graphic>
+          <a:graphicData uri="http://schemas.openxmlformats.org/presentationml/2006/ole">
+            <mc:AlternateContent xmlns:mc="http://schemas.openxmlformats.org/markup-compatibility/2006">
+              <mc:Choice xmlns:v="urn:schemas-microsoft-com:vml" Requires="v">
+                <p:oleObj spid="_x0000_s437379" name="Equation" r:id="rId6" imgW="1866900" imgH="228600" progId="Equation.DSMT4">
+                  <p:embed/>
+                </p:oleObj>
+              </mc:Choice>
+              <mc:Fallback>
+                <p:oleObj name="Equation" r:id="rId6" imgW="1866900" imgH="228600" progId="Equation.DSMT4">
+                  <p:embed/>
+                  <p:pic>
+                    <p:nvPicPr>
+                      <p:cNvPr id="0" name=""/>
+                      <p:cNvPicPr/>
+                      <p:nvPr/>
+                    </p:nvPicPr>
+                    <p:blipFill>
+                      <a:blip r:embed="rId7"/>
+                      <a:stretch>
+                        <a:fillRect/>
+                      </a:stretch>
+                    </p:blipFill>
+                    <p:spPr>
+                      <a:xfrm>
+                        <a:off x="2462213" y="3441700"/>
+                        <a:ext cx="6529387" cy="800100"/>
+                      </a:xfrm>
+                      <a:prstGeom prst="rect">
+                        <a:avLst/>
+                      </a:prstGeom>
+                    </p:spPr>
+                  </p:pic>
+                </p:oleObj>
+              </mc:Fallback>
+            </mc:AlternateContent>
+          </a:graphicData>
+        </a:graphic>
+      </p:graphicFrame>
+      <p:sp>
+        <p:nvSpPr>
+          <p:cNvPr id="8" name="Title 1"/>
+          <p:cNvSpPr>
+            <a:spLocks noGrp="1"/>
+          </p:cNvSpPr>
+          <p:nvPr>
+            <p:ph type="title"/>
+          </p:nvPr>
+        </p:nvSpPr>
+        <p:spPr>
+          <a:xfrm>
+            <a:off x="1701800" y="363538"/>
+            <a:ext cx="6794500" cy="1003300"/>
+          </a:xfrm>
+        </p:spPr>
+        <p:txBody>
+          <a:bodyPr/>
+          <a:lstStyle/>
+          <a:p>
+            <a:r>
+              <a:rPr lang="en-US" sz="4000" dirty="0" smtClean="0"/>
+              <a:t>Get Sum of Products</a:t>
+            </a:r>
+            <a:endParaRPr lang="en-US" sz="4000" dirty="0"/>
+          </a:p>
+        </p:txBody>
+      </p:sp>
+    </p:spTree>
+    <p:extLst>
+      <p:ext uri="{BB962C8B-B14F-4D97-AF65-F5344CB8AC3E}">
+        <p14:creationId xmlns:p14="http://schemas.microsoft.com/office/powerpoint/2010/main" val="4269172180"/>
       </p:ext>
     </p:extLst>
   </p:cSld>
@@ -9880,284 +10109,6 @@
       </p:sp>
       <p:graphicFrame>
         <p:nvGraphicFramePr>
-          <p:cNvPr id="10" name="Object 9"/>
-          <p:cNvGraphicFramePr>
-            <a:graphicFrameLocks noChangeAspect="1"/>
-          </p:cNvGraphicFramePr>
-          <p:nvPr>
-            <p:extLst>
-              <p:ext uri="{D42A27DB-BD31-4B8C-83A1-F6EECF244321}">
-                <p14:modId xmlns:p14="http://schemas.microsoft.com/office/powerpoint/2010/main" val="3095536137"/>
-              </p:ext>
-            </p:extLst>
-          </p:nvPr>
-        </p:nvGraphicFramePr>
-        <p:xfrm>
-          <a:off x="233362" y="2597150"/>
-          <a:ext cx="8796338" cy="800539"/>
-        </p:xfrm>
-        <a:graphic>
-          <a:graphicData uri="http://schemas.openxmlformats.org/presentationml/2006/ole">
-            <mc:AlternateContent xmlns:mc="http://schemas.openxmlformats.org/markup-compatibility/2006">
-              <mc:Choice xmlns:v="urn:schemas-microsoft-com:vml" Requires="v">
-                <p:oleObj spid="_x0000_s436304" name="Equation" r:id="rId4" imgW="2514600" imgH="228600" progId="Equation.DSMT4">
-                  <p:embed/>
-                </p:oleObj>
-              </mc:Choice>
-              <mc:Fallback>
-                <p:oleObj name="Equation" r:id="rId4" imgW="2514600" imgH="228600" progId="Equation.DSMT4">
-                  <p:embed/>
-                  <p:pic>
-                    <p:nvPicPr>
-                      <p:cNvPr id="0" name=""/>
-                      <p:cNvPicPr/>
-                      <p:nvPr/>
-                    </p:nvPicPr>
-                    <p:blipFill>
-                      <a:blip r:embed="rId5"/>
-                      <a:stretch>
-                        <a:fillRect/>
-                      </a:stretch>
-                    </p:blipFill>
-                    <p:spPr>
-                      <a:xfrm>
-                        <a:off x="233362" y="2597150"/>
-                        <a:ext cx="8796338" cy="800539"/>
-                      </a:xfrm>
-                      <a:prstGeom prst="rect">
-                        <a:avLst/>
-                      </a:prstGeom>
-                    </p:spPr>
-                  </p:pic>
-                </p:oleObj>
-              </mc:Fallback>
-            </mc:AlternateContent>
-          </a:graphicData>
-        </a:graphic>
-      </p:graphicFrame>
-      <p:sp>
-        <p:nvSpPr>
-          <p:cNvPr id="17" name="TextBox 16"/>
-          <p:cNvSpPr txBox="1"/>
-          <p:nvPr/>
-        </p:nvSpPr>
-        <p:spPr>
-          <a:xfrm>
-            <a:off x="614363" y="3106003"/>
-            <a:ext cx="3326552" cy="769441"/>
-          </a:xfrm>
-          <a:prstGeom prst="rect">
-            <a:avLst/>
-          </a:prstGeom>
-          <a:noFill/>
-        </p:spPr>
-        <p:txBody>
-          <a:bodyPr wrap="none" rtlCol="0">
-            <a:spAutoFit/>
-          </a:bodyPr>
-          <a:lstStyle/>
-          <a:p>
-            <a:pPr algn="l"/>
-            <a:r>
-              <a:rPr lang="en-US" sz="4400" dirty="0" smtClean="0">
-                <a:solidFill>
-                  <a:srgbClr val="FF03E3"/>
-                </a:solidFill>
-                <a:latin typeface="Comic Sans MS" pitchFamily="66" charset="0"/>
-              </a:rPr>
-              <a:t>Double </a:t>
-            </a:r>
-            <a:r>
-              <a:rPr lang="en-US" sz="3600" dirty="0" smtClean="0">
-                <a:solidFill>
-                  <a:schemeClr val="accent1">
-                    <a:lumMod val="50000"/>
-                  </a:schemeClr>
-                </a:solidFill>
-                <a:latin typeface="Comic Sans MS" pitchFamily="66" charset="0"/>
-              </a:rPr>
-              <a:t>NOT</a:t>
-            </a:r>
-            <a:endParaRPr lang="en-US" sz="4400" dirty="0" smtClean="0">
-              <a:solidFill>
-                <a:schemeClr val="accent1">
-                  <a:lumMod val="50000"/>
-                </a:schemeClr>
-              </a:solidFill>
-              <a:latin typeface="Comic Sans MS" pitchFamily="66" charset="0"/>
-            </a:endParaRPr>
-          </a:p>
-        </p:txBody>
-      </p:sp>
-      <p:sp>
-        <p:nvSpPr>
-          <p:cNvPr id="8" name="Title 1"/>
-          <p:cNvSpPr>
-            <a:spLocks noGrp="1"/>
-          </p:cNvSpPr>
-          <p:nvPr>
-            <p:ph type="title"/>
-          </p:nvPr>
-        </p:nvSpPr>
-        <p:spPr>
-          <a:xfrm>
-            <a:off x="1701800" y="363538"/>
-            <a:ext cx="6794500" cy="1003300"/>
-          </a:xfrm>
-        </p:spPr>
-        <p:txBody>
-          <a:bodyPr/>
-          <a:lstStyle/>
-          <a:p>
-            <a:r>
-              <a:rPr lang="en-US" sz="4000" dirty="0" smtClean="0"/>
-              <a:t>Get Sum of Products</a:t>
-            </a:r>
-            <a:endParaRPr lang="en-US" sz="4000" dirty="0"/>
-          </a:p>
-        </p:txBody>
-      </p:sp>
-    </p:spTree>
-    <p:extLst>
-      <p:ext uri="{BB962C8B-B14F-4D97-AF65-F5344CB8AC3E}">
-        <p14:creationId xmlns:p14="http://schemas.microsoft.com/office/powerpoint/2010/main" val="1725572032"/>
-      </p:ext>
-    </p:extLst>
-  </p:cSld>
-  <p:clrMapOvr>
-    <a:masterClrMapping/>
-  </p:clrMapOvr>
-  <mc:AlternateContent xmlns:mc="http://schemas.openxmlformats.org/markup-compatibility/2006" xmlns:p14="http://schemas.microsoft.com/office/powerpoint/2010/main">
-    <mc:Choice Requires="p14">
-      <p:transition spd="med" p14:dur="600" advClick="0">
-        <p:fade/>
-      </p:transition>
-    </mc:Choice>
-    <mc:Fallback xmlns="">
-      <p:transition xmlns:p14="http://schemas.microsoft.com/office/powerpoint/2010/main" spd="med" advClick="0">
-        <p:fade/>
-      </p:transition>
-    </mc:Fallback>
-  </mc:AlternateContent>
-  <p:timing>
-    <p:tnLst>
-      <p:par>
-        <p:cTn xmlns:p14="http://schemas.microsoft.com/office/powerpoint/2010/main" id="1" dur="indefinite" restart="never" nodeType="tmRoot"/>
-      </p:par>
-    </p:tnLst>
-  </p:timing>
-</p:sld>
-</file>
-
-<file path=ppt/slides/slide15.xml><?xml version="1.0" encoding="utf-8"?>
-<p:sld xmlns:a="http://schemas.openxmlformats.org/drawingml/2006/main" xmlns:r="http://schemas.openxmlformats.org/officeDocument/2006/relationships" xmlns:p="http://schemas.openxmlformats.org/presentationml/2006/main">
-  <p:cSld>
-    <p:spTree>
-      <p:nvGrpSpPr>
-        <p:cNvPr id="1" name=""/>
-        <p:cNvGrpSpPr/>
-        <p:nvPr/>
-      </p:nvGrpSpPr>
-      <p:grpSpPr>
-        <a:xfrm>
-          <a:off x="0" y="0"/>
-          <a:ext cx="0" cy="0"/>
-          <a:chOff x="0" y="0"/>
-          <a:chExt cx="0" cy="0"/>
-        </a:xfrm>
-      </p:grpSpPr>
-      <p:sp>
-        <p:nvSpPr>
-          <p:cNvPr id="4" name="Slide Number Placeholder 2"/>
-          <p:cNvSpPr>
-            <a:spLocks noGrp="1"/>
-          </p:cNvSpPr>
-          <p:nvPr>
-            <p:ph type="sldNum" sz="quarter" idx="10"/>
-          </p:nvPr>
-        </p:nvSpPr>
-        <p:spPr>
-          <a:xfrm>
-            <a:off x="7333815" y="6553200"/>
-            <a:ext cx="1810186" cy="276999"/>
-          </a:xfrm>
-        </p:spPr>
-        <p:txBody>
-          <a:bodyPr/>
-          <a:lstStyle/>
-          <a:p>
-            <a:r>
-              <a:rPr lang="en-US" dirty="0" smtClean="0"/>
-              <a:t>propositional algebra.</a:t>
-            </a:r>
-            <a:fld id="{3251DA95-B240-47FE-901D-B78FC8E8E532}" type="slidenum">
-              <a:rPr lang="en-US" smtClean="0"/>
-              <a:pPr/>
-              <a:t>15</a:t>
-            </a:fld>
-            <a:endParaRPr lang="en-US" dirty="0"/>
-          </a:p>
-        </p:txBody>
-      </p:sp>
-      <p:graphicFrame>
-        <p:nvGraphicFramePr>
-          <p:cNvPr id="10" name="Object 9"/>
-          <p:cNvGraphicFramePr>
-            <a:graphicFrameLocks noChangeAspect="1"/>
-          </p:cNvGraphicFramePr>
-          <p:nvPr>
-            <p:extLst>
-              <p:ext uri="{D42A27DB-BD31-4B8C-83A1-F6EECF244321}">
-                <p14:modId xmlns:p14="http://schemas.microsoft.com/office/powerpoint/2010/main" val="3721036728"/>
-              </p:ext>
-            </p:extLst>
-          </p:nvPr>
-        </p:nvGraphicFramePr>
-        <p:xfrm>
-          <a:off x="233362" y="2597150"/>
-          <a:ext cx="8796338" cy="800539"/>
-        </p:xfrm>
-        <a:graphic>
-          <a:graphicData uri="http://schemas.openxmlformats.org/presentationml/2006/ole">
-            <mc:AlternateContent xmlns:mc="http://schemas.openxmlformats.org/markup-compatibility/2006">
-              <mc:Choice xmlns:v="urn:schemas-microsoft-com:vml" Requires="v">
-                <p:oleObj spid="_x0000_s437366" name="Equation" r:id="rId4" imgW="2514600" imgH="228600" progId="Equation.DSMT4">
-                  <p:embed/>
-                </p:oleObj>
-              </mc:Choice>
-              <mc:Fallback>
-                <p:oleObj name="Equation" r:id="rId4" imgW="2514600" imgH="228600" progId="Equation.DSMT4">
-                  <p:embed/>
-                  <p:pic>
-                    <p:nvPicPr>
-                      <p:cNvPr id="0" name=""/>
-                      <p:cNvPicPr/>
-                      <p:nvPr/>
-                    </p:nvPicPr>
-                    <p:blipFill>
-                      <a:blip r:embed="rId5"/>
-                      <a:stretch>
-                        <a:fillRect/>
-                      </a:stretch>
-                    </p:blipFill>
-                    <p:spPr>
-                      <a:xfrm>
-                        <a:off x="233362" y="2597150"/>
-                        <a:ext cx="8796338" cy="800539"/>
-                      </a:xfrm>
-                      <a:prstGeom prst="rect">
-                        <a:avLst/>
-                      </a:prstGeom>
-                    </p:spPr>
-                  </p:pic>
-                </p:oleObj>
-              </mc:Fallback>
-            </mc:AlternateContent>
-          </a:graphicData>
-        </a:graphic>
-      </p:graphicFrame>
-      <p:graphicFrame>
-        <p:nvGraphicFramePr>
           <p:cNvPr id="12" name="Object 11"/>
           <p:cNvGraphicFramePr>
             <a:graphicFrameLocks noChangeAspect="1"/>
@@ -10165,7 +10116,7 @@
           <p:nvPr>
             <p:extLst>
               <p:ext uri="{D42A27DB-BD31-4B8C-83A1-F6EECF244321}">
-                <p14:modId xmlns:p14="http://schemas.microsoft.com/office/powerpoint/2010/main" val="1166262026"/>
+                <p14:modId xmlns:p14="http://schemas.microsoft.com/office/powerpoint/2010/main" val="759620781"/>
               </p:ext>
             </p:extLst>
           </p:nvPr>
@@ -10178,174 +10129,7 @@
           <a:graphicData uri="http://schemas.openxmlformats.org/presentationml/2006/ole">
             <mc:AlternateContent xmlns:mc="http://schemas.openxmlformats.org/markup-compatibility/2006">
               <mc:Choice xmlns:v="urn:schemas-microsoft-com:vml" Requires="v">
-                <p:oleObj spid="_x0000_s437367" name="Equation" r:id="rId6" imgW="1866900" imgH="228600" progId="Equation.DSMT4">
-                  <p:embed/>
-                </p:oleObj>
-              </mc:Choice>
-              <mc:Fallback>
-                <p:oleObj name="Equation" r:id="rId6" imgW="1866900" imgH="228600" progId="Equation.DSMT4">
-                  <p:embed/>
-                  <p:pic>
-                    <p:nvPicPr>
-                      <p:cNvPr id="0" name=""/>
-                      <p:cNvPicPr/>
-                      <p:nvPr/>
-                    </p:nvPicPr>
-                    <p:blipFill>
-                      <a:blip r:embed="rId7"/>
-                      <a:stretch>
-                        <a:fillRect/>
-                      </a:stretch>
-                    </p:blipFill>
-                    <p:spPr>
-                      <a:xfrm>
-                        <a:off x="2462213" y="3441700"/>
-                        <a:ext cx="6529387" cy="800100"/>
-                      </a:xfrm>
-                      <a:prstGeom prst="rect">
-                        <a:avLst/>
-                      </a:prstGeom>
-                    </p:spPr>
-                  </p:pic>
-                </p:oleObj>
-              </mc:Fallback>
-            </mc:AlternateContent>
-          </a:graphicData>
-        </a:graphic>
-      </p:graphicFrame>
-      <p:sp>
-        <p:nvSpPr>
-          <p:cNvPr id="8" name="Title 1"/>
-          <p:cNvSpPr>
-            <a:spLocks noGrp="1"/>
-          </p:cNvSpPr>
-          <p:nvPr>
-            <p:ph type="title"/>
-          </p:nvPr>
-        </p:nvSpPr>
-        <p:spPr>
-          <a:xfrm>
-            <a:off x="1701800" y="363538"/>
-            <a:ext cx="6794500" cy="1003300"/>
-          </a:xfrm>
-        </p:spPr>
-        <p:txBody>
-          <a:bodyPr/>
-          <a:lstStyle/>
-          <a:p>
-            <a:r>
-              <a:rPr lang="en-US" sz="4000" dirty="0" smtClean="0"/>
-              <a:t>Get Sum of Products</a:t>
-            </a:r>
-            <a:endParaRPr lang="en-US" sz="4000" dirty="0"/>
-          </a:p>
-        </p:txBody>
-      </p:sp>
-    </p:spTree>
-    <p:extLst>
-      <p:ext uri="{BB962C8B-B14F-4D97-AF65-F5344CB8AC3E}">
-        <p14:creationId xmlns:p14="http://schemas.microsoft.com/office/powerpoint/2010/main" val="4269172180"/>
-      </p:ext>
-    </p:extLst>
-  </p:cSld>
-  <p:clrMapOvr>
-    <a:masterClrMapping/>
-  </p:clrMapOvr>
-  <mc:AlternateContent xmlns:mc="http://schemas.openxmlformats.org/markup-compatibility/2006" xmlns:p14="http://schemas.microsoft.com/office/powerpoint/2010/main">
-    <mc:Choice Requires="p14">
-      <p:transition spd="slow" p14:dur="800" advClick="0">
-        <p:fade/>
-      </p:transition>
-    </mc:Choice>
-    <mc:Fallback xmlns="">
-      <p:transition xmlns:p14="http://schemas.microsoft.com/office/powerpoint/2010/main" spd="slow" advClick="0">
-        <p:fade/>
-      </p:transition>
-    </mc:Fallback>
-  </mc:AlternateContent>
-  <p:timing>
-    <p:tnLst>
-      <p:par>
-        <p:cTn xmlns:p14="http://schemas.microsoft.com/office/powerpoint/2010/main" id="1" dur="indefinite" restart="never" nodeType="tmRoot"/>
-      </p:par>
-    </p:tnLst>
-  </p:timing>
-</p:sld>
-</file>
-
-<file path=ppt/slides/slide16.xml><?xml version="1.0" encoding="utf-8"?>
-<p:sld xmlns:a="http://schemas.openxmlformats.org/drawingml/2006/main" xmlns:r="http://schemas.openxmlformats.org/officeDocument/2006/relationships" xmlns:p="http://schemas.openxmlformats.org/presentationml/2006/main">
-  <p:cSld>
-    <p:spTree>
-      <p:nvGrpSpPr>
-        <p:cNvPr id="1" name=""/>
-        <p:cNvGrpSpPr/>
-        <p:nvPr/>
-      </p:nvGrpSpPr>
-      <p:grpSpPr>
-        <a:xfrm>
-          <a:off x="0" y="0"/>
-          <a:ext cx="0" cy="0"/>
-          <a:chOff x="0" y="0"/>
-          <a:chExt cx="0" cy="0"/>
-        </a:xfrm>
-      </p:grpSpPr>
-      <p:sp>
-        <p:nvSpPr>
-          <p:cNvPr id="4" name="Slide Number Placeholder 2"/>
-          <p:cNvSpPr>
-            <a:spLocks noGrp="1"/>
-          </p:cNvSpPr>
-          <p:nvPr>
-            <p:ph type="sldNum" sz="quarter" idx="10"/>
-          </p:nvPr>
-        </p:nvSpPr>
-        <p:spPr>
-          <a:xfrm>
-            <a:off x="7333815" y="6553200"/>
-            <a:ext cx="1810186" cy="276999"/>
-          </a:xfrm>
-        </p:spPr>
-        <p:txBody>
-          <a:bodyPr/>
-          <a:lstStyle/>
-          <a:p>
-            <a:r>
-              <a:rPr lang="en-US" dirty="0" smtClean="0"/>
-              <a:t>propositional algebra.</a:t>
-            </a:r>
-            <a:fld id="{3251DA95-B240-47FE-901D-B78FC8E8E532}" type="slidenum">
-              <a:rPr lang="en-US" smtClean="0"/>
-              <a:pPr/>
-              <a:t>16</a:t>
-            </a:fld>
-            <a:endParaRPr lang="en-US" dirty="0"/>
-          </a:p>
-        </p:txBody>
-      </p:sp>
-      <p:graphicFrame>
-        <p:nvGraphicFramePr>
-          <p:cNvPr id="12" name="Object 11"/>
-          <p:cNvGraphicFramePr>
-            <a:graphicFrameLocks noChangeAspect="1"/>
-          </p:cNvGraphicFramePr>
-          <p:nvPr>
-            <p:extLst>
-              <p:ext uri="{D42A27DB-BD31-4B8C-83A1-F6EECF244321}">
-                <p14:modId xmlns:p14="http://schemas.microsoft.com/office/powerpoint/2010/main" val="759620781"/>
-              </p:ext>
-            </p:extLst>
-          </p:nvPr>
-        </p:nvGraphicFramePr>
-        <p:xfrm>
-          <a:off x="2462213" y="3441700"/>
-          <a:ext cx="6529387" cy="800100"/>
-        </p:xfrm>
-        <a:graphic>
-          <a:graphicData uri="http://schemas.openxmlformats.org/presentationml/2006/ole">
-            <mc:AlternateContent xmlns:mc="http://schemas.openxmlformats.org/markup-compatibility/2006">
-              <mc:Choice xmlns:v="urn:schemas-microsoft-com:vml" Requires="v">
-                <p:oleObj spid="_x0000_s479300" name="Equation" r:id="rId4" imgW="1866900" imgH="228600" progId="Equation.DSMT4">
+                <p:oleObj spid="_x0000_s479307" name="Equation" r:id="rId4" imgW="1866900" imgH="228600" progId="Equation.DSMT4">
                   <p:embed/>
                 </p:oleObj>
               </mc:Choice>
@@ -10496,7 +10280,7 @@
 </p:sld>
 </file>
 
-<file path=ppt/slides/slide17.xml><?xml version="1.0" encoding="utf-8"?>
+<file path=ppt/slides/slide15.xml><?xml version="1.0" encoding="utf-8"?>
 <p:sld xmlns:a="http://schemas.openxmlformats.org/drawingml/2006/main" xmlns:r="http://schemas.openxmlformats.org/officeDocument/2006/relationships" xmlns:p="http://schemas.openxmlformats.org/presentationml/2006/main">
   <p:cSld>
     <p:spTree>
@@ -10540,7 +10324,7 @@
             <a:fld id="{3251DA95-B240-47FE-901D-B78FC8E8E532}" type="slidenum">
               <a:rPr lang="en-US" smtClean="0"/>
               <a:pPr/>
-              <a:t>17</a:t>
+              <a:t>15</a:t>
             </a:fld>
             <a:endParaRPr lang="en-US" dirty="0"/>
           </a:p>
@@ -10568,7 +10352,7 @@
           <a:graphicData uri="http://schemas.openxmlformats.org/presentationml/2006/ole">
             <mc:AlternateContent xmlns:mc="http://schemas.openxmlformats.org/markup-compatibility/2006">
               <mc:Choice xmlns:v="urn:schemas-microsoft-com:vml" Requires="v">
-                <p:oleObj spid="_x0000_s440464" name="Equation" r:id="rId4" imgW="1866900" imgH="228600" progId="Equation.DSMT4">
+                <p:oleObj spid="_x0000_s440478" name="Equation" r:id="rId4" imgW="1866900" imgH="228600" progId="Equation.DSMT4">
                   <p:embed/>
                 </p:oleObj>
               </mc:Choice>
@@ -10625,7 +10409,7 @@
           <a:graphicData uri="http://schemas.openxmlformats.org/presentationml/2006/ole">
             <mc:AlternateContent xmlns:mc="http://schemas.openxmlformats.org/markup-compatibility/2006">
               <mc:Choice xmlns:v="urn:schemas-microsoft-com:vml" Requires="v">
-                <p:oleObj spid="_x0000_s440465" name="Equation" r:id="rId6" imgW="1689100" imgH="254000" progId="Equation.DSMT4">
+                <p:oleObj spid="_x0000_s440479" name="Equation" r:id="rId6" imgW="1689100" imgH="254000" progId="Equation.DSMT4">
                   <p:embed/>
                 </p:oleObj>
               </mc:Choice>
@@ -10688,6 +10472,58 @@
           </a:p>
         </p:txBody>
       </p:sp>
+      <p:sp>
+        <p:nvSpPr>
+          <p:cNvPr id="2" name="TextBox 1"/>
+          <p:cNvSpPr txBox="1"/>
+          <p:nvPr/>
+        </p:nvSpPr>
+        <p:spPr>
+          <a:xfrm>
+            <a:off x="1100729" y="5485305"/>
+            <a:ext cx="6952068" cy="923330"/>
+          </a:xfrm>
+          <a:prstGeom prst="rect">
+            <a:avLst/>
+          </a:prstGeom>
+          <a:noFill/>
+        </p:spPr>
+        <p:txBody>
+          <a:bodyPr wrap="none" rtlCol="0">
+            <a:spAutoFit/>
+          </a:bodyPr>
+          <a:lstStyle/>
+          <a:p>
+            <a:pPr algn="l"/>
+            <a:r>
+              <a:rPr lang="en-US" sz="4400" dirty="0" smtClean="0">
+                <a:solidFill>
+                  <a:schemeClr val="accent1">
+                    <a:lumMod val="50000"/>
+                  </a:schemeClr>
+                </a:solidFill>
+                <a:latin typeface="Comic Sans MS" pitchFamily="66" charset="0"/>
+              </a:rPr>
+              <a:t>NOT</a:t>
+            </a:r>
+            <a:r>
+              <a:rPr lang="en-US" sz="4400" dirty="0" smtClean="0">
+                <a:solidFill>
+                  <a:srgbClr val="0000E5"/>
+                </a:solidFill>
+                <a:latin typeface="Comic Sans MS" pitchFamily="66" charset="0"/>
+              </a:rPr>
+              <a:t>’s</a:t>
+            </a:r>
+            <a:r>
+              <a:rPr lang="en-US" sz="5400" dirty="0" smtClean="0">
+                <a:latin typeface="Comic Sans MS" pitchFamily="66" charset="0"/>
+              </a:rPr>
+              <a:t> only on literals</a:t>
+            </a:r>
+          </a:p>
+        </p:txBody>
+      </p:sp>
     </p:spTree>
     <p:extLst>
       <p:ext uri="{BB962C8B-B14F-4D97-AF65-F5344CB8AC3E}">
@@ -10713,7 +10549,699 @@
   <p:timing>
     <p:tnLst>
       <p:par>
-        <p:cTn xmlns:p14="http://schemas.microsoft.com/office/powerpoint/2010/main" id="1" dur="indefinite" restart="never" nodeType="tmRoot"/>
+        <p:cTn xmlns:p14="http://schemas.microsoft.com/office/powerpoint/2010/main" id="1" dur="indefinite" restart="never" nodeType="tmRoot">
+          <p:childTnLst>
+            <p:seq concurrent="1" nextAc="seek">
+              <p:cTn id="2" dur="indefinite" nodeType="mainSeq">
+                <p:childTnLst>
+                  <p:par>
+                    <p:cTn id="3" fill="hold">
+                      <p:stCondLst>
+                        <p:cond delay="indefinite"/>
+                      </p:stCondLst>
+                      <p:childTnLst>
+                        <p:par>
+                          <p:cTn id="4" fill="hold">
+                            <p:stCondLst>
+                              <p:cond delay="0"/>
+                            </p:stCondLst>
+                            <p:childTnLst>
+                              <p:par>
+                                <p:cTn id="5" presetID="9" presetClass="exit" presetSubtype="0" fill="hold" nodeType="clickEffect">
+                                  <p:stCondLst>
+                                    <p:cond delay="0"/>
+                                  </p:stCondLst>
+                                  <p:childTnLst>
+                                    <p:animEffect transition="out" filter="dissolve">
+                                      <p:cBhvr>
+                                        <p:cTn id="6" dur="500"/>
+                                        <p:tgtEl>
+                                          <p:spTgt spid="12"/>
+                                        </p:tgtEl>
+                                      </p:cBhvr>
+                                    </p:animEffect>
+                                    <p:set>
+                                      <p:cBhvr>
+                                        <p:cTn id="7" dur="1" fill="hold">
+                                          <p:stCondLst>
+                                            <p:cond delay="499"/>
+                                          </p:stCondLst>
+                                        </p:cTn>
+                                        <p:tgtEl>
+                                          <p:spTgt spid="12"/>
+                                        </p:tgtEl>
+                                        <p:attrNameLst>
+                                          <p:attrName>style.visibility</p:attrName>
+                                        </p:attrNameLst>
+                                      </p:cBhvr>
+                                      <p:to>
+                                        <p:strVal val="hidden"/>
+                                      </p:to>
+                                    </p:set>
+                                  </p:childTnLst>
+                                </p:cTn>
+                              </p:par>
+                            </p:childTnLst>
+                          </p:cTn>
+                        </p:par>
+                        <p:par>
+                          <p:cTn id="8" fill="hold">
+                            <p:stCondLst>
+                              <p:cond delay="500"/>
+                            </p:stCondLst>
+                            <p:childTnLst>
+                              <p:par>
+                                <p:cTn id="9" presetID="10" presetClass="entr" presetSubtype="0" fill="hold" grpId="0" nodeType="afterEffect">
+                                  <p:stCondLst>
+                                    <p:cond delay="0"/>
+                                  </p:stCondLst>
+                                  <p:childTnLst>
+                                    <p:set>
+                                      <p:cBhvr>
+                                        <p:cTn id="10" dur="1" fill="hold">
+                                          <p:stCondLst>
+                                            <p:cond delay="0"/>
+                                          </p:stCondLst>
+                                        </p:cTn>
+                                        <p:tgtEl>
+                                          <p:spTgt spid="2"/>
+                                        </p:tgtEl>
+                                        <p:attrNameLst>
+                                          <p:attrName>style.visibility</p:attrName>
+                                        </p:attrNameLst>
+                                      </p:cBhvr>
+                                      <p:to>
+                                        <p:strVal val="visible"/>
+                                      </p:to>
+                                    </p:set>
+                                    <p:animEffect transition="in" filter="fade">
+                                      <p:cBhvr>
+                                        <p:cTn id="11" dur="500"/>
+                                        <p:tgtEl>
+                                          <p:spTgt spid="2"/>
+                                        </p:tgtEl>
+                                      </p:cBhvr>
+                                    </p:animEffect>
+                                  </p:childTnLst>
+                                </p:cTn>
+                              </p:par>
+                            </p:childTnLst>
+                          </p:cTn>
+                        </p:par>
+                      </p:childTnLst>
+                    </p:cTn>
+                  </p:par>
+                </p:childTnLst>
+              </p:cTn>
+              <p:prevCondLst>
+                <p:cond evt="onPrev" delay="0">
+                  <p:tgtEl>
+                    <p:sldTgt/>
+                  </p:tgtEl>
+                </p:cond>
+              </p:prevCondLst>
+              <p:nextCondLst>
+                <p:cond evt="onNext" delay="0">
+                  <p:tgtEl>
+                    <p:sldTgt/>
+                  </p:tgtEl>
+                </p:cond>
+              </p:nextCondLst>
+            </p:seq>
+          </p:childTnLst>
+        </p:cTn>
+      </p:par>
+    </p:tnLst>
+    <p:bldLst>
+      <p:bldP spid="2" grpId="0"/>
+    </p:bldLst>
+  </p:timing>
+</p:sld>
+</file>
+
+<file path=ppt/slides/slide16.xml><?xml version="1.0" encoding="utf-8"?>
+<p:sld xmlns:a="http://schemas.openxmlformats.org/drawingml/2006/main" xmlns:r="http://schemas.openxmlformats.org/officeDocument/2006/relationships" xmlns:p="http://schemas.openxmlformats.org/presentationml/2006/main">
+  <p:cSld>
+    <p:spTree>
+      <p:nvGrpSpPr>
+        <p:cNvPr id="1" name=""/>
+        <p:cNvGrpSpPr/>
+        <p:nvPr/>
+      </p:nvGrpSpPr>
+      <p:grpSpPr>
+        <a:xfrm>
+          <a:off x="0" y="0"/>
+          <a:ext cx="0" cy="0"/>
+          <a:chOff x="0" y="0"/>
+          <a:chExt cx="0" cy="0"/>
+        </a:xfrm>
+      </p:grpSpPr>
+      <p:sp>
+        <p:nvSpPr>
+          <p:cNvPr id="4" name="Slide Number Placeholder 2"/>
+          <p:cNvSpPr>
+            <a:spLocks noGrp="1"/>
+          </p:cNvSpPr>
+          <p:nvPr>
+            <p:ph type="sldNum" sz="quarter" idx="10"/>
+          </p:nvPr>
+        </p:nvSpPr>
+        <p:spPr>
+          <a:xfrm>
+            <a:off x="7333815" y="6553200"/>
+            <a:ext cx="1810186" cy="276999"/>
+          </a:xfrm>
+        </p:spPr>
+        <p:txBody>
+          <a:bodyPr/>
+          <a:lstStyle/>
+          <a:p>
+            <a:r>
+              <a:rPr lang="en-US" dirty="0" smtClean="0"/>
+              <a:t>propositional algebra.</a:t>
+            </a:r>
+            <a:fld id="{3251DA95-B240-47FE-901D-B78FC8E8E532}" type="slidenum">
+              <a:rPr lang="en-US" smtClean="0"/>
+              <a:pPr/>
+              <a:t>16</a:t>
+            </a:fld>
+            <a:endParaRPr lang="en-US" dirty="0"/>
+          </a:p>
+        </p:txBody>
+      </p:sp>
+      <p:graphicFrame>
+        <p:nvGraphicFramePr>
+          <p:cNvPr id="14" name="Object 13"/>
+          <p:cNvGraphicFramePr>
+            <a:graphicFrameLocks noChangeAspect="1"/>
+          </p:cNvGraphicFramePr>
+          <p:nvPr>
+            <p:extLst>
+              <p:ext uri="{D42A27DB-BD31-4B8C-83A1-F6EECF244321}">
+                <p14:modId xmlns:p14="http://schemas.microsoft.com/office/powerpoint/2010/main" val="2950382837"/>
+              </p:ext>
+            </p:extLst>
+          </p:nvPr>
+        </p:nvGraphicFramePr>
+        <p:xfrm>
+          <a:off x="2779713" y="4037503"/>
+          <a:ext cx="5284787" cy="889000"/>
+        </p:xfrm>
+        <a:graphic>
+          <a:graphicData uri="http://schemas.openxmlformats.org/presentationml/2006/ole">
+            <mc:AlternateContent xmlns:mc="http://schemas.openxmlformats.org/markup-compatibility/2006">
+              <mc:Choice xmlns:v="urn:schemas-microsoft-com:vml" Requires="v">
+                <p:oleObj spid="_x0000_s573447" name="Equation" r:id="rId4" imgW="1511300" imgH="254000" progId="Equation.DSMT4">
+                  <p:embed/>
+                </p:oleObj>
+              </mc:Choice>
+              <mc:Fallback>
+                <p:oleObj name="Equation" r:id="rId4" imgW="1511300" imgH="254000" progId="Equation.DSMT4">
+                  <p:embed/>
+                  <p:pic>
+                    <p:nvPicPr>
+                      <p:cNvPr id="0" name=""/>
+                      <p:cNvPicPr/>
+                      <p:nvPr/>
+                    </p:nvPicPr>
+                    <p:blipFill>
+                      <a:blip r:embed="rId5"/>
+                      <a:stretch>
+                        <a:fillRect/>
+                      </a:stretch>
+                    </p:blipFill>
+                    <p:spPr>
+                      <a:xfrm>
+                        <a:off x="2779713" y="4037503"/>
+                        <a:ext cx="5284787" cy="889000"/>
+                      </a:xfrm>
+                      <a:prstGeom prst="rect">
+                        <a:avLst/>
+                      </a:prstGeom>
+                    </p:spPr>
+                  </p:pic>
+                </p:oleObj>
+              </mc:Fallback>
+            </mc:AlternateContent>
+          </a:graphicData>
+        </a:graphic>
+      </p:graphicFrame>
+      <p:sp>
+        <p:nvSpPr>
+          <p:cNvPr id="11" name="Title 1"/>
+          <p:cNvSpPr>
+            <a:spLocks noGrp="1"/>
+          </p:cNvSpPr>
+          <p:nvPr>
+            <p:ph type="title"/>
+          </p:nvPr>
+        </p:nvSpPr>
+        <p:spPr>
+          <a:xfrm>
+            <a:off x="1701800" y="363538"/>
+            <a:ext cx="6794500" cy="1003300"/>
+          </a:xfrm>
+        </p:spPr>
+        <p:txBody>
+          <a:bodyPr/>
+          <a:lstStyle/>
+          <a:p>
+            <a:r>
+              <a:rPr lang="en-US" sz="4000" dirty="0" smtClean="0"/>
+              <a:t>Get Sum of Products</a:t>
+            </a:r>
+            <a:endParaRPr lang="en-US" sz="4000" dirty="0"/>
+          </a:p>
+        </p:txBody>
+      </p:sp>
+      <p:sp>
+        <p:nvSpPr>
+          <p:cNvPr id="6" name="TextBox 5"/>
+          <p:cNvSpPr txBox="1"/>
+          <p:nvPr/>
+        </p:nvSpPr>
+        <p:spPr>
+          <a:xfrm>
+            <a:off x="1100729" y="5485305"/>
+            <a:ext cx="6952068" cy="923330"/>
+          </a:xfrm>
+          <a:prstGeom prst="rect">
+            <a:avLst/>
+          </a:prstGeom>
+          <a:noFill/>
+        </p:spPr>
+        <p:txBody>
+          <a:bodyPr wrap="none" rtlCol="0">
+            <a:spAutoFit/>
+          </a:bodyPr>
+          <a:lstStyle/>
+          <a:p>
+            <a:pPr algn="l"/>
+            <a:r>
+              <a:rPr lang="en-US" sz="4400" dirty="0" smtClean="0">
+                <a:solidFill>
+                  <a:schemeClr val="accent1">
+                    <a:lumMod val="50000"/>
+                  </a:schemeClr>
+                </a:solidFill>
+                <a:latin typeface="Comic Sans MS" pitchFamily="66" charset="0"/>
+              </a:rPr>
+              <a:t>NOT</a:t>
+            </a:r>
+            <a:r>
+              <a:rPr lang="en-US" sz="4400" dirty="0" smtClean="0">
+                <a:solidFill>
+                  <a:srgbClr val="0000E5"/>
+                </a:solidFill>
+                <a:latin typeface="Comic Sans MS" pitchFamily="66" charset="0"/>
+              </a:rPr>
+              <a:t>’s</a:t>
+            </a:r>
+            <a:r>
+              <a:rPr lang="en-US" sz="5400" dirty="0" smtClean="0">
+                <a:latin typeface="Comic Sans MS" pitchFamily="66" charset="0"/>
+              </a:rPr>
+              <a:t> only on literals</a:t>
+            </a:r>
+          </a:p>
+        </p:txBody>
+      </p:sp>
+    </p:spTree>
+    <p:extLst>
+      <p:ext uri="{BB962C8B-B14F-4D97-AF65-F5344CB8AC3E}">
+        <p14:creationId xmlns:p14="http://schemas.microsoft.com/office/powerpoint/2010/main" val="4145487084"/>
+      </p:ext>
+    </p:extLst>
+  </p:cSld>
+  <p:clrMapOvr>
+    <a:masterClrMapping/>
+  </p:clrMapOvr>
+  <mc:AlternateContent xmlns:mc="http://schemas.openxmlformats.org/markup-compatibility/2006" xmlns:p14="http://schemas.microsoft.com/office/powerpoint/2010/main">
+    <mc:Choice Requires="p14">
+      <p:transition spd="slow" p14:dur="800" advClick="0">
+        <p:fade/>
+      </p:transition>
+    </mc:Choice>
+    <mc:Fallback xmlns="">
+      <p:transition xmlns:p14="http://schemas.microsoft.com/office/powerpoint/2010/main" spd="slow" advClick="0">
+        <p:fade/>
+      </p:transition>
+    </mc:Fallback>
+  </mc:AlternateContent>
+  <p:timing>
+    <p:tnLst>
+      <p:par>
+        <p:cTn xmlns:p14="http://schemas.microsoft.com/office/powerpoint/2010/main" id="1" dur="indefinite" restart="never" nodeType="tmRoot">
+          <p:childTnLst>
+            <p:seq concurrent="1" nextAc="seek">
+              <p:cTn id="2" dur="indefinite" nodeType="mainSeq">
+                <p:childTnLst>
+                  <p:par>
+                    <p:cTn id="3" fill="hold">
+                      <p:stCondLst>
+                        <p:cond delay="indefinite"/>
+                        <p:cond evt="onBegin" delay="0">
+                          <p:tn val="2"/>
+                        </p:cond>
+                      </p:stCondLst>
+                      <p:childTnLst>
+                        <p:par>
+                          <p:cTn id="4" fill="hold">
+                            <p:stCondLst>
+                              <p:cond delay="0"/>
+                            </p:stCondLst>
+                            <p:childTnLst>
+                              <p:par>
+                                <p:cTn id="5" presetID="0" presetClass="path" presetSubtype="0" decel="50000" fill="hold" nodeType="withEffect">
+                                  <p:stCondLst>
+                                    <p:cond delay="0"/>
+                                  </p:stCondLst>
+                                  <p:childTnLst>
+                                    <p:animMotion origin="layout" path="M 0.00087 -0.0739 L -0.0924 -0.41441 " pathEditMode="relative" rAng="0" ptsTypes="AA">
+                                      <p:cBhvr>
+                                        <p:cTn id="6" dur="1000" fill="hold"/>
+                                        <p:tgtEl>
+                                          <p:spTgt spid="14"/>
+                                        </p:tgtEl>
+                                        <p:attrNameLst>
+                                          <p:attrName>ppt_x</p:attrName>
+                                          <p:attrName>ppt_y</p:attrName>
+                                        </p:attrNameLst>
+                                      </p:cBhvr>
+                                      <p:rCtr x="-4672" y="-17026"/>
+                                    </p:animMotion>
+                                  </p:childTnLst>
+                                </p:cTn>
+                              </p:par>
+                            </p:childTnLst>
+                          </p:cTn>
+                        </p:par>
+                      </p:childTnLst>
+                    </p:cTn>
+                  </p:par>
+                </p:childTnLst>
+              </p:cTn>
+              <p:prevCondLst>
+                <p:cond evt="onPrev" delay="0">
+                  <p:tgtEl>
+                    <p:sldTgt/>
+                  </p:tgtEl>
+                </p:cond>
+              </p:prevCondLst>
+              <p:nextCondLst>
+                <p:cond evt="onNext" delay="0">
+                  <p:tgtEl>
+                    <p:sldTgt/>
+                  </p:tgtEl>
+                </p:cond>
+              </p:nextCondLst>
+            </p:seq>
+          </p:childTnLst>
+        </p:cTn>
+      </p:par>
+    </p:tnLst>
+  </p:timing>
+</p:sld>
+</file>
+
+<file path=ppt/slides/slide17.xml><?xml version="1.0" encoding="utf-8"?>
+<p:sld xmlns:a="http://schemas.openxmlformats.org/drawingml/2006/main" xmlns:r="http://schemas.openxmlformats.org/officeDocument/2006/relationships" xmlns:p="http://schemas.openxmlformats.org/presentationml/2006/main">
+  <p:cSld>
+    <p:spTree>
+      <p:nvGrpSpPr>
+        <p:cNvPr id="1" name=""/>
+        <p:cNvGrpSpPr/>
+        <p:nvPr/>
+      </p:nvGrpSpPr>
+      <p:grpSpPr>
+        <a:xfrm>
+          <a:off x="0" y="0"/>
+          <a:ext cx="0" cy="0"/>
+          <a:chOff x="0" y="0"/>
+          <a:chExt cx="0" cy="0"/>
+        </a:xfrm>
+      </p:grpSpPr>
+      <p:graphicFrame>
+        <p:nvGraphicFramePr>
+          <p:cNvPr id="8" name="Object 7"/>
+          <p:cNvGraphicFramePr>
+            <a:graphicFrameLocks noChangeAspect="1"/>
+          </p:cNvGraphicFramePr>
+          <p:nvPr>
+            <p:extLst>
+              <p:ext uri="{D42A27DB-BD31-4B8C-83A1-F6EECF244321}">
+                <p14:modId xmlns:p14="http://schemas.microsoft.com/office/powerpoint/2010/main" val="1084254014"/>
+              </p:ext>
+            </p:extLst>
+          </p:nvPr>
+        </p:nvGraphicFramePr>
+        <p:xfrm>
+          <a:off x="642938" y="2273300"/>
+          <a:ext cx="8272462" cy="2025650"/>
+        </p:xfrm>
+        <a:graphic>
+          <a:graphicData uri="http://schemas.openxmlformats.org/presentationml/2006/ole">
+            <mc:AlternateContent xmlns:mc="http://schemas.openxmlformats.org/markup-compatibility/2006">
+              <mc:Choice xmlns:v="urn:schemas-microsoft-com:vml" Requires="v">
+                <p:oleObj spid="_x0000_s571398" name="Equation" r:id="rId4" imgW="1866900" imgH="457200" progId="Equation.DSMT4">
+                  <p:embed/>
+                </p:oleObj>
+              </mc:Choice>
+              <mc:Fallback>
+                <p:oleObj name="Equation" r:id="rId4" imgW="1866900" imgH="457200" progId="Equation.DSMT4">
+                  <p:embed/>
+                  <p:pic>
+                    <p:nvPicPr>
+                      <p:cNvPr id="0" name=""/>
+                      <p:cNvPicPr/>
+                      <p:nvPr/>
+                    </p:nvPicPr>
+                    <p:blipFill>
+                      <a:blip r:embed="rId5"/>
+                      <a:stretch>
+                        <a:fillRect/>
+                      </a:stretch>
+                    </p:blipFill>
+                    <p:spPr>
+                      <a:xfrm>
+                        <a:off x="642938" y="2273300"/>
+                        <a:ext cx="8272462" cy="2025650"/>
+                      </a:xfrm>
+                      <a:prstGeom prst="rect">
+                        <a:avLst/>
+                      </a:prstGeom>
+                    </p:spPr>
+                  </p:pic>
+                </p:oleObj>
+              </mc:Fallback>
+            </mc:AlternateContent>
+          </a:graphicData>
+        </a:graphic>
+      </p:graphicFrame>
+      <p:sp>
+        <p:nvSpPr>
+          <p:cNvPr id="5" name="TextBox 4"/>
+          <p:cNvSpPr txBox="1"/>
+          <p:nvPr/>
+        </p:nvSpPr>
+        <p:spPr>
+          <a:xfrm>
+            <a:off x="1636040" y="1331772"/>
+            <a:ext cx="5996660" cy="923330"/>
+          </a:xfrm>
+          <a:prstGeom prst="rect">
+            <a:avLst/>
+          </a:prstGeom>
+          <a:noFill/>
+        </p:spPr>
+        <p:txBody>
+          <a:bodyPr wrap="square" rtlCol="0">
+            <a:spAutoFit/>
+          </a:bodyPr>
+          <a:lstStyle/>
+          <a:p>
+            <a:pPr algn="l"/>
+            <a:r>
+              <a:rPr lang="en-US" sz="5400" dirty="0" smtClean="0">
+                <a:solidFill>
+                  <a:srgbClr val="FF03E3"/>
+                </a:solidFill>
+                <a:latin typeface="Comic Sans MS" pitchFamily="66" charset="0"/>
+              </a:rPr>
+              <a:t>Distributive Law</a:t>
+            </a:r>
+            <a:endParaRPr lang="en-US" sz="5400" dirty="0">
+              <a:solidFill>
+                <a:srgbClr val="FF03E3"/>
+              </a:solidFill>
+              <a:latin typeface="Comic Sans MS" pitchFamily="66" charset="0"/>
+            </a:endParaRPr>
+          </a:p>
+        </p:txBody>
+      </p:sp>
+      <p:sp>
+        <p:nvSpPr>
+          <p:cNvPr id="9" name="Title 1"/>
+          <p:cNvSpPr>
+            <a:spLocks noGrp="1"/>
+          </p:cNvSpPr>
+          <p:nvPr>
+            <p:ph type="title"/>
+          </p:nvPr>
+        </p:nvSpPr>
+        <p:spPr>
+          <a:xfrm>
+            <a:off x="1651000" y="350838"/>
+            <a:ext cx="6794500" cy="1003300"/>
+          </a:xfrm>
+        </p:spPr>
+        <p:txBody>
+          <a:bodyPr/>
+          <a:lstStyle/>
+          <a:p>
+            <a:r>
+              <a:rPr lang="en-US" sz="4000" dirty="0" smtClean="0"/>
+              <a:t>Algebra for Equivalence</a:t>
+            </a:r>
+            <a:endParaRPr lang="en-US" sz="4000" dirty="0"/>
+          </a:p>
+        </p:txBody>
+      </p:sp>
+      <p:sp>
+        <p:nvSpPr>
+          <p:cNvPr id="4" name="Slide Number Placeholder 2"/>
+          <p:cNvSpPr>
+            <a:spLocks noGrp="1"/>
+          </p:cNvSpPr>
+          <p:nvPr>
+            <p:ph type="sldNum" sz="quarter" idx="10"/>
+          </p:nvPr>
+        </p:nvSpPr>
+        <p:spPr>
+          <a:xfrm>
+            <a:off x="7333815" y="6553200"/>
+            <a:ext cx="1810186" cy="276999"/>
+          </a:xfrm>
+        </p:spPr>
+        <p:txBody>
+          <a:bodyPr/>
+          <a:lstStyle/>
+          <a:p>
+            <a:r>
+              <a:rPr lang="en-US" dirty="0" smtClean="0"/>
+              <a:t>propositional algebra.</a:t>
+            </a:r>
+            <a:fld id="{3251DA95-B240-47FE-901D-B78FC8E8E532}" type="slidenum">
+              <a:rPr lang="en-US" smtClean="0"/>
+              <a:pPr/>
+              <a:t>17</a:t>
+            </a:fld>
+            <a:endParaRPr lang="en-US" dirty="0"/>
+          </a:p>
+        </p:txBody>
+      </p:sp>
+    </p:spTree>
+    <p:extLst>
+      <p:ext uri="{BB962C8B-B14F-4D97-AF65-F5344CB8AC3E}">
+        <p14:creationId xmlns:p14="http://schemas.microsoft.com/office/powerpoint/2010/main" val="4169404043"/>
+      </p:ext>
+    </p:extLst>
+  </p:cSld>
+  <p:clrMapOvr>
+    <a:masterClrMapping/>
+  </p:clrMapOvr>
+  <mc:AlternateContent xmlns:mc="http://schemas.openxmlformats.org/markup-compatibility/2006" xmlns:p14="http://schemas.microsoft.com/office/powerpoint/2010/main">
+    <mc:Choice Requires="p14">
+      <p:transition spd="slow" p14:dur="800" advClick="0">
+        <p:fade thruBlk="1"/>
+      </p:transition>
+    </mc:Choice>
+    <mc:Fallback xmlns="">
+      <p:transition xmlns:p14="http://schemas.microsoft.com/office/powerpoint/2010/main" spd="slow" advClick="0">
+        <p:fade thruBlk="1"/>
+      </p:transition>
+    </mc:Fallback>
+  </mc:AlternateContent>
+  <p:timing>
+    <p:tnLst>
+      <p:par>
+        <p:cTn xmlns:p14="http://schemas.microsoft.com/office/powerpoint/2010/main" id="1" dur="indefinite" restart="never" nodeType="tmRoot">
+          <p:childTnLst>
+            <p:seq concurrent="1" nextAc="seek">
+              <p:cTn id="2" dur="indefinite" nodeType="mainSeq">
+                <p:childTnLst>
+                  <p:par>
+                    <p:cTn id="3" fill="hold">
+                      <p:stCondLst>
+                        <p:cond delay="indefinite"/>
+                      </p:stCondLst>
+                      <p:childTnLst>
+                        <p:par>
+                          <p:cTn id="4" fill="hold">
+                            <p:stCondLst>
+                              <p:cond delay="0"/>
+                            </p:stCondLst>
+                            <p:childTnLst>
+                              <p:par>
+                                <p:cTn id="5" presetID="22" presetClass="entr" presetSubtype="1" fill="hold" nodeType="clickEffect">
+                                  <p:stCondLst>
+                                    <p:cond delay="0"/>
+                                  </p:stCondLst>
+                                  <p:childTnLst>
+                                    <p:set>
+                                      <p:cBhvr>
+                                        <p:cTn id="6" dur="1" fill="hold">
+                                          <p:stCondLst>
+                                            <p:cond delay="0"/>
+                                          </p:stCondLst>
+                                        </p:cTn>
+                                        <p:tgtEl>
+                                          <p:spTgt spid="8"/>
+                                        </p:tgtEl>
+                                        <p:attrNameLst>
+                                          <p:attrName>style.visibility</p:attrName>
+                                        </p:attrNameLst>
+                                      </p:cBhvr>
+                                      <p:to>
+                                        <p:strVal val="visible"/>
+                                      </p:to>
+                                    </p:set>
+                                    <p:animEffect transition="in" filter="wipe(up)">
+                                      <p:cBhvr>
+                                        <p:cTn id="7" dur="2000"/>
+                                        <p:tgtEl>
+                                          <p:spTgt spid="8"/>
+                                        </p:tgtEl>
+                                      </p:cBhvr>
+                                    </p:animEffect>
+                                  </p:childTnLst>
+                                </p:cTn>
+                              </p:par>
+                            </p:childTnLst>
+                          </p:cTn>
+                        </p:par>
+                      </p:childTnLst>
+                    </p:cTn>
+                  </p:par>
+                </p:childTnLst>
+              </p:cTn>
+              <p:prevCondLst>
+                <p:cond evt="onPrev" delay="0">
+                  <p:tgtEl>
+                    <p:sldTgt/>
+                  </p:tgtEl>
+                </p:cond>
+              </p:prevCondLst>
+              <p:nextCondLst>
+                <p:cond evt="onNext" delay="0">
+                  <p:tgtEl>
+                    <p:sldTgt/>
+                  </p:tgtEl>
+                </p:cond>
+              </p:nextCondLst>
+            </p:seq>
+          </p:childTnLst>
+        </p:cTn>
       </p:par>
     </p:tnLst>
   </p:timing>
@@ -10737,67 +11265,34 @@
           <a:chExt cx="0" cy="0"/>
         </a:xfrm>
       </p:grpSpPr>
-      <p:sp>
-        <p:nvSpPr>
-          <p:cNvPr id="4" name="Slide Number Placeholder 2"/>
-          <p:cNvSpPr>
-            <a:spLocks noGrp="1"/>
-          </p:cNvSpPr>
-          <p:nvPr>
-            <p:ph type="sldNum" sz="quarter" idx="10"/>
-          </p:nvPr>
-        </p:nvSpPr>
-        <p:spPr>
-          <a:xfrm>
-            <a:off x="7333815" y="6553200"/>
-            <a:ext cx="1810186" cy="276999"/>
-          </a:xfrm>
-        </p:spPr>
-        <p:txBody>
-          <a:bodyPr/>
-          <a:lstStyle/>
-          <a:p>
-            <a:r>
-              <a:rPr lang="en-US" dirty="0" smtClean="0"/>
-              <a:t>propositional algebra.</a:t>
-            </a:r>
-            <a:fld id="{3251DA95-B240-47FE-901D-B78FC8E8E532}" type="slidenum">
-              <a:rPr lang="en-US" smtClean="0"/>
-              <a:pPr/>
-              <a:t>18</a:t>
-            </a:fld>
-            <a:endParaRPr lang="en-US" dirty="0"/>
-          </a:p>
-        </p:txBody>
-      </p:sp>
       <p:graphicFrame>
         <p:nvGraphicFramePr>
-          <p:cNvPr id="14" name="Object 13"/>
+          <p:cNvPr id="10" name="Object 9"/>
           <p:cNvGraphicFramePr>
             <a:graphicFrameLocks noChangeAspect="1"/>
           </p:cNvGraphicFramePr>
           <p:nvPr>
             <p:extLst>
               <p:ext uri="{D42A27DB-BD31-4B8C-83A1-F6EECF244321}">
-                <p14:modId xmlns:p14="http://schemas.microsoft.com/office/powerpoint/2010/main" val="237447647"/>
+                <p14:modId xmlns:p14="http://schemas.microsoft.com/office/powerpoint/2010/main" val="2671071101"/>
               </p:ext>
             </p:extLst>
           </p:nvPr>
         </p:nvGraphicFramePr>
         <p:xfrm>
-          <a:off x="2470150" y="4070350"/>
-          <a:ext cx="5905500" cy="889000"/>
+          <a:off x="622565" y="2273300"/>
+          <a:ext cx="7933796" cy="2025650"/>
         </p:xfrm>
         <a:graphic>
           <a:graphicData uri="http://schemas.openxmlformats.org/presentationml/2006/ole">
             <mc:AlternateContent xmlns:mc="http://schemas.openxmlformats.org/markup-compatibility/2006">
               <mc:Choice xmlns:v="urn:schemas-microsoft-com:vml" Requires="v">
-                <p:oleObj spid="_x0000_s433284" name="Equation" r:id="rId4" imgW="1689100" imgH="254000" progId="Equation.DSMT4">
+                <p:oleObj spid="_x0000_s572422" name="Equation" r:id="rId4" imgW="1790700" imgH="457200" progId="Equation.DSMT4">
                   <p:embed/>
                 </p:oleObj>
               </mc:Choice>
               <mc:Fallback>
-                <p:oleObj name="Equation" r:id="rId4" imgW="1689100" imgH="254000" progId="Equation.DSMT4">
+                <p:oleObj name="Equation" r:id="rId4" imgW="1790700" imgH="457200" progId="Equation.DSMT4">
                   <p:embed/>
                   <p:pic>
                     <p:nvPicPr>
@@ -10813,8 +11308,8 @@
                     </p:blipFill>
                     <p:spPr>
                       <a:xfrm>
-                        <a:off x="2470150" y="4070350"/>
-                        <a:ext cx="5905500" cy="889000"/>
+                        <a:off x="622565" y="2273300"/>
+                        <a:ext cx="7933796" cy="2025650"/>
                       </a:xfrm>
                       <a:prstGeom prst="rect">
                         <a:avLst/>
@@ -10829,14 +11324,14 @@
       </p:graphicFrame>
       <p:sp>
         <p:nvSpPr>
-          <p:cNvPr id="15" name="TextBox 14"/>
+          <p:cNvPr id="5" name="TextBox 4"/>
           <p:cNvSpPr txBox="1"/>
           <p:nvPr/>
         </p:nvSpPr>
         <p:spPr>
           <a:xfrm>
-            <a:off x="190500" y="4668103"/>
-            <a:ext cx="4958108" cy="707886"/>
+            <a:off x="1636040" y="1331772"/>
+            <a:ext cx="5996660" cy="923330"/>
           </a:xfrm>
           <a:prstGeom prst="rect">
             <a:avLst/>
@@ -10844,37 +11339,177 @@
           <a:noFill/>
         </p:spPr>
         <p:txBody>
-          <a:bodyPr wrap="none" rtlCol="0">
+          <a:bodyPr wrap="square" rtlCol="0">
             <a:spAutoFit/>
           </a:bodyPr>
           <a:lstStyle/>
           <a:p>
             <a:pPr algn="l"/>
             <a:r>
-              <a:rPr lang="en-US" sz="4000" dirty="0" smtClean="0">
+              <a:rPr lang="en-US" sz="5400" dirty="0" smtClean="0">
                 <a:solidFill>
                   <a:srgbClr val="FF03E3"/>
                 </a:solidFill>
                 <a:latin typeface="Comic Sans MS" pitchFamily="66" charset="0"/>
               </a:rPr>
-              <a:t>Distribute (P OR Q)</a:t>
-            </a:r>
-          </a:p>
-        </p:txBody>
-      </p:sp>
-      <p:sp>
-        <p:nvSpPr>
-          <p:cNvPr id="11" name="Title 1"/>
+              <a:t>Distributive Law</a:t>
+            </a:r>
+            <a:endParaRPr lang="en-US" sz="5400" dirty="0">
+              <a:solidFill>
+                <a:srgbClr val="FF03E3"/>
+              </a:solidFill>
+              <a:latin typeface="Comic Sans MS" pitchFamily="66" charset="0"/>
+            </a:endParaRPr>
+          </a:p>
+        </p:txBody>
+      </p:sp>
+      <p:sp>
+        <p:nvSpPr>
+          <p:cNvPr id="4" name="Slide Number Placeholder 2"/>
           <p:cNvSpPr>
             <a:spLocks noGrp="1"/>
           </p:cNvSpPr>
           <p:nvPr>
-            <p:ph type="title"/>
+            <p:ph type="sldNum" sz="quarter" idx="10"/>
           </p:nvPr>
         </p:nvSpPr>
         <p:spPr>
           <a:xfrm>
-            <a:off x="1701800" y="363538"/>
+            <a:off x="7333815" y="6553200"/>
+            <a:ext cx="1810186" cy="276999"/>
+          </a:xfrm>
+        </p:spPr>
+        <p:txBody>
+          <a:bodyPr/>
+          <a:lstStyle/>
+          <a:p>
+            <a:r>
+              <a:rPr lang="en-US" dirty="0" smtClean="0"/>
+              <a:t>propositional algebra.</a:t>
+            </a:r>
+            <a:fld id="{3251DA95-B240-47FE-901D-B78FC8E8E532}" type="slidenum">
+              <a:rPr lang="en-US" smtClean="0"/>
+              <a:pPr/>
+              <a:t>18</a:t>
+            </a:fld>
+            <a:endParaRPr lang="en-US" dirty="0"/>
+          </a:p>
+        </p:txBody>
+      </p:sp>
+      <p:sp>
+        <p:nvSpPr>
+          <p:cNvPr id="6" name="TextBox 5"/>
+          <p:cNvSpPr txBox="1"/>
+          <p:nvPr/>
+        </p:nvSpPr>
+        <p:spPr>
+          <a:xfrm>
+            <a:off x="406400" y="4336177"/>
+            <a:ext cx="8421935" cy="1754327"/>
+          </a:xfrm>
+          <a:prstGeom prst="rect">
+            <a:avLst/>
+          </a:prstGeom>
+          <a:noFill/>
+        </p:spPr>
+        <p:txBody>
+          <a:bodyPr wrap="none" rtlCol="0">
+            <a:spAutoFit/>
+          </a:bodyPr>
+          <a:lstStyle/>
+          <a:p>
+            <a:pPr algn="l"/>
+            <a:r>
+              <a:rPr lang="en-US" sz="5400" dirty="0" smtClean="0">
+                <a:latin typeface="Comic Sans MS" pitchFamily="66" charset="0"/>
+              </a:rPr>
+              <a:t>rewrite left to right until</a:t>
+            </a:r>
+          </a:p>
+          <a:p>
+            <a:pPr algn="l"/>
+            <a:r>
+              <a:rPr lang="en-US" sz="5400" dirty="0" smtClean="0">
+                <a:solidFill>
+                  <a:srgbClr val="006600"/>
+                </a:solidFill>
+                <a:latin typeface="Comic Sans MS" pitchFamily="66" charset="0"/>
+              </a:rPr>
+              <a:t>       “sum of products”</a:t>
+            </a:r>
+          </a:p>
+        </p:txBody>
+      </p:sp>
+      <p:sp useBgFill="1">
+        <p:nvSpPr>
+          <p:cNvPr id="2" name="TextBox 1"/>
+          <p:cNvSpPr txBox="1"/>
+          <p:nvPr/>
+        </p:nvSpPr>
+        <p:spPr>
+          <a:xfrm>
+            <a:off x="2222500" y="5159970"/>
+            <a:ext cx="5181600" cy="923330"/>
+          </a:xfrm>
+          <a:prstGeom prst="rect">
+            <a:avLst/>
+          </a:prstGeom>
+        </p:spPr>
+        <p:txBody>
+          <a:bodyPr wrap="square" rtlCol="0">
+            <a:spAutoFit/>
+          </a:bodyPr>
+          <a:lstStyle/>
+          <a:p>
+            <a:pPr algn="l"/>
+            <a:r>
+              <a:rPr lang="en-US" sz="4400" dirty="0" smtClean="0">
+                <a:solidFill>
+                  <a:schemeClr val="accent1">
+                    <a:lumMod val="50000"/>
+                  </a:schemeClr>
+                </a:solidFill>
+                <a:latin typeface="Comic Sans MS" pitchFamily="66" charset="0"/>
+              </a:rPr>
+              <a:t>    OR</a:t>
+            </a:r>
+            <a:r>
+              <a:rPr lang="en-US" sz="5400" dirty="0" smtClean="0">
+                <a:latin typeface="Comic Sans MS" pitchFamily="66" charset="0"/>
+              </a:rPr>
+              <a:t> of </a:t>
+            </a:r>
+            <a:r>
+              <a:rPr lang="en-US" sz="4400" dirty="0" smtClean="0">
+                <a:solidFill>
+                  <a:srgbClr val="0000E5"/>
+                </a:solidFill>
+                <a:latin typeface="Comic Sans MS" pitchFamily="66" charset="0"/>
+              </a:rPr>
+              <a:t>AND</a:t>
+            </a:r>
+            <a:r>
+              <a:rPr lang="en-US" sz="5400" dirty="0" smtClean="0">
+                <a:latin typeface="Comic Sans MS" pitchFamily="66" charset="0"/>
+              </a:rPr>
+              <a:t>’s     </a:t>
+            </a:r>
+          </a:p>
+        </p:txBody>
+      </p:sp>
+      <p:sp>
+        <p:nvSpPr>
+          <p:cNvPr id="11" name="Title 1"/>
+          <p:cNvSpPr>
+            <a:spLocks noGrp="1"/>
+          </p:cNvSpPr>
+          <p:nvPr>
+            <p:ph type="title"/>
+          </p:nvPr>
+        </p:nvSpPr>
+        <p:spPr>
+          <a:xfrm>
+            <a:off x="1651000" y="350838"/>
             <a:ext cx="6794500" cy="1003300"/>
           </a:xfrm>
         </p:spPr>
@@ -10884,7 +11519,7 @@
           <a:p>
             <a:r>
               <a:rPr lang="en-US" sz="4000" dirty="0" smtClean="0"/>
-              <a:t>Get Sum of Products</a:t>
+              <a:t>Algebra for Equivalence</a:t>
             </a:r>
             <a:endParaRPr lang="en-US" sz="4000" dirty="0"/>
           </a:p>
@@ -10893,31 +11528,155 @@
     </p:spTree>
     <p:extLst>
       <p:ext uri="{BB962C8B-B14F-4D97-AF65-F5344CB8AC3E}">
-        <p14:creationId xmlns:p14="http://schemas.microsoft.com/office/powerpoint/2010/main" val="4095760253"/>
+        <p14:creationId xmlns:p14="http://schemas.microsoft.com/office/powerpoint/2010/main" val="1577869712"/>
       </p:ext>
     </p:extLst>
   </p:cSld>
   <p:clrMapOvr>
     <a:masterClrMapping/>
   </p:clrMapOvr>
-  <mc:AlternateContent xmlns:mc="http://schemas.openxmlformats.org/markup-compatibility/2006" xmlns:p14="http://schemas.microsoft.com/office/powerpoint/2010/main">
-    <mc:Choice Requires="p14">
-      <p:transition spd="slow" p14:dur="800" advClick="0">
-        <p:fade/>
-      </p:transition>
-    </mc:Choice>
-    <mc:Fallback xmlns="">
-      <p:transition xmlns:p14="http://schemas.microsoft.com/office/powerpoint/2010/main" spd="slow" advClick="0">
-        <p:fade/>
-      </p:transition>
-    </mc:Fallback>
-  </mc:AlternateContent>
+  <p:transition xmlns:p14="http://schemas.microsoft.com/office/powerpoint/2010/main" spd="slow" advClick="0">
+    <p:fade/>
+  </p:transition>
   <p:timing>
     <p:tnLst>
       <p:par>
-        <p:cTn xmlns:p14="http://schemas.microsoft.com/office/powerpoint/2010/main" id="1" dur="indefinite" restart="never" nodeType="tmRoot"/>
+        <p:cTn xmlns:p14="http://schemas.microsoft.com/office/powerpoint/2010/main" id="1" dur="indefinite" restart="never" nodeType="tmRoot">
+          <p:childTnLst>
+            <p:seq concurrent="1" nextAc="seek">
+              <p:cTn id="2" dur="indefinite" nodeType="mainSeq">
+                <p:childTnLst>
+                  <p:par>
+                    <p:cTn id="3" fill="hold">
+                      <p:stCondLst>
+                        <p:cond delay="indefinite"/>
+                      </p:stCondLst>
+                      <p:childTnLst>
+                        <p:par>
+                          <p:cTn id="4" fill="hold">
+                            <p:stCondLst>
+                              <p:cond delay="0"/>
+                            </p:stCondLst>
+                            <p:childTnLst>
+                              <p:par>
+                                <p:cTn id="5" presetID="10" presetClass="entr" presetSubtype="0" fill="hold" grpId="0" nodeType="clickEffect">
+                                  <p:stCondLst>
+                                    <p:cond delay="0"/>
+                                  </p:stCondLst>
+                                  <p:childTnLst>
+                                    <p:set>
+                                      <p:cBhvr>
+                                        <p:cTn id="6" dur="1" fill="hold">
+                                          <p:stCondLst>
+                                            <p:cond delay="0"/>
+                                          </p:stCondLst>
+                                        </p:cTn>
+                                        <p:tgtEl>
+                                          <p:spTgt spid="6"/>
+                                        </p:tgtEl>
+                                        <p:attrNameLst>
+                                          <p:attrName>style.visibility</p:attrName>
+                                        </p:attrNameLst>
+                                      </p:cBhvr>
+                                      <p:to>
+                                        <p:strVal val="visible"/>
+                                      </p:to>
+                                    </p:set>
+                                    <p:animEffect transition="in" filter="fade">
+                                      <p:cBhvr>
+                                        <p:cTn id="7" dur="500"/>
+                                        <p:tgtEl>
+                                          <p:spTgt spid="6"/>
+                                        </p:tgtEl>
+                                      </p:cBhvr>
+                                    </p:animEffect>
+                                  </p:childTnLst>
+                                </p:cTn>
+                              </p:par>
+                            </p:childTnLst>
+                          </p:cTn>
+                        </p:par>
+                      </p:childTnLst>
+                    </p:cTn>
+                  </p:par>
+                  <p:par>
+                    <p:cTn id="8" fill="hold">
+                      <p:stCondLst>
+                        <p:cond delay="indefinite"/>
+                      </p:stCondLst>
+                      <p:childTnLst>
+                        <p:par>
+                          <p:cTn id="9" fill="hold">
+                            <p:stCondLst>
+                              <p:cond delay="0"/>
+                            </p:stCondLst>
+                            <p:childTnLst>
+                              <p:par>
+                                <p:cTn id="10" presetID="9" presetClass="entr" presetSubtype="0" fill="hold" grpId="0" nodeType="clickEffect">
+                                  <p:stCondLst>
+                                    <p:cond delay="0"/>
+                                  </p:stCondLst>
+                                  <p:childTnLst>
+                                    <p:set>
+                                      <p:cBhvr>
+                                        <p:cTn id="11" dur="1" fill="hold">
+                                          <p:stCondLst>
+                                            <p:cond delay="0"/>
+                                          </p:stCondLst>
+                                        </p:cTn>
+                                        <p:tgtEl>
+                                          <p:spTgt spid="2"/>
+                                        </p:tgtEl>
+                                        <p:attrNameLst>
+                                          <p:attrName>style.visibility</p:attrName>
+                                        </p:attrNameLst>
+                                      </p:cBhvr>
+                                      <p:to>
+                                        <p:strVal val="visible"/>
+                                      </p:to>
+                                    </p:set>
+                                    <p:animEffect transition="in" filter="dissolve">
+                                      <p:cBhvr>
+                                        <p:cTn id="12" dur="500"/>
+                                        <p:tgtEl>
+                                          <p:spTgt spid="2"/>
+                                        </p:tgtEl>
+                                      </p:cBhvr>
+                                    </p:animEffect>
+                                  </p:childTnLst>
+                                </p:cTn>
+                              </p:par>
+                            </p:childTnLst>
+                          </p:cTn>
+                        </p:par>
+                      </p:childTnLst>
+                    </p:cTn>
+                  </p:par>
+                </p:childTnLst>
+              </p:cTn>
+              <p:prevCondLst>
+                <p:cond evt="onPrev" delay="0">
+                  <p:tgtEl>
+                    <p:sldTgt/>
+                  </p:tgtEl>
+                </p:cond>
+              </p:prevCondLst>
+              <p:nextCondLst>
+                <p:cond evt="onNext" delay="0">
+                  <p:tgtEl>
+                    <p:sldTgt/>
+                  </p:tgtEl>
+                </p:cond>
+              </p:nextCondLst>
+            </p:seq>
+          </p:childTnLst>
+        </p:cTn>
       </p:par>
     </p:tnLst>
+    <p:bldLst>
+      <p:bldP spid="6" grpId="0"/>
+      <p:bldP spid="2" grpId="0" animBg="1"/>
+    </p:bldLst>
   </p:timing>
 </p:sld>
 </file>
@@ -10939,34 +11698,67 @@
           <a:chExt cx="0" cy="0"/>
         </a:xfrm>
       </p:grpSpPr>
+      <p:sp>
+        <p:nvSpPr>
+          <p:cNvPr id="4" name="Slide Number Placeholder 2"/>
+          <p:cNvSpPr>
+            <a:spLocks noGrp="1"/>
+          </p:cNvSpPr>
+          <p:nvPr>
+            <p:ph type="sldNum" sz="quarter" idx="10"/>
+          </p:nvPr>
+        </p:nvSpPr>
+        <p:spPr>
+          <a:xfrm>
+            <a:off x="7333815" y="6553200"/>
+            <a:ext cx="1810186" cy="276999"/>
+          </a:xfrm>
+        </p:spPr>
+        <p:txBody>
+          <a:bodyPr/>
+          <a:lstStyle/>
+          <a:p>
+            <a:r>
+              <a:rPr lang="en-US" dirty="0" smtClean="0"/>
+              <a:t>propositional algebra.</a:t>
+            </a:r>
+            <a:fld id="{3251DA95-B240-47FE-901D-B78FC8E8E532}" type="slidenum">
+              <a:rPr lang="en-US" smtClean="0"/>
+              <a:pPr/>
+              <a:t>19</a:t>
+            </a:fld>
+            <a:endParaRPr lang="en-US" dirty="0"/>
+          </a:p>
+        </p:txBody>
+      </p:sp>
       <p:graphicFrame>
         <p:nvGraphicFramePr>
-          <p:cNvPr id="16" name="Object 15"/>
+          <p:cNvPr id="14" name="Object 13"/>
           <p:cNvGraphicFramePr>
             <a:graphicFrameLocks noChangeAspect="1"/>
           </p:cNvGraphicFramePr>
           <p:nvPr>
             <p:extLst>
               <p:ext uri="{D42A27DB-BD31-4B8C-83A1-F6EECF244321}">
-                <p14:modId xmlns:p14="http://schemas.microsoft.com/office/powerpoint/2010/main" val="384585799"/>
+                <p14:modId xmlns:p14="http://schemas.microsoft.com/office/powerpoint/2010/main" val="112610901"/>
               </p:ext>
             </p:extLst>
           </p:nvPr>
         </p:nvGraphicFramePr>
         <p:xfrm>
-          <a:off x="2387600" y="4838700"/>
-          <a:ext cx="4797425" cy="1689100"/>
+          <a:off x="1934369" y="1355069"/>
+          <a:ext cx="5284787" cy="889000"/>
         </p:xfrm>
         <a:graphic>
           <a:graphicData uri="http://schemas.openxmlformats.org/presentationml/2006/ole">
             <mc:AlternateContent xmlns:mc="http://schemas.openxmlformats.org/markup-compatibility/2006">
               <mc:Choice xmlns:v="urn:schemas-microsoft-com:vml" Requires="v">
-                <p:oleObj spid="_x0000_s441511" name="Equation" r:id="rId4" imgW="1371600" imgH="482600" progId="Equation.DSMT4">
+                <p:oleObj spid="_x0000_s433292" name="Equation" r:id="rId4" imgW="1511300" imgH="254000" progId="Equation.DSMT4">
                   <p:embed/>
                 </p:oleObj>
               </mc:Choice>
               <mc:Fallback>
-                <p:oleObj name="Equation" r:id="rId4" imgW="1371600" imgH="482600" progId="Equation.DSMT4">
+                <p:oleObj name="Equation" r:id="rId4" imgW="1511300" imgH="254000" progId="Equation.DSMT4">
                   <p:embed/>
                   <p:pic>
                     <p:nvPicPr>
@@ -10982,8 +11774,8 @@
                     </p:blipFill>
                     <p:spPr>
                       <a:xfrm>
-                        <a:off x="2387600" y="4838700"/>
-                        <a:ext cx="4797425" cy="1689100"/>
+                        <a:off x="1934369" y="1355069"/>
+                        <a:ext cx="5284787" cy="889000"/>
                       </a:xfrm>
                       <a:prstGeom prst="rect">
                         <a:avLst/>
@@ -10998,94 +11790,39 @@
       </p:graphicFrame>
       <p:sp>
         <p:nvSpPr>
-          <p:cNvPr id="4" name="Slide Number Placeholder 2"/>
-          <p:cNvSpPr>
-            <a:spLocks noGrp="1"/>
-          </p:cNvSpPr>
-          <p:nvPr>
-            <p:ph type="sldNum" sz="quarter" idx="10"/>
-          </p:nvPr>
+          <p:cNvPr id="15" name="TextBox 14"/>
+          <p:cNvSpPr txBox="1"/>
+          <p:nvPr/>
         </p:nvSpPr>
         <p:spPr>
           <a:xfrm>
-            <a:off x="7333815" y="6553200"/>
-            <a:ext cx="1810186" cy="276999"/>
+            <a:off x="124815" y="2259386"/>
+            <a:ext cx="4958108" cy="707886"/>
           </a:xfrm>
+          <a:prstGeom prst="rect">
+            <a:avLst/>
+          </a:prstGeom>
+          <a:noFill/>
         </p:spPr>
         <p:txBody>
-          <a:bodyPr/>
+          <a:bodyPr wrap="none" rtlCol="0">
+            <a:spAutoFit/>
+          </a:bodyPr>
           <a:lstStyle/>
           <a:p>
-            <a:r>
-              <a:rPr lang="en-US" dirty="0" smtClean="0"/>
-              <a:t>propositional algebra.</a:t>
-            </a:r>
-            <a:fld id="{3251DA95-B240-47FE-901D-B78FC8E8E532}" type="slidenum">
-              <a:rPr lang="en-US" smtClean="0"/>
-              <a:pPr/>
-              <a:t>19</a:t>
-            </a:fld>
-            <a:endParaRPr lang="en-US" dirty="0"/>
-          </a:p>
-        </p:txBody>
-      </p:sp>
-      <p:graphicFrame>
-        <p:nvGraphicFramePr>
-          <p:cNvPr id="14" name="Object 13"/>
-          <p:cNvGraphicFramePr>
-            <a:graphicFrameLocks noChangeAspect="1"/>
-          </p:cNvGraphicFramePr>
-          <p:nvPr>
-            <p:extLst>
-              <p:ext uri="{D42A27DB-BD31-4B8C-83A1-F6EECF244321}">
-                <p14:modId xmlns:p14="http://schemas.microsoft.com/office/powerpoint/2010/main" val="3210223635"/>
-              </p:ext>
-            </p:extLst>
-          </p:nvPr>
-        </p:nvGraphicFramePr>
-        <p:xfrm>
-          <a:off x="2470150" y="4070350"/>
-          <a:ext cx="5905500" cy="889000"/>
-        </p:xfrm>
-        <a:graphic>
-          <a:graphicData uri="http://schemas.openxmlformats.org/presentationml/2006/ole">
-            <mc:AlternateContent xmlns:mc="http://schemas.openxmlformats.org/markup-compatibility/2006">
-              <mc:Choice xmlns:v="urn:schemas-microsoft-com:vml" Requires="v">
-                <p:oleObj spid="_x0000_s441512" name="Equation" r:id="rId6" imgW="1689100" imgH="254000" progId="Equation.DSMT4">
-                  <p:embed/>
-                </p:oleObj>
-              </mc:Choice>
-              <mc:Fallback>
-                <p:oleObj name="Equation" r:id="rId6" imgW="1689100" imgH="254000" progId="Equation.DSMT4">
-                  <p:embed/>
-                  <p:pic>
-                    <p:nvPicPr>
-                      <p:cNvPr id="0" name=""/>
-                      <p:cNvPicPr/>
-                      <p:nvPr/>
-                    </p:nvPicPr>
-                    <p:blipFill>
-                      <a:blip r:embed="rId7"/>
-                      <a:stretch>
-                        <a:fillRect/>
-                      </a:stretch>
-                    </p:blipFill>
-                    <p:spPr>
-                      <a:xfrm>
-                        <a:off x="2470150" y="4070350"/>
-                        <a:ext cx="5905500" cy="889000"/>
-                      </a:xfrm>
-                      <a:prstGeom prst="rect">
-                        <a:avLst/>
-                      </a:prstGeom>
-                    </p:spPr>
-                  </p:pic>
-                </p:oleObj>
-              </mc:Fallback>
-            </mc:AlternateContent>
-          </a:graphicData>
-        </a:graphic>
-      </p:graphicFrame>
+            <a:pPr algn="l"/>
+            <a:r>
+              <a:rPr lang="en-US" sz="4000" dirty="0" smtClean="0">
+                <a:solidFill>
+                  <a:srgbClr val="FF03E3"/>
+                </a:solidFill>
+                <a:latin typeface="Comic Sans MS" pitchFamily="66" charset="0"/>
+              </a:rPr>
+              <a:t>Distribute (P OR Q)</a:t>
+            </a:r>
+          </a:p>
+        </p:txBody>
+      </p:sp>
       <p:sp>
         <p:nvSpPr>
           <p:cNvPr id="11" name="Title 1"/>
@@ -11117,7 +11854,7 @@
     </p:spTree>
     <p:extLst>
       <p:ext uri="{BB962C8B-B14F-4D97-AF65-F5344CB8AC3E}">
-        <p14:creationId xmlns:p14="http://schemas.microsoft.com/office/powerpoint/2010/main" val="2929571510"/>
+        <p14:creationId xmlns:p14="http://schemas.microsoft.com/office/powerpoint/2010/main" val="4095760253"/>
       </p:ext>
     </p:extLst>
   </p:cSld>
@@ -11402,27 +12139,27 @@
       </p:grpSpPr>
       <p:graphicFrame>
         <p:nvGraphicFramePr>
-          <p:cNvPr id="23" name="Object 22"/>
+          <p:cNvPr id="16" name="Object 15"/>
           <p:cNvGraphicFramePr>
             <a:graphicFrameLocks noChangeAspect="1"/>
           </p:cNvGraphicFramePr>
           <p:nvPr>
             <p:extLst>
               <p:ext uri="{D42A27DB-BD31-4B8C-83A1-F6EECF244321}">
-                <p14:modId xmlns:p14="http://schemas.microsoft.com/office/powerpoint/2010/main" val="1624122653"/>
+                <p14:modId xmlns:p14="http://schemas.microsoft.com/office/powerpoint/2010/main" val="3241158388"/>
               </p:ext>
             </p:extLst>
           </p:nvPr>
         </p:nvGraphicFramePr>
         <p:xfrm>
-          <a:off x="2108200" y="1206500"/>
+          <a:off x="2178050" y="2408086"/>
           <a:ext cx="4797425" cy="1689100"/>
         </p:xfrm>
         <a:graphic>
           <a:graphicData uri="http://schemas.openxmlformats.org/presentationml/2006/ole">
             <mc:AlternateContent xmlns:mc="http://schemas.openxmlformats.org/markup-compatibility/2006">
               <mc:Choice xmlns:v="urn:schemas-microsoft-com:vml" Requires="v">
-                <p:oleObj spid="_x0000_s502816" name="Equation" r:id="rId4" imgW="1371600" imgH="482600" progId="Equation.DSMT4">
+                <p:oleObj spid="_x0000_s441525" name="Equation" r:id="rId4" imgW="1371600" imgH="482600" progId="Equation.DSMT4">
                   <p:embed/>
                 </p:oleObj>
               </mc:Choice>
@@ -11443,7 +12180,7 @@
                     </p:blipFill>
                     <p:spPr>
                       <a:xfrm>
-                        <a:off x="2108200" y="1206500"/>
+                        <a:off x="2178050" y="2408086"/>
                         <a:ext cx="4797425" cy="1689100"/>
                       </a:xfrm>
                       <a:prstGeom prst="rect">
@@ -11492,7 +12229,7 @@
       </p:sp>
       <p:sp>
         <p:nvSpPr>
-          <p:cNvPr id="6" name="Title 1"/>
+          <p:cNvPr id="11" name="Title 1"/>
           <p:cNvSpPr>
             <a:spLocks noGrp="1"/>
           </p:cNvSpPr>
@@ -11518,10 +12255,67 @@
           </a:p>
         </p:txBody>
       </p:sp>
+      <p:graphicFrame>
+        <p:nvGraphicFramePr>
+          <p:cNvPr id="6" name="Object 5"/>
+          <p:cNvGraphicFramePr>
+            <a:graphicFrameLocks noChangeAspect="1"/>
+          </p:cNvGraphicFramePr>
+          <p:nvPr>
+            <p:extLst>
+              <p:ext uri="{D42A27DB-BD31-4B8C-83A1-F6EECF244321}">
+                <p14:modId xmlns:p14="http://schemas.microsoft.com/office/powerpoint/2010/main" val="2633099240"/>
+              </p:ext>
+            </p:extLst>
+          </p:nvPr>
+        </p:nvGraphicFramePr>
+        <p:xfrm>
+          <a:off x="1934369" y="1355069"/>
+          <a:ext cx="5284787" cy="889000"/>
+        </p:xfrm>
+        <a:graphic>
+          <a:graphicData uri="http://schemas.openxmlformats.org/presentationml/2006/ole">
+            <mc:AlternateContent xmlns:mc="http://schemas.openxmlformats.org/markup-compatibility/2006">
+              <mc:Choice xmlns:v="urn:schemas-microsoft-com:vml" Requires="v">
+                <p:oleObj spid="_x0000_s441526" name="Equation" r:id="rId6" imgW="1511300" imgH="254000" progId="Equation.DSMT4">
+                  <p:embed/>
+                </p:oleObj>
+              </mc:Choice>
+              <mc:Fallback>
+                <p:oleObj name="Equation" r:id="rId6" imgW="1511300" imgH="254000" progId="Equation.DSMT4">
+                  <p:embed/>
+                  <p:pic>
+                    <p:nvPicPr>
+                      <p:cNvPr id="0" name=""/>
+                      <p:cNvPicPr/>
+                      <p:nvPr/>
+                    </p:nvPicPr>
+                    <p:blipFill>
+                      <a:blip r:embed="rId7"/>
+                      <a:stretch>
+                        <a:fillRect/>
+                      </a:stretch>
+                    </p:blipFill>
+                    <p:spPr>
+                      <a:xfrm>
+                        <a:off x="1934369" y="1355069"/>
+                        <a:ext cx="5284787" cy="889000"/>
+                      </a:xfrm>
+                      <a:prstGeom prst="rect">
+                        <a:avLst/>
+                      </a:prstGeom>
+                    </p:spPr>
+                  </p:pic>
+                </p:oleObj>
+              </mc:Fallback>
+            </mc:AlternateContent>
+          </a:graphicData>
+        </a:graphic>
+      </p:graphicFrame>
     </p:spTree>
     <p:extLst>
       <p:ext uri="{BB962C8B-B14F-4D97-AF65-F5344CB8AC3E}">
-        <p14:creationId xmlns:p14="http://schemas.microsoft.com/office/powerpoint/2010/main" val="3544418460"/>
+        <p14:creationId xmlns:p14="http://schemas.microsoft.com/office/powerpoint/2010/main" val="2929571510"/>
       </p:ext>
     </p:extLst>
   </p:cSld>
@@ -11569,6 +12363,173 @@
       </p:grpSpPr>
       <p:graphicFrame>
         <p:nvGraphicFramePr>
+          <p:cNvPr id="16" name="Object 15"/>
+          <p:cNvGraphicFramePr>
+            <a:graphicFrameLocks noChangeAspect="1"/>
+          </p:cNvGraphicFramePr>
+          <p:nvPr>
+            <p:extLst>
+              <p:ext uri="{D42A27DB-BD31-4B8C-83A1-F6EECF244321}">
+                <p14:modId xmlns:p14="http://schemas.microsoft.com/office/powerpoint/2010/main" val="2932628173"/>
+              </p:ext>
+            </p:extLst>
+          </p:nvPr>
+        </p:nvGraphicFramePr>
+        <p:xfrm>
+          <a:off x="2178050" y="2408086"/>
+          <a:ext cx="4797425" cy="1689100"/>
+        </p:xfrm>
+        <a:graphic>
+          <a:graphicData uri="http://schemas.openxmlformats.org/presentationml/2006/ole">
+            <mc:AlternateContent xmlns:mc="http://schemas.openxmlformats.org/markup-compatibility/2006">
+              <mc:Choice xmlns:v="urn:schemas-microsoft-com:vml" Requires="v">
+                <p:oleObj spid="_x0000_s603139" name="Equation" r:id="rId4" imgW="1371600" imgH="482600" progId="Equation.DSMT4">
+                  <p:embed/>
+                </p:oleObj>
+              </mc:Choice>
+              <mc:Fallback>
+                <p:oleObj name="Equation" r:id="rId4" imgW="1371600" imgH="482600" progId="Equation.DSMT4">
+                  <p:embed/>
+                  <p:pic>
+                    <p:nvPicPr>
+                      <p:cNvPr id="0" name=""/>
+                      <p:cNvPicPr/>
+                      <p:nvPr/>
+                    </p:nvPicPr>
+                    <p:blipFill>
+                      <a:blip r:embed="rId5"/>
+                      <a:stretch>
+                        <a:fillRect/>
+                      </a:stretch>
+                    </p:blipFill>
+                    <p:spPr>
+                      <a:xfrm>
+                        <a:off x="2178050" y="2408086"/>
+                        <a:ext cx="4797425" cy="1689100"/>
+                      </a:xfrm>
+                      <a:prstGeom prst="rect">
+                        <a:avLst/>
+                      </a:prstGeom>
+                    </p:spPr>
+                  </p:pic>
+                </p:oleObj>
+              </mc:Fallback>
+            </mc:AlternateContent>
+          </a:graphicData>
+        </a:graphic>
+      </p:graphicFrame>
+      <p:sp>
+        <p:nvSpPr>
+          <p:cNvPr id="4" name="Slide Number Placeholder 2"/>
+          <p:cNvSpPr>
+            <a:spLocks noGrp="1"/>
+          </p:cNvSpPr>
+          <p:nvPr>
+            <p:ph type="sldNum" sz="quarter" idx="10"/>
+          </p:nvPr>
+        </p:nvSpPr>
+        <p:spPr>
+          <a:xfrm>
+            <a:off x="7333815" y="6553200"/>
+            <a:ext cx="1810186" cy="276999"/>
+          </a:xfrm>
+        </p:spPr>
+        <p:txBody>
+          <a:bodyPr/>
+          <a:lstStyle/>
+          <a:p>
+            <a:r>
+              <a:rPr lang="en-US" dirty="0" smtClean="0"/>
+              <a:t>propositional algebra.</a:t>
+            </a:r>
+            <a:fld id="{3251DA95-B240-47FE-901D-B78FC8E8E532}" type="slidenum">
+              <a:rPr lang="en-US" smtClean="0"/>
+              <a:pPr/>
+              <a:t>21</a:t>
+            </a:fld>
+            <a:endParaRPr lang="en-US" dirty="0"/>
+          </a:p>
+        </p:txBody>
+      </p:sp>
+      <p:sp>
+        <p:nvSpPr>
+          <p:cNvPr id="11" name="Title 1"/>
+          <p:cNvSpPr>
+            <a:spLocks noGrp="1"/>
+          </p:cNvSpPr>
+          <p:nvPr>
+            <p:ph type="title"/>
+          </p:nvPr>
+        </p:nvSpPr>
+        <p:spPr>
+          <a:xfrm>
+            <a:off x="1701800" y="363538"/>
+            <a:ext cx="6794500" cy="1003300"/>
+          </a:xfrm>
+        </p:spPr>
+        <p:txBody>
+          <a:bodyPr/>
+          <a:lstStyle/>
+          <a:p>
+            <a:r>
+              <a:rPr lang="en-US" sz="4000" dirty="0" smtClean="0"/>
+              <a:t>Get Sum of Products</a:t>
+            </a:r>
+            <a:endParaRPr lang="en-US" sz="4000" dirty="0"/>
+          </a:p>
+        </p:txBody>
+      </p:sp>
+    </p:spTree>
+    <p:extLst>
+      <p:ext uri="{BB962C8B-B14F-4D97-AF65-F5344CB8AC3E}">
+        <p14:creationId xmlns:p14="http://schemas.microsoft.com/office/powerpoint/2010/main" val="2204652602"/>
+      </p:ext>
+    </p:extLst>
+  </p:cSld>
+  <p:clrMapOvr>
+    <a:masterClrMapping/>
+  </p:clrMapOvr>
+  <mc:AlternateContent xmlns:mc="http://schemas.openxmlformats.org/markup-compatibility/2006" xmlns:p14="http://schemas.microsoft.com/office/powerpoint/2010/main">
+    <mc:Choice Requires="p14">
+      <p:transition spd="slow" p14:dur="800" advClick="0">
+        <p:fade/>
+      </p:transition>
+    </mc:Choice>
+    <mc:Fallback xmlns="">
+      <p:transition xmlns:p14="http://schemas.microsoft.com/office/powerpoint/2010/main" spd="slow" advClick="0">
+        <p:fade/>
+      </p:transition>
+    </mc:Fallback>
+  </mc:AlternateContent>
+  <p:timing>
+    <p:tnLst>
+      <p:par>
+        <p:cTn xmlns:p14="http://schemas.microsoft.com/office/powerpoint/2010/main" id="1" dur="indefinite" restart="never" nodeType="tmRoot"/>
+      </p:par>
+    </p:tnLst>
+  </p:timing>
+</p:sld>
+</file>
+
+<file path=ppt/slides/slide22.xml><?xml version="1.0" encoding="utf-8"?>
+<p:sld xmlns:a="http://schemas.openxmlformats.org/drawingml/2006/main" xmlns:r="http://schemas.openxmlformats.org/officeDocument/2006/relationships" xmlns:p="http://schemas.openxmlformats.org/presentationml/2006/main">
+  <p:cSld>
+    <p:spTree>
+      <p:nvGrpSpPr>
+        <p:cNvPr id="1" name=""/>
+        <p:cNvGrpSpPr/>
+        <p:nvPr/>
+      </p:nvGrpSpPr>
+      <p:grpSpPr>
+        <a:xfrm>
+          <a:off x="0" y="0"/>
+          <a:ext cx="0" cy="0"/>
+          <a:chOff x="0" y="0"/>
+          <a:chExt cx="0" cy="0"/>
+        </a:xfrm>
+      </p:grpSpPr>
+      <p:graphicFrame>
+        <p:nvGraphicFramePr>
           <p:cNvPr id="23" name="Object 22"/>
           <p:cNvGraphicFramePr>
             <a:graphicFrameLocks noChangeAspect="1"/>
@@ -11576,7 +12537,7 @@
           <p:nvPr>
             <p:extLst>
               <p:ext uri="{D42A27DB-BD31-4B8C-83A1-F6EECF244321}">
-                <p14:modId xmlns:p14="http://schemas.microsoft.com/office/powerpoint/2010/main" val="667489669"/>
+                <p14:modId xmlns:p14="http://schemas.microsoft.com/office/powerpoint/2010/main" val="1624122653"/>
               </p:ext>
             </p:extLst>
           </p:nvPr>
@@ -11589,7 +12550,7 @@
           <a:graphicData uri="http://schemas.openxmlformats.org/presentationml/2006/ole">
             <mc:AlternateContent xmlns:mc="http://schemas.openxmlformats.org/markup-compatibility/2006">
               <mc:Choice xmlns:v="urn:schemas-microsoft-com:vml" Requires="v">
-                <p:oleObj spid="_x0000_s444498" name="Equation" r:id="rId4" imgW="1371600" imgH="482600" progId="Equation.DSMT4">
+                <p:oleObj spid="_x0000_s502823" name="Equation" r:id="rId4" imgW="1371600" imgH="482600" progId="Equation.DSMT4">
                   <p:embed/>
                 </p:oleObj>
               </mc:Choice>
@@ -11651,7 +12612,174 @@
             <a:fld id="{3251DA95-B240-47FE-901D-B78FC8E8E532}" type="slidenum">
               <a:rPr lang="en-US" smtClean="0"/>
               <a:pPr/>
-              <a:t>21</a:t>
+              <a:t>22</a:t>
+            </a:fld>
+            <a:endParaRPr lang="en-US" dirty="0"/>
+          </a:p>
+        </p:txBody>
+      </p:sp>
+      <p:sp>
+        <p:nvSpPr>
+          <p:cNvPr id="6" name="Title 1"/>
+          <p:cNvSpPr>
+            <a:spLocks noGrp="1"/>
+          </p:cNvSpPr>
+          <p:nvPr>
+            <p:ph type="title"/>
+          </p:nvPr>
+        </p:nvSpPr>
+        <p:spPr>
+          <a:xfrm>
+            <a:off x="1701800" y="363538"/>
+            <a:ext cx="6794500" cy="1003300"/>
+          </a:xfrm>
+        </p:spPr>
+        <p:txBody>
+          <a:bodyPr/>
+          <a:lstStyle/>
+          <a:p>
+            <a:r>
+              <a:rPr lang="en-US" sz="4000" dirty="0" smtClean="0"/>
+              <a:t>Get Sum of Products</a:t>
+            </a:r>
+            <a:endParaRPr lang="en-US" sz="4000" dirty="0"/>
+          </a:p>
+        </p:txBody>
+      </p:sp>
+    </p:spTree>
+    <p:extLst>
+      <p:ext uri="{BB962C8B-B14F-4D97-AF65-F5344CB8AC3E}">
+        <p14:creationId xmlns:p14="http://schemas.microsoft.com/office/powerpoint/2010/main" val="3544418460"/>
+      </p:ext>
+    </p:extLst>
+  </p:cSld>
+  <p:clrMapOvr>
+    <a:masterClrMapping/>
+  </p:clrMapOvr>
+  <mc:AlternateContent xmlns:mc="http://schemas.openxmlformats.org/markup-compatibility/2006" xmlns:p14="http://schemas.microsoft.com/office/powerpoint/2010/main">
+    <mc:Choice Requires="p14">
+      <p:transition spd="slow" p14:dur="800" advClick="0">
+        <p:fade/>
+      </p:transition>
+    </mc:Choice>
+    <mc:Fallback xmlns="">
+      <p:transition xmlns:p14="http://schemas.microsoft.com/office/powerpoint/2010/main" spd="slow" advClick="0">
+        <p:fade/>
+      </p:transition>
+    </mc:Fallback>
+  </mc:AlternateContent>
+  <p:timing>
+    <p:tnLst>
+      <p:par>
+        <p:cTn xmlns:p14="http://schemas.microsoft.com/office/powerpoint/2010/main" id="1" dur="indefinite" restart="never" nodeType="tmRoot"/>
+      </p:par>
+    </p:tnLst>
+  </p:timing>
+</p:sld>
+</file>
+
+<file path=ppt/slides/slide23.xml><?xml version="1.0" encoding="utf-8"?>
+<p:sld xmlns:a="http://schemas.openxmlformats.org/drawingml/2006/main" xmlns:r="http://schemas.openxmlformats.org/officeDocument/2006/relationships" xmlns:p="http://schemas.openxmlformats.org/presentationml/2006/main">
+  <p:cSld>
+    <p:spTree>
+      <p:nvGrpSpPr>
+        <p:cNvPr id="1" name=""/>
+        <p:cNvGrpSpPr/>
+        <p:nvPr/>
+      </p:nvGrpSpPr>
+      <p:grpSpPr>
+        <a:xfrm>
+          <a:off x="0" y="0"/>
+          <a:ext cx="0" cy="0"/>
+          <a:chOff x="0" y="0"/>
+          <a:chExt cx="0" cy="0"/>
+        </a:xfrm>
+      </p:grpSpPr>
+      <p:graphicFrame>
+        <p:nvGraphicFramePr>
+          <p:cNvPr id="23" name="Object 22"/>
+          <p:cNvGraphicFramePr>
+            <a:graphicFrameLocks noChangeAspect="1"/>
+          </p:cNvGraphicFramePr>
+          <p:nvPr>
+            <p:extLst>
+              <p:ext uri="{D42A27DB-BD31-4B8C-83A1-F6EECF244321}">
+                <p14:modId xmlns:p14="http://schemas.microsoft.com/office/powerpoint/2010/main" val="667489669"/>
+              </p:ext>
+            </p:extLst>
+          </p:nvPr>
+        </p:nvGraphicFramePr>
+        <p:xfrm>
+          <a:off x="2108200" y="1206500"/>
+          <a:ext cx="4797425" cy="1689100"/>
+        </p:xfrm>
+        <a:graphic>
+          <a:graphicData uri="http://schemas.openxmlformats.org/presentationml/2006/ole">
+            <mc:AlternateContent xmlns:mc="http://schemas.openxmlformats.org/markup-compatibility/2006">
+              <mc:Choice xmlns:v="urn:schemas-microsoft-com:vml" Requires="v">
+                <p:oleObj spid="_x0000_s444510" name="Equation" r:id="rId4" imgW="1371600" imgH="482600" progId="Equation.DSMT4">
+                  <p:embed/>
+                </p:oleObj>
+              </mc:Choice>
+              <mc:Fallback>
+                <p:oleObj name="Equation" r:id="rId4" imgW="1371600" imgH="482600" progId="Equation.DSMT4">
+                  <p:embed/>
+                  <p:pic>
+                    <p:nvPicPr>
+                      <p:cNvPr id="0" name=""/>
+                      <p:cNvPicPr/>
+                      <p:nvPr/>
+                    </p:nvPicPr>
+                    <p:blipFill>
+                      <a:blip r:embed="rId5"/>
+                      <a:stretch>
+                        <a:fillRect/>
+                      </a:stretch>
+                    </p:blipFill>
+                    <p:spPr>
+                      <a:xfrm>
+                        <a:off x="2108200" y="1206500"/>
+                        <a:ext cx="4797425" cy="1689100"/>
+                      </a:xfrm>
+                      <a:prstGeom prst="rect">
+                        <a:avLst/>
+                      </a:prstGeom>
+                    </p:spPr>
+                  </p:pic>
+                </p:oleObj>
+              </mc:Fallback>
+            </mc:AlternateContent>
+          </a:graphicData>
+        </a:graphic>
+      </p:graphicFrame>
+      <p:sp>
+        <p:nvSpPr>
+          <p:cNvPr id="4" name="Slide Number Placeholder 2"/>
+          <p:cNvSpPr>
+            <a:spLocks noGrp="1"/>
+          </p:cNvSpPr>
+          <p:nvPr>
+            <p:ph type="sldNum" sz="quarter" idx="10"/>
+          </p:nvPr>
+        </p:nvSpPr>
+        <p:spPr>
+          <a:xfrm>
+            <a:off x="7333815" y="6553200"/>
+            <a:ext cx="1810186" cy="276999"/>
+          </a:xfrm>
+        </p:spPr>
+        <p:txBody>
+          <a:bodyPr/>
+          <a:lstStyle/>
+          <a:p>
+            <a:r>
+              <a:rPr lang="en-US" dirty="0" smtClean="0"/>
+              <a:t>propositional algebra.</a:t>
+            </a:r>
+            <a:fld id="{3251DA95-B240-47FE-901D-B78FC8E8E532}" type="slidenum">
+              <a:rPr lang="en-US" smtClean="0"/>
+              <a:pPr/>
+              <a:t>23</a:t>
             </a:fld>
             <a:endParaRPr lang="en-US" dirty="0"/>
           </a:p>
@@ -11731,7 +12859,7 @@
             <a:graphicData uri="http://schemas.openxmlformats.org/presentationml/2006/ole">
               <mc:AlternateContent xmlns:mc="http://schemas.openxmlformats.org/markup-compatibility/2006">
                 <mc:Choice xmlns:v="urn:schemas-microsoft-com:vml" Requires="v">
-                  <p:oleObj spid="_x0000_s444499" name="Equation" r:id="rId6" imgW="139700" imgH="215900" progId="Equation.DSMT4">
+                  <p:oleObj spid="_x0000_s444511" name="Equation" r:id="rId6" imgW="139700" imgH="215900" progId="Equation.DSMT4">
                     <p:embed/>
                   </p:oleObj>
                 </mc:Choice>
@@ -11827,7 +12955,7 @@
 </p:sld>
 </file>
 
-<file path=ppt/slides/slide22.xml><?xml version="1.0" encoding="utf-8"?>
+<file path=ppt/slides/slide24.xml><?xml version="1.0" encoding="utf-8"?>
 <p:sld xmlns:a="http://schemas.openxmlformats.org/drawingml/2006/main" xmlns:r="http://schemas.openxmlformats.org/officeDocument/2006/relationships" xmlns:p="http://schemas.openxmlformats.org/presentationml/2006/main">
   <p:cSld>
     <p:spTree>
@@ -11866,7 +12994,7 @@
           <a:graphicData uri="http://schemas.openxmlformats.org/presentationml/2006/ole">
             <mc:AlternateContent xmlns:mc="http://schemas.openxmlformats.org/markup-compatibility/2006">
               <mc:Choice xmlns:v="urn:schemas-microsoft-com:vml" Requires="v">
-                <p:oleObj spid="_x0000_s442458" name="Equation" r:id="rId4" imgW="1371600" imgH="482600" progId="Equation.DSMT4">
+                <p:oleObj spid="_x0000_s442470" name="Equation" r:id="rId4" imgW="1371600" imgH="482600" progId="Equation.DSMT4">
                   <p:embed/>
                 </p:oleObj>
               </mc:Choice>
@@ -11923,7 +13051,7 @@
           <a:graphicData uri="http://schemas.openxmlformats.org/presentationml/2006/ole">
             <mc:AlternateContent xmlns:mc="http://schemas.openxmlformats.org/markup-compatibility/2006">
               <mc:Choice xmlns:v="urn:schemas-microsoft-com:vml" Requires="v">
-                <p:oleObj spid="_x0000_s442459" name="Equation" r:id="rId6" imgW="1803400" imgH="482600" progId="Equation.DSMT4">
+                <p:oleObj spid="_x0000_s442471" name="Equation" r:id="rId6" imgW="1803400" imgH="482600" progId="Equation.DSMT4">
                   <p:embed/>
                 </p:oleObj>
               </mc:Choice>
@@ -11985,7 +13113,7 @@
             <a:fld id="{3251DA95-B240-47FE-901D-B78FC8E8E532}" type="slidenum">
               <a:rPr lang="en-US" smtClean="0"/>
               <a:pPr/>
-              <a:t>22</a:t>
+              <a:t>24</a:t>
             </a:fld>
             <a:endParaRPr lang="en-US" dirty="0"/>
           </a:p>
@@ -12051,7 +13179,7 @@
 </p:sld>
 </file>
 
-<file path=ppt/slides/slide23.xml><?xml version="1.0" encoding="utf-8"?>
+<file path=ppt/slides/slide25.xml><?xml version="1.0" encoding="utf-8"?>
 <p:sld xmlns:a="http://schemas.openxmlformats.org/drawingml/2006/main" xmlns:r="http://schemas.openxmlformats.org/officeDocument/2006/relationships" xmlns:p="http://schemas.openxmlformats.org/presentationml/2006/main">
   <p:cSld>
     <p:spTree>
@@ -12090,7 +13218,7 @@
           <a:graphicData uri="http://schemas.openxmlformats.org/presentationml/2006/ole">
             <mc:AlternateContent xmlns:mc="http://schemas.openxmlformats.org/markup-compatibility/2006">
               <mc:Choice xmlns:v="urn:schemas-microsoft-com:vml" Requires="v">
-                <p:oleObj spid="_x0000_s446570" name="Equation" r:id="rId4" imgW="1803400" imgH="482600" progId="Equation.DSMT4">
+                <p:oleObj spid="_x0000_s446582" name="Equation" r:id="rId4" imgW="1803400" imgH="482600" progId="Equation.DSMT4">
                   <p:embed/>
                 </p:oleObj>
               </mc:Choice>
@@ -12152,7 +13280,7 @@
             <a:fld id="{3251DA95-B240-47FE-901D-B78FC8E8E532}" type="slidenum">
               <a:rPr lang="en-US" smtClean="0"/>
               <a:pPr/>
-              <a:t>23</a:t>
+              <a:t>25</a:t>
             </a:fld>
             <a:endParaRPr lang="en-US" dirty="0"/>
           </a:p>
@@ -12232,7 +13360,7 @@
             <a:graphicData uri="http://schemas.openxmlformats.org/presentationml/2006/ole">
               <mc:AlternateContent xmlns:mc="http://schemas.openxmlformats.org/markup-compatibility/2006">
                 <mc:Choice xmlns:v="urn:schemas-microsoft-com:vml" Requires="v">
-                  <p:oleObj spid="_x0000_s446571" name="Equation" r:id="rId6" imgW="177800" imgH="241300" progId="Equation.DSMT4">
+                  <p:oleObj spid="_x0000_s446583" name="Equation" r:id="rId6" imgW="177800" imgH="241300" progId="Equation.DSMT4">
                     <p:embed/>
                   </p:oleObj>
                 </mc:Choice>
@@ -12319,7 +13447,7 @@
 </p:sld>
 </file>
 
-<file path=ppt/slides/slide24.xml><?xml version="1.0" encoding="utf-8"?>
+<file path=ppt/slides/slide26.xml><?xml version="1.0" encoding="utf-8"?>
 <p:sld xmlns:a="http://schemas.openxmlformats.org/drawingml/2006/main" xmlns:r="http://schemas.openxmlformats.org/officeDocument/2006/relationships" xmlns:p="http://schemas.openxmlformats.org/presentationml/2006/main">
   <p:cSld>
     <p:spTree>
@@ -12358,7 +13486,7 @@
           <a:graphicData uri="http://schemas.openxmlformats.org/presentationml/2006/ole">
             <mc:AlternateContent xmlns:mc="http://schemas.openxmlformats.org/markup-compatibility/2006">
               <mc:Choice xmlns:v="urn:schemas-microsoft-com:vml" Requires="v">
-                <p:oleObj spid="_x0000_s445554" name="Equation" r:id="rId4" imgW="1854200" imgH="482600" progId="Equation.DSMT4">
+                <p:oleObj spid="_x0000_s445566" name="Equation" r:id="rId4" imgW="1854200" imgH="482600" progId="Equation.DSMT4">
                   <p:embed/>
                 </p:oleObj>
               </mc:Choice>
@@ -12415,7 +13543,7 @@
           <a:graphicData uri="http://schemas.openxmlformats.org/presentationml/2006/ole">
             <mc:AlternateContent xmlns:mc="http://schemas.openxmlformats.org/markup-compatibility/2006">
               <mc:Choice xmlns:v="urn:schemas-microsoft-com:vml" Requires="v">
-                <p:oleObj spid="_x0000_s445555" name="Equation" r:id="rId6" imgW="1803400" imgH="482600" progId="Equation.DSMT4">
+                <p:oleObj spid="_x0000_s445567" name="Equation" r:id="rId6" imgW="1803400" imgH="482600" progId="Equation.DSMT4">
                   <p:embed/>
                 </p:oleObj>
               </mc:Choice>
@@ -12477,7 +13605,7 @@
             <a:fld id="{3251DA95-B240-47FE-901D-B78FC8E8E532}" type="slidenum">
               <a:rPr lang="en-US" smtClean="0"/>
               <a:pPr/>
-              <a:t>24</a:t>
+              <a:t>26</a:t>
             </a:fld>
             <a:endParaRPr lang="en-US" dirty="0"/>
           </a:p>
@@ -12534,7 +13662,7 @@
 </p:sld>
 </file>
 
-<file path=ppt/slides/slide25.xml><?xml version="1.0" encoding="utf-8"?>
+<file path=ppt/slides/slide27.xml><?xml version="1.0" encoding="utf-8"?>
 <p:sld xmlns:a="http://schemas.openxmlformats.org/drawingml/2006/main" xmlns:r="http://schemas.openxmlformats.org/officeDocument/2006/relationships" xmlns:p="http://schemas.openxmlformats.org/presentationml/2006/main">
   <p:cSld>
     <p:spTree>
@@ -12573,7 +13701,7 @@
           <a:graphicData uri="http://schemas.openxmlformats.org/presentationml/2006/ole">
             <mc:AlternateContent xmlns:mc="http://schemas.openxmlformats.org/markup-compatibility/2006">
               <mc:Choice xmlns:v="urn:schemas-microsoft-com:vml" Requires="v">
-                <p:oleObj spid="_x0000_s480323" name="Equation" r:id="rId4" imgW="1854200" imgH="482600" progId="Equation.DSMT4">
+                <p:oleObj spid="_x0000_s480330" name="Equation" r:id="rId4" imgW="1854200" imgH="482600" progId="Equation.DSMT4">
                   <p:embed/>
                 </p:oleObj>
               </mc:Choice>
@@ -12635,7 +13763,7 @@
             <a:fld id="{3251DA95-B240-47FE-901D-B78FC8E8E532}" type="slidenum">
               <a:rPr lang="en-US" smtClean="0"/>
               <a:pPr/>
-              <a:t>25</a:t>
+              <a:t>27</a:t>
             </a:fld>
             <a:endParaRPr lang="en-US" dirty="0"/>
           </a:p>
@@ -12925,7 +14053,7 @@
 </p:sld>
 </file>
 
-<file path=ppt/slides/slide26.xml><?xml version="1.0" encoding="utf-8"?>
+<file path=ppt/slides/slide28.xml><?xml version="1.0" encoding="utf-8"?>
 <p:sld xmlns:a="http://schemas.openxmlformats.org/drawingml/2006/main" xmlns:r="http://schemas.openxmlformats.org/officeDocument/2006/relationships" xmlns:p="http://schemas.openxmlformats.org/presentationml/2006/main" show="0">
   <p:cSld>
     <p:spTree>
@@ -13013,7 +14141,7 @@
             <a:fld id="{3251DA95-B240-47FE-901D-B78FC8E8E532}" type="slidenum">
               <a:rPr lang="en-US" smtClean="0"/>
               <a:pPr/>
-              <a:t>26</a:t>
+              <a:t>28</a:t>
             </a:fld>
             <a:endParaRPr lang="en-US" dirty="0"/>
           </a:p>
@@ -13041,7 +14169,7 @@
           <a:graphicData uri="http://schemas.openxmlformats.org/presentationml/2006/ole">
             <mc:AlternateContent xmlns:mc="http://schemas.openxmlformats.org/markup-compatibility/2006">
               <mc:Choice xmlns:v="urn:schemas-microsoft-com:vml" Requires="v">
-                <p:oleObj spid="_x0000_s425129" name="Equation" r:id="rId4" imgW="1511300" imgH="254000" progId="Equation.DSMT4">
+                <p:oleObj spid="_x0000_s425151" name="Equation" r:id="rId4" imgW="1511300" imgH="254000" progId="Equation.DSMT4">
                   <p:embed/>
                 </p:oleObj>
               </mc:Choice>
@@ -13098,7 +14226,7 @@
           <a:graphicData uri="http://schemas.openxmlformats.org/presentationml/2006/ole">
             <mc:AlternateContent xmlns:mc="http://schemas.openxmlformats.org/markup-compatibility/2006">
               <mc:Choice xmlns:v="urn:schemas-microsoft-com:vml" Requires="v">
-                <p:oleObj spid="_x0000_s425130" name="Equation" r:id="rId6" imgW="1524000" imgH="254000" progId="Equation.DSMT4">
+                <p:oleObj spid="_x0000_s425152" name="Equation" r:id="rId6" imgW="1524000" imgH="254000" progId="Equation.DSMT4">
                   <p:embed/>
                 </p:oleObj>
               </mc:Choice>
@@ -13155,7 +14283,7 @@
           <a:graphicData uri="http://schemas.openxmlformats.org/presentationml/2006/ole">
             <mc:AlternateContent xmlns:mc="http://schemas.openxmlformats.org/markup-compatibility/2006">
               <mc:Choice xmlns:v="urn:schemas-microsoft-com:vml" Requires="v">
-                <p:oleObj spid="_x0000_s425131" name="Equation" r:id="rId8" imgW="1181100" imgH="228600" progId="Equation.DSMT4">
+                <p:oleObj spid="_x0000_s425153" name="Equation" r:id="rId8" imgW="1181100" imgH="228600" progId="Equation.DSMT4">
                   <p:embed/>
                 </p:oleObj>
               </mc:Choice>
@@ -13212,7 +14340,7 @@
           <a:graphicData uri="http://schemas.openxmlformats.org/presentationml/2006/ole">
             <mc:AlternateContent xmlns:mc="http://schemas.openxmlformats.org/markup-compatibility/2006">
               <mc:Choice xmlns:v="urn:schemas-microsoft-com:vml" Requires="v">
-                <p:oleObj spid="_x0000_s425132" name="Equation" r:id="rId10" imgW="1168400" imgH="228600" progId="Equation.DSMT4">
+                <p:oleObj spid="_x0000_s425154" name="Equation" r:id="rId10" imgW="1168400" imgH="228600" progId="Equation.DSMT4">
                   <p:embed/>
                 </p:oleObj>
               </mc:Choice>
@@ -13487,7 +14615,7 @@
 </p:sld>
 </file>
 
-<file path=ppt/slides/slide27.xml><?xml version="1.0" encoding="utf-8"?>
+<file path=ppt/slides/slide29.xml><?xml version="1.0" encoding="utf-8"?>
 <p:sld xmlns:a="http://schemas.openxmlformats.org/drawingml/2006/main" xmlns:r="http://schemas.openxmlformats.org/officeDocument/2006/relationships" xmlns:p="http://schemas.openxmlformats.org/presentationml/2006/main">
   <p:cSld>
     <p:spTree>
@@ -13575,7 +14703,7 @@
             <a:fld id="{3251DA95-B240-47FE-901D-B78FC8E8E532}" type="slidenum">
               <a:rPr lang="en-US" smtClean="0"/>
               <a:pPr/>
-              <a:t>27</a:t>
+              <a:t>29</a:t>
             </a:fld>
             <a:endParaRPr lang="en-US" dirty="0"/>
           </a:p>
@@ -13603,7 +14731,7 @@
           <a:graphicData uri="http://schemas.openxmlformats.org/presentationml/2006/ole">
             <mc:AlternateContent xmlns:mc="http://schemas.openxmlformats.org/markup-compatibility/2006">
               <mc:Choice xmlns:v="urn:schemas-microsoft-com:vml" Requires="v">
-                <p:oleObj spid="_x0000_s553998" name="Equation" r:id="rId4" imgW="1181100" imgH="228600" progId="Equation.DSMT4">
+                <p:oleObj spid="_x0000_s554020" name="Equation" r:id="rId4" imgW="1181100" imgH="228600" progId="Equation.DSMT4">
                   <p:embed/>
                 </p:oleObj>
               </mc:Choice>
@@ -13660,7 +14788,7 @@
           <a:graphicData uri="http://schemas.openxmlformats.org/presentationml/2006/ole">
             <mc:AlternateContent xmlns:mc="http://schemas.openxmlformats.org/markup-compatibility/2006">
               <mc:Choice xmlns:v="urn:schemas-microsoft-com:vml" Requires="v">
-                <p:oleObj spid="_x0000_s553999" name="Equation" r:id="rId6" imgW="1168400" imgH="228600" progId="Equation.DSMT4">
+                <p:oleObj spid="_x0000_s554021" name="Equation" r:id="rId6" imgW="1168400" imgH="228600" progId="Equation.DSMT4">
                   <p:embed/>
                 </p:oleObj>
               </mc:Choice>
@@ -13717,7 +14845,7 @@
           <a:graphicData uri="http://schemas.openxmlformats.org/presentationml/2006/ole">
             <mc:AlternateContent xmlns:mc="http://schemas.openxmlformats.org/markup-compatibility/2006">
               <mc:Choice xmlns:v="urn:schemas-microsoft-com:vml" Requires="v">
-                <p:oleObj spid="_x0000_s554000" name="Equation" r:id="rId8" imgW="1511300" imgH="254000" progId="Equation.DSMT4">
+                <p:oleObj spid="_x0000_s554022" name="Equation" r:id="rId8" imgW="1511300" imgH="254000" progId="Equation.DSMT4">
                   <p:embed/>
                 </p:oleObj>
               </mc:Choice>
@@ -13774,7 +14902,7 @@
           <a:graphicData uri="http://schemas.openxmlformats.org/presentationml/2006/ole">
             <mc:AlternateContent xmlns:mc="http://schemas.openxmlformats.org/markup-compatibility/2006">
               <mc:Choice xmlns:v="urn:schemas-microsoft-com:vml" Requires="v">
-                <p:oleObj spid="_x0000_s554001" name="Equation" r:id="rId10" imgW="1524000" imgH="254000" progId="Equation.DSMT4">
+                <p:oleObj spid="_x0000_s554023" name="Equation" r:id="rId10" imgW="1524000" imgH="254000" progId="Equation.DSMT4">
                   <p:embed/>
                 </p:oleObj>
               </mc:Choice>
@@ -14049,593 +15177,6 @@
 </p:sld>
 </file>
 
-<file path=ppt/slides/slide28.xml><?xml version="1.0" encoding="utf-8"?>
-<p:sld xmlns:a="http://schemas.openxmlformats.org/drawingml/2006/main" xmlns:r="http://schemas.openxmlformats.org/officeDocument/2006/relationships" xmlns:p="http://schemas.openxmlformats.org/presentationml/2006/main">
-  <p:cSld>
-    <p:spTree>
-      <p:nvGrpSpPr>
-        <p:cNvPr id="1" name=""/>
-        <p:cNvGrpSpPr/>
-        <p:nvPr/>
-      </p:nvGrpSpPr>
-      <p:grpSpPr>
-        <a:xfrm>
-          <a:off x="0" y="0"/>
-          <a:ext cx="0" cy="0"/>
-          <a:chOff x="0" y="0"/>
-          <a:chExt cx="0" cy="0"/>
-        </a:xfrm>
-      </p:grpSpPr>
-      <p:graphicFrame>
-        <p:nvGraphicFramePr>
-          <p:cNvPr id="24" name="Object 23"/>
-          <p:cNvGraphicFramePr>
-            <a:graphicFrameLocks noChangeAspect="1"/>
-          </p:cNvGraphicFramePr>
-          <p:nvPr>
-            <p:extLst>
-              <p:ext uri="{D42A27DB-BD31-4B8C-83A1-F6EECF244321}">
-                <p14:modId xmlns:p14="http://schemas.microsoft.com/office/powerpoint/2010/main" val="4041046133"/>
-              </p:ext>
-            </p:extLst>
-          </p:nvPr>
-        </p:nvGraphicFramePr>
-        <p:xfrm>
-          <a:off x="1397794" y="1282700"/>
-          <a:ext cx="6484937" cy="1689100"/>
-        </p:xfrm>
-        <a:graphic>
-          <a:graphicData uri="http://schemas.openxmlformats.org/presentationml/2006/ole">
-            <mc:AlternateContent xmlns:mc="http://schemas.openxmlformats.org/markup-compatibility/2006">
-              <mc:Choice xmlns:v="urn:schemas-microsoft-com:vml" Requires="v">
-                <p:oleObj spid="_x0000_s426065" name="Equation" r:id="rId4" imgW="1854200" imgH="482600" progId="Equation.DSMT4">
-                  <p:embed/>
-                </p:oleObj>
-              </mc:Choice>
-              <mc:Fallback>
-                <p:oleObj name="Equation" r:id="rId4" imgW="1854200" imgH="482600" progId="Equation.DSMT4">
-                  <p:embed/>
-                  <p:pic>
-                    <p:nvPicPr>
-                      <p:cNvPr id="0" name=""/>
-                      <p:cNvPicPr/>
-                      <p:nvPr/>
-                    </p:nvPicPr>
-                    <p:blipFill>
-                      <a:blip r:embed="rId5"/>
-                      <a:stretch>
-                        <a:fillRect/>
-                      </a:stretch>
-                    </p:blipFill>
-                    <p:spPr>
-                      <a:xfrm>
-                        <a:off x="1397794" y="1282700"/>
-                        <a:ext cx="6484937" cy="1689100"/>
-                      </a:xfrm>
-                      <a:prstGeom prst="rect">
-                        <a:avLst/>
-                      </a:prstGeom>
-                    </p:spPr>
-                  </p:pic>
-                </p:oleObj>
-              </mc:Fallback>
-            </mc:AlternateContent>
-          </a:graphicData>
-        </a:graphic>
-      </p:graphicFrame>
-      <p:sp>
-        <p:nvSpPr>
-          <p:cNvPr id="9" name="Title 1"/>
-          <p:cNvSpPr>
-            <a:spLocks noGrp="1"/>
-          </p:cNvSpPr>
-          <p:nvPr>
-            <p:ph type="title"/>
-          </p:nvPr>
-        </p:nvSpPr>
-        <p:spPr>
-          <a:xfrm>
-            <a:off x="1651000" y="363538"/>
-            <a:ext cx="6794500" cy="1003300"/>
-          </a:xfrm>
-        </p:spPr>
-        <p:txBody>
-          <a:bodyPr/>
-          <a:lstStyle/>
-          <a:p>
-            <a:r>
-              <a:rPr lang="en-US" sz="4000" dirty="0" smtClean="0">
-                <a:solidFill>
-                  <a:srgbClr val="FF03E3"/>
-                </a:solidFill>
-              </a:rPr>
-              <a:t>example</a:t>
-            </a:r>
-            <a:endParaRPr lang="en-US" sz="4000" dirty="0">
-              <a:solidFill>
-                <a:srgbClr val="FF03E3"/>
-              </a:solidFill>
-            </a:endParaRPr>
-          </a:p>
-        </p:txBody>
-      </p:sp>
-      <p:sp>
-        <p:nvSpPr>
-          <p:cNvPr id="4" name="Slide Number Placeholder 2"/>
-          <p:cNvSpPr>
-            <a:spLocks noGrp="1"/>
-          </p:cNvSpPr>
-          <p:nvPr>
-            <p:ph type="sldNum" sz="quarter" idx="10"/>
-          </p:nvPr>
-        </p:nvSpPr>
-        <p:spPr>
-          <a:xfrm>
-            <a:off x="7333815" y="6553200"/>
-            <a:ext cx="1810186" cy="276999"/>
-          </a:xfrm>
-        </p:spPr>
-        <p:txBody>
-          <a:bodyPr/>
-          <a:lstStyle/>
-          <a:p>
-            <a:r>
-              <a:rPr lang="en-US" dirty="0" smtClean="0"/>
-              <a:t>propositional algebra.</a:t>
-            </a:r>
-            <a:fld id="{3251DA95-B240-47FE-901D-B78FC8E8E532}" type="slidenum">
-              <a:rPr lang="en-US" smtClean="0"/>
-              <a:pPr/>
-              <a:t>28</a:t>
-            </a:fld>
-            <a:endParaRPr lang="en-US" dirty="0"/>
-          </a:p>
-        </p:txBody>
-      </p:sp>
-      <p:sp>
-        <p:nvSpPr>
-          <p:cNvPr id="6" name="TextBox 5"/>
-          <p:cNvSpPr txBox="1"/>
-          <p:nvPr/>
-        </p:nvSpPr>
-        <p:spPr>
-          <a:xfrm>
-            <a:off x="5372100" y="3067903"/>
-            <a:ext cx="2565726" cy="830997"/>
-          </a:xfrm>
-          <a:prstGeom prst="rect">
-            <a:avLst/>
-          </a:prstGeom>
-          <a:noFill/>
-        </p:spPr>
-        <p:txBody>
-          <a:bodyPr wrap="none" rtlCol="0">
-            <a:spAutoFit/>
-          </a:bodyPr>
-          <a:lstStyle/>
-          <a:p>
-            <a:pPr algn="l"/>
-            <a:r>
-              <a:rPr lang="en-US" sz="4800" dirty="0" smtClean="0">
-                <a:solidFill>
-                  <a:srgbClr val="FF03E3"/>
-                </a:solidFill>
-                <a:latin typeface="Comic Sans MS" pitchFamily="66" charset="0"/>
-              </a:rPr>
-              <a:t>Simplify </a:t>
-            </a:r>
-            <a:endParaRPr lang="en-US" sz="4800" dirty="0" smtClean="0">
-              <a:latin typeface="Comic Sans MS" pitchFamily="66" charset="0"/>
-            </a:endParaRPr>
-          </a:p>
-        </p:txBody>
-      </p:sp>
-      <p:sp>
-        <p:nvSpPr>
-          <p:cNvPr id="7" name="Rounded Rectangle 6"/>
-          <p:cNvSpPr/>
-          <p:nvPr/>
-        </p:nvSpPr>
-        <p:spPr bwMode="auto">
-          <a:xfrm>
-            <a:off x="1211263" y="1231900"/>
-            <a:ext cx="6980237" cy="1866900"/>
-          </a:xfrm>
-          <a:prstGeom prst="roundRect">
-            <a:avLst/>
-          </a:prstGeom>
-          <a:noFill/>
-          <a:ln w="41275" cap="flat" cmpd="sng" algn="ctr">
-            <a:solidFill>
-              <a:srgbClr val="FF03E3"/>
-            </a:solidFill>
-            <a:prstDash val="sysDash"/>
-            <a:round/>
-            <a:headEnd type="none" w="med" len="med"/>
-            <a:tailEnd type="none" w="med" len="med"/>
-          </a:ln>
-          <a:effectLst/>
-        </p:spPr>
-        <p:txBody>
-          <a:bodyPr vert="horz" wrap="none" lIns="91440" tIns="45720" rIns="91440" bIns="45720" numCol="1" rtlCol="0" anchor="ctr" anchorCtr="0" compatLnSpc="1">
-            <a:prstTxWarp prst="textNoShape">
-              <a:avLst/>
-            </a:prstTxWarp>
-          </a:bodyPr>
-          <a:lstStyle/>
-          <a:p>
-            <a:pPr marL="0" marR="0" indent="0" algn="ctr" defTabSz="914400" rtl="0" eaLnBrk="1" fontAlgn="base" latinLnBrk="0" hangingPunct="1">
-              <a:lnSpc>
-                <a:spcPct val="100000"/>
-              </a:lnSpc>
-              <a:spcBef>
-                <a:spcPct val="0"/>
-              </a:spcBef>
-              <a:spcAft>
-                <a:spcPct val="0"/>
-              </a:spcAft>
-              <a:buClrTx/>
-              <a:buSzTx/>
-              <a:buFontTx/>
-              <a:buNone/>
-              <a:tabLst/>
-            </a:pPr>
-            <a:endParaRPr kumimoji="0" lang="en-US" sz="3200" b="0" i="0" u="none" strike="noStrike" cap="none" normalizeH="0" baseline="0" smtClean="0">
-              <a:ln>
-                <a:noFill/>
-              </a:ln>
-              <a:solidFill>
-                <a:schemeClr val="tx1"/>
-              </a:solidFill>
-              <a:effectLst/>
-              <a:latin typeface="Times New Roman" pitchFamily="18" charset="0"/>
-            </a:endParaRPr>
-          </a:p>
-        </p:txBody>
-      </p:sp>
-    </p:spTree>
-    <p:extLst>
-      <p:ext uri="{BB962C8B-B14F-4D97-AF65-F5344CB8AC3E}">
-        <p14:creationId xmlns:p14="http://schemas.microsoft.com/office/powerpoint/2010/main" val="2033548101"/>
-      </p:ext>
-    </p:extLst>
-  </p:cSld>
-  <p:clrMapOvr>
-    <a:masterClrMapping/>
-  </p:clrMapOvr>
-  <p:transition xmlns:p14="http://schemas.microsoft.com/office/powerpoint/2010/main" spd="slow" advClick="0">
-    <p:fade/>
-  </p:transition>
-  <p:timing>
-    <p:tnLst>
-      <p:par>
-        <p:cTn xmlns:p14="http://schemas.microsoft.com/office/powerpoint/2010/main" id="1" dur="indefinite" restart="never" nodeType="tmRoot">
-          <p:childTnLst>
-            <p:seq concurrent="1" nextAc="seek">
-              <p:cTn id="2" dur="indefinite" nodeType="mainSeq">
-                <p:childTnLst>
-                  <p:par>
-                    <p:cTn id="3" fill="hold">
-                      <p:stCondLst>
-                        <p:cond delay="indefinite"/>
-                      </p:stCondLst>
-                      <p:childTnLst>
-                        <p:par>
-                          <p:cTn id="4" fill="hold">
-                            <p:stCondLst>
-                              <p:cond delay="0"/>
-                            </p:stCondLst>
-                            <p:childTnLst>
-                              <p:par>
-                                <p:cTn id="5" presetID="1" presetClass="exit" presetSubtype="0" fill="hold" grpId="0" nodeType="clickEffect">
-                                  <p:stCondLst>
-                                    <p:cond delay="0"/>
-                                  </p:stCondLst>
-                                  <p:childTnLst>
-                                    <p:set>
-                                      <p:cBhvr>
-                                        <p:cTn id="6" dur="1" fill="hold">
-                                          <p:stCondLst>
-                                            <p:cond delay="0"/>
-                                          </p:stCondLst>
-                                        </p:cTn>
-                                        <p:tgtEl>
-                                          <p:spTgt spid="7"/>
-                                        </p:tgtEl>
-                                        <p:attrNameLst>
-                                          <p:attrName>style.visibility</p:attrName>
-                                        </p:attrNameLst>
-                                      </p:cBhvr>
-                                      <p:to>
-                                        <p:strVal val="hidden"/>
-                                      </p:to>
-                                    </p:set>
-                                  </p:childTnLst>
-                                </p:cTn>
-                              </p:par>
-                              <p:par>
-                                <p:cTn id="7" presetID="10" presetClass="entr" presetSubtype="0" fill="hold" grpId="0" nodeType="withEffect">
-                                  <p:stCondLst>
-                                    <p:cond delay="0"/>
-                                  </p:stCondLst>
-                                  <p:childTnLst>
-                                    <p:set>
-                                      <p:cBhvr>
-                                        <p:cTn id="8" dur="1" fill="hold">
-                                          <p:stCondLst>
-                                            <p:cond delay="0"/>
-                                          </p:stCondLst>
-                                        </p:cTn>
-                                        <p:tgtEl>
-                                          <p:spTgt spid="6"/>
-                                        </p:tgtEl>
-                                        <p:attrNameLst>
-                                          <p:attrName>style.visibility</p:attrName>
-                                        </p:attrNameLst>
-                                      </p:cBhvr>
-                                      <p:to>
-                                        <p:strVal val="visible"/>
-                                      </p:to>
-                                    </p:set>
-                                    <p:animEffect transition="in" filter="fade">
-                                      <p:cBhvr>
-                                        <p:cTn id="9" dur="500"/>
-                                        <p:tgtEl>
-                                          <p:spTgt spid="6"/>
-                                        </p:tgtEl>
-                                      </p:cBhvr>
-                                    </p:animEffect>
-                                  </p:childTnLst>
-                                </p:cTn>
-                              </p:par>
-                            </p:childTnLst>
-                          </p:cTn>
-                        </p:par>
-                      </p:childTnLst>
-                    </p:cTn>
-                  </p:par>
-                </p:childTnLst>
-              </p:cTn>
-              <p:prevCondLst>
-                <p:cond evt="onPrev" delay="0">
-                  <p:tgtEl>
-                    <p:sldTgt/>
-                  </p:tgtEl>
-                </p:cond>
-              </p:prevCondLst>
-              <p:nextCondLst>
-                <p:cond evt="onNext" delay="0">
-                  <p:tgtEl>
-                    <p:sldTgt/>
-                  </p:tgtEl>
-                </p:cond>
-              </p:nextCondLst>
-            </p:seq>
-          </p:childTnLst>
-        </p:cTn>
-      </p:par>
-    </p:tnLst>
-    <p:bldLst>
-      <p:bldP spid="6" grpId="0"/>
-      <p:bldP spid="7" grpId="0" animBg="1"/>
-    </p:bldLst>
-  </p:timing>
-</p:sld>
-</file>
-
-<file path=ppt/slides/slide29.xml><?xml version="1.0" encoding="utf-8"?>
-<p:sld xmlns:a="http://schemas.openxmlformats.org/drawingml/2006/main" xmlns:r="http://schemas.openxmlformats.org/officeDocument/2006/relationships" xmlns:p="http://schemas.openxmlformats.org/presentationml/2006/main">
-  <p:cSld>
-    <p:spTree>
-      <p:nvGrpSpPr>
-        <p:cNvPr id="1" name=""/>
-        <p:cNvGrpSpPr/>
-        <p:nvPr/>
-      </p:nvGrpSpPr>
-      <p:grpSpPr>
-        <a:xfrm>
-          <a:off x="0" y="0"/>
-          <a:ext cx="0" cy="0"/>
-          <a:chOff x="0" y="0"/>
-          <a:chExt cx="0" cy="0"/>
-        </a:xfrm>
-      </p:grpSpPr>
-      <p:graphicFrame>
-        <p:nvGraphicFramePr>
-          <p:cNvPr id="24" name="Object 23"/>
-          <p:cNvGraphicFramePr>
-            <a:graphicFrameLocks noChangeAspect="1"/>
-          </p:cNvGraphicFramePr>
-          <p:nvPr>
-            <p:extLst>
-              <p:ext uri="{D42A27DB-BD31-4B8C-83A1-F6EECF244321}">
-                <p14:modId xmlns:p14="http://schemas.microsoft.com/office/powerpoint/2010/main" val="4046428985"/>
-              </p:ext>
-            </p:extLst>
-          </p:nvPr>
-        </p:nvGraphicFramePr>
-        <p:xfrm>
-          <a:off x="1397794" y="1282700"/>
-          <a:ext cx="6484937" cy="1689100"/>
-        </p:xfrm>
-        <a:graphic>
-          <a:graphicData uri="http://schemas.openxmlformats.org/presentationml/2006/ole">
-            <mc:AlternateContent xmlns:mc="http://schemas.openxmlformats.org/markup-compatibility/2006">
-              <mc:Choice xmlns:v="urn:schemas-microsoft-com:vml" Requires="v">
-                <p:oleObj spid="_x0000_s481319" name="Equation" r:id="rId4" imgW="1854200" imgH="482600" progId="Equation.DSMT4">
-                  <p:embed/>
-                </p:oleObj>
-              </mc:Choice>
-              <mc:Fallback>
-                <p:oleObj name="Equation" r:id="rId4" imgW="1854200" imgH="482600" progId="Equation.DSMT4">
-                  <p:embed/>
-                  <p:pic>
-                    <p:nvPicPr>
-                      <p:cNvPr id="0" name=""/>
-                      <p:cNvPicPr/>
-                      <p:nvPr/>
-                    </p:nvPicPr>
-                    <p:blipFill>
-                      <a:blip r:embed="rId5"/>
-                      <a:stretch>
-                        <a:fillRect/>
-                      </a:stretch>
-                    </p:blipFill>
-                    <p:spPr>
-                      <a:xfrm>
-                        <a:off x="1397794" y="1282700"/>
-                        <a:ext cx="6484937" cy="1689100"/>
-                      </a:xfrm>
-                      <a:prstGeom prst="rect">
-                        <a:avLst/>
-                      </a:prstGeom>
-                    </p:spPr>
-                  </p:pic>
-                </p:oleObj>
-              </mc:Fallback>
-            </mc:AlternateContent>
-          </a:graphicData>
-        </a:graphic>
-      </p:graphicFrame>
-      <p:sp>
-        <p:nvSpPr>
-          <p:cNvPr id="4" name="Slide Number Placeholder 2"/>
-          <p:cNvSpPr>
-            <a:spLocks noGrp="1"/>
-          </p:cNvSpPr>
-          <p:nvPr>
-            <p:ph type="sldNum" sz="quarter" idx="10"/>
-          </p:nvPr>
-        </p:nvSpPr>
-        <p:spPr>
-          <a:xfrm>
-            <a:off x="7333815" y="6553200"/>
-            <a:ext cx="1810186" cy="276999"/>
-          </a:xfrm>
-        </p:spPr>
-        <p:txBody>
-          <a:bodyPr/>
-          <a:lstStyle/>
-          <a:p>
-            <a:r>
-              <a:rPr lang="en-US" dirty="0" smtClean="0"/>
-              <a:t>propositional algebra.</a:t>
-            </a:r>
-            <a:fld id="{3251DA95-B240-47FE-901D-B78FC8E8E532}" type="slidenum">
-              <a:rPr lang="en-US" smtClean="0"/>
-              <a:pPr/>
-              <a:t>29</a:t>
-            </a:fld>
-            <a:endParaRPr lang="en-US" dirty="0"/>
-          </a:p>
-        </p:txBody>
-      </p:sp>
-      <p:sp>
-        <p:nvSpPr>
-          <p:cNvPr id="7" name="Title 1"/>
-          <p:cNvSpPr>
-            <a:spLocks noGrp="1"/>
-          </p:cNvSpPr>
-          <p:nvPr>
-            <p:ph type="title"/>
-          </p:nvPr>
-        </p:nvSpPr>
-        <p:spPr>
-          <a:xfrm>
-            <a:off x="1651000" y="363538"/>
-            <a:ext cx="6794500" cy="1003300"/>
-          </a:xfrm>
-        </p:spPr>
-        <p:txBody>
-          <a:bodyPr/>
-          <a:lstStyle/>
-          <a:p>
-            <a:r>
-              <a:rPr lang="en-US" sz="4000" dirty="0" smtClean="0">
-                <a:solidFill>
-                  <a:srgbClr val="FF03E3"/>
-                </a:solidFill>
-              </a:rPr>
-              <a:t>example</a:t>
-            </a:r>
-            <a:endParaRPr lang="en-US" sz="4000" dirty="0">
-              <a:solidFill>
-                <a:srgbClr val="FF03E3"/>
-              </a:solidFill>
-            </a:endParaRPr>
-          </a:p>
-        </p:txBody>
-      </p:sp>
-      <p:sp>
-        <p:nvSpPr>
-          <p:cNvPr id="8" name="TextBox 7"/>
-          <p:cNvSpPr txBox="1"/>
-          <p:nvPr/>
-        </p:nvSpPr>
-        <p:spPr>
-          <a:xfrm>
-            <a:off x="5372100" y="3067903"/>
-            <a:ext cx="2565726" cy="830997"/>
-          </a:xfrm>
-          <a:prstGeom prst="rect">
-            <a:avLst/>
-          </a:prstGeom>
-          <a:noFill/>
-        </p:spPr>
-        <p:txBody>
-          <a:bodyPr wrap="none" rtlCol="0">
-            <a:spAutoFit/>
-          </a:bodyPr>
-          <a:lstStyle/>
-          <a:p>
-            <a:pPr algn="l"/>
-            <a:r>
-              <a:rPr lang="en-US" sz="4800" dirty="0" smtClean="0">
-                <a:solidFill>
-                  <a:srgbClr val="FF03E3"/>
-                </a:solidFill>
-                <a:latin typeface="Comic Sans MS" pitchFamily="66" charset="0"/>
-              </a:rPr>
-              <a:t>Simplify </a:t>
-            </a:r>
-            <a:endParaRPr lang="en-US" sz="4800" dirty="0" smtClean="0">
-              <a:latin typeface="Comic Sans MS" pitchFamily="66" charset="0"/>
-            </a:endParaRPr>
-          </a:p>
-        </p:txBody>
-      </p:sp>
-    </p:spTree>
-    <p:extLst>
-      <p:ext uri="{BB962C8B-B14F-4D97-AF65-F5344CB8AC3E}">
-        <p14:creationId xmlns:p14="http://schemas.microsoft.com/office/powerpoint/2010/main" val="2859233029"/>
-      </p:ext>
-    </p:extLst>
-  </p:cSld>
-  <p:clrMapOvr>
-    <a:masterClrMapping/>
-  </p:clrMapOvr>
-  <mc:AlternateContent xmlns:mc="http://schemas.openxmlformats.org/markup-compatibility/2006" xmlns:p14="http://schemas.microsoft.com/office/powerpoint/2010/main">
-    <mc:Choice Requires="p14">
-      <p:transition p14:dur="300" advClick="0">
-        <p:fade/>
-      </p:transition>
-    </mc:Choice>
-    <mc:Fallback xmlns="">
-      <p:transition xmlns:p14="http://schemas.microsoft.com/office/powerpoint/2010/main" advClick="0">
-        <p:fade/>
-      </p:transition>
-    </mc:Fallback>
-  </mc:AlternateContent>
-  <p:timing>
-    <p:tnLst>
-      <p:par>
-        <p:cTn xmlns:p14="http://schemas.microsoft.com/office/powerpoint/2010/main" id="1" dur="indefinite" restart="never" nodeType="tmRoot"/>
-      </p:par>
-    </p:tnLst>
-  </p:timing>
-</p:sld>
-</file>
-
 <file path=ppt/slides/slide3.xml><?xml version="1.0" encoding="utf-8"?>
 <p:sld xmlns:a="http://schemas.openxmlformats.org/drawingml/2006/main" xmlns:r="http://schemas.openxmlformats.org/officeDocument/2006/relationships" xmlns:p="http://schemas.openxmlformats.org/presentationml/2006/main">
   <p:cSld>
@@ -14971,6 +15512,593 @@
           <p:nvPr>
             <p:extLst>
               <p:ext uri="{D42A27DB-BD31-4B8C-83A1-F6EECF244321}">
+                <p14:modId xmlns:p14="http://schemas.microsoft.com/office/powerpoint/2010/main" val="4041046133"/>
+              </p:ext>
+            </p:extLst>
+          </p:nvPr>
+        </p:nvGraphicFramePr>
+        <p:xfrm>
+          <a:off x="1397794" y="1282700"/>
+          <a:ext cx="6484937" cy="1689100"/>
+        </p:xfrm>
+        <a:graphic>
+          <a:graphicData uri="http://schemas.openxmlformats.org/presentationml/2006/ole">
+            <mc:AlternateContent xmlns:mc="http://schemas.openxmlformats.org/markup-compatibility/2006">
+              <mc:Choice xmlns:v="urn:schemas-microsoft-com:vml" Requires="v">
+                <p:oleObj spid="_x0000_s426072" name="Equation" r:id="rId4" imgW="1854200" imgH="482600" progId="Equation.DSMT4">
+                  <p:embed/>
+                </p:oleObj>
+              </mc:Choice>
+              <mc:Fallback>
+                <p:oleObj name="Equation" r:id="rId4" imgW="1854200" imgH="482600" progId="Equation.DSMT4">
+                  <p:embed/>
+                  <p:pic>
+                    <p:nvPicPr>
+                      <p:cNvPr id="0" name=""/>
+                      <p:cNvPicPr/>
+                      <p:nvPr/>
+                    </p:nvPicPr>
+                    <p:blipFill>
+                      <a:blip r:embed="rId5"/>
+                      <a:stretch>
+                        <a:fillRect/>
+                      </a:stretch>
+                    </p:blipFill>
+                    <p:spPr>
+                      <a:xfrm>
+                        <a:off x="1397794" y="1282700"/>
+                        <a:ext cx="6484937" cy="1689100"/>
+                      </a:xfrm>
+                      <a:prstGeom prst="rect">
+                        <a:avLst/>
+                      </a:prstGeom>
+                    </p:spPr>
+                  </p:pic>
+                </p:oleObj>
+              </mc:Fallback>
+            </mc:AlternateContent>
+          </a:graphicData>
+        </a:graphic>
+      </p:graphicFrame>
+      <p:sp>
+        <p:nvSpPr>
+          <p:cNvPr id="9" name="Title 1"/>
+          <p:cNvSpPr>
+            <a:spLocks noGrp="1"/>
+          </p:cNvSpPr>
+          <p:nvPr>
+            <p:ph type="title"/>
+          </p:nvPr>
+        </p:nvSpPr>
+        <p:spPr>
+          <a:xfrm>
+            <a:off x="1651000" y="363538"/>
+            <a:ext cx="6794500" cy="1003300"/>
+          </a:xfrm>
+        </p:spPr>
+        <p:txBody>
+          <a:bodyPr/>
+          <a:lstStyle/>
+          <a:p>
+            <a:r>
+              <a:rPr lang="en-US" sz="4000" dirty="0" smtClean="0">
+                <a:solidFill>
+                  <a:srgbClr val="FF03E3"/>
+                </a:solidFill>
+              </a:rPr>
+              <a:t>example</a:t>
+            </a:r>
+            <a:endParaRPr lang="en-US" sz="4000" dirty="0">
+              <a:solidFill>
+                <a:srgbClr val="FF03E3"/>
+              </a:solidFill>
+            </a:endParaRPr>
+          </a:p>
+        </p:txBody>
+      </p:sp>
+      <p:sp>
+        <p:nvSpPr>
+          <p:cNvPr id="4" name="Slide Number Placeholder 2"/>
+          <p:cNvSpPr>
+            <a:spLocks noGrp="1"/>
+          </p:cNvSpPr>
+          <p:nvPr>
+            <p:ph type="sldNum" sz="quarter" idx="10"/>
+          </p:nvPr>
+        </p:nvSpPr>
+        <p:spPr>
+          <a:xfrm>
+            <a:off x="7333815" y="6553200"/>
+            <a:ext cx="1810186" cy="276999"/>
+          </a:xfrm>
+        </p:spPr>
+        <p:txBody>
+          <a:bodyPr/>
+          <a:lstStyle/>
+          <a:p>
+            <a:r>
+              <a:rPr lang="en-US" dirty="0" smtClean="0"/>
+              <a:t>propositional algebra.</a:t>
+            </a:r>
+            <a:fld id="{3251DA95-B240-47FE-901D-B78FC8E8E532}" type="slidenum">
+              <a:rPr lang="en-US" smtClean="0"/>
+              <a:pPr/>
+              <a:t>30</a:t>
+            </a:fld>
+            <a:endParaRPr lang="en-US" dirty="0"/>
+          </a:p>
+        </p:txBody>
+      </p:sp>
+      <p:sp>
+        <p:nvSpPr>
+          <p:cNvPr id="6" name="TextBox 5"/>
+          <p:cNvSpPr txBox="1"/>
+          <p:nvPr/>
+        </p:nvSpPr>
+        <p:spPr>
+          <a:xfrm>
+            <a:off x="5372100" y="3067903"/>
+            <a:ext cx="2565726" cy="830997"/>
+          </a:xfrm>
+          <a:prstGeom prst="rect">
+            <a:avLst/>
+          </a:prstGeom>
+          <a:noFill/>
+        </p:spPr>
+        <p:txBody>
+          <a:bodyPr wrap="none" rtlCol="0">
+            <a:spAutoFit/>
+          </a:bodyPr>
+          <a:lstStyle/>
+          <a:p>
+            <a:pPr algn="l"/>
+            <a:r>
+              <a:rPr lang="en-US" sz="4800" dirty="0" smtClean="0">
+                <a:solidFill>
+                  <a:srgbClr val="FF03E3"/>
+                </a:solidFill>
+                <a:latin typeface="Comic Sans MS" pitchFamily="66" charset="0"/>
+              </a:rPr>
+              <a:t>Simplify </a:t>
+            </a:r>
+            <a:endParaRPr lang="en-US" sz="4800" dirty="0" smtClean="0">
+              <a:latin typeface="Comic Sans MS" pitchFamily="66" charset="0"/>
+            </a:endParaRPr>
+          </a:p>
+        </p:txBody>
+      </p:sp>
+      <p:sp>
+        <p:nvSpPr>
+          <p:cNvPr id="7" name="Rounded Rectangle 6"/>
+          <p:cNvSpPr/>
+          <p:nvPr/>
+        </p:nvSpPr>
+        <p:spPr bwMode="auto">
+          <a:xfrm>
+            <a:off x="1211263" y="1231900"/>
+            <a:ext cx="6980237" cy="1866900"/>
+          </a:xfrm>
+          <a:prstGeom prst="roundRect">
+            <a:avLst/>
+          </a:prstGeom>
+          <a:noFill/>
+          <a:ln w="41275" cap="flat" cmpd="sng" algn="ctr">
+            <a:solidFill>
+              <a:srgbClr val="FF03E3"/>
+            </a:solidFill>
+            <a:prstDash val="sysDash"/>
+            <a:round/>
+            <a:headEnd type="none" w="med" len="med"/>
+            <a:tailEnd type="none" w="med" len="med"/>
+          </a:ln>
+          <a:effectLst/>
+        </p:spPr>
+        <p:txBody>
+          <a:bodyPr vert="horz" wrap="none" lIns="91440" tIns="45720" rIns="91440" bIns="45720" numCol="1" rtlCol="0" anchor="ctr" anchorCtr="0" compatLnSpc="1">
+            <a:prstTxWarp prst="textNoShape">
+              <a:avLst/>
+            </a:prstTxWarp>
+          </a:bodyPr>
+          <a:lstStyle/>
+          <a:p>
+            <a:pPr marL="0" marR="0" indent="0" algn="ctr" defTabSz="914400" rtl="0" eaLnBrk="1" fontAlgn="base" latinLnBrk="0" hangingPunct="1">
+              <a:lnSpc>
+                <a:spcPct val="100000"/>
+              </a:lnSpc>
+              <a:spcBef>
+                <a:spcPct val="0"/>
+              </a:spcBef>
+              <a:spcAft>
+                <a:spcPct val="0"/>
+              </a:spcAft>
+              <a:buClrTx/>
+              <a:buSzTx/>
+              <a:buFontTx/>
+              <a:buNone/>
+              <a:tabLst/>
+            </a:pPr>
+            <a:endParaRPr kumimoji="0" lang="en-US" sz="3200" b="0" i="0" u="none" strike="noStrike" cap="none" normalizeH="0" baseline="0" smtClean="0">
+              <a:ln>
+                <a:noFill/>
+              </a:ln>
+              <a:solidFill>
+                <a:schemeClr val="tx1"/>
+              </a:solidFill>
+              <a:effectLst/>
+              <a:latin typeface="Times New Roman" pitchFamily="18" charset="0"/>
+            </a:endParaRPr>
+          </a:p>
+        </p:txBody>
+      </p:sp>
+    </p:spTree>
+    <p:extLst>
+      <p:ext uri="{BB962C8B-B14F-4D97-AF65-F5344CB8AC3E}">
+        <p14:creationId xmlns:p14="http://schemas.microsoft.com/office/powerpoint/2010/main" val="2033548101"/>
+      </p:ext>
+    </p:extLst>
+  </p:cSld>
+  <p:clrMapOvr>
+    <a:masterClrMapping/>
+  </p:clrMapOvr>
+  <p:transition xmlns:p14="http://schemas.microsoft.com/office/powerpoint/2010/main" spd="slow" advClick="0">
+    <p:fade/>
+  </p:transition>
+  <p:timing>
+    <p:tnLst>
+      <p:par>
+        <p:cTn xmlns:p14="http://schemas.microsoft.com/office/powerpoint/2010/main" id="1" dur="indefinite" restart="never" nodeType="tmRoot">
+          <p:childTnLst>
+            <p:seq concurrent="1" nextAc="seek">
+              <p:cTn id="2" dur="indefinite" nodeType="mainSeq">
+                <p:childTnLst>
+                  <p:par>
+                    <p:cTn id="3" fill="hold">
+                      <p:stCondLst>
+                        <p:cond delay="indefinite"/>
+                      </p:stCondLst>
+                      <p:childTnLst>
+                        <p:par>
+                          <p:cTn id="4" fill="hold">
+                            <p:stCondLst>
+                              <p:cond delay="0"/>
+                            </p:stCondLst>
+                            <p:childTnLst>
+                              <p:par>
+                                <p:cTn id="5" presetID="1" presetClass="exit" presetSubtype="0" fill="hold" grpId="0" nodeType="clickEffect">
+                                  <p:stCondLst>
+                                    <p:cond delay="0"/>
+                                  </p:stCondLst>
+                                  <p:childTnLst>
+                                    <p:set>
+                                      <p:cBhvr>
+                                        <p:cTn id="6" dur="1" fill="hold">
+                                          <p:stCondLst>
+                                            <p:cond delay="0"/>
+                                          </p:stCondLst>
+                                        </p:cTn>
+                                        <p:tgtEl>
+                                          <p:spTgt spid="7"/>
+                                        </p:tgtEl>
+                                        <p:attrNameLst>
+                                          <p:attrName>style.visibility</p:attrName>
+                                        </p:attrNameLst>
+                                      </p:cBhvr>
+                                      <p:to>
+                                        <p:strVal val="hidden"/>
+                                      </p:to>
+                                    </p:set>
+                                  </p:childTnLst>
+                                </p:cTn>
+                              </p:par>
+                              <p:par>
+                                <p:cTn id="7" presetID="10" presetClass="entr" presetSubtype="0" fill="hold" grpId="0" nodeType="withEffect">
+                                  <p:stCondLst>
+                                    <p:cond delay="0"/>
+                                  </p:stCondLst>
+                                  <p:childTnLst>
+                                    <p:set>
+                                      <p:cBhvr>
+                                        <p:cTn id="8" dur="1" fill="hold">
+                                          <p:stCondLst>
+                                            <p:cond delay="0"/>
+                                          </p:stCondLst>
+                                        </p:cTn>
+                                        <p:tgtEl>
+                                          <p:spTgt spid="6"/>
+                                        </p:tgtEl>
+                                        <p:attrNameLst>
+                                          <p:attrName>style.visibility</p:attrName>
+                                        </p:attrNameLst>
+                                      </p:cBhvr>
+                                      <p:to>
+                                        <p:strVal val="visible"/>
+                                      </p:to>
+                                    </p:set>
+                                    <p:animEffect transition="in" filter="fade">
+                                      <p:cBhvr>
+                                        <p:cTn id="9" dur="500"/>
+                                        <p:tgtEl>
+                                          <p:spTgt spid="6"/>
+                                        </p:tgtEl>
+                                      </p:cBhvr>
+                                    </p:animEffect>
+                                  </p:childTnLst>
+                                </p:cTn>
+                              </p:par>
+                            </p:childTnLst>
+                          </p:cTn>
+                        </p:par>
+                      </p:childTnLst>
+                    </p:cTn>
+                  </p:par>
+                </p:childTnLst>
+              </p:cTn>
+              <p:prevCondLst>
+                <p:cond evt="onPrev" delay="0">
+                  <p:tgtEl>
+                    <p:sldTgt/>
+                  </p:tgtEl>
+                </p:cond>
+              </p:prevCondLst>
+              <p:nextCondLst>
+                <p:cond evt="onNext" delay="0">
+                  <p:tgtEl>
+                    <p:sldTgt/>
+                  </p:tgtEl>
+                </p:cond>
+              </p:nextCondLst>
+            </p:seq>
+          </p:childTnLst>
+        </p:cTn>
+      </p:par>
+    </p:tnLst>
+    <p:bldLst>
+      <p:bldP spid="6" grpId="0"/>
+      <p:bldP spid="7" grpId="0" animBg="1"/>
+    </p:bldLst>
+  </p:timing>
+</p:sld>
+</file>
+
+<file path=ppt/slides/slide31.xml><?xml version="1.0" encoding="utf-8"?>
+<p:sld xmlns:a="http://schemas.openxmlformats.org/drawingml/2006/main" xmlns:r="http://schemas.openxmlformats.org/officeDocument/2006/relationships" xmlns:p="http://schemas.openxmlformats.org/presentationml/2006/main">
+  <p:cSld>
+    <p:spTree>
+      <p:nvGrpSpPr>
+        <p:cNvPr id="1" name=""/>
+        <p:cNvGrpSpPr/>
+        <p:nvPr/>
+      </p:nvGrpSpPr>
+      <p:grpSpPr>
+        <a:xfrm>
+          <a:off x="0" y="0"/>
+          <a:ext cx="0" cy="0"/>
+          <a:chOff x="0" y="0"/>
+          <a:chExt cx="0" cy="0"/>
+        </a:xfrm>
+      </p:grpSpPr>
+      <p:graphicFrame>
+        <p:nvGraphicFramePr>
+          <p:cNvPr id="24" name="Object 23"/>
+          <p:cNvGraphicFramePr>
+            <a:graphicFrameLocks noChangeAspect="1"/>
+          </p:cNvGraphicFramePr>
+          <p:nvPr>
+            <p:extLst>
+              <p:ext uri="{D42A27DB-BD31-4B8C-83A1-F6EECF244321}">
+                <p14:modId xmlns:p14="http://schemas.microsoft.com/office/powerpoint/2010/main" val="4046428985"/>
+              </p:ext>
+            </p:extLst>
+          </p:nvPr>
+        </p:nvGraphicFramePr>
+        <p:xfrm>
+          <a:off x="1397794" y="1282700"/>
+          <a:ext cx="6484937" cy="1689100"/>
+        </p:xfrm>
+        <a:graphic>
+          <a:graphicData uri="http://schemas.openxmlformats.org/presentationml/2006/ole">
+            <mc:AlternateContent xmlns:mc="http://schemas.openxmlformats.org/markup-compatibility/2006">
+              <mc:Choice xmlns:v="urn:schemas-microsoft-com:vml" Requires="v">
+                <p:oleObj spid="_x0000_s481326" name="Equation" r:id="rId4" imgW="1854200" imgH="482600" progId="Equation.DSMT4">
+                  <p:embed/>
+                </p:oleObj>
+              </mc:Choice>
+              <mc:Fallback>
+                <p:oleObj name="Equation" r:id="rId4" imgW="1854200" imgH="482600" progId="Equation.DSMT4">
+                  <p:embed/>
+                  <p:pic>
+                    <p:nvPicPr>
+                      <p:cNvPr id="0" name=""/>
+                      <p:cNvPicPr/>
+                      <p:nvPr/>
+                    </p:nvPicPr>
+                    <p:blipFill>
+                      <a:blip r:embed="rId5"/>
+                      <a:stretch>
+                        <a:fillRect/>
+                      </a:stretch>
+                    </p:blipFill>
+                    <p:spPr>
+                      <a:xfrm>
+                        <a:off x="1397794" y="1282700"/>
+                        <a:ext cx="6484937" cy="1689100"/>
+                      </a:xfrm>
+                      <a:prstGeom prst="rect">
+                        <a:avLst/>
+                      </a:prstGeom>
+                    </p:spPr>
+                  </p:pic>
+                </p:oleObj>
+              </mc:Fallback>
+            </mc:AlternateContent>
+          </a:graphicData>
+        </a:graphic>
+      </p:graphicFrame>
+      <p:sp>
+        <p:nvSpPr>
+          <p:cNvPr id="4" name="Slide Number Placeholder 2"/>
+          <p:cNvSpPr>
+            <a:spLocks noGrp="1"/>
+          </p:cNvSpPr>
+          <p:nvPr>
+            <p:ph type="sldNum" sz="quarter" idx="10"/>
+          </p:nvPr>
+        </p:nvSpPr>
+        <p:spPr>
+          <a:xfrm>
+            <a:off x="7333815" y="6553200"/>
+            <a:ext cx="1810186" cy="276999"/>
+          </a:xfrm>
+        </p:spPr>
+        <p:txBody>
+          <a:bodyPr/>
+          <a:lstStyle/>
+          <a:p>
+            <a:r>
+              <a:rPr lang="en-US" dirty="0" smtClean="0"/>
+              <a:t>propositional algebra.</a:t>
+            </a:r>
+            <a:fld id="{3251DA95-B240-47FE-901D-B78FC8E8E532}" type="slidenum">
+              <a:rPr lang="en-US" smtClean="0"/>
+              <a:pPr/>
+              <a:t>31</a:t>
+            </a:fld>
+            <a:endParaRPr lang="en-US" dirty="0"/>
+          </a:p>
+        </p:txBody>
+      </p:sp>
+      <p:sp>
+        <p:nvSpPr>
+          <p:cNvPr id="7" name="Title 1"/>
+          <p:cNvSpPr>
+            <a:spLocks noGrp="1"/>
+          </p:cNvSpPr>
+          <p:nvPr>
+            <p:ph type="title"/>
+          </p:nvPr>
+        </p:nvSpPr>
+        <p:spPr>
+          <a:xfrm>
+            <a:off x="1651000" y="363538"/>
+            <a:ext cx="6794500" cy="1003300"/>
+          </a:xfrm>
+        </p:spPr>
+        <p:txBody>
+          <a:bodyPr/>
+          <a:lstStyle/>
+          <a:p>
+            <a:r>
+              <a:rPr lang="en-US" sz="4000" dirty="0" smtClean="0">
+                <a:solidFill>
+                  <a:srgbClr val="FF03E3"/>
+                </a:solidFill>
+              </a:rPr>
+              <a:t>example</a:t>
+            </a:r>
+            <a:endParaRPr lang="en-US" sz="4000" dirty="0">
+              <a:solidFill>
+                <a:srgbClr val="FF03E3"/>
+              </a:solidFill>
+            </a:endParaRPr>
+          </a:p>
+        </p:txBody>
+      </p:sp>
+      <p:sp>
+        <p:nvSpPr>
+          <p:cNvPr id="8" name="TextBox 7"/>
+          <p:cNvSpPr txBox="1"/>
+          <p:nvPr/>
+        </p:nvSpPr>
+        <p:spPr>
+          <a:xfrm>
+            <a:off x="5372100" y="3067903"/>
+            <a:ext cx="2565726" cy="830997"/>
+          </a:xfrm>
+          <a:prstGeom prst="rect">
+            <a:avLst/>
+          </a:prstGeom>
+          <a:noFill/>
+        </p:spPr>
+        <p:txBody>
+          <a:bodyPr wrap="none" rtlCol="0">
+            <a:spAutoFit/>
+          </a:bodyPr>
+          <a:lstStyle/>
+          <a:p>
+            <a:pPr algn="l"/>
+            <a:r>
+              <a:rPr lang="en-US" sz="4800" dirty="0" smtClean="0">
+                <a:solidFill>
+                  <a:srgbClr val="FF03E3"/>
+                </a:solidFill>
+                <a:latin typeface="Comic Sans MS" pitchFamily="66" charset="0"/>
+              </a:rPr>
+              <a:t>Simplify </a:t>
+            </a:r>
+            <a:endParaRPr lang="en-US" sz="4800" dirty="0" smtClean="0">
+              <a:latin typeface="Comic Sans MS" pitchFamily="66" charset="0"/>
+            </a:endParaRPr>
+          </a:p>
+        </p:txBody>
+      </p:sp>
+    </p:spTree>
+    <p:extLst>
+      <p:ext uri="{BB962C8B-B14F-4D97-AF65-F5344CB8AC3E}">
+        <p14:creationId xmlns:p14="http://schemas.microsoft.com/office/powerpoint/2010/main" val="2859233029"/>
+      </p:ext>
+    </p:extLst>
+  </p:cSld>
+  <p:clrMapOvr>
+    <a:masterClrMapping/>
+  </p:clrMapOvr>
+  <mc:AlternateContent xmlns:mc="http://schemas.openxmlformats.org/markup-compatibility/2006" xmlns:p14="http://schemas.microsoft.com/office/powerpoint/2010/main">
+    <mc:Choice Requires="p14">
+      <p:transition p14:dur="300" advClick="0">
+        <p:fade/>
+      </p:transition>
+    </mc:Choice>
+    <mc:Fallback xmlns="">
+      <p:transition xmlns:p14="http://schemas.microsoft.com/office/powerpoint/2010/main" advClick="0">
+        <p:fade/>
+      </p:transition>
+    </mc:Fallback>
+  </mc:AlternateContent>
+  <p:timing>
+    <p:tnLst>
+      <p:par>
+        <p:cTn xmlns:p14="http://schemas.microsoft.com/office/powerpoint/2010/main" id="1" dur="indefinite" restart="never" nodeType="tmRoot"/>
+      </p:par>
+    </p:tnLst>
+  </p:timing>
+</p:sld>
+</file>
+
+<file path=ppt/slides/slide32.xml><?xml version="1.0" encoding="utf-8"?>
+<p:sld xmlns:a="http://schemas.openxmlformats.org/drawingml/2006/main" xmlns:r="http://schemas.openxmlformats.org/officeDocument/2006/relationships" xmlns:p="http://schemas.openxmlformats.org/presentationml/2006/main">
+  <p:cSld>
+    <p:spTree>
+      <p:nvGrpSpPr>
+        <p:cNvPr id="1" name=""/>
+        <p:cNvGrpSpPr/>
+        <p:nvPr/>
+      </p:nvGrpSpPr>
+      <p:grpSpPr>
+        <a:xfrm>
+          <a:off x="0" y="0"/>
+          <a:ext cx="0" cy="0"/>
+          <a:chOff x="0" y="0"/>
+          <a:chExt cx="0" cy="0"/>
+        </a:xfrm>
+      </p:grpSpPr>
+      <p:graphicFrame>
+        <p:nvGraphicFramePr>
+          <p:cNvPr id="24" name="Object 23"/>
+          <p:cNvGraphicFramePr>
+            <a:graphicFrameLocks noChangeAspect="1"/>
+          </p:cNvGraphicFramePr>
+          <p:nvPr>
+            <p:extLst>
+              <p:ext uri="{D42A27DB-BD31-4B8C-83A1-F6EECF244321}">
                 <p14:modId xmlns:p14="http://schemas.microsoft.com/office/powerpoint/2010/main" val="2517679757"/>
               </p:ext>
             </p:extLst>
@@ -14984,7 +16112,7 @@
           <a:graphicData uri="http://schemas.openxmlformats.org/presentationml/2006/ole">
             <mc:AlternateContent xmlns:mc="http://schemas.openxmlformats.org/markup-compatibility/2006">
               <mc:Choice xmlns:v="urn:schemas-microsoft-com:vml" Requires="v">
-                <p:oleObj spid="_x0000_s528406" name="Equation" r:id="rId4" imgW="1803400" imgH="482600" progId="Equation.DSMT4">
+                <p:oleObj spid="_x0000_s528413" name="Equation" r:id="rId4" imgW="1803400" imgH="482600" progId="Equation.DSMT4">
                   <p:embed/>
                 </p:oleObj>
               </mc:Choice>
@@ -15046,7 +16174,7 @@
             <a:fld id="{3251DA95-B240-47FE-901D-B78FC8E8E532}" type="slidenum">
               <a:rPr lang="en-US" smtClean="0"/>
               <a:pPr/>
-              <a:t>30</a:t>
+              <a:t>32</a:t>
             </a:fld>
             <a:endParaRPr lang="en-US" dirty="0"/>
           </a:p>
@@ -15111,7 +16239,7 @@
 </p:sld>
 </file>
 
-<file path=ppt/slides/slide31.xml><?xml version="1.0" encoding="utf-8"?>
+<file path=ppt/slides/slide33.xml><?xml version="1.0" encoding="utf-8"?>
 <p:sld xmlns:a="http://schemas.openxmlformats.org/drawingml/2006/main" xmlns:r="http://schemas.openxmlformats.org/officeDocument/2006/relationships" xmlns:p="http://schemas.openxmlformats.org/presentationml/2006/main">
   <p:cSld>
     <p:spTree>
@@ -15155,7 +16283,7 @@
             <a:fld id="{3251DA95-B240-47FE-901D-B78FC8E8E532}" type="slidenum">
               <a:rPr lang="en-US" smtClean="0"/>
               <a:pPr/>
-              <a:t>31</a:t>
+              <a:t>33</a:t>
             </a:fld>
             <a:endParaRPr lang="en-US" dirty="0"/>
           </a:p>
@@ -15183,7 +16311,7 @@
           <a:graphicData uri="http://schemas.openxmlformats.org/presentationml/2006/ole">
             <mc:AlternateContent xmlns:mc="http://schemas.openxmlformats.org/markup-compatibility/2006">
               <mc:Choice xmlns:v="urn:schemas-microsoft-com:vml" Requires="v">
-                <p:oleObj spid="_x0000_s447538" name="Equation" r:id="rId4" imgW="2514600" imgH="254000" progId="Equation.DSMT4">
+                <p:oleObj spid="_x0000_s447545" name="Equation" r:id="rId4" imgW="2514600" imgH="254000" progId="Equation.DSMT4">
                   <p:embed/>
                 </p:oleObj>
               </mc:Choice>
@@ -15471,7 +16599,7 @@
 </p:sld>
 </file>
 
-<file path=ppt/slides/slide32.xml><?xml version="1.0" encoding="utf-8"?>
+<file path=ppt/slides/slide34.xml><?xml version="1.0" encoding="utf-8"?>
 <p:sld xmlns:a="http://schemas.openxmlformats.org/drawingml/2006/main" xmlns:r="http://schemas.openxmlformats.org/officeDocument/2006/relationships" xmlns:p="http://schemas.openxmlformats.org/presentationml/2006/main">
   <p:cSld>
     <p:spTree>
@@ -15515,7 +16643,7 @@
             <a:fld id="{3251DA95-B240-47FE-901D-B78FC8E8E532}" type="slidenum">
               <a:rPr lang="en-US" smtClean="0"/>
               <a:pPr/>
-              <a:t>32</a:t>
+              <a:t>34</a:t>
             </a:fld>
             <a:endParaRPr lang="en-US" dirty="0"/>
           </a:p>
@@ -15543,7 +16671,7 @@
           <a:graphicData uri="http://schemas.openxmlformats.org/presentationml/2006/ole">
             <mc:AlternateContent xmlns:mc="http://schemas.openxmlformats.org/markup-compatibility/2006">
               <mc:Choice xmlns:v="urn:schemas-microsoft-com:vml" Requires="v">
-                <p:oleObj spid="_x0000_s449630" name="Equation" r:id="rId4" imgW="698500" imgH="254000" progId="Equation.DSMT4">
+                <p:oleObj spid="_x0000_s449642" name="Equation" r:id="rId4" imgW="698500" imgH="254000" progId="Equation.DSMT4">
                   <p:embed/>
                 </p:oleObj>
               </mc:Choice>
@@ -15600,7 +16728,7 @@
           <a:graphicData uri="http://schemas.openxmlformats.org/presentationml/2006/ole">
             <mc:AlternateContent xmlns:mc="http://schemas.openxmlformats.org/markup-compatibility/2006">
               <mc:Choice xmlns:v="urn:schemas-microsoft-com:vml" Requires="v">
-                <p:oleObj spid="_x0000_s449631" name="Equation" r:id="rId6" imgW="1651000" imgH="254000" progId="Equation.DSMT4">
+                <p:oleObj spid="_x0000_s449643" name="Equation" r:id="rId6" imgW="1651000" imgH="254000" progId="Equation.DSMT4">
                   <p:embed/>
                 </p:oleObj>
               </mc:Choice>
@@ -15939,7 +17067,7 @@
 </p:sld>
 </file>
 
-<file path=ppt/slides/slide33.xml><?xml version="1.0" encoding="utf-8"?>
+<file path=ppt/slides/slide35.xml><?xml version="1.0" encoding="utf-8"?>
 <p:sld xmlns:a="http://schemas.openxmlformats.org/drawingml/2006/main" xmlns:r="http://schemas.openxmlformats.org/officeDocument/2006/relationships" xmlns:p="http://schemas.openxmlformats.org/presentationml/2006/main">
   <p:cSld>
     <p:spTree>
@@ -15983,7 +17111,7 @@
             <a:fld id="{3251DA95-B240-47FE-901D-B78FC8E8E532}" type="slidenum">
               <a:rPr lang="en-US" smtClean="0"/>
               <a:pPr/>
-              <a:t>33</a:t>
+              <a:t>35</a:t>
             </a:fld>
             <a:endParaRPr lang="en-US" dirty="0"/>
           </a:p>
@@ -16011,7 +17139,7 @@
           <a:graphicData uri="http://schemas.openxmlformats.org/presentationml/2006/ole">
             <mc:AlternateContent xmlns:mc="http://schemas.openxmlformats.org/markup-compatibility/2006">
               <mc:Choice xmlns:v="urn:schemas-microsoft-com:vml" Requires="v">
-                <p:oleObj spid="_x0000_s506964" name="Equation" r:id="rId4" imgW="698500" imgH="254000" progId="Equation.DSMT4">
+                <p:oleObj spid="_x0000_s506981" name="Equation" r:id="rId4" imgW="698500" imgH="254000" progId="Equation.DSMT4">
                   <p:embed/>
                 </p:oleObj>
               </mc:Choice>
@@ -16068,7 +17196,7 @@
           <a:graphicData uri="http://schemas.openxmlformats.org/presentationml/2006/ole">
             <mc:AlternateContent xmlns:mc="http://schemas.openxmlformats.org/markup-compatibility/2006">
               <mc:Choice xmlns:v="urn:schemas-microsoft-com:vml" Requires="v">
-                <p:oleObj spid="_x0000_s506965" name="Equation" r:id="rId6" imgW="1651000" imgH="254000" progId="Equation.DSMT4">
+                <p:oleObj spid="_x0000_s506982" name="Equation" r:id="rId6" imgW="1651000" imgH="254000" progId="Equation.DSMT4">
                   <p:embed/>
                 </p:oleObj>
               </mc:Choice>
@@ -16125,7 +17253,7 @@
           <a:graphicData uri="http://schemas.openxmlformats.org/presentationml/2006/ole">
             <mc:AlternateContent xmlns:mc="http://schemas.openxmlformats.org/markup-compatibility/2006">
               <mc:Choice xmlns:v="urn:schemas-microsoft-com:vml" Requires="v">
-                <p:oleObj spid="_x0000_s506966" name="Equation" r:id="rId8" imgW="1333500" imgH="482600" progId="Equation.DSMT4">
+                <p:oleObj spid="_x0000_s506983" name="Equation" r:id="rId8" imgW="1333500" imgH="482600" progId="Equation.DSMT4">
                   <p:embed/>
                 </p:oleObj>
               </mc:Choice>
@@ -16353,7 +17481,7 @@
 </p:sld>
 </file>
 
-<file path=ppt/slides/slide34.xml><?xml version="1.0" encoding="utf-8"?>
+<file path=ppt/slides/slide36.xml><?xml version="1.0" encoding="utf-8"?>
 <p:sld xmlns:a="http://schemas.openxmlformats.org/drawingml/2006/main" xmlns:r="http://schemas.openxmlformats.org/officeDocument/2006/relationships" xmlns:p="http://schemas.openxmlformats.org/presentationml/2006/main">
   <p:cSld>
     <p:spTree>
@@ -16397,7 +17525,7 @@
             <a:fld id="{3251DA95-B240-47FE-901D-B78FC8E8E532}" type="slidenum">
               <a:rPr lang="en-US" smtClean="0"/>
               <a:pPr/>
-              <a:t>34</a:t>
+              <a:t>36</a:t>
             </a:fld>
             <a:endParaRPr lang="en-US" dirty="0"/>
           </a:p>
@@ -16425,7 +17553,7 @@
           <a:graphicData uri="http://schemas.openxmlformats.org/presentationml/2006/ole">
             <mc:AlternateContent xmlns:mc="http://schemas.openxmlformats.org/markup-compatibility/2006">
               <mc:Choice xmlns:v="urn:schemas-microsoft-com:vml" Requires="v">
-                <p:oleObj spid="_x0000_s507977" name="Equation" r:id="rId4" imgW="698500" imgH="254000" progId="Equation.DSMT4">
+                <p:oleObj spid="_x0000_s507989" name="Equation" r:id="rId4" imgW="698500" imgH="254000" progId="Equation.DSMT4">
                   <p:embed/>
                 </p:oleObj>
               </mc:Choice>
@@ -16482,7 +17610,7 @@
           <a:graphicData uri="http://schemas.openxmlformats.org/presentationml/2006/ole">
             <mc:AlternateContent xmlns:mc="http://schemas.openxmlformats.org/markup-compatibility/2006">
               <mc:Choice xmlns:v="urn:schemas-microsoft-com:vml" Requires="v">
-                <p:oleObj spid="_x0000_s507978" name="Equation" r:id="rId6" imgW="1333500" imgH="482600" progId="Equation.DSMT4">
+                <p:oleObj spid="_x0000_s507990" name="Equation" r:id="rId6" imgW="1333500" imgH="482600" progId="Equation.DSMT4">
                   <p:embed/>
                 </p:oleObj>
               </mc:Choice>
@@ -16772,7 +17900,7 @@
 </p:sld>
 </file>
 
-<file path=ppt/slides/slide35.xml><?xml version="1.0" encoding="utf-8"?>
+<file path=ppt/slides/slide37.xml><?xml version="1.0" encoding="utf-8"?>
 <p:sld xmlns:a="http://schemas.openxmlformats.org/drawingml/2006/main" xmlns:r="http://schemas.openxmlformats.org/officeDocument/2006/relationships" xmlns:p="http://schemas.openxmlformats.org/presentationml/2006/main">
   <p:cSld>
     <p:spTree>
@@ -16866,7 +17994,7 @@
             <a:fld id="{3251DA95-B240-47FE-901D-B78FC8E8E532}" type="slidenum">
               <a:rPr lang="en-US" smtClean="0"/>
               <a:pPr/>
-              <a:t>35</a:t>
+              <a:t>37</a:t>
             </a:fld>
             <a:endParaRPr lang="en-US" dirty="0"/>
           </a:p>
@@ -16894,7 +18022,7 @@
           <a:graphicData uri="http://schemas.openxmlformats.org/presentationml/2006/ole">
             <mc:AlternateContent xmlns:mc="http://schemas.openxmlformats.org/markup-compatibility/2006">
               <mc:Choice xmlns:v="urn:schemas-microsoft-com:vml" Requires="v">
-                <p:oleObj spid="_x0000_s522280" name="Equation" r:id="rId4" imgW="1600200" imgH="215900" progId="Equation.DSMT4">
+                <p:oleObj spid="_x0000_s522292" name="Equation" r:id="rId4" imgW="1600200" imgH="215900" progId="Equation.DSMT4">
                   <p:embed/>
                 </p:oleObj>
               </mc:Choice>
@@ -16951,7 +18079,7 @@
           <a:graphicData uri="http://schemas.openxmlformats.org/presentationml/2006/ole">
             <mc:AlternateContent xmlns:mc="http://schemas.openxmlformats.org/markup-compatibility/2006">
               <mc:Choice xmlns:v="urn:schemas-microsoft-com:vml" Requires="v">
-                <p:oleObj spid="_x0000_s522281" name="Equation" r:id="rId6" imgW="1397000" imgH="457200" progId="Equation.DSMT4">
+                <p:oleObj spid="_x0000_s522293" name="Equation" r:id="rId6" imgW="1397000" imgH="457200" progId="Equation.DSMT4">
                   <p:embed/>
                 </p:oleObj>
               </mc:Choice>
@@ -17288,7 +18416,7 @@
 </p:sld>
 </file>
 
-<file path=ppt/slides/slide36.xml><?xml version="1.0" encoding="utf-8"?>
+<file path=ppt/slides/slide38.xml><?xml version="1.0" encoding="utf-8"?>
 <p:sld xmlns:a="http://schemas.openxmlformats.org/drawingml/2006/main" xmlns:r="http://schemas.openxmlformats.org/officeDocument/2006/relationships" xmlns:p="http://schemas.openxmlformats.org/presentationml/2006/main">
   <p:cSld>
     <p:spTree>
@@ -17332,7 +18460,7 @@
             <a:fld id="{3251DA95-B240-47FE-901D-B78FC8E8E532}" type="slidenum">
               <a:rPr lang="en-US" smtClean="0"/>
               <a:pPr/>
-              <a:t>36</a:t>
+              <a:t>38</a:t>
             </a:fld>
             <a:endParaRPr lang="en-US" dirty="0"/>
           </a:p>
@@ -17360,7 +18488,7 @@
           <a:graphicData uri="http://schemas.openxmlformats.org/presentationml/2006/ole">
             <mc:AlternateContent xmlns:mc="http://schemas.openxmlformats.org/markup-compatibility/2006">
               <mc:Choice xmlns:v="urn:schemas-microsoft-com:vml" Requires="v">
-                <p:oleObj spid="_x0000_s461874" name="Equation" r:id="rId4" imgW="1333500" imgH="482600" progId="Equation.DSMT4">
+                <p:oleObj spid="_x0000_s461881" name="Equation" r:id="rId4" imgW="1333500" imgH="482600" progId="Equation.DSMT4">
                   <p:embed/>
                 </p:oleObj>
               </mc:Choice>
@@ -17640,7 +18768,7 @@
 </p:sld>
 </file>
 
-<file path=ppt/slides/slide37.xml><?xml version="1.0" encoding="utf-8"?>
+<file path=ppt/slides/slide39.xml><?xml version="1.0" encoding="utf-8"?>
 <p:sld xmlns:a="http://schemas.openxmlformats.org/drawingml/2006/main" xmlns:r="http://schemas.openxmlformats.org/officeDocument/2006/relationships" xmlns:p="http://schemas.openxmlformats.org/presentationml/2006/main">
   <p:cSld>
     <p:spTree>
@@ -17684,7 +18812,7 @@
             <a:fld id="{3251DA95-B240-47FE-901D-B78FC8E8E532}" type="slidenum">
               <a:rPr lang="en-US" smtClean="0"/>
               <a:pPr/>
-              <a:t>37</a:t>
+              <a:t>39</a:t>
             </a:fld>
             <a:endParaRPr lang="en-US" dirty="0"/>
           </a:p>
@@ -17712,7 +18840,7 @@
           <a:graphicData uri="http://schemas.openxmlformats.org/presentationml/2006/ole">
             <mc:AlternateContent xmlns:mc="http://schemas.openxmlformats.org/markup-compatibility/2006">
               <mc:Choice xmlns:v="urn:schemas-microsoft-com:vml" Requires="v">
-                <p:oleObj spid="_x0000_s523303" name="Equation" r:id="rId4" imgW="1333500" imgH="482600" progId="Equation.DSMT4">
+                <p:oleObj spid="_x0000_s523310" name="Equation" r:id="rId4" imgW="1333500" imgH="482600" progId="Equation.DSMT4">
                   <p:embed/>
                 </p:oleObj>
               </mc:Choice>
@@ -17815,642 +18943,6 @@
 </p:sld>
 </file>
 
-<file path=ppt/slides/slide38.xml><?xml version="1.0" encoding="utf-8"?>
-<p:sld xmlns:a="http://schemas.openxmlformats.org/drawingml/2006/main" xmlns:r="http://schemas.openxmlformats.org/officeDocument/2006/relationships" xmlns:p="http://schemas.openxmlformats.org/presentationml/2006/main">
-  <p:cSld>
-    <p:spTree>
-      <p:nvGrpSpPr>
-        <p:cNvPr id="1" name=""/>
-        <p:cNvGrpSpPr/>
-        <p:nvPr/>
-      </p:nvGrpSpPr>
-      <p:grpSpPr>
-        <a:xfrm>
-          <a:off x="0" y="0"/>
-          <a:ext cx="0" cy="0"/>
-          <a:chOff x="0" y="0"/>
-          <a:chExt cx="0" cy="0"/>
-        </a:xfrm>
-      </p:grpSpPr>
-      <p:sp>
-        <p:nvSpPr>
-          <p:cNvPr id="4" name="Slide Number Placeholder 2"/>
-          <p:cNvSpPr>
-            <a:spLocks noGrp="1"/>
-          </p:cNvSpPr>
-          <p:nvPr>
-            <p:ph type="sldNum" sz="quarter" idx="10"/>
-          </p:nvPr>
-        </p:nvSpPr>
-        <p:spPr>
-          <a:xfrm>
-            <a:off x="7333815" y="6553200"/>
-            <a:ext cx="1810186" cy="276999"/>
-          </a:xfrm>
-        </p:spPr>
-        <p:txBody>
-          <a:bodyPr/>
-          <a:lstStyle/>
-          <a:p>
-            <a:r>
-              <a:rPr lang="en-US" dirty="0" smtClean="0"/>
-              <a:t>propositional algebra.</a:t>
-            </a:r>
-            <a:fld id="{3251DA95-B240-47FE-901D-B78FC8E8E532}" type="slidenum">
-              <a:rPr lang="en-US" smtClean="0"/>
-              <a:pPr/>
-              <a:t>38</a:t>
-            </a:fld>
-            <a:endParaRPr lang="en-US" dirty="0"/>
-          </a:p>
-        </p:txBody>
-      </p:sp>
-      <p:graphicFrame>
-        <p:nvGraphicFramePr>
-          <p:cNvPr id="6" name="Object 5"/>
-          <p:cNvGraphicFramePr>
-            <a:graphicFrameLocks noChangeAspect="1"/>
-          </p:cNvGraphicFramePr>
-          <p:nvPr>
-            <p:extLst>
-              <p:ext uri="{D42A27DB-BD31-4B8C-83A1-F6EECF244321}">
-                <p14:modId xmlns:p14="http://schemas.microsoft.com/office/powerpoint/2010/main" val="785072527"/>
-              </p:ext>
-            </p:extLst>
-          </p:nvPr>
-        </p:nvGraphicFramePr>
-        <p:xfrm>
-          <a:off x="2007460" y="1270160"/>
-          <a:ext cx="5100694" cy="1847851"/>
-        </p:xfrm>
-        <a:graphic>
-          <a:graphicData uri="http://schemas.openxmlformats.org/presentationml/2006/ole">
-            <mc:AlternateContent xmlns:mc="http://schemas.openxmlformats.org/markup-compatibility/2006">
-              <mc:Choice xmlns:v="urn:schemas-microsoft-com:vml" Requires="v">
-                <p:oleObj spid="_x0000_s542735" name="Equation" r:id="rId4" imgW="1333500" imgH="482600" progId="Equation.DSMT4">
-                  <p:embed/>
-                </p:oleObj>
-              </mc:Choice>
-              <mc:Fallback>
-                <p:oleObj name="Equation" r:id="rId4" imgW="1333500" imgH="482600" progId="Equation.DSMT4">
-                  <p:embed/>
-                  <p:pic>
-                    <p:nvPicPr>
-                      <p:cNvPr id="0" name=""/>
-                      <p:cNvPicPr/>
-                      <p:nvPr/>
-                    </p:nvPicPr>
-                    <p:blipFill>
-                      <a:blip r:embed="rId5"/>
-                      <a:stretch>
-                        <a:fillRect/>
-                      </a:stretch>
-                    </p:blipFill>
-                    <p:spPr>
-                      <a:xfrm>
-                        <a:off x="2007460" y="1270160"/>
-                        <a:ext cx="5100694" cy="1847851"/>
-                      </a:xfrm>
-                      <a:prstGeom prst="rect">
-                        <a:avLst/>
-                      </a:prstGeom>
-                    </p:spPr>
-                  </p:pic>
-                </p:oleObj>
-              </mc:Fallback>
-            </mc:AlternateContent>
-          </a:graphicData>
-        </a:graphic>
-      </p:graphicFrame>
-      <p:sp>
-        <p:nvSpPr>
-          <p:cNvPr id="8" name="Title 1"/>
-          <p:cNvSpPr>
-            <a:spLocks noGrp="1"/>
-          </p:cNvSpPr>
-          <p:nvPr>
-            <p:ph type="title"/>
-          </p:nvPr>
-        </p:nvSpPr>
-        <p:spPr>
-          <a:xfrm>
-            <a:off x="1651000" y="363538"/>
-            <a:ext cx="6794500" cy="1003300"/>
-          </a:xfrm>
-        </p:spPr>
-        <p:txBody>
-          <a:bodyPr/>
-          <a:lstStyle/>
-          <a:p>
-            <a:r>
-              <a:rPr lang="en-US" sz="4000" dirty="0" smtClean="0">
-                <a:solidFill>
-                  <a:srgbClr val="FF03E3"/>
-                </a:solidFill>
-              </a:rPr>
-              <a:t>example</a:t>
-            </a:r>
-            <a:endParaRPr lang="en-US" sz="4000" dirty="0">
-              <a:solidFill>
-                <a:srgbClr val="FF03E3"/>
-              </a:solidFill>
-            </a:endParaRPr>
-          </a:p>
-        </p:txBody>
-      </p:sp>
-    </p:spTree>
-    <p:extLst>
-      <p:ext uri="{BB962C8B-B14F-4D97-AF65-F5344CB8AC3E}">
-        <p14:creationId xmlns:p14="http://schemas.microsoft.com/office/powerpoint/2010/main" val="2741329689"/>
-      </p:ext>
-    </p:extLst>
-  </p:cSld>
-  <p:clrMapOvr>
-    <a:masterClrMapping/>
-  </p:clrMapOvr>
-  <mc:AlternateContent xmlns:mc="http://schemas.openxmlformats.org/markup-compatibility/2006" xmlns:p14="http://schemas.microsoft.com/office/powerpoint/2010/main">
-    <mc:Choice Requires="p14">
-      <p:transition spd="med" p14:dur="600" advClick="0">
-        <p:fade/>
-      </p:transition>
-    </mc:Choice>
-    <mc:Fallback xmlns="">
-      <p:transition xmlns:p14="http://schemas.microsoft.com/office/powerpoint/2010/main" spd="med" advClick="0">
-        <p:fade/>
-      </p:transition>
-    </mc:Fallback>
-  </mc:AlternateContent>
-  <p:timing>
-    <p:tnLst>
-      <p:par>
-        <p:cTn xmlns:p14="http://schemas.microsoft.com/office/powerpoint/2010/main" id="1" dur="indefinite" restart="never" nodeType="tmRoot"/>
-      </p:par>
-    </p:tnLst>
-  </p:timing>
-</p:sld>
-</file>
-
-<file path=ppt/slides/slide39.xml><?xml version="1.0" encoding="utf-8"?>
-<p:sld xmlns:a="http://schemas.openxmlformats.org/drawingml/2006/main" xmlns:r="http://schemas.openxmlformats.org/officeDocument/2006/relationships" xmlns:p="http://schemas.openxmlformats.org/presentationml/2006/main">
-  <p:cSld>
-    <p:spTree>
-      <p:nvGrpSpPr>
-        <p:cNvPr id="1" name=""/>
-        <p:cNvGrpSpPr/>
-        <p:nvPr/>
-      </p:nvGrpSpPr>
-      <p:grpSpPr>
-        <a:xfrm>
-          <a:off x="0" y="0"/>
-          <a:ext cx="0" cy="0"/>
-          <a:chOff x="0" y="0"/>
-          <a:chExt cx="0" cy="0"/>
-        </a:xfrm>
-      </p:grpSpPr>
-      <p:sp>
-        <p:nvSpPr>
-          <p:cNvPr id="4" name="Slide Number Placeholder 2"/>
-          <p:cNvSpPr>
-            <a:spLocks noGrp="1"/>
-          </p:cNvSpPr>
-          <p:nvPr>
-            <p:ph type="sldNum" sz="quarter" idx="10"/>
-          </p:nvPr>
-        </p:nvSpPr>
-        <p:spPr>
-          <a:xfrm>
-            <a:off x="7333815" y="6553200"/>
-            <a:ext cx="1810186" cy="276999"/>
-          </a:xfrm>
-        </p:spPr>
-        <p:txBody>
-          <a:bodyPr/>
-          <a:lstStyle/>
-          <a:p>
-            <a:r>
-              <a:rPr lang="en-US" dirty="0" smtClean="0"/>
-              <a:t>propositional algebra.</a:t>
-            </a:r>
-            <a:fld id="{3251DA95-B240-47FE-901D-B78FC8E8E532}" type="slidenum">
-              <a:rPr lang="en-US" smtClean="0"/>
-              <a:pPr/>
-              <a:t>39</a:t>
-            </a:fld>
-            <a:endParaRPr lang="en-US" dirty="0"/>
-          </a:p>
-        </p:txBody>
-      </p:sp>
-      <p:graphicFrame>
-        <p:nvGraphicFramePr>
-          <p:cNvPr id="10" name="Object 9"/>
-          <p:cNvGraphicFramePr>
-            <a:graphicFrameLocks noChangeAspect="1"/>
-          </p:cNvGraphicFramePr>
-          <p:nvPr>
-            <p:extLst>
-              <p:ext uri="{D42A27DB-BD31-4B8C-83A1-F6EECF244321}">
-                <p14:modId xmlns:p14="http://schemas.microsoft.com/office/powerpoint/2010/main" val="239966419"/>
-              </p:ext>
-            </p:extLst>
-          </p:nvPr>
-        </p:nvGraphicFramePr>
-        <p:xfrm>
-          <a:off x="2003424" y="1225549"/>
-          <a:ext cx="5273675" cy="1910517"/>
-        </p:xfrm>
-        <a:graphic>
-          <a:graphicData uri="http://schemas.openxmlformats.org/presentationml/2006/ole">
-            <mc:AlternateContent xmlns:mc="http://schemas.openxmlformats.org/markup-compatibility/2006">
-              <mc:Choice xmlns:v="urn:schemas-microsoft-com:vml" Requires="v">
-                <p:oleObj spid="_x0000_s544796" name="Equation" r:id="rId4" imgW="1333500" imgH="482600" progId="Equation.DSMT4">
-                  <p:embed/>
-                </p:oleObj>
-              </mc:Choice>
-              <mc:Fallback>
-                <p:oleObj name="Equation" r:id="rId4" imgW="1333500" imgH="482600" progId="Equation.DSMT4">
-                  <p:embed/>
-                  <p:pic>
-                    <p:nvPicPr>
-                      <p:cNvPr id="0" name=""/>
-                      <p:cNvPicPr/>
-                      <p:nvPr/>
-                    </p:nvPicPr>
-                    <p:blipFill>
-                      <a:blip r:embed="rId5"/>
-                      <a:stretch>
-                        <a:fillRect/>
-                      </a:stretch>
-                    </p:blipFill>
-                    <p:spPr>
-                      <a:xfrm>
-                        <a:off x="2003424" y="1225549"/>
-                        <a:ext cx="5273675" cy="1910517"/>
-                      </a:xfrm>
-                      <a:prstGeom prst="rect">
-                        <a:avLst/>
-                      </a:prstGeom>
-                    </p:spPr>
-                  </p:pic>
-                </p:oleObj>
-              </mc:Fallback>
-            </mc:AlternateContent>
-          </a:graphicData>
-        </a:graphic>
-      </p:graphicFrame>
-      <p:sp>
-        <p:nvSpPr>
-          <p:cNvPr id="13" name="Rounded Rectangle 12"/>
-          <p:cNvSpPr/>
-          <p:nvPr/>
-        </p:nvSpPr>
-        <p:spPr bwMode="auto">
-          <a:xfrm>
-            <a:off x="1511300" y="1181100"/>
-            <a:ext cx="5930900" cy="2209800"/>
-          </a:xfrm>
-          <a:prstGeom prst="roundRect">
-            <a:avLst/>
-          </a:prstGeom>
-          <a:noFill/>
-          <a:ln w="38100" cap="flat" cmpd="sng" algn="ctr">
-            <a:solidFill>
-              <a:srgbClr val="FF03E3"/>
-            </a:solidFill>
-            <a:prstDash val="sysDash"/>
-            <a:round/>
-            <a:headEnd type="none" w="med" len="med"/>
-            <a:tailEnd type="none" w="med" len="med"/>
-          </a:ln>
-          <a:effectLst/>
-        </p:spPr>
-        <p:txBody>
-          <a:bodyPr vert="horz" wrap="none" lIns="91440" tIns="45720" rIns="91440" bIns="45720" numCol="1" rtlCol="0" anchor="ctr" anchorCtr="0" compatLnSpc="1">
-            <a:prstTxWarp prst="textNoShape">
-              <a:avLst/>
-            </a:prstTxWarp>
-          </a:bodyPr>
-          <a:lstStyle/>
-          <a:p>
-            <a:pPr marL="0" marR="0" indent="0" algn="ctr" defTabSz="914400" rtl="0" eaLnBrk="1" fontAlgn="base" latinLnBrk="0" hangingPunct="1">
-              <a:lnSpc>
-                <a:spcPct val="100000"/>
-              </a:lnSpc>
-              <a:spcBef>
-                <a:spcPct val="0"/>
-              </a:spcBef>
-              <a:spcAft>
-                <a:spcPct val="0"/>
-              </a:spcAft>
-              <a:buClrTx/>
-              <a:buSzTx/>
-              <a:buFontTx/>
-              <a:buNone/>
-              <a:tabLst/>
-            </a:pPr>
-            <a:endParaRPr kumimoji="0" lang="en-US" sz="3200" b="0" i="0" u="none" strike="noStrike" cap="none" normalizeH="0" baseline="0" smtClean="0">
-              <a:ln>
-                <a:noFill/>
-              </a:ln>
-              <a:solidFill>
-                <a:schemeClr val="tx1"/>
-              </a:solidFill>
-              <a:effectLst/>
-              <a:latin typeface="Times New Roman" pitchFamily="18" charset="0"/>
-            </a:endParaRPr>
-          </a:p>
-        </p:txBody>
-      </p:sp>
-      <p:sp>
-        <p:nvSpPr>
-          <p:cNvPr id="9" name="Title 4"/>
-          <p:cNvSpPr>
-            <a:spLocks noGrp="1"/>
-          </p:cNvSpPr>
-          <p:nvPr>
-            <p:ph type="title"/>
-          </p:nvPr>
-        </p:nvSpPr>
-        <p:spPr>
-          <a:xfrm>
-            <a:off x="1447800" y="86829"/>
-            <a:ext cx="7543800" cy="1143000"/>
-          </a:xfrm>
-        </p:spPr>
-        <p:txBody>
-          <a:bodyPr/>
-          <a:lstStyle/>
-          <a:p>
-            <a:r>
-              <a:rPr lang="en-US" sz="3800" dirty="0" smtClean="0">
-                <a:solidFill>
-                  <a:srgbClr val="BB0FAB"/>
-                </a:solidFill>
-              </a:rPr>
-              <a:t>Sorted</a:t>
-            </a:r>
-            <a:r>
-              <a:rPr lang="en-US" sz="3800" dirty="0" smtClean="0"/>
-              <a:t> Full DNF for </a:t>
-            </a:r>
-            <a:endParaRPr lang="en-US" sz="3800" dirty="0">
-              <a:solidFill>
-                <a:schemeClr val="tx1"/>
-              </a:solidFill>
-            </a:endParaRPr>
-          </a:p>
-        </p:txBody>
-      </p:sp>
-      <p:graphicFrame>
-        <p:nvGraphicFramePr>
-          <p:cNvPr id="14" name="Object 13"/>
-          <p:cNvGraphicFramePr>
-            <a:graphicFrameLocks noChangeAspect="1"/>
-          </p:cNvGraphicFramePr>
-          <p:nvPr>
-            <p:extLst>
-              <p:ext uri="{D42A27DB-BD31-4B8C-83A1-F6EECF244321}">
-                <p14:modId xmlns:p14="http://schemas.microsoft.com/office/powerpoint/2010/main" val="3861183114"/>
-              </p:ext>
-            </p:extLst>
-          </p:nvPr>
-        </p:nvGraphicFramePr>
-        <p:xfrm>
-          <a:off x="6397868" y="210165"/>
-          <a:ext cx="2443162" cy="889000"/>
-        </p:xfrm>
-        <a:graphic>
-          <a:graphicData uri="http://schemas.openxmlformats.org/presentationml/2006/ole">
-            <mc:AlternateContent xmlns:mc="http://schemas.openxmlformats.org/markup-compatibility/2006">
-              <mc:Choice xmlns:v="urn:schemas-microsoft-com:vml" Requires="v">
-                <p:oleObj spid="_x0000_s544797" name="Equation" r:id="rId6" imgW="698500" imgH="254000" progId="Equation.DSMT4">
-                  <p:embed/>
-                </p:oleObj>
-              </mc:Choice>
-              <mc:Fallback>
-                <p:oleObj name="Equation" r:id="rId6" imgW="698500" imgH="254000" progId="Equation.DSMT4">
-                  <p:embed/>
-                  <p:pic>
-                    <p:nvPicPr>
-                      <p:cNvPr id="0" name=""/>
-                      <p:cNvPicPr/>
-                      <p:nvPr/>
-                    </p:nvPicPr>
-                    <p:blipFill>
-                      <a:blip r:embed="rId7"/>
-                      <a:stretch>
-                        <a:fillRect/>
-                      </a:stretch>
-                    </p:blipFill>
-                    <p:spPr>
-                      <a:xfrm>
-                        <a:off x="6397868" y="210165"/>
-                        <a:ext cx="2443162" cy="889000"/>
-                      </a:xfrm>
-                      <a:prstGeom prst="rect">
-                        <a:avLst/>
-                      </a:prstGeom>
-                    </p:spPr>
-                  </p:pic>
-                </p:oleObj>
-              </mc:Fallback>
-            </mc:AlternateContent>
-          </a:graphicData>
-        </a:graphic>
-      </p:graphicFrame>
-    </p:spTree>
-    <p:extLst>
-      <p:ext uri="{BB962C8B-B14F-4D97-AF65-F5344CB8AC3E}">
-        <p14:creationId xmlns:p14="http://schemas.microsoft.com/office/powerpoint/2010/main" val="1508746873"/>
-      </p:ext>
-    </p:extLst>
-  </p:cSld>
-  <p:clrMapOvr>
-    <a:masterClrMapping/>
-  </p:clrMapOvr>
-  <mc:AlternateContent xmlns:mc="http://schemas.openxmlformats.org/markup-compatibility/2006" xmlns:p14="http://schemas.microsoft.com/office/powerpoint/2010/main">
-    <mc:Choice Requires="p14">
-      <p:transition spd="med" p14:dur="700" advClick="0">
-        <p:fade/>
-      </p:transition>
-    </mc:Choice>
-    <mc:Fallback xmlns="">
-      <p:transition xmlns:p14="http://schemas.microsoft.com/office/powerpoint/2010/main" spd="med" advClick="0">
-        <p:fade/>
-      </p:transition>
-    </mc:Fallback>
-  </mc:AlternateContent>
-  <p:timing>
-    <p:tnLst>
-      <p:par>
-        <p:cTn xmlns:p14="http://schemas.microsoft.com/office/powerpoint/2010/main" id="1" dur="indefinite" restart="never" nodeType="tmRoot">
-          <p:childTnLst>
-            <p:seq concurrent="1" nextAc="seek">
-              <p:cTn id="2" dur="indefinite" nodeType="mainSeq">
-                <p:childTnLst>
-                  <p:par>
-                    <p:cTn id="3" fill="hold">
-                      <p:stCondLst>
-                        <p:cond delay="indefinite"/>
-                        <p:cond evt="onBegin" delay="0">
-                          <p:tn val="2"/>
-                        </p:cond>
-                      </p:stCondLst>
-                      <p:childTnLst>
-                        <p:par>
-                          <p:cTn id="4" fill="hold">
-                            <p:stCondLst>
-                              <p:cond delay="0"/>
-                            </p:stCondLst>
-                            <p:childTnLst>
-                              <p:par>
-                                <p:cTn id="5" presetID="10" presetClass="entr" presetSubtype="0" fill="hold" grpId="0" nodeType="afterEffect">
-                                  <p:stCondLst>
-                                    <p:cond delay="0"/>
-                                  </p:stCondLst>
-                                  <p:childTnLst>
-                                    <p:set>
-                                      <p:cBhvr>
-                                        <p:cTn id="6" dur="1" fill="hold">
-                                          <p:stCondLst>
-                                            <p:cond delay="0"/>
-                                          </p:stCondLst>
-                                        </p:cTn>
-                                        <p:tgtEl>
-                                          <p:spTgt spid="13"/>
-                                        </p:tgtEl>
-                                        <p:attrNameLst>
-                                          <p:attrName>style.visibility</p:attrName>
-                                        </p:attrNameLst>
-                                      </p:cBhvr>
-                                      <p:to>
-                                        <p:strVal val="visible"/>
-                                      </p:to>
-                                    </p:set>
-                                    <p:animEffect transition="in" filter="fade">
-                                      <p:cBhvr>
-                                        <p:cTn id="7" dur="500"/>
-                                        <p:tgtEl>
-                                          <p:spTgt spid="13"/>
-                                        </p:tgtEl>
-                                      </p:cBhvr>
-                                    </p:animEffect>
-                                  </p:childTnLst>
-                                </p:cTn>
-                              </p:par>
-                            </p:childTnLst>
-                          </p:cTn>
-                        </p:par>
-                        <p:par>
-                          <p:cTn id="8" fill="hold">
-                            <p:stCondLst>
-                              <p:cond delay="500"/>
-                            </p:stCondLst>
-                            <p:childTnLst>
-                              <p:par>
-                                <p:cTn id="9" presetID="10" presetClass="entr" presetSubtype="0" fill="hold" grpId="0" nodeType="afterEffect">
-                                  <p:stCondLst>
-                                    <p:cond delay="0"/>
-                                  </p:stCondLst>
-                                  <p:childTnLst>
-                                    <p:set>
-                                      <p:cBhvr>
-                                        <p:cTn id="10" dur="1" fill="hold">
-                                          <p:stCondLst>
-                                            <p:cond delay="0"/>
-                                          </p:stCondLst>
-                                        </p:cTn>
-                                        <p:tgtEl>
-                                          <p:spTgt spid="9"/>
-                                        </p:tgtEl>
-                                        <p:attrNameLst>
-                                          <p:attrName>style.visibility</p:attrName>
-                                        </p:attrNameLst>
-                                      </p:cBhvr>
-                                      <p:to>
-                                        <p:strVal val="visible"/>
-                                      </p:to>
-                                    </p:set>
-                                    <p:animEffect transition="in" filter="fade">
-                                      <p:cBhvr>
-                                        <p:cTn id="11" dur="500"/>
-                                        <p:tgtEl>
-                                          <p:spTgt spid="9"/>
-                                        </p:tgtEl>
-                                      </p:cBhvr>
-                                    </p:animEffect>
-                                  </p:childTnLst>
-                                </p:cTn>
-                              </p:par>
-                              <p:par>
-                                <p:cTn id="12" presetID="10" presetClass="entr" presetSubtype="0" fill="hold" nodeType="withEffect">
-                                  <p:stCondLst>
-                                    <p:cond delay="0"/>
-                                  </p:stCondLst>
-                                  <p:childTnLst>
-                                    <p:set>
-                                      <p:cBhvr>
-                                        <p:cTn id="13" dur="1" fill="hold">
-                                          <p:stCondLst>
-                                            <p:cond delay="0"/>
-                                          </p:stCondLst>
-                                        </p:cTn>
-                                        <p:tgtEl>
-                                          <p:spTgt spid="14"/>
-                                        </p:tgtEl>
-                                        <p:attrNameLst>
-                                          <p:attrName>style.visibility</p:attrName>
-                                        </p:attrNameLst>
-                                      </p:cBhvr>
-                                      <p:to>
-                                        <p:strVal val="visible"/>
-                                      </p:to>
-                                    </p:set>
-                                    <p:animEffect transition="in" filter="fade">
-                                      <p:cBhvr>
-                                        <p:cTn id="14" dur="500"/>
-                                        <p:tgtEl>
-                                          <p:spTgt spid="14"/>
-                                        </p:tgtEl>
-                                      </p:cBhvr>
-                                    </p:animEffect>
-                                  </p:childTnLst>
-                                </p:cTn>
-                              </p:par>
-                            </p:childTnLst>
-                          </p:cTn>
-                        </p:par>
-                      </p:childTnLst>
-                    </p:cTn>
-                  </p:par>
-                </p:childTnLst>
-              </p:cTn>
-              <p:prevCondLst>
-                <p:cond evt="onPrev" delay="0">
-                  <p:tgtEl>
-                    <p:sldTgt/>
-                  </p:tgtEl>
-                </p:cond>
-              </p:prevCondLst>
-              <p:nextCondLst>
-                <p:cond evt="onNext" delay="0">
-                  <p:tgtEl>
-                    <p:sldTgt/>
-                  </p:tgtEl>
-                </p:cond>
-              </p:nextCondLst>
-            </p:seq>
-          </p:childTnLst>
-        </p:cTn>
-      </p:par>
-    </p:tnLst>
-    <p:bldLst>
-      <p:bldP spid="13" grpId="0" animBg="1"/>
-      <p:bldP spid="9" grpId="0"/>
-    </p:bldLst>
-  </p:timing>
-</p:sld>
-</file>
-
 <file path=ppt/slides/slide4.xml><?xml version="1.0" encoding="utf-8"?>
 <p:sld xmlns:a="http://schemas.openxmlformats.org/drawingml/2006/main" xmlns:r="http://schemas.openxmlformats.org/officeDocument/2006/relationships" xmlns:p="http://schemas.openxmlformats.org/presentationml/2006/main">
   <p:cSld>
@@ -18634,7 +19126,7 @@
           <a:graphicData uri="http://schemas.openxmlformats.org/presentationml/2006/ole">
             <mc:AlternateContent xmlns:mc="http://schemas.openxmlformats.org/markup-compatibility/2006">
               <mc:Choice xmlns:v="urn:schemas-microsoft-com:vml" Requires="v">
-                <p:oleObj spid="_x0000_s420022" name="Equation" r:id="rId4" imgW="139700" imgH="215900" progId="Equation.DSMT4">
+                <p:oleObj spid="_x0000_s420039" name="Equation" r:id="rId4" imgW="139700" imgH="215900" progId="Equation.DSMT4">
                   <p:embed/>
                 </p:oleObj>
               </mc:Choice>
@@ -18691,7 +19183,7 @@
           <a:graphicData uri="http://schemas.openxmlformats.org/presentationml/2006/ole">
             <mc:AlternateContent xmlns:mc="http://schemas.openxmlformats.org/markup-compatibility/2006">
               <mc:Choice xmlns:v="urn:schemas-microsoft-com:vml" Requires="v">
-                <p:oleObj spid="_x0000_s420023" name="Equation" r:id="rId6" imgW="2044700" imgH="228600" progId="Equation.DSMT4">
+                <p:oleObj spid="_x0000_s420040" name="Equation" r:id="rId6" imgW="2044700" imgH="228600" progId="Equation.DSMT4">
                   <p:embed/>
                 </p:oleObj>
               </mc:Choice>
@@ -18831,7 +19323,7 @@
           <a:graphicData uri="http://schemas.openxmlformats.org/presentationml/2006/ole">
             <mc:AlternateContent xmlns:mc="http://schemas.openxmlformats.org/markup-compatibility/2006">
               <mc:Choice xmlns:v="urn:schemas-microsoft-com:vml" Requires="v">
-                <p:oleObj spid="_x0000_s420024" name="Equation" r:id="rId8" imgW="2159000" imgH="457200" progId="Equation.DSMT4">
+                <p:oleObj spid="_x0000_s420041" name="Equation" r:id="rId8" imgW="2159000" imgH="457200" progId="Equation.DSMT4">
                   <p:embed/>
                 </p:oleObj>
               </mc:Choice>
@@ -19124,6 +19616,642 @@
           </a:p>
         </p:txBody>
       </p:sp>
+      <p:graphicFrame>
+        <p:nvGraphicFramePr>
+          <p:cNvPr id="6" name="Object 5"/>
+          <p:cNvGraphicFramePr>
+            <a:graphicFrameLocks noChangeAspect="1"/>
+          </p:cNvGraphicFramePr>
+          <p:nvPr>
+            <p:extLst>
+              <p:ext uri="{D42A27DB-BD31-4B8C-83A1-F6EECF244321}">
+                <p14:modId xmlns:p14="http://schemas.microsoft.com/office/powerpoint/2010/main" val="785072527"/>
+              </p:ext>
+            </p:extLst>
+          </p:nvPr>
+        </p:nvGraphicFramePr>
+        <p:xfrm>
+          <a:off x="2007460" y="1270160"/>
+          <a:ext cx="5100694" cy="1847851"/>
+        </p:xfrm>
+        <a:graphic>
+          <a:graphicData uri="http://schemas.openxmlformats.org/presentationml/2006/ole">
+            <mc:AlternateContent xmlns:mc="http://schemas.openxmlformats.org/markup-compatibility/2006">
+              <mc:Choice xmlns:v="urn:schemas-microsoft-com:vml" Requires="v">
+                <p:oleObj spid="_x0000_s542742" name="Equation" r:id="rId4" imgW="1333500" imgH="482600" progId="Equation.DSMT4">
+                  <p:embed/>
+                </p:oleObj>
+              </mc:Choice>
+              <mc:Fallback>
+                <p:oleObj name="Equation" r:id="rId4" imgW="1333500" imgH="482600" progId="Equation.DSMT4">
+                  <p:embed/>
+                  <p:pic>
+                    <p:nvPicPr>
+                      <p:cNvPr id="0" name=""/>
+                      <p:cNvPicPr/>
+                      <p:nvPr/>
+                    </p:nvPicPr>
+                    <p:blipFill>
+                      <a:blip r:embed="rId5"/>
+                      <a:stretch>
+                        <a:fillRect/>
+                      </a:stretch>
+                    </p:blipFill>
+                    <p:spPr>
+                      <a:xfrm>
+                        <a:off x="2007460" y="1270160"/>
+                        <a:ext cx="5100694" cy="1847851"/>
+                      </a:xfrm>
+                      <a:prstGeom prst="rect">
+                        <a:avLst/>
+                      </a:prstGeom>
+                    </p:spPr>
+                  </p:pic>
+                </p:oleObj>
+              </mc:Fallback>
+            </mc:AlternateContent>
+          </a:graphicData>
+        </a:graphic>
+      </p:graphicFrame>
+      <p:sp>
+        <p:nvSpPr>
+          <p:cNvPr id="8" name="Title 1"/>
+          <p:cNvSpPr>
+            <a:spLocks noGrp="1"/>
+          </p:cNvSpPr>
+          <p:nvPr>
+            <p:ph type="title"/>
+          </p:nvPr>
+        </p:nvSpPr>
+        <p:spPr>
+          <a:xfrm>
+            <a:off x="1651000" y="363538"/>
+            <a:ext cx="6794500" cy="1003300"/>
+          </a:xfrm>
+        </p:spPr>
+        <p:txBody>
+          <a:bodyPr/>
+          <a:lstStyle/>
+          <a:p>
+            <a:r>
+              <a:rPr lang="en-US" sz="4000" dirty="0" smtClean="0">
+                <a:solidFill>
+                  <a:srgbClr val="FF03E3"/>
+                </a:solidFill>
+              </a:rPr>
+              <a:t>example</a:t>
+            </a:r>
+            <a:endParaRPr lang="en-US" sz="4000" dirty="0">
+              <a:solidFill>
+                <a:srgbClr val="FF03E3"/>
+              </a:solidFill>
+            </a:endParaRPr>
+          </a:p>
+        </p:txBody>
+      </p:sp>
+    </p:spTree>
+    <p:extLst>
+      <p:ext uri="{BB962C8B-B14F-4D97-AF65-F5344CB8AC3E}">
+        <p14:creationId xmlns:p14="http://schemas.microsoft.com/office/powerpoint/2010/main" val="2741329689"/>
+      </p:ext>
+    </p:extLst>
+  </p:cSld>
+  <p:clrMapOvr>
+    <a:masterClrMapping/>
+  </p:clrMapOvr>
+  <mc:AlternateContent xmlns:mc="http://schemas.openxmlformats.org/markup-compatibility/2006" xmlns:p14="http://schemas.microsoft.com/office/powerpoint/2010/main">
+    <mc:Choice Requires="p14">
+      <p:transition spd="med" p14:dur="600" advClick="0">
+        <p:fade/>
+      </p:transition>
+    </mc:Choice>
+    <mc:Fallback xmlns="">
+      <p:transition xmlns:p14="http://schemas.microsoft.com/office/powerpoint/2010/main" spd="med" advClick="0">
+        <p:fade/>
+      </p:transition>
+    </mc:Fallback>
+  </mc:AlternateContent>
+  <p:timing>
+    <p:tnLst>
+      <p:par>
+        <p:cTn xmlns:p14="http://schemas.microsoft.com/office/powerpoint/2010/main" id="1" dur="indefinite" restart="never" nodeType="tmRoot"/>
+      </p:par>
+    </p:tnLst>
+  </p:timing>
+</p:sld>
+</file>
+
+<file path=ppt/slides/slide41.xml><?xml version="1.0" encoding="utf-8"?>
+<p:sld xmlns:a="http://schemas.openxmlformats.org/drawingml/2006/main" xmlns:r="http://schemas.openxmlformats.org/officeDocument/2006/relationships" xmlns:p="http://schemas.openxmlformats.org/presentationml/2006/main">
+  <p:cSld>
+    <p:spTree>
+      <p:nvGrpSpPr>
+        <p:cNvPr id="1" name=""/>
+        <p:cNvGrpSpPr/>
+        <p:nvPr/>
+      </p:nvGrpSpPr>
+      <p:grpSpPr>
+        <a:xfrm>
+          <a:off x="0" y="0"/>
+          <a:ext cx="0" cy="0"/>
+          <a:chOff x="0" y="0"/>
+          <a:chExt cx="0" cy="0"/>
+        </a:xfrm>
+      </p:grpSpPr>
+      <p:sp>
+        <p:nvSpPr>
+          <p:cNvPr id="4" name="Slide Number Placeholder 2"/>
+          <p:cNvSpPr>
+            <a:spLocks noGrp="1"/>
+          </p:cNvSpPr>
+          <p:nvPr>
+            <p:ph type="sldNum" sz="quarter" idx="10"/>
+          </p:nvPr>
+        </p:nvSpPr>
+        <p:spPr>
+          <a:xfrm>
+            <a:off x="7333815" y="6553200"/>
+            <a:ext cx="1810186" cy="276999"/>
+          </a:xfrm>
+        </p:spPr>
+        <p:txBody>
+          <a:bodyPr/>
+          <a:lstStyle/>
+          <a:p>
+            <a:r>
+              <a:rPr lang="en-US" dirty="0" smtClean="0"/>
+              <a:t>propositional algebra.</a:t>
+            </a:r>
+            <a:fld id="{3251DA95-B240-47FE-901D-B78FC8E8E532}" type="slidenum">
+              <a:rPr lang="en-US" smtClean="0"/>
+              <a:pPr/>
+              <a:t>41</a:t>
+            </a:fld>
+            <a:endParaRPr lang="en-US" dirty="0"/>
+          </a:p>
+        </p:txBody>
+      </p:sp>
+      <p:graphicFrame>
+        <p:nvGraphicFramePr>
+          <p:cNvPr id="10" name="Object 9"/>
+          <p:cNvGraphicFramePr>
+            <a:graphicFrameLocks noChangeAspect="1"/>
+          </p:cNvGraphicFramePr>
+          <p:nvPr>
+            <p:extLst>
+              <p:ext uri="{D42A27DB-BD31-4B8C-83A1-F6EECF244321}">
+                <p14:modId xmlns:p14="http://schemas.microsoft.com/office/powerpoint/2010/main" val="239966419"/>
+              </p:ext>
+            </p:extLst>
+          </p:nvPr>
+        </p:nvGraphicFramePr>
+        <p:xfrm>
+          <a:off x="2003424" y="1225549"/>
+          <a:ext cx="5273675" cy="1910517"/>
+        </p:xfrm>
+        <a:graphic>
+          <a:graphicData uri="http://schemas.openxmlformats.org/presentationml/2006/ole">
+            <mc:AlternateContent xmlns:mc="http://schemas.openxmlformats.org/markup-compatibility/2006">
+              <mc:Choice xmlns:v="urn:schemas-microsoft-com:vml" Requires="v">
+                <p:oleObj spid="_x0000_s544808" name="Equation" r:id="rId4" imgW="1333500" imgH="482600" progId="Equation.DSMT4">
+                  <p:embed/>
+                </p:oleObj>
+              </mc:Choice>
+              <mc:Fallback>
+                <p:oleObj name="Equation" r:id="rId4" imgW="1333500" imgH="482600" progId="Equation.DSMT4">
+                  <p:embed/>
+                  <p:pic>
+                    <p:nvPicPr>
+                      <p:cNvPr id="0" name=""/>
+                      <p:cNvPicPr/>
+                      <p:nvPr/>
+                    </p:nvPicPr>
+                    <p:blipFill>
+                      <a:blip r:embed="rId5"/>
+                      <a:stretch>
+                        <a:fillRect/>
+                      </a:stretch>
+                    </p:blipFill>
+                    <p:spPr>
+                      <a:xfrm>
+                        <a:off x="2003424" y="1225549"/>
+                        <a:ext cx="5273675" cy="1910517"/>
+                      </a:xfrm>
+                      <a:prstGeom prst="rect">
+                        <a:avLst/>
+                      </a:prstGeom>
+                    </p:spPr>
+                  </p:pic>
+                </p:oleObj>
+              </mc:Fallback>
+            </mc:AlternateContent>
+          </a:graphicData>
+        </a:graphic>
+      </p:graphicFrame>
+      <p:sp>
+        <p:nvSpPr>
+          <p:cNvPr id="13" name="Rounded Rectangle 12"/>
+          <p:cNvSpPr/>
+          <p:nvPr/>
+        </p:nvSpPr>
+        <p:spPr bwMode="auto">
+          <a:xfrm>
+            <a:off x="1511300" y="1181100"/>
+            <a:ext cx="5930900" cy="2209800"/>
+          </a:xfrm>
+          <a:prstGeom prst="roundRect">
+            <a:avLst/>
+          </a:prstGeom>
+          <a:noFill/>
+          <a:ln w="38100" cap="flat" cmpd="sng" algn="ctr">
+            <a:solidFill>
+              <a:srgbClr val="FF03E3"/>
+            </a:solidFill>
+            <a:prstDash val="sysDash"/>
+            <a:round/>
+            <a:headEnd type="none" w="med" len="med"/>
+            <a:tailEnd type="none" w="med" len="med"/>
+          </a:ln>
+          <a:effectLst/>
+        </p:spPr>
+        <p:txBody>
+          <a:bodyPr vert="horz" wrap="none" lIns="91440" tIns="45720" rIns="91440" bIns="45720" numCol="1" rtlCol="0" anchor="ctr" anchorCtr="0" compatLnSpc="1">
+            <a:prstTxWarp prst="textNoShape">
+              <a:avLst/>
+            </a:prstTxWarp>
+          </a:bodyPr>
+          <a:lstStyle/>
+          <a:p>
+            <a:pPr marL="0" marR="0" indent="0" algn="ctr" defTabSz="914400" rtl="0" eaLnBrk="1" fontAlgn="base" latinLnBrk="0" hangingPunct="1">
+              <a:lnSpc>
+                <a:spcPct val="100000"/>
+              </a:lnSpc>
+              <a:spcBef>
+                <a:spcPct val="0"/>
+              </a:spcBef>
+              <a:spcAft>
+                <a:spcPct val="0"/>
+              </a:spcAft>
+              <a:buClrTx/>
+              <a:buSzTx/>
+              <a:buFontTx/>
+              <a:buNone/>
+              <a:tabLst/>
+            </a:pPr>
+            <a:endParaRPr kumimoji="0" lang="en-US" sz="3200" b="0" i="0" u="none" strike="noStrike" cap="none" normalizeH="0" baseline="0" smtClean="0">
+              <a:ln>
+                <a:noFill/>
+              </a:ln>
+              <a:solidFill>
+                <a:schemeClr val="tx1"/>
+              </a:solidFill>
+              <a:effectLst/>
+              <a:latin typeface="Times New Roman" pitchFamily="18" charset="0"/>
+            </a:endParaRPr>
+          </a:p>
+        </p:txBody>
+      </p:sp>
+      <p:sp>
+        <p:nvSpPr>
+          <p:cNvPr id="9" name="Title 4"/>
+          <p:cNvSpPr>
+            <a:spLocks noGrp="1"/>
+          </p:cNvSpPr>
+          <p:nvPr>
+            <p:ph type="title"/>
+          </p:nvPr>
+        </p:nvSpPr>
+        <p:spPr>
+          <a:xfrm>
+            <a:off x="1447800" y="86829"/>
+            <a:ext cx="7543800" cy="1143000"/>
+          </a:xfrm>
+        </p:spPr>
+        <p:txBody>
+          <a:bodyPr/>
+          <a:lstStyle/>
+          <a:p>
+            <a:r>
+              <a:rPr lang="en-US" sz="3800" dirty="0" smtClean="0">
+                <a:solidFill>
+                  <a:srgbClr val="BB0FAB"/>
+                </a:solidFill>
+              </a:rPr>
+              <a:t>Sorted</a:t>
+            </a:r>
+            <a:r>
+              <a:rPr lang="en-US" sz="3800" dirty="0" smtClean="0"/>
+              <a:t> Full DNF for </a:t>
+            </a:r>
+            <a:endParaRPr lang="en-US" sz="3800" dirty="0">
+              <a:solidFill>
+                <a:schemeClr val="tx1"/>
+              </a:solidFill>
+            </a:endParaRPr>
+          </a:p>
+        </p:txBody>
+      </p:sp>
+      <p:graphicFrame>
+        <p:nvGraphicFramePr>
+          <p:cNvPr id="14" name="Object 13"/>
+          <p:cNvGraphicFramePr>
+            <a:graphicFrameLocks noChangeAspect="1"/>
+          </p:cNvGraphicFramePr>
+          <p:nvPr>
+            <p:extLst>
+              <p:ext uri="{D42A27DB-BD31-4B8C-83A1-F6EECF244321}">
+                <p14:modId xmlns:p14="http://schemas.microsoft.com/office/powerpoint/2010/main" val="3861183114"/>
+              </p:ext>
+            </p:extLst>
+          </p:nvPr>
+        </p:nvGraphicFramePr>
+        <p:xfrm>
+          <a:off x="6397868" y="210165"/>
+          <a:ext cx="2443162" cy="889000"/>
+        </p:xfrm>
+        <a:graphic>
+          <a:graphicData uri="http://schemas.openxmlformats.org/presentationml/2006/ole">
+            <mc:AlternateContent xmlns:mc="http://schemas.openxmlformats.org/markup-compatibility/2006">
+              <mc:Choice xmlns:v="urn:schemas-microsoft-com:vml" Requires="v">
+                <p:oleObj spid="_x0000_s544809" name="Equation" r:id="rId6" imgW="698500" imgH="254000" progId="Equation.DSMT4">
+                  <p:embed/>
+                </p:oleObj>
+              </mc:Choice>
+              <mc:Fallback>
+                <p:oleObj name="Equation" r:id="rId6" imgW="698500" imgH="254000" progId="Equation.DSMT4">
+                  <p:embed/>
+                  <p:pic>
+                    <p:nvPicPr>
+                      <p:cNvPr id="0" name=""/>
+                      <p:cNvPicPr/>
+                      <p:nvPr/>
+                    </p:nvPicPr>
+                    <p:blipFill>
+                      <a:blip r:embed="rId7"/>
+                      <a:stretch>
+                        <a:fillRect/>
+                      </a:stretch>
+                    </p:blipFill>
+                    <p:spPr>
+                      <a:xfrm>
+                        <a:off x="6397868" y="210165"/>
+                        <a:ext cx="2443162" cy="889000"/>
+                      </a:xfrm>
+                      <a:prstGeom prst="rect">
+                        <a:avLst/>
+                      </a:prstGeom>
+                    </p:spPr>
+                  </p:pic>
+                </p:oleObj>
+              </mc:Fallback>
+            </mc:AlternateContent>
+          </a:graphicData>
+        </a:graphic>
+      </p:graphicFrame>
+    </p:spTree>
+    <p:extLst>
+      <p:ext uri="{BB962C8B-B14F-4D97-AF65-F5344CB8AC3E}">
+        <p14:creationId xmlns:p14="http://schemas.microsoft.com/office/powerpoint/2010/main" val="1508746873"/>
+      </p:ext>
+    </p:extLst>
+  </p:cSld>
+  <p:clrMapOvr>
+    <a:masterClrMapping/>
+  </p:clrMapOvr>
+  <mc:AlternateContent xmlns:mc="http://schemas.openxmlformats.org/markup-compatibility/2006" xmlns:p14="http://schemas.microsoft.com/office/powerpoint/2010/main">
+    <mc:Choice Requires="p14">
+      <p:transition spd="med" p14:dur="700" advClick="0">
+        <p:fade/>
+      </p:transition>
+    </mc:Choice>
+    <mc:Fallback xmlns="">
+      <p:transition xmlns:p14="http://schemas.microsoft.com/office/powerpoint/2010/main" spd="med" advClick="0">
+        <p:fade/>
+      </p:transition>
+    </mc:Fallback>
+  </mc:AlternateContent>
+  <p:timing>
+    <p:tnLst>
+      <p:par>
+        <p:cTn xmlns:p14="http://schemas.microsoft.com/office/powerpoint/2010/main" id="1" dur="indefinite" restart="never" nodeType="tmRoot">
+          <p:childTnLst>
+            <p:seq concurrent="1" nextAc="seek">
+              <p:cTn id="2" dur="indefinite" nodeType="mainSeq">
+                <p:childTnLst>
+                  <p:par>
+                    <p:cTn id="3" fill="hold">
+                      <p:stCondLst>
+                        <p:cond delay="indefinite"/>
+                        <p:cond evt="onBegin" delay="0">
+                          <p:tn val="2"/>
+                        </p:cond>
+                      </p:stCondLst>
+                      <p:childTnLst>
+                        <p:par>
+                          <p:cTn id="4" fill="hold">
+                            <p:stCondLst>
+                              <p:cond delay="0"/>
+                            </p:stCondLst>
+                            <p:childTnLst>
+                              <p:par>
+                                <p:cTn id="5" presetID="10" presetClass="entr" presetSubtype="0" fill="hold" grpId="0" nodeType="afterEffect">
+                                  <p:stCondLst>
+                                    <p:cond delay="0"/>
+                                  </p:stCondLst>
+                                  <p:childTnLst>
+                                    <p:set>
+                                      <p:cBhvr>
+                                        <p:cTn id="6" dur="1" fill="hold">
+                                          <p:stCondLst>
+                                            <p:cond delay="0"/>
+                                          </p:stCondLst>
+                                        </p:cTn>
+                                        <p:tgtEl>
+                                          <p:spTgt spid="13"/>
+                                        </p:tgtEl>
+                                        <p:attrNameLst>
+                                          <p:attrName>style.visibility</p:attrName>
+                                        </p:attrNameLst>
+                                      </p:cBhvr>
+                                      <p:to>
+                                        <p:strVal val="visible"/>
+                                      </p:to>
+                                    </p:set>
+                                    <p:animEffect transition="in" filter="fade">
+                                      <p:cBhvr>
+                                        <p:cTn id="7" dur="500"/>
+                                        <p:tgtEl>
+                                          <p:spTgt spid="13"/>
+                                        </p:tgtEl>
+                                      </p:cBhvr>
+                                    </p:animEffect>
+                                  </p:childTnLst>
+                                </p:cTn>
+                              </p:par>
+                            </p:childTnLst>
+                          </p:cTn>
+                        </p:par>
+                        <p:par>
+                          <p:cTn id="8" fill="hold">
+                            <p:stCondLst>
+                              <p:cond delay="500"/>
+                            </p:stCondLst>
+                            <p:childTnLst>
+                              <p:par>
+                                <p:cTn id="9" presetID="10" presetClass="entr" presetSubtype="0" fill="hold" grpId="0" nodeType="afterEffect">
+                                  <p:stCondLst>
+                                    <p:cond delay="0"/>
+                                  </p:stCondLst>
+                                  <p:childTnLst>
+                                    <p:set>
+                                      <p:cBhvr>
+                                        <p:cTn id="10" dur="1" fill="hold">
+                                          <p:stCondLst>
+                                            <p:cond delay="0"/>
+                                          </p:stCondLst>
+                                        </p:cTn>
+                                        <p:tgtEl>
+                                          <p:spTgt spid="9"/>
+                                        </p:tgtEl>
+                                        <p:attrNameLst>
+                                          <p:attrName>style.visibility</p:attrName>
+                                        </p:attrNameLst>
+                                      </p:cBhvr>
+                                      <p:to>
+                                        <p:strVal val="visible"/>
+                                      </p:to>
+                                    </p:set>
+                                    <p:animEffect transition="in" filter="fade">
+                                      <p:cBhvr>
+                                        <p:cTn id="11" dur="500"/>
+                                        <p:tgtEl>
+                                          <p:spTgt spid="9"/>
+                                        </p:tgtEl>
+                                      </p:cBhvr>
+                                    </p:animEffect>
+                                  </p:childTnLst>
+                                </p:cTn>
+                              </p:par>
+                              <p:par>
+                                <p:cTn id="12" presetID="10" presetClass="entr" presetSubtype="0" fill="hold" nodeType="withEffect">
+                                  <p:stCondLst>
+                                    <p:cond delay="0"/>
+                                  </p:stCondLst>
+                                  <p:childTnLst>
+                                    <p:set>
+                                      <p:cBhvr>
+                                        <p:cTn id="13" dur="1" fill="hold">
+                                          <p:stCondLst>
+                                            <p:cond delay="0"/>
+                                          </p:stCondLst>
+                                        </p:cTn>
+                                        <p:tgtEl>
+                                          <p:spTgt spid="14"/>
+                                        </p:tgtEl>
+                                        <p:attrNameLst>
+                                          <p:attrName>style.visibility</p:attrName>
+                                        </p:attrNameLst>
+                                      </p:cBhvr>
+                                      <p:to>
+                                        <p:strVal val="visible"/>
+                                      </p:to>
+                                    </p:set>
+                                    <p:animEffect transition="in" filter="fade">
+                                      <p:cBhvr>
+                                        <p:cTn id="14" dur="500"/>
+                                        <p:tgtEl>
+                                          <p:spTgt spid="14"/>
+                                        </p:tgtEl>
+                                      </p:cBhvr>
+                                    </p:animEffect>
+                                  </p:childTnLst>
+                                </p:cTn>
+                              </p:par>
+                            </p:childTnLst>
+                          </p:cTn>
+                        </p:par>
+                      </p:childTnLst>
+                    </p:cTn>
+                  </p:par>
+                </p:childTnLst>
+              </p:cTn>
+              <p:prevCondLst>
+                <p:cond evt="onPrev" delay="0">
+                  <p:tgtEl>
+                    <p:sldTgt/>
+                  </p:tgtEl>
+                </p:cond>
+              </p:prevCondLst>
+              <p:nextCondLst>
+                <p:cond evt="onNext" delay="0">
+                  <p:tgtEl>
+                    <p:sldTgt/>
+                  </p:tgtEl>
+                </p:cond>
+              </p:nextCondLst>
+            </p:seq>
+          </p:childTnLst>
+        </p:cTn>
+      </p:par>
+    </p:tnLst>
+    <p:bldLst>
+      <p:bldP spid="13" grpId="0" animBg="1"/>
+      <p:bldP spid="9" grpId="0"/>
+    </p:bldLst>
+  </p:timing>
+</p:sld>
+</file>
+
+<file path=ppt/slides/slide42.xml><?xml version="1.0" encoding="utf-8"?>
+<p:sld xmlns:a="http://schemas.openxmlformats.org/drawingml/2006/main" xmlns:r="http://schemas.openxmlformats.org/officeDocument/2006/relationships" xmlns:p="http://schemas.openxmlformats.org/presentationml/2006/main">
+  <p:cSld>
+    <p:spTree>
+      <p:nvGrpSpPr>
+        <p:cNvPr id="1" name=""/>
+        <p:cNvGrpSpPr/>
+        <p:nvPr/>
+      </p:nvGrpSpPr>
+      <p:grpSpPr>
+        <a:xfrm>
+          <a:off x="0" y="0"/>
+          <a:ext cx="0" cy="0"/>
+          <a:chOff x="0" y="0"/>
+          <a:chExt cx="0" cy="0"/>
+        </a:xfrm>
+      </p:grpSpPr>
+      <p:sp>
+        <p:nvSpPr>
+          <p:cNvPr id="4" name="Slide Number Placeholder 2"/>
+          <p:cNvSpPr>
+            <a:spLocks noGrp="1"/>
+          </p:cNvSpPr>
+          <p:nvPr>
+            <p:ph type="sldNum" sz="quarter" idx="10"/>
+          </p:nvPr>
+        </p:nvSpPr>
+        <p:spPr>
+          <a:xfrm>
+            <a:off x="7333815" y="6553200"/>
+            <a:ext cx="1810186" cy="276999"/>
+          </a:xfrm>
+        </p:spPr>
+        <p:txBody>
+          <a:bodyPr/>
+          <a:lstStyle/>
+          <a:p>
+            <a:r>
+              <a:rPr lang="en-US" dirty="0" smtClean="0"/>
+              <a:t>propositional algebra.</a:t>
+            </a:r>
+            <a:fld id="{3251DA95-B240-47FE-901D-B78FC8E8E532}" type="slidenum">
+              <a:rPr lang="en-US" smtClean="0"/>
+              <a:pPr/>
+              <a:t>42</a:t>
+            </a:fld>
+            <a:endParaRPr lang="en-US" dirty="0"/>
+          </a:p>
+        </p:txBody>
+      </p:sp>
       <p:sp>
         <p:nvSpPr>
           <p:cNvPr id="3" name="TextBox 2"/>
@@ -19264,7 +20392,7 @@
           <a:graphicData uri="http://schemas.openxmlformats.org/presentationml/2006/ole">
             <mc:AlternateContent xmlns:mc="http://schemas.openxmlformats.org/markup-compatibility/2006">
               <mc:Choice xmlns:v="urn:schemas-microsoft-com:vml" Requires="v">
-                <p:oleObj spid="_x0000_s525377" name="Equation" r:id="rId4" imgW="1333500" imgH="482600" progId="Equation.DSMT4">
+                <p:oleObj spid="_x0000_s525394" name="Equation" r:id="rId4" imgW="1333500" imgH="482600" progId="Equation.DSMT4">
                   <p:embed/>
                 </p:oleObj>
               </mc:Choice>
@@ -19356,7 +20484,7 @@
           <a:graphicData uri="http://schemas.openxmlformats.org/presentationml/2006/ole">
             <mc:AlternateContent xmlns:mc="http://schemas.openxmlformats.org/markup-compatibility/2006">
               <mc:Choice xmlns:v="urn:schemas-microsoft-com:vml" Requires="v">
-                <p:oleObj spid="_x0000_s525378" name="Equation" r:id="rId6" imgW="1333500" imgH="482600" progId="Equation.DSMT4">
+                <p:oleObj spid="_x0000_s525395" name="Equation" r:id="rId6" imgW="1333500" imgH="482600" progId="Equation.DSMT4">
                   <p:embed/>
                 </p:oleObj>
               </mc:Choice>
@@ -19413,7 +20541,7 @@
           <a:graphicData uri="http://schemas.openxmlformats.org/presentationml/2006/ole">
             <mc:AlternateContent xmlns:mc="http://schemas.openxmlformats.org/markup-compatibility/2006">
               <mc:Choice xmlns:v="urn:schemas-microsoft-com:vml" Requires="v">
-                <p:oleObj spid="_x0000_s525379" name="Equation" r:id="rId8" imgW="1333500" imgH="482600" progId="Equation.DSMT4">
+                <p:oleObj spid="_x0000_s525396" name="Equation" r:id="rId8" imgW="1333500" imgH="482600" progId="Equation.DSMT4">
                   <p:embed/>
                 </p:oleObj>
               </mc:Choice>
@@ -19979,7 +21107,7 @@
 </p:sld>
 </file>
 
-<file path=ppt/slides/slide41.xml><?xml version="1.0" encoding="utf-8"?>
+<file path=ppt/slides/slide43.xml><?xml version="1.0" encoding="utf-8"?>
 <p:sld xmlns:a="http://schemas.openxmlformats.org/drawingml/2006/main" xmlns:r="http://schemas.openxmlformats.org/officeDocument/2006/relationships" xmlns:p="http://schemas.openxmlformats.org/presentationml/2006/main">
   <p:cSld>
     <p:spTree>
@@ -20023,7 +21151,7 @@
             <a:fld id="{3251DA95-B240-47FE-901D-B78FC8E8E532}" type="slidenum">
               <a:rPr lang="en-US" smtClean="0"/>
               <a:pPr/>
-              <a:t>41</a:t>
+              <a:t>43</a:t>
             </a:fld>
             <a:endParaRPr lang="en-US" dirty="0"/>
           </a:p>
@@ -20092,7 +21220,7 @@
           <a:graphicData uri="http://schemas.openxmlformats.org/presentationml/2006/ole">
             <mc:AlternateContent xmlns:mc="http://schemas.openxmlformats.org/markup-compatibility/2006">
               <mc:Choice xmlns:v="urn:schemas-microsoft-com:vml" Requires="v">
-                <p:oleObj spid="_x0000_s526395" name="Equation" r:id="rId4" imgW="1333500" imgH="482600" progId="Equation.DSMT4">
+                <p:oleObj spid="_x0000_s526412" name="Equation" r:id="rId4" imgW="1333500" imgH="482600" progId="Equation.DSMT4">
                   <p:embed/>
                 </p:oleObj>
               </mc:Choice>
@@ -20186,7 +21314,7 @@
           <a:graphicData uri="http://schemas.openxmlformats.org/presentationml/2006/ole">
             <mc:AlternateContent xmlns:mc="http://schemas.openxmlformats.org/markup-compatibility/2006">
               <mc:Choice xmlns:v="urn:schemas-microsoft-com:vml" Requires="v">
-                <p:oleObj spid="_x0000_s526396" name="Equation" r:id="rId6" imgW="1333500" imgH="482600" progId="Equation.DSMT4">
+                <p:oleObj spid="_x0000_s526413" name="Equation" r:id="rId6" imgW="1333500" imgH="482600" progId="Equation.DSMT4">
                   <p:embed/>
                 </p:oleObj>
               </mc:Choice>
@@ -20243,7 +21371,7 @@
           <a:graphicData uri="http://schemas.openxmlformats.org/presentationml/2006/ole">
             <mc:AlternateContent xmlns:mc="http://schemas.openxmlformats.org/markup-compatibility/2006">
               <mc:Choice xmlns:v="urn:schemas-microsoft-com:vml" Requires="v">
-                <p:oleObj spid="_x0000_s526397" name="Equation" r:id="rId8" imgW="1333500" imgH="482600" progId="Equation.DSMT4">
+                <p:oleObj spid="_x0000_s526414" name="Equation" r:id="rId8" imgW="1333500" imgH="482600" progId="Equation.DSMT4">
                   <p:embed/>
                 </p:oleObj>
               </mc:Choice>
@@ -20623,7 +21751,7 @@
 </p:sld>
 </file>
 
-<file path=ppt/slides/slide42.xml><?xml version="1.0" encoding="utf-8"?>
+<file path=ppt/slides/slide44.xml><?xml version="1.0" encoding="utf-8"?>
 <p:sld xmlns:a="http://schemas.openxmlformats.org/drawingml/2006/main" xmlns:r="http://schemas.openxmlformats.org/officeDocument/2006/relationships" xmlns:p="http://schemas.openxmlformats.org/presentationml/2006/main">
   <p:cSld>
     <p:spTree>
@@ -20667,7 +21795,7 @@
             <a:fld id="{3251DA95-B240-47FE-901D-B78FC8E8E532}" type="slidenum">
               <a:rPr lang="en-US" smtClean="0"/>
               <a:pPr/>
-              <a:t>42</a:t>
+              <a:t>44</a:t>
             </a:fld>
             <a:endParaRPr lang="en-US" dirty="0"/>
           </a:p>
@@ -20695,7 +21823,7 @@
           <a:graphicData uri="http://schemas.openxmlformats.org/presentationml/2006/ole">
             <mc:AlternateContent xmlns:mc="http://schemas.openxmlformats.org/markup-compatibility/2006">
               <mc:Choice xmlns:v="urn:schemas-microsoft-com:vml" Requires="v">
-                <p:oleObj spid="_x0000_s527416" name="Equation" r:id="rId4" imgW="1333500" imgH="482600" progId="Equation.DSMT4">
+                <p:oleObj spid="_x0000_s527433" name="Equation" r:id="rId4" imgW="1333500" imgH="482600" progId="Equation.DSMT4">
                   <p:embed/>
                 </p:oleObj>
               </mc:Choice>
@@ -20789,7 +21917,7 @@
           <a:graphicData uri="http://schemas.openxmlformats.org/presentationml/2006/ole">
             <mc:AlternateContent xmlns:mc="http://schemas.openxmlformats.org/markup-compatibility/2006">
               <mc:Choice xmlns:v="urn:schemas-microsoft-com:vml" Requires="v">
-                <p:oleObj spid="_x0000_s527417" name="Equation" r:id="rId6" imgW="1181100" imgH="508000" progId="Equation.DSMT4">
+                <p:oleObj spid="_x0000_s527434" name="Equation" r:id="rId6" imgW="1181100" imgH="508000" progId="Equation.DSMT4">
                   <p:embed/>
                 </p:oleObj>
               </mc:Choice>
@@ -20846,7 +21974,7 @@
           <a:graphicData uri="http://schemas.openxmlformats.org/presentationml/2006/ole">
             <mc:AlternateContent xmlns:mc="http://schemas.openxmlformats.org/markup-compatibility/2006">
               <mc:Choice xmlns:v="urn:schemas-microsoft-com:vml" Requires="v">
-                <p:oleObj spid="_x0000_s527418" name="Equation" r:id="rId8" imgW="1143000" imgH="254000" progId="Equation.DSMT4">
+                <p:oleObj spid="_x0000_s527435" name="Equation" r:id="rId8" imgW="1143000" imgH="254000" progId="Equation.DSMT4">
                   <p:embed/>
                 </p:oleObj>
               </mc:Choice>
@@ -20984,7 +22112,7 @@
 </p:sld>
 </file>
 
-<file path=ppt/slides/slide43.xml><?xml version="1.0" encoding="utf-8"?>
+<file path=ppt/slides/slide45.xml><?xml version="1.0" encoding="utf-8"?>
 <p:sld xmlns:a="http://schemas.openxmlformats.org/drawingml/2006/main" xmlns:r="http://schemas.openxmlformats.org/officeDocument/2006/relationships" xmlns:p="http://schemas.openxmlformats.org/presentationml/2006/main">
   <p:cSld>
     <p:spTree>
@@ -21028,7 +22156,7 @@
             <a:fld id="{3251DA95-B240-47FE-901D-B78FC8E8E532}" type="slidenum">
               <a:rPr lang="en-US" smtClean="0"/>
               <a:pPr/>
-              <a:t>43</a:t>
+              <a:t>45</a:t>
             </a:fld>
             <a:endParaRPr lang="en-US" dirty="0"/>
           </a:p>
@@ -21056,7 +22184,7 @@
           <a:graphicData uri="http://schemas.openxmlformats.org/presentationml/2006/ole">
             <mc:AlternateContent xmlns:mc="http://schemas.openxmlformats.org/markup-compatibility/2006">
               <mc:Choice xmlns:v="urn:schemas-microsoft-com:vml" Requires="v">
-                <p:oleObj spid="_x0000_s529432" name="Equation" r:id="rId4" imgW="2692400" imgH="482600" progId="Equation.DSMT4">
+                <p:oleObj spid="_x0000_s529439" name="Equation" r:id="rId4" imgW="2692400" imgH="482600" progId="Equation.DSMT4">
                   <p:embed/>
                 </p:oleObj>
               </mc:Choice>
@@ -21474,7 +22602,7 @@
 </p:sld>
 </file>
 
-<file path=ppt/slides/slide44.xml><?xml version="1.0" encoding="utf-8"?>
+<file path=ppt/slides/slide46.xml><?xml version="1.0" encoding="utf-8"?>
 <p:sld xmlns:a="http://schemas.openxmlformats.org/drawingml/2006/main" xmlns:r="http://schemas.openxmlformats.org/officeDocument/2006/relationships" xmlns:p="http://schemas.openxmlformats.org/presentationml/2006/main">
   <p:cSld>
     <p:spTree>
@@ -21686,7 +22814,7 @@
             <a:fld id="{3251DA95-B240-47FE-901D-B78FC8E8E532}" type="slidenum">
               <a:rPr lang="en-US" smtClean="0"/>
               <a:pPr/>
-              <a:t>44</a:t>
+              <a:t>46</a:t>
             </a:fld>
             <a:endParaRPr lang="en-US" dirty="0"/>
           </a:p>
@@ -21842,350 +22970,6 @@
 </p:sld>
 </file>
 
-<file path=ppt/slides/slide45.xml><?xml version="1.0" encoding="utf-8"?>
-<p:sld xmlns:a="http://schemas.openxmlformats.org/drawingml/2006/main" xmlns:r="http://schemas.openxmlformats.org/officeDocument/2006/relationships" xmlns:p="http://schemas.openxmlformats.org/presentationml/2006/main">
-  <p:cSld>
-    <p:spTree>
-      <p:nvGrpSpPr>
-        <p:cNvPr id="1" name=""/>
-        <p:cNvGrpSpPr/>
-        <p:nvPr/>
-      </p:nvGrpSpPr>
-      <p:grpSpPr>
-        <a:xfrm>
-          <a:off x="0" y="0"/>
-          <a:ext cx="0" cy="0"/>
-          <a:chOff x="0" y="0"/>
-          <a:chExt cx="0" cy="0"/>
-        </a:xfrm>
-      </p:grpSpPr>
-      <p:sp>
-        <p:nvSpPr>
-          <p:cNvPr id="5" name="TextBox 4"/>
-          <p:cNvSpPr txBox="1"/>
-          <p:nvPr/>
-        </p:nvSpPr>
-        <p:spPr>
-          <a:xfrm>
-            <a:off x="249243" y="1847840"/>
-            <a:ext cx="8985240" cy="1754327"/>
-          </a:xfrm>
-          <a:prstGeom prst="rect">
-            <a:avLst/>
-          </a:prstGeom>
-          <a:noFill/>
-        </p:spPr>
-        <p:txBody>
-          <a:bodyPr wrap="square" rtlCol="0">
-            <a:spAutoFit/>
-          </a:bodyPr>
-          <a:lstStyle/>
-          <a:p>
-            <a:pPr algn="l"/>
-            <a:r>
-              <a:rPr lang="en-US" sz="5400" dirty="0" smtClean="0">
-                <a:solidFill>
-                  <a:srgbClr val="000000"/>
-                </a:solidFill>
-                <a:latin typeface="Comic Sans MS" pitchFamily="66" charset="0"/>
-              </a:rPr>
-              <a:t>Because two formulas are</a:t>
-            </a:r>
-          </a:p>
-          <a:p>
-            <a:pPr algn="l"/>
-            <a:r>
-              <a:rPr lang="en-US" sz="5400" dirty="0" smtClean="0">
-                <a:solidFill>
-                  <a:srgbClr val="000000"/>
-                </a:solidFill>
-                <a:latin typeface="Comic Sans MS" pitchFamily="66" charset="0"/>
-              </a:rPr>
-              <a:t>equivalent </a:t>
-            </a:r>
-            <a:endParaRPr lang="en-US" sz="5400" dirty="0">
-              <a:solidFill>
-                <a:srgbClr val="000000"/>
-              </a:solidFill>
-              <a:latin typeface="Comic Sans MS" pitchFamily="66" charset="0"/>
-            </a:endParaRPr>
-          </a:p>
-        </p:txBody>
-      </p:sp>
-      <p:sp>
-        <p:nvSpPr>
-          <p:cNvPr id="9" name="Title 1"/>
-          <p:cNvSpPr>
-            <a:spLocks noGrp="1"/>
-          </p:cNvSpPr>
-          <p:nvPr>
-            <p:ph type="title"/>
-          </p:nvPr>
-        </p:nvSpPr>
-        <p:spPr>
-          <a:xfrm>
-            <a:off x="1651000" y="363538"/>
-            <a:ext cx="6794500" cy="1003300"/>
-          </a:xfrm>
-        </p:spPr>
-        <p:txBody>
-          <a:bodyPr/>
-          <a:lstStyle/>
-          <a:p>
-            <a:r>
-              <a:rPr lang="en-US" sz="4000" dirty="0" smtClean="0"/>
-              <a:t>Algebra for Equivalence</a:t>
-            </a:r>
-            <a:endParaRPr lang="en-US" sz="4000" dirty="0"/>
-          </a:p>
-        </p:txBody>
-      </p:sp>
-      <p:sp>
-        <p:nvSpPr>
-          <p:cNvPr id="4" name="Slide Number Placeholder 2"/>
-          <p:cNvSpPr>
-            <a:spLocks noGrp="1"/>
-          </p:cNvSpPr>
-          <p:nvPr>
-            <p:ph type="sldNum" sz="quarter" idx="10"/>
-          </p:nvPr>
-        </p:nvSpPr>
-        <p:spPr>
-          <a:xfrm>
-            <a:off x="7333815" y="6553200"/>
-            <a:ext cx="1810186" cy="276999"/>
-          </a:xfrm>
-        </p:spPr>
-        <p:txBody>
-          <a:bodyPr/>
-          <a:lstStyle/>
-          <a:p>
-            <a:r>
-              <a:rPr lang="en-US" dirty="0" smtClean="0"/>
-              <a:t>propositional algebra.</a:t>
-            </a:r>
-            <a:fld id="{3251DA95-B240-47FE-901D-B78FC8E8E532}" type="slidenum">
-              <a:rPr lang="en-US" smtClean="0"/>
-              <a:pPr/>
-              <a:t>45</a:t>
-            </a:fld>
-            <a:endParaRPr lang="en-US" dirty="0"/>
-          </a:p>
-        </p:txBody>
-      </p:sp>
-    </p:spTree>
-    <p:extLst>
-      <p:ext uri="{BB962C8B-B14F-4D97-AF65-F5344CB8AC3E}">
-        <p14:creationId xmlns:p14="http://schemas.microsoft.com/office/powerpoint/2010/main" val="2003119538"/>
-      </p:ext>
-    </p:extLst>
-  </p:cSld>
-  <p:clrMapOvr>
-    <a:masterClrMapping/>
-  </p:clrMapOvr>
-  <mc:AlternateContent xmlns:mc="http://schemas.openxmlformats.org/markup-compatibility/2006" xmlns:p14="http://schemas.microsoft.com/office/powerpoint/2010/main">
-    <mc:Choice Requires="p14">
-      <p:transition spd="med" p14:dur="700" advClick="0">
-        <p:fade/>
-      </p:transition>
-    </mc:Choice>
-    <mc:Fallback xmlns="">
-      <p:transition xmlns:p14="http://schemas.microsoft.com/office/powerpoint/2010/main" spd="med" advClick="0">
-        <p:fade/>
-      </p:transition>
-    </mc:Fallback>
-  </mc:AlternateContent>
-  <p:timing>
-    <p:tnLst>
-      <p:par>
-        <p:cTn xmlns:p14="http://schemas.microsoft.com/office/powerpoint/2010/main" id="1" dur="indefinite" restart="never" nodeType="tmRoot"/>
-      </p:par>
-    </p:tnLst>
-  </p:timing>
-</p:sld>
-</file>
-
-<file path=ppt/slides/slide46.xml><?xml version="1.0" encoding="utf-8"?>
-<p:sld xmlns:a="http://schemas.openxmlformats.org/drawingml/2006/main" xmlns:r="http://schemas.openxmlformats.org/officeDocument/2006/relationships" xmlns:p="http://schemas.openxmlformats.org/presentationml/2006/main">
-  <p:cSld>
-    <p:spTree>
-      <p:nvGrpSpPr>
-        <p:cNvPr id="1" name=""/>
-        <p:cNvGrpSpPr/>
-        <p:nvPr/>
-      </p:nvGrpSpPr>
-      <p:grpSpPr>
-        <a:xfrm>
-          <a:off x="0" y="0"/>
-          <a:ext cx="0" cy="0"/>
-          <a:chOff x="0" y="0"/>
-          <a:chExt cx="0" cy="0"/>
-        </a:xfrm>
-      </p:grpSpPr>
-      <p:sp>
-        <p:nvSpPr>
-          <p:cNvPr id="5" name="TextBox 4"/>
-          <p:cNvSpPr txBox="1"/>
-          <p:nvPr/>
-        </p:nvSpPr>
-        <p:spPr>
-          <a:xfrm>
-            <a:off x="249243" y="1847840"/>
-            <a:ext cx="8985240" cy="2585323"/>
-          </a:xfrm>
-          <a:prstGeom prst="rect">
-            <a:avLst/>
-          </a:prstGeom>
-          <a:noFill/>
-        </p:spPr>
-        <p:txBody>
-          <a:bodyPr wrap="square" rtlCol="0">
-            <a:spAutoFit/>
-          </a:bodyPr>
-          <a:lstStyle/>
-          <a:p>
-            <a:pPr algn="l"/>
-            <a:r>
-              <a:rPr lang="en-US" sz="5400" dirty="0" smtClean="0">
-                <a:solidFill>
-                  <a:srgbClr val="000000"/>
-                </a:solidFill>
-                <a:latin typeface="Comic Sans MS" pitchFamily="66" charset="0"/>
-              </a:rPr>
-              <a:t>Because two formulas are</a:t>
-            </a:r>
-          </a:p>
-          <a:p>
-            <a:pPr algn="l"/>
-            <a:r>
-              <a:rPr lang="en-US" sz="5400" dirty="0" smtClean="0">
-                <a:solidFill>
-                  <a:srgbClr val="000000"/>
-                </a:solidFill>
-                <a:latin typeface="Comic Sans MS" pitchFamily="66" charset="0"/>
-              </a:rPr>
-              <a:t>equivalent </a:t>
-            </a:r>
-            <a:r>
-              <a:rPr lang="en-US" sz="5400" dirty="0" err="1" smtClean="0">
-                <a:solidFill>
-                  <a:srgbClr val="000000"/>
-                </a:solidFill>
-                <a:latin typeface="Comic Sans MS" pitchFamily="66" charset="0"/>
-              </a:rPr>
-              <a:t>iff</a:t>
-            </a:r>
-            <a:r>
-              <a:rPr lang="en-US" sz="5400" dirty="0" smtClean="0">
-                <a:solidFill>
-                  <a:srgbClr val="000000"/>
-                </a:solidFill>
-                <a:latin typeface="Comic Sans MS" pitchFamily="66" charset="0"/>
-              </a:rPr>
-              <a:t> have same truth table</a:t>
-            </a:r>
-            <a:endParaRPr lang="en-US" sz="5400" dirty="0">
-              <a:solidFill>
-                <a:srgbClr val="000000"/>
-              </a:solidFill>
-              <a:latin typeface="Comic Sans MS" pitchFamily="66" charset="0"/>
-            </a:endParaRPr>
-          </a:p>
-        </p:txBody>
-      </p:sp>
-      <p:sp>
-        <p:nvSpPr>
-          <p:cNvPr id="9" name="Title 1"/>
-          <p:cNvSpPr>
-            <a:spLocks noGrp="1"/>
-          </p:cNvSpPr>
-          <p:nvPr>
-            <p:ph type="title"/>
-          </p:nvPr>
-        </p:nvSpPr>
-        <p:spPr>
-          <a:xfrm>
-            <a:off x="1651000" y="363538"/>
-            <a:ext cx="6794500" cy="1003300"/>
-          </a:xfrm>
-        </p:spPr>
-        <p:txBody>
-          <a:bodyPr/>
-          <a:lstStyle/>
-          <a:p>
-            <a:r>
-              <a:rPr lang="en-US" sz="4000" dirty="0" smtClean="0"/>
-              <a:t>Algebra for Equivalence</a:t>
-            </a:r>
-            <a:endParaRPr lang="en-US" sz="4000" dirty="0"/>
-          </a:p>
-        </p:txBody>
-      </p:sp>
-      <p:sp>
-        <p:nvSpPr>
-          <p:cNvPr id="4" name="Slide Number Placeholder 2"/>
-          <p:cNvSpPr>
-            <a:spLocks noGrp="1"/>
-          </p:cNvSpPr>
-          <p:nvPr>
-            <p:ph type="sldNum" sz="quarter" idx="10"/>
-          </p:nvPr>
-        </p:nvSpPr>
-        <p:spPr>
-          <a:xfrm>
-            <a:off x="7333815" y="6553200"/>
-            <a:ext cx="1810186" cy="276999"/>
-          </a:xfrm>
-        </p:spPr>
-        <p:txBody>
-          <a:bodyPr/>
-          <a:lstStyle/>
-          <a:p>
-            <a:r>
-              <a:rPr lang="en-US" dirty="0" smtClean="0"/>
-              <a:t>propositional algebra.</a:t>
-            </a:r>
-            <a:fld id="{3251DA95-B240-47FE-901D-B78FC8E8E532}" type="slidenum">
-              <a:rPr lang="en-US" smtClean="0"/>
-              <a:pPr/>
-              <a:t>46</a:t>
-            </a:fld>
-            <a:endParaRPr lang="en-US" dirty="0"/>
-          </a:p>
-        </p:txBody>
-      </p:sp>
-    </p:spTree>
-    <p:extLst>
-      <p:ext uri="{BB962C8B-B14F-4D97-AF65-F5344CB8AC3E}">
-        <p14:creationId xmlns:p14="http://schemas.microsoft.com/office/powerpoint/2010/main" val="2442323819"/>
-      </p:ext>
-    </p:extLst>
-  </p:cSld>
-  <p:clrMapOvr>
-    <a:masterClrMapping/>
-  </p:clrMapOvr>
-  <mc:AlternateContent xmlns:mc="http://schemas.openxmlformats.org/markup-compatibility/2006" xmlns:p14="http://schemas.microsoft.com/office/powerpoint/2010/main">
-    <mc:Choice Requires="p14">
-      <p:transition spd="med" p14:dur="700" advClick="0">
-        <p:fade/>
-      </p:transition>
-    </mc:Choice>
-    <mc:Fallback xmlns="">
-      <p:transition xmlns:p14="http://schemas.microsoft.com/office/powerpoint/2010/main" spd="med" advClick="0">
-        <p:fade/>
-      </p:transition>
-    </mc:Fallback>
-  </mc:AlternateContent>
-  <p:timing>
-    <p:tnLst>
-      <p:par>
-        <p:cTn xmlns:p14="http://schemas.microsoft.com/office/powerpoint/2010/main" id="1" dur="indefinite" restart="never" nodeType="tmRoot"/>
-      </p:par>
-    </p:tnLst>
-  </p:timing>
-</p:sld>
-</file>
-
 <file path=ppt/slides/slide47.xml><?xml version="1.0" encoding="utf-8"?>
 <p:sld xmlns:a="http://schemas.openxmlformats.org/drawingml/2006/main" xmlns:r="http://schemas.openxmlformats.org/officeDocument/2006/relationships" xmlns:p="http://schemas.openxmlformats.org/presentationml/2006/main">
   <p:cSld>
@@ -22212,7 +22996,7 @@
         <p:spPr>
           <a:xfrm>
             <a:off x="249243" y="1847840"/>
-            <a:ext cx="8985240" cy="3416320"/>
+            <a:ext cx="8985240" cy="1754327"/>
           </a:xfrm>
           <a:prstGeom prst="rect">
             <a:avLst/>
@@ -22247,54 +23031,6 @@
               </a:rPr>
               <a:t>equivalent </a:t>
             </a:r>
-            <a:r>
-              <a:rPr lang="en-US" sz="5400" dirty="0" err="1" smtClean="0">
-                <a:solidFill>
-                  <a:srgbClr val="000000"/>
-                </a:solidFill>
-                <a:latin typeface="Comic Sans MS" pitchFamily="66" charset="0"/>
-              </a:rPr>
-              <a:t>iff</a:t>
-            </a:r>
-            <a:r>
-              <a:rPr lang="en-US" sz="5400" dirty="0" smtClean="0">
-                <a:solidFill>
-                  <a:srgbClr val="000000"/>
-                </a:solidFill>
-                <a:latin typeface="Comic Sans MS" pitchFamily="66" charset="0"/>
-              </a:rPr>
-              <a:t> have same truth table </a:t>
-            </a:r>
-            <a:r>
-              <a:rPr lang="en-US" sz="5400" dirty="0" err="1" smtClean="0">
-                <a:solidFill>
-                  <a:srgbClr val="000000"/>
-                </a:solidFill>
-                <a:latin typeface="Comic Sans MS" pitchFamily="66" charset="0"/>
-              </a:rPr>
-              <a:t>iff</a:t>
-            </a:r>
-            <a:r>
-              <a:rPr lang="en-US" sz="5400" dirty="0" smtClean="0">
-                <a:solidFill>
-                  <a:srgbClr val="000000"/>
-                </a:solidFill>
-                <a:latin typeface="Comic Sans MS" pitchFamily="66" charset="0"/>
-              </a:rPr>
-              <a:t> have same</a:t>
-            </a:r>
-          </a:p>
-          <a:p>
-            <a:pPr algn="l"/>
-            <a:r>
-              <a:rPr lang="en-US" sz="5400" dirty="0" smtClean="0">
-                <a:solidFill>
-                  <a:srgbClr val="000000"/>
-                </a:solidFill>
-                <a:latin typeface="Comic Sans MS" pitchFamily="66" charset="0"/>
-              </a:rPr>
-              <a:t>sorted Full DNF.</a:t>
-            </a:r>
             <a:endParaRPr lang="en-US" sz="5400" dirty="0">
               <a:solidFill>
                 <a:srgbClr val="000000"/>
@@ -22368,7 +23104,7 @@
     </p:spTree>
     <p:extLst>
       <p:ext uri="{BB962C8B-B14F-4D97-AF65-F5344CB8AC3E}">
-        <p14:creationId xmlns:p14="http://schemas.microsoft.com/office/powerpoint/2010/main" val="1661767375"/>
+        <p14:creationId xmlns:p14="http://schemas.microsoft.com/office/powerpoint/2010/main" val="2003119538"/>
       </p:ext>
     </p:extLst>
   </p:cSld>
@@ -22422,8 +23158,8 @@
         </p:nvSpPr>
         <p:spPr>
           <a:xfrm>
-            <a:off x="627063" y="1308100"/>
-            <a:ext cx="7970837" cy="2585323"/>
+            <a:off x="249243" y="1847840"/>
+            <a:ext cx="8985240" cy="2585323"/>
           </a:xfrm>
           <a:prstGeom prst="rect">
             <a:avLst/>
@@ -22439,28 +23175,46 @@
             <a:pPr algn="l"/>
             <a:r>
               <a:rPr lang="en-US" sz="5400" dirty="0" smtClean="0">
-                <a:latin typeface="Comic Sans MS" pitchFamily="66" charset="0"/>
-              </a:rPr>
-              <a:t>Algebraic proofs </a:t>
-            </a:r>
-            <a:r>
-              <a:rPr lang="en-US" sz="5400" dirty="0" smtClean="0">
                 <a:solidFill>
-                  <a:srgbClr val="FF03E3"/>
+                  <a:srgbClr val="000000"/>
                 </a:solidFill>
                 <a:latin typeface="Comic Sans MS" pitchFamily="66" charset="0"/>
               </a:rPr>
-              <a:t>in general</a:t>
-            </a:r>
+              <a:t>Because two formulas are</a:t>
+            </a:r>
+          </a:p>
+          <a:p>
+            <a:pPr algn="l"/>
             <a:r>
               <a:rPr lang="en-US" sz="5400" dirty="0" smtClean="0">
+                <a:solidFill>
+                  <a:srgbClr val="000000"/>
+                </a:solidFill>
                 <a:latin typeface="Comic Sans MS" pitchFamily="66" charset="0"/>
               </a:rPr>
-              <a:t> don’t beat truth tables.</a:t>
+              <a:t>equivalent </a:t>
+            </a:r>
+            <a:r>
+              <a:rPr lang="en-US" sz="5400" dirty="0" err="1" smtClean="0">
+                <a:solidFill>
+                  <a:srgbClr val="000000"/>
+                </a:solidFill>
+                <a:latin typeface="Comic Sans MS" pitchFamily="66" charset="0"/>
+              </a:rPr>
+              <a:t>iff</a:t>
+            </a:r>
+            <a:r>
+              <a:rPr lang="en-US" sz="5400" dirty="0" smtClean="0">
+                <a:solidFill>
+                  <a:srgbClr val="000000"/>
+                </a:solidFill>
+                <a:latin typeface="Comic Sans MS" pitchFamily="66" charset="0"/>
+              </a:rPr>
+              <a:t> have same truth table</a:t>
             </a:r>
             <a:endParaRPr lang="en-US" sz="5400" dirty="0">
               <a:solidFill>
-                <a:srgbClr val="0000F1"/>
+                <a:srgbClr val="000000"/>
               </a:solidFill>
               <a:latin typeface="Comic Sans MS" pitchFamily="66" charset="0"/>
             </a:endParaRPr>
@@ -22469,7 +23223,35 @@
       </p:sp>
       <p:sp>
         <p:nvSpPr>
-          <p:cNvPr id="6" name="Slide Number Placeholder 2"/>
+          <p:cNvPr id="9" name="Title 1"/>
+          <p:cNvSpPr>
+            <a:spLocks noGrp="1"/>
+          </p:cNvSpPr>
+          <p:nvPr>
+            <p:ph type="title"/>
+          </p:nvPr>
+        </p:nvSpPr>
+        <p:spPr>
+          <a:xfrm>
+            <a:off x="1651000" y="363538"/>
+            <a:ext cx="6794500" cy="1003300"/>
+          </a:xfrm>
+        </p:spPr>
+        <p:txBody>
+          <a:bodyPr/>
+          <a:lstStyle/>
+          <a:p>
+            <a:r>
+              <a:rPr lang="en-US" sz="4000" dirty="0" smtClean="0"/>
+              <a:t>Algebra for Equivalence</a:t>
+            </a:r>
+            <a:endParaRPr lang="en-US" sz="4000" dirty="0"/>
+          </a:p>
+        </p:txBody>
+      </p:sp>
+      <p:sp>
+        <p:nvSpPr>
+          <p:cNvPr id="4" name="Slide Number Placeholder 2"/>
           <p:cNvSpPr>
             <a:spLocks noGrp="1"/>
           </p:cNvSpPr>
@@ -22503,16 +23285,25 @@
     </p:spTree>
     <p:extLst>
       <p:ext uri="{BB962C8B-B14F-4D97-AF65-F5344CB8AC3E}">
-        <p14:creationId xmlns:p14="http://schemas.microsoft.com/office/powerpoint/2010/main" val="1193270480"/>
+        <p14:creationId xmlns:p14="http://schemas.microsoft.com/office/powerpoint/2010/main" val="2442323819"/>
       </p:ext>
     </p:extLst>
   </p:cSld>
   <p:clrMapOvr>
     <a:masterClrMapping/>
   </p:clrMapOvr>
-  <p:transition xmlns:p14="http://schemas.microsoft.com/office/powerpoint/2010/main" spd="slow" advClick="0">
-    <p:fade thruBlk="1"/>
-  </p:transition>
+  <mc:AlternateContent xmlns:mc="http://schemas.openxmlformats.org/markup-compatibility/2006" xmlns:p14="http://schemas.microsoft.com/office/powerpoint/2010/main">
+    <mc:Choice Requires="p14">
+      <p:transition spd="med" p14:dur="700" advClick="0">
+        <p:fade/>
+      </p:transition>
+    </mc:Choice>
+    <mc:Fallback xmlns="">
+      <p:transition xmlns:p14="http://schemas.microsoft.com/office/powerpoint/2010/main" spd="med" advClick="0">
+        <p:fade/>
+      </p:transition>
+    </mc:Fallback>
+  </mc:AlternateContent>
   <p:timing>
     <p:tnLst>
       <p:par>
@@ -22548,8 +23339,8 @@
         </p:nvSpPr>
         <p:spPr>
           <a:xfrm>
-            <a:off x="627063" y="1308100"/>
-            <a:ext cx="7970837" cy="5078313"/>
+            <a:off x="249243" y="1847840"/>
+            <a:ext cx="8985240" cy="3416320"/>
           </a:xfrm>
           <a:prstGeom prst="rect">
             <a:avLst/>
@@ -22565,63 +23356,76 @@
             <a:pPr algn="l"/>
             <a:r>
               <a:rPr lang="en-US" sz="5400" dirty="0" smtClean="0">
-                <a:latin typeface="Comic Sans MS" pitchFamily="66" charset="0"/>
-              </a:rPr>
-              <a:t>Algebraic proofs in general don’t beat truth tables.  The </a:t>
-            </a:r>
-            <a:r>
-              <a:rPr lang="en-US" sz="5400" dirty="0" smtClean="0">
                 <a:solidFill>
-                  <a:schemeClr val="accent1">
-                    <a:lumMod val="50000"/>
-                  </a:schemeClr>
+                  <a:srgbClr val="000000"/>
                 </a:solidFill>
                 <a:latin typeface="Comic Sans MS" pitchFamily="66" charset="0"/>
               </a:rPr>
-              <a:t>DNF</a:t>
-            </a:r>
-            <a:r>
-              <a:rPr lang="en-US" sz="5400" dirty="0" smtClean="0">
-                <a:latin typeface="Comic Sans MS" pitchFamily="66" charset="0"/>
-              </a:rPr>
-              <a:t> is just a </a:t>
-            </a:r>
+              <a:t>Because two formulas are</a:t>
+            </a:r>
+          </a:p>
+          <a:p>
+            <a:pPr algn="l"/>
             <a:r>
               <a:rPr lang="en-US" sz="5400" dirty="0" smtClean="0">
                 <a:solidFill>
-                  <a:srgbClr val="FF03E3"/>
+                  <a:srgbClr val="000000"/>
                 </a:solidFill>
                 <a:latin typeface="Comic Sans MS" pitchFamily="66" charset="0"/>
               </a:rPr>
-              <a:t>copy of the truth table</a:t>
-            </a:r>
-            <a:r>
-              <a:rPr lang="en-US" sz="5400" dirty="0" smtClean="0">
-                <a:latin typeface="Comic Sans MS" pitchFamily="66" charset="0"/>
-              </a:rPr>
-              <a:t> as an </a:t>
-            </a:r>
-            <a:r>
-              <a:rPr lang="en-US" sz="5400" dirty="0">
+              <a:t>equivalent </a:t>
+            </a:r>
+            <a:r>
+              <a:rPr lang="en-US" sz="5400" dirty="0" err="1" smtClean="0">
                 <a:solidFill>
-                  <a:schemeClr val="tx2"/>
+                  <a:srgbClr val="000000"/>
                 </a:solidFill>
                 <a:latin typeface="Comic Sans MS" pitchFamily="66" charset="0"/>
               </a:rPr>
-              <a:t>algebraic </a:t>
+              <a:t>iff</a:t>
             </a:r>
             <a:r>
               <a:rPr lang="en-US" sz="5400" dirty="0" smtClean="0">
                 <a:solidFill>
-                  <a:schemeClr val="tx2"/>
+                  <a:srgbClr val="000000"/>
                 </a:solidFill>
                 <a:latin typeface="Comic Sans MS" pitchFamily="66" charset="0"/>
               </a:rPr>
-              <a:t>formula.</a:t>
+              <a:t> have same truth table </a:t>
+            </a:r>
+            <a:r>
+              <a:rPr lang="en-US" sz="5400" dirty="0" err="1" smtClean="0">
+                <a:solidFill>
+                  <a:srgbClr val="000000"/>
+                </a:solidFill>
+                <a:latin typeface="Comic Sans MS" pitchFamily="66" charset="0"/>
+              </a:rPr>
+              <a:t>iff</a:t>
+            </a:r>
+            <a:r>
+              <a:rPr lang="en-US" sz="5400" dirty="0" smtClean="0">
+                <a:solidFill>
+                  <a:srgbClr val="000000"/>
+                </a:solidFill>
+                <a:latin typeface="Comic Sans MS" pitchFamily="66" charset="0"/>
+              </a:rPr>
+              <a:t> have same</a:t>
+            </a:r>
+          </a:p>
+          <a:p>
+            <a:pPr algn="l"/>
+            <a:r>
+              <a:rPr lang="en-US" sz="5400" dirty="0" smtClean="0">
+                <a:solidFill>
+                  <a:srgbClr val="000000"/>
+                </a:solidFill>
+                <a:latin typeface="Comic Sans MS" pitchFamily="66" charset="0"/>
+              </a:rPr>
+              <a:t>sorted Full DNF.</a:t>
             </a:r>
             <a:endParaRPr lang="en-US" sz="5400" dirty="0">
               <a:solidFill>
-                <a:schemeClr val="tx2"/>
+                <a:srgbClr val="000000"/>
               </a:solidFill>
               <a:latin typeface="Comic Sans MS" pitchFamily="66" charset="0"/>
             </a:endParaRPr>
@@ -22630,7 +23434,35 @@
       </p:sp>
       <p:sp>
         <p:nvSpPr>
-          <p:cNvPr id="6" name="Slide Number Placeholder 2"/>
+          <p:cNvPr id="9" name="Title 1"/>
+          <p:cNvSpPr>
+            <a:spLocks noGrp="1"/>
+          </p:cNvSpPr>
+          <p:nvPr>
+            <p:ph type="title"/>
+          </p:nvPr>
+        </p:nvSpPr>
+        <p:spPr>
+          <a:xfrm>
+            <a:off x="1651000" y="363538"/>
+            <a:ext cx="6794500" cy="1003300"/>
+          </a:xfrm>
+        </p:spPr>
+        <p:txBody>
+          <a:bodyPr/>
+          <a:lstStyle/>
+          <a:p>
+            <a:r>
+              <a:rPr lang="en-US" sz="4000" dirty="0" smtClean="0"/>
+              <a:t>Algebra for Equivalence</a:t>
+            </a:r>
+            <a:endParaRPr lang="en-US" sz="4000" dirty="0"/>
+          </a:p>
+        </p:txBody>
+      </p:sp>
+      <p:sp>
+        <p:nvSpPr>
+          <p:cNvPr id="4" name="Slide Number Placeholder 2"/>
           <p:cNvSpPr>
             <a:spLocks noGrp="1"/>
           </p:cNvSpPr>
@@ -22661,38 +23493,10 @@
           </a:p>
         </p:txBody>
       </p:sp>
-      <p:sp>
-        <p:nvSpPr>
-          <p:cNvPr id="7" name="Title 1"/>
-          <p:cNvSpPr>
-            <a:spLocks noGrp="1"/>
-          </p:cNvSpPr>
-          <p:nvPr>
-            <p:ph type="title"/>
-          </p:nvPr>
-        </p:nvSpPr>
-        <p:spPr>
-          <a:xfrm>
-            <a:off x="2049478" y="325438"/>
-            <a:ext cx="6227298" cy="1058862"/>
-          </a:xfrm>
-        </p:spPr>
-        <p:txBody>
-          <a:bodyPr/>
-          <a:lstStyle/>
-          <a:p>
-            <a:r>
-              <a:rPr lang="en-US" sz="3600" dirty="0" smtClean="0"/>
-              <a:t>Validity Checking still hard</a:t>
-            </a:r>
-            <a:endParaRPr lang="en-US" sz="3600" dirty="0"/>
-          </a:p>
-        </p:txBody>
-      </p:sp>
     </p:spTree>
     <p:extLst>
       <p:ext uri="{BB962C8B-B14F-4D97-AF65-F5344CB8AC3E}">
-        <p14:creationId xmlns:p14="http://schemas.microsoft.com/office/powerpoint/2010/main" val="2742694273"/>
+        <p14:creationId xmlns:p14="http://schemas.microsoft.com/office/powerpoint/2010/main" val="1661767375"/>
       </p:ext>
     </p:extLst>
   </p:cSld>
@@ -22714,88 +23518,9 @@
   <p:timing>
     <p:tnLst>
       <p:par>
-        <p:cTn xmlns:p14="http://schemas.microsoft.com/office/powerpoint/2010/main" id="1" dur="indefinite" restart="never" nodeType="tmRoot">
-          <p:childTnLst>
-            <p:seq concurrent="1" nextAc="seek">
-              <p:cTn id="2" dur="indefinite" nodeType="mainSeq">
-                <p:childTnLst>
-                  <p:par>
-                    <p:cTn id="3" fill="hold">
-                      <p:stCondLst>
-                        <p:cond delay="indefinite"/>
-                      </p:stCondLst>
-                      <p:childTnLst>
-                        <p:par>
-                          <p:cTn id="4" fill="hold">
-                            <p:stCondLst>
-                              <p:cond delay="0"/>
-                            </p:stCondLst>
-                            <p:childTnLst>
-                              <p:par>
-                                <p:cTn id="5" presetID="10" presetClass="entr" presetSubtype="0" fill="hold" grpId="0" nodeType="clickEffect">
-                                  <p:stCondLst>
-                                    <p:cond delay="0"/>
-                                  </p:stCondLst>
-                                  <p:childTnLst>
-                                    <p:set>
-                                      <p:cBhvr>
-                                        <p:cTn id="6" dur="1" fill="hold">
-                                          <p:stCondLst>
-                                            <p:cond delay="0"/>
-                                          </p:stCondLst>
-                                        </p:cTn>
-                                        <p:tgtEl>
-                                          <p:spTgt spid="7"/>
-                                        </p:tgtEl>
-                                        <p:attrNameLst>
-                                          <p:attrName>style.visibility</p:attrName>
-                                        </p:attrNameLst>
-                                      </p:cBhvr>
-                                      <p:to>
-                                        <p:strVal val="visible"/>
-                                      </p:to>
-                                    </p:set>
-                                    <p:animEffect transition="in" filter="fade">
-                                      <p:cBhvr>
-                                        <p:cTn id="7" dur="500"/>
-                                        <p:tgtEl>
-                                          <p:spTgt spid="7"/>
-                                        </p:tgtEl>
-                                      </p:cBhvr>
-                                    </p:animEffect>
-                                  </p:childTnLst>
-                                </p:cTn>
-                              </p:par>
-                            </p:childTnLst>
-                          </p:cTn>
-                        </p:par>
-                      </p:childTnLst>
-                    </p:cTn>
-                  </p:par>
-                </p:childTnLst>
-              </p:cTn>
-              <p:prevCondLst>
-                <p:cond evt="onPrev" delay="0">
-                  <p:tgtEl>
-                    <p:sldTgt/>
-                  </p:tgtEl>
-                </p:cond>
-              </p:prevCondLst>
-              <p:nextCondLst>
-                <p:cond evt="onNext" delay="0">
-                  <p:tgtEl>
-                    <p:sldTgt/>
-                  </p:tgtEl>
-                </p:cond>
-              </p:nextCondLst>
-            </p:seq>
-          </p:childTnLst>
-        </p:cTn>
+        <p:cTn xmlns:p14="http://schemas.microsoft.com/office/powerpoint/2010/main" id="1" dur="indefinite" restart="never" nodeType="tmRoot"/>
       </p:par>
     </p:tnLst>
-    <p:bldLst>
-      <p:bldP spid="7" grpId="0"/>
-    </p:bldLst>
   </p:timing>
 </p:sld>
 </file>
@@ -22941,7 +23666,7 @@
           <a:graphicData uri="http://schemas.openxmlformats.org/presentationml/2006/ole">
             <mc:AlternateContent xmlns:mc="http://schemas.openxmlformats.org/markup-compatibility/2006">
               <mc:Choice xmlns:v="urn:schemas-microsoft-com:vml" Requires="v">
-                <p:oleObj spid="_x0000_s1092" name="Equation" r:id="rId4" imgW="1295400" imgH="228600" progId="Equation.DSMT4">
+                <p:oleObj spid="_x0000_s1099" name="Equation" r:id="rId4" imgW="1295400" imgH="228600" progId="Equation.DSMT4">
                   <p:embed/>
                 </p:oleObj>
               </mc:Choice>
@@ -23110,6 +23835,409 @@
         <p:spPr>
           <a:xfrm>
             <a:off x="627063" y="1308100"/>
+            <a:ext cx="7970837" cy="2585323"/>
+          </a:xfrm>
+          <a:prstGeom prst="rect">
+            <a:avLst/>
+          </a:prstGeom>
+          <a:noFill/>
+        </p:spPr>
+        <p:txBody>
+          <a:bodyPr wrap="square" rtlCol="0">
+            <a:spAutoFit/>
+          </a:bodyPr>
+          <a:lstStyle/>
+          <a:p>
+            <a:pPr algn="l"/>
+            <a:r>
+              <a:rPr lang="en-US" sz="5400" dirty="0" smtClean="0">
+                <a:latin typeface="Comic Sans MS" pitchFamily="66" charset="0"/>
+              </a:rPr>
+              <a:t>Algebraic proofs </a:t>
+            </a:r>
+            <a:r>
+              <a:rPr lang="en-US" sz="5400" dirty="0" smtClean="0">
+                <a:solidFill>
+                  <a:srgbClr val="FF03E3"/>
+                </a:solidFill>
+                <a:latin typeface="Comic Sans MS" pitchFamily="66" charset="0"/>
+              </a:rPr>
+              <a:t>in general</a:t>
+            </a:r>
+            <a:r>
+              <a:rPr lang="en-US" sz="5400" dirty="0" smtClean="0">
+                <a:latin typeface="Comic Sans MS" pitchFamily="66" charset="0"/>
+              </a:rPr>
+              <a:t> don’t beat truth tables.</a:t>
+            </a:r>
+            <a:endParaRPr lang="en-US" sz="5400" dirty="0">
+              <a:solidFill>
+                <a:srgbClr val="0000F1"/>
+              </a:solidFill>
+              <a:latin typeface="Comic Sans MS" pitchFamily="66" charset="0"/>
+            </a:endParaRPr>
+          </a:p>
+        </p:txBody>
+      </p:sp>
+      <p:sp>
+        <p:nvSpPr>
+          <p:cNvPr id="6" name="Slide Number Placeholder 2"/>
+          <p:cNvSpPr>
+            <a:spLocks noGrp="1"/>
+          </p:cNvSpPr>
+          <p:nvPr>
+            <p:ph type="sldNum" sz="quarter" idx="10"/>
+          </p:nvPr>
+        </p:nvSpPr>
+        <p:spPr>
+          <a:xfrm>
+            <a:off x="7333815" y="6553200"/>
+            <a:ext cx="1810186" cy="276999"/>
+          </a:xfrm>
+        </p:spPr>
+        <p:txBody>
+          <a:bodyPr/>
+          <a:lstStyle/>
+          <a:p>
+            <a:r>
+              <a:rPr lang="en-US" dirty="0" smtClean="0"/>
+              <a:t>propositional algebra.</a:t>
+            </a:r>
+            <a:fld id="{3251DA95-B240-47FE-901D-B78FC8E8E532}" type="slidenum">
+              <a:rPr lang="en-US" smtClean="0"/>
+              <a:pPr/>
+              <a:t>50</a:t>
+            </a:fld>
+            <a:endParaRPr lang="en-US" dirty="0"/>
+          </a:p>
+        </p:txBody>
+      </p:sp>
+    </p:spTree>
+    <p:extLst>
+      <p:ext uri="{BB962C8B-B14F-4D97-AF65-F5344CB8AC3E}">
+        <p14:creationId xmlns:p14="http://schemas.microsoft.com/office/powerpoint/2010/main" val="1193270480"/>
+      </p:ext>
+    </p:extLst>
+  </p:cSld>
+  <p:clrMapOvr>
+    <a:masterClrMapping/>
+  </p:clrMapOvr>
+  <p:transition xmlns:p14="http://schemas.microsoft.com/office/powerpoint/2010/main" spd="slow" advClick="0">
+    <p:fade thruBlk="1"/>
+  </p:transition>
+  <p:timing>
+    <p:tnLst>
+      <p:par>
+        <p:cTn xmlns:p14="http://schemas.microsoft.com/office/powerpoint/2010/main" id="1" dur="indefinite" restart="never" nodeType="tmRoot"/>
+      </p:par>
+    </p:tnLst>
+  </p:timing>
+</p:sld>
+</file>
+
+<file path=ppt/slides/slide51.xml><?xml version="1.0" encoding="utf-8"?>
+<p:sld xmlns:a="http://schemas.openxmlformats.org/drawingml/2006/main" xmlns:r="http://schemas.openxmlformats.org/officeDocument/2006/relationships" xmlns:p="http://schemas.openxmlformats.org/presentationml/2006/main">
+  <p:cSld>
+    <p:spTree>
+      <p:nvGrpSpPr>
+        <p:cNvPr id="1" name=""/>
+        <p:cNvGrpSpPr/>
+        <p:nvPr/>
+      </p:nvGrpSpPr>
+      <p:grpSpPr>
+        <a:xfrm>
+          <a:off x="0" y="0"/>
+          <a:ext cx="0" cy="0"/>
+          <a:chOff x="0" y="0"/>
+          <a:chExt cx="0" cy="0"/>
+        </a:xfrm>
+      </p:grpSpPr>
+      <p:sp>
+        <p:nvSpPr>
+          <p:cNvPr id="5" name="TextBox 4"/>
+          <p:cNvSpPr txBox="1"/>
+          <p:nvPr/>
+        </p:nvSpPr>
+        <p:spPr>
+          <a:xfrm>
+            <a:off x="627063" y="1308100"/>
+            <a:ext cx="7970837" cy="5078313"/>
+          </a:xfrm>
+          <a:prstGeom prst="rect">
+            <a:avLst/>
+          </a:prstGeom>
+          <a:noFill/>
+        </p:spPr>
+        <p:txBody>
+          <a:bodyPr wrap="square" rtlCol="0">
+            <a:spAutoFit/>
+          </a:bodyPr>
+          <a:lstStyle/>
+          <a:p>
+            <a:pPr algn="l"/>
+            <a:r>
+              <a:rPr lang="en-US" sz="5400" dirty="0" smtClean="0">
+                <a:latin typeface="Comic Sans MS" pitchFamily="66" charset="0"/>
+              </a:rPr>
+              <a:t>Algebraic proofs in general don’t beat truth tables.  The </a:t>
+            </a:r>
+            <a:r>
+              <a:rPr lang="en-US" sz="5400" dirty="0" smtClean="0">
+                <a:solidFill>
+                  <a:schemeClr val="accent1">
+                    <a:lumMod val="50000"/>
+                  </a:schemeClr>
+                </a:solidFill>
+                <a:latin typeface="Comic Sans MS" pitchFamily="66" charset="0"/>
+              </a:rPr>
+              <a:t>DNF</a:t>
+            </a:r>
+            <a:r>
+              <a:rPr lang="en-US" sz="5400" dirty="0" smtClean="0">
+                <a:latin typeface="Comic Sans MS" pitchFamily="66" charset="0"/>
+              </a:rPr>
+              <a:t> is just a </a:t>
+            </a:r>
+            <a:r>
+              <a:rPr lang="en-US" sz="5400" dirty="0" smtClean="0">
+                <a:solidFill>
+                  <a:srgbClr val="FF03E3"/>
+                </a:solidFill>
+                <a:latin typeface="Comic Sans MS" pitchFamily="66" charset="0"/>
+              </a:rPr>
+              <a:t>copy of the truth table</a:t>
+            </a:r>
+            <a:r>
+              <a:rPr lang="en-US" sz="5400" dirty="0" smtClean="0">
+                <a:latin typeface="Comic Sans MS" pitchFamily="66" charset="0"/>
+              </a:rPr>
+              <a:t> as an </a:t>
+            </a:r>
+            <a:r>
+              <a:rPr lang="en-US" sz="5400" dirty="0">
+                <a:solidFill>
+                  <a:schemeClr val="tx2"/>
+                </a:solidFill>
+                <a:latin typeface="Comic Sans MS" pitchFamily="66" charset="0"/>
+              </a:rPr>
+              <a:t>algebraic </a:t>
+            </a:r>
+            <a:r>
+              <a:rPr lang="en-US" sz="5400" dirty="0" smtClean="0">
+                <a:solidFill>
+                  <a:schemeClr val="tx2"/>
+                </a:solidFill>
+                <a:latin typeface="Comic Sans MS" pitchFamily="66" charset="0"/>
+              </a:rPr>
+              <a:t>formula.</a:t>
+            </a:r>
+            <a:endParaRPr lang="en-US" sz="5400" dirty="0">
+              <a:solidFill>
+                <a:schemeClr val="tx2"/>
+              </a:solidFill>
+              <a:latin typeface="Comic Sans MS" pitchFamily="66" charset="0"/>
+            </a:endParaRPr>
+          </a:p>
+        </p:txBody>
+      </p:sp>
+      <p:sp>
+        <p:nvSpPr>
+          <p:cNvPr id="6" name="Slide Number Placeholder 2"/>
+          <p:cNvSpPr>
+            <a:spLocks noGrp="1"/>
+          </p:cNvSpPr>
+          <p:nvPr>
+            <p:ph type="sldNum" sz="quarter" idx="10"/>
+          </p:nvPr>
+        </p:nvSpPr>
+        <p:spPr>
+          <a:xfrm>
+            <a:off x="7333815" y="6553200"/>
+            <a:ext cx="1810186" cy="276999"/>
+          </a:xfrm>
+        </p:spPr>
+        <p:txBody>
+          <a:bodyPr/>
+          <a:lstStyle/>
+          <a:p>
+            <a:r>
+              <a:rPr lang="en-US" dirty="0" smtClean="0"/>
+              <a:t>propositional algebra.</a:t>
+            </a:r>
+            <a:fld id="{3251DA95-B240-47FE-901D-B78FC8E8E532}" type="slidenum">
+              <a:rPr lang="en-US" smtClean="0"/>
+              <a:pPr/>
+              <a:t>51</a:t>
+            </a:fld>
+            <a:endParaRPr lang="en-US" dirty="0"/>
+          </a:p>
+        </p:txBody>
+      </p:sp>
+      <p:sp>
+        <p:nvSpPr>
+          <p:cNvPr id="7" name="Title 1"/>
+          <p:cNvSpPr>
+            <a:spLocks noGrp="1"/>
+          </p:cNvSpPr>
+          <p:nvPr>
+            <p:ph type="title"/>
+          </p:nvPr>
+        </p:nvSpPr>
+        <p:spPr>
+          <a:xfrm>
+            <a:off x="2049478" y="325438"/>
+            <a:ext cx="6227298" cy="1058862"/>
+          </a:xfrm>
+        </p:spPr>
+        <p:txBody>
+          <a:bodyPr/>
+          <a:lstStyle/>
+          <a:p>
+            <a:r>
+              <a:rPr lang="en-US" sz="3600" dirty="0" smtClean="0"/>
+              <a:t>Validity Checking still hard</a:t>
+            </a:r>
+            <a:endParaRPr lang="en-US" sz="3600" dirty="0"/>
+          </a:p>
+        </p:txBody>
+      </p:sp>
+    </p:spTree>
+    <p:extLst>
+      <p:ext uri="{BB962C8B-B14F-4D97-AF65-F5344CB8AC3E}">
+        <p14:creationId xmlns:p14="http://schemas.microsoft.com/office/powerpoint/2010/main" val="2742694273"/>
+      </p:ext>
+    </p:extLst>
+  </p:cSld>
+  <p:clrMapOvr>
+    <a:masterClrMapping/>
+  </p:clrMapOvr>
+  <mc:AlternateContent xmlns:mc="http://schemas.openxmlformats.org/markup-compatibility/2006" xmlns:p14="http://schemas.microsoft.com/office/powerpoint/2010/main">
+    <mc:Choice Requires="p14">
+      <p:transition spd="med" p14:dur="700" advClick="0">
+        <p:fade/>
+      </p:transition>
+    </mc:Choice>
+    <mc:Fallback xmlns="">
+      <p:transition xmlns:p14="http://schemas.microsoft.com/office/powerpoint/2010/main" spd="med" advClick="0">
+        <p:fade/>
+      </p:transition>
+    </mc:Fallback>
+  </mc:AlternateContent>
+  <p:timing>
+    <p:tnLst>
+      <p:par>
+        <p:cTn xmlns:p14="http://schemas.microsoft.com/office/powerpoint/2010/main" id="1" dur="indefinite" restart="never" nodeType="tmRoot">
+          <p:childTnLst>
+            <p:seq concurrent="1" nextAc="seek">
+              <p:cTn id="2" dur="indefinite" nodeType="mainSeq">
+                <p:childTnLst>
+                  <p:par>
+                    <p:cTn id="3" fill="hold">
+                      <p:stCondLst>
+                        <p:cond delay="indefinite"/>
+                      </p:stCondLst>
+                      <p:childTnLst>
+                        <p:par>
+                          <p:cTn id="4" fill="hold">
+                            <p:stCondLst>
+                              <p:cond delay="0"/>
+                            </p:stCondLst>
+                            <p:childTnLst>
+                              <p:par>
+                                <p:cTn id="5" presetID="10" presetClass="entr" presetSubtype="0" fill="hold" grpId="0" nodeType="clickEffect">
+                                  <p:stCondLst>
+                                    <p:cond delay="0"/>
+                                  </p:stCondLst>
+                                  <p:childTnLst>
+                                    <p:set>
+                                      <p:cBhvr>
+                                        <p:cTn id="6" dur="1" fill="hold">
+                                          <p:stCondLst>
+                                            <p:cond delay="0"/>
+                                          </p:stCondLst>
+                                        </p:cTn>
+                                        <p:tgtEl>
+                                          <p:spTgt spid="7"/>
+                                        </p:tgtEl>
+                                        <p:attrNameLst>
+                                          <p:attrName>style.visibility</p:attrName>
+                                        </p:attrNameLst>
+                                      </p:cBhvr>
+                                      <p:to>
+                                        <p:strVal val="visible"/>
+                                      </p:to>
+                                    </p:set>
+                                    <p:animEffect transition="in" filter="fade">
+                                      <p:cBhvr>
+                                        <p:cTn id="7" dur="500"/>
+                                        <p:tgtEl>
+                                          <p:spTgt spid="7"/>
+                                        </p:tgtEl>
+                                      </p:cBhvr>
+                                    </p:animEffect>
+                                  </p:childTnLst>
+                                </p:cTn>
+                              </p:par>
+                            </p:childTnLst>
+                          </p:cTn>
+                        </p:par>
+                      </p:childTnLst>
+                    </p:cTn>
+                  </p:par>
+                </p:childTnLst>
+              </p:cTn>
+              <p:prevCondLst>
+                <p:cond evt="onPrev" delay="0">
+                  <p:tgtEl>
+                    <p:sldTgt/>
+                  </p:tgtEl>
+                </p:cond>
+              </p:prevCondLst>
+              <p:nextCondLst>
+                <p:cond evt="onNext" delay="0">
+                  <p:tgtEl>
+                    <p:sldTgt/>
+                  </p:tgtEl>
+                </p:cond>
+              </p:nextCondLst>
+            </p:seq>
+          </p:childTnLst>
+        </p:cTn>
+      </p:par>
+    </p:tnLst>
+    <p:bldLst>
+      <p:bldP spid="7" grpId="0"/>
+    </p:bldLst>
+  </p:timing>
+</p:sld>
+</file>
+
+<file path=ppt/slides/slide52.xml><?xml version="1.0" encoding="utf-8"?>
+<p:sld xmlns:a="http://schemas.openxmlformats.org/drawingml/2006/main" xmlns:r="http://schemas.openxmlformats.org/officeDocument/2006/relationships" xmlns:p="http://schemas.openxmlformats.org/presentationml/2006/main">
+  <p:cSld>
+    <p:spTree>
+      <p:nvGrpSpPr>
+        <p:cNvPr id="1" name=""/>
+        <p:cNvGrpSpPr/>
+        <p:nvPr/>
+      </p:nvGrpSpPr>
+      <p:grpSpPr>
+        <a:xfrm>
+          <a:off x="0" y="0"/>
+          <a:ext cx="0" cy="0"/>
+          <a:chOff x="0" y="0"/>
+          <a:chExt cx="0" cy="0"/>
+        </a:xfrm>
+      </p:grpSpPr>
+      <p:sp>
+        <p:nvSpPr>
+          <p:cNvPr id="5" name="TextBox 4"/>
+          <p:cNvSpPr txBox="1"/>
+          <p:nvPr/>
+        </p:nvSpPr>
+        <p:spPr>
+          <a:xfrm>
+            <a:off x="627063" y="1308100"/>
             <a:ext cx="7970837" cy="4247317"/>
           </a:xfrm>
           <a:prstGeom prst="rect">
@@ -23208,7 +24336,7 @@
             <a:fld id="{3251DA95-B240-47FE-901D-B78FC8E8E532}" type="slidenum">
               <a:rPr lang="en-US" smtClean="0"/>
               <a:pPr/>
-              <a:t>50</a:t>
+              <a:t>52</a:t>
             </a:fld>
             <a:endParaRPr lang="en-US" dirty="0"/>
           </a:p>
@@ -23442,7 +24570,7 @@
           <a:graphicData uri="http://schemas.openxmlformats.org/presentationml/2006/ole">
             <mc:AlternateContent xmlns:mc="http://schemas.openxmlformats.org/markup-compatibility/2006">
               <mc:Choice xmlns:v="urn:schemas-microsoft-com:vml" Requires="v">
-                <p:oleObj spid="_x0000_s422975" name="Equation" r:id="rId4" imgW="1498600" imgH="457200" progId="Equation.DSMT4">
+                <p:oleObj spid="_x0000_s422982" name="Equation" r:id="rId4" imgW="1498600" imgH="457200" progId="Equation.DSMT4">
                   <p:embed/>
                 </p:oleObj>
               </mc:Choice>
@@ -23685,7 +24813,7 @@
           <a:graphicData uri="http://schemas.openxmlformats.org/presentationml/2006/ole">
             <mc:AlternateContent xmlns:mc="http://schemas.openxmlformats.org/markup-compatibility/2006">
               <mc:Choice xmlns:v="urn:schemas-microsoft-com:vml" Requires="v">
-                <p:oleObj spid="_x0000_s421951" name="Equation" r:id="rId4" imgW="1600200" imgH="457200" progId="Equation.DSMT4">
+                <p:oleObj spid="_x0000_s421958" name="Equation" r:id="rId4" imgW="1600200" imgH="457200" progId="Equation.DSMT4">
                   <p:embed/>
                 </p:oleObj>
               </mc:Choice>
@@ -23957,34 +25085,203 @@
           <a:chExt cx="0" cy="0"/>
         </a:xfrm>
       </p:grpSpPr>
+      <p:sp>
+        <p:nvSpPr>
+          <p:cNvPr id="9" name="Title 1"/>
+          <p:cNvSpPr>
+            <a:spLocks noGrp="1"/>
+          </p:cNvSpPr>
+          <p:nvPr>
+            <p:ph type="title"/>
+          </p:nvPr>
+        </p:nvSpPr>
+        <p:spPr>
+          <a:xfrm>
+            <a:off x="1701800" y="363538"/>
+            <a:ext cx="6794500" cy="1003300"/>
+          </a:xfrm>
+        </p:spPr>
+        <p:txBody>
+          <a:bodyPr/>
+          <a:lstStyle/>
+          <a:p>
+            <a:r>
+              <a:rPr lang="en-US" sz="4000" dirty="0" smtClean="0"/>
+              <a:t>Get Sum of Products</a:t>
+            </a:r>
+            <a:endParaRPr lang="en-US" sz="4000" dirty="0"/>
+          </a:p>
+        </p:txBody>
+      </p:sp>
+      <p:sp>
+        <p:nvSpPr>
+          <p:cNvPr id="4" name="Slide Number Placeholder 2"/>
+          <p:cNvSpPr>
+            <a:spLocks noGrp="1"/>
+          </p:cNvSpPr>
+          <p:nvPr>
+            <p:ph type="sldNum" sz="quarter" idx="10"/>
+          </p:nvPr>
+        </p:nvSpPr>
+        <p:spPr>
+          <a:xfrm>
+            <a:off x="7333815" y="6553200"/>
+            <a:ext cx="1810186" cy="276999"/>
+          </a:xfrm>
+        </p:spPr>
+        <p:txBody>
+          <a:bodyPr/>
+          <a:lstStyle/>
+          <a:p>
+            <a:r>
+              <a:rPr lang="en-US" dirty="0" smtClean="0"/>
+              <a:t>propositional algebra.</a:t>
+            </a:r>
+            <a:fld id="{3251DA95-B240-47FE-901D-B78FC8E8E532}" type="slidenum">
+              <a:rPr lang="en-US" smtClean="0"/>
+              <a:pPr/>
+              <a:t>8</a:t>
+            </a:fld>
+            <a:endParaRPr lang="en-US" dirty="0"/>
+          </a:p>
+        </p:txBody>
+      </p:sp>
+      <p:sp>
+        <p:nvSpPr>
+          <p:cNvPr id="8" name="TextBox 7"/>
+          <p:cNvSpPr txBox="1"/>
+          <p:nvPr/>
+        </p:nvSpPr>
+        <p:spPr>
+          <a:xfrm>
+            <a:off x="3238001" y="1308100"/>
+            <a:ext cx="3011461" cy="923330"/>
+          </a:xfrm>
+          <a:prstGeom prst="rect">
+            <a:avLst/>
+          </a:prstGeom>
+          <a:noFill/>
+        </p:spPr>
+        <p:txBody>
+          <a:bodyPr wrap="none" rtlCol="0">
+            <a:spAutoFit/>
+          </a:bodyPr>
+          <a:lstStyle/>
+          <a:p>
+            <a:pPr algn="l"/>
+            <a:r>
+              <a:rPr lang="en-US" sz="5400" dirty="0" smtClean="0">
+                <a:solidFill>
+                  <a:srgbClr val="FF03E3"/>
+                </a:solidFill>
+                <a:latin typeface="Comic Sans MS" pitchFamily="66" charset="0"/>
+              </a:rPr>
+              <a:t>example:</a:t>
+            </a:r>
+          </a:p>
+        </p:txBody>
+      </p:sp>
+    </p:spTree>
+    <p:extLst>
+      <p:ext uri="{BB962C8B-B14F-4D97-AF65-F5344CB8AC3E}">
+        <p14:creationId xmlns:p14="http://schemas.microsoft.com/office/powerpoint/2010/main" val="723930122"/>
+      </p:ext>
+    </p:extLst>
+  </p:cSld>
+  <p:clrMapOvr>
+    <a:masterClrMapping/>
+  </p:clrMapOvr>
+  <p:transition xmlns:p14="http://schemas.microsoft.com/office/powerpoint/2010/main" spd="slow" advClick="0">
+    <p:fade thruBlk="1"/>
+  </p:transition>
+  <p:timing>
+    <p:tnLst>
+      <p:par>
+        <p:cTn xmlns:p14="http://schemas.microsoft.com/office/powerpoint/2010/main" id="1" dur="indefinite" restart="never" nodeType="tmRoot"/>
+      </p:par>
+    </p:tnLst>
+  </p:timing>
+</p:sld>
+</file>
+
+<file path=ppt/slides/slide9.xml><?xml version="1.0" encoding="utf-8"?>
+<p:sld xmlns:a="http://schemas.openxmlformats.org/drawingml/2006/main" xmlns:r="http://schemas.openxmlformats.org/officeDocument/2006/relationships" xmlns:p="http://schemas.openxmlformats.org/presentationml/2006/main">
+  <p:cSld>
+    <p:spTree>
+      <p:nvGrpSpPr>
+        <p:cNvPr id="1" name=""/>
+        <p:cNvGrpSpPr/>
+        <p:nvPr/>
+      </p:nvGrpSpPr>
+      <p:grpSpPr>
+        <a:xfrm>
+          <a:off x="0" y="0"/>
+          <a:ext cx="0" cy="0"/>
+          <a:chOff x="0" y="0"/>
+          <a:chExt cx="0" cy="0"/>
+        </a:xfrm>
+      </p:grpSpPr>
+      <p:sp>
+        <p:nvSpPr>
+          <p:cNvPr id="4" name="Slide Number Placeholder 2"/>
+          <p:cNvSpPr>
+            <a:spLocks noGrp="1"/>
+          </p:cNvSpPr>
+          <p:nvPr>
+            <p:ph type="sldNum" sz="quarter" idx="10"/>
+          </p:nvPr>
+        </p:nvSpPr>
+        <p:spPr>
+          <a:xfrm>
+            <a:off x="7333815" y="6553200"/>
+            <a:ext cx="1810186" cy="276999"/>
+          </a:xfrm>
+        </p:spPr>
+        <p:txBody>
+          <a:bodyPr/>
+          <a:lstStyle/>
+          <a:p>
+            <a:r>
+              <a:rPr lang="en-US" dirty="0" smtClean="0"/>
+              <a:t>propositional algebra.</a:t>
+            </a:r>
+            <a:fld id="{3251DA95-B240-47FE-901D-B78FC8E8E532}" type="slidenum">
+              <a:rPr lang="en-US" smtClean="0"/>
+              <a:pPr/>
+              <a:t>9</a:t>
+            </a:fld>
+            <a:endParaRPr lang="en-US" dirty="0"/>
+          </a:p>
+        </p:txBody>
+      </p:sp>
       <p:graphicFrame>
         <p:nvGraphicFramePr>
-          <p:cNvPr id="8" name="Object 7"/>
+          <p:cNvPr id="7" name="Object 6"/>
           <p:cNvGraphicFramePr>
             <a:graphicFrameLocks noChangeAspect="1"/>
           </p:cNvGraphicFramePr>
           <p:nvPr>
             <p:extLst>
               <p:ext uri="{D42A27DB-BD31-4B8C-83A1-F6EECF244321}">
-                <p14:modId xmlns:p14="http://schemas.microsoft.com/office/powerpoint/2010/main" val="1479761407"/>
+                <p14:modId xmlns:p14="http://schemas.microsoft.com/office/powerpoint/2010/main" val="2309976371"/>
               </p:ext>
             </p:extLst>
           </p:nvPr>
         </p:nvGraphicFramePr>
         <p:xfrm>
-          <a:off x="642938" y="2273300"/>
-          <a:ext cx="8272462" cy="2025650"/>
+          <a:off x="369888" y="1639294"/>
+          <a:ext cx="8540750" cy="926105"/>
         </p:xfrm>
         <a:graphic>
           <a:graphicData uri="http://schemas.openxmlformats.org/presentationml/2006/ole">
             <mc:AlternateContent xmlns:mc="http://schemas.openxmlformats.org/markup-compatibility/2006">
               <mc:Choice xmlns:v="urn:schemas-microsoft-com:vml" Requires="v">
-                <p:oleObj spid="_x0000_s418923" name="Equation" r:id="rId4" imgW="1866900" imgH="457200" progId="Equation.DSMT4">
+                <p:oleObj spid="_x0000_s435256" name="Equation" r:id="rId4" imgW="2108200" imgH="228600" progId="Equation.DSMT4">
                   <p:embed/>
                 </p:oleObj>
               </mc:Choice>
               <mc:Fallback>
-                <p:oleObj name="Equation" r:id="rId4" imgW="1866900" imgH="457200" progId="Equation.DSMT4">
+                <p:oleObj name="Equation" r:id="rId4" imgW="2108200" imgH="228600" progId="Equation.DSMT4">
                   <p:embed/>
                   <p:pic>
                     <p:nvPicPr>
@@ -24000,8 +25297,8 @@
                     </p:blipFill>
                     <p:spPr>
                       <a:xfrm>
-                        <a:off x="642938" y="2273300"/>
-                        <a:ext cx="8272462" cy="2025650"/>
+                        <a:off x="369888" y="1639294"/>
+                        <a:ext cx="8540750" cy="926105"/>
                       </a:xfrm>
                       <a:prstGeom prst="rect">
                         <a:avLst/>
@@ -24016,58 +25313,17 @@
       </p:graphicFrame>
       <p:sp>
         <p:nvSpPr>
-          <p:cNvPr id="5" name="TextBox 4"/>
-          <p:cNvSpPr txBox="1"/>
-          <p:nvPr/>
+          <p:cNvPr id="6" name="Title 1"/>
+          <p:cNvSpPr>
+            <a:spLocks noGrp="1"/>
+          </p:cNvSpPr>
+          <p:nvPr>
+            <p:ph type="title"/>
+          </p:nvPr>
         </p:nvSpPr>
         <p:spPr>
           <a:xfrm>
-            <a:off x="1636040" y="1331772"/>
-            <a:ext cx="5996660" cy="923330"/>
-          </a:xfrm>
-          <a:prstGeom prst="rect">
-            <a:avLst/>
-          </a:prstGeom>
-          <a:noFill/>
-        </p:spPr>
-        <p:txBody>
-          <a:bodyPr wrap="square" rtlCol="0">
-            <a:spAutoFit/>
-          </a:bodyPr>
-          <a:lstStyle/>
-          <a:p>
-            <a:pPr algn="l"/>
-            <a:r>
-              <a:rPr lang="en-US" sz="5400" dirty="0" smtClean="0">
-                <a:solidFill>
-                  <a:srgbClr val="FF03E3"/>
-                </a:solidFill>
-                <a:latin typeface="Comic Sans MS" pitchFamily="66" charset="0"/>
-              </a:rPr>
-              <a:t>Distributive Law</a:t>
-            </a:r>
-            <a:endParaRPr lang="en-US" sz="5400" dirty="0">
-              <a:solidFill>
-                <a:srgbClr val="FF03E3"/>
-              </a:solidFill>
-              <a:latin typeface="Comic Sans MS" pitchFamily="66" charset="0"/>
-            </a:endParaRPr>
-          </a:p>
-        </p:txBody>
-      </p:sp>
-      <p:sp>
-        <p:nvSpPr>
-          <p:cNvPr id="9" name="Title 1"/>
-          <p:cNvSpPr>
-            <a:spLocks noGrp="1"/>
-          </p:cNvSpPr>
-          <p:nvPr>
-            <p:ph type="title"/>
-          </p:nvPr>
-        </p:nvSpPr>
-        <p:spPr>
-          <a:xfrm>
-            <a:off x="1651000" y="350838"/>
+            <a:off x="1701800" y="363538"/>
             <a:ext cx="6794500" cy="1003300"/>
           </a:xfrm>
         </p:spPr>
@@ -24077,49 +25333,16 @@
           <a:p>
             <a:r>
               <a:rPr lang="en-US" sz="4000" dirty="0" smtClean="0"/>
-              <a:t>Algebra for Equivalence</a:t>
+              <a:t>Get Sum of Products</a:t>
             </a:r>
             <a:endParaRPr lang="en-US" sz="4000" dirty="0"/>
-          </a:p>
-        </p:txBody>
-      </p:sp>
-      <p:sp>
-        <p:nvSpPr>
-          <p:cNvPr id="4" name="Slide Number Placeholder 2"/>
-          <p:cNvSpPr>
-            <a:spLocks noGrp="1"/>
-          </p:cNvSpPr>
-          <p:nvPr>
-            <p:ph type="sldNum" sz="quarter" idx="10"/>
-          </p:nvPr>
-        </p:nvSpPr>
-        <p:spPr>
-          <a:xfrm>
-            <a:off x="7333815" y="6553200"/>
-            <a:ext cx="1810186" cy="276999"/>
-          </a:xfrm>
-        </p:spPr>
-        <p:txBody>
-          <a:bodyPr/>
-          <a:lstStyle/>
-          <a:p>
-            <a:r>
-              <a:rPr lang="en-US" dirty="0" smtClean="0"/>
-              <a:t>propositional algebra.</a:t>
-            </a:r>
-            <a:fld id="{3251DA95-B240-47FE-901D-B78FC8E8E532}" type="slidenum">
-              <a:rPr lang="en-US" smtClean="0"/>
-              <a:pPr/>
-              <a:t>8</a:t>
-            </a:fld>
-            <a:endParaRPr lang="en-US" dirty="0"/>
           </a:p>
         </p:txBody>
       </p:sp>
     </p:spTree>
     <p:extLst>
       <p:ext uri="{BB962C8B-B14F-4D97-AF65-F5344CB8AC3E}">
-        <p14:creationId xmlns:p14="http://schemas.microsoft.com/office/powerpoint/2010/main" val="3051394283"/>
+        <p14:creationId xmlns:p14="http://schemas.microsoft.com/office/powerpoint/2010/main" val="2702834103"/>
       </p:ext>
     </p:extLst>
   </p:cSld>
@@ -24129,12 +25352,12 @@
   <mc:AlternateContent xmlns:mc="http://schemas.openxmlformats.org/markup-compatibility/2006" xmlns:p14="http://schemas.microsoft.com/office/powerpoint/2010/main">
     <mc:Choice Requires="p14">
       <p:transition spd="slow" p14:dur="800" advClick="0">
-        <p:fade thruBlk="1"/>
+        <p:fade/>
       </p:transition>
     </mc:Choice>
     <mc:Fallback xmlns="">
       <p:transition xmlns:p14="http://schemas.microsoft.com/office/powerpoint/2010/main" spd="slow" advClick="0">
-        <p:fade thruBlk="1"/>
+        <p:fade/>
       </p:transition>
     </mc:Fallback>
   </mc:AlternateContent>
@@ -24150,6 +25373,9 @@
                     <p:cTn id="3" fill="hold">
                       <p:stCondLst>
                         <p:cond delay="indefinite"/>
+                        <p:cond evt="onBegin" delay="0">
+                          <p:tn val="2"/>
+                        </p:cond>
                       </p:stCondLst>
                       <p:childTnLst>
                         <p:par>
@@ -24159,7 +25385,7 @@
                             </p:stCondLst>
                             <p:childTnLst>
                               <p:par>
-                                <p:cTn id="5" presetID="22" presetClass="entr" presetSubtype="1" fill="hold" nodeType="clickEffect">
+                                <p:cTn id="5" presetID="22" presetClass="entr" presetSubtype="8" fill="hold" nodeType="withEffect">
                                   <p:stCondLst>
                                     <p:cond delay="0"/>
                                   </p:stCondLst>
@@ -24172,7 +25398,7 @@
                                           </p:stCondLst>
                                         </p:cTn>
                                         <p:tgtEl>
-                                          <p:spTgt spid="8"/>
+                                          <p:spTgt spid="7"/>
                                         </p:tgtEl>
                                         <p:attrNameLst>
                                           <p:attrName>style.visibility</p:attrName>
@@ -24182,11 +25408,11 @@
                                         <p:strVal val="visible"/>
                                       </p:to>
                                     </p:set>
-                                    <p:animEffect transition="in" filter="wipe(up)">
+                                    <p:animEffect transition="in" filter="wipe(left)">
                                       <p:cBhvr>
-                                        <p:cTn id="7" dur="2000"/>
+                                        <p:cTn id="7" dur="1000"/>
                                         <p:tgtEl>
-                                          <p:spTgt spid="8"/>
+                                          <p:spTgt spid="7"/>
                                         </p:tgtEl>
                                       </p:cBhvr>
                                     </p:animEffect>
@@ -24220,439 +25446,6 @@
         </p:cTn>
       </p:par>
     </p:tnLst>
-  </p:timing>
-</p:sld>
-</file>
-
-<file path=ppt/slides/slide9.xml><?xml version="1.0" encoding="utf-8"?>
-<p:sld xmlns:a="http://schemas.openxmlformats.org/drawingml/2006/main" xmlns:r="http://schemas.openxmlformats.org/officeDocument/2006/relationships" xmlns:p="http://schemas.openxmlformats.org/presentationml/2006/main">
-  <p:cSld>
-    <p:spTree>
-      <p:nvGrpSpPr>
-        <p:cNvPr id="1" name=""/>
-        <p:cNvGrpSpPr/>
-        <p:nvPr/>
-      </p:nvGrpSpPr>
-      <p:grpSpPr>
-        <a:xfrm>
-          <a:off x="0" y="0"/>
-          <a:ext cx="0" cy="0"/>
-          <a:chOff x="0" y="0"/>
-          <a:chExt cx="0" cy="0"/>
-        </a:xfrm>
-      </p:grpSpPr>
-      <p:graphicFrame>
-        <p:nvGraphicFramePr>
-          <p:cNvPr id="10" name="Object 9"/>
-          <p:cNvGraphicFramePr>
-            <a:graphicFrameLocks noChangeAspect="1"/>
-          </p:cNvGraphicFramePr>
-          <p:nvPr>
-            <p:extLst>
-              <p:ext uri="{D42A27DB-BD31-4B8C-83A1-F6EECF244321}">
-                <p14:modId xmlns:p14="http://schemas.microsoft.com/office/powerpoint/2010/main" val="1957716964"/>
-              </p:ext>
-            </p:extLst>
-          </p:nvPr>
-        </p:nvGraphicFramePr>
-        <p:xfrm>
-          <a:off x="622565" y="2273300"/>
-          <a:ext cx="7933796" cy="2025650"/>
-        </p:xfrm>
-        <a:graphic>
-          <a:graphicData uri="http://schemas.openxmlformats.org/presentationml/2006/ole">
-            <mc:AlternateContent xmlns:mc="http://schemas.openxmlformats.org/markup-compatibility/2006">
-              <mc:Choice xmlns:v="urn:schemas-microsoft-com:vml" Requires="v">
-                <p:oleObj spid="_x0000_s431153" name="Equation" r:id="rId4" imgW="1790700" imgH="457200" progId="Equation.DSMT4">
-                  <p:embed/>
-                </p:oleObj>
-              </mc:Choice>
-              <mc:Fallback>
-                <p:oleObj name="Equation" r:id="rId4" imgW="1790700" imgH="457200" progId="Equation.DSMT4">
-                  <p:embed/>
-                  <p:pic>
-                    <p:nvPicPr>
-                      <p:cNvPr id="0" name=""/>
-                      <p:cNvPicPr/>
-                      <p:nvPr/>
-                    </p:nvPicPr>
-                    <p:blipFill>
-                      <a:blip r:embed="rId5"/>
-                      <a:stretch>
-                        <a:fillRect/>
-                      </a:stretch>
-                    </p:blipFill>
-                    <p:spPr>
-                      <a:xfrm>
-                        <a:off x="622565" y="2273300"/>
-                        <a:ext cx="7933796" cy="2025650"/>
-                      </a:xfrm>
-                      <a:prstGeom prst="rect">
-                        <a:avLst/>
-                      </a:prstGeom>
-                    </p:spPr>
-                  </p:pic>
-                </p:oleObj>
-              </mc:Fallback>
-            </mc:AlternateContent>
-          </a:graphicData>
-        </a:graphic>
-      </p:graphicFrame>
-      <p:sp>
-        <p:nvSpPr>
-          <p:cNvPr id="5" name="TextBox 4"/>
-          <p:cNvSpPr txBox="1"/>
-          <p:nvPr/>
-        </p:nvSpPr>
-        <p:spPr>
-          <a:xfrm>
-            <a:off x="1636040" y="1331772"/>
-            <a:ext cx="5996660" cy="923330"/>
-          </a:xfrm>
-          <a:prstGeom prst="rect">
-            <a:avLst/>
-          </a:prstGeom>
-          <a:noFill/>
-        </p:spPr>
-        <p:txBody>
-          <a:bodyPr wrap="square" rtlCol="0">
-            <a:spAutoFit/>
-          </a:bodyPr>
-          <a:lstStyle/>
-          <a:p>
-            <a:pPr algn="l"/>
-            <a:r>
-              <a:rPr lang="en-US" sz="5400" dirty="0" smtClean="0">
-                <a:solidFill>
-                  <a:srgbClr val="FF03E3"/>
-                </a:solidFill>
-                <a:latin typeface="Comic Sans MS" pitchFamily="66" charset="0"/>
-              </a:rPr>
-              <a:t>Distributive Law</a:t>
-            </a:r>
-            <a:endParaRPr lang="en-US" sz="5400" dirty="0">
-              <a:solidFill>
-                <a:srgbClr val="FF03E3"/>
-              </a:solidFill>
-              <a:latin typeface="Comic Sans MS" pitchFamily="66" charset="0"/>
-            </a:endParaRPr>
-          </a:p>
-        </p:txBody>
-      </p:sp>
-      <p:sp>
-        <p:nvSpPr>
-          <p:cNvPr id="4" name="Slide Number Placeholder 2"/>
-          <p:cNvSpPr>
-            <a:spLocks noGrp="1"/>
-          </p:cNvSpPr>
-          <p:nvPr>
-            <p:ph type="sldNum" sz="quarter" idx="10"/>
-          </p:nvPr>
-        </p:nvSpPr>
-        <p:spPr>
-          <a:xfrm>
-            <a:off x="7333815" y="6553200"/>
-            <a:ext cx="1810186" cy="276999"/>
-          </a:xfrm>
-        </p:spPr>
-        <p:txBody>
-          <a:bodyPr/>
-          <a:lstStyle/>
-          <a:p>
-            <a:r>
-              <a:rPr lang="en-US" dirty="0" smtClean="0"/>
-              <a:t>propositional algebra.</a:t>
-            </a:r>
-            <a:fld id="{3251DA95-B240-47FE-901D-B78FC8E8E532}" type="slidenum">
-              <a:rPr lang="en-US" smtClean="0"/>
-              <a:pPr/>
-              <a:t>9</a:t>
-            </a:fld>
-            <a:endParaRPr lang="en-US" dirty="0"/>
-          </a:p>
-        </p:txBody>
-      </p:sp>
-      <p:sp>
-        <p:nvSpPr>
-          <p:cNvPr id="6" name="TextBox 5"/>
-          <p:cNvSpPr txBox="1"/>
-          <p:nvPr/>
-        </p:nvSpPr>
-        <p:spPr>
-          <a:xfrm>
-            <a:off x="406400" y="4336177"/>
-            <a:ext cx="8421935" cy="1754327"/>
-          </a:xfrm>
-          <a:prstGeom prst="rect">
-            <a:avLst/>
-          </a:prstGeom>
-          <a:noFill/>
-        </p:spPr>
-        <p:txBody>
-          <a:bodyPr wrap="none" rtlCol="0">
-            <a:spAutoFit/>
-          </a:bodyPr>
-          <a:lstStyle/>
-          <a:p>
-            <a:pPr algn="l"/>
-            <a:r>
-              <a:rPr lang="en-US" sz="5400" dirty="0" smtClean="0">
-                <a:latin typeface="Comic Sans MS" pitchFamily="66" charset="0"/>
-              </a:rPr>
-              <a:t>rewrite left to right until</a:t>
-            </a:r>
-          </a:p>
-          <a:p>
-            <a:pPr algn="l"/>
-            <a:r>
-              <a:rPr lang="en-US" sz="5400" dirty="0" smtClean="0">
-                <a:solidFill>
-                  <a:srgbClr val="006600"/>
-                </a:solidFill>
-                <a:latin typeface="Comic Sans MS" pitchFamily="66" charset="0"/>
-              </a:rPr>
-              <a:t>       “sum of products”</a:t>
-            </a:r>
-          </a:p>
-        </p:txBody>
-      </p:sp>
-      <p:sp useBgFill="1">
-        <p:nvSpPr>
-          <p:cNvPr id="2" name="TextBox 1"/>
-          <p:cNvSpPr txBox="1"/>
-          <p:nvPr/>
-        </p:nvSpPr>
-        <p:spPr>
-          <a:xfrm>
-            <a:off x="2222500" y="5159970"/>
-            <a:ext cx="5181600" cy="923330"/>
-          </a:xfrm>
-          <a:prstGeom prst="rect">
-            <a:avLst/>
-          </a:prstGeom>
-        </p:spPr>
-        <p:txBody>
-          <a:bodyPr wrap="square" rtlCol="0">
-            <a:spAutoFit/>
-          </a:bodyPr>
-          <a:lstStyle/>
-          <a:p>
-            <a:pPr algn="l"/>
-            <a:r>
-              <a:rPr lang="en-US" sz="4400" dirty="0" smtClean="0">
-                <a:solidFill>
-                  <a:schemeClr val="accent1">
-                    <a:lumMod val="50000"/>
-                  </a:schemeClr>
-                </a:solidFill>
-                <a:latin typeface="Comic Sans MS" pitchFamily="66" charset="0"/>
-              </a:rPr>
-              <a:t>    OR</a:t>
-            </a:r>
-            <a:r>
-              <a:rPr lang="en-US" sz="5400" dirty="0" smtClean="0">
-                <a:latin typeface="Comic Sans MS" pitchFamily="66" charset="0"/>
-              </a:rPr>
-              <a:t> of </a:t>
-            </a:r>
-            <a:r>
-              <a:rPr lang="en-US" sz="4400" dirty="0" smtClean="0">
-                <a:solidFill>
-                  <a:srgbClr val="0000E5"/>
-                </a:solidFill>
-                <a:latin typeface="Comic Sans MS" pitchFamily="66" charset="0"/>
-              </a:rPr>
-              <a:t>AND</a:t>
-            </a:r>
-            <a:r>
-              <a:rPr lang="en-US" sz="5400" dirty="0" smtClean="0">
-                <a:latin typeface="Comic Sans MS" pitchFamily="66" charset="0"/>
-              </a:rPr>
-              <a:t>’s     </a:t>
-            </a:r>
-          </a:p>
-        </p:txBody>
-      </p:sp>
-      <p:sp>
-        <p:nvSpPr>
-          <p:cNvPr id="11" name="Title 1"/>
-          <p:cNvSpPr>
-            <a:spLocks noGrp="1"/>
-          </p:cNvSpPr>
-          <p:nvPr>
-            <p:ph type="title"/>
-          </p:nvPr>
-        </p:nvSpPr>
-        <p:spPr>
-          <a:xfrm>
-            <a:off x="1651000" y="350838"/>
-            <a:ext cx="6794500" cy="1003300"/>
-          </a:xfrm>
-        </p:spPr>
-        <p:txBody>
-          <a:bodyPr/>
-          <a:lstStyle/>
-          <a:p>
-            <a:r>
-              <a:rPr lang="en-US" sz="4000" dirty="0" smtClean="0"/>
-              <a:t>Algebra for Equivalence</a:t>
-            </a:r>
-            <a:endParaRPr lang="en-US" sz="4000" dirty="0"/>
-          </a:p>
-        </p:txBody>
-      </p:sp>
-    </p:spTree>
-    <p:extLst>
-      <p:ext uri="{BB962C8B-B14F-4D97-AF65-F5344CB8AC3E}">
-        <p14:creationId xmlns:p14="http://schemas.microsoft.com/office/powerpoint/2010/main" val="1987273813"/>
-      </p:ext>
-    </p:extLst>
-  </p:cSld>
-  <p:clrMapOvr>
-    <a:masterClrMapping/>
-  </p:clrMapOvr>
-  <p:transition xmlns:p14="http://schemas.microsoft.com/office/powerpoint/2010/main" spd="slow" advClick="0">
-    <p:fade/>
-  </p:transition>
-  <p:timing>
-    <p:tnLst>
-      <p:par>
-        <p:cTn xmlns:p14="http://schemas.microsoft.com/office/powerpoint/2010/main" id="1" dur="indefinite" restart="never" nodeType="tmRoot">
-          <p:childTnLst>
-            <p:seq concurrent="1" nextAc="seek">
-              <p:cTn id="2" dur="indefinite" nodeType="mainSeq">
-                <p:childTnLst>
-                  <p:par>
-                    <p:cTn id="3" fill="hold">
-                      <p:stCondLst>
-                        <p:cond delay="indefinite"/>
-                      </p:stCondLst>
-                      <p:childTnLst>
-                        <p:par>
-                          <p:cTn id="4" fill="hold">
-                            <p:stCondLst>
-                              <p:cond delay="0"/>
-                            </p:stCondLst>
-                            <p:childTnLst>
-                              <p:par>
-                                <p:cTn id="5" presetID="10" presetClass="entr" presetSubtype="0" fill="hold" grpId="0" nodeType="clickEffect">
-                                  <p:stCondLst>
-                                    <p:cond delay="0"/>
-                                  </p:stCondLst>
-                                  <p:childTnLst>
-                                    <p:set>
-                                      <p:cBhvr>
-                                        <p:cTn id="6" dur="1" fill="hold">
-                                          <p:stCondLst>
-                                            <p:cond delay="0"/>
-                                          </p:stCondLst>
-                                        </p:cTn>
-                                        <p:tgtEl>
-                                          <p:spTgt spid="6"/>
-                                        </p:tgtEl>
-                                        <p:attrNameLst>
-                                          <p:attrName>style.visibility</p:attrName>
-                                        </p:attrNameLst>
-                                      </p:cBhvr>
-                                      <p:to>
-                                        <p:strVal val="visible"/>
-                                      </p:to>
-                                    </p:set>
-                                    <p:animEffect transition="in" filter="fade">
-                                      <p:cBhvr>
-                                        <p:cTn id="7" dur="500"/>
-                                        <p:tgtEl>
-                                          <p:spTgt spid="6"/>
-                                        </p:tgtEl>
-                                      </p:cBhvr>
-                                    </p:animEffect>
-                                  </p:childTnLst>
-                                </p:cTn>
-                              </p:par>
-                            </p:childTnLst>
-                          </p:cTn>
-                        </p:par>
-                      </p:childTnLst>
-                    </p:cTn>
-                  </p:par>
-                  <p:par>
-                    <p:cTn id="8" fill="hold">
-                      <p:stCondLst>
-                        <p:cond delay="indefinite"/>
-                      </p:stCondLst>
-                      <p:childTnLst>
-                        <p:par>
-                          <p:cTn id="9" fill="hold">
-                            <p:stCondLst>
-                              <p:cond delay="0"/>
-                            </p:stCondLst>
-                            <p:childTnLst>
-                              <p:par>
-                                <p:cTn id="10" presetID="9" presetClass="entr" presetSubtype="0" fill="hold" grpId="0" nodeType="clickEffect">
-                                  <p:stCondLst>
-                                    <p:cond delay="0"/>
-                                  </p:stCondLst>
-                                  <p:childTnLst>
-                                    <p:set>
-                                      <p:cBhvr>
-                                        <p:cTn id="11" dur="1" fill="hold">
-                                          <p:stCondLst>
-                                            <p:cond delay="0"/>
-                                          </p:stCondLst>
-                                        </p:cTn>
-                                        <p:tgtEl>
-                                          <p:spTgt spid="2"/>
-                                        </p:tgtEl>
-                                        <p:attrNameLst>
-                                          <p:attrName>style.visibility</p:attrName>
-                                        </p:attrNameLst>
-                                      </p:cBhvr>
-                                      <p:to>
-                                        <p:strVal val="visible"/>
-                                      </p:to>
-                                    </p:set>
-                                    <p:animEffect transition="in" filter="dissolve">
-                                      <p:cBhvr>
-                                        <p:cTn id="12" dur="500"/>
-                                        <p:tgtEl>
-                                          <p:spTgt spid="2"/>
-                                        </p:tgtEl>
-                                      </p:cBhvr>
-                                    </p:animEffect>
-                                  </p:childTnLst>
-                                </p:cTn>
-                              </p:par>
-                            </p:childTnLst>
-                          </p:cTn>
-                        </p:par>
-                      </p:childTnLst>
-                    </p:cTn>
-                  </p:par>
-                </p:childTnLst>
-              </p:cTn>
-              <p:prevCondLst>
-                <p:cond evt="onPrev" delay="0">
-                  <p:tgtEl>
-                    <p:sldTgt/>
-                  </p:tgtEl>
-                </p:cond>
-              </p:prevCondLst>
-              <p:nextCondLst>
-                <p:cond evt="onNext" delay="0">
-                  <p:tgtEl>
-                    <p:sldTgt/>
-                  </p:tgtEl>
-                </p:cond>
-              </p:nextCondLst>
-            </p:seq>
-          </p:childTnLst>
-        </p:cTn>
-      </p:par>
-    </p:tnLst>
-    <p:bldLst>
-      <p:bldP spid="6" grpId="0"/>
-      <p:bldP spid="2" grpId="0" animBg="1"/>
-    </p:bldLst>
   </p:timing>
 </p:sld>
 </file>

--- a/spring18/slidesS18/prpostn_algebra.pptx
+++ b/spring18/slidesS18/prpostn_algebra.pptx
@@ -54,8 +54,8 @@
     <p:sldId id="558" r:id="rId42"/>
     <p:sldId id="560" r:id="rId43"/>
     <p:sldId id="553" r:id="rId44"/>
-    <p:sldId id="554" r:id="rId45"/>
-    <p:sldId id="555" r:id="rId46"/>
+    <p:sldId id="566" r:id="rId45"/>
+    <p:sldId id="567" r:id="rId46"/>
     <p:sldId id="557" r:id="rId47"/>
     <p:sldId id="531" r:id="rId48"/>
     <p:sldId id="536" r:id="rId49"/>
@@ -9237,7 +9237,7 @@
           <a:graphicData uri="http://schemas.openxmlformats.org/presentationml/2006/ole">
             <mc:AlternateContent xmlns:mc="http://schemas.openxmlformats.org/markup-compatibility/2006">
               <mc:Choice xmlns:v="urn:schemas-microsoft-com:vml" Requires="v">
-                <p:oleObj spid="_x0000_s439353" name="Equation" r:id="rId4" imgW="2146300" imgH="228600" progId="Equation.DSMT4">
+                <p:oleObj spid="_x0000_s439357" name="Equation" r:id="rId4" imgW="2146300" imgH="228600" progId="Equation.DSMT4">
                   <p:embed/>
                 </p:oleObj>
               </mc:Choice>
@@ -9460,7 +9460,7 @@
           <a:graphicData uri="http://schemas.openxmlformats.org/presentationml/2006/ole">
             <mc:AlternateContent xmlns:mc="http://schemas.openxmlformats.org/markup-compatibility/2006">
               <mc:Choice xmlns:v="urn:schemas-microsoft-com:vml" Requires="v">
-                <p:oleObj spid="_x0000_s434285" name="Equation" r:id="rId4" imgW="2146300" imgH="228600" progId="Equation.DSMT4">
+                <p:oleObj spid="_x0000_s434292" name="Equation" r:id="rId4" imgW="2146300" imgH="228600" progId="Equation.DSMT4">
                   <p:embed/>
                 </p:oleObj>
               </mc:Choice>
@@ -9517,7 +9517,7 @@
           <a:graphicData uri="http://schemas.openxmlformats.org/presentationml/2006/ole">
             <mc:AlternateContent xmlns:mc="http://schemas.openxmlformats.org/markup-compatibility/2006">
               <mc:Choice xmlns:v="urn:schemas-microsoft-com:vml" Requires="v">
-                <p:oleObj spid="_x0000_s434286" name="Equation" r:id="rId6" imgW="2514600" imgH="228600" progId="Equation.DSMT4">
+                <p:oleObj spid="_x0000_s434293" name="Equation" r:id="rId6" imgW="2514600" imgH="228600" progId="Equation.DSMT4">
                   <p:embed/>
                 </p:oleObj>
               </mc:Choice>
@@ -9684,7 +9684,7 @@
           <a:graphicData uri="http://schemas.openxmlformats.org/presentationml/2006/ole">
             <mc:AlternateContent xmlns:mc="http://schemas.openxmlformats.org/markup-compatibility/2006">
               <mc:Choice xmlns:v="urn:schemas-microsoft-com:vml" Requires="v">
-                <p:oleObj spid="_x0000_s436311" name="Equation" r:id="rId4" imgW="2514600" imgH="228600" progId="Equation.DSMT4">
+                <p:oleObj spid="_x0000_s436315" name="Equation" r:id="rId4" imgW="2514600" imgH="228600" progId="Equation.DSMT4">
                   <p:embed/>
                 </p:oleObj>
               </mc:Choice>
@@ -9905,7 +9905,7 @@
           <a:graphicData uri="http://schemas.openxmlformats.org/presentationml/2006/ole">
             <mc:AlternateContent xmlns:mc="http://schemas.openxmlformats.org/markup-compatibility/2006">
               <mc:Choice xmlns:v="urn:schemas-microsoft-com:vml" Requires="v">
-                <p:oleObj spid="_x0000_s437378" name="Equation" r:id="rId4" imgW="2514600" imgH="228600" progId="Equation.DSMT4">
+                <p:oleObj spid="_x0000_s437385" name="Equation" r:id="rId4" imgW="2514600" imgH="228600" progId="Equation.DSMT4">
                   <p:embed/>
                 </p:oleObj>
               </mc:Choice>
@@ -9962,7 +9962,7 @@
           <a:graphicData uri="http://schemas.openxmlformats.org/presentationml/2006/ole">
             <mc:AlternateContent xmlns:mc="http://schemas.openxmlformats.org/markup-compatibility/2006">
               <mc:Choice xmlns:v="urn:schemas-microsoft-com:vml" Requires="v">
-                <p:oleObj spid="_x0000_s437379" name="Equation" r:id="rId6" imgW="1866900" imgH="228600" progId="Equation.DSMT4">
+                <p:oleObj spid="_x0000_s437386" name="Equation" r:id="rId6" imgW="1866900" imgH="228600" progId="Equation.DSMT4">
                   <p:embed/>
                 </p:oleObj>
               </mc:Choice>
@@ -10129,7 +10129,7 @@
           <a:graphicData uri="http://schemas.openxmlformats.org/presentationml/2006/ole">
             <mc:AlternateContent xmlns:mc="http://schemas.openxmlformats.org/markup-compatibility/2006">
               <mc:Choice xmlns:v="urn:schemas-microsoft-com:vml" Requires="v">
-                <p:oleObj spid="_x0000_s479307" name="Equation" r:id="rId4" imgW="1866900" imgH="228600" progId="Equation.DSMT4">
+                <p:oleObj spid="_x0000_s479311" name="Equation" r:id="rId4" imgW="1866900" imgH="228600" progId="Equation.DSMT4">
                   <p:embed/>
                 </p:oleObj>
               </mc:Choice>
@@ -10352,7 +10352,7 @@
           <a:graphicData uri="http://schemas.openxmlformats.org/presentationml/2006/ole">
             <mc:AlternateContent xmlns:mc="http://schemas.openxmlformats.org/markup-compatibility/2006">
               <mc:Choice xmlns:v="urn:schemas-microsoft-com:vml" Requires="v">
-                <p:oleObj spid="_x0000_s440478" name="Equation" r:id="rId4" imgW="1866900" imgH="228600" progId="Equation.DSMT4">
+                <p:oleObj spid="_x0000_s440485" name="Equation" r:id="rId4" imgW="1866900" imgH="228600" progId="Equation.DSMT4">
                   <p:embed/>
                 </p:oleObj>
               </mc:Choice>
@@ -10409,7 +10409,7 @@
           <a:graphicData uri="http://schemas.openxmlformats.org/presentationml/2006/ole">
             <mc:AlternateContent xmlns:mc="http://schemas.openxmlformats.org/markup-compatibility/2006">
               <mc:Choice xmlns:v="urn:schemas-microsoft-com:vml" Requires="v">
-                <p:oleObj spid="_x0000_s440479" name="Equation" r:id="rId6" imgW="1689100" imgH="254000" progId="Equation.DSMT4">
+                <p:oleObj spid="_x0000_s440486" name="Equation" r:id="rId6" imgW="1689100" imgH="254000" progId="Equation.DSMT4">
                   <p:embed/>
                 </p:oleObj>
               </mc:Choice>
@@ -10751,7 +10751,7 @@
           <a:graphicData uri="http://schemas.openxmlformats.org/presentationml/2006/ole">
             <mc:AlternateContent xmlns:mc="http://schemas.openxmlformats.org/markup-compatibility/2006">
               <mc:Choice xmlns:v="urn:schemas-microsoft-com:vml" Requires="v">
-                <p:oleObj spid="_x0000_s573447" name="Equation" r:id="rId4" imgW="1511300" imgH="254000" progId="Equation.DSMT4">
+                <p:oleObj spid="_x0000_s573451" name="Equation" r:id="rId4" imgW="1511300" imgH="254000" progId="Equation.DSMT4">
                   <p:embed/>
                 </p:oleObj>
               </mc:Choice>
@@ -11003,7 +11003,7 @@
           <a:graphicData uri="http://schemas.openxmlformats.org/presentationml/2006/ole">
             <mc:AlternateContent xmlns:mc="http://schemas.openxmlformats.org/markup-compatibility/2006">
               <mc:Choice xmlns:v="urn:schemas-microsoft-com:vml" Requires="v">
-                <p:oleObj spid="_x0000_s571398" name="Equation" r:id="rId4" imgW="1866900" imgH="457200" progId="Equation.DSMT4">
+                <p:oleObj spid="_x0000_s571402" name="Equation" r:id="rId4" imgW="1866900" imgH="457200" progId="Equation.DSMT4">
                   <p:embed/>
                 </p:oleObj>
               </mc:Choice>
@@ -11287,7 +11287,7 @@
           <a:graphicData uri="http://schemas.openxmlformats.org/presentationml/2006/ole">
             <mc:AlternateContent xmlns:mc="http://schemas.openxmlformats.org/markup-compatibility/2006">
               <mc:Choice xmlns:v="urn:schemas-microsoft-com:vml" Requires="v">
-                <p:oleObj spid="_x0000_s572422" name="Equation" r:id="rId4" imgW="1790700" imgH="457200" progId="Equation.DSMT4">
+                <p:oleObj spid="_x0000_s572426" name="Equation" r:id="rId4" imgW="1790700" imgH="457200" progId="Equation.DSMT4">
                   <p:embed/>
                 </p:oleObj>
               </mc:Choice>
@@ -11753,7 +11753,7 @@
           <a:graphicData uri="http://schemas.openxmlformats.org/presentationml/2006/ole">
             <mc:AlternateContent xmlns:mc="http://schemas.openxmlformats.org/markup-compatibility/2006">
               <mc:Choice xmlns:v="urn:schemas-microsoft-com:vml" Requires="v">
-                <p:oleObj spid="_x0000_s433292" name="Equation" r:id="rId4" imgW="1511300" imgH="254000" progId="Equation.DSMT4">
+                <p:oleObj spid="_x0000_s433296" name="Equation" r:id="rId4" imgW="1511300" imgH="254000" progId="Equation.DSMT4">
                   <p:embed/>
                 </p:oleObj>
               </mc:Choice>
@@ -12146,20 +12146,20 @@
           <p:nvPr>
             <p:extLst>
               <p:ext uri="{D42A27DB-BD31-4B8C-83A1-F6EECF244321}">
-                <p14:modId xmlns:p14="http://schemas.microsoft.com/office/powerpoint/2010/main" val="3241158388"/>
+                <p14:modId xmlns:p14="http://schemas.microsoft.com/office/powerpoint/2010/main" val="1966616552"/>
               </p:ext>
             </p:extLst>
           </p:nvPr>
         </p:nvGraphicFramePr>
         <p:xfrm>
-          <a:off x="2178050" y="2408086"/>
+          <a:off x="2068570" y="2408086"/>
           <a:ext cx="4797425" cy="1689100"/>
         </p:xfrm>
         <a:graphic>
           <a:graphicData uri="http://schemas.openxmlformats.org/presentationml/2006/ole">
             <mc:AlternateContent xmlns:mc="http://schemas.openxmlformats.org/markup-compatibility/2006">
               <mc:Choice xmlns:v="urn:schemas-microsoft-com:vml" Requires="v">
-                <p:oleObj spid="_x0000_s441525" name="Equation" r:id="rId4" imgW="1371600" imgH="482600" progId="Equation.DSMT4">
+                <p:oleObj spid="_x0000_s441534" name="Equation" r:id="rId4" imgW="1371600" imgH="482600" progId="Equation.DSMT4">
                   <p:embed/>
                 </p:oleObj>
               </mc:Choice>
@@ -12180,7 +12180,7 @@
                     </p:blipFill>
                     <p:spPr>
                       <a:xfrm>
-                        <a:off x="2178050" y="2408086"/>
+                        <a:off x="2068570" y="2408086"/>
                         <a:ext cx="4797425" cy="1689100"/>
                       </a:xfrm>
                       <a:prstGeom prst="rect">
@@ -12277,7 +12277,7 @@
           <a:graphicData uri="http://schemas.openxmlformats.org/presentationml/2006/ole">
             <mc:AlternateContent xmlns:mc="http://schemas.openxmlformats.org/markup-compatibility/2006">
               <mc:Choice xmlns:v="urn:schemas-microsoft-com:vml" Requires="v">
-                <p:oleObj spid="_x0000_s441526" name="Equation" r:id="rId6" imgW="1511300" imgH="254000" progId="Equation.DSMT4">
+                <p:oleObj spid="_x0000_s441535" name="Equation" r:id="rId6" imgW="1511300" imgH="254000" progId="Equation.DSMT4">
                   <p:embed/>
                 </p:oleObj>
               </mc:Choice>
@@ -12370,20 +12370,20 @@
           <p:nvPr>
             <p:extLst>
               <p:ext uri="{D42A27DB-BD31-4B8C-83A1-F6EECF244321}">
-                <p14:modId xmlns:p14="http://schemas.microsoft.com/office/powerpoint/2010/main" val="2932628173"/>
+                <p14:modId xmlns:p14="http://schemas.microsoft.com/office/powerpoint/2010/main" val="1359871936"/>
               </p:ext>
             </p:extLst>
           </p:nvPr>
         </p:nvGraphicFramePr>
         <p:xfrm>
-          <a:off x="2178050" y="2408086"/>
+          <a:off x="2068570" y="2408086"/>
           <a:ext cx="4797425" cy="1689100"/>
         </p:xfrm>
         <a:graphic>
           <a:graphicData uri="http://schemas.openxmlformats.org/presentationml/2006/ole">
             <mc:AlternateContent xmlns:mc="http://schemas.openxmlformats.org/markup-compatibility/2006">
               <mc:Choice xmlns:v="urn:schemas-microsoft-com:vml" Requires="v">
-                <p:oleObj spid="_x0000_s603139" name="Equation" r:id="rId4" imgW="1371600" imgH="482600" progId="Equation.DSMT4">
+                <p:oleObj spid="_x0000_s603144" name="Equation" r:id="rId4" imgW="1371600" imgH="482600" progId="Equation.DSMT4">
                   <p:embed/>
                 </p:oleObj>
               </mc:Choice>
@@ -12404,7 +12404,7 @@
                     </p:blipFill>
                     <p:spPr>
                       <a:xfrm>
-                        <a:off x="2178050" y="2408086"/>
+                        <a:off x="2068570" y="2408086"/>
                         <a:ext cx="4797425" cy="1689100"/>
                       </a:xfrm>
                       <a:prstGeom prst="rect">
@@ -12489,13 +12489,13 @@
   <p:clrMapOvr>
     <a:masterClrMapping/>
   </p:clrMapOvr>
-  <mc:AlternateContent xmlns:mc="http://schemas.openxmlformats.org/markup-compatibility/2006" xmlns:p14="http://schemas.microsoft.com/office/powerpoint/2010/main">
-    <mc:Choice Requires="p14">
+  <mc:AlternateContent xmlns:mc="http://schemas.openxmlformats.org/markup-compatibility/2006">
+    <mc:Choice xmlns:p14="http://schemas.microsoft.com/office/powerpoint/2010/main" Requires="p14">
       <p:transition spd="slow" p14:dur="800" advClick="0">
         <p:fade/>
       </p:transition>
     </mc:Choice>
-    <mc:Fallback xmlns="">
+    <mc:Fallback>
       <p:transition xmlns:p14="http://schemas.microsoft.com/office/powerpoint/2010/main" spd="slow" advClick="0">
         <p:fade/>
       </p:transition>
@@ -12550,7 +12550,7 @@
           <a:graphicData uri="http://schemas.openxmlformats.org/presentationml/2006/ole">
             <mc:AlternateContent xmlns:mc="http://schemas.openxmlformats.org/markup-compatibility/2006">
               <mc:Choice xmlns:v="urn:schemas-microsoft-com:vml" Requires="v">
-                <p:oleObj spid="_x0000_s502823" name="Equation" r:id="rId4" imgW="1371600" imgH="482600" progId="Equation.DSMT4">
+                <p:oleObj spid="_x0000_s502828" name="Equation" r:id="rId4" imgW="1371600" imgH="482600" progId="Equation.DSMT4">
                   <p:embed/>
                 </p:oleObj>
               </mc:Choice>
@@ -12656,16 +12656,12 @@
   <p:clrMapOvr>
     <a:masterClrMapping/>
   </p:clrMapOvr>
-  <mc:AlternateContent xmlns:mc="http://schemas.openxmlformats.org/markup-compatibility/2006" xmlns:p14="http://schemas.microsoft.com/office/powerpoint/2010/main">
-    <mc:Choice Requires="p14">
-      <p:transition spd="slow" p14:dur="800" advClick="0">
-        <p:fade/>
-      </p:transition>
+  <mc:AlternateContent xmlns:mc="http://schemas.openxmlformats.org/markup-compatibility/2006">
+    <mc:Choice xmlns:p14="http://schemas.microsoft.com/office/powerpoint/2010/main" Requires="p14">
+      <p:transition p14:dur="0" advClick="0"/>
     </mc:Choice>
-    <mc:Fallback xmlns="">
-      <p:transition xmlns:p14="http://schemas.microsoft.com/office/powerpoint/2010/main" spd="slow" advClick="0">
-        <p:fade/>
-      </p:transition>
+    <mc:Fallback>
+      <p:transition xmlns:p14="http://schemas.microsoft.com/office/powerpoint/2010/main" advClick="0"/>
     </mc:Fallback>
   </mc:AlternateContent>
   <p:timing>
@@ -12717,7 +12713,7 @@
           <a:graphicData uri="http://schemas.openxmlformats.org/presentationml/2006/ole">
             <mc:AlternateContent xmlns:mc="http://schemas.openxmlformats.org/markup-compatibility/2006">
               <mc:Choice xmlns:v="urn:schemas-microsoft-com:vml" Requires="v">
-                <p:oleObj spid="_x0000_s444510" name="Equation" r:id="rId4" imgW="1371600" imgH="482600" progId="Equation.DSMT4">
+                <p:oleObj spid="_x0000_s444517" name="Equation" r:id="rId4" imgW="1371600" imgH="482600" progId="Equation.DSMT4">
                   <p:embed/>
                 </p:oleObj>
               </mc:Choice>
@@ -12859,7 +12855,7 @@
             <a:graphicData uri="http://schemas.openxmlformats.org/presentationml/2006/ole">
               <mc:AlternateContent xmlns:mc="http://schemas.openxmlformats.org/markup-compatibility/2006">
                 <mc:Choice xmlns:v="urn:schemas-microsoft-com:vml" Requires="v">
-                  <p:oleObj spid="_x0000_s444511" name="Equation" r:id="rId6" imgW="139700" imgH="215900" progId="Equation.DSMT4">
+                  <p:oleObj spid="_x0000_s444518" name="Equation" r:id="rId6" imgW="139700" imgH="215900" progId="Equation.DSMT4">
                     <p:embed/>
                   </p:oleObj>
                 </mc:Choice>
@@ -12994,7 +12990,7 @@
           <a:graphicData uri="http://schemas.openxmlformats.org/presentationml/2006/ole">
             <mc:AlternateContent xmlns:mc="http://schemas.openxmlformats.org/markup-compatibility/2006">
               <mc:Choice xmlns:v="urn:schemas-microsoft-com:vml" Requires="v">
-                <p:oleObj spid="_x0000_s442470" name="Equation" r:id="rId4" imgW="1371600" imgH="482600" progId="Equation.DSMT4">
+                <p:oleObj spid="_x0000_s442477" name="Equation" r:id="rId4" imgW="1371600" imgH="482600" progId="Equation.DSMT4">
                   <p:embed/>
                 </p:oleObj>
               </mc:Choice>
@@ -13051,7 +13047,7 @@
           <a:graphicData uri="http://schemas.openxmlformats.org/presentationml/2006/ole">
             <mc:AlternateContent xmlns:mc="http://schemas.openxmlformats.org/markup-compatibility/2006">
               <mc:Choice xmlns:v="urn:schemas-microsoft-com:vml" Requires="v">
-                <p:oleObj spid="_x0000_s442471" name="Equation" r:id="rId6" imgW="1803400" imgH="482600" progId="Equation.DSMT4">
+                <p:oleObj spid="_x0000_s442478" name="Equation" r:id="rId6" imgW="1803400" imgH="482600" progId="Equation.DSMT4">
                   <p:embed/>
                 </p:oleObj>
               </mc:Choice>
@@ -13218,7 +13214,7 @@
           <a:graphicData uri="http://schemas.openxmlformats.org/presentationml/2006/ole">
             <mc:AlternateContent xmlns:mc="http://schemas.openxmlformats.org/markup-compatibility/2006">
               <mc:Choice xmlns:v="urn:schemas-microsoft-com:vml" Requires="v">
-                <p:oleObj spid="_x0000_s446582" name="Equation" r:id="rId4" imgW="1803400" imgH="482600" progId="Equation.DSMT4">
+                <p:oleObj spid="_x0000_s446589" name="Equation" r:id="rId4" imgW="1803400" imgH="482600" progId="Equation.DSMT4">
                   <p:embed/>
                 </p:oleObj>
               </mc:Choice>
@@ -13360,7 +13356,7 @@
             <a:graphicData uri="http://schemas.openxmlformats.org/presentationml/2006/ole">
               <mc:AlternateContent xmlns:mc="http://schemas.openxmlformats.org/markup-compatibility/2006">
                 <mc:Choice xmlns:v="urn:schemas-microsoft-com:vml" Requires="v">
-                  <p:oleObj spid="_x0000_s446583" name="Equation" r:id="rId6" imgW="177800" imgH="241300" progId="Equation.DSMT4">
+                  <p:oleObj spid="_x0000_s446590" name="Equation" r:id="rId6" imgW="177800" imgH="241300" progId="Equation.DSMT4">
                     <p:embed/>
                   </p:oleObj>
                 </mc:Choice>
@@ -13486,7 +13482,7 @@
           <a:graphicData uri="http://schemas.openxmlformats.org/presentationml/2006/ole">
             <mc:AlternateContent xmlns:mc="http://schemas.openxmlformats.org/markup-compatibility/2006">
               <mc:Choice xmlns:v="urn:schemas-microsoft-com:vml" Requires="v">
-                <p:oleObj spid="_x0000_s445566" name="Equation" r:id="rId4" imgW="1854200" imgH="482600" progId="Equation.DSMT4">
+                <p:oleObj spid="_x0000_s445573" name="Equation" r:id="rId4" imgW="1854200" imgH="482600" progId="Equation.DSMT4">
                   <p:embed/>
                 </p:oleObj>
               </mc:Choice>
@@ -13543,7 +13539,7 @@
           <a:graphicData uri="http://schemas.openxmlformats.org/presentationml/2006/ole">
             <mc:AlternateContent xmlns:mc="http://schemas.openxmlformats.org/markup-compatibility/2006">
               <mc:Choice xmlns:v="urn:schemas-microsoft-com:vml" Requires="v">
-                <p:oleObj spid="_x0000_s445567" name="Equation" r:id="rId6" imgW="1803400" imgH="482600" progId="Equation.DSMT4">
+                <p:oleObj spid="_x0000_s445574" name="Equation" r:id="rId6" imgW="1803400" imgH="482600" progId="Equation.DSMT4">
                   <p:embed/>
                 </p:oleObj>
               </mc:Choice>
@@ -13701,7 +13697,7 @@
           <a:graphicData uri="http://schemas.openxmlformats.org/presentationml/2006/ole">
             <mc:AlternateContent xmlns:mc="http://schemas.openxmlformats.org/markup-compatibility/2006">
               <mc:Choice xmlns:v="urn:schemas-microsoft-com:vml" Requires="v">
-                <p:oleObj spid="_x0000_s480330" name="Equation" r:id="rId4" imgW="1854200" imgH="482600" progId="Equation.DSMT4">
+                <p:oleObj spid="_x0000_s480335" name="Equation" r:id="rId4" imgW="1854200" imgH="482600" progId="Equation.DSMT4">
                   <p:embed/>
                 </p:oleObj>
               </mc:Choice>
@@ -13968,30 +13964,21 @@
                             </p:childTnLst>
                           </p:cTn>
                         </p:par>
-                      </p:childTnLst>
-                    </p:cTn>
-                  </p:par>
-                  <p:par>
-                    <p:cTn id="8" fill="hold">
-                      <p:stCondLst>
-                        <p:cond delay="indefinite"/>
-                      </p:stCondLst>
-                      <p:childTnLst>
                         <p:par>
-                          <p:cTn id="9" fill="hold">
+                          <p:cTn id="8" fill="hold">
                             <p:stCondLst>
-                              <p:cond delay="0"/>
+                              <p:cond delay="500"/>
                             </p:stCondLst>
                             <p:childTnLst>
                               <p:par>
-                                <p:cTn id="10" presetID="10" presetClass="entr" presetSubtype="0" fill="hold" grpId="0" nodeType="clickEffect">
+                                <p:cTn id="9" presetID="10" presetClass="entr" presetSubtype="0" fill="hold" grpId="0" nodeType="afterEffect">
                                   <p:stCondLst>
                                     <p:cond delay="0"/>
                                   </p:stCondLst>
                                   <p:childTnLst>
                                     <p:set>
                                       <p:cBhvr>
-                                        <p:cTn id="11" dur="1" fill="hold">
+                                        <p:cTn id="10" dur="1" fill="hold">
                                           <p:stCondLst>
                                             <p:cond delay="0"/>
                                           </p:stCondLst>
@@ -14009,7 +13996,7 @@
                                     </p:set>
                                     <p:animEffect transition="in" filter="fade">
                                       <p:cBhvr>
-                                        <p:cTn id="12" dur="500"/>
+                                        <p:cTn id="11" dur="500"/>
                                         <p:tgtEl>
                                           <p:spTgt spid="5"/>
                                         </p:tgtEl>
@@ -14169,7 +14156,7 @@
           <a:graphicData uri="http://schemas.openxmlformats.org/presentationml/2006/ole">
             <mc:AlternateContent xmlns:mc="http://schemas.openxmlformats.org/markup-compatibility/2006">
               <mc:Choice xmlns:v="urn:schemas-microsoft-com:vml" Requires="v">
-                <p:oleObj spid="_x0000_s425151" name="Equation" r:id="rId4" imgW="1511300" imgH="254000" progId="Equation.DSMT4">
+                <p:oleObj spid="_x0000_s425164" name="Equation" r:id="rId4" imgW="1511300" imgH="254000" progId="Equation.DSMT4">
                   <p:embed/>
                 </p:oleObj>
               </mc:Choice>
@@ -14226,7 +14213,7 @@
           <a:graphicData uri="http://schemas.openxmlformats.org/presentationml/2006/ole">
             <mc:AlternateContent xmlns:mc="http://schemas.openxmlformats.org/markup-compatibility/2006">
               <mc:Choice xmlns:v="urn:schemas-microsoft-com:vml" Requires="v">
-                <p:oleObj spid="_x0000_s425152" name="Equation" r:id="rId6" imgW="1524000" imgH="254000" progId="Equation.DSMT4">
+                <p:oleObj spid="_x0000_s425165" name="Equation" r:id="rId6" imgW="1524000" imgH="254000" progId="Equation.DSMT4">
                   <p:embed/>
                 </p:oleObj>
               </mc:Choice>
@@ -14283,7 +14270,7 @@
           <a:graphicData uri="http://schemas.openxmlformats.org/presentationml/2006/ole">
             <mc:AlternateContent xmlns:mc="http://schemas.openxmlformats.org/markup-compatibility/2006">
               <mc:Choice xmlns:v="urn:schemas-microsoft-com:vml" Requires="v">
-                <p:oleObj spid="_x0000_s425153" name="Equation" r:id="rId8" imgW="1181100" imgH="228600" progId="Equation.DSMT4">
+                <p:oleObj spid="_x0000_s425166" name="Equation" r:id="rId8" imgW="1181100" imgH="228600" progId="Equation.DSMT4">
                   <p:embed/>
                 </p:oleObj>
               </mc:Choice>
@@ -14340,7 +14327,7 @@
           <a:graphicData uri="http://schemas.openxmlformats.org/presentationml/2006/ole">
             <mc:AlternateContent xmlns:mc="http://schemas.openxmlformats.org/markup-compatibility/2006">
               <mc:Choice xmlns:v="urn:schemas-microsoft-com:vml" Requires="v">
-                <p:oleObj spid="_x0000_s425154" name="Equation" r:id="rId10" imgW="1168400" imgH="228600" progId="Equation.DSMT4">
+                <p:oleObj spid="_x0000_s425167" name="Equation" r:id="rId10" imgW="1168400" imgH="228600" progId="Equation.DSMT4">
                   <p:embed/>
                 </p:oleObj>
               </mc:Choice>
@@ -14731,7 +14718,7 @@
           <a:graphicData uri="http://schemas.openxmlformats.org/presentationml/2006/ole">
             <mc:AlternateContent xmlns:mc="http://schemas.openxmlformats.org/markup-compatibility/2006">
               <mc:Choice xmlns:v="urn:schemas-microsoft-com:vml" Requires="v">
-                <p:oleObj spid="_x0000_s554020" name="Equation" r:id="rId4" imgW="1181100" imgH="228600" progId="Equation.DSMT4">
+                <p:oleObj spid="_x0000_s554033" name="Equation" r:id="rId4" imgW="1181100" imgH="228600" progId="Equation.DSMT4">
                   <p:embed/>
                 </p:oleObj>
               </mc:Choice>
@@ -14788,7 +14775,7 @@
           <a:graphicData uri="http://schemas.openxmlformats.org/presentationml/2006/ole">
             <mc:AlternateContent xmlns:mc="http://schemas.openxmlformats.org/markup-compatibility/2006">
               <mc:Choice xmlns:v="urn:schemas-microsoft-com:vml" Requires="v">
-                <p:oleObj spid="_x0000_s554021" name="Equation" r:id="rId6" imgW="1168400" imgH="228600" progId="Equation.DSMT4">
+                <p:oleObj spid="_x0000_s554034" name="Equation" r:id="rId6" imgW="1168400" imgH="228600" progId="Equation.DSMT4">
                   <p:embed/>
                 </p:oleObj>
               </mc:Choice>
@@ -14845,7 +14832,7 @@
           <a:graphicData uri="http://schemas.openxmlformats.org/presentationml/2006/ole">
             <mc:AlternateContent xmlns:mc="http://schemas.openxmlformats.org/markup-compatibility/2006">
               <mc:Choice xmlns:v="urn:schemas-microsoft-com:vml" Requires="v">
-                <p:oleObj spid="_x0000_s554022" name="Equation" r:id="rId8" imgW="1511300" imgH="254000" progId="Equation.DSMT4">
+                <p:oleObj spid="_x0000_s554035" name="Equation" r:id="rId8" imgW="1511300" imgH="254000" progId="Equation.DSMT4">
                   <p:embed/>
                 </p:oleObj>
               </mc:Choice>
@@ -14902,7 +14889,7 @@
           <a:graphicData uri="http://schemas.openxmlformats.org/presentationml/2006/ole">
             <mc:AlternateContent xmlns:mc="http://schemas.openxmlformats.org/markup-compatibility/2006">
               <mc:Choice xmlns:v="urn:schemas-microsoft-com:vml" Requires="v">
-                <p:oleObj spid="_x0000_s554023" name="Equation" r:id="rId10" imgW="1524000" imgH="254000" progId="Equation.DSMT4">
+                <p:oleObj spid="_x0000_s554036" name="Equation" r:id="rId10" imgW="1524000" imgH="254000" progId="Equation.DSMT4">
                   <p:embed/>
                 </p:oleObj>
               </mc:Choice>
@@ -15525,7 +15512,7 @@
           <a:graphicData uri="http://schemas.openxmlformats.org/presentationml/2006/ole">
             <mc:AlternateContent xmlns:mc="http://schemas.openxmlformats.org/markup-compatibility/2006">
               <mc:Choice xmlns:v="urn:schemas-microsoft-com:vml" Requires="v">
-                <p:oleObj spid="_x0000_s426072" name="Equation" r:id="rId4" imgW="1854200" imgH="482600" progId="Equation.DSMT4">
+                <p:oleObj spid="_x0000_s426076" name="Equation" r:id="rId4" imgW="1854200" imgH="482600" progId="Equation.DSMT4">
                   <p:embed/>
                 </p:oleObj>
               </mc:Choice>
@@ -15899,7 +15886,7 @@
           <a:graphicData uri="http://schemas.openxmlformats.org/presentationml/2006/ole">
             <mc:AlternateContent xmlns:mc="http://schemas.openxmlformats.org/markup-compatibility/2006">
               <mc:Choice xmlns:v="urn:schemas-microsoft-com:vml" Requires="v">
-                <p:oleObj spid="_x0000_s481326" name="Equation" r:id="rId4" imgW="1854200" imgH="482600" progId="Equation.DSMT4">
+                <p:oleObj spid="_x0000_s481330" name="Equation" r:id="rId4" imgW="1854200" imgH="482600" progId="Equation.DSMT4">
                   <p:embed/>
                 </p:oleObj>
               </mc:Choice>
@@ -16112,7 +16099,7 @@
           <a:graphicData uri="http://schemas.openxmlformats.org/presentationml/2006/ole">
             <mc:AlternateContent xmlns:mc="http://schemas.openxmlformats.org/markup-compatibility/2006">
               <mc:Choice xmlns:v="urn:schemas-microsoft-com:vml" Requires="v">
-                <p:oleObj spid="_x0000_s528413" name="Equation" r:id="rId4" imgW="1803400" imgH="482600" progId="Equation.DSMT4">
+                <p:oleObj spid="_x0000_s528417" name="Equation" r:id="rId4" imgW="1803400" imgH="482600" progId="Equation.DSMT4">
                   <p:embed/>
                 </p:oleObj>
               </mc:Choice>
@@ -16311,7 +16298,7 @@
           <a:graphicData uri="http://schemas.openxmlformats.org/presentationml/2006/ole">
             <mc:AlternateContent xmlns:mc="http://schemas.openxmlformats.org/markup-compatibility/2006">
               <mc:Choice xmlns:v="urn:schemas-microsoft-com:vml" Requires="v">
-                <p:oleObj spid="_x0000_s447545" name="Equation" r:id="rId4" imgW="2514600" imgH="254000" progId="Equation.DSMT4">
+                <p:oleObj spid="_x0000_s447551" name="Equation" r:id="rId4" imgW="2514600" imgH="254000" progId="Equation.DSMT4">
                   <p:embed/>
                 </p:oleObj>
               </mc:Choice>
@@ -16369,10 +16356,10 @@
           <a:lstStyle/>
           <a:p>
             <a:r>
-              <a:rPr lang="en-US" sz="6000" dirty="0" smtClean="0">
+              <a:rPr lang="en-US" sz="6000" dirty="0">
                 <a:latin typeface="Comic Sans MS" pitchFamily="66" charset="0"/>
               </a:rPr>
-              <a:t>now get to </a:t>
+              <a:t>now to get </a:t>
             </a:r>
             <a:r>
               <a:rPr lang="en-US" sz="6000" dirty="0" smtClean="0">
@@ -16671,7 +16658,7 @@
           <a:graphicData uri="http://schemas.openxmlformats.org/presentationml/2006/ole">
             <mc:AlternateContent xmlns:mc="http://schemas.openxmlformats.org/markup-compatibility/2006">
               <mc:Choice xmlns:v="urn:schemas-microsoft-com:vml" Requires="v">
-                <p:oleObj spid="_x0000_s449642" name="Equation" r:id="rId4" imgW="698500" imgH="254000" progId="Equation.DSMT4">
+                <p:oleObj spid="_x0000_s449651" name="Equation" r:id="rId4" imgW="698500" imgH="254000" progId="Equation.DSMT4">
                   <p:embed/>
                 </p:oleObj>
               </mc:Choice>
@@ -16728,7 +16715,7 @@
           <a:graphicData uri="http://schemas.openxmlformats.org/presentationml/2006/ole">
             <mc:AlternateContent xmlns:mc="http://schemas.openxmlformats.org/markup-compatibility/2006">
               <mc:Choice xmlns:v="urn:schemas-microsoft-com:vml" Requires="v">
-                <p:oleObj spid="_x0000_s449643" name="Equation" r:id="rId6" imgW="1651000" imgH="254000" progId="Equation.DSMT4">
+                <p:oleObj spid="_x0000_s449652" name="Equation" r:id="rId6" imgW="1651000" imgH="254000" progId="Equation.DSMT4">
                   <p:embed/>
                 </p:oleObj>
               </mc:Choice>
@@ -16883,6 +16870,9 @@
                     <p:cTn id="3" fill="hold">
                       <p:stCondLst>
                         <p:cond delay="indefinite"/>
+                        <p:cond evt="onBegin" delay="0">
+                          <p:tn val="2"/>
+                        </p:cond>
                       </p:stCondLst>
                       <p:childTnLst>
                         <p:par>
@@ -16892,7 +16882,7 @@
                             </p:stCondLst>
                             <p:childTnLst>
                               <p:par>
-                                <p:cTn id="5" presetID="10" presetClass="entr" presetSubtype="0" fill="hold" grpId="0" nodeType="clickEffect">
+                                <p:cTn id="5" presetID="10" presetClass="entr" presetSubtype="0" fill="hold" grpId="0" nodeType="afterEffect">
                                   <p:stCondLst>
                                     <p:cond delay="0"/>
                                   </p:stCondLst>
@@ -17139,7 +17129,7 @@
           <a:graphicData uri="http://schemas.openxmlformats.org/presentationml/2006/ole">
             <mc:AlternateContent xmlns:mc="http://schemas.openxmlformats.org/markup-compatibility/2006">
               <mc:Choice xmlns:v="urn:schemas-microsoft-com:vml" Requires="v">
-                <p:oleObj spid="_x0000_s506981" name="Equation" r:id="rId4" imgW="698500" imgH="254000" progId="Equation.DSMT4">
+                <p:oleObj spid="_x0000_s506991" name="Equation" r:id="rId4" imgW="698500" imgH="254000" progId="Equation.DSMT4">
                   <p:embed/>
                 </p:oleObj>
               </mc:Choice>
@@ -17196,7 +17186,7 @@
           <a:graphicData uri="http://schemas.openxmlformats.org/presentationml/2006/ole">
             <mc:AlternateContent xmlns:mc="http://schemas.openxmlformats.org/markup-compatibility/2006">
               <mc:Choice xmlns:v="urn:schemas-microsoft-com:vml" Requires="v">
-                <p:oleObj spid="_x0000_s506982" name="Equation" r:id="rId6" imgW="1651000" imgH="254000" progId="Equation.DSMT4">
+                <p:oleObj spid="_x0000_s506992" name="Equation" r:id="rId6" imgW="1651000" imgH="254000" progId="Equation.DSMT4">
                   <p:embed/>
                 </p:oleObj>
               </mc:Choice>
@@ -17253,7 +17243,7 @@
           <a:graphicData uri="http://schemas.openxmlformats.org/presentationml/2006/ole">
             <mc:AlternateContent xmlns:mc="http://schemas.openxmlformats.org/markup-compatibility/2006">
               <mc:Choice xmlns:v="urn:schemas-microsoft-com:vml" Requires="v">
-                <p:oleObj spid="_x0000_s506983" name="Equation" r:id="rId8" imgW="1333500" imgH="482600" progId="Equation.DSMT4">
+                <p:oleObj spid="_x0000_s506993" name="Equation" r:id="rId8" imgW="1333500" imgH="482600" progId="Equation.DSMT4">
                   <p:embed/>
                 </p:oleObj>
               </mc:Choice>
@@ -17553,7 +17543,7 @@
           <a:graphicData uri="http://schemas.openxmlformats.org/presentationml/2006/ole">
             <mc:AlternateContent xmlns:mc="http://schemas.openxmlformats.org/markup-compatibility/2006">
               <mc:Choice xmlns:v="urn:schemas-microsoft-com:vml" Requires="v">
-                <p:oleObj spid="_x0000_s507989" name="Equation" r:id="rId4" imgW="698500" imgH="254000" progId="Equation.DSMT4">
+                <p:oleObj spid="_x0000_s507998" name="Equation" r:id="rId4" imgW="698500" imgH="254000" progId="Equation.DSMT4">
                   <p:embed/>
                 </p:oleObj>
               </mc:Choice>
@@ -17610,7 +17600,7 @@
           <a:graphicData uri="http://schemas.openxmlformats.org/presentationml/2006/ole">
             <mc:AlternateContent xmlns:mc="http://schemas.openxmlformats.org/markup-compatibility/2006">
               <mc:Choice xmlns:v="urn:schemas-microsoft-com:vml" Requires="v">
-                <p:oleObj spid="_x0000_s507990" name="Equation" r:id="rId6" imgW="1333500" imgH="482600" progId="Equation.DSMT4">
+                <p:oleObj spid="_x0000_s507999" name="Equation" r:id="rId6" imgW="1333500" imgH="482600" progId="Equation.DSMT4">
                   <p:embed/>
                 </p:oleObj>
               </mc:Choice>
@@ -17803,9 +17793,18 @@
   <p:clrMapOvr>
     <a:masterClrMapping/>
   </p:clrMapOvr>
-  <p:transition xmlns:p14="http://schemas.microsoft.com/office/powerpoint/2010/main" spd="slow" advClick="0">
-    <p:fade/>
-  </p:transition>
+  <mc:AlternateContent xmlns:mc="http://schemas.openxmlformats.org/markup-compatibility/2006">
+    <mc:Choice xmlns:p14="http://schemas.microsoft.com/office/powerpoint/2010/main" Requires="p14">
+      <p:transition spd="med" p14:dur="700" advClick="0">
+        <p:fade/>
+      </p:transition>
+    </mc:Choice>
+    <mc:Fallback>
+      <p:transition xmlns:p14="http://schemas.microsoft.com/office/powerpoint/2010/main" spd="med" advClick="0">
+        <p:fade/>
+      </p:transition>
+    </mc:Fallback>
+  </mc:AlternateContent>
   <p:timing>
     <p:tnLst>
       <p:par>
@@ -17818,6 +17817,9 @@
                     <p:cTn id="3" fill="hold">
                       <p:stCondLst>
                         <p:cond delay="indefinite"/>
+                        <p:cond evt="onBegin" delay="0">
+                          <p:tn val="2"/>
+                        </p:cond>
                       </p:stCondLst>
                       <p:childTnLst>
                         <p:par>
@@ -17827,7 +17829,7 @@
                             </p:stCondLst>
                             <p:childTnLst>
                               <p:par>
-                                <p:cTn id="5" presetID="10" presetClass="entr" presetSubtype="0" fill="hold" nodeType="clickEffect">
+                                <p:cTn id="5" presetID="10" presetClass="entr" presetSubtype="0" fill="hold" nodeType="afterEffect">
                                   <p:stCondLst>
                                     <p:cond delay="0"/>
                                   </p:stCondLst>
@@ -18022,7 +18024,7 @@
           <a:graphicData uri="http://schemas.openxmlformats.org/presentationml/2006/ole">
             <mc:AlternateContent xmlns:mc="http://schemas.openxmlformats.org/markup-compatibility/2006">
               <mc:Choice xmlns:v="urn:schemas-microsoft-com:vml" Requires="v">
-                <p:oleObj spid="_x0000_s522292" name="Equation" r:id="rId4" imgW="1600200" imgH="215900" progId="Equation.DSMT4">
+                <p:oleObj spid="_x0000_s522299" name="Equation" r:id="rId4" imgW="1600200" imgH="215900" progId="Equation.DSMT4">
                   <p:embed/>
                 </p:oleObj>
               </mc:Choice>
@@ -18079,7 +18081,7 @@
           <a:graphicData uri="http://schemas.openxmlformats.org/presentationml/2006/ole">
             <mc:AlternateContent xmlns:mc="http://schemas.openxmlformats.org/markup-compatibility/2006">
               <mc:Choice xmlns:v="urn:schemas-microsoft-com:vml" Requires="v">
-                <p:oleObj spid="_x0000_s522293" name="Equation" r:id="rId6" imgW="1397000" imgH="457200" progId="Equation.DSMT4">
+                <p:oleObj spid="_x0000_s522300" name="Equation" r:id="rId6" imgW="1397000" imgH="457200" progId="Equation.DSMT4">
                   <p:embed/>
                 </p:oleObj>
               </mc:Choice>
@@ -18488,7 +18490,7 @@
           <a:graphicData uri="http://schemas.openxmlformats.org/presentationml/2006/ole">
             <mc:AlternateContent xmlns:mc="http://schemas.openxmlformats.org/markup-compatibility/2006">
               <mc:Choice xmlns:v="urn:schemas-microsoft-com:vml" Requires="v">
-                <p:oleObj spid="_x0000_s461881" name="Equation" r:id="rId4" imgW="1333500" imgH="482600" progId="Equation.DSMT4">
+                <p:oleObj spid="_x0000_s461886" name="Equation" r:id="rId4" imgW="1333500" imgH="482600" progId="Equation.DSMT4">
                   <p:embed/>
                 </p:oleObj>
               </mc:Choice>
@@ -18525,41 +18527,6 @@
       </p:graphicFrame>
       <p:sp>
         <p:nvSpPr>
-          <p:cNvPr id="11" name="TextBox 10"/>
-          <p:cNvSpPr txBox="1"/>
-          <p:nvPr/>
-        </p:nvSpPr>
-        <p:spPr>
-          <a:xfrm>
-            <a:off x="7471976" y="2171700"/>
-            <a:ext cx="1544977" cy="923330"/>
-          </a:xfrm>
-          <a:prstGeom prst="rect">
-            <a:avLst/>
-          </a:prstGeom>
-          <a:noFill/>
-        </p:spPr>
-        <p:txBody>
-          <a:bodyPr wrap="none" rtlCol="0">
-            <a:spAutoFit/>
-          </a:bodyPr>
-          <a:lstStyle/>
-          <a:p>
-            <a:pPr algn="l"/>
-            <a:r>
-              <a:rPr lang="en-US" sz="5400" dirty="0" smtClean="0">
-                <a:solidFill>
-                  <a:srgbClr val="FF03E3"/>
-                </a:solidFill>
-                <a:latin typeface="Comic Sans MS" pitchFamily="66" charset="0"/>
-              </a:rPr>
-              <a:t>sort</a:t>
-            </a:r>
-          </a:p>
-        </p:txBody>
-      </p:sp>
-      <p:sp>
-        <p:nvSpPr>
           <p:cNvPr id="12" name="Title 1"/>
           <p:cNvSpPr>
             <a:spLocks noGrp="1"/>
@@ -18682,6 +18649,216 @@
   <p:timing>
     <p:tnLst>
       <p:par>
+        <p:cTn xmlns:p14="http://schemas.microsoft.com/office/powerpoint/2010/main" id="1" dur="indefinite" restart="never" nodeType="tmRoot"/>
+      </p:par>
+    </p:tnLst>
+  </p:timing>
+</p:sld>
+</file>
+
+<file path=ppt/slides/slide39.xml><?xml version="1.0" encoding="utf-8"?>
+<p:sld xmlns:a="http://schemas.openxmlformats.org/drawingml/2006/main" xmlns:r="http://schemas.openxmlformats.org/officeDocument/2006/relationships" xmlns:p="http://schemas.openxmlformats.org/presentationml/2006/main">
+  <p:cSld>
+    <p:spTree>
+      <p:nvGrpSpPr>
+        <p:cNvPr id="1" name=""/>
+        <p:cNvGrpSpPr/>
+        <p:nvPr/>
+      </p:nvGrpSpPr>
+      <p:grpSpPr>
+        <a:xfrm>
+          <a:off x="0" y="0"/>
+          <a:ext cx="0" cy="0"/>
+          <a:chOff x="0" y="0"/>
+          <a:chExt cx="0" cy="0"/>
+        </a:xfrm>
+      </p:grpSpPr>
+      <p:sp>
+        <p:nvSpPr>
+          <p:cNvPr id="4" name="Slide Number Placeholder 2"/>
+          <p:cNvSpPr>
+            <a:spLocks noGrp="1"/>
+          </p:cNvSpPr>
+          <p:nvPr>
+            <p:ph type="sldNum" sz="quarter" idx="10"/>
+          </p:nvPr>
+        </p:nvSpPr>
+        <p:spPr>
+          <a:xfrm>
+            <a:off x="7333815" y="6553200"/>
+            <a:ext cx="1810186" cy="276999"/>
+          </a:xfrm>
+        </p:spPr>
+        <p:txBody>
+          <a:bodyPr/>
+          <a:lstStyle/>
+          <a:p>
+            <a:r>
+              <a:rPr lang="en-US" dirty="0" smtClean="0"/>
+              <a:t>propositional algebra.</a:t>
+            </a:r>
+            <a:fld id="{3251DA95-B240-47FE-901D-B78FC8E8E532}" type="slidenum">
+              <a:rPr lang="en-US" smtClean="0"/>
+              <a:pPr/>
+              <a:t>39</a:t>
+            </a:fld>
+            <a:endParaRPr lang="en-US" dirty="0"/>
+          </a:p>
+        </p:txBody>
+      </p:sp>
+      <p:graphicFrame>
+        <p:nvGraphicFramePr>
+          <p:cNvPr id="10" name="Object 9"/>
+          <p:cNvGraphicFramePr>
+            <a:graphicFrameLocks noChangeAspect="1"/>
+          </p:cNvGraphicFramePr>
+          <p:nvPr>
+            <p:extLst>
+              <p:ext uri="{D42A27DB-BD31-4B8C-83A1-F6EECF244321}">
+                <p14:modId xmlns:p14="http://schemas.microsoft.com/office/powerpoint/2010/main" val="4170879284"/>
+              </p:ext>
+            </p:extLst>
+          </p:nvPr>
+        </p:nvGraphicFramePr>
+        <p:xfrm>
+          <a:off x="2003424" y="1225549"/>
+          <a:ext cx="5273675" cy="1910517"/>
+        </p:xfrm>
+        <a:graphic>
+          <a:graphicData uri="http://schemas.openxmlformats.org/presentationml/2006/ole">
+            <mc:AlternateContent xmlns:mc="http://schemas.openxmlformats.org/markup-compatibility/2006">
+              <mc:Choice xmlns:v="urn:schemas-microsoft-com:vml" Requires="v">
+                <p:oleObj spid="_x0000_s523316" name="Equation" r:id="rId4" imgW="1333500" imgH="482600" progId="Equation.DSMT4">
+                  <p:embed/>
+                </p:oleObj>
+              </mc:Choice>
+              <mc:Fallback>
+                <p:oleObj name="Equation" r:id="rId4" imgW="1333500" imgH="482600" progId="Equation.DSMT4">
+                  <p:embed/>
+                  <p:pic>
+                    <p:nvPicPr>
+                      <p:cNvPr id="0" name=""/>
+                      <p:cNvPicPr/>
+                      <p:nvPr/>
+                    </p:nvPicPr>
+                    <p:blipFill>
+                      <a:blip r:embed="rId5"/>
+                      <a:stretch>
+                        <a:fillRect/>
+                      </a:stretch>
+                    </p:blipFill>
+                    <p:spPr>
+                      <a:xfrm>
+                        <a:off x="2003424" y="1225549"/>
+                        <a:ext cx="5273675" cy="1910517"/>
+                      </a:xfrm>
+                      <a:prstGeom prst="rect">
+                        <a:avLst/>
+                      </a:prstGeom>
+                    </p:spPr>
+                  </p:pic>
+                </p:oleObj>
+              </mc:Fallback>
+            </mc:AlternateContent>
+          </a:graphicData>
+        </a:graphic>
+      </p:graphicFrame>
+      <p:sp>
+        <p:nvSpPr>
+          <p:cNvPr id="8" name="Title 1"/>
+          <p:cNvSpPr>
+            <a:spLocks noGrp="1"/>
+          </p:cNvSpPr>
+          <p:nvPr>
+            <p:ph type="title"/>
+          </p:nvPr>
+        </p:nvSpPr>
+        <p:spPr>
+          <a:xfrm>
+            <a:off x="1651000" y="363538"/>
+            <a:ext cx="6794500" cy="1003300"/>
+          </a:xfrm>
+        </p:spPr>
+        <p:txBody>
+          <a:bodyPr/>
+          <a:lstStyle/>
+          <a:p>
+            <a:r>
+              <a:rPr lang="en-US" sz="4000" dirty="0" smtClean="0">
+                <a:solidFill>
+                  <a:srgbClr val="FF03E3"/>
+                </a:solidFill>
+              </a:rPr>
+              <a:t>example</a:t>
+            </a:r>
+            <a:endParaRPr lang="en-US" sz="4000" dirty="0">
+              <a:solidFill>
+                <a:srgbClr val="FF03E3"/>
+              </a:solidFill>
+            </a:endParaRPr>
+          </a:p>
+        </p:txBody>
+      </p:sp>
+      <p:sp>
+        <p:nvSpPr>
+          <p:cNvPr id="5" name="TextBox 4"/>
+          <p:cNvSpPr txBox="1"/>
+          <p:nvPr/>
+        </p:nvSpPr>
+        <p:spPr>
+          <a:xfrm>
+            <a:off x="7471976" y="2171700"/>
+            <a:ext cx="1544977" cy="923330"/>
+          </a:xfrm>
+          <a:prstGeom prst="rect">
+            <a:avLst/>
+          </a:prstGeom>
+          <a:noFill/>
+        </p:spPr>
+        <p:txBody>
+          <a:bodyPr wrap="none" rtlCol="0">
+            <a:spAutoFit/>
+          </a:bodyPr>
+          <a:lstStyle/>
+          <a:p>
+            <a:pPr algn="l"/>
+            <a:r>
+              <a:rPr lang="en-US" sz="5400" dirty="0" smtClean="0">
+                <a:solidFill>
+                  <a:srgbClr val="FF03E3"/>
+                </a:solidFill>
+                <a:latin typeface="Comic Sans MS" pitchFamily="66" charset="0"/>
+              </a:rPr>
+              <a:t>sort</a:t>
+            </a:r>
+          </a:p>
+        </p:txBody>
+      </p:sp>
+    </p:spTree>
+    <p:extLst>
+      <p:ext uri="{BB962C8B-B14F-4D97-AF65-F5344CB8AC3E}">
+        <p14:creationId xmlns:p14="http://schemas.microsoft.com/office/powerpoint/2010/main" val="2003572068"/>
+      </p:ext>
+    </p:extLst>
+  </p:cSld>
+  <p:clrMapOvr>
+    <a:masterClrMapping/>
+  </p:clrMapOvr>
+  <mc:AlternateContent xmlns:mc="http://schemas.openxmlformats.org/markup-compatibility/2006" xmlns:p14="http://schemas.microsoft.com/office/powerpoint/2010/main">
+    <mc:Choice Requires="p14">
+      <p:transition spd="med" p14:dur="600" advClick="0">
+        <p:fade/>
+      </p:transition>
+    </mc:Choice>
+    <mc:Fallback xmlns="">
+      <p:transition xmlns:p14="http://schemas.microsoft.com/office/powerpoint/2010/main" spd="med" advClick="0">
+        <p:fade/>
+      </p:transition>
+    </mc:Fallback>
+  </mc:AlternateContent>
+  <p:timing>
+    <p:tnLst>
+      <p:par>
         <p:cTn xmlns:p14="http://schemas.microsoft.com/office/powerpoint/2010/main" id="1" dur="indefinite" restart="never" nodeType="tmRoot">
           <p:childTnLst>
             <p:seq concurrent="1" nextAc="seek">
@@ -18691,6 +18868,9 @@
                     <p:cTn id="3" fill="hold">
                       <p:stCondLst>
                         <p:cond delay="indefinite"/>
+                        <p:cond evt="onBegin" delay="0">
+                          <p:tn val="2"/>
+                        </p:cond>
                       </p:stCondLst>
                       <p:childTnLst>
                         <p:par>
@@ -18700,7 +18880,7 @@
                             </p:stCondLst>
                             <p:childTnLst>
                               <p:par>
-                                <p:cTn id="5" presetID="10" presetClass="entr" presetSubtype="0" fill="hold" grpId="0" nodeType="clickEffect">
+                                <p:cTn id="5" presetID="10" presetClass="entr" presetSubtype="0" fill="hold" grpId="0" nodeType="afterEffect">
                                   <p:stCondLst>
                                     <p:cond delay="0"/>
                                   </p:stCondLst>
@@ -18713,7 +18893,7 @@
                                           </p:stCondLst>
                                         </p:cTn>
                                         <p:tgtEl>
-                                          <p:spTgt spid="11"/>
+                                          <p:spTgt spid="5"/>
                                         </p:tgtEl>
                                         <p:attrNameLst>
                                           <p:attrName>style.visibility</p:attrName>
@@ -18727,7 +18907,7 @@
                                       <p:cBhvr>
                                         <p:cTn id="7" dur="500"/>
                                         <p:tgtEl>
-                                          <p:spTgt spid="11"/>
+                                          <p:spTgt spid="5"/>
                                         </p:tgtEl>
                                       </p:cBhvr>
                                     </p:animEffect>
@@ -18762,183 +18942,8 @@
       </p:par>
     </p:tnLst>
     <p:bldLst>
-      <p:bldP spid="11" grpId="0"/>
+      <p:bldP spid="5" grpId="0"/>
     </p:bldLst>
-  </p:timing>
-</p:sld>
-</file>
-
-<file path=ppt/slides/slide39.xml><?xml version="1.0" encoding="utf-8"?>
-<p:sld xmlns:a="http://schemas.openxmlformats.org/drawingml/2006/main" xmlns:r="http://schemas.openxmlformats.org/officeDocument/2006/relationships" xmlns:p="http://schemas.openxmlformats.org/presentationml/2006/main">
-  <p:cSld>
-    <p:spTree>
-      <p:nvGrpSpPr>
-        <p:cNvPr id="1" name=""/>
-        <p:cNvGrpSpPr/>
-        <p:nvPr/>
-      </p:nvGrpSpPr>
-      <p:grpSpPr>
-        <a:xfrm>
-          <a:off x="0" y="0"/>
-          <a:ext cx="0" cy="0"/>
-          <a:chOff x="0" y="0"/>
-          <a:chExt cx="0" cy="0"/>
-        </a:xfrm>
-      </p:grpSpPr>
-      <p:sp>
-        <p:nvSpPr>
-          <p:cNvPr id="4" name="Slide Number Placeholder 2"/>
-          <p:cNvSpPr>
-            <a:spLocks noGrp="1"/>
-          </p:cNvSpPr>
-          <p:nvPr>
-            <p:ph type="sldNum" sz="quarter" idx="10"/>
-          </p:nvPr>
-        </p:nvSpPr>
-        <p:spPr>
-          <a:xfrm>
-            <a:off x="7333815" y="6553200"/>
-            <a:ext cx="1810186" cy="276999"/>
-          </a:xfrm>
-        </p:spPr>
-        <p:txBody>
-          <a:bodyPr/>
-          <a:lstStyle/>
-          <a:p>
-            <a:r>
-              <a:rPr lang="en-US" dirty="0" smtClean="0"/>
-              <a:t>propositional algebra.</a:t>
-            </a:r>
-            <a:fld id="{3251DA95-B240-47FE-901D-B78FC8E8E532}" type="slidenum">
-              <a:rPr lang="en-US" smtClean="0"/>
-              <a:pPr/>
-              <a:t>39</a:t>
-            </a:fld>
-            <a:endParaRPr lang="en-US" dirty="0"/>
-          </a:p>
-        </p:txBody>
-      </p:sp>
-      <p:graphicFrame>
-        <p:nvGraphicFramePr>
-          <p:cNvPr id="10" name="Object 9"/>
-          <p:cNvGraphicFramePr>
-            <a:graphicFrameLocks noChangeAspect="1"/>
-          </p:cNvGraphicFramePr>
-          <p:nvPr>
-            <p:extLst>
-              <p:ext uri="{D42A27DB-BD31-4B8C-83A1-F6EECF244321}">
-                <p14:modId xmlns:p14="http://schemas.microsoft.com/office/powerpoint/2010/main" val="4170879284"/>
-              </p:ext>
-            </p:extLst>
-          </p:nvPr>
-        </p:nvGraphicFramePr>
-        <p:xfrm>
-          <a:off x="2003424" y="1225549"/>
-          <a:ext cx="5273675" cy="1910517"/>
-        </p:xfrm>
-        <a:graphic>
-          <a:graphicData uri="http://schemas.openxmlformats.org/presentationml/2006/ole">
-            <mc:AlternateContent xmlns:mc="http://schemas.openxmlformats.org/markup-compatibility/2006">
-              <mc:Choice xmlns:v="urn:schemas-microsoft-com:vml" Requires="v">
-                <p:oleObj spid="_x0000_s523310" name="Equation" r:id="rId4" imgW="1333500" imgH="482600" progId="Equation.DSMT4">
-                  <p:embed/>
-                </p:oleObj>
-              </mc:Choice>
-              <mc:Fallback>
-                <p:oleObj name="Equation" r:id="rId4" imgW="1333500" imgH="482600" progId="Equation.DSMT4">
-                  <p:embed/>
-                  <p:pic>
-                    <p:nvPicPr>
-                      <p:cNvPr id="0" name=""/>
-                      <p:cNvPicPr/>
-                      <p:nvPr/>
-                    </p:nvPicPr>
-                    <p:blipFill>
-                      <a:blip r:embed="rId5"/>
-                      <a:stretch>
-                        <a:fillRect/>
-                      </a:stretch>
-                    </p:blipFill>
-                    <p:spPr>
-                      <a:xfrm>
-                        <a:off x="2003424" y="1225549"/>
-                        <a:ext cx="5273675" cy="1910517"/>
-                      </a:xfrm>
-                      <a:prstGeom prst="rect">
-                        <a:avLst/>
-                      </a:prstGeom>
-                    </p:spPr>
-                  </p:pic>
-                </p:oleObj>
-              </mc:Fallback>
-            </mc:AlternateContent>
-          </a:graphicData>
-        </a:graphic>
-      </p:graphicFrame>
-      <p:sp>
-        <p:nvSpPr>
-          <p:cNvPr id="8" name="Title 1"/>
-          <p:cNvSpPr>
-            <a:spLocks noGrp="1"/>
-          </p:cNvSpPr>
-          <p:nvPr>
-            <p:ph type="title"/>
-          </p:nvPr>
-        </p:nvSpPr>
-        <p:spPr>
-          <a:xfrm>
-            <a:off x="1651000" y="363538"/>
-            <a:ext cx="6794500" cy="1003300"/>
-          </a:xfrm>
-        </p:spPr>
-        <p:txBody>
-          <a:bodyPr/>
-          <a:lstStyle/>
-          <a:p>
-            <a:r>
-              <a:rPr lang="en-US" sz="4000" dirty="0" smtClean="0">
-                <a:solidFill>
-                  <a:srgbClr val="FF03E3"/>
-                </a:solidFill>
-              </a:rPr>
-              <a:t>example</a:t>
-            </a:r>
-            <a:endParaRPr lang="en-US" sz="4000" dirty="0">
-              <a:solidFill>
-                <a:srgbClr val="FF03E3"/>
-              </a:solidFill>
-            </a:endParaRPr>
-          </a:p>
-        </p:txBody>
-      </p:sp>
-    </p:spTree>
-    <p:extLst>
-      <p:ext uri="{BB962C8B-B14F-4D97-AF65-F5344CB8AC3E}">
-        <p14:creationId xmlns:p14="http://schemas.microsoft.com/office/powerpoint/2010/main" val="2003572068"/>
-      </p:ext>
-    </p:extLst>
-  </p:cSld>
-  <p:clrMapOvr>
-    <a:masterClrMapping/>
-  </p:clrMapOvr>
-  <mc:AlternateContent xmlns:mc="http://schemas.openxmlformats.org/markup-compatibility/2006" xmlns:p14="http://schemas.microsoft.com/office/powerpoint/2010/main">
-    <mc:Choice Requires="p14">
-      <p:transition spd="med" p14:dur="600" advClick="0">
-        <p:fade/>
-      </p:transition>
-    </mc:Choice>
-    <mc:Fallback xmlns="">
-      <p:transition xmlns:p14="http://schemas.microsoft.com/office/powerpoint/2010/main" spd="med" advClick="0">
-        <p:fade/>
-      </p:transition>
-    </mc:Fallback>
-  </mc:AlternateContent>
-  <p:timing>
-    <p:tnLst>
-      <p:par>
-        <p:cTn xmlns:p14="http://schemas.microsoft.com/office/powerpoint/2010/main" id="1" dur="indefinite" restart="never" nodeType="tmRoot"/>
-      </p:par>
-    </p:tnLst>
   </p:timing>
 </p:sld>
 </file>
@@ -19126,7 +19131,7 @@
           <a:graphicData uri="http://schemas.openxmlformats.org/presentationml/2006/ole">
             <mc:AlternateContent xmlns:mc="http://schemas.openxmlformats.org/markup-compatibility/2006">
               <mc:Choice xmlns:v="urn:schemas-microsoft-com:vml" Requires="v">
-                <p:oleObj spid="_x0000_s420039" name="Equation" r:id="rId4" imgW="139700" imgH="215900" progId="Equation.DSMT4">
+                <p:oleObj spid="_x0000_s420049" name="Equation" r:id="rId4" imgW="139700" imgH="215900" progId="Equation.DSMT4">
                   <p:embed/>
                 </p:oleObj>
               </mc:Choice>
@@ -19183,7 +19188,7 @@
           <a:graphicData uri="http://schemas.openxmlformats.org/presentationml/2006/ole">
             <mc:AlternateContent xmlns:mc="http://schemas.openxmlformats.org/markup-compatibility/2006">
               <mc:Choice xmlns:v="urn:schemas-microsoft-com:vml" Requires="v">
-                <p:oleObj spid="_x0000_s420040" name="Equation" r:id="rId6" imgW="2044700" imgH="228600" progId="Equation.DSMT4">
+                <p:oleObj spid="_x0000_s420050" name="Equation" r:id="rId6" imgW="2044700" imgH="228600" progId="Equation.DSMT4">
                   <p:embed/>
                 </p:oleObj>
               </mc:Choice>
@@ -19323,7 +19328,7 @@
           <a:graphicData uri="http://schemas.openxmlformats.org/presentationml/2006/ole">
             <mc:AlternateContent xmlns:mc="http://schemas.openxmlformats.org/markup-compatibility/2006">
               <mc:Choice xmlns:v="urn:schemas-microsoft-com:vml" Requires="v">
-                <p:oleObj spid="_x0000_s420041" name="Equation" r:id="rId8" imgW="2159000" imgH="457200" progId="Equation.DSMT4">
+                <p:oleObj spid="_x0000_s420051" name="Equation" r:id="rId8" imgW="2159000" imgH="457200" progId="Equation.DSMT4">
                   <p:embed/>
                 </p:oleObj>
               </mc:Choice>
@@ -19625,20 +19630,20 @@
           <p:nvPr>
             <p:extLst>
               <p:ext uri="{D42A27DB-BD31-4B8C-83A1-F6EECF244321}">
-                <p14:modId xmlns:p14="http://schemas.microsoft.com/office/powerpoint/2010/main" val="785072527"/>
+                <p14:modId xmlns:p14="http://schemas.microsoft.com/office/powerpoint/2010/main" val="3839585719"/>
               </p:ext>
             </p:extLst>
           </p:nvPr>
         </p:nvGraphicFramePr>
         <p:xfrm>
-          <a:off x="2007460" y="1270160"/>
-          <a:ext cx="5100694" cy="1847851"/>
+          <a:off x="2007459" y="1237313"/>
+          <a:ext cx="5228131" cy="1894018"/>
         </p:xfrm>
         <a:graphic>
           <a:graphicData uri="http://schemas.openxmlformats.org/presentationml/2006/ole">
             <mc:AlternateContent xmlns:mc="http://schemas.openxmlformats.org/markup-compatibility/2006">
               <mc:Choice xmlns:v="urn:schemas-microsoft-com:vml" Requires="v">
-                <p:oleObj spid="_x0000_s542742" name="Equation" r:id="rId4" imgW="1333500" imgH="482600" progId="Equation.DSMT4">
+                <p:oleObj spid="_x0000_s542747" name="Equation" r:id="rId4" imgW="1333500" imgH="482600" progId="Equation.DSMT4">
                   <p:embed/>
                 </p:oleObj>
               </mc:Choice>
@@ -19659,8 +19664,8 @@
                     </p:blipFill>
                     <p:spPr>
                       <a:xfrm>
-                        <a:off x="2007460" y="1270160"/>
-                        <a:ext cx="5100694" cy="1847851"/>
+                        <a:off x="2007459" y="1237313"/>
+                        <a:ext cx="5228131" cy="1894018"/>
                       </a:xfrm>
                       <a:prstGeom prst="rect">
                         <a:avLst/>
@@ -19813,7 +19818,7 @@
           <a:graphicData uri="http://schemas.openxmlformats.org/presentationml/2006/ole">
             <mc:AlternateContent xmlns:mc="http://schemas.openxmlformats.org/markup-compatibility/2006">
               <mc:Choice xmlns:v="urn:schemas-microsoft-com:vml" Requires="v">
-                <p:oleObj spid="_x0000_s544808" name="Equation" r:id="rId4" imgW="1333500" imgH="482600" progId="Equation.DSMT4">
+                <p:oleObj spid="_x0000_s544815" name="Equation" r:id="rId4" imgW="1333500" imgH="482600" progId="Equation.DSMT4">
                   <p:embed/>
                 </p:oleObj>
               </mc:Choice>
@@ -19973,7 +19978,7 @@
           <a:graphicData uri="http://schemas.openxmlformats.org/presentationml/2006/ole">
             <mc:AlternateContent xmlns:mc="http://schemas.openxmlformats.org/markup-compatibility/2006">
               <mc:Choice xmlns:v="urn:schemas-microsoft-com:vml" Requires="v">
-                <p:oleObj spid="_x0000_s544809" name="Equation" r:id="rId6" imgW="698500" imgH="254000" progId="Equation.DSMT4">
+                <p:oleObj spid="_x0000_s544816" name="Equation" r:id="rId6" imgW="698500" imgH="254000" progId="Equation.DSMT4">
                   <p:embed/>
                 </p:oleObj>
               </mc:Choice>
@@ -20279,13 +20284,19 @@
               <a:rPr lang="en-US" sz="5400" dirty="0">
                 <a:latin typeface="Comic Sans MS" pitchFamily="66" charset="0"/>
               </a:rPr>
-              <a:t>S</a:t>
+              <a:t>s</a:t>
             </a:r>
             <a:r>
               <a:rPr lang="en-US" sz="5400" dirty="0" smtClean="0">
                 <a:latin typeface="Comic Sans MS" pitchFamily="66" charset="0"/>
               </a:rPr>
-              <a:t>ame for </a:t>
+              <a:t>ame </a:t>
+            </a:r>
+            <a:r>
+              <a:rPr lang="en-US" sz="5400" dirty="0" smtClean="0">
+                <a:latin typeface="Comic Sans MS" pitchFamily="66" charset="0"/>
+              </a:rPr>
+              <a:t>for </a:t>
             </a:r>
             <a:r>
               <a:rPr lang="en-US" sz="5400" dirty="0" smtClean="0">
@@ -20342,9 +20353,7 @@
             <a:r>
               <a:rPr lang="en-US" sz="4000" dirty="0" smtClean="0">
                 <a:solidFill>
-                  <a:srgbClr val="E2E2FF">
-                    <a:lumMod val="50000"/>
-                  </a:srgbClr>
+                  <a:srgbClr val="FF03E3"/>
                 </a:solidFill>
                 <a:latin typeface="Comic Sans MS"/>
                 <a:cs typeface="Comic Sans MS"/>
@@ -20379,20 +20388,20 @@
           <p:nvPr>
             <p:extLst>
               <p:ext uri="{D42A27DB-BD31-4B8C-83A1-F6EECF244321}">
-                <p14:modId xmlns:p14="http://schemas.microsoft.com/office/powerpoint/2010/main" val="2137863732"/>
+                <p14:modId xmlns:p14="http://schemas.microsoft.com/office/powerpoint/2010/main" val="1872792193"/>
               </p:ext>
             </p:extLst>
           </p:nvPr>
         </p:nvGraphicFramePr>
         <p:xfrm>
-          <a:off x="885824" y="3282949"/>
+          <a:off x="820136" y="3282949"/>
           <a:ext cx="3172598" cy="1149351"/>
         </p:xfrm>
         <a:graphic>
           <a:graphicData uri="http://schemas.openxmlformats.org/presentationml/2006/ole">
             <mc:AlternateContent xmlns:mc="http://schemas.openxmlformats.org/markup-compatibility/2006">
               <mc:Choice xmlns:v="urn:schemas-microsoft-com:vml" Requires="v">
-                <p:oleObj spid="_x0000_s525394" name="Equation" r:id="rId4" imgW="1333500" imgH="482600" progId="Equation.DSMT4">
+                <p:oleObj spid="_x0000_s525410" name="Equation" r:id="rId4" imgW="1333500" imgH="482600" progId="Equation.DSMT4">
                   <p:embed/>
                 </p:oleObj>
               </mc:Choice>
@@ -20413,7 +20422,7 @@
                     </p:blipFill>
                     <p:spPr>
                       <a:xfrm>
-                        <a:off x="885824" y="3282949"/>
+                        <a:off x="820136" y="3282949"/>
                         <a:ext cx="3172598" cy="1149351"/>
                       </a:xfrm>
                       <a:prstGeom prst="rect">
@@ -20435,8 +20444,8 @@
         </p:nvSpPr>
         <p:spPr>
           <a:xfrm>
-            <a:off x="4013201" y="3962400"/>
-            <a:ext cx="647700" cy="461665"/>
+            <a:off x="3947512" y="3886793"/>
+            <a:ext cx="869439" cy="584776"/>
           </a:xfrm>
           <a:prstGeom prst="rect">
             <a:avLst/>
@@ -20451,7 +20460,7 @@
           <a:p>
             <a:pPr algn="l"/>
             <a:r>
-              <a:rPr lang="en-US" sz="2400" dirty="0" smtClean="0">
+              <a:rPr lang="en-US" dirty="0" smtClean="0">
                 <a:solidFill>
                   <a:srgbClr val="FF03E3"/>
                 </a:solidFill>
@@ -20471,20 +20480,20 @@
           <p:nvPr>
             <p:extLst>
               <p:ext uri="{D42A27DB-BD31-4B8C-83A1-F6EECF244321}">
-                <p14:modId xmlns:p14="http://schemas.microsoft.com/office/powerpoint/2010/main" val="2005861632"/>
+                <p14:modId xmlns:p14="http://schemas.microsoft.com/office/powerpoint/2010/main" val="1326260829"/>
               </p:ext>
             </p:extLst>
           </p:nvPr>
         </p:nvGraphicFramePr>
         <p:xfrm>
-          <a:off x="4670424" y="3340100"/>
+          <a:off x="4736112" y="3340100"/>
           <a:ext cx="3172598" cy="1149351"/>
         </p:xfrm>
         <a:graphic>
           <a:graphicData uri="http://schemas.openxmlformats.org/presentationml/2006/ole">
             <mc:AlternateContent xmlns:mc="http://schemas.openxmlformats.org/markup-compatibility/2006">
               <mc:Choice xmlns:v="urn:schemas-microsoft-com:vml" Requires="v">
-                <p:oleObj spid="_x0000_s525395" name="Equation" r:id="rId6" imgW="1333500" imgH="482600" progId="Equation.DSMT4">
+                <p:oleObj spid="_x0000_s525411" name="Equation" r:id="rId6" imgW="1333500" imgH="482600" progId="Equation.DSMT4">
                   <p:embed/>
                 </p:oleObj>
               </mc:Choice>
@@ -20505,7 +20514,7 @@
                     </p:blipFill>
                     <p:spPr>
                       <a:xfrm>
-                        <a:off x="4670424" y="3340100"/>
+                        <a:off x="4736112" y="3340100"/>
                         <a:ext cx="3172598" cy="1149351"/>
                       </a:xfrm>
                       <a:prstGeom prst="rect">
@@ -20528,20 +20537,20 @@
           <p:nvPr>
             <p:extLst>
               <p:ext uri="{D42A27DB-BD31-4B8C-83A1-F6EECF244321}">
-                <p14:modId xmlns:p14="http://schemas.microsoft.com/office/powerpoint/2010/main" val="3368751734"/>
+                <p14:modId xmlns:p14="http://schemas.microsoft.com/office/powerpoint/2010/main" val="3112501937"/>
               </p:ext>
             </p:extLst>
           </p:nvPr>
         </p:nvGraphicFramePr>
         <p:xfrm>
-          <a:off x="2723764" y="4622800"/>
+          <a:off x="2953672" y="4721341"/>
           <a:ext cx="3172598" cy="1149351"/>
         </p:xfrm>
         <a:graphic>
           <a:graphicData uri="http://schemas.openxmlformats.org/presentationml/2006/ole">
             <mc:AlternateContent xmlns:mc="http://schemas.openxmlformats.org/markup-compatibility/2006">
               <mc:Choice xmlns:v="urn:schemas-microsoft-com:vml" Requires="v">
-                <p:oleObj spid="_x0000_s525396" name="Equation" r:id="rId8" imgW="1333500" imgH="482600" progId="Equation.DSMT4">
+                <p:oleObj spid="_x0000_s525412" name="Equation" r:id="rId8" imgW="1333500" imgH="482600" progId="Equation.DSMT4">
                   <p:embed/>
                 </p:oleObj>
               </mc:Choice>
@@ -20562,7 +20571,7 @@
                     </p:blipFill>
                     <p:spPr>
                       <a:xfrm>
-                        <a:off x="2723764" y="4622800"/>
+                        <a:off x="2953672" y="4721341"/>
                         <a:ext cx="3172598" cy="1149351"/>
                       </a:xfrm>
                       <a:prstGeom prst="rect">
@@ -20578,48 +20587,13 @@
       </p:graphicFrame>
       <p:sp>
         <p:nvSpPr>
-          <p:cNvPr id="13" name="TextBox 12"/>
-          <p:cNvSpPr txBox="1"/>
-          <p:nvPr/>
-        </p:nvSpPr>
-        <p:spPr>
-          <a:xfrm>
-            <a:off x="7404101" y="3987800"/>
-            <a:ext cx="647700" cy="461665"/>
-          </a:xfrm>
-          <a:prstGeom prst="rect">
-            <a:avLst/>
-          </a:prstGeom>
-          <a:noFill/>
-        </p:spPr>
-        <p:txBody>
-          <a:bodyPr wrap="square" rtlCol="0">
-            <a:spAutoFit/>
-          </a:bodyPr>
-          <a:lstStyle/>
-          <a:p>
-            <a:pPr algn="l"/>
-            <a:r>
-              <a:rPr lang="en-US" sz="2400" dirty="0" smtClean="0">
-                <a:solidFill>
-                  <a:srgbClr val="FF03E3"/>
-                </a:solidFill>
-                <a:latin typeface="Comic Sans MS" pitchFamily="66" charset="0"/>
-              </a:rPr>
-              <a:t>OR</a:t>
-            </a:r>
-          </a:p>
-        </p:txBody>
-      </p:sp>
-      <p:sp>
-        <p:nvSpPr>
           <p:cNvPr id="14" name="Rounded Rectangle 13"/>
           <p:cNvSpPr/>
           <p:nvPr/>
         </p:nvSpPr>
         <p:spPr bwMode="auto">
           <a:xfrm>
-            <a:off x="749300" y="3073400"/>
+            <a:off x="661716" y="3073400"/>
             <a:ext cx="3327400" cy="1460500"/>
           </a:xfrm>
           <a:prstGeom prst="roundRect">
@@ -20710,463 +20684,16 @@
           </a:p>
         </p:txBody>
       </p:sp>
-    </p:spTree>
-    <p:extLst>
-      <p:ext uri="{BB962C8B-B14F-4D97-AF65-F5344CB8AC3E}">
-        <p14:creationId xmlns:p14="http://schemas.microsoft.com/office/powerpoint/2010/main" val="1969545332"/>
-      </p:ext>
-    </p:extLst>
-  </p:cSld>
-  <p:clrMapOvr>
-    <a:masterClrMapping/>
-  </p:clrMapOvr>
-  <mc:AlternateContent xmlns:mc="http://schemas.openxmlformats.org/markup-compatibility/2006" xmlns:p14="http://schemas.microsoft.com/office/powerpoint/2010/main">
-    <mc:Choice Requires="p14">
-      <p:transition spd="med" p14:dur="600" advClick="0">
-        <p:fade/>
-      </p:transition>
-    </mc:Choice>
-    <mc:Fallback xmlns="">
-      <p:transition xmlns:p14="http://schemas.microsoft.com/office/powerpoint/2010/main" spd="med" advClick="0">
-        <p:fade/>
-      </p:transition>
-    </mc:Fallback>
-  </mc:AlternateContent>
-  <p:timing>
-    <p:tnLst>
-      <p:par>
-        <p:cTn xmlns:p14="http://schemas.microsoft.com/office/powerpoint/2010/main" id="1" dur="indefinite" restart="never" nodeType="tmRoot">
-          <p:childTnLst>
-            <p:seq concurrent="1" nextAc="seek">
-              <p:cTn id="2" dur="indefinite" nodeType="mainSeq">
-                <p:childTnLst>
-                  <p:par>
-                    <p:cTn id="3" fill="hold">
-                      <p:stCondLst>
-                        <p:cond delay="indefinite"/>
-                        <p:cond evt="onBegin" delay="0">
-                          <p:tn val="2"/>
-                        </p:cond>
-                      </p:stCondLst>
-                      <p:childTnLst>
-                        <p:par>
-                          <p:cTn id="4" fill="hold">
-                            <p:stCondLst>
-                              <p:cond delay="0"/>
-                            </p:stCondLst>
-                            <p:childTnLst>
-                              <p:par>
-                                <p:cTn id="5" presetID="10" presetClass="entr" presetSubtype="0" fill="hold" nodeType="afterEffect">
-                                  <p:stCondLst>
-                                    <p:cond delay="0"/>
-                                  </p:stCondLst>
-                                  <p:childTnLst>
-                                    <p:set>
-                                      <p:cBhvr>
-                                        <p:cTn id="6" dur="1" fill="hold">
-                                          <p:stCondLst>
-                                            <p:cond delay="0"/>
-                                          </p:stCondLst>
-                                        </p:cTn>
-                                        <p:tgtEl>
-                                          <p:spTgt spid="3">
-                                            <p:txEl>
-                                              <p:pRg st="0" end="0"/>
-                                            </p:txEl>
-                                          </p:spTgt>
-                                        </p:tgtEl>
-                                        <p:attrNameLst>
-                                          <p:attrName>style.visibility</p:attrName>
-                                        </p:attrNameLst>
-                                      </p:cBhvr>
-                                      <p:to>
-                                        <p:strVal val="visible"/>
-                                      </p:to>
-                                    </p:set>
-                                    <p:animEffect transition="in" filter="fade">
-                                      <p:cBhvr>
-                                        <p:cTn id="7" dur="500"/>
-                                        <p:tgtEl>
-                                          <p:spTgt spid="3">
-                                            <p:txEl>
-                                              <p:pRg st="0" end="0"/>
-                                            </p:txEl>
-                                          </p:spTgt>
-                                        </p:tgtEl>
-                                      </p:cBhvr>
-                                    </p:animEffect>
-                                  </p:childTnLst>
-                                </p:cTn>
-                              </p:par>
-                            </p:childTnLst>
-                          </p:cTn>
-                        </p:par>
-                      </p:childTnLst>
-                    </p:cTn>
-                  </p:par>
-                  <p:par>
-                    <p:cTn id="8" fill="hold">
-                      <p:stCondLst>
-                        <p:cond delay="indefinite"/>
-                      </p:stCondLst>
-                      <p:childTnLst>
-                        <p:par>
-                          <p:cTn id="9" fill="hold">
-                            <p:stCondLst>
-                              <p:cond delay="0"/>
-                            </p:stCondLst>
-                            <p:childTnLst>
-                              <p:par>
-                                <p:cTn id="10" presetID="10" presetClass="entr" presetSubtype="0" fill="hold" nodeType="clickEffect">
-                                  <p:stCondLst>
-                                    <p:cond delay="0"/>
-                                  </p:stCondLst>
-                                  <p:childTnLst>
-                                    <p:set>
-                                      <p:cBhvr>
-                                        <p:cTn id="11" dur="1" fill="hold">
-                                          <p:stCondLst>
-                                            <p:cond delay="0"/>
-                                          </p:stCondLst>
-                                        </p:cTn>
-                                        <p:tgtEl>
-                                          <p:spTgt spid="9"/>
-                                        </p:tgtEl>
-                                        <p:attrNameLst>
-                                          <p:attrName>style.visibility</p:attrName>
-                                        </p:attrNameLst>
-                                      </p:cBhvr>
-                                      <p:to>
-                                        <p:strVal val="visible"/>
-                                      </p:to>
-                                    </p:set>
-                                    <p:animEffect transition="in" filter="fade">
-                                      <p:cBhvr>
-                                        <p:cTn id="12" dur="500"/>
-                                        <p:tgtEl>
-                                          <p:spTgt spid="9"/>
-                                        </p:tgtEl>
-                                      </p:cBhvr>
-                                    </p:animEffect>
-                                  </p:childTnLst>
-                                </p:cTn>
-                              </p:par>
-                            </p:childTnLst>
-                          </p:cTn>
-                        </p:par>
-                        <p:par>
-                          <p:cTn id="13" fill="hold">
-                            <p:stCondLst>
-                              <p:cond delay="500"/>
-                            </p:stCondLst>
-                            <p:childTnLst>
-                              <p:par>
-                                <p:cTn id="14" presetID="10" presetClass="entr" presetSubtype="0" fill="hold" nodeType="afterEffect">
-                                  <p:stCondLst>
-                                    <p:cond delay="0"/>
-                                  </p:stCondLst>
-                                  <p:childTnLst>
-                                    <p:set>
-                                      <p:cBhvr>
-                                        <p:cTn id="15" dur="1" fill="hold">
-                                          <p:stCondLst>
-                                            <p:cond delay="0"/>
-                                          </p:stCondLst>
-                                        </p:cTn>
-                                        <p:tgtEl>
-                                          <p:spTgt spid="11"/>
-                                        </p:tgtEl>
-                                        <p:attrNameLst>
-                                          <p:attrName>style.visibility</p:attrName>
-                                        </p:attrNameLst>
-                                      </p:cBhvr>
-                                      <p:to>
-                                        <p:strVal val="visible"/>
-                                      </p:to>
-                                    </p:set>
-                                    <p:animEffect transition="in" filter="fade">
-                                      <p:cBhvr>
-                                        <p:cTn id="16" dur="500"/>
-                                        <p:tgtEl>
-                                          <p:spTgt spid="11"/>
-                                        </p:tgtEl>
-                                      </p:cBhvr>
-                                    </p:animEffect>
-                                  </p:childTnLst>
-                                </p:cTn>
-                              </p:par>
-                            </p:childTnLst>
-                          </p:cTn>
-                        </p:par>
-                      </p:childTnLst>
-                    </p:cTn>
-                  </p:par>
-                  <p:par>
-                    <p:cTn id="17" fill="hold">
-                      <p:stCondLst>
-                        <p:cond delay="indefinite"/>
-                      </p:stCondLst>
-                      <p:childTnLst>
-                        <p:par>
-                          <p:cTn id="18" fill="hold">
-                            <p:stCondLst>
-                              <p:cond delay="0"/>
-                            </p:stCondLst>
-                            <p:childTnLst>
-                              <p:par>
-                                <p:cTn id="19" presetID="10" presetClass="entr" presetSubtype="0" fill="hold" nodeType="clickEffect">
-                                  <p:stCondLst>
-                                    <p:cond delay="0"/>
-                                  </p:stCondLst>
-                                  <p:childTnLst>
-                                    <p:set>
-                                      <p:cBhvr>
-                                        <p:cTn id="20" dur="1" fill="hold">
-                                          <p:stCondLst>
-                                            <p:cond delay="0"/>
-                                          </p:stCondLst>
-                                        </p:cTn>
-                                        <p:tgtEl>
-                                          <p:spTgt spid="3">
-                                            <p:txEl>
-                                              <p:pRg st="1" end="1"/>
-                                            </p:txEl>
-                                          </p:spTgt>
-                                        </p:tgtEl>
-                                        <p:attrNameLst>
-                                          <p:attrName>style.visibility</p:attrName>
-                                        </p:attrNameLst>
-                                      </p:cBhvr>
-                                      <p:to>
-                                        <p:strVal val="visible"/>
-                                      </p:to>
-                                    </p:set>
-                                    <p:animEffect transition="in" filter="fade">
-                                      <p:cBhvr>
-                                        <p:cTn id="21" dur="500"/>
-                                        <p:tgtEl>
-                                          <p:spTgt spid="3">
-                                            <p:txEl>
-                                              <p:pRg st="1" end="1"/>
-                                            </p:txEl>
-                                          </p:spTgt>
-                                        </p:tgtEl>
-                                      </p:cBhvr>
-                                    </p:animEffect>
-                                  </p:childTnLst>
-                                </p:cTn>
-                              </p:par>
-                            </p:childTnLst>
-                          </p:cTn>
-                        </p:par>
-                        <p:par>
-                          <p:cTn id="22" fill="hold">
-                            <p:stCondLst>
-                              <p:cond delay="500"/>
-                            </p:stCondLst>
-                            <p:childTnLst>
-                              <p:par>
-                                <p:cTn id="23" presetID="1" presetClass="exit" presetSubtype="0" fill="hold" grpId="0" nodeType="afterEffect">
-                                  <p:stCondLst>
-                                    <p:cond delay="0"/>
-                                  </p:stCondLst>
-                                  <p:childTnLst>
-                                    <p:set>
-                                      <p:cBhvr>
-                                        <p:cTn id="24" dur="1" fill="hold">
-                                          <p:stCondLst>
-                                            <p:cond delay="0"/>
-                                          </p:stCondLst>
-                                        </p:cTn>
-                                        <p:tgtEl>
-                                          <p:spTgt spid="14"/>
-                                        </p:tgtEl>
-                                        <p:attrNameLst>
-                                          <p:attrName>style.visibility</p:attrName>
-                                        </p:attrNameLst>
-                                      </p:cBhvr>
-                                      <p:to>
-                                        <p:strVal val="hidden"/>
-                                      </p:to>
-                                    </p:set>
-                                  </p:childTnLst>
-                                </p:cTn>
-                              </p:par>
-                            </p:childTnLst>
-                          </p:cTn>
-                        </p:par>
-                        <p:par>
-                          <p:cTn id="25" fill="hold">
-                            <p:stCondLst>
-                              <p:cond delay="500"/>
-                            </p:stCondLst>
-                            <p:childTnLst>
-                              <p:par>
-                                <p:cTn id="26" presetID="10" presetClass="entr" presetSubtype="0" fill="hold" grpId="0" nodeType="afterEffect">
-                                  <p:stCondLst>
-                                    <p:cond delay="0"/>
-                                  </p:stCondLst>
-                                  <p:childTnLst>
-                                    <p:set>
-                                      <p:cBhvr>
-                                        <p:cTn id="27" dur="1" fill="hold">
-                                          <p:stCondLst>
-                                            <p:cond delay="0"/>
-                                          </p:stCondLst>
-                                        </p:cTn>
-                                        <p:tgtEl>
-                                          <p:spTgt spid="13"/>
-                                        </p:tgtEl>
-                                        <p:attrNameLst>
-                                          <p:attrName>style.visibility</p:attrName>
-                                        </p:attrNameLst>
-                                      </p:cBhvr>
-                                      <p:to>
-                                        <p:strVal val="visible"/>
-                                      </p:to>
-                                    </p:set>
-                                    <p:animEffect transition="in" filter="fade">
-                                      <p:cBhvr>
-                                        <p:cTn id="28" dur="500"/>
-                                        <p:tgtEl>
-                                          <p:spTgt spid="13"/>
-                                        </p:tgtEl>
-                                      </p:cBhvr>
-                                    </p:animEffect>
-                                  </p:childTnLst>
-                                </p:cTn>
-                              </p:par>
-                              <p:par>
-                                <p:cTn id="29" presetID="10" presetClass="entr" presetSubtype="0" fill="hold" grpId="0" nodeType="withEffect">
-                                  <p:stCondLst>
-                                    <p:cond delay="0"/>
-                                  </p:stCondLst>
-                                  <p:childTnLst>
-                                    <p:set>
-                                      <p:cBhvr>
-                                        <p:cTn id="30" dur="1" fill="hold">
-                                          <p:stCondLst>
-                                            <p:cond delay="0"/>
-                                          </p:stCondLst>
-                                        </p:cTn>
-                                        <p:tgtEl>
-                                          <p:spTgt spid="5"/>
-                                        </p:tgtEl>
-                                        <p:attrNameLst>
-                                          <p:attrName>style.visibility</p:attrName>
-                                        </p:attrNameLst>
-                                      </p:cBhvr>
-                                      <p:to>
-                                        <p:strVal val="visible"/>
-                                      </p:to>
-                                    </p:set>
-                                    <p:animEffect transition="in" filter="fade">
-                                      <p:cBhvr>
-                                        <p:cTn id="31" dur="500"/>
-                                        <p:tgtEl>
-                                          <p:spTgt spid="5"/>
-                                        </p:tgtEl>
-                                      </p:cBhvr>
-                                    </p:animEffect>
-                                  </p:childTnLst>
-                                </p:cTn>
-                              </p:par>
-                            </p:childTnLst>
-                          </p:cTn>
-                        </p:par>
-                      </p:childTnLst>
-                    </p:cTn>
-                  </p:par>
-                </p:childTnLst>
-              </p:cTn>
-              <p:prevCondLst>
-                <p:cond evt="onPrev" delay="0">
-                  <p:tgtEl>
-                    <p:sldTgt/>
-                  </p:tgtEl>
-                </p:cond>
-              </p:prevCondLst>
-              <p:nextCondLst>
-                <p:cond evt="onNext" delay="0">
-                  <p:tgtEl>
-                    <p:sldTgt/>
-                  </p:tgtEl>
-                </p:cond>
-              </p:nextCondLst>
-            </p:seq>
-          </p:childTnLst>
-        </p:cTn>
-      </p:par>
-    </p:tnLst>
-    <p:bldLst>
-      <p:bldP spid="5" grpId="0"/>
-      <p:bldP spid="13" grpId="0"/>
-      <p:bldP spid="14" grpId="0" animBg="1"/>
-    </p:bldLst>
-  </p:timing>
-</p:sld>
-</file>
-
-<file path=ppt/slides/slide43.xml><?xml version="1.0" encoding="utf-8"?>
-<p:sld xmlns:a="http://schemas.openxmlformats.org/drawingml/2006/main" xmlns:r="http://schemas.openxmlformats.org/officeDocument/2006/relationships" xmlns:p="http://schemas.openxmlformats.org/presentationml/2006/main">
-  <p:cSld>
-    <p:spTree>
-      <p:nvGrpSpPr>
-        <p:cNvPr id="1" name=""/>
-        <p:cNvGrpSpPr/>
-        <p:nvPr/>
-      </p:nvGrpSpPr>
-      <p:grpSpPr>
-        <a:xfrm>
-          <a:off x="0" y="0"/>
-          <a:ext cx="0" cy="0"/>
-          <a:chOff x="0" y="0"/>
-          <a:chExt cx="0" cy="0"/>
-        </a:xfrm>
-      </p:grpSpPr>
-      <p:sp>
-        <p:nvSpPr>
-          <p:cNvPr id="4" name="Slide Number Placeholder 2"/>
-          <p:cNvSpPr>
-            <a:spLocks noGrp="1"/>
-          </p:cNvSpPr>
-          <p:nvPr>
-            <p:ph type="sldNum" sz="quarter" idx="10"/>
-          </p:nvPr>
+      <p:sp>
+        <p:nvSpPr>
+          <p:cNvPr id="12" name="TextBox 11"/>
+          <p:cNvSpPr txBox="1"/>
+          <p:nvPr/>
         </p:nvSpPr>
         <p:spPr>
           <a:xfrm>
-            <a:off x="7333815" y="6553200"/>
-            <a:ext cx="1810186" cy="276999"/>
-          </a:xfrm>
-        </p:spPr>
-        <p:txBody>
-          <a:bodyPr/>
-          <a:lstStyle/>
-          <a:p>
-            <a:r>
-              <a:rPr lang="en-US" dirty="0" smtClean="0"/>
-              <a:t>propositional algebra.</a:t>
-            </a:r>
-            <a:fld id="{3251DA95-B240-47FE-901D-B78FC8E8E532}" type="slidenum">
-              <a:rPr lang="en-US" smtClean="0"/>
-              <a:pPr/>
-              <a:t>43</a:t>
-            </a:fld>
-            <a:endParaRPr lang="en-US" dirty="0"/>
-          </a:p>
-        </p:txBody>
-      </p:sp>
-      <p:sp>
-        <p:nvSpPr>
-          <p:cNvPr id="3" name="TextBox 2"/>
-          <p:cNvSpPr txBox="1"/>
-          <p:nvPr/>
-        </p:nvSpPr>
-        <p:spPr>
-          <a:xfrm>
-            <a:off x="550863" y="1473201"/>
-            <a:ext cx="8051800" cy="923330"/>
+            <a:off x="7778324" y="3907806"/>
+            <a:ext cx="869439" cy="584776"/>
           </a:xfrm>
           <a:prstGeom prst="rect">
             <a:avLst/>
@@ -21179,395 +20706,23 @@
           </a:bodyPr>
           <a:lstStyle/>
           <a:p>
-            <a:pPr lvl="0" algn="l"/>
-            <a:r>
-              <a:rPr lang="en-US" sz="5400" dirty="0" smtClean="0">
+            <a:pPr algn="l"/>
+            <a:r>
+              <a:rPr lang="en-US" dirty="0" smtClean="0">
                 <a:solidFill>
                   <a:srgbClr val="FF03E3"/>
                 </a:solidFill>
                 <a:latin typeface="Comic Sans MS" pitchFamily="66" charset="0"/>
               </a:rPr>
-              <a:t>simplify </a:t>
-            </a:r>
-            <a:r>
-              <a:rPr lang="en-US" sz="5400" dirty="0" smtClean="0">
-                <a:latin typeface="Comic Sans MS" pitchFamily="66" charset="0"/>
-              </a:rPr>
-              <a:t>(duplicates) </a:t>
-            </a:r>
-          </a:p>
-        </p:txBody>
-      </p:sp>
-      <p:graphicFrame>
-        <p:nvGraphicFramePr>
-          <p:cNvPr id="7" name="Object 6"/>
-          <p:cNvGraphicFramePr>
-            <a:graphicFrameLocks noChangeAspect="1"/>
-          </p:cNvGraphicFramePr>
-          <p:nvPr>
-            <p:extLst>
-              <p:ext uri="{D42A27DB-BD31-4B8C-83A1-F6EECF244321}">
-                <p14:modId xmlns:p14="http://schemas.microsoft.com/office/powerpoint/2010/main" val="3370785496"/>
-              </p:ext>
-            </p:extLst>
-          </p:nvPr>
-        </p:nvGraphicFramePr>
-        <p:xfrm>
-          <a:off x="885824" y="3282949"/>
-          <a:ext cx="3172598" cy="1149351"/>
-        </p:xfrm>
-        <a:graphic>
-          <a:graphicData uri="http://schemas.openxmlformats.org/presentationml/2006/ole">
-            <mc:AlternateContent xmlns:mc="http://schemas.openxmlformats.org/markup-compatibility/2006">
-              <mc:Choice xmlns:v="urn:schemas-microsoft-com:vml" Requires="v">
-                <p:oleObj spid="_x0000_s526412" name="Equation" r:id="rId4" imgW="1333500" imgH="482600" progId="Equation.DSMT4">
-                  <p:embed/>
-                </p:oleObj>
-              </mc:Choice>
-              <mc:Fallback>
-                <p:oleObj name="Equation" r:id="rId4" imgW="1333500" imgH="482600" progId="Equation.DSMT4">
-                  <p:embed/>
-                  <p:pic>
-                    <p:nvPicPr>
-                      <p:cNvPr id="0" name=""/>
-                      <p:cNvPicPr/>
-                      <p:nvPr/>
-                    </p:nvPicPr>
-                    <p:blipFill>
-                      <a:blip r:embed="rId5"/>
-                      <a:stretch>
-                        <a:fillRect/>
-                      </a:stretch>
-                    </p:blipFill>
-                    <p:spPr>
-                      <a:xfrm>
-                        <a:off x="885824" y="3282949"/>
-                        <a:ext cx="3172598" cy="1149351"/>
-                      </a:xfrm>
-                      <a:prstGeom prst="rect">
-                        <a:avLst/>
-                      </a:prstGeom>
-                    </p:spPr>
-                  </p:pic>
-                </p:oleObj>
-              </mc:Fallback>
-            </mc:AlternateContent>
-          </a:graphicData>
-        </a:graphic>
-      </p:graphicFrame>
-      <p:sp>
-        <p:nvSpPr>
-          <p:cNvPr id="5" name="TextBox 4"/>
-          <p:cNvSpPr txBox="1"/>
-          <p:nvPr/>
-        </p:nvSpPr>
-        <p:spPr>
-          <a:xfrm>
-            <a:off x="4013201" y="3949700"/>
-            <a:ext cx="647700" cy="461665"/>
-          </a:xfrm>
-          <a:prstGeom prst="rect">
-            <a:avLst/>
-          </a:prstGeom>
-          <a:noFill/>
-        </p:spPr>
-        <p:txBody>
-          <a:bodyPr wrap="square" rtlCol="0">
-            <a:spAutoFit/>
-          </a:bodyPr>
-          <a:lstStyle/>
-          <a:p>
-            <a:pPr algn="l"/>
-            <a:r>
-              <a:rPr lang="en-US" sz="2400" dirty="0" smtClean="0">
-                <a:solidFill>
-                  <a:schemeClr val="accent1">
-                    <a:lumMod val="50000"/>
-                  </a:schemeClr>
-                </a:solidFill>
-                <a:latin typeface="Comic Sans MS" pitchFamily="66" charset="0"/>
-              </a:rPr>
               <a:t>OR</a:t>
             </a:r>
-          </a:p>
-        </p:txBody>
-      </p:sp>
-      <p:graphicFrame>
-        <p:nvGraphicFramePr>
-          <p:cNvPr id="9" name="Object 8"/>
-          <p:cNvGraphicFramePr>
-            <a:graphicFrameLocks noChangeAspect="1"/>
-          </p:cNvGraphicFramePr>
-          <p:nvPr>
-            <p:extLst>
-              <p:ext uri="{D42A27DB-BD31-4B8C-83A1-F6EECF244321}">
-                <p14:modId xmlns:p14="http://schemas.microsoft.com/office/powerpoint/2010/main" val="4010742198"/>
-              </p:ext>
-            </p:extLst>
-          </p:nvPr>
-        </p:nvGraphicFramePr>
-        <p:xfrm>
-          <a:off x="4670424" y="3340100"/>
-          <a:ext cx="3172598" cy="1149351"/>
-        </p:xfrm>
-        <a:graphic>
-          <a:graphicData uri="http://schemas.openxmlformats.org/presentationml/2006/ole">
-            <mc:AlternateContent xmlns:mc="http://schemas.openxmlformats.org/markup-compatibility/2006">
-              <mc:Choice xmlns:v="urn:schemas-microsoft-com:vml" Requires="v">
-                <p:oleObj spid="_x0000_s526413" name="Equation" r:id="rId6" imgW="1333500" imgH="482600" progId="Equation.DSMT4">
-                  <p:embed/>
-                </p:oleObj>
-              </mc:Choice>
-              <mc:Fallback>
-                <p:oleObj name="Equation" r:id="rId6" imgW="1333500" imgH="482600" progId="Equation.DSMT4">
-                  <p:embed/>
-                  <p:pic>
-                    <p:nvPicPr>
-                      <p:cNvPr id="0" name=""/>
-                      <p:cNvPicPr/>
-                      <p:nvPr/>
-                    </p:nvPicPr>
-                    <p:blipFill>
-                      <a:blip r:embed="rId7"/>
-                      <a:stretch>
-                        <a:fillRect/>
-                      </a:stretch>
-                    </p:blipFill>
-                    <p:spPr>
-                      <a:xfrm>
-                        <a:off x="4670424" y="3340100"/>
-                        <a:ext cx="3172598" cy="1149351"/>
-                      </a:xfrm>
-                      <a:prstGeom prst="rect">
-                        <a:avLst/>
-                      </a:prstGeom>
-                    </p:spPr>
-                  </p:pic>
-                </p:oleObj>
-              </mc:Fallback>
-            </mc:AlternateContent>
-          </a:graphicData>
-        </a:graphic>
-      </p:graphicFrame>
-      <p:graphicFrame>
-        <p:nvGraphicFramePr>
-          <p:cNvPr id="11" name="Object 10"/>
-          <p:cNvGraphicFramePr>
-            <a:graphicFrameLocks noChangeAspect="1"/>
-          </p:cNvGraphicFramePr>
-          <p:nvPr>
-            <p:extLst>
-              <p:ext uri="{D42A27DB-BD31-4B8C-83A1-F6EECF244321}">
-                <p14:modId xmlns:p14="http://schemas.microsoft.com/office/powerpoint/2010/main" val="3951414251"/>
-              </p:ext>
-            </p:extLst>
-          </p:nvPr>
-        </p:nvGraphicFramePr>
-        <p:xfrm>
-          <a:off x="2723764" y="4622800"/>
-          <a:ext cx="3172598" cy="1149351"/>
-        </p:xfrm>
-        <a:graphic>
-          <a:graphicData uri="http://schemas.openxmlformats.org/presentationml/2006/ole">
-            <mc:AlternateContent xmlns:mc="http://schemas.openxmlformats.org/markup-compatibility/2006">
-              <mc:Choice xmlns:v="urn:schemas-microsoft-com:vml" Requires="v">
-                <p:oleObj spid="_x0000_s526414" name="Equation" r:id="rId8" imgW="1333500" imgH="482600" progId="Equation.DSMT4">
-                  <p:embed/>
-                </p:oleObj>
-              </mc:Choice>
-              <mc:Fallback>
-                <p:oleObj name="Equation" r:id="rId8" imgW="1333500" imgH="482600" progId="Equation.DSMT4">
-                  <p:embed/>
-                  <p:pic>
-                    <p:nvPicPr>
-                      <p:cNvPr id="0" name=""/>
-                      <p:cNvPicPr/>
-                      <p:nvPr/>
-                    </p:nvPicPr>
-                    <p:blipFill>
-                      <a:blip r:embed="rId9"/>
-                      <a:stretch>
-                        <a:fillRect/>
-                      </a:stretch>
-                    </p:blipFill>
-                    <p:spPr>
-                      <a:xfrm>
-                        <a:off x="2723764" y="4622800"/>
-                        <a:ext cx="3172598" cy="1149351"/>
-                      </a:xfrm>
-                      <a:prstGeom prst="rect">
-                        <a:avLst/>
-                      </a:prstGeom>
-                    </p:spPr>
-                  </p:pic>
-                </p:oleObj>
-              </mc:Fallback>
-            </mc:AlternateContent>
-          </a:graphicData>
-        </a:graphic>
-      </p:graphicFrame>
-      <p:sp>
-        <p:nvSpPr>
-          <p:cNvPr id="13" name="TextBox 12"/>
-          <p:cNvSpPr txBox="1"/>
-          <p:nvPr/>
-        </p:nvSpPr>
-        <p:spPr>
-          <a:xfrm>
-            <a:off x="7404101" y="3987800"/>
-            <a:ext cx="647700" cy="461665"/>
-          </a:xfrm>
-          <a:prstGeom prst="rect">
-            <a:avLst/>
-          </a:prstGeom>
-          <a:noFill/>
-        </p:spPr>
-        <p:txBody>
-          <a:bodyPr wrap="square" rtlCol="0">
-            <a:spAutoFit/>
-          </a:bodyPr>
-          <a:lstStyle/>
-          <a:p>
-            <a:pPr algn="l"/>
-            <a:r>
-              <a:rPr lang="en-US" sz="2400" dirty="0" smtClean="0">
-                <a:solidFill>
-                  <a:srgbClr val="0000E5"/>
-                </a:solidFill>
-                <a:latin typeface="Comic Sans MS" pitchFamily="66" charset="0"/>
-              </a:rPr>
-              <a:t>OR</a:t>
-            </a:r>
-          </a:p>
-        </p:txBody>
-      </p:sp>
-      <p:cxnSp>
-        <p:nvCxnSpPr>
-          <p:cNvPr id="6" name="Straight Connector 5"/>
-          <p:cNvCxnSpPr/>
-          <p:nvPr/>
-        </p:nvCxnSpPr>
-        <p:spPr bwMode="auto">
-          <a:xfrm>
-            <a:off x="4576763" y="3429000"/>
-            <a:ext cx="3411537" cy="317500"/>
-          </a:xfrm>
-          <a:prstGeom prst="line">
-            <a:avLst/>
-          </a:prstGeom>
-          <a:solidFill>
-            <a:schemeClr val="accent1"/>
-          </a:solidFill>
-          <a:ln w="44450" cap="flat" cmpd="sng" algn="ctr">
-            <a:solidFill>
-              <a:srgbClr val="F80214"/>
-            </a:solidFill>
-            <a:prstDash val="solid"/>
-            <a:round/>
-            <a:headEnd type="none" w="med" len="med"/>
-            <a:tailEnd type="none" w="med" len="med"/>
-          </a:ln>
-          <a:effectLst/>
-        </p:spPr>
-      </p:cxnSp>
-      <p:cxnSp>
-        <p:nvCxnSpPr>
-          <p:cNvPr id="15" name="Straight Connector 14"/>
-          <p:cNvCxnSpPr/>
-          <p:nvPr/>
-        </p:nvCxnSpPr>
-        <p:spPr bwMode="auto">
-          <a:xfrm>
-            <a:off x="2557463" y="5232400"/>
-            <a:ext cx="3030537" cy="431800"/>
-          </a:xfrm>
-          <a:prstGeom prst="line">
-            <a:avLst/>
-          </a:prstGeom>
-          <a:solidFill>
-            <a:schemeClr val="accent1"/>
-          </a:solidFill>
-          <a:ln w="44450" cap="flat" cmpd="sng" algn="ctr">
-            <a:solidFill>
-              <a:srgbClr val="F80214"/>
-            </a:solidFill>
-            <a:prstDash val="solid"/>
-            <a:round/>
-            <a:headEnd type="none" w="med" len="med"/>
-            <a:tailEnd type="none" w="med" len="med"/>
-          </a:ln>
-          <a:effectLst/>
-        </p:spPr>
-      </p:cxnSp>
-      <p:cxnSp>
-        <p:nvCxnSpPr>
-          <p:cNvPr id="16" name="Straight Connector 15"/>
-          <p:cNvCxnSpPr/>
-          <p:nvPr/>
-        </p:nvCxnSpPr>
-        <p:spPr bwMode="auto">
-          <a:xfrm>
-            <a:off x="5359400" y="4889500"/>
-            <a:ext cx="508000" cy="190500"/>
-          </a:xfrm>
-          <a:prstGeom prst="line">
-            <a:avLst/>
-          </a:prstGeom>
-          <a:solidFill>
-            <a:schemeClr val="accent1"/>
-          </a:solidFill>
-          <a:ln w="44450" cap="flat" cmpd="sng" algn="ctr">
-            <a:solidFill>
-              <a:srgbClr val="F80214"/>
-            </a:solidFill>
-            <a:prstDash val="solid"/>
-            <a:round/>
-            <a:headEnd type="none" w="med" len="med"/>
-            <a:tailEnd type="none" w="med" len="med"/>
-          </a:ln>
-          <a:effectLst/>
-        </p:spPr>
-      </p:cxnSp>
-      <p:sp>
-        <p:nvSpPr>
-          <p:cNvPr id="14" name="Title 1"/>
-          <p:cNvSpPr>
-            <a:spLocks noGrp="1"/>
-          </p:cNvSpPr>
-          <p:nvPr>
-            <p:ph type="title"/>
-          </p:nvPr>
-        </p:nvSpPr>
-        <p:spPr>
-          <a:xfrm>
-            <a:off x="1651000" y="363538"/>
-            <a:ext cx="6794500" cy="1003300"/>
-          </a:xfrm>
-        </p:spPr>
-        <p:txBody>
-          <a:bodyPr/>
-          <a:lstStyle/>
-          <a:p>
-            <a:r>
-              <a:rPr lang="en-US" sz="4000" dirty="0" smtClean="0">
-                <a:solidFill>
-                  <a:srgbClr val="FF03E3"/>
-                </a:solidFill>
-              </a:rPr>
-              <a:t>example</a:t>
-            </a:r>
-            <a:endParaRPr lang="en-US" sz="4000" dirty="0">
-              <a:solidFill>
-                <a:srgbClr val="FF03E3"/>
-              </a:solidFill>
-            </a:endParaRPr>
           </a:p>
         </p:txBody>
       </p:sp>
     </p:spTree>
     <p:extLst>
       <p:ext uri="{BB962C8B-B14F-4D97-AF65-F5344CB8AC3E}">
-        <p14:creationId xmlns:p14="http://schemas.microsoft.com/office/powerpoint/2010/main" val="762288569"/>
+        <p14:creationId xmlns:p14="http://schemas.microsoft.com/office/powerpoint/2010/main" val="1969545332"/>
       </p:ext>
     </p:extLst>
   </p:cSld>
@@ -21607,37 +20762,37 @@
                             </p:stCondLst>
                             <p:childTnLst>
                               <p:par>
-                                <p:cTn id="5" presetID="22" presetClass="entr" presetSubtype="8" fill="hold" nodeType="clickEffect">
+                                <p:cTn id="5" presetID="9" presetClass="exit" presetSubtype="0" fill="hold" grpId="2" nodeType="clickEffect">
                                   <p:stCondLst>
                                     <p:cond delay="0"/>
                                   </p:stCondLst>
                                   <p:childTnLst>
+                                    <p:animEffect transition="out" filter="dissolve">
+                                      <p:cBhvr>
+                                        <p:cTn id="6" dur="500"/>
+                                        <p:tgtEl>
+                                          <p:spTgt spid="14"/>
+                                        </p:tgtEl>
+                                      </p:cBhvr>
+                                    </p:animEffect>
                                     <p:set>
                                       <p:cBhvr>
-                                        <p:cTn id="6" dur="1" fill="hold">
+                                        <p:cTn id="7" dur="1" fill="hold">
                                           <p:stCondLst>
-                                            <p:cond delay="0"/>
+                                            <p:cond delay="499"/>
                                           </p:stCondLst>
                                         </p:cTn>
                                         <p:tgtEl>
-                                          <p:spTgt spid="6"/>
+                                          <p:spTgt spid="14"/>
                                         </p:tgtEl>
                                         <p:attrNameLst>
                                           <p:attrName>style.visibility</p:attrName>
                                         </p:attrNameLst>
                                       </p:cBhvr>
                                       <p:to>
-                                        <p:strVal val="visible"/>
+                                        <p:strVal val="hidden"/>
                                       </p:to>
                                     </p:set>
-                                    <p:animEffect transition="in" filter="wipe(left)">
-                                      <p:cBhvr>
-                                        <p:cTn id="7" dur="500"/>
-                                        <p:tgtEl>
-                                          <p:spTgt spid="6"/>
-                                        </p:tgtEl>
-                                      </p:cBhvr>
-                                    </p:animEffect>
                                   </p:childTnLst>
                                 </p:cTn>
                               </p:par>
@@ -21651,7 +20806,7 @@
                             </p:stCondLst>
                             <p:childTnLst>
                               <p:par>
-                                <p:cTn id="9" presetID="22" presetClass="entr" presetSubtype="8" fill="hold" nodeType="afterEffect">
+                                <p:cTn id="9" presetID="10" presetClass="entr" presetSubtype="0" fill="hold" nodeType="afterEffect">
                                   <p:stCondLst>
                                     <p:cond delay="0"/>
                                   </p:stCondLst>
@@ -21664,7 +20819,11 @@
                                           </p:stCondLst>
                                         </p:cTn>
                                         <p:tgtEl>
-                                          <p:spTgt spid="15"/>
+                                          <p:spTgt spid="3">
+                                            <p:txEl>
+                                              <p:pRg st="0" end="0"/>
+                                            </p:txEl>
+                                          </p:spTgt>
                                         </p:tgtEl>
                                         <p:attrNameLst>
                                           <p:attrName>style.visibility</p:attrName>
@@ -21674,32 +20833,54 @@
                                         <p:strVal val="visible"/>
                                       </p:to>
                                     </p:set>
-                                    <p:animEffect transition="in" filter="wipe(left)">
+                                    <p:animEffect transition="in" filter="fade">
                                       <p:cBhvr>
                                         <p:cTn id="11" dur="500"/>
                                         <p:tgtEl>
-                                          <p:spTgt spid="15"/>
+                                          <p:spTgt spid="3">
+                                            <p:txEl>
+                                              <p:pRg st="0" end="0"/>
+                                            </p:txEl>
+                                          </p:spTgt>
                                         </p:tgtEl>
                                       </p:cBhvr>
                                     </p:animEffect>
                                   </p:childTnLst>
                                 </p:cTn>
                               </p:par>
+                            </p:childTnLst>
+                          </p:cTn>
+                        </p:par>
+                      </p:childTnLst>
+                    </p:cTn>
+                  </p:par>
+                  <p:par>
+                    <p:cTn id="12" fill="hold">
+                      <p:stCondLst>
+                        <p:cond delay="indefinite"/>
+                      </p:stCondLst>
+                      <p:childTnLst>
+                        <p:par>
+                          <p:cTn id="13" fill="hold">
+                            <p:stCondLst>
+                              <p:cond delay="0"/>
+                            </p:stCondLst>
+                            <p:childTnLst>
                               <p:par>
-                                <p:cTn id="12" presetID="22" presetClass="entr" presetSubtype="8" fill="hold" nodeType="withEffect">
+                                <p:cTn id="14" presetID="10" presetClass="entr" presetSubtype="0" fill="hold" nodeType="clickEffect">
                                   <p:stCondLst>
                                     <p:cond delay="0"/>
                                   </p:stCondLst>
                                   <p:childTnLst>
                                     <p:set>
                                       <p:cBhvr>
-                                        <p:cTn id="13" dur="1" fill="hold">
+                                        <p:cTn id="15" dur="1" fill="hold">
                                           <p:stCondLst>
                                             <p:cond delay="0"/>
                                           </p:stCondLst>
                                         </p:cTn>
                                         <p:tgtEl>
-                                          <p:spTgt spid="16"/>
+                                          <p:spTgt spid="9"/>
                                         </p:tgtEl>
                                         <p:attrNameLst>
                                           <p:attrName>style.visibility</p:attrName>
@@ -21709,11 +20890,222 @@
                                         <p:strVal val="visible"/>
                                       </p:to>
                                     </p:set>
-                                    <p:animEffect transition="in" filter="wipe(left)">
+                                    <p:animEffect transition="in" filter="fade">
                                       <p:cBhvr>
-                                        <p:cTn id="14" dur="500"/>
+                                        <p:cTn id="16" dur="500"/>
                                         <p:tgtEl>
-                                          <p:spTgt spid="16"/>
+                                          <p:spTgt spid="9"/>
+                                        </p:tgtEl>
+                                      </p:cBhvr>
+                                    </p:animEffect>
+                                  </p:childTnLst>
+                                </p:cTn>
+                              </p:par>
+                            </p:childTnLst>
+                          </p:cTn>
+                        </p:par>
+                        <p:par>
+                          <p:cTn id="17" fill="hold">
+                            <p:stCondLst>
+                              <p:cond delay="500"/>
+                            </p:stCondLst>
+                            <p:childTnLst>
+                              <p:par>
+                                <p:cTn id="18" presetID="10" presetClass="entr" presetSubtype="0" fill="hold" nodeType="afterEffect">
+                                  <p:stCondLst>
+                                    <p:cond delay="0"/>
+                                  </p:stCondLst>
+                                  <p:childTnLst>
+                                    <p:set>
+                                      <p:cBhvr>
+                                        <p:cTn id="19" dur="1" fill="hold">
+                                          <p:stCondLst>
+                                            <p:cond delay="0"/>
+                                          </p:stCondLst>
+                                        </p:cTn>
+                                        <p:tgtEl>
+                                          <p:spTgt spid="11"/>
+                                        </p:tgtEl>
+                                        <p:attrNameLst>
+                                          <p:attrName>style.visibility</p:attrName>
+                                        </p:attrNameLst>
+                                      </p:cBhvr>
+                                      <p:to>
+                                        <p:strVal val="visible"/>
+                                      </p:to>
+                                    </p:set>
+                                    <p:animEffect transition="in" filter="fade">
+                                      <p:cBhvr>
+                                        <p:cTn id="20" dur="500"/>
+                                        <p:tgtEl>
+                                          <p:spTgt spid="11"/>
+                                        </p:tgtEl>
+                                      </p:cBhvr>
+                                    </p:animEffect>
+                                  </p:childTnLst>
+                                </p:cTn>
+                              </p:par>
+                            </p:childTnLst>
+                          </p:cTn>
+                        </p:par>
+                      </p:childTnLst>
+                    </p:cTn>
+                  </p:par>
+                  <p:par>
+                    <p:cTn id="21" fill="hold">
+                      <p:stCondLst>
+                        <p:cond delay="indefinite"/>
+                      </p:stCondLst>
+                      <p:childTnLst>
+                        <p:par>
+                          <p:cTn id="22" fill="hold">
+                            <p:stCondLst>
+                              <p:cond delay="0"/>
+                            </p:stCondLst>
+                            <p:childTnLst>
+                              <p:par>
+                                <p:cTn id="23" presetID="10" presetClass="entr" presetSubtype="0" fill="hold" nodeType="clickEffect">
+                                  <p:stCondLst>
+                                    <p:cond delay="0"/>
+                                  </p:stCondLst>
+                                  <p:childTnLst>
+                                    <p:set>
+                                      <p:cBhvr>
+                                        <p:cTn id="24" dur="1" fill="hold">
+                                          <p:stCondLst>
+                                            <p:cond delay="0"/>
+                                          </p:stCondLst>
+                                        </p:cTn>
+                                        <p:tgtEl>
+                                          <p:spTgt spid="3">
+                                            <p:txEl>
+                                              <p:pRg st="1" end="1"/>
+                                            </p:txEl>
+                                          </p:spTgt>
+                                        </p:tgtEl>
+                                        <p:attrNameLst>
+                                          <p:attrName>style.visibility</p:attrName>
+                                        </p:attrNameLst>
+                                      </p:cBhvr>
+                                      <p:to>
+                                        <p:strVal val="visible"/>
+                                      </p:to>
+                                    </p:set>
+                                    <p:animEffect transition="in" filter="fade">
+                                      <p:cBhvr>
+                                        <p:cTn id="25" dur="500"/>
+                                        <p:tgtEl>
+                                          <p:spTgt spid="3">
+                                            <p:txEl>
+                                              <p:pRg st="1" end="1"/>
+                                            </p:txEl>
+                                          </p:spTgt>
+                                        </p:tgtEl>
+                                      </p:cBhvr>
+                                    </p:animEffect>
+                                  </p:childTnLst>
+                                </p:cTn>
+                              </p:par>
+                            </p:childTnLst>
+                          </p:cTn>
+                        </p:par>
+                        <p:par>
+                          <p:cTn id="26" fill="hold">
+                            <p:stCondLst>
+                              <p:cond delay="500"/>
+                            </p:stCondLst>
+                            <p:childTnLst>
+                              <p:par>
+                                <p:cTn id="27" presetID="1" presetClass="exit" presetSubtype="0" fill="hold" grpId="0" nodeType="afterEffect">
+                                  <p:stCondLst>
+                                    <p:cond delay="0"/>
+                                  </p:stCondLst>
+                                  <p:childTnLst>
+                                    <p:set>
+                                      <p:cBhvr>
+                                        <p:cTn id="28" dur="1" fill="hold">
+                                          <p:stCondLst>
+                                            <p:cond delay="0"/>
+                                          </p:stCondLst>
+                                        </p:cTn>
+                                        <p:tgtEl>
+                                          <p:spTgt spid="14"/>
+                                        </p:tgtEl>
+                                        <p:attrNameLst>
+                                          <p:attrName>style.visibility</p:attrName>
+                                        </p:attrNameLst>
+                                      </p:cBhvr>
+                                      <p:to>
+                                        <p:strVal val="hidden"/>
+                                      </p:to>
+                                    </p:set>
+                                  </p:childTnLst>
+                                </p:cTn>
+                              </p:par>
+                              <p:par>
+                                <p:cTn id="29" presetID="10" presetClass="entr" presetSubtype="0" fill="hold" grpId="0" nodeType="withEffect">
+                                  <p:stCondLst>
+                                    <p:cond delay="0"/>
+                                  </p:stCondLst>
+                                  <p:childTnLst>
+                                    <p:set>
+                                      <p:cBhvr>
+                                        <p:cTn id="30" dur="1" fill="hold">
+                                          <p:stCondLst>
+                                            <p:cond delay="0"/>
+                                          </p:stCondLst>
+                                        </p:cTn>
+                                        <p:tgtEl>
+                                          <p:spTgt spid="5"/>
+                                        </p:tgtEl>
+                                        <p:attrNameLst>
+                                          <p:attrName>style.visibility</p:attrName>
+                                        </p:attrNameLst>
+                                      </p:cBhvr>
+                                      <p:to>
+                                        <p:strVal val="visible"/>
+                                      </p:to>
+                                    </p:set>
+                                    <p:animEffect transition="in" filter="fade">
+                                      <p:cBhvr>
+                                        <p:cTn id="31" dur="500"/>
+                                        <p:tgtEl>
+                                          <p:spTgt spid="5"/>
+                                        </p:tgtEl>
+                                      </p:cBhvr>
+                                    </p:animEffect>
+                                  </p:childTnLst>
+                                </p:cTn>
+                              </p:par>
+                              <p:par>
+                                <p:cTn id="32" presetID="10" presetClass="entr" presetSubtype="0" fill="hold" grpId="0" nodeType="withEffect">
+                                  <p:stCondLst>
+                                    <p:cond delay="0"/>
+                                  </p:stCondLst>
+                                  <p:childTnLst>
+                                    <p:set>
+                                      <p:cBhvr>
+                                        <p:cTn id="33" dur="1" fill="hold">
+                                          <p:stCondLst>
+                                            <p:cond delay="0"/>
+                                          </p:stCondLst>
+                                        </p:cTn>
+                                        <p:tgtEl>
+                                          <p:spTgt spid="12"/>
+                                        </p:tgtEl>
+                                        <p:attrNameLst>
+                                          <p:attrName>style.visibility</p:attrName>
+                                        </p:attrNameLst>
+                                      </p:cBhvr>
+                                      <p:to>
+                                        <p:strVal val="visible"/>
+                                      </p:to>
+                                    </p:set>
+                                    <p:animEffect transition="in" filter="fade">
+                                      <p:cBhvr>
+                                        <p:cTn id="34" dur="500"/>
+                                        <p:tgtEl>
+                                          <p:spTgt spid="12"/>
                                         </p:tgtEl>
                                       </p:cBhvr>
                                     </p:animEffect>
@@ -21747,6 +21139,710 @@
         </p:cTn>
       </p:par>
     </p:tnLst>
+    <p:bldLst>
+      <p:bldP spid="5" grpId="0"/>
+      <p:bldP spid="14" grpId="0" animBg="1"/>
+      <p:bldP spid="14" grpId="2" animBg="1"/>
+      <p:bldP spid="12" grpId="0"/>
+    </p:bldLst>
+  </p:timing>
+</p:sld>
+</file>
+
+<file path=ppt/slides/slide43.xml><?xml version="1.0" encoding="utf-8"?>
+<p:sld xmlns:a="http://schemas.openxmlformats.org/drawingml/2006/main" xmlns:r="http://schemas.openxmlformats.org/officeDocument/2006/relationships" xmlns:p="http://schemas.openxmlformats.org/presentationml/2006/main">
+  <p:cSld>
+    <p:spTree>
+      <p:nvGrpSpPr>
+        <p:cNvPr id="1" name=""/>
+        <p:cNvGrpSpPr/>
+        <p:nvPr/>
+      </p:nvGrpSpPr>
+      <p:grpSpPr>
+        <a:xfrm>
+          <a:off x="0" y="0"/>
+          <a:ext cx="0" cy="0"/>
+          <a:chOff x="0" y="0"/>
+          <a:chExt cx="0" cy="0"/>
+        </a:xfrm>
+      </p:grpSpPr>
+      <p:sp>
+        <p:nvSpPr>
+          <p:cNvPr id="4" name="Slide Number Placeholder 2"/>
+          <p:cNvSpPr>
+            <a:spLocks noGrp="1"/>
+          </p:cNvSpPr>
+          <p:nvPr>
+            <p:ph type="sldNum" sz="quarter" idx="10"/>
+          </p:nvPr>
+        </p:nvSpPr>
+        <p:spPr>
+          <a:xfrm>
+            <a:off x="7333815" y="6553200"/>
+            <a:ext cx="1810186" cy="276999"/>
+          </a:xfrm>
+        </p:spPr>
+        <p:txBody>
+          <a:bodyPr/>
+          <a:lstStyle/>
+          <a:p>
+            <a:r>
+              <a:rPr lang="en-US" dirty="0" smtClean="0"/>
+              <a:t>propositional algebra.</a:t>
+            </a:r>
+            <a:fld id="{3251DA95-B240-47FE-901D-B78FC8E8E532}" type="slidenum">
+              <a:rPr lang="en-US" smtClean="0"/>
+              <a:pPr/>
+              <a:t>43</a:t>
+            </a:fld>
+            <a:endParaRPr lang="en-US" dirty="0"/>
+          </a:p>
+        </p:txBody>
+      </p:sp>
+      <p:graphicFrame>
+        <p:nvGraphicFramePr>
+          <p:cNvPr id="7" name="Object 6"/>
+          <p:cNvGraphicFramePr>
+            <a:graphicFrameLocks noChangeAspect="1"/>
+          </p:cNvGraphicFramePr>
+          <p:nvPr>
+            <p:extLst>
+              <p:ext uri="{D42A27DB-BD31-4B8C-83A1-F6EECF244321}">
+                <p14:modId xmlns:p14="http://schemas.microsoft.com/office/powerpoint/2010/main" val="2315211642"/>
+              </p:ext>
+            </p:extLst>
+          </p:nvPr>
+        </p:nvGraphicFramePr>
+        <p:xfrm>
+          <a:off x="820136" y="3282949"/>
+          <a:ext cx="3172598" cy="1149351"/>
+        </p:xfrm>
+        <a:graphic>
+          <a:graphicData uri="http://schemas.openxmlformats.org/presentationml/2006/ole">
+            <mc:AlternateContent xmlns:mc="http://schemas.openxmlformats.org/markup-compatibility/2006">
+              <mc:Choice xmlns:v="urn:schemas-microsoft-com:vml" Requires="v">
+                <p:oleObj spid="_x0000_s628746" name="Equation" r:id="rId4" imgW="1333500" imgH="482600" progId="Equation.DSMT4">
+                  <p:embed/>
+                </p:oleObj>
+              </mc:Choice>
+              <mc:Fallback>
+                <p:oleObj name="Equation" r:id="rId4" imgW="1333500" imgH="482600" progId="Equation.DSMT4">
+                  <p:embed/>
+                  <p:pic>
+                    <p:nvPicPr>
+                      <p:cNvPr id="0" name=""/>
+                      <p:cNvPicPr/>
+                      <p:nvPr/>
+                    </p:nvPicPr>
+                    <p:blipFill>
+                      <a:blip r:embed="rId5"/>
+                      <a:stretch>
+                        <a:fillRect/>
+                      </a:stretch>
+                    </p:blipFill>
+                    <p:spPr>
+                      <a:xfrm>
+                        <a:off x="820136" y="3282949"/>
+                        <a:ext cx="3172598" cy="1149351"/>
+                      </a:xfrm>
+                      <a:prstGeom prst="rect">
+                        <a:avLst/>
+                      </a:prstGeom>
+                    </p:spPr>
+                  </p:pic>
+                </p:oleObj>
+              </mc:Fallback>
+            </mc:AlternateContent>
+          </a:graphicData>
+        </a:graphic>
+      </p:graphicFrame>
+      <p:sp>
+        <p:nvSpPr>
+          <p:cNvPr id="5" name="TextBox 4"/>
+          <p:cNvSpPr txBox="1"/>
+          <p:nvPr/>
+        </p:nvSpPr>
+        <p:spPr>
+          <a:xfrm>
+            <a:off x="3947512" y="3886793"/>
+            <a:ext cx="869439" cy="584776"/>
+          </a:xfrm>
+          <a:prstGeom prst="rect">
+            <a:avLst/>
+          </a:prstGeom>
+          <a:noFill/>
+        </p:spPr>
+        <p:txBody>
+          <a:bodyPr wrap="square" rtlCol="0">
+            <a:spAutoFit/>
+          </a:bodyPr>
+          <a:lstStyle/>
+          <a:p>
+            <a:pPr algn="l"/>
+            <a:r>
+              <a:rPr lang="en-US" dirty="0" smtClean="0">
+                <a:solidFill>
+                  <a:srgbClr val="0000FF"/>
+                </a:solidFill>
+                <a:latin typeface="Comic Sans MS" pitchFamily="66" charset="0"/>
+              </a:rPr>
+              <a:t>OR</a:t>
+            </a:r>
+          </a:p>
+        </p:txBody>
+      </p:sp>
+      <p:graphicFrame>
+        <p:nvGraphicFramePr>
+          <p:cNvPr id="9" name="Object 8"/>
+          <p:cNvGraphicFramePr>
+            <a:graphicFrameLocks noChangeAspect="1"/>
+          </p:cNvGraphicFramePr>
+          <p:nvPr>
+            <p:extLst>
+              <p:ext uri="{D42A27DB-BD31-4B8C-83A1-F6EECF244321}">
+                <p14:modId xmlns:p14="http://schemas.microsoft.com/office/powerpoint/2010/main" val="1677655048"/>
+              </p:ext>
+            </p:extLst>
+          </p:nvPr>
+        </p:nvGraphicFramePr>
+        <p:xfrm>
+          <a:off x="4736112" y="3340100"/>
+          <a:ext cx="3172598" cy="1149351"/>
+        </p:xfrm>
+        <a:graphic>
+          <a:graphicData uri="http://schemas.openxmlformats.org/presentationml/2006/ole">
+            <mc:AlternateContent xmlns:mc="http://schemas.openxmlformats.org/markup-compatibility/2006">
+              <mc:Choice xmlns:v="urn:schemas-microsoft-com:vml" Requires="v">
+                <p:oleObj spid="_x0000_s628747" name="Equation" r:id="rId6" imgW="1333500" imgH="482600" progId="Equation.DSMT4">
+                  <p:embed/>
+                </p:oleObj>
+              </mc:Choice>
+              <mc:Fallback>
+                <p:oleObj name="Equation" r:id="rId6" imgW="1333500" imgH="482600" progId="Equation.DSMT4">
+                  <p:embed/>
+                  <p:pic>
+                    <p:nvPicPr>
+                      <p:cNvPr id="0" name=""/>
+                      <p:cNvPicPr/>
+                      <p:nvPr/>
+                    </p:nvPicPr>
+                    <p:blipFill>
+                      <a:blip r:embed="rId7"/>
+                      <a:stretch>
+                        <a:fillRect/>
+                      </a:stretch>
+                    </p:blipFill>
+                    <p:spPr>
+                      <a:xfrm>
+                        <a:off x="4736112" y="3340100"/>
+                        <a:ext cx="3172598" cy="1149351"/>
+                      </a:xfrm>
+                      <a:prstGeom prst="rect">
+                        <a:avLst/>
+                      </a:prstGeom>
+                    </p:spPr>
+                  </p:pic>
+                </p:oleObj>
+              </mc:Fallback>
+            </mc:AlternateContent>
+          </a:graphicData>
+        </a:graphic>
+      </p:graphicFrame>
+      <p:graphicFrame>
+        <p:nvGraphicFramePr>
+          <p:cNvPr id="11" name="Object 10"/>
+          <p:cNvGraphicFramePr>
+            <a:graphicFrameLocks noChangeAspect="1"/>
+          </p:cNvGraphicFramePr>
+          <p:nvPr>
+            <p:extLst>
+              <p:ext uri="{D42A27DB-BD31-4B8C-83A1-F6EECF244321}">
+                <p14:modId xmlns:p14="http://schemas.microsoft.com/office/powerpoint/2010/main" val="3168840683"/>
+              </p:ext>
+            </p:extLst>
+          </p:nvPr>
+        </p:nvGraphicFramePr>
+        <p:xfrm>
+          <a:off x="2953672" y="4721341"/>
+          <a:ext cx="3172598" cy="1149351"/>
+        </p:xfrm>
+        <a:graphic>
+          <a:graphicData uri="http://schemas.openxmlformats.org/presentationml/2006/ole">
+            <mc:AlternateContent xmlns:mc="http://schemas.openxmlformats.org/markup-compatibility/2006">
+              <mc:Choice xmlns:v="urn:schemas-microsoft-com:vml" Requires="v">
+                <p:oleObj spid="_x0000_s628748" name="Equation" r:id="rId8" imgW="1333500" imgH="482600" progId="Equation.DSMT4">
+                  <p:embed/>
+                </p:oleObj>
+              </mc:Choice>
+              <mc:Fallback>
+                <p:oleObj name="Equation" r:id="rId8" imgW="1333500" imgH="482600" progId="Equation.DSMT4">
+                  <p:embed/>
+                  <p:pic>
+                    <p:nvPicPr>
+                      <p:cNvPr id="0" name=""/>
+                      <p:cNvPicPr/>
+                      <p:nvPr/>
+                    </p:nvPicPr>
+                    <p:blipFill>
+                      <a:blip r:embed="rId9"/>
+                      <a:stretch>
+                        <a:fillRect/>
+                      </a:stretch>
+                    </p:blipFill>
+                    <p:spPr>
+                      <a:xfrm>
+                        <a:off x="2953672" y="4721341"/>
+                        <a:ext cx="3172598" cy="1149351"/>
+                      </a:xfrm>
+                      <a:prstGeom prst="rect">
+                        <a:avLst/>
+                      </a:prstGeom>
+                    </p:spPr>
+                  </p:pic>
+                </p:oleObj>
+              </mc:Fallback>
+            </mc:AlternateContent>
+          </a:graphicData>
+        </a:graphic>
+      </p:graphicFrame>
+      <p:sp>
+        <p:nvSpPr>
+          <p:cNvPr id="15" name="Title 1"/>
+          <p:cNvSpPr>
+            <a:spLocks noGrp="1"/>
+          </p:cNvSpPr>
+          <p:nvPr>
+            <p:ph type="title"/>
+          </p:nvPr>
+        </p:nvSpPr>
+        <p:spPr>
+          <a:xfrm>
+            <a:off x="1651000" y="363538"/>
+            <a:ext cx="6794500" cy="1003300"/>
+          </a:xfrm>
+        </p:spPr>
+        <p:txBody>
+          <a:bodyPr/>
+          <a:lstStyle/>
+          <a:p>
+            <a:r>
+              <a:rPr lang="en-US" sz="4000" dirty="0" smtClean="0">
+                <a:solidFill>
+                  <a:srgbClr val="FF03E3"/>
+                </a:solidFill>
+              </a:rPr>
+              <a:t>example</a:t>
+            </a:r>
+            <a:endParaRPr lang="en-US" sz="4000" dirty="0">
+              <a:solidFill>
+                <a:srgbClr val="FF03E3"/>
+              </a:solidFill>
+            </a:endParaRPr>
+          </a:p>
+        </p:txBody>
+      </p:sp>
+      <p:sp>
+        <p:nvSpPr>
+          <p:cNvPr id="12" name="TextBox 11"/>
+          <p:cNvSpPr txBox="1"/>
+          <p:nvPr/>
+        </p:nvSpPr>
+        <p:spPr>
+          <a:xfrm>
+            <a:off x="7778324" y="3907806"/>
+            <a:ext cx="869439" cy="584776"/>
+          </a:xfrm>
+          <a:prstGeom prst="rect">
+            <a:avLst/>
+          </a:prstGeom>
+          <a:noFill/>
+        </p:spPr>
+        <p:txBody>
+          <a:bodyPr wrap="square" rtlCol="0">
+            <a:spAutoFit/>
+          </a:bodyPr>
+          <a:lstStyle/>
+          <a:p>
+            <a:pPr algn="l"/>
+            <a:r>
+              <a:rPr lang="en-US" dirty="0" smtClean="0">
+                <a:solidFill>
+                  <a:srgbClr val="0000FF"/>
+                </a:solidFill>
+                <a:latin typeface="Comic Sans MS" pitchFamily="66" charset="0"/>
+              </a:rPr>
+              <a:t>OR</a:t>
+            </a:r>
+          </a:p>
+        </p:txBody>
+      </p:sp>
+      <p:sp>
+        <p:nvSpPr>
+          <p:cNvPr id="13" name="TextBox 12"/>
+          <p:cNvSpPr txBox="1"/>
+          <p:nvPr/>
+        </p:nvSpPr>
+        <p:spPr>
+          <a:xfrm>
+            <a:off x="550863" y="1473201"/>
+            <a:ext cx="8051800" cy="923330"/>
+          </a:xfrm>
+          <a:prstGeom prst="rect">
+            <a:avLst/>
+          </a:prstGeom>
+          <a:noFill/>
+        </p:spPr>
+        <p:txBody>
+          <a:bodyPr wrap="square" rtlCol="0">
+            <a:spAutoFit/>
+          </a:bodyPr>
+          <a:lstStyle/>
+          <a:p>
+            <a:pPr lvl="0" algn="l"/>
+            <a:r>
+              <a:rPr lang="en-US" sz="5400" dirty="0" smtClean="0">
+                <a:solidFill>
+                  <a:srgbClr val="FF03E3"/>
+                </a:solidFill>
+                <a:latin typeface="Comic Sans MS" pitchFamily="66" charset="0"/>
+              </a:rPr>
+              <a:t>simplify </a:t>
+            </a:r>
+            <a:r>
+              <a:rPr lang="en-US" sz="5400" dirty="0" smtClean="0">
+                <a:latin typeface="Comic Sans MS" pitchFamily="66" charset="0"/>
+              </a:rPr>
+              <a:t>(duplicates) </a:t>
+            </a:r>
+          </a:p>
+        </p:txBody>
+      </p:sp>
+      <p:cxnSp>
+        <p:nvCxnSpPr>
+          <p:cNvPr id="16" name="Straight Connector 15"/>
+          <p:cNvCxnSpPr/>
+          <p:nvPr/>
+        </p:nvCxnSpPr>
+        <p:spPr bwMode="auto">
+          <a:xfrm>
+            <a:off x="4730030" y="3516589"/>
+            <a:ext cx="3108466" cy="195025"/>
+          </a:xfrm>
+          <a:prstGeom prst="line">
+            <a:avLst/>
+          </a:prstGeom>
+          <a:solidFill>
+            <a:schemeClr val="accent1"/>
+          </a:solidFill>
+          <a:ln w="44450" cap="flat" cmpd="sng" algn="ctr">
+            <a:solidFill>
+              <a:srgbClr val="F80214"/>
+            </a:solidFill>
+            <a:prstDash val="solid"/>
+            <a:round/>
+            <a:headEnd type="none" w="med" len="med"/>
+            <a:tailEnd type="none" w="med" len="med"/>
+          </a:ln>
+          <a:effectLst/>
+        </p:spPr>
+      </p:cxnSp>
+      <p:cxnSp>
+        <p:nvCxnSpPr>
+          <p:cNvPr id="17" name="Straight Connector 16"/>
+          <p:cNvCxnSpPr/>
+          <p:nvPr/>
+        </p:nvCxnSpPr>
+        <p:spPr bwMode="auto">
+          <a:xfrm>
+            <a:off x="2868277" y="5485305"/>
+            <a:ext cx="2824486" cy="240872"/>
+          </a:xfrm>
+          <a:prstGeom prst="line">
+            <a:avLst/>
+          </a:prstGeom>
+          <a:solidFill>
+            <a:schemeClr val="accent1"/>
+          </a:solidFill>
+          <a:ln w="44450" cap="flat" cmpd="sng" algn="ctr">
+            <a:solidFill>
+              <a:srgbClr val="F80214"/>
+            </a:solidFill>
+            <a:prstDash val="solid"/>
+            <a:round/>
+            <a:headEnd type="none" w="med" len="med"/>
+            <a:tailEnd type="none" w="med" len="med"/>
+          </a:ln>
+          <a:effectLst/>
+        </p:spPr>
+      </p:cxnSp>
+      <p:cxnSp>
+        <p:nvCxnSpPr>
+          <p:cNvPr id="18" name="Straight Connector 17"/>
+          <p:cNvCxnSpPr/>
+          <p:nvPr/>
+        </p:nvCxnSpPr>
+        <p:spPr bwMode="auto">
+          <a:xfrm>
+            <a:off x="5583286" y="4915972"/>
+            <a:ext cx="481696" cy="251820"/>
+          </a:xfrm>
+          <a:prstGeom prst="line">
+            <a:avLst/>
+          </a:prstGeom>
+          <a:solidFill>
+            <a:schemeClr val="accent1"/>
+          </a:solidFill>
+          <a:ln w="44450" cap="flat" cmpd="sng" algn="ctr">
+            <a:solidFill>
+              <a:srgbClr val="F80214"/>
+            </a:solidFill>
+            <a:prstDash val="solid"/>
+            <a:round/>
+            <a:headEnd type="none" w="med" len="med"/>
+            <a:tailEnd type="none" w="med" len="med"/>
+          </a:ln>
+          <a:effectLst/>
+        </p:spPr>
+      </p:cxnSp>
+    </p:spTree>
+    <p:extLst>
+      <p:ext uri="{BB962C8B-B14F-4D97-AF65-F5344CB8AC3E}">
+        <p14:creationId xmlns:p14="http://schemas.microsoft.com/office/powerpoint/2010/main" val="3236475694"/>
+      </p:ext>
+    </p:extLst>
+  </p:cSld>
+  <p:clrMapOvr>
+    <a:masterClrMapping/>
+  </p:clrMapOvr>
+  <mc:AlternateContent xmlns:mc="http://schemas.openxmlformats.org/markup-compatibility/2006">
+    <mc:Choice xmlns:p14="http://schemas.microsoft.com/office/powerpoint/2010/main" Requires="p14">
+      <p:transition spd="slow" p14:dur="1100" advClick="0">
+        <p:fade/>
+      </p:transition>
+    </mc:Choice>
+    <mc:Fallback>
+      <p:transition xmlns:p14="http://schemas.microsoft.com/office/powerpoint/2010/main" spd="slow" advClick="0">
+        <p:fade/>
+      </p:transition>
+    </mc:Fallback>
+  </mc:AlternateContent>
+  <p:timing>
+    <p:tnLst>
+      <p:par>
+        <p:cTn xmlns:p14="http://schemas.microsoft.com/office/powerpoint/2010/main" id="1" dur="indefinite" restart="never" nodeType="tmRoot">
+          <p:childTnLst>
+            <p:seq concurrent="1" nextAc="seek">
+              <p:cTn id="2" dur="indefinite" nodeType="mainSeq">
+                <p:childTnLst>
+                  <p:par>
+                    <p:cTn id="3" fill="hold">
+                      <p:stCondLst>
+                        <p:cond delay="indefinite"/>
+                      </p:stCondLst>
+                      <p:childTnLst>
+                        <p:par>
+                          <p:cTn id="4" fill="hold">
+                            <p:stCondLst>
+                              <p:cond delay="0"/>
+                            </p:stCondLst>
+                            <p:childTnLst>
+                              <p:par>
+                                <p:cTn id="5" presetID="10" presetClass="entr" presetSubtype="0" fill="hold" grpId="0" nodeType="clickEffect">
+                                  <p:stCondLst>
+                                    <p:cond delay="0"/>
+                                  </p:stCondLst>
+                                  <p:childTnLst>
+                                    <p:set>
+                                      <p:cBhvr>
+                                        <p:cTn id="6" dur="1" fill="hold">
+                                          <p:stCondLst>
+                                            <p:cond delay="0"/>
+                                          </p:stCondLst>
+                                        </p:cTn>
+                                        <p:tgtEl>
+                                          <p:spTgt spid="13"/>
+                                        </p:tgtEl>
+                                        <p:attrNameLst>
+                                          <p:attrName>style.visibility</p:attrName>
+                                        </p:attrNameLst>
+                                      </p:cBhvr>
+                                      <p:to>
+                                        <p:strVal val="visible"/>
+                                      </p:to>
+                                    </p:set>
+                                    <p:animEffect transition="in" filter="fade">
+                                      <p:cBhvr>
+                                        <p:cTn id="7" dur="500"/>
+                                        <p:tgtEl>
+                                          <p:spTgt spid="13"/>
+                                        </p:tgtEl>
+                                      </p:cBhvr>
+                                    </p:animEffect>
+                                  </p:childTnLst>
+                                </p:cTn>
+                              </p:par>
+                            </p:childTnLst>
+                          </p:cTn>
+                        </p:par>
+                      </p:childTnLst>
+                    </p:cTn>
+                  </p:par>
+                  <p:par>
+                    <p:cTn id="8" fill="hold">
+                      <p:stCondLst>
+                        <p:cond delay="indefinite"/>
+                      </p:stCondLst>
+                      <p:childTnLst>
+                        <p:par>
+                          <p:cTn id="9" fill="hold">
+                            <p:stCondLst>
+                              <p:cond delay="0"/>
+                            </p:stCondLst>
+                            <p:childTnLst>
+                              <p:par>
+                                <p:cTn id="10" presetID="22" presetClass="entr" presetSubtype="8" fill="hold" nodeType="clickEffect">
+                                  <p:stCondLst>
+                                    <p:cond delay="0"/>
+                                  </p:stCondLst>
+                                  <p:childTnLst>
+                                    <p:set>
+                                      <p:cBhvr>
+                                        <p:cTn id="11" dur="1" fill="hold">
+                                          <p:stCondLst>
+                                            <p:cond delay="0"/>
+                                          </p:stCondLst>
+                                        </p:cTn>
+                                        <p:tgtEl>
+                                          <p:spTgt spid="16"/>
+                                        </p:tgtEl>
+                                        <p:attrNameLst>
+                                          <p:attrName>style.visibility</p:attrName>
+                                        </p:attrNameLst>
+                                      </p:cBhvr>
+                                      <p:to>
+                                        <p:strVal val="visible"/>
+                                      </p:to>
+                                    </p:set>
+                                    <p:animEffect transition="in" filter="wipe(left)">
+                                      <p:cBhvr>
+                                        <p:cTn id="12" dur="500"/>
+                                        <p:tgtEl>
+                                          <p:spTgt spid="16"/>
+                                        </p:tgtEl>
+                                      </p:cBhvr>
+                                    </p:animEffect>
+                                  </p:childTnLst>
+                                </p:cTn>
+                              </p:par>
+                            </p:childTnLst>
+                          </p:cTn>
+                        </p:par>
+                        <p:par>
+                          <p:cTn id="13" fill="hold">
+                            <p:stCondLst>
+                              <p:cond delay="500"/>
+                            </p:stCondLst>
+                            <p:childTnLst>
+                              <p:par>
+                                <p:cTn id="14" presetID="22" presetClass="entr" presetSubtype="8" fill="hold" nodeType="afterEffect">
+                                  <p:stCondLst>
+                                    <p:cond delay="0"/>
+                                  </p:stCondLst>
+                                  <p:childTnLst>
+                                    <p:set>
+                                      <p:cBhvr>
+                                        <p:cTn id="15" dur="1" fill="hold">
+                                          <p:stCondLst>
+                                            <p:cond delay="0"/>
+                                          </p:stCondLst>
+                                        </p:cTn>
+                                        <p:tgtEl>
+                                          <p:spTgt spid="17"/>
+                                        </p:tgtEl>
+                                        <p:attrNameLst>
+                                          <p:attrName>style.visibility</p:attrName>
+                                        </p:attrNameLst>
+                                      </p:cBhvr>
+                                      <p:to>
+                                        <p:strVal val="visible"/>
+                                      </p:to>
+                                    </p:set>
+                                    <p:animEffect transition="in" filter="wipe(left)">
+                                      <p:cBhvr>
+                                        <p:cTn id="16" dur="500"/>
+                                        <p:tgtEl>
+                                          <p:spTgt spid="17"/>
+                                        </p:tgtEl>
+                                      </p:cBhvr>
+                                    </p:animEffect>
+                                  </p:childTnLst>
+                                </p:cTn>
+                              </p:par>
+                              <p:par>
+                                <p:cTn id="17" presetID="22" presetClass="entr" presetSubtype="8" fill="hold" nodeType="withEffect">
+                                  <p:stCondLst>
+                                    <p:cond delay="0"/>
+                                  </p:stCondLst>
+                                  <p:childTnLst>
+                                    <p:set>
+                                      <p:cBhvr>
+                                        <p:cTn id="18" dur="1" fill="hold">
+                                          <p:stCondLst>
+                                            <p:cond delay="0"/>
+                                          </p:stCondLst>
+                                        </p:cTn>
+                                        <p:tgtEl>
+                                          <p:spTgt spid="18"/>
+                                        </p:tgtEl>
+                                        <p:attrNameLst>
+                                          <p:attrName>style.visibility</p:attrName>
+                                        </p:attrNameLst>
+                                      </p:cBhvr>
+                                      <p:to>
+                                        <p:strVal val="visible"/>
+                                      </p:to>
+                                    </p:set>
+                                    <p:animEffect transition="in" filter="wipe(left)">
+                                      <p:cBhvr>
+                                        <p:cTn id="19" dur="500"/>
+                                        <p:tgtEl>
+                                          <p:spTgt spid="18"/>
+                                        </p:tgtEl>
+                                      </p:cBhvr>
+                                    </p:animEffect>
+                                  </p:childTnLst>
+                                </p:cTn>
+                              </p:par>
+                            </p:childTnLst>
+                          </p:cTn>
+                        </p:par>
+                      </p:childTnLst>
+                    </p:cTn>
+                  </p:par>
+                </p:childTnLst>
+              </p:cTn>
+              <p:prevCondLst>
+                <p:cond evt="onPrev" delay="0">
+                  <p:tgtEl>
+                    <p:sldTgt/>
+                  </p:tgtEl>
+                </p:cond>
+              </p:prevCondLst>
+              <p:nextCondLst>
+                <p:cond evt="onNext" delay="0">
+                  <p:tgtEl>
+                    <p:sldTgt/>
+                  </p:tgtEl>
+                </p:cond>
+              </p:nextCondLst>
+            </p:seq>
+          </p:childTnLst>
+        </p:cTn>
+      </p:par>
+    </p:tnLst>
+    <p:bldLst>
+      <p:bldP spid="13" grpId="0"/>
+    </p:bldLst>
   </p:timing>
 </p:sld>
 </file>
@@ -21810,20 +21906,20 @@
           <p:nvPr>
             <p:extLst>
               <p:ext uri="{D42A27DB-BD31-4B8C-83A1-F6EECF244321}">
-                <p14:modId xmlns:p14="http://schemas.microsoft.com/office/powerpoint/2010/main" val="4130407762"/>
+                <p14:modId xmlns:p14="http://schemas.microsoft.com/office/powerpoint/2010/main" val="3733871443"/>
               </p:ext>
             </p:extLst>
           </p:nvPr>
         </p:nvGraphicFramePr>
         <p:xfrm>
-          <a:off x="885824" y="3282949"/>
+          <a:off x="820136" y="3282949"/>
           <a:ext cx="3172598" cy="1149351"/>
         </p:xfrm>
         <a:graphic>
           <a:graphicData uri="http://schemas.openxmlformats.org/presentationml/2006/ole">
             <mc:AlternateContent xmlns:mc="http://schemas.openxmlformats.org/markup-compatibility/2006">
               <mc:Choice xmlns:v="urn:schemas-microsoft-com:vml" Requires="v">
-                <p:oleObj spid="_x0000_s527433" name="Equation" r:id="rId4" imgW="1333500" imgH="482600" progId="Equation.DSMT4">
+                <p:oleObj spid="_x0000_s630797" name="Equation" r:id="rId4" imgW="1333500" imgH="482600" progId="Equation.DSMT4">
                   <p:embed/>
                 </p:oleObj>
               </mc:Choice>
@@ -21844,7 +21940,7 @@
                     </p:blipFill>
                     <p:spPr>
                       <a:xfrm>
-                        <a:off x="885824" y="3282949"/>
+                        <a:off x="820136" y="3282949"/>
                         <a:ext cx="3172598" cy="1149351"/>
                       </a:xfrm>
                       <a:prstGeom prst="rect">
@@ -21866,8 +21962,8 @@
         </p:nvSpPr>
         <p:spPr>
           <a:xfrm>
-            <a:off x="4013201" y="3924300"/>
-            <a:ext cx="647700" cy="461665"/>
+            <a:off x="3947512" y="3886793"/>
+            <a:ext cx="869439" cy="584776"/>
           </a:xfrm>
           <a:prstGeom prst="rect">
             <a:avLst/>
@@ -21882,11 +21978,9 @@
           <a:p>
             <a:pPr algn="l"/>
             <a:r>
-              <a:rPr lang="en-US" sz="2400" dirty="0" smtClean="0">
+              <a:rPr lang="en-US" dirty="0" smtClean="0">
                 <a:solidFill>
-                  <a:schemeClr val="accent1">
-                    <a:lumMod val="50000"/>
-                  </a:schemeClr>
+                  <a:srgbClr val="0000FF"/>
                 </a:solidFill>
                 <a:latin typeface="Comic Sans MS" pitchFamily="66" charset="0"/>
               </a:rPr>
@@ -21904,20 +21998,20 @@
           <p:nvPr>
             <p:extLst>
               <p:ext uri="{D42A27DB-BD31-4B8C-83A1-F6EECF244321}">
-                <p14:modId xmlns:p14="http://schemas.microsoft.com/office/powerpoint/2010/main" val="3599236877"/>
+                <p14:modId xmlns:p14="http://schemas.microsoft.com/office/powerpoint/2010/main" val="3353763863"/>
               </p:ext>
             </p:extLst>
           </p:nvPr>
         </p:nvGraphicFramePr>
         <p:xfrm>
-          <a:off x="4686300" y="3259138"/>
-          <a:ext cx="2808288" cy="1209675"/>
+          <a:off x="4916488" y="3309938"/>
+          <a:ext cx="2811462" cy="1209675"/>
         </p:xfrm>
         <a:graphic>
           <a:graphicData uri="http://schemas.openxmlformats.org/presentationml/2006/ole">
             <mc:AlternateContent xmlns:mc="http://schemas.openxmlformats.org/markup-compatibility/2006">
               <mc:Choice xmlns:v="urn:schemas-microsoft-com:vml" Requires="v">
-                <p:oleObj spid="_x0000_s527434" name="Equation" r:id="rId6" imgW="1181100" imgH="508000" progId="Equation.DSMT4">
+                <p:oleObj spid="_x0000_s630798" name="Equation" r:id="rId6" imgW="1181100" imgH="508000" progId="Equation.DSMT4">
                   <p:embed/>
                 </p:oleObj>
               </mc:Choice>
@@ -21938,8 +22032,8 @@
                     </p:blipFill>
                     <p:spPr>
                       <a:xfrm>
-                        <a:off x="4686300" y="3259138"/>
-                        <a:ext cx="2808288" cy="1209675"/>
+                        <a:off x="4916488" y="3309938"/>
+                        <a:ext cx="2811462" cy="1209675"/>
                       </a:xfrm>
                       <a:prstGeom prst="rect">
                         <a:avLst/>
@@ -21961,20 +22055,20 @@
           <p:nvPr>
             <p:extLst>
               <p:ext uri="{D42A27DB-BD31-4B8C-83A1-F6EECF244321}">
-                <p14:modId xmlns:p14="http://schemas.microsoft.com/office/powerpoint/2010/main" val="1387628101"/>
+                <p14:modId xmlns:p14="http://schemas.microsoft.com/office/powerpoint/2010/main" val="3023742709"/>
               </p:ext>
             </p:extLst>
           </p:nvPr>
         </p:nvGraphicFramePr>
         <p:xfrm>
-          <a:off x="2684463" y="4652963"/>
-          <a:ext cx="2717800" cy="604837"/>
+          <a:off x="3179763" y="4992688"/>
+          <a:ext cx="2719387" cy="604837"/>
         </p:xfrm>
         <a:graphic>
           <a:graphicData uri="http://schemas.openxmlformats.org/presentationml/2006/ole">
             <mc:AlternateContent xmlns:mc="http://schemas.openxmlformats.org/markup-compatibility/2006">
               <mc:Choice xmlns:v="urn:schemas-microsoft-com:vml" Requires="v">
-                <p:oleObj spid="_x0000_s527435" name="Equation" r:id="rId8" imgW="1143000" imgH="254000" progId="Equation.DSMT4">
+                <p:oleObj spid="_x0000_s630799" name="Equation" r:id="rId8" imgW="1143000" imgH="254000" progId="Equation.DSMT4">
                   <p:embed/>
                 </p:oleObj>
               </mc:Choice>
@@ -21995,8 +22089,8 @@
                     </p:blipFill>
                     <p:spPr>
                       <a:xfrm>
-                        <a:off x="2684463" y="4652963"/>
-                        <a:ext cx="2717800" cy="604837"/>
+                        <a:off x="3179763" y="4992688"/>
+                        <a:ext cx="2719387" cy="604837"/>
                       </a:xfrm>
                       <a:prstGeom prst="rect">
                         <a:avLst/>
@@ -22011,14 +22105,50 @@
       </p:graphicFrame>
       <p:sp>
         <p:nvSpPr>
-          <p:cNvPr id="13" name="TextBox 12"/>
+          <p:cNvPr id="15" name="Title 1"/>
+          <p:cNvSpPr>
+            <a:spLocks noGrp="1"/>
+          </p:cNvSpPr>
+          <p:nvPr>
+            <p:ph type="title"/>
+          </p:nvPr>
+        </p:nvSpPr>
+        <p:spPr>
+          <a:xfrm>
+            <a:off x="1651000" y="363538"/>
+            <a:ext cx="6794500" cy="1003300"/>
+          </a:xfrm>
+        </p:spPr>
+        <p:txBody>
+          <a:bodyPr/>
+          <a:lstStyle/>
+          <a:p>
+            <a:r>
+              <a:rPr lang="en-US" sz="4000" dirty="0" smtClean="0">
+                <a:solidFill>
+                  <a:srgbClr val="FF03E3"/>
+                </a:solidFill>
+              </a:rPr>
+              <a:t>example</a:t>
+            </a:r>
+            <a:endParaRPr lang="en-US" sz="4000" dirty="0">
+              <a:solidFill>
+                <a:srgbClr val="FF03E3"/>
+              </a:solidFill>
+            </a:endParaRPr>
+          </a:p>
+        </p:txBody>
+      </p:sp>
+      <p:sp>
+        <p:nvSpPr>
+          <p:cNvPr id="12" name="TextBox 11"/>
           <p:cNvSpPr txBox="1"/>
           <p:nvPr/>
         </p:nvSpPr>
         <p:spPr>
           <a:xfrm>
-            <a:off x="7442201" y="3962400"/>
-            <a:ext cx="647700" cy="461665"/>
+            <a:off x="7778324" y="3907806"/>
+            <a:ext cx="869439" cy="584776"/>
           </a:xfrm>
           <a:prstGeom prst="rect">
             <a:avLst/>
@@ -22033,9 +22163,9 @@
           <a:p>
             <a:pPr algn="l"/>
             <a:r>
-              <a:rPr lang="en-US" sz="2400" dirty="0" smtClean="0">
+              <a:rPr lang="en-US" dirty="0" smtClean="0">
                 <a:solidFill>
-                  <a:srgbClr val="0000E5"/>
+                  <a:srgbClr val="0000FF"/>
                 </a:solidFill>
                 <a:latin typeface="Comic Sans MS" pitchFamily="66" charset="0"/>
               </a:rPr>
@@ -22046,182 +22176,7 @@
       </p:sp>
       <p:sp>
         <p:nvSpPr>
-          <p:cNvPr id="10" name="Title 1"/>
-          <p:cNvSpPr>
-            <a:spLocks noGrp="1"/>
-          </p:cNvSpPr>
-          <p:nvPr>
-            <p:ph type="title"/>
-          </p:nvPr>
-        </p:nvSpPr>
-        <p:spPr>
-          <a:xfrm>
-            <a:off x="1651000" y="363538"/>
-            <a:ext cx="6794500" cy="1003300"/>
-          </a:xfrm>
-        </p:spPr>
-        <p:txBody>
-          <a:bodyPr/>
-          <a:lstStyle/>
-          <a:p>
-            <a:r>
-              <a:rPr lang="en-US" sz="4000" dirty="0" smtClean="0">
-                <a:solidFill>
-                  <a:srgbClr val="FF03E3"/>
-                </a:solidFill>
-              </a:rPr>
-              <a:t>example</a:t>
-            </a:r>
-            <a:endParaRPr lang="en-US" sz="4000" dirty="0">
-              <a:solidFill>
-                <a:srgbClr val="FF03E3"/>
-              </a:solidFill>
-            </a:endParaRPr>
-          </a:p>
-        </p:txBody>
-      </p:sp>
-    </p:spTree>
-    <p:extLst>
-      <p:ext uri="{BB962C8B-B14F-4D97-AF65-F5344CB8AC3E}">
-        <p14:creationId xmlns:p14="http://schemas.microsoft.com/office/powerpoint/2010/main" val="2896971768"/>
-      </p:ext>
-    </p:extLst>
-  </p:cSld>
-  <p:clrMapOvr>
-    <a:masterClrMapping/>
-  </p:clrMapOvr>
-  <mc:AlternateContent xmlns:mc="http://schemas.openxmlformats.org/markup-compatibility/2006" xmlns:p14="http://schemas.microsoft.com/office/powerpoint/2010/main">
-    <mc:Choice Requires="p14">
-      <p:transition spd="med" p14:dur="600" advClick="0">
-        <p:fade/>
-      </p:transition>
-    </mc:Choice>
-    <mc:Fallback xmlns="">
-      <p:transition xmlns:p14="http://schemas.microsoft.com/office/powerpoint/2010/main" spd="med" advClick="0">
-        <p:fade/>
-      </p:transition>
-    </mc:Fallback>
-  </mc:AlternateContent>
-  <p:timing>
-    <p:tnLst>
-      <p:par>
-        <p:cTn xmlns:p14="http://schemas.microsoft.com/office/powerpoint/2010/main" id="1" dur="indefinite" restart="never" nodeType="tmRoot"/>
-      </p:par>
-    </p:tnLst>
-  </p:timing>
-</p:sld>
-</file>
-
-<file path=ppt/slides/slide45.xml><?xml version="1.0" encoding="utf-8"?>
-<p:sld xmlns:a="http://schemas.openxmlformats.org/drawingml/2006/main" xmlns:r="http://schemas.openxmlformats.org/officeDocument/2006/relationships" xmlns:p="http://schemas.openxmlformats.org/presentationml/2006/main">
-  <p:cSld>
-    <p:spTree>
-      <p:nvGrpSpPr>
-        <p:cNvPr id="1" name=""/>
-        <p:cNvGrpSpPr/>
-        <p:nvPr/>
-      </p:nvGrpSpPr>
-      <p:grpSpPr>
-        <a:xfrm>
-          <a:off x="0" y="0"/>
-          <a:ext cx="0" cy="0"/>
-          <a:chOff x="0" y="0"/>
-          <a:chExt cx="0" cy="0"/>
-        </a:xfrm>
-      </p:grpSpPr>
-      <p:sp>
-        <p:nvSpPr>
-          <p:cNvPr id="4" name="Slide Number Placeholder 2"/>
-          <p:cNvSpPr>
-            <a:spLocks noGrp="1"/>
-          </p:cNvSpPr>
-          <p:nvPr>
-            <p:ph type="sldNum" sz="quarter" idx="10"/>
-          </p:nvPr>
-        </p:nvSpPr>
-        <p:spPr>
-          <a:xfrm>
-            <a:off x="7333815" y="6553200"/>
-            <a:ext cx="1810186" cy="276999"/>
-          </a:xfrm>
-        </p:spPr>
-        <p:txBody>
-          <a:bodyPr/>
-          <a:lstStyle/>
-          <a:p>
-            <a:r>
-              <a:rPr lang="en-US" dirty="0" smtClean="0"/>
-              <a:t>propositional algebra.</a:t>
-            </a:r>
-            <a:fld id="{3251DA95-B240-47FE-901D-B78FC8E8E532}" type="slidenum">
-              <a:rPr lang="en-US" smtClean="0"/>
-              <a:pPr/>
-              <a:t>45</a:t>
-            </a:fld>
-            <a:endParaRPr lang="en-US" dirty="0"/>
-          </a:p>
-        </p:txBody>
-      </p:sp>
-      <p:graphicFrame>
-        <p:nvGraphicFramePr>
-          <p:cNvPr id="7" name="Object 6"/>
-          <p:cNvGraphicFramePr>
-            <a:graphicFrameLocks noChangeAspect="1"/>
-          </p:cNvGraphicFramePr>
-          <p:nvPr>
-            <p:extLst>
-              <p:ext uri="{D42A27DB-BD31-4B8C-83A1-F6EECF244321}">
-                <p14:modId xmlns:p14="http://schemas.microsoft.com/office/powerpoint/2010/main" val="2224980148"/>
-              </p:ext>
-            </p:extLst>
-          </p:nvPr>
-        </p:nvGraphicFramePr>
-        <p:xfrm>
-          <a:off x="819150" y="1631950"/>
-          <a:ext cx="6403975" cy="1149350"/>
-        </p:xfrm>
-        <a:graphic>
-          <a:graphicData uri="http://schemas.openxmlformats.org/presentationml/2006/ole">
-            <mc:AlternateContent xmlns:mc="http://schemas.openxmlformats.org/markup-compatibility/2006">
-              <mc:Choice xmlns:v="urn:schemas-microsoft-com:vml" Requires="v">
-                <p:oleObj spid="_x0000_s529439" name="Equation" r:id="rId4" imgW="2692400" imgH="482600" progId="Equation.DSMT4">
-                  <p:embed/>
-                </p:oleObj>
-              </mc:Choice>
-              <mc:Fallback>
-                <p:oleObj name="Equation" r:id="rId4" imgW="2692400" imgH="482600" progId="Equation.DSMT4">
-                  <p:embed/>
-                  <p:pic>
-                    <p:nvPicPr>
-                      <p:cNvPr id="0" name=""/>
-                      <p:cNvPicPr/>
-                      <p:nvPr/>
-                    </p:nvPicPr>
-                    <p:blipFill>
-                      <a:blip r:embed="rId5"/>
-                      <a:stretch>
-                        <a:fillRect/>
-                      </a:stretch>
-                    </p:blipFill>
-                    <p:spPr>
-                      <a:xfrm>
-                        <a:off x="819150" y="1631950"/>
-                        <a:ext cx="6403975" cy="1149350"/>
-                      </a:xfrm>
-                      <a:prstGeom prst="rect">
-                        <a:avLst/>
-                      </a:prstGeom>
-                    </p:spPr>
-                  </p:pic>
-                </p:oleObj>
-              </mc:Fallback>
-            </mc:AlternateContent>
-          </a:graphicData>
-        </a:graphic>
-      </p:graphicFrame>
-      <p:sp>
-        <p:nvSpPr>
-          <p:cNvPr id="10" name="Title 4"/>
+          <p:cNvPr id="19" name="Title 4"/>
           <p:cNvSpPr txBox="1">
             <a:spLocks/>
           </p:cNvSpPr>
@@ -22402,7 +22357,7 @@
       </p:sp>
       <p:sp useBgFill="1">
         <p:nvSpPr>
-          <p:cNvPr id="5" name="TextBox 4"/>
+          <p:cNvPr id="20" name="TextBox 19"/>
           <p:cNvSpPr txBox="1"/>
           <p:nvPr/>
         </p:nvSpPr>
@@ -22437,20 +22392,20 @@
     </p:spTree>
     <p:extLst>
       <p:ext uri="{BB962C8B-B14F-4D97-AF65-F5344CB8AC3E}">
-        <p14:creationId xmlns:p14="http://schemas.microsoft.com/office/powerpoint/2010/main" val="799748073"/>
+        <p14:creationId xmlns:p14="http://schemas.microsoft.com/office/powerpoint/2010/main" val="2463668425"/>
       </p:ext>
     </p:extLst>
   </p:cSld>
   <p:clrMapOvr>
     <a:masterClrMapping/>
   </p:clrMapOvr>
-  <mc:AlternateContent xmlns:mc="http://schemas.openxmlformats.org/markup-compatibility/2006" xmlns:p14="http://schemas.microsoft.com/office/powerpoint/2010/main">
-    <mc:Choice Requires="p14">
+  <mc:AlternateContent xmlns:mc="http://schemas.openxmlformats.org/markup-compatibility/2006">
+    <mc:Choice xmlns:p14="http://schemas.microsoft.com/office/powerpoint/2010/main" Requires="p14">
       <p:transition spd="med" p14:dur="600" advClick="0">
         <p:fade/>
       </p:transition>
     </mc:Choice>
-    <mc:Fallback xmlns="">
+    <mc:Fallback>
       <p:transition xmlns:p14="http://schemas.microsoft.com/office/powerpoint/2010/main" spd="med" advClick="0">
         <p:fade/>
       </p:transition>
@@ -22493,7 +22448,7 @@
                                           </p:stCondLst>
                                         </p:cTn>
                                         <p:tgtEl>
-                                          <p:spTgt spid="10"/>
+                                          <p:spTgt spid="19"/>
                                         </p:tgtEl>
                                         <p:attrNameLst>
                                           <p:attrName>style.visibility</p:attrName>
@@ -22505,12 +22460,47 @@
                                     </p:set>
                                     <p:animEffect transition="in" filter="fade">
                                       <p:cBhvr>
-                                        <p:cTn id="7" dur="500"/>
+                                        <p:cTn id="7" dur="1000"/>
                                         <p:tgtEl>
-                                          <p:spTgt spid="10"/>
+                                          <p:spTgt spid="19"/>
                                         </p:tgtEl>
                                       </p:cBhvr>
                                     </p:animEffect>
+                                  </p:childTnLst>
+                                </p:cTn>
+                              </p:par>
+                              <p:par>
+                                <p:cTn id="8" presetID="9" presetClass="exit" presetSubtype="0" fill="hold" grpId="0" nodeType="withEffect">
+                                  <p:stCondLst>
+                                    <p:cond delay="0"/>
+                                  </p:stCondLst>
+                                  <p:childTnLst>
+                                    <p:animEffect transition="out" filter="dissolve">
+                                      <p:cBhvr>
+                                        <p:cTn id="9" dur="500"/>
+                                        <p:tgtEl>
+                                          <p:spTgt spid="15"/>
+                                        </p:tgtEl>
+                                      </p:cBhvr>
+                                    </p:animEffect>
+                                    <p:set>
+                                      <p:cBhvr>
+                                        <p:cTn id="10" dur="1" fill="hold">
+                                          <p:stCondLst>
+                                            <p:cond delay="499"/>
+                                          </p:stCondLst>
+                                        </p:cTn>
+                                        <p:tgtEl>
+                                          <p:spTgt spid="15"/>
+                                        </p:tgtEl>
+                                        <p:attrNameLst>
+                                          <p:attrName>style.visibility</p:attrName>
+                                        </p:attrNameLst>
+                                      </p:cBhvr>
+                                      <p:to>
+                                        <p:strVal val="hidden"/>
+                                      </p:to>
+                                    </p:set>
                                   </p:childTnLst>
                                 </p:cTn>
                               </p:par>
@@ -22521,32 +22511,32 @@
                     </p:cTn>
                   </p:par>
                   <p:par>
-                    <p:cTn id="8" fill="hold">
+                    <p:cTn id="11" fill="hold">
                       <p:stCondLst>
                         <p:cond delay="indefinite"/>
                       </p:stCondLst>
                       <p:childTnLst>
                         <p:par>
-                          <p:cTn id="9" fill="hold">
+                          <p:cTn id="12" fill="hold">
                             <p:stCondLst>
                               <p:cond delay="0"/>
                             </p:stCondLst>
                             <p:childTnLst>
                               <p:par>
-                                <p:cTn id="10" presetID="10" presetClass="entr" presetSubtype="0" fill="hold" grpId="0" nodeType="clickEffect">
+                                <p:cTn id="13" presetID="10" presetClass="entr" presetSubtype="0" fill="hold" grpId="0" nodeType="clickEffect">
                                   <p:stCondLst>
                                     <p:cond delay="0"/>
                                   </p:stCondLst>
                                   <p:childTnLst>
                                     <p:set>
                                       <p:cBhvr>
-                                        <p:cTn id="11" dur="1" fill="hold">
+                                        <p:cTn id="14" dur="1" fill="hold">
                                           <p:stCondLst>
                                             <p:cond delay="0"/>
                                           </p:stCondLst>
                                         </p:cTn>
                                         <p:tgtEl>
-                                          <p:spTgt spid="5"/>
+                                          <p:spTgt spid="20"/>
                                         </p:tgtEl>
                                         <p:attrNameLst>
                                           <p:attrName>style.visibility</p:attrName>
@@ -22558,9 +22548,9 @@
                                     </p:set>
                                     <p:animEffect transition="in" filter="fade">
                                       <p:cBhvr>
-                                        <p:cTn id="12" dur="500"/>
+                                        <p:cTn id="15" dur="500"/>
                                         <p:tgtEl>
-                                          <p:spTgt spid="5"/>
+                                          <p:spTgt spid="20"/>
                                         </p:tgtEl>
                                       </p:cBhvr>
                                     </p:animEffect>
@@ -22595,9 +22585,355 @@
       </p:par>
     </p:tnLst>
     <p:bldLst>
-      <p:bldP spid="10" grpId="0"/>
-      <p:bldP spid="5" grpId="0" animBg="1"/>
+      <p:bldP spid="15" grpId="0"/>
+      <p:bldP spid="19" grpId="0"/>
+      <p:bldP spid="20" grpId="0" animBg="1"/>
     </p:bldLst>
+  </p:timing>
+</p:sld>
+</file>
+
+<file path=ppt/slides/slide45.xml><?xml version="1.0" encoding="utf-8"?>
+<p:sld xmlns:a="http://schemas.openxmlformats.org/drawingml/2006/main" xmlns:r="http://schemas.openxmlformats.org/officeDocument/2006/relationships" xmlns:p="http://schemas.openxmlformats.org/presentationml/2006/main">
+  <p:cSld>
+    <p:spTree>
+      <p:nvGrpSpPr>
+        <p:cNvPr id="1" name=""/>
+        <p:cNvGrpSpPr/>
+        <p:nvPr/>
+      </p:nvGrpSpPr>
+      <p:grpSpPr>
+        <a:xfrm>
+          <a:off x="0" y="0"/>
+          <a:ext cx="0" cy="0"/>
+          <a:chOff x="0" y="0"/>
+          <a:chExt cx="0" cy="0"/>
+        </a:xfrm>
+      </p:grpSpPr>
+      <p:sp>
+        <p:nvSpPr>
+          <p:cNvPr id="4" name="Slide Number Placeholder 2"/>
+          <p:cNvSpPr>
+            <a:spLocks noGrp="1"/>
+          </p:cNvSpPr>
+          <p:nvPr>
+            <p:ph type="sldNum" sz="quarter" idx="10"/>
+          </p:nvPr>
+        </p:nvSpPr>
+        <p:spPr>
+          <a:xfrm>
+            <a:off x="7333815" y="6553200"/>
+            <a:ext cx="1810186" cy="276999"/>
+          </a:xfrm>
+        </p:spPr>
+        <p:txBody>
+          <a:bodyPr/>
+          <a:lstStyle/>
+          <a:p>
+            <a:r>
+              <a:rPr lang="en-US" dirty="0" smtClean="0"/>
+              <a:t>propositional algebra.</a:t>
+            </a:r>
+            <a:fld id="{3251DA95-B240-47FE-901D-B78FC8E8E532}" type="slidenum">
+              <a:rPr lang="en-US" smtClean="0"/>
+              <a:pPr/>
+              <a:t>45</a:t>
+            </a:fld>
+            <a:endParaRPr lang="en-US" dirty="0"/>
+          </a:p>
+        </p:txBody>
+      </p:sp>
+      <p:graphicFrame>
+        <p:nvGraphicFramePr>
+          <p:cNvPr id="7" name="Object 6"/>
+          <p:cNvGraphicFramePr>
+            <a:graphicFrameLocks noChangeAspect="1"/>
+          </p:cNvGraphicFramePr>
+          <p:nvPr>
+            <p:extLst>
+              <p:ext uri="{D42A27DB-BD31-4B8C-83A1-F6EECF244321}">
+                <p14:modId xmlns:p14="http://schemas.microsoft.com/office/powerpoint/2010/main" val="328828839"/>
+              </p:ext>
+            </p:extLst>
+          </p:nvPr>
+        </p:nvGraphicFramePr>
+        <p:xfrm>
+          <a:off x="308108" y="2662885"/>
+          <a:ext cx="8537309" cy="1532229"/>
+        </p:xfrm>
+        <a:graphic>
+          <a:graphicData uri="http://schemas.openxmlformats.org/presentationml/2006/ole">
+            <mc:AlternateContent xmlns:mc="http://schemas.openxmlformats.org/markup-compatibility/2006">
+              <mc:Choice xmlns:v="urn:schemas-microsoft-com:vml" Requires="v">
+                <p:oleObj spid="_x0000_s529446" name="Equation" r:id="rId4" imgW="2692400" imgH="482600" progId="Equation.DSMT4">
+                  <p:embed/>
+                </p:oleObj>
+              </mc:Choice>
+              <mc:Fallback>
+                <p:oleObj name="Equation" r:id="rId4" imgW="2692400" imgH="482600" progId="Equation.DSMT4">
+                  <p:embed/>
+                  <p:pic>
+                    <p:nvPicPr>
+                      <p:cNvPr id="0" name=""/>
+                      <p:cNvPicPr/>
+                      <p:nvPr/>
+                    </p:nvPicPr>
+                    <p:blipFill>
+                      <a:blip r:embed="rId5"/>
+                      <a:stretch>
+                        <a:fillRect/>
+                      </a:stretch>
+                    </p:blipFill>
+                    <p:spPr>
+                      <a:xfrm>
+                        <a:off x="308108" y="2662885"/>
+                        <a:ext cx="8537309" cy="1532229"/>
+                      </a:xfrm>
+                      <a:prstGeom prst="rect">
+                        <a:avLst/>
+                      </a:prstGeom>
+                    </p:spPr>
+                  </p:pic>
+                </p:oleObj>
+              </mc:Fallback>
+            </mc:AlternateContent>
+          </a:graphicData>
+        </a:graphic>
+      </p:graphicFrame>
+      <p:sp>
+        <p:nvSpPr>
+          <p:cNvPr id="10" name="Title 4"/>
+          <p:cNvSpPr txBox="1">
+            <a:spLocks/>
+          </p:cNvSpPr>
+          <p:nvPr/>
+        </p:nvSpPr>
+        <p:spPr bwMode="auto">
+          <a:xfrm>
+            <a:off x="1892300" y="279400"/>
+            <a:ext cx="5969000" cy="1130300"/>
+          </a:xfrm>
+          <a:prstGeom prst="rect">
+            <a:avLst/>
+          </a:prstGeom>
+          <a:noFill/>
+          <a:ln w="9525">
+            <a:noFill/>
+            <a:miter lim="800000"/>
+            <a:headEnd/>
+            <a:tailEnd/>
+          </a:ln>
+        </p:spPr>
+        <p:txBody>
+          <a:bodyPr vert="horz" wrap="square" lIns="91440" tIns="45720" rIns="91440" bIns="45720" numCol="1" anchor="ctr" anchorCtr="0" compatLnSpc="1">
+            <a:prstTxWarp prst="textNoShape">
+              <a:avLst/>
+            </a:prstTxWarp>
+          </a:bodyPr>
+          <a:lstStyle>
+            <a:lvl1pPr algn="l" rtl="0" eaLnBrk="0" fontAlgn="base" hangingPunct="0">
+              <a:spcBef>
+                <a:spcPct val="0"/>
+              </a:spcBef>
+              <a:spcAft>
+                <a:spcPct val="0"/>
+              </a:spcAft>
+              <a:defRPr sz="3600" b="1">
+                <a:solidFill>
+                  <a:schemeClr val="tx2"/>
+                </a:solidFill>
+                <a:latin typeface="Comic Sans MS" pitchFamily="66" charset="0"/>
+                <a:ea typeface="+mj-ea"/>
+                <a:cs typeface="+mj-cs"/>
+              </a:defRPr>
+            </a:lvl1pPr>
+            <a:lvl2pPr algn="l" rtl="0" eaLnBrk="0" fontAlgn="base" hangingPunct="0">
+              <a:spcBef>
+                <a:spcPct val="0"/>
+              </a:spcBef>
+              <a:spcAft>
+                <a:spcPct val="0"/>
+              </a:spcAft>
+              <a:defRPr sz="4400" b="1">
+                <a:solidFill>
+                  <a:schemeClr val="tx2"/>
+                </a:solidFill>
+                <a:latin typeface="Comic Sans MS" pitchFamily="66" charset="0"/>
+              </a:defRPr>
+            </a:lvl2pPr>
+            <a:lvl3pPr algn="l" rtl="0" eaLnBrk="0" fontAlgn="base" hangingPunct="0">
+              <a:spcBef>
+                <a:spcPct val="0"/>
+              </a:spcBef>
+              <a:spcAft>
+                <a:spcPct val="0"/>
+              </a:spcAft>
+              <a:defRPr sz="4400" b="1">
+                <a:solidFill>
+                  <a:schemeClr val="tx2"/>
+                </a:solidFill>
+                <a:latin typeface="Comic Sans MS" pitchFamily="66" charset="0"/>
+              </a:defRPr>
+            </a:lvl3pPr>
+            <a:lvl4pPr algn="l" rtl="0" eaLnBrk="0" fontAlgn="base" hangingPunct="0">
+              <a:spcBef>
+                <a:spcPct val="0"/>
+              </a:spcBef>
+              <a:spcAft>
+                <a:spcPct val="0"/>
+              </a:spcAft>
+              <a:defRPr sz="4400" b="1">
+                <a:solidFill>
+                  <a:schemeClr val="tx2"/>
+                </a:solidFill>
+                <a:latin typeface="Comic Sans MS" pitchFamily="66" charset="0"/>
+              </a:defRPr>
+            </a:lvl4pPr>
+            <a:lvl5pPr algn="l" rtl="0" eaLnBrk="0" fontAlgn="base" hangingPunct="0">
+              <a:spcBef>
+                <a:spcPct val="0"/>
+              </a:spcBef>
+              <a:spcAft>
+                <a:spcPct val="0"/>
+              </a:spcAft>
+              <a:defRPr sz="4400" b="1">
+                <a:solidFill>
+                  <a:schemeClr val="tx2"/>
+                </a:solidFill>
+                <a:latin typeface="Comic Sans MS" pitchFamily="66" charset="0"/>
+              </a:defRPr>
+            </a:lvl5pPr>
+            <a:lvl6pPr marL="457200" algn="l" rtl="0" fontAlgn="base">
+              <a:spcBef>
+                <a:spcPct val="0"/>
+              </a:spcBef>
+              <a:spcAft>
+                <a:spcPct val="0"/>
+              </a:spcAft>
+              <a:defRPr sz="4400" b="1">
+                <a:solidFill>
+                  <a:schemeClr val="tx2"/>
+                </a:solidFill>
+                <a:latin typeface="Times New Roman" pitchFamily="18" charset="0"/>
+              </a:defRPr>
+            </a:lvl6pPr>
+            <a:lvl7pPr marL="914400" algn="l" rtl="0" fontAlgn="base">
+              <a:spcBef>
+                <a:spcPct val="0"/>
+              </a:spcBef>
+              <a:spcAft>
+                <a:spcPct val="0"/>
+              </a:spcAft>
+              <a:defRPr sz="4400" b="1">
+                <a:solidFill>
+                  <a:schemeClr val="tx2"/>
+                </a:solidFill>
+                <a:latin typeface="Times New Roman" pitchFamily="18" charset="0"/>
+              </a:defRPr>
+            </a:lvl7pPr>
+            <a:lvl8pPr marL="1371600" algn="l" rtl="0" fontAlgn="base">
+              <a:spcBef>
+                <a:spcPct val="0"/>
+              </a:spcBef>
+              <a:spcAft>
+                <a:spcPct val="0"/>
+              </a:spcAft>
+              <a:defRPr sz="4400" b="1">
+                <a:solidFill>
+                  <a:schemeClr val="tx2"/>
+                </a:solidFill>
+                <a:latin typeface="Times New Roman" pitchFamily="18" charset="0"/>
+              </a:defRPr>
+            </a:lvl8pPr>
+            <a:lvl9pPr marL="1828800" algn="l" rtl="0" fontAlgn="base">
+              <a:spcBef>
+                <a:spcPct val="0"/>
+              </a:spcBef>
+              <a:spcAft>
+                <a:spcPct val="0"/>
+              </a:spcAft>
+              <a:defRPr sz="4400" b="1">
+                <a:solidFill>
+                  <a:schemeClr val="tx2"/>
+                </a:solidFill>
+                <a:latin typeface="Times New Roman" pitchFamily="18" charset="0"/>
+              </a:defRPr>
+            </a:lvl9pPr>
+          </a:lstStyle>
+          <a:p>
+            <a:r>
+              <a:rPr lang="en-US" sz="4800" dirty="0" smtClean="0"/>
+              <a:t>Sorted </a:t>
+            </a:r>
+            <a:r>
+              <a:rPr lang="en-US" sz="4800" dirty="0" smtClean="0">
+                <a:solidFill>
+                  <a:srgbClr val="000000"/>
+                </a:solidFill>
+              </a:rPr>
+              <a:t>Full DNF</a:t>
+            </a:r>
+            <a:endParaRPr lang="en-US" sz="4800" dirty="0">
+              <a:solidFill>
+                <a:srgbClr val="000000"/>
+              </a:solidFill>
+            </a:endParaRPr>
+          </a:p>
+        </p:txBody>
+      </p:sp>
+      <p:sp useBgFill="1">
+        <p:nvSpPr>
+          <p:cNvPr id="5" name="TextBox 4"/>
+          <p:cNvSpPr txBox="1"/>
+          <p:nvPr/>
+        </p:nvSpPr>
+        <p:spPr>
+          <a:xfrm>
+            <a:off x="161126" y="425546"/>
+            <a:ext cx="1795984" cy="830997"/>
+          </a:xfrm>
+          <a:prstGeom prst="rect">
+            <a:avLst/>
+          </a:prstGeom>
+        </p:spPr>
+        <p:txBody>
+          <a:bodyPr wrap="none" rtlCol="0">
+            <a:spAutoFit/>
+          </a:bodyPr>
+          <a:lstStyle/>
+          <a:p>
+            <a:pPr algn="l"/>
+            <a:r>
+              <a:rPr lang="en-US" sz="4800" dirty="0" smtClean="0">
+                <a:solidFill>
+                  <a:srgbClr val="FF03E3"/>
+                </a:solidFill>
+                <a:latin typeface="Comic Sans MS" pitchFamily="66" charset="0"/>
+              </a:rPr>
+              <a:t>Done:</a:t>
+            </a:r>
+          </a:p>
+        </p:txBody>
+      </p:sp>
+    </p:spTree>
+    <p:extLst>
+      <p:ext uri="{BB962C8B-B14F-4D97-AF65-F5344CB8AC3E}">
+        <p14:creationId xmlns:p14="http://schemas.microsoft.com/office/powerpoint/2010/main" val="799748073"/>
+      </p:ext>
+    </p:extLst>
+  </p:cSld>
+  <p:clrMapOvr>
+    <a:masterClrMapping/>
+  </p:clrMapOvr>
+  <p:transition xmlns:p14="http://schemas.microsoft.com/office/powerpoint/2010/main" spd="slow" advClick="0">
+    <p:fade/>
+  </p:transition>
+  <p:timing>
+    <p:tnLst>
+      <p:par>
+        <p:cTn xmlns:p14="http://schemas.microsoft.com/office/powerpoint/2010/main" id="1" dur="indefinite" restart="never" nodeType="tmRoot"/>
+      </p:par>
+    </p:tnLst>
   </p:timing>
 </p:sld>
 </file>
@@ -23666,7 +24002,7 @@
           <a:graphicData uri="http://schemas.openxmlformats.org/presentationml/2006/ole">
             <mc:AlternateContent xmlns:mc="http://schemas.openxmlformats.org/markup-compatibility/2006">
               <mc:Choice xmlns:v="urn:schemas-microsoft-com:vml" Requires="v">
-                <p:oleObj spid="_x0000_s1099" name="Equation" r:id="rId4" imgW="1295400" imgH="228600" progId="Equation.DSMT4">
+                <p:oleObj spid="_x0000_s1103" name="Equation" r:id="rId4" imgW="1295400" imgH="228600" progId="Equation.DSMT4">
                   <p:embed/>
                 </p:oleObj>
               </mc:Choice>
@@ -23912,6 +24248,34 @@
           </a:p>
         </p:txBody>
       </p:sp>
+      <p:sp>
+        <p:nvSpPr>
+          <p:cNvPr id="4" name="Title 1"/>
+          <p:cNvSpPr>
+            <a:spLocks noGrp="1"/>
+          </p:cNvSpPr>
+          <p:nvPr>
+            <p:ph type="title"/>
+          </p:nvPr>
+        </p:nvSpPr>
+        <p:spPr>
+          <a:xfrm>
+            <a:off x="2049478" y="325438"/>
+            <a:ext cx="6227298" cy="1058862"/>
+          </a:xfrm>
+        </p:spPr>
+        <p:txBody>
+          <a:bodyPr/>
+          <a:lstStyle/>
+          <a:p>
+            <a:r>
+              <a:rPr lang="en-US" sz="3600" dirty="0" smtClean="0"/>
+              <a:t>Validity Checking still hard</a:t>
+            </a:r>
+            <a:endParaRPr lang="en-US" sz="3600" dirty="0"/>
+          </a:p>
+        </p:txBody>
+      </p:sp>
     </p:spTree>
     <p:extLst>
       <p:ext uri="{BB962C8B-B14F-4D97-AF65-F5344CB8AC3E}">
@@ -23925,204 +24289,6 @@
   <p:transition xmlns:p14="http://schemas.microsoft.com/office/powerpoint/2010/main" spd="slow" advClick="0">
     <p:fade thruBlk="1"/>
   </p:transition>
-  <p:timing>
-    <p:tnLst>
-      <p:par>
-        <p:cTn xmlns:p14="http://schemas.microsoft.com/office/powerpoint/2010/main" id="1" dur="indefinite" restart="never" nodeType="tmRoot"/>
-      </p:par>
-    </p:tnLst>
-  </p:timing>
-</p:sld>
-</file>
-
-<file path=ppt/slides/slide51.xml><?xml version="1.0" encoding="utf-8"?>
-<p:sld xmlns:a="http://schemas.openxmlformats.org/drawingml/2006/main" xmlns:r="http://schemas.openxmlformats.org/officeDocument/2006/relationships" xmlns:p="http://schemas.openxmlformats.org/presentationml/2006/main">
-  <p:cSld>
-    <p:spTree>
-      <p:nvGrpSpPr>
-        <p:cNvPr id="1" name=""/>
-        <p:cNvGrpSpPr/>
-        <p:nvPr/>
-      </p:nvGrpSpPr>
-      <p:grpSpPr>
-        <a:xfrm>
-          <a:off x="0" y="0"/>
-          <a:ext cx="0" cy="0"/>
-          <a:chOff x="0" y="0"/>
-          <a:chExt cx="0" cy="0"/>
-        </a:xfrm>
-      </p:grpSpPr>
-      <p:sp>
-        <p:nvSpPr>
-          <p:cNvPr id="5" name="TextBox 4"/>
-          <p:cNvSpPr txBox="1"/>
-          <p:nvPr/>
-        </p:nvSpPr>
-        <p:spPr>
-          <a:xfrm>
-            <a:off x="627063" y="1308100"/>
-            <a:ext cx="7970837" cy="5078313"/>
-          </a:xfrm>
-          <a:prstGeom prst="rect">
-            <a:avLst/>
-          </a:prstGeom>
-          <a:noFill/>
-        </p:spPr>
-        <p:txBody>
-          <a:bodyPr wrap="square" rtlCol="0">
-            <a:spAutoFit/>
-          </a:bodyPr>
-          <a:lstStyle/>
-          <a:p>
-            <a:pPr algn="l"/>
-            <a:r>
-              <a:rPr lang="en-US" sz="5400" dirty="0" smtClean="0">
-                <a:latin typeface="Comic Sans MS" pitchFamily="66" charset="0"/>
-              </a:rPr>
-              <a:t>Algebraic proofs in general don’t beat truth tables.  The </a:t>
-            </a:r>
-            <a:r>
-              <a:rPr lang="en-US" sz="5400" dirty="0" smtClean="0">
-                <a:solidFill>
-                  <a:schemeClr val="accent1">
-                    <a:lumMod val="50000"/>
-                  </a:schemeClr>
-                </a:solidFill>
-                <a:latin typeface="Comic Sans MS" pitchFamily="66" charset="0"/>
-              </a:rPr>
-              <a:t>DNF</a:t>
-            </a:r>
-            <a:r>
-              <a:rPr lang="en-US" sz="5400" dirty="0" smtClean="0">
-                <a:latin typeface="Comic Sans MS" pitchFamily="66" charset="0"/>
-              </a:rPr>
-              <a:t> is just a </a:t>
-            </a:r>
-            <a:r>
-              <a:rPr lang="en-US" sz="5400" dirty="0" smtClean="0">
-                <a:solidFill>
-                  <a:srgbClr val="FF03E3"/>
-                </a:solidFill>
-                <a:latin typeface="Comic Sans MS" pitchFamily="66" charset="0"/>
-              </a:rPr>
-              <a:t>copy of the truth table</a:t>
-            </a:r>
-            <a:r>
-              <a:rPr lang="en-US" sz="5400" dirty="0" smtClean="0">
-                <a:latin typeface="Comic Sans MS" pitchFamily="66" charset="0"/>
-              </a:rPr>
-              <a:t> as an </a:t>
-            </a:r>
-            <a:r>
-              <a:rPr lang="en-US" sz="5400" dirty="0">
-                <a:solidFill>
-                  <a:schemeClr val="tx2"/>
-                </a:solidFill>
-                <a:latin typeface="Comic Sans MS" pitchFamily="66" charset="0"/>
-              </a:rPr>
-              <a:t>algebraic </a:t>
-            </a:r>
-            <a:r>
-              <a:rPr lang="en-US" sz="5400" dirty="0" smtClean="0">
-                <a:solidFill>
-                  <a:schemeClr val="tx2"/>
-                </a:solidFill>
-                <a:latin typeface="Comic Sans MS" pitchFamily="66" charset="0"/>
-              </a:rPr>
-              <a:t>formula.</a:t>
-            </a:r>
-            <a:endParaRPr lang="en-US" sz="5400" dirty="0">
-              <a:solidFill>
-                <a:schemeClr val="tx2"/>
-              </a:solidFill>
-              <a:latin typeface="Comic Sans MS" pitchFamily="66" charset="0"/>
-            </a:endParaRPr>
-          </a:p>
-        </p:txBody>
-      </p:sp>
-      <p:sp>
-        <p:nvSpPr>
-          <p:cNvPr id="6" name="Slide Number Placeholder 2"/>
-          <p:cNvSpPr>
-            <a:spLocks noGrp="1"/>
-          </p:cNvSpPr>
-          <p:nvPr>
-            <p:ph type="sldNum" sz="quarter" idx="10"/>
-          </p:nvPr>
-        </p:nvSpPr>
-        <p:spPr>
-          <a:xfrm>
-            <a:off x="7333815" y="6553200"/>
-            <a:ext cx="1810186" cy="276999"/>
-          </a:xfrm>
-        </p:spPr>
-        <p:txBody>
-          <a:bodyPr/>
-          <a:lstStyle/>
-          <a:p>
-            <a:r>
-              <a:rPr lang="en-US" dirty="0" smtClean="0"/>
-              <a:t>propositional algebra.</a:t>
-            </a:r>
-            <a:fld id="{3251DA95-B240-47FE-901D-B78FC8E8E532}" type="slidenum">
-              <a:rPr lang="en-US" smtClean="0"/>
-              <a:pPr/>
-              <a:t>51</a:t>
-            </a:fld>
-            <a:endParaRPr lang="en-US" dirty="0"/>
-          </a:p>
-        </p:txBody>
-      </p:sp>
-      <p:sp>
-        <p:nvSpPr>
-          <p:cNvPr id="7" name="Title 1"/>
-          <p:cNvSpPr>
-            <a:spLocks noGrp="1"/>
-          </p:cNvSpPr>
-          <p:nvPr>
-            <p:ph type="title"/>
-          </p:nvPr>
-        </p:nvSpPr>
-        <p:spPr>
-          <a:xfrm>
-            <a:off x="2049478" y="325438"/>
-            <a:ext cx="6227298" cy="1058862"/>
-          </a:xfrm>
-        </p:spPr>
-        <p:txBody>
-          <a:bodyPr/>
-          <a:lstStyle/>
-          <a:p>
-            <a:r>
-              <a:rPr lang="en-US" sz="3600" dirty="0" smtClean="0"/>
-              <a:t>Validity Checking still hard</a:t>
-            </a:r>
-            <a:endParaRPr lang="en-US" sz="3600" dirty="0"/>
-          </a:p>
-        </p:txBody>
-      </p:sp>
-    </p:spTree>
-    <p:extLst>
-      <p:ext uri="{BB962C8B-B14F-4D97-AF65-F5344CB8AC3E}">
-        <p14:creationId xmlns:p14="http://schemas.microsoft.com/office/powerpoint/2010/main" val="2742694273"/>
-      </p:ext>
-    </p:extLst>
-  </p:cSld>
-  <p:clrMapOvr>
-    <a:masterClrMapping/>
-  </p:clrMapOvr>
-  <mc:AlternateContent xmlns:mc="http://schemas.openxmlformats.org/markup-compatibility/2006" xmlns:p14="http://schemas.microsoft.com/office/powerpoint/2010/main">
-    <mc:Choice Requires="p14">
-      <p:transition spd="med" p14:dur="700" advClick="0">
-        <p:fade/>
-      </p:transition>
-    </mc:Choice>
-    <mc:Fallback xmlns="">
-      <p:transition xmlns:p14="http://schemas.microsoft.com/office/powerpoint/2010/main" spd="med" advClick="0">
-        <p:fade/>
-      </p:transition>
-    </mc:Fallback>
-  </mc:AlternateContent>
   <p:timing>
     <p:tnLst>
       <p:par>
@@ -24157,7 +24323,7 @@
                                           </p:stCondLst>
                                         </p:cTn>
                                         <p:tgtEl>
-                                          <p:spTgt spid="7"/>
+                                          <p:spTgt spid="4"/>
                                         </p:tgtEl>
                                         <p:attrNameLst>
                                           <p:attrName>style.visibility</p:attrName>
@@ -24171,7 +24337,7 @@
                                       <p:cBhvr>
                                         <p:cTn id="7" dur="500"/>
                                         <p:tgtEl>
-                                          <p:spTgt spid="7"/>
+                                          <p:spTgt spid="4"/>
                                         </p:tgtEl>
                                       </p:cBhvr>
                                     </p:animEffect>
@@ -24206,8 +24372,206 @@
       </p:par>
     </p:tnLst>
     <p:bldLst>
-      <p:bldP spid="7" grpId="0"/>
+      <p:bldP spid="4" grpId="0"/>
     </p:bldLst>
+  </p:timing>
+</p:sld>
+</file>
+
+<file path=ppt/slides/slide51.xml><?xml version="1.0" encoding="utf-8"?>
+<p:sld xmlns:a="http://schemas.openxmlformats.org/drawingml/2006/main" xmlns:r="http://schemas.openxmlformats.org/officeDocument/2006/relationships" xmlns:p="http://schemas.openxmlformats.org/presentationml/2006/main">
+  <p:cSld>
+    <p:spTree>
+      <p:nvGrpSpPr>
+        <p:cNvPr id="1" name=""/>
+        <p:cNvGrpSpPr/>
+        <p:nvPr/>
+      </p:nvGrpSpPr>
+      <p:grpSpPr>
+        <a:xfrm>
+          <a:off x="0" y="0"/>
+          <a:ext cx="0" cy="0"/>
+          <a:chOff x="0" y="0"/>
+          <a:chExt cx="0" cy="0"/>
+        </a:xfrm>
+      </p:grpSpPr>
+      <p:sp>
+        <p:nvSpPr>
+          <p:cNvPr id="5" name="TextBox 4"/>
+          <p:cNvSpPr txBox="1"/>
+          <p:nvPr/>
+        </p:nvSpPr>
+        <p:spPr>
+          <a:xfrm>
+            <a:off x="627063" y="1308100"/>
+            <a:ext cx="7970837" cy="5078313"/>
+          </a:xfrm>
+          <a:prstGeom prst="rect">
+            <a:avLst/>
+          </a:prstGeom>
+          <a:noFill/>
+        </p:spPr>
+        <p:txBody>
+          <a:bodyPr wrap="square" rtlCol="0">
+            <a:spAutoFit/>
+          </a:bodyPr>
+          <a:lstStyle/>
+          <a:p>
+            <a:pPr algn="l"/>
+            <a:r>
+              <a:rPr lang="en-US" sz="5400" dirty="0" smtClean="0">
+                <a:latin typeface="Comic Sans MS" pitchFamily="66" charset="0"/>
+              </a:rPr>
+              <a:t>Algebraic proofs in general don’t beat truth tables.  The </a:t>
+            </a:r>
+            <a:r>
+              <a:rPr lang="en-US" sz="5400" dirty="0" smtClean="0">
+                <a:solidFill>
+                  <a:schemeClr val="accent1">
+                    <a:lumMod val="50000"/>
+                  </a:schemeClr>
+                </a:solidFill>
+                <a:latin typeface="Comic Sans MS" pitchFamily="66" charset="0"/>
+              </a:rPr>
+              <a:t>DNF</a:t>
+            </a:r>
+            <a:r>
+              <a:rPr lang="en-US" sz="5400" dirty="0" smtClean="0">
+                <a:latin typeface="Comic Sans MS" pitchFamily="66" charset="0"/>
+              </a:rPr>
+              <a:t> is just a </a:t>
+            </a:r>
+            <a:r>
+              <a:rPr lang="en-US" sz="5400" dirty="0" smtClean="0">
+                <a:solidFill>
+                  <a:srgbClr val="FF03E3"/>
+                </a:solidFill>
+                <a:latin typeface="Comic Sans MS" pitchFamily="66" charset="0"/>
+              </a:rPr>
+              <a:t>copy of the truth table</a:t>
+            </a:r>
+            <a:r>
+              <a:rPr lang="en-US" sz="5400" dirty="0" smtClean="0">
+                <a:latin typeface="Comic Sans MS" pitchFamily="66" charset="0"/>
+              </a:rPr>
+              <a:t> as an </a:t>
+            </a:r>
+            <a:r>
+              <a:rPr lang="en-US" sz="5400" dirty="0">
+                <a:solidFill>
+                  <a:schemeClr val="tx2"/>
+                </a:solidFill>
+                <a:latin typeface="Comic Sans MS" pitchFamily="66" charset="0"/>
+              </a:rPr>
+              <a:t>algebraic </a:t>
+            </a:r>
+            <a:r>
+              <a:rPr lang="en-US" sz="5400" dirty="0" smtClean="0">
+                <a:solidFill>
+                  <a:schemeClr val="tx2"/>
+                </a:solidFill>
+                <a:latin typeface="Comic Sans MS" pitchFamily="66" charset="0"/>
+              </a:rPr>
+              <a:t>formula.</a:t>
+            </a:r>
+            <a:endParaRPr lang="en-US" sz="5400" dirty="0">
+              <a:solidFill>
+                <a:schemeClr val="tx2"/>
+              </a:solidFill>
+              <a:latin typeface="Comic Sans MS" pitchFamily="66" charset="0"/>
+            </a:endParaRPr>
+          </a:p>
+        </p:txBody>
+      </p:sp>
+      <p:sp>
+        <p:nvSpPr>
+          <p:cNvPr id="6" name="Slide Number Placeholder 2"/>
+          <p:cNvSpPr>
+            <a:spLocks noGrp="1"/>
+          </p:cNvSpPr>
+          <p:nvPr>
+            <p:ph type="sldNum" sz="quarter" idx="10"/>
+          </p:nvPr>
+        </p:nvSpPr>
+        <p:spPr>
+          <a:xfrm>
+            <a:off x="7333815" y="6553200"/>
+            <a:ext cx="1810186" cy="276999"/>
+          </a:xfrm>
+        </p:spPr>
+        <p:txBody>
+          <a:bodyPr/>
+          <a:lstStyle/>
+          <a:p>
+            <a:r>
+              <a:rPr lang="en-US" dirty="0" smtClean="0"/>
+              <a:t>propositional algebra.</a:t>
+            </a:r>
+            <a:fld id="{3251DA95-B240-47FE-901D-B78FC8E8E532}" type="slidenum">
+              <a:rPr lang="en-US" smtClean="0"/>
+              <a:pPr/>
+              <a:t>51</a:t>
+            </a:fld>
+            <a:endParaRPr lang="en-US" dirty="0"/>
+          </a:p>
+        </p:txBody>
+      </p:sp>
+      <p:sp>
+        <p:nvSpPr>
+          <p:cNvPr id="8" name="Title 1"/>
+          <p:cNvSpPr>
+            <a:spLocks noGrp="1"/>
+          </p:cNvSpPr>
+          <p:nvPr>
+            <p:ph type="title"/>
+          </p:nvPr>
+        </p:nvSpPr>
+        <p:spPr>
+          <a:xfrm>
+            <a:off x="2049478" y="325438"/>
+            <a:ext cx="6227298" cy="1058862"/>
+          </a:xfrm>
+        </p:spPr>
+        <p:txBody>
+          <a:bodyPr/>
+          <a:lstStyle/>
+          <a:p>
+            <a:r>
+              <a:rPr lang="en-US" sz="3600" dirty="0" smtClean="0"/>
+              <a:t>Validity Checking still hard</a:t>
+            </a:r>
+            <a:endParaRPr lang="en-US" sz="3600" dirty="0"/>
+          </a:p>
+        </p:txBody>
+      </p:sp>
+    </p:spTree>
+    <p:extLst>
+      <p:ext uri="{BB962C8B-B14F-4D97-AF65-F5344CB8AC3E}">
+        <p14:creationId xmlns:p14="http://schemas.microsoft.com/office/powerpoint/2010/main" val="2742694273"/>
+      </p:ext>
+    </p:extLst>
+  </p:cSld>
+  <p:clrMapOvr>
+    <a:masterClrMapping/>
+  </p:clrMapOvr>
+  <mc:AlternateContent xmlns:mc="http://schemas.openxmlformats.org/markup-compatibility/2006" xmlns:p14="http://schemas.microsoft.com/office/powerpoint/2010/main">
+    <mc:Choice Requires="p14">
+      <p:transition spd="med" p14:dur="700" advClick="0">
+        <p:fade/>
+      </p:transition>
+    </mc:Choice>
+    <mc:Fallback xmlns="">
+      <p:transition xmlns:p14="http://schemas.microsoft.com/office/powerpoint/2010/main" spd="med" advClick="0">
+        <p:fade/>
+      </p:transition>
+    </mc:Fallback>
+  </mc:AlternateContent>
+  <p:timing>
+    <p:tnLst>
+      <p:par>
+        <p:cTn xmlns:p14="http://schemas.microsoft.com/office/powerpoint/2010/main" id="1" dur="indefinite" restart="never" nodeType="tmRoot"/>
+      </p:par>
+    </p:tnLst>
   </p:timing>
 </p:sld>
 </file>
@@ -24570,7 +24934,7 @@
           <a:graphicData uri="http://schemas.openxmlformats.org/presentationml/2006/ole">
             <mc:AlternateContent xmlns:mc="http://schemas.openxmlformats.org/markup-compatibility/2006">
               <mc:Choice xmlns:v="urn:schemas-microsoft-com:vml" Requires="v">
-                <p:oleObj spid="_x0000_s422982" name="Equation" r:id="rId4" imgW="1498600" imgH="457200" progId="Equation.DSMT4">
+                <p:oleObj spid="_x0000_s422986" name="Equation" r:id="rId4" imgW="1498600" imgH="457200" progId="Equation.DSMT4">
                   <p:embed/>
                 </p:oleObj>
               </mc:Choice>
@@ -24813,7 +25177,7 @@
           <a:graphicData uri="http://schemas.openxmlformats.org/presentationml/2006/ole">
             <mc:AlternateContent xmlns:mc="http://schemas.openxmlformats.org/markup-compatibility/2006">
               <mc:Choice xmlns:v="urn:schemas-microsoft-com:vml" Requires="v">
-                <p:oleObj spid="_x0000_s421958" name="Equation" r:id="rId4" imgW="1600200" imgH="457200" progId="Equation.DSMT4">
+                <p:oleObj spid="_x0000_s421962" name="Equation" r:id="rId4" imgW="1600200" imgH="457200" progId="Equation.DSMT4">
                   <p:embed/>
                 </p:oleObj>
               </mc:Choice>
@@ -25276,7 +25640,7 @@
           <a:graphicData uri="http://schemas.openxmlformats.org/presentationml/2006/ole">
             <mc:AlternateContent xmlns:mc="http://schemas.openxmlformats.org/markup-compatibility/2006">
               <mc:Choice xmlns:v="urn:schemas-microsoft-com:vml" Requires="v">
-                <p:oleObj spid="_x0000_s435256" name="Equation" r:id="rId4" imgW="2108200" imgH="228600" progId="Equation.DSMT4">
+                <p:oleObj spid="_x0000_s435260" name="Equation" r:id="rId4" imgW="2108200" imgH="228600" progId="Equation.DSMT4">
                   <p:embed/>
                 </p:oleObj>
               </mc:Choice>

--- a/spring18/slidesS18/prpostn_algebra.pptx
+++ b/spring18/slidesS18/prpostn_algebra.pptx
@@ -9237,7 +9237,7 @@
           <a:graphicData uri="http://schemas.openxmlformats.org/presentationml/2006/ole">
             <mc:AlternateContent xmlns:mc="http://schemas.openxmlformats.org/markup-compatibility/2006">
               <mc:Choice xmlns:v="urn:schemas-microsoft-com:vml" Requires="v">
-                <p:oleObj spid="_x0000_s439357" name="Equation" r:id="rId4" imgW="2146300" imgH="228600" progId="Equation.DSMT4">
+                <p:oleObj spid="_x0000_s439361" name="Equation" r:id="rId4" imgW="2146300" imgH="228600" progId="Equation.DSMT4">
                   <p:embed/>
                 </p:oleObj>
               </mc:Choice>
@@ -9460,7 +9460,7 @@
           <a:graphicData uri="http://schemas.openxmlformats.org/presentationml/2006/ole">
             <mc:AlternateContent xmlns:mc="http://schemas.openxmlformats.org/markup-compatibility/2006">
               <mc:Choice xmlns:v="urn:schemas-microsoft-com:vml" Requires="v">
-                <p:oleObj spid="_x0000_s434292" name="Equation" r:id="rId4" imgW="2146300" imgH="228600" progId="Equation.DSMT4">
+                <p:oleObj spid="_x0000_s434299" name="Equation" r:id="rId4" imgW="2146300" imgH="228600" progId="Equation.DSMT4">
                   <p:embed/>
                 </p:oleObj>
               </mc:Choice>
@@ -9517,7 +9517,7 @@
           <a:graphicData uri="http://schemas.openxmlformats.org/presentationml/2006/ole">
             <mc:AlternateContent xmlns:mc="http://schemas.openxmlformats.org/markup-compatibility/2006">
               <mc:Choice xmlns:v="urn:schemas-microsoft-com:vml" Requires="v">
-                <p:oleObj spid="_x0000_s434293" name="Equation" r:id="rId6" imgW="2514600" imgH="228600" progId="Equation.DSMT4">
+                <p:oleObj spid="_x0000_s434300" name="Equation" r:id="rId6" imgW="2514600" imgH="228600" progId="Equation.DSMT4">
                   <p:embed/>
                 </p:oleObj>
               </mc:Choice>
@@ -9684,7 +9684,7 @@
           <a:graphicData uri="http://schemas.openxmlformats.org/presentationml/2006/ole">
             <mc:AlternateContent xmlns:mc="http://schemas.openxmlformats.org/markup-compatibility/2006">
               <mc:Choice xmlns:v="urn:schemas-microsoft-com:vml" Requires="v">
-                <p:oleObj spid="_x0000_s436315" name="Equation" r:id="rId4" imgW="2514600" imgH="228600" progId="Equation.DSMT4">
+                <p:oleObj spid="_x0000_s436319" name="Equation" r:id="rId4" imgW="2514600" imgH="228600" progId="Equation.DSMT4">
                   <p:embed/>
                 </p:oleObj>
               </mc:Choice>
@@ -9905,7 +9905,7 @@
           <a:graphicData uri="http://schemas.openxmlformats.org/presentationml/2006/ole">
             <mc:AlternateContent xmlns:mc="http://schemas.openxmlformats.org/markup-compatibility/2006">
               <mc:Choice xmlns:v="urn:schemas-microsoft-com:vml" Requires="v">
-                <p:oleObj spid="_x0000_s437385" name="Equation" r:id="rId4" imgW="2514600" imgH="228600" progId="Equation.DSMT4">
+                <p:oleObj spid="_x0000_s437392" name="Equation" r:id="rId4" imgW="2514600" imgH="228600" progId="Equation.DSMT4">
                   <p:embed/>
                 </p:oleObj>
               </mc:Choice>
@@ -9962,7 +9962,7 @@
           <a:graphicData uri="http://schemas.openxmlformats.org/presentationml/2006/ole">
             <mc:AlternateContent xmlns:mc="http://schemas.openxmlformats.org/markup-compatibility/2006">
               <mc:Choice xmlns:v="urn:schemas-microsoft-com:vml" Requires="v">
-                <p:oleObj spid="_x0000_s437386" name="Equation" r:id="rId6" imgW="1866900" imgH="228600" progId="Equation.DSMT4">
+                <p:oleObj spid="_x0000_s437393" name="Equation" r:id="rId6" imgW="1866900" imgH="228600" progId="Equation.DSMT4">
                   <p:embed/>
                 </p:oleObj>
               </mc:Choice>
@@ -10129,7 +10129,7 @@
           <a:graphicData uri="http://schemas.openxmlformats.org/presentationml/2006/ole">
             <mc:AlternateContent xmlns:mc="http://schemas.openxmlformats.org/markup-compatibility/2006">
               <mc:Choice xmlns:v="urn:schemas-microsoft-com:vml" Requires="v">
-                <p:oleObj spid="_x0000_s479311" name="Equation" r:id="rId4" imgW="1866900" imgH="228600" progId="Equation.DSMT4">
+                <p:oleObj spid="_x0000_s479315" name="Equation" r:id="rId4" imgW="1866900" imgH="228600" progId="Equation.DSMT4">
                   <p:embed/>
                 </p:oleObj>
               </mc:Choice>
@@ -10352,7 +10352,7 @@
           <a:graphicData uri="http://schemas.openxmlformats.org/presentationml/2006/ole">
             <mc:AlternateContent xmlns:mc="http://schemas.openxmlformats.org/markup-compatibility/2006">
               <mc:Choice xmlns:v="urn:schemas-microsoft-com:vml" Requires="v">
-                <p:oleObj spid="_x0000_s440485" name="Equation" r:id="rId4" imgW="1866900" imgH="228600" progId="Equation.DSMT4">
+                <p:oleObj spid="_x0000_s440492" name="Equation" r:id="rId4" imgW="1866900" imgH="228600" progId="Equation.DSMT4">
                   <p:embed/>
                 </p:oleObj>
               </mc:Choice>
@@ -10409,7 +10409,7 @@
           <a:graphicData uri="http://schemas.openxmlformats.org/presentationml/2006/ole">
             <mc:AlternateContent xmlns:mc="http://schemas.openxmlformats.org/markup-compatibility/2006">
               <mc:Choice xmlns:v="urn:schemas-microsoft-com:vml" Requires="v">
-                <p:oleObj spid="_x0000_s440486" name="Equation" r:id="rId6" imgW="1689100" imgH="254000" progId="Equation.DSMT4">
+                <p:oleObj spid="_x0000_s440493" name="Equation" r:id="rId6" imgW="1689100" imgH="254000" progId="Equation.DSMT4">
                   <p:embed/>
                 </p:oleObj>
               </mc:Choice>
@@ -10751,7 +10751,7 @@
           <a:graphicData uri="http://schemas.openxmlformats.org/presentationml/2006/ole">
             <mc:AlternateContent xmlns:mc="http://schemas.openxmlformats.org/markup-compatibility/2006">
               <mc:Choice xmlns:v="urn:schemas-microsoft-com:vml" Requires="v">
-                <p:oleObj spid="_x0000_s573451" name="Equation" r:id="rId4" imgW="1511300" imgH="254000" progId="Equation.DSMT4">
+                <p:oleObj spid="_x0000_s573455" name="Equation" r:id="rId4" imgW="1511300" imgH="254000" progId="Equation.DSMT4">
                   <p:embed/>
                 </p:oleObj>
               </mc:Choice>
@@ -11003,7 +11003,7 @@
           <a:graphicData uri="http://schemas.openxmlformats.org/presentationml/2006/ole">
             <mc:AlternateContent xmlns:mc="http://schemas.openxmlformats.org/markup-compatibility/2006">
               <mc:Choice xmlns:v="urn:schemas-microsoft-com:vml" Requires="v">
-                <p:oleObj spid="_x0000_s571402" name="Equation" r:id="rId4" imgW="1866900" imgH="457200" progId="Equation.DSMT4">
+                <p:oleObj spid="_x0000_s571406" name="Equation" r:id="rId4" imgW="1866900" imgH="457200" progId="Equation.DSMT4">
                   <p:embed/>
                 </p:oleObj>
               </mc:Choice>
@@ -11287,7 +11287,7 @@
           <a:graphicData uri="http://schemas.openxmlformats.org/presentationml/2006/ole">
             <mc:AlternateContent xmlns:mc="http://schemas.openxmlformats.org/markup-compatibility/2006">
               <mc:Choice xmlns:v="urn:schemas-microsoft-com:vml" Requires="v">
-                <p:oleObj spid="_x0000_s572426" name="Equation" r:id="rId4" imgW="1790700" imgH="457200" progId="Equation.DSMT4">
+                <p:oleObj spid="_x0000_s572430" name="Equation" r:id="rId4" imgW="1790700" imgH="457200" progId="Equation.DSMT4">
                   <p:embed/>
                 </p:oleObj>
               </mc:Choice>
@@ -11753,7 +11753,7 @@
           <a:graphicData uri="http://schemas.openxmlformats.org/presentationml/2006/ole">
             <mc:AlternateContent xmlns:mc="http://schemas.openxmlformats.org/markup-compatibility/2006">
               <mc:Choice xmlns:v="urn:schemas-microsoft-com:vml" Requires="v">
-                <p:oleObj spid="_x0000_s433296" name="Equation" r:id="rId4" imgW="1511300" imgH="254000" progId="Equation.DSMT4">
+                <p:oleObj spid="_x0000_s433300" name="Equation" r:id="rId4" imgW="1511300" imgH="254000" progId="Equation.DSMT4">
                   <p:embed/>
                 </p:oleObj>
               </mc:Choice>
@@ -12159,7 +12159,7 @@
           <a:graphicData uri="http://schemas.openxmlformats.org/presentationml/2006/ole">
             <mc:AlternateContent xmlns:mc="http://schemas.openxmlformats.org/markup-compatibility/2006">
               <mc:Choice xmlns:v="urn:schemas-microsoft-com:vml" Requires="v">
-                <p:oleObj spid="_x0000_s441534" name="Equation" r:id="rId4" imgW="1371600" imgH="482600" progId="Equation.DSMT4">
+                <p:oleObj spid="_x0000_s441541" name="Equation" r:id="rId4" imgW="1371600" imgH="482600" progId="Equation.DSMT4">
                   <p:embed/>
                 </p:oleObj>
               </mc:Choice>
@@ -12277,7 +12277,7 @@
           <a:graphicData uri="http://schemas.openxmlformats.org/presentationml/2006/ole">
             <mc:AlternateContent xmlns:mc="http://schemas.openxmlformats.org/markup-compatibility/2006">
               <mc:Choice xmlns:v="urn:schemas-microsoft-com:vml" Requires="v">
-                <p:oleObj spid="_x0000_s441535" name="Equation" r:id="rId6" imgW="1511300" imgH="254000" progId="Equation.DSMT4">
+                <p:oleObj spid="_x0000_s441542" name="Equation" r:id="rId6" imgW="1511300" imgH="254000" progId="Equation.DSMT4">
                   <p:embed/>
                 </p:oleObj>
               </mc:Choice>
@@ -12383,7 +12383,7 @@
           <a:graphicData uri="http://schemas.openxmlformats.org/presentationml/2006/ole">
             <mc:AlternateContent xmlns:mc="http://schemas.openxmlformats.org/markup-compatibility/2006">
               <mc:Choice xmlns:v="urn:schemas-microsoft-com:vml" Requires="v">
-                <p:oleObj spid="_x0000_s603144" name="Equation" r:id="rId4" imgW="1371600" imgH="482600" progId="Equation.DSMT4">
+                <p:oleObj spid="_x0000_s603148" name="Equation" r:id="rId4" imgW="1371600" imgH="482600" progId="Equation.DSMT4">
                   <p:embed/>
                 </p:oleObj>
               </mc:Choice>
@@ -12489,13 +12489,13 @@
   <p:clrMapOvr>
     <a:masterClrMapping/>
   </p:clrMapOvr>
-  <mc:AlternateContent xmlns:mc="http://schemas.openxmlformats.org/markup-compatibility/2006">
-    <mc:Choice xmlns:p14="http://schemas.microsoft.com/office/powerpoint/2010/main" Requires="p14">
+  <mc:AlternateContent xmlns:mc="http://schemas.openxmlformats.org/markup-compatibility/2006" xmlns:p14="http://schemas.microsoft.com/office/powerpoint/2010/main">
+    <mc:Choice Requires="p14">
       <p:transition spd="slow" p14:dur="800" advClick="0">
         <p:fade/>
       </p:transition>
     </mc:Choice>
-    <mc:Fallback>
+    <mc:Fallback xmlns="">
       <p:transition xmlns:p14="http://schemas.microsoft.com/office/powerpoint/2010/main" spd="slow" advClick="0">
         <p:fade/>
       </p:transition>
@@ -12550,7 +12550,7 @@
           <a:graphicData uri="http://schemas.openxmlformats.org/presentationml/2006/ole">
             <mc:AlternateContent xmlns:mc="http://schemas.openxmlformats.org/markup-compatibility/2006">
               <mc:Choice xmlns:v="urn:schemas-microsoft-com:vml" Requires="v">
-                <p:oleObj spid="_x0000_s502828" name="Equation" r:id="rId4" imgW="1371600" imgH="482600" progId="Equation.DSMT4">
+                <p:oleObj spid="_x0000_s502832" name="Equation" r:id="rId4" imgW="1371600" imgH="482600" progId="Equation.DSMT4">
                   <p:embed/>
                 </p:oleObj>
               </mc:Choice>
@@ -12656,11 +12656,11 @@
   <p:clrMapOvr>
     <a:masterClrMapping/>
   </p:clrMapOvr>
-  <mc:AlternateContent xmlns:mc="http://schemas.openxmlformats.org/markup-compatibility/2006">
-    <mc:Choice xmlns:p14="http://schemas.microsoft.com/office/powerpoint/2010/main" Requires="p14">
+  <mc:AlternateContent xmlns:mc="http://schemas.openxmlformats.org/markup-compatibility/2006" xmlns:p14="http://schemas.microsoft.com/office/powerpoint/2010/main">
+    <mc:Choice Requires="p14">
       <p:transition p14:dur="0" advClick="0"/>
     </mc:Choice>
-    <mc:Fallback>
+    <mc:Fallback xmlns="">
       <p:transition xmlns:p14="http://schemas.microsoft.com/office/powerpoint/2010/main" advClick="0"/>
     </mc:Fallback>
   </mc:AlternateContent>
@@ -12713,7 +12713,7 @@
           <a:graphicData uri="http://schemas.openxmlformats.org/presentationml/2006/ole">
             <mc:AlternateContent xmlns:mc="http://schemas.openxmlformats.org/markup-compatibility/2006">
               <mc:Choice xmlns:v="urn:schemas-microsoft-com:vml" Requires="v">
-                <p:oleObj spid="_x0000_s444517" name="Equation" r:id="rId4" imgW="1371600" imgH="482600" progId="Equation.DSMT4">
+                <p:oleObj spid="_x0000_s444524" name="Equation" r:id="rId4" imgW="1371600" imgH="482600" progId="Equation.DSMT4">
                   <p:embed/>
                 </p:oleObj>
               </mc:Choice>
@@ -12855,7 +12855,7 @@
             <a:graphicData uri="http://schemas.openxmlformats.org/presentationml/2006/ole">
               <mc:AlternateContent xmlns:mc="http://schemas.openxmlformats.org/markup-compatibility/2006">
                 <mc:Choice xmlns:v="urn:schemas-microsoft-com:vml" Requires="v">
-                  <p:oleObj spid="_x0000_s444518" name="Equation" r:id="rId6" imgW="139700" imgH="215900" progId="Equation.DSMT4">
+                  <p:oleObj spid="_x0000_s444525" name="Equation" r:id="rId6" imgW="139700" imgH="215900" progId="Equation.DSMT4">
                     <p:embed/>
                   </p:oleObj>
                 </mc:Choice>
@@ -12990,7 +12990,7 @@
           <a:graphicData uri="http://schemas.openxmlformats.org/presentationml/2006/ole">
             <mc:AlternateContent xmlns:mc="http://schemas.openxmlformats.org/markup-compatibility/2006">
               <mc:Choice xmlns:v="urn:schemas-microsoft-com:vml" Requires="v">
-                <p:oleObj spid="_x0000_s442477" name="Equation" r:id="rId4" imgW="1371600" imgH="482600" progId="Equation.DSMT4">
+                <p:oleObj spid="_x0000_s442484" name="Equation" r:id="rId4" imgW="1371600" imgH="482600" progId="Equation.DSMT4">
                   <p:embed/>
                 </p:oleObj>
               </mc:Choice>
@@ -13047,7 +13047,7 @@
           <a:graphicData uri="http://schemas.openxmlformats.org/presentationml/2006/ole">
             <mc:AlternateContent xmlns:mc="http://schemas.openxmlformats.org/markup-compatibility/2006">
               <mc:Choice xmlns:v="urn:schemas-microsoft-com:vml" Requires="v">
-                <p:oleObj spid="_x0000_s442478" name="Equation" r:id="rId6" imgW="1803400" imgH="482600" progId="Equation.DSMT4">
+                <p:oleObj spid="_x0000_s442485" name="Equation" r:id="rId6" imgW="1803400" imgH="482600" progId="Equation.DSMT4">
                   <p:embed/>
                 </p:oleObj>
               </mc:Choice>
@@ -13214,7 +13214,7 @@
           <a:graphicData uri="http://schemas.openxmlformats.org/presentationml/2006/ole">
             <mc:AlternateContent xmlns:mc="http://schemas.openxmlformats.org/markup-compatibility/2006">
               <mc:Choice xmlns:v="urn:schemas-microsoft-com:vml" Requires="v">
-                <p:oleObj spid="_x0000_s446589" name="Equation" r:id="rId4" imgW="1803400" imgH="482600" progId="Equation.DSMT4">
+                <p:oleObj spid="_x0000_s446596" name="Equation" r:id="rId4" imgW="1803400" imgH="482600" progId="Equation.DSMT4">
                   <p:embed/>
                 </p:oleObj>
               </mc:Choice>
@@ -13356,7 +13356,7 @@
             <a:graphicData uri="http://schemas.openxmlformats.org/presentationml/2006/ole">
               <mc:AlternateContent xmlns:mc="http://schemas.openxmlformats.org/markup-compatibility/2006">
                 <mc:Choice xmlns:v="urn:schemas-microsoft-com:vml" Requires="v">
-                  <p:oleObj spid="_x0000_s446590" name="Equation" r:id="rId6" imgW="177800" imgH="241300" progId="Equation.DSMT4">
+                  <p:oleObj spid="_x0000_s446597" name="Equation" r:id="rId6" imgW="177800" imgH="241300" progId="Equation.DSMT4">
                     <p:embed/>
                   </p:oleObj>
                 </mc:Choice>
@@ -13482,7 +13482,7 @@
           <a:graphicData uri="http://schemas.openxmlformats.org/presentationml/2006/ole">
             <mc:AlternateContent xmlns:mc="http://schemas.openxmlformats.org/markup-compatibility/2006">
               <mc:Choice xmlns:v="urn:schemas-microsoft-com:vml" Requires="v">
-                <p:oleObj spid="_x0000_s445573" name="Equation" r:id="rId4" imgW="1854200" imgH="482600" progId="Equation.DSMT4">
+                <p:oleObj spid="_x0000_s445580" name="Equation" r:id="rId4" imgW="1854200" imgH="482600" progId="Equation.DSMT4">
                   <p:embed/>
                 </p:oleObj>
               </mc:Choice>
@@ -13539,7 +13539,7 @@
           <a:graphicData uri="http://schemas.openxmlformats.org/presentationml/2006/ole">
             <mc:AlternateContent xmlns:mc="http://schemas.openxmlformats.org/markup-compatibility/2006">
               <mc:Choice xmlns:v="urn:schemas-microsoft-com:vml" Requires="v">
-                <p:oleObj spid="_x0000_s445574" name="Equation" r:id="rId6" imgW="1803400" imgH="482600" progId="Equation.DSMT4">
+                <p:oleObj spid="_x0000_s445581" name="Equation" r:id="rId6" imgW="1803400" imgH="482600" progId="Equation.DSMT4">
                   <p:embed/>
                 </p:oleObj>
               </mc:Choice>
@@ -13697,7 +13697,7 @@
           <a:graphicData uri="http://schemas.openxmlformats.org/presentationml/2006/ole">
             <mc:AlternateContent xmlns:mc="http://schemas.openxmlformats.org/markup-compatibility/2006">
               <mc:Choice xmlns:v="urn:schemas-microsoft-com:vml" Requires="v">
-                <p:oleObj spid="_x0000_s480335" name="Equation" r:id="rId4" imgW="1854200" imgH="482600" progId="Equation.DSMT4">
+                <p:oleObj spid="_x0000_s480339" name="Equation" r:id="rId4" imgW="1854200" imgH="482600" progId="Equation.DSMT4">
                   <p:embed/>
                 </p:oleObj>
               </mc:Choice>
@@ -14156,7 +14156,7 @@
           <a:graphicData uri="http://schemas.openxmlformats.org/presentationml/2006/ole">
             <mc:AlternateContent xmlns:mc="http://schemas.openxmlformats.org/markup-compatibility/2006">
               <mc:Choice xmlns:v="urn:schemas-microsoft-com:vml" Requires="v">
-                <p:oleObj spid="_x0000_s425164" name="Equation" r:id="rId4" imgW="1511300" imgH="254000" progId="Equation.DSMT4">
+                <p:oleObj spid="_x0000_s425177" name="Equation" r:id="rId4" imgW="1511300" imgH="254000" progId="Equation.DSMT4">
                   <p:embed/>
                 </p:oleObj>
               </mc:Choice>
@@ -14213,7 +14213,7 @@
           <a:graphicData uri="http://schemas.openxmlformats.org/presentationml/2006/ole">
             <mc:AlternateContent xmlns:mc="http://schemas.openxmlformats.org/markup-compatibility/2006">
               <mc:Choice xmlns:v="urn:schemas-microsoft-com:vml" Requires="v">
-                <p:oleObj spid="_x0000_s425165" name="Equation" r:id="rId6" imgW="1524000" imgH="254000" progId="Equation.DSMT4">
+                <p:oleObj spid="_x0000_s425178" name="Equation" r:id="rId6" imgW="1524000" imgH="254000" progId="Equation.DSMT4">
                   <p:embed/>
                 </p:oleObj>
               </mc:Choice>
@@ -14270,7 +14270,7 @@
           <a:graphicData uri="http://schemas.openxmlformats.org/presentationml/2006/ole">
             <mc:AlternateContent xmlns:mc="http://schemas.openxmlformats.org/markup-compatibility/2006">
               <mc:Choice xmlns:v="urn:schemas-microsoft-com:vml" Requires="v">
-                <p:oleObj spid="_x0000_s425166" name="Equation" r:id="rId8" imgW="1181100" imgH="228600" progId="Equation.DSMT4">
+                <p:oleObj spid="_x0000_s425179" name="Equation" r:id="rId8" imgW="1181100" imgH="228600" progId="Equation.DSMT4">
                   <p:embed/>
                 </p:oleObj>
               </mc:Choice>
@@ -14327,7 +14327,7 @@
           <a:graphicData uri="http://schemas.openxmlformats.org/presentationml/2006/ole">
             <mc:AlternateContent xmlns:mc="http://schemas.openxmlformats.org/markup-compatibility/2006">
               <mc:Choice xmlns:v="urn:schemas-microsoft-com:vml" Requires="v">
-                <p:oleObj spid="_x0000_s425167" name="Equation" r:id="rId10" imgW="1168400" imgH="228600" progId="Equation.DSMT4">
+                <p:oleObj spid="_x0000_s425180" name="Equation" r:id="rId10" imgW="1168400" imgH="228600" progId="Equation.DSMT4">
                   <p:embed/>
                 </p:oleObj>
               </mc:Choice>
@@ -14718,7 +14718,7 @@
           <a:graphicData uri="http://schemas.openxmlformats.org/presentationml/2006/ole">
             <mc:AlternateContent xmlns:mc="http://schemas.openxmlformats.org/markup-compatibility/2006">
               <mc:Choice xmlns:v="urn:schemas-microsoft-com:vml" Requires="v">
-                <p:oleObj spid="_x0000_s554033" name="Equation" r:id="rId4" imgW="1181100" imgH="228600" progId="Equation.DSMT4">
+                <p:oleObj spid="_x0000_s554046" name="Equation" r:id="rId4" imgW="1181100" imgH="228600" progId="Equation.DSMT4">
                   <p:embed/>
                 </p:oleObj>
               </mc:Choice>
@@ -14775,7 +14775,7 @@
           <a:graphicData uri="http://schemas.openxmlformats.org/presentationml/2006/ole">
             <mc:AlternateContent xmlns:mc="http://schemas.openxmlformats.org/markup-compatibility/2006">
               <mc:Choice xmlns:v="urn:schemas-microsoft-com:vml" Requires="v">
-                <p:oleObj spid="_x0000_s554034" name="Equation" r:id="rId6" imgW="1168400" imgH="228600" progId="Equation.DSMT4">
+                <p:oleObj spid="_x0000_s554047" name="Equation" r:id="rId6" imgW="1168400" imgH="228600" progId="Equation.DSMT4">
                   <p:embed/>
                 </p:oleObj>
               </mc:Choice>
@@ -14832,7 +14832,7 @@
           <a:graphicData uri="http://schemas.openxmlformats.org/presentationml/2006/ole">
             <mc:AlternateContent xmlns:mc="http://schemas.openxmlformats.org/markup-compatibility/2006">
               <mc:Choice xmlns:v="urn:schemas-microsoft-com:vml" Requires="v">
-                <p:oleObj spid="_x0000_s554035" name="Equation" r:id="rId8" imgW="1511300" imgH="254000" progId="Equation.DSMT4">
+                <p:oleObj spid="_x0000_s554048" name="Equation" r:id="rId8" imgW="1511300" imgH="254000" progId="Equation.DSMT4">
                   <p:embed/>
                 </p:oleObj>
               </mc:Choice>
@@ -14889,7 +14889,7 @@
           <a:graphicData uri="http://schemas.openxmlformats.org/presentationml/2006/ole">
             <mc:AlternateContent xmlns:mc="http://schemas.openxmlformats.org/markup-compatibility/2006">
               <mc:Choice xmlns:v="urn:schemas-microsoft-com:vml" Requires="v">
-                <p:oleObj spid="_x0000_s554036" name="Equation" r:id="rId10" imgW="1524000" imgH="254000" progId="Equation.DSMT4">
+                <p:oleObj spid="_x0000_s554049" name="Equation" r:id="rId10" imgW="1524000" imgH="254000" progId="Equation.DSMT4">
                   <p:embed/>
                 </p:oleObj>
               </mc:Choice>
@@ -15512,7 +15512,7 @@
           <a:graphicData uri="http://schemas.openxmlformats.org/presentationml/2006/ole">
             <mc:AlternateContent xmlns:mc="http://schemas.openxmlformats.org/markup-compatibility/2006">
               <mc:Choice xmlns:v="urn:schemas-microsoft-com:vml" Requires="v">
-                <p:oleObj spid="_x0000_s426076" name="Equation" r:id="rId4" imgW="1854200" imgH="482600" progId="Equation.DSMT4">
+                <p:oleObj spid="_x0000_s426080" name="Equation" r:id="rId4" imgW="1854200" imgH="482600" progId="Equation.DSMT4">
                   <p:embed/>
                 </p:oleObj>
               </mc:Choice>
@@ -15886,7 +15886,7 @@
           <a:graphicData uri="http://schemas.openxmlformats.org/presentationml/2006/ole">
             <mc:AlternateContent xmlns:mc="http://schemas.openxmlformats.org/markup-compatibility/2006">
               <mc:Choice xmlns:v="urn:schemas-microsoft-com:vml" Requires="v">
-                <p:oleObj spid="_x0000_s481330" name="Equation" r:id="rId4" imgW="1854200" imgH="482600" progId="Equation.DSMT4">
+                <p:oleObj spid="_x0000_s481334" name="Equation" r:id="rId4" imgW="1854200" imgH="482600" progId="Equation.DSMT4">
                   <p:embed/>
                 </p:oleObj>
               </mc:Choice>
@@ -16099,7 +16099,7 @@
           <a:graphicData uri="http://schemas.openxmlformats.org/presentationml/2006/ole">
             <mc:AlternateContent xmlns:mc="http://schemas.openxmlformats.org/markup-compatibility/2006">
               <mc:Choice xmlns:v="urn:schemas-microsoft-com:vml" Requires="v">
-                <p:oleObj spid="_x0000_s528417" name="Equation" r:id="rId4" imgW="1803400" imgH="482600" progId="Equation.DSMT4">
+                <p:oleObj spid="_x0000_s528421" name="Equation" r:id="rId4" imgW="1803400" imgH="482600" progId="Equation.DSMT4">
                   <p:embed/>
                 </p:oleObj>
               </mc:Choice>
@@ -16298,7 +16298,7 @@
           <a:graphicData uri="http://schemas.openxmlformats.org/presentationml/2006/ole">
             <mc:AlternateContent xmlns:mc="http://schemas.openxmlformats.org/markup-compatibility/2006">
               <mc:Choice xmlns:v="urn:schemas-microsoft-com:vml" Requires="v">
-                <p:oleObj spid="_x0000_s447551" name="Equation" r:id="rId4" imgW="2514600" imgH="254000" progId="Equation.DSMT4">
+                <p:oleObj spid="_x0000_s447555" name="Equation" r:id="rId4" imgW="2514600" imgH="254000" progId="Equation.DSMT4">
                   <p:embed/>
                 </p:oleObj>
               </mc:Choice>
@@ -16658,7 +16658,7 @@
           <a:graphicData uri="http://schemas.openxmlformats.org/presentationml/2006/ole">
             <mc:AlternateContent xmlns:mc="http://schemas.openxmlformats.org/markup-compatibility/2006">
               <mc:Choice xmlns:v="urn:schemas-microsoft-com:vml" Requires="v">
-                <p:oleObj spid="_x0000_s449651" name="Equation" r:id="rId4" imgW="698500" imgH="254000" progId="Equation.DSMT4">
+                <p:oleObj spid="_x0000_s449658" name="Equation" r:id="rId4" imgW="698500" imgH="254000" progId="Equation.DSMT4">
                   <p:embed/>
                 </p:oleObj>
               </mc:Choice>
@@ -16715,7 +16715,7 @@
           <a:graphicData uri="http://schemas.openxmlformats.org/presentationml/2006/ole">
             <mc:AlternateContent xmlns:mc="http://schemas.openxmlformats.org/markup-compatibility/2006">
               <mc:Choice xmlns:v="urn:schemas-microsoft-com:vml" Requires="v">
-                <p:oleObj spid="_x0000_s449652" name="Equation" r:id="rId6" imgW="1651000" imgH="254000" progId="Equation.DSMT4">
+                <p:oleObj spid="_x0000_s449659" name="Equation" r:id="rId6" imgW="1651000" imgH="254000" progId="Equation.DSMT4">
                   <p:embed/>
                 </p:oleObj>
               </mc:Choice>
@@ -17129,7 +17129,7 @@
           <a:graphicData uri="http://schemas.openxmlformats.org/presentationml/2006/ole">
             <mc:AlternateContent xmlns:mc="http://schemas.openxmlformats.org/markup-compatibility/2006">
               <mc:Choice xmlns:v="urn:schemas-microsoft-com:vml" Requires="v">
-                <p:oleObj spid="_x0000_s506991" name="Equation" r:id="rId4" imgW="698500" imgH="254000" progId="Equation.DSMT4">
+                <p:oleObj spid="_x0000_s507001" name="Equation" r:id="rId4" imgW="698500" imgH="254000" progId="Equation.DSMT4">
                   <p:embed/>
                 </p:oleObj>
               </mc:Choice>
@@ -17186,7 +17186,7 @@
           <a:graphicData uri="http://schemas.openxmlformats.org/presentationml/2006/ole">
             <mc:AlternateContent xmlns:mc="http://schemas.openxmlformats.org/markup-compatibility/2006">
               <mc:Choice xmlns:v="urn:schemas-microsoft-com:vml" Requires="v">
-                <p:oleObj spid="_x0000_s506992" name="Equation" r:id="rId6" imgW="1651000" imgH="254000" progId="Equation.DSMT4">
+                <p:oleObj spid="_x0000_s507002" name="Equation" r:id="rId6" imgW="1651000" imgH="254000" progId="Equation.DSMT4">
                   <p:embed/>
                 </p:oleObj>
               </mc:Choice>
@@ -17243,7 +17243,7 @@
           <a:graphicData uri="http://schemas.openxmlformats.org/presentationml/2006/ole">
             <mc:AlternateContent xmlns:mc="http://schemas.openxmlformats.org/markup-compatibility/2006">
               <mc:Choice xmlns:v="urn:schemas-microsoft-com:vml" Requires="v">
-                <p:oleObj spid="_x0000_s506993" name="Equation" r:id="rId8" imgW="1333500" imgH="482600" progId="Equation.DSMT4">
+                <p:oleObj spid="_x0000_s507003" name="Equation" r:id="rId8" imgW="1333500" imgH="482600" progId="Equation.DSMT4">
                   <p:embed/>
                 </p:oleObj>
               </mc:Choice>
@@ -17543,7 +17543,7 @@
           <a:graphicData uri="http://schemas.openxmlformats.org/presentationml/2006/ole">
             <mc:AlternateContent xmlns:mc="http://schemas.openxmlformats.org/markup-compatibility/2006">
               <mc:Choice xmlns:v="urn:schemas-microsoft-com:vml" Requires="v">
-                <p:oleObj spid="_x0000_s507998" name="Equation" r:id="rId4" imgW="698500" imgH="254000" progId="Equation.DSMT4">
+                <p:oleObj spid="_x0000_s508005" name="Equation" r:id="rId4" imgW="698500" imgH="254000" progId="Equation.DSMT4">
                   <p:embed/>
                 </p:oleObj>
               </mc:Choice>
@@ -17600,7 +17600,7 @@
           <a:graphicData uri="http://schemas.openxmlformats.org/presentationml/2006/ole">
             <mc:AlternateContent xmlns:mc="http://schemas.openxmlformats.org/markup-compatibility/2006">
               <mc:Choice xmlns:v="urn:schemas-microsoft-com:vml" Requires="v">
-                <p:oleObj spid="_x0000_s507999" name="Equation" r:id="rId6" imgW="1333500" imgH="482600" progId="Equation.DSMT4">
+                <p:oleObj spid="_x0000_s508006" name="Equation" r:id="rId6" imgW="1333500" imgH="482600" progId="Equation.DSMT4">
                   <p:embed/>
                 </p:oleObj>
               </mc:Choice>
@@ -17793,13 +17793,13 @@
   <p:clrMapOvr>
     <a:masterClrMapping/>
   </p:clrMapOvr>
-  <mc:AlternateContent xmlns:mc="http://schemas.openxmlformats.org/markup-compatibility/2006">
-    <mc:Choice xmlns:p14="http://schemas.microsoft.com/office/powerpoint/2010/main" Requires="p14">
+  <mc:AlternateContent xmlns:mc="http://schemas.openxmlformats.org/markup-compatibility/2006" xmlns:p14="http://schemas.microsoft.com/office/powerpoint/2010/main">
+    <mc:Choice Requires="p14">
       <p:transition spd="med" p14:dur="700" advClick="0">
         <p:fade/>
       </p:transition>
     </mc:Choice>
-    <mc:Fallback>
+    <mc:Fallback xmlns="">
       <p:transition xmlns:p14="http://schemas.microsoft.com/office/powerpoint/2010/main" spd="med" advClick="0">
         <p:fade/>
       </p:transition>
@@ -18024,7 +18024,7 @@
           <a:graphicData uri="http://schemas.openxmlformats.org/presentationml/2006/ole">
             <mc:AlternateContent xmlns:mc="http://schemas.openxmlformats.org/markup-compatibility/2006">
               <mc:Choice xmlns:v="urn:schemas-microsoft-com:vml" Requires="v">
-                <p:oleObj spid="_x0000_s522299" name="Equation" r:id="rId4" imgW="1600200" imgH="215900" progId="Equation.DSMT4">
+                <p:oleObj spid="_x0000_s522306" name="Equation" r:id="rId4" imgW="1600200" imgH="215900" progId="Equation.DSMT4">
                   <p:embed/>
                 </p:oleObj>
               </mc:Choice>
@@ -18081,7 +18081,7 @@
           <a:graphicData uri="http://schemas.openxmlformats.org/presentationml/2006/ole">
             <mc:AlternateContent xmlns:mc="http://schemas.openxmlformats.org/markup-compatibility/2006">
               <mc:Choice xmlns:v="urn:schemas-microsoft-com:vml" Requires="v">
-                <p:oleObj spid="_x0000_s522300" name="Equation" r:id="rId6" imgW="1397000" imgH="457200" progId="Equation.DSMT4">
+                <p:oleObj spid="_x0000_s522307" name="Equation" r:id="rId6" imgW="1397000" imgH="457200" progId="Equation.DSMT4">
                   <p:embed/>
                 </p:oleObj>
               </mc:Choice>
@@ -18490,7 +18490,7 @@
           <a:graphicData uri="http://schemas.openxmlformats.org/presentationml/2006/ole">
             <mc:AlternateContent xmlns:mc="http://schemas.openxmlformats.org/markup-compatibility/2006">
               <mc:Choice xmlns:v="urn:schemas-microsoft-com:vml" Requires="v">
-                <p:oleObj spid="_x0000_s461886" name="Equation" r:id="rId4" imgW="1333500" imgH="482600" progId="Equation.DSMT4">
+                <p:oleObj spid="_x0000_s461890" name="Equation" r:id="rId4" imgW="1333500" imgH="482600" progId="Equation.DSMT4">
                   <p:embed/>
                 </p:oleObj>
               </mc:Choice>
@@ -18728,7 +18728,7 @@
           <a:graphicData uri="http://schemas.openxmlformats.org/presentationml/2006/ole">
             <mc:AlternateContent xmlns:mc="http://schemas.openxmlformats.org/markup-compatibility/2006">
               <mc:Choice xmlns:v="urn:schemas-microsoft-com:vml" Requires="v">
-                <p:oleObj spid="_x0000_s523316" name="Equation" r:id="rId4" imgW="1333500" imgH="482600" progId="Equation.DSMT4">
+                <p:oleObj spid="_x0000_s523320" name="Equation" r:id="rId4" imgW="1333500" imgH="482600" progId="Equation.DSMT4">
                   <p:embed/>
                 </p:oleObj>
               </mc:Choice>
@@ -19131,7 +19131,7 @@
           <a:graphicData uri="http://schemas.openxmlformats.org/presentationml/2006/ole">
             <mc:AlternateContent xmlns:mc="http://schemas.openxmlformats.org/markup-compatibility/2006">
               <mc:Choice xmlns:v="urn:schemas-microsoft-com:vml" Requires="v">
-                <p:oleObj spid="_x0000_s420049" name="Equation" r:id="rId4" imgW="139700" imgH="215900" progId="Equation.DSMT4">
+                <p:oleObj spid="_x0000_s420059" name="Equation" r:id="rId4" imgW="139700" imgH="215900" progId="Equation.DSMT4">
                   <p:embed/>
                 </p:oleObj>
               </mc:Choice>
@@ -19188,7 +19188,7 @@
           <a:graphicData uri="http://schemas.openxmlformats.org/presentationml/2006/ole">
             <mc:AlternateContent xmlns:mc="http://schemas.openxmlformats.org/markup-compatibility/2006">
               <mc:Choice xmlns:v="urn:schemas-microsoft-com:vml" Requires="v">
-                <p:oleObj spid="_x0000_s420050" name="Equation" r:id="rId6" imgW="2044700" imgH="228600" progId="Equation.DSMT4">
+                <p:oleObj spid="_x0000_s420060" name="Equation" r:id="rId6" imgW="2044700" imgH="228600" progId="Equation.DSMT4">
                   <p:embed/>
                 </p:oleObj>
               </mc:Choice>
@@ -19328,7 +19328,7 @@
           <a:graphicData uri="http://schemas.openxmlformats.org/presentationml/2006/ole">
             <mc:AlternateContent xmlns:mc="http://schemas.openxmlformats.org/markup-compatibility/2006">
               <mc:Choice xmlns:v="urn:schemas-microsoft-com:vml" Requires="v">
-                <p:oleObj spid="_x0000_s420051" name="Equation" r:id="rId8" imgW="2159000" imgH="457200" progId="Equation.DSMT4">
+                <p:oleObj spid="_x0000_s420061" name="Equation" r:id="rId8" imgW="2159000" imgH="457200" progId="Equation.DSMT4">
                   <p:embed/>
                 </p:oleObj>
               </mc:Choice>
@@ -19643,7 +19643,7 @@
           <a:graphicData uri="http://schemas.openxmlformats.org/presentationml/2006/ole">
             <mc:AlternateContent xmlns:mc="http://schemas.openxmlformats.org/markup-compatibility/2006">
               <mc:Choice xmlns:v="urn:schemas-microsoft-com:vml" Requires="v">
-                <p:oleObj spid="_x0000_s542747" name="Equation" r:id="rId4" imgW="1333500" imgH="482600" progId="Equation.DSMT4">
+                <p:oleObj spid="_x0000_s542751" name="Equation" r:id="rId4" imgW="1333500" imgH="482600" progId="Equation.DSMT4">
                   <p:embed/>
                 </p:oleObj>
               </mc:Choice>
@@ -19818,7 +19818,7 @@
           <a:graphicData uri="http://schemas.openxmlformats.org/presentationml/2006/ole">
             <mc:AlternateContent xmlns:mc="http://schemas.openxmlformats.org/markup-compatibility/2006">
               <mc:Choice xmlns:v="urn:schemas-microsoft-com:vml" Requires="v">
-                <p:oleObj spid="_x0000_s544815" name="Equation" r:id="rId4" imgW="1333500" imgH="482600" progId="Equation.DSMT4">
+                <p:oleObj spid="_x0000_s544822" name="Equation" r:id="rId4" imgW="1333500" imgH="482600" progId="Equation.DSMT4">
                   <p:embed/>
                 </p:oleObj>
               </mc:Choice>
@@ -19978,7 +19978,7 @@
           <a:graphicData uri="http://schemas.openxmlformats.org/presentationml/2006/ole">
             <mc:AlternateContent xmlns:mc="http://schemas.openxmlformats.org/markup-compatibility/2006">
               <mc:Choice xmlns:v="urn:schemas-microsoft-com:vml" Requires="v">
-                <p:oleObj spid="_x0000_s544816" name="Equation" r:id="rId6" imgW="698500" imgH="254000" progId="Equation.DSMT4">
+                <p:oleObj spid="_x0000_s544823" name="Equation" r:id="rId6" imgW="698500" imgH="254000" progId="Equation.DSMT4">
                   <p:embed/>
                 </p:oleObj>
               </mc:Choice>
@@ -20290,13 +20290,7 @@
               <a:rPr lang="en-US" sz="5400" dirty="0" smtClean="0">
                 <a:latin typeface="Comic Sans MS" pitchFamily="66" charset="0"/>
               </a:rPr>
-              <a:t>ame </a:t>
-            </a:r>
-            <a:r>
-              <a:rPr lang="en-US" sz="5400" dirty="0" smtClean="0">
-                <a:latin typeface="Comic Sans MS" pitchFamily="66" charset="0"/>
-              </a:rPr>
-              <a:t>for </a:t>
+              <a:t>ame for </a:t>
             </a:r>
             <a:r>
               <a:rPr lang="en-US" sz="5400" dirty="0" smtClean="0">
@@ -20401,7 +20395,7 @@
           <a:graphicData uri="http://schemas.openxmlformats.org/presentationml/2006/ole">
             <mc:AlternateContent xmlns:mc="http://schemas.openxmlformats.org/markup-compatibility/2006">
               <mc:Choice xmlns:v="urn:schemas-microsoft-com:vml" Requires="v">
-                <p:oleObj spid="_x0000_s525410" name="Equation" r:id="rId4" imgW="1333500" imgH="482600" progId="Equation.DSMT4">
+                <p:oleObj spid="_x0000_s525420" name="Equation" r:id="rId4" imgW="1333500" imgH="482600" progId="Equation.DSMT4">
                   <p:embed/>
                 </p:oleObj>
               </mc:Choice>
@@ -20493,7 +20487,7 @@
           <a:graphicData uri="http://schemas.openxmlformats.org/presentationml/2006/ole">
             <mc:AlternateContent xmlns:mc="http://schemas.openxmlformats.org/markup-compatibility/2006">
               <mc:Choice xmlns:v="urn:schemas-microsoft-com:vml" Requires="v">
-                <p:oleObj spid="_x0000_s525411" name="Equation" r:id="rId6" imgW="1333500" imgH="482600" progId="Equation.DSMT4">
+                <p:oleObj spid="_x0000_s525421" name="Equation" r:id="rId6" imgW="1333500" imgH="482600" progId="Equation.DSMT4">
                   <p:embed/>
                 </p:oleObj>
               </mc:Choice>
@@ -20537,25 +20531,25 @@
           <p:nvPr>
             <p:extLst>
               <p:ext uri="{D42A27DB-BD31-4B8C-83A1-F6EECF244321}">
-                <p14:modId xmlns:p14="http://schemas.microsoft.com/office/powerpoint/2010/main" val="3112501937"/>
+                <p14:modId xmlns:p14="http://schemas.microsoft.com/office/powerpoint/2010/main" val="2639636780"/>
               </p:ext>
             </p:extLst>
           </p:nvPr>
         </p:nvGraphicFramePr>
         <p:xfrm>
-          <a:off x="2953672" y="4721341"/>
-          <a:ext cx="3172598" cy="1149351"/>
+          <a:off x="2909888" y="4721225"/>
+          <a:ext cx="3262312" cy="1149350"/>
         </p:xfrm>
         <a:graphic>
           <a:graphicData uri="http://schemas.openxmlformats.org/presentationml/2006/ole">
             <mc:AlternateContent xmlns:mc="http://schemas.openxmlformats.org/markup-compatibility/2006">
               <mc:Choice xmlns:v="urn:schemas-microsoft-com:vml" Requires="v">
-                <p:oleObj spid="_x0000_s525412" name="Equation" r:id="rId8" imgW="1333500" imgH="482600" progId="Equation.DSMT4">
+                <p:oleObj spid="_x0000_s525422" name="Equation" r:id="rId8" imgW="1371600" imgH="482600" progId="Equation.DSMT4">
                   <p:embed/>
                 </p:oleObj>
               </mc:Choice>
               <mc:Fallback>
-                <p:oleObj name="Equation" r:id="rId8" imgW="1333500" imgH="482600" progId="Equation.DSMT4">
+                <p:oleObj name="Equation" r:id="rId8" imgW="1371600" imgH="482600" progId="Equation.DSMT4">
                   <p:embed/>
                   <p:pic>
                     <p:nvPicPr>
@@ -20571,8 +20565,8 @@
                     </p:blipFill>
                     <p:spPr>
                       <a:xfrm>
-                        <a:off x="2953672" y="4721341"/>
-                        <a:ext cx="3172598" cy="1149351"/>
+                        <a:off x="2909888" y="4721225"/>
+                        <a:ext cx="3262312" cy="1149350"/>
                       </a:xfrm>
                       <a:prstGeom prst="rect">
                         <a:avLst/>
@@ -21221,7 +21215,7 @@
           <a:graphicData uri="http://schemas.openxmlformats.org/presentationml/2006/ole">
             <mc:AlternateContent xmlns:mc="http://schemas.openxmlformats.org/markup-compatibility/2006">
               <mc:Choice xmlns:v="urn:schemas-microsoft-com:vml" Requires="v">
-                <p:oleObj spid="_x0000_s628746" name="Equation" r:id="rId4" imgW="1333500" imgH="482600" progId="Equation.DSMT4">
+                <p:oleObj spid="_x0000_s628756" name="Equation" r:id="rId4" imgW="1333500" imgH="482600" progId="Equation.DSMT4">
                   <p:embed/>
                 </p:oleObj>
               </mc:Choice>
@@ -21313,7 +21307,7 @@
           <a:graphicData uri="http://schemas.openxmlformats.org/presentationml/2006/ole">
             <mc:AlternateContent xmlns:mc="http://schemas.openxmlformats.org/markup-compatibility/2006">
               <mc:Choice xmlns:v="urn:schemas-microsoft-com:vml" Requires="v">
-                <p:oleObj spid="_x0000_s628747" name="Equation" r:id="rId6" imgW="1333500" imgH="482600" progId="Equation.DSMT4">
+                <p:oleObj spid="_x0000_s628757" name="Equation" r:id="rId6" imgW="1333500" imgH="482600" progId="Equation.DSMT4">
                   <p:embed/>
                 </p:oleObj>
               </mc:Choice>
@@ -21335,63 +21329,6 @@
                     <p:spPr>
                       <a:xfrm>
                         <a:off x="4736112" y="3340100"/>
-                        <a:ext cx="3172598" cy="1149351"/>
-                      </a:xfrm>
-                      <a:prstGeom prst="rect">
-                        <a:avLst/>
-                      </a:prstGeom>
-                    </p:spPr>
-                  </p:pic>
-                </p:oleObj>
-              </mc:Fallback>
-            </mc:AlternateContent>
-          </a:graphicData>
-        </a:graphic>
-      </p:graphicFrame>
-      <p:graphicFrame>
-        <p:nvGraphicFramePr>
-          <p:cNvPr id="11" name="Object 10"/>
-          <p:cNvGraphicFramePr>
-            <a:graphicFrameLocks noChangeAspect="1"/>
-          </p:cNvGraphicFramePr>
-          <p:nvPr>
-            <p:extLst>
-              <p:ext uri="{D42A27DB-BD31-4B8C-83A1-F6EECF244321}">
-                <p14:modId xmlns:p14="http://schemas.microsoft.com/office/powerpoint/2010/main" val="3168840683"/>
-              </p:ext>
-            </p:extLst>
-          </p:nvPr>
-        </p:nvGraphicFramePr>
-        <p:xfrm>
-          <a:off x="2953672" y="4721341"/>
-          <a:ext cx="3172598" cy="1149351"/>
-        </p:xfrm>
-        <a:graphic>
-          <a:graphicData uri="http://schemas.openxmlformats.org/presentationml/2006/ole">
-            <mc:AlternateContent xmlns:mc="http://schemas.openxmlformats.org/markup-compatibility/2006">
-              <mc:Choice xmlns:v="urn:schemas-microsoft-com:vml" Requires="v">
-                <p:oleObj spid="_x0000_s628748" name="Equation" r:id="rId8" imgW="1333500" imgH="482600" progId="Equation.DSMT4">
-                  <p:embed/>
-                </p:oleObj>
-              </mc:Choice>
-              <mc:Fallback>
-                <p:oleObj name="Equation" r:id="rId8" imgW="1333500" imgH="482600" progId="Equation.DSMT4">
-                  <p:embed/>
-                  <p:pic>
-                    <p:nvPicPr>
-                      <p:cNvPr id="0" name=""/>
-                      <p:cNvPicPr/>
-                      <p:nvPr/>
-                    </p:nvPicPr>
-                    <p:blipFill>
-                      <a:blip r:embed="rId9"/>
-                      <a:stretch>
-                        <a:fillRect/>
-                      </a:stretch>
-                    </p:blipFill>
-                    <p:spPr>
-                      <a:xfrm>
-                        <a:off x="2953672" y="4721341"/>
                         <a:ext cx="3172598" cy="1149351"/>
                       </a:xfrm>
                       <a:prstGeom prst="rect">
@@ -21604,6 +21541,63 @@
           <a:effectLst/>
         </p:spPr>
       </p:cxnSp>
+      <p:graphicFrame>
+        <p:nvGraphicFramePr>
+          <p:cNvPr id="14" name="Object 13"/>
+          <p:cNvGraphicFramePr>
+            <a:graphicFrameLocks noChangeAspect="1"/>
+          </p:cNvGraphicFramePr>
+          <p:nvPr>
+            <p:extLst>
+              <p:ext uri="{D42A27DB-BD31-4B8C-83A1-F6EECF244321}">
+                <p14:modId xmlns:p14="http://schemas.microsoft.com/office/powerpoint/2010/main" val="2943451757"/>
+              </p:ext>
+            </p:extLst>
+          </p:nvPr>
+        </p:nvGraphicFramePr>
+        <p:xfrm>
+          <a:off x="2909888" y="4721225"/>
+          <a:ext cx="3262312" cy="1149350"/>
+        </p:xfrm>
+        <a:graphic>
+          <a:graphicData uri="http://schemas.openxmlformats.org/presentationml/2006/ole">
+            <mc:AlternateContent xmlns:mc="http://schemas.openxmlformats.org/markup-compatibility/2006">
+              <mc:Choice xmlns:v="urn:schemas-microsoft-com:vml" Requires="v">
+                <p:oleObj spid="_x0000_s628758" name="Equation" r:id="rId8" imgW="1371600" imgH="482600" progId="Equation.DSMT4">
+                  <p:embed/>
+                </p:oleObj>
+              </mc:Choice>
+              <mc:Fallback>
+                <p:oleObj name="Equation" r:id="rId8" imgW="1371600" imgH="482600" progId="Equation.DSMT4">
+                  <p:embed/>
+                  <p:pic>
+                    <p:nvPicPr>
+                      <p:cNvPr id="0" name=""/>
+                      <p:cNvPicPr/>
+                      <p:nvPr/>
+                    </p:nvPicPr>
+                    <p:blipFill>
+                      <a:blip r:embed="rId9"/>
+                      <a:stretch>
+                        <a:fillRect/>
+                      </a:stretch>
+                    </p:blipFill>
+                    <p:spPr>
+                      <a:xfrm>
+                        <a:off x="2909888" y="4721225"/>
+                        <a:ext cx="3262312" cy="1149350"/>
+                      </a:xfrm>
+                      <a:prstGeom prst="rect">
+                        <a:avLst/>
+                      </a:prstGeom>
+                    </p:spPr>
+                  </p:pic>
+                </p:oleObj>
+              </mc:Fallback>
+            </mc:AlternateContent>
+          </a:graphicData>
+        </a:graphic>
+      </p:graphicFrame>
     </p:spTree>
     <p:extLst>
       <p:ext uri="{BB962C8B-B14F-4D97-AF65-F5344CB8AC3E}">
@@ -21614,13 +21608,13 @@
   <p:clrMapOvr>
     <a:masterClrMapping/>
   </p:clrMapOvr>
-  <mc:AlternateContent xmlns:mc="http://schemas.openxmlformats.org/markup-compatibility/2006">
-    <mc:Choice xmlns:p14="http://schemas.microsoft.com/office/powerpoint/2010/main" Requires="p14">
+  <mc:AlternateContent xmlns:mc="http://schemas.openxmlformats.org/markup-compatibility/2006" xmlns:p14="http://schemas.microsoft.com/office/powerpoint/2010/main">
+    <mc:Choice Requires="p14">
       <p:transition spd="slow" p14:dur="1100" advClick="0">
         <p:fade/>
       </p:transition>
     </mc:Choice>
-    <mc:Fallback>
+    <mc:Fallback xmlns="">
       <p:transition xmlns:p14="http://schemas.microsoft.com/office/powerpoint/2010/main" spd="slow" advClick="0">
         <p:fade/>
       </p:transition>
@@ -21816,6 +21810,50 @@
                             </p:childTnLst>
                           </p:cTn>
                         </p:par>
+                        <p:par>
+                          <p:cTn id="20" fill="hold">
+                            <p:stCondLst>
+                              <p:cond delay="1000"/>
+                            </p:stCondLst>
+                            <p:childTnLst>
+                              <p:par>
+                                <p:cTn id="21" presetID="10" presetClass="entr" presetSubtype="0" fill="hold" nodeType="afterEffect">
+                                  <p:stCondLst>
+                                    <p:cond delay="0"/>
+                                  </p:stCondLst>
+                                  <p:childTnLst>
+                                    <p:set>
+                                      <p:cBhvr>
+                                        <p:cTn id="22" dur="1" fill="hold">
+                                          <p:stCondLst>
+                                            <p:cond delay="0"/>
+                                          </p:stCondLst>
+                                        </p:cTn>
+                                        <p:tgtEl>
+                                          <p:spTgt spid="14"/>
+                                        </p:tgtEl>
+                                        <p:attrNameLst>
+                                          <p:attrName>style.visibility</p:attrName>
+                                        </p:attrNameLst>
+                                      </p:cBhvr>
+                                      <p:to>
+                                        <p:strVal val="visible"/>
+                                      </p:to>
+                                    </p:set>
+                                    <p:animEffect transition="in" filter="fade">
+                                      <p:cBhvr>
+                                        <p:cTn id="23" dur="500"/>
+                                        <p:tgtEl>
+                                          <p:spTgt spid="14"/>
+                                        </p:tgtEl>
+                                      </p:cBhvr>
+                                    </p:animEffect>
+                                  </p:childTnLst>
+                                </p:cTn>
+                              </p:par>
+                            </p:childTnLst>
+                          </p:cTn>
+                        </p:par>
                       </p:childTnLst>
                     </p:cTn>
                   </p:par>
@@ -21919,7 +21957,7 @@
           <a:graphicData uri="http://schemas.openxmlformats.org/presentationml/2006/ole">
             <mc:AlternateContent xmlns:mc="http://schemas.openxmlformats.org/markup-compatibility/2006">
               <mc:Choice xmlns:v="urn:schemas-microsoft-com:vml" Requires="v">
-                <p:oleObj spid="_x0000_s630797" name="Equation" r:id="rId4" imgW="1333500" imgH="482600" progId="Equation.DSMT4">
+                <p:oleObj spid="_x0000_s630807" name="Equation" r:id="rId4" imgW="1333500" imgH="482600" progId="Equation.DSMT4">
                   <p:embed/>
                 </p:oleObj>
               </mc:Choice>
@@ -21998,20 +22036,20 @@
           <p:nvPr>
             <p:extLst>
               <p:ext uri="{D42A27DB-BD31-4B8C-83A1-F6EECF244321}">
-                <p14:modId xmlns:p14="http://schemas.microsoft.com/office/powerpoint/2010/main" val="3353763863"/>
+                <p14:modId xmlns:p14="http://schemas.microsoft.com/office/powerpoint/2010/main" val="851805598"/>
               </p:ext>
             </p:extLst>
           </p:nvPr>
         </p:nvGraphicFramePr>
         <p:xfrm>
-          <a:off x="4916488" y="3309938"/>
+          <a:off x="4741320" y="3288040"/>
           <a:ext cx="2811462" cy="1209675"/>
         </p:xfrm>
         <a:graphic>
           <a:graphicData uri="http://schemas.openxmlformats.org/presentationml/2006/ole">
             <mc:AlternateContent xmlns:mc="http://schemas.openxmlformats.org/markup-compatibility/2006">
               <mc:Choice xmlns:v="urn:schemas-microsoft-com:vml" Requires="v">
-                <p:oleObj spid="_x0000_s630798" name="Equation" r:id="rId6" imgW="1181100" imgH="508000" progId="Equation.DSMT4">
+                <p:oleObj spid="_x0000_s630808" name="Equation" r:id="rId6" imgW="1181100" imgH="508000" progId="Equation.DSMT4">
                   <p:embed/>
                 </p:oleObj>
               </mc:Choice>
@@ -22032,7 +22070,7 @@
                     </p:blipFill>
                     <p:spPr>
                       <a:xfrm>
-                        <a:off x="4916488" y="3309938"/>
+                        <a:off x="4741320" y="3288040"/>
                         <a:ext cx="2811462" cy="1209675"/>
                       </a:xfrm>
                       <a:prstGeom prst="rect">
@@ -22055,25 +22093,25 @@
           <p:nvPr>
             <p:extLst>
               <p:ext uri="{D42A27DB-BD31-4B8C-83A1-F6EECF244321}">
-                <p14:modId xmlns:p14="http://schemas.microsoft.com/office/powerpoint/2010/main" val="3023742709"/>
+                <p14:modId xmlns:p14="http://schemas.microsoft.com/office/powerpoint/2010/main" val="4140384609"/>
               </p:ext>
             </p:extLst>
           </p:nvPr>
         </p:nvGraphicFramePr>
         <p:xfrm>
-          <a:off x="3179763" y="4992688"/>
-          <a:ext cx="2719387" cy="604837"/>
+          <a:off x="2905405" y="4718963"/>
+          <a:ext cx="2809875" cy="604837"/>
         </p:xfrm>
         <a:graphic>
           <a:graphicData uri="http://schemas.openxmlformats.org/presentationml/2006/ole">
             <mc:AlternateContent xmlns:mc="http://schemas.openxmlformats.org/markup-compatibility/2006">
               <mc:Choice xmlns:v="urn:schemas-microsoft-com:vml" Requires="v">
-                <p:oleObj spid="_x0000_s630799" name="Equation" r:id="rId8" imgW="1143000" imgH="254000" progId="Equation.DSMT4">
+                <p:oleObj spid="_x0000_s630809" name="Equation" r:id="rId8" imgW="1181100" imgH="254000" progId="Equation.DSMT4">
                   <p:embed/>
                 </p:oleObj>
               </mc:Choice>
               <mc:Fallback>
-                <p:oleObj name="Equation" r:id="rId8" imgW="1143000" imgH="254000" progId="Equation.DSMT4">
+                <p:oleObj name="Equation" r:id="rId8" imgW="1181100" imgH="254000" progId="Equation.DSMT4">
                   <p:embed/>
                   <p:pic>
                     <p:nvPicPr>
@@ -22089,8 +22127,8 @@
                     </p:blipFill>
                     <p:spPr>
                       <a:xfrm>
-                        <a:off x="3179763" y="4992688"/>
-                        <a:ext cx="2719387" cy="604837"/>
+                        <a:off x="2905405" y="4718963"/>
+                        <a:ext cx="2809875" cy="604837"/>
                       </a:xfrm>
                       <a:prstGeom prst="rect">
                         <a:avLst/>
@@ -22399,13 +22437,13 @@
   <p:clrMapOvr>
     <a:masterClrMapping/>
   </p:clrMapOvr>
-  <mc:AlternateContent xmlns:mc="http://schemas.openxmlformats.org/markup-compatibility/2006">
-    <mc:Choice xmlns:p14="http://schemas.microsoft.com/office/powerpoint/2010/main" Requires="p14">
+  <mc:AlternateContent xmlns:mc="http://schemas.openxmlformats.org/markup-compatibility/2006" xmlns:p14="http://schemas.microsoft.com/office/powerpoint/2010/main">
+    <mc:Choice Requires="p14">
       <p:transition spd="med" p14:dur="600" advClick="0">
         <p:fade/>
       </p:transition>
     </mc:Choice>
-    <mc:Fallback>
+    <mc:Fallback xmlns="">
       <p:transition xmlns:p14="http://schemas.microsoft.com/office/powerpoint/2010/main" spd="med" advClick="0">
         <p:fade/>
       </p:transition>
@@ -22665,7 +22703,7 @@
           <a:graphicData uri="http://schemas.openxmlformats.org/presentationml/2006/ole">
             <mc:AlternateContent xmlns:mc="http://schemas.openxmlformats.org/markup-compatibility/2006">
               <mc:Choice xmlns:v="urn:schemas-microsoft-com:vml" Requires="v">
-                <p:oleObj spid="_x0000_s529446" name="Equation" r:id="rId4" imgW="2692400" imgH="482600" progId="Equation.DSMT4">
+                <p:oleObj spid="_x0000_s529450" name="Equation" r:id="rId4" imgW="2692400" imgH="482600" progId="Equation.DSMT4">
                   <p:embed/>
                 </p:oleObj>
               </mc:Choice>
@@ -23447,13 +23485,13 @@
   <p:clrMapOvr>
     <a:masterClrMapping/>
   </p:clrMapOvr>
-  <mc:AlternateContent xmlns:mc="http://schemas.openxmlformats.org/markup-compatibility/2006" xmlns:p14="http://schemas.microsoft.com/office/powerpoint/2010/main">
-    <mc:Choice Requires="p14">
+  <mc:AlternateContent xmlns:mc="http://schemas.openxmlformats.org/markup-compatibility/2006">
+    <mc:Choice xmlns:p14="http://schemas.microsoft.com/office/powerpoint/2010/main" Requires="p14">
       <p:transition spd="med" p14:dur="700" advClick="0">
         <p:fade/>
       </p:transition>
     </mc:Choice>
-    <mc:Fallback xmlns="">
+    <mc:Fallback>
       <p:transition xmlns:p14="http://schemas.microsoft.com/office/powerpoint/2010/main" spd="med" advClick="0">
         <p:fade/>
       </p:transition>
@@ -23628,13 +23666,13 @@
   <p:clrMapOvr>
     <a:masterClrMapping/>
   </p:clrMapOvr>
-  <mc:AlternateContent xmlns:mc="http://schemas.openxmlformats.org/markup-compatibility/2006" xmlns:p14="http://schemas.microsoft.com/office/powerpoint/2010/main">
-    <mc:Choice Requires="p14">
+  <mc:AlternateContent xmlns:mc="http://schemas.openxmlformats.org/markup-compatibility/2006">
+    <mc:Choice xmlns:p14="http://schemas.microsoft.com/office/powerpoint/2010/main" Requires="p14">
       <p:transition spd="med" p14:dur="700" advClick="0">
         <p:fade/>
       </p:transition>
     </mc:Choice>
-    <mc:Fallback xmlns="">
+    <mc:Fallback>
       <p:transition xmlns:p14="http://schemas.microsoft.com/office/powerpoint/2010/main" spd="med" advClick="0">
         <p:fade/>
       </p:transition>
@@ -24002,7 +24040,7 @@
           <a:graphicData uri="http://schemas.openxmlformats.org/presentationml/2006/ole">
             <mc:AlternateContent xmlns:mc="http://schemas.openxmlformats.org/markup-compatibility/2006">
               <mc:Choice xmlns:v="urn:schemas-microsoft-com:vml" Requires="v">
-                <p:oleObj spid="_x0000_s1103" name="Equation" r:id="rId4" imgW="1295400" imgH="228600" progId="Equation.DSMT4">
+                <p:oleObj spid="_x0000_s1107" name="Equation" r:id="rId4" imgW="1295400" imgH="228600" progId="Equation.DSMT4">
                   <p:embed/>
                 </p:oleObj>
               </mc:Choice>
@@ -24934,7 +24972,7 @@
           <a:graphicData uri="http://schemas.openxmlformats.org/presentationml/2006/ole">
             <mc:AlternateContent xmlns:mc="http://schemas.openxmlformats.org/markup-compatibility/2006">
               <mc:Choice xmlns:v="urn:schemas-microsoft-com:vml" Requires="v">
-                <p:oleObj spid="_x0000_s422986" name="Equation" r:id="rId4" imgW="1498600" imgH="457200" progId="Equation.DSMT4">
+                <p:oleObj spid="_x0000_s422990" name="Equation" r:id="rId4" imgW="1498600" imgH="457200" progId="Equation.DSMT4">
                   <p:embed/>
                 </p:oleObj>
               </mc:Choice>
@@ -25177,7 +25215,7 @@
           <a:graphicData uri="http://schemas.openxmlformats.org/presentationml/2006/ole">
             <mc:AlternateContent xmlns:mc="http://schemas.openxmlformats.org/markup-compatibility/2006">
               <mc:Choice xmlns:v="urn:schemas-microsoft-com:vml" Requires="v">
-                <p:oleObj spid="_x0000_s421962" name="Equation" r:id="rId4" imgW="1600200" imgH="457200" progId="Equation.DSMT4">
+                <p:oleObj spid="_x0000_s421966" name="Equation" r:id="rId4" imgW="1600200" imgH="457200" progId="Equation.DSMT4">
                   <p:embed/>
                 </p:oleObj>
               </mc:Choice>
@@ -25640,7 +25678,7 @@
           <a:graphicData uri="http://schemas.openxmlformats.org/presentationml/2006/ole">
             <mc:AlternateContent xmlns:mc="http://schemas.openxmlformats.org/markup-compatibility/2006">
               <mc:Choice xmlns:v="urn:schemas-microsoft-com:vml" Requires="v">
-                <p:oleObj spid="_x0000_s435260" name="Equation" r:id="rId4" imgW="2108200" imgH="228600" progId="Equation.DSMT4">
+                <p:oleObj spid="_x0000_s435264" name="Equation" r:id="rId4" imgW="2108200" imgH="228600" progId="Equation.DSMT4">
                   <p:embed/>
                 </p:oleObj>
               </mc:Choice>

--- a/spring18/slidesS18/prpostn_algebra.pptx
+++ b/spring18/slidesS18/prpostn_algebra.pptx
@@ -6,10 +6,10 @@
     <p:sldMasterId id="2147483651" r:id="rId2"/>
   </p:sldMasterIdLst>
   <p:notesMasterIdLst>
-    <p:notesMasterId r:id="rId55"/>
+    <p:notesMasterId r:id="rId57"/>
   </p:notesMasterIdLst>
   <p:handoutMasterIdLst>
-    <p:handoutMasterId r:id="rId56"/>
+    <p:handoutMasterId r:id="rId58"/>
   </p:handoutMasterIdLst>
   <p:sldIdLst>
     <p:sldId id="392" r:id="rId3"/>
@@ -54,21 +54,23 @@
     <p:sldId id="558" r:id="rId42"/>
     <p:sldId id="560" r:id="rId43"/>
     <p:sldId id="553" r:id="rId44"/>
-    <p:sldId id="566" r:id="rId45"/>
-    <p:sldId id="567" r:id="rId46"/>
-    <p:sldId id="557" r:id="rId47"/>
-    <p:sldId id="531" r:id="rId48"/>
-    <p:sldId id="536" r:id="rId49"/>
-    <p:sldId id="537" r:id="rId50"/>
-    <p:sldId id="538" r:id="rId51"/>
-    <p:sldId id="503" r:id="rId52"/>
-    <p:sldId id="523" r:id="rId53"/>
-    <p:sldId id="504" r:id="rId54"/>
+    <p:sldId id="568" r:id="rId45"/>
+    <p:sldId id="566" r:id="rId46"/>
+    <p:sldId id="567" r:id="rId47"/>
+    <p:sldId id="572" r:id="rId48"/>
+    <p:sldId id="557" r:id="rId49"/>
+    <p:sldId id="531" r:id="rId50"/>
+    <p:sldId id="536" r:id="rId51"/>
+    <p:sldId id="537" r:id="rId52"/>
+    <p:sldId id="538" r:id="rId53"/>
+    <p:sldId id="503" r:id="rId54"/>
+    <p:sldId id="523" r:id="rId55"/>
+    <p:sldId id="504" r:id="rId56"/>
   </p:sldIdLst>
   <p:sldSz cx="9144000" cy="6858000" type="screen4x3"/>
   <p:notesSz cx="9601200" cy="7315200"/>
   <p:custDataLst>
-    <p:tags r:id="rId58"/>
+    <p:tags r:id="rId60"/>
   </p:custDataLst>
   <p:defaultTextStyle>
     <a:defPPr>
@@ -4717,6 +4719,170 @@
               <a:rPr lang="en-US" smtClean="0"/>
               <a:pPr/>
               <a:t>52</a:t>
+            </a:fld>
+            <a:endParaRPr lang="en-US"/>
+          </a:p>
+        </p:txBody>
+      </p:sp>
+    </p:spTree>
+  </p:cSld>
+  <p:clrMapOvr>
+    <a:masterClrMapping/>
+  </p:clrMapOvr>
+</p:notes>
+</file>
+
+<file path=ppt/notesSlides/notesSlide52.xml><?xml version="1.0" encoding="utf-8"?>
+<p:notes xmlns:a="http://schemas.openxmlformats.org/drawingml/2006/main" xmlns:r="http://schemas.openxmlformats.org/officeDocument/2006/relationships" xmlns:p="http://schemas.openxmlformats.org/presentationml/2006/main">
+  <p:cSld>
+    <p:spTree>
+      <p:nvGrpSpPr>
+        <p:cNvPr id="1" name=""/>
+        <p:cNvGrpSpPr/>
+        <p:nvPr/>
+      </p:nvGrpSpPr>
+      <p:grpSpPr>
+        <a:xfrm>
+          <a:off x="0" y="0"/>
+          <a:ext cx="0" cy="0"/>
+          <a:chOff x="0" y="0"/>
+          <a:chExt cx="0" cy="0"/>
+        </a:xfrm>
+      </p:grpSpPr>
+      <p:sp>
+        <p:nvSpPr>
+          <p:cNvPr id="2" name="Slide Image Placeholder 1"/>
+          <p:cNvSpPr>
+            <a:spLocks noGrp="1" noRot="1" noChangeAspect="1"/>
+          </p:cNvSpPr>
+          <p:nvPr>
+            <p:ph type="sldImg"/>
+          </p:nvPr>
+        </p:nvSpPr>
+        <p:spPr/>
+      </p:sp>
+      <p:sp>
+        <p:nvSpPr>
+          <p:cNvPr id="3" name="Notes Placeholder 2"/>
+          <p:cNvSpPr>
+            <a:spLocks noGrp="1"/>
+          </p:cNvSpPr>
+          <p:nvPr>
+            <p:ph type="body" idx="1"/>
+          </p:nvPr>
+        </p:nvSpPr>
+        <p:spPr/>
+        <p:txBody>
+          <a:bodyPr>
+            <a:normAutofit/>
+          </a:bodyPr>
+          <a:lstStyle/>
+          <a:p>
+            <a:endParaRPr lang="en-US"/>
+          </a:p>
+        </p:txBody>
+      </p:sp>
+      <p:sp>
+        <p:nvSpPr>
+          <p:cNvPr id="4" name="Slide Number Placeholder 3"/>
+          <p:cNvSpPr>
+            <a:spLocks noGrp="1"/>
+          </p:cNvSpPr>
+          <p:nvPr>
+            <p:ph type="sldNum" sz="quarter" idx="10"/>
+          </p:nvPr>
+        </p:nvSpPr>
+        <p:spPr/>
+        <p:txBody>
+          <a:bodyPr/>
+          <a:lstStyle/>
+          <a:p>
+            <a:fld id="{A02B9F3F-3042-489F-AF35-1A733968F079}" type="slidenum">
+              <a:rPr lang="en-US" smtClean="0"/>
+              <a:pPr/>
+              <a:t>53</a:t>
+            </a:fld>
+            <a:endParaRPr lang="en-US"/>
+          </a:p>
+        </p:txBody>
+      </p:sp>
+    </p:spTree>
+  </p:cSld>
+  <p:clrMapOvr>
+    <a:masterClrMapping/>
+  </p:clrMapOvr>
+</p:notes>
+</file>
+
+<file path=ppt/notesSlides/notesSlide53.xml><?xml version="1.0" encoding="utf-8"?>
+<p:notes xmlns:a="http://schemas.openxmlformats.org/drawingml/2006/main" xmlns:r="http://schemas.openxmlformats.org/officeDocument/2006/relationships" xmlns:p="http://schemas.openxmlformats.org/presentationml/2006/main">
+  <p:cSld>
+    <p:spTree>
+      <p:nvGrpSpPr>
+        <p:cNvPr id="1" name=""/>
+        <p:cNvGrpSpPr/>
+        <p:nvPr/>
+      </p:nvGrpSpPr>
+      <p:grpSpPr>
+        <a:xfrm>
+          <a:off x="0" y="0"/>
+          <a:ext cx="0" cy="0"/>
+          <a:chOff x="0" y="0"/>
+          <a:chExt cx="0" cy="0"/>
+        </a:xfrm>
+      </p:grpSpPr>
+      <p:sp>
+        <p:nvSpPr>
+          <p:cNvPr id="2" name="Slide Image Placeholder 1"/>
+          <p:cNvSpPr>
+            <a:spLocks noGrp="1" noRot="1" noChangeAspect="1"/>
+          </p:cNvSpPr>
+          <p:nvPr>
+            <p:ph type="sldImg"/>
+          </p:nvPr>
+        </p:nvSpPr>
+        <p:spPr/>
+      </p:sp>
+      <p:sp>
+        <p:nvSpPr>
+          <p:cNvPr id="3" name="Notes Placeholder 2"/>
+          <p:cNvSpPr>
+            <a:spLocks noGrp="1"/>
+          </p:cNvSpPr>
+          <p:nvPr>
+            <p:ph type="body" idx="1"/>
+          </p:nvPr>
+        </p:nvSpPr>
+        <p:spPr/>
+        <p:txBody>
+          <a:bodyPr>
+            <a:normAutofit/>
+          </a:bodyPr>
+          <a:lstStyle/>
+          <a:p>
+            <a:endParaRPr lang="en-US"/>
+          </a:p>
+        </p:txBody>
+      </p:sp>
+      <p:sp>
+        <p:nvSpPr>
+          <p:cNvPr id="4" name="Slide Number Placeholder 3"/>
+          <p:cNvSpPr>
+            <a:spLocks noGrp="1"/>
+          </p:cNvSpPr>
+          <p:nvPr>
+            <p:ph type="sldNum" sz="quarter" idx="10"/>
+          </p:nvPr>
+        </p:nvSpPr>
+        <p:spPr/>
+        <p:txBody>
+          <a:bodyPr/>
+          <a:lstStyle/>
+          <a:p>
+            <a:fld id="{A02B9F3F-3042-489F-AF35-1A733968F079}" type="slidenum">
+              <a:rPr lang="en-US" smtClean="0"/>
+              <a:pPr/>
+              <a:t>54</a:t>
             </a:fld>
             <a:endParaRPr lang="en-US"/>
           </a:p>
@@ -9237,7 +9403,7 @@
           <a:graphicData uri="http://schemas.openxmlformats.org/presentationml/2006/ole">
             <mc:AlternateContent xmlns:mc="http://schemas.openxmlformats.org/markup-compatibility/2006">
               <mc:Choice xmlns:v="urn:schemas-microsoft-com:vml" Requires="v">
-                <p:oleObj spid="_x0000_s439361" name="Equation" r:id="rId4" imgW="2146300" imgH="228600" progId="Equation.DSMT4">
+                <p:oleObj spid="_x0000_s439364" name="Equation" r:id="rId4" imgW="2146300" imgH="228600" progId="Equation.DSMT4">
                   <p:embed/>
                 </p:oleObj>
               </mc:Choice>
@@ -9460,7 +9626,7 @@
           <a:graphicData uri="http://schemas.openxmlformats.org/presentationml/2006/ole">
             <mc:AlternateContent xmlns:mc="http://schemas.openxmlformats.org/markup-compatibility/2006">
               <mc:Choice xmlns:v="urn:schemas-microsoft-com:vml" Requires="v">
-                <p:oleObj spid="_x0000_s434299" name="Equation" r:id="rId4" imgW="2146300" imgH="228600" progId="Equation.DSMT4">
+                <p:oleObj spid="_x0000_s434304" name="Equation" r:id="rId4" imgW="2146300" imgH="228600" progId="Equation.DSMT4">
                   <p:embed/>
                 </p:oleObj>
               </mc:Choice>
@@ -9517,7 +9683,7 @@
           <a:graphicData uri="http://schemas.openxmlformats.org/presentationml/2006/ole">
             <mc:AlternateContent xmlns:mc="http://schemas.openxmlformats.org/markup-compatibility/2006">
               <mc:Choice xmlns:v="urn:schemas-microsoft-com:vml" Requires="v">
-                <p:oleObj spid="_x0000_s434300" name="Equation" r:id="rId6" imgW="2514600" imgH="228600" progId="Equation.DSMT4">
+                <p:oleObj spid="_x0000_s434305" name="Equation" r:id="rId6" imgW="2514600" imgH="228600" progId="Equation.DSMT4">
                   <p:embed/>
                 </p:oleObj>
               </mc:Choice>
@@ -9684,7 +9850,7 @@
           <a:graphicData uri="http://schemas.openxmlformats.org/presentationml/2006/ole">
             <mc:AlternateContent xmlns:mc="http://schemas.openxmlformats.org/markup-compatibility/2006">
               <mc:Choice xmlns:v="urn:schemas-microsoft-com:vml" Requires="v">
-                <p:oleObj spid="_x0000_s436319" name="Equation" r:id="rId4" imgW="2514600" imgH="228600" progId="Equation.DSMT4">
+                <p:oleObj spid="_x0000_s436322" name="Equation" r:id="rId4" imgW="2514600" imgH="228600" progId="Equation.DSMT4">
                   <p:embed/>
                 </p:oleObj>
               </mc:Choice>
@@ -9905,7 +10071,7 @@
           <a:graphicData uri="http://schemas.openxmlformats.org/presentationml/2006/ole">
             <mc:AlternateContent xmlns:mc="http://schemas.openxmlformats.org/markup-compatibility/2006">
               <mc:Choice xmlns:v="urn:schemas-microsoft-com:vml" Requires="v">
-                <p:oleObj spid="_x0000_s437392" name="Equation" r:id="rId4" imgW="2514600" imgH="228600" progId="Equation.DSMT4">
+                <p:oleObj spid="_x0000_s437397" name="Equation" r:id="rId4" imgW="2514600" imgH="228600" progId="Equation.DSMT4">
                   <p:embed/>
                 </p:oleObj>
               </mc:Choice>
@@ -9962,7 +10128,7 @@
           <a:graphicData uri="http://schemas.openxmlformats.org/presentationml/2006/ole">
             <mc:AlternateContent xmlns:mc="http://schemas.openxmlformats.org/markup-compatibility/2006">
               <mc:Choice xmlns:v="urn:schemas-microsoft-com:vml" Requires="v">
-                <p:oleObj spid="_x0000_s437393" name="Equation" r:id="rId6" imgW="1866900" imgH="228600" progId="Equation.DSMT4">
+                <p:oleObj spid="_x0000_s437398" name="Equation" r:id="rId6" imgW="1866900" imgH="228600" progId="Equation.DSMT4">
                   <p:embed/>
                 </p:oleObj>
               </mc:Choice>
@@ -10129,7 +10295,7 @@
           <a:graphicData uri="http://schemas.openxmlformats.org/presentationml/2006/ole">
             <mc:AlternateContent xmlns:mc="http://schemas.openxmlformats.org/markup-compatibility/2006">
               <mc:Choice xmlns:v="urn:schemas-microsoft-com:vml" Requires="v">
-                <p:oleObj spid="_x0000_s479315" name="Equation" r:id="rId4" imgW="1866900" imgH="228600" progId="Equation.DSMT4">
+                <p:oleObj spid="_x0000_s479318" name="Equation" r:id="rId4" imgW="1866900" imgH="228600" progId="Equation.DSMT4">
                   <p:embed/>
                 </p:oleObj>
               </mc:Choice>
@@ -10352,7 +10518,7 @@
           <a:graphicData uri="http://schemas.openxmlformats.org/presentationml/2006/ole">
             <mc:AlternateContent xmlns:mc="http://schemas.openxmlformats.org/markup-compatibility/2006">
               <mc:Choice xmlns:v="urn:schemas-microsoft-com:vml" Requires="v">
-                <p:oleObj spid="_x0000_s440492" name="Equation" r:id="rId4" imgW="1866900" imgH="228600" progId="Equation.DSMT4">
+                <p:oleObj spid="_x0000_s440497" name="Equation" r:id="rId4" imgW="1866900" imgH="228600" progId="Equation.DSMT4">
                   <p:embed/>
                 </p:oleObj>
               </mc:Choice>
@@ -10409,7 +10575,7 @@
           <a:graphicData uri="http://schemas.openxmlformats.org/presentationml/2006/ole">
             <mc:AlternateContent xmlns:mc="http://schemas.openxmlformats.org/markup-compatibility/2006">
               <mc:Choice xmlns:v="urn:schemas-microsoft-com:vml" Requires="v">
-                <p:oleObj spid="_x0000_s440493" name="Equation" r:id="rId6" imgW="1689100" imgH="254000" progId="Equation.DSMT4">
+                <p:oleObj spid="_x0000_s440498" name="Equation" r:id="rId6" imgW="1689100" imgH="254000" progId="Equation.DSMT4">
                   <p:embed/>
                 </p:oleObj>
               </mc:Choice>
@@ -10751,7 +10917,7 @@
           <a:graphicData uri="http://schemas.openxmlformats.org/presentationml/2006/ole">
             <mc:AlternateContent xmlns:mc="http://schemas.openxmlformats.org/markup-compatibility/2006">
               <mc:Choice xmlns:v="urn:schemas-microsoft-com:vml" Requires="v">
-                <p:oleObj spid="_x0000_s573455" name="Equation" r:id="rId4" imgW="1511300" imgH="254000" progId="Equation.DSMT4">
+                <p:oleObj spid="_x0000_s573458" name="Equation" r:id="rId4" imgW="1511300" imgH="254000" progId="Equation.DSMT4">
                   <p:embed/>
                 </p:oleObj>
               </mc:Choice>
@@ -11003,7 +11169,7 @@
           <a:graphicData uri="http://schemas.openxmlformats.org/presentationml/2006/ole">
             <mc:AlternateContent xmlns:mc="http://schemas.openxmlformats.org/markup-compatibility/2006">
               <mc:Choice xmlns:v="urn:schemas-microsoft-com:vml" Requires="v">
-                <p:oleObj spid="_x0000_s571406" name="Equation" r:id="rId4" imgW="1866900" imgH="457200" progId="Equation.DSMT4">
+                <p:oleObj spid="_x0000_s571409" name="Equation" r:id="rId4" imgW="1866900" imgH="457200" progId="Equation.DSMT4">
                   <p:embed/>
                 </p:oleObj>
               </mc:Choice>
@@ -11287,7 +11453,7 @@
           <a:graphicData uri="http://schemas.openxmlformats.org/presentationml/2006/ole">
             <mc:AlternateContent xmlns:mc="http://schemas.openxmlformats.org/markup-compatibility/2006">
               <mc:Choice xmlns:v="urn:schemas-microsoft-com:vml" Requires="v">
-                <p:oleObj spid="_x0000_s572430" name="Equation" r:id="rId4" imgW="1790700" imgH="457200" progId="Equation.DSMT4">
+                <p:oleObj spid="_x0000_s572433" name="Equation" r:id="rId4" imgW="1790700" imgH="457200" progId="Equation.DSMT4">
                   <p:embed/>
                 </p:oleObj>
               </mc:Choice>
@@ -11753,7 +11919,7 @@
           <a:graphicData uri="http://schemas.openxmlformats.org/presentationml/2006/ole">
             <mc:AlternateContent xmlns:mc="http://schemas.openxmlformats.org/markup-compatibility/2006">
               <mc:Choice xmlns:v="urn:schemas-microsoft-com:vml" Requires="v">
-                <p:oleObj spid="_x0000_s433300" name="Equation" r:id="rId4" imgW="1511300" imgH="254000" progId="Equation.DSMT4">
+                <p:oleObj spid="_x0000_s433303" name="Equation" r:id="rId4" imgW="1511300" imgH="254000" progId="Equation.DSMT4">
                   <p:embed/>
                 </p:oleObj>
               </mc:Choice>
@@ -12159,7 +12325,7 @@
           <a:graphicData uri="http://schemas.openxmlformats.org/presentationml/2006/ole">
             <mc:AlternateContent xmlns:mc="http://schemas.openxmlformats.org/markup-compatibility/2006">
               <mc:Choice xmlns:v="urn:schemas-microsoft-com:vml" Requires="v">
-                <p:oleObj spid="_x0000_s441541" name="Equation" r:id="rId4" imgW="1371600" imgH="482600" progId="Equation.DSMT4">
+                <p:oleObj spid="_x0000_s441546" name="Equation" r:id="rId4" imgW="1371600" imgH="482600" progId="Equation.DSMT4">
                   <p:embed/>
                 </p:oleObj>
               </mc:Choice>
@@ -12277,7 +12443,7 @@
           <a:graphicData uri="http://schemas.openxmlformats.org/presentationml/2006/ole">
             <mc:AlternateContent xmlns:mc="http://schemas.openxmlformats.org/markup-compatibility/2006">
               <mc:Choice xmlns:v="urn:schemas-microsoft-com:vml" Requires="v">
-                <p:oleObj spid="_x0000_s441542" name="Equation" r:id="rId6" imgW="1511300" imgH="254000" progId="Equation.DSMT4">
+                <p:oleObj spid="_x0000_s441547" name="Equation" r:id="rId6" imgW="1511300" imgH="254000" progId="Equation.DSMT4">
                   <p:embed/>
                 </p:oleObj>
               </mc:Choice>
@@ -12383,7 +12549,7 @@
           <a:graphicData uri="http://schemas.openxmlformats.org/presentationml/2006/ole">
             <mc:AlternateContent xmlns:mc="http://schemas.openxmlformats.org/markup-compatibility/2006">
               <mc:Choice xmlns:v="urn:schemas-microsoft-com:vml" Requires="v">
-                <p:oleObj spid="_x0000_s603148" name="Equation" r:id="rId4" imgW="1371600" imgH="482600" progId="Equation.DSMT4">
+                <p:oleObj spid="_x0000_s603151" name="Equation" r:id="rId4" imgW="1371600" imgH="482600" progId="Equation.DSMT4">
                   <p:embed/>
                 </p:oleObj>
               </mc:Choice>
@@ -12550,7 +12716,7 @@
           <a:graphicData uri="http://schemas.openxmlformats.org/presentationml/2006/ole">
             <mc:AlternateContent xmlns:mc="http://schemas.openxmlformats.org/markup-compatibility/2006">
               <mc:Choice xmlns:v="urn:schemas-microsoft-com:vml" Requires="v">
-                <p:oleObj spid="_x0000_s502832" name="Equation" r:id="rId4" imgW="1371600" imgH="482600" progId="Equation.DSMT4">
+                <p:oleObj spid="_x0000_s502835" name="Equation" r:id="rId4" imgW="1371600" imgH="482600" progId="Equation.DSMT4">
                   <p:embed/>
                 </p:oleObj>
               </mc:Choice>
@@ -12713,7 +12879,7 @@
           <a:graphicData uri="http://schemas.openxmlformats.org/presentationml/2006/ole">
             <mc:AlternateContent xmlns:mc="http://schemas.openxmlformats.org/markup-compatibility/2006">
               <mc:Choice xmlns:v="urn:schemas-microsoft-com:vml" Requires="v">
-                <p:oleObj spid="_x0000_s444524" name="Equation" r:id="rId4" imgW="1371600" imgH="482600" progId="Equation.DSMT4">
+                <p:oleObj spid="_x0000_s444529" name="Equation" r:id="rId4" imgW="1371600" imgH="482600" progId="Equation.DSMT4">
                   <p:embed/>
                 </p:oleObj>
               </mc:Choice>
@@ -12855,7 +13021,7 @@
             <a:graphicData uri="http://schemas.openxmlformats.org/presentationml/2006/ole">
               <mc:AlternateContent xmlns:mc="http://schemas.openxmlformats.org/markup-compatibility/2006">
                 <mc:Choice xmlns:v="urn:schemas-microsoft-com:vml" Requires="v">
-                  <p:oleObj spid="_x0000_s444525" name="Equation" r:id="rId6" imgW="139700" imgH="215900" progId="Equation.DSMT4">
+                  <p:oleObj spid="_x0000_s444530" name="Equation" r:id="rId6" imgW="139700" imgH="215900" progId="Equation.DSMT4">
                     <p:embed/>
                   </p:oleObj>
                 </mc:Choice>
@@ -12990,7 +13156,7 @@
           <a:graphicData uri="http://schemas.openxmlformats.org/presentationml/2006/ole">
             <mc:AlternateContent xmlns:mc="http://schemas.openxmlformats.org/markup-compatibility/2006">
               <mc:Choice xmlns:v="urn:schemas-microsoft-com:vml" Requires="v">
-                <p:oleObj spid="_x0000_s442484" name="Equation" r:id="rId4" imgW="1371600" imgH="482600" progId="Equation.DSMT4">
+                <p:oleObj spid="_x0000_s442489" name="Equation" r:id="rId4" imgW="1371600" imgH="482600" progId="Equation.DSMT4">
                   <p:embed/>
                 </p:oleObj>
               </mc:Choice>
@@ -13047,7 +13213,7 @@
           <a:graphicData uri="http://schemas.openxmlformats.org/presentationml/2006/ole">
             <mc:AlternateContent xmlns:mc="http://schemas.openxmlformats.org/markup-compatibility/2006">
               <mc:Choice xmlns:v="urn:schemas-microsoft-com:vml" Requires="v">
-                <p:oleObj spid="_x0000_s442485" name="Equation" r:id="rId6" imgW="1803400" imgH="482600" progId="Equation.DSMT4">
+                <p:oleObj spid="_x0000_s442490" name="Equation" r:id="rId6" imgW="1803400" imgH="482600" progId="Equation.DSMT4">
                   <p:embed/>
                 </p:oleObj>
               </mc:Choice>
@@ -13214,7 +13380,7 @@
           <a:graphicData uri="http://schemas.openxmlformats.org/presentationml/2006/ole">
             <mc:AlternateContent xmlns:mc="http://schemas.openxmlformats.org/markup-compatibility/2006">
               <mc:Choice xmlns:v="urn:schemas-microsoft-com:vml" Requires="v">
-                <p:oleObj spid="_x0000_s446596" name="Equation" r:id="rId4" imgW="1803400" imgH="482600" progId="Equation.DSMT4">
+                <p:oleObj spid="_x0000_s446601" name="Equation" r:id="rId4" imgW="1803400" imgH="482600" progId="Equation.DSMT4">
                   <p:embed/>
                 </p:oleObj>
               </mc:Choice>
@@ -13356,7 +13522,7 @@
             <a:graphicData uri="http://schemas.openxmlformats.org/presentationml/2006/ole">
               <mc:AlternateContent xmlns:mc="http://schemas.openxmlformats.org/markup-compatibility/2006">
                 <mc:Choice xmlns:v="urn:schemas-microsoft-com:vml" Requires="v">
-                  <p:oleObj spid="_x0000_s446597" name="Equation" r:id="rId6" imgW="177800" imgH="241300" progId="Equation.DSMT4">
+                  <p:oleObj spid="_x0000_s446602" name="Equation" r:id="rId6" imgW="177800" imgH="241300" progId="Equation.DSMT4">
                     <p:embed/>
                   </p:oleObj>
                 </mc:Choice>
@@ -13482,7 +13648,7 @@
           <a:graphicData uri="http://schemas.openxmlformats.org/presentationml/2006/ole">
             <mc:AlternateContent xmlns:mc="http://schemas.openxmlformats.org/markup-compatibility/2006">
               <mc:Choice xmlns:v="urn:schemas-microsoft-com:vml" Requires="v">
-                <p:oleObj spid="_x0000_s445580" name="Equation" r:id="rId4" imgW="1854200" imgH="482600" progId="Equation.DSMT4">
+                <p:oleObj spid="_x0000_s445585" name="Equation" r:id="rId4" imgW="1854200" imgH="482600" progId="Equation.DSMT4">
                   <p:embed/>
                 </p:oleObj>
               </mc:Choice>
@@ -13539,7 +13705,7 @@
           <a:graphicData uri="http://schemas.openxmlformats.org/presentationml/2006/ole">
             <mc:AlternateContent xmlns:mc="http://schemas.openxmlformats.org/markup-compatibility/2006">
               <mc:Choice xmlns:v="urn:schemas-microsoft-com:vml" Requires="v">
-                <p:oleObj spid="_x0000_s445581" name="Equation" r:id="rId6" imgW="1803400" imgH="482600" progId="Equation.DSMT4">
+                <p:oleObj spid="_x0000_s445586" name="Equation" r:id="rId6" imgW="1803400" imgH="482600" progId="Equation.DSMT4">
                   <p:embed/>
                 </p:oleObj>
               </mc:Choice>
@@ -13697,7 +13863,7 @@
           <a:graphicData uri="http://schemas.openxmlformats.org/presentationml/2006/ole">
             <mc:AlternateContent xmlns:mc="http://schemas.openxmlformats.org/markup-compatibility/2006">
               <mc:Choice xmlns:v="urn:schemas-microsoft-com:vml" Requires="v">
-                <p:oleObj spid="_x0000_s480339" name="Equation" r:id="rId4" imgW="1854200" imgH="482600" progId="Equation.DSMT4">
+                <p:oleObj spid="_x0000_s480343" name="Equation" r:id="rId4" imgW="1854200" imgH="482600" progId="Equation.DSMT4">
                   <p:embed/>
                 </p:oleObj>
               </mc:Choice>
@@ -13881,7 +14047,7 @@
             <a:r>
               <a:rPr lang="en-US" sz="4800" dirty="0" smtClean="0">
                 <a:solidFill>
-                  <a:srgbClr val="FF03E3"/>
+                  <a:srgbClr val="C40025"/>
                 </a:solidFill>
                 <a:latin typeface="Comic Sans MS" pitchFamily="66" charset="0"/>
               </a:rPr>
@@ -14156,7 +14322,7 @@
           <a:graphicData uri="http://schemas.openxmlformats.org/presentationml/2006/ole">
             <mc:AlternateContent xmlns:mc="http://schemas.openxmlformats.org/markup-compatibility/2006">
               <mc:Choice xmlns:v="urn:schemas-microsoft-com:vml" Requires="v">
-                <p:oleObj spid="_x0000_s425177" name="Equation" r:id="rId4" imgW="1511300" imgH="254000" progId="Equation.DSMT4">
+                <p:oleObj spid="_x0000_s425186" name="Equation" r:id="rId4" imgW="1511300" imgH="254000" progId="Equation.DSMT4">
                   <p:embed/>
                 </p:oleObj>
               </mc:Choice>
@@ -14213,7 +14379,7 @@
           <a:graphicData uri="http://schemas.openxmlformats.org/presentationml/2006/ole">
             <mc:AlternateContent xmlns:mc="http://schemas.openxmlformats.org/markup-compatibility/2006">
               <mc:Choice xmlns:v="urn:schemas-microsoft-com:vml" Requires="v">
-                <p:oleObj spid="_x0000_s425178" name="Equation" r:id="rId6" imgW="1524000" imgH="254000" progId="Equation.DSMT4">
+                <p:oleObj spid="_x0000_s425187" name="Equation" r:id="rId6" imgW="1524000" imgH="254000" progId="Equation.DSMT4">
                   <p:embed/>
                 </p:oleObj>
               </mc:Choice>
@@ -14270,7 +14436,7 @@
           <a:graphicData uri="http://schemas.openxmlformats.org/presentationml/2006/ole">
             <mc:AlternateContent xmlns:mc="http://schemas.openxmlformats.org/markup-compatibility/2006">
               <mc:Choice xmlns:v="urn:schemas-microsoft-com:vml" Requires="v">
-                <p:oleObj spid="_x0000_s425179" name="Equation" r:id="rId8" imgW="1181100" imgH="228600" progId="Equation.DSMT4">
+                <p:oleObj spid="_x0000_s425188" name="Equation" r:id="rId8" imgW="1181100" imgH="228600" progId="Equation.DSMT4">
                   <p:embed/>
                 </p:oleObj>
               </mc:Choice>
@@ -14327,7 +14493,7 @@
           <a:graphicData uri="http://schemas.openxmlformats.org/presentationml/2006/ole">
             <mc:AlternateContent xmlns:mc="http://schemas.openxmlformats.org/markup-compatibility/2006">
               <mc:Choice xmlns:v="urn:schemas-microsoft-com:vml" Requires="v">
-                <p:oleObj spid="_x0000_s425180" name="Equation" r:id="rId10" imgW="1168400" imgH="228600" progId="Equation.DSMT4">
+                <p:oleObj spid="_x0000_s425189" name="Equation" r:id="rId10" imgW="1168400" imgH="228600" progId="Equation.DSMT4">
                   <p:embed/>
                 </p:oleObj>
               </mc:Choice>
@@ -14718,7 +14884,7 @@
           <a:graphicData uri="http://schemas.openxmlformats.org/presentationml/2006/ole">
             <mc:AlternateContent xmlns:mc="http://schemas.openxmlformats.org/markup-compatibility/2006">
               <mc:Choice xmlns:v="urn:schemas-microsoft-com:vml" Requires="v">
-                <p:oleObj spid="_x0000_s554046" name="Equation" r:id="rId4" imgW="1181100" imgH="228600" progId="Equation.DSMT4">
+                <p:oleObj spid="_x0000_s554055" name="Equation" r:id="rId4" imgW="1181100" imgH="228600" progId="Equation.DSMT4">
                   <p:embed/>
                 </p:oleObj>
               </mc:Choice>
@@ -14775,7 +14941,7 @@
           <a:graphicData uri="http://schemas.openxmlformats.org/presentationml/2006/ole">
             <mc:AlternateContent xmlns:mc="http://schemas.openxmlformats.org/markup-compatibility/2006">
               <mc:Choice xmlns:v="urn:schemas-microsoft-com:vml" Requires="v">
-                <p:oleObj spid="_x0000_s554047" name="Equation" r:id="rId6" imgW="1168400" imgH="228600" progId="Equation.DSMT4">
+                <p:oleObj spid="_x0000_s554056" name="Equation" r:id="rId6" imgW="1168400" imgH="228600" progId="Equation.DSMT4">
                   <p:embed/>
                 </p:oleObj>
               </mc:Choice>
@@ -14832,7 +14998,7 @@
           <a:graphicData uri="http://schemas.openxmlformats.org/presentationml/2006/ole">
             <mc:AlternateContent xmlns:mc="http://schemas.openxmlformats.org/markup-compatibility/2006">
               <mc:Choice xmlns:v="urn:schemas-microsoft-com:vml" Requires="v">
-                <p:oleObj spid="_x0000_s554048" name="Equation" r:id="rId8" imgW="1511300" imgH="254000" progId="Equation.DSMT4">
+                <p:oleObj spid="_x0000_s554057" name="Equation" r:id="rId8" imgW="1511300" imgH="254000" progId="Equation.DSMT4">
                   <p:embed/>
                 </p:oleObj>
               </mc:Choice>
@@ -14889,7 +15055,7 @@
           <a:graphicData uri="http://schemas.openxmlformats.org/presentationml/2006/ole">
             <mc:AlternateContent xmlns:mc="http://schemas.openxmlformats.org/markup-compatibility/2006">
               <mc:Choice xmlns:v="urn:schemas-microsoft-com:vml" Requires="v">
-                <p:oleObj spid="_x0000_s554049" name="Equation" r:id="rId10" imgW="1524000" imgH="254000" progId="Equation.DSMT4">
+                <p:oleObj spid="_x0000_s554058" name="Equation" r:id="rId10" imgW="1524000" imgH="254000" progId="Equation.DSMT4">
                   <p:embed/>
                 </p:oleObj>
               </mc:Choice>
@@ -15512,7 +15678,7 @@
           <a:graphicData uri="http://schemas.openxmlformats.org/presentationml/2006/ole">
             <mc:AlternateContent xmlns:mc="http://schemas.openxmlformats.org/markup-compatibility/2006">
               <mc:Choice xmlns:v="urn:schemas-microsoft-com:vml" Requires="v">
-                <p:oleObj spid="_x0000_s426080" name="Equation" r:id="rId4" imgW="1854200" imgH="482600" progId="Equation.DSMT4">
+                <p:oleObj spid="_x0000_s426084" name="Equation" r:id="rId4" imgW="1854200" imgH="482600" progId="Equation.DSMT4">
                   <p:embed/>
                 </p:oleObj>
               </mc:Choice>
@@ -15570,14 +15736,14 @@
             <a:r>
               <a:rPr lang="en-US" sz="4000" dirty="0" smtClean="0">
                 <a:solidFill>
-                  <a:srgbClr val="FF03E3"/>
+                  <a:srgbClr val="C40025"/>
                 </a:solidFill>
               </a:rPr>
               <a:t>example</a:t>
             </a:r>
             <a:endParaRPr lang="en-US" sz="4000" dirty="0">
               <a:solidFill>
-                <a:srgbClr val="FF03E3"/>
+                <a:srgbClr val="C40025"/>
               </a:solidFill>
             </a:endParaRPr>
           </a:p>
@@ -15886,7 +16052,7 @@
           <a:graphicData uri="http://schemas.openxmlformats.org/presentationml/2006/ole">
             <mc:AlternateContent xmlns:mc="http://schemas.openxmlformats.org/markup-compatibility/2006">
               <mc:Choice xmlns:v="urn:schemas-microsoft-com:vml" Requires="v">
-                <p:oleObj spid="_x0000_s481334" name="Equation" r:id="rId4" imgW="1854200" imgH="482600" progId="Equation.DSMT4">
+                <p:oleObj spid="_x0000_s481338" name="Equation" r:id="rId4" imgW="1854200" imgH="482600" progId="Equation.DSMT4">
                   <p:embed/>
                 </p:oleObj>
               </mc:Choice>
@@ -15977,14 +16143,14 @@
             <a:r>
               <a:rPr lang="en-US" sz="4000" dirty="0" smtClean="0">
                 <a:solidFill>
-                  <a:srgbClr val="FF03E3"/>
+                  <a:srgbClr val="C40025"/>
                 </a:solidFill>
               </a:rPr>
               <a:t>example</a:t>
             </a:r>
             <a:endParaRPr lang="en-US" sz="4000" dirty="0">
               <a:solidFill>
-                <a:srgbClr val="FF03E3"/>
+                <a:srgbClr val="C40025"/>
               </a:solidFill>
             </a:endParaRPr>
           </a:p>
@@ -16099,7 +16265,7 @@
           <a:graphicData uri="http://schemas.openxmlformats.org/presentationml/2006/ole">
             <mc:AlternateContent xmlns:mc="http://schemas.openxmlformats.org/markup-compatibility/2006">
               <mc:Choice xmlns:v="urn:schemas-microsoft-com:vml" Requires="v">
-                <p:oleObj spid="_x0000_s528421" name="Equation" r:id="rId4" imgW="1803400" imgH="482600" progId="Equation.DSMT4">
+                <p:oleObj spid="_x0000_s528425" name="Equation" r:id="rId4" imgW="1803400" imgH="482600" progId="Equation.DSMT4">
                   <p:embed/>
                 </p:oleObj>
               </mc:Choice>
@@ -16190,14 +16356,14 @@
             <a:r>
               <a:rPr lang="en-US" sz="4000" dirty="0" smtClean="0">
                 <a:solidFill>
-                  <a:srgbClr val="FF03E3"/>
+                  <a:srgbClr val="C40025"/>
                 </a:solidFill>
               </a:rPr>
               <a:t>example</a:t>
             </a:r>
             <a:endParaRPr lang="en-US" sz="4000" dirty="0">
               <a:solidFill>
-                <a:srgbClr val="FF03E3"/>
+                <a:srgbClr val="C40025"/>
               </a:solidFill>
             </a:endParaRPr>
           </a:p>
@@ -16298,7 +16464,7 @@
           <a:graphicData uri="http://schemas.openxmlformats.org/presentationml/2006/ole">
             <mc:AlternateContent xmlns:mc="http://schemas.openxmlformats.org/markup-compatibility/2006">
               <mc:Choice xmlns:v="urn:schemas-microsoft-com:vml" Requires="v">
-                <p:oleObj spid="_x0000_s447555" name="Equation" r:id="rId4" imgW="2514600" imgH="254000" progId="Equation.DSMT4">
+                <p:oleObj spid="_x0000_s447558" name="Equation" r:id="rId4" imgW="2514600" imgH="254000" progId="Equation.DSMT4">
                   <p:embed/>
                 </p:oleObj>
               </mc:Choice>
@@ -16658,7 +16824,7 @@
           <a:graphicData uri="http://schemas.openxmlformats.org/presentationml/2006/ole">
             <mc:AlternateContent xmlns:mc="http://schemas.openxmlformats.org/markup-compatibility/2006">
               <mc:Choice xmlns:v="urn:schemas-microsoft-com:vml" Requires="v">
-                <p:oleObj spid="_x0000_s449658" name="Equation" r:id="rId4" imgW="698500" imgH="254000" progId="Equation.DSMT4">
+                <p:oleObj spid="_x0000_s449663" name="Equation" r:id="rId4" imgW="698500" imgH="254000" progId="Equation.DSMT4">
                   <p:embed/>
                 </p:oleObj>
               </mc:Choice>
@@ -16715,7 +16881,7 @@
           <a:graphicData uri="http://schemas.openxmlformats.org/presentationml/2006/ole">
             <mc:AlternateContent xmlns:mc="http://schemas.openxmlformats.org/markup-compatibility/2006">
               <mc:Choice xmlns:v="urn:schemas-microsoft-com:vml" Requires="v">
-                <p:oleObj spid="_x0000_s449659" name="Equation" r:id="rId6" imgW="1651000" imgH="254000" progId="Equation.DSMT4">
+                <p:oleObj spid="_x0000_s449664" name="Equation" r:id="rId6" imgW="1651000" imgH="254000" progId="Equation.DSMT4">
                   <p:embed/>
                 </p:oleObj>
               </mc:Choice>
@@ -17129,7 +17295,7 @@
           <a:graphicData uri="http://schemas.openxmlformats.org/presentationml/2006/ole">
             <mc:AlternateContent xmlns:mc="http://schemas.openxmlformats.org/markup-compatibility/2006">
               <mc:Choice xmlns:v="urn:schemas-microsoft-com:vml" Requires="v">
-                <p:oleObj spid="_x0000_s507001" name="Equation" r:id="rId4" imgW="698500" imgH="254000" progId="Equation.DSMT4">
+                <p:oleObj spid="_x0000_s507008" name="Equation" r:id="rId4" imgW="698500" imgH="254000" progId="Equation.DSMT4">
                   <p:embed/>
                 </p:oleObj>
               </mc:Choice>
@@ -17186,7 +17352,7 @@
           <a:graphicData uri="http://schemas.openxmlformats.org/presentationml/2006/ole">
             <mc:AlternateContent xmlns:mc="http://schemas.openxmlformats.org/markup-compatibility/2006">
               <mc:Choice xmlns:v="urn:schemas-microsoft-com:vml" Requires="v">
-                <p:oleObj spid="_x0000_s507002" name="Equation" r:id="rId6" imgW="1651000" imgH="254000" progId="Equation.DSMT4">
+                <p:oleObj spid="_x0000_s507009" name="Equation" r:id="rId6" imgW="1651000" imgH="254000" progId="Equation.DSMT4">
                   <p:embed/>
                 </p:oleObj>
               </mc:Choice>
@@ -17243,7 +17409,7 @@
           <a:graphicData uri="http://schemas.openxmlformats.org/presentationml/2006/ole">
             <mc:AlternateContent xmlns:mc="http://schemas.openxmlformats.org/markup-compatibility/2006">
               <mc:Choice xmlns:v="urn:schemas-microsoft-com:vml" Requires="v">
-                <p:oleObj spid="_x0000_s507003" name="Equation" r:id="rId8" imgW="1333500" imgH="482600" progId="Equation.DSMT4">
+                <p:oleObj spid="_x0000_s507010" name="Equation" r:id="rId8" imgW="1333500" imgH="482600" progId="Equation.DSMT4">
                   <p:embed/>
                 </p:oleObj>
               </mc:Choice>
@@ -17543,7 +17709,7 @@
           <a:graphicData uri="http://schemas.openxmlformats.org/presentationml/2006/ole">
             <mc:AlternateContent xmlns:mc="http://schemas.openxmlformats.org/markup-compatibility/2006">
               <mc:Choice xmlns:v="urn:schemas-microsoft-com:vml" Requires="v">
-                <p:oleObj spid="_x0000_s508005" name="Equation" r:id="rId4" imgW="698500" imgH="254000" progId="Equation.DSMT4">
+                <p:oleObj spid="_x0000_s508010" name="Equation" r:id="rId4" imgW="698500" imgH="254000" progId="Equation.DSMT4">
                   <p:embed/>
                 </p:oleObj>
               </mc:Choice>
@@ -17600,7 +17766,7 @@
           <a:graphicData uri="http://schemas.openxmlformats.org/presentationml/2006/ole">
             <mc:AlternateContent xmlns:mc="http://schemas.openxmlformats.org/markup-compatibility/2006">
               <mc:Choice xmlns:v="urn:schemas-microsoft-com:vml" Requires="v">
-                <p:oleObj spid="_x0000_s508006" name="Equation" r:id="rId6" imgW="1333500" imgH="482600" progId="Equation.DSMT4">
+                <p:oleObj spid="_x0000_s508011" name="Equation" r:id="rId6" imgW="1333500" imgH="482600" progId="Equation.DSMT4">
                   <p:embed/>
                 </p:oleObj>
               </mc:Choice>
@@ -18024,7 +18190,7 @@
           <a:graphicData uri="http://schemas.openxmlformats.org/presentationml/2006/ole">
             <mc:AlternateContent xmlns:mc="http://schemas.openxmlformats.org/markup-compatibility/2006">
               <mc:Choice xmlns:v="urn:schemas-microsoft-com:vml" Requires="v">
-                <p:oleObj spid="_x0000_s522306" name="Equation" r:id="rId4" imgW="1600200" imgH="215900" progId="Equation.DSMT4">
+                <p:oleObj spid="_x0000_s522311" name="Equation" r:id="rId4" imgW="1600200" imgH="215900" progId="Equation.DSMT4">
                   <p:embed/>
                 </p:oleObj>
               </mc:Choice>
@@ -18081,7 +18247,7 @@
           <a:graphicData uri="http://schemas.openxmlformats.org/presentationml/2006/ole">
             <mc:AlternateContent xmlns:mc="http://schemas.openxmlformats.org/markup-compatibility/2006">
               <mc:Choice xmlns:v="urn:schemas-microsoft-com:vml" Requires="v">
-                <p:oleObj spid="_x0000_s522307" name="Equation" r:id="rId6" imgW="1397000" imgH="457200" progId="Equation.DSMT4">
+                <p:oleObj spid="_x0000_s522312" name="Equation" r:id="rId6" imgW="1397000" imgH="457200" progId="Equation.DSMT4">
                   <p:embed/>
                 </p:oleObj>
               </mc:Choice>
@@ -18490,7 +18656,7 @@
           <a:graphicData uri="http://schemas.openxmlformats.org/presentationml/2006/ole">
             <mc:AlternateContent xmlns:mc="http://schemas.openxmlformats.org/markup-compatibility/2006">
               <mc:Choice xmlns:v="urn:schemas-microsoft-com:vml" Requires="v">
-                <p:oleObj spid="_x0000_s461890" name="Equation" r:id="rId4" imgW="1333500" imgH="482600" progId="Equation.DSMT4">
+                <p:oleObj spid="_x0000_s461894" name="Equation" r:id="rId4" imgW="1333500" imgH="482600" progId="Equation.DSMT4">
                   <p:embed/>
                 </p:oleObj>
               </mc:Choice>
@@ -18548,14 +18714,14 @@
             <a:r>
               <a:rPr lang="en-US" sz="4000" dirty="0" smtClean="0">
                 <a:solidFill>
-                  <a:srgbClr val="FF03E3"/>
+                  <a:srgbClr val="C40025"/>
                 </a:solidFill>
               </a:rPr>
               <a:t>example</a:t>
             </a:r>
             <a:endParaRPr lang="en-US" sz="4000" dirty="0">
               <a:solidFill>
-                <a:srgbClr val="FF03E3"/>
+                <a:srgbClr val="C40025"/>
               </a:solidFill>
             </a:endParaRPr>
           </a:p>
@@ -18728,7 +18894,7 @@
           <a:graphicData uri="http://schemas.openxmlformats.org/presentationml/2006/ole">
             <mc:AlternateContent xmlns:mc="http://schemas.openxmlformats.org/markup-compatibility/2006">
               <mc:Choice xmlns:v="urn:schemas-microsoft-com:vml" Requires="v">
-                <p:oleObj spid="_x0000_s523320" name="Equation" r:id="rId4" imgW="1333500" imgH="482600" progId="Equation.DSMT4">
+                <p:oleObj spid="_x0000_s523324" name="Equation" r:id="rId4" imgW="1333500" imgH="482600" progId="Equation.DSMT4">
                   <p:embed/>
                 </p:oleObj>
               </mc:Choice>
@@ -18786,14 +18952,14 @@
             <a:r>
               <a:rPr lang="en-US" sz="4000" dirty="0" smtClean="0">
                 <a:solidFill>
-                  <a:srgbClr val="FF03E3"/>
+                  <a:srgbClr val="C40025"/>
                 </a:solidFill>
               </a:rPr>
               <a:t>example</a:t>
             </a:r>
             <a:endParaRPr lang="en-US" sz="4000" dirty="0">
               <a:solidFill>
-                <a:srgbClr val="FF03E3"/>
+                <a:srgbClr val="C40025"/>
               </a:solidFill>
             </a:endParaRPr>
           </a:p>
@@ -19131,7 +19297,7 @@
           <a:graphicData uri="http://schemas.openxmlformats.org/presentationml/2006/ole">
             <mc:AlternateContent xmlns:mc="http://schemas.openxmlformats.org/markup-compatibility/2006">
               <mc:Choice xmlns:v="urn:schemas-microsoft-com:vml" Requires="v">
-                <p:oleObj spid="_x0000_s420059" name="Equation" r:id="rId4" imgW="139700" imgH="215900" progId="Equation.DSMT4">
+                <p:oleObj spid="_x0000_s420066" name="Equation" r:id="rId4" imgW="139700" imgH="215900" progId="Equation.DSMT4">
                   <p:embed/>
                 </p:oleObj>
               </mc:Choice>
@@ -19188,7 +19354,7 @@
           <a:graphicData uri="http://schemas.openxmlformats.org/presentationml/2006/ole">
             <mc:AlternateContent xmlns:mc="http://schemas.openxmlformats.org/markup-compatibility/2006">
               <mc:Choice xmlns:v="urn:schemas-microsoft-com:vml" Requires="v">
-                <p:oleObj spid="_x0000_s420060" name="Equation" r:id="rId6" imgW="2044700" imgH="228600" progId="Equation.DSMT4">
+                <p:oleObj spid="_x0000_s420067" name="Equation" r:id="rId6" imgW="2044700" imgH="228600" progId="Equation.DSMT4">
                   <p:embed/>
                 </p:oleObj>
               </mc:Choice>
@@ -19328,7 +19494,7 @@
           <a:graphicData uri="http://schemas.openxmlformats.org/presentationml/2006/ole">
             <mc:AlternateContent xmlns:mc="http://schemas.openxmlformats.org/markup-compatibility/2006">
               <mc:Choice xmlns:v="urn:schemas-microsoft-com:vml" Requires="v">
-                <p:oleObj spid="_x0000_s420061" name="Equation" r:id="rId8" imgW="2159000" imgH="457200" progId="Equation.DSMT4">
+                <p:oleObj spid="_x0000_s420068" name="Equation" r:id="rId8" imgW="2159000" imgH="457200" progId="Equation.DSMT4">
                   <p:embed/>
                 </p:oleObj>
               </mc:Choice>
@@ -19643,7 +19809,7 @@
           <a:graphicData uri="http://schemas.openxmlformats.org/presentationml/2006/ole">
             <mc:AlternateContent xmlns:mc="http://schemas.openxmlformats.org/markup-compatibility/2006">
               <mc:Choice xmlns:v="urn:schemas-microsoft-com:vml" Requires="v">
-                <p:oleObj spid="_x0000_s542751" name="Equation" r:id="rId4" imgW="1333500" imgH="482600" progId="Equation.DSMT4">
+                <p:oleObj spid="_x0000_s542755" name="Equation" r:id="rId4" imgW="1333500" imgH="482600" progId="Equation.DSMT4">
                   <p:embed/>
                 </p:oleObj>
               </mc:Choice>
@@ -19701,14 +19867,14 @@
             <a:r>
               <a:rPr lang="en-US" sz="4000" dirty="0" smtClean="0">
                 <a:solidFill>
-                  <a:srgbClr val="FF03E3"/>
+                  <a:srgbClr val="C40025"/>
                 </a:solidFill>
               </a:rPr>
               <a:t>example</a:t>
             </a:r>
             <a:endParaRPr lang="en-US" sz="4000" dirty="0">
               <a:solidFill>
-                <a:srgbClr val="FF03E3"/>
+                <a:srgbClr val="C40025"/>
               </a:solidFill>
             </a:endParaRPr>
           </a:p>
@@ -19818,7 +19984,7 @@
           <a:graphicData uri="http://schemas.openxmlformats.org/presentationml/2006/ole">
             <mc:AlternateContent xmlns:mc="http://schemas.openxmlformats.org/markup-compatibility/2006">
               <mc:Choice xmlns:v="urn:schemas-microsoft-com:vml" Requires="v">
-                <p:oleObj spid="_x0000_s544822" name="Equation" r:id="rId4" imgW="1333500" imgH="482600" progId="Equation.DSMT4">
+                <p:oleObj spid="_x0000_s544827" name="Equation" r:id="rId4" imgW="1333500" imgH="482600" progId="Equation.DSMT4">
                   <p:embed/>
                 </p:oleObj>
               </mc:Choice>
@@ -19978,7 +20144,7 @@
           <a:graphicData uri="http://schemas.openxmlformats.org/presentationml/2006/ole">
             <mc:AlternateContent xmlns:mc="http://schemas.openxmlformats.org/markup-compatibility/2006">
               <mc:Choice xmlns:v="urn:schemas-microsoft-com:vml" Requires="v">
-                <p:oleObj spid="_x0000_s544823" name="Equation" r:id="rId6" imgW="698500" imgH="254000" progId="Equation.DSMT4">
+                <p:oleObj spid="_x0000_s544828" name="Equation" r:id="rId6" imgW="698500" imgH="254000" progId="Equation.DSMT4">
                   <p:embed/>
                 </p:oleObj>
               </mc:Choice>
@@ -20395,7 +20561,7 @@
           <a:graphicData uri="http://schemas.openxmlformats.org/presentationml/2006/ole">
             <mc:AlternateContent xmlns:mc="http://schemas.openxmlformats.org/markup-compatibility/2006">
               <mc:Choice xmlns:v="urn:schemas-microsoft-com:vml" Requires="v">
-                <p:oleObj spid="_x0000_s525420" name="Equation" r:id="rId4" imgW="1333500" imgH="482600" progId="Equation.DSMT4">
+                <p:oleObj spid="_x0000_s525430" name="Equation" r:id="rId4" imgW="1333500" imgH="482600" progId="Equation.DSMT4">
                   <p:embed/>
                 </p:oleObj>
               </mc:Choice>
@@ -20487,7 +20653,7 @@
           <a:graphicData uri="http://schemas.openxmlformats.org/presentationml/2006/ole">
             <mc:AlternateContent xmlns:mc="http://schemas.openxmlformats.org/markup-compatibility/2006">
               <mc:Choice xmlns:v="urn:schemas-microsoft-com:vml" Requires="v">
-                <p:oleObj spid="_x0000_s525421" name="Equation" r:id="rId6" imgW="1333500" imgH="482600" progId="Equation.DSMT4">
+                <p:oleObj spid="_x0000_s525431" name="Equation" r:id="rId6" imgW="1333500" imgH="482600" progId="Equation.DSMT4">
                   <p:embed/>
                 </p:oleObj>
               </mc:Choice>
@@ -20544,7 +20710,7 @@
           <a:graphicData uri="http://schemas.openxmlformats.org/presentationml/2006/ole">
             <mc:AlternateContent xmlns:mc="http://schemas.openxmlformats.org/markup-compatibility/2006">
               <mc:Choice xmlns:v="urn:schemas-microsoft-com:vml" Requires="v">
-                <p:oleObj spid="_x0000_s525422" name="Equation" r:id="rId8" imgW="1371600" imgH="482600" progId="Equation.DSMT4">
+                <p:oleObj spid="_x0000_s525432" name="Equation" r:id="rId8" imgW="1371600" imgH="482600" progId="Equation.DSMT4">
                   <p:embed/>
                 </p:oleObj>
               </mc:Choice>
@@ -20665,14 +20831,14 @@
             <a:r>
               <a:rPr lang="en-US" sz="4000" dirty="0" smtClean="0">
                 <a:solidFill>
-                  <a:srgbClr val="FF03E3"/>
+                  <a:srgbClr val="C40025"/>
                 </a:solidFill>
               </a:rPr>
               <a:t>example</a:t>
             </a:r>
             <a:endParaRPr lang="en-US" sz="4000" dirty="0">
               <a:solidFill>
-                <a:srgbClr val="FF03E3"/>
+                <a:srgbClr val="C40025"/>
               </a:solidFill>
             </a:endParaRPr>
           </a:p>
@@ -20756,37 +20922,45 @@
                             </p:stCondLst>
                             <p:childTnLst>
                               <p:par>
-                                <p:cTn id="5" presetID="9" presetClass="exit" presetSubtype="0" fill="hold" grpId="2" nodeType="clickEffect">
+                                <p:cTn id="5" presetID="10" presetClass="entr" presetSubtype="0" fill="hold" nodeType="clickEffect">
                                   <p:stCondLst>
                                     <p:cond delay="0"/>
                                   </p:stCondLst>
                                   <p:childTnLst>
-                                    <p:animEffect transition="out" filter="dissolve">
-                                      <p:cBhvr>
-                                        <p:cTn id="6" dur="500"/>
-                                        <p:tgtEl>
-                                          <p:spTgt spid="14"/>
-                                        </p:tgtEl>
-                                      </p:cBhvr>
-                                    </p:animEffect>
                                     <p:set>
                                       <p:cBhvr>
-                                        <p:cTn id="7" dur="1" fill="hold">
+                                        <p:cTn id="6" dur="1" fill="hold">
                                           <p:stCondLst>
-                                            <p:cond delay="499"/>
+                                            <p:cond delay="0"/>
                                           </p:stCondLst>
                                         </p:cTn>
                                         <p:tgtEl>
-                                          <p:spTgt spid="14"/>
+                                          <p:spTgt spid="3">
+                                            <p:txEl>
+                                              <p:pRg st="0" end="0"/>
+                                            </p:txEl>
+                                          </p:spTgt>
                                         </p:tgtEl>
                                         <p:attrNameLst>
                                           <p:attrName>style.visibility</p:attrName>
                                         </p:attrNameLst>
                                       </p:cBhvr>
                                       <p:to>
-                                        <p:strVal val="hidden"/>
+                                        <p:strVal val="visible"/>
                                       </p:to>
                                     </p:set>
+                                    <p:animEffect transition="in" filter="fade">
+                                      <p:cBhvr>
+                                        <p:cTn id="7" dur="500"/>
+                                        <p:tgtEl>
+                                          <p:spTgt spid="3">
+                                            <p:txEl>
+                                              <p:pRg st="0" end="0"/>
+                                            </p:txEl>
+                                          </p:spTgt>
+                                        </p:tgtEl>
+                                      </p:cBhvr>
+                                    </p:animEffect>
                                   </p:childTnLst>
                                 </p:cTn>
                               </p:par>
@@ -20813,11 +20987,7 @@
                                           </p:stCondLst>
                                         </p:cTn>
                                         <p:tgtEl>
-                                          <p:spTgt spid="3">
-                                            <p:txEl>
-                                              <p:pRg st="0" end="0"/>
-                                            </p:txEl>
-                                          </p:spTgt>
+                                          <p:spTgt spid="9"/>
                                         </p:tgtEl>
                                         <p:attrNameLst>
                                           <p:attrName>style.visibility</p:attrName>
@@ -20831,63 +21001,6 @@
                                       <p:cBhvr>
                                         <p:cTn id="11" dur="500"/>
                                         <p:tgtEl>
-                                          <p:spTgt spid="3">
-                                            <p:txEl>
-                                              <p:pRg st="0" end="0"/>
-                                            </p:txEl>
-                                          </p:spTgt>
-                                        </p:tgtEl>
-                                      </p:cBhvr>
-                                    </p:animEffect>
-                                  </p:childTnLst>
-                                </p:cTn>
-                              </p:par>
-                            </p:childTnLst>
-                          </p:cTn>
-                        </p:par>
-                      </p:childTnLst>
-                    </p:cTn>
-                  </p:par>
-                  <p:par>
-                    <p:cTn id="12" fill="hold">
-                      <p:stCondLst>
-                        <p:cond delay="indefinite"/>
-                      </p:stCondLst>
-                      <p:childTnLst>
-                        <p:par>
-                          <p:cTn id="13" fill="hold">
-                            <p:stCondLst>
-                              <p:cond delay="0"/>
-                            </p:stCondLst>
-                            <p:childTnLst>
-                              <p:par>
-                                <p:cTn id="14" presetID="10" presetClass="entr" presetSubtype="0" fill="hold" nodeType="clickEffect">
-                                  <p:stCondLst>
-                                    <p:cond delay="0"/>
-                                  </p:stCondLst>
-                                  <p:childTnLst>
-                                    <p:set>
-                                      <p:cBhvr>
-                                        <p:cTn id="15" dur="1" fill="hold">
-                                          <p:stCondLst>
-                                            <p:cond delay="0"/>
-                                          </p:stCondLst>
-                                        </p:cTn>
-                                        <p:tgtEl>
-                                          <p:spTgt spid="9"/>
-                                        </p:tgtEl>
-                                        <p:attrNameLst>
-                                          <p:attrName>style.visibility</p:attrName>
-                                        </p:attrNameLst>
-                                      </p:cBhvr>
-                                      <p:to>
-                                        <p:strVal val="visible"/>
-                                      </p:to>
-                                    </p:set>
-                                    <p:animEffect transition="in" filter="fade">
-                                      <p:cBhvr>
-                                        <p:cTn id="16" dur="500"/>
-                                        <p:tgtEl>
                                           <p:spTgt spid="9"/>
                                         </p:tgtEl>
                                       </p:cBhvr>
@@ -20899,20 +21012,20 @@
                           </p:cTn>
                         </p:par>
                         <p:par>
-                          <p:cTn id="17" fill="hold">
+                          <p:cTn id="12" fill="hold">
                             <p:stCondLst>
-                              <p:cond delay="500"/>
+                              <p:cond delay="1000"/>
                             </p:stCondLst>
                             <p:childTnLst>
                               <p:par>
-                                <p:cTn id="18" presetID="10" presetClass="entr" presetSubtype="0" fill="hold" nodeType="afterEffect">
+                                <p:cTn id="13" presetID="10" presetClass="entr" presetSubtype="0" fill="hold" nodeType="afterEffect">
                                   <p:stCondLst>
                                     <p:cond delay="0"/>
                                   </p:stCondLst>
                                   <p:childTnLst>
                                     <p:set>
                                       <p:cBhvr>
-                                        <p:cTn id="19" dur="1" fill="hold">
+                                        <p:cTn id="14" dur="1" fill="hold">
                                           <p:stCondLst>
                                             <p:cond delay="0"/>
                                           </p:stCondLst>
@@ -20930,7 +21043,7 @@
                                     </p:set>
                                     <p:animEffect transition="in" filter="fade">
                                       <p:cBhvr>
-                                        <p:cTn id="20" dur="500"/>
+                                        <p:cTn id="15" dur="500"/>
                                         <p:tgtEl>
                                           <p:spTgt spid="11"/>
                                         </p:tgtEl>
@@ -20942,30 +21055,74 @@
                             </p:childTnLst>
                           </p:cTn>
                         </p:par>
+                        <p:par>
+                          <p:cTn id="16" fill="hold">
+                            <p:stCondLst>
+                              <p:cond delay="1500"/>
+                            </p:stCondLst>
+                            <p:childTnLst>
+                              <p:par>
+                                <p:cTn id="17" presetID="9" presetClass="exit" presetSubtype="0" fill="hold" grpId="2" nodeType="afterEffect">
+                                  <p:stCondLst>
+                                    <p:cond delay="0"/>
+                                  </p:stCondLst>
+                                  <p:childTnLst>
+                                    <p:animEffect transition="out" filter="dissolve">
+                                      <p:cBhvr>
+                                        <p:cTn id="18" dur="500"/>
+                                        <p:tgtEl>
+                                          <p:spTgt spid="14"/>
+                                        </p:tgtEl>
+                                      </p:cBhvr>
+                                    </p:animEffect>
+                                    <p:set>
+                                      <p:cBhvr>
+                                        <p:cTn id="19" dur="1" fill="hold">
+                                          <p:stCondLst>
+                                            <p:cond delay="499"/>
+                                          </p:stCondLst>
+                                        </p:cTn>
+                                        <p:tgtEl>
+                                          <p:spTgt spid="14"/>
+                                        </p:tgtEl>
+                                        <p:attrNameLst>
+                                          <p:attrName>style.visibility</p:attrName>
+                                        </p:attrNameLst>
+                                      </p:cBhvr>
+                                      <p:to>
+                                        <p:strVal val="hidden"/>
+                                      </p:to>
+                                    </p:set>
+                                  </p:childTnLst>
+                                </p:cTn>
+                              </p:par>
+                            </p:childTnLst>
+                          </p:cTn>
+                        </p:par>
                       </p:childTnLst>
                     </p:cTn>
                   </p:par>
                   <p:par>
-                    <p:cTn id="21" fill="hold">
+                    <p:cTn id="20" fill="hold">
                       <p:stCondLst>
                         <p:cond delay="indefinite"/>
                       </p:stCondLst>
                       <p:childTnLst>
                         <p:par>
-                          <p:cTn id="22" fill="hold">
+                          <p:cTn id="21" fill="hold">
                             <p:stCondLst>
                               <p:cond delay="0"/>
                             </p:stCondLst>
                             <p:childTnLst>
                               <p:par>
-                                <p:cTn id="23" presetID="10" presetClass="entr" presetSubtype="0" fill="hold" nodeType="clickEffect">
+                                <p:cTn id="22" presetID="10" presetClass="entr" presetSubtype="0" fill="hold" nodeType="clickEffect">
                                   <p:stCondLst>
                                     <p:cond delay="0"/>
                                   </p:stCondLst>
                                   <p:childTnLst>
                                     <p:set>
                                       <p:cBhvr>
-                                        <p:cTn id="24" dur="1" fill="hold">
+                                        <p:cTn id="23" dur="1" fill="hold">
                                           <p:stCondLst>
                                             <p:cond delay="0"/>
                                           </p:stCondLst>
@@ -20987,7 +21144,7 @@
                                     </p:set>
                                     <p:animEffect transition="in" filter="fade">
                                       <p:cBhvr>
-                                        <p:cTn id="25" dur="500"/>
+                                        <p:cTn id="24" dur="500"/>
                                         <p:tgtEl>
                                           <p:spTgt spid="3">
                                             <p:txEl>
@@ -21004,47 +21161,20 @@
                           </p:cTn>
                         </p:par>
                         <p:par>
-                          <p:cTn id="26" fill="hold">
+                          <p:cTn id="25" fill="hold">
                             <p:stCondLst>
                               <p:cond delay="500"/>
                             </p:stCondLst>
                             <p:childTnLst>
                               <p:par>
-                                <p:cTn id="27" presetID="1" presetClass="exit" presetSubtype="0" fill="hold" grpId="0" nodeType="afterEffect">
+                                <p:cTn id="26" presetID="10" presetClass="entr" presetSubtype="0" fill="hold" grpId="0" nodeType="afterEffect">
                                   <p:stCondLst>
                                     <p:cond delay="0"/>
                                   </p:stCondLst>
                                   <p:childTnLst>
                                     <p:set>
                                       <p:cBhvr>
-                                        <p:cTn id="28" dur="1" fill="hold">
-                                          <p:stCondLst>
-                                            <p:cond delay="0"/>
-                                          </p:stCondLst>
-                                        </p:cTn>
-                                        <p:tgtEl>
-                                          <p:spTgt spid="14"/>
-                                        </p:tgtEl>
-                                        <p:attrNameLst>
-                                          <p:attrName>style.visibility</p:attrName>
-                                        </p:attrNameLst>
-                                      </p:cBhvr>
-                                      <p:to>
-                                        <p:strVal val="hidden"/>
-                                      </p:to>
-                                    </p:set>
-                                  </p:childTnLst>
-                                </p:cTn>
-                              </p:par>
-                              <p:par>
-                                <p:cTn id="29" presetID="10" presetClass="entr" presetSubtype="0" fill="hold" grpId="0" nodeType="withEffect">
-                                  <p:stCondLst>
-                                    <p:cond delay="0"/>
-                                  </p:stCondLst>
-                                  <p:childTnLst>
-                                    <p:set>
-                                      <p:cBhvr>
-                                        <p:cTn id="30" dur="1" fill="hold">
+                                        <p:cTn id="27" dur="1" fill="hold">
                                           <p:stCondLst>
                                             <p:cond delay="0"/>
                                           </p:stCondLst>
@@ -21062,7 +21192,7 @@
                                     </p:set>
                                     <p:animEffect transition="in" filter="fade">
                                       <p:cBhvr>
-                                        <p:cTn id="31" dur="500"/>
+                                        <p:cTn id="28" dur="500"/>
                                         <p:tgtEl>
                                           <p:spTgt spid="5"/>
                                         </p:tgtEl>
@@ -21071,15 +21201,24 @@
                                   </p:childTnLst>
                                 </p:cTn>
                               </p:par>
+                            </p:childTnLst>
+                          </p:cTn>
+                        </p:par>
+                        <p:par>
+                          <p:cTn id="29" fill="hold">
+                            <p:stCondLst>
+                              <p:cond delay="1000"/>
+                            </p:stCondLst>
+                            <p:childTnLst>
                               <p:par>
-                                <p:cTn id="32" presetID="10" presetClass="entr" presetSubtype="0" fill="hold" grpId="0" nodeType="withEffect">
+                                <p:cTn id="30" presetID="10" presetClass="entr" presetSubtype="0" fill="hold" grpId="0" nodeType="afterEffect">
                                   <p:stCondLst>
                                     <p:cond delay="0"/>
                                   </p:stCondLst>
                                   <p:childTnLst>
                                     <p:set>
                                       <p:cBhvr>
-                                        <p:cTn id="33" dur="1" fill="hold">
+                                        <p:cTn id="31" dur="1" fill="hold">
                                           <p:stCondLst>
                                             <p:cond delay="0"/>
                                           </p:stCondLst>
@@ -21097,7 +21236,7 @@
                                     </p:set>
                                     <p:animEffect transition="in" filter="fade">
                                       <p:cBhvr>
-                                        <p:cTn id="34" dur="500"/>
+                                        <p:cTn id="32" dur="500"/>
                                         <p:tgtEl>
                                           <p:spTgt spid="12"/>
                                         </p:tgtEl>
@@ -21135,7 +21274,6 @@
     </p:tnLst>
     <p:bldLst>
       <p:bldP spid="5" grpId="0"/>
-      <p:bldP spid="14" grpId="0" animBg="1"/>
       <p:bldP spid="14" grpId="2" animBg="1"/>
       <p:bldP spid="12" grpId="0"/>
     </p:bldLst>
@@ -21160,6 +21298,63 @@
           <a:chExt cx="0" cy="0"/>
         </a:xfrm>
       </p:grpSpPr>
+      <p:graphicFrame>
+        <p:nvGraphicFramePr>
+          <p:cNvPr id="14" name="Object 13"/>
+          <p:cNvGraphicFramePr>
+            <a:graphicFrameLocks noChangeAspect="1"/>
+          </p:cNvGraphicFramePr>
+          <p:nvPr>
+            <p:extLst>
+              <p:ext uri="{D42A27DB-BD31-4B8C-83A1-F6EECF244321}">
+                <p14:modId xmlns:p14="http://schemas.microsoft.com/office/powerpoint/2010/main" val="2429210684"/>
+              </p:ext>
+            </p:extLst>
+          </p:nvPr>
+        </p:nvGraphicFramePr>
+        <p:xfrm>
+          <a:off x="2909888" y="4721225"/>
+          <a:ext cx="3262312" cy="1149350"/>
+        </p:xfrm>
+        <a:graphic>
+          <a:graphicData uri="http://schemas.openxmlformats.org/presentationml/2006/ole">
+            <mc:AlternateContent xmlns:mc="http://schemas.openxmlformats.org/markup-compatibility/2006">
+              <mc:Choice xmlns:v="urn:schemas-microsoft-com:vml" Requires="v">
+                <p:oleObj spid="_x0000_s632842" name="Equation" r:id="rId4" imgW="1371600" imgH="482600" progId="Equation.DSMT4">
+                  <p:embed/>
+                </p:oleObj>
+              </mc:Choice>
+              <mc:Fallback>
+                <p:oleObj name="Equation" r:id="rId4" imgW="1371600" imgH="482600" progId="Equation.DSMT4">
+                  <p:embed/>
+                  <p:pic>
+                    <p:nvPicPr>
+                      <p:cNvPr id="0" name=""/>
+                      <p:cNvPicPr/>
+                      <p:nvPr/>
+                    </p:nvPicPr>
+                    <p:blipFill>
+                      <a:blip r:embed="rId5"/>
+                      <a:stretch>
+                        <a:fillRect/>
+                      </a:stretch>
+                    </p:blipFill>
+                    <p:spPr>
+                      <a:xfrm>
+                        <a:off x="2909888" y="4721225"/>
+                        <a:ext cx="3262312" cy="1149350"/>
+                      </a:xfrm>
+                      <a:prstGeom prst="rect">
+                        <a:avLst/>
+                      </a:prstGeom>
+                    </p:spPr>
+                  </p:pic>
+                </p:oleObj>
+              </mc:Fallback>
+            </mc:AlternateContent>
+          </a:graphicData>
+        </a:graphic>
+      </p:graphicFrame>
       <p:sp>
         <p:nvSpPr>
           <p:cNvPr id="4" name="Slide Number Placeholder 2"/>
@@ -21202,7 +21397,7 @@
           <p:nvPr>
             <p:extLst>
               <p:ext uri="{D42A27DB-BD31-4B8C-83A1-F6EECF244321}">
-                <p14:modId xmlns:p14="http://schemas.microsoft.com/office/powerpoint/2010/main" val="2315211642"/>
+                <p14:modId xmlns:p14="http://schemas.microsoft.com/office/powerpoint/2010/main" val="796735459"/>
               </p:ext>
             </p:extLst>
           </p:nvPr>
@@ -21215,12 +21410,12 @@
           <a:graphicData uri="http://schemas.openxmlformats.org/presentationml/2006/ole">
             <mc:AlternateContent xmlns:mc="http://schemas.openxmlformats.org/markup-compatibility/2006">
               <mc:Choice xmlns:v="urn:schemas-microsoft-com:vml" Requires="v">
-                <p:oleObj spid="_x0000_s628756" name="Equation" r:id="rId4" imgW="1333500" imgH="482600" progId="Equation.DSMT4">
+                <p:oleObj spid="_x0000_s632843" name="Equation" r:id="rId6" imgW="1333500" imgH="482600" progId="Equation.DSMT4">
                   <p:embed/>
                 </p:oleObj>
               </mc:Choice>
               <mc:Fallback>
-                <p:oleObj name="Equation" r:id="rId4" imgW="1333500" imgH="482600" progId="Equation.DSMT4">
+                <p:oleObj name="Equation" r:id="rId6" imgW="1333500" imgH="482600" progId="Equation.DSMT4">
                   <p:embed/>
                   <p:pic>
                     <p:nvPicPr>
@@ -21229,7 +21424,7 @@
                       <p:nvPr/>
                     </p:nvPicPr>
                     <p:blipFill>
-                      <a:blip r:embed="rId5"/>
+                      <a:blip r:embed="rId7"/>
                       <a:stretch>
                         <a:fillRect/>
                       </a:stretch>
@@ -21294,7 +21489,7 @@
           <p:nvPr>
             <p:extLst>
               <p:ext uri="{D42A27DB-BD31-4B8C-83A1-F6EECF244321}">
-                <p14:modId xmlns:p14="http://schemas.microsoft.com/office/powerpoint/2010/main" val="1677655048"/>
+                <p14:modId xmlns:p14="http://schemas.microsoft.com/office/powerpoint/2010/main" val="295189910"/>
               </p:ext>
             </p:extLst>
           </p:nvPr>
@@ -21307,12 +21502,12 @@
           <a:graphicData uri="http://schemas.openxmlformats.org/presentationml/2006/ole">
             <mc:AlternateContent xmlns:mc="http://schemas.openxmlformats.org/markup-compatibility/2006">
               <mc:Choice xmlns:v="urn:schemas-microsoft-com:vml" Requires="v">
-                <p:oleObj spid="_x0000_s628757" name="Equation" r:id="rId6" imgW="1333500" imgH="482600" progId="Equation.DSMT4">
+                <p:oleObj spid="_x0000_s632844" name="Equation" r:id="rId8" imgW="1333500" imgH="482600" progId="Equation.DSMT4">
                   <p:embed/>
                 </p:oleObj>
               </mc:Choice>
               <mc:Fallback>
-                <p:oleObj name="Equation" r:id="rId6" imgW="1333500" imgH="482600" progId="Equation.DSMT4">
+                <p:oleObj name="Equation" r:id="rId8" imgW="1333500" imgH="482600" progId="Equation.DSMT4">
                   <p:embed/>
                   <p:pic>
                     <p:nvPicPr>
@@ -21321,7 +21516,7 @@
                       <p:nvPr/>
                     </p:nvPicPr>
                     <p:blipFill>
-                      <a:blip r:embed="rId7"/>
+                      <a:blip r:embed="rId9"/>
                       <a:stretch>
                         <a:fillRect/>
                       </a:stretch>
@@ -21365,14 +21560,14 @@
             <a:r>
               <a:rPr lang="en-US" sz="4000" dirty="0" smtClean="0">
                 <a:solidFill>
-                  <a:srgbClr val="FF03E3"/>
+                  <a:srgbClr val="C40025"/>
                 </a:solidFill>
               </a:rPr>
               <a:t>example</a:t>
             </a:r>
             <a:endParaRPr lang="en-US" sz="4000" dirty="0">
               <a:solidFill>
-                <a:srgbClr val="FF03E3"/>
+                <a:srgbClr val="C40025"/>
               </a:solidFill>
             </a:endParaRPr>
           </a:p>
@@ -21454,154 +21649,10 @@
           </a:p>
         </p:txBody>
       </p:sp>
-      <p:cxnSp>
-        <p:nvCxnSpPr>
-          <p:cNvPr id="16" name="Straight Connector 15"/>
-          <p:cNvCxnSpPr/>
-          <p:nvPr/>
-        </p:nvCxnSpPr>
-        <p:spPr bwMode="auto">
-          <a:xfrm>
-            <a:off x="4730030" y="3516589"/>
-            <a:ext cx="3108466" cy="195025"/>
-          </a:xfrm>
-          <a:prstGeom prst="line">
-            <a:avLst/>
-          </a:prstGeom>
-          <a:solidFill>
-            <a:schemeClr val="accent1"/>
-          </a:solidFill>
-          <a:ln w="44450" cap="flat" cmpd="sng" algn="ctr">
-            <a:solidFill>
-              <a:srgbClr val="F80214"/>
-            </a:solidFill>
-            <a:prstDash val="solid"/>
-            <a:round/>
-            <a:headEnd type="none" w="med" len="med"/>
-            <a:tailEnd type="none" w="med" len="med"/>
-          </a:ln>
-          <a:effectLst/>
-        </p:spPr>
-      </p:cxnSp>
-      <p:cxnSp>
-        <p:nvCxnSpPr>
-          <p:cNvPr id="17" name="Straight Connector 16"/>
-          <p:cNvCxnSpPr/>
-          <p:nvPr/>
-        </p:nvCxnSpPr>
-        <p:spPr bwMode="auto">
-          <a:xfrm>
-            <a:off x="2868277" y="5485305"/>
-            <a:ext cx="2824486" cy="240872"/>
-          </a:xfrm>
-          <a:prstGeom prst="line">
-            <a:avLst/>
-          </a:prstGeom>
-          <a:solidFill>
-            <a:schemeClr val="accent1"/>
-          </a:solidFill>
-          <a:ln w="44450" cap="flat" cmpd="sng" algn="ctr">
-            <a:solidFill>
-              <a:srgbClr val="F80214"/>
-            </a:solidFill>
-            <a:prstDash val="solid"/>
-            <a:round/>
-            <a:headEnd type="none" w="med" len="med"/>
-            <a:tailEnd type="none" w="med" len="med"/>
-          </a:ln>
-          <a:effectLst/>
-        </p:spPr>
-      </p:cxnSp>
-      <p:cxnSp>
-        <p:nvCxnSpPr>
-          <p:cNvPr id="18" name="Straight Connector 17"/>
-          <p:cNvCxnSpPr/>
-          <p:nvPr/>
-        </p:nvCxnSpPr>
-        <p:spPr bwMode="auto">
-          <a:xfrm>
-            <a:off x="5583286" y="4915972"/>
-            <a:ext cx="481696" cy="251820"/>
-          </a:xfrm>
-          <a:prstGeom prst="line">
-            <a:avLst/>
-          </a:prstGeom>
-          <a:solidFill>
-            <a:schemeClr val="accent1"/>
-          </a:solidFill>
-          <a:ln w="44450" cap="flat" cmpd="sng" algn="ctr">
-            <a:solidFill>
-              <a:srgbClr val="F80214"/>
-            </a:solidFill>
-            <a:prstDash val="solid"/>
-            <a:round/>
-            <a:headEnd type="none" w="med" len="med"/>
-            <a:tailEnd type="none" w="med" len="med"/>
-          </a:ln>
-          <a:effectLst/>
-        </p:spPr>
-      </p:cxnSp>
-      <p:graphicFrame>
-        <p:nvGraphicFramePr>
-          <p:cNvPr id="14" name="Object 13"/>
-          <p:cNvGraphicFramePr>
-            <a:graphicFrameLocks noChangeAspect="1"/>
-          </p:cNvGraphicFramePr>
-          <p:nvPr>
-            <p:extLst>
-              <p:ext uri="{D42A27DB-BD31-4B8C-83A1-F6EECF244321}">
-                <p14:modId xmlns:p14="http://schemas.microsoft.com/office/powerpoint/2010/main" val="2943451757"/>
-              </p:ext>
-            </p:extLst>
-          </p:nvPr>
-        </p:nvGraphicFramePr>
-        <p:xfrm>
-          <a:off x="2909888" y="4721225"/>
-          <a:ext cx="3262312" cy="1149350"/>
-        </p:xfrm>
-        <a:graphic>
-          <a:graphicData uri="http://schemas.openxmlformats.org/presentationml/2006/ole">
-            <mc:AlternateContent xmlns:mc="http://schemas.openxmlformats.org/markup-compatibility/2006">
-              <mc:Choice xmlns:v="urn:schemas-microsoft-com:vml" Requires="v">
-                <p:oleObj spid="_x0000_s628758" name="Equation" r:id="rId8" imgW="1371600" imgH="482600" progId="Equation.DSMT4">
-                  <p:embed/>
-                </p:oleObj>
-              </mc:Choice>
-              <mc:Fallback>
-                <p:oleObj name="Equation" r:id="rId8" imgW="1371600" imgH="482600" progId="Equation.DSMT4">
-                  <p:embed/>
-                  <p:pic>
-                    <p:nvPicPr>
-                      <p:cNvPr id="0" name=""/>
-                      <p:cNvPicPr/>
-                      <p:nvPr/>
-                    </p:nvPicPr>
-                    <p:blipFill>
-                      <a:blip r:embed="rId9"/>
-                      <a:stretch>
-                        <a:fillRect/>
-                      </a:stretch>
-                    </p:blipFill>
-                    <p:spPr>
-                      <a:xfrm>
-                        <a:off x="2909888" y="4721225"/>
-                        <a:ext cx="3262312" cy="1149350"/>
-                      </a:xfrm>
-                      <a:prstGeom prst="rect">
-                        <a:avLst/>
-                      </a:prstGeom>
-                    </p:spPr>
-                  </p:pic>
-                </p:oleObj>
-              </mc:Fallback>
-            </mc:AlternateContent>
-          </a:graphicData>
-        </a:graphic>
-      </p:graphicFrame>
     </p:spTree>
     <p:extLst>
       <p:ext uri="{BB962C8B-B14F-4D97-AF65-F5344CB8AC3E}">
-        <p14:creationId xmlns:p14="http://schemas.microsoft.com/office/powerpoint/2010/main" val="3236475694"/>
+        <p14:creationId xmlns:p14="http://schemas.microsoft.com/office/powerpoint/2010/main" val="4127770056"/>
       </p:ext>
     </p:extLst>
   </p:cSld>
@@ -21681,182 +21732,6 @@
                       </p:childTnLst>
                     </p:cTn>
                   </p:par>
-                  <p:par>
-                    <p:cTn id="8" fill="hold">
-                      <p:stCondLst>
-                        <p:cond delay="indefinite"/>
-                      </p:stCondLst>
-                      <p:childTnLst>
-                        <p:par>
-                          <p:cTn id="9" fill="hold">
-                            <p:stCondLst>
-                              <p:cond delay="0"/>
-                            </p:stCondLst>
-                            <p:childTnLst>
-                              <p:par>
-                                <p:cTn id="10" presetID="22" presetClass="entr" presetSubtype="8" fill="hold" nodeType="clickEffect">
-                                  <p:stCondLst>
-                                    <p:cond delay="0"/>
-                                  </p:stCondLst>
-                                  <p:childTnLst>
-                                    <p:set>
-                                      <p:cBhvr>
-                                        <p:cTn id="11" dur="1" fill="hold">
-                                          <p:stCondLst>
-                                            <p:cond delay="0"/>
-                                          </p:stCondLst>
-                                        </p:cTn>
-                                        <p:tgtEl>
-                                          <p:spTgt spid="16"/>
-                                        </p:tgtEl>
-                                        <p:attrNameLst>
-                                          <p:attrName>style.visibility</p:attrName>
-                                        </p:attrNameLst>
-                                      </p:cBhvr>
-                                      <p:to>
-                                        <p:strVal val="visible"/>
-                                      </p:to>
-                                    </p:set>
-                                    <p:animEffect transition="in" filter="wipe(left)">
-                                      <p:cBhvr>
-                                        <p:cTn id="12" dur="500"/>
-                                        <p:tgtEl>
-                                          <p:spTgt spid="16"/>
-                                        </p:tgtEl>
-                                      </p:cBhvr>
-                                    </p:animEffect>
-                                  </p:childTnLst>
-                                </p:cTn>
-                              </p:par>
-                            </p:childTnLst>
-                          </p:cTn>
-                        </p:par>
-                        <p:par>
-                          <p:cTn id="13" fill="hold">
-                            <p:stCondLst>
-                              <p:cond delay="500"/>
-                            </p:stCondLst>
-                            <p:childTnLst>
-                              <p:par>
-                                <p:cTn id="14" presetID="22" presetClass="entr" presetSubtype="8" fill="hold" nodeType="afterEffect">
-                                  <p:stCondLst>
-                                    <p:cond delay="0"/>
-                                  </p:stCondLst>
-                                  <p:childTnLst>
-                                    <p:set>
-                                      <p:cBhvr>
-                                        <p:cTn id="15" dur="1" fill="hold">
-                                          <p:stCondLst>
-                                            <p:cond delay="0"/>
-                                          </p:stCondLst>
-                                        </p:cTn>
-                                        <p:tgtEl>
-                                          <p:spTgt spid="17"/>
-                                        </p:tgtEl>
-                                        <p:attrNameLst>
-                                          <p:attrName>style.visibility</p:attrName>
-                                        </p:attrNameLst>
-                                      </p:cBhvr>
-                                      <p:to>
-                                        <p:strVal val="visible"/>
-                                      </p:to>
-                                    </p:set>
-                                    <p:animEffect transition="in" filter="wipe(left)">
-                                      <p:cBhvr>
-                                        <p:cTn id="16" dur="500"/>
-                                        <p:tgtEl>
-                                          <p:spTgt spid="17"/>
-                                        </p:tgtEl>
-                                      </p:cBhvr>
-                                    </p:animEffect>
-                                  </p:childTnLst>
-                                </p:cTn>
-                              </p:par>
-                              <p:par>
-                                <p:cTn id="17" presetID="22" presetClass="entr" presetSubtype="8" fill="hold" nodeType="withEffect">
-                                  <p:stCondLst>
-                                    <p:cond delay="0"/>
-                                  </p:stCondLst>
-                                  <p:childTnLst>
-                                    <p:set>
-                                      <p:cBhvr>
-                                        <p:cTn id="18" dur="1" fill="hold">
-                                          <p:stCondLst>
-                                            <p:cond delay="0"/>
-                                          </p:stCondLst>
-                                        </p:cTn>
-                                        <p:tgtEl>
-                                          <p:spTgt spid="18"/>
-                                        </p:tgtEl>
-                                        <p:attrNameLst>
-                                          <p:attrName>style.visibility</p:attrName>
-                                        </p:attrNameLst>
-                                      </p:cBhvr>
-                                      <p:to>
-                                        <p:strVal val="visible"/>
-                                      </p:to>
-                                    </p:set>
-                                    <p:animEffect transition="in" filter="wipe(left)">
-                                      <p:cBhvr>
-                                        <p:cTn id="19" dur="500"/>
-                                        <p:tgtEl>
-                                          <p:spTgt spid="18"/>
-                                        </p:tgtEl>
-                                      </p:cBhvr>
-                                    </p:animEffect>
-                                  </p:childTnLst>
-                                </p:cTn>
-                              </p:par>
-                            </p:childTnLst>
-                          </p:cTn>
-                        </p:par>
-                        <p:par>
-                          <p:cTn id="20" fill="hold">
-                            <p:stCondLst>
-                              <p:cond delay="1000"/>
-                            </p:stCondLst>
-                            <p:childTnLst>
-                              <p:par>
-                                <p:cTn id="21" presetID="10" presetClass="entr" presetSubtype="0" fill="hold" nodeType="afterEffect">
-                                  <p:stCondLst>
-                                    <p:cond delay="0"/>
-                                  </p:stCondLst>
-                                  <p:childTnLst>
-                                    <p:set>
-                                      <p:cBhvr>
-                                        <p:cTn id="22" dur="1" fill="hold">
-                                          <p:stCondLst>
-                                            <p:cond delay="0"/>
-                                          </p:stCondLst>
-                                        </p:cTn>
-                                        <p:tgtEl>
-                                          <p:spTgt spid="14"/>
-                                        </p:tgtEl>
-                                        <p:attrNameLst>
-                                          <p:attrName>style.visibility</p:attrName>
-                                        </p:attrNameLst>
-                                      </p:cBhvr>
-                                      <p:to>
-                                        <p:strVal val="visible"/>
-                                      </p:to>
-                                    </p:set>
-                                    <p:animEffect transition="in" filter="fade">
-                                      <p:cBhvr>
-                                        <p:cTn id="23" dur="500"/>
-                                        <p:tgtEl>
-                                          <p:spTgt spid="14"/>
-                                        </p:tgtEl>
-                                      </p:cBhvr>
-                                    </p:animEffect>
-                                  </p:childTnLst>
-                                </p:cTn>
-                              </p:par>
-                            </p:childTnLst>
-                          </p:cTn>
-                        </p:par>
-                      </p:childTnLst>
-                    </p:cTn>
-                  </p:par>
                 </p:childTnLst>
               </p:cTn>
               <p:prevCondLst>
@@ -21902,6 +21777,63 @@
           <a:chExt cx="0" cy="0"/>
         </a:xfrm>
       </p:grpSpPr>
+      <p:graphicFrame>
+        <p:nvGraphicFramePr>
+          <p:cNvPr id="14" name="Object 13"/>
+          <p:cNvGraphicFramePr>
+            <a:graphicFrameLocks noChangeAspect="1"/>
+          </p:cNvGraphicFramePr>
+          <p:nvPr>
+            <p:extLst>
+              <p:ext uri="{D42A27DB-BD31-4B8C-83A1-F6EECF244321}">
+                <p14:modId xmlns:p14="http://schemas.microsoft.com/office/powerpoint/2010/main" val="1590034269"/>
+              </p:ext>
+            </p:extLst>
+          </p:nvPr>
+        </p:nvGraphicFramePr>
+        <p:xfrm>
+          <a:off x="2909888" y="4721225"/>
+          <a:ext cx="3262312" cy="1149350"/>
+        </p:xfrm>
+        <a:graphic>
+          <a:graphicData uri="http://schemas.openxmlformats.org/presentationml/2006/ole">
+            <mc:AlternateContent xmlns:mc="http://schemas.openxmlformats.org/markup-compatibility/2006">
+              <mc:Choice xmlns:v="urn:schemas-microsoft-com:vml" Requires="v">
+                <p:oleObj spid="_x0000_s628769" name="Equation" r:id="rId4" imgW="1371600" imgH="482600" progId="Equation.DSMT4">
+                  <p:embed/>
+                </p:oleObj>
+              </mc:Choice>
+              <mc:Fallback>
+                <p:oleObj name="Equation" r:id="rId4" imgW="1371600" imgH="482600" progId="Equation.DSMT4">
+                  <p:embed/>
+                  <p:pic>
+                    <p:nvPicPr>
+                      <p:cNvPr id="0" name=""/>
+                      <p:cNvPicPr/>
+                      <p:nvPr/>
+                    </p:nvPicPr>
+                    <p:blipFill>
+                      <a:blip r:embed="rId5"/>
+                      <a:stretch>
+                        <a:fillRect/>
+                      </a:stretch>
+                    </p:blipFill>
+                    <p:spPr>
+                      <a:xfrm>
+                        <a:off x="2909888" y="4721225"/>
+                        <a:ext cx="3262312" cy="1149350"/>
+                      </a:xfrm>
+                      <a:prstGeom prst="rect">
+                        <a:avLst/>
+                      </a:prstGeom>
+                    </p:spPr>
+                  </p:pic>
+                </p:oleObj>
+              </mc:Fallback>
+            </mc:AlternateContent>
+          </a:graphicData>
+        </a:graphic>
+      </p:graphicFrame>
       <p:sp>
         <p:nvSpPr>
           <p:cNvPr id="4" name="Slide Number Placeholder 2"/>
@@ -21944,7 +21876,7 @@
           <p:nvPr>
             <p:extLst>
               <p:ext uri="{D42A27DB-BD31-4B8C-83A1-F6EECF244321}">
-                <p14:modId xmlns:p14="http://schemas.microsoft.com/office/powerpoint/2010/main" val="3733871443"/>
+                <p14:modId xmlns:p14="http://schemas.microsoft.com/office/powerpoint/2010/main" val="2028499438"/>
               </p:ext>
             </p:extLst>
           </p:nvPr>
@@ -21957,7 +21889,592 @@
           <a:graphicData uri="http://schemas.openxmlformats.org/presentationml/2006/ole">
             <mc:AlternateContent xmlns:mc="http://schemas.openxmlformats.org/markup-compatibility/2006">
               <mc:Choice xmlns:v="urn:schemas-microsoft-com:vml" Requires="v">
-                <p:oleObj spid="_x0000_s630807" name="Equation" r:id="rId4" imgW="1333500" imgH="482600" progId="Equation.DSMT4">
+                <p:oleObj spid="_x0000_s628770" name="Equation" r:id="rId6" imgW="1333500" imgH="482600" progId="Equation.DSMT4">
+                  <p:embed/>
+                </p:oleObj>
+              </mc:Choice>
+              <mc:Fallback>
+                <p:oleObj name="Equation" r:id="rId6" imgW="1333500" imgH="482600" progId="Equation.DSMT4">
+                  <p:embed/>
+                  <p:pic>
+                    <p:nvPicPr>
+                      <p:cNvPr id="0" name=""/>
+                      <p:cNvPicPr/>
+                      <p:nvPr/>
+                    </p:nvPicPr>
+                    <p:blipFill>
+                      <a:blip r:embed="rId7"/>
+                      <a:stretch>
+                        <a:fillRect/>
+                      </a:stretch>
+                    </p:blipFill>
+                    <p:spPr>
+                      <a:xfrm>
+                        <a:off x="820136" y="3282949"/>
+                        <a:ext cx="3172598" cy="1149351"/>
+                      </a:xfrm>
+                      <a:prstGeom prst="rect">
+                        <a:avLst/>
+                      </a:prstGeom>
+                    </p:spPr>
+                  </p:pic>
+                </p:oleObj>
+              </mc:Fallback>
+            </mc:AlternateContent>
+          </a:graphicData>
+        </a:graphic>
+      </p:graphicFrame>
+      <p:sp>
+        <p:nvSpPr>
+          <p:cNvPr id="5" name="TextBox 4"/>
+          <p:cNvSpPr txBox="1"/>
+          <p:nvPr/>
+        </p:nvSpPr>
+        <p:spPr>
+          <a:xfrm>
+            <a:off x="3947512" y="3886793"/>
+            <a:ext cx="869439" cy="584776"/>
+          </a:xfrm>
+          <a:prstGeom prst="rect">
+            <a:avLst/>
+          </a:prstGeom>
+          <a:noFill/>
+        </p:spPr>
+        <p:txBody>
+          <a:bodyPr wrap="square" rtlCol="0">
+            <a:spAutoFit/>
+          </a:bodyPr>
+          <a:lstStyle/>
+          <a:p>
+            <a:pPr algn="l"/>
+            <a:r>
+              <a:rPr lang="en-US" dirty="0" smtClean="0">
+                <a:solidFill>
+                  <a:srgbClr val="0000FF"/>
+                </a:solidFill>
+                <a:latin typeface="Comic Sans MS" pitchFamily="66" charset="0"/>
+              </a:rPr>
+              <a:t>OR</a:t>
+            </a:r>
+          </a:p>
+        </p:txBody>
+      </p:sp>
+      <p:graphicFrame>
+        <p:nvGraphicFramePr>
+          <p:cNvPr id="9" name="Object 8"/>
+          <p:cNvGraphicFramePr>
+            <a:graphicFrameLocks noChangeAspect="1"/>
+          </p:cNvGraphicFramePr>
+          <p:nvPr>
+            <p:extLst>
+              <p:ext uri="{D42A27DB-BD31-4B8C-83A1-F6EECF244321}">
+                <p14:modId xmlns:p14="http://schemas.microsoft.com/office/powerpoint/2010/main" val="3200740439"/>
+              </p:ext>
+            </p:extLst>
+          </p:nvPr>
+        </p:nvGraphicFramePr>
+        <p:xfrm>
+          <a:off x="4736112" y="3340100"/>
+          <a:ext cx="3172598" cy="1149351"/>
+        </p:xfrm>
+        <a:graphic>
+          <a:graphicData uri="http://schemas.openxmlformats.org/presentationml/2006/ole">
+            <mc:AlternateContent xmlns:mc="http://schemas.openxmlformats.org/markup-compatibility/2006">
+              <mc:Choice xmlns:v="urn:schemas-microsoft-com:vml" Requires="v">
+                <p:oleObj spid="_x0000_s628771" name="Equation" r:id="rId8" imgW="1333500" imgH="482600" progId="Equation.DSMT4">
+                  <p:embed/>
+                </p:oleObj>
+              </mc:Choice>
+              <mc:Fallback>
+                <p:oleObj name="Equation" r:id="rId8" imgW="1333500" imgH="482600" progId="Equation.DSMT4">
+                  <p:embed/>
+                  <p:pic>
+                    <p:nvPicPr>
+                      <p:cNvPr id="0" name=""/>
+                      <p:cNvPicPr/>
+                      <p:nvPr/>
+                    </p:nvPicPr>
+                    <p:blipFill>
+                      <a:blip r:embed="rId9"/>
+                      <a:stretch>
+                        <a:fillRect/>
+                      </a:stretch>
+                    </p:blipFill>
+                    <p:spPr>
+                      <a:xfrm>
+                        <a:off x="4736112" y="3340100"/>
+                        <a:ext cx="3172598" cy="1149351"/>
+                      </a:xfrm>
+                      <a:prstGeom prst="rect">
+                        <a:avLst/>
+                      </a:prstGeom>
+                    </p:spPr>
+                  </p:pic>
+                </p:oleObj>
+              </mc:Fallback>
+            </mc:AlternateContent>
+          </a:graphicData>
+        </a:graphic>
+      </p:graphicFrame>
+      <p:sp>
+        <p:nvSpPr>
+          <p:cNvPr id="15" name="Title 1"/>
+          <p:cNvSpPr>
+            <a:spLocks noGrp="1"/>
+          </p:cNvSpPr>
+          <p:nvPr>
+            <p:ph type="title"/>
+          </p:nvPr>
+        </p:nvSpPr>
+        <p:spPr>
+          <a:xfrm>
+            <a:off x="1651000" y="363538"/>
+            <a:ext cx="6794500" cy="1003300"/>
+          </a:xfrm>
+        </p:spPr>
+        <p:txBody>
+          <a:bodyPr/>
+          <a:lstStyle/>
+          <a:p>
+            <a:r>
+              <a:rPr lang="en-US" sz="4000" dirty="0" smtClean="0">
+                <a:solidFill>
+                  <a:srgbClr val="C40025"/>
+                </a:solidFill>
+              </a:rPr>
+              <a:t>example</a:t>
+            </a:r>
+            <a:endParaRPr lang="en-US" sz="4000" dirty="0">
+              <a:solidFill>
+                <a:srgbClr val="C40025"/>
+              </a:solidFill>
+            </a:endParaRPr>
+          </a:p>
+        </p:txBody>
+      </p:sp>
+      <p:sp>
+        <p:nvSpPr>
+          <p:cNvPr id="12" name="TextBox 11"/>
+          <p:cNvSpPr txBox="1"/>
+          <p:nvPr/>
+        </p:nvSpPr>
+        <p:spPr>
+          <a:xfrm>
+            <a:off x="7778324" y="3907806"/>
+            <a:ext cx="869439" cy="584776"/>
+          </a:xfrm>
+          <a:prstGeom prst="rect">
+            <a:avLst/>
+          </a:prstGeom>
+          <a:noFill/>
+        </p:spPr>
+        <p:txBody>
+          <a:bodyPr wrap="square" rtlCol="0">
+            <a:spAutoFit/>
+          </a:bodyPr>
+          <a:lstStyle/>
+          <a:p>
+            <a:pPr algn="l"/>
+            <a:r>
+              <a:rPr lang="en-US" dirty="0" smtClean="0">
+                <a:solidFill>
+                  <a:srgbClr val="0000FF"/>
+                </a:solidFill>
+                <a:latin typeface="Comic Sans MS" pitchFamily="66" charset="0"/>
+              </a:rPr>
+              <a:t>OR</a:t>
+            </a:r>
+          </a:p>
+        </p:txBody>
+      </p:sp>
+      <p:sp>
+        <p:nvSpPr>
+          <p:cNvPr id="13" name="TextBox 12"/>
+          <p:cNvSpPr txBox="1"/>
+          <p:nvPr/>
+        </p:nvSpPr>
+        <p:spPr>
+          <a:xfrm>
+            <a:off x="550863" y="1473201"/>
+            <a:ext cx="8051800" cy="923330"/>
+          </a:xfrm>
+          <a:prstGeom prst="rect">
+            <a:avLst/>
+          </a:prstGeom>
+          <a:noFill/>
+        </p:spPr>
+        <p:txBody>
+          <a:bodyPr wrap="square" rtlCol="0">
+            <a:spAutoFit/>
+          </a:bodyPr>
+          <a:lstStyle/>
+          <a:p>
+            <a:pPr lvl="0" algn="l"/>
+            <a:r>
+              <a:rPr lang="en-US" sz="5400" dirty="0" smtClean="0">
+                <a:solidFill>
+                  <a:srgbClr val="FF03E3"/>
+                </a:solidFill>
+                <a:latin typeface="Comic Sans MS" pitchFamily="66" charset="0"/>
+              </a:rPr>
+              <a:t>simplify </a:t>
+            </a:r>
+            <a:r>
+              <a:rPr lang="en-US" sz="5400" dirty="0" smtClean="0">
+                <a:latin typeface="Comic Sans MS" pitchFamily="66" charset="0"/>
+              </a:rPr>
+              <a:t>(duplicates) </a:t>
+            </a:r>
+          </a:p>
+        </p:txBody>
+      </p:sp>
+      <p:cxnSp>
+        <p:nvCxnSpPr>
+          <p:cNvPr id="19" name="Straight Connector 18"/>
+          <p:cNvCxnSpPr/>
+          <p:nvPr/>
+        </p:nvCxnSpPr>
+        <p:spPr bwMode="auto">
+          <a:xfrm>
+            <a:off x="4730030" y="3516589"/>
+            <a:ext cx="3108466" cy="195025"/>
+          </a:xfrm>
+          <a:prstGeom prst="line">
+            <a:avLst/>
+          </a:prstGeom>
+          <a:solidFill>
+            <a:schemeClr val="accent1"/>
+          </a:solidFill>
+          <a:ln w="44450" cap="flat" cmpd="sng" algn="ctr">
+            <a:solidFill>
+              <a:srgbClr val="F80214"/>
+            </a:solidFill>
+            <a:prstDash val="solid"/>
+            <a:round/>
+            <a:headEnd type="none" w="med" len="med"/>
+            <a:tailEnd type="none" w="med" len="med"/>
+          </a:ln>
+          <a:effectLst/>
+        </p:spPr>
+      </p:cxnSp>
+      <p:cxnSp>
+        <p:nvCxnSpPr>
+          <p:cNvPr id="20" name="Straight Connector 19"/>
+          <p:cNvCxnSpPr/>
+          <p:nvPr/>
+        </p:nvCxnSpPr>
+        <p:spPr bwMode="auto">
+          <a:xfrm>
+            <a:off x="2868277" y="5485305"/>
+            <a:ext cx="2824486" cy="240872"/>
+          </a:xfrm>
+          <a:prstGeom prst="line">
+            <a:avLst/>
+          </a:prstGeom>
+          <a:solidFill>
+            <a:schemeClr val="accent1"/>
+          </a:solidFill>
+          <a:ln w="44450" cap="flat" cmpd="sng" algn="ctr">
+            <a:solidFill>
+              <a:srgbClr val="F80214"/>
+            </a:solidFill>
+            <a:prstDash val="solid"/>
+            <a:round/>
+            <a:headEnd type="none" w="med" len="med"/>
+            <a:tailEnd type="none" w="med" len="med"/>
+          </a:ln>
+          <a:effectLst/>
+        </p:spPr>
+      </p:cxnSp>
+      <p:cxnSp>
+        <p:nvCxnSpPr>
+          <p:cNvPr id="21" name="Straight Connector 20"/>
+          <p:cNvCxnSpPr/>
+          <p:nvPr/>
+        </p:nvCxnSpPr>
+        <p:spPr bwMode="auto">
+          <a:xfrm>
+            <a:off x="5583286" y="4915972"/>
+            <a:ext cx="481696" cy="251820"/>
+          </a:xfrm>
+          <a:prstGeom prst="line">
+            <a:avLst/>
+          </a:prstGeom>
+          <a:solidFill>
+            <a:schemeClr val="accent1"/>
+          </a:solidFill>
+          <a:ln w="44450" cap="flat" cmpd="sng" algn="ctr">
+            <a:solidFill>
+              <a:srgbClr val="F80214"/>
+            </a:solidFill>
+            <a:prstDash val="solid"/>
+            <a:round/>
+            <a:headEnd type="none" w="med" len="med"/>
+            <a:tailEnd type="none" w="med" len="med"/>
+          </a:ln>
+          <a:effectLst/>
+        </p:spPr>
+      </p:cxnSp>
+    </p:spTree>
+    <p:extLst>
+      <p:ext uri="{BB962C8B-B14F-4D97-AF65-F5344CB8AC3E}">
+        <p14:creationId xmlns:p14="http://schemas.microsoft.com/office/powerpoint/2010/main" val="3236475694"/>
+      </p:ext>
+    </p:extLst>
+  </p:cSld>
+  <p:clrMapOvr>
+    <a:masterClrMapping/>
+  </p:clrMapOvr>
+  <mc:AlternateContent xmlns:mc="http://schemas.openxmlformats.org/markup-compatibility/2006" xmlns:p14="http://schemas.microsoft.com/office/powerpoint/2010/main">
+    <mc:Choice Requires="p14">
+      <p:transition spd="slow" p14:dur="1100" advClick="0">
+        <p:fade/>
+      </p:transition>
+    </mc:Choice>
+    <mc:Fallback xmlns="">
+      <p:transition xmlns:p14="http://schemas.microsoft.com/office/powerpoint/2010/main" spd="slow" advClick="0">
+        <p:fade/>
+      </p:transition>
+    </mc:Fallback>
+  </mc:AlternateContent>
+  <p:timing>
+    <p:tnLst>
+      <p:par>
+        <p:cTn xmlns:p14="http://schemas.microsoft.com/office/powerpoint/2010/main" id="1" dur="indefinite" restart="never" nodeType="tmRoot">
+          <p:childTnLst>
+            <p:seq concurrent="1" nextAc="seek">
+              <p:cTn id="2" dur="indefinite" nodeType="mainSeq">
+                <p:childTnLst>
+                  <p:par>
+                    <p:cTn id="3" fill="hold">
+                      <p:stCondLst>
+                        <p:cond delay="indefinite"/>
+                      </p:stCondLst>
+                      <p:childTnLst>
+                        <p:par>
+                          <p:cTn id="4" fill="hold">
+                            <p:stCondLst>
+                              <p:cond delay="0"/>
+                            </p:stCondLst>
+                            <p:childTnLst>
+                              <p:par>
+                                <p:cTn id="5" presetID="22" presetClass="entr" presetSubtype="8" fill="hold" nodeType="clickEffect">
+                                  <p:stCondLst>
+                                    <p:cond delay="0"/>
+                                  </p:stCondLst>
+                                  <p:childTnLst>
+                                    <p:set>
+                                      <p:cBhvr>
+                                        <p:cTn id="6" dur="1" fill="hold">
+                                          <p:stCondLst>
+                                            <p:cond delay="0"/>
+                                          </p:stCondLst>
+                                        </p:cTn>
+                                        <p:tgtEl>
+                                          <p:spTgt spid="19"/>
+                                        </p:tgtEl>
+                                        <p:attrNameLst>
+                                          <p:attrName>style.visibility</p:attrName>
+                                        </p:attrNameLst>
+                                      </p:cBhvr>
+                                      <p:to>
+                                        <p:strVal val="visible"/>
+                                      </p:to>
+                                    </p:set>
+                                    <p:animEffect transition="in" filter="wipe(left)">
+                                      <p:cBhvr>
+                                        <p:cTn id="7" dur="500"/>
+                                        <p:tgtEl>
+                                          <p:spTgt spid="19"/>
+                                        </p:tgtEl>
+                                      </p:cBhvr>
+                                    </p:animEffect>
+                                  </p:childTnLst>
+                                </p:cTn>
+                              </p:par>
+                            </p:childTnLst>
+                          </p:cTn>
+                        </p:par>
+                        <p:par>
+                          <p:cTn id="8" fill="hold">
+                            <p:stCondLst>
+                              <p:cond delay="500"/>
+                            </p:stCondLst>
+                            <p:childTnLst>
+                              <p:par>
+                                <p:cTn id="9" presetID="22" presetClass="entr" presetSubtype="8" fill="hold" nodeType="afterEffect">
+                                  <p:stCondLst>
+                                    <p:cond delay="0"/>
+                                  </p:stCondLst>
+                                  <p:childTnLst>
+                                    <p:set>
+                                      <p:cBhvr>
+                                        <p:cTn id="10" dur="1" fill="hold">
+                                          <p:stCondLst>
+                                            <p:cond delay="0"/>
+                                          </p:stCondLst>
+                                        </p:cTn>
+                                        <p:tgtEl>
+                                          <p:spTgt spid="20"/>
+                                        </p:tgtEl>
+                                        <p:attrNameLst>
+                                          <p:attrName>style.visibility</p:attrName>
+                                        </p:attrNameLst>
+                                      </p:cBhvr>
+                                      <p:to>
+                                        <p:strVal val="visible"/>
+                                      </p:to>
+                                    </p:set>
+                                    <p:animEffect transition="in" filter="wipe(left)">
+                                      <p:cBhvr>
+                                        <p:cTn id="11" dur="500"/>
+                                        <p:tgtEl>
+                                          <p:spTgt spid="20"/>
+                                        </p:tgtEl>
+                                      </p:cBhvr>
+                                    </p:animEffect>
+                                  </p:childTnLst>
+                                </p:cTn>
+                              </p:par>
+                              <p:par>
+                                <p:cTn id="12" presetID="22" presetClass="entr" presetSubtype="8" fill="hold" nodeType="withEffect">
+                                  <p:stCondLst>
+                                    <p:cond delay="0"/>
+                                  </p:stCondLst>
+                                  <p:childTnLst>
+                                    <p:set>
+                                      <p:cBhvr>
+                                        <p:cTn id="13" dur="1" fill="hold">
+                                          <p:stCondLst>
+                                            <p:cond delay="0"/>
+                                          </p:stCondLst>
+                                        </p:cTn>
+                                        <p:tgtEl>
+                                          <p:spTgt spid="21"/>
+                                        </p:tgtEl>
+                                        <p:attrNameLst>
+                                          <p:attrName>style.visibility</p:attrName>
+                                        </p:attrNameLst>
+                                      </p:cBhvr>
+                                      <p:to>
+                                        <p:strVal val="visible"/>
+                                      </p:to>
+                                    </p:set>
+                                    <p:animEffect transition="in" filter="wipe(left)">
+                                      <p:cBhvr>
+                                        <p:cTn id="14" dur="500"/>
+                                        <p:tgtEl>
+                                          <p:spTgt spid="21"/>
+                                        </p:tgtEl>
+                                      </p:cBhvr>
+                                    </p:animEffect>
+                                  </p:childTnLst>
+                                </p:cTn>
+                              </p:par>
+                            </p:childTnLst>
+                          </p:cTn>
+                        </p:par>
+                      </p:childTnLst>
+                    </p:cTn>
+                  </p:par>
+                </p:childTnLst>
+              </p:cTn>
+              <p:prevCondLst>
+                <p:cond evt="onPrev" delay="0">
+                  <p:tgtEl>
+                    <p:sldTgt/>
+                  </p:tgtEl>
+                </p:cond>
+              </p:prevCondLst>
+              <p:nextCondLst>
+                <p:cond evt="onNext" delay="0">
+                  <p:tgtEl>
+                    <p:sldTgt/>
+                  </p:tgtEl>
+                </p:cond>
+              </p:nextCondLst>
+            </p:seq>
+          </p:childTnLst>
+        </p:cTn>
+      </p:par>
+    </p:tnLst>
+  </p:timing>
+</p:sld>
+</file>
+
+<file path=ppt/slides/slide45.xml><?xml version="1.0" encoding="utf-8"?>
+<p:sld xmlns:a="http://schemas.openxmlformats.org/drawingml/2006/main" xmlns:r="http://schemas.openxmlformats.org/officeDocument/2006/relationships" xmlns:p="http://schemas.openxmlformats.org/presentationml/2006/main" show="0">
+  <p:cSld>
+    <p:spTree>
+      <p:nvGrpSpPr>
+        <p:cNvPr id="1" name=""/>
+        <p:cNvGrpSpPr/>
+        <p:nvPr/>
+      </p:nvGrpSpPr>
+      <p:grpSpPr>
+        <a:xfrm>
+          <a:off x="0" y="0"/>
+          <a:ext cx="0" cy="0"/>
+          <a:chOff x="0" y="0"/>
+          <a:chExt cx="0" cy="0"/>
+        </a:xfrm>
+      </p:grpSpPr>
+      <p:sp>
+        <p:nvSpPr>
+          <p:cNvPr id="4" name="Slide Number Placeholder 2"/>
+          <p:cNvSpPr>
+            <a:spLocks noGrp="1"/>
+          </p:cNvSpPr>
+          <p:nvPr>
+            <p:ph type="sldNum" sz="quarter" idx="10"/>
+          </p:nvPr>
+        </p:nvSpPr>
+        <p:spPr>
+          <a:xfrm>
+            <a:off x="7333815" y="6553200"/>
+            <a:ext cx="1810186" cy="276999"/>
+          </a:xfrm>
+        </p:spPr>
+        <p:txBody>
+          <a:bodyPr/>
+          <a:lstStyle/>
+          <a:p>
+            <a:r>
+              <a:rPr lang="en-US" dirty="0" smtClean="0"/>
+              <a:t>propositional algebra.</a:t>
+            </a:r>
+            <a:fld id="{3251DA95-B240-47FE-901D-B78FC8E8E532}" type="slidenum">
+              <a:rPr lang="en-US" smtClean="0"/>
+              <a:pPr/>
+              <a:t>45</a:t>
+            </a:fld>
+            <a:endParaRPr lang="en-US" dirty="0"/>
+          </a:p>
+        </p:txBody>
+      </p:sp>
+      <p:graphicFrame>
+        <p:nvGraphicFramePr>
+          <p:cNvPr id="7" name="Object 6"/>
+          <p:cNvGraphicFramePr>
+            <a:graphicFrameLocks noChangeAspect="1"/>
+          </p:cNvGraphicFramePr>
+          <p:nvPr>
+            <p:extLst>
+              <p:ext uri="{D42A27DB-BD31-4B8C-83A1-F6EECF244321}">
+                <p14:modId xmlns:p14="http://schemas.microsoft.com/office/powerpoint/2010/main" val="100300090"/>
+              </p:ext>
+            </p:extLst>
+          </p:nvPr>
+        </p:nvGraphicFramePr>
+        <p:xfrm>
+          <a:off x="820136" y="3282949"/>
+          <a:ext cx="3172598" cy="1149351"/>
+        </p:xfrm>
+        <a:graphic>
+          <a:graphicData uri="http://schemas.openxmlformats.org/presentationml/2006/ole">
+            <mc:AlternateContent xmlns:mc="http://schemas.openxmlformats.org/markup-compatibility/2006">
+              <mc:Choice xmlns:v="urn:schemas-microsoft-com:vml" Requires="v">
+                <p:oleObj spid="_x0000_s630820" name="Equation" r:id="rId4" imgW="1333500" imgH="482600" progId="Equation.DSMT4">
                   <p:embed/>
                 </p:oleObj>
               </mc:Choice>
@@ -22049,7 +22566,7 @@
           <a:graphicData uri="http://schemas.openxmlformats.org/presentationml/2006/ole">
             <mc:AlternateContent xmlns:mc="http://schemas.openxmlformats.org/markup-compatibility/2006">
               <mc:Choice xmlns:v="urn:schemas-microsoft-com:vml" Requires="v">
-                <p:oleObj spid="_x0000_s630808" name="Equation" r:id="rId6" imgW="1181100" imgH="508000" progId="Equation.DSMT4">
+                <p:oleObj spid="_x0000_s630821" name="Equation" r:id="rId6" imgW="1181100" imgH="508000" progId="Equation.DSMT4">
                   <p:embed/>
                 </p:oleObj>
               </mc:Choice>
@@ -22106,7 +22623,7 @@
           <a:graphicData uri="http://schemas.openxmlformats.org/presentationml/2006/ole">
             <mc:AlternateContent xmlns:mc="http://schemas.openxmlformats.org/markup-compatibility/2006">
               <mc:Choice xmlns:v="urn:schemas-microsoft-com:vml" Requires="v">
-                <p:oleObj spid="_x0000_s630809" name="Equation" r:id="rId8" imgW="1181100" imgH="254000" progId="Equation.DSMT4">
+                <p:oleObj spid="_x0000_s630822" name="Equation" r:id="rId8" imgW="1181100" imgH="254000" progId="Equation.DSMT4">
                   <p:embed/>
                 </p:oleObj>
               </mc:Choice>
@@ -22164,14 +22681,14 @@
             <a:r>
               <a:rPr lang="en-US" sz="4000" dirty="0" smtClean="0">
                 <a:solidFill>
-                  <a:srgbClr val="FF03E3"/>
+                  <a:srgbClr val="C40025"/>
                 </a:solidFill>
               </a:rPr>
               <a:t>example</a:t>
             </a:r>
             <a:endParaRPr lang="en-US" sz="4000" dirty="0">
               <a:solidFill>
-                <a:srgbClr val="FF03E3"/>
+                <a:srgbClr val="C40025"/>
               </a:solidFill>
             </a:endParaRPr>
           </a:p>
@@ -22212,6 +22729,55 @@
           </a:p>
         </p:txBody>
       </p:sp>
+    </p:spTree>
+    <p:extLst>
+      <p:ext uri="{BB962C8B-B14F-4D97-AF65-F5344CB8AC3E}">
+        <p14:creationId xmlns:p14="http://schemas.microsoft.com/office/powerpoint/2010/main" val="2463668425"/>
+      </p:ext>
+    </p:extLst>
+  </p:cSld>
+  <p:clrMapOvr>
+    <a:masterClrMapping/>
+  </p:clrMapOvr>
+  <mc:AlternateContent xmlns:mc="http://schemas.openxmlformats.org/markup-compatibility/2006">
+    <mc:Choice xmlns:p14="http://schemas.microsoft.com/office/powerpoint/2010/main" Requires="p14">
+      <p:transition spd="med" p14:dur="600" advClick="0">
+        <p:fade/>
+      </p:transition>
+    </mc:Choice>
+    <mc:Fallback>
+      <p:transition xmlns:p14="http://schemas.microsoft.com/office/powerpoint/2010/main" spd="med" advClick="0">
+        <p:fade/>
+      </p:transition>
+    </mc:Fallback>
+  </mc:AlternateContent>
+  <p:timing>
+    <p:tnLst>
+      <p:par>
+        <p:cTn xmlns:p14="http://schemas.microsoft.com/office/powerpoint/2010/main" id="1" dur="indefinite" restart="never" nodeType="tmRoot"/>
+      </p:par>
+    </p:tnLst>
+  </p:timing>
+</p:sld>
+</file>
+
+<file path=ppt/slides/slide46.xml><?xml version="1.0" encoding="utf-8"?>
+<p:sld xmlns:a="http://schemas.openxmlformats.org/drawingml/2006/main" xmlns:r="http://schemas.openxmlformats.org/officeDocument/2006/relationships" xmlns:p="http://schemas.openxmlformats.org/presentationml/2006/main">
+  <p:cSld>
+    <p:spTree>
+      <p:nvGrpSpPr>
+        <p:cNvPr id="1" name=""/>
+        <p:cNvGrpSpPr/>
+        <p:nvPr/>
+      </p:nvGrpSpPr>
+      <p:grpSpPr>
+        <a:xfrm>
+          <a:off x="0" y="0"/>
+          <a:ext cx="0" cy="0"/>
+          <a:chOff x="0" y="0"/>
+          <a:chExt cx="0" cy="0"/>
+        </a:xfrm>
+      </p:grpSpPr>
       <p:sp>
         <p:nvSpPr>
           <p:cNvPr id="19" name="Title 4"/>
@@ -22393,36 +22959,276 @@
           </a:p>
         </p:txBody>
       </p:sp>
-      <p:sp useBgFill="1">
-        <p:nvSpPr>
-          <p:cNvPr id="20" name="TextBox 19"/>
+      <p:sp>
+        <p:nvSpPr>
+          <p:cNvPr id="4" name="Slide Number Placeholder 2"/>
+          <p:cNvSpPr>
+            <a:spLocks noGrp="1"/>
+          </p:cNvSpPr>
+          <p:nvPr>
+            <p:ph type="sldNum" sz="quarter" idx="10"/>
+          </p:nvPr>
+        </p:nvSpPr>
+        <p:spPr>
+          <a:xfrm>
+            <a:off x="7333815" y="6553200"/>
+            <a:ext cx="1810186" cy="276999"/>
+          </a:xfrm>
+        </p:spPr>
+        <p:txBody>
+          <a:bodyPr/>
+          <a:lstStyle/>
+          <a:p>
+            <a:r>
+              <a:rPr lang="en-US" dirty="0" smtClean="0"/>
+              <a:t>propositional algebra.</a:t>
+            </a:r>
+            <a:fld id="{3251DA95-B240-47FE-901D-B78FC8E8E532}" type="slidenum">
+              <a:rPr lang="en-US" smtClean="0"/>
+              <a:pPr/>
+              <a:t>46</a:t>
+            </a:fld>
+            <a:endParaRPr lang="en-US" dirty="0"/>
+          </a:p>
+        </p:txBody>
+      </p:sp>
+      <p:graphicFrame>
+        <p:nvGraphicFramePr>
+          <p:cNvPr id="7" name="Object 6"/>
+          <p:cNvGraphicFramePr>
+            <a:graphicFrameLocks noChangeAspect="1"/>
+          </p:cNvGraphicFramePr>
+          <p:nvPr>
+            <p:extLst>
+              <p:ext uri="{D42A27DB-BD31-4B8C-83A1-F6EECF244321}">
+                <p14:modId xmlns:p14="http://schemas.microsoft.com/office/powerpoint/2010/main" val="2095902168"/>
+              </p:ext>
+            </p:extLst>
+          </p:nvPr>
+        </p:nvGraphicFramePr>
+        <p:xfrm>
+          <a:off x="820136" y="3282949"/>
+          <a:ext cx="3172598" cy="1149351"/>
+        </p:xfrm>
+        <a:graphic>
+          <a:graphicData uri="http://schemas.openxmlformats.org/presentationml/2006/ole">
+            <mc:AlternateContent xmlns:mc="http://schemas.openxmlformats.org/markup-compatibility/2006">
+              <mc:Choice xmlns:v="urn:schemas-microsoft-com:vml" Requires="v">
+                <p:oleObj spid="_x0000_s636935" name="Equation" r:id="rId4" imgW="1333500" imgH="482600" progId="Equation.DSMT4">
+                  <p:embed/>
+                </p:oleObj>
+              </mc:Choice>
+              <mc:Fallback>
+                <p:oleObj name="Equation" r:id="rId4" imgW="1333500" imgH="482600" progId="Equation.DSMT4">
+                  <p:embed/>
+                  <p:pic>
+                    <p:nvPicPr>
+                      <p:cNvPr id="0" name=""/>
+                      <p:cNvPicPr/>
+                      <p:nvPr/>
+                    </p:nvPicPr>
+                    <p:blipFill>
+                      <a:blip r:embed="rId5"/>
+                      <a:stretch>
+                        <a:fillRect/>
+                      </a:stretch>
+                    </p:blipFill>
+                    <p:spPr>
+                      <a:xfrm>
+                        <a:off x="820136" y="3282949"/>
+                        <a:ext cx="3172598" cy="1149351"/>
+                      </a:xfrm>
+                      <a:prstGeom prst="rect">
+                        <a:avLst/>
+                      </a:prstGeom>
+                    </p:spPr>
+                  </p:pic>
+                </p:oleObj>
+              </mc:Fallback>
+            </mc:AlternateContent>
+          </a:graphicData>
+        </a:graphic>
+      </p:graphicFrame>
+      <p:sp>
+        <p:nvSpPr>
+          <p:cNvPr id="5" name="TextBox 4"/>
           <p:cNvSpPr txBox="1"/>
           <p:nvPr/>
         </p:nvSpPr>
         <p:spPr>
           <a:xfrm>
-            <a:off x="161126" y="425546"/>
-            <a:ext cx="1795984" cy="830997"/>
+            <a:off x="3947512" y="3886793"/>
+            <a:ext cx="869439" cy="584776"/>
           </a:xfrm>
           <a:prstGeom prst="rect">
             <a:avLst/>
           </a:prstGeom>
+          <a:noFill/>
         </p:spPr>
         <p:txBody>
-          <a:bodyPr wrap="none" rtlCol="0">
+          <a:bodyPr wrap="square" rtlCol="0">
             <a:spAutoFit/>
           </a:bodyPr>
           <a:lstStyle/>
           <a:p>
             <a:pPr algn="l"/>
             <a:r>
-              <a:rPr lang="en-US" sz="4800" dirty="0" smtClean="0">
+              <a:rPr lang="en-US" dirty="0" smtClean="0">
                 <a:solidFill>
-                  <a:srgbClr val="FF03E3"/>
+                  <a:srgbClr val="0000FF"/>
                 </a:solidFill>
                 <a:latin typeface="Comic Sans MS" pitchFamily="66" charset="0"/>
               </a:rPr>
-              <a:t>Done:</a:t>
+              <a:t>OR</a:t>
+            </a:r>
+          </a:p>
+        </p:txBody>
+      </p:sp>
+      <p:graphicFrame>
+        <p:nvGraphicFramePr>
+          <p:cNvPr id="9" name="Object 8"/>
+          <p:cNvGraphicFramePr>
+            <a:graphicFrameLocks noChangeAspect="1"/>
+          </p:cNvGraphicFramePr>
+          <p:nvPr>
+            <p:extLst>
+              <p:ext uri="{D42A27DB-BD31-4B8C-83A1-F6EECF244321}">
+                <p14:modId xmlns:p14="http://schemas.microsoft.com/office/powerpoint/2010/main" val="3962741882"/>
+              </p:ext>
+            </p:extLst>
+          </p:nvPr>
+        </p:nvGraphicFramePr>
+        <p:xfrm>
+          <a:off x="4741320" y="3288040"/>
+          <a:ext cx="2811462" cy="1209675"/>
+        </p:xfrm>
+        <a:graphic>
+          <a:graphicData uri="http://schemas.openxmlformats.org/presentationml/2006/ole">
+            <mc:AlternateContent xmlns:mc="http://schemas.openxmlformats.org/markup-compatibility/2006">
+              <mc:Choice xmlns:v="urn:schemas-microsoft-com:vml" Requires="v">
+                <p:oleObj spid="_x0000_s636936" name="Equation" r:id="rId6" imgW="1181100" imgH="508000" progId="Equation.DSMT4">
+                  <p:embed/>
+                </p:oleObj>
+              </mc:Choice>
+              <mc:Fallback>
+                <p:oleObj name="Equation" r:id="rId6" imgW="1181100" imgH="508000" progId="Equation.DSMT4">
+                  <p:embed/>
+                  <p:pic>
+                    <p:nvPicPr>
+                      <p:cNvPr id="0" name=""/>
+                      <p:cNvPicPr/>
+                      <p:nvPr/>
+                    </p:nvPicPr>
+                    <p:blipFill>
+                      <a:blip r:embed="rId7"/>
+                      <a:stretch>
+                        <a:fillRect/>
+                      </a:stretch>
+                    </p:blipFill>
+                    <p:spPr>
+                      <a:xfrm>
+                        <a:off x="4741320" y="3288040"/>
+                        <a:ext cx="2811462" cy="1209675"/>
+                      </a:xfrm>
+                      <a:prstGeom prst="rect">
+                        <a:avLst/>
+                      </a:prstGeom>
+                    </p:spPr>
+                  </p:pic>
+                </p:oleObj>
+              </mc:Fallback>
+            </mc:AlternateContent>
+          </a:graphicData>
+        </a:graphic>
+      </p:graphicFrame>
+      <p:graphicFrame>
+        <p:nvGraphicFramePr>
+          <p:cNvPr id="11" name="Object 10"/>
+          <p:cNvGraphicFramePr>
+            <a:graphicFrameLocks noChangeAspect="1"/>
+          </p:cNvGraphicFramePr>
+          <p:nvPr>
+            <p:extLst>
+              <p:ext uri="{D42A27DB-BD31-4B8C-83A1-F6EECF244321}">
+                <p14:modId xmlns:p14="http://schemas.microsoft.com/office/powerpoint/2010/main" val="3026723214"/>
+              </p:ext>
+            </p:extLst>
+          </p:nvPr>
+        </p:nvGraphicFramePr>
+        <p:xfrm>
+          <a:off x="2905405" y="4718963"/>
+          <a:ext cx="2809875" cy="604837"/>
+        </p:xfrm>
+        <a:graphic>
+          <a:graphicData uri="http://schemas.openxmlformats.org/presentationml/2006/ole">
+            <mc:AlternateContent xmlns:mc="http://schemas.openxmlformats.org/markup-compatibility/2006">
+              <mc:Choice xmlns:v="urn:schemas-microsoft-com:vml" Requires="v">
+                <p:oleObj spid="_x0000_s636937" name="Equation" r:id="rId8" imgW="1181100" imgH="254000" progId="Equation.DSMT4">
+                  <p:embed/>
+                </p:oleObj>
+              </mc:Choice>
+              <mc:Fallback>
+                <p:oleObj name="Equation" r:id="rId8" imgW="1181100" imgH="254000" progId="Equation.DSMT4">
+                  <p:embed/>
+                  <p:pic>
+                    <p:nvPicPr>
+                      <p:cNvPr id="0" name=""/>
+                      <p:cNvPicPr/>
+                      <p:nvPr/>
+                    </p:nvPicPr>
+                    <p:blipFill>
+                      <a:blip r:embed="rId9"/>
+                      <a:stretch>
+                        <a:fillRect/>
+                      </a:stretch>
+                    </p:blipFill>
+                    <p:spPr>
+                      <a:xfrm>
+                        <a:off x="2905405" y="4718963"/>
+                        <a:ext cx="2809875" cy="604837"/>
+                      </a:xfrm>
+                      <a:prstGeom prst="rect">
+                        <a:avLst/>
+                      </a:prstGeom>
+                    </p:spPr>
+                  </p:pic>
+                </p:oleObj>
+              </mc:Fallback>
+            </mc:AlternateContent>
+          </a:graphicData>
+        </a:graphic>
+      </p:graphicFrame>
+      <p:sp>
+        <p:nvSpPr>
+          <p:cNvPr id="12" name="TextBox 11"/>
+          <p:cNvSpPr txBox="1"/>
+          <p:nvPr/>
+        </p:nvSpPr>
+        <p:spPr>
+          <a:xfrm>
+            <a:off x="7778324" y="3907806"/>
+            <a:ext cx="869439" cy="584776"/>
+          </a:xfrm>
+          <a:prstGeom prst="rect">
+            <a:avLst/>
+          </a:prstGeom>
+          <a:noFill/>
+        </p:spPr>
+        <p:txBody>
+          <a:bodyPr wrap="square" rtlCol="0">
+            <a:spAutoFit/>
+          </a:bodyPr>
+          <a:lstStyle/>
+          <a:p>
+            <a:pPr algn="l"/>
+            <a:r>
+              <a:rPr lang="en-US" dirty="0" smtClean="0">
+                <a:solidFill>
+                  <a:srgbClr val="0000FF"/>
+                </a:solidFill>
+                <a:latin typeface="Comic Sans MS" pitchFamily="66" charset="0"/>
+              </a:rPr>
+              <a:t>OR</a:t>
             </a:r>
           </a:p>
         </p:txBody>
@@ -22430,7 +23236,7 @@
     </p:spTree>
     <p:extLst>
       <p:ext uri="{BB962C8B-B14F-4D97-AF65-F5344CB8AC3E}">
-        <p14:creationId xmlns:p14="http://schemas.microsoft.com/office/powerpoint/2010/main" val="2463668425"/>
+        <p14:creationId xmlns:p14="http://schemas.microsoft.com/office/powerpoint/2010/main" val="2951599251"/>
       </p:ext>
     </p:extLst>
   </p:cSld>
@@ -22461,9 +23267,6 @@
                     <p:cTn id="3" fill="hold">
                       <p:stCondLst>
                         <p:cond delay="indefinite"/>
-                        <p:cond evt="onBegin" delay="0">
-                          <p:tn val="2"/>
-                        </p:cond>
                       </p:stCondLst>
                       <p:childTnLst>
                         <p:par>
@@ -22473,7 +23276,7 @@
                             </p:stCondLst>
                             <p:childTnLst>
                               <p:par>
-                                <p:cTn id="5" presetID="10" presetClass="entr" presetSubtype="0" fill="hold" grpId="0" nodeType="afterEffect">
+                                <p:cTn id="5" presetID="10" presetClass="entr" presetSubtype="0" fill="hold" grpId="0" nodeType="clickEffect">
                                   <p:stCondLst>
                                     <p:cond delay="0"/>
                                   </p:stCondLst>
@@ -22501,94 +23304,6 @@
                                         <p:cTn id="7" dur="1000"/>
                                         <p:tgtEl>
                                           <p:spTgt spid="19"/>
-                                        </p:tgtEl>
-                                      </p:cBhvr>
-                                    </p:animEffect>
-                                  </p:childTnLst>
-                                </p:cTn>
-                              </p:par>
-                              <p:par>
-                                <p:cTn id="8" presetID="9" presetClass="exit" presetSubtype="0" fill="hold" grpId="0" nodeType="withEffect">
-                                  <p:stCondLst>
-                                    <p:cond delay="0"/>
-                                  </p:stCondLst>
-                                  <p:childTnLst>
-                                    <p:animEffect transition="out" filter="dissolve">
-                                      <p:cBhvr>
-                                        <p:cTn id="9" dur="500"/>
-                                        <p:tgtEl>
-                                          <p:spTgt spid="15"/>
-                                        </p:tgtEl>
-                                      </p:cBhvr>
-                                    </p:animEffect>
-                                    <p:set>
-                                      <p:cBhvr>
-                                        <p:cTn id="10" dur="1" fill="hold">
-                                          <p:stCondLst>
-                                            <p:cond delay="499"/>
-                                          </p:stCondLst>
-                                        </p:cTn>
-                                        <p:tgtEl>
-                                          <p:spTgt spid="15"/>
-                                        </p:tgtEl>
-                                        <p:attrNameLst>
-                                          <p:attrName>style.visibility</p:attrName>
-                                        </p:attrNameLst>
-                                      </p:cBhvr>
-                                      <p:to>
-                                        <p:strVal val="hidden"/>
-                                      </p:to>
-                                    </p:set>
-                                  </p:childTnLst>
-                                </p:cTn>
-                              </p:par>
-                            </p:childTnLst>
-                          </p:cTn>
-                        </p:par>
-                      </p:childTnLst>
-                    </p:cTn>
-                  </p:par>
-                  <p:par>
-                    <p:cTn id="11" fill="hold">
-                      <p:stCondLst>
-                        <p:cond delay="indefinite"/>
-                      </p:stCondLst>
-                      <p:childTnLst>
-                        <p:par>
-                          <p:cTn id="12" fill="hold">
-                            <p:stCondLst>
-                              <p:cond delay="0"/>
-                            </p:stCondLst>
-                            <p:childTnLst>
-                              <p:par>
-                                <p:cTn id="13" presetID="10" presetClass="entr" presetSubtype="0" fill="hold" grpId="0" nodeType="clickEffect">
-                                  <p:stCondLst>
-                                    <p:cond delay="0"/>
-                                  </p:stCondLst>
-                                  <p:childTnLst>
-                                    <p:set>
-                                      <p:cBhvr>
-                                        <p:cTn id="14" dur="1" fill="hold">
-                                          <p:stCondLst>
-                                            <p:cond delay="0"/>
-                                          </p:stCondLst>
-                                        </p:cTn>
-                                        <p:tgtEl>
-                                          <p:spTgt spid="20"/>
-                                        </p:tgtEl>
-                                        <p:attrNameLst>
-                                          <p:attrName>style.visibility</p:attrName>
-                                        </p:attrNameLst>
-                                      </p:cBhvr>
-                                      <p:to>
-                                        <p:strVal val="visible"/>
-                                      </p:to>
-                                    </p:set>
-                                    <p:animEffect transition="in" filter="fade">
-                                      <p:cBhvr>
-                                        <p:cTn id="15" dur="500"/>
-                                        <p:tgtEl>
-                                          <p:spTgt spid="20"/>
                                         </p:tgtEl>
                                       </p:cBhvr>
                                     </p:animEffect>
@@ -22623,15 +23338,13 @@
       </p:par>
     </p:tnLst>
     <p:bldLst>
-      <p:bldP spid="15" grpId="0"/>
       <p:bldP spid="19" grpId="0"/>
-      <p:bldP spid="20" grpId="0" animBg="1"/>
     </p:bldLst>
   </p:timing>
 </p:sld>
 </file>
 
-<file path=ppt/slides/slide45.xml><?xml version="1.0" encoding="utf-8"?>
+<file path=ppt/slides/slide47.xml><?xml version="1.0" encoding="utf-8"?>
 <p:sld xmlns:a="http://schemas.openxmlformats.org/drawingml/2006/main" xmlns:r="http://schemas.openxmlformats.org/officeDocument/2006/relationships" xmlns:p="http://schemas.openxmlformats.org/presentationml/2006/main">
   <p:cSld>
     <p:spTree>
@@ -22675,7 +23388,7 @@
             <a:fld id="{3251DA95-B240-47FE-901D-B78FC8E8E532}" type="slidenum">
               <a:rPr lang="en-US" smtClean="0"/>
               <a:pPr/>
-              <a:t>45</a:t>
+              <a:t>47</a:t>
             </a:fld>
             <a:endParaRPr lang="en-US" dirty="0"/>
           </a:p>
@@ -22690,7 +23403,7 @@
           <p:nvPr>
             <p:extLst>
               <p:ext uri="{D42A27DB-BD31-4B8C-83A1-F6EECF244321}">
-                <p14:modId xmlns:p14="http://schemas.microsoft.com/office/powerpoint/2010/main" val="328828839"/>
+                <p14:modId xmlns:p14="http://schemas.microsoft.com/office/powerpoint/2010/main" val="4272074639"/>
               </p:ext>
             </p:extLst>
           </p:nvPr>
@@ -22703,7 +23416,7 @@
           <a:graphicData uri="http://schemas.openxmlformats.org/presentationml/2006/ole">
             <mc:AlternateContent xmlns:mc="http://schemas.openxmlformats.org/markup-compatibility/2006">
               <mc:Choice xmlns:v="urn:schemas-microsoft-com:vml" Requires="v">
-                <p:oleObj spid="_x0000_s529450" name="Equation" r:id="rId4" imgW="2692400" imgH="482600" progId="Equation.DSMT4">
+                <p:oleObj spid="_x0000_s529454" name="Equation" r:id="rId4" imgW="2692400" imgH="482600" progId="Equation.DSMT4">
                   <p:embed/>
                 </p:oleObj>
               </mc:Choice>
@@ -22969,14 +23682,162 @@
   <p:timing>
     <p:tnLst>
       <p:par>
-        <p:cTn xmlns:p14="http://schemas.microsoft.com/office/powerpoint/2010/main" id="1" dur="indefinite" restart="never" nodeType="tmRoot"/>
+        <p:cTn xmlns:p14="http://schemas.microsoft.com/office/powerpoint/2010/main" id="1" dur="indefinite" restart="never" nodeType="tmRoot">
+          <p:childTnLst>
+            <p:seq concurrent="1" nextAc="seek">
+              <p:cTn id="2" dur="indefinite" nodeType="mainSeq">
+                <p:childTnLst>
+                  <p:par>
+                    <p:cTn id="3" fill="hold">
+                      <p:stCondLst>
+                        <p:cond delay="indefinite"/>
+                      </p:stCondLst>
+                      <p:childTnLst>
+                        <p:par>
+                          <p:cTn id="4" fill="hold">
+                            <p:stCondLst>
+                              <p:cond delay="0"/>
+                            </p:stCondLst>
+                            <p:childTnLst>
+                              <p:par>
+                                <p:cTn id="5" presetID="49" presetClass="entr" presetSubtype="0" decel="100000" fill="hold" grpId="0" nodeType="clickEffect">
+                                  <p:stCondLst>
+                                    <p:cond delay="0"/>
+                                  </p:stCondLst>
+                                  <p:childTnLst>
+                                    <p:set>
+                                      <p:cBhvr>
+                                        <p:cTn id="6" dur="1" fill="hold">
+                                          <p:stCondLst>
+                                            <p:cond delay="0"/>
+                                          </p:stCondLst>
+                                        </p:cTn>
+                                        <p:tgtEl>
+                                          <p:spTgt spid="5"/>
+                                        </p:tgtEl>
+                                        <p:attrNameLst>
+                                          <p:attrName>style.visibility</p:attrName>
+                                        </p:attrNameLst>
+                                      </p:cBhvr>
+                                      <p:to>
+                                        <p:strVal val="visible"/>
+                                      </p:to>
+                                    </p:set>
+                                    <p:anim calcmode="lin" valueType="num">
+                                      <p:cBhvr>
+                                        <p:cTn id="7" dur="500" fill="hold"/>
+                                        <p:tgtEl>
+                                          <p:spTgt spid="5"/>
+                                        </p:tgtEl>
+                                        <p:attrNameLst>
+                                          <p:attrName>ppt_w</p:attrName>
+                                        </p:attrNameLst>
+                                      </p:cBhvr>
+                                      <p:tavLst>
+                                        <p:tav tm="0">
+                                          <p:val>
+                                            <p:fltVal val="0"/>
+                                          </p:val>
+                                        </p:tav>
+                                        <p:tav tm="100000">
+                                          <p:val>
+                                            <p:strVal val="#ppt_w"/>
+                                          </p:val>
+                                        </p:tav>
+                                      </p:tavLst>
+                                    </p:anim>
+                                    <p:anim calcmode="lin" valueType="num">
+                                      <p:cBhvr>
+                                        <p:cTn id="8" dur="500" fill="hold"/>
+                                        <p:tgtEl>
+                                          <p:spTgt spid="5"/>
+                                        </p:tgtEl>
+                                        <p:attrNameLst>
+                                          <p:attrName>ppt_h</p:attrName>
+                                        </p:attrNameLst>
+                                      </p:cBhvr>
+                                      <p:tavLst>
+                                        <p:tav tm="0">
+                                          <p:val>
+                                            <p:fltVal val="0"/>
+                                          </p:val>
+                                        </p:tav>
+                                        <p:tav tm="100000">
+                                          <p:val>
+                                            <p:strVal val="#ppt_h"/>
+                                          </p:val>
+                                        </p:tav>
+                                      </p:tavLst>
+                                    </p:anim>
+                                    <p:anim calcmode="lin" valueType="num">
+                                      <p:cBhvr>
+                                        <p:cTn id="9" dur="500" fill="hold"/>
+                                        <p:tgtEl>
+                                          <p:spTgt spid="5"/>
+                                        </p:tgtEl>
+                                        <p:attrNameLst>
+                                          <p:attrName>style.rotation</p:attrName>
+                                        </p:attrNameLst>
+                                      </p:cBhvr>
+                                      <p:tavLst>
+                                        <p:tav tm="0">
+                                          <p:val>
+                                            <p:fltVal val="360"/>
+                                          </p:val>
+                                        </p:tav>
+                                        <p:tav tm="100000">
+                                          <p:val>
+                                            <p:fltVal val="0"/>
+                                          </p:val>
+                                        </p:tav>
+                                      </p:tavLst>
+                                    </p:anim>
+                                    <p:animEffect transition="in" filter="fade">
+                                      <p:cBhvr>
+                                        <p:cTn id="10" dur="500"/>
+                                        <p:tgtEl>
+                                          <p:spTgt spid="5"/>
+                                        </p:tgtEl>
+                                      </p:cBhvr>
+                                    </p:animEffect>
+                                  </p:childTnLst>
+                                </p:cTn>
+                              </p:par>
+                            </p:childTnLst>
+                          </p:cTn>
+                        </p:par>
+                      </p:childTnLst>
+                    </p:cTn>
+                  </p:par>
+                </p:childTnLst>
+              </p:cTn>
+              <p:prevCondLst>
+                <p:cond evt="onPrev" delay="0">
+                  <p:tgtEl>
+                    <p:sldTgt/>
+                  </p:tgtEl>
+                </p:cond>
+              </p:prevCondLst>
+              <p:nextCondLst>
+                <p:cond evt="onNext" delay="0">
+                  <p:tgtEl>
+                    <p:sldTgt/>
+                  </p:tgtEl>
+                </p:cond>
+              </p:nextCondLst>
+            </p:seq>
+          </p:childTnLst>
+        </p:cTn>
       </p:par>
     </p:tnLst>
+    <p:bldLst>
+      <p:bldP spid="5" grpId="0" animBg="1"/>
+    </p:bldLst>
   </p:timing>
 </p:sld>
 </file>
 
-<file path=ppt/slides/slide46.xml><?xml version="1.0" encoding="utf-8"?>
+<file path=ppt/slides/slide48.xml><?xml version="1.0" encoding="utf-8"?>
 <p:sld xmlns:a="http://schemas.openxmlformats.org/drawingml/2006/main" xmlns:r="http://schemas.openxmlformats.org/officeDocument/2006/relationships" xmlns:p="http://schemas.openxmlformats.org/presentationml/2006/main">
   <p:cSld>
     <p:spTree>
@@ -23188,7 +24049,7 @@
             <a:fld id="{3251DA95-B240-47FE-901D-B78FC8E8E532}" type="slidenum">
               <a:rPr lang="en-US" smtClean="0"/>
               <a:pPr/>
-              <a:t>46</a:t>
+              <a:t>48</a:t>
             </a:fld>
             <a:endParaRPr lang="en-US" dirty="0"/>
           </a:p>
@@ -23344,350 +24205,6 @@
 </p:sld>
 </file>
 
-<file path=ppt/slides/slide47.xml><?xml version="1.0" encoding="utf-8"?>
-<p:sld xmlns:a="http://schemas.openxmlformats.org/drawingml/2006/main" xmlns:r="http://schemas.openxmlformats.org/officeDocument/2006/relationships" xmlns:p="http://schemas.openxmlformats.org/presentationml/2006/main">
-  <p:cSld>
-    <p:spTree>
-      <p:nvGrpSpPr>
-        <p:cNvPr id="1" name=""/>
-        <p:cNvGrpSpPr/>
-        <p:nvPr/>
-      </p:nvGrpSpPr>
-      <p:grpSpPr>
-        <a:xfrm>
-          <a:off x="0" y="0"/>
-          <a:ext cx="0" cy="0"/>
-          <a:chOff x="0" y="0"/>
-          <a:chExt cx="0" cy="0"/>
-        </a:xfrm>
-      </p:grpSpPr>
-      <p:sp>
-        <p:nvSpPr>
-          <p:cNvPr id="5" name="TextBox 4"/>
-          <p:cNvSpPr txBox="1"/>
-          <p:nvPr/>
-        </p:nvSpPr>
-        <p:spPr>
-          <a:xfrm>
-            <a:off x="249243" y="1847840"/>
-            <a:ext cx="8985240" cy="1754327"/>
-          </a:xfrm>
-          <a:prstGeom prst="rect">
-            <a:avLst/>
-          </a:prstGeom>
-          <a:noFill/>
-        </p:spPr>
-        <p:txBody>
-          <a:bodyPr wrap="square" rtlCol="0">
-            <a:spAutoFit/>
-          </a:bodyPr>
-          <a:lstStyle/>
-          <a:p>
-            <a:pPr algn="l"/>
-            <a:r>
-              <a:rPr lang="en-US" sz="5400" dirty="0" smtClean="0">
-                <a:solidFill>
-                  <a:srgbClr val="000000"/>
-                </a:solidFill>
-                <a:latin typeface="Comic Sans MS" pitchFamily="66" charset="0"/>
-              </a:rPr>
-              <a:t>Because two formulas are</a:t>
-            </a:r>
-          </a:p>
-          <a:p>
-            <a:pPr algn="l"/>
-            <a:r>
-              <a:rPr lang="en-US" sz="5400" dirty="0" smtClean="0">
-                <a:solidFill>
-                  <a:srgbClr val="000000"/>
-                </a:solidFill>
-                <a:latin typeface="Comic Sans MS" pitchFamily="66" charset="0"/>
-              </a:rPr>
-              <a:t>equivalent </a:t>
-            </a:r>
-            <a:endParaRPr lang="en-US" sz="5400" dirty="0">
-              <a:solidFill>
-                <a:srgbClr val="000000"/>
-              </a:solidFill>
-              <a:latin typeface="Comic Sans MS" pitchFamily="66" charset="0"/>
-            </a:endParaRPr>
-          </a:p>
-        </p:txBody>
-      </p:sp>
-      <p:sp>
-        <p:nvSpPr>
-          <p:cNvPr id="9" name="Title 1"/>
-          <p:cNvSpPr>
-            <a:spLocks noGrp="1"/>
-          </p:cNvSpPr>
-          <p:nvPr>
-            <p:ph type="title"/>
-          </p:nvPr>
-        </p:nvSpPr>
-        <p:spPr>
-          <a:xfrm>
-            <a:off x="1651000" y="363538"/>
-            <a:ext cx="6794500" cy="1003300"/>
-          </a:xfrm>
-        </p:spPr>
-        <p:txBody>
-          <a:bodyPr/>
-          <a:lstStyle/>
-          <a:p>
-            <a:r>
-              <a:rPr lang="en-US" sz="4000" dirty="0" smtClean="0"/>
-              <a:t>Algebra for Equivalence</a:t>
-            </a:r>
-            <a:endParaRPr lang="en-US" sz="4000" dirty="0"/>
-          </a:p>
-        </p:txBody>
-      </p:sp>
-      <p:sp>
-        <p:nvSpPr>
-          <p:cNvPr id="4" name="Slide Number Placeholder 2"/>
-          <p:cNvSpPr>
-            <a:spLocks noGrp="1"/>
-          </p:cNvSpPr>
-          <p:nvPr>
-            <p:ph type="sldNum" sz="quarter" idx="10"/>
-          </p:nvPr>
-        </p:nvSpPr>
-        <p:spPr>
-          <a:xfrm>
-            <a:off x="7333815" y="6553200"/>
-            <a:ext cx="1810186" cy="276999"/>
-          </a:xfrm>
-        </p:spPr>
-        <p:txBody>
-          <a:bodyPr/>
-          <a:lstStyle/>
-          <a:p>
-            <a:r>
-              <a:rPr lang="en-US" dirty="0" smtClean="0"/>
-              <a:t>propositional algebra.</a:t>
-            </a:r>
-            <a:fld id="{3251DA95-B240-47FE-901D-B78FC8E8E532}" type="slidenum">
-              <a:rPr lang="en-US" smtClean="0"/>
-              <a:pPr/>
-              <a:t>47</a:t>
-            </a:fld>
-            <a:endParaRPr lang="en-US" dirty="0"/>
-          </a:p>
-        </p:txBody>
-      </p:sp>
-    </p:spTree>
-    <p:extLst>
-      <p:ext uri="{BB962C8B-B14F-4D97-AF65-F5344CB8AC3E}">
-        <p14:creationId xmlns:p14="http://schemas.microsoft.com/office/powerpoint/2010/main" val="2003119538"/>
-      </p:ext>
-    </p:extLst>
-  </p:cSld>
-  <p:clrMapOvr>
-    <a:masterClrMapping/>
-  </p:clrMapOvr>
-  <mc:AlternateContent xmlns:mc="http://schemas.openxmlformats.org/markup-compatibility/2006">
-    <mc:Choice xmlns:p14="http://schemas.microsoft.com/office/powerpoint/2010/main" Requires="p14">
-      <p:transition spd="med" p14:dur="700" advClick="0">
-        <p:fade/>
-      </p:transition>
-    </mc:Choice>
-    <mc:Fallback>
-      <p:transition xmlns:p14="http://schemas.microsoft.com/office/powerpoint/2010/main" spd="med" advClick="0">
-        <p:fade/>
-      </p:transition>
-    </mc:Fallback>
-  </mc:AlternateContent>
-  <p:timing>
-    <p:tnLst>
-      <p:par>
-        <p:cTn xmlns:p14="http://schemas.microsoft.com/office/powerpoint/2010/main" id="1" dur="indefinite" restart="never" nodeType="tmRoot"/>
-      </p:par>
-    </p:tnLst>
-  </p:timing>
-</p:sld>
-</file>
-
-<file path=ppt/slides/slide48.xml><?xml version="1.0" encoding="utf-8"?>
-<p:sld xmlns:a="http://schemas.openxmlformats.org/drawingml/2006/main" xmlns:r="http://schemas.openxmlformats.org/officeDocument/2006/relationships" xmlns:p="http://schemas.openxmlformats.org/presentationml/2006/main">
-  <p:cSld>
-    <p:spTree>
-      <p:nvGrpSpPr>
-        <p:cNvPr id="1" name=""/>
-        <p:cNvGrpSpPr/>
-        <p:nvPr/>
-      </p:nvGrpSpPr>
-      <p:grpSpPr>
-        <a:xfrm>
-          <a:off x="0" y="0"/>
-          <a:ext cx="0" cy="0"/>
-          <a:chOff x="0" y="0"/>
-          <a:chExt cx="0" cy="0"/>
-        </a:xfrm>
-      </p:grpSpPr>
-      <p:sp>
-        <p:nvSpPr>
-          <p:cNvPr id="5" name="TextBox 4"/>
-          <p:cNvSpPr txBox="1"/>
-          <p:nvPr/>
-        </p:nvSpPr>
-        <p:spPr>
-          <a:xfrm>
-            <a:off x="249243" y="1847840"/>
-            <a:ext cx="8985240" cy="2585323"/>
-          </a:xfrm>
-          <a:prstGeom prst="rect">
-            <a:avLst/>
-          </a:prstGeom>
-          <a:noFill/>
-        </p:spPr>
-        <p:txBody>
-          <a:bodyPr wrap="square" rtlCol="0">
-            <a:spAutoFit/>
-          </a:bodyPr>
-          <a:lstStyle/>
-          <a:p>
-            <a:pPr algn="l"/>
-            <a:r>
-              <a:rPr lang="en-US" sz="5400" dirty="0" smtClean="0">
-                <a:solidFill>
-                  <a:srgbClr val="000000"/>
-                </a:solidFill>
-                <a:latin typeface="Comic Sans MS" pitchFamily="66" charset="0"/>
-              </a:rPr>
-              <a:t>Because two formulas are</a:t>
-            </a:r>
-          </a:p>
-          <a:p>
-            <a:pPr algn="l"/>
-            <a:r>
-              <a:rPr lang="en-US" sz="5400" dirty="0" smtClean="0">
-                <a:solidFill>
-                  <a:srgbClr val="000000"/>
-                </a:solidFill>
-                <a:latin typeface="Comic Sans MS" pitchFamily="66" charset="0"/>
-              </a:rPr>
-              <a:t>equivalent </a:t>
-            </a:r>
-            <a:r>
-              <a:rPr lang="en-US" sz="5400" dirty="0" err="1" smtClean="0">
-                <a:solidFill>
-                  <a:srgbClr val="000000"/>
-                </a:solidFill>
-                <a:latin typeface="Comic Sans MS" pitchFamily="66" charset="0"/>
-              </a:rPr>
-              <a:t>iff</a:t>
-            </a:r>
-            <a:r>
-              <a:rPr lang="en-US" sz="5400" dirty="0" smtClean="0">
-                <a:solidFill>
-                  <a:srgbClr val="000000"/>
-                </a:solidFill>
-                <a:latin typeface="Comic Sans MS" pitchFamily="66" charset="0"/>
-              </a:rPr>
-              <a:t> have same truth table</a:t>
-            </a:r>
-            <a:endParaRPr lang="en-US" sz="5400" dirty="0">
-              <a:solidFill>
-                <a:srgbClr val="000000"/>
-              </a:solidFill>
-              <a:latin typeface="Comic Sans MS" pitchFamily="66" charset="0"/>
-            </a:endParaRPr>
-          </a:p>
-        </p:txBody>
-      </p:sp>
-      <p:sp>
-        <p:nvSpPr>
-          <p:cNvPr id="9" name="Title 1"/>
-          <p:cNvSpPr>
-            <a:spLocks noGrp="1"/>
-          </p:cNvSpPr>
-          <p:nvPr>
-            <p:ph type="title"/>
-          </p:nvPr>
-        </p:nvSpPr>
-        <p:spPr>
-          <a:xfrm>
-            <a:off x="1651000" y="363538"/>
-            <a:ext cx="6794500" cy="1003300"/>
-          </a:xfrm>
-        </p:spPr>
-        <p:txBody>
-          <a:bodyPr/>
-          <a:lstStyle/>
-          <a:p>
-            <a:r>
-              <a:rPr lang="en-US" sz="4000" dirty="0" smtClean="0"/>
-              <a:t>Algebra for Equivalence</a:t>
-            </a:r>
-            <a:endParaRPr lang="en-US" sz="4000" dirty="0"/>
-          </a:p>
-        </p:txBody>
-      </p:sp>
-      <p:sp>
-        <p:nvSpPr>
-          <p:cNvPr id="4" name="Slide Number Placeholder 2"/>
-          <p:cNvSpPr>
-            <a:spLocks noGrp="1"/>
-          </p:cNvSpPr>
-          <p:nvPr>
-            <p:ph type="sldNum" sz="quarter" idx="10"/>
-          </p:nvPr>
-        </p:nvSpPr>
-        <p:spPr>
-          <a:xfrm>
-            <a:off x="7333815" y="6553200"/>
-            <a:ext cx="1810186" cy="276999"/>
-          </a:xfrm>
-        </p:spPr>
-        <p:txBody>
-          <a:bodyPr/>
-          <a:lstStyle/>
-          <a:p>
-            <a:r>
-              <a:rPr lang="en-US" dirty="0" smtClean="0"/>
-              <a:t>propositional algebra.</a:t>
-            </a:r>
-            <a:fld id="{3251DA95-B240-47FE-901D-B78FC8E8E532}" type="slidenum">
-              <a:rPr lang="en-US" smtClean="0"/>
-              <a:pPr/>
-              <a:t>48</a:t>
-            </a:fld>
-            <a:endParaRPr lang="en-US" dirty="0"/>
-          </a:p>
-        </p:txBody>
-      </p:sp>
-    </p:spTree>
-    <p:extLst>
-      <p:ext uri="{BB962C8B-B14F-4D97-AF65-F5344CB8AC3E}">
-        <p14:creationId xmlns:p14="http://schemas.microsoft.com/office/powerpoint/2010/main" val="2442323819"/>
-      </p:ext>
-    </p:extLst>
-  </p:cSld>
-  <p:clrMapOvr>
-    <a:masterClrMapping/>
-  </p:clrMapOvr>
-  <mc:AlternateContent xmlns:mc="http://schemas.openxmlformats.org/markup-compatibility/2006">
-    <mc:Choice xmlns:p14="http://schemas.microsoft.com/office/powerpoint/2010/main" Requires="p14">
-      <p:transition spd="med" p14:dur="700" advClick="0">
-        <p:fade/>
-      </p:transition>
-    </mc:Choice>
-    <mc:Fallback>
-      <p:transition xmlns:p14="http://schemas.microsoft.com/office/powerpoint/2010/main" spd="med" advClick="0">
-        <p:fade/>
-      </p:transition>
-    </mc:Fallback>
-  </mc:AlternateContent>
-  <p:timing>
-    <p:tnLst>
-      <p:par>
-        <p:cTn xmlns:p14="http://schemas.microsoft.com/office/powerpoint/2010/main" id="1" dur="indefinite" restart="never" nodeType="tmRoot"/>
-      </p:par>
-    </p:tnLst>
-  </p:timing>
-</p:sld>
-</file>
-
 <file path=ppt/slides/slide49.xml><?xml version="1.0" encoding="utf-8"?>
 <p:sld xmlns:a="http://schemas.openxmlformats.org/drawingml/2006/main" xmlns:r="http://schemas.openxmlformats.org/officeDocument/2006/relationships" xmlns:p="http://schemas.openxmlformats.org/presentationml/2006/main">
   <p:cSld>
@@ -23714,7 +24231,7 @@
         <p:spPr>
           <a:xfrm>
             <a:off x="249243" y="1847840"/>
-            <a:ext cx="8985240" cy="3416320"/>
+            <a:ext cx="8985240" cy="1754327"/>
           </a:xfrm>
           <a:prstGeom prst="rect">
             <a:avLst/>
@@ -23749,54 +24266,6 @@
               </a:rPr>
               <a:t>equivalent </a:t>
             </a:r>
-            <a:r>
-              <a:rPr lang="en-US" sz="5400" dirty="0" err="1" smtClean="0">
-                <a:solidFill>
-                  <a:srgbClr val="000000"/>
-                </a:solidFill>
-                <a:latin typeface="Comic Sans MS" pitchFamily="66" charset="0"/>
-              </a:rPr>
-              <a:t>iff</a:t>
-            </a:r>
-            <a:r>
-              <a:rPr lang="en-US" sz="5400" dirty="0" smtClean="0">
-                <a:solidFill>
-                  <a:srgbClr val="000000"/>
-                </a:solidFill>
-                <a:latin typeface="Comic Sans MS" pitchFamily="66" charset="0"/>
-              </a:rPr>
-              <a:t> have same truth table </a:t>
-            </a:r>
-            <a:r>
-              <a:rPr lang="en-US" sz="5400" dirty="0" err="1" smtClean="0">
-                <a:solidFill>
-                  <a:srgbClr val="000000"/>
-                </a:solidFill>
-                <a:latin typeface="Comic Sans MS" pitchFamily="66" charset="0"/>
-              </a:rPr>
-              <a:t>iff</a:t>
-            </a:r>
-            <a:r>
-              <a:rPr lang="en-US" sz="5400" dirty="0" smtClean="0">
-                <a:solidFill>
-                  <a:srgbClr val="000000"/>
-                </a:solidFill>
-                <a:latin typeface="Comic Sans MS" pitchFamily="66" charset="0"/>
-              </a:rPr>
-              <a:t> have same</a:t>
-            </a:r>
-          </a:p>
-          <a:p>
-            <a:pPr algn="l"/>
-            <a:r>
-              <a:rPr lang="en-US" sz="5400" dirty="0" smtClean="0">
-                <a:solidFill>
-                  <a:srgbClr val="000000"/>
-                </a:solidFill>
-                <a:latin typeface="Comic Sans MS" pitchFamily="66" charset="0"/>
-              </a:rPr>
-              <a:t>sorted Full DNF.</a:t>
-            </a:r>
             <a:endParaRPr lang="en-US" sz="5400" dirty="0">
               <a:solidFill>
                 <a:srgbClr val="000000"/>
@@ -23870,7 +24339,7 @@
     </p:spTree>
     <p:extLst>
       <p:ext uri="{BB962C8B-B14F-4D97-AF65-F5344CB8AC3E}">
-        <p14:creationId xmlns:p14="http://schemas.microsoft.com/office/powerpoint/2010/main" val="1661767375"/>
+        <p14:creationId xmlns:p14="http://schemas.microsoft.com/office/powerpoint/2010/main" val="2003119538"/>
       </p:ext>
     </p:extLst>
   </p:cSld>
@@ -24040,7 +24509,7 @@
           <a:graphicData uri="http://schemas.openxmlformats.org/presentationml/2006/ole">
             <mc:AlternateContent xmlns:mc="http://schemas.openxmlformats.org/markup-compatibility/2006">
               <mc:Choice xmlns:v="urn:schemas-microsoft-com:vml" Requires="v">
-                <p:oleObj spid="_x0000_s1107" name="Equation" r:id="rId4" imgW="1295400" imgH="228600" progId="Equation.DSMT4">
+                <p:oleObj spid="_x0000_s1110" name="Equation" r:id="rId4" imgW="1295400" imgH="228600" progId="Equation.DSMT4">
                   <p:embed/>
                 </p:oleObj>
               </mc:Choice>
@@ -24208,6 +24677,398 @@
         </p:nvSpPr>
         <p:spPr>
           <a:xfrm>
+            <a:off x="249243" y="1847840"/>
+            <a:ext cx="8985240" cy="2585323"/>
+          </a:xfrm>
+          <a:prstGeom prst="rect">
+            <a:avLst/>
+          </a:prstGeom>
+          <a:noFill/>
+        </p:spPr>
+        <p:txBody>
+          <a:bodyPr wrap="square" rtlCol="0">
+            <a:spAutoFit/>
+          </a:bodyPr>
+          <a:lstStyle/>
+          <a:p>
+            <a:pPr algn="l"/>
+            <a:r>
+              <a:rPr lang="en-US" sz="5400" dirty="0" smtClean="0">
+                <a:solidFill>
+                  <a:srgbClr val="000000"/>
+                </a:solidFill>
+                <a:latin typeface="Comic Sans MS" pitchFamily="66" charset="0"/>
+              </a:rPr>
+              <a:t>Because two formulas are</a:t>
+            </a:r>
+          </a:p>
+          <a:p>
+            <a:pPr algn="l"/>
+            <a:r>
+              <a:rPr lang="en-US" sz="5400" dirty="0" smtClean="0">
+                <a:solidFill>
+                  <a:srgbClr val="000000"/>
+                </a:solidFill>
+                <a:latin typeface="Comic Sans MS" pitchFamily="66" charset="0"/>
+              </a:rPr>
+              <a:t>equivalent </a:t>
+            </a:r>
+            <a:r>
+              <a:rPr lang="en-US" sz="5400" dirty="0" err="1" smtClean="0">
+                <a:solidFill>
+                  <a:srgbClr val="000000"/>
+                </a:solidFill>
+                <a:latin typeface="Comic Sans MS" pitchFamily="66" charset="0"/>
+              </a:rPr>
+              <a:t>iff</a:t>
+            </a:r>
+            <a:r>
+              <a:rPr lang="en-US" sz="5400" dirty="0" smtClean="0">
+                <a:solidFill>
+                  <a:srgbClr val="000000"/>
+                </a:solidFill>
+                <a:latin typeface="Comic Sans MS" pitchFamily="66" charset="0"/>
+              </a:rPr>
+              <a:t> have same truth table</a:t>
+            </a:r>
+            <a:endParaRPr lang="en-US" sz="5400" dirty="0">
+              <a:solidFill>
+                <a:srgbClr val="000000"/>
+              </a:solidFill>
+              <a:latin typeface="Comic Sans MS" pitchFamily="66" charset="0"/>
+            </a:endParaRPr>
+          </a:p>
+        </p:txBody>
+      </p:sp>
+      <p:sp>
+        <p:nvSpPr>
+          <p:cNvPr id="9" name="Title 1"/>
+          <p:cNvSpPr>
+            <a:spLocks noGrp="1"/>
+          </p:cNvSpPr>
+          <p:nvPr>
+            <p:ph type="title"/>
+          </p:nvPr>
+        </p:nvSpPr>
+        <p:spPr>
+          <a:xfrm>
+            <a:off x="1651000" y="363538"/>
+            <a:ext cx="6794500" cy="1003300"/>
+          </a:xfrm>
+        </p:spPr>
+        <p:txBody>
+          <a:bodyPr/>
+          <a:lstStyle/>
+          <a:p>
+            <a:r>
+              <a:rPr lang="en-US" sz="4000" dirty="0" smtClean="0"/>
+              <a:t>Algebra for Equivalence</a:t>
+            </a:r>
+            <a:endParaRPr lang="en-US" sz="4000" dirty="0"/>
+          </a:p>
+        </p:txBody>
+      </p:sp>
+      <p:sp>
+        <p:nvSpPr>
+          <p:cNvPr id="4" name="Slide Number Placeholder 2"/>
+          <p:cNvSpPr>
+            <a:spLocks noGrp="1"/>
+          </p:cNvSpPr>
+          <p:nvPr>
+            <p:ph type="sldNum" sz="quarter" idx="10"/>
+          </p:nvPr>
+        </p:nvSpPr>
+        <p:spPr>
+          <a:xfrm>
+            <a:off x="7333815" y="6553200"/>
+            <a:ext cx="1810186" cy="276999"/>
+          </a:xfrm>
+        </p:spPr>
+        <p:txBody>
+          <a:bodyPr/>
+          <a:lstStyle/>
+          <a:p>
+            <a:r>
+              <a:rPr lang="en-US" dirty="0" smtClean="0"/>
+              <a:t>propositional algebra.</a:t>
+            </a:r>
+            <a:fld id="{3251DA95-B240-47FE-901D-B78FC8E8E532}" type="slidenum">
+              <a:rPr lang="en-US" smtClean="0"/>
+              <a:pPr/>
+              <a:t>50</a:t>
+            </a:fld>
+            <a:endParaRPr lang="en-US" dirty="0"/>
+          </a:p>
+        </p:txBody>
+      </p:sp>
+    </p:spTree>
+    <p:extLst>
+      <p:ext uri="{BB962C8B-B14F-4D97-AF65-F5344CB8AC3E}">
+        <p14:creationId xmlns:p14="http://schemas.microsoft.com/office/powerpoint/2010/main" val="2442323819"/>
+      </p:ext>
+    </p:extLst>
+  </p:cSld>
+  <p:clrMapOvr>
+    <a:masterClrMapping/>
+  </p:clrMapOvr>
+  <mc:AlternateContent xmlns:mc="http://schemas.openxmlformats.org/markup-compatibility/2006" xmlns:p14="http://schemas.microsoft.com/office/powerpoint/2010/main">
+    <mc:Choice Requires="p14">
+      <p:transition spd="med" p14:dur="700" advClick="0">
+        <p:fade/>
+      </p:transition>
+    </mc:Choice>
+    <mc:Fallback xmlns="">
+      <p:transition xmlns:p14="http://schemas.microsoft.com/office/powerpoint/2010/main" spd="med" advClick="0">
+        <p:fade/>
+      </p:transition>
+    </mc:Fallback>
+  </mc:AlternateContent>
+  <p:timing>
+    <p:tnLst>
+      <p:par>
+        <p:cTn xmlns:p14="http://schemas.microsoft.com/office/powerpoint/2010/main" id="1" dur="indefinite" restart="never" nodeType="tmRoot"/>
+      </p:par>
+    </p:tnLst>
+  </p:timing>
+</p:sld>
+</file>
+
+<file path=ppt/slides/slide51.xml><?xml version="1.0" encoding="utf-8"?>
+<p:sld xmlns:a="http://schemas.openxmlformats.org/drawingml/2006/main" xmlns:r="http://schemas.openxmlformats.org/officeDocument/2006/relationships" xmlns:p="http://schemas.openxmlformats.org/presentationml/2006/main">
+  <p:cSld>
+    <p:spTree>
+      <p:nvGrpSpPr>
+        <p:cNvPr id="1" name=""/>
+        <p:cNvGrpSpPr/>
+        <p:nvPr/>
+      </p:nvGrpSpPr>
+      <p:grpSpPr>
+        <a:xfrm>
+          <a:off x="0" y="0"/>
+          <a:ext cx="0" cy="0"/>
+          <a:chOff x="0" y="0"/>
+          <a:chExt cx="0" cy="0"/>
+        </a:xfrm>
+      </p:grpSpPr>
+      <p:sp>
+        <p:nvSpPr>
+          <p:cNvPr id="5" name="TextBox 4"/>
+          <p:cNvSpPr txBox="1"/>
+          <p:nvPr/>
+        </p:nvSpPr>
+        <p:spPr>
+          <a:xfrm>
+            <a:off x="249243" y="1847840"/>
+            <a:ext cx="8985240" cy="3416320"/>
+          </a:xfrm>
+          <a:prstGeom prst="rect">
+            <a:avLst/>
+          </a:prstGeom>
+          <a:noFill/>
+        </p:spPr>
+        <p:txBody>
+          <a:bodyPr wrap="square" rtlCol="0">
+            <a:spAutoFit/>
+          </a:bodyPr>
+          <a:lstStyle/>
+          <a:p>
+            <a:pPr algn="l"/>
+            <a:r>
+              <a:rPr lang="en-US" sz="5400" dirty="0" smtClean="0">
+                <a:solidFill>
+                  <a:srgbClr val="000000"/>
+                </a:solidFill>
+                <a:latin typeface="Comic Sans MS" pitchFamily="66" charset="0"/>
+              </a:rPr>
+              <a:t>Because two formulas are</a:t>
+            </a:r>
+          </a:p>
+          <a:p>
+            <a:pPr algn="l"/>
+            <a:r>
+              <a:rPr lang="en-US" sz="5400" dirty="0" smtClean="0">
+                <a:solidFill>
+                  <a:srgbClr val="000000"/>
+                </a:solidFill>
+                <a:latin typeface="Comic Sans MS" pitchFamily="66" charset="0"/>
+              </a:rPr>
+              <a:t>equivalent </a:t>
+            </a:r>
+            <a:r>
+              <a:rPr lang="en-US" sz="5400" dirty="0" err="1" smtClean="0">
+                <a:solidFill>
+                  <a:srgbClr val="000000"/>
+                </a:solidFill>
+                <a:latin typeface="Comic Sans MS" pitchFamily="66" charset="0"/>
+              </a:rPr>
+              <a:t>iff</a:t>
+            </a:r>
+            <a:r>
+              <a:rPr lang="en-US" sz="5400" dirty="0" smtClean="0">
+                <a:solidFill>
+                  <a:srgbClr val="000000"/>
+                </a:solidFill>
+                <a:latin typeface="Comic Sans MS" pitchFamily="66" charset="0"/>
+              </a:rPr>
+              <a:t> have same truth table </a:t>
+            </a:r>
+            <a:r>
+              <a:rPr lang="en-US" sz="5400" dirty="0" err="1" smtClean="0">
+                <a:solidFill>
+                  <a:srgbClr val="000000"/>
+                </a:solidFill>
+                <a:latin typeface="Comic Sans MS" pitchFamily="66" charset="0"/>
+              </a:rPr>
+              <a:t>iff</a:t>
+            </a:r>
+            <a:r>
+              <a:rPr lang="en-US" sz="5400" dirty="0" smtClean="0">
+                <a:solidFill>
+                  <a:srgbClr val="000000"/>
+                </a:solidFill>
+                <a:latin typeface="Comic Sans MS" pitchFamily="66" charset="0"/>
+              </a:rPr>
+              <a:t> have same</a:t>
+            </a:r>
+          </a:p>
+          <a:p>
+            <a:pPr algn="l"/>
+            <a:r>
+              <a:rPr lang="en-US" sz="5400" dirty="0" smtClean="0">
+                <a:solidFill>
+                  <a:srgbClr val="000000"/>
+                </a:solidFill>
+                <a:latin typeface="Comic Sans MS" pitchFamily="66" charset="0"/>
+              </a:rPr>
+              <a:t>sorted Full DNF.</a:t>
+            </a:r>
+            <a:endParaRPr lang="en-US" sz="5400" dirty="0">
+              <a:solidFill>
+                <a:srgbClr val="000000"/>
+              </a:solidFill>
+              <a:latin typeface="Comic Sans MS" pitchFamily="66" charset="0"/>
+            </a:endParaRPr>
+          </a:p>
+        </p:txBody>
+      </p:sp>
+      <p:sp>
+        <p:nvSpPr>
+          <p:cNvPr id="9" name="Title 1"/>
+          <p:cNvSpPr>
+            <a:spLocks noGrp="1"/>
+          </p:cNvSpPr>
+          <p:nvPr>
+            <p:ph type="title"/>
+          </p:nvPr>
+        </p:nvSpPr>
+        <p:spPr>
+          <a:xfrm>
+            <a:off x="1651000" y="363538"/>
+            <a:ext cx="6794500" cy="1003300"/>
+          </a:xfrm>
+        </p:spPr>
+        <p:txBody>
+          <a:bodyPr/>
+          <a:lstStyle/>
+          <a:p>
+            <a:r>
+              <a:rPr lang="en-US" sz="4000" dirty="0" smtClean="0"/>
+              <a:t>Algebra for Equivalence</a:t>
+            </a:r>
+            <a:endParaRPr lang="en-US" sz="4000" dirty="0"/>
+          </a:p>
+        </p:txBody>
+      </p:sp>
+      <p:sp>
+        <p:nvSpPr>
+          <p:cNvPr id="4" name="Slide Number Placeholder 2"/>
+          <p:cNvSpPr>
+            <a:spLocks noGrp="1"/>
+          </p:cNvSpPr>
+          <p:nvPr>
+            <p:ph type="sldNum" sz="quarter" idx="10"/>
+          </p:nvPr>
+        </p:nvSpPr>
+        <p:spPr>
+          <a:xfrm>
+            <a:off x="7333815" y="6553200"/>
+            <a:ext cx="1810186" cy="276999"/>
+          </a:xfrm>
+        </p:spPr>
+        <p:txBody>
+          <a:bodyPr/>
+          <a:lstStyle/>
+          <a:p>
+            <a:r>
+              <a:rPr lang="en-US" dirty="0" smtClean="0"/>
+              <a:t>propositional algebra.</a:t>
+            </a:r>
+            <a:fld id="{3251DA95-B240-47FE-901D-B78FC8E8E532}" type="slidenum">
+              <a:rPr lang="en-US" smtClean="0"/>
+              <a:pPr/>
+              <a:t>51</a:t>
+            </a:fld>
+            <a:endParaRPr lang="en-US" dirty="0"/>
+          </a:p>
+        </p:txBody>
+      </p:sp>
+    </p:spTree>
+    <p:extLst>
+      <p:ext uri="{BB962C8B-B14F-4D97-AF65-F5344CB8AC3E}">
+        <p14:creationId xmlns:p14="http://schemas.microsoft.com/office/powerpoint/2010/main" val="1661767375"/>
+      </p:ext>
+    </p:extLst>
+  </p:cSld>
+  <p:clrMapOvr>
+    <a:masterClrMapping/>
+  </p:clrMapOvr>
+  <mc:AlternateContent xmlns:mc="http://schemas.openxmlformats.org/markup-compatibility/2006" xmlns:p14="http://schemas.microsoft.com/office/powerpoint/2010/main">
+    <mc:Choice Requires="p14">
+      <p:transition spd="med" p14:dur="700" advClick="0">
+        <p:fade/>
+      </p:transition>
+    </mc:Choice>
+    <mc:Fallback xmlns="">
+      <p:transition xmlns:p14="http://schemas.microsoft.com/office/powerpoint/2010/main" spd="med" advClick="0">
+        <p:fade/>
+      </p:transition>
+    </mc:Fallback>
+  </mc:AlternateContent>
+  <p:timing>
+    <p:tnLst>
+      <p:par>
+        <p:cTn xmlns:p14="http://schemas.microsoft.com/office/powerpoint/2010/main" id="1" dur="indefinite" restart="never" nodeType="tmRoot"/>
+      </p:par>
+    </p:tnLst>
+  </p:timing>
+</p:sld>
+</file>
+
+<file path=ppt/slides/slide52.xml><?xml version="1.0" encoding="utf-8"?>
+<p:sld xmlns:a="http://schemas.openxmlformats.org/drawingml/2006/main" xmlns:r="http://schemas.openxmlformats.org/officeDocument/2006/relationships" xmlns:p="http://schemas.openxmlformats.org/presentationml/2006/main">
+  <p:cSld>
+    <p:spTree>
+      <p:nvGrpSpPr>
+        <p:cNvPr id="1" name=""/>
+        <p:cNvGrpSpPr/>
+        <p:nvPr/>
+      </p:nvGrpSpPr>
+      <p:grpSpPr>
+        <a:xfrm>
+          <a:off x="0" y="0"/>
+          <a:ext cx="0" cy="0"/>
+          <a:chOff x="0" y="0"/>
+          <a:chExt cx="0" cy="0"/>
+        </a:xfrm>
+      </p:grpSpPr>
+      <p:sp>
+        <p:nvSpPr>
+          <p:cNvPr id="5" name="TextBox 4"/>
+          <p:cNvSpPr txBox="1"/>
+          <p:nvPr/>
+        </p:nvSpPr>
+        <p:spPr>
+          <a:xfrm>
             <a:off x="627063" y="1308100"/>
             <a:ext cx="7970837" cy="2585323"/>
           </a:xfrm>
@@ -24280,7 +25141,7 @@
             <a:fld id="{3251DA95-B240-47FE-901D-B78FC8E8E532}" type="slidenum">
               <a:rPr lang="en-US" smtClean="0"/>
               <a:pPr/>
-              <a:t>50</a:t>
+              <a:t>52</a:t>
             </a:fld>
             <a:endParaRPr lang="en-US" dirty="0"/>
           </a:p>
@@ -24416,7 +25277,7 @@
 </p:sld>
 </file>
 
-<file path=ppt/slides/slide51.xml><?xml version="1.0" encoding="utf-8"?>
+<file path=ppt/slides/slide53.xml><?xml version="1.0" encoding="utf-8"?>
 <p:sld xmlns:a="http://schemas.openxmlformats.org/drawingml/2006/main" xmlns:r="http://schemas.openxmlformats.org/officeDocument/2006/relationships" xmlns:p="http://schemas.openxmlformats.org/presentationml/2006/main">
   <p:cSld>
     <p:spTree>
@@ -24548,7 +25409,7 @@
             <a:fld id="{3251DA95-B240-47FE-901D-B78FC8E8E532}" type="slidenum">
               <a:rPr lang="en-US" smtClean="0"/>
               <a:pPr/>
-              <a:t>51</a:t>
+              <a:t>53</a:t>
             </a:fld>
             <a:endParaRPr lang="en-US" dirty="0"/>
           </a:p>
@@ -24614,7 +25475,7 @@
 </p:sld>
 </file>
 
-<file path=ppt/slides/slide52.xml><?xml version="1.0" encoding="utf-8"?>
+<file path=ppt/slides/slide54.xml><?xml version="1.0" encoding="utf-8"?>
 <p:sld xmlns:a="http://schemas.openxmlformats.org/drawingml/2006/main" xmlns:r="http://schemas.openxmlformats.org/officeDocument/2006/relationships" xmlns:p="http://schemas.openxmlformats.org/presentationml/2006/main">
   <p:cSld>
     <p:spTree>
@@ -24738,7 +25599,7 @@
             <a:fld id="{3251DA95-B240-47FE-901D-B78FC8E8E532}" type="slidenum">
               <a:rPr lang="en-US" smtClean="0"/>
               <a:pPr/>
-              <a:t>52</a:t>
+              <a:t>54</a:t>
             </a:fld>
             <a:endParaRPr lang="en-US" dirty="0"/>
           </a:p>
@@ -24972,7 +25833,7 @@
           <a:graphicData uri="http://schemas.openxmlformats.org/presentationml/2006/ole">
             <mc:AlternateContent xmlns:mc="http://schemas.openxmlformats.org/markup-compatibility/2006">
               <mc:Choice xmlns:v="urn:schemas-microsoft-com:vml" Requires="v">
-                <p:oleObj spid="_x0000_s422990" name="Equation" r:id="rId4" imgW="1498600" imgH="457200" progId="Equation.DSMT4">
+                <p:oleObj spid="_x0000_s422993" name="Equation" r:id="rId4" imgW="1498600" imgH="457200" progId="Equation.DSMT4">
                   <p:embed/>
                 </p:oleObj>
               </mc:Choice>
@@ -25215,7 +26076,7 @@
           <a:graphicData uri="http://schemas.openxmlformats.org/presentationml/2006/ole">
             <mc:AlternateContent xmlns:mc="http://schemas.openxmlformats.org/markup-compatibility/2006">
               <mc:Choice xmlns:v="urn:schemas-microsoft-com:vml" Requires="v">
-                <p:oleObj spid="_x0000_s421966" name="Equation" r:id="rId4" imgW="1600200" imgH="457200" progId="Equation.DSMT4">
+                <p:oleObj spid="_x0000_s421969" name="Equation" r:id="rId4" imgW="1600200" imgH="457200" progId="Equation.DSMT4">
                   <p:embed/>
                 </p:oleObj>
               </mc:Choice>
@@ -25574,7 +26435,7 @@
             <a:r>
               <a:rPr lang="en-US" sz="5400" dirty="0" smtClean="0">
                 <a:solidFill>
-                  <a:srgbClr val="FF03E3"/>
+                  <a:srgbClr val="C40025"/>
                 </a:solidFill>
                 <a:latin typeface="Comic Sans MS" pitchFamily="66" charset="0"/>
               </a:rPr>
@@ -25678,7 +26539,7 @@
           <a:graphicData uri="http://schemas.openxmlformats.org/presentationml/2006/ole">
             <mc:AlternateContent xmlns:mc="http://schemas.openxmlformats.org/markup-compatibility/2006">
               <mc:Choice xmlns:v="urn:schemas-microsoft-com:vml" Requires="v">
-                <p:oleObj spid="_x0000_s435264" name="Equation" r:id="rId4" imgW="2108200" imgH="228600" progId="Equation.DSMT4">
+                <p:oleObj spid="_x0000_s435267" name="Equation" r:id="rId4" imgW="2108200" imgH="228600" progId="Equation.DSMT4">
                   <p:embed/>
                 </p:oleObj>
               </mc:Choice>

--- a/spring18/slidesS18/prpostn_algebra.pptx
+++ b/spring18/slidesS18/prpostn_algebra.pptx
@@ -6,10 +6,10 @@
     <p:sldMasterId id="2147483651" r:id="rId2"/>
   </p:sldMasterIdLst>
   <p:notesMasterIdLst>
-    <p:notesMasterId r:id="rId57"/>
+    <p:notesMasterId r:id="rId56"/>
   </p:notesMasterIdLst>
   <p:handoutMasterIdLst>
-    <p:handoutMasterId r:id="rId58"/>
+    <p:handoutMasterId r:id="rId57"/>
   </p:handoutMasterIdLst>
   <p:sldIdLst>
     <p:sldId id="392" r:id="rId3"/>
@@ -39,38 +39,37 @@
     <p:sldId id="521" r:id="rId27"/>
     <p:sldId id="520" r:id="rId28"/>
     <p:sldId id="542" r:id="rId29"/>
-    <p:sldId id="498" r:id="rId30"/>
-    <p:sldId id="561" r:id="rId31"/>
-    <p:sldId id="499" r:id="rId32"/>
-    <p:sldId id="543" r:id="rId33"/>
-    <p:sldId id="556" r:id="rId34"/>
-    <p:sldId id="522" r:id="rId35"/>
-    <p:sldId id="525" r:id="rId36"/>
-    <p:sldId id="547" r:id="rId37"/>
-    <p:sldId id="548" r:id="rId38"/>
-    <p:sldId id="550" r:id="rId39"/>
-    <p:sldId id="535" r:id="rId40"/>
-    <p:sldId id="551" r:id="rId41"/>
-    <p:sldId id="558" r:id="rId42"/>
-    <p:sldId id="560" r:id="rId43"/>
-    <p:sldId id="553" r:id="rId44"/>
-    <p:sldId id="568" r:id="rId45"/>
-    <p:sldId id="566" r:id="rId46"/>
-    <p:sldId id="567" r:id="rId47"/>
-    <p:sldId id="572" r:id="rId48"/>
-    <p:sldId id="557" r:id="rId49"/>
-    <p:sldId id="531" r:id="rId50"/>
-    <p:sldId id="536" r:id="rId51"/>
-    <p:sldId id="537" r:id="rId52"/>
-    <p:sldId id="538" r:id="rId53"/>
-    <p:sldId id="503" r:id="rId54"/>
-    <p:sldId id="523" r:id="rId55"/>
-    <p:sldId id="504" r:id="rId56"/>
+    <p:sldId id="561" r:id="rId30"/>
+    <p:sldId id="499" r:id="rId31"/>
+    <p:sldId id="543" r:id="rId32"/>
+    <p:sldId id="556" r:id="rId33"/>
+    <p:sldId id="522" r:id="rId34"/>
+    <p:sldId id="525" r:id="rId35"/>
+    <p:sldId id="547" r:id="rId36"/>
+    <p:sldId id="548" r:id="rId37"/>
+    <p:sldId id="550" r:id="rId38"/>
+    <p:sldId id="535" r:id="rId39"/>
+    <p:sldId id="551" r:id="rId40"/>
+    <p:sldId id="558" r:id="rId41"/>
+    <p:sldId id="560" r:id="rId42"/>
+    <p:sldId id="553" r:id="rId43"/>
+    <p:sldId id="568" r:id="rId44"/>
+    <p:sldId id="566" r:id="rId45"/>
+    <p:sldId id="567" r:id="rId46"/>
+    <p:sldId id="572" r:id="rId47"/>
+    <p:sldId id="557" r:id="rId48"/>
+    <p:sldId id="531" r:id="rId49"/>
+    <p:sldId id="536" r:id="rId50"/>
+    <p:sldId id="537" r:id="rId51"/>
+    <p:sldId id="538" r:id="rId52"/>
+    <p:sldId id="503" r:id="rId53"/>
+    <p:sldId id="523" r:id="rId54"/>
+    <p:sldId id="504" r:id="rId55"/>
   </p:sldIdLst>
   <p:sldSz cx="9144000" cy="6858000" type="screen4x3"/>
   <p:notesSz cx="9601200" cy="7315200"/>
   <p:custDataLst>
-    <p:tags r:id="rId60"/>
+    <p:tags r:id="rId59"/>
   </p:custDataLst>
   <p:defaultTextStyle>
     <a:defPPr>
@@ -4801,88 +4800,6 @@
               <a:rPr lang="en-US" smtClean="0"/>
               <a:pPr/>
               <a:t>53</a:t>
-            </a:fld>
-            <a:endParaRPr lang="en-US"/>
-          </a:p>
-        </p:txBody>
-      </p:sp>
-    </p:spTree>
-  </p:cSld>
-  <p:clrMapOvr>
-    <a:masterClrMapping/>
-  </p:clrMapOvr>
-</p:notes>
-</file>
-
-<file path=ppt/notesSlides/notesSlide53.xml><?xml version="1.0" encoding="utf-8"?>
-<p:notes xmlns:a="http://schemas.openxmlformats.org/drawingml/2006/main" xmlns:r="http://schemas.openxmlformats.org/officeDocument/2006/relationships" xmlns:p="http://schemas.openxmlformats.org/presentationml/2006/main">
-  <p:cSld>
-    <p:spTree>
-      <p:nvGrpSpPr>
-        <p:cNvPr id="1" name=""/>
-        <p:cNvGrpSpPr/>
-        <p:nvPr/>
-      </p:nvGrpSpPr>
-      <p:grpSpPr>
-        <a:xfrm>
-          <a:off x="0" y="0"/>
-          <a:ext cx="0" cy="0"/>
-          <a:chOff x="0" y="0"/>
-          <a:chExt cx="0" cy="0"/>
-        </a:xfrm>
-      </p:grpSpPr>
-      <p:sp>
-        <p:nvSpPr>
-          <p:cNvPr id="2" name="Slide Image Placeholder 1"/>
-          <p:cNvSpPr>
-            <a:spLocks noGrp="1" noRot="1" noChangeAspect="1"/>
-          </p:cNvSpPr>
-          <p:nvPr>
-            <p:ph type="sldImg"/>
-          </p:nvPr>
-        </p:nvSpPr>
-        <p:spPr/>
-      </p:sp>
-      <p:sp>
-        <p:nvSpPr>
-          <p:cNvPr id="3" name="Notes Placeholder 2"/>
-          <p:cNvSpPr>
-            <a:spLocks noGrp="1"/>
-          </p:cNvSpPr>
-          <p:nvPr>
-            <p:ph type="body" idx="1"/>
-          </p:nvPr>
-        </p:nvSpPr>
-        <p:spPr/>
-        <p:txBody>
-          <a:bodyPr>
-            <a:normAutofit/>
-          </a:bodyPr>
-          <a:lstStyle/>
-          <a:p>
-            <a:endParaRPr lang="en-US"/>
-          </a:p>
-        </p:txBody>
-      </p:sp>
-      <p:sp>
-        <p:nvSpPr>
-          <p:cNvPr id="4" name="Slide Number Placeholder 3"/>
-          <p:cNvSpPr>
-            <a:spLocks noGrp="1"/>
-          </p:cNvSpPr>
-          <p:nvPr>
-            <p:ph type="sldNum" sz="quarter" idx="10"/>
-          </p:nvPr>
-        </p:nvSpPr>
-        <p:spPr/>
-        <p:txBody>
-          <a:bodyPr/>
-          <a:lstStyle/>
-          <a:p>
-            <a:fld id="{A02B9F3F-3042-489F-AF35-1A733968F079}" type="slidenum">
-              <a:rPr lang="en-US" smtClean="0"/>
-              <a:pPr/>
-              <a:t>54</a:t>
             </a:fld>
             <a:endParaRPr lang="en-US"/>
           </a:p>
@@ -9390,7 +9307,7 @@
           <p:nvPr>
             <p:extLst>
               <p:ext uri="{D42A27DB-BD31-4B8C-83A1-F6EECF244321}">
-                <p14:modId xmlns:p14="http://schemas.microsoft.com/office/powerpoint/2010/main" val="2381420334"/>
+                <p14:modId xmlns:p14="http://schemas.microsoft.com/office/powerpoint/2010/main" val="316951783"/>
               </p:ext>
             </p:extLst>
           </p:nvPr>
@@ -9403,7 +9320,7 @@
           <a:graphicData uri="http://schemas.openxmlformats.org/presentationml/2006/ole">
             <mc:AlternateContent xmlns:mc="http://schemas.openxmlformats.org/markup-compatibility/2006">
               <mc:Choice xmlns:v="urn:schemas-microsoft-com:vml" Requires="v">
-                <p:oleObj spid="_x0000_s439364" name="Equation" r:id="rId4" imgW="2146300" imgH="228600" progId="Equation.DSMT4">
+                <p:oleObj spid="_x0000_s439372" name="Equation" r:id="rId4" imgW="2146300" imgH="228600" progId="Equation.DSMT4">
                   <p:embed/>
                 </p:oleObj>
               </mc:Choice>
@@ -9506,8 +9423,8 @@
         </p:nvSpPr>
         <p:spPr>
           <a:xfrm>
-            <a:off x="1701800" y="363538"/>
-            <a:ext cx="6794500" cy="1003300"/>
+            <a:off x="1701799" y="363538"/>
+            <a:ext cx="7163165" cy="983369"/>
           </a:xfrm>
         </p:spPr>
         <p:txBody>
@@ -9516,7 +9433,21 @@
           <a:p>
             <a:r>
               <a:rPr lang="en-US" sz="4000" dirty="0" smtClean="0"/>
-              <a:t>Get Sum of Products</a:t>
+              <a:t>move </a:t>
+            </a:r>
+            <a:r>
+              <a:rPr lang="en-US" sz="4000" dirty="0" smtClean="0">
+                <a:solidFill>
+                  <a:schemeClr val="accent1">
+                    <a:lumMod val="50000"/>
+                  </a:schemeClr>
+                </a:solidFill>
+              </a:rPr>
+              <a:t>NOT</a:t>
+            </a:r>
+            <a:r>
+              <a:rPr lang="en-US" sz="4000" dirty="0" smtClean="0"/>
+              <a:t>s down to literals</a:t>
             </a:r>
             <a:endParaRPr lang="en-US" sz="4000" dirty="0"/>
           </a:p>
@@ -9547,9 +9478,88 @@
   <p:timing>
     <p:tnLst>
       <p:par>
-        <p:cTn xmlns:p14="http://schemas.microsoft.com/office/powerpoint/2010/main" id="1" dur="indefinite" restart="never" nodeType="tmRoot"/>
+        <p:cTn xmlns:p14="http://schemas.microsoft.com/office/powerpoint/2010/main" id="1" dur="indefinite" restart="never" nodeType="tmRoot">
+          <p:childTnLst>
+            <p:seq concurrent="1" nextAc="seek">
+              <p:cTn id="2" dur="indefinite" nodeType="mainSeq">
+                <p:childTnLst>
+                  <p:par>
+                    <p:cTn id="3" fill="hold">
+                      <p:stCondLst>
+                        <p:cond delay="indefinite"/>
+                      </p:stCondLst>
+                      <p:childTnLst>
+                        <p:par>
+                          <p:cTn id="4" fill="hold">
+                            <p:stCondLst>
+                              <p:cond delay="0"/>
+                            </p:stCondLst>
+                            <p:childTnLst>
+                              <p:par>
+                                <p:cTn id="5" presetID="10" presetClass="entr" presetSubtype="0" fill="hold" grpId="0" nodeType="clickEffect">
+                                  <p:stCondLst>
+                                    <p:cond delay="0"/>
+                                  </p:stCondLst>
+                                  <p:childTnLst>
+                                    <p:set>
+                                      <p:cBhvr>
+                                        <p:cTn id="6" dur="1" fill="hold">
+                                          <p:stCondLst>
+                                            <p:cond delay="0"/>
+                                          </p:stCondLst>
+                                        </p:cTn>
+                                        <p:tgtEl>
+                                          <p:spTgt spid="11"/>
+                                        </p:tgtEl>
+                                        <p:attrNameLst>
+                                          <p:attrName>style.visibility</p:attrName>
+                                        </p:attrNameLst>
+                                      </p:cBhvr>
+                                      <p:to>
+                                        <p:strVal val="visible"/>
+                                      </p:to>
+                                    </p:set>
+                                    <p:animEffect transition="in" filter="fade">
+                                      <p:cBhvr>
+                                        <p:cTn id="7" dur="500"/>
+                                        <p:tgtEl>
+                                          <p:spTgt spid="11"/>
+                                        </p:tgtEl>
+                                      </p:cBhvr>
+                                    </p:animEffect>
+                                  </p:childTnLst>
+                                </p:cTn>
+                              </p:par>
+                            </p:childTnLst>
+                          </p:cTn>
+                        </p:par>
+                      </p:childTnLst>
+                    </p:cTn>
+                  </p:par>
+                </p:childTnLst>
+              </p:cTn>
+              <p:prevCondLst>
+                <p:cond evt="onPrev" delay="0">
+                  <p:tgtEl>
+                    <p:sldTgt/>
+                  </p:tgtEl>
+                </p:cond>
+              </p:prevCondLst>
+              <p:nextCondLst>
+                <p:cond evt="onNext" delay="0">
+                  <p:tgtEl>
+                    <p:sldTgt/>
+                  </p:tgtEl>
+                </p:cond>
+              </p:nextCondLst>
+            </p:seq>
+          </p:childTnLst>
+        </p:cTn>
       </p:par>
     </p:tnLst>
+    <p:bldLst>
+      <p:bldP spid="11" grpId=